--- a/AI-ML-DL/Machine Learning.pptx
+++ b/AI-ML-DL/Machine Learning.pptx
@@ -124,6 +124,14 @@
 </p:presentation>
 </file>
 
+<file path=ppt/revisionInfo.xml><?xml version="1.0" encoding="utf-8"?>
+<p1510:revInfo xmlns:a="http://schemas.openxmlformats.org/drawingml/2006/main" xmlns:r="http://schemas.openxmlformats.org/officeDocument/2006/relationships" xmlns:p1510="http://schemas.microsoft.com/office/powerpoint/2015/10/main">
+  <p1510:revLst>
+    <p1510:client id="{89DA8488-ACE5-484D-BE4B-18A06F08A211}" v="4" dt="2020-06-07T14:27:25.301"/>
+  </p1510:revLst>
+</p1510:revInfo>
+</file>
+
 <file path=ppt/notesMasters/notesMaster1.xml><?xml version="1.0" encoding="utf-8"?>
 <p:notesMaster xmlns:a="http://schemas.openxmlformats.org/drawingml/2006/main" xmlns:r="http://schemas.openxmlformats.org/officeDocument/2006/relationships" xmlns:p="http://schemas.openxmlformats.org/presentationml/2006/main">
   <p:cSld>
@@ -206,7 +214,7 @@
           <a:p>
             <a:fld id="{1E5BB661-8884-4460-B9ED-FD0D9BF054C6}" type="datetimeFigureOut">
               <a:rPr lang="en-US" smtClean="0"/>
-              <a:t>6/6/2020</a:t>
+              <a:t>6/7/2020</a:t>
             </a:fld>
             <a:endParaRPr lang="en-US"/>
           </a:p>
@@ -270,38 +278,37 @@
           <a:p>
             <a:pPr lvl="0"/>
             <a:r>
-              <a:rPr lang="en-US" smtClean="0"/>
+              <a:rPr lang="en-US"/>
               <a:t>Edit Master text styles</a:t>
             </a:r>
           </a:p>
           <a:p>
             <a:pPr lvl="1"/>
             <a:r>
-              <a:rPr lang="en-US" smtClean="0"/>
+              <a:rPr lang="en-US"/>
               <a:t>Second level</a:t>
             </a:r>
           </a:p>
           <a:p>
             <a:pPr lvl="2"/>
             <a:r>
-              <a:rPr lang="en-US" smtClean="0"/>
+              <a:rPr lang="en-US"/>
               <a:t>Third level</a:t>
             </a:r>
           </a:p>
           <a:p>
             <a:pPr lvl="3"/>
             <a:r>
-              <a:rPr lang="en-US" smtClean="0"/>
+              <a:rPr lang="en-US"/>
               <a:t>Fourth level</a:t>
             </a:r>
           </a:p>
           <a:p>
             <a:pPr lvl="4"/>
             <a:r>
-              <a:rPr lang="en-US" smtClean="0"/>
+              <a:rPr lang="en-US"/>
               <a:t>Fifth level</a:t>
             </a:r>
-            <a:endParaRPr lang="en-US"/>
           </a:p>
         </p:txBody>
       </p:sp>
@@ -519,12 +526,12 @@
           <a:lstStyle/>
           <a:p>
             <a:r>
-              <a:rPr lang="en-US" dirty="0" smtClean="0">
+              <a:rPr lang="en-US" dirty="0">
                 <a:hlinkClick r:id="rId3"/>
               </a:rPr>
               <a:t>https://www.youtube.com/watch?v=GwIo3gDZCVQ</a:t>
             </a:r>
-            <a:endParaRPr lang="en-US" dirty="0" smtClean="0"/>
+            <a:endParaRPr lang="en-US" dirty="0"/>
           </a:p>
           <a:p>
             <a:endParaRPr lang="en-US" dirty="0"/>
@@ -609,10 +616,9 @@
           </a:lstStyle>
           <a:p>
             <a:r>
-              <a:rPr lang="en-US" smtClean="0"/>
+              <a:rPr lang="en-US"/>
               <a:t>Click to edit Master title style</a:t>
             </a:r>
-            <a:endParaRPr lang="en-US"/>
           </a:p>
         </p:txBody>
       </p:sp>
@@ -674,10 +680,9 @@
           </a:lstStyle>
           <a:p>
             <a:r>
-              <a:rPr lang="en-US" smtClean="0"/>
+              <a:rPr lang="en-US"/>
               <a:t>Click to edit Master subtitle style</a:t>
             </a:r>
-            <a:endParaRPr lang="en-US"/>
           </a:p>
         </p:txBody>
       </p:sp>
@@ -698,7 +703,7 @@
           <a:p>
             <a:fld id="{99CA405F-FDE6-4D37-9F47-E73AA25D91EF}" type="datetimeFigureOut">
               <a:rPr lang="en-US" smtClean="0"/>
-              <a:t>6/6/2020</a:t>
+              <a:t>6/7/2020</a:t>
             </a:fld>
             <a:endParaRPr lang="en-US"/>
           </a:p>
@@ -792,10 +797,9 @@
           <a:lstStyle/>
           <a:p>
             <a:r>
-              <a:rPr lang="en-US" smtClean="0"/>
+              <a:rPr lang="en-US"/>
               <a:t>Click to edit Master title style</a:t>
             </a:r>
-            <a:endParaRPr lang="en-US"/>
           </a:p>
         </p:txBody>
       </p:sp>
@@ -816,38 +820,37 @@
           <a:p>
             <a:pPr lvl="0"/>
             <a:r>
-              <a:rPr lang="en-US" smtClean="0"/>
+              <a:rPr lang="en-US"/>
               <a:t>Edit Master text styles</a:t>
             </a:r>
           </a:p>
           <a:p>
             <a:pPr lvl="1"/>
             <a:r>
-              <a:rPr lang="en-US" smtClean="0"/>
+              <a:rPr lang="en-US"/>
               <a:t>Second level</a:t>
             </a:r>
           </a:p>
           <a:p>
             <a:pPr lvl="2"/>
             <a:r>
-              <a:rPr lang="en-US" smtClean="0"/>
+              <a:rPr lang="en-US"/>
               <a:t>Third level</a:t>
             </a:r>
           </a:p>
           <a:p>
             <a:pPr lvl="3"/>
             <a:r>
-              <a:rPr lang="en-US" smtClean="0"/>
+              <a:rPr lang="en-US"/>
               <a:t>Fourth level</a:t>
             </a:r>
           </a:p>
           <a:p>
             <a:pPr lvl="4"/>
             <a:r>
-              <a:rPr lang="en-US" smtClean="0"/>
+              <a:rPr lang="en-US"/>
               <a:t>Fifth level</a:t>
             </a:r>
-            <a:endParaRPr lang="en-US"/>
           </a:p>
         </p:txBody>
       </p:sp>
@@ -868,7 +871,7 @@
           <a:p>
             <a:fld id="{99CA405F-FDE6-4D37-9F47-E73AA25D91EF}" type="datetimeFigureOut">
               <a:rPr lang="en-US" smtClean="0"/>
-              <a:t>6/6/2020</a:t>
+              <a:t>6/7/2020</a:t>
             </a:fld>
             <a:endParaRPr lang="en-US"/>
           </a:p>
@@ -967,10 +970,9 @@
           <a:lstStyle/>
           <a:p>
             <a:r>
-              <a:rPr lang="en-US" smtClean="0"/>
+              <a:rPr lang="en-US"/>
               <a:t>Click to edit Master title style</a:t>
             </a:r>
-            <a:endParaRPr lang="en-US"/>
           </a:p>
         </p:txBody>
       </p:sp>
@@ -996,38 +998,37 @@
           <a:p>
             <a:pPr lvl="0"/>
             <a:r>
-              <a:rPr lang="en-US" smtClean="0"/>
+              <a:rPr lang="en-US"/>
               <a:t>Edit Master text styles</a:t>
             </a:r>
           </a:p>
           <a:p>
             <a:pPr lvl="1"/>
             <a:r>
-              <a:rPr lang="en-US" smtClean="0"/>
+              <a:rPr lang="en-US"/>
               <a:t>Second level</a:t>
             </a:r>
           </a:p>
           <a:p>
             <a:pPr lvl="2"/>
             <a:r>
-              <a:rPr lang="en-US" smtClean="0"/>
+              <a:rPr lang="en-US"/>
               <a:t>Third level</a:t>
             </a:r>
           </a:p>
           <a:p>
             <a:pPr lvl="3"/>
             <a:r>
-              <a:rPr lang="en-US" smtClean="0"/>
+              <a:rPr lang="en-US"/>
               <a:t>Fourth level</a:t>
             </a:r>
           </a:p>
           <a:p>
             <a:pPr lvl="4"/>
             <a:r>
-              <a:rPr lang="en-US" smtClean="0"/>
+              <a:rPr lang="en-US"/>
               <a:t>Fifth level</a:t>
             </a:r>
-            <a:endParaRPr lang="en-US"/>
           </a:p>
         </p:txBody>
       </p:sp>
@@ -1048,7 +1049,7 @@
           <a:p>
             <a:fld id="{99CA405F-FDE6-4D37-9F47-E73AA25D91EF}" type="datetimeFigureOut">
               <a:rPr lang="en-US" smtClean="0"/>
-              <a:t>6/6/2020</a:t>
+              <a:t>6/7/2020</a:t>
             </a:fld>
             <a:endParaRPr lang="en-US"/>
           </a:p>
@@ -1142,10 +1143,9 @@
           <a:lstStyle/>
           <a:p>
             <a:r>
-              <a:rPr lang="en-US" smtClean="0"/>
+              <a:rPr lang="en-US"/>
               <a:t>Click to edit Master title style</a:t>
             </a:r>
-            <a:endParaRPr lang="en-US"/>
           </a:p>
         </p:txBody>
       </p:sp>
@@ -1166,38 +1166,37 @@
           <a:p>
             <a:pPr lvl="0"/>
             <a:r>
-              <a:rPr lang="en-US" smtClean="0"/>
+              <a:rPr lang="en-US"/>
               <a:t>Edit Master text styles</a:t>
             </a:r>
           </a:p>
           <a:p>
             <a:pPr lvl="1"/>
             <a:r>
-              <a:rPr lang="en-US" smtClean="0"/>
+              <a:rPr lang="en-US"/>
               <a:t>Second level</a:t>
             </a:r>
           </a:p>
           <a:p>
             <a:pPr lvl="2"/>
             <a:r>
-              <a:rPr lang="en-US" smtClean="0"/>
+              <a:rPr lang="en-US"/>
               <a:t>Third level</a:t>
             </a:r>
           </a:p>
           <a:p>
             <a:pPr lvl="3"/>
             <a:r>
-              <a:rPr lang="en-US" smtClean="0"/>
+              <a:rPr lang="en-US"/>
               <a:t>Fourth level</a:t>
             </a:r>
           </a:p>
           <a:p>
             <a:pPr lvl="4"/>
             <a:r>
-              <a:rPr lang="en-US" smtClean="0"/>
+              <a:rPr lang="en-US"/>
               <a:t>Fifth level</a:t>
             </a:r>
-            <a:endParaRPr lang="en-US"/>
           </a:p>
         </p:txBody>
       </p:sp>
@@ -1218,7 +1217,7 @@
           <a:p>
             <a:fld id="{99CA405F-FDE6-4D37-9F47-E73AA25D91EF}" type="datetimeFigureOut">
               <a:rPr lang="en-US" smtClean="0"/>
-              <a:t>6/6/2020</a:t>
+              <a:t>6/7/2020</a:t>
             </a:fld>
             <a:endParaRPr lang="en-US"/>
           </a:p>
@@ -1321,10 +1320,9 @@
           </a:lstStyle>
           <a:p>
             <a:r>
-              <a:rPr lang="en-US" smtClean="0"/>
+              <a:rPr lang="en-US"/>
               <a:t>Click to edit Master title style</a:t>
             </a:r>
-            <a:endParaRPr lang="en-US"/>
           </a:p>
         </p:txBody>
       </p:sp>
@@ -1441,7 +1439,7 @@
           <a:p>
             <a:pPr lvl="0"/>
             <a:r>
-              <a:rPr lang="en-US" smtClean="0"/>
+              <a:rPr lang="en-US"/>
               <a:t>Edit Master text styles</a:t>
             </a:r>
           </a:p>
@@ -1464,7 +1462,7 @@
           <a:p>
             <a:fld id="{99CA405F-FDE6-4D37-9F47-E73AA25D91EF}" type="datetimeFigureOut">
               <a:rPr lang="en-US" smtClean="0"/>
-              <a:t>6/6/2020</a:t>
+              <a:t>6/7/2020</a:t>
             </a:fld>
             <a:endParaRPr lang="en-US"/>
           </a:p>
@@ -1558,10 +1556,9 @@
           <a:lstStyle/>
           <a:p>
             <a:r>
-              <a:rPr lang="en-US" smtClean="0"/>
+              <a:rPr lang="en-US"/>
               <a:t>Click to edit Master title style</a:t>
             </a:r>
-            <a:endParaRPr lang="en-US"/>
           </a:p>
         </p:txBody>
       </p:sp>
@@ -1587,38 +1584,37 @@
           <a:p>
             <a:pPr lvl="0"/>
             <a:r>
-              <a:rPr lang="en-US" smtClean="0"/>
+              <a:rPr lang="en-US"/>
               <a:t>Edit Master text styles</a:t>
             </a:r>
           </a:p>
           <a:p>
             <a:pPr lvl="1"/>
             <a:r>
-              <a:rPr lang="en-US" smtClean="0"/>
+              <a:rPr lang="en-US"/>
               <a:t>Second level</a:t>
             </a:r>
           </a:p>
           <a:p>
             <a:pPr lvl="2"/>
             <a:r>
-              <a:rPr lang="en-US" smtClean="0"/>
+              <a:rPr lang="en-US"/>
               <a:t>Third level</a:t>
             </a:r>
           </a:p>
           <a:p>
             <a:pPr lvl="3"/>
             <a:r>
-              <a:rPr lang="en-US" smtClean="0"/>
+              <a:rPr lang="en-US"/>
               <a:t>Fourth level</a:t>
             </a:r>
           </a:p>
           <a:p>
             <a:pPr lvl="4"/>
             <a:r>
-              <a:rPr lang="en-US" smtClean="0"/>
+              <a:rPr lang="en-US"/>
               <a:t>Fifth level</a:t>
             </a:r>
-            <a:endParaRPr lang="en-US"/>
           </a:p>
         </p:txBody>
       </p:sp>
@@ -1644,38 +1640,37 @@
           <a:p>
             <a:pPr lvl="0"/>
             <a:r>
-              <a:rPr lang="en-US" smtClean="0"/>
+              <a:rPr lang="en-US"/>
               <a:t>Edit Master text styles</a:t>
             </a:r>
           </a:p>
           <a:p>
             <a:pPr lvl="1"/>
             <a:r>
-              <a:rPr lang="en-US" smtClean="0"/>
+              <a:rPr lang="en-US"/>
               <a:t>Second level</a:t>
             </a:r>
           </a:p>
           <a:p>
             <a:pPr lvl="2"/>
             <a:r>
-              <a:rPr lang="en-US" smtClean="0"/>
+              <a:rPr lang="en-US"/>
               <a:t>Third level</a:t>
             </a:r>
           </a:p>
           <a:p>
             <a:pPr lvl="3"/>
             <a:r>
-              <a:rPr lang="en-US" smtClean="0"/>
+              <a:rPr lang="en-US"/>
               <a:t>Fourth level</a:t>
             </a:r>
           </a:p>
           <a:p>
             <a:pPr lvl="4"/>
             <a:r>
-              <a:rPr lang="en-US" smtClean="0"/>
+              <a:rPr lang="en-US"/>
               <a:t>Fifth level</a:t>
             </a:r>
-            <a:endParaRPr lang="en-US"/>
           </a:p>
         </p:txBody>
       </p:sp>
@@ -1696,7 +1691,7 @@
           <a:p>
             <a:fld id="{99CA405F-FDE6-4D37-9F47-E73AA25D91EF}" type="datetimeFigureOut">
               <a:rPr lang="en-US" smtClean="0"/>
-              <a:t>6/6/2020</a:t>
+              <a:t>6/7/2020</a:t>
             </a:fld>
             <a:endParaRPr lang="en-US"/>
           </a:p>
@@ -1795,10 +1790,9 @@
           <a:lstStyle/>
           <a:p>
             <a:r>
-              <a:rPr lang="en-US" smtClean="0"/>
+              <a:rPr lang="en-US"/>
               <a:t>Click to edit Master title style</a:t>
             </a:r>
-            <a:endParaRPr lang="en-US"/>
           </a:p>
         </p:txBody>
       </p:sp>
@@ -1861,7 +1855,7 @@
           <a:p>
             <a:pPr lvl="0"/>
             <a:r>
-              <a:rPr lang="en-US" smtClean="0"/>
+              <a:rPr lang="en-US"/>
               <a:t>Edit Master text styles</a:t>
             </a:r>
           </a:p>
@@ -1889,38 +1883,37 @@
           <a:p>
             <a:pPr lvl="0"/>
             <a:r>
-              <a:rPr lang="en-US" smtClean="0"/>
+              <a:rPr lang="en-US"/>
               <a:t>Edit Master text styles</a:t>
             </a:r>
           </a:p>
           <a:p>
             <a:pPr lvl="1"/>
             <a:r>
-              <a:rPr lang="en-US" smtClean="0"/>
+              <a:rPr lang="en-US"/>
               <a:t>Second level</a:t>
             </a:r>
           </a:p>
           <a:p>
             <a:pPr lvl="2"/>
             <a:r>
-              <a:rPr lang="en-US" smtClean="0"/>
+              <a:rPr lang="en-US"/>
               <a:t>Third level</a:t>
             </a:r>
           </a:p>
           <a:p>
             <a:pPr lvl="3"/>
             <a:r>
-              <a:rPr lang="en-US" smtClean="0"/>
+              <a:rPr lang="en-US"/>
               <a:t>Fourth level</a:t>
             </a:r>
           </a:p>
           <a:p>
             <a:pPr lvl="4"/>
             <a:r>
-              <a:rPr lang="en-US" smtClean="0"/>
+              <a:rPr lang="en-US"/>
               <a:t>Fifth level</a:t>
             </a:r>
-            <a:endParaRPr lang="en-US"/>
           </a:p>
         </p:txBody>
       </p:sp>
@@ -1983,7 +1976,7 @@
           <a:p>
             <a:pPr lvl="0"/>
             <a:r>
-              <a:rPr lang="en-US" smtClean="0"/>
+              <a:rPr lang="en-US"/>
               <a:t>Edit Master text styles</a:t>
             </a:r>
           </a:p>
@@ -2011,38 +2004,37 @@
           <a:p>
             <a:pPr lvl="0"/>
             <a:r>
-              <a:rPr lang="en-US" smtClean="0"/>
+              <a:rPr lang="en-US"/>
               <a:t>Edit Master text styles</a:t>
             </a:r>
           </a:p>
           <a:p>
             <a:pPr lvl="1"/>
             <a:r>
-              <a:rPr lang="en-US" smtClean="0"/>
+              <a:rPr lang="en-US"/>
               <a:t>Second level</a:t>
             </a:r>
           </a:p>
           <a:p>
             <a:pPr lvl="2"/>
             <a:r>
-              <a:rPr lang="en-US" smtClean="0"/>
+              <a:rPr lang="en-US"/>
               <a:t>Third level</a:t>
             </a:r>
           </a:p>
           <a:p>
             <a:pPr lvl="3"/>
             <a:r>
-              <a:rPr lang="en-US" smtClean="0"/>
+              <a:rPr lang="en-US"/>
               <a:t>Fourth level</a:t>
             </a:r>
           </a:p>
           <a:p>
             <a:pPr lvl="4"/>
             <a:r>
-              <a:rPr lang="en-US" smtClean="0"/>
+              <a:rPr lang="en-US"/>
               <a:t>Fifth level</a:t>
             </a:r>
-            <a:endParaRPr lang="en-US"/>
           </a:p>
         </p:txBody>
       </p:sp>
@@ -2063,7 +2055,7 @@
           <a:p>
             <a:fld id="{99CA405F-FDE6-4D37-9F47-E73AA25D91EF}" type="datetimeFigureOut">
               <a:rPr lang="en-US" smtClean="0"/>
-              <a:t>6/6/2020</a:t>
+              <a:t>6/7/2020</a:t>
             </a:fld>
             <a:endParaRPr lang="en-US"/>
           </a:p>
@@ -2157,10 +2149,9 @@
           <a:lstStyle/>
           <a:p>
             <a:r>
-              <a:rPr lang="en-US" smtClean="0"/>
+              <a:rPr lang="en-US"/>
               <a:t>Click to edit Master title style</a:t>
             </a:r>
-            <a:endParaRPr lang="en-US"/>
           </a:p>
         </p:txBody>
       </p:sp>
@@ -2181,7 +2172,7 @@
           <a:p>
             <a:fld id="{99CA405F-FDE6-4D37-9F47-E73AA25D91EF}" type="datetimeFigureOut">
               <a:rPr lang="en-US" smtClean="0"/>
-              <a:t>6/6/2020</a:t>
+              <a:t>6/7/2020</a:t>
             </a:fld>
             <a:endParaRPr lang="en-US"/>
           </a:p>
@@ -2276,7 +2267,7 @@
           <a:p>
             <a:fld id="{99CA405F-FDE6-4D37-9F47-E73AA25D91EF}" type="datetimeFigureOut">
               <a:rPr lang="en-US" smtClean="0"/>
-              <a:t>6/6/2020</a:t>
+              <a:t>6/7/2020</a:t>
             </a:fld>
             <a:endParaRPr lang="en-US"/>
           </a:p>
@@ -2379,10 +2370,9 @@
           </a:lstStyle>
           <a:p>
             <a:r>
-              <a:rPr lang="en-US" smtClean="0"/>
+              <a:rPr lang="en-US"/>
               <a:t>Click to edit Master title style</a:t>
             </a:r>
-            <a:endParaRPr lang="en-US"/>
           </a:p>
         </p:txBody>
       </p:sp>
@@ -2436,38 +2426,37 @@
           <a:p>
             <a:pPr lvl="0"/>
             <a:r>
-              <a:rPr lang="en-US" smtClean="0"/>
+              <a:rPr lang="en-US"/>
               <a:t>Edit Master text styles</a:t>
             </a:r>
           </a:p>
           <a:p>
             <a:pPr lvl="1"/>
             <a:r>
-              <a:rPr lang="en-US" smtClean="0"/>
+              <a:rPr lang="en-US"/>
               <a:t>Second level</a:t>
             </a:r>
           </a:p>
           <a:p>
             <a:pPr lvl="2"/>
             <a:r>
-              <a:rPr lang="en-US" smtClean="0"/>
+              <a:rPr lang="en-US"/>
               <a:t>Third level</a:t>
             </a:r>
           </a:p>
           <a:p>
             <a:pPr lvl="3"/>
             <a:r>
-              <a:rPr lang="en-US" smtClean="0"/>
+              <a:rPr lang="en-US"/>
               <a:t>Fourth level</a:t>
             </a:r>
           </a:p>
           <a:p>
             <a:pPr lvl="4"/>
             <a:r>
-              <a:rPr lang="en-US" smtClean="0"/>
+              <a:rPr lang="en-US"/>
               <a:t>Fifth level</a:t>
             </a:r>
-            <a:endParaRPr lang="en-US"/>
           </a:p>
         </p:txBody>
       </p:sp>
@@ -2530,7 +2519,7 @@
           <a:p>
             <a:pPr lvl="0"/>
             <a:r>
-              <a:rPr lang="en-US" smtClean="0"/>
+              <a:rPr lang="en-US"/>
               <a:t>Edit Master text styles</a:t>
             </a:r>
           </a:p>
@@ -2553,7 +2542,7 @@
           <a:p>
             <a:fld id="{99CA405F-FDE6-4D37-9F47-E73AA25D91EF}" type="datetimeFigureOut">
               <a:rPr lang="en-US" smtClean="0"/>
-              <a:t>6/6/2020</a:t>
+              <a:t>6/7/2020</a:t>
             </a:fld>
             <a:endParaRPr lang="en-US"/>
           </a:p>
@@ -2656,10 +2645,9 @@
           </a:lstStyle>
           <a:p>
             <a:r>
-              <a:rPr lang="en-US" smtClean="0"/>
+              <a:rPr lang="en-US"/>
               <a:t>Click to edit Master title style</a:t>
             </a:r>
-            <a:endParaRPr lang="en-US"/>
           </a:p>
         </p:txBody>
       </p:sp>
@@ -2783,7 +2771,7 @@
           <a:p>
             <a:pPr lvl="0"/>
             <a:r>
-              <a:rPr lang="en-US" smtClean="0"/>
+              <a:rPr lang="en-US"/>
               <a:t>Edit Master text styles</a:t>
             </a:r>
           </a:p>
@@ -2806,7 +2794,7 @@
           <a:p>
             <a:fld id="{99CA405F-FDE6-4D37-9F47-E73AA25D91EF}" type="datetimeFigureOut">
               <a:rPr lang="en-US" smtClean="0"/>
-              <a:t>6/6/2020</a:t>
+              <a:t>6/7/2020</a:t>
             </a:fld>
             <a:endParaRPr lang="en-US"/>
           </a:p>
@@ -2915,10 +2903,9 @@
           <a:lstStyle/>
           <a:p>
             <a:r>
-              <a:rPr lang="en-US" smtClean="0"/>
+              <a:rPr lang="en-US"/>
               <a:t>Click to edit Master title style</a:t>
             </a:r>
-            <a:endParaRPr lang="en-US"/>
           </a:p>
         </p:txBody>
       </p:sp>
@@ -2949,38 +2936,37 @@
           <a:p>
             <a:pPr lvl="0"/>
             <a:r>
-              <a:rPr lang="en-US" smtClean="0"/>
+              <a:rPr lang="en-US"/>
               <a:t>Edit Master text styles</a:t>
             </a:r>
           </a:p>
           <a:p>
             <a:pPr lvl="1"/>
             <a:r>
-              <a:rPr lang="en-US" smtClean="0"/>
+              <a:rPr lang="en-US"/>
               <a:t>Second level</a:t>
             </a:r>
           </a:p>
           <a:p>
             <a:pPr lvl="2"/>
             <a:r>
-              <a:rPr lang="en-US" smtClean="0"/>
+              <a:rPr lang="en-US"/>
               <a:t>Third level</a:t>
             </a:r>
           </a:p>
           <a:p>
             <a:pPr lvl="3"/>
             <a:r>
-              <a:rPr lang="en-US" smtClean="0"/>
+              <a:rPr lang="en-US"/>
               <a:t>Fourth level</a:t>
             </a:r>
           </a:p>
           <a:p>
             <a:pPr lvl="4"/>
             <a:r>
-              <a:rPr lang="en-US" smtClean="0"/>
+              <a:rPr lang="en-US"/>
               <a:t>Fifth level</a:t>
             </a:r>
-            <a:endParaRPr lang="en-US"/>
           </a:p>
         </p:txBody>
       </p:sp>
@@ -3019,7 +3005,7 @@
           <a:p>
             <a:fld id="{99CA405F-FDE6-4D37-9F47-E73AA25D91EF}" type="datetimeFigureOut">
               <a:rPr lang="en-US" smtClean="0"/>
-              <a:t>6/6/2020</a:t>
+              <a:t>6/7/2020</a:t>
             </a:fld>
             <a:endParaRPr lang="en-US"/>
           </a:p>
@@ -3440,10 +3426,9 @@
           <a:lstStyle/>
           <a:p>
             <a:r>
-              <a:rPr lang="en-US" dirty="0" smtClean="0"/>
+              <a:rPr lang="en-US" dirty="0"/>
               <a:t>Machine Learning</a:t>
             </a:r>
-            <a:endParaRPr lang="en-US" dirty="0"/>
           </a:p>
         </p:txBody>
       </p:sp>
@@ -3463,10 +3448,9 @@
           <a:lstStyle/>
           <a:p>
             <a:r>
-              <a:rPr lang="en-US" dirty="0" smtClean="0"/>
+              <a:rPr lang="en-US" dirty="0"/>
               <a:t>Instructor</a:t>
             </a:r>
-            <a:endParaRPr lang="en-US" dirty="0"/>
           </a:p>
         </p:txBody>
       </p:sp>
@@ -3534,136 +3518,79 @@
               <a:rPr lang="en-US" sz="6200" dirty="0"/>
               <a:t>The Bellman Equation </a:t>
             </a:r>
-            <a:endParaRPr lang="en-US" sz="6200" dirty="0" smtClean="0"/>
-          </a:p>
-          <a:p>
-            <a:pPr algn="l"/>
-            <a:r>
-              <a:rPr lang="en-US" sz="6200" dirty="0" smtClean="0"/>
-              <a:t>Transitioning </a:t>
-            </a:r>
-            <a:r>
-              <a:rPr lang="en-US" sz="6200" dirty="0"/>
-              <a:t>to </a:t>
-            </a:r>
-            <a:r>
-              <a:rPr lang="en-US" sz="6200" dirty="0" smtClean="0"/>
-              <a:t>Q-Learning</a:t>
-            </a:r>
-          </a:p>
-          <a:p>
-            <a:pPr algn="l"/>
-            <a:r>
-              <a:rPr lang="en-US" sz="6200" dirty="0" smtClean="0"/>
-              <a:t>Implementing </a:t>
-            </a:r>
-            <a:r>
-              <a:rPr lang="en-US" sz="6200" dirty="0"/>
-              <a:t>Q-Learning </a:t>
-            </a:r>
-            <a:endParaRPr lang="en-US" sz="6200" dirty="0" smtClean="0"/>
-          </a:p>
-          <a:p>
-            <a:pPr algn="l"/>
-            <a:endParaRPr lang="en-US" sz="6200" dirty="0" smtClean="0"/>
-          </a:p>
-          <a:p>
-            <a:pPr algn="l"/>
-            <a:r>
-              <a:rPr lang="en-US" sz="6200" dirty="0" smtClean="0"/>
-              <a:t>Machine </a:t>
-            </a:r>
-            <a:r>
-              <a:rPr lang="en-US" sz="6200" dirty="0"/>
-              <a:t>Learning Projects </a:t>
-            </a:r>
-            <a:endParaRPr lang="en-US" sz="6200" dirty="0" smtClean="0"/>
-          </a:p>
-          <a:p>
-            <a:pPr algn="l"/>
-            <a:r>
-              <a:rPr lang="en-US" sz="6200" dirty="0" smtClean="0"/>
-              <a:t>Who </a:t>
-            </a:r>
-            <a:r>
-              <a:rPr lang="en-US" sz="6200" dirty="0"/>
-              <a:t>is a ML Engineer? </a:t>
-            </a:r>
-            <a:endParaRPr lang="en-US" sz="6200" dirty="0" smtClean="0"/>
-          </a:p>
-          <a:p>
-            <a:pPr algn="l"/>
-            <a:r>
-              <a:rPr lang="en-US" sz="6200" dirty="0" smtClean="0"/>
-              <a:t>ML </a:t>
-            </a:r>
-            <a:r>
-              <a:rPr lang="en-US" sz="6200" dirty="0"/>
-              <a:t>Engineer Job Trends </a:t>
-            </a:r>
-            <a:endParaRPr lang="en-US" sz="6200" dirty="0" smtClean="0"/>
-          </a:p>
-          <a:p>
-            <a:pPr algn="l"/>
-            <a:r>
-              <a:rPr lang="en-US" sz="6200" dirty="0" smtClean="0"/>
-              <a:t>ML </a:t>
-            </a:r>
-            <a:r>
-              <a:rPr lang="en-US" sz="6200" dirty="0"/>
-              <a:t>Engineer Salary Trends </a:t>
-            </a:r>
-            <a:endParaRPr lang="en-US" sz="6200" dirty="0" smtClean="0"/>
-          </a:p>
-          <a:p>
-            <a:pPr algn="l"/>
-            <a:r>
-              <a:rPr lang="en-US" sz="6200" dirty="0" smtClean="0"/>
-              <a:t>ML </a:t>
-            </a:r>
-            <a:r>
-              <a:rPr lang="en-US" sz="6200" dirty="0"/>
-              <a:t>Engineer Skills </a:t>
-            </a:r>
-            <a:endParaRPr lang="en-US" sz="6200" dirty="0" smtClean="0"/>
-          </a:p>
-          <a:p>
-            <a:pPr algn="l"/>
-            <a:r>
-              <a:rPr lang="en-US" sz="6200" dirty="0" smtClean="0"/>
-              <a:t>ML </a:t>
-            </a:r>
-            <a:r>
-              <a:rPr lang="en-US" sz="6200" dirty="0"/>
-              <a:t>Engineer Job Description </a:t>
-            </a:r>
-            <a:endParaRPr lang="en-US" sz="6200" dirty="0" smtClean="0"/>
-          </a:p>
-          <a:p>
-            <a:pPr algn="l"/>
-            <a:r>
-              <a:rPr lang="en-US" sz="6200" dirty="0" smtClean="0"/>
-              <a:t>ML </a:t>
-            </a:r>
-            <a:r>
-              <a:rPr lang="en-US" sz="6200" dirty="0"/>
-              <a:t>Engineer Resume </a:t>
-            </a:r>
-            <a:endParaRPr lang="en-US" sz="6200" dirty="0" smtClean="0"/>
-          </a:p>
-          <a:p>
-            <a:pPr algn="l"/>
-            <a:r>
-              <a:rPr lang="en-US" sz="6200" dirty="0" smtClean="0"/>
-              <a:t>Machine </a:t>
-            </a:r>
-            <a:r>
-              <a:rPr lang="en-US" sz="6200" dirty="0"/>
-              <a:t>Learning Interview Questions</a:t>
-            </a:r>
-            <a:r>
-              <a:rPr lang="en-US" sz="6600" dirty="0"/>
-              <a:t/>
+          </a:p>
+          <a:p>
+            <a:pPr algn="l"/>
+            <a:r>
+              <a:rPr lang="en-US" sz="6200" dirty="0"/>
+              <a:t>Transitioning to Q-Learning</a:t>
+            </a:r>
+          </a:p>
+          <a:p>
+            <a:pPr algn="l"/>
+            <a:r>
+              <a:rPr lang="en-US" sz="6200" dirty="0"/>
+              <a:t>Implementing Q-Learning </a:t>
+            </a:r>
+          </a:p>
+          <a:p>
+            <a:pPr algn="l"/>
+            <a:endParaRPr lang="en-US" sz="6200" dirty="0"/>
+          </a:p>
+          <a:p>
+            <a:pPr algn="l"/>
+            <a:r>
+              <a:rPr lang="en-US" sz="6200" dirty="0"/>
+              <a:t>Machine Learning Projects </a:t>
+            </a:r>
+          </a:p>
+          <a:p>
+            <a:pPr algn="l"/>
+            <a:r>
+              <a:rPr lang="en-US" sz="6200" dirty="0"/>
+              <a:t>Who is a ML Engineer? </a:t>
+            </a:r>
+          </a:p>
+          <a:p>
+            <a:pPr algn="l"/>
+            <a:r>
+              <a:rPr lang="en-US" sz="6200" dirty="0"/>
+              <a:t>ML Engineer Job Trends </a:t>
+            </a:r>
+          </a:p>
+          <a:p>
+            <a:pPr algn="l"/>
+            <a:r>
+              <a:rPr lang="en-US" sz="6200" dirty="0"/>
+              <a:t>ML Engineer Salary Trends </a:t>
+            </a:r>
+          </a:p>
+          <a:p>
+            <a:pPr algn="l"/>
+            <a:r>
+              <a:rPr lang="en-US" sz="6200" dirty="0"/>
+              <a:t>ML Engineer Skills </a:t>
+            </a:r>
+          </a:p>
+          <a:p>
+            <a:pPr algn="l"/>
+            <a:r>
+              <a:rPr lang="en-US" sz="6200" dirty="0"/>
+              <a:t>ML Engineer Job Description </a:t>
+            </a:r>
+          </a:p>
+          <a:p>
+            <a:pPr algn="l"/>
+            <a:r>
+              <a:rPr lang="en-US" sz="6200" dirty="0"/>
+              <a:t>ML Engineer Resume </a:t>
+            </a:r>
+          </a:p>
+          <a:p>
+            <a:pPr algn="l"/>
+            <a:r>
+              <a:rPr lang="en-US" sz="6200" dirty="0"/>
+              <a:t>Machine Learning Interview Questions</a:t>
             </a:r>
             <a:br>
               <a:rPr lang="en-US" sz="6600" dirty="0"/>
@@ -3695,10 +3622,9 @@
           <a:lstStyle/>
           <a:p>
             <a:r>
-              <a:rPr lang="en-US" dirty="0" smtClean="0"/>
+              <a:rPr lang="en-US" dirty="0"/>
               <a:t>Content</a:t>
             </a:r>
-            <a:endParaRPr lang="en-US" dirty="0"/>
           </a:p>
         </p:txBody>
       </p:sp>
@@ -3744,8 +3670,8 @@
         </p:nvSpPr>
         <p:spPr>
           <a:xfrm>
-            <a:off x="1166947" y="815294"/>
-            <a:ext cx="10270547" cy="5498419"/>
+            <a:off x="641023" y="815294"/>
+            <a:ext cx="11227323" cy="5498419"/>
           </a:xfrm>
         </p:spPr>
         <p:txBody>
@@ -3756,64 +3682,92 @@
           <a:p>
             <a:pPr algn="l"/>
             <a:r>
-              <a:rPr lang="en-US" sz="4900" dirty="0" smtClean="0"/>
-              <a:t>Introduction to ML</a:t>
-            </a:r>
-          </a:p>
-          <a:p>
-            <a:pPr algn="l"/>
-            <a:r>
-              <a:rPr lang="en-US" sz="4900" dirty="0" smtClean="0"/>
-              <a:t>Statistics &amp; Probability</a:t>
-            </a:r>
-          </a:p>
-          <a:p>
-            <a:pPr algn="l"/>
-            <a:r>
-              <a:rPr lang="en-US" sz="4900" dirty="0" smtClean="0"/>
+              <a:rPr lang="en-US" sz="4900" dirty="0"/>
               <a:t>Type of ML:</a:t>
             </a:r>
           </a:p>
           <a:p>
-            <a:pPr algn="l"/>
+            <a:pPr marL="685800" indent="-685800" algn="l">
+              <a:buFont typeface="Arial" panose="020B0604020202020204" pitchFamily="34" charset="0"/>
+              <a:buChar char="•"/>
+            </a:pPr>
             <a:r>
               <a:rPr lang="en-US" sz="4900" dirty="0"/>
               <a:t>	</a:t>
             </a:r>
             <a:r>
-              <a:rPr lang="en-US" sz="4900" dirty="0" smtClean="0"/>
+              <a:rPr lang="en-US" sz="4000" dirty="0"/>
               <a:t>Supervised Learning</a:t>
             </a:r>
-          </a:p>
-          <a:p>
-            <a:pPr algn="l"/>
             <a:r>
               <a:rPr lang="en-US" sz="4900" dirty="0"/>
               <a:t>	</a:t>
             </a:r>
-            <a:r>
-              <a:rPr lang="en-US" sz="4900" dirty="0" smtClean="0"/>
-              <a:t>Unsupervised Learning</a:t>
-            </a:r>
-          </a:p>
-          <a:p>
-            <a:pPr algn="l"/>
+          </a:p>
+          <a:p>
+            <a:pPr algn="l"/>
+            <a:r>
+              <a:rPr lang="en-US" sz="4900" dirty="0"/>
+              <a:t>		</a:t>
+            </a:r>
+            <a:r>
+              <a:rPr lang="en-US" sz="3000" dirty="0"/>
+              <a:t>knowing X and Y, generate a model to classification</a:t>
+            </a:r>
+          </a:p>
+          <a:p>
+            <a:pPr marL="685800" indent="-685800" algn="l">
+              <a:buFont typeface="Arial" panose="020B0604020202020204" pitchFamily="34" charset="0"/>
+              <a:buChar char="•"/>
+            </a:pPr>
             <a:r>
               <a:rPr lang="en-US" sz="4900" dirty="0"/>
               <a:t>	</a:t>
             </a:r>
             <a:r>
-              <a:rPr lang="en-US" sz="4900" dirty="0" smtClean="0"/>
+              <a:rPr lang="en-US" sz="4000" dirty="0"/>
+              <a:t>Unsupervised Learning</a:t>
+            </a:r>
+          </a:p>
+          <a:p>
+            <a:pPr lvl="2" algn="l"/>
+            <a:r>
+              <a:rPr lang="en-US" sz="3400" dirty="0"/>
+              <a:t>	</a:t>
+            </a:r>
+            <a:r>
+              <a:rPr lang="en-US" sz="3000" dirty="0"/>
+              <a:t>knowing X but Y, generate a model to cluster</a:t>
+            </a:r>
+          </a:p>
+          <a:p>
+            <a:pPr marL="685800" indent="-685800" algn="l">
+              <a:buFont typeface="Arial" panose="020B0604020202020204" pitchFamily="34" charset="0"/>
+              <a:buChar char="•"/>
+            </a:pPr>
+            <a:r>
+              <a:rPr lang="en-US" sz="4900" dirty="0"/>
+              <a:t>	</a:t>
+            </a:r>
+            <a:r>
+              <a:rPr lang="en-US" sz="4000" dirty="0"/>
               <a:t>Reinforcement Learning</a:t>
             </a:r>
           </a:p>
           <a:p>
-            <a:pPr algn="l"/>
-            <a:endParaRPr lang="en-US" sz="4900" dirty="0" smtClean="0"/>
-          </a:p>
-          <a:p>
-            <a:pPr algn="l"/>
-            <a:endParaRPr lang="en-US" sz="4900" dirty="0" smtClean="0"/>
+            <a:pPr lvl="1" algn="l"/>
+            <a:r>
+              <a:rPr lang="en-US" sz="3000" dirty="0"/>
+              <a:t>		knowing X but Y, create an environment and learning agent</a:t>
+            </a:r>
+          </a:p>
+          <a:p>
+            <a:pPr algn="l"/>
+            <a:endParaRPr lang="en-US" sz="4900" dirty="0"/>
+          </a:p>
+          <a:p>
+            <a:pPr algn="l"/>
+            <a:endParaRPr lang="en-US" sz="4900" dirty="0"/>
           </a:p>
         </p:txBody>
       </p:sp>
@@ -3826,7 +3780,7 @@
         <p:spPr>
           <a:xfrm>
             <a:off x="522514" y="217714"/>
-            <a:ext cx="2565460" cy="584775"/>
+            <a:ext cx="7961610" cy="1077218"/>
           </a:xfrm>
           <a:prstGeom prst="rect">
             <a:avLst/>
@@ -3840,9 +3794,11 @@
           <a:lstStyle/>
           <a:p>
             <a:r>
-              <a:rPr lang="en-US" sz="3200" dirty="0" smtClean="0"/>
-              <a:t>Agenda</a:t>
-            </a:r>
+              <a:rPr lang="en-US" sz="3200" dirty="0"/>
+              <a:t>Class-1: Introduction to ML</a:t>
+            </a:r>
+          </a:p>
+          <a:p>
             <a:endParaRPr lang="en-US" sz="3200" dirty="0"/>
           </a:p>
         </p:txBody>
@@ -3863,6 +3819,14 @@
 <file path=ppt/slides/slide3.xml><?xml version="1.0" encoding="utf-8"?>
 <p:sld xmlns:a="http://schemas.openxmlformats.org/drawingml/2006/main" xmlns:r="http://schemas.openxmlformats.org/officeDocument/2006/relationships" xmlns:p="http://schemas.openxmlformats.org/presentationml/2006/main">
   <p:cSld>
+    <p:bg>
+      <p:bgPr>
+        <a:solidFill>
+          <a:schemeClr val="bg1"/>
+        </a:solidFill>
+        <a:effectLst/>
+      </p:bgPr>
+    </p:bg>
     <p:spTree>
       <p:nvGrpSpPr>
         <p:cNvPr id="1" name=""/>
@@ -3879,116 +3843,201 @@
       </p:grpSpPr>
       <p:sp>
         <p:nvSpPr>
-          <p:cNvPr id="3" name="Subtitle 2"/>
-          <p:cNvSpPr>
-            <a:spLocks noGrp="1"/>
-          </p:cNvSpPr>
-          <p:nvPr>
-            <p:ph type="subTitle" idx="1"/>
-          </p:nvPr>
-        </p:nvSpPr>
-        <p:spPr>
-          <a:xfrm>
-            <a:off x="1166947" y="815294"/>
-            <a:ext cx="10270547" cy="5498419"/>
-          </a:xfrm>
-        </p:spPr>
-        <p:txBody>
-          <a:bodyPr>
-            <a:normAutofit/>
-          </a:bodyPr>
-          <a:lstStyle/>
-          <a:p>
-            <a:pPr algn="l"/>
-            <a:r>
-              <a:rPr lang="en-US" sz="4900" dirty="0" smtClean="0"/>
-              <a:t>AI vs ML vs Deep Learning</a:t>
-            </a:r>
-          </a:p>
-          <a:p>
-            <a:pPr algn="l"/>
-            <a:r>
-              <a:rPr lang="en-US" sz="4900" dirty="0" smtClean="0"/>
-              <a:t>	Example of AI</a:t>
-            </a:r>
-          </a:p>
-          <a:p>
-            <a:pPr algn="l"/>
-            <a:r>
-              <a:rPr lang="en-US" sz="4900" dirty="0"/>
-              <a:t>	</a:t>
-            </a:r>
-            <a:r>
-              <a:rPr lang="en-US" sz="4900" dirty="0" smtClean="0"/>
-              <a:t>Example of ML</a:t>
-            </a:r>
-          </a:p>
-          <a:p>
-            <a:pPr algn="l"/>
-            <a:r>
-              <a:rPr lang="en-US" sz="4900" dirty="0"/>
-              <a:t>	</a:t>
-            </a:r>
-            <a:r>
-              <a:rPr lang="en-US" sz="4900" dirty="0" smtClean="0"/>
-              <a:t>Example of Deep Learning</a:t>
-            </a:r>
-          </a:p>
-          <a:p>
-            <a:pPr algn="l"/>
-            <a:r>
-              <a:rPr lang="en-US" sz="4900" dirty="0" smtClean="0"/>
-              <a:t>ML vs DL</a:t>
-            </a:r>
-          </a:p>
-          <a:p>
-            <a:pPr algn="l"/>
-            <a:r>
-              <a:rPr lang="en-US" sz="4900" dirty="0" smtClean="0"/>
-              <a:t>Classification of Algorithm</a:t>
-            </a:r>
-            <a:endParaRPr lang="en-US" sz="4900" dirty="0" smtClean="0"/>
-          </a:p>
-          <a:p>
-            <a:pPr algn="l"/>
-            <a:endParaRPr lang="en-US" sz="4900" dirty="0" smtClean="0"/>
-          </a:p>
-          <a:p>
-            <a:pPr algn="l"/>
-            <a:endParaRPr lang="en-US" sz="4900" dirty="0" smtClean="0"/>
-          </a:p>
-        </p:txBody>
-      </p:sp>
-      <p:sp>
-        <p:nvSpPr>
           <p:cNvPr id="4" name="TextBox 3"/>
           <p:cNvSpPr txBox="1"/>
           <p:nvPr/>
         </p:nvSpPr>
         <p:spPr>
           <a:xfrm>
-            <a:off x="522514" y="217714"/>
-            <a:ext cx="2565460" cy="584775"/>
+            <a:off x="648929" y="629266"/>
+            <a:ext cx="3651467" cy="1676603"/>
           </a:xfrm>
           <a:prstGeom prst="rect">
             <a:avLst/>
           </a:prstGeom>
-          <a:noFill/>
         </p:spPr>
         <p:txBody>
-          <a:bodyPr wrap="square" rtlCol="0">
-            <a:spAutoFit/>
+          <a:bodyPr vert="horz" lIns="91440" tIns="45720" rIns="91440" bIns="45720" rtlCol="0" anchor="ctr">
+            <a:normAutofit/>
           </a:bodyPr>
           <a:lstStyle/>
           <a:p>
-            <a:r>
-              <a:rPr lang="en-US" sz="3200" dirty="0" smtClean="0"/>
-              <a:t>Agenda</a:t>
-            </a:r>
-            <a:endParaRPr lang="en-US" sz="3200" dirty="0"/>
-          </a:p>
-        </p:txBody>
-      </p:sp>
+            <a:pPr>
+              <a:lnSpc>
+                <a:spcPct val="90000"/>
+              </a:lnSpc>
+              <a:spcBef>
+                <a:spcPct val="0"/>
+              </a:spcBef>
+              <a:spcAft>
+                <a:spcPts val="600"/>
+              </a:spcAft>
+            </a:pPr>
+            <a:r>
+              <a:rPr lang="en-US" sz="3700" dirty="0">
+                <a:latin typeface="+mj-lt"/>
+                <a:ea typeface="+mj-ea"/>
+                <a:cs typeface="+mj-cs"/>
+              </a:rPr>
+              <a:t>Class-1: AI vs ML vs Deep Learning</a:t>
+            </a:r>
+          </a:p>
+          <a:p>
+            <a:pPr>
+              <a:lnSpc>
+                <a:spcPct val="90000"/>
+              </a:lnSpc>
+              <a:spcBef>
+                <a:spcPct val="0"/>
+              </a:spcBef>
+              <a:spcAft>
+                <a:spcPts val="600"/>
+              </a:spcAft>
+            </a:pPr>
+            <a:endParaRPr lang="en-US" sz="3700" dirty="0">
+              <a:latin typeface="+mj-lt"/>
+              <a:ea typeface="+mj-ea"/>
+              <a:cs typeface="+mj-cs"/>
+            </a:endParaRPr>
+          </a:p>
+        </p:txBody>
+      </p:sp>
+      <p:sp>
+        <p:nvSpPr>
+          <p:cNvPr id="3" name="Subtitle 2"/>
+          <p:cNvSpPr>
+            <a:spLocks noGrp="1"/>
+          </p:cNvSpPr>
+          <p:nvPr>
+            <p:ph type="subTitle" idx="1"/>
+          </p:nvPr>
+        </p:nvSpPr>
+        <p:spPr>
+          <a:xfrm>
+            <a:off x="648931" y="2438400"/>
+            <a:ext cx="3651466" cy="3785419"/>
+          </a:xfrm>
+        </p:spPr>
+        <p:txBody>
+          <a:bodyPr vert="horz" lIns="91440" tIns="45720" rIns="91440" bIns="45720" rtlCol="0">
+            <a:normAutofit/>
+          </a:bodyPr>
+          <a:lstStyle/>
+          <a:p>
+            <a:pPr algn="l"/>
+            <a:r>
+              <a:rPr lang="en-US" sz="1800" dirty="0"/>
+              <a:t>1950s-1970s - AI</a:t>
+            </a:r>
+          </a:p>
+          <a:p>
+            <a:pPr indent="-228600" algn="l">
+              <a:buFont typeface="Arial" panose="020B0604020202020204" pitchFamily="34" charset="0"/>
+              <a:buChar char="•"/>
+            </a:pPr>
+            <a:r>
+              <a:rPr lang="en-US" sz="1800" dirty="0"/>
+              <a:t>Example of AI</a:t>
+            </a:r>
+          </a:p>
+          <a:p>
+            <a:pPr algn="l"/>
+            <a:endParaRPr lang="en-US" sz="1800" dirty="0"/>
+          </a:p>
+          <a:p>
+            <a:pPr algn="l"/>
+            <a:r>
+              <a:rPr lang="en-US" sz="1800" dirty="0"/>
+              <a:t>1980s – 1990s - ML</a:t>
+            </a:r>
+          </a:p>
+          <a:p>
+            <a:pPr indent="-228600" algn="l">
+              <a:buFont typeface="Arial" panose="020B0604020202020204" pitchFamily="34" charset="0"/>
+              <a:buChar char="•"/>
+            </a:pPr>
+            <a:r>
+              <a:rPr lang="en-US" sz="1800" dirty="0"/>
+              <a:t>Example of ML</a:t>
+            </a:r>
+          </a:p>
+          <a:p>
+            <a:pPr indent="-228600" algn="l">
+              <a:buFont typeface="Arial" panose="020B0604020202020204" pitchFamily="34" charset="0"/>
+              <a:buChar char="•"/>
+            </a:pPr>
+            <a:endParaRPr lang="en-US" sz="1800" dirty="0"/>
+          </a:p>
+          <a:p>
+            <a:pPr algn="l"/>
+            <a:r>
+              <a:rPr lang="en-US" sz="1800" dirty="0"/>
+              <a:t>2000s -2010s – DL - ANN</a:t>
+            </a:r>
+          </a:p>
+          <a:p>
+            <a:pPr indent="-228600" algn="l">
+              <a:buFont typeface="Arial" panose="020B0604020202020204" pitchFamily="34" charset="0"/>
+              <a:buChar char="•"/>
+            </a:pPr>
+            <a:r>
+              <a:rPr lang="en-US" sz="1800" dirty="0"/>
+              <a:t>Artificial/Deep Neural Network </a:t>
+            </a:r>
+          </a:p>
+          <a:p>
+            <a:pPr indent="-228600" algn="l">
+              <a:buFont typeface="Arial" panose="020B0604020202020204" pitchFamily="34" charset="0"/>
+              <a:buChar char="•"/>
+            </a:pPr>
+            <a:r>
+              <a:rPr lang="en-US" sz="1800" dirty="0"/>
+              <a:t>Example of Deep Learning</a:t>
+            </a:r>
+          </a:p>
+          <a:p>
+            <a:pPr algn="l"/>
+            <a:endParaRPr lang="en-US" sz="1800" dirty="0"/>
+          </a:p>
+          <a:p>
+            <a:pPr indent="-228600" algn="l">
+              <a:buFont typeface="Arial" panose="020B0604020202020204" pitchFamily="34" charset="0"/>
+              <a:buChar char="•"/>
+            </a:pPr>
+            <a:endParaRPr lang="en-US" sz="1800" dirty="0"/>
+          </a:p>
+        </p:txBody>
+      </p:sp>
+      <p:pic>
+        <p:nvPicPr>
+          <p:cNvPr id="2" name="Picture 1">
+            <a:extLst>
+              <a:ext uri="{FF2B5EF4-FFF2-40B4-BE49-F238E27FC236}">
+                <a16:creationId xmlns:a16="http://schemas.microsoft.com/office/drawing/2014/main" id="{BA5AF337-9A07-4F1F-B422-F537DB28C43D}"/>
+              </a:ext>
+            </a:extLst>
+          </p:cNvPr>
+          <p:cNvPicPr>
+            <a:picLocks noChangeAspect="1"/>
+          </p:cNvPicPr>
+          <p:nvPr/>
+        </p:nvPicPr>
+        <p:blipFill rotWithShape="1">
+          <a:blip r:embed="rId2"/>
+          <a:srcRect l="3932" r="3557" b="2"/>
+          <a:stretch/>
+        </p:blipFill>
+        <p:spPr>
+          <a:xfrm>
+            <a:off x="4639056" y="10"/>
+            <a:ext cx="7552944" cy="6857990"/>
+          </a:xfrm>
+          <a:prstGeom prst="rect">
+            <a:avLst/>
+          </a:prstGeom>
+          <a:effectLst/>
+        </p:spPr>
+      </p:pic>
     </p:spTree>
     <p:extLst>
       <p:ext uri="{BB962C8B-B14F-4D97-AF65-F5344CB8AC3E}">
@@ -4031,139 +4080,97 @@
         </p:nvSpPr>
         <p:spPr>
           <a:xfrm>
-            <a:off x="1166948" y="815294"/>
-            <a:ext cx="9144000" cy="5498419"/>
+            <a:off x="1242362" y="1079488"/>
+            <a:ext cx="9918973" cy="5498419"/>
           </a:xfrm>
         </p:spPr>
         <p:txBody>
           <a:bodyPr>
-            <a:normAutofit fontScale="55000" lnSpcReduction="20000"/>
+            <a:normAutofit fontScale="62500" lnSpcReduction="20000"/>
           </a:bodyPr>
           <a:lstStyle/>
           <a:p>
-            <a:pPr algn="l"/>
-            <a:r>
-              <a:rPr lang="en-US" sz="6200" dirty="0" smtClean="0"/>
-              <a:t>Classification </a:t>
-            </a:r>
-            <a:r>
-              <a:rPr lang="en-US" sz="6200" dirty="0"/>
-              <a:t>Algorithm </a:t>
-            </a:r>
-            <a:endParaRPr lang="en-US" sz="6200" dirty="0" smtClean="0"/>
-          </a:p>
-          <a:p>
-            <a:pPr algn="l"/>
-            <a:r>
-              <a:rPr lang="en-US" sz="6200" dirty="0" smtClean="0"/>
-              <a:t>Anomaly </a:t>
-            </a:r>
-            <a:r>
-              <a:rPr lang="en-US" sz="6200" dirty="0"/>
-              <a:t>Detection </a:t>
-            </a:r>
-            <a:r>
-              <a:rPr lang="en-US" sz="6200" dirty="0" smtClean="0"/>
-              <a:t>Algorithm</a:t>
-            </a:r>
-          </a:p>
-          <a:p>
-            <a:pPr algn="l"/>
-            <a:r>
-              <a:rPr lang="en-US" sz="6200" dirty="0" smtClean="0"/>
+            <a:pPr marL="857250" indent="-857250" algn="l">
+              <a:buFont typeface="Arial" panose="020B0604020202020204" pitchFamily="34" charset="0"/>
+              <a:buChar char="•"/>
+            </a:pPr>
+            <a:r>
+              <a:rPr lang="en-US" sz="4600" dirty="0"/>
+              <a:t>Anomaly Detection Algorithm</a:t>
+            </a:r>
+          </a:p>
+          <a:p>
+            <a:pPr marL="857250" indent="-857250" algn="l">
+              <a:buFont typeface="Arial" panose="020B0604020202020204" pitchFamily="34" charset="0"/>
+              <a:buChar char="•"/>
+            </a:pPr>
+            <a:r>
+              <a:rPr lang="en-US" sz="4600" dirty="0"/>
               <a:t>Clustering Algorithm</a:t>
             </a:r>
           </a:p>
           <a:p>
-            <a:pPr algn="l"/>
-            <a:r>
-              <a:rPr lang="en-US" sz="6200" dirty="0" smtClean="0"/>
+            <a:pPr marL="857250" indent="-857250" algn="l">
+              <a:buFont typeface="Arial" panose="020B0604020202020204" pitchFamily="34" charset="0"/>
+              <a:buChar char="•"/>
+            </a:pPr>
+            <a:r>
+              <a:rPr lang="en-US" sz="4600" dirty="0"/>
               <a:t>Regression Algorithm</a:t>
             </a:r>
           </a:p>
           <a:p>
             <a:pPr algn="l"/>
             <a:r>
-              <a:rPr lang="en-US" sz="6200" dirty="0" smtClean="0"/>
-              <a:t>Demo</a:t>
-            </a:r>
-            <a:r>
-              <a:rPr lang="en-US" sz="6200" dirty="0"/>
-              <a:t>: Iris Dataset </a:t>
-            </a:r>
-            <a:endParaRPr lang="en-US" sz="6200" dirty="0" smtClean="0"/>
-          </a:p>
-          <a:p>
-            <a:pPr algn="l"/>
-            <a:r>
-              <a:rPr lang="en-US" sz="6200" dirty="0" smtClean="0"/>
-              <a:t>Stats </a:t>
-            </a:r>
-            <a:r>
-              <a:rPr lang="en-US" sz="6200" dirty="0"/>
-              <a:t>&amp; Probability for Machine Learning </a:t>
-            </a:r>
-            <a:endParaRPr lang="en-US" sz="6200" dirty="0" smtClean="0"/>
-          </a:p>
-          <a:p>
-            <a:pPr algn="l"/>
-            <a:r>
-              <a:rPr lang="en-US" sz="6200" dirty="0" smtClean="0"/>
-              <a:t>Categories </a:t>
-            </a:r>
-            <a:r>
-              <a:rPr lang="en-US" sz="6200" dirty="0"/>
-              <a:t>of Data </a:t>
-            </a:r>
-            <a:endParaRPr lang="en-US" sz="6200" dirty="0" smtClean="0"/>
-          </a:p>
-          <a:p>
-            <a:pPr algn="l"/>
-            <a:r>
-              <a:rPr lang="en-US" sz="6200" dirty="0" smtClean="0"/>
-              <a:t>Qualitative </a:t>
-            </a:r>
-            <a:r>
-              <a:rPr lang="en-US" sz="6200" dirty="0"/>
-              <a:t>Data </a:t>
-            </a:r>
-            <a:endParaRPr lang="en-US" sz="6200" dirty="0" smtClean="0"/>
-          </a:p>
-          <a:p>
-            <a:pPr algn="l"/>
-            <a:r>
-              <a:rPr lang="en-US" sz="6200" dirty="0" smtClean="0"/>
-              <a:t>Quantitative </a:t>
-            </a:r>
-            <a:r>
-              <a:rPr lang="en-US" sz="6200" dirty="0"/>
-              <a:t>Data </a:t>
-            </a:r>
-            <a:endParaRPr lang="en-US" sz="6200" dirty="0" smtClean="0"/>
-          </a:p>
-          <a:p>
-            <a:pPr algn="l"/>
-            <a:r>
-              <a:rPr lang="en-US" sz="6200" dirty="0" smtClean="0"/>
-              <a:t>What </a:t>
-            </a:r>
-            <a:r>
-              <a:rPr lang="en-US" sz="6200" dirty="0"/>
-              <a:t>is Statistics? </a:t>
-            </a:r>
-            <a:endParaRPr lang="en-US" sz="6200" dirty="0" smtClean="0"/>
-          </a:p>
-          <a:p>
-            <a:pPr algn="l"/>
-            <a:r>
-              <a:rPr lang="en-US" sz="6200" dirty="0" smtClean="0"/>
-              <a:t>Statistics </a:t>
-            </a:r>
-            <a:r>
-              <a:rPr lang="en-US" sz="6200" dirty="0"/>
-              <a:t>Terminologies </a:t>
-            </a:r>
-            <a:endParaRPr lang="en-US" sz="6200" dirty="0" smtClean="0"/>
+              <a:rPr lang="en-US" sz="6200" dirty="0"/>
+              <a:t>	</a:t>
+            </a:r>
+            <a:r>
+              <a:rPr lang="en-US" sz="4000" dirty="0"/>
+              <a:t>Demo: Iris Dataset </a:t>
+            </a:r>
+          </a:p>
+          <a:p>
+            <a:pPr algn="l"/>
+            <a:r>
+              <a:rPr lang="en-US" sz="6200" dirty="0"/>
+              <a:t>Stats &amp; Probability for Machine Learning </a:t>
+            </a:r>
+          </a:p>
+          <a:p>
+            <a:pPr algn="l"/>
+            <a:r>
+              <a:rPr lang="en-US" sz="6200" dirty="0"/>
+              <a:t>Categories of Data </a:t>
+            </a:r>
+          </a:p>
+          <a:p>
+            <a:pPr algn="l"/>
+            <a:r>
+              <a:rPr lang="en-US" sz="6200" dirty="0"/>
+              <a:t>Qualitative Data </a:t>
+            </a:r>
+          </a:p>
+          <a:p>
+            <a:pPr algn="l"/>
+            <a:r>
+              <a:rPr lang="en-US" sz="6200" dirty="0"/>
+              <a:t>Quantitative Data </a:t>
+            </a:r>
+          </a:p>
+          <a:p>
+            <a:pPr algn="l"/>
+            <a:r>
+              <a:rPr lang="en-US" sz="6200" dirty="0"/>
+              <a:t>What is Statistics? </a:t>
+            </a:r>
+          </a:p>
+          <a:p>
+            <a:pPr algn="l"/>
+            <a:r>
+              <a:rPr lang="en-US" sz="6200" dirty="0"/>
+              <a:t>Statistics Terminologies </a:t>
+            </a:r>
           </a:p>
         </p:txBody>
       </p:sp>
@@ -4176,7 +4183,7 @@
         <p:spPr>
           <a:xfrm>
             <a:off x="522514" y="217714"/>
-            <a:ext cx="936154" cy="369332"/>
+            <a:ext cx="10968760" cy="861774"/>
           </a:xfrm>
           <a:prstGeom prst="rect">
             <a:avLst/>
@@ -4184,15 +4191,17 @@
           <a:noFill/>
         </p:spPr>
         <p:txBody>
-          <a:bodyPr wrap="none" rtlCol="0">
+          <a:bodyPr wrap="square" rtlCol="0">
             <a:spAutoFit/>
           </a:bodyPr>
           <a:lstStyle/>
           <a:p>
             <a:r>
-              <a:rPr lang="en-US" dirty="0" smtClean="0"/>
-              <a:t>Content</a:t>
-            </a:r>
+              <a:rPr lang="en-US" sz="3200" dirty="0"/>
+              <a:t>Class-1:Classification of Algorithm</a:t>
+            </a:r>
+          </a:p>
+          <a:p>
             <a:endParaRPr lang="en-US" dirty="0"/>
           </a:p>
         </p:txBody>
@@ -4258,98 +4267,58 @@
           <a:p>
             <a:pPr lvl="1" algn="l"/>
             <a:r>
-              <a:rPr lang="en-US" sz="5800" dirty="0" smtClean="0"/>
-              <a:t>Random </a:t>
-            </a:r>
-            <a:r>
               <a:rPr lang="en-US" sz="5800" dirty="0"/>
-              <a:t>Sampling </a:t>
-            </a:r>
-            <a:endParaRPr lang="en-US" sz="5800" dirty="0" smtClean="0"/>
+              <a:t>Random Sampling </a:t>
+            </a:r>
           </a:p>
           <a:p>
             <a:pPr lvl="1" algn="l"/>
             <a:r>
-              <a:rPr lang="en-US" sz="5800" dirty="0" smtClean="0"/>
-              <a:t>Systematic </a:t>
-            </a:r>
-            <a:r>
               <a:rPr lang="en-US" sz="5800" dirty="0"/>
-              <a:t>Sampling </a:t>
-            </a:r>
-            <a:endParaRPr lang="en-US" sz="5800" dirty="0" smtClean="0"/>
+              <a:t>Systematic Sampling </a:t>
+            </a:r>
           </a:p>
           <a:p>
             <a:pPr lvl="1" algn="l"/>
             <a:r>
-              <a:rPr lang="en-US" sz="5800" dirty="0" smtClean="0"/>
-              <a:t>Stratified </a:t>
-            </a:r>
-            <a:r>
               <a:rPr lang="en-US" sz="5800" dirty="0"/>
-              <a:t>Sampling </a:t>
-            </a:r>
-            <a:endParaRPr lang="en-US" sz="5800" dirty="0" smtClean="0"/>
-          </a:p>
-          <a:p>
-            <a:pPr algn="l"/>
-            <a:r>
-              <a:rPr lang="en-US" sz="6200" dirty="0" smtClean="0"/>
-              <a:t>Types </a:t>
-            </a:r>
-            <a:r>
-              <a:rPr lang="en-US" sz="6200" dirty="0"/>
-              <a:t>of Statistics </a:t>
-            </a:r>
-            <a:endParaRPr lang="en-US" sz="6200" dirty="0" smtClean="0"/>
+              <a:t>Stratified Sampling </a:t>
+            </a:r>
+          </a:p>
+          <a:p>
+            <a:pPr algn="l"/>
+            <a:r>
+              <a:rPr lang="en-US" sz="6200" dirty="0"/>
+              <a:t>Types of Statistics </a:t>
+            </a:r>
           </a:p>
           <a:p>
             <a:pPr lvl="1" algn="l"/>
             <a:r>
-              <a:rPr lang="en-US" sz="5800" dirty="0" smtClean="0"/>
-              <a:t>Descriptive </a:t>
-            </a:r>
-            <a:r>
               <a:rPr lang="en-US" sz="5800" dirty="0"/>
-              <a:t>Statistics </a:t>
-            </a:r>
-            <a:endParaRPr lang="en-US" sz="5800" dirty="0"/>
+              <a:t>Descriptive Statistics </a:t>
+            </a:r>
           </a:p>
           <a:p>
             <a:pPr lvl="1" algn="l"/>
             <a:r>
-              <a:rPr lang="en-US" sz="5800" dirty="0" smtClean="0"/>
-              <a:t>Measures </a:t>
-            </a:r>
-            <a:r>
               <a:rPr lang="en-US" sz="5800" dirty="0"/>
-              <a:t>of Spread </a:t>
-            </a:r>
-            <a:endParaRPr lang="en-US" sz="5800" dirty="0" smtClean="0"/>
+              <a:t>Measures of Spread </a:t>
+            </a:r>
           </a:p>
           <a:p>
             <a:pPr lvl="1" algn="l"/>
             <a:r>
-              <a:rPr lang="en-US" sz="5800" dirty="0" smtClean="0"/>
-              <a:t>Information </a:t>
-            </a:r>
-            <a:r>
               <a:rPr lang="en-US" sz="5800" dirty="0"/>
-              <a:t>Gain &amp; Entropy </a:t>
-            </a:r>
-            <a:endParaRPr lang="en-US" sz="5800" dirty="0" smtClean="0"/>
+              <a:t>Information Gain &amp; Entropy </a:t>
+            </a:r>
           </a:p>
           <a:p>
             <a:pPr lvl="1" algn="l"/>
             <a:r>
-              <a:rPr lang="en-US" sz="5800" dirty="0" smtClean="0"/>
-              <a:t>Confusion </a:t>
-            </a:r>
-            <a:r>
               <a:rPr lang="en-US" sz="5800" dirty="0"/>
-              <a:t>Matrix </a:t>
-            </a:r>
-            <a:endParaRPr lang="en-US" sz="5800" dirty="0" smtClean="0"/>
+              <a:t>Confusion Matrix </a:t>
+            </a:r>
           </a:p>
         </p:txBody>
       </p:sp>
@@ -4376,10 +4345,9 @@
           <a:lstStyle/>
           <a:p>
             <a:r>
-              <a:rPr lang="en-US" dirty="0" smtClean="0"/>
+              <a:rPr lang="en-US" dirty="0"/>
               <a:t>Content</a:t>
             </a:r>
-            <a:endParaRPr lang="en-US" dirty="0"/>
           </a:p>
         </p:txBody>
       </p:sp>
@@ -4437,162 +4405,99 @@
           <a:p>
             <a:pPr algn="l"/>
             <a:r>
-              <a:rPr lang="en-US" sz="6200" dirty="0" smtClean="0"/>
+              <a:rPr lang="en-US" sz="6200" dirty="0"/>
               <a:t>Probability </a:t>
             </a:r>
           </a:p>
           <a:p>
             <a:pPr lvl="1" algn="l"/>
             <a:r>
-              <a:rPr lang="en-US" sz="5800" dirty="0" smtClean="0"/>
-              <a:t>Probability </a:t>
-            </a:r>
-            <a:r>
               <a:rPr lang="en-US" sz="5800" dirty="0"/>
-              <a:t>Terminologies </a:t>
-            </a:r>
-            <a:endParaRPr lang="en-US" sz="5800" dirty="0" smtClean="0"/>
+              <a:t>Probability Terminologies </a:t>
+            </a:r>
           </a:p>
           <a:p>
             <a:pPr lvl="1" algn="l"/>
             <a:r>
-              <a:rPr lang="en-US" sz="5800" dirty="0" smtClean="0"/>
-              <a:t>Types </a:t>
-            </a:r>
-            <a:r>
               <a:rPr lang="en-US" sz="5800" dirty="0"/>
-              <a:t>of Events </a:t>
-            </a:r>
-            <a:endParaRPr lang="en-US" sz="5800" dirty="0" smtClean="0"/>
+              <a:t>Types of Events </a:t>
+            </a:r>
           </a:p>
           <a:p>
             <a:pPr lvl="1" algn="l"/>
             <a:r>
-              <a:rPr lang="en-US" sz="5800" dirty="0" smtClean="0"/>
-              <a:t>Probability </a:t>
-            </a:r>
-            <a:r>
               <a:rPr lang="en-US" sz="5800" dirty="0"/>
-              <a:t>of Distribution </a:t>
-            </a:r>
-            <a:endParaRPr lang="en-US" sz="5800" dirty="0"/>
+              <a:t>Probability of Distribution </a:t>
+            </a:r>
           </a:p>
           <a:p>
             <a:pPr lvl="1" algn="l"/>
             <a:r>
-              <a:rPr lang="en-US" sz="5800" dirty="0" smtClean="0"/>
-              <a:t>Types </a:t>
-            </a:r>
-            <a:r>
               <a:rPr lang="en-US" sz="5800" dirty="0"/>
-              <a:t>of Probability </a:t>
-            </a:r>
-            <a:endParaRPr lang="en-US" sz="5800" dirty="0"/>
+              <a:t>Types of Probability </a:t>
+            </a:r>
           </a:p>
           <a:p>
             <a:pPr lvl="1" algn="l"/>
             <a:r>
-              <a:rPr lang="en-US" sz="5800" dirty="0" smtClean="0"/>
-              <a:t>Marginal </a:t>
-            </a:r>
-            <a:r>
               <a:rPr lang="en-US" sz="5800" dirty="0"/>
-              <a:t>Probability </a:t>
-            </a:r>
-            <a:endParaRPr lang="en-US" sz="5800" dirty="0"/>
+              <a:t>Marginal Probability </a:t>
+            </a:r>
           </a:p>
           <a:p>
             <a:pPr lvl="1" algn="l"/>
             <a:r>
-              <a:rPr lang="en-US" sz="5800" dirty="0" smtClean="0"/>
-              <a:t>Joint </a:t>
-            </a:r>
-            <a:r>
               <a:rPr lang="en-US" sz="5800" dirty="0"/>
-              <a:t>Probability </a:t>
-            </a:r>
-            <a:endParaRPr lang="en-US" sz="5800" dirty="0" smtClean="0"/>
+              <a:t>Joint Probability </a:t>
+            </a:r>
           </a:p>
           <a:p>
             <a:pPr lvl="1" algn="l"/>
             <a:r>
-              <a:rPr lang="en-US" sz="5800" dirty="0" smtClean="0"/>
-              <a:t>Conditional </a:t>
-            </a:r>
-            <a:r>
               <a:rPr lang="en-US" sz="5800" dirty="0"/>
-              <a:t>Probability </a:t>
-            </a:r>
-            <a:endParaRPr lang="en-US" sz="5800" dirty="0" smtClean="0"/>
+              <a:t>Conditional Probability </a:t>
+            </a:r>
           </a:p>
           <a:p>
             <a:pPr lvl="1" algn="l"/>
             <a:r>
-              <a:rPr lang="en-US" sz="5800" dirty="0" smtClean="0"/>
+              <a:rPr lang="en-US" sz="5800" dirty="0"/>
               <a:t>Use-Case </a:t>
             </a:r>
           </a:p>
           <a:p>
             <a:pPr algn="l"/>
             <a:r>
-              <a:rPr lang="en-US" sz="6200" dirty="0" smtClean="0"/>
-              <a:t>Bayes </a:t>
-            </a:r>
-            <a:r>
-              <a:rPr lang="en-US" sz="6200" dirty="0"/>
-              <a:t>Theorem </a:t>
-            </a:r>
-            <a:endParaRPr lang="en-US" sz="6200" dirty="0" smtClean="0"/>
-          </a:p>
-          <a:p>
-            <a:pPr algn="l"/>
-            <a:r>
-              <a:rPr lang="en-US" sz="6200" dirty="0" smtClean="0"/>
-              <a:t>Inferential </a:t>
-            </a:r>
-            <a:r>
-              <a:rPr lang="en-US" sz="6200" dirty="0"/>
-              <a:t>Statistics </a:t>
-            </a:r>
-            <a:endParaRPr lang="en-US" sz="6200" dirty="0" smtClean="0"/>
-          </a:p>
-          <a:p>
-            <a:pPr algn="l"/>
-            <a:r>
-              <a:rPr lang="en-US" sz="6200" dirty="0" smtClean="0"/>
-              <a:t>Point </a:t>
-            </a:r>
-            <a:r>
-              <a:rPr lang="en-US" sz="6200" dirty="0"/>
-              <a:t>Estimation </a:t>
-            </a:r>
-            <a:endParaRPr lang="en-US" sz="6200" dirty="0" smtClean="0"/>
-          </a:p>
-          <a:p>
-            <a:pPr algn="l"/>
-            <a:r>
-              <a:rPr lang="en-US" sz="6200" dirty="0" smtClean="0"/>
-              <a:t>Interval </a:t>
-            </a:r>
-            <a:r>
-              <a:rPr lang="en-US" sz="6200" dirty="0"/>
-              <a:t>Estimate </a:t>
-            </a:r>
-            <a:endParaRPr lang="en-US" sz="6200" dirty="0" smtClean="0"/>
-          </a:p>
-          <a:p>
-            <a:pPr algn="l"/>
-            <a:r>
-              <a:rPr lang="en-US" sz="6200" dirty="0" smtClean="0"/>
-              <a:t>Margin </a:t>
-            </a:r>
-            <a:r>
-              <a:rPr lang="en-US" sz="6200" dirty="0"/>
-              <a:t>of </a:t>
-            </a:r>
-            <a:r>
-              <a:rPr lang="en-US" sz="6200" dirty="0" smtClean="0"/>
-              <a:t>Error</a:t>
+              <a:rPr lang="en-US" sz="6200" dirty="0"/>
+              <a:t>Bayes Theorem </a:t>
+            </a:r>
+          </a:p>
+          <a:p>
+            <a:pPr algn="l"/>
+            <a:r>
+              <a:rPr lang="en-US" sz="6200" dirty="0"/>
+              <a:t>Inferential Statistics </a:t>
+            </a:r>
+          </a:p>
+          <a:p>
+            <a:pPr algn="l"/>
+            <a:r>
+              <a:rPr lang="en-US" sz="6200" dirty="0"/>
+              <a:t>Point Estimation </a:t>
+            </a:r>
+          </a:p>
+          <a:p>
+            <a:pPr algn="l"/>
+            <a:r>
+              <a:rPr lang="en-US" sz="6200" dirty="0"/>
+              <a:t>Interval Estimate </a:t>
+            </a:r>
+          </a:p>
+          <a:p>
+            <a:pPr algn="l"/>
+            <a:r>
+              <a:rPr lang="en-US" sz="6200" dirty="0"/>
+              <a:t>Margin of Error</a:t>
             </a:r>
           </a:p>
           <a:p>
@@ -4604,7 +4509,7 @@
           </a:p>
           <a:p>
             <a:pPr algn="l"/>
-            <a:endParaRPr lang="en-US" sz="6200" dirty="0" smtClean="0"/>
+            <a:endParaRPr lang="en-US" sz="6200" dirty="0"/>
           </a:p>
           <a:p>
             <a:pPr algn="l"/>
@@ -4635,10 +4540,9 @@
           <a:lstStyle/>
           <a:p>
             <a:r>
-              <a:rPr lang="en-US" dirty="0" smtClean="0"/>
+              <a:rPr lang="en-US" dirty="0"/>
               <a:t>Content</a:t>
             </a:r>
-            <a:endParaRPr lang="en-US" dirty="0"/>
           </a:p>
         </p:txBody>
       </p:sp>
@@ -4696,148 +4600,93 @@
           <a:p>
             <a:pPr algn="l"/>
             <a:r>
-              <a:rPr lang="en-US" sz="6200" dirty="0" smtClean="0"/>
-              <a:t>Supervised </a:t>
-            </a:r>
-            <a:r>
-              <a:rPr lang="en-US" sz="6200" dirty="0"/>
-              <a:t>Learning Algorithms </a:t>
-            </a:r>
-            <a:endParaRPr lang="en-US" sz="6200" dirty="0" smtClean="0"/>
+              <a:rPr lang="en-US" sz="6200" dirty="0"/>
+              <a:t>Supervised Learning Algorithms </a:t>
+            </a:r>
           </a:p>
           <a:p>
             <a:pPr lvl="1" algn="l"/>
             <a:r>
-              <a:rPr lang="en-US" sz="5800" dirty="0" smtClean="0"/>
+              <a:rPr lang="en-US" sz="5800" dirty="0"/>
               <a:t>Regression </a:t>
             </a:r>
           </a:p>
           <a:p>
             <a:pPr lvl="1" algn="l"/>
             <a:r>
-              <a:rPr lang="en-US" sz="5800" dirty="0" smtClean="0"/>
-              <a:t>Linear </a:t>
-            </a:r>
-            <a:r>
               <a:rPr lang="en-US" sz="5800" dirty="0"/>
-              <a:t>vs Logistic Regression </a:t>
-            </a:r>
-            <a:endParaRPr lang="en-US" sz="5800" dirty="0" smtClean="0"/>
+              <a:t>Linear vs Logistic Regression </a:t>
+            </a:r>
           </a:p>
           <a:p>
             <a:pPr lvl="1" algn="l"/>
             <a:r>
-              <a:rPr lang="en-US" sz="5800" dirty="0" smtClean="0"/>
-              <a:t>Understanding </a:t>
-            </a:r>
-            <a:r>
               <a:rPr lang="en-US" sz="5800" dirty="0"/>
-              <a:t>Linear Regression Algorithm </a:t>
-            </a:r>
-            <a:endParaRPr lang="en-US" sz="5800" dirty="0" smtClean="0"/>
+              <a:t>Understanding Linear Regression Algorithm </a:t>
+            </a:r>
           </a:p>
           <a:p>
             <a:pPr lvl="1" algn="l"/>
             <a:r>
-              <a:rPr lang="en-US" sz="5800" dirty="0" smtClean="0"/>
-              <a:t>Logistic </a:t>
-            </a:r>
-            <a:r>
               <a:rPr lang="en-US" sz="5800" dirty="0"/>
-              <a:t>Regression Curve </a:t>
-            </a:r>
-            <a:endParaRPr lang="en-US" sz="5800" dirty="0" smtClean="0"/>
+              <a:t>Logistic Regression Curve </a:t>
+            </a:r>
           </a:p>
           <a:p>
             <a:pPr lvl="1" algn="l"/>
             <a:r>
-              <a:rPr lang="en-US" sz="5800" dirty="0" smtClean="0"/>
-              <a:t>Titanic </a:t>
-            </a:r>
-            <a:r>
               <a:rPr lang="en-US" sz="5800" dirty="0"/>
-              <a:t>Data Analysis </a:t>
-            </a:r>
-            <a:endParaRPr lang="en-US" sz="5800" dirty="0" smtClean="0"/>
+              <a:t>Titanic Data Analysis </a:t>
+            </a:r>
           </a:p>
           <a:p>
             <a:pPr lvl="1" algn="l"/>
             <a:r>
-              <a:rPr lang="en-US" sz="5800" dirty="0" smtClean="0"/>
-              <a:t>Decision </a:t>
-            </a:r>
-            <a:r>
               <a:rPr lang="en-US" sz="5800" dirty="0"/>
-              <a:t>Tree </a:t>
-            </a:r>
-            <a:endParaRPr lang="en-US" sz="5800" dirty="0" smtClean="0"/>
-          </a:p>
-          <a:p>
-            <a:pPr algn="l"/>
-            <a:r>
-              <a:rPr lang="en-US" sz="6200" dirty="0" smtClean="0"/>
-              <a:t>What </a:t>
-            </a:r>
-            <a:r>
-              <a:rPr lang="en-US" sz="6200" dirty="0"/>
-              <a:t>is Classification? </a:t>
-            </a:r>
-            <a:endParaRPr lang="en-US" sz="6200" dirty="0" smtClean="0"/>
-          </a:p>
-          <a:p>
-            <a:pPr algn="l"/>
-            <a:r>
-              <a:rPr lang="en-US" sz="6200" dirty="0" smtClean="0"/>
-              <a:t>Types </a:t>
-            </a:r>
-            <a:r>
-              <a:rPr lang="en-US" sz="6200" dirty="0"/>
-              <a:t>of Classification </a:t>
-            </a:r>
-            <a:endParaRPr lang="en-US" sz="6200" dirty="0" smtClean="0"/>
-          </a:p>
-          <a:p>
-            <a:pPr algn="l"/>
-            <a:r>
-              <a:rPr lang="en-US" sz="6200" dirty="0" smtClean="0"/>
-              <a:t>Decision </a:t>
-            </a:r>
-            <a:r>
-              <a:rPr lang="en-US" sz="6200" dirty="0"/>
-              <a:t>Tree </a:t>
-            </a:r>
-            <a:endParaRPr lang="en-US" sz="6200" dirty="0" smtClean="0"/>
-          </a:p>
-          <a:p>
-            <a:pPr algn="l"/>
-            <a:r>
-              <a:rPr lang="en-US" sz="6200" dirty="0" smtClean="0"/>
-              <a:t>Decision </a:t>
-            </a:r>
-            <a:r>
-              <a:rPr lang="en-US" sz="6200" dirty="0"/>
-              <a:t>Tree Terminologies </a:t>
-            </a:r>
-            <a:endParaRPr lang="en-US" sz="6200" dirty="0" smtClean="0"/>
-          </a:p>
-          <a:p>
-            <a:pPr algn="l"/>
-            <a:r>
-              <a:rPr lang="en-US" sz="6200" dirty="0" smtClean="0"/>
+              <a:t>Decision Tree </a:t>
+            </a:r>
+          </a:p>
+          <a:p>
+            <a:pPr algn="l"/>
+            <a:r>
+              <a:rPr lang="en-US" sz="6200" dirty="0"/>
+              <a:t>What is Classification? </a:t>
+            </a:r>
+          </a:p>
+          <a:p>
+            <a:pPr algn="l"/>
+            <a:r>
+              <a:rPr lang="en-US" sz="6200" dirty="0"/>
+              <a:t>Types of Classification </a:t>
+            </a:r>
+          </a:p>
+          <a:p>
+            <a:pPr algn="l"/>
+            <a:r>
+              <a:rPr lang="en-US" sz="6200" dirty="0"/>
+              <a:t>Decision Tree </a:t>
+            </a:r>
+          </a:p>
+          <a:p>
+            <a:pPr algn="l"/>
+            <a:r>
+              <a:rPr lang="en-US" sz="6200" dirty="0"/>
+              <a:t>Decision Tree Terminologies </a:t>
+            </a:r>
+          </a:p>
+          <a:p>
+            <a:pPr algn="l"/>
+            <a:r>
+              <a:rPr lang="en-US" sz="6200" dirty="0"/>
               <a:t>Entropy </a:t>
             </a:r>
           </a:p>
           <a:p>
             <a:pPr algn="l"/>
             <a:r>
-              <a:rPr lang="en-US" sz="6200" dirty="0" smtClean="0"/>
-              <a:t>Credit </a:t>
-            </a:r>
-            <a:r>
-              <a:rPr lang="en-US" sz="6200" dirty="0"/>
-              <a:t>Risk Detection Use-case </a:t>
-            </a:r>
-            <a:endParaRPr lang="en-US" sz="6200" dirty="0" smtClean="0"/>
+              <a:rPr lang="en-US" sz="6200" dirty="0"/>
+              <a:t>Credit Risk Detection Use-case </a:t>
+            </a:r>
           </a:p>
         </p:txBody>
       </p:sp>
@@ -4864,10 +4713,9 @@
           <a:lstStyle/>
           <a:p>
             <a:r>
-              <a:rPr lang="en-US" dirty="0" smtClean="0"/>
+              <a:rPr lang="en-US" dirty="0"/>
               <a:t>Content</a:t>
             </a:r>
-            <a:endParaRPr lang="en-US" dirty="0"/>
           </a:p>
         </p:txBody>
       </p:sp>
@@ -4928,175 +4776,104 @@
               <a:rPr lang="en-US" sz="6200" dirty="0"/>
               <a:t>Random Forest </a:t>
             </a:r>
-            <a:endParaRPr lang="en-US" sz="6200" dirty="0" smtClean="0"/>
-          </a:p>
-          <a:p>
-            <a:pPr algn="l"/>
-            <a:r>
-              <a:rPr lang="en-US" sz="6200" dirty="0" smtClean="0"/>
-              <a:t>Random </a:t>
-            </a:r>
-            <a:r>
-              <a:rPr lang="en-US" sz="6200" dirty="0"/>
-              <a:t>Forest Use-Cases </a:t>
-            </a:r>
-            <a:endParaRPr lang="en-US" sz="6200" dirty="0" smtClean="0"/>
-          </a:p>
-          <a:p>
-            <a:pPr algn="l"/>
-            <a:r>
-              <a:rPr lang="en-US" sz="6200" dirty="0" smtClean="0"/>
-              <a:t>Random </a:t>
-            </a:r>
-            <a:r>
-              <a:rPr lang="en-US" sz="6200" dirty="0"/>
-              <a:t>Forest Algorithm </a:t>
-            </a:r>
-            <a:endParaRPr lang="en-US" sz="6200" dirty="0" smtClean="0"/>
-          </a:p>
-          <a:p>
-            <a:pPr algn="l"/>
-            <a:r>
-              <a:rPr lang="en-US" sz="6200" dirty="0" smtClean="0"/>
-              <a:t>KNN </a:t>
-            </a:r>
-            <a:r>
-              <a:rPr lang="en-US" sz="6200" dirty="0"/>
-              <a:t>Algorithm </a:t>
-            </a:r>
-            <a:endParaRPr lang="en-US" sz="6200" dirty="0" smtClean="0"/>
-          </a:p>
-          <a:p>
-            <a:pPr algn="l"/>
-            <a:r>
-              <a:rPr lang="en-US" sz="6200" dirty="0" smtClean="0"/>
-              <a:t>KNN </a:t>
-            </a:r>
-            <a:r>
-              <a:rPr lang="en-US" sz="6200" dirty="0"/>
-              <a:t>Algorithm Working </a:t>
-            </a:r>
-            <a:endParaRPr lang="en-US" sz="6200" dirty="0" smtClean="0"/>
-          </a:p>
-          <a:p>
-            <a:pPr algn="l"/>
-            <a:r>
-              <a:rPr lang="en-US" sz="6200" dirty="0" smtClean="0"/>
-              <a:t>KNN </a:t>
-            </a:r>
-            <a:r>
-              <a:rPr lang="en-US" sz="6200" dirty="0"/>
-              <a:t>Demo </a:t>
-            </a:r>
-            <a:endParaRPr lang="en-US" sz="6200" dirty="0" smtClean="0"/>
-          </a:p>
-          <a:p>
-            <a:pPr algn="l"/>
-            <a:r>
-              <a:rPr lang="en-US" sz="6200" dirty="0" smtClean="0"/>
-              <a:t>Naive </a:t>
-            </a:r>
-            <a:r>
-              <a:rPr lang="en-US" sz="6200" dirty="0"/>
-              <a:t>Bayes </a:t>
-            </a:r>
-            <a:endParaRPr lang="en-US" sz="6200" dirty="0" smtClean="0"/>
-          </a:p>
-          <a:p>
-            <a:pPr algn="l"/>
-            <a:r>
-              <a:rPr lang="en-US" sz="6200" dirty="0" smtClean="0"/>
-              <a:t>Naive </a:t>
-            </a:r>
-            <a:r>
-              <a:rPr lang="en-US" sz="6200" dirty="0"/>
-              <a:t>Bayes Working </a:t>
-            </a:r>
-            <a:endParaRPr lang="en-US" sz="6200" dirty="0" smtClean="0"/>
-          </a:p>
-          <a:p>
-            <a:pPr algn="l"/>
-            <a:r>
-              <a:rPr lang="en-US" sz="6200" dirty="0" smtClean="0"/>
-              <a:t>Industrial </a:t>
-            </a:r>
-            <a:r>
-              <a:rPr lang="en-US" sz="6200" dirty="0"/>
-              <a:t>Use of Naive Bayes </a:t>
-            </a:r>
-            <a:endParaRPr lang="en-US" sz="6200" dirty="0" smtClean="0"/>
-          </a:p>
-          <a:p>
-            <a:pPr algn="l"/>
-            <a:r>
-              <a:rPr lang="en-US" sz="6200" dirty="0" smtClean="0"/>
-              <a:t>Types </a:t>
-            </a:r>
-            <a:r>
-              <a:rPr lang="en-US" sz="6200" dirty="0"/>
-              <a:t>of Naive Bayes </a:t>
-            </a:r>
-            <a:endParaRPr lang="en-US" sz="6200" dirty="0" smtClean="0"/>
-          </a:p>
-          <a:p>
-            <a:pPr algn="l"/>
-            <a:r>
-              <a:rPr lang="en-US" sz="6200" dirty="0" smtClean="0"/>
-              <a:t>Steps </a:t>
-            </a:r>
-            <a:r>
-              <a:rPr lang="en-US" sz="6200" dirty="0"/>
-              <a:t>involved in Naive Bayes </a:t>
-            </a:r>
-            <a:endParaRPr lang="en-US" sz="6200" dirty="0" smtClean="0"/>
-          </a:p>
-          <a:p>
-            <a:pPr algn="l"/>
-            <a:r>
-              <a:rPr lang="en-US" sz="6200" dirty="0" smtClean="0"/>
-              <a:t>PIMA </a:t>
-            </a:r>
-            <a:r>
-              <a:rPr lang="en-US" sz="6200" dirty="0"/>
-              <a:t>Diabetic Test Use Case </a:t>
-            </a:r>
-            <a:endParaRPr lang="en-US" sz="6200" dirty="0" smtClean="0"/>
-          </a:p>
-          <a:p>
-            <a:pPr algn="l"/>
-            <a:r>
-              <a:rPr lang="en-US" sz="6200" dirty="0" smtClean="0"/>
-              <a:t>Support </a:t>
-            </a:r>
-            <a:r>
-              <a:rPr lang="en-US" sz="6200" dirty="0"/>
-              <a:t>Vector Machine </a:t>
-            </a:r>
-            <a:endParaRPr lang="en-US" sz="6200" dirty="0" smtClean="0"/>
-          </a:p>
-          <a:p>
-            <a:pPr algn="l"/>
-            <a:r>
-              <a:rPr lang="en-US" sz="6200" dirty="0" smtClean="0"/>
-              <a:t>Non-Linear </a:t>
-            </a:r>
-            <a:r>
-              <a:rPr lang="en-US" sz="6200" dirty="0"/>
-              <a:t>SVM </a:t>
-            </a:r>
-            <a:endParaRPr lang="en-US" sz="6200" dirty="0" smtClean="0"/>
-          </a:p>
-          <a:p>
-            <a:pPr algn="l"/>
-            <a:r>
-              <a:rPr lang="en-US" sz="6200" dirty="0" smtClean="0"/>
-              <a:t>SVM </a:t>
-            </a:r>
-            <a:r>
-              <a:rPr lang="en-US" sz="6200" dirty="0"/>
-              <a:t>Use-case </a:t>
-            </a:r>
-            <a:endParaRPr lang="en-US" sz="6200" dirty="0" smtClean="0"/>
+          </a:p>
+          <a:p>
+            <a:pPr algn="l"/>
+            <a:r>
+              <a:rPr lang="en-US" sz="6200" dirty="0"/>
+              <a:t>Random Forest Use-Cases </a:t>
+            </a:r>
+          </a:p>
+          <a:p>
+            <a:pPr algn="l"/>
+            <a:r>
+              <a:rPr lang="en-US" sz="6200" dirty="0"/>
+              <a:t>Random Forest Algorithm </a:t>
+            </a:r>
+          </a:p>
+          <a:p>
+            <a:pPr algn="l"/>
+            <a:r>
+              <a:rPr lang="en-US" sz="6200" dirty="0"/>
+              <a:t>KNN Algorithm </a:t>
+            </a:r>
+          </a:p>
+          <a:p>
+            <a:pPr algn="l"/>
+            <a:r>
+              <a:rPr lang="en-US" sz="6200" dirty="0"/>
+              <a:t>KNN Algorithm Working </a:t>
+            </a:r>
+          </a:p>
+          <a:p>
+            <a:pPr algn="l"/>
+            <a:r>
+              <a:rPr lang="en-US" sz="6200" dirty="0"/>
+              <a:t>KNN Demo </a:t>
+            </a:r>
+          </a:p>
+          <a:p>
+            <a:pPr algn="l"/>
+            <a:r>
+              <a:rPr lang="en-US" sz="6200" dirty="0"/>
+              <a:t>Naive Bayes </a:t>
+            </a:r>
+          </a:p>
+          <a:p>
+            <a:pPr algn="l"/>
+            <a:r>
+              <a:rPr lang="en-US" sz="6200" dirty="0"/>
+              <a:t>Naive Bayes Working </a:t>
+            </a:r>
+          </a:p>
+          <a:p>
+            <a:pPr algn="l"/>
+            <a:r>
+              <a:rPr lang="en-US" sz="6200" dirty="0"/>
+              <a:t>Industrial Use of Naive Bayes </a:t>
+            </a:r>
+          </a:p>
+          <a:p>
+            <a:pPr algn="l"/>
+            <a:r>
+              <a:rPr lang="en-US" sz="6200" dirty="0"/>
+              <a:t>Types of Naive Bayes </a:t>
+            </a:r>
+          </a:p>
+          <a:p>
+            <a:pPr algn="l"/>
+            <a:r>
+              <a:rPr lang="en-US" sz="6200" dirty="0"/>
+              <a:t>Steps involved in Naive Bayes </a:t>
+            </a:r>
+          </a:p>
+          <a:p>
+            <a:pPr algn="l"/>
+            <a:r>
+              <a:rPr lang="en-US" sz="6200" dirty="0"/>
+              <a:t>PIMA Diabetic Test Use Case </a:t>
+            </a:r>
+          </a:p>
+          <a:p>
+            <a:pPr algn="l"/>
+            <a:r>
+              <a:rPr lang="en-US" sz="6200" dirty="0"/>
+              <a:t>Support Vector Machine </a:t>
+            </a:r>
+          </a:p>
+          <a:p>
+            <a:pPr algn="l"/>
+            <a:r>
+              <a:rPr lang="en-US" sz="6200" dirty="0"/>
+              <a:t>Non-Linear SVM </a:t>
+            </a:r>
+          </a:p>
+          <a:p>
+            <a:pPr algn="l"/>
+            <a:r>
+              <a:rPr lang="en-US" sz="6200" dirty="0"/>
+              <a:t>SVM Use-case </a:t>
+            </a:r>
           </a:p>
         </p:txBody>
       </p:sp>
@@ -5123,10 +4900,9 @@
           <a:lstStyle/>
           <a:p>
             <a:r>
-              <a:rPr lang="en-US" dirty="0" smtClean="0"/>
+              <a:rPr lang="en-US" dirty="0"/>
               <a:t>Content</a:t>
             </a:r>
-            <a:endParaRPr lang="en-US" dirty="0"/>
           </a:p>
         </p:txBody>
       </p:sp>
@@ -5184,173 +4960,104 @@
           <a:p>
             <a:pPr algn="l"/>
             <a:r>
-              <a:rPr lang="en-US" sz="6200" dirty="0" smtClean="0"/>
-              <a:t>K-Means </a:t>
-            </a:r>
-            <a:r>
-              <a:rPr lang="en-US" sz="6200" dirty="0"/>
-              <a:t>Clustering &amp; Association Rule Mining </a:t>
-            </a:r>
-            <a:endParaRPr lang="en-US" sz="6200" dirty="0" smtClean="0"/>
-          </a:p>
-          <a:p>
-            <a:pPr algn="l"/>
-            <a:r>
-              <a:rPr lang="en-US" sz="6200" dirty="0" smtClean="0"/>
-              <a:t>Types </a:t>
-            </a:r>
-            <a:r>
-              <a:rPr lang="en-US" sz="6200" dirty="0"/>
-              <a:t>of Clustering </a:t>
-            </a:r>
-            <a:endParaRPr lang="en-US" sz="6200" dirty="0" smtClean="0"/>
-          </a:p>
-          <a:p>
-            <a:pPr algn="l"/>
-            <a:r>
-              <a:rPr lang="en-US" sz="6200" dirty="0" smtClean="0"/>
-              <a:t>K-Means </a:t>
-            </a:r>
-            <a:r>
-              <a:rPr lang="en-US" sz="6200" dirty="0"/>
-              <a:t>Clustering </a:t>
-            </a:r>
-            <a:endParaRPr lang="en-US" sz="6200" dirty="0" smtClean="0"/>
-          </a:p>
-          <a:p>
-            <a:pPr algn="l"/>
-            <a:r>
-              <a:rPr lang="en-US" sz="6200" dirty="0" smtClean="0"/>
-              <a:t>K-Means </a:t>
-            </a:r>
-            <a:r>
-              <a:rPr lang="en-US" sz="6200" dirty="0"/>
-              <a:t>Working </a:t>
-            </a:r>
-            <a:endParaRPr lang="en-US" sz="6200" dirty="0" smtClean="0"/>
-          </a:p>
-          <a:p>
-            <a:pPr algn="l"/>
-            <a:r>
-              <a:rPr lang="en-US" sz="6200" dirty="0" smtClean="0"/>
-              <a:t>Pros </a:t>
-            </a:r>
-            <a:r>
-              <a:rPr lang="en-US" sz="6200" dirty="0"/>
-              <a:t>&amp; Cons of K-Means Clustering </a:t>
-            </a:r>
-            <a:endParaRPr lang="en-US" sz="6200" dirty="0" smtClean="0"/>
-          </a:p>
-          <a:p>
-            <a:pPr algn="l"/>
-            <a:r>
-              <a:rPr lang="en-US" sz="6200" dirty="0" smtClean="0"/>
-              <a:t>K-Means </a:t>
-            </a:r>
-            <a:r>
-              <a:rPr lang="en-US" sz="6200" dirty="0"/>
-              <a:t>Demo </a:t>
-            </a:r>
-            <a:endParaRPr lang="en-US" sz="6200" dirty="0" smtClean="0"/>
-          </a:p>
-          <a:p>
-            <a:pPr algn="l"/>
-            <a:r>
-              <a:rPr lang="en-US" sz="6200" dirty="0" smtClean="0"/>
-              <a:t>Hierarchical </a:t>
-            </a:r>
-            <a:r>
-              <a:rPr lang="en-US" sz="6200" dirty="0"/>
-              <a:t>Clustering </a:t>
-            </a:r>
-            <a:endParaRPr lang="en-US" sz="6200" dirty="0" smtClean="0"/>
-          </a:p>
-          <a:p>
-            <a:pPr algn="l"/>
-            <a:r>
-              <a:rPr lang="en-US" sz="6200" dirty="0" smtClean="0"/>
-              <a:t>Association </a:t>
-            </a:r>
-            <a:r>
-              <a:rPr lang="en-US" sz="6200" dirty="0"/>
-              <a:t>Rule Mining </a:t>
-            </a:r>
-            <a:endParaRPr lang="en-US" sz="6200" dirty="0" smtClean="0"/>
-          </a:p>
-          <a:p>
-            <a:pPr algn="l"/>
-            <a:r>
-              <a:rPr lang="en-US" sz="6200" dirty="0" err="1" smtClean="0"/>
+              <a:rPr lang="en-US" sz="6200" dirty="0"/>
+              <a:t>K-Means Clustering &amp; Association Rule Mining </a:t>
+            </a:r>
+          </a:p>
+          <a:p>
+            <a:pPr algn="l"/>
+            <a:r>
+              <a:rPr lang="en-US" sz="6200" dirty="0"/>
+              <a:t>Types of Clustering </a:t>
+            </a:r>
+          </a:p>
+          <a:p>
+            <a:pPr algn="l"/>
+            <a:r>
+              <a:rPr lang="en-US" sz="6200" dirty="0"/>
+              <a:t>K-Means Clustering </a:t>
+            </a:r>
+          </a:p>
+          <a:p>
+            <a:pPr algn="l"/>
+            <a:r>
+              <a:rPr lang="en-US" sz="6200" dirty="0"/>
+              <a:t>K-Means Working </a:t>
+            </a:r>
+          </a:p>
+          <a:p>
+            <a:pPr algn="l"/>
+            <a:r>
+              <a:rPr lang="en-US" sz="6200" dirty="0"/>
+              <a:t>Pros &amp; Cons of K-Means Clustering </a:t>
+            </a:r>
+          </a:p>
+          <a:p>
+            <a:pPr algn="l"/>
+            <a:r>
+              <a:rPr lang="en-US" sz="6200" dirty="0"/>
+              <a:t>K-Means Demo </a:t>
+            </a:r>
+          </a:p>
+          <a:p>
+            <a:pPr algn="l"/>
+            <a:r>
+              <a:rPr lang="en-US" sz="6200" dirty="0"/>
+              <a:t>Hierarchical Clustering </a:t>
+            </a:r>
+          </a:p>
+          <a:p>
+            <a:pPr algn="l"/>
+            <a:r>
+              <a:rPr lang="en-US" sz="6200" dirty="0"/>
+              <a:t>Association Rule Mining </a:t>
+            </a:r>
+          </a:p>
+          <a:p>
+            <a:pPr algn="l"/>
+            <a:r>
+              <a:rPr lang="en-US" sz="6200" dirty="0" err="1"/>
               <a:t>Apriori</a:t>
             </a:r>
             <a:r>
-              <a:rPr lang="en-US" sz="6200" dirty="0" smtClean="0"/>
-              <a:t> </a:t>
-            </a:r>
-            <a:r>
-              <a:rPr lang="en-US" sz="6200" dirty="0"/>
-              <a:t>Algorithm </a:t>
-            </a:r>
-            <a:endParaRPr lang="en-US" sz="6200" dirty="0" smtClean="0"/>
-          </a:p>
-          <a:p>
-            <a:pPr algn="l"/>
-            <a:r>
-              <a:rPr lang="en-US" sz="6200" dirty="0" err="1" smtClean="0"/>
+              <a:rPr lang="en-US" sz="6200" dirty="0"/>
+              <a:t> Algorithm </a:t>
+            </a:r>
+          </a:p>
+          <a:p>
+            <a:pPr algn="l"/>
+            <a:r>
+              <a:rPr lang="en-US" sz="6200" dirty="0" err="1"/>
               <a:t>Apriori</a:t>
             </a:r>
             <a:r>
-              <a:rPr lang="en-US" sz="6200" dirty="0" smtClean="0"/>
-              <a:t> </a:t>
-            </a:r>
-            <a:r>
-              <a:rPr lang="en-US" sz="6200" dirty="0"/>
-              <a:t>Algorithm Demo </a:t>
-            </a:r>
-            <a:endParaRPr lang="en-US" sz="6200" dirty="0" smtClean="0"/>
-          </a:p>
-          <a:p>
-            <a:pPr algn="l"/>
-            <a:r>
-              <a:rPr lang="en-US" sz="6200" dirty="0" smtClean="0"/>
-              <a:t>Reinforcement </a:t>
-            </a:r>
-            <a:r>
-              <a:rPr lang="en-US" sz="6200" dirty="0"/>
-              <a:t>Learning </a:t>
-            </a:r>
-            <a:endParaRPr lang="en-US" sz="6200" dirty="0" smtClean="0"/>
-          </a:p>
-          <a:p>
-            <a:pPr algn="l"/>
-            <a:r>
-              <a:rPr lang="en-US" sz="6200" dirty="0" smtClean="0"/>
-              <a:t>	Reinforcement </a:t>
-            </a:r>
-            <a:r>
-              <a:rPr lang="en-US" sz="6200" dirty="0"/>
-              <a:t>Learning: Counter-Strike Example </a:t>
-            </a:r>
-            <a:endParaRPr lang="en-US" sz="6200" dirty="0" smtClean="0"/>
-          </a:p>
-          <a:p>
-            <a:pPr algn="l"/>
-            <a:r>
-              <a:rPr lang="en-US" sz="6200" dirty="0" smtClean="0"/>
-              <a:t>Markov's </a:t>
-            </a:r>
-            <a:r>
-              <a:rPr lang="en-US" sz="6200" dirty="0"/>
-              <a:t>Decision Process </a:t>
-            </a:r>
-            <a:endParaRPr lang="en-US" sz="6200" dirty="0" smtClean="0"/>
-          </a:p>
-          <a:p>
-            <a:pPr algn="l"/>
-            <a:r>
-              <a:rPr lang="en-US" sz="6600" dirty="0"/>
-              <a:t/>
-            </a:r>
+              <a:rPr lang="en-US" sz="6200" dirty="0"/>
+              <a:t> Algorithm Demo </a:t>
+            </a:r>
+          </a:p>
+          <a:p>
+            <a:pPr algn="l"/>
+            <a:r>
+              <a:rPr lang="en-US" sz="6200" dirty="0"/>
+              <a:t>Reinforcement Learning </a:t>
+            </a:r>
+          </a:p>
+          <a:p>
+            <a:pPr algn="l"/>
+            <a:r>
+              <a:rPr lang="en-US" sz="6200" dirty="0"/>
+              <a:t>	Reinforcement Learning: Counter-Strike Example </a:t>
+            </a:r>
+          </a:p>
+          <a:p>
+            <a:pPr algn="l"/>
+            <a:r>
+              <a:rPr lang="en-US" sz="6200" dirty="0"/>
+              <a:t>Markov's Decision Process </a:t>
+            </a:r>
+          </a:p>
+          <a:p>
+            <a:pPr algn="l"/>
             <a:br>
               <a:rPr lang="en-US" sz="6600" dirty="0"/>
             </a:br>
@@ -5381,10 +5088,9 @@
           <a:lstStyle/>
           <a:p>
             <a:r>
-              <a:rPr lang="en-US" dirty="0" smtClean="0"/>
+              <a:rPr lang="en-US" dirty="0"/>
               <a:t>Content</a:t>
             </a:r>
-            <a:endParaRPr lang="en-US" dirty="0"/>
           </a:p>
         </p:txBody>
       </p:sp>
@@ -5933,25 +5639,31 @@
 </file>
 
 <file path=customXml/item2.xml><?xml version="1.0" encoding="utf-8"?>
-<ct:contentTypeSchema xmlns:ct="http://schemas.microsoft.com/office/2006/metadata/contentType" xmlns:ma="http://schemas.microsoft.com/office/2006/metadata/properties/metaAttributes" ct:_="" ma:_="" ma:contentTypeName="Document" ma:contentTypeID="0x0101005C95E28EB4F1AE4EA830B9DDD08CC1FF" ma:contentTypeVersion="10" ma:contentTypeDescription="Create a new document." ma:contentTypeScope="" ma:versionID="20dfb4a97035722bd5d5d54ec6843d9f">
-  <xsd:schema xmlns:xsd="http://www.w3.org/2001/XMLSchema" xmlns:xs="http://www.w3.org/2001/XMLSchema" xmlns:p="http://schemas.microsoft.com/office/2006/metadata/properties" xmlns:ns3="e952817d-e710-49f8-8fe8-670d54f74e49" targetNamespace="http://schemas.microsoft.com/office/2006/metadata/properties" ma:root="true" ma:fieldsID="b2a36c1fa72a9e04b3dfa6c9447ebb14" ns3:_="">
-    <xsd:import namespace="e952817d-e710-49f8-8fe8-670d54f74e49"/>
+<p:properties xmlns:p="http://schemas.microsoft.com/office/2006/metadata/properties" xmlns:xsi="http://www.w3.org/2001/XMLSchema-instance" xmlns:pc="http://schemas.microsoft.com/office/infopath/2007/PartnerControls">
+  <documentManagement/>
+</p:properties>
+</file>
+
+<file path=customXml/item3.xml><?xml version="1.0" encoding="utf-8"?>
+<ct:contentTypeSchema xmlns:ct="http://schemas.microsoft.com/office/2006/metadata/contentType" xmlns:ma="http://schemas.microsoft.com/office/2006/metadata/properties/metaAttributes" ct:_="" ma:_="" ma:contentTypeName="Document" ma:contentTypeID="0x01010040A75B615E1C194CABC80F3CAEA6E4E5" ma:contentTypeVersion="9" ma:contentTypeDescription="Create a new document." ma:contentTypeScope="" ma:versionID="4a1cf2a28ba0a9e91fab658e05820dde">
+  <xsd:schema xmlns:xsd="http://www.w3.org/2001/XMLSchema" xmlns:xs="http://www.w3.org/2001/XMLSchema" xmlns:p="http://schemas.microsoft.com/office/2006/metadata/properties" xmlns:ns3="d97dfd74-0758-4aac-b7c3-4f13d10397e8" xmlns:ns4="851bce1a-01c5-49d9-967d-64af5945ebef" targetNamespace="http://schemas.microsoft.com/office/2006/metadata/properties" ma:root="true" ma:fieldsID="090359357a8ddcd8bb6253bd66cd91d0" ns3:_="" ns4:_="">
+    <xsd:import namespace="d97dfd74-0758-4aac-b7c3-4f13d10397e8"/>
+    <xsd:import namespace="851bce1a-01c5-49d9-967d-64af5945ebef"/>
     <xsd:element name="properties">
       <xsd:complexType>
         <xsd:sequence>
           <xsd:element name="documentManagement">
             <xsd:complexType>
               <xsd:all>
-                <xsd:element ref="ns3:MediaServiceMetadata" minOccurs="0"/>
-                <xsd:element ref="ns3:MediaServiceFastMetadata" minOccurs="0"/>
-                <xsd:element ref="ns3:MediaServiceDateTaken" minOccurs="0"/>
-                <xsd:element ref="ns3:MediaServiceAutoTags" minOccurs="0"/>
-                <xsd:element ref="ns3:MediaServiceOCR" minOccurs="0"/>
-                <xsd:element ref="ns3:MediaServiceGenerationTime" minOccurs="0"/>
-                <xsd:element ref="ns3:MediaServiceEventHashCode" minOccurs="0"/>
-                <xsd:element ref="ns3:MediaServiceAutoKeyPoints" minOccurs="0"/>
-                <xsd:element ref="ns3:MediaServiceKeyPoints" minOccurs="0"/>
-                <xsd:element ref="ns3:MediaServiceLocation" minOccurs="0"/>
+                <xsd:element ref="ns3:SharedWithUsers" minOccurs="0"/>
+                <xsd:element ref="ns3:SharedWithDetails" minOccurs="0"/>
+                <xsd:element ref="ns3:SharingHintHash" minOccurs="0"/>
+                <xsd:element ref="ns4:MediaServiceMetadata" minOccurs="0"/>
+                <xsd:element ref="ns4:MediaServiceFastMetadata" minOccurs="0"/>
+                <xsd:element ref="ns4:MediaServiceDateTaken" minOccurs="0"/>
+                <xsd:element ref="ns4:MediaServiceAutoTags" minOccurs="0"/>
+                <xsd:element ref="ns4:MediaServiceOCR" minOccurs="0"/>
+                <xsd:element ref="ns4:MediaServiceLocation" minOccurs="0"/>
               </xsd:all>
             </xsd:complexType>
           </xsd:element>
@@ -5959,59 +5671,72 @@
       </xsd:complexType>
     </xsd:element>
   </xsd:schema>
-  <xsd:schema xmlns:xsd="http://www.w3.org/2001/XMLSchema" xmlns:xs="http://www.w3.org/2001/XMLSchema" xmlns:dms="http://schemas.microsoft.com/office/2006/documentManagement/types" xmlns:pc="http://schemas.microsoft.com/office/infopath/2007/PartnerControls" targetNamespace="e952817d-e710-49f8-8fe8-670d54f74e49" elementFormDefault="qualified">
+  <xsd:schema xmlns:xsd="http://www.w3.org/2001/XMLSchema" xmlns:xs="http://www.w3.org/2001/XMLSchema" xmlns:dms="http://schemas.microsoft.com/office/2006/documentManagement/types" xmlns:pc="http://schemas.microsoft.com/office/infopath/2007/PartnerControls" targetNamespace="d97dfd74-0758-4aac-b7c3-4f13d10397e8" elementFormDefault="qualified">
     <xsd:import namespace="http://schemas.microsoft.com/office/2006/documentManagement/types"/>
     <xsd:import namespace="http://schemas.microsoft.com/office/infopath/2007/PartnerControls"/>
-    <xsd:element name="MediaServiceMetadata" ma:index="8" nillable="true" ma:displayName="MediaServiceMetadata" ma:hidden="true" ma:internalName="MediaServiceMetadata" ma:readOnly="true">
-      <xsd:simpleType>
-        <xsd:restriction base="dms:Note"/>
-      </xsd:simpleType>
+    <xsd:element name="SharedWithUsers" ma:index="8" nillable="true" ma:displayName="Shared With" ma:internalName="SharedWithUsers" ma:readOnly="true">
+      <xsd:complexType>
+        <xsd:complexContent>
+          <xsd:extension base="dms:UserMulti">
+            <xsd:sequence>
+              <xsd:element name="UserInfo" minOccurs="0" maxOccurs="unbounded">
+                <xsd:complexType>
+                  <xsd:sequence>
+                    <xsd:element name="DisplayName" type="xsd:string" minOccurs="0"/>
+                    <xsd:element name="AccountId" type="dms:UserId" minOccurs="0" nillable="true"/>
+                    <xsd:element name="AccountType" type="xsd:string" minOccurs="0"/>
+                  </xsd:sequence>
+                </xsd:complexType>
+              </xsd:element>
+            </xsd:sequence>
+          </xsd:extension>
+        </xsd:complexContent>
+      </xsd:complexType>
     </xsd:element>
-    <xsd:element name="MediaServiceFastMetadata" ma:index="9" nillable="true" ma:displayName="MediaServiceFastMetadata" ma:hidden="true" ma:internalName="MediaServiceFastMetadata" ma:readOnly="true">
-      <xsd:simpleType>
-        <xsd:restriction base="dms:Note"/>
-      </xsd:simpleType>
-    </xsd:element>
-    <xsd:element name="MediaServiceDateTaken" ma:index="10" nillable="true" ma:displayName="MediaServiceDateTaken" ma:hidden="true" ma:internalName="MediaServiceDateTaken" ma:readOnly="true">
-      <xsd:simpleType>
-        <xsd:restriction base="dms:Text"/>
-      </xsd:simpleType>
-    </xsd:element>
-    <xsd:element name="MediaServiceAutoTags" ma:index="11" nillable="true" ma:displayName="Tags" ma:internalName="MediaServiceAutoTags" ma:readOnly="true">
-      <xsd:simpleType>
-        <xsd:restriction base="dms:Text"/>
-      </xsd:simpleType>
-    </xsd:element>
-    <xsd:element name="MediaServiceOCR" ma:index="12" nillable="true" ma:displayName="Extracted Text" ma:internalName="MediaServiceOCR" ma:readOnly="true">
+    <xsd:element name="SharedWithDetails" ma:index="9" nillable="true" ma:displayName="Shared With Details" ma:description="" ma:internalName="SharedWithDetails" ma:readOnly="true">
       <xsd:simpleType>
         <xsd:restriction base="dms:Note">
           <xsd:maxLength value="255"/>
         </xsd:restriction>
       </xsd:simpleType>
     </xsd:element>
-    <xsd:element name="MediaServiceGenerationTime" ma:index="13" nillable="true" ma:displayName="MediaServiceGenerationTime" ma:hidden="true" ma:internalName="MediaServiceGenerationTime" ma:readOnly="true">
+    <xsd:element name="SharingHintHash" ma:index="10" nillable="true" ma:displayName="Sharing Hint Hash" ma:description="" ma:hidden="true" ma:internalName="SharingHintHash" ma:readOnly="true">
       <xsd:simpleType>
         <xsd:restriction base="dms:Text"/>
       </xsd:simpleType>
     </xsd:element>
-    <xsd:element name="MediaServiceEventHashCode" ma:index="14" nillable="true" ma:displayName="MediaServiceEventHashCode" ma:hidden="true" ma:internalName="MediaServiceEventHashCode" ma:readOnly="true">
+  </xsd:schema>
+  <xsd:schema xmlns:xsd="http://www.w3.org/2001/XMLSchema" xmlns:xs="http://www.w3.org/2001/XMLSchema" xmlns:dms="http://schemas.microsoft.com/office/2006/documentManagement/types" xmlns:pc="http://schemas.microsoft.com/office/infopath/2007/PartnerControls" targetNamespace="851bce1a-01c5-49d9-967d-64af5945ebef" elementFormDefault="qualified">
+    <xsd:import namespace="http://schemas.microsoft.com/office/2006/documentManagement/types"/>
+    <xsd:import namespace="http://schemas.microsoft.com/office/infopath/2007/PartnerControls"/>
+    <xsd:element name="MediaServiceMetadata" ma:index="11" nillable="true" ma:displayName="MediaServiceMetadata" ma:description="" ma:hidden="true" ma:internalName="MediaServiceMetadata" ma:readOnly="true">
+      <xsd:simpleType>
+        <xsd:restriction base="dms:Note"/>
+      </xsd:simpleType>
+    </xsd:element>
+    <xsd:element name="MediaServiceFastMetadata" ma:index="12" nillable="true" ma:displayName="MediaServiceFastMetadata" ma:description="" ma:hidden="true" ma:internalName="MediaServiceFastMetadata" ma:readOnly="true">
+      <xsd:simpleType>
+        <xsd:restriction base="dms:Note"/>
+      </xsd:simpleType>
+    </xsd:element>
+    <xsd:element name="MediaServiceDateTaken" ma:index="13" nillable="true" ma:displayName="MediaServiceDateTaken" ma:description="" ma:hidden="true" ma:internalName="MediaServiceDateTaken" ma:readOnly="true">
       <xsd:simpleType>
         <xsd:restriction base="dms:Text"/>
       </xsd:simpleType>
     </xsd:element>
-    <xsd:element name="MediaServiceAutoKeyPoints" ma:index="15" nillable="true" ma:displayName="MediaServiceAutoKeyPoints" ma:hidden="true" ma:internalName="MediaServiceAutoKeyPoints" ma:readOnly="true">
+    <xsd:element name="MediaServiceAutoTags" ma:index="14" nillable="true" ma:displayName="Tags" ma:internalName="MediaServiceAutoTags" ma:readOnly="true">
       <xsd:simpleType>
-        <xsd:restriction base="dms:Note"/>
+        <xsd:restriction base="dms:Text"/>
       </xsd:simpleType>
     </xsd:element>
-    <xsd:element name="MediaServiceKeyPoints" ma:index="16" nillable="true" ma:displayName="KeyPoints" ma:internalName="MediaServiceKeyPoints" ma:readOnly="true">
+    <xsd:element name="MediaServiceOCR" ma:index="15" nillable="true" ma:displayName="Extracted Text" ma:internalName="MediaServiceOCR" ma:readOnly="true">
       <xsd:simpleType>
         <xsd:restriction base="dms:Note">
           <xsd:maxLength value="255"/>
         </xsd:restriction>
       </xsd:simpleType>
     </xsd:element>
-    <xsd:element name="MediaServiceLocation" ma:index="17" nillable="true" ma:displayName="Location" ma:internalName="MediaServiceLocation" ma:readOnly="true">
+    <xsd:element name="MediaServiceLocation" ma:index="16" nillable="true" ma:displayName="Location" ma:internalName="MediaServiceLocation" ma:readOnly="true">
       <xsd:simpleType>
         <xsd:restriction base="dms:Text"/>
       </xsd:simpleType>
@@ -6116,12 +5841,6 @@
 </ct:contentTypeSchema>
 </file>
 
-<file path=customXml/item3.xml><?xml version="1.0" encoding="utf-8"?>
-<p:properties xmlns:p="http://schemas.microsoft.com/office/2006/metadata/properties" xmlns:xsi="http://www.w3.org/2001/XMLSchema-instance" xmlns:pc="http://schemas.microsoft.com/office/infopath/2007/PartnerControls">
-  <documentManagement/>
-</p:properties>
-</file>
-
 <file path=customXml/itemProps1.xml><?xml version="1.0" encoding="utf-8"?>
 <ds:datastoreItem xmlns:ds="http://schemas.openxmlformats.org/officeDocument/2006/customXml" ds:itemID="{9A56549F-9000-409B-8EE1-A7AE4257567A}">
   <ds:schemaRefs>
@@ -6131,13 +5850,31 @@
 </file>
 
 <file path=customXml/itemProps2.xml><?xml version="1.0" encoding="utf-8"?>
-<ds:datastoreItem xmlns:ds="http://schemas.openxmlformats.org/officeDocument/2006/customXml" ds:itemID="{DC8057EA-5DCD-4269-9D62-1CFB40692CFA}">
+<ds:datastoreItem xmlns:ds="http://schemas.openxmlformats.org/officeDocument/2006/customXml" ds:itemID="{AC2D31F3-7864-444C-82A7-D6387F098876}">
+  <ds:schemaRefs>
+    <ds:schemaRef ds:uri="http://schemas.microsoft.com/office/2006/documentManagement/types"/>
+    <ds:schemaRef ds:uri="http://purl.org/dc/terms/"/>
+    <ds:schemaRef ds:uri="http://schemas.openxmlformats.org/package/2006/metadata/core-properties"/>
+    <ds:schemaRef ds:uri="http://purl.org/dc/dcmitype/"/>
+    <ds:schemaRef ds:uri="http://schemas.microsoft.com/office/infopath/2007/PartnerControls"/>
+    <ds:schemaRef ds:uri="http://purl.org/dc/elements/1.1/"/>
+    <ds:schemaRef ds:uri="http://schemas.microsoft.com/office/2006/metadata/properties"/>
+    <ds:schemaRef ds:uri="d97dfd74-0758-4aac-b7c3-4f13d10397e8"/>
+    <ds:schemaRef ds:uri="851bce1a-01c5-49d9-967d-64af5945ebef"/>
+    <ds:schemaRef ds:uri="http://www.w3.org/XML/1998/namespace"/>
+  </ds:schemaRefs>
+</ds:datastoreItem>
+</file>
+
+<file path=customXml/itemProps3.xml><?xml version="1.0" encoding="utf-8"?>
+<ds:datastoreItem xmlns:ds="http://schemas.openxmlformats.org/officeDocument/2006/customXml" ds:itemID="{A173A3F4-56E8-4506-812D-90D9C8F7ED90}">
   <ds:schemaRefs>
     <ds:schemaRef ds:uri="http://schemas.microsoft.com/office/2006/metadata/contentType"/>
     <ds:schemaRef ds:uri="http://schemas.microsoft.com/office/2006/metadata/properties/metaAttributes"/>
     <ds:schemaRef ds:uri="http://www.w3.org/2001/XMLSchema"/>
     <ds:schemaRef ds:uri="http://schemas.microsoft.com/office/2006/metadata/properties"/>
-    <ds:schemaRef ds:uri="e952817d-e710-49f8-8fe8-670d54f74e49"/>
+    <ds:schemaRef ds:uri="d97dfd74-0758-4aac-b7c3-4f13d10397e8"/>
+    <ds:schemaRef ds:uri="851bce1a-01c5-49d9-967d-64af5945ebef"/>
     <ds:schemaRef ds:uri="http://schemas.microsoft.com/office/2006/documentManagement/types"/>
     <ds:schemaRef ds:uri="http://schemas.microsoft.com/office/infopath/2007/PartnerControls"/>
     <ds:schemaRef ds:uri="http://schemas.openxmlformats.org/package/2006/metadata/core-properties"/>
@@ -6146,20 +5883,4 @@
     <ds:schemaRef ds:uri="http://schemas.microsoft.com/internal/obd"/>
   </ds:schemaRefs>
 </ds:datastoreItem>
-</file>
-
-<file path=customXml/itemProps3.xml><?xml version="1.0" encoding="utf-8"?>
-<ds:datastoreItem xmlns:ds="http://schemas.openxmlformats.org/officeDocument/2006/customXml" ds:itemID="{AC2D31F3-7864-444C-82A7-D6387F098876}">
-  <ds:schemaRefs>
-    <ds:schemaRef ds:uri="http://schemas.microsoft.com/office/infopath/2007/PartnerControls"/>
-    <ds:schemaRef ds:uri="e952817d-e710-49f8-8fe8-670d54f74e49"/>
-    <ds:schemaRef ds:uri="http://purl.org/dc/elements/1.1/"/>
-    <ds:schemaRef ds:uri="http://schemas.microsoft.com/office/2006/metadata/properties"/>
-    <ds:schemaRef ds:uri="http://purl.org/dc/terms/"/>
-    <ds:schemaRef ds:uri="http://schemas.openxmlformats.org/package/2006/metadata/core-properties"/>
-    <ds:schemaRef ds:uri="http://schemas.microsoft.com/office/2006/documentManagement/types"/>
-    <ds:schemaRef ds:uri="http://purl.org/dc/dcmitype/"/>
-    <ds:schemaRef ds:uri="http://www.w3.org/XML/1998/namespace"/>
-  </ds:schemaRefs>
-</ds:datastoreItem>
 </file>
--- a/AI-ML-DL/Machine Learning.pptx
+++ b/AI-ML-DL/Machine Learning.pptx
@@ -5,19 +5,29 @@
     <p:sldMasterId id="2147483648" r:id="rId4"/>
   </p:sldMasterIdLst>
   <p:notesMasterIdLst>
-    <p:notesMasterId r:id="rId15"/>
+    <p:notesMasterId r:id="rId25"/>
   </p:notesMasterIdLst>
   <p:sldIdLst>
     <p:sldId id="256" r:id="rId5"/>
-    <p:sldId id="258" r:id="rId6"/>
-    <p:sldId id="260" r:id="rId7"/>
+    <p:sldId id="260" r:id="rId6"/>
+    <p:sldId id="258" r:id="rId7"/>
     <p:sldId id="257" r:id="rId8"/>
-    <p:sldId id="261" r:id="rId9"/>
-    <p:sldId id="262" r:id="rId10"/>
-    <p:sldId id="263" r:id="rId11"/>
-    <p:sldId id="264" r:id="rId12"/>
-    <p:sldId id="265" r:id="rId13"/>
-    <p:sldId id="266" r:id="rId14"/>
+    <p:sldId id="267" r:id="rId9"/>
+    <p:sldId id="261" r:id="rId10"/>
+    <p:sldId id="269" r:id="rId11"/>
+    <p:sldId id="270" r:id="rId12"/>
+    <p:sldId id="268" r:id="rId13"/>
+    <p:sldId id="271" r:id="rId14"/>
+    <p:sldId id="272" r:id="rId15"/>
+    <p:sldId id="273" r:id="rId16"/>
+    <p:sldId id="274" r:id="rId17"/>
+    <p:sldId id="275" r:id="rId18"/>
+    <p:sldId id="262" r:id="rId19"/>
+    <p:sldId id="263" r:id="rId20"/>
+    <p:sldId id="276" r:id="rId21"/>
+    <p:sldId id="264" r:id="rId22"/>
+    <p:sldId id="265" r:id="rId23"/>
+    <p:sldId id="266" r:id="rId24"/>
   </p:sldIdLst>
   <p:sldSz cx="12192000" cy="6858000"/>
   <p:notesSz cx="6858000" cy="9144000"/>
@@ -3496,119 +3506,165 @@
         </p:nvSpPr>
         <p:spPr>
           <a:xfrm>
-            <a:off x="1166948" y="815294"/>
-            <a:ext cx="9144000" cy="5498419"/>
+            <a:off x="134647" y="935215"/>
+            <a:ext cx="10968760" cy="5498419"/>
           </a:xfrm>
         </p:spPr>
         <p:txBody>
           <a:bodyPr>
-            <a:normAutofit fontScale="40000" lnSpcReduction="20000"/>
+            <a:normAutofit/>
           </a:bodyPr>
           <a:lstStyle/>
           <a:p>
-            <a:pPr algn="l"/>
-            <a:r>
-              <a:rPr lang="en-US" sz="6200" dirty="0"/>
-              <a:t>Q-Learning </a:t>
-            </a:r>
-          </a:p>
-          <a:p>
-            <a:pPr algn="l"/>
-            <a:r>
-              <a:rPr lang="en-US" sz="6200" dirty="0"/>
-              <a:t>The Bellman Equation </a:t>
-            </a:r>
-          </a:p>
-          <a:p>
-            <a:pPr algn="l"/>
-            <a:r>
-              <a:rPr lang="en-US" sz="6200" dirty="0"/>
-              <a:t>Transitioning to Q-Learning</a:t>
-            </a:r>
-          </a:p>
-          <a:p>
-            <a:pPr algn="l"/>
-            <a:r>
-              <a:rPr lang="en-US" sz="6200" dirty="0"/>
-              <a:t>Implementing Q-Learning </a:t>
-            </a:r>
-          </a:p>
-          <a:p>
-            <a:pPr algn="l"/>
-            <a:endParaRPr lang="en-US" sz="6200" dirty="0"/>
-          </a:p>
-          <a:p>
-            <a:pPr algn="l"/>
-            <a:r>
-              <a:rPr lang="en-US" sz="6200" dirty="0"/>
-              <a:t>Machine Learning Projects </a:t>
-            </a:r>
-          </a:p>
-          <a:p>
-            <a:pPr algn="l"/>
-            <a:r>
-              <a:rPr lang="en-US" sz="6200" dirty="0"/>
-              <a:t>Who is a ML Engineer? </a:t>
-            </a:r>
-          </a:p>
-          <a:p>
-            <a:pPr algn="l"/>
-            <a:r>
-              <a:rPr lang="en-US" sz="6200" dirty="0"/>
-              <a:t>ML Engineer Job Trends </a:t>
-            </a:r>
-          </a:p>
-          <a:p>
-            <a:pPr algn="l"/>
-            <a:r>
-              <a:rPr lang="en-US" sz="6200" dirty="0"/>
-              <a:t>ML Engineer Salary Trends </a:t>
-            </a:r>
-          </a:p>
-          <a:p>
-            <a:pPr algn="l"/>
-            <a:r>
-              <a:rPr lang="en-US" sz="6200" dirty="0"/>
-              <a:t>ML Engineer Skills </a:t>
-            </a:r>
-          </a:p>
-          <a:p>
-            <a:pPr algn="l"/>
-            <a:r>
-              <a:rPr lang="en-US" sz="6200" dirty="0"/>
-              <a:t>ML Engineer Job Description </a:t>
-            </a:r>
-          </a:p>
-          <a:p>
-            <a:pPr algn="l"/>
-            <a:r>
-              <a:rPr lang="en-US" sz="6200" dirty="0"/>
-              <a:t>ML Engineer Resume </a:t>
-            </a:r>
-          </a:p>
-          <a:p>
-            <a:pPr algn="l"/>
-            <a:r>
-              <a:rPr lang="en-US" sz="6200" dirty="0"/>
-              <a:t>Machine Learning Interview Questions</a:t>
-            </a:r>
-            <a:br>
-              <a:rPr lang="en-US" sz="6600" dirty="0"/>
-            </a:br>
-            <a:endParaRPr lang="en-US" sz="6600" dirty="0"/>
-          </a:p>
-        </p:txBody>
-      </p:sp>
-      <p:sp>
-        <p:nvSpPr>
-          <p:cNvPr id="4" name="TextBox 3"/>
+            <a:pPr marL="914400" lvl="1" indent="-457200" algn="l">
+              <a:lnSpc>
+                <a:spcPct val="100000"/>
+              </a:lnSpc>
+              <a:buFont typeface="Arial" panose="020B0604020202020204" pitchFamily="34" charset="0"/>
+              <a:buChar char="•"/>
+            </a:pPr>
+            <a:r>
+              <a:rPr lang="en-US" sz="2800" dirty="0" smtClean="0"/>
+              <a:t>Measure of Center</a:t>
+            </a:r>
+          </a:p>
+          <a:p>
+            <a:pPr marL="1428750" lvl="2" indent="-514350" algn="l">
+              <a:lnSpc>
+                <a:spcPct val="100000"/>
+              </a:lnSpc>
+              <a:buFont typeface="Courier New" panose="02070309020205020404" pitchFamily="49" charset="0"/>
+              <a:buChar char="o"/>
+            </a:pPr>
+            <a:r>
+              <a:rPr lang="en-US" sz="2600" dirty="0" smtClean="0"/>
+              <a:t>Mean, </a:t>
+            </a:r>
+          </a:p>
+          <a:p>
+            <a:pPr marL="1428750" lvl="2" indent="-514350" algn="l">
+              <a:lnSpc>
+                <a:spcPct val="100000"/>
+              </a:lnSpc>
+              <a:buFont typeface="Courier New" panose="02070309020205020404" pitchFamily="49" charset="0"/>
+              <a:buChar char="o"/>
+            </a:pPr>
+            <a:r>
+              <a:rPr lang="en-US" sz="2600" dirty="0" smtClean="0"/>
+              <a:t>Median,</a:t>
+            </a:r>
+          </a:p>
+          <a:p>
+            <a:pPr marL="1428750" lvl="2" indent="-514350" algn="l">
+              <a:lnSpc>
+                <a:spcPct val="100000"/>
+              </a:lnSpc>
+              <a:buFont typeface="Courier New" panose="02070309020205020404" pitchFamily="49" charset="0"/>
+              <a:buChar char="o"/>
+            </a:pPr>
+            <a:r>
+              <a:rPr lang="en-US" sz="2600" dirty="0" smtClean="0"/>
+              <a:t>Mode (most popular one)</a:t>
+            </a:r>
+          </a:p>
+          <a:p>
+            <a:pPr marL="914400" lvl="1" indent="-457200" algn="l">
+              <a:lnSpc>
+                <a:spcPct val="100000"/>
+              </a:lnSpc>
+              <a:buFont typeface="Arial" panose="020B0604020202020204" pitchFamily="34" charset="0"/>
+              <a:buChar char="•"/>
+            </a:pPr>
+            <a:r>
+              <a:rPr lang="en-US" sz="2800" dirty="0" smtClean="0"/>
+              <a:t>Measures </a:t>
+            </a:r>
+            <a:r>
+              <a:rPr lang="en-US" sz="2800" dirty="0"/>
+              <a:t>of Spread </a:t>
+            </a:r>
+            <a:r>
+              <a:rPr lang="en-US" sz="2800" dirty="0" smtClean="0"/>
+              <a:t>(Variability)</a:t>
+            </a:r>
+          </a:p>
+          <a:p>
+            <a:pPr marL="1371600" lvl="2" indent="-457200" algn="l">
+              <a:buFont typeface="Courier New" panose="02070309020205020404" pitchFamily="49" charset="0"/>
+              <a:buChar char="o"/>
+            </a:pPr>
+            <a:r>
+              <a:rPr lang="en-US" sz="2600" dirty="0" smtClean="0"/>
+              <a:t>Range = Max(xi) – Min(xi)</a:t>
+            </a:r>
+          </a:p>
+          <a:p>
+            <a:pPr marL="1371600" lvl="2" indent="-457200" algn="l">
+              <a:buFont typeface="Courier New" panose="02070309020205020404" pitchFamily="49" charset="0"/>
+              <a:buChar char="o"/>
+            </a:pPr>
+            <a:r>
+              <a:rPr lang="en-US" sz="2600" dirty="0" smtClean="0"/>
+              <a:t>Inter Quartile Range, </a:t>
+            </a:r>
+          </a:p>
+          <a:p>
+            <a:pPr marL="1371600" lvl="2" indent="-457200" algn="l">
+              <a:buFont typeface="Courier New" panose="02070309020205020404" pitchFamily="49" charset="0"/>
+              <a:buChar char="o"/>
+            </a:pPr>
+            <a:r>
+              <a:rPr lang="en-US" sz="2600" dirty="0" smtClean="0"/>
+              <a:t>Variance, </a:t>
+            </a:r>
+          </a:p>
+          <a:p>
+            <a:pPr marL="1371600" lvl="2" indent="-457200" algn="l">
+              <a:buFont typeface="Courier New" panose="02070309020205020404" pitchFamily="49" charset="0"/>
+              <a:buChar char="o"/>
+            </a:pPr>
+            <a:r>
+              <a:rPr lang="en-US" sz="2600" dirty="0" smtClean="0"/>
+              <a:t>Standard Deviation</a:t>
+            </a:r>
+            <a:endParaRPr lang="en-US" sz="2600" dirty="0"/>
+          </a:p>
+          <a:p>
+            <a:pPr marL="914400" lvl="1" indent="-457200" algn="l">
+              <a:buFont typeface="Arial" panose="020B0604020202020204" pitchFamily="34" charset="0"/>
+              <a:buChar char="•"/>
+            </a:pPr>
+            <a:r>
+              <a:rPr lang="en-US" sz="2800" dirty="0" smtClean="0"/>
+              <a:t>Information </a:t>
+            </a:r>
+            <a:r>
+              <a:rPr lang="en-US" sz="2800" dirty="0"/>
+              <a:t>Gain &amp; Entropy </a:t>
+            </a:r>
+          </a:p>
+          <a:p>
+            <a:pPr marL="914400" lvl="1" indent="-457200" algn="l">
+              <a:buFont typeface="Arial" panose="020B0604020202020204" pitchFamily="34" charset="0"/>
+              <a:buChar char="•"/>
+            </a:pPr>
+            <a:r>
+              <a:rPr lang="en-US" sz="2800" dirty="0"/>
+              <a:t>Confusion Matrix </a:t>
+            </a:r>
+          </a:p>
+        </p:txBody>
+      </p:sp>
+      <p:sp>
+        <p:nvSpPr>
+          <p:cNvPr id="5" name="TextBox 4"/>
           <p:cNvSpPr txBox="1"/>
           <p:nvPr/>
         </p:nvSpPr>
         <p:spPr>
           <a:xfrm>
-            <a:off x="522514" y="217714"/>
-            <a:ext cx="936154" cy="369332"/>
+            <a:off x="254568" y="147547"/>
+            <a:ext cx="10968760" cy="584775"/>
           </a:xfrm>
           <a:prstGeom prst="rect">
             <a:avLst/>
@@ -3616,22 +3672,31 @@
           <a:noFill/>
         </p:spPr>
         <p:txBody>
-          <a:bodyPr wrap="none" rtlCol="0">
+          <a:bodyPr wrap="square" rtlCol="0">
             <a:spAutoFit/>
           </a:bodyPr>
           <a:lstStyle/>
           <a:p>
             <a:r>
-              <a:rPr lang="en-US" dirty="0"/>
-              <a:t>Content</a:t>
-            </a:r>
+              <a:rPr lang="en-US" sz="3200" dirty="0" smtClean="0"/>
+              <a:t>Class-2</a:t>
+            </a:r>
+            <a:r>
+              <a:rPr lang="en-US" sz="3200" dirty="0"/>
+              <a:t>: Descriptive </a:t>
+            </a:r>
+            <a:r>
+              <a:rPr lang="en-US" sz="3200" dirty="0" smtClean="0"/>
+              <a:t>Statistics</a:t>
+            </a:r>
+            <a:endParaRPr lang="en-US" sz="3200" dirty="0"/>
           </a:p>
         </p:txBody>
       </p:sp>
     </p:spTree>
     <p:extLst>
       <p:ext uri="{BB962C8B-B14F-4D97-AF65-F5344CB8AC3E}">
-        <p14:creationId xmlns:p14="http://schemas.microsoft.com/office/powerpoint/2010/main" val="2764468633"/>
+        <p14:creationId xmlns:p14="http://schemas.microsoft.com/office/powerpoint/2010/main" val="1969190807"/>
       </p:ext>
     </p:extLst>
   </p:cSld>
@@ -3641,7 +3706,7 @@
 </p:sld>
 </file>
 
-<file path=ppt/slides/slide2.xml><?xml version="1.0" encoding="utf-8"?>
+<file path=ppt/slides/slide11.xml><?xml version="1.0" encoding="utf-8"?>
 <p:sld xmlns:a="http://schemas.openxmlformats.org/drawingml/2006/main" xmlns:r="http://schemas.openxmlformats.org/officeDocument/2006/relationships" xmlns:p="http://schemas.openxmlformats.org/presentationml/2006/main">
   <p:cSld>
     <p:spTree>
@@ -3670,8 +3735,8 @@
         </p:nvSpPr>
         <p:spPr>
           <a:xfrm>
-            <a:off x="641023" y="815294"/>
-            <a:ext cx="11227323" cy="5498419"/>
+            <a:off x="134647" y="935215"/>
+            <a:ext cx="10968760" cy="5498419"/>
           </a:xfrm>
         </p:spPr>
         <p:txBody>
@@ -3680,107 +3745,59 @@
           </a:bodyPr>
           <a:lstStyle/>
           <a:p>
-            <a:pPr algn="l"/>
-            <a:r>
-              <a:rPr lang="en-US" sz="4900" dirty="0"/>
-              <a:t>Type of ML:</a:t>
-            </a:r>
-          </a:p>
-          <a:p>
-            <a:pPr marL="685800" indent="-685800" algn="l">
+            <a:pPr marL="914400" lvl="1" indent="-457200" algn="l">
               <a:buFont typeface="Arial" panose="020B0604020202020204" pitchFamily="34" charset="0"/>
               <a:buChar char="•"/>
             </a:pPr>
             <a:r>
-              <a:rPr lang="en-US" sz="4900" dirty="0"/>
-              <a:t>	</a:t>
-            </a:r>
-            <a:r>
-              <a:rPr lang="en-US" sz="4000" dirty="0"/>
-              <a:t>Supervised Learning</a:t>
-            </a:r>
-            <a:r>
-              <a:rPr lang="en-US" sz="4900" dirty="0"/>
-              <a:t>	</a:t>
-            </a:r>
-          </a:p>
-          <a:p>
-            <a:pPr algn="l"/>
-            <a:r>
-              <a:rPr lang="en-US" sz="4900" dirty="0"/>
-              <a:t>		</a:t>
-            </a:r>
-            <a:r>
-              <a:rPr lang="en-US" sz="3000" dirty="0"/>
-              <a:t>knowing X and Y, generate a model to classification</a:t>
-            </a:r>
-          </a:p>
-          <a:p>
-            <a:pPr marL="685800" indent="-685800" algn="l">
+              <a:rPr lang="en-US" sz="2800" dirty="0" smtClean="0"/>
+              <a:t>Entropy</a:t>
+            </a:r>
+          </a:p>
+          <a:p>
+            <a:pPr marL="914400" lvl="1" indent="-457200" algn="l">
               <a:buFont typeface="Arial" panose="020B0604020202020204" pitchFamily="34" charset="0"/>
               <a:buChar char="•"/>
             </a:pPr>
-            <a:r>
-              <a:rPr lang="en-US" sz="4900" dirty="0"/>
-              <a:t>	</a:t>
-            </a:r>
-            <a:r>
-              <a:rPr lang="en-US" sz="4000" dirty="0"/>
-              <a:t>Unsupervised Learning</a:t>
-            </a:r>
-          </a:p>
-          <a:p>
-            <a:pPr lvl="2" algn="l"/>
-            <a:r>
-              <a:rPr lang="en-US" sz="3400" dirty="0"/>
-              <a:t>	</a:t>
-            </a:r>
-            <a:r>
-              <a:rPr lang="en-US" sz="3000" dirty="0"/>
-              <a:t>knowing X but Y, generate a model to cluster</a:t>
-            </a:r>
-          </a:p>
-          <a:p>
-            <a:pPr marL="685800" indent="-685800" algn="l">
+            <a:endParaRPr lang="en-US" sz="2800" dirty="0"/>
+          </a:p>
+          <a:p>
+            <a:pPr marL="914400" lvl="1" indent="-457200" algn="l">
               <a:buFont typeface="Arial" panose="020B0604020202020204" pitchFamily="34" charset="0"/>
               <a:buChar char="•"/>
             </a:pPr>
-            <a:r>
-              <a:rPr lang="en-US" sz="4900" dirty="0"/>
-              <a:t>	</a:t>
-            </a:r>
-            <a:r>
-              <a:rPr lang="en-US" sz="4000" dirty="0"/>
-              <a:t>Reinforcement Learning</a:t>
-            </a:r>
-          </a:p>
-          <a:p>
-            <a:pPr lvl="1" algn="l"/>
-            <a:r>
-              <a:rPr lang="en-US" sz="3000" dirty="0"/>
-              <a:t>		knowing X but Y, create an environment and learning agent</a:t>
-            </a:r>
-          </a:p>
-          <a:p>
-            <a:pPr algn="l"/>
-            <a:endParaRPr lang="en-US" sz="4900" dirty="0"/>
-          </a:p>
-          <a:p>
-            <a:pPr algn="l"/>
-            <a:endParaRPr lang="en-US" sz="4900" dirty="0"/>
-          </a:p>
-        </p:txBody>
-      </p:sp>
-      <p:sp>
-        <p:nvSpPr>
-          <p:cNvPr id="4" name="TextBox 3"/>
+            <a:endParaRPr lang="en-US" sz="2800" dirty="0" smtClean="0"/>
+          </a:p>
+          <a:p>
+            <a:pPr marL="914400" lvl="1" indent="-457200" algn="l">
+              <a:buFont typeface="Arial" panose="020B0604020202020204" pitchFamily="34" charset="0"/>
+              <a:buChar char="•"/>
+            </a:pPr>
+            <a:endParaRPr lang="en-US" sz="2800" dirty="0"/>
+          </a:p>
+          <a:p>
+            <a:pPr marL="914400" lvl="1" indent="-457200" algn="l">
+              <a:buFont typeface="Arial" panose="020B0604020202020204" pitchFamily="34" charset="0"/>
+              <a:buChar char="•"/>
+            </a:pPr>
+            <a:r>
+              <a:rPr lang="en-US" sz="2800" dirty="0" smtClean="0"/>
+              <a:t>Information Gain</a:t>
+            </a:r>
+            <a:endParaRPr lang="en-US" sz="2800" dirty="0"/>
+          </a:p>
+        </p:txBody>
+      </p:sp>
+      <p:sp>
+        <p:nvSpPr>
+          <p:cNvPr id="5" name="TextBox 4"/>
           <p:cNvSpPr txBox="1"/>
           <p:nvPr/>
         </p:nvSpPr>
         <p:spPr>
           <a:xfrm>
-            <a:off x="522514" y="217714"/>
-            <a:ext cx="7961610" cy="1077218"/>
+            <a:off x="254568" y="147547"/>
+            <a:ext cx="10968760" cy="584775"/>
           </a:xfrm>
           <a:prstGeom prst="rect">
             <a:avLst/>
@@ -3794,19 +3811,148 @@
           <a:lstStyle/>
           <a:p>
             <a:r>
+              <a:rPr lang="en-US" sz="3200" dirty="0" smtClean="0"/>
+              <a:t>Class-2</a:t>
+            </a:r>
+            <a:r>
               <a:rPr lang="en-US" sz="3200" dirty="0"/>
-              <a:t>Class-1: Introduction to ML</a:t>
-            </a:r>
-          </a:p>
-          <a:p>
-            <a:endParaRPr lang="en-US" sz="3200" dirty="0"/>
-          </a:p>
-        </p:txBody>
-      </p:sp>
+              <a:t>: Information Gain &amp; Entropy </a:t>
+            </a:r>
+          </a:p>
+        </p:txBody>
+      </p:sp>
+      <p:sp>
+        <p:nvSpPr>
+          <p:cNvPr id="4" name="AutoShape 2" descr="Information Entropy Equation"/>
+          <p:cNvSpPr>
+            <a:spLocks noChangeAspect="1" noChangeArrowheads="1"/>
+          </p:cNvSpPr>
+          <p:nvPr/>
+        </p:nvSpPr>
+        <p:spPr bwMode="auto">
+          <a:xfrm>
+            <a:off x="4262879" y="935215"/>
+            <a:ext cx="4371455" cy="4371469"/>
+          </a:xfrm>
+          <a:prstGeom prst="rect">
+            <a:avLst/>
+          </a:prstGeom>
+          <a:noFill/>
+          <a:extLst>
+            <a:ext uri="{909E8E84-426E-40DD-AFC4-6F175D3DCCD1}">
+              <a14:hiddenFill xmlns:a14="http://schemas.microsoft.com/office/drawing/2010/main">
+                <a:solidFill>
+                  <a:srgbClr val="FFFFFF"/>
+                </a:solidFill>
+              </a14:hiddenFill>
+            </a:ext>
+          </a:extLst>
+        </p:spPr>
+        <p:txBody>
+          <a:bodyPr vert="horz" wrap="square" lIns="91440" tIns="45720" rIns="91440" bIns="45720" numCol="1" anchor="t" anchorCtr="0" compatLnSpc="1">
+            <a:prstTxWarp prst="textNoShape">
+              <a:avLst/>
+            </a:prstTxWarp>
+          </a:bodyPr>
+          <a:lstStyle/>
+          <a:p>
+            <a:endParaRPr lang="en-US"/>
+          </a:p>
+        </p:txBody>
+      </p:sp>
+      <p:pic>
+        <p:nvPicPr>
+          <p:cNvPr id="1028" name="Picture 4" descr="Information Entropy Equation"/>
+          <p:cNvPicPr>
+            <a:picLocks noChangeAspect="1" noChangeArrowheads="1"/>
+          </p:cNvPicPr>
+          <p:nvPr/>
+        </p:nvPicPr>
+        <p:blipFill>
+          <a:blip r:embed="rId2">
+            <a:extLst>
+              <a:ext uri="{28A0092B-C50C-407E-A947-70E740481C1C}">
+                <a14:useLocalDpi xmlns:a14="http://schemas.microsoft.com/office/drawing/2010/main" val="0"/>
+              </a:ext>
+            </a:extLst>
+          </a:blip>
+          <a:srcRect/>
+          <a:stretch>
+            <a:fillRect/>
+          </a:stretch>
+        </p:blipFill>
+        <p:spPr bwMode="auto">
+          <a:xfrm>
+            <a:off x="3219795" y="1089542"/>
+            <a:ext cx="2887092" cy="1279340"/>
+          </a:xfrm>
+          <a:prstGeom prst="rect">
+            <a:avLst/>
+          </a:prstGeom>
+          <a:noFill/>
+          <a:extLst>
+            <a:ext uri="{909E8E84-426E-40DD-AFC4-6F175D3DCCD1}">
+              <a14:hiddenFill xmlns:a14="http://schemas.microsoft.com/office/drawing/2010/main">
+                <a:solidFill>
+                  <a:srgbClr val="FFFFFF"/>
+                </a:solidFill>
+              </a14:hiddenFill>
+            </a:ext>
+          </a:extLst>
+        </p:spPr>
+      </p:pic>
+      <p:pic>
+        <p:nvPicPr>
+          <p:cNvPr id="6" name="Picture 5"/>
+          <p:cNvPicPr>
+            <a:picLocks noChangeAspect="1"/>
+          </p:cNvPicPr>
+          <p:nvPr/>
+        </p:nvPicPr>
+        <p:blipFill>
+          <a:blip r:embed="rId3"/>
+          <a:stretch>
+            <a:fillRect/>
+          </a:stretch>
+        </p:blipFill>
+        <p:spPr>
+          <a:xfrm>
+            <a:off x="7562015" y="732322"/>
+            <a:ext cx="2447925" cy="2610931"/>
+          </a:xfrm>
+          <a:prstGeom prst="rect">
+            <a:avLst/>
+          </a:prstGeom>
+        </p:spPr>
+      </p:pic>
+      <p:pic>
+        <p:nvPicPr>
+          <p:cNvPr id="7" name="Picture 6"/>
+          <p:cNvPicPr>
+            <a:picLocks noChangeAspect="1"/>
+          </p:cNvPicPr>
+          <p:nvPr/>
+        </p:nvPicPr>
+        <p:blipFill>
+          <a:blip r:embed="rId4"/>
+          <a:stretch>
+            <a:fillRect/>
+          </a:stretch>
+        </p:blipFill>
+        <p:spPr>
+          <a:xfrm>
+            <a:off x="1047027" y="3207527"/>
+            <a:ext cx="4572000" cy="3429000"/>
+          </a:xfrm>
+          <a:prstGeom prst="rect">
+            <a:avLst/>
+          </a:prstGeom>
+        </p:spPr>
+      </p:pic>
     </p:spTree>
     <p:extLst>
       <p:ext uri="{BB962C8B-B14F-4D97-AF65-F5344CB8AC3E}">
-        <p14:creationId xmlns:p14="http://schemas.microsoft.com/office/powerpoint/2010/main" val="1538160773"/>
+        <p14:creationId xmlns:p14="http://schemas.microsoft.com/office/powerpoint/2010/main" val="2386337576"/>
       </p:ext>
     </p:extLst>
   </p:cSld>
@@ -3816,7 +3962,1267 @@
 </p:sld>
 </file>
 
-<file path=ppt/slides/slide3.xml><?xml version="1.0" encoding="utf-8"?>
+<file path=ppt/slides/slide12.xml><?xml version="1.0" encoding="utf-8"?>
+<p:sld xmlns:a="http://schemas.openxmlformats.org/drawingml/2006/main" xmlns:r="http://schemas.openxmlformats.org/officeDocument/2006/relationships" xmlns:p="http://schemas.openxmlformats.org/presentationml/2006/main">
+  <p:cSld>
+    <p:spTree>
+      <p:nvGrpSpPr>
+        <p:cNvPr id="1" name=""/>
+        <p:cNvGrpSpPr/>
+        <p:nvPr/>
+      </p:nvGrpSpPr>
+      <p:grpSpPr>
+        <a:xfrm>
+          <a:off x="0" y="0"/>
+          <a:ext cx="0" cy="0"/>
+          <a:chOff x="0" y="0"/>
+          <a:chExt cx="0" cy="0"/>
+        </a:xfrm>
+      </p:grpSpPr>
+      <p:sp>
+        <p:nvSpPr>
+          <p:cNvPr id="3" name="Subtitle 2"/>
+          <p:cNvSpPr>
+            <a:spLocks noGrp="1"/>
+          </p:cNvSpPr>
+          <p:nvPr>
+            <p:ph type="subTitle" idx="1"/>
+          </p:nvPr>
+        </p:nvSpPr>
+        <p:spPr>
+          <a:xfrm>
+            <a:off x="134647" y="935215"/>
+            <a:ext cx="10968760" cy="5498419"/>
+          </a:xfrm>
+        </p:spPr>
+        <p:txBody>
+          <a:bodyPr>
+            <a:normAutofit/>
+          </a:bodyPr>
+          <a:lstStyle/>
+          <a:p>
+            <a:pPr marL="914400" lvl="1" indent="-457200" algn="l">
+              <a:buFont typeface="Arial" panose="020B0604020202020204" pitchFamily="34" charset="0"/>
+              <a:buChar char="•"/>
+            </a:pPr>
+            <a:endParaRPr lang="en-US" sz="2800" dirty="0"/>
+          </a:p>
+        </p:txBody>
+      </p:sp>
+      <p:sp>
+        <p:nvSpPr>
+          <p:cNvPr id="5" name="TextBox 4"/>
+          <p:cNvSpPr txBox="1"/>
+          <p:nvPr/>
+        </p:nvSpPr>
+        <p:spPr>
+          <a:xfrm>
+            <a:off x="254568" y="147547"/>
+            <a:ext cx="10968760" cy="584775"/>
+          </a:xfrm>
+          <a:prstGeom prst="rect">
+            <a:avLst/>
+          </a:prstGeom>
+          <a:noFill/>
+        </p:spPr>
+        <p:txBody>
+          <a:bodyPr wrap="square" rtlCol="0">
+            <a:spAutoFit/>
+          </a:bodyPr>
+          <a:lstStyle/>
+          <a:p>
+            <a:r>
+              <a:rPr lang="en-US" sz="3200" dirty="0" smtClean="0"/>
+              <a:t>Class-2</a:t>
+            </a:r>
+            <a:r>
+              <a:rPr lang="en-US" sz="3200" dirty="0"/>
+              <a:t>: Confusion Matrix </a:t>
+            </a:r>
+            <a:r>
+              <a:rPr lang="en-US" sz="3200" dirty="0" smtClean="0"/>
+              <a:t> </a:t>
+            </a:r>
+            <a:endParaRPr lang="en-US" sz="3200" dirty="0"/>
+          </a:p>
+        </p:txBody>
+      </p:sp>
+    </p:spTree>
+    <p:extLst>
+      <p:ext uri="{BB962C8B-B14F-4D97-AF65-F5344CB8AC3E}">
+        <p14:creationId xmlns:p14="http://schemas.microsoft.com/office/powerpoint/2010/main" val="2689922509"/>
+      </p:ext>
+    </p:extLst>
+  </p:cSld>
+  <p:clrMapOvr>
+    <a:masterClrMapping/>
+  </p:clrMapOvr>
+</p:sld>
+</file>
+
+<file path=ppt/slides/slide13.xml><?xml version="1.0" encoding="utf-8"?>
+<p:sld xmlns:a="http://schemas.openxmlformats.org/drawingml/2006/main" xmlns:r="http://schemas.openxmlformats.org/officeDocument/2006/relationships" xmlns:p="http://schemas.openxmlformats.org/presentationml/2006/main">
+  <p:cSld>
+    <p:spTree>
+      <p:nvGrpSpPr>
+        <p:cNvPr id="1" name=""/>
+        <p:cNvGrpSpPr/>
+        <p:nvPr/>
+      </p:nvGrpSpPr>
+      <p:grpSpPr>
+        <a:xfrm>
+          <a:off x="0" y="0"/>
+          <a:ext cx="0" cy="0"/>
+          <a:chOff x="0" y="0"/>
+          <a:chExt cx="0" cy="0"/>
+        </a:xfrm>
+      </p:grpSpPr>
+      <p:sp>
+        <p:nvSpPr>
+          <p:cNvPr id="3" name="Subtitle 2"/>
+          <p:cNvSpPr>
+            <a:spLocks noGrp="1"/>
+          </p:cNvSpPr>
+          <p:nvPr>
+            <p:ph type="subTitle" idx="1"/>
+          </p:nvPr>
+        </p:nvSpPr>
+        <p:spPr>
+          <a:xfrm>
+            <a:off x="134647" y="935215"/>
+            <a:ext cx="10968760" cy="5498419"/>
+          </a:xfrm>
+        </p:spPr>
+        <p:txBody>
+          <a:bodyPr>
+            <a:normAutofit/>
+          </a:bodyPr>
+          <a:lstStyle/>
+          <a:p>
+            <a:pPr marL="857250" indent="-857250" algn="l">
+              <a:buFont typeface="Arial" panose="020B0604020202020204" pitchFamily="34" charset="0"/>
+              <a:buChar char="•"/>
+            </a:pPr>
+            <a:r>
+              <a:rPr lang="en-US" sz="3600" dirty="0" smtClean="0"/>
+              <a:t>Probability Terminologies</a:t>
+            </a:r>
+          </a:p>
+          <a:p>
+            <a:pPr marL="857250" indent="-857250" algn="l">
+              <a:buFont typeface="Arial" panose="020B0604020202020204" pitchFamily="34" charset="0"/>
+              <a:buChar char="•"/>
+            </a:pPr>
+            <a:r>
+              <a:rPr lang="en-US" sz="3600" dirty="0" smtClean="0"/>
+              <a:t>Types </a:t>
+            </a:r>
+            <a:r>
+              <a:rPr lang="en-US" sz="3600" dirty="0"/>
+              <a:t>of </a:t>
+            </a:r>
+            <a:r>
+              <a:rPr lang="en-US" sz="3600" dirty="0" smtClean="0"/>
+              <a:t>Events</a:t>
+            </a:r>
+          </a:p>
+          <a:p>
+            <a:pPr marL="857250" indent="-857250" algn="l">
+              <a:buFont typeface="Arial" panose="020B0604020202020204" pitchFamily="34" charset="0"/>
+              <a:buChar char="•"/>
+            </a:pPr>
+            <a:r>
+              <a:rPr lang="en-US" sz="3600" dirty="0" smtClean="0"/>
+              <a:t>Probability </a:t>
+            </a:r>
+            <a:r>
+              <a:rPr lang="en-US" sz="3600" dirty="0"/>
+              <a:t>of </a:t>
+            </a:r>
+            <a:r>
+              <a:rPr lang="en-US" sz="3600" dirty="0" smtClean="0"/>
+              <a:t>Distribution</a:t>
+            </a:r>
+          </a:p>
+          <a:p>
+            <a:pPr marL="857250" indent="-857250" algn="l">
+              <a:buFont typeface="Arial" panose="020B0604020202020204" pitchFamily="34" charset="0"/>
+              <a:buChar char="•"/>
+            </a:pPr>
+            <a:r>
+              <a:rPr lang="en-US" sz="3600" dirty="0" smtClean="0"/>
+              <a:t>Types </a:t>
+            </a:r>
+            <a:r>
+              <a:rPr lang="en-US" sz="3600" dirty="0"/>
+              <a:t>of </a:t>
+            </a:r>
+            <a:r>
+              <a:rPr lang="en-US" sz="3600" dirty="0" smtClean="0"/>
+              <a:t>Probability</a:t>
+            </a:r>
+          </a:p>
+          <a:p>
+            <a:pPr marL="857250" indent="-857250" algn="l">
+              <a:buFont typeface="Arial" panose="020B0604020202020204" pitchFamily="34" charset="0"/>
+              <a:buChar char="•"/>
+            </a:pPr>
+            <a:r>
+              <a:rPr lang="en-US" sz="3600" dirty="0" smtClean="0"/>
+              <a:t>Marginal Probability</a:t>
+            </a:r>
+          </a:p>
+          <a:p>
+            <a:pPr marL="857250" indent="-857250" algn="l">
+              <a:buFont typeface="Arial" panose="020B0604020202020204" pitchFamily="34" charset="0"/>
+              <a:buChar char="•"/>
+            </a:pPr>
+            <a:r>
+              <a:rPr lang="en-US" sz="3600" dirty="0" smtClean="0"/>
+              <a:t>Joint Probability</a:t>
+            </a:r>
+          </a:p>
+          <a:p>
+            <a:pPr marL="857250" indent="-857250" algn="l">
+              <a:buFont typeface="Arial" panose="020B0604020202020204" pitchFamily="34" charset="0"/>
+              <a:buChar char="•"/>
+            </a:pPr>
+            <a:r>
+              <a:rPr lang="en-US" sz="3600" dirty="0" smtClean="0"/>
+              <a:t>Conditional Probability</a:t>
+            </a:r>
+          </a:p>
+          <a:p>
+            <a:pPr marL="857250" indent="-857250" algn="l">
+              <a:buFont typeface="Arial" panose="020B0604020202020204" pitchFamily="34" charset="0"/>
+              <a:buChar char="•"/>
+            </a:pPr>
+            <a:r>
+              <a:rPr lang="en-US" sz="3600" dirty="0" smtClean="0"/>
+              <a:t>Use-Case </a:t>
+            </a:r>
+            <a:endParaRPr lang="en-US" sz="3600" dirty="0"/>
+          </a:p>
+          <a:p>
+            <a:pPr lvl="1" algn="l"/>
+            <a:r>
+              <a:rPr lang="en-US" sz="3600" dirty="0" smtClean="0"/>
+              <a:t>	Bayes </a:t>
+            </a:r>
+            <a:r>
+              <a:rPr lang="en-US" sz="3600" dirty="0"/>
+              <a:t>Theorem </a:t>
+            </a:r>
+          </a:p>
+          <a:p>
+            <a:pPr marL="914400" lvl="1" indent="-457200" algn="l">
+              <a:buFont typeface="Arial" panose="020B0604020202020204" pitchFamily="34" charset="0"/>
+              <a:buChar char="•"/>
+            </a:pPr>
+            <a:endParaRPr lang="en-US" sz="2800" dirty="0"/>
+          </a:p>
+        </p:txBody>
+      </p:sp>
+      <p:sp>
+        <p:nvSpPr>
+          <p:cNvPr id="5" name="TextBox 4"/>
+          <p:cNvSpPr txBox="1"/>
+          <p:nvPr/>
+        </p:nvSpPr>
+        <p:spPr>
+          <a:xfrm>
+            <a:off x="254568" y="147547"/>
+            <a:ext cx="10968760" cy="584775"/>
+          </a:xfrm>
+          <a:prstGeom prst="rect">
+            <a:avLst/>
+          </a:prstGeom>
+          <a:noFill/>
+        </p:spPr>
+        <p:txBody>
+          <a:bodyPr wrap="square" rtlCol="0">
+            <a:spAutoFit/>
+          </a:bodyPr>
+          <a:lstStyle/>
+          <a:p>
+            <a:r>
+              <a:rPr lang="en-US" sz="3200" dirty="0" smtClean="0"/>
+              <a:t>Class-2</a:t>
+            </a:r>
+            <a:r>
+              <a:rPr lang="en-US" sz="3200" dirty="0"/>
+              <a:t>: Probability  </a:t>
+            </a:r>
+          </a:p>
+        </p:txBody>
+      </p:sp>
+    </p:spTree>
+    <p:extLst>
+      <p:ext uri="{BB962C8B-B14F-4D97-AF65-F5344CB8AC3E}">
+        <p14:creationId xmlns:p14="http://schemas.microsoft.com/office/powerpoint/2010/main" val="3696380953"/>
+      </p:ext>
+    </p:extLst>
+  </p:cSld>
+  <p:clrMapOvr>
+    <a:masterClrMapping/>
+  </p:clrMapOvr>
+</p:sld>
+</file>
+
+<file path=ppt/slides/slide14.xml><?xml version="1.0" encoding="utf-8"?>
+<p:sld xmlns:a="http://schemas.openxmlformats.org/drawingml/2006/main" xmlns:r="http://schemas.openxmlformats.org/officeDocument/2006/relationships" xmlns:p="http://schemas.openxmlformats.org/presentationml/2006/main">
+  <p:cSld>
+    <p:spTree>
+      <p:nvGrpSpPr>
+        <p:cNvPr id="1" name=""/>
+        <p:cNvGrpSpPr/>
+        <p:nvPr/>
+      </p:nvGrpSpPr>
+      <p:grpSpPr>
+        <a:xfrm>
+          <a:off x="0" y="0"/>
+          <a:ext cx="0" cy="0"/>
+          <a:chOff x="0" y="0"/>
+          <a:chExt cx="0" cy="0"/>
+        </a:xfrm>
+      </p:grpSpPr>
+      <p:sp>
+        <p:nvSpPr>
+          <p:cNvPr id="3" name="Subtitle 2"/>
+          <p:cNvSpPr>
+            <a:spLocks noGrp="1"/>
+          </p:cNvSpPr>
+          <p:nvPr>
+            <p:ph type="subTitle" idx="1"/>
+          </p:nvPr>
+        </p:nvSpPr>
+        <p:spPr>
+          <a:xfrm>
+            <a:off x="134647" y="935215"/>
+            <a:ext cx="10968760" cy="5498419"/>
+          </a:xfrm>
+        </p:spPr>
+        <p:txBody>
+          <a:bodyPr>
+            <a:normAutofit/>
+          </a:bodyPr>
+          <a:lstStyle/>
+          <a:p>
+            <a:pPr marL="1028700" lvl="1" indent="-571500" algn="l">
+              <a:buFont typeface="Arial" panose="020B0604020202020204" pitchFamily="34" charset="0"/>
+              <a:buChar char="•"/>
+            </a:pPr>
+            <a:r>
+              <a:rPr lang="en-US" sz="3600" dirty="0"/>
+              <a:t>Point Estimation </a:t>
+            </a:r>
+          </a:p>
+          <a:p>
+            <a:pPr marL="1028700" lvl="1" indent="-571500" algn="l">
+              <a:buFont typeface="Arial" panose="020B0604020202020204" pitchFamily="34" charset="0"/>
+              <a:buChar char="•"/>
+            </a:pPr>
+            <a:r>
+              <a:rPr lang="en-US" sz="3600" dirty="0"/>
+              <a:t>Interval Estimate </a:t>
+            </a:r>
+          </a:p>
+          <a:p>
+            <a:pPr marL="1028700" lvl="1" indent="-571500" algn="l">
+              <a:buFont typeface="Arial" panose="020B0604020202020204" pitchFamily="34" charset="0"/>
+              <a:buChar char="•"/>
+            </a:pPr>
+            <a:r>
+              <a:rPr lang="en-US" sz="3600" dirty="0"/>
+              <a:t>Margin of Error</a:t>
+            </a:r>
+          </a:p>
+          <a:p>
+            <a:pPr marL="914400" lvl="1" indent="-457200" algn="l">
+              <a:buFont typeface="Arial" panose="020B0604020202020204" pitchFamily="34" charset="0"/>
+              <a:buChar char="•"/>
+            </a:pPr>
+            <a:endParaRPr lang="en-US" sz="2800" dirty="0"/>
+          </a:p>
+        </p:txBody>
+      </p:sp>
+      <p:sp>
+        <p:nvSpPr>
+          <p:cNvPr id="5" name="TextBox 4"/>
+          <p:cNvSpPr txBox="1"/>
+          <p:nvPr/>
+        </p:nvSpPr>
+        <p:spPr>
+          <a:xfrm>
+            <a:off x="254568" y="147547"/>
+            <a:ext cx="10968760" cy="584775"/>
+          </a:xfrm>
+          <a:prstGeom prst="rect">
+            <a:avLst/>
+          </a:prstGeom>
+          <a:noFill/>
+        </p:spPr>
+        <p:txBody>
+          <a:bodyPr wrap="square" rtlCol="0">
+            <a:spAutoFit/>
+          </a:bodyPr>
+          <a:lstStyle/>
+          <a:p>
+            <a:r>
+              <a:rPr lang="en-US" sz="3200" dirty="0" smtClean="0"/>
+              <a:t>Class-2</a:t>
+            </a:r>
+            <a:r>
+              <a:rPr lang="en-US" sz="3200" dirty="0"/>
+              <a:t>: Inferential </a:t>
+            </a:r>
+            <a:r>
+              <a:rPr lang="en-US" sz="3200" dirty="0" smtClean="0"/>
+              <a:t>Statistics </a:t>
+            </a:r>
+            <a:endParaRPr lang="en-US" sz="3200" dirty="0"/>
+          </a:p>
+        </p:txBody>
+      </p:sp>
+    </p:spTree>
+    <p:extLst>
+      <p:ext uri="{BB962C8B-B14F-4D97-AF65-F5344CB8AC3E}">
+        <p14:creationId xmlns:p14="http://schemas.microsoft.com/office/powerpoint/2010/main" val="3373207729"/>
+      </p:ext>
+    </p:extLst>
+  </p:cSld>
+  <p:clrMapOvr>
+    <a:masterClrMapping/>
+  </p:clrMapOvr>
+</p:sld>
+</file>
+
+<file path=ppt/slides/slide15.xml><?xml version="1.0" encoding="utf-8"?>
+<p:sld xmlns:a="http://schemas.openxmlformats.org/drawingml/2006/main" xmlns:r="http://schemas.openxmlformats.org/officeDocument/2006/relationships" xmlns:p="http://schemas.openxmlformats.org/presentationml/2006/main">
+  <p:cSld>
+    <p:spTree>
+      <p:nvGrpSpPr>
+        <p:cNvPr id="1" name=""/>
+        <p:cNvGrpSpPr/>
+        <p:nvPr/>
+      </p:nvGrpSpPr>
+      <p:grpSpPr>
+        <a:xfrm>
+          <a:off x="0" y="0"/>
+          <a:ext cx="0" cy="0"/>
+          <a:chOff x="0" y="0"/>
+          <a:chExt cx="0" cy="0"/>
+        </a:xfrm>
+      </p:grpSpPr>
+      <p:sp>
+        <p:nvSpPr>
+          <p:cNvPr id="3" name="Subtitle 2"/>
+          <p:cNvSpPr>
+            <a:spLocks noGrp="1"/>
+          </p:cNvSpPr>
+          <p:nvPr>
+            <p:ph type="subTitle" idx="1"/>
+          </p:nvPr>
+        </p:nvSpPr>
+        <p:spPr>
+          <a:xfrm>
+            <a:off x="1166948" y="815294"/>
+            <a:ext cx="9144000" cy="5762151"/>
+          </a:xfrm>
+        </p:spPr>
+        <p:txBody>
+          <a:bodyPr>
+            <a:normAutofit/>
+          </a:bodyPr>
+          <a:lstStyle/>
+          <a:p>
+            <a:pPr algn="l"/>
+            <a:r>
+              <a:rPr lang="en-US" sz="6200" dirty="0" smtClean="0"/>
+              <a:t> </a:t>
+            </a:r>
+            <a:endParaRPr lang="en-US" sz="6200" dirty="0"/>
+          </a:p>
+          <a:p>
+            <a:pPr algn="l"/>
+            <a:endParaRPr lang="en-US" sz="6200" dirty="0"/>
+          </a:p>
+          <a:p>
+            <a:pPr algn="l"/>
+            <a:endParaRPr lang="en-US" dirty="0"/>
+          </a:p>
+        </p:txBody>
+      </p:sp>
+      <p:sp>
+        <p:nvSpPr>
+          <p:cNvPr id="5" name="TextBox 4"/>
+          <p:cNvSpPr txBox="1"/>
+          <p:nvPr/>
+        </p:nvSpPr>
+        <p:spPr>
+          <a:xfrm>
+            <a:off x="254568" y="147547"/>
+            <a:ext cx="10968760" cy="584775"/>
+          </a:xfrm>
+          <a:prstGeom prst="rect">
+            <a:avLst/>
+          </a:prstGeom>
+          <a:noFill/>
+        </p:spPr>
+        <p:txBody>
+          <a:bodyPr wrap="square" rtlCol="0">
+            <a:spAutoFit/>
+          </a:bodyPr>
+          <a:lstStyle/>
+          <a:p>
+            <a:r>
+              <a:rPr lang="en-US" sz="3200" dirty="0" smtClean="0"/>
+              <a:t>Class-2</a:t>
+            </a:r>
+            <a:r>
+              <a:rPr lang="en-US" sz="3200" dirty="0"/>
+              <a:t>: Hypothesis Testing</a:t>
+            </a:r>
+          </a:p>
+        </p:txBody>
+      </p:sp>
+    </p:spTree>
+    <p:extLst>
+      <p:ext uri="{BB962C8B-B14F-4D97-AF65-F5344CB8AC3E}">
+        <p14:creationId xmlns:p14="http://schemas.microsoft.com/office/powerpoint/2010/main" val="3149965963"/>
+      </p:ext>
+    </p:extLst>
+  </p:cSld>
+  <p:clrMapOvr>
+    <a:masterClrMapping/>
+  </p:clrMapOvr>
+</p:sld>
+</file>
+
+<file path=ppt/slides/slide16.xml><?xml version="1.0" encoding="utf-8"?>
+<p:sld xmlns:a="http://schemas.openxmlformats.org/drawingml/2006/main" xmlns:r="http://schemas.openxmlformats.org/officeDocument/2006/relationships" xmlns:p="http://schemas.openxmlformats.org/presentationml/2006/main">
+  <p:cSld>
+    <p:spTree>
+      <p:nvGrpSpPr>
+        <p:cNvPr id="1" name=""/>
+        <p:cNvGrpSpPr/>
+        <p:nvPr/>
+      </p:nvGrpSpPr>
+      <p:grpSpPr>
+        <a:xfrm>
+          <a:off x="0" y="0"/>
+          <a:ext cx="0" cy="0"/>
+          <a:chOff x="0" y="0"/>
+          <a:chExt cx="0" cy="0"/>
+        </a:xfrm>
+      </p:grpSpPr>
+      <p:sp>
+        <p:nvSpPr>
+          <p:cNvPr id="3" name="Subtitle 2"/>
+          <p:cNvSpPr>
+            <a:spLocks noGrp="1"/>
+          </p:cNvSpPr>
+          <p:nvPr>
+            <p:ph type="subTitle" idx="1"/>
+          </p:nvPr>
+        </p:nvSpPr>
+        <p:spPr>
+          <a:xfrm>
+            <a:off x="1166948" y="815294"/>
+            <a:ext cx="9144000" cy="5498419"/>
+          </a:xfrm>
+        </p:spPr>
+        <p:txBody>
+          <a:bodyPr>
+            <a:normAutofit/>
+          </a:bodyPr>
+          <a:lstStyle/>
+          <a:p>
+            <a:pPr marL="457200" indent="-457200" algn="l">
+              <a:buFont typeface="Arial" panose="020B0604020202020204" pitchFamily="34" charset="0"/>
+              <a:buChar char="•"/>
+            </a:pPr>
+            <a:r>
+              <a:rPr lang="en-US" sz="3300" dirty="0" smtClean="0"/>
+              <a:t>Regression</a:t>
+            </a:r>
+          </a:p>
+          <a:p>
+            <a:pPr marL="457200" indent="-457200" algn="l">
+              <a:buFont typeface="Arial" panose="020B0604020202020204" pitchFamily="34" charset="0"/>
+              <a:buChar char="•"/>
+            </a:pPr>
+            <a:r>
+              <a:rPr lang="en-US" sz="3300" dirty="0" smtClean="0"/>
+              <a:t>Linear </a:t>
+            </a:r>
+            <a:r>
+              <a:rPr lang="en-US" sz="3300" dirty="0"/>
+              <a:t>vs Logistic </a:t>
+            </a:r>
+            <a:r>
+              <a:rPr lang="en-US" sz="3300" dirty="0" smtClean="0"/>
+              <a:t>Regression</a:t>
+            </a:r>
+          </a:p>
+          <a:p>
+            <a:pPr marL="457200" indent="-457200" algn="l">
+              <a:buFont typeface="Arial" panose="020B0604020202020204" pitchFamily="34" charset="0"/>
+              <a:buChar char="•"/>
+            </a:pPr>
+            <a:r>
+              <a:rPr lang="en-US" sz="3300" dirty="0" smtClean="0"/>
+              <a:t>Understanding </a:t>
+            </a:r>
+            <a:r>
+              <a:rPr lang="en-US" sz="3300" dirty="0"/>
+              <a:t>Linear Regression </a:t>
+            </a:r>
+            <a:r>
+              <a:rPr lang="en-US" sz="3300" dirty="0" smtClean="0"/>
+              <a:t>Algorithm</a:t>
+            </a:r>
+          </a:p>
+          <a:p>
+            <a:pPr marL="457200" indent="-457200" algn="l">
+              <a:buFont typeface="Arial" panose="020B0604020202020204" pitchFamily="34" charset="0"/>
+              <a:buChar char="•"/>
+            </a:pPr>
+            <a:r>
+              <a:rPr lang="en-US" sz="3300" dirty="0" smtClean="0"/>
+              <a:t>Logistic </a:t>
+            </a:r>
+            <a:r>
+              <a:rPr lang="en-US" sz="3300" dirty="0"/>
+              <a:t>Regression </a:t>
+            </a:r>
+            <a:r>
+              <a:rPr lang="en-US" sz="3300" dirty="0" smtClean="0"/>
+              <a:t>Curve</a:t>
+            </a:r>
+          </a:p>
+          <a:p>
+            <a:pPr marL="457200" indent="-457200" algn="l">
+              <a:buFont typeface="Arial" panose="020B0604020202020204" pitchFamily="34" charset="0"/>
+              <a:buChar char="•"/>
+            </a:pPr>
+            <a:r>
+              <a:rPr lang="en-US" sz="3300" dirty="0" smtClean="0"/>
+              <a:t>Titanic </a:t>
+            </a:r>
+            <a:r>
+              <a:rPr lang="en-US" sz="3300" dirty="0"/>
+              <a:t>Data </a:t>
+            </a:r>
+            <a:r>
+              <a:rPr lang="en-US" sz="3300" dirty="0" smtClean="0"/>
+              <a:t>Analysis</a:t>
+            </a:r>
+          </a:p>
+          <a:p>
+            <a:pPr marL="457200" indent="-457200" algn="l">
+              <a:buFont typeface="Arial" panose="020B0604020202020204" pitchFamily="34" charset="0"/>
+              <a:buChar char="•"/>
+            </a:pPr>
+            <a:r>
+              <a:rPr lang="en-US" sz="3300" dirty="0" smtClean="0"/>
+              <a:t>Decision </a:t>
+            </a:r>
+            <a:r>
+              <a:rPr lang="en-US" sz="3300" dirty="0"/>
+              <a:t>Tree </a:t>
+            </a:r>
+          </a:p>
+          <a:p>
+            <a:pPr algn="l"/>
+            <a:r>
+              <a:rPr lang="en-US" sz="6200" dirty="0" smtClean="0"/>
+              <a:t> </a:t>
+            </a:r>
+            <a:endParaRPr lang="en-US" sz="6200" dirty="0"/>
+          </a:p>
+        </p:txBody>
+      </p:sp>
+      <p:sp>
+        <p:nvSpPr>
+          <p:cNvPr id="5" name="TextBox 4"/>
+          <p:cNvSpPr txBox="1"/>
+          <p:nvPr/>
+        </p:nvSpPr>
+        <p:spPr>
+          <a:xfrm>
+            <a:off x="254568" y="147547"/>
+            <a:ext cx="10968760" cy="584775"/>
+          </a:xfrm>
+          <a:prstGeom prst="rect">
+            <a:avLst/>
+          </a:prstGeom>
+          <a:noFill/>
+        </p:spPr>
+        <p:txBody>
+          <a:bodyPr wrap="square" rtlCol="0">
+            <a:spAutoFit/>
+          </a:bodyPr>
+          <a:lstStyle/>
+          <a:p>
+            <a:r>
+              <a:rPr lang="en-US" sz="3200" dirty="0" smtClean="0"/>
+              <a:t>Class-3</a:t>
+            </a:r>
+            <a:r>
+              <a:rPr lang="en-US" sz="3200" dirty="0"/>
+              <a:t>: Supervised Learning Algorithms</a:t>
+            </a:r>
+          </a:p>
+        </p:txBody>
+      </p:sp>
+    </p:spTree>
+    <p:extLst>
+      <p:ext uri="{BB962C8B-B14F-4D97-AF65-F5344CB8AC3E}">
+        <p14:creationId xmlns:p14="http://schemas.microsoft.com/office/powerpoint/2010/main" val="2339844009"/>
+      </p:ext>
+    </p:extLst>
+  </p:cSld>
+  <p:clrMapOvr>
+    <a:masterClrMapping/>
+  </p:clrMapOvr>
+</p:sld>
+</file>
+
+<file path=ppt/slides/slide17.xml><?xml version="1.0" encoding="utf-8"?>
+<p:sld xmlns:a="http://schemas.openxmlformats.org/drawingml/2006/main" xmlns:r="http://schemas.openxmlformats.org/officeDocument/2006/relationships" xmlns:p="http://schemas.openxmlformats.org/presentationml/2006/main">
+  <p:cSld>
+    <p:spTree>
+      <p:nvGrpSpPr>
+        <p:cNvPr id="1" name=""/>
+        <p:cNvGrpSpPr/>
+        <p:nvPr/>
+      </p:nvGrpSpPr>
+      <p:grpSpPr>
+        <a:xfrm>
+          <a:off x="0" y="0"/>
+          <a:ext cx="0" cy="0"/>
+          <a:chOff x="0" y="0"/>
+          <a:chExt cx="0" cy="0"/>
+        </a:xfrm>
+      </p:grpSpPr>
+      <p:sp>
+        <p:nvSpPr>
+          <p:cNvPr id="3" name="Subtitle 2"/>
+          <p:cNvSpPr>
+            <a:spLocks noGrp="1"/>
+          </p:cNvSpPr>
+          <p:nvPr>
+            <p:ph type="subTitle" idx="1"/>
+          </p:nvPr>
+        </p:nvSpPr>
+        <p:spPr>
+          <a:xfrm>
+            <a:off x="1166948" y="815294"/>
+            <a:ext cx="9144000" cy="5498419"/>
+          </a:xfrm>
+        </p:spPr>
+        <p:txBody>
+          <a:bodyPr>
+            <a:normAutofit/>
+          </a:bodyPr>
+          <a:lstStyle/>
+          <a:p>
+            <a:pPr marL="457200" indent="-457200" algn="l">
+              <a:buFont typeface="Arial" panose="020B0604020202020204" pitchFamily="34" charset="0"/>
+              <a:buChar char="•"/>
+            </a:pPr>
+            <a:r>
+              <a:rPr lang="en-US" sz="3200" dirty="0" smtClean="0"/>
+              <a:t>What </a:t>
+            </a:r>
+            <a:r>
+              <a:rPr lang="en-US" sz="3200" dirty="0"/>
+              <a:t>is Classification? </a:t>
+            </a:r>
+          </a:p>
+          <a:p>
+            <a:pPr marL="457200" indent="-457200" algn="l">
+              <a:buFont typeface="Arial" panose="020B0604020202020204" pitchFamily="34" charset="0"/>
+              <a:buChar char="•"/>
+            </a:pPr>
+            <a:r>
+              <a:rPr lang="en-US" sz="3200" dirty="0"/>
+              <a:t>Types of Classification </a:t>
+            </a:r>
+          </a:p>
+          <a:p>
+            <a:pPr marL="457200" indent="-457200" algn="l">
+              <a:buFont typeface="Arial" panose="020B0604020202020204" pitchFamily="34" charset="0"/>
+              <a:buChar char="•"/>
+            </a:pPr>
+            <a:r>
+              <a:rPr lang="en-US" sz="3200" dirty="0"/>
+              <a:t>Decision Tree </a:t>
+            </a:r>
+          </a:p>
+          <a:p>
+            <a:pPr marL="457200" indent="-457200" algn="l">
+              <a:buFont typeface="Arial" panose="020B0604020202020204" pitchFamily="34" charset="0"/>
+              <a:buChar char="•"/>
+            </a:pPr>
+            <a:r>
+              <a:rPr lang="en-US" sz="3200" dirty="0"/>
+              <a:t>Decision Tree Terminologies </a:t>
+            </a:r>
+          </a:p>
+          <a:p>
+            <a:pPr marL="457200" indent="-457200" algn="l">
+              <a:buFont typeface="Arial" panose="020B0604020202020204" pitchFamily="34" charset="0"/>
+              <a:buChar char="•"/>
+            </a:pPr>
+            <a:r>
+              <a:rPr lang="en-US" sz="3200" dirty="0"/>
+              <a:t>Entropy </a:t>
+            </a:r>
+          </a:p>
+          <a:p>
+            <a:pPr marL="457200" indent="-457200" algn="l">
+              <a:buFont typeface="Arial" panose="020B0604020202020204" pitchFamily="34" charset="0"/>
+              <a:buChar char="•"/>
+            </a:pPr>
+            <a:r>
+              <a:rPr lang="en-US" sz="3200" dirty="0"/>
+              <a:t>Credit Risk Detection Use-case</a:t>
+            </a:r>
+            <a:r>
+              <a:rPr lang="en-US" sz="3300" dirty="0"/>
+              <a:t> </a:t>
+            </a:r>
+          </a:p>
+        </p:txBody>
+      </p:sp>
+      <p:sp>
+        <p:nvSpPr>
+          <p:cNvPr id="5" name="TextBox 4"/>
+          <p:cNvSpPr txBox="1"/>
+          <p:nvPr/>
+        </p:nvSpPr>
+        <p:spPr>
+          <a:xfrm>
+            <a:off x="254568" y="147547"/>
+            <a:ext cx="10968760" cy="584775"/>
+          </a:xfrm>
+          <a:prstGeom prst="rect">
+            <a:avLst/>
+          </a:prstGeom>
+          <a:noFill/>
+        </p:spPr>
+        <p:txBody>
+          <a:bodyPr wrap="square" rtlCol="0">
+            <a:spAutoFit/>
+          </a:bodyPr>
+          <a:lstStyle/>
+          <a:p>
+            <a:r>
+              <a:rPr lang="en-US" sz="3200" dirty="0" smtClean="0"/>
+              <a:t>Class-3</a:t>
+            </a:r>
+            <a:r>
+              <a:rPr lang="en-US" sz="3200" dirty="0"/>
+              <a:t>: Supervised Learning Algorithms</a:t>
+            </a:r>
+          </a:p>
+        </p:txBody>
+      </p:sp>
+    </p:spTree>
+    <p:extLst>
+      <p:ext uri="{BB962C8B-B14F-4D97-AF65-F5344CB8AC3E}">
+        <p14:creationId xmlns:p14="http://schemas.microsoft.com/office/powerpoint/2010/main" val="406235811"/>
+      </p:ext>
+    </p:extLst>
+  </p:cSld>
+  <p:clrMapOvr>
+    <a:masterClrMapping/>
+  </p:clrMapOvr>
+</p:sld>
+</file>
+
+<file path=ppt/slides/slide18.xml><?xml version="1.0" encoding="utf-8"?>
+<p:sld xmlns:a="http://schemas.openxmlformats.org/drawingml/2006/main" xmlns:r="http://schemas.openxmlformats.org/officeDocument/2006/relationships" xmlns:p="http://schemas.openxmlformats.org/presentationml/2006/main">
+  <p:cSld>
+    <p:spTree>
+      <p:nvGrpSpPr>
+        <p:cNvPr id="1" name=""/>
+        <p:cNvGrpSpPr/>
+        <p:nvPr/>
+      </p:nvGrpSpPr>
+      <p:grpSpPr>
+        <a:xfrm>
+          <a:off x="0" y="0"/>
+          <a:ext cx="0" cy="0"/>
+          <a:chOff x="0" y="0"/>
+          <a:chExt cx="0" cy="0"/>
+        </a:xfrm>
+      </p:grpSpPr>
+      <p:sp>
+        <p:nvSpPr>
+          <p:cNvPr id="3" name="Subtitle 2"/>
+          <p:cNvSpPr>
+            <a:spLocks noGrp="1"/>
+          </p:cNvSpPr>
+          <p:nvPr>
+            <p:ph type="subTitle" idx="1"/>
+          </p:nvPr>
+        </p:nvSpPr>
+        <p:spPr>
+          <a:xfrm>
+            <a:off x="1166948" y="815294"/>
+            <a:ext cx="9144000" cy="5498419"/>
+          </a:xfrm>
+        </p:spPr>
+        <p:txBody>
+          <a:bodyPr>
+            <a:normAutofit fontScale="32500" lnSpcReduction="20000"/>
+          </a:bodyPr>
+          <a:lstStyle/>
+          <a:p>
+            <a:pPr algn="l"/>
+            <a:r>
+              <a:rPr lang="en-US" sz="6200" dirty="0"/>
+              <a:t>Random Forest </a:t>
+            </a:r>
+          </a:p>
+          <a:p>
+            <a:pPr algn="l"/>
+            <a:r>
+              <a:rPr lang="en-US" sz="6200" dirty="0"/>
+              <a:t>Random Forest Use-Cases </a:t>
+            </a:r>
+          </a:p>
+          <a:p>
+            <a:pPr algn="l"/>
+            <a:r>
+              <a:rPr lang="en-US" sz="6200" dirty="0"/>
+              <a:t>Random Forest Algorithm </a:t>
+            </a:r>
+          </a:p>
+          <a:p>
+            <a:pPr algn="l"/>
+            <a:r>
+              <a:rPr lang="en-US" sz="6200" dirty="0"/>
+              <a:t>KNN Algorithm </a:t>
+            </a:r>
+          </a:p>
+          <a:p>
+            <a:pPr algn="l"/>
+            <a:r>
+              <a:rPr lang="en-US" sz="6200" dirty="0"/>
+              <a:t>KNN Algorithm Working </a:t>
+            </a:r>
+          </a:p>
+          <a:p>
+            <a:pPr algn="l"/>
+            <a:r>
+              <a:rPr lang="en-US" sz="6200" dirty="0"/>
+              <a:t>KNN Demo </a:t>
+            </a:r>
+          </a:p>
+          <a:p>
+            <a:pPr algn="l"/>
+            <a:r>
+              <a:rPr lang="en-US" sz="6200" dirty="0"/>
+              <a:t>Naive Bayes </a:t>
+            </a:r>
+          </a:p>
+          <a:p>
+            <a:pPr algn="l"/>
+            <a:r>
+              <a:rPr lang="en-US" sz="6200" dirty="0"/>
+              <a:t>Naive Bayes Working </a:t>
+            </a:r>
+          </a:p>
+          <a:p>
+            <a:pPr algn="l"/>
+            <a:r>
+              <a:rPr lang="en-US" sz="6200" dirty="0"/>
+              <a:t>Industrial Use of Naive Bayes </a:t>
+            </a:r>
+          </a:p>
+          <a:p>
+            <a:pPr algn="l"/>
+            <a:r>
+              <a:rPr lang="en-US" sz="6200" dirty="0"/>
+              <a:t>Types of Naive Bayes </a:t>
+            </a:r>
+          </a:p>
+          <a:p>
+            <a:pPr algn="l"/>
+            <a:r>
+              <a:rPr lang="en-US" sz="6200" dirty="0"/>
+              <a:t>Steps involved in Naive Bayes </a:t>
+            </a:r>
+          </a:p>
+          <a:p>
+            <a:pPr algn="l"/>
+            <a:r>
+              <a:rPr lang="en-US" sz="6200" dirty="0"/>
+              <a:t>PIMA Diabetic Test Use Case </a:t>
+            </a:r>
+          </a:p>
+          <a:p>
+            <a:pPr algn="l"/>
+            <a:r>
+              <a:rPr lang="en-US" sz="6200" dirty="0"/>
+              <a:t>Support Vector Machine </a:t>
+            </a:r>
+          </a:p>
+          <a:p>
+            <a:pPr algn="l"/>
+            <a:r>
+              <a:rPr lang="en-US" sz="6200" dirty="0"/>
+              <a:t>Non-Linear SVM </a:t>
+            </a:r>
+          </a:p>
+          <a:p>
+            <a:pPr algn="l"/>
+            <a:r>
+              <a:rPr lang="en-US" sz="6200" dirty="0"/>
+              <a:t>SVM Use-case </a:t>
+            </a:r>
+          </a:p>
+        </p:txBody>
+      </p:sp>
+      <p:sp>
+        <p:nvSpPr>
+          <p:cNvPr id="4" name="TextBox 3"/>
+          <p:cNvSpPr txBox="1"/>
+          <p:nvPr/>
+        </p:nvSpPr>
+        <p:spPr>
+          <a:xfrm>
+            <a:off x="522514" y="217714"/>
+            <a:ext cx="936154" cy="369332"/>
+          </a:xfrm>
+          <a:prstGeom prst="rect">
+            <a:avLst/>
+          </a:prstGeom>
+          <a:noFill/>
+        </p:spPr>
+        <p:txBody>
+          <a:bodyPr wrap="none" rtlCol="0">
+            <a:spAutoFit/>
+          </a:bodyPr>
+          <a:lstStyle/>
+          <a:p>
+            <a:r>
+              <a:rPr lang="en-US" dirty="0"/>
+              <a:t>Content</a:t>
+            </a:r>
+          </a:p>
+        </p:txBody>
+      </p:sp>
+    </p:spTree>
+    <p:extLst>
+      <p:ext uri="{BB962C8B-B14F-4D97-AF65-F5344CB8AC3E}">
+        <p14:creationId xmlns:p14="http://schemas.microsoft.com/office/powerpoint/2010/main" val="3761855347"/>
+      </p:ext>
+    </p:extLst>
+  </p:cSld>
+  <p:clrMapOvr>
+    <a:masterClrMapping/>
+  </p:clrMapOvr>
+</p:sld>
+</file>
+
+<file path=ppt/slides/slide19.xml><?xml version="1.0" encoding="utf-8"?>
+<p:sld xmlns:a="http://schemas.openxmlformats.org/drawingml/2006/main" xmlns:r="http://schemas.openxmlformats.org/officeDocument/2006/relationships" xmlns:p="http://schemas.openxmlformats.org/presentationml/2006/main">
+  <p:cSld>
+    <p:spTree>
+      <p:nvGrpSpPr>
+        <p:cNvPr id="1" name=""/>
+        <p:cNvGrpSpPr/>
+        <p:nvPr/>
+      </p:nvGrpSpPr>
+      <p:grpSpPr>
+        <a:xfrm>
+          <a:off x="0" y="0"/>
+          <a:ext cx="0" cy="0"/>
+          <a:chOff x="0" y="0"/>
+          <a:chExt cx="0" cy="0"/>
+        </a:xfrm>
+      </p:grpSpPr>
+      <p:sp>
+        <p:nvSpPr>
+          <p:cNvPr id="3" name="Subtitle 2"/>
+          <p:cNvSpPr>
+            <a:spLocks noGrp="1"/>
+          </p:cNvSpPr>
+          <p:nvPr>
+            <p:ph type="subTitle" idx="1"/>
+          </p:nvPr>
+        </p:nvSpPr>
+        <p:spPr>
+          <a:xfrm>
+            <a:off x="1166948" y="815294"/>
+            <a:ext cx="9144000" cy="5498419"/>
+          </a:xfrm>
+        </p:spPr>
+        <p:txBody>
+          <a:bodyPr>
+            <a:normAutofit fontScale="32500" lnSpcReduction="20000"/>
+          </a:bodyPr>
+          <a:lstStyle/>
+          <a:p>
+            <a:pPr algn="l"/>
+            <a:r>
+              <a:rPr lang="en-US" sz="6200" dirty="0"/>
+              <a:t>K-Means Clustering &amp; Association Rule Mining </a:t>
+            </a:r>
+          </a:p>
+          <a:p>
+            <a:pPr algn="l"/>
+            <a:r>
+              <a:rPr lang="en-US" sz="6200" dirty="0"/>
+              <a:t>Types of Clustering </a:t>
+            </a:r>
+          </a:p>
+          <a:p>
+            <a:pPr algn="l"/>
+            <a:r>
+              <a:rPr lang="en-US" sz="6200" dirty="0"/>
+              <a:t>K-Means Clustering </a:t>
+            </a:r>
+          </a:p>
+          <a:p>
+            <a:pPr algn="l"/>
+            <a:r>
+              <a:rPr lang="en-US" sz="6200" dirty="0"/>
+              <a:t>K-Means Working </a:t>
+            </a:r>
+          </a:p>
+          <a:p>
+            <a:pPr algn="l"/>
+            <a:r>
+              <a:rPr lang="en-US" sz="6200" dirty="0"/>
+              <a:t>Pros &amp; Cons of K-Means Clustering </a:t>
+            </a:r>
+          </a:p>
+          <a:p>
+            <a:pPr algn="l"/>
+            <a:r>
+              <a:rPr lang="en-US" sz="6200" dirty="0"/>
+              <a:t>K-Means Demo </a:t>
+            </a:r>
+          </a:p>
+          <a:p>
+            <a:pPr algn="l"/>
+            <a:r>
+              <a:rPr lang="en-US" sz="6200" dirty="0"/>
+              <a:t>Hierarchical Clustering </a:t>
+            </a:r>
+          </a:p>
+          <a:p>
+            <a:pPr algn="l"/>
+            <a:r>
+              <a:rPr lang="en-US" sz="6200" dirty="0"/>
+              <a:t>Association Rule Mining </a:t>
+            </a:r>
+          </a:p>
+          <a:p>
+            <a:pPr algn="l"/>
+            <a:r>
+              <a:rPr lang="en-US" sz="6200" dirty="0" err="1"/>
+              <a:t>Apriori</a:t>
+            </a:r>
+            <a:r>
+              <a:rPr lang="en-US" sz="6200" dirty="0"/>
+              <a:t> Algorithm </a:t>
+            </a:r>
+          </a:p>
+          <a:p>
+            <a:pPr algn="l"/>
+            <a:r>
+              <a:rPr lang="en-US" sz="6200" dirty="0" err="1"/>
+              <a:t>Apriori</a:t>
+            </a:r>
+            <a:r>
+              <a:rPr lang="en-US" sz="6200" dirty="0"/>
+              <a:t> Algorithm Demo </a:t>
+            </a:r>
+          </a:p>
+          <a:p>
+            <a:pPr algn="l"/>
+            <a:r>
+              <a:rPr lang="en-US" sz="6200" dirty="0"/>
+              <a:t>Reinforcement Learning </a:t>
+            </a:r>
+          </a:p>
+          <a:p>
+            <a:pPr algn="l"/>
+            <a:r>
+              <a:rPr lang="en-US" sz="6200" dirty="0"/>
+              <a:t>	Reinforcement Learning: Counter-Strike Example </a:t>
+            </a:r>
+          </a:p>
+          <a:p>
+            <a:pPr algn="l"/>
+            <a:r>
+              <a:rPr lang="en-US" sz="6200" dirty="0"/>
+              <a:t>Markov's Decision Process </a:t>
+            </a:r>
+          </a:p>
+          <a:p>
+            <a:pPr algn="l"/>
+            <a:r>
+              <a:rPr lang="en-US" sz="6600" dirty="0"/>
+              <a:t/>
+            </a:r>
+            <a:br>
+              <a:rPr lang="en-US" sz="6600" dirty="0"/>
+            </a:br>
+            <a:endParaRPr lang="en-US" sz="6600" dirty="0"/>
+          </a:p>
+        </p:txBody>
+      </p:sp>
+      <p:sp>
+        <p:nvSpPr>
+          <p:cNvPr id="4" name="TextBox 3"/>
+          <p:cNvSpPr txBox="1"/>
+          <p:nvPr/>
+        </p:nvSpPr>
+        <p:spPr>
+          <a:xfrm>
+            <a:off x="522514" y="217714"/>
+            <a:ext cx="936154" cy="369332"/>
+          </a:xfrm>
+          <a:prstGeom prst="rect">
+            <a:avLst/>
+          </a:prstGeom>
+          <a:noFill/>
+        </p:spPr>
+        <p:txBody>
+          <a:bodyPr wrap="none" rtlCol="0">
+            <a:spAutoFit/>
+          </a:bodyPr>
+          <a:lstStyle/>
+          <a:p>
+            <a:r>
+              <a:rPr lang="en-US" dirty="0"/>
+              <a:t>Content</a:t>
+            </a:r>
+          </a:p>
+        </p:txBody>
+      </p:sp>
+    </p:spTree>
+    <p:extLst>
+      <p:ext uri="{BB962C8B-B14F-4D97-AF65-F5344CB8AC3E}">
+        <p14:creationId xmlns:p14="http://schemas.microsoft.com/office/powerpoint/2010/main" val="1344136077"/>
+      </p:ext>
+    </p:extLst>
+  </p:cSld>
+  <p:clrMapOvr>
+    <a:masterClrMapping/>
+  </p:clrMapOvr>
+</p:sld>
+</file>
+
+<file path=ppt/slides/slide2.xml><?xml version="1.0" encoding="utf-8"?>
 <p:sld xmlns:a="http://schemas.openxmlformats.org/drawingml/2006/main" xmlns:r="http://schemas.openxmlformats.org/officeDocument/2006/relationships" xmlns:p="http://schemas.openxmlformats.org/presentationml/2006/main">
   <p:cSld>
     <p:bg>
@@ -4051,6 +5457,354 @@
 </p:sld>
 </file>
 
+<file path=ppt/slides/slide20.xml><?xml version="1.0" encoding="utf-8"?>
+<p:sld xmlns:a="http://schemas.openxmlformats.org/drawingml/2006/main" xmlns:r="http://schemas.openxmlformats.org/officeDocument/2006/relationships" xmlns:p="http://schemas.openxmlformats.org/presentationml/2006/main">
+  <p:cSld>
+    <p:spTree>
+      <p:nvGrpSpPr>
+        <p:cNvPr id="1" name=""/>
+        <p:cNvGrpSpPr/>
+        <p:nvPr/>
+      </p:nvGrpSpPr>
+      <p:grpSpPr>
+        <a:xfrm>
+          <a:off x="0" y="0"/>
+          <a:ext cx="0" cy="0"/>
+          <a:chOff x="0" y="0"/>
+          <a:chExt cx="0" cy="0"/>
+        </a:xfrm>
+      </p:grpSpPr>
+      <p:sp>
+        <p:nvSpPr>
+          <p:cNvPr id="3" name="Subtitle 2"/>
+          <p:cNvSpPr>
+            <a:spLocks noGrp="1"/>
+          </p:cNvSpPr>
+          <p:nvPr>
+            <p:ph type="subTitle" idx="1"/>
+          </p:nvPr>
+        </p:nvSpPr>
+        <p:spPr>
+          <a:xfrm>
+            <a:off x="1166948" y="815294"/>
+            <a:ext cx="9144000" cy="5498419"/>
+          </a:xfrm>
+        </p:spPr>
+        <p:txBody>
+          <a:bodyPr>
+            <a:normAutofit fontScale="40000" lnSpcReduction="20000"/>
+          </a:bodyPr>
+          <a:lstStyle/>
+          <a:p>
+            <a:pPr algn="l"/>
+            <a:r>
+              <a:rPr lang="en-US" sz="6200" dirty="0"/>
+              <a:t>Q-Learning </a:t>
+            </a:r>
+          </a:p>
+          <a:p>
+            <a:pPr algn="l"/>
+            <a:r>
+              <a:rPr lang="en-US" sz="6200" dirty="0"/>
+              <a:t>The Bellman Equation </a:t>
+            </a:r>
+          </a:p>
+          <a:p>
+            <a:pPr algn="l"/>
+            <a:r>
+              <a:rPr lang="en-US" sz="6200" dirty="0"/>
+              <a:t>Transitioning to Q-Learning</a:t>
+            </a:r>
+          </a:p>
+          <a:p>
+            <a:pPr algn="l"/>
+            <a:r>
+              <a:rPr lang="en-US" sz="6200" dirty="0"/>
+              <a:t>Implementing Q-Learning </a:t>
+            </a:r>
+          </a:p>
+          <a:p>
+            <a:pPr algn="l"/>
+            <a:endParaRPr lang="en-US" sz="6200" dirty="0"/>
+          </a:p>
+          <a:p>
+            <a:pPr algn="l"/>
+            <a:r>
+              <a:rPr lang="en-US" sz="6200" dirty="0"/>
+              <a:t>Machine Learning Projects </a:t>
+            </a:r>
+          </a:p>
+          <a:p>
+            <a:pPr algn="l"/>
+            <a:r>
+              <a:rPr lang="en-US" sz="6200" dirty="0"/>
+              <a:t>Who is a ML Engineer? </a:t>
+            </a:r>
+          </a:p>
+          <a:p>
+            <a:pPr algn="l"/>
+            <a:r>
+              <a:rPr lang="en-US" sz="6200" dirty="0"/>
+              <a:t>ML Engineer Job Trends </a:t>
+            </a:r>
+          </a:p>
+          <a:p>
+            <a:pPr algn="l"/>
+            <a:r>
+              <a:rPr lang="en-US" sz="6200" dirty="0"/>
+              <a:t>ML Engineer Salary Trends </a:t>
+            </a:r>
+          </a:p>
+          <a:p>
+            <a:pPr algn="l"/>
+            <a:r>
+              <a:rPr lang="en-US" sz="6200" dirty="0"/>
+              <a:t>ML Engineer Skills </a:t>
+            </a:r>
+          </a:p>
+          <a:p>
+            <a:pPr algn="l"/>
+            <a:r>
+              <a:rPr lang="en-US" sz="6200" dirty="0"/>
+              <a:t>ML Engineer Job Description </a:t>
+            </a:r>
+          </a:p>
+          <a:p>
+            <a:pPr algn="l"/>
+            <a:r>
+              <a:rPr lang="en-US" sz="6200" dirty="0"/>
+              <a:t>ML Engineer Resume </a:t>
+            </a:r>
+          </a:p>
+          <a:p>
+            <a:pPr algn="l"/>
+            <a:r>
+              <a:rPr lang="en-US" sz="6200" dirty="0"/>
+              <a:t>Machine Learning Interview Questions</a:t>
+            </a:r>
+            <a:r>
+              <a:rPr lang="en-US" sz="6600" dirty="0"/>
+              <a:t/>
+            </a:r>
+            <a:br>
+              <a:rPr lang="en-US" sz="6600" dirty="0"/>
+            </a:br>
+            <a:endParaRPr lang="en-US" sz="6600" dirty="0"/>
+          </a:p>
+        </p:txBody>
+      </p:sp>
+      <p:sp>
+        <p:nvSpPr>
+          <p:cNvPr id="4" name="TextBox 3"/>
+          <p:cNvSpPr txBox="1"/>
+          <p:nvPr/>
+        </p:nvSpPr>
+        <p:spPr>
+          <a:xfrm>
+            <a:off x="522514" y="217714"/>
+            <a:ext cx="936154" cy="369332"/>
+          </a:xfrm>
+          <a:prstGeom prst="rect">
+            <a:avLst/>
+          </a:prstGeom>
+          <a:noFill/>
+        </p:spPr>
+        <p:txBody>
+          <a:bodyPr wrap="none" rtlCol="0">
+            <a:spAutoFit/>
+          </a:bodyPr>
+          <a:lstStyle/>
+          <a:p>
+            <a:r>
+              <a:rPr lang="en-US" dirty="0"/>
+              <a:t>Content</a:t>
+            </a:r>
+          </a:p>
+        </p:txBody>
+      </p:sp>
+    </p:spTree>
+    <p:extLst>
+      <p:ext uri="{BB962C8B-B14F-4D97-AF65-F5344CB8AC3E}">
+        <p14:creationId xmlns:p14="http://schemas.microsoft.com/office/powerpoint/2010/main" val="2764468633"/>
+      </p:ext>
+    </p:extLst>
+  </p:cSld>
+  <p:clrMapOvr>
+    <a:masterClrMapping/>
+  </p:clrMapOvr>
+</p:sld>
+</file>
+
+<file path=ppt/slides/slide3.xml><?xml version="1.0" encoding="utf-8"?>
+<p:sld xmlns:a="http://schemas.openxmlformats.org/drawingml/2006/main" xmlns:r="http://schemas.openxmlformats.org/officeDocument/2006/relationships" xmlns:p="http://schemas.openxmlformats.org/presentationml/2006/main">
+  <p:cSld>
+    <p:spTree>
+      <p:nvGrpSpPr>
+        <p:cNvPr id="1" name=""/>
+        <p:cNvGrpSpPr/>
+        <p:nvPr/>
+      </p:nvGrpSpPr>
+      <p:grpSpPr>
+        <a:xfrm>
+          <a:off x="0" y="0"/>
+          <a:ext cx="0" cy="0"/>
+          <a:chOff x="0" y="0"/>
+          <a:chExt cx="0" cy="0"/>
+        </a:xfrm>
+      </p:grpSpPr>
+      <p:sp>
+        <p:nvSpPr>
+          <p:cNvPr id="3" name="Subtitle 2"/>
+          <p:cNvSpPr>
+            <a:spLocks noGrp="1"/>
+          </p:cNvSpPr>
+          <p:nvPr>
+            <p:ph type="subTitle" idx="1"/>
+          </p:nvPr>
+        </p:nvSpPr>
+        <p:spPr>
+          <a:xfrm>
+            <a:off x="641023" y="815294"/>
+            <a:ext cx="11227323" cy="5498419"/>
+          </a:xfrm>
+        </p:spPr>
+        <p:txBody>
+          <a:bodyPr>
+            <a:normAutofit/>
+          </a:bodyPr>
+          <a:lstStyle/>
+          <a:p>
+            <a:pPr marL="685800" indent="-685800" algn="l">
+              <a:buFont typeface="Arial" panose="020B0604020202020204" pitchFamily="34" charset="0"/>
+              <a:buChar char="•"/>
+            </a:pPr>
+            <a:r>
+              <a:rPr lang="en-US" sz="4900" dirty="0"/>
+              <a:t>	</a:t>
+            </a:r>
+            <a:r>
+              <a:rPr lang="en-US" sz="4000" dirty="0"/>
+              <a:t>Supervised Learning</a:t>
+            </a:r>
+            <a:r>
+              <a:rPr lang="en-US" sz="4900" dirty="0"/>
+              <a:t>	</a:t>
+            </a:r>
+          </a:p>
+          <a:p>
+            <a:pPr algn="l"/>
+            <a:r>
+              <a:rPr lang="en-US" sz="4900" dirty="0"/>
+              <a:t>		</a:t>
+            </a:r>
+            <a:r>
+              <a:rPr lang="en-US" sz="3000" dirty="0"/>
+              <a:t>knowing X and Y, generate a model to classification</a:t>
+            </a:r>
+          </a:p>
+          <a:p>
+            <a:pPr marL="685800" indent="-685800" algn="l">
+              <a:buFont typeface="Arial" panose="020B0604020202020204" pitchFamily="34" charset="0"/>
+              <a:buChar char="•"/>
+            </a:pPr>
+            <a:r>
+              <a:rPr lang="en-US" sz="4900" dirty="0"/>
+              <a:t>	</a:t>
+            </a:r>
+            <a:r>
+              <a:rPr lang="en-US" sz="4000" dirty="0"/>
+              <a:t>Unsupervised Learning</a:t>
+            </a:r>
+          </a:p>
+          <a:p>
+            <a:pPr lvl="2" algn="l"/>
+            <a:r>
+              <a:rPr lang="en-US" sz="3400" dirty="0"/>
+              <a:t>	</a:t>
+            </a:r>
+            <a:r>
+              <a:rPr lang="en-US" sz="3000" dirty="0"/>
+              <a:t>knowing X but Y, generate a model to cluster</a:t>
+            </a:r>
+          </a:p>
+          <a:p>
+            <a:pPr marL="685800" indent="-685800" algn="l">
+              <a:buFont typeface="Arial" panose="020B0604020202020204" pitchFamily="34" charset="0"/>
+              <a:buChar char="•"/>
+            </a:pPr>
+            <a:r>
+              <a:rPr lang="en-US" sz="4900" dirty="0"/>
+              <a:t>	</a:t>
+            </a:r>
+            <a:r>
+              <a:rPr lang="en-US" sz="4000" dirty="0"/>
+              <a:t>Reinforcement Learning</a:t>
+            </a:r>
+          </a:p>
+          <a:p>
+            <a:pPr lvl="1" algn="l"/>
+            <a:r>
+              <a:rPr lang="en-US" sz="3000" dirty="0"/>
+              <a:t>		knowing X but Y, create an environment and learning agent</a:t>
+            </a:r>
+          </a:p>
+          <a:p>
+            <a:pPr algn="l"/>
+            <a:endParaRPr lang="en-US" sz="4900" dirty="0"/>
+          </a:p>
+          <a:p>
+            <a:pPr algn="l"/>
+            <a:endParaRPr lang="en-US" sz="4900" dirty="0"/>
+          </a:p>
+        </p:txBody>
+      </p:sp>
+      <p:sp>
+        <p:nvSpPr>
+          <p:cNvPr id="4" name="TextBox 3"/>
+          <p:cNvSpPr txBox="1"/>
+          <p:nvPr/>
+        </p:nvSpPr>
+        <p:spPr>
+          <a:xfrm>
+            <a:off x="522514" y="217714"/>
+            <a:ext cx="7961610" cy="584775"/>
+          </a:xfrm>
+          <a:prstGeom prst="rect">
+            <a:avLst/>
+          </a:prstGeom>
+          <a:noFill/>
+        </p:spPr>
+        <p:txBody>
+          <a:bodyPr wrap="square" rtlCol="0">
+            <a:spAutoFit/>
+          </a:bodyPr>
+          <a:lstStyle/>
+          <a:p>
+            <a:r>
+              <a:rPr lang="en-US" sz="3200" dirty="0"/>
+              <a:t>Class-1: Introduction to </a:t>
+            </a:r>
+            <a:r>
+              <a:rPr lang="en-US" sz="3200" dirty="0" smtClean="0"/>
+              <a:t>ML</a:t>
+            </a:r>
+            <a:endParaRPr lang="en-US" sz="3200" dirty="0"/>
+          </a:p>
+        </p:txBody>
+      </p:sp>
+    </p:spTree>
+    <p:extLst>
+      <p:ext uri="{BB962C8B-B14F-4D97-AF65-F5344CB8AC3E}">
+        <p14:creationId xmlns:p14="http://schemas.microsoft.com/office/powerpoint/2010/main" val="1538160773"/>
+      </p:ext>
+    </p:extLst>
+  </p:cSld>
+  <p:clrMapOvr>
+    <a:masterClrMapping/>
+  </p:clrMapOvr>
+</p:sld>
+</file>
+
 <file path=ppt/slides/slide4.xml><?xml version="1.0" encoding="utf-8"?>
 <p:sld xmlns:a="http://schemas.openxmlformats.org/drawingml/2006/main" xmlns:r="http://schemas.openxmlformats.org/officeDocument/2006/relationships" xmlns:p="http://schemas.openxmlformats.org/presentationml/2006/main">
   <p:cSld>
@@ -4086,7 +5840,7 @@
         </p:spPr>
         <p:txBody>
           <a:bodyPr>
-            <a:normAutofit fontScale="62500" lnSpcReduction="20000"/>
+            <a:normAutofit/>
           </a:bodyPr>
           <a:lstStyle/>
           <a:p>
@@ -4128,48 +5882,6 @@
             <a:r>
               <a:rPr lang="en-US" sz="4000" dirty="0"/>
               <a:t>Demo: Iris Dataset </a:t>
-            </a:r>
-          </a:p>
-          <a:p>
-            <a:pPr algn="l"/>
-            <a:r>
-              <a:rPr lang="en-US" sz="6200" dirty="0"/>
-              <a:t>Stats &amp; Probability for Machine Learning </a:t>
-            </a:r>
-          </a:p>
-          <a:p>
-            <a:pPr algn="l"/>
-            <a:r>
-              <a:rPr lang="en-US" sz="6200" dirty="0"/>
-              <a:t>Categories of Data </a:t>
-            </a:r>
-          </a:p>
-          <a:p>
-            <a:pPr algn="l"/>
-            <a:r>
-              <a:rPr lang="en-US" sz="6200" dirty="0"/>
-              <a:t>Qualitative Data </a:t>
-            </a:r>
-          </a:p>
-          <a:p>
-            <a:pPr algn="l"/>
-            <a:r>
-              <a:rPr lang="en-US" sz="6200" dirty="0"/>
-              <a:t>Quantitative Data </a:t>
-            </a:r>
-          </a:p>
-          <a:p>
-            <a:pPr algn="l"/>
-            <a:r>
-              <a:rPr lang="en-US" sz="6200" dirty="0"/>
-              <a:t>What is Statistics? </a:t>
-            </a:r>
-          </a:p>
-          <a:p>
-            <a:pPr algn="l"/>
-            <a:r>
-              <a:rPr lang="en-US" sz="6200" dirty="0"/>
-              <a:t>Statistics Terminologies </a:t>
             </a:r>
           </a:p>
         </p:txBody>
@@ -4248,76 +5960,143 @@
         </p:nvSpPr>
         <p:spPr>
           <a:xfrm>
-            <a:off x="1166948" y="815294"/>
-            <a:ext cx="9144000" cy="5498419"/>
+            <a:off x="522514" y="935109"/>
+            <a:ext cx="11300518" cy="5642154"/>
           </a:xfrm>
         </p:spPr>
         <p:txBody>
           <a:bodyPr>
-            <a:normAutofit fontScale="85000" lnSpcReduction="20000"/>
+            <a:noAutofit/>
           </a:bodyPr>
           <a:lstStyle/>
           <a:p>
+            <a:pPr marL="457200" indent="-457200" algn="l">
+              <a:buFont typeface="Arial" panose="020B0604020202020204" pitchFamily="34" charset="0"/>
+              <a:buChar char="•"/>
+            </a:pPr>
+            <a:r>
+              <a:rPr lang="en-US" sz="2800" dirty="0" smtClean="0"/>
+              <a:t>Anomaly Detection Algorithm</a:t>
+            </a:r>
+          </a:p>
+          <a:p>
+            <a:pPr lvl="1" algn="l"/>
+            <a:r>
+              <a:rPr lang="en-US" sz="2800" dirty="0" smtClean="0"/>
+              <a:t>    -- Identify unusual data points</a:t>
+            </a:r>
+          </a:p>
+          <a:p>
+            <a:pPr marL="1371600" lvl="2" indent="-457200" algn="l">
+              <a:buFont typeface="Courier New" panose="02070309020205020404" pitchFamily="49" charset="0"/>
+              <a:buChar char="o"/>
+            </a:pPr>
+            <a:r>
+              <a:rPr lang="en-US" sz="2800" dirty="0" smtClean="0"/>
+              <a:t>Is there any fraud in this transactions</a:t>
+            </a:r>
+          </a:p>
+          <a:p>
+            <a:pPr marL="1371600" lvl="2" indent="-457200" algn="l">
+              <a:buFont typeface="Courier New" panose="02070309020205020404" pitchFamily="49" charset="0"/>
+              <a:buChar char="o"/>
+            </a:pPr>
+            <a:r>
+              <a:rPr lang="en-US" sz="2800" dirty="0" smtClean="0"/>
+              <a:t>Is someone trying to hack our network</a:t>
+            </a:r>
+          </a:p>
+          <a:p>
+            <a:pPr marL="457200" indent="-457200" algn="l">
+              <a:buFont typeface="Arial" panose="020B0604020202020204" pitchFamily="34" charset="0"/>
+              <a:buChar char="•"/>
+            </a:pPr>
+            <a:r>
+              <a:rPr lang="en-US" sz="2800" dirty="0" smtClean="0"/>
+              <a:t>Clustering Algorithm</a:t>
+            </a:r>
+          </a:p>
+          <a:p>
+            <a:pPr algn="l"/>
+            <a:r>
+              <a:rPr lang="en-US" sz="2800" dirty="0" smtClean="0"/>
+              <a:t>	-- Group data based on some condition</a:t>
+            </a:r>
+          </a:p>
+          <a:p>
+            <a:pPr marL="1485900" lvl="2" indent="-571500" algn="l">
+              <a:buFont typeface="Courier New" panose="02070309020205020404" pitchFamily="49" charset="0"/>
+              <a:buChar char="o"/>
+            </a:pPr>
+            <a:r>
+              <a:rPr lang="en-US" sz="2800" dirty="0" smtClean="0"/>
+              <a:t>Which type of house lies in this segment?</a:t>
+            </a:r>
+          </a:p>
+          <a:p>
+            <a:pPr marL="1485900" lvl="2" indent="-571500" algn="l">
+              <a:buFont typeface="Courier New" panose="02070309020205020404" pitchFamily="49" charset="0"/>
+              <a:buChar char="o"/>
+            </a:pPr>
+            <a:r>
+              <a:rPr lang="en-US" sz="2800" dirty="0" smtClean="0"/>
+              <a:t>What type of customer buys this product?</a:t>
+            </a:r>
+          </a:p>
+          <a:p>
+            <a:pPr marL="457200" indent="-457200" algn="l">
+              <a:buFont typeface="Arial" panose="020B0604020202020204" pitchFamily="34" charset="0"/>
+              <a:buChar char="•"/>
+            </a:pPr>
+            <a:r>
+              <a:rPr lang="en-US" sz="2800" dirty="0" smtClean="0"/>
+              <a:t>Regression Algorithm</a:t>
+            </a:r>
+          </a:p>
+          <a:p>
+            <a:pPr algn="l"/>
+            <a:r>
+              <a:rPr lang="en-US" sz="2800" dirty="0" smtClean="0"/>
+              <a:t>	-- Data itself is predicted</a:t>
+            </a:r>
+          </a:p>
+          <a:p>
+            <a:pPr marL="1600200" lvl="2" indent="-685800" algn="l">
+              <a:buFont typeface="Courier New" panose="02070309020205020404" pitchFamily="49" charset="0"/>
+              <a:buChar char="o"/>
+            </a:pPr>
+            <a:r>
+              <a:rPr lang="en-US" sz="2800" dirty="0" smtClean="0"/>
+              <a:t>what is the market value of this house?</a:t>
+            </a:r>
+          </a:p>
+          <a:p>
+            <a:pPr marL="1600200" lvl="2" indent="-685800" algn="l">
+              <a:buFont typeface="Courier New" panose="02070309020205020404" pitchFamily="49" charset="0"/>
+              <a:buChar char="o"/>
+            </a:pPr>
+            <a:r>
+              <a:rPr lang="en-US" sz="2800" dirty="0" smtClean="0"/>
+              <a:t>Is it going to rain tomorrow?</a:t>
+            </a:r>
+          </a:p>
+          <a:p>
+            <a:pPr algn="l"/>
+            <a:endParaRPr lang="en-US" sz="4600" dirty="0" smtClean="0"/>
+          </a:p>
+          <a:p>
+            <a:pPr algn="l"/>
+            <a:endParaRPr lang="en-US" sz="4600" dirty="0"/>
+          </a:p>
+          <a:p>
+            <a:pPr algn="l"/>
+            <a:endParaRPr lang="en-US" sz="4600" dirty="0" smtClean="0"/>
+          </a:p>
+          <a:p>
             <a:pPr algn="l"/>
             <a:r>
               <a:rPr lang="en-US" sz="6200" dirty="0"/>
-              <a:t>Sampling Techniques </a:t>
-            </a:r>
-          </a:p>
-          <a:p>
-            <a:pPr lvl="1" algn="l"/>
-            <a:r>
-              <a:rPr lang="en-US" sz="5800" dirty="0"/>
-              <a:t>Random Sampling </a:t>
-            </a:r>
-          </a:p>
-          <a:p>
-            <a:pPr lvl="1" algn="l"/>
-            <a:r>
-              <a:rPr lang="en-US" sz="5800" dirty="0"/>
-              <a:t>Systematic Sampling </a:t>
-            </a:r>
-          </a:p>
-          <a:p>
-            <a:pPr lvl="1" algn="l"/>
-            <a:r>
-              <a:rPr lang="en-US" sz="5800" dirty="0"/>
-              <a:t>Stratified Sampling </a:t>
-            </a:r>
-          </a:p>
-          <a:p>
-            <a:pPr algn="l"/>
-            <a:r>
-              <a:rPr lang="en-US" sz="6200" dirty="0"/>
-              <a:t>Types of Statistics </a:t>
-            </a:r>
-          </a:p>
-          <a:p>
-            <a:pPr lvl="1" algn="l"/>
-            <a:r>
-              <a:rPr lang="en-US" sz="5800" dirty="0"/>
-              <a:t>Descriptive Statistics </a:t>
-            </a:r>
-          </a:p>
-          <a:p>
-            <a:pPr lvl="1" algn="l"/>
-            <a:r>
-              <a:rPr lang="en-US" sz="5800" dirty="0"/>
-              <a:t>Measures of Spread </a:t>
-            </a:r>
-          </a:p>
-          <a:p>
-            <a:pPr lvl="1" algn="l"/>
-            <a:r>
-              <a:rPr lang="en-US" sz="5800" dirty="0"/>
-              <a:t>Information Gain &amp; Entropy </a:t>
-            </a:r>
-          </a:p>
-          <a:p>
-            <a:pPr lvl="1" algn="l"/>
-            <a:r>
-              <a:rPr lang="en-US" sz="5800" dirty="0"/>
-              <a:t>Confusion Matrix </a:t>
+              <a:t>	</a:t>
             </a:r>
           </a:p>
         </p:txBody>
@@ -4331,7 +6110,7 @@
         <p:spPr>
           <a:xfrm>
             <a:off x="522514" y="217714"/>
-            <a:ext cx="936154" cy="369332"/>
+            <a:ext cx="10968760" cy="861774"/>
           </a:xfrm>
           <a:prstGeom prst="rect">
             <a:avLst/>
@@ -4339,22 +6118,25 @@
           <a:noFill/>
         </p:spPr>
         <p:txBody>
-          <a:bodyPr wrap="none" rtlCol="0">
+          <a:bodyPr wrap="square" rtlCol="0">
             <a:spAutoFit/>
           </a:bodyPr>
           <a:lstStyle/>
           <a:p>
             <a:r>
-              <a:rPr lang="en-US" dirty="0"/>
-              <a:t>Content</a:t>
-            </a:r>
+              <a:rPr lang="en-US" sz="3200" dirty="0"/>
+              <a:t>Class-1:Classification of Algorithm</a:t>
+            </a:r>
+          </a:p>
+          <a:p>
+            <a:endParaRPr lang="en-US" dirty="0"/>
           </a:p>
         </p:txBody>
       </p:sp>
     </p:spTree>
     <p:extLst>
       <p:ext uri="{BB962C8B-B14F-4D97-AF65-F5344CB8AC3E}">
-        <p14:creationId xmlns:p14="http://schemas.microsoft.com/office/powerpoint/2010/main" val="1873121010"/>
+        <p14:creationId xmlns:p14="http://schemas.microsoft.com/office/powerpoint/2010/main" val="338597293"/>
       </p:ext>
     </p:extLst>
   </p:cSld>
@@ -4394,139 +6176,37 @@
         <p:spPr>
           <a:xfrm>
             <a:off x="1166948" y="815294"/>
-            <a:ext cx="9144000" cy="5762151"/>
+            <a:ext cx="10375478" cy="5498419"/>
           </a:xfrm>
         </p:spPr>
         <p:txBody>
           <a:bodyPr>
-            <a:normAutofit fontScale="40000" lnSpcReduction="20000"/>
+            <a:normAutofit/>
           </a:bodyPr>
           <a:lstStyle/>
           <a:p>
             <a:pPr algn="l"/>
             <a:r>
-              <a:rPr lang="en-US" sz="6200" dirty="0"/>
-              <a:t>Probability </a:t>
-            </a:r>
-          </a:p>
-          <a:p>
-            <a:pPr lvl="1" algn="l"/>
-            <a:r>
-              <a:rPr lang="en-US" sz="5800" dirty="0"/>
-              <a:t>Probability Terminologies </a:t>
-            </a:r>
-          </a:p>
-          <a:p>
-            <a:pPr lvl="1" algn="l"/>
-            <a:r>
-              <a:rPr lang="en-US" sz="5800" dirty="0"/>
-              <a:t>Types of Events </a:t>
-            </a:r>
-          </a:p>
-          <a:p>
-            <a:pPr lvl="1" algn="l"/>
-            <a:r>
-              <a:rPr lang="en-US" sz="5800" dirty="0"/>
-              <a:t>Probability of Distribution </a:t>
-            </a:r>
-          </a:p>
-          <a:p>
-            <a:pPr lvl="1" algn="l"/>
-            <a:r>
-              <a:rPr lang="en-US" sz="5800" dirty="0"/>
-              <a:t>Types of Probability </a:t>
-            </a:r>
-          </a:p>
-          <a:p>
-            <a:pPr lvl="1" algn="l"/>
-            <a:r>
-              <a:rPr lang="en-US" sz="5800" dirty="0"/>
-              <a:t>Marginal Probability </a:t>
-            </a:r>
-          </a:p>
-          <a:p>
-            <a:pPr lvl="1" algn="l"/>
-            <a:r>
-              <a:rPr lang="en-US" sz="5800" dirty="0"/>
-              <a:t>Joint Probability </a:t>
-            </a:r>
-          </a:p>
-          <a:p>
-            <a:pPr lvl="1" algn="l"/>
-            <a:r>
-              <a:rPr lang="en-US" sz="5800" dirty="0"/>
-              <a:t>Conditional Probability </a:t>
-            </a:r>
-          </a:p>
-          <a:p>
-            <a:pPr lvl="1" algn="l"/>
-            <a:r>
-              <a:rPr lang="en-US" sz="5800" dirty="0"/>
-              <a:t>Use-Case </a:t>
-            </a:r>
-          </a:p>
-          <a:p>
-            <a:pPr algn="l"/>
-            <a:r>
-              <a:rPr lang="en-US" sz="6200" dirty="0"/>
-              <a:t>Bayes Theorem </a:t>
-            </a:r>
-          </a:p>
-          <a:p>
-            <a:pPr algn="l"/>
-            <a:r>
-              <a:rPr lang="en-US" sz="6200" dirty="0"/>
-              <a:t>Inferential Statistics </a:t>
-            </a:r>
-          </a:p>
-          <a:p>
-            <a:pPr algn="l"/>
-            <a:r>
-              <a:rPr lang="en-US" sz="6200" dirty="0"/>
-              <a:t>Point Estimation </a:t>
-            </a:r>
-          </a:p>
-          <a:p>
-            <a:pPr algn="l"/>
-            <a:r>
-              <a:rPr lang="en-US" sz="6200" dirty="0"/>
-              <a:t>Interval Estimate </a:t>
-            </a:r>
-          </a:p>
-          <a:p>
-            <a:pPr algn="l"/>
-            <a:r>
-              <a:rPr lang="en-US" sz="6200" dirty="0"/>
-              <a:t>Margin of Error</a:t>
-            </a:r>
-          </a:p>
-          <a:p>
-            <a:pPr algn="l"/>
-            <a:r>
-              <a:rPr lang="en-US" sz="6200" dirty="0"/>
-              <a:t>Hypothesis Testing </a:t>
-            </a:r>
-          </a:p>
-          <a:p>
-            <a:pPr algn="l"/>
-            <a:endParaRPr lang="en-US" sz="6200" dirty="0"/>
-          </a:p>
-          <a:p>
-            <a:pPr algn="l"/>
-            <a:endParaRPr lang="en-US" dirty="0"/>
-          </a:p>
-        </p:txBody>
-      </p:sp>
-      <p:sp>
-        <p:nvSpPr>
-          <p:cNvPr id="4" name="TextBox 3"/>
+              <a:rPr lang="en-US" sz="3600" dirty="0" smtClean="0"/>
+              <a:t>Demo Iris</a:t>
+            </a:r>
+          </a:p>
+          <a:p>
+            <a:pPr algn="l"/>
+            <a:endParaRPr lang="en-US" sz="5800" dirty="0"/>
+          </a:p>
+        </p:txBody>
+      </p:sp>
+      <p:sp>
+        <p:nvSpPr>
+          <p:cNvPr id="5" name="TextBox 4"/>
           <p:cNvSpPr txBox="1"/>
           <p:nvPr/>
         </p:nvSpPr>
         <p:spPr>
           <a:xfrm>
-            <a:off x="522514" y="217714"/>
-            <a:ext cx="936154" cy="369332"/>
+            <a:off x="254568" y="147547"/>
+            <a:ext cx="10968760" cy="584775"/>
           </a:xfrm>
           <a:prstGeom prst="rect">
             <a:avLst/>
@@ -4534,22 +6214,23 @@
           <a:noFill/>
         </p:spPr>
         <p:txBody>
-          <a:bodyPr wrap="none" rtlCol="0">
+          <a:bodyPr wrap="square" rtlCol="0">
             <a:spAutoFit/>
           </a:bodyPr>
           <a:lstStyle/>
           <a:p>
             <a:r>
-              <a:rPr lang="en-US" dirty="0"/>
-              <a:t>Content</a:t>
-            </a:r>
+              <a:rPr lang="en-US" sz="3200" dirty="0" smtClean="0"/>
+              <a:t>Class-1: Demo Iris</a:t>
+            </a:r>
+            <a:endParaRPr lang="en-US" dirty="0"/>
           </a:p>
         </p:txBody>
       </p:sp>
     </p:spTree>
     <p:extLst>
       <p:ext uri="{BB962C8B-B14F-4D97-AF65-F5344CB8AC3E}">
-        <p14:creationId xmlns:p14="http://schemas.microsoft.com/office/powerpoint/2010/main" val="3149965963"/>
+        <p14:creationId xmlns:p14="http://schemas.microsoft.com/office/powerpoint/2010/main" val="1873121010"/>
       </p:ext>
     </p:extLst>
   </p:cSld>
@@ -4589,117 +6270,173 @@
         <p:spPr>
           <a:xfrm>
             <a:off x="1166948" y="815294"/>
-            <a:ext cx="9144000" cy="5498419"/>
+            <a:ext cx="10375478" cy="5498419"/>
           </a:xfrm>
         </p:spPr>
         <p:txBody>
           <a:bodyPr>
-            <a:normAutofit fontScale="47500" lnSpcReduction="20000"/>
+            <a:normAutofit fontScale="70000" lnSpcReduction="20000"/>
           </a:bodyPr>
           <a:lstStyle/>
           <a:p>
             <a:pPr algn="l"/>
             <a:r>
-              <a:rPr lang="en-US" sz="6200" dirty="0"/>
-              <a:t>Supervised Learning Algorithms </a:t>
-            </a:r>
-          </a:p>
-          <a:p>
-            <a:pPr lvl="1" algn="l"/>
-            <a:r>
-              <a:rPr lang="en-US" sz="5800" dirty="0"/>
-              <a:t>Regression </a:t>
-            </a:r>
-          </a:p>
-          <a:p>
-            <a:pPr lvl="1" algn="l"/>
-            <a:r>
-              <a:rPr lang="en-US" sz="5800" dirty="0"/>
-              <a:t>Linear vs Logistic Regression </a:t>
-            </a:r>
-          </a:p>
-          <a:p>
-            <a:pPr lvl="1" algn="l"/>
-            <a:r>
-              <a:rPr lang="en-US" sz="5800" dirty="0"/>
-              <a:t>Understanding Linear Regression Algorithm </a:t>
-            </a:r>
-          </a:p>
-          <a:p>
-            <a:pPr lvl="1" algn="l"/>
-            <a:r>
-              <a:rPr lang="en-US" sz="5800" dirty="0"/>
-              <a:t>Logistic Regression Curve </a:t>
-            </a:r>
-          </a:p>
-          <a:p>
-            <a:pPr lvl="1" algn="l"/>
-            <a:r>
-              <a:rPr lang="en-US" sz="5800" dirty="0"/>
-              <a:t>Titanic Data Analysis </a:t>
-            </a:r>
-          </a:p>
-          <a:p>
-            <a:pPr lvl="1" algn="l"/>
-            <a:r>
-              <a:rPr lang="en-US" sz="5800" dirty="0"/>
-              <a:t>Decision Tree </a:t>
-            </a:r>
-          </a:p>
-          <a:p>
-            <a:pPr algn="l"/>
-            <a:r>
-              <a:rPr lang="en-US" sz="6200" dirty="0"/>
-              <a:t>What is Classification? </a:t>
-            </a:r>
-          </a:p>
-          <a:p>
-            <a:pPr algn="l"/>
-            <a:r>
-              <a:rPr lang="en-US" sz="6200" dirty="0"/>
-              <a:t>Types of Classification </a:t>
-            </a:r>
-          </a:p>
-          <a:p>
-            <a:pPr algn="l"/>
-            <a:r>
-              <a:rPr lang="en-US" sz="6200" dirty="0"/>
-              <a:t>Decision Tree </a:t>
-            </a:r>
-          </a:p>
-          <a:p>
-            <a:pPr algn="l"/>
-            <a:r>
-              <a:rPr lang="en-US" sz="6200" dirty="0"/>
-              <a:t>Decision Tree Terminologies </a:t>
-            </a:r>
-          </a:p>
-          <a:p>
-            <a:pPr algn="l"/>
-            <a:r>
-              <a:rPr lang="en-US" sz="6200" dirty="0"/>
-              <a:t>Entropy </a:t>
-            </a:r>
-          </a:p>
-          <a:p>
-            <a:pPr algn="l"/>
-            <a:r>
-              <a:rPr lang="en-US" sz="6200" dirty="0"/>
-              <a:t>Credit Risk Detection Use-case </a:t>
-            </a:r>
-          </a:p>
-        </p:txBody>
-      </p:sp>
-      <p:sp>
-        <p:nvSpPr>
-          <p:cNvPr id="4" name="TextBox 3"/>
+              <a:rPr lang="en-US" sz="3600" dirty="0" smtClean="0"/>
+              <a:t>What is Data</a:t>
+            </a:r>
+          </a:p>
+          <a:p>
+            <a:pPr algn="l"/>
+            <a:r>
+              <a:rPr lang="en-US" sz="3600" dirty="0"/>
+              <a:t>	</a:t>
+            </a:r>
+            <a:r>
+              <a:rPr lang="en-US" sz="2000" i="1" dirty="0" smtClean="0"/>
+              <a:t>“Data refers to facts and statistics collected together for reference or analysis”</a:t>
+            </a:r>
+            <a:endParaRPr lang="en-US" sz="2000" i="1" dirty="0" smtClean="0"/>
+          </a:p>
+          <a:p>
+            <a:pPr algn="l"/>
+            <a:endParaRPr lang="en-US" sz="3600" dirty="0" smtClean="0"/>
+          </a:p>
+          <a:p>
+            <a:pPr algn="l"/>
+            <a:r>
+              <a:rPr lang="en-US" sz="3600" dirty="0" smtClean="0"/>
+              <a:t>Categories </a:t>
+            </a:r>
+            <a:r>
+              <a:rPr lang="en-US" sz="3600" dirty="0"/>
+              <a:t>of </a:t>
+            </a:r>
+            <a:r>
+              <a:rPr lang="en-US" sz="3600" dirty="0" smtClean="0"/>
+              <a:t>Data</a:t>
+            </a:r>
+            <a:endParaRPr lang="en-US" sz="3600" dirty="0" smtClean="0"/>
+          </a:p>
+          <a:p>
+            <a:pPr algn="l"/>
+            <a:r>
+              <a:rPr lang="en-US" sz="3600" dirty="0"/>
+              <a:t>	</a:t>
+            </a:r>
+            <a:r>
+              <a:rPr lang="en-US" sz="3600" dirty="0" smtClean="0"/>
+              <a:t>Qualitative Data </a:t>
+            </a:r>
+          </a:p>
+          <a:p>
+            <a:pPr algn="l"/>
+            <a:r>
+              <a:rPr lang="en-US" sz="3600" dirty="0"/>
+              <a:t>	</a:t>
+            </a:r>
+            <a:r>
+              <a:rPr lang="en-US" sz="3600" dirty="0" smtClean="0"/>
+              <a:t>	Nominal Data vs. Ordinal Data</a:t>
+            </a:r>
+          </a:p>
+          <a:p>
+            <a:pPr algn="l"/>
+            <a:r>
+              <a:rPr lang="en-US" sz="3600" dirty="0"/>
+              <a:t>	</a:t>
+            </a:r>
+            <a:r>
+              <a:rPr lang="en-US" sz="3600" dirty="0" smtClean="0"/>
+              <a:t>Quantitative Data</a:t>
+            </a:r>
+          </a:p>
+          <a:p>
+            <a:pPr algn="l"/>
+            <a:r>
+              <a:rPr lang="en-US" sz="3600" dirty="0"/>
+              <a:t>	</a:t>
+            </a:r>
+            <a:r>
+              <a:rPr lang="en-US" sz="3600" dirty="0" smtClean="0"/>
+              <a:t>	Discrete Data vs. Continuous Data</a:t>
+            </a:r>
+            <a:r>
+              <a:rPr lang="en-US" sz="3600" dirty="0"/>
+              <a:t>	</a:t>
+            </a:r>
+            <a:endParaRPr lang="en-US" sz="3600" dirty="0" smtClean="0"/>
+          </a:p>
+          <a:p>
+            <a:pPr algn="l"/>
+            <a:r>
+              <a:rPr lang="en-US" sz="3600" dirty="0" smtClean="0"/>
+              <a:t>What is Statistics</a:t>
+            </a:r>
+          </a:p>
+          <a:p>
+            <a:pPr algn="l"/>
+            <a:r>
+              <a:rPr lang="en-US" sz="3600" dirty="0" smtClean="0"/>
+              <a:t>Basic Terminologies in Statistics</a:t>
+            </a:r>
+          </a:p>
+          <a:p>
+            <a:pPr algn="l"/>
+            <a:r>
+              <a:rPr lang="en-US" sz="3600" dirty="0"/>
+              <a:t>	</a:t>
+            </a:r>
+            <a:r>
+              <a:rPr lang="en-US" sz="3600" dirty="0" smtClean="0"/>
+              <a:t>Measure of Central tendency</a:t>
+            </a:r>
+          </a:p>
+          <a:p>
+            <a:pPr algn="l"/>
+            <a:r>
+              <a:rPr lang="en-US" sz="3600" dirty="0"/>
+              <a:t>	</a:t>
+            </a:r>
+            <a:r>
+              <a:rPr lang="en-US" sz="3600" dirty="0" smtClean="0"/>
+              <a:t>Measure of </a:t>
+            </a:r>
+            <a:r>
+              <a:rPr lang="en-US" sz="3600" dirty="0" err="1" smtClean="0"/>
+              <a:t>Variablitity</a:t>
+            </a:r>
+            <a:r>
+              <a:rPr lang="en-US" sz="3600" dirty="0" smtClean="0"/>
+              <a:t> (spread) </a:t>
+            </a:r>
+          </a:p>
+          <a:p>
+            <a:pPr algn="l"/>
+            <a:r>
+              <a:rPr lang="en-US" sz="3600" dirty="0"/>
+              <a:t>	</a:t>
+            </a:r>
+            <a:r>
+              <a:rPr lang="en-US" sz="3600" dirty="0" smtClean="0"/>
+              <a:t>Maximum, Average, Minimum, </a:t>
+            </a:r>
+          </a:p>
+          <a:p>
+            <a:pPr algn="l"/>
+            <a:endParaRPr lang="en-US" sz="5800" dirty="0"/>
+          </a:p>
+        </p:txBody>
+      </p:sp>
+      <p:sp>
+        <p:nvSpPr>
+          <p:cNvPr id="5" name="TextBox 4"/>
           <p:cNvSpPr txBox="1"/>
           <p:nvPr/>
         </p:nvSpPr>
         <p:spPr>
           <a:xfrm>
-            <a:off x="522514" y="217714"/>
-            <a:ext cx="936154" cy="369332"/>
+            <a:off x="254568" y="147547"/>
+            <a:ext cx="10968760" cy="861774"/>
           </a:xfrm>
           <a:prstGeom prst="rect">
             <a:avLst/>
@@ -4707,22 +6444,26 @@
           <a:noFill/>
         </p:spPr>
         <p:txBody>
-          <a:bodyPr wrap="none" rtlCol="0">
+          <a:bodyPr wrap="square" rtlCol="0">
             <a:spAutoFit/>
           </a:bodyPr>
           <a:lstStyle/>
           <a:p>
             <a:r>
-              <a:rPr lang="en-US" dirty="0"/>
-              <a:t>Content</a:t>
-            </a:r>
+              <a:rPr lang="en-US" sz="3200" dirty="0" smtClean="0"/>
+              <a:t>Class-2: Statistics &amp; Probability for ML - Intro</a:t>
+            </a:r>
+            <a:endParaRPr lang="en-US" sz="3200" dirty="0"/>
+          </a:p>
+          <a:p>
+            <a:endParaRPr lang="en-US" dirty="0"/>
           </a:p>
         </p:txBody>
       </p:sp>
     </p:spTree>
     <p:extLst>
       <p:ext uri="{BB962C8B-B14F-4D97-AF65-F5344CB8AC3E}">
-        <p14:creationId xmlns:p14="http://schemas.microsoft.com/office/powerpoint/2010/main" val="2339844009"/>
+        <p14:creationId xmlns:p14="http://schemas.microsoft.com/office/powerpoint/2010/main" val="2516377397"/>
       </p:ext>
     </p:extLst>
   </p:cSld>
@@ -4762,131 +6503,87 @@
         <p:spPr>
           <a:xfrm>
             <a:off x="1166948" y="815294"/>
-            <a:ext cx="9144000" cy="5498419"/>
+            <a:ext cx="10375478" cy="5498419"/>
           </a:xfrm>
         </p:spPr>
         <p:txBody>
           <a:bodyPr>
-            <a:normAutofit fontScale="32500" lnSpcReduction="20000"/>
+            <a:normAutofit/>
           </a:bodyPr>
           <a:lstStyle/>
           <a:p>
-            <a:pPr algn="l"/>
-            <a:r>
-              <a:rPr lang="en-US" sz="6200" dirty="0"/>
-              <a:t>Random Forest </a:t>
-            </a:r>
-          </a:p>
-          <a:p>
-            <a:pPr algn="l"/>
-            <a:r>
-              <a:rPr lang="en-US" sz="6200" dirty="0"/>
-              <a:t>Random Forest Use-Cases </a:t>
-            </a:r>
-          </a:p>
-          <a:p>
-            <a:pPr algn="l"/>
-            <a:r>
-              <a:rPr lang="en-US" sz="6200" dirty="0"/>
-              <a:t>Random Forest Algorithm </a:t>
-            </a:r>
-          </a:p>
-          <a:p>
-            <a:pPr algn="l"/>
-            <a:r>
-              <a:rPr lang="en-US" sz="6200" dirty="0"/>
-              <a:t>KNN Algorithm </a:t>
-            </a:r>
-          </a:p>
-          <a:p>
-            <a:pPr algn="l"/>
-            <a:r>
-              <a:rPr lang="en-US" sz="6200" dirty="0"/>
-              <a:t>KNN Algorithm Working </a:t>
-            </a:r>
-          </a:p>
-          <a:p>
-            <a:pPr algn="l"/>
-            <a:r>
-              <a:rPr lang="en-US" sz="6200" dirty="0"/>
-              <a:t>KNN Demo </a:t>
-            </a:r>
-          </a:p>
-          <a:p>
-            <a:pPr algn="l"/>
-            <a:r>
-              <a:rPr lang="en-US" sz="6200" dirty="0"/>
-              <a:t>Naive Bayes </a:t>
-            </a:r>
-          </a:p>
-          <a:p>
-            <a:pPr algn="l"/>
-            <a:r>
-              <a:rPr lang="en-US" sz="6200" dirty="0"/>
-              <a:t>Naive Bayes Working </a:t>
-            </a:r>
-          </a:p>
-          <a:p>
-            <a:pPr algn="l"/>
-            <a:r>
-              <a:rPr lang="en-US" sz="6200" dirty="0"/>
-              <a:t>Industrial Use of Naive Bayes </a:t>
-            </a:r>
-          </a:p>
-          <a:p>
-            <a:pPr algn="l"/>
-            <a:r>
-              <a:rPr lang="en-US" sz="6200" dirty="0"/>
-              <a:t>Types of Naive Bayes </a:t>
-            </a:r>
-          </a:p>
-          <a:p>
-            <a:pPr algn="l"/>
-            <a:r>
-              <a:rPr lang="en-US" sz="6200" dirty="0"/>
-              <a:t>Steps involved in Naive Bayes </a:t>
-            </a:r>
-          </a:p>
-          <a:p>
-            <a:pPr algn="l"/>
-            <a:r>
-              <a:rPr lang="en-US" sz="6200" dirty="0"/>
-              <a:t>PIMA Diabetic Test Use Case </a:t>
-            </a:r>
-          </a:p>
-          <a:p>
-            <a:pPr algn="l"/>
-            <a:r>
-              <a:rPr lang="en-US" sz="6200" dirty="0"/>
-              <a:t>Support Vector Machine </a:t>
-            </a:r>
-          </a:p>
-          <a:p>
-            <a:pPr algn="l"/>
-            <a:r>
-              <a:rPr lang="en-US" sz="6200" dirty="0"/>
-              <a:t>Non-Linear SVM </a:t>
-            </a:r>
-          </a:p>
-          <a:p>
-            <a:pPr algn="l"/>
-            <a:r>
-              <a:rPr lang="en-US" sz="6200" dirty="0"/>
-              <a:t>SVM Use-case </a:t>
-            </a:r>
-          </a:p>
-        </p:txBody>
-      </p:sp>
-      <p:sp>
-        <p:nvSpPr>
-          <p:cNvPr id="4" name="TextBox 3"/>
+            <a:pPr marL="571500" indent="-571500" algn="l">
+              <a:buFont typeface="Arial" panose="020B0604020202020204" pitchFamily="34" charset="0"/>
+              <a:buChar char="•"/>
+            </a:pPr>
+            <a:r>
+              <a:rPr lang="en-US" sz="3600" dirty="0"/>
+              <a:t>Basic Terminologies in Statistics</a:t>
+            </a:r>
+          </a:p>
+          <a:p>
+            <a:pPr algn="l"/>
+            <a:r>
+              <a:rPr lang="en-US" sz="3600" dirty="0" smtClean="0"/>
+              <a:t>	</a:t>
+            </a:r>
+            <a:r>
+              <a:rPr lang="en-US" sz="3400" dirty="0"/>
+              <a:t>Population vs Sample</a:t>
+            </a:r>
+            <a:r>
+              <a:rPr lang="en-US" sz="3600" dirty="0"/>
+              <a:t>	</a:t>
+            </a:r>
+            <a:endParaRPr lang="en-US" sz="3600" dirty="0" smtClean="0"/>
+          </a:p>
+          <a:p>
+            <a:pPr marL="571500" indent="-571500" algn="l">
+              <a:buFont typeface="Arial" panose="020B0604020202020204" pitchFamily="34" charset="0"/>
+              <a:buChar char="•"/>
+            </a:pPr>
+            <a:r>
+              <a:rPr lang="en-US" sz="3600" dirty="0"/>
+              <a:t>Sampling Techniques </a:t>
+            </a:r>
+          </a:p>
+          <a:p>
+            <a:pPr lvl="2" algn="l"/>
+            <a:r>
+              <a:rPr lang="en-US" sz="3400" dirty="0"/>
+              <a:t>Random Sampling </a:t>
+            </a:r>
+          </a:p>
+          <a:p>
+            <a:pPr lvl="2" algn="l"/>
+            <a:r>
+              <a:rPr lang="en-US" sz="3400" dirty="0"/>
+              <a:t>Systematic Sampling </a:t>
+            </a:r>
+          </a:p>
+          <a:p>
+            <a:pPr lvl="2" algn="l"/>
+            <a:r>
+              <a:rPr lang="en-US" sz="3400" dirty="0"/>
+              <a:t>Stratified Sampling </a:t>
+            </a:r>
+          </a:p>
+          <a:p>
+            <a:pPr algn="l"/>
+            <a:endParaRPr lang="en-US" sz="3600" dirty="0"/>
+          </a:p>
+        </p:txBody>
+      </p:sp>
+      <p:sp>
+        <p:nvSpPr>
+          <p:cNvPr id="5" name="TextBox 4"/>
           <p:cNvSpPr txBox="1"/>
           <p:nvPr/>
         </p:nvSpPr>
         <p:spPr>
           <a:xfrm>
-            <a:off x="522514" y="217714"/>
-            <a:ext cx="936154" cy="369332"/>
+            <a:off x="254568" y="147547"/>
+            <a:ext cx="10968760" cy="861774"/>
           </a:xfrm>
           <a:prstGeom prst="rect">
             <a:avLst/>
@@ -4894,22 +6591,26 @@
           <a:noFill/>
         </p:spPr>
         <p:txBody>
-          <a:bodyPr wrap="none" rtlCol="0">
+          <a:bodyPr wrap="square" rtlCol="0">
             <a:spAutoFit/>
           </a:bodyPr>
           <a:lstStyle/>
           <a:p>
             <a:r>
-              <a:rPr lang="en-US" dirty="0"/>
-              <a:t>Content</a:t>
-            </a:r>
+              <a:rPr lang="en-US" sz="3200" dirty="0" smtClean="0"/>
+              <a:t>Class-2: Statistics &amp; Probability for ML</a:t>
+            </a:r>
+            <a:endParaRPr lang="en-US" sz="3200" dirty="0"/>
+          </a:p>
+          <a:p>
+            <a:endParaRPr lang="en-US" dirty="0"/>
           </a:p>
         </p:txBody>
       </p:sp>
     </p:spTree>
     <p:extLst>
       <p:ext uri="{BB962C8B-B14F-4D97-AF65-F5344CB8AC3E}">
-        <p14:creationId xmlns:p14="http://schemas.microsoft.com/office/powerpoint/2010/main" val="3761855347"/>
+        <p14:creationId xmlns:p14="http://schemas.microsoft.com/office/powerpoint/2010/main" val="2089964153"/>
       </p:ext>
     </p:extLst>
   </p:cSld>
@@ -4948,133 +6649,81 @@
         </p:nvSpPr>
         <p:spPr>
           <a:xfrm>
-            <a:off x="1166948" y="815294"/>
-            <a:ext cx="9144000" cy="5498419"/>
+            <a:off x="134647" y="935215"/>
+            <a:ext cx="10968760" cy="5498419"/>
           </a:xfrm>
         </p:spPr>
         <p:txBody>
           <a:bodyPr>
-            <a:normAutofit fontScale="32500" lnSpcReduction="20000"/>
+            <a:normAutofit/>
           </a:bodyPr>
           <a:lstStyle/>
           <a:p>
-            <a:pPr algn="l"/>
-            <a:r>
-              <a:rPr lang="en-US" sz="6200" dirty="0"/>
-              <a:t>K-Means Clustering &amp; Association Rule Mining </a:t>
-            </a:r>
-          </a:p>
-          <a:p>
-            <a:pPr algn="l"/>
-            <a:r>
-              <a:rPr lang="en-US" sz="6200" dirty="0"/>
-              <a:t>Types of Clustering </a:t>
-            </a:r>
-          </a:p>
-          <a:p>
-            <a:pPr algn="l"/>
-            <a:r>
-              <a:rPr lang="en-US" sz="6200" dirty="0"/>
-              <a:t>K-Means Clustering </a:t>
-            </a:r>
-          </a:p>
-          <a:p>
-            <a:pPr algn="l"/>
-            <a:r>
-              <a:rPr lang="en-US" sz="6200" dirty="0"/>
-              <a:t>K-Means Working </a:t>
-            </a:r>
-          </a:p>
-          <a:p>
-            <a:pPr algn="l"/>
-            <a:r>
-              <a:rPr lang="en-US" sz="6200" dirty="0"/>
-              <a:t>Pros &amp; Cons of K-Means Clustering </a:t>
-            </a:r>
-          </a:p>
-          <a:p>
-            <a:pPr algn="l"/>
-            <a:r>
-              <a:rPr lang="en-US" sz="6200" dirty="0"/>
-              <a:t>K-Means Demo </a:t>
-            </a:r>
-          </a:p>
-          <a:p>
-            <a:pPr algn="l"/>
-            <a:r>
-              <a:rPr lang="en-US" sz="6200" dirty="0"/>
-              <a:t>Hierarchical Clustering </a:t>
-            </a:r>
-          </a:p>
-          <a:p>
-            <a:pPr algn="l"/>
-            <a:r>
-              <a:rPr lang="en-US" sz="6200" dirty="0"/>
-              <a:t>Association Rule Mining </a:t>
-            </a:r>
-          </a:p>
-          <a:p>
-            <a:pPr algn="l"/>
-            <a:r>
-              <a:rPr lang="en-US" sz="6200" dirty="0" err="1"/>
-              <a:t>Apriori</a:t>
-            </a:r>
-            <a:r>
-              <a:rPr lang="en-US" sz="6200" dirty="0"/>
-              <a:t> Algorithm </a:t>
-            </a:r>
-          </a:p>
-          <a:p>
-            <a:pPr algn="l"/>
-            <a:r>
-              <a:rPr lang="en-US" sz="6200" dirty="0" err="1"/>
-              <a:t>Apriori</a:t>
-            </a:r>
-            <a:r>
-              <a:rPr lang="en-US" sz="6200" dirty="0"/>
-              <a:t> Algorithm Demo </a:t>
-            </a:r>
-          </a:p>
-          <a:p>
-            <a:pPr algn="l"/>
-            <a:r>
-              <a:rPr lang="en-US" sz="6200" dirty="0"/>
-              <a:t>Reinforcement Learning </a:t>
-            </a:r>
-          </a:p>
-          <a:p>
-            <a:pPr algn="l"/>
-            <a:r>
-              <a:rPr lang="en-US" sz="6200" dirty="0"/>
-              <a:t>	Reinforcement Learning: Counter-Strike Example </a:t>
-            </a:r>
-          </a:p>
-          <a:p>
-            <a:pPr algn="l"/>
-            <a:r>
-              <a:rPr lang="en-US" sz="6200" dirty="0"/>
-              <a:t>Markov's Decision Process </a:t>
-            </a:r>
-          </a:p>
-          <a:p>
-            <a:pPr algn="l"/>
-            <a:br>
-              <a:rPr lang="en-US" sz="6600" dirty="0"/>
-            </a:br>
-            <a:endParaRPr lang="en-US" sz="6600" dirty="0"/>
-          </a:p>
-        </p:txBody>
-      </p:sp>
-      <p:sp>
-        <p:nvSpPr>
-          <p:cNvPr id="4" name="TextBox 3"/>
+            <a:pPr marL="914400" lvl="1" indent="-457200" algn="l">
+              <a:buFont typeface="Arial" panose="020B0604020202020204" pitchFamily="34" charset="0"/>
+              <a:buChar char="•"/>
+            </a:pPr>
+            <a:r>
+              <a:rPr lang="en-US" sz="2800" dirty="0" smtClean="0"/>
+              <a:t>Descriptive Statistics</a:t>
+            </a:r>
+          </a:p>
+          <a:p>
+            <a:pPr lvl="1" algn="l">
+              <a:lnSpc>
+                <a:spcPct val="100000"/>
+              </a:lnSpc>
+            </a:pPr>
+            <a:r>
+              <a:rPr lang="en-US" sz="2800" dirty="0"/>
+              <a:t>	</a:t>
+            </a:r>
+            <a:r>
+              <a:rPr lang="en-US" sz="2800" dirty="0" smtClean="0"/>
+              <a:t>Maximum Average Minimum</a:t>
+            </a:r>
+          </a:p>
+          <a:p>
+            <a:pPr marL="914400" lvl="1" indent="-457200" algn="l">
+              <a:lnSpc>
+                <a:spcPct val="100000"/>
+              </a:lnSpc>
+              <a:buFont typeface="Arial" panose="020B0604020202020204" pitchFamily="34" charset="0"/>
+              <a:buChar char="•"/>
+            </a:pPr>
+            <a:r>
+              <a:rPr lang="en-US" sz="2800" dirty="0" smtClean="0"/>
+              <a:t>Inferential Statistics</a:t>
+            </a:r>
+          </a:p>
+          <a:p>
+            <a:pPr lvl="1" algn="l">
+              <a:lnSpc>
+                <a:spcPct val="100000"/>
+              </a:lnSpc>
+            </a:pPr>
+            <a:r>
+              <a:rPr lang="en-US" sz="2800" dirty="0"/>
+              <a:t>	</a:t>
+            </a:r>
+            <a:r>
+              <a:rPr lang="en-US" sz="2800" dirty="0" smtClean="0"/>
+              <a:t>Large Medium Small</a:t>
+            </a:r>
+            <a:endParaRPr lang="en-US" sz="2800" dirty="0"/>
+          </a:p>
+        </p:txBody>
+      </p:sp>
+      <p:sp>
+        <p:nvSpPr>
+          <p:cNvPr id="5" name="TextBox 4"/>
           <p:cNvSpPr txBox="1"/>
           <p:nvPr/>
         </p:nvSpPr>
         <p:spPr>
           <a:xfrm>
-            <a:off x="522514" y="217714"/>
-            <a:ext cx="936154" cy="369332"/>
+            <a:off x="254568" y="147547"/>
+            <a:ext cx="10968760" cy="584775"/>
           </a:xfrm>
           <a:prstGeom prst="rect">
             <a:avLst/>
@@ -5082,22 +6731,31 @@
           <a:noFill/>
         </p:spPr>
         <p:txBody>
-          <a:bodyPr wrap="none" rtlCol="0">
+          <a:bodyPr wrap="square" rtlCol="0">
             <a:spAutoFit/>
           </a:bodyPr>
           <a:lstStyle/>
           <a:p>
             <a:r>
-              <a:rPr lang="en-US" dirty="0"/>
-              <a:t>Content</a:t>
-            </a:r>
+              <a:rPr lang="en-US" sz="3200" dirty="0" smtClean="0"/>
+              <a:t>Class-2</a:t>
+            </a:r>
+            <a:r>
+              <a:rPr lang="en-US" sz="3200" dirty="0"/>
+              <a:t>: Types of </a:t>
+            </a:r>
+            <a:r>
+              <a:rPr lang="en-US" sz="3200" dirty="0" smtClean="0"/>
+              <a:t>Statistics</a:t>
+            </a:r>
+            <a:endParaRPr lang="en-US" dirty="0"/>
           </a:p>
         </p:txBody>
       </p:sp>
     </p:spTree>
     <p:extLst>
       <p:ext uri="{BB962C8B-B14F-4D97-AF65-F5344CB8AC3E}">
-        <p14:creationId xmlns:p14="http://schemas.microsoft.com/office/powerpoint/2010/main" val="1344136077"/>
+        <p14:creationId xmlns:p14="http://schemas.microsoft.com/office/powerpoint/2010/main" val="3362844972"/>
       </p:ext>
     </p:extLst>
   </p:cSld>
@@ -5630,21 +7288,6 @@
 </file>
 
 <file path=customXml/item1.xml><?xml version="1.0" encoding="utf-8"?>
-<?mso-contentType ?>
-<FormTemplates xmlns="http://schemas.microsoft.com/sharepoint/v3/contenttype/forms">
-  <Display>DocumentLibraryForm</Display>
-  <Edit>DocumentLibraryForm</Edit>
-  <New>DocumentLibraryForm</New>
-</FormTemplates>
-</file>
-
-<file path=customXml/item2.xml><?xml version="1.0" encoding="utf-8"?>
-<p:properties xmlns:p="http://schemas.microsoft.com/office/2006/metadata/properties" xmlns:xsi="http://www.w3.org/2001/XMLSchema-instance" xmlns:pc="http://schemas.microsoft.com/office/infopath/2007/PartnerControls">
-  <documentManagement/>
-</p:properties>
-</file>
-
-<file path=customXml/item3.xml><?xml version="1.0" encoding="utf-8"?>
 <ct:contentTypeSchema xmlns:ct="http://schemas.microsoft.com/office/2006/metadata/contentType" xmlns:ma="http://schemas.microsoft.com/office/2006/metadata/properties/metaAttributes" ct:_="" ma:_="" ma:contentTypeName="Document" ma:contentTypeID="0x01010040A75B615E1C194CABC80F3CAEA6E4E5" ma:contentTypeVersion="9" ma:contentTypeDescription="Create a new document." ma:contentTypeScope="" ma:versionID="4a1cf2a28ba0a9e91fab658e05820dde">
   <xsd:schema xmlns:xsd="http://www.w3.org/2001/XMLSchema" xmlns:xs="http://www.w3.org/2001/XMLSchema" xmlns:p="http://schemas.microsoft.com/office/2006/metadata/properties" xmlns:ns3="d97dfd74-0758-4aac-b7c3-4f13d10397e8" xmlns:ns4="851bce1a-01c5-49d9-967d-64af5945ebef" targetNamespace="http://schemas.microsoft.com/office/2006/metadata/properties" ma:root="true" ma:fieldsID="090359357a8ddcd8bb6253bd66cd91d0" ns3:_="" ns4:_="">
     <xsd:import namespace="d97dfd74-0758-4aac-b7c3-4f13d10397e8"/>
@@ -5841,32 +7484,22 @@
 </ct:contentTypeSchema>
 </file>
 
-<file path=customXml/itemProps1.xml><?xml version="1.0" encoding="utf-8"?>
-<ds:datastoreItem xmlns:ds="http://schemas.openxmlformats.org/officeDocument/2006/customXml" ds:itemID="{9A56549F-9000-409B-8EE1-A7AE4257567A}">
-  <ds:schemaRefs>
-    <ds:schemaRef ds:uri="http://schemas.microsoft.com/sharepoint/v3/contenttype/forms"/>
-  </ds:schemaRefs>
-</ds:datastoreItem>
+<file path=customXml/item2.xml><?xml version="1.0" encoding="utf-8"?>
+<p:properties xmlns:p="http://schemas.microsoft.com/office/2006/metadata/properties" xmlns:xsi="http://www.w3.org/2001/XMLSchema-instance" xmlns:pc="http://schemas.microsoft.com/office/infopath/2007/PartnerControls">
+  <documentManagement/>
+</p:properties>
 </file>
 
-<file path=customXml/itemProps2.xml><?xml version="1.0" encoding="utf-8"?>
-<ds:datastoreItem xmlns:ds="http://schemas.openxmlformats.org/officeDocument/2006/customXml" ds:itemID="{AC2D31F3-7864-444C-82A7-D6387F098876}">
-  <ds:schemaRefs>
-    <ds:schemaRef ds:uri="http://schemas.microsoft.com/office/2006/documentManagement/types"/>
-    <ds:schemaRef ds:uri="http://purl.org/dc/terms/"/>
-    <ds:schemaRef ds:uri="http://schemas.openxmlformats.org/package/2006/metadata/core-properties"/>
-    <ds:schemaRef ds:uri="http://purl.org/dc/dcmitype/"/>
-    <ds:schemaRef ds:uri="http://schemas.microsoft.com/office/infopath/2007/PartnerControls"/>
-    <ds:schemaRef ds:uri="http://purl.org/dc/elements/1.1/"/>
-    <ds:schemaRef ds:uri="http://schemas.microsoft.com/office/2006/metadata/properties"/>
-    <ds:schemaRef ds:uri="d97dfd74-0758-4aac-b7c3-4f13d10397e8"/>
-    <ds:schemaRef ds:uri="851bce1a-01c5-49d9-967d-64af5945ebef"/>
-    <ds:schemaRef ds:uri="http://www.w3.org/XML/1998/namespace"/>
-  </ds:schemaRefs>
-</ds:datastoreItem>
+<file path=customXml/item3.xml><?xml version="1.0" encoding="utf-8"?>
+<?mso-contentType ?>
+<FormTemplates xmlns="http://schemas.microsoft.com/sharepoint/v3/contenttype/forms">
+  <Display>DocumentLibraryForm</Display>
+  <Edit>DocumentLibraryForm</Edit>
+  <New>DocumentLibraryForm</New>
+</FormTemplates>
 </file>
 
-<file path=customXml/itemProps3.xml><?xml version="1.0" encoding="utf-8"?>
+<file path=customXml/itemProps1.xml><?xml version="1.0" encoding="utf-8"?>
 <ds:datastoreItem xmlns:ds="http://schemas.openxmlformats.org/officeDocument/2006/customXml" ds:itemID="{A173A3F4-56E8-4506-812D-90D9C8F7ED90}">
   <ds:schemaRefs>
     <ds:schemaRef ds:uri="http://schemas.microsoft.com/office/2006/metadata/contentType"/>
@@ -5883,4 +7516,29 @@
     <ds:schemaRef ds:uri="http://schemas.microsoft.com/internal/obd"/>
   </ds:schemaRefs>
 </ds:datastoreItem>
+</file>
+
+<file path=customXml/itemProps2.xml><?xml version="1.0" encoding="utf-8"?>
+<ds:datastoreItem xmlns:ds="http://schemas.openxmlformats.org/officeDocument/2006/customXml" ds:itemID="{AC2D31F3-7864-444C-82A7-D6387F098876}">
+  <ds:schemaRefs>
+    <ds:schemaRef ds:uri="d97dfd74-0758-4aac-b7c3-4f13d10397e8"/>
+    <ds:schemaRef ds:uri="http://purl.org/dc/terms/"/>
+    <ds:schemaRef ds:uri="http://schemas.openxmlformats.org/package/2006/metadata/core-properties"/>
+    <ds:schemaRef ds:uri="http://purl.org/dc/dcmitype/"/>
+    <ds:schemaRef ds:uri="http://schemas.microsoft.com/office/infopath/2007/PartnerControls"/>
+    <ds:schemaRef ds:uri="http://schemas.microsoft.com/office/2006/documentManagement/types"/>
+    <ds:schemaRef ds:uri="http://purl.org/dc/elements/1.1/"/>
+    <ds:schemaRef ds:uri="http://schemas.microsoft.com/office/2006/metadata/properties"/>
+    <ds:schemaRef ds:uri="851bce1a-01c5-49d9-967d-64af5945ebef"/>
+    <ds:schemaRef ds:uri="http://www.w3.org/XML/1998/namespace"/>
+  </ds:schemaRefs>
+</ds:datastoreItem>
+</file>
+
+<file path=customXml/itemProps3.xml><?xml version="1.0" encoding="utf-8"?>
+<ds:datastoreItem xmlns:ds="http://schemas.openxmlformats.org/officeDocument/2006/customXml" ds:itemID="{9A56549F-9000-409B-8EE1-A7AE4257567A}">
+  <ds:schemaRefs>
+    <ds:schemaRef ds:uri="http://schemas.microsoft.com/sharepoint/v3/contenttype/forms"/>
+  </ds:schemaRefs>
+</ds:datastoreItem>
 </file>
--- a/AI-ML-DL/Machine Learning.pptx
+++ b/AI-ML-DL/Machine Learning.pptx
@@ -224,7 +224,7 @@
           <a:p>
             <a:fld id="{1E5BB661-8884-4460-B9ED-FD0D9BF054C6}" type="datetimeFigureOut">
               <a:rPr lang="en-US" smtClean="0"/>
-              <a:t>6/7/2020</a:t>
+              <a:t>6/9/2020</a:t>
             </a:fld>
             <a:endParaRPr lang="en-US"/>
           </a:p>
@@ -713,7 +713,7 @@
           <a:p>
             <a:fld id="{99CA405F-FDE6-4D37-9F47-E73AA25D91EF}" type="datetimeFigureOut">
               <a:rPr lang="en-US" smtClean="0"/>
-              <a:t>6/7/2020</a:t>
+              <a:t>6/9/2020</a:t>
             </a:fld>
             <a:endParaRPr lang="en-US"/>
           </a:p>
@@ -881,7 +881,7 @@
           <a:p>
             <a:fld id="{99CA405F-FDE6-4D37-9F47-E73AA25D91EF}" type="datetimeFigureOut">
               <a:rPr lang="en-US" smtClean="0"/>
-              <a:t>6/7/2020</a:t>
+              <a:t>6/9/2020</a:t>
             </a:fld>
             <a:endParaRPr lang="en-US"/>
           </a:p>
@@ -1059,7 +1059,7 @@
           <a:p>
             <a:fld id="{99CA405F-FDE6-4D37-9F47-E73AA25D91EF}" type="datetimeFigureOut">
               <a:rPr lang="en-US" smtClean="0"/>
-              <a:t>6/7/2020</a:t>
+              <a:t>6/9/2020</a:t>
             </a:fld>
             <a:endParaRPr lang="en-US"/>
           </a:p>
@@ -1227,7 +1227,7 @@
           <a:p>
             <a:fld id="{99CA405F-FDE6-4D37-9F47-E73AA25D91EF}" type="datetimeFigureOut">
               <a:rPr lang="en-US" smtClean="0"/>
-              <a:t>6/7/2020</a:t>
+              <a:t>6/9/2020</a:t>
             </a:fld>
             <a:endParaRPr lang="en-US"/>
           </a:p>
@@ -1472,7 +1472,7 @@
           <a:p>
             <a:fld id="{99CA405F-FDE6-4D37-9F47-E73AA25D91EF}" type="datetimeFigureOut">
               <a:rPr lang="en-US" smtClean="0"/>
-              <a:t>6/7/2020</a:t>
+              <a:t>6/9/2020</a:t>
             </a:fld>
             <a:endParaRPr lang="en-US"/>
           </a:p>
@@ -1701,7 +1701,7 @@
           <a:p>
             <a:fld id="{99CA405F-FDE6-4D37-9F47-E73AA25D91EF}" type="datetimeFigureOut">
               <a:rPr lang="en-US" smtClean="0"/>
-              <a:t>6/7/2020</a:t>
+              <a:t>6/9/2020</a:t>
             </a:fld>
             <a:endParaRPr lang="en-US"/>
           </a:p>
@@ -2065,7 +2065,7 @@
           <a:p>
             <a:fld id="{99CA405F-FDE6-4D37-9F47-E73AA25D91EF}" type="datetimeFigureOut">
               <a:rPr lang="en-US" smtClean="0"/>
-              <a:t>6/7/2020</a:t>
+              <a:t>6/9/2020</a:t>
             </a:fld>
             <a:endParaRPr lang="en-US"/>
           </a:p>
@@ -2182,7 +2182,7 @@
           <a:p>
             <a:fld id="{99CA405F-FDE6-4D37-9F47-E73AA25D91EF}" type="datetimeFigureOut">
               <a:rPr lang="en-US" smtClean="0"/>
-              <a:t>6/7/2020</a:t>
+              <a:t>6/9/2020</a:t>
             </a:fld>
             <a:endParaRPr lang="en-US"/>
           </a:p>
@@ -2277,7 +2277,7 @@
           <a:p>
             <a:fld id="{99CA405F-FDE6-4D37-9F47-E73AA25D91EF}" type="datetimeFigureOut">
               <a:rPr lang="en-US" smtClean="0"/>
-              <a:t>6/7/2020</a:t>
+              <a:t>6/9/2020</a:t>
             </a:fld>
             <a:endParaRPr lang="en-US"/>
           </a:p>
@@ -2552,7 +2552,7 @@
           <a:p>
             <a:fld id="{99CA405F-FDE6-4D37-9F47-E73AA25D91EF}" type="datetimeFigureOut">
               <a:rPr lang="en-US" smtClean="0"/>
-              <a:t>6/7/2020</a:t>
+              <a:t>6/9/2020</a:t>
             </a:fld>
             <a:endParaRPr lang="en-US"/>
           </a:p>
@@ -2804,7 +2804,7 @@
           <a:p>
             <a:fld id="{99CA405F-FDE6-4D37-9F47-E73AA25D91EF}" type="datetimeFigureOut">
               <a:rPr lang="en-US" smtClean="0"/>
-              <a:t>6/7/2020</a:t>
+              <a:t>6/9/2020</a:t>
             </a:fld>
             <a:endParaRPr lang="en-US"/>
           </a:p>
@@ -3015,7 +3015,7 @@
           <a:p>
             <a:fld id="{99CA405F-FDE6-4D37-9F47-E73AA25D91EF}" type="datetimeFigureOut">
               <a:rPr lang="en-US" smtClean="0"/>
-              <a:t>6/7/2020</a:t>
+              <a:t>6/9/2020</a:t>
             </a:fld>
             <a:endParaRPr lang="en-US"/>
           </a:p>
@@ -4384,6 +4384,30 @@
           </a:p>
         </p:txBody>
       </p:sp>
+      <p:pic>
+        <p:nvPicPr>
+          <p:cNvPr id="2" name="Picture 1"/>
+          <p:cNvPicPr>
+            <a:picLocks noChangeAspect="1"/>
+          </p:cNvPicPr>
+          <p:nvPr/>
+        </p:nvPicPr>
+        <p:blipFill>
+          <a:blip r:embed="rId2"/>
+          <a:stretch>
+            <a:fillRect/>
+          </a:stretch>
+        </p:blipFill>
+        <p:spPr>
+          <a:xfrm>
+            <a:off x="5097504" y="1734947"/>
+            <a:ext cx="5495540" cy="4698687"/>
+          </a:xfrm>
+          <a:prstGeom prst="rect">
+            <a:avLst/>
+          </a:prstGeom>
+        </p:spPr>
+      </p:pic>
     </p:spTree>
     <p:extLst>
       <p:ext uri="{BB962C8B-B14F-4D97-AF65-F5344CB8AC3E}">
@@ -6295,7 +6319,6 @@
               <a:rPr lang="en-US" sz="2000" i="1" dirty="0" smtClean="0"/>
               <a:t>“Data refers to facts and statistics collected together for reference or analysis”</a:t>
             </a:r>
-            <a:endParaRPr lang="en-US" sz="2000" i="1" dirty="0" smtClean="0"/>
           </a:p>
           <a:p>
             <a:pPr algn="l"/>
@@ -6315,7 +6338,6 @@
               <a:rPr lang="en-US" sz="3600" dirty="0" smtClean="0"/>
               <a:t>Data</a:t>
             </a:r>
-            <a:endParaRPr lang="en-US" sz="3600" dirty="0" smtClean="0"/>
           </a:p>
           <a:p>
             <a:pPr algn="l"/>
@@ -7288,6 +7310,21 @@
 </file>
 
 <file path=customXml/item1.xml><?xml version="1.0" encoding="utf-8"?>
+<?mso-contentType ?>
+<FormTemplates xmlns="http://schemas.microsoft.com/sharepoint/v3/contenttype/forms">
+  <Display>DocumentLibraryForm</Display>
+  <Edit>DocumentLibraryForm</Edit>
+  <New>DocumentLibraryForm</New>
+</FormTemplates>
+</file>
+
+<file path=customXml/item2.xml><?xml version="1.0" encoding="utf-8"?>
+<p:properties xmlns:p="http://schemas.microsoft.com/office/2006/metadata/properties" xmlns:xsi="http://www.w3.org/2001/XMLSchema-instance" xmlns:pc="http://schemas.microsoft.com/office/infopath/2007/PartnerControls">
+  <documentManagement/>
+</p:properties>
+</file>
+
+<file path=customXml/item3.xml><?xml version="1.0" encoding="utf-8"?>
 <ct:contentTypeSchema xmlns:ct="http://schemas.microsoft.com/office/2006/metadata/contentType" xmlns:ma="http://schemas.microsoft.com/office/2006/metadata/properties/metaAttributes" ct:_="" ma:_="" ma:contentTypeName="Document" ma:contentTypeID="0x01010040A75B615E1C194CABC80F3CAEA6E4E5" ma:contentTypeVersion="9" ma:contentTypeDescription="Create a new document." ma:contentTypeScope="" ma:versionID="4a1cf2a28ba0a9e91fab658e05820dde">
   <xsd:schema xmlns:xsd="http://www.w3.org/2001/XMLSchema" xmlns:xs="http://www.w3.org/2001/XMLSchema" xmlns:p="http://schemas.microsoft.com/office/2006/metadata/properties" xmlns:ns3="d97dfd74-0758-4aac-b7c3-4f13d10397e8" xmlns:ns4="851bce1a-01c5-49d9-967d-64af5945ebef" targetNamespace="http://schemas.microsoft.com/office/2006/metadata/properties" ma:root="true" ma:fieldsID="090359357a8ddcd8bb6253bd66cd91d0" ns3:_="" ns4:_="">
     <xsd:import namespace="d97dfd74-0758-4aac-b7c3-4f13d10397e8"/>
@@ -7484,22 +7521,32 @@
 </ct:contentTypeSchema>
 </file>
 
-<file path=customXml/item2.xml><?xml version="1.0" encoding="utf-8"?>
-<p:properties xmlns:p="http://schemas.microsoft.com/office/2006/metadata/properties" xmlns:xsi="http://www.w3.org/2001/XMLSchema-instance" xmlns:pc="http://schemas.microsoft.com/office/infopath/2007/PartnerControls">
-  <documentManagement/>
-</p:properties>
+<file path=customXml/itemProps1.xml><?xml version="1.0" encoding="utf-8"?>
+<ds:datastoreItem xmlns:ds="http://schemas.openxmlformats.org/officeDocument/2006/customXml" ds:itemID="{9A56549F-9000-409B-8EE1-A7AE4257567A}">
+  <ds:schemaRefs>
+    <ds:schemaRef ds:uri="http://schemas.microsoft.com/sharepoint/v3/contenttype/forms"/>
+  </ds:schemaRefs>
+</ds:datastoreItem>
 </file>
 
-<file path=customXml/item3.xml><?xml version="1.0" encoding="utf-8"?>
-<?mso-contentType ?>
-<FormTemplates xmlns="http://schemas.microsoft.com/sharepoint/v3/contenttype/forms">
-  <Display>DocumentLibraryForm</Display>
-  <Edit>DocumentLibraryForm</Edit>
-  <New>DocumentLibraryForm</New>
-</FormTemplates>
+<file path=customXml/itemProps2.xml><?xml version="1.0" encoding="utf-8"?>
+<ds:datastoreItem xmlns:ds="http://schemas.openxmlformats.org/officeDocument/2006/customXml" ds:itemID="{AC2D31F3-7864-444C-82A7-D6387F098876}">
+  <ds:schemaRefs>
+    <ds:schemaRef ds:uri="http://purl.org/dc/terms/"/>
+    <ds:schemaRef ds:uri="http://schemas.openxmlformats.org/package/2006/metadata/core-properties"/>
+    <ds:schemaRef ds:uri="http://purl.org/dc/dcmitype/"/>
+    <ds:schemaRef ds:uri="http://schemas.microsoft.com/office/infopath/2007/PartnerControls"/>
+    <ds:schemaRef ds:uri="http://purl.org/dc/elements/1.1/"/>
+    <ds:schemaRef ds:uri="http://schemas.microsoft.com/office/2006/metadata/properties"/>
+    <ds:schemaRef ds:uri="http://schemas.microsoft.com/office/2006/documentManagement/types"/>
+    <ds:schemaRef ds:uri="d97dfd74-0758-4aac-b7c3-4f13d10397e8"/>
+    <ds:schemaRef ds:uri="851bce1a-01c5-49d9-967d-64af5945ebef"/>
+    <ds:schemaRef ds:uri="http://www.w3.org/XML/1998/namespace"/>
+  </ds:schemaRefs>
+</ds:datastoreItem>
 </file>
 
-<file path=customXml/itemProps1.xml><?xml version="1.0" encoding="utf-8"?>
+<file path=customXml/itemProps3.xml><?xml version="1.0" encoding="utf-8"?>
 <ds:datastoreItem xmlns:ds="http://schemas.openxmlformats.org/officeDocument/2006/customXml" ds:itemID="{A173A3F4-56E8-4506-812D-90D9C8F7ED90}">
   <ds:schemaRefs>
     <ds:schemaRef ds:uri="http://schemas.microsoft.com/office/2006/metadata/contentType"/>
@@ -7516,29 +7563,4 @@
     <ds:schemaRef ds:uri="http://schemas.microsoft.com/internal/obd"/>
   </ds:schemaRefs>
 </ds:datastoreItem>
-</file>
-
-<file path=customXml/itemProps2.xml><?xml version="1.0" encoding="utf-8"?>
-<ds:datastoreItem xmlns:ds="http://schemas.openxmlformats.org/officeDocument/2006/customXml" ds:itemID="{AC2D31F3-7864-444C-82A7-D6387F098876}">
-  <ds:schemaRefs>
-    <ds:schemaRef ds:uri="d97dfd74-0758-4aac-b7c3-4f13d10397e8"/>
-    <ds:schemaRef ds:uri="http://purl.org/dc/terms/"/>
-    <ds:schemaRef ds:uri="http://schemas.openxmlformats.org/package/2006/metadata/core-properties"/>
-    <ds:schemaRef ds:uri="http://purl.org/dc/dcmitype/"/>
-    <ds:schemaRef ds:uri="http://schemas.microsoft.com/office/infopath/2007/PartnerControls"/>
-    <ds:schemaRef ds:uri="http://schemas.microsoft.com/office/2006/documentManagement/types"/>
-    <ds:schemaRef ds:uri="http://purl.org/dc/elements/1.1/"/>
-    <ds:schemaRef ds:uri="http://schemas.microsoft.com/office/2006/metadata/properties"/>
-    <ds:schemaRef ds:uri="851bce1a-01c5-49d9-967d-64af5945ebef"/>
-    <ds:schemaRef ds:uri="http://www.w3.org/XML/1998/namespace"/>
-  </ds:schemaRefs>
-</ds:datastoreItem>
-</file>
-
-<file path=customXml/itemProps3.xml><?xml version="1.0" encoding="utf-8"?>
-<ds:datastoreItem xmlns:ds="http://schemas.openxmlformats.org/officeDocument/2006/customXml" ds:itemID="{9A56549F-9000-409B-8EE1-A7AE4257567A}">
-  <ds:schemaRefs>
-    <ds:schemaRef ds:uri="http://schemas.microsoft.com/sharepoint/v3/contenttype/forms"/>
-  </ds:schemaRefs>
-</ds:datastoreItem>
 </file>
--- a/AI-ML-DL/Machine Learning.pptx
+++ b/AI-ML-DL/Machine Learning.pptx
@@ -5,7 +5,7 @@
     <p:sldMasterId id="2147483648" r:id="rId4"/>
   </p:sldMasterIdLst>
   <p:notesMasterIdLst>
-    <p:notesMasterId r:id="rId25"/>
+    <p:notesMasterId r:id="rId27"/>
   </p:notesMasterIdLst>
   <p:sldIdLst>
     <p:sldId id="256" r:id="rId5"/>
@@ -23,11 +23,13 @@
     <p:sldId id="274" r:id="rId17"/>
     <p:sldId id="275" r:id="rId18"/>
     <p:sldId id="262" r:id="rId19"/>
-    <p:sldId id="263" r:id="rId20"/>
-    <p:sldId id="276" r:id="rId21"/>
-    <p:sldId id="264" r:id="rId22"/>
-    <p:sldId id="265" r:id="rId23"/>
-    <p:sldId id="266" r:id="rId24"/>
+    <p:sldId id="277" r:id="rId20"/>
+    <p:sldId id="278" r:id="rId21"/>
+    <p:sldId id="263" r:id="rId22"/>
+    <p:sldId id="276" r:id="rId23"/>
+    <p:sldId id="264" r:id="rId24"/>
+    <p:sldId id="265" r:id="rId25"/>
+    <p:sldId id="266" r:id="rId26"/>
   </p:sldIdLst>
   <p:sldSz cx="12192000" cy="6858000"/>
   <p:notesSz cx="6858000" cy="9144000"/>
@@ -224,7 +226,7 @@
           <a:p>
             <a:fld id="{1E5BB661-8884-4460-B9ED-FD0D9BF054C6}" type="datetimeFigureOut">
               <a:rPr lang="en-US" smtClean="0"/>
-              <a:t>6/9/2020</a:t>
+              <a:t>6/15/2020</a:t>
             </a:fld>
             <a:endParaRPr lang="en-US"/>
           </a:p>
@@ -713,7 +715,7 @@
           <a:p>
             <a:fld id="{99CA405F-FDE6-4D37-9F47-E73AA25D91EF}" type="datetimeFigureOut">
               <a:rPr lang="en-US" smtClean="0"/>
-              <a:t>6/9/2020</a:t>
+              <a:t>6/15/2020</a:t>
             </a:fld>
             <a:endParaRPr lang="en-US"/>
           </a:p>
@@ -881,7 +883,7 @@
           <a:p>
             <a:fld id="{99CA405F-FDE6-4D37-9F47-E73AA25D91EF}" type="datetimeFigureOut">
               <a:rPr lang="en-US" smtClean="0"/>
-              <a:t>6/9/2020</a:t>
+              <a:t>6/15/2020</a:t>
             </a:fld>
             <a:endParaRPr lang="en-US"/>
           </a:p>
@@ -1059,7 +1061,7 @@
           <a:p>
             <a:fld id="{99CA405F-FDE6-4D37-9F47-E73AA25D91EF}" type="datetimeFigureOut">
               <a:rPr lang="en-US" smtClean="0"/>
-              <a:t>6/9/2020</a:t>
+              <a:t>6/15/2020</a:t>
             </a:fld>
             <a:endParaRPr lang="en-US"/>
           </a:p>
@@ -1227,7 +1229,7 @@
           <a:p>
             <a:fld id="{99CA405F-FDE6-4D37-9F47-E73AA25D91EF}" type="datetimeFigureOut">
               <a:rPr lang="en-US" smtClean="0"/>
-              <a:t>6/9/2020</a:t>
+              <a:t>6/15/2020</a:t>
             </a:fld>
             <a:endParaRPr lang="en-US"/>
           </a:p>
@@ -1472,7 +1474,7 @@
           <a:p>
             <a:fld id="{99CA405F-FDE6-4D37-9F47-E73AA25D91EF}" type="datetimeFigureOut">
               <a:rPr lang="en-US" smtClean="0"/>
-              <a:t>6/9/2020</a:t>
+              <a:t>6/15/2020</a:t>
             </a:fld>
             <a:endParaRPr lang="en-US"/>
           </a:p>
@@ -1701,7 +1703,7 @@
           <a:p>
             <a:fld id="{99CA405F-FDE6-4D37-9F47-E73AA25D91EF}" type="datetimeFigureOut">
               <a:rPr lang="en-US" smtClean="0"/>
-              <a:t>6/9/2020</a:t>
+              <a:t>6/15/2020</a:t>
             </a:fld>
             <a:endParaRPr lang="en-US"/>
           </a:p>
@@ -2065,7 +2067,7 @@
           <a:p>
             <a:fld id="{99CA405F-FDE6-4D37-9F47-E73AA25D91EF}" type="datetimeFigureOut">
               <a:rPr lang="en-US" smtClean="0"/>
-              <a:t>6/9/2020</a:t>
+              <a:t>6/15/2020</a:t>
             </a:fld>
             <a:endParaRPr lang="en-US"/>
           </a:p>
@@ -2182,7 +2184,7 @@
           <a:p>
             <a:fld id="{99CA405F-FDE6-4D37-9F47-E73AA25D91EF}" type="datetimeFigureOut">
               <a:rPr lang="en-US" smtClean="0"/>
-              <a:t>6/9/2020</a:t>
+              <a:t>6/15/2020</a:t>
             </a:fld>
             <a:endParaRPr lang="en-US"/>
           </a:p>
@@ -2277,7 +2279,7 @@
           <a:p>
             <a:fld id="{99CA405F-FDE6-4D37-9F47-E73AA25D91EF}" type="datetimeFigureOut">
               <a:rPr lang="en-US" smtClean="0"/>
-              <a:t>6/9/2020</a:t>
+              <a:t>6/15/2020</a:t>
             </a:fld>
             <a:endParaRPr lang="en-US"/>
           </a:p>
@@ -2552,7 +2554,7 @@
           <a:p>
             <a:fld id="{99CA405F-FDE6-4D37-9F47-E73AA25D91EF}" type="datetimeFigureOut">
               <a:rPr lang="en-US" smtClean="0"/>
-              <a:t>6/9/2020</a:t>
+              <a:t>6/15/2020</a:t>
             </a:fld>
             <a:endParaRPr lang="en-US"/>
           </a:p>
@@ -2804,7 +2806,7 @@
           <a:p>
             <a:fld id="{99CA405F-FDE6-4D37-9F47-E73AA25D91EF}" type="datetimeFigureOut">
               <a:rPr lang="en-US" smtClean="0"/>
-              <a:t>6/9/2020</a:t>
+              <a:t>6/15/2020</a:t>
             </a:fld>
             <a:endParaRPr lang="en-US"/>
           </a:p>
@@ -3015,7 +3017,7 @@
           <a:p>
             <a:fld id="{99CA405F-FDE6-4D37-9F47-E73AA25D91EF}" type="datetimeFigureOut">
               <a:rPr lang="en-US" smtClean="0"/>
-              <a:t>6/9/2020</a:t>
+              <a:t>6/15/2020</a:t>
             </a:fld>
             <a:endParaRPr lang="en-US"/>
           </a:p>
@@ -3524,7 +3526,7 @@
               <a:buChar char="•"/>
             </a:pPr>
             <a:r>
-              <a:rPr lang="en-US" sz="2800" dirty="0" smtClean="0"/>
+              <a:rPr lang="en-US" sz="2800" dirty="0"/>
               <a:t>Measure of Center</a:t>
             </a:r>
           </a:p>
@@ -3537,7 +3539,7 @@
               <a:buChar char="o"/>
             </a:pPr>
             <a:r>
-              <a:rPr lang="en-US" sz="2600" dirty="0" smtClean="0"/>
+              <a:rPr lang="en-US" sz="2600" dirty="0"/>
               <a:t>Mean, </a:t>
             </a:r>
           </a:p>
@@ -3550,7 +3552,7 @@
               <a:buChar char="o"/>
             </a:pPr>
             <a:r>
-              <a:rPr lang="en-US" sz="2600" dirty="0" smtClean="0"/>
+              <a:rPr lang="en-US" sz="2600" dirty="0"/>
               <a:t>Median,</a:t>
             </a:r>
           </a:p>
@@ -3563,7 +3565,7 @@
               <a:buChar char="o"/>
             </a:pPr>
             <a:r>
-              <a:rPr lang="en-US" sz="2600" dirty="0" smtClean="0"/>
+              <a:rPr lang="en-US" sz="2600" dirty="0"/>
               <a:t>Mode (most popular one)</a:t>
             </a:r>
           </a:p>
@@ -3576,16 +3578,8 @@
               <a:buChar char="•"/>
             </a:pPr>
             <a:r>
-              <a:rPr lang="en-US" sz="2800" dirty="0" smtClean="0"/>
-              <a:t>Measures </a:t>
-            </a:r>
-            <a:r>
               <a:rPr lang="en-US" sz="2800" dirty="0"/>
-              <a:t>of Spread </a:t>
-            </a:r>
-            <a:r>
-              <a:rPr lang="en-US" sz="2800" dirty="0" smtClean="0"/>
-              <a:t>(Variability)</a:t>
+              <a:t>Measures of Spread (Variability)</a:t>
             </a:r>
           </a:p>
           <a:p>
@@ -3594,7 +3588,7 @@
               <a:buChar char="o"/>
             </a:pPr>
             <a:r>
-              <a:rPr lang="en-US" sz="2600" dirty="0" smtClean="0"/>
+              <a:rPr lang="en-US" sz="2600" dirty="0"/>
               <a:t>Range = Max(xi) – Min(xi)</a:t>
             </a:r>
           </a:p>
@@ -3604,7 +3598,7 @@
               <a:buChar char="o"/>
             </a:pPr>
             <a:r>
-              <a:rPr lang="en-US" sz="2600" dirty="0" smtClean="0"/>
+              <a:rPr lang="en-US" sz="2600" dirty="0"/>
               <a:t>Inter Quartile Range, </a:t>
             </a:r>
           </a:p>
@@ -3614,7 +3608,7 @@
               <a:buChar char="o"/>
             </a:pPr>
             <a:r>
-              <a:rPr lang="en-US" sz="2600" dirty="0" smtClean="0"/>
+              <a:rPr lang="en-US" sz="2600" dirty="0"/>
               <a:t>Variance, </a:t>
             </a:r>
           </a:p>
@@ -3624,10 +3618,9 @@
               <a:buChar char="o"/>
             </a:pPr>
             <a:r>
-              <a:rPr lang="en-US" sz="2600" dirty="0" smtClean="0"/>
+              <a:rPr lang="en-US" sz="2600" dirty="0"/>
               <a:t>Standard Deviation</a:t>
             </a:r>
-            <a:endParaRPr lang="en-US" sz="2600" dirty="0"/>
           </a:p>
           <a:p>
             <a:pPr marL="914400" lvl="1" indent="-457200" algn="l">
@@ -3635,12 +3628,8 @@
               <a:buChar char="•"/>
             </a:pPr>
             <a:r>
-              <a:rPr lang="en-US" sz="2800" dirty="0" smtClean="0"/>
-              <a:t>Information </a:t>
-            </a:r>
-            <a:r>
               <a:rPr lang="en-US" sz="2800" dirty="0"/>
-              <a:t>Gain &amp; Entropy </a:t>
+              <a:t>Information Gain &amp; Entropy </a:t>
             </a:r>
           </a:p>
           <a:p>
@@ -3678,18 +3667,9 @@
           <a:lstStyle/>
           <a:p>
             <a:r>
-              <a:rPr lang="en-US" sz="3200" dirty="0" smtClean="0"/>
-              <a:t>Class-2</a:t>
-            </a:r>
-            <a:r>
               <a:rPr lang="en-US" sz="3200" dirty="0"/>
-              <a:t>: Descriptive </a:t>
-            </a:r>
-            <a:r>
-              <a:rPr lang="en-US" sz="3200" dirty="0" smtClean="0"/>
-              <a:t>Statistics</a:t>
-            </a:r>
-            <a:endParaRPr lang="en-US" sz="3200" dirty="0"/>
+              <a:t>Class-2: Descriptive Statistics</a:t>
+            </a:r>
           </a:p>
         </p:txBody>
       </p:sp>
@@ -3750,7 +3730,7 @@
               <a:buChar char="•"/>
             </a:pPr>
             <a:r>
-              <a:rPr lang="en-US" sz="2800" dirty="0" smtClean="0"/>
+              <a:rPr lang="en-US" sz="2800" dirty="0"/>
               <a:t>Entropy</a:t>
             </a:r>
           </a:p>
@@ -3766,7 +3746,7 @@
               <a:buFont typeface="Arial" panose="020B0604020202020204" pitchFamily="34" charset="0"/>
               <a:buChar char="•"/>
             </a:pPr>
-            <a:endParaRPr lang="en-US" sz="2800" dirty="0" smtClean="0"/>
+            <a:endParaRPr lang="en-US" sz="2800" dirty="0"/>
           </a:p>
           <a:p>
             <a:pPr marL="914400" lvl="1" indent="-457200" algn="l">
@@ -3781,10 +3761,9 @@
               <a:buChar char="•"/>
             </a:pPr>
             <a:r>
-              <a:rPr lang="en-US" sz="2800" dirty="0" smtClean="0"/>
+              <a:rPr lang="en-US" sz="2800" dirty="0"/>
               <a:t>Information Gain</a:t>
             </a:r>
-            <a:endParaRPr lang="en-US" sz="2800" dirty="0"/>
           </a:p>
         </p:txBody>
       </p:sp>
@@ -3811,12 +3790,8 @@
           <a:lstStyle/>
           <a:p>
             <a:r>
-              <a:rPr lang="en-US" sz="3200" dirty="0" smtClean="0"/>
-              <a:t>Class-2</a:t>
-            </a:r>
-            <a:r>
               <a:rPr lang="en-US" sz="3200" dirty="0"/>
-              <a:t>: Information Gain &amp; Entropy </a:t>
+              <a:t>Class-2: Information Gain &amp; Entropy </a:t>
             </a:r>
           </a:p>
         </p:txBody>
@@ -4032,18 +4007,9 @@
           <a:lstStyle/>
           <a:p>
             <a:r>
-              <a:rPr lang="en-US" sz="3200" dirty="0" smtClean="0"/>
-              <a:t>Class-2</a:t>
-            </a:r>
-            <a:r>
               <a:rPr lang="en-US" sz="3200" dirty="0"/>
-              <a:t>: Confusion Matrix </a:t>
-            </a:r>
-            <a:r>
-              <a:rPr lang="en-US" sz="3200" dirty="0" smtClean="0"/>
-              <a:t> </a:t>
-            </a:r>
-            <a:endParaRPr lang="en-US" sz="3200" dirty="0"/>
+              <a:t>Class-2: Confusion Matrix  </a:t>
+            </a:r>
           </a:p>
         </p:txBody>
       </p:sp>
@@ -4104,7 +4070,7 @@
               <a:buChar char="•"/>
             </a:pPr>
             <a:r>
-              <a:rPr lang="en-US" sz="3600" dirty="0" smtClean="0"/>
+              <a:rPr lang="en-US" sz="3600" dirty="0"/>
               <a:t>Probability Terminologies</a:t>
             </a:r>
           </a:p>
@@ -4114,16 +4080,8 @@
               <a:buChar char="•"/>
             </a:pPr>
             <a:r>
-              <a:rPr lang="en-US" sz="3600" dirty="0" smtClean="0"/>
-              <a:t>Types </a:t>
-            </a:r>
-            <a:r>
               <a:rPr lang="en-US" sz="3600" dirty="0"/>
-              <a:t>of </a:t>
-            </a:r>
-            <a:r>
-              <a:rPr lang="en-US" sz="3600" dirty="0" smtClean="0"/>
-              <a:t>Events</a:t>
+              <a:t>Types of Events</a:t>
             </a:r>
           </a:p>
           <a:p>
@@ -4132,16 +4090,8 @@
               <a:buChar char="•"/>
             </a:pPr>
             <a:r>
-              <a:rPr lang="en-US" sz="3600" dirty="0" smtClean="0"/>
-              <a:t>Probability </a:t>
-            </a:r>
-            <a:r>
               <a:rPr lang="en-US" sz="3600" dirty="0"/>
-              <a:t>of </a:t>
-            </a:r>
-            <a:r>
-              <a:rPr lang="en-US" sz="3600" dirty="0" smtClean="0"/>
-              <a:t>Distribution</a:t>
+              <a:t>Probability of Distribution</a:t>
             </a:r>
           </a:p>
           <a:p>
@@ -4150,16 +4100,8 @@
               <a:buChar char="•"/>
             </a:pPr>
             <a:r>
-              <a:rPr lang="en-US" sz="3600" dirty="0" smtClean="0"/>
-              <a:t>Types </a:t>
-            </a:r>
-            <a:r>
               <a:rPr lang="en-US" sz="3600" dirty="0"/>
-              <a:t>of </a:t>
-            </a:r>
-            <a:r>
-              <a:rPr lang="en-US" sz="3600" dirty="0" smtClean="0"/>
-              <a:t>Probability</a:t>
+              <a:t>Types of Probability</a:t>
             </a:r>
           </a:p>
           <a:p>
@@ -4168,7 +4110,7 @@
               <a:buChar char="•"/>
             </a:pPr>
             <a:r>
-              <a:rPr lang="en-US" sz="3600" dirty="0" smtClean="0"/>
+              <a:rPr lang="en-US" sz="3600" dirty="0"/>
               <a:t>Marginal Probability</a:t>
             </a:r>
           </a:p>
@@ -4178,7 +4120,7 @@
               <a:buChar char="•"/>
             </a:pPr>
             <a:r>
-              <a:rPr lang="en-US" sz="3600" dirty="0" smtClean="0"/>
+              <a:rPr lang="en-US" sz="3600" dirty="0"/>
               <a:t>Joint Probability</a:t>
             </a:r>
           </a:p>
@@ -4188,7 +4130,7 @@
               <a:buChar char="•"/>
             </a:pPr>
             <a:r>
-              <a:rPr lang="en-US" sz="3600" dirty="0" smtClean="0"/>
+              <a:rPr lang="en-US" sz="3600" dirty="0"/>
               <a:t>Conditional Probability</a:t>
             </a:r>
           </a:p>
@@ -4198,20 +4140,15 @@
               <a:buChar char="•"/>
             </a:pPr>
             <a:r>
-              <a:rPr lang="en-US" sz="3600" dirty="0" smtClean="0"/>
+              <a:rPr lang="en-US" sz="3600" dirty="0"/>
               <a:t>Use-Case </a:t>
             </a:r>
-            <a:endParaRPr lang="en-US" sz="3600" dirty="0"/>
           </a:p>
           <a:p>
             <a:pPr lvl="1" algn="l"/>
             <a:r>
-              <a:rPr lang="en-US" sz="3600" dirty="0" smtClean="0"/>
-              <a:t>	Bayes </a:t>
-            </a:r>
-            <a:r>
               <a:rPr lang="en-US" sz="3600" dirty="0"/>
-              <a:t>Theorem </a:t>
+              <a:t>	Bayes Theorem </a:t>
             </a:r>
           </a:p>
           <a:p>
@@ -4246,12 +4183,8 @@
           <a:lstStyle/>
           <a:p>
             <a:r>
-              <a:rPr lang="en-US" sz="3200" dirty="0" smtClean="0"/>
-              <a:t>Class-2</a:t>
-            </a:r>
-            <a:r>
               <a:rPr lang="en-US" sz="3200" dirty="0"/>
-              <a:t>: Probability  </a:t>
+              <a:t>Class-2: Probability  </a:t>
             </a:r>
           </a:p>
         </p:txBody>
@@ -4272,6 +4205,14 @@
 <file path=ppt/slides/slide14.xml><?xml version="1.0" encoding="utf-8"?>
 <p:sld xmlns:a="http://schemas.openxmlformats.org/drawingml/2006/main" xmlns:r="http://schemas.openxmlformats.org/officeDocument/2006/relationships" xmlns:p="http://schemas.openxmlformats.org/presentationml/2006/main">
   <p:cSld>
+    <p:bg>
+      <p:bgPr>
+        <a:solidFill>
+          <a:schemeClr val="bg1"/>
+        </a:solidFill>
+        <a:effectLst/>
+      </p:bgPr>
+    </p:bg>
     <p:spTree>
       <p:nvGrpSpPr>
         <p:cNvPr id="1" name=""/>
@@ -4288,99 +4229,796 @@
       </p:grpSpPr>
       <p:sp>
         <p:nvSpPr>
-          <p:cNvPr id="3" name="Subtitle 2"/>
-          <p:cNvSpPr>
-            <a:spLocks noGrp="1"/>
-          </p:cNvSpPr>
-          <p:nvPr>
-            <p:ph type="subTitle" idx="1"/>
+          <p:cNvPr id="1034" name="Rectangle 70">
+            <a:extLst>
+              <a:ext uri="{FF2B5EF4-FFF2-40B4-BE49-F238E27FC236}">
+                <a16:creationId xmlns:a16="http://schemas.microsoft.com/office/drawing/2014/main" id="{DEE5C6BA-FE2A-4C38-8D88-E70C06E54F82}"/>
+              </a:ext>
+              <a:ext uri="{C183D7F6-B498-43B3-948B-1728B52AA6E4}">
+                <adec:decorative xmlns:adec="http://schemas.microsoft.com/office/drawing/2017/decorative" val="1"/>
+              </a:ext>
+            </a:extLst>
+          </p:cNvPr>
+          <p:cNvSpPr>
+            <a:spLocks noGrp="1" noRot="1" noChangeAspect="1" noMove="1" noResize="1" noEditPoints="1" noAdjustHandles="1" noChangeArrowheads="1" noChangeShapeType="1" noTextEdit="1"/>
+          </p:cNvSpPr>
+          <p:nvPr>
+            <p:extLst>
+              <p:ext uri="{386F3935-93C4-4BCD-93E2-E3B085C9AB24}">
+                <p16:designElem xmlns:p16="http://schemas.microsoft.com/office/powerpoint/2015/main" val="1"/>
+              </p:ext>
+            </p:extLst>
           </p:nvPr>
         </p:nvSpPr>
         <p:spPr>
           <a:xfrm>
-            <a:off x="134647" y="935215"/>
-            <a:ext cx="10968760" cy="5498419"/>
-          </a:xfrm>
-        </p:spPr>
-        <p:txBody>
-          <a:bodyPr>
+            <a:off x="5708905" y="3726"/>
+            <a:ext cx="6483095" cy="6858000"/>
+          </a:xfrm>
+          <a:prstGeom prst="rect">
+            <a:avLst/>
+          </a:prstGeom>
+          <a:gradFill>
+            <a:gsLst>
+              <a:gs pos="0">
+                <a:schemeClr val="accent1">
+                  <a:lumMod val="100000"/>
+                  <a:alpha val="82000"/>
+                </a:schemeClr>
+              </a:gs>
+              <a:gs pos="25000">
+                <a:schemeClr val="accent1">
+                  <a:alpha val="60000"/>
+                </a:schemeClr>
+              </a:gs>
+              <a:gs pos="94000">
+                <a:schemeClr val="bg2">
+                  <a:lumMod val="75000"/>
+                </a:schemeClr>
+              </a:gs>
+              <a:gs pos="100000">
+                <a:schemeClr val="bg2">
+                  <a:lumMod val="75000"/>
+                </a:schemeClr>
+              </a:gs>
+            </a:gsLst>
+            <a:lin ang="4200000" scaled="0"/>
+          </a:gradFill>
+          <a:ln>
+            <a:noFill/>
+          </a:ln>
+        </p:spPr>
+        <p:style>
+          <a:lnRef idx="2">
+            <a:schemeClr val="accent1">
+              <a:shade val="50000"/>
+            </a:schemeClr>
+          </a:lnRef>
+          <a:fillRef idx="1">
+            <a:schemeClr val="accent1"/>
+          </a:fillRef>
+          <a:effectRef idx="0">
+            <a:schemeClr val="accent1"/>
+          </a:effectRef>
+          <a:fontRef idx="minor">
+            <a:schemeClr val="lt1"/>
+          </a:fontRef>
+        </p:style>
+        <p:txBody>
+          <a:bodyPr rtlCol="0" anchor="ctr"/>
+          <a:lstStyle/>
+          <a:p>
+            <a:pPr algn="ctr"/>
+            <a:endParaRPr lang="en-US"/>
+          </a:p>
+        </p:txBody>
+      </p:sp>
+      <p:pic>
+        <p:nvPicPr>
+          <p:cNvPr id="1035" name="Picture 72">
+            <a:extLst>
+              <a:ext uri="{FF2B5EF4-FFF2-40B4-BE49-F238E27FC236}">
+                <a16:creationId xmlns:a16="http://schemas.microsoft.com/office/drawing/2014/main" id="{53E66F28-0926-4CFB-BDAB-646CAB184CB0}"/>
+              </a:ext>
+              <a:ext uri="{C183D7F6-B498-43B3-948B-1728B52AA6E4}">
+                <adec:decorative xmlns:adec="http://schemas.microsoft.com/office/drawing/2017/decorative" val="1"/>
+              </a:ext>
+            </a:extLst>
+          </p:cNvPr>
+          <p:cNvPicPr>
+            <a:picLocks noGrp="1" noRot="1" noChangeAspect="1" noMove="1" noResize="1" noEditPoints="1" noAdjustHandles="1" noChangeArrowheads="1" noChangeShapeType="1" noCrop="1"/>
+          </p:cNvPicPr>
+          <p:nvPr>
+            <p:extLst>
+              <p:ext uri="{386F3935-93C4-4BCD-93E2-E3B085C9AB24}">
+                <p16:designElem xmlns:p16="http://schemas.microsoft.com/office/powerpoint/2015/main" val="1"/>
+              </p:ext>
+            </p:extLst>
+          </p:nvPr>
+        </p:nvPicPr>
+        <p:blipFill>
+          <a:blip r:embed="rId2">
+            <a:extLst>
+              <a:ext uri="{28A0092B-C50C-407E-A947-70E740481C1C}">
+                <a14:useLocalDpi xmlns:a14="http://schemas.microsoft.com/office/drawing/2010/main" val="0"/>
+              </a:ext>
+            </a:extLst>
+          </a:blip>
+          <a:stretch>
+            <a:fillRect/>
+          </a:stretch>
+        </p:blipFill>
+        <p:spPr>
+          <a:xfrm flipH="1">
+            <a:off x="0" y="0"/>
+            <a:ext cx="12192000" cy="6858000"/>
+          </a:xfrm>
+          <a:prstGeom prst="rect">
+            <a:avLst/>
+          </a:prstGeom>
+        </p:spPr>
+      </p:pic>
+      <p:sp>
+        <p:nvSpPr>
+          <p:cNvPr id="5" name="TextBox 4"/>
+          <p:cNvSpPr txBox="1"/>
+          <p:nvPr/>
+        </p:nvSpPr>
+        <p:spPr>
+          <a:xfrm>
+            <a:off x="804672" y="802955"/>
+            <a:ext cx="4977976" cy="1454051"/>
+          </a:xfrm>
+          <a:prstGeom prst="rect">
+            <a:avLst/>
+          </a:prstGeom>
+        </p:spPr>
+        <p:txBody>
+          <a:bodyPr vert="horz" lIns="91440" tIns="45720" rIns="91440" bIns="45720" rtlCol="0" anchor="ctr">
             <a:normAutofit/>
           </a:bodyPr>
           <a:lstStyle/>
           <a:p>
-            <a:pPr marL="1028700" lvl="1" indent="-571500" algn="l">
+            <a:pPr>
+              <a:lnSpc>
+                <a:spcPct val="90000"/>
+              </a:lnSpc>
+              <a:spcBef>
+                <a:spcPct val="0"/>
+              </a:spcBef>
+              <a:spcAft>
+                <a:spcPts val="600"/>
+              </a:spcAft>
+            </a:pPr>
+            <a:r>
+              <a:rPr lang="en-US" sz="4400" kern="1200">
+                <a:solidFill>
+                  <a:srgbClr val="000000"/>
+                </a:solidFill>
+                <a:latin typeface="+mj-lt"/>
+                <a:ea typeface="+mj-ea"/>
+                <a:cs typeface="+mj-cs"/>
+              </a:rPr>
+              <a:t>Class-2: Inferential Statistics </a:t>
+            </a:r>
+          </a:p>
+        </p:txBody>
+      </p:sp>
+      <p:sp>
+        <p:nvSpPr>
+          <p:cNvPr id="75" name="Freeform 60">
+            <a:extLst>
+              <a:ext uri="{FF2B5EF4-FFF2-40B4-BE49-F238E27FC236}">
+                <a16:creationId xmlns:a16="http://schemas.microsoft.com/office/drawing/2014/main" id="{DE9FA85F-F0FB-4952-A05F-04CC67B18EE5}"/>
+              </a:ext>
+              <a:ext uri="{C183D7F6-B498-43B3-948B-1728B52AA6E4}">
+                <adec:decorative xmlns:adec="http://schemas.microsoft.com/office/drawing/2017/decorative" val="1"/>
+              </a:ext>
+            </a:extLst>
+          </p:cNvPr>
+          <p:cNvSpPr>
+            <a:spLocks noGrp="1" noRot="1" noChangeAspect="1" noMove="1" noResize="1" noEditPoints="1" noAdjustHandles="1" noChangeArrowheads="1" noChangeShapeType="1" noTextEdit="1"/>
+          </p:cNvSpPr>
+          <p:nvPr>
+            <p:extLst>
+              <p:ext uri="{386F3935-93C4-4BCD-93E2-E3B085C9AB24}">
+                <p16:designElem xmlns:p16="http://schemas.microsoft.com/office/powerpoint/2015/main" val="1"/>
+              </p:ext>
+            </p:extLst>
+          </p:nvPr>
+        </p:nvSpPr>
+        <p:spPr>
+          <a:xfrm>
+            <a:off x="6493099" y="1"/>
+            <a:ext cx="3960192" cy="2251543"/>
+          </a:xfrm>
+          <a:custGeom>
+            <a:avLst/>
+            <a:gdLst>
+              <a:gd name="connsiteX0" fmla="*/ 20753 w 3960192"/>
+              <a:gd name="connsiteY0" fmla="*/ 0 h 2251543"/>
+              <a:gd name="connsiteX1" fmla="*/ 3939439 w 3960192"/>
+              <a:gd name="connsiteY1" fmla="*/ 0 h 2251543"/>
+              <a:gd name="connsiteX2" fmla="*/ 3949969 w 3960192"/>
+              <a:gd name="connsiteY2" fmla="*/ 68994 h 2251543"/>
+              <a:gd name="connsiteX3" fmla="*/ 3960192 w 3960192"/>
+              <a:gd name="connsiteY3" fmla="*/ 271447 h 2251543"/>
+              <a:gd name="connsiteX4" fmla="*/ 1980096 w 3960192"/>
+              <a:gd name="connsiteY4" fmla="*/ 2251543 h 2251543"/>
+              <a:gd name="connsiteX5" fmla="*/ 0 w 3960192"/>
+              <a:gd name="connsiteY5" fmla="*/ 271447 h 2251543"/>
+              <a:gd name="connsiteX6" fmla="*/ 10223 w 3960192"/>
+              <a:gd name="connsiteY6" fmla="*/ 68994 h 2251543"/>
+            </a:gdLst>
+            <a:ahLst/>
+            <a:cxnLst>
+              <a:cxn ang="0">
+                <a:pos x="connsiteX0" y="connsiteY0"/>
+              </a:cxn>
+              <a:cxn ang="0">
+                <a:pos x="connsiteX1" y="connsiteY1"/>
+              </a:cxn>
+              <a:cxn ang="0">
+                <a:pos x="connsiteX2" y="connsiteY2"/>
+              </a:cxn>
+              <a:cxn ang="0">
+                <a:pos x="connsiteX3" y="connsiteY3"/>
+              </a:cxn>
+              <a:cxn ang="0">
+                <a:pos x="connsiteX4" y="connsiteY4"/>
+              </a:cxn>
+              <a:cxn ang="0">
+                <a:pos x="connsiteX5" y="connsiteY5"/>
+              </a:cxn>
+              <a:cxn ang="0">
+                <a:pos x="connsiteX6" y="connsiteY6"/>
+              </a:cxn>
+            </a:cxnLst>
+            <a:rect l="l" t="t" r="r" b="b"/>
+            <a:pathLst>
+              <a:path w="3960192" h="2251543">
+                <a:moveTo>
+                  <a:pt x="20753" y="0"/>
+                </a:moveTo>
+                <a:lnTo>
+                  <a:pt x="3939439" y="0"/>
+                </a:lnTo>
+                <a:lnTo>
+                  <a:pt x="3949969" y="68994"/>
+                </a:lnTo>
+                <a:cubicBezTo>
+                  <a:pt x="3956729" y="135559"/>
+                  <a:pt x="3960192" y="203099"/>
+                  <a:pt x="3960192" y="271447"/>
+                </a:cubicBezTo>
+                <a:cubicBezTo>
+                  <a:pt x="3960192" y="1365024"/>
+                  <a:pt x="3073673" y="2251543"/>
+                  <a:pt x="1980096" y="2251543"/>
+                </a:cubicBezTo>
+                <a:cubicBezTo>
+                  <a:pt x="886519" y="2251543"/>
+                  <a:pt x="0" y="1365024"/>
+                  <a:pt x="0" y="271447"/>
+                </a:cubicBezTo>
+                <a:cubicBezTo>
+                  <a:pt x="0" y="203099"/>
+                  <a:pt x="3463" y="135559"/>
+                  <a:pt x="10223" y="68994"/>
+                </a:cubicBezTo>
+                <a:close/>
+              </a:path>
+            </a:pathLst>
+          </a:custGeom>
+          <a:solidFill>
+            <a:srgbClr val="FFFFFF"/>
+          </a:solidFill>
+          <a:ln>
+            <a:gradFill>
+              <a:gsLst>
+                <a:gs pos="0">
+                  <a:schemeClr val="accent1">
+                    <a:lumMod val="40000"/>
+                    <a:lumOff val="60000"/>
+                  </a:schemeClr>
+                </a:gs>
+                <a:gs pos="23000">
+                  <a:schemeClr val="accent1">
+                    <a:lumMod val="45000"/>
+                    <a:lumOff val="55000"/>
+                  </a:schemeClr>
+                </a:gs>
+                <a:gs pos="83000">
+                  <a:schemeClr val="bg2">
+                    <a:lumMod val="75000"/>
+                  </a:schemeClr>
+                </a:gs>
+                <a:gs pos="100000">
+                  <a:schemeClr val="bg2">
+                    <a:lumMod val="75000"/>
+                  </a:schemeClr>
+                </a:gs>
+              </a:gsLst>
+              <a:lin ang="5400000" scaled="1"/>
+            </a:gradFill>
+          </a:ln>
+        </p:spPr>
+        <p:style>
+          <a:lnRef idx="2">
+            <a:schemeClr val="accent1">
+              <a:shade val="50000"/>
+            </a:schemeClr>
+          </a:lnRef>
+          <a:fillRef idx="1">
+            <a:schemeClr val="accent1"/>
+          </a:fillRef>
+          <a:effectRef idx="0">
+            <a:schemeClr val="accent1"/>
+          </a:effectRef>
+          <a:fontRef idx="minor">
+            <a:schemeClr val="lt1"/>
+          </a:fontRef>
+        </p:style>
+        <p:txBody>
+          <a:bodyPr wrap="square" rtlCol="0" anchor="ctr">
+            <a:noAutofit/>
+          </a:bodyPr>
+          <a:lstStyle/>
+          <a:p>
+            <a:pPr algn="ctr"/>
+            <a:endParaRPr lang="en-US"/>
+          </a:p>
+        </p:txBody>
+      </p:sp>
+      <p:pic>
+        <p:nvPicPr>
+          <p:cNvPr id="1026" name="Picture 2" descr="Confidence Interval: How to Find a Confidence Interval: The Easy Way! -  Statistics How To">
+            <a:extLst>
+              <a:ext uri="{FF2B5EF4-FFF2-40B4-BE49-F238E27FC236}">
+                <a16:creationId xmlns:a16="http://schemas.microsoft.com/office/drawing/2014/main" id="{29C8B8E9-C012-4D1D-8DEB-78B85E6A938B}"/>
+              </a:ext>
+            </a:extLst>
+          </p:cNvPr>
+          <p:cNvPicPr>
+            <a:picLocks noChangeAspect="1" noChangeArrowheads="1"/>
+          </p:cNvPicPr>
+          <p:nvPr/>
+        </p:nvPicPr>
+        <p:blipFill rotWithShape="1">
+          <a:blip r:embed="rId3">
+            <a:alphaModFix/>
+            <a:extLst>
+              <a:ext uri="{28A0092B-C50C-407E-A947-70E740481C1C}">
+                <a14:useLocalDpi xmlns:a14="http://schemas.microsoft.com/office/drawing/2010/main" val="0"/>
+              </a:ext>
+            </a:extLst>
+          </a:blip>
+          <a:srcRect l="7131" r="-1" b="-1"/>
+          <a:stretch/>
+        </p:blipFill>
+        <p:spPr bwMode="auto">
+          <a:xfrm>
+            <a:off x="7235296" y="1"/>
+            <a:ext cx="2661739" cy="2106932"/>
+          </a:xfrm>
+          <a:custGeom>
+            <a:avLst/>
+            <a:gdLst/>
+            <a:ahLst/>
+            <a:cxnLst/>
+            <a:rect l="l" t="t" r="r" b="b"/>
+            <a:pathLst>
+              <a:path w="3674754" h="2106932">
+                <a:moveTo>
+                  <a:pt x="21954" y="0"/>
+                </a:moveTo>
+                <a:lnTo>
+                  <a:pt x="3652800" y="0"/>
+                </a:lnTo>
+                <a:lnTo>
+                  <a:pt x="3665268" y="81694"/>
+                </a:lnTo>
+                <a:cubicBezTo>
+                  <a:pt x="3671541" y="143461"/>
+                  <a:pt x="3674754" y="206133"/>
+                  <a:pt x="3674754" y="269555"/>
+                </a:cubicBezTo>
+                <a:cubicBezTo>
+                  <a:pt x="3674754" y="1284311"/>
+                  <a:pt x="2852132" y="2106932"/>
+                  <a:pt x="1837377" y="2106932"/>
+                </a:cubicBezTo>
+                <a:cubicBezTo>
+                  <a:pt x="822622" y="2106932"/>
+                  <a:pt x="0" y="1284311"/>
+                  <a:pt x="0" y="269555"/>
+                </a:cubicBezTo>
+                <a:cubicBezTo>
+                  <a:pt x="0" y="206133"/>
+                  <a:pt x="3214" y="143461"/>
+                  <a:pt x="9486" y="81694"/>
+                </a:cubicBezTo>
+                <a:close/>
+              </a:path>
+            </a:pathLst>
+          </a:custGeom>
+          <a:noFill/>
+          <a:effectLst>
+            <a:softEdge rad="0"/>
+          </a:effectLst>
+          <a:extLst>
+            <a:ext uri="{909E8E84-426E-40DD-AFC4-6F175D3DCCD1}">
+              <a14:hiddenFill xmlns:a14="http://schemas.microsoft.com/office/drawing/2010/main">
+                <a:solidFill>
+                  <a:srgbClr val="FFFFFF"/>
+                </a:solidFill>
+              </a14:hiddenFill>
+            </a:ext>
+          </a:extLst>
+        </p:spPr>
+      </p:pic>
+      <p:sp>
+        <p:nvSpPr>
+          <p:cNvPr id="3" name="Subtitle 2"/>
+          <p:cNvSpPr>
+            <a:spLocks noGrp="1"/>
+          </p:cNvSpPr>
+          <p:nvPr>
+            <p:ph type="subTitle" idx="1"/>
+          </p:nvPr>
+        </p:nvSpPr>
+        <p:spPr>
+          <a:xfrm>
+            <a:off x="804672" y="2995448"/>
+            <a:ext cx="4977578" cy="3065523"/>
+          </a:xfrm>
+        </p:spPr>
+        <p:txBody>
+          <a:bodyPr vert="horz" lIns="91440" tIns="45720" rIns="91440" bIns="45720" rtlCol="0" anchor="ctr">
+            <a:normAutofit fontScale="85000" lnSpcReduction="20000"/>
+          </a:bodyPr>
+          <a:lstStyle/>
+          <a:p>
+            <a:pPr marL="571500" indent="-228600" algn="l">
               <a:buFont typeface="Arial" panose="020B0604020202020204" pitchFamily="34" charset="0"/>
               <a:buChar char="•"/>
             </a:pPr>
             <a:r>
-              <a:rPr lang="en-US" sz="3600" dirty="0"/>
+              <a:rPr lang="en-US" dirty="0">
+                <a:solidFill>
+                  <a:srgbClr val="000000"/>
+                </a:solidFill>
+              </a:rPr>
               <a:t>Point Estimation </a:t>
             </a:r>
           </a:p>
           <a:p>
-            <a:pPr marL="1028700" lvl="1" indent="-571500" algn="l">
+            <a:pPr marL="571500" indent="-228600" algn="l">
               <a:buFont typeface="Arial" panose="020B0604020202020204" pitchFamily="34" charset="0"/>
               <a:buChar char="•"/>
             </a:pPr>
             <a:r>
-              <a:rPr lang="en-US" sz="3600" dirty="0"/>
+              <a:rPr lang="en-US" dirty="0">
+                <a:solidFill>
+                  <a:srgbClr val="000000"/>
+                </a:solidFill>
+              </a:rPr>
               <a:t>Interval Estimate </a:t>
             </a:r>
           </a:p>
           <a:p>
-            <a:pPr marL="1028700" lvl="1" indent="-571500" algn="l">
+            <a:pPr marL="571500" indent="-228600" algn="l">
               <a:buFont typeface="Arial" panose="020B0604020202020204" pitchFamily="34" charset="0"/>
               <a:buChar char="•"/>
             </a:pPr>
             <a:r>
-              <a:rPr lang="en-US" sz="3600" dirty="0"/>
+              <a:rPr lang="en-US" dirty="0">
+                <a:solidFill>
+                  <a:srgbClr val="000000"/>
+                </a:solidFill>
+              </a:rPr>
               <a:t>Margin of Error</a:t>
             </a:r>
           </a:p>
           <a:p>
-            <a:pPr marL="914400" lvl="1" indent="-457200" algn="l">
+            <a:pPr lvl="1" indent="-228600" algn="l">
               <a:buFont typeface="Arial" panose="020B0604020202020204" pitchFamily="34" charset="0"/>
               <a:buChar char="•"/>
             </a:pPr>
-            <a:endParaRPr lang="en-US" sz="2800" dirty="0"/>
-          </a:p>
-        </p:txBody>
-      </p:sp>
-      <p:sp>
-        <p:nvSpPr>
-          <p:cNvPr id="5" name="TextBox 4"/>
-          <p:cNvSpPr txBox="1"/>
-          <p:nvPr/>
+            <a:endParaRPr lang="en-US" dirty="0">
+              <a:solidFill>
+                <a:srgbClr val="000000"/>
+              </a:solidFill>
+            </a:endParaRPr>
+          </a:p>
+          <a:p>
+            <a:pPr lvl="1" indent="-228600" algn="l">
+              <a:buFont typeface="Arial" panose="020B0604020202020204" pitchFamily="34" charset="0"/>
+              <a:buChar char="•"/>
+            </a:pPr>
+            <a:r>
+              <a:rPr lang="en-US" dirty="0">
+                <a:solidFill>
+                  <a:srgbClr val="000000"/>
+                </a:solidFill>
+              </a:rPr>
+              <a:t>X – point estimation</a:t>
+            </a:r>
+          </a:p>
+          <a:p>
+            <a:pPr lvl="1" indent="-228600" algn="l">
+              <a:buFont typeface="Arial" panose="020B0604020202020204" pitchFamily="34" charset="0"/>
+              <a:buChar char="•"/>
+            </a:pPr>
+            <a:r>
+              <a:rPr lang="en-US" dirty="0">
+                <a:solidFill>
+                  <a:srgbClr val="000000"/>
+                </a:solidFill>
+              </a:rPr>
+              <a:t>S – standard deviation</a:t>
+            </a:r>
+          </a:p>
+          <a:p>
+            <a:pPr lvl="1" indent="-228600" algn="l">
+              <a:buFont typeface="Arial" panose="020B0604020202020204" pitchFamily="34" charset="0"/>
+              <a:buChar char="•"/>
+            </a:pPr>
+            <a:r>
+              <a:rPr lang="en-US" dirty="0">
+                <a:solidFill>
+                  <a:srgbClr val="000000"/>
+                </a:solidFill>
+              </a:rPr>
+              <a:t>N – sample number</a:t>
+            </a:r>
+          </a:p>
+          <a:p>
+            <a:pPr lvl="1" indent="-228600" algn="l">
+              <a:buFont typeface="Arial" panose="020B0604020202020204" pitchFamily="34" charset="0"/>
+              <a:buChar char="•"/>
+            </a:pPr>
+            <a:r>
+              <a:rPr lang="en-US" dirty="0">
+                <a:solidFill>
+                  <a:srgbClr val="000000"/>
+                </a:solidFill>
+              </a:rPr>
+              <a:t>z – the sample standard z-score </a:t>
+            </a:r>
+          </a:p>
+          <a:p>
+            <a:pPr lvl="1" indent="-228600" algn="l">
+              <a:buFont typeface="Arial" panose="020B0604020202020204" pitchFamily="34" charset="0"/>
+              <a:buChar char="•"/>
+            </a:pPr>
+            <a:r>
+              <a:rPr lang="en-US" dirty="0">
+                <a:solidFill>
+                  <a:srgbClr val="000000"/>
+                </a:solidFill>
+              </a:rPr>
+              <a:t>Area C is the level of confidence</a:t>
+            </a:r>
+          </a:p>
+          <a:p>
+            <a:pPr lvl="1" indent="-228600" algn="l">
+              <a:buFont typeface="Arial" panose="020B0604020202020204" pitchFamily="34" charset="0"/>
+              <a:buChar char="•"/>
+            </a:pPr>
+            <a:r>
+              <a:rPr lang="en-US" dirty="0">
+                <a:solidFill>
+                  <a:srgbClr val="000000"/>
+                </a:solidFill>
+              </a:rPr>
+              <a:t>The Z-score is the interval of estimate based on the Z value</a:t>
+            </a:r>
+          </a:p>
+          <a:p>
+            <a:pPr lvl="1" indent="-228600" algn="l">
+              <a:buFont typeface="Arial" panose="020B0604020202020204" pitchFamily="34" charset="0"/>
+              <a:buChar char="•"/>
+            </a:pPr>
+            <a:endParaRPr lang="en-US" dirty="0">
+              <a:solidFill>
+                <a:srgbClr val="000000"/>
+              </a:solidFill>
+            </a:endParaRPr>
+          </a:p>
+          <a:p>
+            <a:pPr lvl="1" indent="-228600" algn="l">
+              <a:buFont typeface="Arial" panose="020B0604020202020204" pitchFamily="34" charset="0"/>
+              <a:buChar char="•"/>
+            </a:pPr>
+            <a:endParaRPr lang="en-US" dirty="0">
+              <a:solidFill>
+                <a:srgbClr val="000000"/>
+              </a:solidFill>
+            </a:endParaRPr>
+          </a:p>
+          <a:p>
+            <a:pPr marL="914400" lvl="1" indent="-228600" algn="l">
+              <a:buFont typeface="Arial" panose="020B0604020202020204" pitchFamily="34" charset="0"/>
+              <a:buChar char="•"/>
+            </a:pPr>
+            <a:endParaRPr lang="en-US" dirty="0">
+              <a:solidFill>
+                <a:srgbClr val="000000"/>
+              </a:solidFill>
+            </a:endParaRPr>
+          </a:p>
+        </p:txBody>
+      </p:sp>
+      <p:sp>
+        <p:nvSpPr>
+          <p:cNvPr id="1036" name="Freeform 68">
+            <a:extLst>
+              <a:ext uri="{FF2B5EF4-FFF2-40B4-BE49-F238E27FC236}">
+                <a16:creationId xmlns:a16="http://schemas.microsoft.com/office/drawing/2014/main" id="{FEBD362A-CC27-47D9-8FC3-A5E91BA0760C}"/>
+              </a:ext>
+              <a:ext uri="{C183D7F6-B498-43B3-948B-1728B52AA6E4}">
+                <adec:decorative xmlns:adec="http://schemas.microsoft.com/office/drawing/2017/decorative" val="1"/>
+              </a:ext>
+            </a:extLst>
+          </p:cNvPr>
+          <p:cNvSpPr>
+            <a:spLocks noGrp="1" noRot="1" noChangeAspect="1" noMove="1" noResize="1" noEditPoints="1" noAdjustHandles="1" noChangeArrowheads="1" noChangeShapeType="1" noTextEdit="1"/>
+          </p:cNvSpPr>
+          <p:nvPr>
+            <p:extLst>
+              <p:ext uri="{386F3935-93C4-4BCD-93E2-E3B085C9AB24}">
+                <p16:designElem xmlns:p16="http://schemas.microsoft.com/office/powerpoint/2015/main" val="1"/>
+              </p:ext>
+            </p:extLst>
+          </p:nvPr>
         </p:nvSpPr>
         <p:spPr>
           <a:xfrm>
-            <a:off x="254568" y="147547"/>
-            <a:ext cx="10968760" cy="584775"/>
-          </a:xfrm>
-          <a:prstGeom prst="rect">
+            <a:off x="7235296" y="2922177"/>
+            <a:ext cx="4956705" cy="3945299"/>
+          </a:xfrm>
+          <a:custGeom>
             <a:avLst/>
-          </a:prstGeom>
-          <a:noFill/>
-        </p:spPr>
-        <p:txBody>
-          <a:bodyPr wrap="square" rtlCol="0">
-            <a:spAutoFit/>
+            <a:gdLst>
+              <a:gd name="connsiteX0" fmla="*/ 2718646 w 4956705"/>
+              <a:gd name="connsiteY0" fmla="*/ 0 h 3945299"/>
+              <a:gd name="connsiteX1" fmla="*/ 4816486 w 4956705"/>
+              <a:gd name="connsiteY1" fmla="*/ 989335 h 3945299"/>
+              <a:gd name="connsiteX2" fmla="*/ 4956705 w 4956705"/>
+              <a:gd name="connsiteY2" fmla="*/ 1176848 h 3945299"/>
+              <a:gd name="connsiteX3" fmla="*/ 4956705 w 4956705"/>
+              <a:gd name="connsiteY3" fmla="*/ 3945299 h 3945299"/>
+              <a:gd name="connsiteX4" fmla="*/ 294783 w 4956705"/>
+              <a:gd name="connsiteY4" fmla="*/ 3945299 h 3945299"/>
+              <a:gd name="connsiteX5" fmla="*/ 213645 w 4956705"/>
+              <a:gd name="connsiteY5" fmla="*/ 3776866 h 3945299"/>
+              <a:gd name="connsiteX6" fmla="*/ 0 w 4956705"/>
+              <a:gd name="connsiteY6" fmla="*/ 2718646 h 3945299"/>
+              <a:gd name="connsiteX7" fmla="*/ 2718646 w 4956705"/>
+              <a:gd name="connsiteY7" fmla="*/ 0 h 3945299"/>
+            </a:gdLst>
+            <a:ahLst/>
+            <a:cxnLst>
+              <a:cxn ang="0">
+                <a:pos x="connsiteX0" y="connsiteY0"/>
+              </a:cxn>
+              <a:cxn ang="0">
+                <a:pos x="connsiteX1" y="connsiteY1"/>
+              </a:cxn>
+              <a:cxn ang="0">
+                <a:pos x="connsiteX2" y="connsiteY2"/>
+              </a:cxn>
+              <a:cxn ang="0">
+                <a:pos x="connsiteX3" y="connsiteY3"/>
+              </a:cxn>
+              <a:cxn ang="0">
+                <a:pos x="connsiteX4" y="connsiteY4"/>
+              </a:cxn>
+              <a:cxn ang="0">
+                <a:pos x="connsiteX5" y="connsiteY5"/>
+              </a:cxn>
+              <a:cxn ang="0">
+                <a:pos x="connsiteX6" y="connsiteY6"/>
+              </a:cxn>
+              <a:cxn ang="0">
+                <a:pos x="connsiteX7" y="connsiteY7"/>
+              </a:cxn>
+            </a:cxnLst>
+            <a:rect l="l" t="t" r="r" b="b"/>
+            <a:pathLst>
+              <a:path w="4956705" h="3945299">
+                <a:moveTo>
+                  <a:pt x="2718646" y="0"/>
+                </a:moveTo>
+                <a:cubicBezTo>
+                  <a:pt x="3563221" y="0"/>
+                  <a:pt x="4317846" y="385123"/>
+                  <a:pt x="4816486" y="989335"/>
+                </a:cubicBezTo>
+                <a:lnTo>
+                  <a:pt x="4956705" y="1176848"/>
+                </a:lnTo>
+                <a:lnTo>
+                  <a:pt x="4956705" y="3945299"/>
+                </a:lnTo>
+                <a:lnTo>
+                  <a:pt x="294783" y="3945299"/>
+                </a:lnTo>
+                <a:lnTo>
+                  <a:pt x="213645" y="3776866"/>
+                </a:lnTo>
+                <a:cubicBezTo>
+                  <a:pt x="76074" y="3451612"/>
+                  <a:pt x="0" y="3094013"/>
+                  <a:pt x="0" y="2718646"/>
+                </a:cubicBezTo>
+                <a:cubicBezTo>
+                  <a:pt x="0" y="1217179"/>
+                  <a:pt x="1217179" y="0"/>
+                  <a:pt x="2718646" y="0"/>
+                </a:cubicBezTo>
+                <a:close/>
+              </a:path>
+            </a:pathLst>
+          </a:custGeom>
+          <a:solidFill>
+            <a:srgbClr val="FFFFFF"/>
+          </a:solidFill>
+          <a:ln>
+            <a:gradFill>
+              <a:gsLst>
+                <a:gs pos="0">
+                  <a:schemeClr val="accent1">
+                    <a:lumMod val="40000"/>
+                    <a:lumOff val="60000"/>
+                  </a:schemeClr>
+                </a:gs>
+                <a:gs pos="23000">
+                  <a:schemeClr val="accent1">
+                    <a:lumMod val="45000"/>
+                    <a:lumOff val="55000"/>
+                  </a:schemeClr>
+                </a:gs>
+                <a:gs pos="83000">
+                  <a:schemeClr val="bg2">
+                    <a:lumMod val="75000"/>
+                  </a:schemeClr>
+                </a:gs>
+                <a:gs pos="100000">
+                  <a:schemeClr val="bg2">
+                    <a:lumMod val="75000"/>
+                  </a:schemeClr>
+                </a:gs>
+              </a:gsLst>
+              <a:lin ang="5400000" scaled="1"/>
+            </a:gradFill>
+          </a:ln>
+        </p:spPr>
+        <p:style>
+          <a:lnRef idx="2">
+            <a:schemeClr val="accent1">
+              <a:shade val="50000"/>
+            </a:schemeClr>
+          </a:lnRef>
+          <a:fillRef idx="1">
+            <a:schemeClr val="accent1"/>
+          </a:fillRef>
+          <a:effectRef idx="0">
+            <a:schemeClr val="accent1"/>
+          </a:effectRef>
+          <a:fontRef idx="minor">
+            <a:schemeClr val="lt1"/>
+          </a:fontRef>
+        </p:style>
+        <p:txBody>
+          <a:bodyPr wrap="square" rtlCol="0" anchor="ctr">
+            <a:noAutofit/>
           </a:bodyPr>
           <a:lstStyle/>
           <a:p>
-            <a:r>
-              <a:rPr lang="en-US" sz="3200" dirty="0" smtClean="0"/>
-              <a:t>Class-2</a:t>
-            </a:r>
-            <a:r>
-              <a:rPr lang="en-US" sz="3200" dirty="0"/>
-              <a:t>: Inferential </a:t>
-            </a:r>
-            <a:r>
-              <a:rPr lang="en-US" sz="3200" dirty="0" smtClean="0"/>
-              <a:t>Statistics </a:t>
-            </a:r>
-            <a:endParaRPr lang="en-US" sz="3200" dirty="0"/>
+            <a:pPr algn="ctr"/>
+            <a:endParaRPr lang="en-US"/>
           </a:p>
         </p:txBody>
       </p:sp>
@@ -4392,20 +5030,63 @@
           </p:cNvPicPr>
           <p:nvPr/>
         </p:nvPicPr>
-        <p:blipFill>
-          <a:blip r:embed="rId2"/>
-          <a:stretch>
-            <a:fillRect/>
-          </a:stretch>
+        <p:blipFill rotWithShape="1">
+          <a:blip r:embed="rId4">
+            <a:alphaModFix/>
+          </a:blip>
+          <a:srcRect t="4814" r="3" b="2911"/>
+          <a:stretch/>
         </p:blipFill>
         <p:spPr>
           <a:xfrm>
-            <a:off x="5097504" y="1734947"/>
-            <a:ext cx="5495540" cy="4698687"/>
-          </a:xfrm>
-          <a:prstGeom prst="rect">
+            <a:off x="7451280" y="3086207"/>
+            <a:ext cx="4792674" cy="3553584"/>
+          </a:xfrm>
+          <a:custGeom>
             <a:avLst/>
-          </a:prstGeom>
+            <a:gdLst/>
+            <a:ahLst/>
+            <a:cxnLst/>
+            <a:rect l="l" t="t" r="r" b="b"/>
+            <a:pathLst>
+              <a:path w="4792674" h="3781268">
+                <a:moveTo>
+                  <a:pt x="2554615" y="0"/>
+                </a:moveTo>
+                <a:cubicBezTo>
+                  <a:pt x="3436412" y="0"/>
+                  <a:pt x="4213859" y="446774"/>
+                  <a:pt x="4672942" y="1126306"/>
+                </a:cubicBezTo>
+                <a:lnTo>
+                  <a:pt x="4792674" y="1323391"/>
+                </a:lnTo>
+                <a:lnTo>
+                  <a:pt x="4792674" y="3781268"/>
+                </a:lnTo>
+                <a:lnTo>
+                  <a:pt x="313779" y="3781268"/>
+                </a:lnTo>
+                <a:lnTo>
+                  <a:pt x="308328" y="3772297"/>
+                </a:lnTo>
+                <a:cubicBezTo>
+                  <a:pt x="111694" y="3410325"/>
+                  <a:pt x="0" y="2995514"/>
+                  <a:pt x="0" y="2554615"/>
+                </a:cubicBezTo>
+                <a:cubicBezTo>
+                  <a:pt x="0" y="1143740"/>
+                  <a:pt x="1143740" y="0"/>
+                  <a:pt x="2554615" y="0"/>
+                </a:cubicBezTo>
+                <a:close/>
+              </a:path>
+            </a:pathLst>
+          </a:custGeom>
+          <a:effectLst>
+            <a:softEdge rad="0"/>
+          </a:effectLst>
         </p:spPr>
       </p:pic>
     </p:spTree>
@@ -4462,10 +5143,9 @@
           <a:p>
             <a:pPr algn="l"/>
             <a:r>
-              <a:rPr lang="en-US" sz="6200" dirty="0" smtClean="0"/>
+              <a:rPr lang="en-US" sz="6200" dirty="0"/>
               <a:t> </a:t>
             </a:r>
-            <a:endParaRPr lang="en-US" sz="6200" dirty="0"/>
           </a:p>
           <a:p>
             <a:pPr algn="l"/>
@@ -4500,12 +5180,131 @@
           <a:lstStyle/>
           <a:p>
             <a:r>
-              <a:rPr lang="en-US" sz="3200" dirty="0" smtClean="0"/>
-              <a:t>Class-2</a:t>
-            </a:r>
-            <a:r>
               <a:rPr lang="en-US" sz="3200" dirty="0"/>
-              <a:t>: Hypothesis Testing</a:t>
+              <a:t>Class-2: Hypothesis Testing</a:t>
+            </a:r>
+          </a:p>
+        </p:txBody>
+      </p:sp>
+      <p:sp>
+        <p:nvSpPr>
+          <p:cNvPr id="2" name="TextBox 1">
+            <a:extLst>
+              <a:ext uri="{FF2B5EF4-FFF2-40B4-BE49-F238E27FC236}">
+                <a16:creationId xmlns:a16="http://schemas.microsoft.com/office/drawing/2014/main" id="{02B1107E-9FB5-4394-858F-D671E70E3F5F}"/>
+              </a:ext>
+            </a:extLst>
+          </p:cNvPr>
+          <p:cNvSpPr txBox="1"/>
+          <p:nvPr/>
+        </p:nvSpPr>
+        <p:spPr>
+          <a:xfrm>
+            <a:off x="1011366" y="815294"/>
+            <a:ext cx="10169267" cy="830997"/>
+          </a:xfrm>
+          <a:prstGeom prst="rect">
+            <a:avLst/>
+          </a:prstGeom>
+          <a:noFill/>
+        </p:spPr>
+        <p:txBody>
+          <a:bodyPr wrap="square" rtlCol="0">
+            <a:spAutoFit/>
+          </a:bodyPr>
+          <a:lstStyle/>
+          <a:p>
+            <a:pPr algn="ctr"/>
+            <a:r>
+              <a:rPr lang="en-US" sz="2400" dirty="0"/>
+              <a:t>Statisticians use hypothesis testing to formally check whether the hypothesis is accepted or rejected</a:t>
+            </a:r>
+          </a:p>
+        </p:txBody>
+      </p:sp>
+      <p:sp>
+        <p:nvSpPr>
+          <p:cNvPr id="4" name="TextBox 3">
+            <a:extLst>
+              <a:ext uri="{FF2B5EF4-FFF2-40B4-BE49-F238E27FC236}">
+                <a16:creationId xmlns:a16="http://schemas.microsoft.com/office/drawing/2014/main" id="{7DEC8FCC-8337-4766-B0A8-DCDEA8192932}"/>
+              </a:ext>
+            </a:extLst>
+          </p:cNvPr>
+          <p:cNvSpPr txBox="1"/>
+          <p:nvPr/>
+        </p:nvSpPr>
+        <p:spPr>
+          <a:xfrm>
+            <a:off x="410308" y="1803543"/>
+            <a:ext cx="10968760" cy="4154984"/>
+          </a:xfrm>
+          <a:prstGeom prst="rect">
+            <a:avLst/>
+          </a:prstGeom>
+          <a:noFill/>
+        </p:spPr>
+        <p:txBody>
+          <a:bodyPr wrap="square" rtlCol="0">
+            <a:spAutoFit/>
+          </a:bodyPr>
+          <a:lstStyle/>
+          <a:p>
+            <a:r>
+              <a:rPr lang="en-US" sz="2400" dirty="0"/>
+              <a:t>Hypothesis testing is conducted in the following manner: </a:t>
+            </a:r>
+          </a:p>
+          <a:p>
+            <a:endParaRPr lang="en-US" sz="2400" dirty="0"/>
+          </a:p>
+          <a:p>
+            <a:r>
+              <a:rPr lang="en-US" sz="2400" b="1" dirty="0"/>
+              <a:t>State the Hypotheses </a:t>
+            </a:r>
+            <a:r>
+              <a:rPr lang="en-US" sz="2400" dirty="0"/>
+              <a:t>– This stage involves stating the null and alternative hypotheses</a:t>
+            </a:r>
+          </a:p>
+          <a:p>
+            <a:endParaRPr lang="en-US" sz="2400" dirty="0"/>
+          </a:p>
+          <a:p>
+            <a:r>
+              <a:rPr lang="en-US" sz="2400" b="1" dirty="0"/>
+              <a:t>Formulate an Analysis Plan </a:t>
+            </a:r>
+            <a:r>
+              <a:rPr lang="en-US" sz="2400" dirty="0"/>
+              <a:t>– This stage involves the construction of an analysis plan</a:t>
+            </a:r>
+          </a:p>
+          <a:p>
+            <a:endParaRPr lang="en-US" sz="2400" dirty="0"/>
+          </a:p>
+          <a:p>
+            <a:r>
+              <a:rPr lang="en-US" sz="2400" b="1" dirty="0"/>
+              <a:t>Analyze Sample Data </a:t>
+            </a:r>
+            <a:r>
+              <a:rPr lang="en-US" sz="2400" dirty="0"/>
+              <a:t>– This stage involves the calculation and interpretation of the test statistic as described in the analysis plan</a:t>
+            </a:r>
+          </a:p>
+          <a:p>
+            <a:endParaRPr lang="en-US" sz="2400" dirty="0"/>
+          </a:p>
+          <a:p>
+            <a:r>
+              <a:rPr lang="en-US" sz="2400" b="1" dirty="0"/>
+              <a:t>Interpret Results </a:t>
+            </a:r>
+            <a:r>
+              <a:rPr lang="en-US" sz="2400" dirty="0"/>
+              <a:t>– This stage involves the application of the decision rule described in the analysis plan</a:t>
             </a:r>
           </a:p>
         </p:txBody>
@@ -4553,7 +5352,7 @@
         <p:spPr>
           <a:xfrm>
             <a:off x="1166948" y="815294"/>
-            <a:ext cx="9144000" cy="5498419"/>
+            <a:ext cx="9144000" cy="5762151"/>
           </a:xfrm>
         </p:spPr>
         <p:txBody>
@@ -4562,108 +5361,19 @@
           </a:bodyPr>
           <a:lstStyle/>
           <a:p>
-            <a:pPr marL="457200" indent="-457200" algn="l">
-              <a:buFont typeface="Arial" panose="020B0604020202020204" pitchFamily="34" charset="0"/>
-              <a:buChar char="•"/>
-            </a:pPr>
-            <a:r>
-              <a:rPr lang="en-US" sz="3300" dirty="0" smtClean="0"/>
-              <a:t>Regression</a:t>
-            </a:r>
-          </a:p>
-          <a:p>
-            <a:pPr marL="457200" indent="-457200" algn="l">
-              <a:buFont typeface="Arial" panose="020B0604020202020204" pitchFamily="34" charset="0"/>
-              <a:buChar char="•"/>
-            </a:pPr>
-            <a:r>
-              <a:rPr lang="en-US" sz="3300" dirty="0" smtClean="0"/>
-              <a:t>Linear </a:t>
-            </a:r>
-            <a:r>
-              <a:rPr lang="en-US" sz="3300" dirty="0"/>
-              <a:t>vs Logistic </a:t>
-            </a:r>
-            <a:r>
-              <a:rPr lang="en-US" sz="3300" dirty="0" smtClean="0"/>
-              <a:t>Regression</a:t>
-            </a:r>
-          </a:p>
-          <a:p>
-            <a:pPr marL="457200" indent="-457200" algn="l">
-              <a:buFont typeface="Arial" panose="020B0604020202020204" pitchFamily="34" charset="0"/>
-              <a:buChar char="•"/>
-            </a:pPr>
-            <a:r>
-              <a:rPr lang="en-US" sz="3300" dirty="0" smtClean="0"/>
-              <a:t>Understanding </a:t>
-            </a:r>
-            <a:r>
-              <a:rPr lang="en-US" sz="3300" dirty="0"/>
-              <a:t>Linear Regression </a:t>
-            </a:r>
-            <a:r>
-              <a:rPr lang="en-US" sz="3300" dirty="0" smtClean="0"/>
-              <a:t>Algorithm</a:t>
-            </a:r>
-          </a:p>
-          <a:p>
-            <a:pPr marL="457200" indent="-457200" algn="l">
-              <a:buFont typeface="Arial" panose="020B0604020202020204" pitchFamily="34" charset="0"/>
-              <a:buChar char="•"/>
-            </a:pPr>
-            <a:r>
-              <a:rPr lang="en-US" sz="3300" dirty="0" smtClean="0"/>
-              <a:t>Logistic </a:t>
-            </a:r>
-            <a:r>
-              <a:rPr lang="en-US" sz="3300" dirty="0"/>
-              <a:t>Regression </a:t>
-            </a:r>
-            <a:r>
-              <a:rPr lang="en-US" sz="3300" dirty="0" smtClean="0"/>
-              <a:t>Curve</a:t>
-            </a:r>
-          </a:p>
-          <a:p>
-            <a:pPr marL="457200" indent="-457200" algn="l">
-              <a:buFont typeface="Arial" panose="020B0604020202020204" pitchFamily="34" charset="0"/>
-              <a:buChar char="•"/>
-            </a:pPr>
-            <a:r>
-              <a:rPr lang="en-US" sz="3300" dirty="0" smtClean="0"/>
-              <a:t>Titanic </a:t>
-            </a:r>
-            <a:r>
-              <a:rPr lang="en-US" sz="3300" dirty="0"/>
-              <a:t>Data </a:t>
-            </a:r>
-            <a:r>
-              <a:rPr lang="en-US" sz="3300" dirty="0" smtClean="0"/>
-              <a:t>Analysis</a:t>
-            </a:r>
-          </a:p>
-          <a:p>
-            <a:pPr marL="457200" indent="-457200" algn="l">
-              <a:buFont typeface="Arial" panose="020B0604020202020204" pitchFamily="34" charset="0"/>
-              <a:buChar char="•"/>
-            </a:pPr>
-            <a:r>
-              <a:rPr lang="en-US" sz="3300" dirty="0" smtClean="0"/>
-              <a:t>Decision </a:t>
-            </a:r>
-            <a:r>
-              <a:rPr lang="en-US" sz="3300" dirty="0"/>
-              <a:t>Tree </a:t>
-            </a:r>
-          </a:p>
-          <a:p>
             <a:pPr algn="l"/>
             <a:r>
-              <a:rPr lang="en-US" sz="6200" dirty="0" smtClean="0"/>
+              <a:rPr lang="en-US" sz="6200" dirty="0"/>
               <a:t> </a:t>
             </a:r>
+          </a:p>
+          <a:p>
+            <a:pPr algn="l"/>
             <a:endParaRPr lang="en-US" sz="6200" dirty="0"/>
+          </a:p>
+          <a:p>
+            <a:pPr algn="l"/>
+            <a:endParaRPr lang="en-US" dirty="0"/>
           </a:p>
         </p:txBody>
       </p:sp>
@@ -4690,20 +5400,207 @@
           <a:lstStyle/>
           <a:p>
             <a:r>
-              <a:rPr lang="en-US" sz="3200" dirty="0" smtClean="0"/>
-              <a:t>Class-3</a:t>
-            </a:r>
-            <a:r>
               <a:rPr lang="en-US" sz="3200" dirty="0"/>
-              <a:t>: Supervised Learning Algorithms</a:t>
-            </a:r>
-          </a:p>
-        </p:txBody>
-      </p:sp>
+              <a:t>Class-2: Hypothesis Testing Example</a:t>
+            </a:r>
+          </a:p>
+        </p:txBody>
+      </p:sp>
+      <p:sp>
+        <p:nvSpPr>
+          <p:cNvPr id="2" name="TextBox 1">
+            <a:extLst>
+              <a:ext uri="{FF2B5EF4-FFF2-40B4-BE49-F238E27FC236}">
+                <a16:creationId xmlns:a16="http://schemas.microsoft.com/office/drawing/2014/main" id="{02B1107E-9FB5-4394-858F-D671E70E3F5F}"/>
+              </a:ext>
+            </a:extLst>
+          </p:cNvPr>
+          <p:cNvSpPr txBox="1"/>
+          <p:nvPr/>
+        </p:nvSpPr>
+        <p:spPr>
+          <a:xfrm>
+            <a:off x="410308" y="1002805"/>
+            <a:ext cx="10614744" cy="830997"/>
+          </a:xfrm>
+          <a:prstGeom prst="rect">
+            <a:avLst/>
+          </a:prstGeom>
+          <a:noFill/>
+        </p:spPr>
+        <p:txBody>
+          <a:bodyPr wrap="square" rtlCol="0">
+            <a:spAutoFit/>
+          </a:bodyPr>
+          <a:lstStyle/>
+          <a:p>
+            <a:r>
+              <a:rPr lang="en-US" sz="2400" dirty="0"/>
+              <a:t>4 members : Nick, John, Bob and Harry to draw for cleaning room</a:t>
+            </a:r>
+          </a:p>
+          <a:p>
+            <a:r>
+              <a:rPr lang="en-US" sz="2400" dirty="0"/>
+              <a:t>John was able to draw and not to clean the room for many times.  </a:t>
+            </a:r>
+          </a:p>
+        </p:txBody>
+      </p:sp>
+      <p:sp>
+        <p:nvSpPr>
+          <p:cNvPr id="4" name="TextBox 3">
+            <a:extLst>
+              <a:ext uri="{FF2B5EF4-FFF2-40B4-BE49-F238E27FC236}">
+                <a16:creationId xmlns:a16="http://schemas.microsoft.com/office/drawing/2014/main" id="{7DEC8FCC-8337-4766-B0A8-DCDEA8192932}"/>
+              </a:ext>
+            </a:extLst>
+          </p:cNvPr>
+          <p:cNvSpPr txBox="1"/>
+          <p:nvPr/>
+        </p:nvSpPr>
+        <p:spPr>
+          <a:xfrm>
+            <a:off x="410308" y="1803543"/>
+            <a:ext cx="11605846" cy="4524315"/>
+          </a:xfrm>
+          <a:prstGeom prst="rect">
+            <a:avLst/>
+          </a:prstGeom>
+          <a:noFill/>
+        </p:spPr>
+        <p:txBody>
+          <a:bodyPr wrap="square" rtlCol="0">
+            <a:spAutoFit/>
+          </a:bodyPr>
+          <a:lstStyle/>
+          <a:p>
+            <a:r>
+              <a:rPr lang="en-US" sz="2400" b="1" dirty="0"/>
+              <a:t>State the Hypotheses </a:t>
+            </a:r>
+            <a:r>
+              <a:rPr lang="en-US" sz="2400" dirty="0"/>
+              <a:t>– what is the probability that John is not cheating</a:t>
+            </a:r>
+          </a:p>
+          <a:p>
+            <a:endParaRPr lang="en-US" sz="2400" dirty="0"/>
+          </a:p>
+          <a:p>
+            <a:r>
+              <a:rPr lang="en-US" sz="2400" b="1" dirty="0"/>
+              <a:t>Formulate an Analysis Plan </a:t>
+            </a:r>
+            <a:r>
+              <a:rPr lang="en-US" sz="2400" dirty="0"/>
+              <a:t>– This stage involves the construction of an analysis plan:</a:t>
+            </a:r>
+          </a:p>
+          <a:p>
+            <a:pPr lvl="1"/>
+            <a:r>
+              <a:rPr lang="en-US" sz="2400" dirty="0"/>
+              <a:t>P(John not picked for a day) = ¾</a:t>
+            </a:r>
+          </a:p>
+          <a:p>
+            <a:pPr lvl="1"/>
+            <a:r>
+              <a:rPr lang="en-US" sz="2400" dirty="0"/>
+              <a:t>P(John not picked for 3 days) = ¾ X ¾ X ¾ =  .42 = 42%</a:t>
+            </a:r>
+          </a:p>
+          <a:p>
+            <a:pPr lvl="1"/>
+            <a:r>
+              <a:rPr lang="en-US" sz="2400" dirty="0"/>
+              <a:t>P(John not picked for 12 days) = (3/4)**12 = 0.032</a:t>
+            </a:r>
+          </a:p>
+          <a:p>
+            <a:endParaRPr lang="en-US" sz="2400" dirty="0"/>
+          </a:p>
+          <a:p>
+            <a:r>
+              <a:rPr lang="en-US" sz="2400" b="1" dirty="0"/>
+              <a:t>Analyze Sample Data </a:t>
+            </a:r>
+            <a:r>
+              <a:rPr lang="en-US" sz="2400" dirty="0"/>
+              <a:t>– This stage involves the calculation and interpretation of the test statistic as described in the analysis plan</a:t>
+            </a:r>
+          </a:p>
+          <a:p>
+            <a:pPr algn="ctr"/>
+            <a:r>
+              <a:rPr lang="en-US" sz="2400" dirty="0"/>
+              <a:t>Probability of Event &lt; .05 (5%)</a:t>
+            </a:r>
+          </a:p>
+          <a:p>
+            <a:r>
+              <a:rPr lang="en-US" sz="2400" b="1" dirty="0"/>
+              <a:t>Interpret Results </a:t>
+            </a:r>
+            <a:r>
+              <a:rPr lang="en-US" sz="2400" dirty="0"/>
+              <a:t>– This stage involves the application of the decision rule described in the analysis plan</a:t>
+            </a:r>
+          </a:p>
+        </p:txBody>
+      </p:sp>
+      <p:pic>
+        <p:nvPicPr>
+          <p:cNvPr id="2050" name="Picture 2" descr="Amazon.com: AtHomeBaking Stainless steel mixing bowl - 8 inch bowl - 3  Quart - Mixing bowls - baking bowls: Kitchen &amp; Dining">
+            <a:extLst>
+              <a:ext uri="{FF2B5EF4-FFF2-40B4-BE49-F238E27FC236}">
+                <a16:creationId xmlns:a16="http://schemas.microsoft.com/office/drawing/2014/main" id="{18F47A62-1033-4A8F-AFEF-E9FF73C23F8F}"/>
+              </a:ext>
+            </a:extLst>
+          </p:cNvPr>
+          <p:cNvPicPr>
+            <a:picLocks noChangeAspect="1" noChangeArrowheads="1"/>
+          </p:cNvPicPr>
+          <p:nvPr/>
+        </p:nvPicPr>
+        <p:blipFill>
+          <a:blip r:embed="rId2">
+            <a:extLst>
+              <a:ext uri="{28A0092B-C50C-407E-A947-70E740481C1C}">
+                <a14:useLocalDpi xmlns:a14="http://schemas.microsoft.com/office/drawing/2010/main" val="0"/>
+              </a:ext>
+            </a:extLst>
+          </a:blip>
+          <a:srcRect/>
+          <a:stretch>
+            <a:fillRect/>
+          </a:stretch>
+        </p:blipFill>
+        <p:spPr bwMode="auto">
+          <a:xfrm>
+            <a:off x="9462899" y="297760"/>
+            <a:ext cx="1760429" cy="1330557"/>
+          </a:xfrm>
+          <a:prstGeom prst="rect">
+            <a:avLst/>
+          </a:prstGeom>
+          <a:noFill/>
+          <a:extLst>
+            <a:ext uri="{909E8E84-426E-40DD-AFC4-6F175D3DCCD1}">
+              <a14:hiddenFill xmlns:a14="http://schemas.microsoft.com/office/drawing/2010/main">
+                <a:solidFill>
+                  <a:srgbClr val="FFFFFF"/>
+                </a:solidFill>
+              </a14:hiddenFill>
+            </a:ext>
+          </a:extLst>
+        </p:spPr>
+      </p:pic>
     </p:spTree>
     <p:extLst>
       <p:ext uri="{BB962C8B-B14F-4D97-AF65-F5344CB8AC3E}">
-        <p14:creationId xmlns:p14="http://schemas.microsoft.com/office/powerpoint/2010/main" val="2339844009"/>
+        <p14:creationId xmlns:p14="http://schemas.microsoft.com/office/powerpoint/2010/main" val="3954899120"/>
       </p:ext>
     </p:extLst>
   </p:cSld>
@@ -4742,8 +5639,8 @@
         </p:nvSpPr>
         <p:spPr>
           <a:xfrm>
-            <a:off x="1166948" y="815294"/>
-            <a:ext cx="9144000" cy="5498419"/>
+            <a:off x="254568" y="2719754"/>
+            <a:ext cx="2347955" cy="3593959"/>
           </a:xfrm>
         </p:spPr>
         <p:txBody>
@@ -4752,71 +5649,31 @@
           </a:bodyPr>
           <a:lstStyle/>
           <a:p>
-            <a:pPr marL="457200" indent="-457200" algn="l">
+            <a:pPr algn="l"/>
+            <a:r>
+              <a:rPr lang="en-US" dirty="0"/>
+              <a:t>Training and Testing</a:t>
+            </a:r>
+          </a:p>
+          <a:p>
+            <a:pPr marL="857250" indent="-857250" algn="l">
               <a:buFont typeface="Arial" panose="020B0604020202020204" pitchFamily="34" charset="0"/>
               <a:buChar char="•"/>
             </a:pPr>
-            <a:r>
-              <a:rPr lang="en-US" sz="3200" dirty="0" smtClean="0"/>
-              <a:t>What </a:t>
-            </a:r>
-            <a:r>
-              <a:rPr lang="en-US" sz="3200" dirty="0"/>
-              <a:t>is Classification? </a:t>
-            </a:r>
-          </a:p>
-          <a:p>
-            <a:pPr marL="457200" indent="-457200" algn="l">
+            <a:endParaRPr lang="en-US" sz="4300" dirty="0"/>
+          </a:p>
+          <a:p>
+            <a:pPr marL="857250" indent="-857250" algn="l">
               <a:buFont typeface="Arial" panose="020B0604020202020204" pitchFamily="34" charset="0"/>
               <a:buChar char="•"/>
             </a:pPr>
-            <a:r>
-              <a:rPr lang="en-US" sz="3200" dirty="0"/>
-              <a:t>Types of Classification </a:t>
-            </a:r>
-          </a:p>
-          <a:p>
-            <a:pPr marL="457200" indent="-457200" algn="l">
-              <a:buFont typeface="Arial" panose="020B0604020202020204" pitchFamily="34" charset="0"/>
-              <a:buChar char="•"/>
-            </a:pPr>
-            <a:r>
-              <a:rPr lang="en-US" sz="3200" dirty="0"/>
-              <a:t>Decision Tree </a:t>
-            </a:r>
-          </a:p>
-          <a:p>
-            <a:pPr marL="457200" indent="-457200" algn="l">
-              <a:buFont typeface="Arial" panose="020B0604020202020204" pitchFamily="34" charset="0"/>
-              <a:buChar char="•"/>
-            </a:pPr>
-            <a:r>
-              <a:rPr lang="en-US" sz="3200" dirty="0"/>
-              <a:t>Decision Tree Terminologies </a:t>
-            </a:r>
-          </a:p>
-          <a:p>
-            <a:pPr marL="457200" indent="-457200" algn="l">
-              <a:buFont typeface="Arial" panose="020B0604020202020204" pitchFamily="34" charset="0"/>
-              <a:buChar char="•"/>
-            </a:pPr>
-            <a:r>
-              <a:rPr lang="en-US" sz="3200" dirty="0"/>
-              <a:t>Entropy </a:t>
-            </a:r>
-          </a:p>
-          <a:p>
-            <a:pPr marL="457200" indent="-457200" algn="l">
-              <a:buFont typeface="Arial" panose="020B0604020202020204" pitchFamily="34" charset="0"/>
-              <a:buChar char="•"/>
-            </a:pPr>
-            <a:r>
-              <a:rPr lang="en-US" sz="3200" dirty="0"/>
-              <a:t>Credit Risk Detection Use-case</a:t>
-            </a:r>
-            <a:r>
-              <a:rPr lang="en-US" sz="3300" dirty="0"/>
-              <a:t> </a:t>
+            <a:endParaRPr lang="en-US" sz="4300" dirty="0"/>
+          </a:p>
+          <a:p>
+            <a:pPr algn="l"/>
+            <a:r>
+              <a:rPr lang="en-US" dirty="0"/>
+              <a:t>Prediction</a:t>
             </a:r>
           </a:p>
         </p:txBody>
@@ -4844,20 +5701,46 @@
           <a:lstStyle/>
           <a:p>
             <a:r>
-              <a:rPr lang="en-US" sz="3200" dirty="0" smtClean="0"/>
-              <a:t>Class-3</a:t>
-            </a:r>
-            <a:r>
               <a:rPr lang="en-US" sz="3200" dirty="0"/>
-              <a:t>: Supervised Learning Algorithms</a:t>
-            </a:r>
-          </a:p>
-        </p:txBody>
-      </p:sp>
+              <a:t>Class-3: Supervised Learning Algorithms</a:t>
+            </a:r>
+          </a:p>
+        </p:txBody>
+      </p:sp>
+      <p:pic>
+        <p:nvPicPr>
+          <p:cNvPr id="2" name="Picture 1">
+            <a:extLst>
+              <a:ext uri="{FF2B5EF4-FFF2-40B4-BE49-F238E27FC236}">
+                <a16:creationId xmlns:a16="http://schemas.microsoft.com/office/drawing/2014/main" id="{28A08EFC-25F4-4D29-8C70-A8EA027C5C43}"/>
+              </a:ext>
+            </a:extLst>
+          </p:cNvPr>
+          <p:cNvPicPr>
+            <a:picLocks noChangeAspect="1"/>
+          </p:cNvPicPr>
+          <p:nvPr/>
+        </p:nvPicPr>
+        <p:blipFill>
+          <a:blip r:embed="rId2"/>
+          <a:stretch>
+            <a:fillRect/>
+          </a:stretch>
+        </p:blipFill>
+        <p:spPr>
+          <a:xfrm>
+            <a:off x="2309446" y="728660"/>
+            <a:ext cx="9743338" cy="6010275"/>
+          </a:xfrm>
+          <a:prstGeom prst="rect">
+            <a:avLst/>
+          </a:prstGeom>
+        </p:spPr>
+      </p:pic>
     </p:spTree>
     <p:extLst>
       <p:ext uri="{BB962C8B-B14F-4D97-AF65-F5344CB8AC3E}">
-        <p14:creationId xmlns:p14="http://schemas.microsoft.com/office/powerpoint/2010/main" val="406235811"/>
+        <p14:creationId xmlns:p14="http://schemas.microsoft.com/office/powerpoint/2010/main" val="2079068304"/>
       </p:ext>
     </p:extLst>
   </p:cSld>
@@ -4902,126 +5785,88 @@
         </p:spPr>
         <p:txBody>
           <a:bodyPr>
-            <a:normAutofit fontScale="32500" lnSpcReduction="20000"/>
+            <a:normAutofit/>
           </a:bodyPr>
           <a:lstStyle/>
           <a:p>
+            <a:pPr marL="457200" indent="-457200" algn="l">
+              <a:buFont typeface="Arial" panose="020B0604020202020204" pitchFamily="34" charset="0"/>
+              <a:buChar char="•"/>
+            </a:pPr>
+            <a:r>
+              <a:rPr lang="en-US" sz="3300" dirty="0"/>
+              <a:t>Regression</a:t>
+            </a:r>
+          </a:p>
+          <a:p>
+            <a:pPr marL="457200" indent="-457200" algn="l">
+              <a:buFont typeface="Arial" panose="020B0604020202020204" pitchFamily="34" charset="0"/>
+              <a:buChar char="•"/>
+            </a:pPr>
+            <a:r>
+              <a:rPr lang="en-US" sz="3300" dirty="0"/>
+              <a:t>Linear vs Logistic Regression</a:t>
+            </a:r>
+          </a:p>
+          <a:p>
+            <a:pPr marL="457200" indent="-457200" algn="l">
+              <a:buFont typeface="Arial" panose="020B0604020202020204" pitchFamily="34" charset="0"/>
+              <a:buChar char="•"/>
+            </a:pPr>
+            <a:r>
+              <a:rPr lang="en-US" sz="3300" dirty="0"/>
+              <a:t>Understanding Linear Regression Algorithm</a:t>
+            </a:r>
+          </a:p>
+          <a:p>
+            <a:pPr marL="457200" indent="-457200" algn="l">
+              <a:buFont typeface="Arial" panose="020B0604020202020204" pitchFamily="34" charset="0"/>
+              <a:buChar char="•"/>
+            </a:pPr>
+            <a:r>
+              <a:rPr lang="en-US" sz="3300" dirty="0"/>
+              <a:t>Logistic Regression Curve</a:t>
+            </a:r>
+          </a:p>
+          <a:p>
+            <a:pPr marL="457200" indent="-457200" algn="l">
+              <a:buFont typeface="Arial" panose="020B0604020202020204" pitchFamily="34" charset="0"/>
+              <a:buChar char="•"/>
+            </a:pPr>
+            <a:r>
+              <a:rPr lang="en-US" sz="3300" dirty="0"/>
+              <a:t>Titanic Data Analysis</a:t>
+            </a:r>
+          </a:p>
+          <a:p>
+            <a:pPr marL="457200" indent="-457200" algn="l">
+              <a:buFont typeface="Arial" panose="020B0604020202020204" pitchFamily="34" charset="0"/>
+              <a:buChar char="•"/>
+            </a:pPr>
+            <a:r>
+              <a:rPr lang="en-US" sz="3300" dirty="0"/>
+              <a:t>Decision Tree </a:t>
+            </a:r>
+          </a:p>
+          <a:p>
             <a:pPr algn="l"/>
             <a:r>
               <a:rPr lang="en-US" sz="6200" dirty="0"/>
-              <a:t>Random Forest </a:t>
-            </a:r>
-          </a:p>
-          <a:p>
-            <a:pPr algn="l"/>
-            <a:r>
-              <a:rPr lang="en-US" sz="6200" dirty="0"/>
-              <a:t>Random Forest Use-Cases </a:t>
-            </a:r>
-          </a:p>
-          <a:p>
-            <a:pPr algn="l"/>
-            <a:r>
-              <a:rPr lang="en-US" sz="6200" dirty="0"/>
-              <a:t>Random Forest Algorithm </a:t>
-            </a:r>
-          </a:p>
-          <a:p>
-            <a:pPr algn="l"/>
-            <a:r>
-              <a:rPr lang="en-US" sz="6200" dirty="0"/>
-              <a:t>KNN Algorithm </a:t>
-            </a:r>
-          </a:p>
-          <a:p>
-            <a:pPr algn="l"/>
-            <a:r>
-              <a:rPr lang="en-US" sz="6200" dirty="0"/>
-              <a:t>KNN Algorithm Working </a:t>
-            </a:r>
-          </a:p>
-          <a:p>
-            <a:pPr algn="l"/>
-            <a:r>
-              <a:rPr lang="en-US" sz="6200" dirty="0"/>
-              <a:t>KNN Demo </a:t>
-            </a:r>
-          </a:p>
-          <a:p>
-            <a:pPr algn="l"/>
-            <a:r>
-              <a:rPr lang="en-US" sz="6200" dirty="0"/>
-              <a:t>Naive Bayes </a:t>
-            </a:r>
-          </a:p>
-          <a:p>
-            <a:pPr algn="l"/>
-            <a:r>
-              <a:rPr lang="en-US" sz="6200" dirty="0"/>
-              <a:t>Naive Bayes Working </a:t>
-            </a:r>
-          </a:p>
-          <a:p>
-            <a:pPr algn="l"/>
-            <a:r>
-              <a:rPr lang="en-US" sz="6200" dirty="0"/>
-              <a:t>Industrial Use of Naive Bayes </a:t>
-            </a:r>
-          </a:p>
-          <a:p>
-            <a:pPr algn="l"/>
-            <a:r>
-              <a:rPr lang="en-US" sz="6200" dirty="0"/>
-              <a:t>Types of Naive Bayes </a:t>
-            </a:r>
-          </a:p>
-          <a:p>
-            <a:pPr algn="l"/>
-            <a:r>
-              <a:rPr lang="en-US" sz="6200" dirty="0"/>
-              <a:t>Steps involved in Naive Bayes </a:t>
-            </a:r>
-          </a:p>
-          <a:p>
-            <a:pPr algn="l"/>
-            <a:r>
-              <a:rPr lang="en-US" sz="6200" dirty="0"/>
-              <a:t>PIMA Diabetic Test Use Case </a:t>
-            </a:r>
-          </a:p>
-          <a:p>
-            <a:pPr algn="l"/>
-            <a:r>
-              <a:rPr lang="en-US" sz="6200" dirty="0"/>
-              <a:t>Support Vector Machine </a:t>
-            </a:r>
-          </a:p>
-          <a:p>
-            <a:pPr algn="l"/>
-            <a:r>
-              <a:rPr lang="en-US" sz="6200" dirty="0"/>
-              <a:t>Non-Linear SVM </a:t>
-            </a:r>
-          </a:p>
-          <a:p>
-            <a:pPr algn="l"/>
-            <a:r>
-              <a:rPr lang="en-US" sz="6200" dirty="0"/>
-              <a:t>SVM Use-case </a:t>
-            </a:r>
-          </a:p>
-        </p:txBody>
-      </p:sp>
-      <p:sp>
-        <p:nvSpPr>
-          <p:cNvPr id="4" name="TextBox 3"/>
+              <a:t> </a:t>
+            </a:r>
+          </a:p>
+        </p:txBody>
+      </p:sp>
+      <p:sp>
+        <p:nvSpPr>
+          <p:cNvPr id="5" name="TextBox 4"/>
           <p:cNvSpPr txBox="1"/>
           <p:nvPr/>
         </p:nvSpPr>
         <p:spPr>
           <a:xfrm>
-            <a:off x="522514" y="217714"/>
-            <a:ext cx="936154" cy="369332"/>
+            <a:off x="254568" y="147547"/>
+            <a:ext cx="10968760" cy="584775"/>
           </a:xfrm>
           <a:prstGeom prst="rect">
             <a:avLst/>
@@ -5029,14 +5874,14 @@
           <a:noFill/>
         </p:spPr>
         <p:txBody>
-          <a:bodyPr wrap="none" rtlCol="0">
+          <a:bodyPr wrap="square" rtlCol="0">
             <a:spAutoFit/>
           </a:bodyPr>
           <a:lstStyle/>
           <a:p>
             <a:r>
-              <a:rPr lang="en-US" dirty="0"/>
-              <a:t>Content</a:t>
+              <a:rPr lang="en-US" sz="3200" dirty="0"/>
+              <a:t>Class-3: Supervised Learning Algorithms</a:t>
             </a:r>
           </a:p>
         </p:txBody>
@@ -5044,7 +5889,7 @@
     </p:spTree>
     <p:extLst>
       <p:ext uri="{BB962C8B-B14F-4D97-AF65-F5344CB8AC3E}">
-        <p14:creationId xmlns:p14="http://schemas.microsoft.com/office/powerpoint/2010/main" val="3761855347"/>
+        <p14:creationId xmlns:p14="http://schemas.microsoft.com/office/powerpoint/2010/main" val="2339844009"/>
       </p:ext>
     </p:extLst>
   </p:cSld>
@@ -5089,131 +5934,85 @@
         </p:spPr>
         <p:txBody>
           <a:bodyPr>
-            <a:normAutofit fontScale="32500" lnSpcReduction="20000"/>
+            <a:normAutofit/>
           </a:bodyPr>
           <a:lstStyle/>
           <a:p>
-            <a:pPr algn="l"/>
-            <a:r>
-              <a:rPr lang="en-US" sz="6200" dirty="0"/>
-              <a:t>K-Means Clustering &amp; Association Rule Mining </a:t>
-            </a:r>
-          </a:p>
-          <a:p>
-            <a:pPr algn="l"/>
-            <a:r>
-              <a:rPr lang="en-US" sz="6200" dirty="0"/>
-              <a:t>Types of Clustering </a:t>
-            </a:r>
-          </a:p>
-          <a:p>
-            <a:pPr algn="l"/>
-            <a:r>
-              <a:rPr lang="en-US" sz="6200" dirty="0"/>
-              <a:t>K-Means Clustering </a:t>
-            </a:r>
-          </a:p>
-          <a:p>
-            <a:pPr algn="l"/>
-            <a:r>
-              <a:rPr lang="en-US" sz="6200" dirty="0"/>
-              <a:t>K-Means Working </a:t>
-            </a:r>
-          </a:p>
-          <a:p>
-            <a:pPr algn="l"/>
-            <a:r>
-              <a:rPr lang="en-US" sz="6200" dirty="0"/>
-              <a:t>Pros &amp; Cons of K-Means Clustering </a:t>
-            </a:r>
-          </a:p>
-          <a:p>
-            <a:pPr algn="l"/>
-            <a:r>
-              <a:rPr lang="en-US" sz="6200" dirty="0"/>
-              <a:t>K-Means Demo </a:t>
-            </a:r>
-          </a:p>
-          <a:p>
-            <a:pPr algn="l"/>
-            <a:r>
-              <a:rPr lang="en-US" sz="6200" dirty="0"/>
-              <a:t>Hierarchical Clustering </a:t>
-            </a:r>
-          </a:p>
-          <a:p>
-            <a:pPr algn="l"/>
-            <a:r>
-              <a:rPr lang="en-US" sz="6200" dirty="0"/>
-              <a:t>Association Rule Mining </a:t>
-            </a:r>
-          </a:p>
-          <a:p>
-            <a:pPr algn="l"/>
-            <a:r>
-              <a:rPr lang="en-US" sz="6200" dirty="0" err="1"/>
-              <a:t>Apriori</a:t>
-            </a:r>
-            <a:r>
-              <a:rPr lang="en-US" sz="6200" dirty="0"/>
-              <a:t> Algorithm </a:t>
-            </a:r>
-          </a:p>
-          <a:p>
-            <a:pPr algn="l"/>
-            <a:r>
-              <a:rPr lang="en-US" sz="6200" dirty="0" err="1"/>
-              <a:t>Apriori</a:t>
-            </a:r>
-            <a:r>
-              <a:rPr lang="en-US" sz="6200" dirty="0"/>
-              <a:t> Algorithm Demo </a:t>
-            </a:r>
-          </a:p>
-          <a:p>
-            <a:pPr algn="l"/>
-            <a:r>
-              <a:rPr lang="en-US" sz="6200" dirty="0"/>
-              <a:t>Reinforcement Learning </a:t>
-            </a:r>
-          </a:p>
-          <a:p>
-            <a:pPr algn="l"/>
-            <a:r>
-              <a:rPr lang="en-US" sz="6200" dirty="0"/>
-              <a:t>	Reinforcement Learning: Counter-Strike Example </a:t>
-            </a:r>
-          </a:p>
-          <a:p>
-            <a:pPr algn="l"/>
-            <a:r>
-              <a:rPr lang="en-US" sz="6200" dirty="0"/>
-              <a:t>Markov's Decision Process </a:t>
-            </a:r>
-          </a:p>
-          <a:p>
-            <a:pPr algn="l"/>
-            <a:r>
-              <a:rPr lang="en-US" sz="6600" dirty="0"/>
-              <a:t/>
-            </a:r>
-            <a:br>
-              <a:rPr lang="en-US" sz="6600" dirty="0"/>
-            </a:br>
-            <a:endParaRPr lang="en-US" sz="6600" dirty="0"/>
-          </a:p>
-        </p:txBody>
-      </p:sp>
-      <p:sp>
-        <p:nvSpPr>
-          <p:cNvPr id="4" name="TextBox 3"/>
+            <a:pPr marL="457200" indent="-457200" algn="l">
+              <a:buFont typeface="Arial" panose="020B0604020202020204" pitchFamily="34" charset="0"/>
+              <a:buChar char="•"/>
+            </a:pPr>
+            <a:r>
+              <a:rPr lang="en-US" sz="3200" dirty="0"/>
+              <a:t>What is Classification? </a:t>
+            </a:r>
+          </a:p>
+          <a:p>
+            <a:pPr marL="457200" indent="-457200" algn="l">
+              <a:buFont typeface="Arial" panose="020B0604020202020204" pitchFamily="34" charset="0"/>
+              <a:buChar char="•"/>
+            </a:pPr>
+            <a:r>
+              <a:rPr lang="en-US" sz="3200" dirty="0"/>
+              <a:t>Types of Classification </a:t>
+            </a:r>
+          </a:p>
+          <a:p>
+            <a:pPr marL="457200" indent="-457200" algn="l">
+              <a:buFont typeface="Arial" panose="020B0604020202020204" pitchFamily="34" charset="0"/>
+              <a:buChar char="•"/>
+            </a:pPr>
+            <a:r>
+              <a:rPr lang="en-US" sz="3200" dirty="0"/>
+              <a:t>Decision Tree </a:t>
+            </a:r>
+          </a:p>
+          <a:p>
+            <a:pPr marL="457200" indent="-457200" algn="l">
+              <a:buFont typeface="Arial" panose="020B0604020202020204" pitchFamily="34" charset="0"/>
+              <a:buChar char="•"/>
+            </a:pPr>
+            <a:r>
+              <a:rPr lang="en-US" sz="3200" dirty="0"/>
+              <a:t>Decision Tree Terminologies </a:t>
+            </a:r>
+          </a:p>
+          <a:p>
+            <a:pPr marL="457200" indent="-457200" algn="l">
+              <a:buFont typeface="Arial" panose="020B0604020202020204" pitchFamily="34" charset="0"/>
+              <a:buChar char="•"/>
+            </a:pPr>
+            <a:r>
+              <a:rPr lang="en-US" sz="3200" dirty="0"/>
+              <a:t>Entropy </a:t>
+            </a:r>
+          </a:p>
+          <a:p>
+            <a:pPr marL="457200" indent="-457200" algn="l">
+              <a:buFont typeface="Arial" panose="020B0604020202020204" pitchFamily="34" charset="0"/>
+              <a:buChar char="•"/>
+            </a:pPr>
+            <a:r>
+              <a:rPr lang="en-US" sz="3200" dirty="0"/>
+              <a:t>Credit Risk Detection Use-case</a:t>
+            </a:r>
+            <a:r>
+              <a:rPr lang="en-US" sz="3300" dirty="0"/>
+              <a:t> </a:t>
+            </a:r>
+          </a:p>
+        </p:txBody>
+      </p:sp>
+      <p:sp>
+        <p:nvSpPr>
+          <p:cNvPr id="5" name="TextBox 4"/>
           <p:cNvSpPr txBox="1"/>
           <p:nvPr/>
         </p:nvSpPr>
         <p:spPr>
           <a:xfrm>
-            <a:off x="522514" y="217714"/>
-            <a:ext cx="936154" cy="369332"/>
+            <a:off x="254568" y="147547"/>
+            <a:ext cx="10968760" cy="584775"/>
           </a:xfrm>
           <a:prstGeom prst="rect">
             <a:avLst/>
@@ -5221,14 +6020,14 @@
           <a:noFill/>
         </p:spPr>
         <p:txBody>
-          <a:bodyPr wrap="none" rtlCol="0">
+          <a:bodyPr wrap="square" rtlCol="0">
             <a:spAutoFit/>
           </a:bodyPr>
           <a:lstStyle/>
           <a:p>
             <a:r>
-              <a:rPr lang="en-US" dirty="0"/>
-              <a:t>Content</a:t>
+              <a:rPr lang="en-US" sz="3200" dirty="0"/>
+              <a:t>Class-3: Supervised Learning Algorithms</a:t>
             </a:r>
           </a:p>
         </p:txBody>
@@ -5236,7 +6035,7 @@
     </p:spTree>
     <p:extLst>
       <p:ext uri="{BB962C8B-B14F-4D97-AF65-F5344CB8AC3E}">
-        <p14:creationId xmlns:p14="http://schemas.microsoft.com/office/powerpoint/2010/main" val="1344136077"/>
+        <p14:creationId xmlns:p14="http://schemas.microsoft.com/office/powerpoint/2010/main" val="406235811"/>
       </p:ext>
     </p:extLst>
   </p:cSld>
@@ -5516,6 +6315,381 @@
         </p:spPr>
         <p:txBody>
           <a:bodyPr>
+            <a:normAutofit fontScale="32500" lnSpcReduction="20000"/>
+          </a:bodyPr>
+          <a:lstStyle/>
+          <a:p>
+            <a:pPr algn="l"/>
+            <a:r>
+              <a:rPr lang="en-US" sz="6200" dirty="0"/>
+              <a:t>Random Forest </a:t>
+            </a:r>
+          </a:p>
+          <a:p>
+            <a:pPr algn="l"/>
+            <a:r>
+              <a:rPr lang="en-US" sz="6200" dirty="0"/>
+              <a:t>Random Forest Use-Cases </a:t>
+            </a:r>
+          </a:p>
+          <a:p>
+            <a:pPr algn="l"/>
+            <a:r>
+              <a:rPr lang="en-US" sz="6200" dirty="0"/>
+              <a:t>Random Forest Algorithm </a:t>
+            </a:r>
+          </a:p>
+          <a:p>
+            <a:pPr algn="l"/>
+            <a:r>
+              <a:rPr lang="en-US" sz="6200" dirty="0"/>
+              <a:t>KNN Algorithm </a:t>
+            </a:r>
+          </a:p>
+          <a:p>
+            <a:pPr algn="l"/>
+            <a:r>
+              <a:rPr lang="en-US" sz="6200" dirty="0"/>
+              <a:t>KNN Algorithm Working </a:t>
+            </a:r>
+          </a:p>
+          <a:p>
+            <a:pPr algn="l"/>
+            <a:r>
+              <a:rPr lang="en-US" sz="6200" dirty="0"/>
+              <a:t>KNN Demo </a:t>
+            </a:r>
+          </a:p>
+          <a:p>
+            <a:pPr algn="l"/>
+            <a:r>
+              <a:rPr lang="en-US" sz="6200" dirty="0"/>
+              <a:t>Naive Bayes </a:t>
+            </a:r>
+          </a:p>
+          <a:p>
+            <a:pPr algn="l"/>
+            <a:r>
+              <a:rPr lang="en-US" sz="6200" dirty="0"/>
+              <a:t>Naive Bayes Working </a:t>
+            </a:r>
+          </a:p>
+          <a:p>
+            <a:pPr algn="l"/>
+            <a:r>
+              <a:rPr lang="en-US" sz="6200" dirty="0"/>
+              <a:t>Industrial Use of Naive Bayes </a:t>
+            </a:r>
+          </a:p>
+          <a:p>
+            <a:pPr algn="l"/>
+            <a:r>
+              <a:rPr lang="en-US" sz="6200" dirty="0"/>
+              <a:t>Types of Naive Bayes </a:t>
+            </a:r>
+          </a:p>
+          <a:p>
+            <a:pPr algn="l"/>
+            <a:r>
+              <a:rPr lang="en-US" sz="6200" dirty="0"/>
+              <a:t>Steps involved in Naive Bayes </a:t>
+            </a:r>
+          </a:p>
+          <a:p>
+            <a:pPr algn="l"/>
+            <a:r>
+              <a:rPr lang="en-US" sz="6200" dirty="0"/>
+              <a:t>PIMA Diabetic Test Use Case </a:t>
+            </a:r>
+          </a:p>
+          <a:p>
+            <a:pPr algn="l"/>
+            <a:r>
+              <a:rPr lang="en-US" sz="6200" dirty="0"/>
+              <a:t>Support Vector Machine </a:t>
+            </a:r>
+          </a:p>
+          <a:p>
+            <a:pPr algn="l"/>
+            <a:r>
+              <a:rPr lang="en-US" sz="6200" dirty="0"/>
+              <a:t>Non-Linear SVM </a:t>
+            </a:r>
+          </a:p>
+          <a:p>
+            <a:pPr algn="l"/>
+            <a:r>
+              <a:rPr lang="en-US" sz="6200" dirty="0"/>
+              <a:t>SVM Use-case </a:t>
+            </a:r>
+          </a:p>
+        </p:txBody>
+      </p:sp>
+      <p:sp>
+        <p:nvSpPr>
+          <p:cNvPr id="4" name="TextBox 3"/>
+          <p:cNvSpPr txBox="1"/>
+          <p:nvPr/>
+        </p:nvSpPr>
+        <p:spPr>
+          <a:xfrm>
+            <a:off x="522514" y="217714"/>
+            <a:ext cx="936154" cy="369332"/>
+          </a:xfrm>
+          <a:prstGeom prst="rect">
+            <a:avLst/>
+          </a:prstGeom>
+          <a:noFill/>
+        </p:spPr>
+        <p:txBody>
+          <a:bodyPr wrap="none" rtlCol="0">
+            <a:spAutoFit/>
+          </a:bodyPr>
+          <a:lstStyle/>
+          <a:p>
+            <a:r>
+              <a:rPr lang="en-US" dirty="0"/>
+              <a:t>Content</a:t>
+            </a:r>
+          </a:p>
+        </p:txBody>
+      </p:sp>
+    </p:spTree>
+    <p:extLst>
+      <p:ext uri="{BB962C8B-B14F-4D97-AF65-F5344CB8AC3E}">
+        <p14:creationId xmlns:p14="http://schemas.microsoft.com/office/powerpoint/2010/main" val="3761855347"/>
+      </p:ext>
+    </p:extLst>
+  </p:cSld>
+  <p:clrMapOvr>
+    <a:masterClrMapping/>
+  </p:clrMapOvr>
+</p:sld>
+</file>
+
+<file path=ppt/slides/slide21.xml><?xml version="1.0" encoding="utf-8"?>
+<p:sld xmlns:a="http://schemas.openxmlformats.org/drawingml/2006/main" xmlns:r="http://schemas.openxmlformats.org/officeDocument/2006/relationships" xmlns:p="http://schemas.openxmlformats.org/presentationml/2006/main">
+  <p:cSld>
+    <p:spTree>
+      <p:nvGrpSpPr>
+        <p:cNvPr id="1" name=""/>
+        <p:cNvGrpSpPr/>
+        <p:nvPr/>
+      </p:nvGrpSpPr>
+      <p:grpSpPr>
+        <a:xfrm>
+          <a:off x="0" y="0"/>
+          <a:ext cx="0" cy="0"/>
+          <a:chOff x="0" y="0"/>
+          <a:chExt cx="0" cy="0"/>
+        </a:xfrm>
+      </p:grpSpPr>
+      <p:sp>
+        <p:nvSpPr>
+          <p:cNvPr id="3" name="Subtitle 2"/>
+          <p:cNvSpPr>
+            <a:spLocks noGrp="1"/>
+          </p:cNvSpPr>
+          <p:nvPr>
+            <p:ph type="subTitle" idx="1"/>
+          </p:nvPr>
+        </p:nvSpPr>
+        <p:spPr>
+          <a:xfrm>
+            <a:off x="1166948" y="815294"/>
+            <a:ext cx="9144000" cy="5498419"/>
+          </a:xfrm>
+        </p:spPr>
+        <p:txBody>
+          <a:bodyPr>
+            <a:normAutofit fontScale="32500" lnSpcReduction="20000"/>
+          </a:bodyPr>
+          <a:lstStyle/>
+          <a:p>
+            <a:pPr algn="l"/>
+            <a:r>
+              <a:rPr lang="en-US" sz="6200" dirty="0"/>
+              <a:t>K-Means Clustering &amp; Association Rule Mining </a:t>
+            </a:r>
+          </a:p>
+          <a:p>
+            <a:pPr algn="l"/>
+            <a:r>
+              <a:rPr lang="en-US" sz="6200" dirty="0"/>
+              <a:t>Types of Clustering </a:t>
+            </a:r>
+          </a:p>
+          <a:p>
+            <a:pPr algn="l"/>
+            <a:r>
+              <a:rPr lang="en-US" sz="6200" dirty="0"/>
+              <a:t>K-Means Clustering </a:t>
+            </a:r>
+          </a:p>
+          <a:p>
+            <a:pPr algn="l"/>
+            <a:r>
+              <a:rPr lang="en-US" sz="6200" dirty="0"/>
+              <a:t>K-Means Working </a:t>
+            </a:r>
+          </a:p>
+          <a:p>
+            <a:pPr algn="l"/>
+            <a:r>
+              <a:rPr lang="en-US" sz="6200" dirty="0"/>
+              <a:t>Pros &amp; Cons of K-Means Clustering </a:t>
+            </a:r>
+          </a:p>
+          <a:p>
+            <a:pPr algn="l"/>
+            <a:r>
+              <a:rPr lang="en-US" sz="6200" dirty="0"/>
+              <a:t>K-Means Demo </a:t>
+            </a:r>
+          </a:p>
+          <a:p>
+            <a:pPr algn="l"/>
+            <a:r>
+              <a:rPr lang="en-US" sz="6200" dirty="0"/>
+              <a:t>Hierarchical Clustering </a:t>
+            </a:r>
+          </a:p>
+          <a:p>
+            <a:pPr algn="l"/>
+            <a:r>
+              <a:rPr lang="en-US" sz="6200" dirty="0"/>
+              <a:t>Association Rule Mining </a:t>
+            </a:r>
+          </a:p>
+          <a:p>
+            <a:pPr algn="l"/>
+            <a:r>
+              <a:rPr lang="en-US" sz="6200" dirty="0" err="1"/>
+              <a:t>Apriori</a:t>
+            </a:r>
+            <a:r>
+              <a:rPr lang="en-US" sz="6200" dirty="0"/>
+              <a:t> Algorithm </a:t>
+            </a:r>
+          </a:p>
+          <a:p>
+            <a:pPr algn="l"/>
+            <a:r>
+              <a:rPr lang="en-US" sz="6200" dirty="0" err="1"/>
+              <a:t>Apriori</a:t>
+            </a:r>
+            <a:r>
+              <a:rPr lang="en-US" sz="6200" dirty="0"/>
+              <a:t> Algorithm Demo </a:t>
+            </a:r>
+          </a:p>
+          <a:p>
+            <a:pPr algn="l"/>
+            <a:r>
+              <a:rPr lang="en-US" sz="6200" dirty="0"/>
+              <a:t>Reinforcement Learning </a:t>
+            </a:r>
+          </a:p>
+          <a:p>
+            <a:pPr algn="l"/>
+            <a:r>
+              <a:rPr lang="en-US" sz="6200" dirty="0"/>
+              <a:t>	Reinforcement Learning: Counter-Strike Example </a:t>
+            </a:r>
+          </a:p>
+          <a:p>
+            <a:pPr algn="l"/>
+            <a:r>
+              <a:rPr lang="en-US" sz="6200" dirty="0"/>
+              <a:t>Markov's Decision Process </a:t>
+            </a:r>
+          </a:p>
+          <a:p>
+            <a:pPr algn="l"/>
+            <a:br>
+              <a:rPr lang="en-US" sz="6600" dirty="0"/>
+            </a:br>
+            <a:endParaRPr lang="en-US" sz="6600" dirty="0"/>
+          </a:p>
+        </p:txBody>
+      </p:sp>
+      <p:sp>
+        <p:nvSpPr>
+          <p:cNvPr id="4" name="TextBox 3"/>
+          <p:cNvSpPr txBox="1"/>
+          <p:nvPr/>
+        </p:nvSpPr>
+        <p:spPr>
+          <a:xfrm>
+            <a:off x="522514" y="217714"/>
+            <a:ext cx="936154" cy="369332"/>
+          </a:xfrm>
+          <a:prstGeom prst="rect">
+            <a:avLst/>
+          </a:prstGeom>
+          <a:noFill/>
+        </p:spPr>
+        <p:txBody>
+          <a:bodyPr wrap="none" rtlCol="0">
+            <a:spAutoFit/>
+          </a:bodyPr>
+          <a:lstStyle/>
+          <a:p>
+            <a:r>
+              <a:rPr lang="en-US" dirty="0"/>
+              <a:t>Content</a:t>
+            </a:r>
+          </a:p>
+        </p:txBody>
+      </p:sp>
+    </p:spTree>
+    <p:extLst>
+      <p:ext uri="{BB962C8B-B14F-4D97-AF65-F5344CB8AC3E}">
+        <p14:creationId xmlns:p14="http://schemas.microsoft.com/office/powerpoint/2010/main" val="1344136077"/>
+      </p:ext>
+    </p:extLst>
+  </p:cSld>
+  <p:clrMapOvr>
+    <a:masterClrMapping/>
+  </p:clrMapOvr>
+</p:sld>
+</file>
+
+<file path=ppt/slides/slide22.xml><?xml version="1.0" encoding="utf-8"?>
+<p:sld xmlns:a="http://schemas.openxmlformats.org/drawingml/2006/main" xmlns:r="http://schemas.openxmlformats.org/officeDocument/2006/relationships" xmlns:p="http://schemas.openxmlformats.org/presentationml/2006/main">
+  <p:cSld>
+    <p:spTree>
+      <p:nvGrpSpPr>
+        <p:cNvPr id="1" name=""/>
+        <p:cNvGrpSpPr/>
+        <p:nvPr/>
+      </p:nvGrpSpPr>
+      <p:grpSpPr>
+        <a:xfrm>
+          <a:off x="0" y="0"/>
+          <a:ext cx="0" cy="0"/>
+          <a:chOff x="0" y="0"/>
+          <a:chExt cx="0" cy="0"/>
+        </a:xfrm>
+      </p:grpSpPr>
+      <p:sp>
+        <p:nvSpPr>
+          <p:cNvPr id="3" name="Subtitle 2"/>
+          <p:cNvSpPr>
+            <a:spLocks noGrp="1"/>
+          </p:cNvSpPr>
+          <p:nvPr>
+            <p:ph type="subTitle" idx="1"/>
+          </p:nvPr>
+        </p:nvSpPr>
+        <p:spPr>
+          <a:xfrm>
+            <a:off x="1166948" y="815294"/>
+            <a:ext cx="9144000" cy="5498419"/>
+          </a:xfrm>
+        </p:spPr>
+        <p:txBody>
+          <a:bodyPr>
             <a:normAutofit fontScale="40000" lnSpcReduction="20000"/>
           </a:bodyPr>
           <a:lstStyle/>
@@ -5605,10 +6779,6 @@
             <a:r>
               <a:rPr lang="en-US" sz="6200" dirty="0"/>
               <a:t>Machine Learning Interview Questions</a:t>
-            </a:r>
-            <a:r>
-              <a:rPr lang="en-US" sz="6600" dirty="0"/>
-              <a:t/>
             </a:r>
             <a:br>
               <a:rPr lang="en-US" sz="6600" dirty="0"/>
@@ -5806,13 +6976,8 @@
           <a:p>
             <a:r>
               <a:rPr lang="en-US" sz="3200" dirty="0"/>
-              <a:t>Class-1: Introduction to </a:t>
-            </a:r>
-            <a:r>
-              <a:rPr lang="en-US" sz="3200" dirty="0" smtClean="0"/>
-              <a:t>ML</a:t>
-            </a:r>
-            <a:endParaRPr lang="en-US" sz="3200" dirty="0"/>
+              <a:t>Class-1: Introduction to ML</a:t>
+            </a:r>
           </a:p>
         </p:txBody>
       </p:sp>
@@ -5999,14 +7164,14 @@
               <a:buChar char="•"/>
             </a:pPr>
             <a:r>
-              <a:rPr lang="en-US" sz="2800" dirty="0" smtClean="0"/>
+              <a:rPr lang="en-US" sz="2800" dirty="0"/>
               <a:t>Anomaly Detection Algorithm</a:t>
             </a:r>
           </a:p>
           <a:p>
             <a:pPr lvl="1" algn="l"/>
             <a:r>
-              <a:rPr lang="en-US" sz="2800" dirty="0" smtClean="0"/>
+              <a:rPr lang="en-US" sz="2800" dirty="0"/>
               <a:t>    -- Identify unusual data points</a:t>
             </a:r>
           </a:p>
@@ -6016,7 +7181,7 @@
               <a:buChar char="o"/>
             </a:pPr>
             <a:r>
-              <a:rPr lang="en-US" sz="2800" dirty="0" smtClean="0"/>
+              <a:rPr lang="en-US" sz="2800" dirty="0"/>
               <a:t>Is there any fraud in this transactions</a:t>
             </a:r>
           </a:p>
@@ -6026,7 +7191,7 @@
               <a:buChar char="o"/>
             </a:pPr>
             <a:r>
-              <a:rPr lang="en-US" sz="2800" dirty="0" smtClean="0"/>
+              <a:rPr lang="en-US" sz="2800" dirty="0"/>
               <a:t>Is someone trying to hack our network</a:t>
             </a:r>
           </a:p>
@@ -6036,14 +7201,14 @@
               <a:buChar char="•"/>
             </a:pPr>
             <a:r>
-              <a:rPr lang="en-US" sz="2800" dirty="0" smtClean="0"/>
+              <a:rPr lang="en-US" sz="2800" dirty="0"/>
               <a:t>Clustering Algorithm</a:t>
             </a:r>
           </a:p>
           <a:p>
             <a:pPr algn="l"/>
             <a:r>
-              <a:rPr lang="en-US" sz="2800" dirty="0" smtClean="0"/>
+              <a:rPr lang="en-US" sz="2800" dirty="0"/>
               <a:t>	-- Group data based on some condition</a:t>
             </a:r>
           </a:p>
@@ -6053,7 +7218,7 @@
               <a:buChar char="o"/>
             </a:pPr>
             <a:r>
-              <a:rPr lang="en-US" sz="2800" dirty="0" smtClean="0"/>
+              <a:rPr lang="en-US" sz="2800" dirty="0"/>
               <a:t>Which type of house lies in this segment?</a:t>
             </a:r>
           </a:p>
@@ -6063,7 +7228,7 @@
               <a:buChar char="o"/>
             </a:pPr>
             <a:r>
-              <a:rPr lang="en-US" sz="2800" dirty="0" smtClean="0"/>
+              <a:rPr lang="en-US" sz="2800" dirty="0"/>
               <a:t>What type of customer buys this product?</a:t>
             </a:r>
           </a:p>
@@ -6073,14 +7238,14 @@
               <a:buChar char="•"/>
             </a:pPr>
             <a:r>
-              <a:rPr lang="en-US" sz="2800" dirty="0" smtClean="0"/>
+              <a:rPr lang="en-US" sz="2800" dirty="0"/>
               <a:t>Regression Algorithm</a:t>
             </a:r>
           </a:p>
           <a:p>
             <a:pPr algn="l"/>
             <a:r>
-              <a:rPr lang="en-US" sz="2800" dirty="0" smtClean="0"/>
+              <a:rPr lang="en-US" sz="2800" dirty="0"/>
               <a:t>	-- Data itself is predicted</a:t>
             </a:r>
           </a:p>
@@ -6090,7 +7255,7 @@
               <a:buChar char="o"/>
             </a:pPr>
             <a:r>
-              <a:rPr lang="en-US" sz="2800" dirty="0" smtClean="0"/>
+              <a:rPr lang="en-US" sz="2800" dirty="0"/>
               <a:t>what is the market value of this house?</a:t>
             </a:r>
           </a:p>
@@ -6100,13 +7265,9 @@
               <a:buChar char="o"/>
             </a:pPr>
             <a:r>
-              <a:rPr lang="en-US" sz="2800" dirty="0" smtClean="0"/>
+              <a:rPr lang="en-US" sz="2800" dirty="0"/>
               <a:t>Is it going to rain tomorrow?</a:t>
             </a:r>
-          </a:p>
-          <a:p>
-            <a:pPr algn="l"/>
-            <a:endParaRPr lang="en-US" sz="4600" dirty="0" smtClean="0"/>
           </a:p>
           <a:p>
             <a:pPr algn="l"/>
@@ -6114,7 +7275,11 @@
           </a:p>
           <a:p>
             <a:pPr algn="l"/>
-            <a:endParaRPr lang="en-US" sz="4600" dirty="0" smtClean="0"/>
+            <a:endParaRPr lang="en-US" sz="4600" dirty="0"/>
+          </a:p>
+          <a:p>
+            <a:pPr algn="l"/>
+            <a:endParaRPr lang="en-US" sz="4600" dirty="0"/>
           </a:p>
           <a:p>
             <a:pPr algn="l"/>
@@ -6211,7 +7376,7 @@
           <a:p>
             <a:pPr algn="l"/>
             <a:r>
-              <a:rPr lang="en-US" sz="3600" dirty="0" smtClean="0"/>
+              <a:rPr lang="en-US" sz="3600" dirty="0"/>
               <a:t>Demo Iris</a:t>
             </a:r>
           </a:p>
@@ -6244,7 +7409,7 @@
           <a:lstStyle/>
           <a:p>
             <a:r>
-              <a:rPr lang="en-US" sz="3200" dirty="0" smtClean="0"/>
+              <a:rPr lang="en-US" sz="3200" dirty="0"/>
               <a:t>Class-1: Demo Iris</a:t>
             </a:r>
             <a:endParaRPr lang="en-US" dirty="0"/>
@@ -6305,7 +7470,7 @@
           <a:p>
             <a:pPr algn="l"/>
             <a:r>
-              <a:rPr lang="en-US" sz="3600" dirty="0" smtClean="0"/>
+              <a:rPr lang="en-US" sz="3600" dirty="0"/>
               <a:t>What is Data</a:t>
             </a:r>
           </a:p>
@@ -6316,131 +7481,90 @@
               <a:t>	</a:t>
             </a:r>
             <a:r>
-              <a:rPr lang="en-US" sz="2000" i="1" dirty="0" smtClean="0"/>
+              <a:rPr lang="en-US" sz="2000" i="1" dirty="0"/>
               <a:t>“Data refers to facts and statistics collected together for reference or analysis”</a:t>
             </a:r>
           </a:p>
           <a:p>
             <a:pPr algn="l"/>
-            <a:endParaRPr lang="en-US" sz="3600" dirty="0" smtClean="0"/>
+            <a:endParaRPr lang="en-US" sz="3600" dirty="0"/>
           </a:p>
           <a:p>
             <a:pPr algn="l"/>
             <a:r>
-              <a:rPr lang="en-US" sz="3600" dirty="0" smtClean="0"/>
-              <a:t>Categories </a:t>
-            </a:r>
-            <a:r>
               <a:rPr lang="en-US" sz="3600" dirty="0"/>
-              <a:t>of </a:t>
-            </a:r>
-            <a:r>
-              <a:rPr lang="en-US" sz="3600" dirty="0" smtClean="0"/>
-              <a:t>Data</a:t>
+              <a:t>Categories of Data</a:t>
             </a:r>
           </a:p>
           <a:p>
             <a:pPr algn="l"/>
             <a:r>
               <a:rPr lang="en-US" sz="3600" dirty="0"/>
-              <a:t>	</a:t>
-            </a:r>
-            <a:r>
-              <a:rPr lang="en-US" sz="3600" dirty="0" smtClean="0"/>
-              <a:t>Qualitative Data </a:t>
+              <a:t>	Qualitative Data </a:t>
             </a:r>
           </a:p>
           <a:p>
             <a:pPr algn="l"/>
             <a:r>
               <a:rPr lang="en-US" sz="3600" dirty="0"/>
-              <a:t>	</a:t>
-            </a:r>
-            <a:r>
-              <a:rPr lang="en-US" sz="3600" dirty="0" smtClean="0"/>
-              <a:t>	Nominal Data vs. Ordinal Data</a:t>
+              <a:t>		Nominal Data vs. Ordinal Data</a:t>
             </a:r>
           </a:p>
           <a:p>
             <a:pPr algn="l"/>
             <a:r>
               <a:rPr lang="en-US" sz="3600" dirty="0"/>
-              <a:t>	</a:t>
-            </a:r>
-            <a:r>
-              <a:rPr lang="en-US" sz="3600" dirty="0" smtClean="0"/>
-              <a:t>Quantitative Data</a:t>
+              <a:t>	Quantitative Data</a:t>
             </a:r>
           </a:p>
           <a:p>
             <a:pPr algn="l"/>
             <a:r>
               <a:rPr lang="en-US" sz="3600" dirty="0"/>
-              <a:t>	</a:t>
-            </a:r>
-            <a:r>
-              <a:rPr lang="en-US" sz="3600" dirty="0" smtClean="0"/>
-              <a:t>	Discrete Data vs. Continuous Data</a:t>
-            </a:r>
+              <a:t>		Discrete Data vs. Continuous Data	</a:t>
+            </a:r>
+          </a:p>
+          <a:p>
+            <a:pPr algn="l"/>
             <a:r>
               <a:rPr lang="en-US" sz="3600" dirty="0"/>
-              <a:t>	</a:t>
-            </a:r>
-            <a:endParaRPr lang="en-US" sz="3600" dirty="0" smtClean="0"/>
+              <a:t>What is Statistics</a:t>
+            </a:r>
           </a:p>
           <a:p>
             <a:pPr algn="l"/>
             <a:r>
-              <a:rPr lang="en-US" sz="3600" dirty="0" smtClean="0"/>
-              <a:t>What is Statistics</a:t>
+              <a:rPr lang="en-US" sz="3600" dirty="0"/>
+              <a:t>Basic Terminologies in Statistics</a:t>
             </a:r>
           </a:p>
           <a:p>
             <a:pPr algn="l"/>
             <a:r>
-              <a:rPr lang="en-US" sz="3600" dirty="0" smtClean="0"/>
-              <a:t>Basic Terminologies in Statistics</a:t>
+              <a:rPr lang="en-US" sz="3600" dirty="0"/>
+              <a:t>	Measure of Central tendency</a:t>
             </a:r>
           </a:p>
           <a:p>
             <a:pPr algn="l"/>
             <a:r>
               <a:rPr lang="en-US" sz="3600" dirty="0"/>
-              <a:t>	</a:t>
-            </a:r>
-            <a:r>
-              <a:rPr lang="en-US" sz="3600" dirty="0" smtClean="0"/>
-              <a:t>Measure of Central tendency</a:t>
+              <a:t>	Measure of </a:t>
+            </a:r>
+            <a:r>
+              <a:rPr lang="en-US" sz="3600" dirty="0" err="1"/>
+              <a:t>Variablitity</a:t>
+            </a:r>
+            <a:r>
+              <a:rPr lang="en-US" sz="3600" dirty="0"/>
+              <a:t> (spread) </a:t>
             </a:r>
           </a:p>
           <a:p>
             <a:pPr algn="l"/>
             <a:r>
               <a:rPr lang="en-US" sz="3600" dirty="0"/>
-              <a:t>	</a:t>
-            </a:r>
-            <a:r>
-              <a:rPr lang="en-US" sz="3600" dirty="0" smtClean="0"/>
-              <a:t>Measure of </a:t>
-            </a:r>
-            <a:r>
-              <a:rPr lang="en-US" sz="3600" dirty="0" err="1" smtClean="0"/>
-              <a:t>Variablitity</a:t>
-            </a:r>
-            <a:r>
-              <a:rPr lang="en-US" sz="3600" dirty="0" smtClean="0"/>
-              <a:t> (spread) </a:t>
-            </a:r>
-          </a:p>
-          <a:p>
-            <a:pPr algn="l"/>
-            <a:r>
-              <a:rPr lang="en-US" sz="3600" dirty="0"/>
-              <a:t>	</a:t>
-            </a:r>
-            <a:r>
-              <a:rPr lang="en-US" sz="3600" dirty="0" smtClean="0"/>
-              <a:t>Maximum, Average, Minimum, </a:t>
+              <a:t>	Maximum, Average, Minimum, </a:t>
             </a:r>
           </a:p>
           <a:p>
@@ -6472,10 +7596,9 @@
           <a:lstStyle/>
           <a:p>
             <a:r>
-              <a:rPr lang="en-US" sz="3200" dirty="0" smtClean="0"/>
+              <a:rPr lang="en-US" sz="3200" dirty="0"/>
               <a:t>Class-2: Statistics &amp; Probability for ML - Intro</a:t>
             </a:r>
-            <a:endParaRPr lang="en-US" sz="3200" dirty="0"/>
           </a:p>
           <a:p>
             <a:endParaRPr lang="en-US" dirty="0"/>
@@ -6546,7 +7669,7 @@
           <a:p>
             <a:pPr algn="l"/>
             <a:r>
-              <a:rPr lang="en-US" sz="3600" dirty="0" smtClean="0"/>
+              <a:rPr lang="en-US" sz="3600" dirty="0"/>
               <a:t>	</a:t>
             </a:r>
             <a:r>
@@ -6557,7 +7680,6 @@
               <a:rPr lang="en-US" sz="3600" dirty="0"/>
               <a:t>	</a:t>
             </a:r>
-            <a:endParaRPr lang="en-US" sz="3600" dirty="0" smtClean="0"/>
           </a:p>
           <a:p>
             <a:pPr marL="571500" indent="-571500" algn="l">
@@ -6619,10 +7741,9 @@
           <a:lstStyle/>
           <a:p>
             <a:r>
-              <a:rPr lang="en-US" sz="3200" dirty="0" smtClean="0"/>
+              <a:rPr lang="en-US" sz="3200" dirty="0"/>
               <a:t>Class-2: Statistics &amp; Probability for ML</a:t>
             </a:r>
-            <a:endParaRPr lang="en-US" sz="3200" dirty="0"/>
           </a:p>
           <a:p>
             <a:endParaRPr lang="en-US" dirty="0"/>
@@ -6686,7 +7807,7 @@
               <a:buChar char="•"/>
             </a:pPr>
             <a:r>
-              <a:rPr lang="en-US" sz="2800" dirty="0" smtClean="0"/>
+              <a:rPr lang="en-US" sz="2800" dirty="0"/>
               <a:t>Descriptive Statistics</a:t>
             </a:r>
           </a:p>
@@ -6698,11 +7819,7 @@
             </a:pPr>
             <a:r>
               <a:rPr lang="en-US" sz="2800" dirty="0"/>
-              <a:t>	</a:t>
-            </a:r>
-            <a:r>
-              <a:rPr lang="en-US" sz="2800" dirty="0" smtClean="0"/>
-              <a:t>Maximum Average Minimum</a:t>
+              <a:t>	Maximum Average Minimum</a:t>
             </a:r>
           </a:p>
           <a:p>
@@ -6714,7 +7831,7 @@
               <a:buChar char="•"/>
             </a:pPr>
             <a:r>
-              <a:rPr lang="en-US" sz="2800" dirty="0" smtClean="0"/>
+              <a:rPr lang="en-US" sz="2800" dirty="0"/>
               <a:t>Inferential Statistics</a:t>
             </a:r>
           </a:p>
@@ -6726,13 +7843,8 @@
             </a:pPr>
             <a:r>
               <a:rPr lang="en-US" sz="2800" dirty="0"/>
-              <a:t>	</a:t>
-            </a:r>
-            <a:r>
-              <a:rPr lang="en-US" sz="2800" dirty="0" smtClean="0"/>
-              <a:t>Large Medium Small</a:t>
-            </a:r>
-            <a:endParaRPr lang="en-US" sz="2800" dirty="0"/>
+              <a:t>	Large Medium Small</a:t>
+            </a:r>
           </a:p>
         </p:txBody>
       </p:sp>
@@ -6759,16 +7871,8 @@
           <a:lstStyle/>
           <a:p>
             <a:r>
-              <a:rPr lang="en-US" sz="3200" dirty="0" smtClean="0"/>
-              <a:t>Class-2</a:t>
-            </a:r>
-            <a:r>
               <a:rPr lang="en-US" sz="3200" dirty="0"/>
-              <a:t>: Types of </a:t>
-            </a:r>
-            <a:r>
-              <a:rPr lang="en-US" sz="3200" dirty="0" smtClean="0"/>
-              <a:t>Statistics</a:t>
+              <a:t>Class-2: Types of Statistics</a:t>
             </a:r>
             <a:endParaRPr lang="en-US" dirty="0"/>
           </a:p>
@@ -7310,18 +8414,18 @@
 </file>
 
 <file path=customXml/item1.xml><?xml version="1.0" encoding="utf-8"?>
+<p:properties xmlns:p="http://schemas.microsoft.com/office/2006/metadata/properties" xmlns:xsi="http://www.w3.org/2001/XMLSchema-instance" xmlns:pc="http://schemas.microsoft.com/office/infopath/2007/PartnerControls">
+  <documentManagement/>
+</p:properties>
+</file>
+
+<file path=customXml/item2.xml><?xml version="1.0" encoding="utf-8"?>
 <?mso-contentType ?>
 <FormTemplates xmlns="http://schemas.microsoft.com/sharepoint/v3/contenttype/forms">
   <Display>DocumentLibraryForm</Display>
   <Edit>DocumentLibraryForm</Edit>
   <New>DocumentLibraryForm</New>
 </FormTemplates>
-</file>
-
-<file path=customXml/item2.xml><?xml version="1.0" encoding="utf-8"?>
-<p:properties xmlns:p="http://schemas.microsoft.com/office/2006/metadata/properties" xmlns:xsi="http://www.w3.org/2001/XMLSchema-instance" xmlns:pc="http://schemas.microsoft.com/office/infopath/2007/PartnerControls">
-  <documentManagement/>
-</p:properties>
 </file>
 
 <file path=customXml/item3.xml><?xml version="1.0" encoding="utf-8"?>
@@ -7522,14 +8626,6 @@
 </file>
 
 <file path=customXml/itemProps1.xml><?xml version="1.0" encoding="utf-8"?>
-<ds:datastoreItem xmlns:ds="http://schemas.openxmlformats.org/officeDocument/2006/customXml" ds:itemID="{9A56549F-9000-409B-8EE1-A7AE4257567A}">
-  <ds:schemaRefs>
-    <ds:schemaRef ds:uri="http://schemas.microsoft.com/sharepoint/v3/contenttype/forms"/>
-  </ds:schemaRefs>
-</ds:datastoreItem>
-</file>
-
-<file path=customXml/itemProps2.xml><?xml version="1.0" encoding="utf-8"?>
 <ds:datastoreItem xmlns:ds="http://schemas.openxmlformats.org/officeDocument/2006/customXml" ds:itemID="{AC2D31F3-7864-444C-82A7-D6387F098876}">
   <ds:schemaRefs>
     <ds:schemaRef ds:uri="http://purl.org/dc/terms/"/>
@@ -7542,6 +8638,14 @@
     <ds:schemaRef ds:uri="d97dfd74-0758-4aac-b7c3-4f13d10397e8"/>
     <ds:schemaRef ds:uri="851bce1a-01c5-49d9-967d-64af5945ebef"/>
     <ds:schemaRef ds:uri="http://www.w3.org/XML/1998/namespace"/>
+  </ds:schemaRefs>
+</ds:datastoreItem>
+</file>
+
+<file path=customXml/itemProps2.xml><?xml version="1.0" encoding="utf-8"?>
+<ds:datastoreItem xmlns:ds="http://schemas.openxmlformats.org/officeDocument/2006/customXml" ds:itemID="{9A56549F-9000-409B-8EE1-A7AE4257567A}">
+  <ds:schemaRefs>
+    <ds:schemaRef ds:uri="http://schemas.microsoft.com/sharepoint/v3/contenttype/forms"/>
   </ds:schemaRefs>
 </ds:datastoreItem>
 </file>

--- a/AI-ML-DL/Machine Learning.pptx
+++ b/AI-ML-DL/Machine Learning.pptx
@@ -5,7 +5,7 @@
     <p:sldMasterId id="2147483648" r:id="rId4"/>
   </p:sldMasterIdLst>
   <p:notesMasterIdLst>
-    <p:notesMasterId r:id="rId27"/>
+    <p:notesMasterId r:id="rId28"/>
   </p:notesMasterIdLst>
   <p:sldIdLst>
     <p:sldId id="256" r:id="rId5"/>
@@ -26,10 +26,11 @@
     <p:sldId id="277" r:id="rId20"/>
     <p:sldId id="278" r:id="rId21"/>
     <p:sldId id="263" r:id="rId22"/>
-    <p:sldId id="276" r:id="rId23"/>
-    <p:sldId id="264" r:id="rId24"/>
-    <p:sldId id="265" r:id="rId25"/>
-    <p:sldId id="266" r:id="rId26"/>
+    <p:sldId id="279" r:id="rId23"/>
+    <p:sldId id="276" r:id="rId24"/>
+    <p:sldId id="264" r:id="rId25"/>
+    <p:sldId id="265" r:id="rId26"/>
+    <p:sldId id="266" r:id="rId27"/>
   </p:sldIdLst>
   <p:sldSz cx="12192000" cy="6858000"/>
   <p:notesSz cx="6858000" cy="9144000"/>
@@ -226,7 +227,7 @@
           <a:p>
             <a:fld id="{1E5BB661-8884-4460-B9ED-FD0D9BF054C6}" type="datetimeFigureOut">
               <a:rPr lang="en-US" smtClean="0"/>
-              <a:t>6/15/2020</a:t>
+              <a:t>6/19/2020</a:t>
             </a:fld>
             <a:endParaRPr lang="en-US"/>
           </a:p>
@@ -715,7 +716,7 @@
           <a:p>
             <a:fld id="{99CA405F-FDE6-4D37-9F47-E73AA25D91EF}" type="datetimeFigureOut">
               <a:rPr lang="en-US" smtClean="0"/>
-              <a:t>6/15/2020</a:t>
+              <a:t>6/19/2020</a:t>
             </a:fld>
             <a:endParaRPr lang="en-US"/>
           </a:p>
@@ -883,7 +884,7 @@
           <a:p>
             <a:fld id="{99CA405F-FDE6-4D37-9F47-E73AA25D91EF}" type="datetimeFigureOut">
               <a:rPr lang="en-US" smtClean="0"/>
-              <a:t>6/15/2020</a:t>
+              <a:t>6/19/2020</a:t>
             </a:fld>
             <a:endParaRPr lang="en-US"/>
           </a:p>
@@ -1061,7 +1062,7 @@
           <a:p>
             <a:fld id="{99CA405F-FDE6-4D37-9F47-E73AA25D91EF}" type="datetimeFigureOut">
               <a:rPr lang="en-US" smtClean="0"/>
-              <a:t>6/15/2020</a:t>
+              <a:t>6/19/2020</a:t>
             </a:fld>
             <a:endParaRPr lang="en-US"/>
           </a:p>
@@ -1229,7 +1230,7 @@
           <a:p>
             <a:fld id="{99CA405F-FDE6-4D37-9F47-E73AA25D91EF}" type="datetimeFigureOut">
               <a:rPr lang="en-US" smtClean="0"/>
-              <a:t>6/15/2020</a:t>
+              <a:t>6/19/2020</a:t>
             </a:fld>
             <a:endParaRPr lang="en-US"/>
           </a:p>
@@ -1474,7 +1475,7 @@
           <a:p>
             <a:fld id="{99CA405F-FDE6-4D37-9F47-E73AA25D91EF}" type="datetimeFigureOut">
               <a:rPr lang="en-US" smtClean="0"/>
-              <a:t>6/15/2020</a:t>
+              <a:t>6/19/2020</a:t>
             </a:fld>
             <a:endParaRPr lang="en-US"/>
           </a:p>
@@ -1703,7 +1704,7 @@
           <a:p>
             <a:fld id="{99CA405F-FDE6-4D37-9F47-E73AA25D91EF}" type="datetimeFigureOut">
               <a:rPr lang="en-US" smtClean="0"/>
-              <a:t>6/15/2020</a:t>
+              <a:t>6/19/2020</a:t>
             </a:fld>
             <a:endParaRPr lang="en-US"/>
           </a:p>
@@ -2067,7 +2068,7 @@
           <a:p>
             <a:fld id="{99CA405F-FDE6-4D37-9F47-E73AA25D91EF}" type="datetimeFigureOut">
               <a:rPr lang="en-US" smtClean="0"/>
-              <a:t>6/15/2020</a:t>
+              <a:t>6/19/2020</a:t>
             </a:fld>
             <a:endParaRPr lang="en-US"/>
           </a:p>
@@ -2184,7 +2185,7 @@
           <a:p>
             <a:fld id="{99CA405F-FDE6-4D37-9F47-E73AA25D91EF}" type="datetimeFigureOut">
               <a:rPr lang="en-US" smtClean="0"/>
-              <a:t>6/15/2020</a:t>
+              <a:t>6/19/2020</a:t>
             </a:fld>
             <a:endParaRPr lang="en-US"/>
           </a:p>
@@ -2279,7 +2280,7 @@
           <a:p>
             <a:fld id="{99CA405F-FDE6-4D37-9F47-E73AA25D91EF}" type="datetimeFigureOut">
               <a:rPr lang="en-US" smtClean="0"/>
-              <a:t>6/15/2020</a:t>
+              <a:t>6/19/2020</a:t>
             </a:fld>
             <a:endParaRPr lang="en-US"/>
           </a:p>
@@ -2554,7 +2555,7 @@
           <a:p>
             <a:fld id="{99CA405F-FDE6-4D37-9F47-E73AA25D91EF}" type="datetimeFigureOut">
               <a:rPr lang="en-US" smtClean="0"/>
-              <a:t>6/15/2020</a:t>
+              <a:t>6/19/2020</a:t>
             </a:fld>
             <a:endParaRPr lang="en-US"/>
           </a:p>
@@ -2806,7 +2807,7 @@
           <a:p>
             <a:fld id="{99CA405F-FDE6-4D37-9F47-E73AA25D91EF}" type="datetimeFigureOut">
               <a:rPr lang="en-US" smtClean="0"/>
-              <a:t>6/15/2020</a:t>
+              <a:t>6/19/2020</a:t>
             </a:fld>
             <a:endParaRPr lang="en-US"/>
           </a:p>
@@ -3017,7 +3018,7 @@
           <a:p>
             <a:fld id="{99CA405F-FDE6-4D37-9F47-E73AA25D91EF}" type="datetimeFigureOut">
               <a:rPr lang="en-US" smtClean="0"/>
-              <a:t>6/15/2020</a:t>
+              <a:t>6/19/2020</a:t>
             </a:fld>
             <a:endParaRPr lang="en-US"/>
           </a:p>
@@ -3456,13 +3457,34 @@
         </p:nvSpPr>
         <p:spPr/>
         <p:txBody>
-          <a:bodyPr/>
-          <a:lstStyle/>
-          <a:p>
-            <a:r>
-              <a:rPr lang="en-US" dirty="0"/>
+          <a:bodyPr>
+            <a:normAutofit lnSpcReduction="10000"/>
+          </a:bodyPr>
+          <a:lstStyle/>
+          <a:p>
+            <a:r>
+              <a:rPr lang="en-US" dirty="0" smtClean="0"/>
               <a:t>Instructor</a:t>
             </a:r>
+          </a:p>
+          <a:p>
+            <a:r>
+              <a:rPr lang="en-US" dirty="0" smtClean="0"/>
+              <a:t>Ren Shan</a:t>
+            </a:r>
+          </a:p>
+          <a:p>
+            <a:r>
+              <a:rPr lang="en-US" dirty="0" smtClean="0"/>
+              <a:t>IEEE Senior Member</a:t>
+            </a:r>
+          </a:p>
+          <a:p>
+            <a:r>
+              <a:rPr lang="en-US" dirty="0" smtClean="0"/>
+              <a:t>SAIC Fellow</a:t>
+            </a:r>
+            <a:endParaRPr lang="en-US" dirty="0"/>
           </a:p>
         </p:txBody>
       </p:sp>
@@ -4235,7 +4257,7 @@
                 <a16:creationId xmlns:a16="http://schemas.microsoft.com/office/drawing/2014/main" id="{DEE5C6BA-FE2A-4C38-8D88-E70C06E54F82}"/>
               </a:ext>
               <a:ext uri="{C183D7F6-B498-43B3-948B-1728B52AA6E4}">
-                <adec:decorative xmlns:adec="http://schemas.microsoft.com/office/drawing/2017/decorative" val="1"/>
+                <adec:decorative xmlns:adec="http://schemas.microsoft.com/office/drawing/2017/decorative" xmlns="" val="1"/>
               </a:ext>
             </a:extLst>
           </p:cNvPr>
@@ -4321,7 +4343,7 @@
                 <a16:creationId xmlns:a16="http://schemas.microsoft.com/office/drawing/2014/main" id="{53E66F28-0926-4CFB-BDAB-646CAB184CB0}"/>
               </a:ext>
               <a:ext uri="{C183D7F6-B498-43B3-948B-1728B52AA6E4}">
-                <adec:decorative xmlns:adec="http://schemas.microsoft.com/office/drawing/2017/decorative" val="1"/>
+                <adec:decorative xmlns:adec="http://schemas.microsoft.com/office/drawing/2017/decorative" xmlns="" val="1"/>
               </a:ext>
             </a:extLst>
           </p:cNvPr>
@@ -4412,7 +4434,7 @@
                 <a16:creationId xmlns:a16="http://schemas.microsoft.com/office/drawing/2014/main" id="{DE9FA85F-F0FB-4952-A05F-04CC67B18EE5}"/>
               </a:ext>
               <a:ext uri="{C183D7F6-B498-43B3-948B-1728B52AA6E4}">
-                <adec:decorative xmlns:adec="http://schemas.microsoft.com/office/drawing/2017/decorative" val="1"/>
+                <adec:decorative xmlns:adec="http://schemas.microsoft.com/office/drawing/2017/decorative" xmlns="" val="1"/>
               </a:ext>
             </a:extLst>
           </p:cNvPr>
@@ -4858,7 +4880,7 @@
                 <a16:creationId xmlns:a16="http://schemas.microsoft.com/office/drawing/2014/main" id="{FEBD362A-CC27-47D9-8FC3-A5E91BA0760C}"/>
               </a:ext>
               <a:ext uri="{C183D7F6-B498-43B3-948B-1728B52AA6E4}">
-                <adec:decorative xmlns:adec="http://schemas.microsoft.com/office/drawing/2017/decorative" val="1"/>
+                <adec:decorative xmlns:adec="http://schemas.microsoft.com/office/drawing/2017/decorative" xmlns="" val="1"/>
               </a:ext>
             </a:extLst>
           </p:cNvPr>
@@ -5785,7 +5807,7 @@
         </p:spPr>
         <p:txBody>
           <a:bodyPr>
-            <a:normAutofit/>
+            <a:normAutofit fontScale="92500" lnSpcReduction="10000"/>
           </a:bodyPr>
           <a:lstStyle/>
           <a:p>
@@ -5794,9 +5816,16 @@
               <a:buChar char="•"/>
             </a:pPr>
             <a:r>
-              <a:rPr lang="en-US" sz="3300" dirty="0"/>
+              <a:rPr lang="en-US" sz="3300" dirty="0" smtClean="0"/>
               <a:t>Regression</a:t>
             </a:r>
+          </a:p>
+          <a:p>
+            <a:pPr marL="914400" lvl="1" indent="-457200" algn="l">
+              <a:buFont typeface="Arial" panose="020B0604020202020204" pitchFamily="34" charset="0"/>
+              <a:buChar char="•"/>
+            </a:pPr>
+            <a:endParaRPr lang="en-US" sz="2900" dirty="0"/>
           </a:p>
           <a:p>
             <a:pPr marL="457200" indent="-457200" algn="l">
@@ -5847,6 +5876,36 @@
               <a:rPr lang="en-US" sz="3300" dirty="0"/>
               <a:t>Decision Tree </a:t>
             </a:r>
+            <a:endParaRPr lang="en-US" sz="3300" dirty="0" smtClean="0"/>
+          </a:p>
+          <a:p>
+            <a:pPr marL="457200" indent="-457200" algn="l">
+              <a:buFont typeface="Arial" panose="020B0604020202020204" pitchFamily="34" charset="0"/>
+              <a:buChar char="•"/>
+            </a:pPr>
+            <a:r>
+              <a:rPr lang="en-US" sz="3300" dirty="0" smtClean="0"/>
+              <a:t>Random Forest</a:t>
+            </a:r>
+          </a:p>
+          <a:p>
+            <a:pPr marL="457200" indent="-457200" algn="l">
+              <a:buFont typeface="Arial" panose="020B0604020202020204" pitchFamily="34" charset="0"/>
+              <a:buChar char="•"/>
+            </a:pPr>
+            <a:r>
+              <a:rPr lang="en-US" sz="3300" dirty="0" smtClean="0"/>
+              <a:t>Naïve </a:t>
+            </a:r>
+            <a:r>
+              <a:rPr lang="en-US" sz="3300" dirty="0" err="1" smtClean="0"/>
+              <a:t>Bayers</a:t>
+            </a:r>
+            <a:r>
+              <a:rPr lang="en-US" sz="3300" dirty="0" smtClean="0"/>
+              <a:t> Classifier</a:t>
+            </a:r>
+            <a:endParaRPr lang="en-US" sz="3300" dirty="0"/>
           </a:p>
           <a:p>
             <a:pPr algn="l"/>
@@ -5929,7 +5988,7 @@
         <p:spPr>
           <a:xfrm>
             <a:off x="1166948" y="815294"/>
-            <a:ext cx="9144000" cy="5498419"/>
+            <a:ext cx="9401118" cy="5498419"/>
           </a:xfrm>
         </p:spPr>
         <p:txBody>
@@ -5938,68 +5997,91 @@
           </a:bodyPr>
           <a:lstStyle/>
           <a:p>
-            <a:pPr marL="457200" indent="-457200" algn="l">
+            <a:pPr algn="l"/>
+            <a:r>
+              <a:rPr lang="en-US" sz="2900" dirty="0" smtClean="0"/>
+              <a:t>“Regression analysis is form of predictive modelling technique with investigates the relationship between a dependent and independent variable.”</a:t>
+            </a:r>
+            <a:endParaRPr lang="en-US" sz="2900" dirty="0" smtClean="0"/>
+          </a:p>
+          <a:p>
+            <a:pPr marL="914400" lvl="1" indent="-457200" algn="l">
               <a:buFont typeface="Arial" panose="020B0604020202020204" pitchFamily="34" charset="0"/>
               <a:buChar char="•"/>
             </a:pPr>
-            <a:r>
-              <a:rPr lang="en-US" sz="3200" dirty="0"/>
-              <a:t>What is Classification? </a:t>
-            </a:r>
-          </a:p>
-          <a:p>
-            <a:pPr marL="457200" indent="-457200" algn="l">
+            <a:endParaRPr lang="en-US" sz="2900" dirty="0" smtClean="0"/>
+          </a:p>
+          <a:p>
+            <a:pPr algn="l"/>
+            <a:r>
+              <a:rPr lang="en-US" sz="3300" dirty="0" smtClean="0"/>
+              <a:t>Uses of Regression</a:t>
+            </a:r>
+          </a:p>
+          <a:p>
+            <a:pPr marL="914400" lvl="1" indent="-457200" algn="l">
               <a:buFont typeface="Arial" panose="020B0604020202020204" pitchFamily="34" charset="0"/>
               <a:buChar char="•"/>
             </a:pPr>
             <a:r>
-              <a:rPr lang="en-US" sz="3200" dirty="0"/>
-              <a:t>Types of Classification </a:t>
-            </a:r>
-          </a:p>
-          <a:p>
-            <a:pPr marL="457200" indent="-457200" algn="l">
+              <a:rPr lang="en-US" sz="2900" dirty="0" smtClean="0"/>
+              <a:t>Determining the strength of predictions</a:t>
+            </a:r>
+          </a:p>
+          <a:p>
+            <a:pPr marL="1371600" lvl="2" indent="-457200" algn="l">
+              <a:buFont typeface="Courier New" panose="02070309020205020404" pitchFamily="49" charset="0"/>
+              <a:buChar char="o"/>
+            </a:pPr>
+            <a:r>
+              <a:rPr lang="en-US" sz="2700" dirty="0" smtClean="0"/>
+              <a:t>Relationship between the salary and </a:t>
+            </a:r>
+          </a:p>
+          <a:p>
+            <a:pPr marL="914400" lvl="1" indent="-457200" algn="l">
               <a:buFont typeface="Arial" panose="020B0604020202020204" pitchFamily="34" charset="0"/>
               <a:buChar char="•"/>
             </a:pPr>
             <a:r>
-              <a:rPr lang="en-US" sz="3200" dirty="0"/>
-              <a:t>Decision Tree </a:t>
-            </a:r>
-          </a:p>
-          <a:p>
-            <a:pPr marL="457200" indent="-457200" algn="l">
+              <a:rPr lang="en-US" sz="2900" dirty="0" smtClean="0"/>
+              <a:t>Forecasting an effect</a:t>
+            </a:r>
+          </a:p>
+          <a:p>
+            <a:pPr marL="1371600" lvl="2" indent="-457200" algn="l">
+              <a:buFont typeface="Courier New" panose="02070309020205020404" pitchFamily="49" charset="0"/>
+              <a:buChar char="o"/>
+            </a:pPr>
+            <a:r>
+              <a:rPr lang="en-US" sz="2700" dirty="0" smtClean="0"/>
+              <a:t>What will be salary for a new employee with certain skills</a:t>
+            </a:r>
+          </a:p>
+          <a:p>
+            <a:pPr marL="914400" lvl="1" indent="-457200" algn="l">
               <a:buFont typeface="Arial" panose="020B0604020202020204" pitchFamily="34" charset="0"/>
               <a:buChar char="•"/>
             </a:pPr>
             <a:r>
-              <a:rPr lang="en-US" sz="3200" dirty="0"/>
-              <a:t>Decision Tree Terminologies </a:t>
-            </a:r>
-          </a:p>
-          <a:p>
-            <a:pPr marL="457200" indent="-457200" algn="l">
-              <a:buFont typeface="Arial" panose="020B0604020202020204" pitchFamily="34" charset="0"/>
-              <a:buChar char="•"/>
-            </a:pPr>
-            <a:r>
-              <a:rPr lang="en-US" sz="3200" dirty="0"/>
-              <a:t>Entropy </a:t>
-            </a:r>
-          </a:p>
-          <a:p>
-            <a:pPr marL="457200" indent="-457200" algn="l">
-              <a:buFont typeface="Arial" panose="020B0604020202020204" pitchFamily="34" charset="0"/>
-              <a:buChar char="•"/>
-            </a:pPr>
-            <a:r>
-              <a:rPr lang="en-US" sz="3200" dirty="0"/>
-              <a:t>Credit Risk Detection Use-case</a:t>
-            </a:r>
-            <a:r>
-              <a:rPr lang="en-US" sz="3300" dirty="0"/>
-              <a:t> </a:t>
-            </a:r>
+              <a:rPr lang="en-US" sz="2900" dirty="0" smtClean="0"/>
+              <a:t>Trend forecasting</a:t>
+            </a:r>
+          </a:p>
+          <a:p>
+            <a:pPr marL="1371600" lvl="2" indent="-457200" algn="l">
+              <a:buFont typeface="Courier New" panose="02070309020205020404" pitchFamily="49" charset="0"/>
+              <a:buChar char="o"/>
+            </a:pPr>
+            <a:r>
+              <a:rPr lang="en-US" sz="2700" dirty="0" smtClean="0"/>
+              <a:t>What will be the price of bitcoin in next 6 months</a:t>
+            </a:r>
+            <a:endParaRPr lang="en-US" sz="2700" dirty="0" smtClean="0"/>
+          </a:p>
+          <a:p>
+            <a:pPr lvl="1" algn="l"/>
+            <a:endParaRPr lang="en-US" sz="2900" dirty="0"/>
           </a:p>
         </p:txBody>
       </p:sp>
@@ -6027,15 +6109,20 @@
           <a:p>
             <a:r>
               <a:rPr lang="en-US" sz="3200" dirty="0"/>
-              <a:t>Class-3: Supervised Learning Algorithms</a:t>
-            </a:r>
+              <a:t>Class-3: Supervised Learning </a:t>
+            </a:r>
+            <a:r>
+              <a:rPr lang="en-US" sz="3200" dirty="0" smtClean="0"/>
+              <a:t>Algorithms – Linear Regression</a:t>
+            </a:r>
+            <a:endParaRPr lang="en-US" sz="3200" dirty="0"/>
           </a:p>
         </p:txBody>
       </p:sp>
     </p:spTree>
     <p:extLst>
       <p:ext uri="{BB962C8B-B14F-4D97-AF65-F5344CB8AC3E}">
-        <p14:creationId xmlns:p14="http://schemas.microsoft.com/office/powerpoint/2010/main" val="406235811"/>
+        <p14:creationId xmlns:p14="http://schemas.microsoft.com/office/powerpoint/2010/main" val="3506988596"/>
       </p:ext>
     </p:extLst>
   </p:cSld>
@@ -6315,126 +6402,85 @@
         </p:spPr>
         <p:txBody>
           <a:bodyPr>
-            <a:normAutofit fontScale="32500" lnSpcReduction="20000"/>
+            <a:normAutofit/>
           </a:bodyPr>
           <a:lstStyle/>
           <a:p>
-            <a:pPr algn="l"/>
-            <a:r>
-              <a:rPr lang="en-US" sz="6200" dirty="0"/>
-              <a:t>Random Forest </a:t>
-            </a:r>
-          </a:p>
-          <a:p>
-            <a:pPr algn="l"/>
-            <a:r>
-              <a:rPr lang="en-US" sz="6200" dirty="0"/>
-              <a:t>Random Forest Use-Cases </a:t>
-            </a:r>
-          </a:p>
-          <a:p>
-            <a:pPr algn="l"/>
-            <a:r>
-              <a:rPr lang="en-US" sz="6200" dirty="0"/>
-              <a:t>Random Forest Algorithm </a:t>
-            </a:r>
-          </a:p>
-          <a:p>
-            <a:pPr algn="l"/>
-            <a:r>
-              <a:rPr lang="en-US" sz="6200" dirty="0"/>
-              <a:t>KNN Algorithm </a:t>
-            </a:r>
-          </a:p>
-          <a:p>
-            <a:pPr algn="l"/>
-            <a:r>
-              <a:rPr lang="en-US" sz="6200" dirty="0"/>
-              <a:t>KNN Algorithm Working </a:t>
-            </a:r>
-          </a:p>
-          <a:p>
-            <a:pPr algn="l"/>
-            <a:r>
-              <a:rPr lang="en-US" sz="6200" dirty="0"/>
-              <a:t>KNN Demo </a:t>
-            </a:r>
-          </a:p>
-          <a:p>
-            <a:pPr algn="l"/>
-            <a:r>
-              <a:rPr lang="en-US" sz="6200" dirty="0"/>
-              <a:t>Naive Bayes </a:t>
-            </a:r>
-          </a:p>
-          <a:p>
-            <a:pPr algn="l"/>
-            <a:r>
-              <a:rPr lang="en-US" sz="6200" dirty="0"/>
-              <a:t>Naive Bayes Working </a:t>
-            </a:r>
-          </a:p>
-          <a:p>
-            <a:pPr algn="l"/>
-            <a:r>
-              <a:rPr lang="en-US" sz="6200" dirty="0"/>
-              <a:t>Industrial Use of Naive Bayes </a:t>
-            </a:r>
-          </a:p>
-          <a:p>
-            <a:pPr algn="l"/>
-            <a:r>
-              <a:rPr lang="en-US" sz="6200" dirty="0"/>
-              <a:t>Types of Naive Bayes </a:t>
-            </a:r>
-          </a:p>
-          <a:p>
-            <a:pPr algn="l"/>
-            <a:r>
-              <a:rPr lang="en-US" sz="6200" dirty="0"/>
-              <a:t>Steps involved in Naive Bayes </a:t>
-            </a:r>
-          </a:p>
-          <a:p>
-            <a:pPr algn="l"/>
-            <a:r>
-              <a:rPr lang="en-US" sz="6200" dirty="0"/>
-              <a:t>PIMA Diabetic Test Use Case </a:t>
-            </a:r>
-          </a:p>
-          <a:p>
-            <a:pPr algn="l"/>
-            <a:r>
-              <a:rPr lang="en-US" sz="6200" dirty="0"/>
-              <a:t>Support Vector Machine </a:t>
-            </a:r>
-          </a:p>
-          <a:p>
-            <a:pPr algn="l"/>
-            <a:r>
-              <a:rPr lang="en-US" sz="6200" dirty="0"/>
-              <a:t>Non-Linear SVM </a:t>
-            </a:r>
-          </a:p>
-          <a:p>
-            <a:pPr algn="l"/>
-            <a:r>
-              <a:rPr lang="en-US" sz="6200" dirty="0"/>
-              <a:t>SVM Use-case </a:t>
-            </a:r>
-          </a:p>
-        </p:txBody>
-      </p:sp>
-      <p:sp>
-        <p:nvSpPr>
-          <p:cNvPr id="4" name="TextBox 3"/>
+            <a:pPr marL="457200" indent="-457200" algn="l">
+              <a:buFont typeface="Arial" panose="020B0604020202020204" pitchFamily="34" charset="0"/>
+              <a:buChar char="•"/>
+            </a:pPr>
+            <a:r>
+              <a:rPr lang="en-US" sz="3200" dirty="0"/>
+              <a:t>What is Classification? </a:t>
+            </a:r>
+          </a:p>
+          <a:p>
+            <a:pPr marL="457200" indent="-457200" algn="l">
+              <a:buFont typeface="Arial" panose="020B0604020202020204" pitchFamily="34" charset="0"/>
+              <a:buChar char="•"/>
+            </a:pPr>
+            <a:r>
+              <a:rPr lang="en-US" sz="3200" dirty="0"/>
+              <a:t>Types of Classification </a:t>
+            </a:r>
+          </a:p>
+          <a:p>
+            <a:pPr marL="457200" indent="-457200" algn="l">
+              <a:buFont typeface="Arial" panose="020B0604020202020204" pitchFamily="34" charset="0"/>
+              <a:buChar char="•"/>
+            </a:pPr>
+            <a:r>
+              <a:rPr lang="en-US" sz="3200" dirty="0"/>
+              <a:t>Decision Tree </a:t>
+            </a:r>
+          </a:p>
+          <a:p>
+            <a:pPr marL="457200" indent="-457200" algn="l">
+              <a:buFont typeface="Arial" panose="020B0604020202020204" pitchFamily="34" charset="0"/>
+              <a:buChar char="•"/>
+            </a:pPr>
+            <a:r>
+              <a:rPr lang="en-US" sz="3200" dirty="0"/>
+              <a:t>Decision Tree Terminologies </a:t>
+            </a:r>
+          </a:p>
+          <a:p>
+            <a:pPr marL="457200" indent="-457200" algn="l">
+              <a:buFont typeface="Arial" panose="020B0604020202020204" pitchFamily="34" charset="0"/>
+              <a:buChar char="•"/>
+            </a:pPr>
+            <a:r>
+              <a:rPr lang="en-US" sz="3200" dirty="0"/>
+              <a:t>Entropy </a:t>
+            </a:r>
+          </a:p>
+          <a:p>
+            <a:pPr marL="457200" indent="-457200" algn="l">
+              <a:buFont typeface="Arial" panose="020B0604020202020204" pitchFamily="34" charset="0"/>
+              <a:buChar char="•"/>
+            </a:pPr>
+            <a:r>
+              <a:rPr lang="en-US" sz="3200" dirty="0"/>
+              <a:t>Credit Risk Detection Use-case</a:t>
+            </a:r>
+            <a:r>
+              <a:rPr lang="en-US" sz="3300" dirty="0"/>
+              <a:t> </a:t>
+            </a:r>
+          </a:p>
+        </p:txBody>
+      </p:sp>
+      <p:sp>
+        <p:nvSpPr>
+          <p:cNvPr id="5" name="TextBox 4"/>
           <p:cNvSpPr txBox="1"/>
           <p:nvPr/>
         </p:nvSpPr>
         <p:spPr>
           <a:xfrm>
-            <a:off x="522514" y="217714"/>
-            <a:ext cx="936154" cy="369332"/>
+            <a:off x="254568" y="147547"/>
+            <a:ext cx="10968760" cy="584775"/>
           </a:xfrm>
           <a:prstGeom prst="rect">
             <a:avLst/>
@@ -6442,14 +6488,14 @@
           <a:noFill/>
         </p:spPr>
         <p:txBody>
-          <a:bodyPr wrap="none" rtlCol="0">
+          <a:bodyPr wrap="square" rtlCol="0">
             <a:spAutoFit/>
           </a:bodyPr>
           <a:lstStyle/>
           <a:p>
             <a:r>
-              <a:rPr lang="en-US" dirty="0"/>
-              <a:t>Content</a:t>
+              <a:rPr lang="en-US" sz="3200" dirty="0"/>
+              <a:t>Class-3: Supervised Learning Algorithms</a:t>
             </a:r>
           </a:p>
         </p:txBody>
@@ -6457,7 +6503,7 @@
     </p:spTree>
     <p:extLst>
       <p:ext uri="{BB962C8B-B14F-4D97-AF65-F5344CB8AC3E}">
-        <p14:creationId xmlns:p14="http://schemas.microsoft.com/office/powerpoint/2010/main" val="3761855347"/>
+        <p14:creationId xmlns:p14="http://schemas.microsoft.com/office/powerpoint/2010/main" val="406235811"/>
       </p:ext>
     </p:extLst>
   </p:cSld>
@@ -6509,107 +6555,106 @@
             <a:pPr algn="l"/>
             <a:r>
               <a:rPr lang="en-US" sz="6200" dirty="0"/>
-              <a:t>K-Means Clustering &amp; Association Rule Mining </a:t>
+              <a:t>Random Forest </a:t>
             </a:r>
           </a:p>
           <a:p>
             <a:pPr algn="l"/>
             <a:r>
               <a:rPr lang="en-US" sz="6200" dirty="0"/>
-              <a:t>Types of Clustering </a:t>
+              <a:t>Random Forest Use-Cases </a:t>
             </a:r>
           </a:p>
           <a:p>
             <a:pPr algn="l"/>
             <a:r>
               <a:rPr lang="en-US" sz="6200" dirty="0"/>
-              <a:t>K-Means Clustering </a:t>
+              <a:t>Random Forest Algorithm </a:t>
             </a:r>
           </a:p>
           <a:p>
             <a:pPr algn="l"/>
             <a:r>
               <a:rPr lang="en-US" sz="6200" dirty="0"/>
-              <a:t>K-Means Working </a:t>
+              <a:t>KNN Algorithm </a:t>
             </a:r>
           </a:p>
           <a:p>
             <a:pPr algn="l"/>
             <a:r>
               <a:rPr lang="en-US" sz="6200" dirty="0"/>
-              <a:t>Pros &amp; Cons of K-Means Clustering </a:t>
+              <a:t>KNN Algorithm Working </a:t>
             </a:r>
           </a:p>
           <a:p>
             <a:pPr algn="l"/>
             <a:r>
               <a:rPr lang="en-US" sz="6200" dirty="0"/>
-              <a:t>K-Means Demo </a:t>
+              <a:t>KNN Demo </a:t>
             </a:r>
           </a:p>
           <a:p>
             <a:pPr algn="l"/>
             <a:r>
               <a:rPr lang="en-US" sz="6200" dirty="0"/>
-              <a:t>Hierarchical Clustering </a:t>
+              <a:t>Naive Bayes </a:t>
             </a:r>
           </a:p>
           <a:p>
             <a:pPr algn="l"/>
             <a:r>
               <a:rPr lang="en-US" sz="6200" dirty="0"/>
-              <a:t>Association Rule Mining </a:t>
+              <a:t>Naive Bayes Working </a:t>
             </a:r>
           </a:p>
           <a:p>
             <a:pPr algn="l"/>
             <a:r>
-              <a:rPr lang="en-US" sz="6200" dirty="0" err="1"/>
-              <a:t>Apriori</a:t>
-            </a:r>
-            <a:r>
               <a:rPr lang="en-US" sz="6200" dirty="0"/>
-              <a:t> Algorithm </a:t>
+              <a:t>Industrial Use of Naive Bayes </a:t>
             </a:r>
           </a:p>
           <a:p>
             <a:pPr algn="l"/>
             <a:r>
-              <a:rPr lang="en-US" sz="6200" dirty="0" err="1"/>
-              <a:t>Apriori</a:t>
-            </a:r>
-            <a:r>
               <a:rPr lang="en-US" sz="6200" dirty="0"/>
-              <a:t> Algorithm Demo </a:t>
+              <a:t>Types of Naive Bayes </a:t>
             </a:r>
           </a:p>
           <a:p>
             <a:pPr algn="l"/>
             <a:r>
               <a:rPr lang="en-US" sz="6200" dirty="0"/>
-              <a:t>Reinforcement Learning </a:t>
+              <a:t>Steps involved in Naive Bayes </a:t>
             </a:r>
           </a:p>
           <a:p>
             <a:pPr algn="l"/>
             <a:r>
               <a:rPr lang="en-US" sz="6200" dirty="0"/>
-              <a:t>	Reinforcement Learning: Counter-Strike Example </a:t>
+              <a:t>PIMA Diabetic Test Use Case </a:t>
             </a:r>
           </a:p>
           <a:p>
             <a:pPr algn="l"/>
             <a:r>
               <a:rPr lang="en-US" sz="6200" dirty="0"/>
-              <a:t>Markov's Decision Process </a:t>
+              <a:t>Support Vector Machine </a:t>
             </a:r>
           </a:p>
           <a:p>
             <a:pPr algn="l"/>
-            <a:br>
-              <a:rPr lang="en-US" sz="6600" dirty="0"/>
-            </a:br>
-            <a:endParaRPr lang="en-US" sz="6600" dirty="0"/>
+            <a:r>
+              <a:rPr lang="en-US" sz="6200" dirty="0"/>
+              <a:t>Non-Linear SVM </a:t>
+            </a:r>
+          </a:p>
+          <a:p>
+            <a:pPr algn="l"/>
+            <a:r>
+              <a:rPr lang="en-US" sz="6200" dirty="0"/>
+              <a:t>SVM Use-case </a:t>
+            </a:r>
           </a:p>
         </p:txBody>
       </p:sp>
@@ -6645,7 +6690,7 @@
     </p:spTree>
     <p:extLst>
       <p:ext uri="{BB962C8B-B14F-4D97-AF65-F5344CB8AC3E}">
-        <p14:creationId xmlns:p14="http://schemas.microsoft.com/office/powerpoint/2010/main" val="1344136077"/>
+        <p14:creationId xmlns:p14="http://schemas.microsoft.com/office/powerpoint/2010/main" val="3761855347"/>
       </p:ext>
     </p:extLst>
   </p:cSld>
@@ -6690,6 +6735,198 @@
         </p:spPr>
         <p:txBody>
           <a:bodyPr>
+            <a:normAutofit fontScale="32500" lnSpcReduction="20000"/>
+          </a:bodyPr>
+          <a:lstStyle/>
+          <a:p>
+            <a:pPr algn="l"/>
+            <a:r>
+              <a:rPr lang="en-US" sz="6200" dirty="0"/>
+              <a:t>K-Means Clustering &amp; Association Rule Mining </a:t>
+            </a:r>
+          </a:p>
+          <a:p>
+            <a:pPr algn="l"/>
+            <a:r>
+              <a:rPr lang="en-US" sz="6200" dirty="0"/>
+              <a:t>Types of Clustering </a:t>
+            </a:r>
+          </a:p>
+          <a:p>
+            <a:pPr algn="l"/>
+            <a:r>
+              <a:rPr lang="en-US" sz="6200" dirty="0"/>
+              <a:t>K-Means Clustering </a:t>
+            </a:r>
+          </a:p>
+          <a:p>
+            <a:pPr algn="l"/>
+            <a:r>
+              <a:rPr lang="en-US" sz="6200" dirty="0"/>
+              <a:t>K-Means Working </a:t>
+            </a:r>
+          </a:p>
+          <a:p>
+            <a:pPr algn="l"/>
+            <a:r>
+              <a:rPr lang="en-US" sz="6200" dirty="0"/>
+              <a:t>Pros &amp; Cons of K-Means Clustering </a:t>
+            </a:r>
+          </a:p>
+          <a:p>
+            <a:pPr algn="l"/>
+            <a:r>
+              <a:rPr lang="en-US" sz="6200" dirty="0"/>
+              <a:t>K-Means Demo </a:t>
+            </a:r>
+          </a:p>
+          <a:p>
+            <a:pPr algn="l"/>
+            <a:r>
+              <a:rPr lang="en-US" sz="6200" dirty="0"/>
+              <a:t>Hierarchical Clustering </a:t>
+            </a:r>
+          </a:p>
+          <a:p>
+            <a:pPr algn="l"/>
+            <a:r>
+              <a:rPr lang="en-US" sz="6200" dirty="0"/>
+              <a:t>Association Rule Mining </a:t>
+            </a:r>
+          </a:p>
+          <a:p>
+            <a:pPr algn="l"/>
+            <a:r>
+              <a:rPr lang="en-US" sz="6200" dirty="0" err="1"/>
+              <a:t>Apriori</a:t>
+            </a:r>
+            <a:r>
+              <a:rPr lang="en-US" sz="6200" dirty="0"/>
+              <a:t> Algorithm </a:t>
+            </a:r>
+          </a:p>
+          <a:p>
+            <a:pPr algn="l"/>
+            <a:r>
+              <a:rPr lang="en-US" sz="6200" dirty="0" err="1"/>
+              <a:t>Apriori</a:t>
+            </a:r>
+            <a:r>
+              <a:rPr lang="en-US" sz="6200" dirty="0"/>
+              <a:t> Algorithm Demo </a:t>
+            </a:r>
+          </a:p>
+          <a:p>
+            <a:pPr algn="l"/>
+            <a:r>
+              <a:rPr lang="en-US" sz="6200" dirty="0"/>
+              <a:t>Reinforcement Learning </a:t>
+            </a:r>
+          </a:p>
+          <a:p>
+            <a:pPr algn="l"/>
+            <a:r>
+              <a:rPr lang="en-US" sz="6200" dirty="0"/>
+              <a:t>	Reinforcement Learning: Counter-Strike Example </a:t>
+            </a:r>
+          </a:p>
+          <a:p>
+            <a:pPr algn="l"/>
+            <a:r>
+              <a:rPr lang="en-US" sz="6200" dirty="0"/>
+              <a:t>Markov's Decision Process </a:t>
+            </a:r>
+          </a:p>
+          <a:p>
+            <a:pPr algn="l"/>
+            <a:r>
+              <a:rPr lang="en-US" sz="6600" dirty="0"/>
+              <a:t/>
+            </a:r>
+            <a:br>
+              <a:rPr lang="en-US" sz="6600" dirty="0"/>
+            </a:br>
+            <a:endParaRPr lang="en-US" sz="6600" dirty="0"/>
+          </a:p>
+        </p:txBody>
+      </p:sp>
+      <p:sp>
+        <p:nvSpPr>
+          <p:cNvPr id="4" name="TextBox 3"/>
+          <p:cNvSpPr txBox="1"/>
+          <p:nvPr/>
+        </p:nvSpPr>
+        <p:spPr>
+          <a:xfrm>
+            <a:off x="522514" y="217714"/>
+            <a:ext cx="936154" cy="369332"/>
+          </a:xfrm>
+          <a:prstGeom prst="rect">
+            <a:avLst/>
+          </a:prstGeom>
+          <a:noFill/>
+        </p:spPr>
+        <p:txBody>
+          <a:bodyPr wrap="none" rtlCol="0">
+            <a:spAutoFit/>
+          </a:bodyPr>
+          <a:lstStyle/>
+          <a:p>
+            <a:r>
+              <a:rPr lang="en-US" dirty="0"/>
+              <a:t>Content</a:t>
+            </a:r>
+          </a:p>
+        </p:txBody>
+      </p:sp>
+    </p:spTree>
+    <p:extLst>
+      <p:ext uri="{BB962C8B-B14F-4D97-AF65-F5344CB8AC3E}">
+        <p14:creationId xmlns:p14="http://schemas.microsoft.com/office/powerpoint/2010/main" val="1344136077"/>
+      </p:ext>
+    </p:extLst>
+  </p:cSld>
+  <p:clrMapOvr>
+    <a:masterClrMapping/>
+  </p:clrMapOvr>
+</p:sld>
+</file>
+
+<file path=ppt/slides/slide23.xml><?xml version="1.0" encoding="utf-8"?>
+<p:sld xmlns:a="http://schemas.openxmlformats.org/drawingml/2006/main" xmlns:r="http://schemas.openxmlformats.org/officeDocument/2006/relationships" xmlns:p="http://schemas.openxmlformats.org/presentationml/2006/main">
+  <p:cSld>
+    <p:spTree>
+      <p:nvGrpSpPr>
+        <p:cNvPr id="1" name=""/>
+        <p:cNvGrpSpPr/>
+        <p:nvPr/>
+      </p:nvGrpSpPr>
+      <p:grpSpPr>
+        <a:xfrm>
+          <a:off x="0" y="0"/>
+          <a:ext cx="0" cy="0"/>
+          <a:chOff x="0" y="0"/>
+          <a:chExt cx="0" cy="0"/>
+        </a:xfrm>
+      </p:grpSpPr>
+      <p:sp>
+        <p:nvSpPr>
+          <p:cNvPr id="3" name="Subtitle 2"/>
+          <p:cNvSpPr>
+            <a:spLocks noGrp="1"/>
+          </p:cNvSpPr>
+          <p:nvPr>
+            <p:ph type="subTitle" idx="1"/>
+          </p:nvPr>
+        </p:nvSpPr>
+        <p:spPr>
+          <a:xfrm>
+            <a:off x="1166948" y="815294"/>
+            <a:ext cx="9144000" cy="5498419"/>
+          </a:xfrm>
+        </p:spPr>
+        <p:txBody>
+          <a:bodyPr>
             <a:normAutofit fontScale="40000" lnSpcReduction="20000"/>
           </a:bodyPr>
           <a:lstStyle/>
@@ -6779,6 +7016,10 @@
             <a:r>
               <a:rPr lang="en-US" sz="6200" dirty="0"/>
               <a:t>Machine Learning Interview Questions</a:t>
+            </a:r>
+            <a:r>
+              <a:rPr lang="en-US" sz="6600" dirty="0"/>
+              <a:t/>
             </a:r>
             <a:br>
               <a:rPr lang="en-US" sz="6600" dirty="0"/>
@@ -8414,21 +8655,6 @@
 </file>
 
 <file path=customXml/item1.xml><?xml version="1.0" encoding="utf-8"?>
-<p:properties xmlns:p="http://schemas.microsoft.com/office/2006/metadata/properties" xmlns:xsi="http://www.w3.org/2001/XMLSchema-instance" xmlns:pc="http://schemas.microsoft.com/office/infopath/2007/PartnerControls">
-  <documentManagement/>
-</p:properties>
-</file>
-
-<file path=customXml/item2.xml><?xml version="1.0" encoding="utf-8"?>
-<?mso-contentType ?>
-<FormTemplates xmlns="http://schemas.microsoft.com/sharepoint/v3/contenttype/forms">
-  <Display>DocumentLibraryForm</Display>
-  <Edit>DocumentLibraryForm</Edit>
-  <New>DocumentLibraryForm</New>
-</FormTemplates>
-</file>
-
-<file path=customXml/item3.xml><?xml version="1.0" encoding="utf-8"?>
 <ct:contentTypeSchema xmlns:ct="http://schemas.microsoft.com/office/2006/metadata/contentType" xmlns:ma="http://schemas.microsoft.com/office/2006/metadata/properties/metaAttributes" ct:_="" ma:_="" ma:contentTypeName="Document" ma:contentTypeID="0x01010040A75B615E1C194CABC80F3CAEA6E4E5" ma:contentTypeVersion="9" ma:contentTypeDescription="Create a new document." ma:contentTypeScope="" ma:versionID="4a1cf2a28ba0a9e91fab658e05820dde">
   <xsd:schema xmlns:xsd="http://www.w3.org/2001/XMLSchema" xmlns:xs="http://www.w3.org/2001/XMLSchema" xmlns:p="http://schemas.microsoft.com/office/2006/metadata/properties" xmlns:ns3="d97dfd74-0758-4aac-b7c3-4f13d10397e8" xmlns:ns4="851bce1a-01c5-49d9-967d-64af5945ebef" targetNamespace="http://schemas.microsoft.com/office/2006/metadata/properties" ma:root="true" ma:fieldsID="090359357a8ddcd8bb6253bd66cd91d0" ns3:_="" ns4:_="">
     <xsd:import namespace="d97dfd74-0758-4aac-b7c3-4f13d10397e8"/>
@@ -8625,32 +8851,22 @@
 </ct:contentTypeSchema>
 </file>
 
-<file path=customXml/itemProps1.xml><?xml version="1.0" encoding="utf-8"?>
-<ds:datastoreItem xmlns:ds="http://schemas.openxmlformats.org/officeDocument/2006/customXml" ds:itemID="{AC2D31F3-7864-444C-82A7-D6387F098876}">
-  <ds:schemaRefs>
-    <ds:schemaRef ds:uri="http://purl.org/dc/terms/"/>
-    <ds:schemaRef ds:uri="http://schemas.openxmlformats.org/package/2006/metadata/core-properties"/>
-    <ds:schemaRef ds:uri="http://purl.org/dc/dcmitype/"/>
-    <ds:schemaRef ds:uri="http://schemas.microsoft.com/office/infopath/2007/PartnerControls"/>
-    <ds:schemaRef ds:uri="http://purl.org/dc/elements/1.1/"/>
-    <ds:schemaRef ds:uri="http://schemas.microsoft.com/office/2006/metadata/properties"/>
-    <ds:schemaRef ds:uri="http://schemas.microsoft.com/office/2006/documentManagement/types"/>
-    <ds:schemaRef ds:uri="d97dfd74-0758-4aac-b7c3-4f13d10397e8"/>
-    <ds:schemaRef ds:uri="851bce1a-01c5-49d9-967d-64af5945ebef"/>
-    <ds:schemaRef ds:uri="http://www.w3.org/XML/1998/namespace"/>
-  </ds:schemaRefs>
-</ds:datastoreItem>
+<file path=customXml/item2.xml><?xml version="1.0" encoding="utf-8"?>
+<?mso-contentType ?>
+<FormTemplates xmlns="http://schemas.microsoft.com/sharepoint/v3/contenttype/forms">
+  <Display>DocumentLibraryForm</Display>
+  <Edit>DocumentLibraryForm</Edit>
+  <New>DocumentLibraryForm</New>
+</FormTemplates>
 </file>
 
-<file path=customXml/itemProps2.xml><?xml version="1.0" encoding="utf-8"?>
-<ds:datastoreItem xmlns:ds="http://schemas.openxmlformats.org/officeDocument/2006/customXml" ds:itemID="{9A56549F-9000-409B-8EE1-A7AE4257567A}">
-  <ds:schemaRefs>
-    <ds:schemaRef ds:uri="http://schemas.microsoft.com/sharepoint/v3/contenttype/forms"/>
-  </ds:schemaRefs>
-</ds:datastoreItem>
+<file path=customXml/item3.xml><?xml version="1.0" encoding="utf-8"?>
+<p:properties xmlns:p="http://schemas.microsoft.com/office/2006/metadata/properties" xmlns:xsi="http://www.w3.org/2001/XMLSchema-instance" xmlns:pc="http://schemas.microsoft.com/office/infopath/2007/PartnerControls">
+  <documentManagement/>
+</p:properties>
 </file>
 
-<file path=customXml/itemProps3.xml><?xml version="1.0" encoding="utf-8"?>
+<file path=customXml/itemProps1.xml><?xml version="1.0" encoding="utf-8"?>
 <ds:datastoreItem xmlns:ds="http://schemas.openxmlformats.org/officeDocument/2006/customXml" ds:itemID="{A173A3F4-56E8-4506-812D-90D9C8F7ED90}">
   <ds:schemaRefs>
     <ds:schemaRef ds:uri="http://schemas.microsoft.com/office/2006/metadata/contentType"/>
@@ -8667,4 +8883,29 @@
     <ds:schemaRef ds:uri="http://schemas.microsoft.com/internal/obd"/>
   </ds:schemaRefs>
 </ds:datastoreItem>
+</file>
+
+<file path=customXml/itemProps2.xml><?xml version="1.0" encoding="utf-8"?>
+<ds:datastoreItem xmlns:ds="http://schemas.openxmlformats.org/officeDocument/2006/customXml" ds:itemID="{9A56549F-9000-409B-8EE1-A7AE4257567A}">
+  <ds:schemaRefs>
+    <ds:schemaRef ds:uri="http://schemas.microsoft.com/sharepoint/v3/contenttype/forms"/>
+  </ds:schemaRefs>
+</ds:datastoreItem>
+</file>
+
+<file path=customXml/itemProps3.xml><?xml version="1.0" encoding="utf-8"?>
+<ds:datastoreItem xmlns:ds="http://schemas.openxmlformats.org/officeDocument/2006/customXml" ds:itemID="{AC2D31F3-7864-444C-82A7-D6387F098876}">
+  <ds:schemaRefs>
+    <ds:schemaRef ds:uri="http://purl.org/dc/terms/"/>
+    <ds:schemaRef ds:uri="http://schemas.openxmlformats.org/package/2006/metadata/core-properties"/>
+    <ds:schemaRef ds:uri="http://purl.org/dc/dcmitype/"/>
+    <ds:schemaRef ds:uri="http://schemas.microsoft.com/office/infopath/2007/PartnerControls"/>
+    <ds:schemaRef ds:uri="http://purl.org/dc/elements/1.1/"/>
+    <ds:schemaRef ds:uri="http://schemas.microsoft.com/office/2006/metadata/properties"/>
+    <ds:schemaRef ds:uri="http://schemas.microsoft.com/office/2006/documentManagement/types"/>
+    <ds:schemaRef ds:uri="d97dfd74-0758-4aac-b7c3-4f13d10397e8"/>
+    <ds:schemaRef ds:uri="851bce1a-01c5-49d9-967d-64af5945ebef"/>
+    <ds:schemaRef ds:uri="http://www.w3.org/XML/1998/namespace"/>
+  </ds:schemaRefs>
+</ds:datastoreItem>
 </file>
--- a/AI-ML-DL/Machine Learning.pptx
+++ b/AI-ML-DL/Machine Learning.pptx
@@ -5,7 +5,7 @@
     <p:sldMasterId id="2147483648" r:id="rId4"/>
   </p:sldMasterIdLst>
   <p:notesMasterIdLst>
-    <p:notesMasterId r:id="rId28"/>
+    <p:notesMasterId r:id="rId30"/>
   </p:notesMasterIdLst>
   <p:sldIdLst>
     <p:sldId id="256" r:id="rId5"/>
@@ -27,10 +27,12 @@
     <p:sldId id="278" r:id="rId21"/>
     <p:sldId id="263" r:id="rId22"/>
     <p:sldId id="279" r:id="rId23"/>
-    <p:sldId id="276" r:id="rId24"/>
-    <p:sldId id="264" r:id="rId25"/>
-    <p:sldId id="265" r:id="rId26"/>
-    <p:sldId id="266" r:id="rId27"/>
+    <p:sldId id="281" r:id="rId24"/>
+    <p:sldId id="280" r:id="rId25"/>
+    <p:sldId id="276" r:id="rId26"/>
+    <p:sldId id="264" r:id="rId27"/>
+    <p:sldId id="265" r:id="rId28"/>
+    <p:sldId id="266" r:id="rId29"/>
   </p:sldIdLst>
   <p:sldSz cx="12192000" cy="6858000"/>
   <p:notesSz cx="6858000" cy="9144000"/>
@@ -227,7 +229,7 @@
           <a:p>
             <a:fld id="{1E5BB661-8884-4460-B9ED-FD0D9BF054C6}" type="datetimeFigureOut">
               <a:rPr lang="en-US" smtClean="0"/>
-              <a:t>6/19/2020</a:t>
+              <a:t>6/20/2020</a:t>
             </a:fld>
             <a:endParaRPr lang="en-US"/>
           </a:p>
@@ -716,7 +718,7 @@
           <a:p>
             <a:fld id="{99CA405F-FDE6-4D37-9F47-E73AA25D91EF}" type="datetimeFigureOut">
               <a:rPr lang="en-US" smtClean="0"/>
-              <a:t>6/19/2020</a:t>
+              <a:t>6/20/2020</a:t>
             </a:fld>
             <a:endParaRPr lang="en-US"/>
           </a:p>
@@ -884,7 +886,7 @@
           <a:p>
             <a:fld id="{99CA405F-FDE6-4D37-9F47-E73AA25D91EF}" type="datetimeFigureOut">
               <a:rPr lang="en-US" smtClean="0"/>
-              <a:t>6/19/2020</a:t>
+              <a:t>6/20/2020</a:t>
             </a:fld>
             <a:endParaRPr lang="en-US"/>
           </a:p>
@@ -1062,7 +1064,7 @@
           <a:p>
             <a:fld id="{99CA405F-FDE6-4D37-9F47-E73AA25D91EF}" type="datetimeFigureOut">
               <a:rPr lang="en-US" smtClean="0"/>
-              <a:t>6/19/2020</a:t>
+              <a:t>6/20/2020</a:t>
             </a:fld>
             <a:endParaRPr lang="en-US"/>
           </a:p>
@@ -1230,7 +1232,7 @@
           <a:p>
             <a:fld id="{99CA405F-FDE6-4D37-9F47-E73AA25D91EF}" type="datetimeFigureOut">
               <a:rPr lang="en-US" smtClean="0"/>
-              <a:t>6/19/2020</a:t>
+              <a:t>6/20/2020</a:t>
             </a:fld>
             <a:endParaRPr lang="en-US"/>
           </a:p>
@@ -1475,7 +1477,7 @@
           <a:p>
             <a:fld id="{99CA405F-FDE6-4D37-9F47-E73AA25D91EF}" type="datetimeFigureOut">
               <a:rPr lang="en-US" smtClean="0"/>
-              <a:t>6/19/2020</a:t>
+              <a:t>6/20/2020</a:t>
             </a:fld>
             <a:endParaRPr lang="en-US"/>
           </a:p>
@@ -1704,7 +1706,7 @@
           <a:p>
             <a:fld id="{99CA405F-FDE6-4D37-9F47-E73AA25D91EF}" type="datetimeFigureOut">
               <a:rPr lang="en-US" smtClean="0"/>
-              <a:t>6/19/2020</a:t>
+              <a:t>6/20/2020</a:t>
             </a:fld>
             <a:endParaRPr lang="en-US"/>
           </a:p>
@@ -2068,7 +2070,7 @@
           <a:p>
             <a:fld id="{99CA405F-FDE6-4D37-9F47-E73AA25D91EF}" type="datetimeFigureOut">
               <a:rPr lang="en-US" smtClean="0"/>
-              <a:t>6/19/2020</a:t>
+              <a:t>6/20/2020</a:t>
             </a:fld>
             <a:endParaRPr lang="en-US"/>
           </a:p>
@@ -2185,7 +2187,7 @@
           <a:p>
             <a:fld id="{99CA405F-FDE6-4D37-9F47-E73AA25D91EF}" type="datetimeFigureOut">
               <a:rPr lang="en-US" smtClean="0"/>
-              <a:t>6/19/2020</a:t>
+              <a:t>6/20/2020</a:t>
             </a:fld>
             <a:endParaRPr lang="en-US"/>
           </a:p>
@@ -2280,7 +2282,7 @@
           <a:p>
             <a:fld id="{99CA405F-FDE6-4D37-9F47-E73AA25D91EF}" type="datetimeFigureOut">
               <a:rPr lang="en-US" smtClean="0"/>
-              <a:t>6/19/2020</a:t>
+              <a:t>6/20/2020</a:t>
             </a:fld>
             <a:endParaRPr lang="en-US"/>
           </a:p>
@@ -2555,7 +2557,7 @@
           <a:p>
             <a:fld id="{99CA405F-FDE6-4D37-9F47-E73AA25D91EF}" type="datetimeFigureOut">
               <a:rPr lang="en-US" smtClean="0"/>
-              <a:t>6/19/2020</a:t>
+              <a:t>6/20/2020</a:t>
             </a:fld>
             <a:endParaRPr lang="en-US"/>
           </a:p>
@@ -2807,7 +2809,7 @@
           <a:p>
             <a:fld id="{99CA405F-FDE6-4D37-9F47-E73AA25D91EF}" type="datetimeFigureOut">
               <a:rPr lang="en-US" smtClean="0"/>
-              <a:t>6/19/2020</a:t>
+              <a:t>6/20/2020</a:t>
             </a:fld>
             <a:endParaRPr lang="en-US"/>
           </a:p>
@@ -3018,7 +3020,7 @@
           <a:p>
             <a:fld id="{99CA405F-FDE6-4D37-9F47-E73AA25D91EF}" type="datetimeFigureOut">
               <a:rPr lang="en-US" smtClean="0"/>
-              <a:t>6/19/2020</a:t>
+              <a:t>6/20/2020</a:t>
             </a:fld>
             <a:endParaRPr lang="en-US"/>
           </a:p>
@@ -3463,28 +3465,27 @@
           <a:lstStyle/>
           <a:p>
             <a:r>
-              <a:rPr lang="en-US" dirty="0" smtClean="0"/>
+              <a:rPr lang="en-US" dirty="0"/>
               <a:t>Instructor</a:t>
             </a:r>
           </a:p>
           <a:p>
             <a:r>
-              <a:rPr lang="en-US" dirty="0" smtClean="0"/>
+              <a:rPr lang="en-US" dirty="0"/>
               <a:t>Ren Shan</a:t>
             </a:r>
           </a:p>
           <a:p>
             <a:r>
-              <a:rPr lang="en-US" dirty="0" smtClean="0"/>
+              <a:rPr lang="en-US" dirty="0"/>
               <a:t>IEEE Senior Member</a:t>
             </a:r>
           </a:p>
           <a:p>
             <a:r>
-              <a:rPr lang="en-US" dirty="0" smtClean="0"/>
+              <a:rPr lang="en-US" dirty="0"/>
               <a:t>SAIC Fellow</a:t>
             </a:r>
-            <a:endParaRPr lang="en-US" dirty="0"/>
           </a:p>
         </p:txBody>
       </p:sp>
@@ -4257,7 +4258,7 @@
                 <a16:creationId xmlns:a16="http://schemas.microsoft.com/office/drawing/2014/main" id="{DEE5C6BA-FE2A-4C38-8D88-E70C06E54F82}"/>
               </a:ext>
               <a:ext uri="{C183D7F6-B498-43B3-948B-1728B52AA6E4}">
-                <adec:decorative xmlns:adec="http://schemas.microsoft.com/office/drawing/2017/decorative" xmlns="" val="1"/>
+                <adec:decorative xmlns:adec="http://schemas.microsoft.com/office/drawing/2017/decorative" val="1"/>
               </a:ext>
             </a:extLst>
           </p:cNvPr>
@@ -4343,7 +4344,7 @@
                 <a16:creationId xmlns:a16="http://schemas.microsoft.com/office/drawing/2014/main" id="{53E66F28-0926-4CFB-BDAB-646CAB184CB0}"/>
               </a:ext>
               <a:ext uri="{C183D7F6-B498-43B3-948B-1728B52AA6E4}">
-                <adec:decorative xmlns:adec="http://schemas.microsoft.com/office/drawing/2017/decorative" xmlns="" val="1"/>
+                <adec:decorative xmlns:adec="http://schemas.microsoft.com/office/drawing/2017/decorative" val="1"/>
               </a:ext>
             </a:extLst>
           </p:cNvPr>
@@ -4434,7 +4435,7 @@
                 <a16:creationId xmlns:a16="http://schemas.microsoft.com/office/drawing/2014/main" id="{DE9FA85F-F0FB-4952-A05F-04CC67B18EE5}"/>
               </a:ext>
               <a:ext uri="{C183D7F6-B498-43B3-948B-1728B52AA6E4}">
-                <adec:decorative xmlns:adec="http://schemas.microsoft.com/office/drawing/2017/decorative" xmlns="" val="1"/>
+                <adec:decorative xmlns:adec="http://schemas.microsoft.com/office/drawing/2017/decorative" val="1"/>
               </a:ext>
             </a:extLst>
           </p:cNvPr>
@@ -4880,7 +4881,7 @@
                 <a16:creationId xmlns:a16="http://schemas.microsoft.com/office/drawing/2014/main" id="{FEBD362A-CC27-47D9-8FC3-A5E91BA0760C}"/>
               </a:ext>
               <a:ext uri="{C183D7F6-B498-43B3-948B-1728B52AA6E4}">
-                <adec:decorative xmlns:adec="http://schemas.microsoft.com/office/drawing/2017/decorative" xmlns="" val="1"/>
+                <adec:decorative xmlns:adec="http://schemas.microsoft.com/office/drawing/2017/decorative" val="1"/>
               </a:ext>
             </a:extLst>
           </p:cNvPr>
@@ -5816,7 +5817,7 @@
               <a:buChar char="•"/>
             </a:pPr>
             <a:r>
-              <a:rPr lang="en-US" sz="3300" dirty="0" smtClean="0"/>
+              <a:rPr lang="en-US" sz="3300" dirty="0"/>
               <a:t>Regression</a:t>
             </a:r>
           </a:p>
@@ -5876,7 +5877,6 @@
               <a:rPr lang="en-US" sz="3300" dirty="0"/>
               <a:t>Decision Tree </a:t>
             </a:r>
-            <a:endParaRPr lang="en-US" sz="3300" dirty="0" smtClean="0"/>
           </a:p>
           <a:p>
             <a:pPr marL="457200" indent="-457200" algn="l">
@@ -5884,7 +5884,7 @@
               <a:buChar char="•"/>
             </a:pPr>
             <a:r>
-              <a:rPr lang="en-US" sz="3300" dirty="0" smtClean="0"/>
+              <a:rPr lang="en-US" sz="3300" dirty="0"/>
               <a:t>Random Forest</a:t>
             </a:r>
           </a:p>
@@ -5894,18 +5894,17 @@
               <a:buChar char="•"/>
             </a:pPr>
             <a:r>
-              <a:rPr lang="en-US" sz="3300" dirty="0" smtClean="0"/>
+              <a:rPr lang="en-US" sz="3300" dirty="0"/>
               <a:t>Naïve </a:t>
             </a:r>
             <a:r>
-              <a:rPr lang="en-US" sz="3300" dirty="0" err="1" smtClean="0"/>
+              <a:rPr lang="en-US" sz="3300" dirty="0" err="1"/>
               <a:t>Bayers</a:t>
             </a:r>
             <a:r>
-              <a:rPr lang="en-US" sz="3300" dirty="0" smtClean="0"/>
+              <a:rPr lang="en-US" sz="3300" dirty="0"/>
               <a:t> Classifier</a:t>
             </a:r>
-            <a:endParaRPr lang="en-US" sz="3300" dirty="0"/>
           </a:p>
           <a:p>
             <a:pPr algn="l"/>
@@ -5999,22 +5998,21 @@
           <a:p>
             <a:pPr algn="l"/>
             <a:r>
-              <a:rPr lang="en-US" sz="2900" dirty="0" smtClean="0"/>
+              <a:rPr lang="en-US" sz="2900" dirty="0"/>
               <a:t>“Regression analysis is form of predictive modelling technique with investigates the relationship between a dependent and independent variable.”</a:t>
             </a:r>
-            <a:endParaRPr lang="en-US" sz="2900" dirty="0" smtClean="0"/>
           </a:p>
           <a:p>
             <a:pPr marL="914400" lvl="1" indent="-457200" algn="l">
               <a:buFont typeface="Arial" panose="020B0604020202020204" pitchFamily="34" charset="0"/>
               <a:buChar char="•"/>
             </a:pPr>
-            <a:endParaRPr lang="en-US" sz="2900" dirty="0" smtClean="0"/>
+            <a:endParaRPr lang="en-US" sz="2900" dirty="0"/>
           </a:p>
           <a:p>
             <a:pPr algn="l"/>
             <a:r>
-              <a:rPr lang="en-US" sz="3300" dirty="0" smtClean="0"/>
+              <a:rPr lang="en-US" sz="3300" dirty="0"/>
               <a:t>Uses of Regression</a:t>
             </a:r>
           </a:p>
@@ -6024,7 +6022,7 @@
               <a:buChar char="•"/>
             </a:pPr>
             <a:r>
-              <a:rPr lang="en-US" sz="2900" dirty="0" smtClean="0"/>
+              <a:rPr lang="en-US" sz="2900" dirty="0"/>
               <a:t>Determining the strength of predictions</a:t>
             </a:r>
           </a:p>
@@ -6034,7 +6032,7 @@
               <a:buChar char="o"/>
             </a:pPr>
             <a:r>
-              <a:rPr lang="en-US" sz="2700" dirty="0" smtClean="0"/>
+              <a:rPr lang="en-US" sz="2700" dirty="0"/>
               <a:t>Relationship between the salary and </a:t>
             </a:r>
           </a:p>
@@ -6044,7 +6042,7 @@
               <a:buChar char="•"/>
             </a:pPr>
             <a:r>
-              <a:rPr lang="en-US" sz="2900" dirty="0" smtClean="0"/>
+              <a:rPr lang="en-US" sz="2900" dirty="0"/>
               <a:t>Forecasting an effect</a:t>
             </a:r>
           </a:p>
@@ -6054,7 +6052,7 @@
               <a:buChar char="o"/>
             </a:pPr>
             <a:r>
-              <a:rPr lang="en-US" sz="2700" dirty="0" smtClean="0"/>
+              <a:rPr lang="en-US" sz="2700" dirty="0"/>
               <a:t>What will be salary for a new employee with certain skills</a:t>
             </a:r>
           </a:p>
@@ -6064,7 +6062,7 @@
               <a:buChar char="•"/>
             </a:pPr>
             <a:r>
-              <a:rPr lang="en-US" sz="2900" dirty="0" smtClean="0"/>
+              <a:rPr lang="en-US" sz="2900" dirty="0"/>
               <a:t>Trend forecasting</a:t>
             </a:r>
           </a:p>
@@ -6074,10 +6072,9 @@
               <a:buChar char="o"/>
             </a:pPr>
             <a:r>
-              <a:rPr lang="en-US" sz="2700" dirty="0" smtClean="0"/>
+              <a:rPr lang="en-US" sz="2700" dirty="0"/>
               <a:t>What will be the price of bitcoin in next 6 months</a:t>
             </a:r>
-            <a:endParaRPr lang="en-US" sz="2700" dirty="0" smtClean="0"/>
           </a:p>
           <a:p>
             <a:pPr lvl="1" algn="l"/>
@@ -6109,13 +6106,8 @@
           <a:p>
             <a:r>
               <a:rPr lang="en-US" sz="3200" dirty="0"/>
-              <a:t>Class-3: Supervised Learning </a:t>
-            </a:r>
-            <a:r>
-              <a:rPr lang="en-US" sz="3200" dirty="0" smtClean="0"/>
-              <a:t>Algorithms – Linear Regression</a:t>
-            </a:r>
-            <a:endParaRPr lang="en-US" sz="3200" dirty="0"/>
+              <a:t>Class-3: Supervised Learning Algorithms – Linear Regression</a:t>
+            </a:r>
           </a:p>
         </p:txBody>
       </p:sp>
@@ -6386,93 +6378,6 @@
       </p:grpSpPr>
       <p:sp>
         <p:nvSpPr>
-          <p:cNvPr id="3" name="Subtitle 2"/>
-          <p:cNvSpPr>
-            <a:spLocks noGrp="1"/>
-          </p:cNvSpPr>
-          <p:nvPr>
-            <p:ph type="subTitle" idx="1"/>
-          </p:nvPr>
-        </p:nvSpPr>
-        <p:spPr>
-          <a:xfrm>
-            <a:off x="1166948" y="815294"/>
-            <a:ext cx="9144000" cy="5498419"/>
-          </a:xfrm>
-        </p:spPr>
-        <p:txBody>
-          <a:bodyPr>
-            <a:normAutofit/>
-          </a:bodyPr>
-          <a:lstStyle/>
-          <a:p>
-            <a:pPr marL="457200" indent="-457200" algn="l">
-              <a:buFont typeface="Arial" panose="020B0604020202020204" pitchFamily="34" charset="0"/>
-              <a:buChar char="•"/>
-            </a:pPr>
-            <a:r>
-              <a:rPr lang="en-US" sz="3200" dirty="0"/>
-              <a:t>What is Classification? </a:t>
-            </a:r>
-          </a:p>
-          <a:p>
-            <a:pPr marL="457200" indent="-457200" algn="l">
-              <a:buFont typeface="Arial" panose="020B0604020202020204" pitchFamily="34" charset="0"/>
-              <a:buChar char="•"/>
-            </a:pPr>
-            <a:r>
-              <a:rPr lang="en-US" sz="3200" dirty="0"/>
-              <a:t>Types of Classification </a:t>
-            </a:r>
-          </a:p>
-          <a:p>
-            <a:pPr marL="457200" indent="-457200" algn="l">
-              <a:buFont typeface="Arial" panose="020B0604020202020204" pitchFamily="34" charset="0"/>
-              <a:buChar char="•"/>
-            </a:pPr>
-            <a:r>
-              <a:rPr lang="en-US" sz="3200" dirty="0"/>
-              <a:t>Decision Tree </a:t>
-            </a:r>
-          </a:p>
-          <a:p>
-            <a:pPr marL="457200" indent="-457200" algn="l">
-              <a:buFont typeface="Arial" panose="020B0604020202020204" pitchFamily="34" charset="0"/>
-              <a:buChar char="•"/>
-            </a:pPr>
-            <a:r>
-              <a:rPr lang="en-US" sz="3200" dirty="0"/>
-              <a:t>Decision Tree Terminologies </a:t>
-            </a:r>
-          </a:p>
-          <a:p>
-            <a:pPr marL="457200" indent="-457200" algn="l">
-              <a:buFont typeface="Arial" panose="020B0604020202020204" pitchFamily="34" charset="0"/>
-              <a:buChar char="•"/>
-            </a:pPr>
-            <a:r>
-              <a:rPr lang="en-US" sz="3200" dirty="0"/>
-              <a:t>Entropy </a:t>
-            </a:r>
-          </a:p>
-          <a:p>
-            <a:pPr marL="457200" indent="-457200" algn="l">
-              <a:buFont typeface="Arial" panose="020B0604020202020204" pitchFamily="34" charset="0"/>
-              <a:buChar char="•"/>
-            </a:pPr>
-            <a:r>
-              <a:rPr lang="en-US" sz="3200" dirty="0"/>
-              <a:t>Credit Risk Detection Use-case</a:t>
-            </a:r>
-            <a:r>
-              <a:rPr lang="en-US" sz="3300" dirty="0"/>
-              <a:t> </a:t>
-            </a:r>
-          </a:p>
-        </p:txBody>
-      </p:sp>
-      <p:sp>
-        <p:nvSpPr>
           <p:cNvPr id="5" name="TextBox 4"/>
           <p:cNvSpPr txBox="1"/>
           <p:nvPr/>
@@ -6495,15 +6400,362 @@
           <a:p>
             <a:r>
               <a:rPr lang="en-US" sz="3200" dirty="0"/>
-              <a:t>Class-3: Supervised Learning Algorithms</a:t>
-            </a:r>
-          </a:p>
-        </p:txBody>
-      </p:sp>
+              <a:t>Class-3: Linear Regression </a:t>
+            </a:r>
+          </a:p>
+        </p:txBody>
+      </p:sp>
+      <p:graphicFrame>
+        <p:nvGraphicFramePr>
+          <p:cNvPr id="2" name="Table 3">
+            <a:extLst>
+              <a:ext uri="{FF2B5EF4-FFF2-40B4-BE49-F238E27FC236}">
+                <a16:creationId xmlns:a16="http://schemas.microsoft.com/office/drawing/2014/main" id="{B4A5A27E-B594-4E50-98A5-F9F9D890D0ED}"/>
+              </a:ext>
+            </a:extLst>
+          </p:cNvPr>
+          <p:cNvGraphicFramePr>
+            <a:graphicFrameLocks noGrp="1"/>
+          </p:cNvGraphicFramePr>
+          <p:nvPr>
+            <p:extLst>
+              <p:ext uri="{D42A27DB-BD31-4B8C-83A1-F6EECF244321}">
+                <p14:modId xmlns:p14="http://schemas.microsoft.com/office/powerpoint/2010/main" val="3096946033"/>
+              </p:ext>
+            </p:extLst>
+          </p:nvPr>
+        </p:nvGraphicFramePr>
+        <p:xfrm>
+          <a:off x="415108" y="957580"/>
+          <a:ext cx="10759822" cy="3850640"/>
+        </p:xfrm>
+        <a:graphic>
+          <a:graphicData uri="http://schemas.openxmlformats.org/drawingml/2006/table">
+            <a:tbl>
+              <a:tblPr firstRow="1" bandRow="1">
+                <a:tableStyleId>{5C22544A-7EE6-4342-B048-85BDC9FD1C3A}</a:tableStyleId>
+              </a:tblPr>
+              <a:tblGrid>
+                <a:gridCol w="2934081">
+                  <a:extLst>
+                    <a:ext uri="{9D8B030D-6E8A-4147-A177-3AD203B41FA5}">
+                      <a16:colId xmlns:a16="http://schemas.microsoft.com/office/drawing/2014/main" val="2029966492"/>
+                    </a:ext>
+                  </a:extLst>
+                </a:gridCol>
+                <a:gridCol w="4260790">
+                  <a:extLst>
+                    <a:ext uri="{9D8B030D-6E8A-4147-A177-3AD203B41FA5}">
+                      <a16:colId xmlns:a16="http://schemas.microsoft.com/office/drawing/2014/main" val="1122156824"/>
+                    </a:ext>
+                  </a:extLst>
+                </a:gridCol>
+                <a:gridCol w="3564951">
+                  <a:extLst>
+                    <a:ext uri="{9D8B030D-6E8A-4147-A177-3AD203B41FA5}">
+                      <a16:colId xmlns:a16="http://schemas.microsoft.com/office/drawing/2014/main" val="827622800"/>
+                    </a:ext>
+                  </a:extLst>
+                </a:gridCol>
+              </a:tblGrid>
+              <a:tr h="324839">
+                <a:tc>
+                  <a:txBody>
+                    <a:bodyPr/>
+                    <a:lstStyle/>
+                    <a:p>
+                      <a:r>
+                        <a:rPr lang="en-US" dirty="0"/>
+                        <a:t>Basic</a:t>
+                      </a:r>
+                    </a:p>
+                  </a:txBody>
+                  <a:tcPr/>
+                </a:tc>
+                <a:tc>
+                  <a:txBody>
+                    <a:bodyPr/>
+                    <a:lstStyle/>
+                    <a:p>
+                      <a:r>
+                        <a:rPr lang="en-US" dirty="0"/>
+                        <a:t>Linear Regression</a:t>
+                      </a:r>
+                    </a:p>
+                  </a:txBody>
+                  <a:tcPr/>
+                </a:tc>
+                <a:tc>
+                  <a:txBody>
+                    <a:bodyPr/>
+                    <a:lstStyle/>
+                    <a:p>
+                      <a:r>
+                        <a:rPr lang="en-US" dirty="0"/>
+                        <a:t>Logistic Regression</a:t>
+                      </a:r>
+                    </a:p>
+                  </a:txBody>
+                  <a:tcPr/>
+                </a:tc>
+                <a:extLst>
+                  <a:ext uri="{0D108BD9-81ED-4DB2-BD59-A6C34878D82A}">
+                    <a16:rowId xmlns:a16="http://schemas.microsoft.com/office/drawing/2014/main" val="2263784012"/>
+                  </a:ext>
+                </a:extLst>
+              </a:tr>
+              <a:tr h="370840">
+                <a:tc>
+                  <a:txBody>
+                    <a:bodyPr/>
+                    <a:lstStyle/>
+                    <a:p>
+                      <a:r>
+                        <a:rPr lang="en-US" dirty="0"/>
+                        <a:t>Core Concept</a:t>
+                      </a:r>
+                    </a:p>
+                  </a:txBody>
+                  <a:tcPr/>
+                </a:tc>
+                <a:tc>
+                  <a:txBody>
+                    <a:bodyPr/>
+                    <a:lstStyle/>
+                    <a:p>
+                      <a:r>
+                        <a:rPr lang="en-US" dirty="0"/>
+                        <a:t>The data is modelled using a straight line</a:t>
+                      </a:r>
+                    </a:p>
+                  </a:txBody>
+                  <a:tcPr/>
+                </a:tc>
+                <a:tc>
+                  <a:txBody>
+                    <a:bodyPr/>
+                    <a:lstStyle/>
+                    <a:p>
+                      <a:r>
+                        <a:rPr lang="en-US" dirty="0"/>
+                        <a:t>The probability of some obtained event is represented as a linear function of a combination of predictor variables</a:t>
+                      </a:r>
+                    </a:p>
+                  </a:txBody>
+                  <a:tcPr/>
+                </a:tc>
+                <a:extLst>
+                  <a:ext uri="{0D108BD9-81ED-4DB2-BD59-A6C34878D82A}">
+                    <a16:rowId xmlns:a16="http://schemas.microsoft.com/office/drawing/2014/main" val="2767534480"/>
+                  </a:ext>
+                </a:extLst>
+              </a:tr>
+              <a:tr h="370840">
+                <a:tc>
+                  <a:txBody>
+                    <a:bodyPr/>
+                    <a:lstStyle/>
+                    <a:p>
+                      <a:r>
+                        <a:rPr lang="en-US" dirty="0"/>
+                        <a:t>Used with </a:t>
+                      </a:r>
+                    </a:p>
+                  </a:txBody>
+                  <a:tcPr/>
+                </a:tc>
+                <a:tc>
+                  <a:txBody>
+                    <a:bodyPr/>
+                    <a:lstStyle/>
+                    <a:p>
+                      <a:r>
+                        <a:rPr lang="en-US" dirty="0"/>
+                        <a:t>Continuous Variable (y = mx + c)</a:t>
+                      </a:r>
+                    </a:p>
+                  </a:txBody>
+                  <a:tcPr/>
+                </a:tc>
+                <a:tc>
+                  <a:txBody>
+                    <a:bodyPr/>
+                    <a:lstStyle/>
+                    <a:p>
+                      <a:r>
+                        <a:rPr lang="en-US" dirty="0"/>
+                        <a:t>Categorical Variable (sigmoid function)</a:t>
+                      </a:r>
+                    </a:p>
+                  </a:txBody>
+                  <a:tcPr/>
+                </a:tc>
+                <a:extLst>
+                  <a:ext uri="{0D108BD9-81ED-4DB2-BD59-A6C34878D82A}">
+                    <a16:rowId xmlns:a16="http://schemas.microsoft.com/office/drawing/2014/main" val="4099129249"/>
+                  </a:ext>
+                </a:extLst>
+              </a:tr>
+              <a:tr h="370840">
+                <a:tc>
+                  <a:txBody>
+                    <a:bodyPr/>
+                    <a:lstStyle/>
+                    <a:p>
+                      <a:r>
+                        <a:rPr lang="en-US" dirty="0"/>
+                        <a:t>Output/</a:t>
+                      </a:r>
+                      <a:r>
+                        <a:rPr lang="en-US" dirty="0" err="1"/>
+                        <a:t>Predition</a:t>
+                      </a:r>
+                      <a:endParaRPr lang="en-US" dirty="0"/>
+                    </a:p>
+                  </a:txBody>
+                  <a:tcPr/>
+                </a:tc>
+                <a:tc>
+                  <a:txBody>
+                    <a:bodyPr/>
+                    <a:lstStyle/>
+                    <a:p>
+                      <a:r>
+                        <a:rPr lang="en-US" dirty="0"/>
+                        <a:t>Value of the variable</a:t>
+                      </a:r>
+                    </a:p>
+                  </a:txBody>
+                  <a:tcPr/>
+                </a:tc>
+                <a:tc>
+                  <a:txBody>
+                    <a:bodyPr/>
+                    <a:lstStyle/>
+                    <a:p>
+                      <a:r>
+                        <a:rPr lang="en-US" dirty="0"/>
+                        <a:t>Probability of occurrence of event</a:t>
+                      </a:r>
+                    </a:p>
+                  </a:txBody>
+                  <a:tcPr/>
+                </a:tc>
+                <a:extLst>
+                  <a:ext uri="{0D108BD9-81ED-4DB2-BD59-A6C34878D82A}">
+                    <a16:rowId xmlns:a16="http://schemas.microsoft.com/office/drawing/2014/main" val="3567391119"/>
+                  </a:ext>
+                </a:extLst>
+              </a:tr>
+              <a:tr h="370840">
+                <a:tc>
+                  <a:txBody>
+                    <a:bodyPr/>
+                    <a:lstStyle/>
+                    <a:p>
+                      <a:r>
+                        <a:rPr lang="en-US" dirty="0"/>
+                        <a:t>Accuracy and Goodness of fit</a:t>
+                      </a:r>
+                    </a:p>
+                  </a:txBody>
+                  <a:tcPr/>
+                </a:tc>
+                <a:tc>
+                  <a:txBody>
+                    <a:bodyPr/>
+                    <a:lstStyle/>
+                    <a:p>
+                      <a:r>
+                        <a:rPr lang="en-US" dirty="0"/>
+                        <a:t>Measure by loss, R squared, Adjusted R squared </a:t>
+                      </a:r>
+                      <a:r>
+                        <a:rPr lang="en-US" dirty="0" err="1"/>
+                        <a:t>etc</a:t>
+                      </a:r>
+                      <a:endParaRPr lang="en-US" dirty="0"/>
+                    </a:p>
+                  </a:txBody>
+                  <a:tcPr/>
+                </a:tc>
+                <a:tc>
+                  <a:txBody>
+                    <a:bodyPr/>
+                    <a:lstStyle/>
+                    <a:p>
+                      <a:r>
+                        <a:rPr lang="en-US" dirty="0"/>
+                        <a:t>Accuracy, Precision, Recall, F1 </a:t>
+                      </a:r>
+                      <a:r>
+                        <a:rPr lang="en-US" dirty="0" err="1"/>
+                        <a:t>scoure</a:t>
+                      </a:r>
+                      <a:r>
+                        <a:rPr lang="en-US" dirty="0"/>
+                        <a:t>, ROC curve, Confusion Matrix, </a:t>
+                      </a:r>
+                      <a:r>
+                        <a:rPr lang="en-US" dirty="0" err="1"/>
+                        <a:t>etc</a:t>
+                      </a:r>
+                      <a:endParaRPr lang="en-US" dirty="0"/>
+                    </a:p>
+                  </a:txBody>
+                  <a:tcPr/>
+                </a:tc>
+                <a:extLst>
+                  <a:ext uri="{0D108BD9-81ED-4DB2-BD59-A6C34878D82A}">
+                    <a16:rowId xmlns:a16="http://schemas.microsoft.com/office/drawing/2014/main" val="2064094873"/>
+                  </a:ext>
+                </a:extLst>
+              </a:tr>
+              <a:tr h="370840">
+                <a:tc>
+                  <a:txBody>
+                    <a:bodyPr/>
+                    <a:lstStyle/>
+                    <a:p>
+                      <a:endParaRPr lang="en-US" dirty="0"/>
+                    </a:p>
+                  </a:txBody>
+                  <a:tcPr/>
+                </a:tc>
+                <a:tc>
+                  <a:txBody>
+                    <a:bodyPr/>
+                    <a:lstStyle/>
+                    <a:p>
+                      <a:endParaRPr lang="en-US"/>
+                    </a:p>
+                  </a:txBody>
+                  <a:tcPr/>
+                </a:tc>
+                <a:tc>
+                  <a:txBody>
+                    <a:bodyPr/>
+                    <a:lstStyle/>
+                    <a:p>
+                      <a:endParaRPr lang="en-US" dirty="0"/>
+                    </a:p>
+                  </a:txBody>
+                  <a:tcPr/>
+                </a:tc>
+                <a:extLst>
+                  <a:ext uri="{0D108BD9-81ED-4DB2-BD59-A6C34878D82A}">
+                    <a16:rowId xmlns:a16="http://schemas.microsoft.com/office/drawing/2014/main" val="3143956868"/>
+                  </a:ext>
+                </a:extLst>
+              </a:tr>
+            </a:tbl>
+          </a:graphicData>
+        </a:graphic>
+      </p:graphicFrame>
     </p:spTree>
     <p:extLst>
       <p:ext uri="{BB962C8B-B14F-4D97-AF65-F5344CB8AC3E}">
-        <p14:creationId xmlns:p14="http://schemas.microsoft.com/office/powerpoint/2010/main" val="406235811"/>
+        <p14:creationId xmlns:p14="http://schemas.microsoft.com/office/powerpoint/2010/main" val="3917404551"/>
       </p:ext>
     </p:extLst>
   </p:cSld>
@@ -6532,142 +6784,14 @@
       </p:grpSpPr>
       <p:sp>
         <p:nvSpPr>
-          <p:cNvPr id="3" name="Subtitle 2"/>
-          <p:cNvSpPr>
-            <a:spLocks noGrp="1"/>
-          </p:cNvSpPr>
-          <p:nvPr>
-            <p:ph type="subTitle" idx="1"/>
-          </p:nvPr>
+          <p:cNvPr id="5" name="TextBox 4"/>
+          <p:cNvSpPr txBox="1"/>
+          <p:nvPr/>
         </p:nvSpPr>
         <p:spPr>
           <a:xfrm>
-            <a:off x="1166948" y="815294"/>
-            <a:ext cx="9144000" cy="5498419"/>
-          </a:xfrm>
-        </p:spPr>
-        <p:txBody>
-          <a:bodyPr>
-            <a:normAutofit fontScale="32500" lnSpcReduction="20000"/>
-          </a:bodyPr>
-          <a:lstStyle/>
-          <a:p>
-            <a:pPr algn="l"/>
-            <a:r>
-              <a:rPr lang="en-US" sz="6200" dirty="0"/>
-              <a:t>Random Forest </a:t>
-            </a:r>
-          </a:p>
-          <a:p>
-            <a:pPr algn="l"/>
-            <a:r>
-              <a:rPr lang="en-US" sz="6200" dirty="0"/>
-              <a:t>Random Forest Use-Cases </a:t>
-            </a:r>
-          </a:p>
-          <a:p>
-            <a:pPr algn="l"/>
-            <a:r>
-              <a:rPr lang="en-US" sz="6200" dirty="0"/>
-              <a:t>Random Forest Algorithm </a:t>
-            </a:r>
-          </a:p>
-          <a:p>
-            <a:pPr algn="l"/>
-            <a:r>
-              <a:rPr lang="en-US" sz="6200" dirty="0"/>
-              <a:t>KNN Algorithm </a:t>
-            </a:r>
-          </a:p>
-          <a:p>
-            <a:pPr algn="l"/>
-            <a:r>
-              <a:rPr lang="en-US" sz="6200" dirty="0"/>
-              <a:t>KNN Algorithm Working </a:t>
-            </a:r>
-          </a:p>
-          <a:p>
-            <a:pPr algn="l"/>
-            <a:r>
-              <a:rPr lang="en-US" sz="6200" dirty="0"/>
-              <a:t>KNN Demo </a:t>
-            </a:r>
-          </a:p>
-          <a:p>
-            <a:pPr algn="l"/>
-            <a:r>
-              <a:rPr lang="en-US" sz="6200" dirty="0"/>
-              <a:t>Naive Bayes </a:t>
-            </a:r>
-          </a:p>
-          <a:p>
-            <a:pPr algn="l"/>
-            <a:r>
-              <a:rPr lang="en-US" sz="6200" dirty="0"/>
-              <a:t>Naive Bayes Working </a:t>
-            </a:r>
-          </a:p>
-          <a:p>
-            <a:pPr algn="l"/>
-            <a:r>
-              <a:rPr lang="en-US" sz="6200" dirty="0"/>
-              <a:t>Industrial Use of Naive Bayes </a:t>
-            </a:r>
-          </a:p>
-          <a:p>
-            <a:pPr algn="l"/>
-            <a:r>
-              <a:rPr lang="en-US" sz="6200" dirty="0"/>
-              <a:t>Types of Naive Bayes </a:t>
-            </a:r>
-          </a:p>
-          <a:p>
-            <a:pPr algn="l"/>
-            <a:r>
-              <a:rPr lang="en-US" sz="6200" dirty="0"/>
-              <a:t>Steps involved in Naive Bayes </a:t>
-            </a:r>
-          </a:p>
-          <a:p>
-            <a:pPr algn="l"/>
-            <a:r>
-              <a:rPr lang="en-US" sz="6200" dirty="0"/>
-              <a:t>PIMA Diabetic Test Use Case </a:t>
-            </a:r>
-          </a:p>
-          <a:p>
-            <a:pPr algn="l"/>
-            <a:r>
-              <a:rPr lang="en-US" sz="6200" dirty="0"/>
-              <a:t>Support Vector Machine </a:t>
-            </a:r>
-          </a:p>
-          <a:p>
-            <a:pPr algn="l"/>
-            <a:r>
-              <a:rPr lang="en-US" sz="6200" dirty="0"/>
-              <a:t>Non-Linear SVM </a:t>
-            </a:r>
-          </a:p>
-          <a:p>
-            <a:pPr algn="l"/>
-            <a:r>
-              <a:rPr lang="en-US" sz="6200" dirty="0"/>
-              <a:t>SVM Use-case </a:t>
-            </a:r>
-          </a:p>
-        </p:txBody>
-      </p:sp>
-      <p:sp>
-        <p:nvSpPr>
-          <p:cNvPr id="4" name="TextBox 3"/>
-          <p:cNvSpPr txBox="1"/>
-          <p:nvPr/>
-        </p:nvSpPr>
-        <p:spPr>
-          <a:xfrm>
-            <a:off x="522514" y="217714"/>
-            <a:ext cx="936154" cy="369332"/>
+            <a:off x="254568" y="147547"/>
+            <a:ext cx="10968760" cy="584775"/>
           </a:xfrm>
           <a:prstGeom prst="rect">
             <a:avLst/>
@@ -6675,14 +6799,948 @@
           <a:noFill/>
         </p:spPr>
         <p:txBody>
-          <a:bodyPr wrap="none" rtlCol="0">
+          <a:bodyPr wrap="square" rtlCol="0">
             <a:spAutoFit/>
           </a:bodyPr>
           <a:lstStyle/>
           <a:p>
             <a:r>
+              <a:rPr lang="en-US" sz="3200" dirty="0"/>
+              <a:t>Class-3: Supervised Learning Algorithms</a:t>
+            </a:r>
+          </a:p>
+        </p:txBody>
+      </p:sp>
+      <p:graphicFrame>
+        <p:nvGraphicFramePr>
+          <p:cNvPr id="8" name="Table 8">
+            <a:extLst>
+              <a:ext uri="{FF2B5EF4-FFF2-40B4-BE49-F238E27FC236}">
+                <a16:creationId xmlns:a16="http://schemas.microsoft.com/office/drawing/2014/main" id="{756D1D67-31D6-4509-930A-02285CBE2054}"/>
+              </a:ext>
+            </a:extLst>
+          </p:cNvPr>
+          <p:cNvGraphicFramePr>
+            <a:graphicFrameLocks noGrp="1"/>
+          </p:cNvGraphicFramePr>
+          <p:nvPr>
+            <p:extLst>
+              <p:ext uri="{D42A27DB-BD31-4B8C-83A1-F6EECF244321}">
+                <p14:modId xmlns:p14="http://schemas.microsoft.com/office/powerpoint/2010/main" val="1738711452"/>
+              </p:ext>
+            </p:extLst>
+          </p:nvPr>
+        </p:nvGraphicFramePr>
+        <p:xfrm>
+          <a:off x="1023254" y="1414242"/>
+          <a:ext cx="7956276" cy="2865120"/>
+        </p:xfrm>
+        <a:graphic>
+          <a:graphicData uri="http://schemas.openxmlformats.org/drawingml/2006/table">
+            <a:tbl>
+              <a:tblPr firstRow="1" bandRow="1">
+                <a:tableStyleId>{5C22544A-7EE6-4342-B048-85BDC9FD1C3A}</a:tableStyleId>
+              </a:tblPr>
+              <a:tblGrid>
+                <a:gridCol w="689369">
+                  <a:extLst>
+                    <a:ext uri="{9D8B030D-6E8A-4147-A177-3AD203B41FA5}">
+                      <a16:colId xmlns:a16="http://schemas.microsoft.com/office/drawing/2014/main" val="478153865"/>
+                    </a:ext>
+                  </a:extLst>
+                </a:gridCol>
+                <a:gridCol w="1068360">
+                  <a:extLst>
+                    <a:ext uri="{9D8B030D-6E8A-4147-A177-3AD203B41FA5}">
+                      <a16:colId xmlns:a16="http://schemas.microsoft.com/office/drawing/2014/main" val="86660292"/>
+                    </a:ext>
+                  </a:extLst>
+                </a:gridCol>
+                <a:gridCol w="1086315">
+                  <a:extLst>
+                    <a:ext uri="{9D8B030D-6E8A-4147-A177-3AD203B41FA5}">
+                      <a16:colId xmlns:a16="http://schemas.microsoft.com/office/drawing/2014/main" val="3021477442"/>
+                    </a:ext>
+                  </a:extLst>
+                </a:gridCol>
+                <a:gridCol w="1149161">
+                  <a:extLst>
+                    <a:ext uri="{9D8B030D-6E8A-4147-A177-3AD203B41FA5}">
+                      <a16:colId xmlns:a16="http://schemas.microsoft.com/office/drawing/2014/main" val="453591831"/>
+                    </a:ext>
+                  </a:extLst>
+                </a:gridCol>
+                <a:gridCol w="1086315">
+                  <a:extLst>
+                    <a:ext uri="{9D8B030D-6E8A-4147-A177-3AD203B41FA5}">
+                      <a16:colId xmlns:a16="http://schemas.microsoft.com/office/drawing/2014/main" val="787364130"/>
+                    </a:ext>
+                  </a:extLst>
+                </a:gridCol>
+                <a:gridCol w="1438378">
+                  <a:extLst>
+                    <a:ext uri="{9D8B030D-6E8A-4147-A177-3AD203B41FA5}">
+                      <a16:colId xmlns:a16="http://schemas.microsoft.com/office/drawing/2014/main" val="1424329727"/>
+                    </a:ext>
+                  </a:extLst>
+                </a:gridCol>
+                <a:gridCol w="1438378">
+                  <a:extLst>
+                    <a:ext uri="{9D8B030D-6E8A-4147-A177-3AD203B41FA5}">
+                      <a16:colId xmlns:a16="http://schemas.microsoft.com/office/drawing/2014/main" val="3622686787"/>
+                    </a:ext>
+                  </a:extLst>
+                </a:gridCol>
+              </a:tblGrid>
+              <a:tr h="274034">
+                <a:tc>
+                  <a:txBody>
+                    <a:bodyPr/>
+                    <a:lstStyle/>
+                    <a:p>
+                      <a:r>
+                        <a:rPr lang="en-US" dirty="0"/>
+                        <a:t>x</a:t>
+                      </a:r>
+                    </a:p>
+                  </a:txBody>
+                  <a:tcPr/>
+                </a:tc>
+                <a:tc>
+                  <a:txBody>
+                    <a:bodyPr/>
+                    <a:lstStyle/>
+                    <a:p>
+                      <a:r>
+                        <a:rPr lang="en-US" dirty="0"/>
+                        <a:t>y</a:t>
+                      </a:r>
+                    </a:p>
+                  </a:txBody>
+                  <a:tcPr/>
+                </a:tc>
+                <a:tc>
+                  <a:txBody>
+                    <a:bodyPr/>
+                    <a:lstStyle/>
+                    <a:p>
+                      <a:r>
+                        <a:rPr lang="en-US" dirty="0"/>
+                        <a:t>x - X</a:t>
+                      </a:r>
+                    </a:p>
+                  </a:txBody>
+                  <a:tcPr/>
+                </a:tc>
+                <a:tc>
+                  <a:txBody>
+                    <a:bodyPr/>
+                    <a:lstStyle/>
+                    <a:p>
+                      <a:r>
+                        <a:rPr lang="en-US" dirty="0"/>
+                        <a:t>y - Y</a:t>
+                      </a:r>
+                    </a:p>
+                  </a:txBody>
+                  <a:tcPr/>
+                </a:tc>
+                <a:tc>
+                  <a:txBody>
+                    <a:bodyPr/>
+                    <a:lstStyle/>
+                    <a:p>
+                      <a:r>
+                        <a:rPr lang="en-US" dirty="0"/>
+                        <a:t>(x – X) ** 2</a:t>
+                      </a:r>
+                    </a:p>
+                  </a:txBody>
+                  <a:tcPr/>
+                </a:tc>
+                <a:tc>
+                  <a:txBody>
+                    <a:bodyPr/>
+                    <a:lstStyle/>
+                    <a:p>
+                      <a:r>
+                        <a:rPr lang="en-US" dirty="0"/>
+                        <a:t>(x – X)(y – Y)</a:t>
+                      </a:r>
+                    </a:p>
+                  </a:txBody>
+                  <a:tcPr/>
+                </a:tc>
+                <a:tc>
+                  <a:txBody>
+                    <a:bodyPr/>
+                    <a:lstStyle/>
+                    <a:p>
+                      <a:r>
+                        <a:rPr lang="en-US" dirty="0" err="1"/>
+                        <a:t>Yp</a:t>
+                      </a:r>
+                      <a:endParaRPr lang="en-US" dirty="0"/>
+                    </a:p>
+                  </a:txBody>
+                  <a:tcPr/>
+                </a:tc>
+                <a:extLst>
+                  <a:ext uri="{0D108BD9-81ED-4DB2-BD59-A6C34878D82A}">
+                    <a16:rowId xmlns:a16="http://schemas.microsoft.com/office/drawing/2014/main" val="4142772009"/>
+                  </a:ext>
+                </a:extLst>
+              </a:tr>
+              <a:tr h="370840">
+                <a:tc>
+                  <a:txBody>
+                    <a:bodyPr/>
+                    <a:lstStyle/>
+                    <a:p>
+                      <a:r>
+                        <a:rPr lang="en-US" dirty="0"/>
+                        <a:t>1</a:t>
+                      </a:r>
+                    </a:p>
+                  </a:txBody>
+                  <a:tcPr/>
+                </a:tc>
+                <a:tc>
+                  <a:txBody>
+                    <a:bodyPr/>
+                    <a:lstStyle/>
+                    <a:p>
+                      <a:r>
+                        <a:rPr lang="en-US" dirty="0"/>
+                        <a:t>3</a:t>
+                      </a:r>
+                    </a:p>
+                  </a:txBody>
+                  <a:tcPr/>
+                </a:tc>
+                <a:tc>
+                  <a:txBody>
+                    <a:bodyPr/>
+                    <a:lstStyle/>
+                    <a:p>
+                      <a:r>
+                        <a:rPr lang="en-US" dirty="0"/>
+                        <a:t>-2</a:t>
+                      </a:r>
+                    </a:p>
+                  </a:txBody>
+                  <a:tcPr/>
+                </a:tc>
+                <a:tc>
+                  <a:txBody>
+                    <a:bodyPr/>
+                    <a:lstStyle/>
+                    <a:p>
+                      <a:r>
+                        <a:rPr lang="en-US" dirty="0"/>
+                        <a:t>-0.6</a:t>
+                      </a:r>
+                    </a:p>
+                  </a:txBody>
+                  <a:tcPr/>
+                </a:tc>
+                <a:tc>
+                  <a:txBody>
+                    <a:bodyPr/>
+                    <a:lstStyle/>
+                    <a:p>
+                      <a:r>
+                        <a:rPr lang="en-US" dirty="0"/>
+                        <a:t>4</a:t>
+                      </a:r>
+                    </a:p>
+                  </a:txBody>
+                  <a:tcPr/>
+                </a:tc>
+                <a:tc>
+                  <a:txBody>
+                    <a:bodyPr/>
+                    <a:lstStyle/>
+                    <a:p>
+                      <a:r>
+                        <a:rPr lang="en-US" dirty="0"/>
+                        <a:t>1.2</a:t>
+                      </a:r>
+                    </a:p>
+                  </a:txBody>
+                  <a:tcPr/>
+                </a:tc>
+                <a:tc>
+                  <a:txBody>
+                    <a:bodyPr/>
+                    <a:lstStyle/>
+                    <a:p>
+                      <a:r>
+                        <a:rPr lang="en-US" dirty="0"/>
+                        <a:t>2.8</a:t>
+                      </a:r>
+                    </a:p>
+                  </a:txBody>
+                  <a:tcPr/>
+                </a:tc>
+                <a:extLst>
+                  <a:ext uri="{0D108BD9-81ED-4DB2-BD59-A6C34878D82A}">
+                    <a16:rowId xmlns:a16="http://schemas.microsoft.com/office/drawing/2014/main" val="2830909269"/>
+                  </a:ext>
+                </a:extLst>
+              </a:tr>
+              <a:tr h="370840">
+                <a:tc>
+                  <a:txBody>
+                    <a:bodyPr/>
+                    <a:lstStyle/>
+                    <a:p>
+                      <a:r>
+                        <a:rPr lang="en-US" dirty="0"/>
+                        <a:t>2</a:t>
+                      </a:r>
+                    </a:p>
+                  </a:txBody>
+                  <a:tcPr/>
+                </a:tc>
+                <a:tc>
+                  <a:txBody>
+                    <a:bodyPr/>
+                    <a:lstStyle/>
+                    <a:p>
+                      <a:r>
+                        <a:rPr lang="en-US" dirty="0"/>
+                        <a:t>4</a:t>
+                      </a:r>
+                    </a:p>
+                  </a:txBody>
+                  <a:tcPr/>
+                </a:tc>
+                <a:tc>
+                  <a:txBody>
+                    <a:bodyPr/>
+                    <a:lstStyle/>
+                    <a:p>
+                      <a:r>
+                        <a:rPr lang="en-US" dirty="0"/>
+                        <a:t>-1</a:t>
+                      </a:r>
+                    </a:p>
+                  </a:txBody>
+                  <a:tcPr/>
+                </a:tc>
+                <a:tc>
+                  <a:txBody>
+                    <a:bodyPr/>
+                    <a:lstStyle/>
+                    <a:p>
+                      <a:r>
+                        <a:rPr lang="en-US" dirty="0"/>
+                        <a:t>0.4</a:t>
+                      </a:r>
+                    </a:p>
+                  </a:txBody>
+                  <a:tcPr/>
+                </a:tc>
+                <a:tc>
+                  <a:txBody>
+                    <a:bodyPr/>
+                    <a:lstStyle/>
+                    <a:p>
+                      <a:r>
+                        <a:rPr lang="en-US" dirty="0"/>
+                        <a:t>1</a:t>
+                      </a:r>
+                    </a:p>
+                  </a:txBody>
+                  <a:tcPr/>
+                </a:tc>
+                <a:tc>
+                  <a:txBody>
+                    <a:bodyPr/>
+                    <a:lstStyle/>
+                    <a:p>
+                      <a:r>
+                        <a:rPr lang="en-US" dirty="0"/>
+                        <a:t>-0.4</a:t>
+                      </a:r>
+                    </a:p>
+                  </a:txBody>
+                  <a:tcPr/>
+                </a:tc>
+                <a:tc>
+                  <a:txBody>
+                    <a:bodyPr/>
+                    <a:lstStyle/>
+                    <a:p>
+                      <a:r>
+                        <a:rPr lang="en-US" dirty="0"/>
+                        <a:t>3.2</a:t>
+                      </a:r>
+                    </a:p>
+                  </a:txBody>
+                  <a:tcPr/>
+                </a:tc>
+                <a:extLst>
+                  <a:ext uri="{0D108BD9-81ED-4DB2-BD59-A6C34878D82A}">
+                    <a16:rowId xmlns:a16="http://schemas.microsoft.com/office/drawing/2014/main" val="2728981936"/>
+                  </a:ext>
+                </a:extLst>
+              </a:tr>
+              <a:tr h="370840">
+                <a:tc>
+                  <a:txBody>
+                    <a:bodyPr/>
+                    <a:lstStyle/>
+                    <a:p>
+                      <a:r>
+                        <a:rPr lang="en-US" dirty="0"/>
+                        <a:t>3</a:t>
+                      </a:r>
+                    </a:p>
+                  </a:txBody>
+                  <a:tcPr/>
+                </a:tc>
+                <a:tc>
+                  <a:txBody>
+                    <a:bodyPr/>
+                    <a:lstStyle/>
+                    <a:p>
+                      <a:r>
+                        <a:rPr lang="en-US" dirty="0"/>
+                        <a:t>2</a:t>
+                      </a:r>
+                    </a:p>
+                  </a:txBody>
+                  <a:tcPr/>
+                </a:tc>
+                <a:tc>
+                  <a:txBody>
+                    <a:bodyPr/>
+                    <a:lstStyle/>
+                    <a:p>
+                      <a:r>
+                        <a:rPr lang="en-US" dirty="0"/>
+                        <a:t>0</a:t>
+                      </a:r>
+                    </a:p>
+                  </a:txBody>
+                  <a:tcPr/>
+                </a:tc>
+                <a:tc>
+                  <a:txBody>
+                    <a:bodyPr/>
+                    <a:lstStyle/>
+                    <a:p>
+                      <a:r>
+                        <a:rPr lang="en-US" dirty="0"/>
+                        <a:t>-1.6</a:t>
+                      </a:r>
+                    </a:p>
+                  </a:txBody>
+                  <a:tcPr/>
+                </a:tc>
+                <a:tc>
+                  <a:txBody>
+                    <a:bodyPr/>
+                    <a:lstStyle/>
+                    <a:p>
+                      <a:r>
+                        <a:rPr lang="en-US" dirty="0"/>
+                        <a:t>0</a:t>
+                      </a:r>
+                    </a:p>
+                  </a:txBody>
+                  <a:tcPr/>
+                </a:tc>
+                <a:tc>
+                  <a:txBody>
+                    <a:bodyPr/>
+                    <a:lstStyle/>
+                    <a:p>
+                      <a:r>
+                        <a:rPr lang="en-US" dirty="0"/>
+                        <a:t>0</a:t>
+                      </a:r>
+                    </a:p>
+                  </a:txBody>
+                  <a:tcPr/>
+                </a:tc>
+                <a:tc>
+                  <a:txBody>
+                    <a:bodyPr/>
+                    <a:lstStyle/>
+                    <a:p>
+                      <a:r>
+                        <a:rPr lang="en-US" dirty="0"/>
+                        <a:t>3.6</a:t>
+                      </a:r>
+                    </a:p>
+                  </a:txBody>
+                  <a:tcPr/>
+                </a:tc>
+                <a:extLst>
+                  <a:ext uri="{0D108BD9-81ED-4DB2-BD59-A6C34878D82A}">
+                    <a16:rowId xmlns:a16="http://schemas.microsoft.com/office/drawing/2014/main" val="1563647618"/>
+                  </a:ext>
+                </a:extLst>
+              </a:tr>
+              <a:tr h="370840">
+                <a:tc>
+                  <a:txBody>
+                    <a:bodyPr/>
+                    <a:lstStyle/>
+                    <a:p>
+                      <a:r>
+                        <a:rPr lang="en-US" dirty="0"/>
+                        <a:t>4</a:t>
+                      </a:r>
+                    </a:p>
+                  </a:txBody>
+                  <a:tcPr/>
+                </a:tc>
+                <a:tc>
+                  <a:txBody>
+                    <a:bodyPr/>
+                    <a:lstStyle/>
+                    <a:p>
+                      <a:r>
+                        <a:rPr lang="en-US" dirty="0"/>
+                        <a:t>4</a:t>
+                      </a:r>
+                    </a:p>
+                  </a:txBody>
+                  <a:tcPr/>
+                </a:tc>
+                <a:tc>
+                  <a:txBody>
+                    <a:bodyPr/>
+                    <a:lstStyle/>
+                    <a:p>
+                      <a:r>
+                        <a:rPr lang="en-US" dirty="0"/>
+                        <a:t>1</a:t>
+                      </a:r>
+                    </a:p>
+                  </a:txBody>
+                  <a:tcPr/>
+                </a:tc>
+                <a:tc>
+                  <a:txBody>
+                    <a:bodyPr/>
+                    <a:lstStyle/>
+                    <a:p>
+                      <a:r>
+                        <a:rPr lang="en-US" dirty="0"/>
+                        <a:t>0.4</a:t>
+                      </a:r>
+                    </a:p>
+                  </a:txBody>
+                  <a:tcPr/>
+                </a:tc>
+                <a:tc>
+                  <a:txBody>
+                    <a:bodyPr/>
+                    <a:lstStyle/>
+                    <a:p>
+                      <a:r>
+                        <a:rPr lang="en-US" dirty="0"/>
+                        <a:t>1</a:t>
+                      </a:r>
+                    </a:p>
+                  </a:txBody>
+                  <a:tcPr/>
+                </a:tc>
+                <a:tc>
+                  <a:txBody>
+                    <a:bodyPr/>
+                    <a:lstStyle/>
+                    <a:p>
+                      <a:r>
+                        <a:rPr lang="en-US" dirty="0"/>
+                        <a:t>0.4</a:t>
+                      </a:r>
+                    </a:p>
+                  </a:txBody>
+                  <a:tcPr/>
+                </a:tc>
+                <a:tc>
+                  <a:txBody>
+                    <a:bodyPr/>
+                    <a:lstStyle/>
+                    <a:p>
+                      <a:r>
+                        <a:rPr lang="en-US" dirty="0"/>
+                        <a:t>4</a:t>
+                      </a:r>
+                    </a:p>
+                  </a:txBody>
+                  <a:tcPr/>
+                </a:tc>
+                <a:extLst>
+                  <a:ext uri="{0D108BD9-81ED-4DB2-BD59-A6C34878D82A}">
+                    <a16:rowId xmlns:a16="http://schemas.microsoft.com/office/drawing/2014/main" val="1104453293"/>
+                  </a:ext>
+                </a:extLst>
+              </a:tr>
+              <a:tr h="370840">
+                <a:tc>
+                  <a:txBody>
+                    <a:bodyPr/>
+                    <a:lstStyle/>
+                    <a:p>
+                      <a:r>
+                        <a:rPr lang="en-US" dirty="0"/>
+                        <a:t>5</a:t>
+                      </a:r>
+                    </a:p>
+                  </a:txBody>
+                  <a:tcPr/>
+                </a:tc>
+                <a:tc>
+                  <a:txBody>
+                    <a:bodyPr/>
+                    <a:lstStyle/>
+                    <a:p>
+                      <a:r>
+                        <a:rPr lang="en-US" dirty="0"/>
+                        <a:t>5</a:t>
+                      </a:r>
+                    </a:p>
+                  </a:txBody>
+                  <a:tcPr/>
+                </a:tc>
+                <a:tc>
+                  <a:txBody>
+                    <a:bodyPr/>
+                    <a:lstStyle/>
+                    <a:p>
+                      <a:r>
+                        <a:rPr lang="en-US" dirty="0"/>
+                        <a:t>2</a:t>
+                      </a:r>
+                    </a:p>
+                  </a:txBody>
+                  <a:tcPr/>
+                </a:tc>
+                <a:tc>
+                  <a:txBody>
+                    <a:bodyPr/>
+                    <a:lstStyle/>
+                    <a:p>
+                      <a:r>
+                        <a:rPr lang="en-US" dirty="0"/>
+                        <a:t>1.4</a:t>
+                      </a:r>
+                    </a:p>
+                  </a:txBody>
+                  <a:tcPr/>
+                </a:tc>
+                <a:tc>
+                  <a:txBody>
+                    <a:bodyPr/>
+                    <a:lstStyle/>
+                    <a:p>
+                      <a:r>
+                        <a:rPr lang="en-US" dirty="0"/>
+                        <a:t>4</a:t>
+                      </a:r>
+                    </a:p>
+                  </a:txBody>
+                  <a:tcPr/>
+                </a:tc>
+                <a:tc>
+                  <a:txBody>
+                    <a:bodyPr/>
+                    <a:lstStyle/>
+                    <a:p>
+                      <a:r>
+                        <a:rPr lang="en-US" dirty="0"/>
+                        <a:t>2.8</a:t>
+                      </a:r>
+                    </a:p>
+                  </a:txBody>
+                  <a:tcPr/>
+                </a:tc>
+                <a:tc>
+                  <a:txBody>
+                    <a:bodyPr/>
+                    <a:lstStyle/>
+                    <a:p>
+                      <a:r>
+                        <a:rPr lang="en-US" dirty="0"/>
+                        <a:t>4.4</a:t>
+                      </a:r>
+                    </a:p>
+                  </a:txBody>
+                  <a:tcPr/>
+                </a:tc>
+                <a:extLst>
+                  <a:ext uri="{0D108BD9-81ED-4DB2-BD59-A6C34878D82A}">
+                    <a16:rowId xmlns:a16="http://schemas.microsoft.com/office/drawing/2014/main" val="2761835979"/>
+                  </a:ext>
+                </a:extLst>
+              </a:tr>
+              <a:tr h="370840">
+                <a:tc>
+                  <a:txBody>
+                    <a:bodyPr/>
+                    <a:lstStyle/>
+                    <a:p>
+                      <a:r>
+                        <a:rPr lang="en-US" dirty="0"/>
+                        <a:t>3</a:t>
+                      </a:r>
+                    </a:p>
+                  </a:txBody>
+                  <a:tcPr/>
+                </a:tc>
+                <a:tc>
+                  <a:txBody>
+                    <a:bodyPr/>
+                    <a:lstStyle/>
+                    <a:p>
+                      <a:r>
+                        <a:rPr lang="en-US" dirty="0"/>
+                        <a:t>3.6</a:t>
+                      </a:r>
+                    </a:p>
+                  </a:txBody>
+                  <a:tcPr/>
+                </a:tc>
+                <a:tc>
+                  <a:txBody>
+                    <a:bodyPr/>
+                    <a:lstStyle/>
+                    <a:p>
+                      <a:endParaRPr lang="en-US" dirty="0"/>
+                    </a:p>
+                  </a:txBody>
+                  <a:tcPr/>
+                </a:tc>
+                <a:tc>
+                  <a:txBody>
+                    <a:bodyPr/>
+                    <a:lstStyle/>
+                    <a:p>
+                      <a:endParaRPr lang="en-US" dirty="0"/>
+                    </a:p>
+                  </a:txBody>
+                  <a:tcPr/>
+                </a:tc>
+                <a:tc>
+                  <a:txBody>
+                    <a:bodyPr/>
+                    <a:lstStyle/>
+                    <a:p>
+                      <a:r>
+                        <a:rPr lang="en-US" dirty="0"/>
+                        <a:t>10</a:t>
+                      </a:r>
+                    </a:p>
+                  </a:txBody>
+                  <a:tcPr/>
+                </a:tc>
+                <a:tc>
+                  <a:txBody>
+                    <a:bodyPr/>
+                    <a:lstStyle/>
+                    <a:p>
+                      <a:r>
+                        <a:rPr lang="en-US" dirty="0"/>
+                        <a:t>4</a:t>
+                      </a:r>
+                    </a:p>
+                  </a:txBody>
+                  <a:tcPr/>
+                </a:tc>
+                <a:tc>
+                  <a:txBody>
+                    <a:bodyPr/>
+                    <a:lstStyle/>
+                    <a:p>
+                      <a:endParaRPr lang="en-US" dirty="0"/>
+                    </a:p>
+                  </a:txBody>
+                  <a:tcPr/>
+                </a:tc>
+                <a:extLst>
+                  <a:ext uri="{0D108BD9-81ED-4DB2-BD59-A6C34878D82A}">
+                    <a16:rowId xmlns:a16="http://schemas.microsoft.com/office/drawing/2014/main" val="2815268928"/>
+                  </a:ext>
+                </a:extLst>
+              </a:tr>
+            </a:tbl>
+          </a:graphicData>
+        </a:graphic>
+      </p:graphicFrame>
+      <p:sp>
+        <p:nvSpPr>
+          <p:cNvPr id="10" name="TextBox 9">
+            <a:extLst>
+              <a:ext uri="{FF2B5EF4-FFF2-40B4-BE49-F238E27FC236}">
+                <a16:creationId xmlns:a16="http://schemas.microsoft.com/office/drawing/2014/main" id="{EC80BAFA-5F0A-48F4-871E-EF5B97223C5A}"/>
+              </a:ext>
+            </a:extLst>
+          </p:cNvPr>
+          <p:cNvSpPr txBox="1"/>
+          <p:nvPr/>
+        </p:nvSpPr>
+        <p:spPr>
+          <a:xfrm>
+            <a:off x="1000034" y="4362265"/>
+            <a:ext cx="4738914" cy="646331"/>
+          </a:xfrm>
+          <a:prstGeom prst="rect">
+            <a:avLst/>
+          </a:prstGeom>
+          <a:noFill/>
+        </p:spPr>
+        <p:txBody>
+          <a:bodyPr wrap="square" rtlCol="0">
+            <a:spAutoFit/>
+          </a:bodyPr>
+          <a:lstStyle/>
+          <a:p>
+            <a:r>
               <a:rPr lang="en-US" dirty="0"/>
-              <a:t>Content</a:t>
+              <a:t>m = 4/10</a:t>
+            </a:r>
+          </a:p>
+          <a:p>
+            <a:r>
+              <a:rPr lang="en-US" dirty="0"/>
+              <a:t>y = 0.4 x + 2.4</a:t>
+            </a:r>
+          </a:p>
+        </p:txBody>
+      </p:sp>
+      <p:pic>
+        <p:nvPicPr>
+          <p:cNvPr id="11" name="Picture 10">
+            <a:extLst>
+              <a:ext uri="{FF2B5EF4-FFF2-40B4-BE49-F238E27FC236}">
+                <a16:creationId xmlns:a16="http://schemas.microsoft.com/office/drawing/2014/main" id="{4EA21F83-F0DF-484B-9C60-403BD9EE965E}"/>
+              </a:ext>
+            </a:extLst>
+          </p:cNvPr>
+          <p:cNvPicPr>
+            <a:picLocks noChangeAspect="1"/>
+          </p:cNvPicPr>
+          <p:nvPr/>
+        </p:nvPicPr>
+        <p:blipFill>
+          <a:blip r:embed="rId2"/>
+          <a:stretch>
+            <a:fillRect/>
+          </a:stretch>
+        </p:blipFill>
+        <p:spPr>
+          <a:xfrm>
+            <a:off x="891075" y="5181154"/>
+            <a:ext cx="4657725" cy="1257300"/>
+          </a:xfrm>
+          <a:prstGeom prst="rect">
+            <a:avLst/>
+          </a:prstGeom>
+        </p:spPr>
+      </p:pic>
+      <p:pic>
+        <p:nvPicPr>
+          <p:cNvPr id="12" name="Picture 11">
+            <a:extLst>
+              <a:ext uri="{FF2B5EF4-FFF2-40B4-BE49-F238E27FC236}">
+                <a16:creationId xmlns:a16="http://schemas.microsoft.com/office/drawing/2014/main" id="{AF1B7D18-F7D1-4932-A3A5-116E27D95526}"/>
+              </a:ext>
+            </a:extLst>
+          </p:cNvPr>
+          <p:cNvPicPr>
+            <a:picLocks noChangeAspect="1"/>
+          </p:cNvPicPr>
+          <p:nvPr/>
+        </p:nvPicPr>
+        <p:blipFill>
+          <a:blip r:embed="rId3"/>
+          <a:stretch>
+            <a:fillRect/>
+          </a:stretch>
+        </p:blipFill>
+        <p:spPr>
+          <a:xfrm>
+            <a:off x="5977983" y="4876354"/>
+            <a:ext cx="3581400" cy="1562100"/>
+          </a:xfrm>
+          <a:prstGeom prst="rect">
+            <a:avLst/>
+          </a:prstGeom>
+        </p:spPr>
+      </p:pic>
+      <p:sp>
+        <p:nvSpPr>
+          <p:cNvPr id="13" name="TextBox 12">
+            <a:extLst>
+              <a:ext uri="{FF2B5EF4-FFF2-40B4-BE49-F238E27FC236}">
+                <a16:creationId xmlns:a16="http://schemas.microsoft.com/office/drawing/2014/main" id="{166AB5BC-F4AB-4545-B49D-A3F36ADCA3FF}"/>
+              </a:ext>
+            </a:extLst>
+          </p:cNvPr>
+          <p:cNvSpPr txBox="1"/>
+          <p:nvPr/>
+        </p:nvSpPr>
+        <p:spPr>
+          <a:xfrm>
+            <a:off x="9559384" y="2012961"/>
+            <a:ext cx="1927674" cy="400110"/>
+          </a:xfrm>
+          <a:prstGeom prst="rect">
+            <a:avLst/>
+          </a:prstGeom>
+          <a:noFill/>
+        </p:spPr>
+        <p:txBody>
+          <a:bodyPr wrap="square" rtlCol="0">
+            <a:spAutoFit/>
+          </a:bodyPr>
+          <a:lstStyle/>
+          <a:p>
+            <a:r>
+              <a:rPr lang="en-US" sz="2000" dirty="0"/>
+              <a:t>Programming…..</a:t>
+            </a:r>
+          </a:p>
+        </p:txBody>
+      </p:sp>
+      <p:sp>
+        <p:nvSpPr>
+          <p:cNvPr id="14" name="TextBox 13">
+            <a:extLst>
+              <a:ext uri="{FF2B5EF4-FFF2-40B4-BE49-F238E27FC236}">
+                <a16:creationId xmlns:a16="http://schemas.microsoft.com/office/drawing/2014/main" id="{B395DE1E-B62D-4730-AFAC-28CE309B0529}"/>
+              </a:ext>
+            </a:extLst>
+          </p:cNvPr>
+          <p:cNvSpPr txBox="1"/>
+          <p:nvPr/>
+        </p:nvSpPr>
+        <p:spPr>
+          <a:xfrm>
+            <a:off x="10140966" y="5594361"/>
+            <a:ext cx="1597551" cy="400110"/>
+          </a:xfrm>
+          <a:prstGeom prst="rect">
+            <a:avLst/>
+          </a:prstGeom>
+          <a:noFill/>
+        </p:spPr>
+        <p:txBody>
+          <a:bodyPr wrap="square" rtlCol="0">
+            <a:spAutoFit/>
+          </a:bodyPr>
+          <a:lstStyle/>
+          <a:p>
+            <a:r>
+              <a:rPr lang="en-US" sz="2000" dirty="0"/>
+              <a:t>R2 = 0.3</a:t>
             </a:r>
           </a:p>
         </p:txBody>
@@ -6690,7 +7748,7 @@
     </p:spTree>
     <p:extLst>
       <p:ext uri="{BB962C8B-B14F-4D97-AF65-F5344CB8AC3E}">
-        <p14:creationId xmlns:p14="http://schemas.microsoft.com/office/powerpoint/2010/main" val="3761855347"/>
+        <p14:creationId xmlns:p14="http://schemas.microsoft.com/office/powerpoint/2010/main" val="2119850177"/>
       </p:ext>
     </p:extLst>
   </p:cSld>
@@ -6735,131 +7793,85 @@
         </p:spPr>
         <p:txBody>
           <a:bodyPr>
-            <a:normAutofit fontScale="32500" lnSpcReduction="20000"/>
+            <a:normAutofit/>
           </a:bodyPr>
           <a:lstStyle/>
           <a:p>
-            <a:pPr algn="l"/>
-            <a:r>
-              <a:rPr lang="en-US" sz="6200" dirty="0"/>
-              <a:t>K-Means Clustering &amp; Association Rule Mining </a:t>
-            </a:r>
-          </a:p>
-          <a:p>
-            <a:pPr algn="l"/>
-            <a:r>
-              <a:rPr lang="en-US" sz="6200" dirty="0"/>
-              <a:t>Types of Clustering </a:t>
-            </a:r>
-          </a:p>
-          <a:p>
-            <a:pPr algn="l"/>
-            <a:r>
-              <a:rPr lang="en-US" sz="6200" dirty="0"/>
-              <a:t>K-Means Clustering </a:t>
-            </a:r>
-          </a:p>
-          <a:p>
-            <a:pPr algn="l"/>
-            <a:r>
-              <a:rPr lang="en-US" sz="6200" dirty="0"/>
-              <a:t>K-Means Working </a:t>
-            </a:r>
-          </a:p>
-          <a:p>
-            <a:pPr algn="l"/>
-            <a:r>
-              <a:rPr lang="en-US" sz="6200" dirty="0"/>
-              <a:t>Pros &amp; Cons of K-Means Clustering </a:t>
-            </a:r>
-          </a:p>
-          <a:p>
-            <a:pPr algn="l"/>
-            <a:r>
-              <a:rPr lang="en-US" sz="6200" dirty="0"/>
-              <a:t>K-Means Demo </a:t>
-            </a:r>
-          </a:p>
-          <a:p>
-            <a:pPr algn="l"/>
-            <a:r>
-              <a:rPr lang="en-US" sz="6200" dirty="0"/>
-              <a:t>Hierarchical Clustering </a:t>
-            </a:r>
-          </a:p>
-          <a:p>
-            <a:pPr algn="l"/>
-            <a:r>
-              <a:rPr lang="en-US" sz="6200" dirty="0"/>
-              <a:t>Association Rule Mining </a:t>
-            </a:r>
-          </a:p>
-          <a:p>
-            <a:pPr algn="l"/>
-            <a:r>
-              <a:rPr lang="en-US" sz="6200" dirty="0" err="1"/>
-              <a:t>Apriori</a:t>
-            </a:r>
-            <a:r>
-              <a:rPr lang="en-US" sz="6200" dirty="0"/>
-              <a:t> Algorithm </a:t>
-            </a:r>
-          </a:p>
-          <a:p>
-            <a:pPr algn="l"/>
-            <a:r>
-              <a:rPr lang="en-US" sz="6200" dirty="0" err="1"/>
-              <a:t>Apriori</a:t>
-            </a:r>
-            <a:r>
-              <a:rPr lang="en-US" sz="6200" dirty="0"/>
-              <a:t> Algorithm Demo </a:t>
-            </a:r>
-          </a:p>
-          <a:p>
-            <a:pPr algn="l"/>
-            <a:r>
-              <a:rPr lang="en-US" sz="6200" dirty="0"/>
-              <a:t>Reinforcement Learning </a:t>
-            </a:r>
-          </a:p>
-          <a:p>
-            <a:pPr algn="l"/>
-            <a:r>
-              <a:rPr lang="en-US" sz="6200" dirty="0"/>
-              <a:t>	Reinforcement Learning: Counter-Strike Example </a:t>
-            </a:r>
-          </a:p>
-          <a:p>
-            <a:pPr algn="l"/>
-            <a:r>
-              <a:rPr lang="en-US" sz="6200" dirty="0"/>
-              <a:t>Markov's Decision Process </a:t>
-            </a:r>
-          </a:p>
-          <a:p>
-            <a:pPr algn="l"/>
-            <a:r>
-              <a:rPr lang="en-US" sz="6600" dirty="0"/>
-              <a:t/>
-            </a:r>
-            <a:br>
-              <a:rPr lang="en-US" sz="6600" dirty="0"/>
-            </a:br>
-            <a:endParaRPr lang="en-US" sz="6600" dirty="0"/>
-          </a:p>
-        </p:txBody>
-      </p:sp>
-      <p:sp>
-        <p:nvSpPr>
-          <p:cNvPr id="4" name="TextBox 3"/>
+            <a:pPr marL="457200" indent="-457200" algn="l">
+              <a:buFont typeface="Arial" panose="020B0604020202020204" pitchFamily="34" charset="0"/>
+              <a:buChar char="•"/>
+            </a:pPr>
+            <a:r>
+              <a:rPr lang="en-US" sz="3200" dirty="0"/>
+              <a:t>What is Classification? </a:t>
+            </a:r>
+          </a:p>
+          <a:p>
+            <a:pPr marL="457200" indent="-457200" algn="l">
+              <a:buFont typeface="Arial" panose="020B0604020202020204" pitchFamily="34" charset="0"/>
+              <a:buChar char="•"/>
+            </a:pPr>
+            <a:r>
+              <a:rPr lang="en-US" sz="3200" dirty="0"/>
+              <a:t>Types of Classification </a:t>
+            </a:r>
+          </a:p>
+          <a:p>
+            <a:pPr marL="457200" indent="-457200" algn="l">
+              <a:buFont typeface="Arial" panose="020B0604020202020204" pitchFamily="34" charset="0"/>
+              <a:buChar char="•"/>
+            </a:pPr>
+            <a:r>
+              <a:rPr lang="en-US" sz="3200" dirty="0"/>
+              <a:t>Decision Tree </a:t>
+            </a:r>
+          </a:p>
+          <a:p>
+            <a:pPr marL="457200" indent="-457200" algn="l">
+              <a:buFont typeface="Arial" panose="020B0604020202020204" pitchFamily="34" charset="0"/>
+              <a:buChar char="•"/>
+            </a:pPr>
+            <a:r>
+              <a:rPr lang="en-US" sz="3200" dirty="0"/>
+              <a:t>Decision Tree Terminologies </a:t>
+            </a:r>
+          </a:p>
+          <a:p>
+            <a:pPr marL="457200" indent="-457200" algn="l">
+              <a:buFont typeface="Arial" panose="020B0604020202020204" pitchFamily="34" charset="0"/>
+              <a:buChar char="•"/>
+            </a:pPr>
+            <a:r>
+              <a:rPr lang="en-US" sz="3200" dirty="0"/>
+              <a:t>Entropy </a:t>
+            </a:r>
+          </a:p>
+          <a:p>
+            <a:pPr marL="457200" indent="-457200" algn="l">
+              <a:buFont typeface="Arial" panose="020B0604020202020204" pitchFamily="34" charset="0"/>
+              <a:buChar char="•"/>
+            </a:pPr>
+            <a:r>
+              <a:rPr lang="en-US" sz="3200" dirty="0"/>
+              <a:t>Credit Risk Detection Use-case</a:t>
+            </a:r>
+            <a:r>
+              <a:rPr lang="en-US" sz="3300" dirty="0"/>
+              <a:t> </a:t>
+            </a:r>
+          </a:p>
+        </p:txBody>
+      </p:sp>
+      <p:sp>
+        <p:nvSpPr>
+          <p:cNvPr id="5" name="TextBox 4"/>
           <p:cNvSpPr txBox="1"/>
           <p:nvPr/>
         </p:nvSpPr>
         <p:spPr>
           <a:xfrm>
-            <a:off x="522514" y="217714"/>
-            <a:ext cx="936154" cy="369332"/>
+            <a:off x="254568" y="147547"/>
+            <a:ext cx="10968760" cy="584775"/>
           </a:xfrm>
           <a:prstGeom prst="rect">
             <a:avLst/>
@@ -6867,14 +7879,14 @@
           <a:noFill/>
         </p:spPr>
         <p:txBody>
-          <a:bodyPr wrap="none" rtlCol="0">
+          <a:bodyPr wrap="square" rtlCol="0">
             <a:spAutoFit/>
           </a:bodyPr>
           <a:lstStyle/>
           <a:p>
             <a:r>
-              <a:rPr lang="en-US" dirty="0"/>
-              <a:t>Content</a:t>
+              <a:rPr lang="en-US" sz="3200" dirty="0"/>
+              <a:t>Class-3: Supervised Learning Algorithms</a:t>
             </a:r>
           </a:p>
         </p:txBody>
@@ -6882,7 +7894,7 @@
     </p:spTree>
     <p:extLst>
       <p:ext uri="{BB962C8B-B14F-4D97-AF65-F5344CB8AC3E}">
-        <p14:creationId xmlns:p14="http://schemas.microsoft.com/office/powerpoint/2010/main" val="1344136077"/>
+        <p14:creationId xmlns:p14="http://schemas.microsoft.com/office/powerpoint/2010/main" val="406235811"/>
       </p:ext>
     </p:extLst>
   </p:cSld>
@@ -6927,6 +7939,381 @@
         </p:spPr>
         <p:txBody>
           <a:bodyPr>
+            <a:normAutofit fontScale="32500" lnSpcReduction="20000"/>
+          </a:bodyPr>
+          <a:lstStyle/>
+          <a:p>
+            <a:pPr algn="l"/>
+            <a:r>
+              <a:rPr lang="en-US" sz="6200" dirty="0"/>
+              <a:t>Random Forest </a:t>
+            </a:r>
+          </a:p>
+          <a:p>
+            <a:pPr algn="l"/>
+            <a:r>
+              <a:rPr lang="en-US" sz="6200" dirty="0"/>
+              <a:t>Random Forest Use-Cases </a:t>
+            </a:r>
+          </a:p>
+          <a:p>
+            <a:pPr algn="l"/>
+            <a:r>
+              <a:rPr lang="en-US" sz="6200" dirty="0"/>
+              <a:t>Random Forest Algorithm </a:t>
+            </a:r>
+          </a:p>
+          <a:p>
+            <a:pPr algn="l"/>
+            <a:r>
+              <a:rPr lang="en-US" sz="6200" dirty="0"/>
+              <a:t>KNN Algorithm </a:t>
+            </a:r>
+          </a:p>
+          <a:p>
+            <a:pPr algn="l"/>
+            <a:r>
+              <a:rPr lang="en-US" sz="6200" dirty="0"/>
+              <a:t>KNN Algorithm Working </a:t>
+            </a:r>
+          </a:p>
+          <a:p>
+            <a:pPr algn="l"/>
+            <a:r>
+              <a:rPr lang="en-US" sz="6200" dirty="0"/>
+              <a:t>KNN Demo </a:t>
+            </a:r>
+          </a:p>
+          <a:p>
+            <a:pPr algn="l"/>
+            <a:r>
+              <a:rPr lang="en-US" sz="6200" dirty="0"/>
+              <a:t>Naive Bayes </a:t>
+            </a:r>
+          </a:p>
+          <a:p>
+            <a:pPr algn="l"/>
+            <a:r>
+              <a:rPr lang="en-US" sz="6200" dirty="0"/>
+              <a:t>Naive Bayes Working </a:t>
+            </a:r>
+          </a:p>
+          <a:p>
+            <a:pPr algn="l"/>
+            <a:r>
+              <a:rPr lang="en-US" sz="6200" dirty="0"/>
+              <a:t>Industrial Use of Naive Bayes </a:t>
+            </a:r>
+          </a:p>
+          <a:p>
+            <a:pPr algn="l"/>
+            <a:r>
+              <a:rPr lang="en-US" sz="6200" dirty="0"/>
+              <a:t>Types of Naive Bayes </a:t>
+            </a:r>
+          </a:p>
+          <a:p>
+            <a:pPr algn="l"/>
+            <a:r>
+              <a:rPr lang="en-US" sz="6200" dirty="0"/>
+              <a:t>Steps involved in Naive Bayes </a:t>
+            </a:r>
+          </a:p>
+          <a:p>
+            <a:pPr algn="l"/>
+            <a:r>
+              <a:rPr lang="en-US" sz="6200" dirty="0"/>
+              <a:t>PIMA Diabetic Test Use Case </a:t>
+            </a:r>
+          </a:p>
+          <a:p>
+            <a:pPr algn="l"/>
+            <a:r>
+              <a:rPr lang="en-US" sz="6200" dirty="0"/>
+              <a:t>Support Vector Machine </a:t>
+            </a:r>
+          </a:p>
+          <a:p>
+            <a:pPr algn="l"/>
+            <a:r>
+              <a:rPr lang="en-US" sz="6200" dirty="0"/>
+              <a:t>Non-Linear SVM </a:t>
+            </a:r>
+          </a:p>
+          <a:p>
+            <a:pPr algn="l"/>
+            <a:r>
+              <a:rPr lang="en-US" sz="6200" dirty="0"/>
+              <a:t>SVM Use-case </a:t>
+            </a:r>
+          </a:p>
+        </p:txBody>
+      </p:sp>
+      <p:sp>
+        <p:nvSpPr>
+          <p:cNvPr id="4" name="TextBox 3"/>
+          <p:cNvSpPr txBox="1"/>
+          <p:nvPr/>
+        </p:nvSpPr>
+        <p:spPr>
+          <a:xfrm>
+            <a:off x="522514" y="217714"/>
+            <a:ext cx="936154" cy="369332"/>
+          </a:xfrm>
+          <a:prstGeom prst="rect">
+            <a:avLst/>
+          </a:prstGeom>
+          <a:noFill/>
+        </p:spPr>
+        <p:txBody>
+          <a:bodyPr wrap="none" rtlCol="0">
+            <a:spAutoFit/>
+          </a:bodyPr>
+          <a:lstStyle/>
+          <a:p>
+            <a:r>
+              <a:rPr lang="en-US" dirty="0"/>
+              <a:t>Content</a:t>
+            </a:r>
+          </a:p>
+        </p:txBody>
+      </p:sp>
+    </p:spTree>
+    <p:extLst>
+      <p:ext uri="{BB962C8B-B14F-4D97-AF65-F5344CB8AC3E}">
+        <p14:creationId xmlns:p14="http://schemas.microsoft.com/office/powerpoint/2010/main" val="3761855347"/>
+      </p:ext>
+    </p:extLst>
+  </p:cSld>
+  <p:clrMapOvr>
+    <a:masterClrMapping/>
+  </p:clrMapOvr>
+</p:sld>
+</file>
+
+<file path=ppt/slides/slide24.xml><?xml version="1.0" encoding="utf-8"?>
+<p:sld xmlns:a="http://schemas.openxmlformats.org/drawingml/2006/main" xmlns:r="http://schemas.openxmlformats.org/officeDocument/2006/relationships" xmlns:p="http://schemas.openxmlformats.org/presentationml/2006/main">
+  <p:cSld>
+    <p:spTree>
+      <p:nvGrpSpPr>
+        <p:cNvPr id="1" name=""/>
+        <p:cNvGrpSpPr/>
+        <p:nvPr/>
+      </p:nvGrpSpPr>
+      <p:grpSpPr>
+        <a:xfrm>
+          <a:off x="0" y="0"/>
+          <a:ext cx="0" cy="0"/>
+          <a:chOff x="0" y="0"/>
+          <a:chExt cx="0" cy="0"/>
+        </a:xfrm>
+      </p:grpSpPr>
+      <p:sp>
+        <p:nvSpPr>
+          <p:cNvPr id="3" name="Subtitle 2"/>
+          <p:cNvSpPr>
+            <a:spLocks noGrp="1"/>
+          </p:cNvSpPr>
+          <p:nvPr>
+            <p:ph type="subTitle" idx="1"/>
+          </p:nvPr>
+        </p:nvSpPr>
+        <p:spPr>
+          <a:xfrm>
+            <a:off x="1166948" y="815294"/>
+            <a:ext cx="9144000" cy="5498419"/>
+          </a:xfrm>
+        </p:spPr>
+        <p:txBody>
+          <a:bodyPr>
+            <a:normAutofit fontScale="32500" lnSpcReduction="20000"/>
+          </a:bodyPr>
+          <a:lstStyle/>
+          <a:p>
+            <a:pPr algn="l"/>
+            <a:r>
+              <a:rPr lang="en-US" sz="6200" dirty="0"/>
+              <a:t>K-Means Clustering &amp; Association Rule Mining </a:t>
+            </a:r>
+          </a:p>
+          <a:p>
+            <a:pPr algn="l"/>
+            <a:r>
+              <a:rPr lang="en-US" sz="6200" dirty="0"/>
+              <a:t>Types of Clustering </a:t>
+            </a:r>
+          </a:p>
+          <a:p>
+            <a:pPr algn="l"/>
+            <a:r>
+              <a:rPr lang="en-US" sz="6200" dirty="0"/>
+              <a:t>K-Means Clustering </a:t>
+            </a:r>
+          </a:p>
+          <a:p>
+            <a:pPr algn="l"/>
+            <a:r>
+              <a:rPr lang="en-US" sz="6200" dirty="0"/>
+              <a:t>K-Means Working </a:t>
+            </a:r>
+          </a:p>
+          <a:p>
+            <a:pPr algn="l"/>
+            <a:r>
+              <a:rPr lang="en-US" sz="6200" dirty="0"/>
+              <a:t>Pros &amp; Cons of K-Means Clustering </a:t>
+            </a:r>
+          </a:p>
+          <a:p>
+            <a:pPr algn="l"/>
+            <a:r>
+              <a:rPr lang="en-US" sz="6200" dirty="0"/>
+              <a:t>K-Means Demo </a:t>
+            </a:r>
+          </a:p>
+          <a:p>
+            <a:pPr algn="l"/>
+            <a:r>
+              <a:rPr lang="en-US" sz="6200" dirty="0"/>
+              <a:t>Hierarchical Clustering </a:t>
+            </a:r>
+          </a:p>
+          <a:p>
+            <a:pPr algn="l"/>
+            <a:r>
+              <a:rPr lang="en-US" sz="6200" dirty="0"/>
+              <a:t>Association Rule Mining </a:t>
+            </a:r>
+          </a:p>
+          <a:p>
+            <a:pPr algn="l"/>
+            <a:r>
+              <a:rPr lang="en-US" sz="6200" dirty="0" err="1"/>
+              <a:t>Apriori</a:t>
+            </a:r>
+            <a:r>
+              <a:rPr lang="en-US" sz="6200" dirty="0"/>
+              <a:t> Algorithm </a:t>
+            </a:r>
+          </a:p>
+          <a:p>
+            <a:pPr algn="l"/>
+            <a:r>
+              <a:rPr lang="en-US" sz="6200" dirty="0" err="1"/>
+              <a:t>Apriori</a:t>
+            </a:r>
+            <a:r>
+              <a:rPr lang="en-US" sz="6200" dirty="0"/>
+              <a:t> Algorithm Demo </a:t>
+            </a:r>
+          </a:p>
+          <a:p>
+            <a:pPr algn="l"/>
+            <a:r>
+              <a:rPr lang="en-US" sz="6200" dirty="0"/>
+              <a:t>Reinforcement Learning </a:t>
+            </a:r>
+          </a:p>
+          <a:p>
+            <a:pPr algn="l"/>
+            <a:r>
+              <a:rPr lang="en-US" sz="6200" dirty="0"/>
+              <a:t>	Reinforcement Learning: Counter-Strike Example </a:t>
+            </a:r>
+          </a:p>
+          <a:p>
+            <a:pPr algn="l"/>
+            <a:r>
+              <a:rPr lang="en-US" sz="6200" dirty="0"/>
+              <a:t>Markov's Decision Process </a:t>
+            </a:r>
+          </a:p>
+          <a:p>
+            <a:pPr algn="l"/>
+            <a:br>
+              <a:rPr lang="en-US" sz="6600" dirty="0"/>
+            </a:br>
+            <a:endParaRPr lang="en-US" sz="6600" dirty="0"/>
+          </a:p>
+        </p:txBody>
+      </p:sp>
+      <p:sp>
+        <p:nvSpPr>
+          <p:cNvPr id="4" name="TextBox 3"/>
+          <p:cNvSpPr txBox="1"/>
+          <p:nvPr/>
+        </p:nvSpPr>
+        <p:spPr>
+          <a:xfrm>
+            <a:off x="522514" y="217714"/>
+            <a:ext cx="936154" cy="369332"/>
+          </a:xfrm>
+          <a:prstGeom prst="rect">
+            <a:avLst/>
+          </a:prstGeom>
+          <a:noFill/>
+        </p:spPr>
+        <p:txBody>
+          <a:bodyPr wrap="none" rtlCol="0">
+            <a:spAutoFit/>
+          </a:bodyPr>
+          <a:lstStyle/>
+          <a:p>
+            <a:r>
+              <a:rPr lang="en-US" dirty="0"/>
+              <a:t>Content</a:t>
+            </a:r>
+          </a:p>
+        </p:txBody>
+      </p:sp>
+    </p:spTree>
+    <p:extLst>
+      <p:ext uri="{BB962C8B-B14F-4D97-AF65-F5344CB8AC3E}">
+        <p14:creationId xmlns:p14="http://schemas.microsoft.com/office/powerpoint/2010/main" val="1344136077"/>
+      </p:ext>
+    </p:extLst>
+  </p:cSld>
+  <p:clrMapOvr>
+    <a:masterClrMapping/>
+  </p:clrMapOvr>
+</p:sld>
+</file>
+
+<file path=ppt/slides/slide25.xml><?xml version="1.0" encoding="utf-8"?>
+<p:sld xmlns:a="http://schemas.openxmlformats.org/drawingml/2006/main" xmlns:r="http://schemas.openxmlformats.org/officeDocument/2006/relationships" xmlns:p="http://schemas.openxmlformats.org/presentationml/2006/main">
+  <p:cSld>
+    <p:spTree>
+      <p:nvGrpSpPr>
+        <p:cNvPr id="1" name=""/>
+        <p:cNvGrpSpPr/>
+        <p:nvPr/>
+      </p:nvGrpSpPr>
+      <p:grpSpPr>
+        <a:xfrm>
+          <a:off x="0" y="0"/>
+          <a:ext cx="0" cy="0"/>
+          <a:chOff x="0" y="0"/>
+          <a:chExt cx="0" cy="0"/>
+        </a:xfrm>
+      </p:grpSpPr>
+      <p:sp>
+        <p:nvSpPr>
+          <p:cNvPr id="3" name="Subtitle 2"/>
+          <p:cNvSpPr>
+            <a:spLocks noGrp="1"/>
+          </p:cNvSpPr>
+          <p:nvPr>
+            <p:ph type="subTitle" idx="1"/>
+          </p:nvPr>
+        </p:nvSpPr>
+        <p:spPr>
+          <a:xfrm>
+            <a:off x="1166948" y="815294"/>
+            <a:ext cx="9144000" cy="5498419"/>
+          </a:xfrm>
+        </p:spPr>
+        <p:txBody>
+          <a:bodyPr>
             <a:normAutofit fontScale="40000" lnSpcReduction="20000"/>
           </a:bodyPr>
           <a:lstStyle/>
@@ -7016,10 +8403,6 @@
             <a:r>
               <a:rPr lang="en-US" sz="6200" dirty="0"/>
               <a:t>Machine Learning Interview Questions</a:t>
-            </a:r>
-            <a:r>
-              <a:rPr lang="en-US" sz="6600" dirty="0"/>
-              <a:t/>
             </a:r>
             <a:br>
               <a:rPr lang="en-US" sz="6600" dirty="0"/>
@@ -8655,6 +10038,15 @@
 </file>
 
 <file path=customXml/item1.xml><?xml version="1.0" encoding="utf-8"?>
+<?mso-contentType ?>
+<FormTemplates xmlns="http://schemas.microsoft.com/sharepoint/v3/contenttype/forms">
+  <Display>DocumentLibraryForm</Display>
+  <Edit>DocumentLibraryForm</Edit>
+  <New>DocumentLibraryForm</New>
+</FormTemplates>
+</file>
+
+<file path=customXml/item2.xml><?xml version="1.0" encoding="utf-8"?>
 <ct:contentTypeSchema xmlns:ct="http://schemas.microsoft.com/office/2006/metadata/contentType" xmlns:ma="http://schemas.microsoft.com/office/2006/metadata/properties/metaAttributes" ct:_="" ma:_="" ma:contentTypeName="Document" ma:contentTypeID="0x01010040A75B615E1C194CABC80F3CAEA6E4E5" ma:contentTypeVersion="9" ma:contentTypeDescription="Create a new document." ma:contentTypeScope="" ma:versionID="4a1cf2a28ba0a9e91fab658e05820dde">
   <xsd:schema xmlns:xsd="http://www.w3.org/2001/XMLSchema" xmlns:xs="http://www.w3.org/2001/XMLSchema" xmlns:p="http://schemas.microsoft.com/office/2006/metadata/properties" xmlns:ns3="d97dfd74-0758-4aac-b7c3-4f13d10397e8" xmlns:ns4="851bce1a-01c5-49d9-967d-64af5945ebef" targetNamespace="http://schemas.microsoft.com/office/2006/metadata/properties" ma:root="true" ma:fieldsID="090359357a8ddcd8bb6253bd66cd91d0" ns3:_="" ns4:_="">
     <xsd:import namespace="d97dfd74-0758-4aac-b7c3-4f13d10397e8"/>
@@ -8851,15 +10243,6 @@
 </ct:contentTypeSchema>
 </file>
 
-<file path=customXml/item2.xml><?xml version="1.0" encoding="utf-8"?>
-<?mso-contentType ?>
-<FormTemplates xmlns="http://schemas.microsoft.com/sharepoint/v3/contenttype/forms">
-  <Display>DocumentLibraryForm</Display>
-  <Edit>DocumentLibraryForm</Edit>
-  <New>DocumentLibraryForm</New>
-</FormTemplates>
-</file>
-
 <file path=customXml/item3.xml><?xml version="1.0" encoding="utf-8"?>
 <p:properties xmlns:p="http://schemas.microsoft.com/office/2006/metadata/properties" xmlns:xsi="http://www.w3.org/2001/XMLSchema-instance" xmlns:pc="http://schemas.microsoft.com/office/infopath/2007/PartnerControls">
   <documentManagement/>
@@ -8867,6 +10250,14 @@
 </file>
 
 <file path=customXml/itemProps1.xml><?xml version="1.0" encoding="utf-8"?>
+<ds:datastoreItem xmlns:ds="http://schemas.openxmlformats.org/officeDocument/2006/customXml" ds:itemID="{9A56549F-9000-409B-8EE1-A7AE4257567A}">
+  <ds:schemaRefs>
+    <ds:schemaRef ds:uri="http://schemas.microsoft.com/sharepoint/v3/contenttype/forms"/>
+  </ds:schemaRefs>
+</ds:datastoreItem>
+</file>
+
+<file path=customXml/itemProps2.xml><?xml version="1.0" encoding="utf-8"?>
 <ds:datastoreItem xmlns:ds="http://schemas.openxmlformats.org/officeDocument/2006/customXml" ds:itemID="{A173A3F4-56E8-4506-812D-90D9C8F7ED90}">
   <ds:schemaRefs>
     <ds:schemaRef ds:uri="http://schemas.microsoft.com/office/2006/metadata/contentType"/>
@@ -8881,14 +10272,6 @@
     <ds:schemaRef ds:uri="http://purl.org/dc/elements/1.1/"/>
     <ds:schemaRef ds:uri="http://purl.org/dc/terms/"/>
     <ds:schemaRef ds:uri="http://schemas.microsoft.com/internal/obd"/>
-  </ds:schemaRefs>
-</ds:datastoreItem>
-</file>
-
-<file path=customXml/itemProps2.xml><?xml version="1.0" encoding="utf-8"?>
-<ds:datastoreItem xmlns:ds="http://schemas.openxmlformats.org/officeDocument/2006/customXml" ds:itemID="{9A56549F-9000-409B-8EE1-A7AE4257567A}">
-  <ds:schemaRefs>
-    <ds:schemaRef ds:uri="http://schemas.microsoft.com/sharepoint/v3/contenttype/forms"/>
   </ds:schemaRefs>
 </ds:datastoreItem>
 </file>

--- a/AI-ML-DL/Machine Learning.pptx
+++ b/AI-ML-DL/Machine Learning.pptx
@@ -580,6 +580,96 @@
     <p:extLst>
       <p:ext uri="{BB962C8B-B14F-4D97-AF65-F5344CB8AC3E}">
         <p14:creationId xmlns:p14="http://schemas.microsoft.com/office/powerpoint/2010/main" val="874215006"/>
+      </p:ext>
+    </p:extLst>
+  </p:cSld>
+  <p:clrMapOvr>
+    <a:masterClrMapping/>
+  </p:clrMapOvr>
+</p:notes>
+</file>
+
+<file path=ppt/notesSlides/notesSlide2.xml><?xml version="1.0" encoding="utf-8"?>
+<p:notes xmlns:a="http://schemas.openxmlformats.org/drawingml/2006/main" xmlns:r="http://schemas.openxmlformats.org/officeDocument/2006/relationships" xmlns:p="http://schemas.openxmlformats.org/presentationml/2006/main">
+  <p:cSld>
+    <p:spTree>
+      <p:nvGrpSpPr>
+        <p:cNvPr id="1" name=""/>
+        <p:cNvGrpSpPr/>
+        <p:nvPr/>
+      </p:nvGrpSpPr>
+      <p:grpSpPr>
+        <a:xfrm>
+          <a:off x="0" y="0"/>
+          <a:ext cx="0" cy="0"/>
+          <a:chOff x="0" y="0"/>
+          <a:chExt cx="0" cy="0"/>
+        </a:xfrm>
+      </p:grpSpPr>
+      <p:sp>
+        <p:nvSpPr>
+          <p:cNvPr id="2" name="Slide Image Placeholder 1"/>
+          <p:cNvSpPr>
+            <a:spLocks noGrp="1" noRot="1" noChangeAspect="1"/>
+          </p:cNvSpPr>
+          <p:nvPr>
+            <p:ph type="sldImg"/>
+          </p:nvPr>
+        </p:nvSpPr>
+        <p:spPr/>
+      </p:sp>
+      <p:sp>
+        <p:nvSpPr>
+          <p:cNvPr id="3" name="Notes Placeholder 2"/>
+          <p:cNvSpPr>
+            <a:spLocks noGrp="1"/>
+          </p:cNvSpPr>
+          <p:nvPr>
+            <p:ph type="body" idx="1"/>
+          </p:nvPr>
+        </p:nvSpPr>
+        <p:spPr/>
+        <p:txBody>
+          <a:bodyPr/>
+          <a:lstStyle/>
+          <a:p>
+            <a:r>
+              <a:rPr lang="en-US">
+                <a:hlinkClick r:id="rId3"/>
+              </a:rPr>
+              <a:t>https://www.kaggle.com/codefordata/headbrain-simple-linear-regression</a:t>
+            </a:r>
+            <a:endParaRPr lang="en-US"/>
+          </a:p>
+        </p:txBody>
+      </p:sp>
+      <p:sp>
+        <p:nvSpPr>
+          <p:cNvPr id="4" name="Slide Number Placeholder 3"/>
+          <p:cNvSpPr>
+            <a:spLocks noGrp="1"/>
+          </p:cNvSpPr>
+          <p:nvPr>
+            <p:ph type="sldNum" sz="quarter" idx="5"/>
+          </p:nvPr>
+        </p:nvSpPr>
+        <p:spPr/>
+        <p:txBody>
+          <a:bodyPr/>
+          <a:lstStyle/>
+          <a:p>
+            <a:fld id="{95EDE83F-F192-4237-87E6-BD69D3B8E2F0}" type="slidenum">
+              <a:rPr lang="en-US" smtClean="0"/>
+              <a:t>21</a:t>
+            </a:fld>
+            <a:endParaRPr lang="en-US"/>
+          </a:p>
+        </p:txBody>
+      </p:sp>
+    </p:spTree>
+    <p:extLst>
+      <p:ext uri="{BB962C8B-B14F-4D97-AF65-F5344CB8AC3E}">
+        <p14:creationId xmlns:p14="http://schemas.microsoft.com/office/powerpoint/2010/main" val="2269815704"/>
       </p:ext>
     </p:extLst>
   </p:cSld>
@@ -7630,7 +7720,7 @@
           <p:nvPr/>
         </p:nvPicPr>
         <p:blipFill>
-          <a:blip r:embed="rId2"/>
+          <a:blip r:embed="rId3"/>
           <a:stretch>
             <a:fillRect/>
           </a:stretch>
@@ -7660,7 +7750,7 @@
           <p:nvPr/>
         </p:nvPicPr>
         <p:blipFill>
-          <a:blip r:embed="rId3"/>
+          <a:blip r:embed="rId4"/>
           <a:stretch>
             <a:fillRect/>
           </a:stretch>
@@ -10038,15 +10128,6 @@
 </file>
 
 <file path=customXml/item1.xml><?xml version="1.0" encoding="utf-8"?>
-<?mso-contentType ?>
-<FormTemplates xmlns="http://schemas.microsoft.com/sharepoint/v3/contenttype/forms">
-  <Display>DocumentLibraryForm</Display>
-  <Edit>DocumentLibraryForm</Edit>
-  <New>DocumentLibraryForm</New>
-</FormTemplates>
-</file>
-
-<file path=customXml/item2.xml><?xml version="1.0" encoding="utf-8"?>
 <ct:contentTypeSchema xmlns:ct="http://schemas.microsoft.com/office/2006/metadata/contentType" xmlns:ma="http://schemas.microsoft.com/office/2006/metadata/properties/metaAttributes" ct:_="" ma:_="" ma:contentTypeName="Document" ma:contentTypeID="0x01010040A75B615E1C194CABC80F3CAEA6E4E5" ma:contentTypeVersion="9" ma:contentTypeDescription="Create a new document." ma:contentTypeScope="" ma:versionID="4a1cf2a28ba0a9e91fab658e05820dde">
   <xsd:schema xmlns:xsd="http://www.w3.org/2001/XMLSchema" xmlns:xs="http://www.w3.org/2001/XMLSchema" xmlns:p="http://schemas.microsoft.com/office/2006/metadata/properties" xmlns:ns3="d97dfd74-0758-4aac-b7c3-4f13d10397e8" xmlns:ns4="851bce1a-01c5-49d9-967d-64af5945ebef" targetNamespace="http://schemas.microsoft.com/office/2006/metadata/properties" ma:root="true" ma:fieldsID="090359357a8ddcd8bb6253bd66cd91d0" ns3:_="" ns4:_="">
     <xsd:import namespace="d97dfd74-0758-4aac-b7c3-4f13d10397e8"/>
@@ -10243,6 +10324,15 @@
 </ct:contentTypeSchema>
 </file>
 
+<file path=customXml/item2.xml><?xml version="1.0" encoding="utf-8"?>
+<?mso-contentType ?>
+<FormTemplates xmlns="http://schemas.microsoft.com/sharepoint/v3/contenttype/forms">
+  <Display>DocumentLibraryForm</Display>
+  <Edit>DocumentLibraryForm</Edit>
+  <New>DocumentLibraryForm</New>
+</FormTemplates>
+</file>
+
 <file path=customXml/item3.xml><?xml version="1.0" encoding="utf-8"?>
 <p:properties xmlns:p="http://schemas.microsoft.com/office/2006/metadata/properties" xmlns:xsi="http://www.w3.org/2001/XMLSchema-instance" xmlns:pc="http://schemas.microsoft.com/office/infopath/2007/PartnerControls">
   <documentManagement/>
@@ -10250,14 +10340,6 @@
 </file>
 
 <file path=customXml/itemProps1.xml><?xml version="1.0" encoding="utf-8"?>
-<ds:datastoreItem xmlns:ds="http://schemas.openxmlformats.org/officeDocument/2006/customXml" ds:itemID="{9A56549F-9000-409B-8EE1-A7AE4257567A}">
-  <ds:schemaRefs>
-    <ds:schemaRef ds:uri="http://schemas.microsoft.com/sharepoint/v3/contenttype/forms"/>
-  </ds:schemaRefs>
-</ds:datastoreItem>
-</file>
-
-<file path=customXml/itemProps2.xml><?xml version="1.0" encoding="utf-8"?>
 <ds:datastoreItem xmlns:ds="http://schemas.openxmlformats.org/officeDocument/2006/customXml" ds:itemID="{A173A3F4-56E8-4506-812D-90D9C8F7ED90}">
   <ds:schemaRefs>
     <ds:schemaRef ds:uri="http://schemas.microsoft.com/office/2006/metadata/contentType"/>
@@ -10272,6 +10354,14 @@
     <ds:schemaRef ds:uri="http://purl.org/dc/elements/1.1/"/>
     <ds:schemaRef ds:uri="http://purl.org/dc/terms/"/>
     <ds:schemaRef ds:uri="http://schemas.microsoft.com/internal/obd"/>
+  </ds:schemaRefs>
+</ds:datastoreItem>
+</file>
+
+<file path=customXml/itemProps2.xml><?xml version="1.0" encoding="utf-8"?>
+<ds:datastoreItem xmlns:ds="http://schemas.openxmlformats.org/officeDocument/2006/customXml" ds:itemID="{9A56549F-9000-409B-8EE1-A7AE4257567A}">
+  <ds:schemaRefs>
+    <ds:schemaRef ds:uri="http://schemas.microsoft.com/sharepoint/v3/contenttype/forms"/>
   </ds:schemaRefs>
 </ds:datastoreItem>
 </file>

--- a/AI-ML-DL/Machine Learning.pptx
+++ b/AI-ML-DL/Machine Learning.pptx
@@ -229,7 +229,7 @@
           <a:p>
             <a:fld id="{1E5BB661-8884-4460-B9ED-FD0D9BF054C6}" type="datetimeFigureOut">
               <a:rPr lang="en-US" smtClean="0"/>
-              <a:t>6/20/2020</a:t>
+              <a:t>6/21/2020</a:t>
             </a:fld>
             <a:endParaRPr lang="en-US"/>
           </a:p>
@@ -634,12 +634,12 @@
           <a:lstStyle/>
           <a:p>
             <a:r>
-              <a:rPr lang="en-US">
+              <a:rPr lang="en-US" dirty="0">
                 <a:hlinkClick r:id="rId3"/>
               </a:rPr>
               <a:t>https://www.kaggle.com/codefordata/headbrain-simple-linear-regression</a:t>
             </a:r>
-            <a:endParaRPr lang="en-US"/>
+            <a:endParaRPr lang="en-US" dirty="0"/>
           </a:p>
         </p:txBody>
       </p:sp>
@@ -808,7 +808,7 @@
           <a:p>
             <a:fld id="{99CA405F-FDE6-4D37-9F47-E73AA25D91EF}" type="datetimeFigureOut">
               <a:rPr lang="en-US" smtClean="0"/>
-              <a:t>6/20/2020</a:t>
+              <a:t>6/21/2020</a:t>
             </a:fld>
             <a:endParaRPr lang="en-US"/>
           </a:p>
@@ -976,7 +976,7 @@
           <a:p>
             <a:fld id="{99CA405F-FDE6-4D37-9F47-E73AA25D91EF}" type="datetimeFigureOut">
               <a:rPr lang="en-US" smtClean="0"/>
-              <a:t>6/20/2020</a:t>
+              <a:t>6/21/2020</a:t>
             </a:fld>
             <a:endParaRPr lang="en-US"/>
           </a:p>
@@ -1154,7 +1154,7 @@
           <a:p>
             <a:fld id="{99CA405F-FDE6-4D37-9F47-E73AA25D91EF}" type="datetimeFigureOut">
               <a:rPr lang="en-US" smtClean="0"/>
-              <a:t>6/20/2020</a:t>
+              <a:t>6/21/2020</a:t>
             </a:fld>
             <a:endParaRPr lang="en-US"/>
           </a:p>
@@ -1322,7 +1322,7 @@
           <a:p>
             <a:fld id="{99CA405F-FDE6-4D37-9F47-E73AA25D91EF}" type="datetimeFigureOut">
               <a:rPr lang="en-US" smtClean="0"/>
-              <a:t>6/20/2020</a:t>
+              <a:t>6/21/2020</a:t>
             </a:fld>
             <a:endParaRPr lang="en-US"/>
           </a:p>
@@ -1567,7 +1567,7 @@
           <a:p>
             <a:fld id="{99CA405F-FDE6-4D37-9F47-E73AA25D91EF}" type="datetimeFigureOut">
               <a:rPr lang="en-US" smtClean="0"/>
-              <a:t>6/20/2020</a:t>
+              <a:t>6/21/2020</a:t>
             </a:fld>
             <a:endParaRPr lang="en-US"/>
           </a:p>
@@ -1796,7 +1796,7 @@
           <a:p>
             <a:fld id="{99CA405F-FDE6-4D37-9F47-E73AA25D91EF}" type="datetimeFigureOut">
               <a:rPr lang="en-US" smtClean="0"/>
-              <a:t>6/20/2020</a:t>
+              <a:t>6/21/2020</a:t>
             </a:fld>
             <a:endParaRPr lang="en-US"/>
           </a:p>
@@ -2160,7 +2160,7 @@
           <a:p>
             <a:fld id="{99CA405F-FDE6-4D37-9F47-E73AA25D91EF}" type="datetimeFigureOut">
               <a:rPr lang="en-US" smtClean="0"/>
-              <a:t>6/20/2020</a:t>
+              <a:t>6/21/2020</a:t>
             </a:fld>
             <a:endParaRPr lang="en-US"/>
           </a:p>
@@ -2277,7 +2277,7 @@
           <a:p>
             <a:fld id="{99CA405F-FDE6-4D37-9F47-E73AA25D91EF}" type="datetimeFigureOut">
               <a:rPr lang="en-US" smtClean="0"/>
-              <a:t>6/20/2020</a:t>
+              <a:t>6/21/2020</a:t>
             </a:fld>
             <a:endParaRPr lang="en-US"/>
           </a:p>
@@ -2372,7 +2372,7 @@
           <a:p>
             <a:fld id="{99CA405F-FDE6-4D37-9F47-E73AA25D91EF}" type="datetimeFigureOut">
               <a:rPr lang="en-US" smtClean="0"/>
-              <a:t>6/20/2020</a:t>
+              <a:t>6/21/2020</a:t>
             </a:fld>
             <a:endParaRPr lang="en-US"/>
           </a:p>
@@ -2647,7 +2647,7 @@
           <a:p>
             <a:fld id="{99CA405F-FDE6-4D37-9F47-E73AA25D91EF}" type="datetimeFigureOut">
               <a:rPr lang="en-US" smtClean="0"/>
-              <a:t>6/20/2020</a:t>
+              <a:t>6/21/2020</a:t>
             </a:fld>
             <a:endParaRPr lang="en-US"/>
           </a:p>
@@ -2899,7 +2899,7 @@
           <a:p>
             <a:fld id="{99CA405F-FDE6-4D37-9F47-E73AA25D91EF}" type="datetimeFigureOut">
               <a:rPr lang="en-US" smtClean="0"/>
-              <a:t>6/20/2020</a:t>
+              <a:t>6/21/2020</a:t>
             </a:fld>
             <a:endParaRPr lang="en-US"/>
           </a:p>
@@ -3110,7 +3110,7 @@
           <a:p>
             <a:fld id="{99CA405F-FDE6-4D37-9F47-E73AA25D91EF}" type="datetimeFigureOut">
               <a:rPr lang="en-US" smtClean="0"/>
-              <a:t>6/20/2020</a:t>
+              <a:t>6/21/2020</a:t>
             </a:fld>
             <a:endParaRPr lang="en-US"/>
           </a:p>
@@ -6896,7 +6896,7 @@
           <a:p>
             <a:r>
               <a:rPr lang="en-US" sz="3200" dirty="0"/>
-              <a:t>Class-3: Supervised Learning Algorithms</a:t>
+              <a:t>Class-3: Linear Regression</a:t>
             </a:r>
           </a:p>
         </p:txBody>
@@ -10128,6 +10128,15 @@
 </file>
 
 <file path=customXml/item1.xml><?xml version="1.0" encoding="utf-8"?>
+<?mso-contentType ?>
+<FormTemplates xmlns="http://schemas.microsoft.com/sharepoint/v3/contenttype/forms">
+  <Display>DocumentLibraryForm</Display>
+  <Edit>DocumentLibraryForm</Edit>
+  <New>DocumentLibraryForm</New>
+</FormTemplates>
+</file>
+
+<file path=customXml/item2.xml><?xml version="1.0" encoding="utf-8"?>
 <ct:contentTypeSchema xmlns:ct="http://schemas.microsoft.com/office/2006/metadata/contentType" xmlns:ma="http://schemas.microsoft.com/office/2006/metadata/properties/metaAttributes" ct:_="" ma:_="" ma:contentTypeName="Document" ma:contentTypeID="0x01010040A75B615E1C194CABC80F3CAEA6E4E5" ma:contentTypeVersion="9" ma:contentTypeDescription="Create a new document." ma:contentTypeScope="" ma:versionID="4a1cf2a28ba0a9e91fab658e05820dde">
   <xsd:schema xmlns:xsd="http://www.w3.org/2001/XMLSchema" xmlns:xs="http://www.w3.org/2001/XMLSchema" xmlns:p="http://schemas.microsoft.com/office/2006/metadata/properties" xmlns:ns3="d97dfd74-0758-4aac-b7c3-4f13d10397e8" xmlns:ns4="851bce1a-01c5-49d9-967d-64af5945ebef" targetNamespace="http://schemas.microsoft.com/office/2006/metadata/properties" ma:root="true" ma:fieldsID="090359357a8ddcd8bb6253bd66cd91d0" ns3:_="" ns4:_="">
     <xsd:import namespace="d97dfd74-0758-4aac-b7c3-4f13d10397e8"/>
@@ -10324,15 +10333,6 @@
 </ct:contentTypeSchema>
 </file>
 
-<file path=customXml/item2.xml><?xml version="1.0" encoding="utf-8"?>
-<?mso-contentType ?>
-<FormTemplates xmlns="http://schemas.microsoft.com/sharepoint/v3/contenttype/forms">
-  <Display>DocumentLibraryForm</Display>
-  <Edit>DocumentLibraryForm</Edit>
-  <New>DocumentLibraryForm</New>
-</FormTemplates>
-</file>
-
 <file path=customXml/item3.xml><?xml version="1.0" encoding="utf-8"?>
 <p:properties xmlns:p="http://schemas.microsoft.com/office/2006/metadata/properties" xmlns:xsi="http://www.w3.org/2001/XMLSchema-instance" xmlns:pc="http://schemas.microsoft.com/office/infopath/2007/PartnerControls">
   <documentManagement/>
@@ -10340,6 +10340,14 @@
 </file>
 
 <file path=customXml/itemProps1.xml><?xml version="1.0" encoding="utf-8"?>
+<ds:datastoreItem xmlns:ds="http://schemas.openxmlformats.org/officeDocument/2006/customXml" ds:itemID="{9A56549F-9000-409B-8EE1-A7AE4257567A}">
+  <ds:schemaRefs>
+    <ds:schemaRef ds:uri="http://schemas.microsoft.com/sharepoint/v3/contenttype/forms"/>
+  </ds:schemaRefs>
+</ds:datastoreItem>
+</file>
+
+<file path=customXml/itemProps2.xml><?xml version="1.0" encoding="utf-8"?>
 <ds:datastoreItem xmlns:ds="http://schemas.openxmlformats.org/officeDocument/2006/customXml" ds:itemID="{A173A3F4-56E8-4506-812D-90D9C8F7ED90}">
   <ds:schemaRefs>
     <ds:schemaRef ds:uri="http://schemas.microsoft.com/office/2006/metadata/contentType"/>
@@ -10358,14 +10366,6 @@
 </ds:datastoreItem>
 </file>
 
-<file path=customXml/itemProps2.xml><?xml version="1.0" encoding="utf-8"?>
-<ds:datastoreItem xmlns:ds="http://schemas.openxmlformats.org/officeDocument/2006/customXml" ds:itemID="{9A56549F-9000-409B-8EE1-A7AE4257567A}">
-  <ds:schemaRefs>
-    <ds:schemaRef ds:uri="http://schemas.microsoft.com/sharepoint/v3/contenttype/forms"/>
-  </ds:schemaRefs>
-</ds:datastoreItem>
-</file>
-
 <file path=customXml/itemProps3.xml><?xml version="1.0" encoding="utf-8"?>
 <ds:datastoreItem xmlns:ds="http://schemas.openxmlformats.org/officeDocument/2006/customXml" ds:itemID="{AC2D31F3-7864-444C-82A7-D6387F098876}">
   <ds:schemaRefs>
@@ -10373,12 +10373,12 @@
     <ds:schemaRef ds:uri="http://schemas.openxmlformats.org/package/2006/metadata/core-properties"/>
     <ds:schemaRef ds:uri="http://purl.org/dc/dcmitype/"/>
     <ds:schemaRef ds:uri="http://schemas.microsoft.com/office/infopath/2007/PartnerControls"/>
-    <ds:schemaRef ds:uri="http://purl.org/dc/elements/1.1/"/>
+    <ds:schemaRef ds:uri="http://schemas.microsoft.com/office/2006/documentManagement/types"/>
     <ds:schemaRef ds:uri="http://schemas.microsoft.com/office/2006/metadata/properties"/>
-    <ds:schemaRef ds:uri="http://schemas.microsoft.com/office/2006/documentManagement/types"/>
     <ds:schemaRef ds:uri="d97dfd74-0758-4aac-b7c3-4f13d10397e8"/>
     <ds:schemaRef ds:uri="851bce1a-01c5-49d9-967d-64af5945ebef"/>
     <ds:schemaRef ds:uri="http://www.w3.org/XML/1998/namespace"/>
+    <ds:schemaRef ds:uri="http://purl.org/dc/elements/1.1/"/>
   </ds:schemaRefs>
 </ds:datastoreItem>
 </file>
--- a/AI-ML-DL/Machine Learning.pptx
+++ b/AI-ML-DL/Machine Learning.pptx
@@ -5,7 +5,7 @@
     <p:sldMasterId id="2147483648" r:id="rId4"/>
   </p:sldMasterIdLst>
   <p:notesMasterIdLst>
-    <p:notesMasterId r:id="rId30"/>
+    <p:notesMasterId r:id="rId33"/>
   </p:notesMasterIdLst>
   <p:sldIdLst>
     <p:sldId id="256" r:id="rId5"/>
@@ -27,12 +27,15 @@
     <p:sldId id="278" r:id="rId21"/>
     <p:sldId id="263" r:id="rId22"/>
     <p:sldId id="279" r:id="rId23"/>
-    <p:sldId id="281" r:id="rId24"/>
-    <p:sldId id="280" r:id="rId25"/>
-    <p:sldId id="276" r:id="rId26"/>
-    <p:sldId id="264" r:id="rId27"/>
-    <p:sldId id="265" r:id="rId28"/>
-    <p:sldId id="266" r:id="rId29"/>
+    <p:sldId id="280" r:id="rId24"/>
+    <p:sldId id="276" r:id="rId25"/>
+    <p:sldId id="283" r:id="rId26"/>
+    <p:sldId id="281" r:id="rId27"/>
+    <p:sldId id="284" r:id="rId28"/>
+    <p:sldId id="282" r:id="rId29"/>
+    <p:sldId id="264" r:id="rId30"/>
+    <p:sldId id="265" r:id="rId31"/>
+    <p:sldId id="266" r:id="rId32"/>
   </p:sldIdLst>
   <p:sldSz cx="12192000" cy="6858000"/>
   <p:notesSz cx="6858000" cy="9144000"/>
@@ -660,7 +663,7 @@
           <a:p>
             <a:fld id="{95EDE83F-F192-4237-87E6-BD69D3B8E2F0}" type="slidenum">
               <a:rPr lang="en-US" smtClean="0"/>
-              <a:t>21</a:t>
+              <a:t>20</a:t>
             </a:fld>
             <a:endParaRPr lang="en-US"/>
           </a:p>
@@ -670,6 +673,96 @@
     <p:extLst>
       <p:ext uri="{BB962C8B-B14F-4D97-AF65-F5344CB8AC3E}">
         <p14:creationId xmlns:p14="http://schemas.microsoft.com/office/powerpoint/2010/main" val="2269815704"/>
+      </p:ext>
+    </p:extLst>
+  </p:cSld>
+  <p:clrMapOvr>
+    <a:masterClrMapping/>
+  </p:clrMapOvr>
+</p:notes>
+</file>
+
+<file path=ppt/notesSlides/notesSlide3.xml><?xml version="1.0" encoding="utf-8"?>
+<p:notes xmlns:a="http://schemas.openxmlformats.org/drawingml/2006/main" xmlns:r="http://schemas.openxmlformats.org/officeDocument/2006/relationships" xmlns:p="http://schemas.openxmlformats.org/presentationml/2006/main">
+  <p:cSld>
+    <p:spTree>
+      <p:nvGrpSpPr>
+        <p:cNvPr id="1" name=""/>
+        <p:cNvGrpSpPr/>
+        <p:nvPr/>
+      </p:nvGrpSpPr>
+      <p:grpSpPr>
+        <a:xfrm>
+          <a:off x="0" y="0"/>
+          <a:ext cx="0" cy="0"/>
+          <a:chOff x="0" y="0"/>
+          <a:chExt cx="0" cy="0"/>
+        </a:xfrm>
+      </p:grpSpPr>
+      <p:sp>
+        <p:nvSpPr>
+          <p:cNvPr id="2" name="Slide Image Placeholder 1"/>
+          <p:cNvSpPr>
+            <a:spLocks noGrp="1" noRot="1" noChangeAspect="1"/>
+          </p:cNvSpPr>
+          <p:nvPr>
+            <p:ph type="sldImg"/>
+          </p:nvPr>
+        </p:nvSpPr>
+        <p:spPr/>
+      </p:sp>
+      <p:sp>
+        <p:nvSpPr>
+          <p:cNvPr id="3" name="Notes Placeholder 2"/>
+          <p:cNvSpPr>
+            <a:spLocks noGrp="1"/>
+          </p:cNvSpPr>
+          <p:nvPr>
+            <p:ph type="body" idx="1"/>
+          </p:nvPr>
+        </p:nvSpPr>
+        <p:spPr/>
+        <p:txBody>
+          <a:bodyPr/>
+          <a:lstStyle/>
+          <a:p>
+            <a:r>
+              <a:rPr lang="en-US" dirty="0">
+                <a:hlinkClick r:id="rId3"/>
+              </a:rPr>
+              <a:t>https://www.kaggle.com/mattslone/titanic-dataset-logistic-regression</a:t>
+            </a:r>
+            <a:endParaRPr lang="en-US" dirty="0"/>
+          </a:p>
+        </p:txBody>
+      </p:sp>
+      <p:sp>
+        <p:nvSpPr>
+          <p:cNvPr id="4" name="Slide Number Placeholder 3"/>
+          <p:cNvSpPr>
+            <a:spLocks noGrp="1"/>
+          </p:cNvSpPr>
+          <p:nvPr>
+            <p:ph type="sldNum" sz="quarter" idx="5"/>
+          </p:nvPr>
+        </p:nvSpPr>
+        <p:spPr/>
+        <p:txBody>
+          <a:bodyPr/>
+          <a:lstStyle/>
+          <a:p>
+            <a:fld id="{95EDE83F-F192-4237-87E6-BD69D3B8E2F0}" type="slidenum">
+              <a:rPr lang="en-US" smtClean="0"/>
+              <a:t>24</a:t>
+            </a:fld>
+            <a:endParaRPr lang="en-US"/>
+          </a:p>
+        </p:txBody>
+      </p:sp>
+    </p:spTree>
+    <p:extLst>
+      <p:ext uri="{BB962C8B-B14F-4D97-AF65-F5344CB8AC3E}">
+        <p14:creationId xmlns:p14="http://schemas.microsoft.com/office/powerpoint/2010/main" val="857002671"/>
       </p:ext>
     </p:extLst>
   </p:cSld>
@@ -6076,8 +6169,8 @@
         </p:nvSpPr>
         <p:spPr>
           <a:xfrm>
-            <a:off x="1166948" y="815294"/>
-            <a:ext cx="9401118" cy="5498419"/>
+            <a:off x="1166947" y="815294"/>
+            <a:ext cx="10282507" cy="5498419"/>
           </a:xfrm>
         </p:spPr>
         <p:txBody>
@@ -6125,6 +6218,11 @@
               <a:rPr lang="en-US" sz="2700" dirty="0"/>
               <a:t>Relationship between the salary and </a:t>
             </a:r>
+            <a:r>
+              <a:rPr lang="en-US" sz="2700" dirty="0" err="1"/>
+              <a:t>eduacation</a:t>
+            </a:r>
+            <a:endParaRPr lang="en-US" sz="2700" dirty="0"/>
           </a:p>
           <a:p>
             <a:pPr marL="914400" lvl="1" indent="-457200" algn="l">
@@ -6450,412 +6548,6 @@
 </file>
 
 <file path=ppt/slides/slide20.xml><?xml version="1.0" encoding="utf-8"?>
-<p:sld xmlns:a="http://schemas.openxmlformats.org/drawingml/2006/main" xmlns:r="http://schemas.openxmlformats.org/officeDocument/2006/relationships" xmlns:p="http://schemas.openxmlformats.org/presentationml/2006/main">
-  <p:cSld>
-    <p:spTree>
-      <p:nvGrpSpPr>
-        <p:cNvPr id="1" name=""/>
-        <p:cNvGrpSpPr/>
-        <p:nvPr/>
-      </p:nvGrpSpPr>
-      <p:grpSpPr>
-        <a:xfrm>
-          <a:off x="0" y="0"/>
-          <a:ext cx="0" cy="0"/>
-          <a:chOff x="0" y="0"/>
-          <a:chExt cx="0" cy="0"/>
-        </a:xfrm>
-      </p:grpSpPr>
-      <p:sp>
-        <p:nvSpPr>
-          <p:cNvPr id="5" name="TextBox 4"/>
-          <p:cNvSpPr txBox="1"/>
-          <p:nvPr/>
-        </p:nvSpPr>
-        <p:spPr>
-          <a:xfrm>
-            <a:off x="254568" y="147547"/>
-            <a:ext cx="10968760" cy="584775"/>
-          </a:xfrm>
-          <a:prstGeom prst="rect">
-            <a:avLst/>
-          </a:prstGeom>
-          <a:noFill/>
-        </p:spPr>
-        <p:txBody>
-          <a:bodyPr wrap="square" rtlCol="0">
-            <a:spAutoFit/>
-          </a:bodyPr>
-          <a:lstStyle/>
-          <a:p>
-            <a:r>
-              <a:rPr lang="en-US" sz="3200" dirty="0"/>
-              <a:t>Class-3: Linear Regression </a:t>
-            </a:r>
-          </a:p>
-        </p:txBody>
-      </p:sp>
-      <p:graphicFrame>
-        <p:nvGraphicFramePr>
-          <p:cNvPr id="2" name="Table 3">
-            <a:extLst>
-              <a:ext uri="{FF2B5EF4-FFF2-40B4-BE49-F238E27FC236}">
-                <a16:creationId xmlns:a16="http://schemas.microsoft.com/office/drawing/2014/main" id="{B4A5A27E-B594-4E50-98A5-F9F9D890D0ED}"/>
-              </a:ext>
-            </a:extLst>
-          </p:cNvPr>
-          <p:cNvGraphicFramePr>
-            <a:graphicFrameLocks noGrp="1"/>
-          </p:cNvGraphicFramePr>
-          <p:nvPr>
-            <p:extLst>
-              <p:ext uri="{D42A27DB-BD31-4B8C-83A1-F6EECF244321}">
-                <p14:modId xmlns:p14="http://schemas.microsoft.com/office/powerpoint/2010/main" val="3096946033"/>
-              </p:ext>
-            </p:extLst>
-          </p:nvPr>
-        </p:nvGraphicFramePr>
-        <p:xfrm>
-          <a:off x="415108" y="957580"/>
-          <a:ext cx="10759822" cy="3850640"/>
-        </p:xfrm>
-        <a:graphic>
-          <a:graphicData uri="http://schemas.openxmlformats.org/drawingml/2006/table">
-            <a:tbl>
-              <a:tblPr firstRow="1" bandRow="1">
-                <a:tableStyleId>{5C22544A-7EE6-4342-B048-85BDC9FD1C3A}</a:tableStyleId>
-              </a:tblPr>
-              <a:tblGrid>
-                <a:gridCol w="2934081">
-                  <a:extLst>
-                    <a:ext uri="{9D8B030D-6E8A-4147-A177-3AD203B41FA5}">
-                      <a16:colId xmlns:a16="http://schemas.microsoft.com/office/drawing/2014/main" val="2029966492"/>
-                    </a:ext>
-                  </a:extLst>
-                </a:gridCol>
-                <a:gridCol w="4260790">
-                  <a:extLst>
-                    <a:ext uri="{9D8B030D-6E8A-4147-A177-3AD203B41FA5}">
-                      <a16:colId xmlns:a16="http://schemas.microsoft.com/office/drawing/2014/main" val="1122156824"/>
-                    </a:ext>
-                  </a:extLst>
-                </a:gridCol>
-                <a:gridCol w="3564951">
-                  <a:extLst>
-                    <a:ext uri="{9D8B030D-6E8A-4147-A177-3AD203B41FA5}">
-                      <a16:colId xmlns:a16="http://schemas.microsoft.com/office/drawing/2014/main" val="827622800"/>
-                    </a:ext>
-                  </a:extLst>
-                </a:gridCol>
-              </a:tblGrid>
-              <a:tr h="324839">
-                <a:tc>
-                  <a:txBody>
-                    <a:bodyPr/>
-                    <a:lstStyle/>
-                    <a:p>
-                      <a:r>
-                        <a:rPr lang="en-US" dirty="0"/>
-                        <a:t>Basic</a:t>
-                      </a:r>
-                    </a:p>
-                  </a:txBody>
-                  <a:tcPr/>
-                </a:tc>
-                <a:tc>
-                  <a:txBody>
-                    <a:bodyPr/>
-                    <a:lstStyle/>
-                    <a:p>
-                      <a:r>
-                        <a:rPr lang="en-US" dirty="0"/>
-                        <a:t>Linear Regression</a:t>
-                      </a:r>
-                    </a:p>
-                  </a:txBody>
-                  <a:tcPr/>
-                </a:tc>
-                <a:tc>
-                  <a:txBody>
-                    <a:bodyPr/>
-                    <a:lstStyle/>
-                    <a:p>
-                      <a:r>
-                        <a:rPr lang="en-US" dirty="0"/>
-                        <a:t>Logistic Regression</a:t>
-                      </a:r>
-                    </a:p>
-                  </a:txBody>
-                  <a:tcPr/>
-                </a:tc>
-                <a:extLst>
-                  <a:ext uri="{0D108BD9-81ED-4DB2-BD59-A6C34878D82A}">
-                    <a16:rowId xmlns:a16="http://schemas.microsoft.com/office/drawing/2014/main" val="2263784012"/>
-                  </a:ext>
-                </a:extLst>
-              </a:tr>
-              <a:tr h="370840">
-                <a:tc>
-                  <a:txBody>
-                    <a:bodyPr/>
-                    <a:lstStyle/>
-                    <a:p>
-                      <a:r>
-                        <a:rPr lang="en-US" dirty="0"/>
-                        <a:t>Core Concept</a:t>
-                      </a:r>
-                    </a:p>
-                  </a:txBody>
-                  <a:tcPr/>
-                </a:tc>
-                <a:tc>
-                  <a:txBody>
-                    <a:bodyPr/>
-                    <a:lstStyle/>
-                    <a:p>
-                      <a:r>
-                        <a:rPr lang="en-US" dirty="0"/>
-                        <a:t>The data is modelled using a straight line</a:t>
-                      </a:r>
-                    </a:p>
-                  </a:txBody>
-                  <a:tcPr/>
-                </a:tc>
-                <a:tc>
-                  <a:txBody>
-                    <a:bodyPr/>
-                    <a:lstStyle/>
-                    <a:p>
-                      <a:r>
-                        <a:rPr lang="en-US" dirty="0"/>
-                        <a:t>The probability of some obtained event is represented as a linear function of a combination of predictor variables</a:t>
-                      </a:r>
-                    </a:p>
-                  </a:txBody>
-                  <a:tcPr/>
-                </a:tc>
-                <a:extLst>
-                  <a:ext uri="{0D108BD9-81ED-4DB2-BD59-A6C34878D82A}">
-                    <a16:rowId xmlns:a16="http://schemas.microsoft.com/office/drawing/2014/main" val="2767534480"/>
-                  </a:ext>
-                </a:extLst>
-              </a:tr>
-              <a:tr h="370840">
-                <a:tc>
-                  <a:txBody>
-                    <a:bodyPr/>
-                    <a:lstStyle/>
-                    <a:p>
-                      <a:r>
-                        <a:rPr lang="en-US" dirty="0"/>
-                        <a:t>Used with </a:t>
-                      </a:r>
-                    </a:p>
-                  </a:txBody>
-                  <a:tcPr/>
-                </a:tc>
-                <a:tc>
-                  <a:txBody>
-                    <a:bodyPr/>
-                    <a:lstStyle/>
-                    <a:p>
-                      <a:r>
-                        <a:rPr lang="en-US" dirty="0"/>
-                        <a:t>Continuous Variable (y = mx + c)</a:t>
-                      </a:r>
-                    </a:p>
-                  </a:txBody>
-                  <a:tcPr/>
-                </a:tc>
-                <a:tc>
-                  <a:txBody>
-                    <a:bodyPr/>
-                    <a:lstStyle/>
-                    <a:p>
-                      <a:r>
-                        <a:rPr lang="en-US" dirty="0"/>
-                        <a:t>Categorical Variable (sigmoid function)</a:t>
-                      </a:r>
-                    </a:p>
-                  </a:txBody>
-                  <a:tcPr/>
-                </a:tc>
-                <a:extLst>
-                  <a:ext uri="{0D108BD9-81ED-4DB2-BD59-A6C34878D82A}">
-                    <a16:rowId xmlns:a16="http://schemas.microsoft.com/office/drawing/2014/main" val="4099129249"/>
-                  </a:ext>
-                </a:extLst>
-              </a:tr>
-              <a:tr h="370840">
-                <a:tc>
-                  <a:txBody>
-                    <a:bodyPr/>
-                    <a:lstStyle/>
-                    <a:p>
-                      <a:r>
-                        <a:rPr lang="en-US" dirty="0"/>
-                        <a:t>Output/</a:t>
-                      </a:r>
-                      <a:r>
-                        <a:rPr lang="en-US" dirty="0" err="1"/>
-                        <a:t>Predition</a:t>
-                      </a:r>
-                      <a:endParaRPr lang="en-US" dirty="0"/>
-                    </a:p>
-                  </a:txBody>
-                  <a:tcPr/>
-                </a:tc>
-                <a:tc>
-                  <a:txBody>
-                    <a:bodyPr/>
-                    <a:lstStyle/>
-                    <a:p>
-                      <a:r>
-                        <a:rPr lang="en-US" dirty="0"/>
-                        <a:t>Value of the variable</a:t>
-                      </a:r>
-                    </a:p>
-                  </a:txBody>
-                  <a:tcPr/>
-                </a:tc>
-                <a:tc>
-                  <a:txBody>
-                    <a:bodyPr/>
-                    <a:lstStyle/>
-                    <a:p>
-                      <a:r>
-                        <a:rPr lang="en-US" dirty="0"/>
-                        <a:t>Probability of occurrence of event</a:t>
-                      </a:r>
-                    </a:p>
-                  </a:txBody>
-                  <a:tcPr/>
-                </a:tc>
-                <a:extLst>
-                  <a:ext uri="{0D108BD9-81ED-4DB2-BD59-A6C34878D82A}">
-                    <a16:rowId xmlns:a16="http://schemas.microsoft.com/office/drawing/2014/main" val="3567391119"/>
-                  </a:ext>
-                </a:extLst>
-              </a:tr>
-              <a:tr h="370840">
-                <a:tc>
-                  <a:txBody>
-                    <a:bodyPr/>
-                    <a:lstStyle/>
-                    <a:p>
-                      <a:r>
-                        <a:rPr lang="en-US" dirty="0"/>
-                        <a:t>Accuracy and Goodness of fit</a:t>
-                      </a:r>
-                    </a:p>
-                  </a:txBody>
-                  <a:tcPr/>
-                </a:tc>
-                <a:tc>
-                  <a:txBody>
-                    <a:bodyPr/>
-                    <a:lstStyle/>
-                    <a:p>
-                      <a:r>
-                        <a:rPr lang="en-US" dirty="0"/>
-                        <a:t>Measure by loss, R squared, Adjusted R squared </a:t>
-                      </a:r>
-                      <a:r>
-                        <a:rPr lang="en-US" dirty="0" err="1"/>
-                        <a:t>etc</a:t>
-                      </a:r>
-                      <a:endParaRPr lang="en-US" dirty="0"/>
-                    </a:p>
-                  </a:txBody>
-                  <a:tcPr/>
-                </a:tc>
-                <a:tc>
-                  <a:txBody>
-                    <a:bodyPr/>
-                    <a:lstStyle/>
-                    <a:p>
-                      <a:r>
-                        <a:rPr lang="en-US" dirty="0"/>
-                        <a:t>Accuracy, Precision, Recall, F1 </a:t>
-                      </a:r>
-                      <a:r>
-                        <a:rPr lang="en-US" dirty="0" err="1"/>
-                        <a:t>scoure</a:t>
-                      </a:r>
-                      <a:r>
-                        <a:rPr lang="en-US" dirty="0"/>
-                        <a:t>, ROC curve, Confusion Matrix, </a:t>
-                      </a:r>
-                      <a:r>
-                        <a:rPr lang="en-US" dirty="0" err="1"/>
-                        <a:t>etc</a:t>
-                      </a:r>
-                      <a:endParaRPr lang="en-US" dirty="0"/>
-                    </a:p>
-                  </a:txBody>
-                  <a:tcPr/>
-                </a:tc>
-                <a:extLst>
-                  <a:ext uri="{0D108BD9-81ED-4DB2-BD59-A6C34878D82A}">
-                    <a16:rowId xmlns:a16="http://schemas.microsoft.com/office/drawing/2014/main" val="2064094873"/>
-                  </a:ext>
-                </a:extLst>
-              </a:tr>
-              <a:tr h="370840">
-                <a:tc>
-                  <a:txBody>
-                    <a:bodyPr/>
-                    <a:lstStyle/>
-                    <a:p>
-                      <a:endParaRPr lang="en-US" dirty="0"/>
-                    </a:p>
-                  </a:txBody>
-                  <a:tcPr/>
-                </a:tc>
-                <a:tc>
-                  <a:txBody>
-                    <a:bodyPr/>
-                    <a:lstStyle/>
-                    <a:p>
-                      <a:endParaRPr lang="en-US"/>
-                    </a:p>
-                  </a:txBody>
-                  <a:tcPr/>
-                </a:tc>
-                <a:tc>
-                  <a:txBody>
-                    <a:bodyPr/>
-                    <a:lstStyle/>
-                    <a:p>
-                      <a:endParaRPr lang="en-US" dirty="0"/>
-                    </a:p>
-                  </a:txBody>
-                  <a:tcPr/>
-                </a:tc>
-                <a:extLst>
-                  <a:ext uri="{0D108BD9-81ED-4DB2-BD59-A6C34878D82A}">
-                    <a16:rowId xmlns:a16="http://schemas.microsoft.com/office/drawing/2014/main" val="3143956868"/>
-                  </a:ext>
-                </a:extLst>
-              </a:tr>
-            </a:tbl>
-          </a:graphicData>
-        </a:graphic>
-      </p:graphicFrame>
-    </p:spTree>
-    <p:extLst>
-      <p:ext uri="{BB962C8B-B14F-4D97-AF65-F5344CB8AC3E}">
-        <p14:creationId xmlns:p14="http://schemas.microsoft.com/office/powerpoint/2010/main" val="3917404551"/>
-      </p:ext>
-    </p:extLst>
-  </p:cSld>
-  <p:clrMapOvr>
-    <a:masterClrMapping/>
-  </p:clrMapOvr>
-</p:sld>
-</file>
-
-<file path=ppt/slides/slide21.xml><?xml version="1.0" encoding="utf-8"?>
 <p:sld xmlns:a="http://schemas.openxmlformats.org/drawingml/2006/main" xmlns:r="http://schemas.openxmlformats.org/officeDocument/2006/relationships" xmlns:p="http://schemas.openxmlformats.org/presentationml/2006/main">
   <p:cSld>
     <p:spTree>
@@ -7848,6 +7540,178 @@
 </p:sld>
 </file>
 
+<file path=ppt/slides/slide21.xml><?xml version="1.0" encoding="utf-8"?>
+<p:sld xmlns:a="http://schemas.openxmlformats.org/drawingml/2006/main" xmlns:r="http://schemas.openxmlformats.org/officeDocument/2006/relationships" xmlns:p="http://schemas.openxmlformats.org/presentationml/2006/main">
+  <p:cSld>
+    <p:spTree>
+      <p:nvGrpSpPr>
+        <p:cNvPr id="1" name=""/>
+        <p:cNvGrpSpPr/>
+        <p:nvPr/>
+      </p:nvGrpSpPr>
+      <p:grpSpPr>
+        <a:xfrm>
+          <a:off x="0" y="0"/>
+          <a:ext cx="0" cy="0"/>
+          <a:chOff x="0" y="0"/>
+          <a:chExt cx="0" cy="0"/>
+        </a:xfrm>
+      </p:grpSpPr>
+      <p:pic>
+        <p:nvPicPr>
+          <p:cNvPr id="2" name="Picture 1">
+            <a:extLst>
+              <a:ext uri="{FF2B5EF4-FFF2-40B4-BE49-F238E27FC236}">
+                <a16:creationId xmlns:a16="http://schemas.microsoft.com/office/drawing/2014/main" id="{3F9ACB7F-2A1D-4475-ADD1-80F0DC84B64E}"/>
+              </a:ext>
+            </a:extLst>
+          </p:cNvPr>
+          <p:cNvPicPr>
+            <a:picLocks noChangeAspect="1"/>
+          </p:cNvPicPr>
+          <p:nvPr/>
+        </p:nvPicPr>
+        <p:blipFill>
+          <a:blip r:embed="rId2"/>
+          <a:stretch>
+            <a:fillRect/>
+          </a:stretch>
+        </p:blipFill>
+        <p:spPr>
+          <a:xfrm>
+            <a:off x="984330" y="2505112"/>
+            <a:ext cx="4268314" cy="3992764"/>
+          </a:xfrm>
+          <a:prstGeom prst="rect">
+            <a:avLst/>
+          </a:prstGeom>
+        </p:spPr>
+      </p:pic>
+      <p:sp>
+        <p:nvSpPr>
+          <p:cNvPr id="3" name="Subtitle 2"/>
+          <p:cNvSpPr>
+            <a:spLocks noGrp="1"/>
+          </p:cNvSpPr>
+          <p:nvPr>
+            <p:ph type="subTitle" idx="1"/>
+          </p:nvPr>
+        </p:nvSpPr>
+        <p:spPr>
+          <a:xfrm>
+            <a:off x="1166948" y="815294"/>
+            <a:ext cx="10253324" cy="1689817"/>
+          </a:xfrm>
+        </p:spPr>
+        <p:txBody>
+          <a:bodyPr>
+            <a:normAutofit/>
+          </a:bodyPr>
+          <a:lstStyle/>
+          <a:p>
+            <a:pPr marL="457200" indent="-457200" algn="l">
+              <a:buFont typeface="Arial" panose="020B0604020202020204" pitchFamily="34" charset="0"/>
+              <a:buChar char="•"/>
+            </a:pPr>
+            <a:r>
+              <a:rPr lang="en-US" sz="3300" dirty="0"/>
+              <a:t>Can not be expressed with a linear</a:t>
+            </a:r>
+          </a:p>
+          <a:p>
+            <a:pPr marL="457200" indent="-457200" algn="l">
+              <a:buFont typeface="Arial" panose="020B0604020202020204" pitchFamily="34" charset="0"/>
+              <a:buChar char="•"/>
+            </a:pPr>
+            <a:r>
+              <a:rPr lang="en-US" sz="3300" dirty="0"/>
+              <a:t>Looking into Sigmoid function</a:t>
+            </a:r>
+          </a:p>
+          <a:p>
+            <a:pPr marL="914400" lvl="1" indent="-457200" algn="l">
+              <a:buFont typeface="Arial" panose="020B0604020202020204" pitchFamily="34" charset="0"/>
+              <a:buChar char="•"/>
+            </a:pPr>
+            <a:r>
+              <a:rPr lang="en-US" sz="2900" dirty="0"/>
+              <a:t>Threshold value</a:t>
+            </a:r>
+          </a:p>
+        </p:txBody>
+      </p:sp>
+      <p:sp>
+        <p:nvSpPr>
+          <p:cNvPr id="5" name="TextBox 4"/>
+          <p:cNvSpPr txBox="1"/>
+          <p:nvPr/>
+        </p:nvSpPr>
+        <p:spPr>
+          <a:xfrm>
+            <a:off x="254568" y="147547"/>
+            <a:ext cx="10968760" cy="584775"/>
+          </a:xfrm>
+          <a:prstGeom prst="rect">
+            <a:avLst/>
+          </a:prstGeom>
+          <a:noFill/>
+        </p:spPr>
+        <p:txBody>
+          <a:bodyPr wrap="square" rtlCol="0">
+            <a:spAutoFit/>
+          </a:bodyPr>
+          <a:lstStyle/>
+          <a:p>
+            <a:r>
+              <a:rPr lang="en-US" sz="3200" dirty="0"/>
+              <a:t>Class-3: Supervised Learning Algorithms – non-linear (logistic)</a:t>
+            </a:r>
+          </a:p>
+        </p:txBody>
+      </p:sp>
+      <p:pic>
+        <p:nvPicPr>
+          <p:cNvPr id="4" name="Picture 3">
+            <a:extLst>
+              <a:ext uri="{FF2B5EF4-FFF2-40B4-BE49-F238E27FC236}">
+                <a16:creationId xmlns:a16="http://schemas.microsoft.com/office/drawing/2014/main" id="{C96E92DE-FE6E-4633-8648-9CE46A21ABB6}"/>
+              </a:ext>
+            </a:extLst>
+          </p:cNvPr>
+          <p:cNvPicPr>
+            <a:picLocks noChangeAspect="1"/>
+          </p:cNvPicPr>
+          <p:nvPr/>
+        </p:nvPicPr>
+        <p:blipFill>
+          <a:blip r:embed="rId3"/>
+          <a:stretch>
+            <a:fillRect/>
+          </a:stretch>
+        </p:blipFill>
+        <p:spPr>
+          <a:xfrm>
+            <a:off x="5622876" y="2505111"/>
+            <a:ext cx="5354492" cy="3992763"/>
+          </a:xfrm>
+          <a:prstGeom prst="rect">
+            <a:avLst/>
+          </a:prstGeom>
+        </p:spPr>
+      </p:pic>
+    </p:spTree>
+    <p:extLst>
+      <p:ext uri="{BB962C8B-B14F-4D97-AF65-F5344CB8AC3E}">
+        <p14:creationId xmlns:p14="http://schemas.microsoft.com/office/powerpoint/2010/main" val="406235811"/>
+      </p:ext>
+    </p:extLst>
+  </p:cSld>
+  <p:clrMapOvr>
+    <a:masterClrMapping/>
+  </p:clrMapOvr>
+</p:sld>
+</file>
+
 <file path=ppt/slides/slide22.xml><?xml version="1.0" encoding="utf-8"?>
 <p:sld xmlns:a="http://schemas.openxmlformats.org/drawingml/2006/main" xmlns:r="http://schemas.openxmlformats.org/officeDocument/2006/relationships" xmlns:p="http://schemas.openxmlformats.org/presentationml/2006/main">
   <p:cSld>
@@ -7877,8 +7741,8 @@
         </p:nvSpPr>
         <p:spPr>
           <a:xfrm>
-            <a:off x="1166948" y="815294"/>
-            <a:ext cx="9144000" cy="5498419"/>
+            <a:off x="476655" y="815295"/>
+            <a:ext cx="11420273" cy="1023234"/>
           </a:xfrm>
         </p:spPr>
         <p:txBody>
@@ -7887,67 +7751,10 @@
           </a:bodyPr>
           <a:lstStyle/>
           <a:p>
-            <a:pPr marL="457200" indent="-457200" algn="l">
-              <a:buFont typeface="Arial" panose="020B0604020202020204" pitchFamily="34" charset="0"/>
-              <a:buChar char="•"/>
-            </a:pPr>
-            <a:r>
-              <a:rPr lang="en-US" sz="3200" dirty="0"/>
-              <a:t>What is Classification? </a:t>
-            </a:r>
-          </a:p>
-          <a:p>
-            <a:pPr marL="457200" indent="-457200" algn="l">
-              <a:buFont typeface="Arial" panose="020B0604020202020204" pitchFamily="34" charset="0"/>
-              <a:buChar char="•"/>
-            </a:pPr>
-            <a:r>
-              <a:rPr lang="en-US" sz="3200" dirty="0"/>
-              <a:t>Types of Classification </a:t>
-            </a:r>
-          </a:p>
-          <a:p>
-            <a:pPr marL="457200" indent="-457200" algn="l">
-              <a:buFont typeface="Arial" panose="020B0604020202020204" pitchFamily="34" charset="0"/>
-              <a:buChar char="•"/>
-            </a:pPr>
-            <a:r>
-              <a:rPr lang="en-US" sz="3200" dirty="0"/>
-              <a:t>Decision Tree </a:t>
-            </a:r>
-          </a:p>
-          <a:p>
-            <a:pPr marL="457200" indent="-457200" algn="l">
-              <a:buFont typeface="Arial" panose="020B0604020202020204" pitchFamily="34" charset="0"/>
-              <a:buChar char="•"/>
-            </a:pPr>
-            <a:r>
-              <a:rPr lang="en-US" sz="3200" dirty="0"/>
-              <a:t>Decision Tree Terminologies </a:t>
-            </a:r>
-          </a:p>
-          <a:p>
-            <a:pPr marL="457200" indent="-457200" algn="l">
-              <a:buFont typeface="Arial" panose="020B0604020202020204" pitchFamily="34" charset="0"/>
-              <a:buChar char="•"/>
-            </a:pPr>
-            <a:r>
-              <a:rPr lang="en-US" sz="3200" dirty="0"/>
-              <a:t>Entropy </a:t>
-            </a:r>
-          </a:p>
-          <a:p>
-            <a:pPr marL="457200" indent="-457200" algn="l">
-              <a:buFont typeface="Arial" panose="020B0604020202020204" pitchFamily="34" charset="0"/>
-              <a:buChar char="•"/>
-            </a:pPr>
-            <a:r>
-              <a:rPr lang="en-US" sz="3200" dirty="0"/>
-              <a:t>Credit Risk Detection Use-case</a:t>
-            </a:r>
-            <a:r>
-              <a:rPr lang="en-US" sz="3300" dirty="0"/>
-              <a:t> </a:t>
+            <a:pPr algn="l"/>
+            <a:r>
+              <a:rPr lang="en-US" sz="2900" dirty="0"/>
+              <a:t>The Logistic Regression Equation is derived from the Straight Line Equation</a:t>
             </a:r>
           </a:p>
         </p:txBody>
@@ -7976,7 +7783,439 @@
           <a:p>
             <a:r>
               <a:rPr lang="en-US" sz="3200" dirty="0"/>
-              <a:t>Class-3: Supervised Learning Algorithms</a:t>
+              <a:t>Class-3: Logistic Regression Equation</a:t>
+            </a:r>
+          </a:p>
+        </p:txBody>
+      </p:sp>
+      <p:sp>
+        <p:nvSpPr>
+          <p:cNvPr id="6" name="TextBox 5">
+            <a:extLst>
+              <a:ext uri="{FF2B5EF4-FFF2-40B4-BE49-F238E27FC236}">
+                <a16:creationId xmlns:a16="http://schemas.microsoft.com/office/drawing/2014/main" id="{4FFB6430-1789-4D99-AF81-1B3CBEDB3695}"/>
+              </a:ext>
+            </a:extLst>
+          </p:cNvPr>
+          <p:cNvSpPr txBox="1"/>
+          <p:nvPr/>
+        </p:nvSpPr>
+        <p:spPr>
+          <a:xfrm>
+            <a:off x="564204" y="1663430"/>
+            <a:ext cx="2851422" cy="400110"/>
+          </a:xfrm>
+          <a:prstGeom prst="rect">
+            <a:avLst/>
+          </a:prstGeom>
+          <a:noFill/>
+        </p:spPr>
+        <p:txBody>
+          <a:bodyPr wrap="none" rtlCol="0">
+            <a:spAutoFit/>
+          </a:bodyPr>
+          <a:lstStyle/>
+          <a:p>
+            <a:r>
+              <a:rPr lang="en-US" sz="2000" dirty="0"/>
+              <a:t>Equation of a straight line</a:t>
+            </a:r>
+          </a:p>
+        </p:txBody>
+      </p:sp>
+      <p:sp>
+        <p:nvSpPr>
+          <p:cNvPr id="7" name="TextBox 6">
+            <a:extLst>
+              <a:ext uri="{FF2B5EF4-FFF2-40B4-BE49-F238E27FC236}">
+                <a16:creationId xmlns:a16="http://schemas.microsoft.com/office/drawing/2014/main" id="{C241CC66-8B8A-4D99-A805-730596265C2E}"/>
+              </a:ext>
+            </a:extLst>
+          </p:cNvPr>
+          <p:cNvSpPr txBox="1"/>
+          <p:nvPr/>
+        </p:nvSpPr>
+        <p:spPr>
+          <a:xfrm>
+            <a:off x="1400783" y="2159535"/>
+            <a:ext cx="2422458" cy="369332"/>
+          </a:xfrm>
+          <a:prstGeom prst="rect">
+            <a:avLst/>
+          </a:prstGeom>
+          <a:noFill/>
+        </p:spPr>
+        <p:txBody>
+          <a:bodyPr wrap="none" rtlCol="0">
+            <a:spAutoFit/>
+          </a:bodyPr>
+          <a:lstStyle/>
+          <a:p>
+            <a:r>
+              <a:rPr lang="en-US" dirty="0"/>
+              <a:t>Y = C + B1X1 + B2X2 + …</a:t>
+            </a:r>
+          </a:p>
+        </p:txBody>
+      </p:sp>
+      <p:sp>
+        <p:nvSpPr>
+          <p:cNvPr id="8" name="TextBox 7">
+            <a:extLst>
+              <a:ext uri="{FF2B5EF4-FFF2-40B4-BE49-F238E27FC236}">
+                <a16:creationId xmlns:a16="http://schemas.microsoft.com/office/drawing/2014/main" id="{D4021529-F1D2-4F77-A247-376CB74954EE}"/>
+              </a:ext>
+            </a:extLst>
+          </p:cNvPr>
+          <p:cNvSpPr txBox="1"/>
+          <p:nvPr/>
+        </p:nvSpPr>
+        <p:spPr>
+          <a:xfrm>
+            <a:off x="638780" y="2613503"/>
+            <a:ext cx="8383001" cy="400110"/>
+          </a:xfrm>
+          <a:prstGeom prst="rect">
+            <a:avLst/>
+          </a:prstGeom>
+          <a:noFill/>
+        </p:spPr>
+        <p:txBody>
+          <a:bodyPr wrap="none" rtlCol="0">
+            <a:spAutoFit/>
+          </a:bodyPr>
+          <a:lstStyle/>
+          <a:p>
+            <a:r>
+              <a:rPr lang="en-US" sz="2000" dirty="0"/>
+              <a:t>Let’s try to reduce the Logistic Regression Equation from Straight Line Equation</a:t>
+            </a:r>
+          </a:p>
+        </p:txBody>
+      </p:sp>
+      <p:sp>
+        <p:nvSpPr>
+          <p:cNvPr id="9" name="TextBox 8">
+            <a:extLst>
+              <a:ext uri="{FF2B5EF4-FFF2-40B4-BE49-F238E27FC236}">
+                <a16:creationId xmlns:a16="http://schemas.microsoft.com/office/drawing/2014/main" id="{B2803CF0-F165-425C-AF72-9B864F788353}"/>
+              </a:ext>
+            </a:extLst>
+          </p:cNvPr>
+          <p:cNvSpPr txBox="1"/>
+          <p:nvPr/>
+        </p:nvSpPr>
+        <p:spPr>
+          <a:xfrm>
+            <a:off x="1407263" y="3255528"/>
+            <a:ext cx="2422458" cy="369332"/>
+          </a:xfrm>
+          <a:prstGeom prst="rect">
+            <a:avLst/>
+          </a:prstGeom>
+          <a:noFill/>
+        </p:spPr>
+        <p:txBody>
+          <a:bodyPr wrap="none" rtlCol="0">
+            <a:spAutoFit/>
+          </a:bodyPr>
+          <a:lstStyle/>
+          <a:p>
+            <a:r>
+              <a:rPr lang="en-US" dirty="0"/>
+              <a:t>Y = C + B1X1 + B2X2 + …</a:t>
+            </a:r>
+          </a:p>
+        </p:txBody>
+      </p:sp>
+      <p:sp>
+        <p:nvSpPr>
+          <p:cNvPr id="10" name="TextBox 9">
+            <a:extLst>
+              <a:ext uri="{FF2B5EF4-FFF2-40B4-BE49-F238E27FC236}">
+                <a16:creationId xmlns:a16="http://schemas.microsoft.com/office/drawing/2014/main" id="{EE393281-65C1-4F83-A9F9-12AA91092EC5}"/>
+              </a:ext>
+            </a:extLst>
+          </p:cNvPr>
+          <p:cNvSpPr txBox="1"/>
+          <p:nvPr/>
+        </p:nvSpPr>
+        <p:spPr>
+          <a:xfrm>
+            <a:off x="5920917" y="2136834"/>
+            <a:ext cx="3497111" cy="369332"/>
+          </a:xfrm>
+          <a:prstGeom prst="rect">
+            <a:avLst/>
+          </a:prstGeom>
+          <a:noFill/>
+        </p:spPr>
+        <p:txBody>
+          <a:bodyPr wrap="none" rtlCol="0">
+            <a:spAutoFit/>
+          </a:bodyPr>
+          <a:lstStyle/>
+          <a:p>
+            <a:r>
+              <a:rPr lang="en-US" dirty="0"/>
+              <a:t>Range from –(infinity) to +(infinity) </a:t>
+            </a:r>
+          </a:p>
+        </p:txBody>
+      </p:sp>
+      <p:sp>
+        <p:nvSpPr>
+          <p:cNvPr id="11" name="TextBox 10">
+            <a:extLst>
+              <a:ext uri="{FF2B5EF4-FFF2-40B4-BE49-F238E27FC236}">
+                <a16:creationId xmlns:a16="http://schemas.microsoft.com/office/drawing/2014/main" id="{1A3C1FC5-9F64-4A84-B7A6-D0C146FCFF59}"/>
+              </a:ext>
+            </a:extLst>
+          </p:cNvPr>
+          <p:cNvSpPr txBox="1"/>
+          <p:nvPr/>
+        </p:nvSpPr>
+        <p:spPr>
+          <a:xfrm>
+            <a:off x="5946855" y="3268491"/>
+            <a:ext cx="3781869" cy="369332"/>
+          </a:xfrm>
+          <a:prstGeom prst="rect">
+            <a:avLst/>
+          </a:prstGeom>
+          <a:noFill/>
+        </p:spPr>
+        <p:txBody>
+          <a:bodyPr wrap="none" rtlCol="0">
+            <a:spAutoFit/>
+          </a:bodyPr>
+          <a:lstStyle/>
+          <a:p>
+            <a:r>
+              <a:rPr lang="en-US" dirty="0"/>
+              <a:t>In Logistic Equation Range from 0 to 1 </a:t>
+            </a:r>
+          </a:p>
+        </p:txBody>
+      </p:sp>
+      <p:sp>
+        <p:nvSpPr>
+          <p:cNvPr id="12" name="TextBox 11">
+            <a:extLst>
+              <a:ext uri="{FF2B5EF4-FFF2-40B4-BE49-F238E27FC236}">
+                <a16:creationId xmlns:a16="http://schemas.microsoft.com/office/drawing/2014/main" id="{AD013F8B-88A2-4C14-8810-D839D36E470B}"/>
+              </a:ext>
+            </a:extLst>
+          </p:cNvPr>
+          <p:cNvSpPr txBox="1"/>
+          <p:nvPr/>
+        </p:nvSpPr>
+        <p:spPr>
+          <a:xfrm>
+            <a:off x="716604" y="3868373"/>
+            <a:ext cx="5849165" cy="400110"/>
+          </a:xfrm>
+          <a:prstGeom prst="rect">
+            <a:avLst/>
+          </a:prstGeom>
+          <a:noFill/>
+        </p:spPr>
+        <p:txBody>
+          <a:bodyPr wrap="none" rtlCol="0">
+            <a:spAutoFit/>
+          </a:bodyPr>
+          <a:lstStyle/>
+          <a:p>
+            <a:r>
+              <a:rPr lang="en-US" sz="2000" dirty="0"/>
+              <a:t>To get the range of Y between 0 and infinity, we define</a:t>
+            </a:r>
+          </a:p>
+        </p:txBody>
+      </p:sp>
+      <p:sp>
+        <p:nvSpPr>
+          <p:cNvPr id="13" name="TextBox 12">
+            <a:extLst>
+              <a:ext uri="{FF2B5EF4-FFF2-40B4-BE49-F238E27FC236}">
+                <a16:creationId xmlns:a16="http://schemas.microsoft.com/office/drawing/2014/main" id="{A3CB071C-EDA5-4B42-AACA-878EA9FD82D7}"/>
+              </a:ext>
+            </a:extLst>
+          </p:cNvPr>
+          <p:cNvSpPr txBox="1"/>
+          <p:nvPr/>
+        </p:nvSpPr>
+        <p:spPr>
+          <a:xfrm>
+            <a:off x="1424466" y="4497434"/>
+            <a:ext cx="2647135" cy="923330"/>
+          </a:xfrm>
+          <a:prstGeom prst="rect">
+            <a:avLst/>
+          </a:prstGeom>
+          <a:noFill/>
+        </p:spPr>
+        <p:txBody>
+          <a:bodyPr wrap="none" rtlCol="0">
+            <a:spAutoFit/>
+          </a:bodyPr>
+          <a:lstStyle/>
+          <a:p>
+            <a:r>
+              <a:rPr lang="en-US" dirty="0"/>
+              <a:t>Y / (1-Y)</a:t>
+            </a:r>
+          </a:p>
+          <a:p>
+            <a:r>
+              <a:rPr lang="en-US" dirty="0"/>
+              <a:t>Where, 	Y=0 then 0</a:t>
+            </a:r>
+          </a:p>
+          <a:p>
+            <a:r>
+              <a:rPr lang="en-US" dirty="0"/>
+              <a:t>	Y=1 then infinity</a:t>
+            </a:r>
+          </a:p>
+        </p:txBody>
+      </p:sp>
+      <p:sp>
+        <p:nvSpPr>
+          <p:cNvPr id="14" name="TextBox 13">
+            <a:extLst>
+              <a:ext uri="{FF2B5EF4-FFF2-40B4-BE49-F238E27FC236}">
+                <a16:creationId xmlns:a16="http://schemas.microsoft.com/office/drawing/2014/main" id="{429BCA53-D241-4002-A831-7A24B2491475}"/>
+              </a:ext>
+            </a:extLst>
+          </p:cNvPr>
+          <p:cNvSpPr txBox="1"/>
+          <p:nvPr/>
+        </p:nvSpPr>
+        <p:spPr>
+          <a:xfrm>
+            <a:off x="716604" y="5327415"/>
+            <a:ext cx="7336239" cy="400110"/>
+          </a:xfrm>
+          <a:prstGeom prst="rect">
+            <a:avLst/>
+          </a:prstGeom>
+          <a:noFill/>
+        </p:spPr>
+        <p:txBody>
+          <a:bodyPr wrap="none" rtlCol="0">
+            <a:spAutoFit/>
+          </a:bodyPr>
+          <a:lstStyle/>
+          <a:p>
+            <a:r>
+              <a:rPr lang="en-US" sz="2000" dirty="0"/>
+              <a:t>Transform it further, and get range between –(infinity) and +(infinity)</a:t>
+            </a:r>
+          </a:p>
+        </p:txBody>
+      </p:sp>
+      <p:sp>
+        <p:nvSpPr>
+          <p:cNvPr id="15" name="TextBox 14">
+            <a:extLst>
+              <a:ext uri="{FF2B5EF4-FFF2-40B4-BE49-F238E27FC236}">
+                <a16:creationId xmlns:a16="http://schemas.microsoft.com/office/drawing/2014/main" id="{CC928E60-06F8-46B3-93F1-72B7BBE85512}"/>
+              </a:ext>
+            </a:extLst>
+          </p:cNvPr>
+          <p:cNvSpPr txBox="1"/>
+          <p:nvPr/>
+        </p:nvSpPr>
+        <p:spPr>
+          <a:xfrm>
+            <a:off x="1400783" y="5851274"/>
+            <a:ext cx="3681136" cy="369332"/>
+          </a:xfrm>
+          <a:prstGeom prst="rect">
+            <a:avLst/>
+          </a:prstGeom>
+          <a:noFill/>
+        </p:spPr>
+        <p:txBody>
+          <a:bodyPr wrap="none" rtlCol="0">
+            <a:spAutoFit/>
+          </a:bodyPr>
+          <a:lstStyle/>
+          <a:p>
+            <a:r>
+              <a:rPr lang="en-US" dirty="0"/>
+              <a:t>Log(Y/(1-Y) =&gt; Y= C+ B1X1 + B2X2 + …</a:t>
+            </a:r>
+          </a:p>
+        </p:txBody>
+      </p:sp>
+      <p:sp>
+        <p:nvSpPr>
+          <p:cNvPr id="16" name="TextBox 15">
+            <a:extLst>
+              <a:ext uri="{FF2B5EF4-FFF2-40B4-BE49-F238E27FC236}">
+                <a16:creationId xmlns:a16="http://schemas.microsoft.com/office/drawing/2014/main" id="{35C4E0F1-56D2-46D2-9A00-353A9EC6F807}"/>
+              </a:ext>
+            </a:extLst>
+          </p:cNvPr>
+          <p:cNvSpPr txBox="1"/>
+          <p:nvPr/>
+        </p:nvSpPr>
+        <p:spPr>
+          <a:xfrm>
+            <a:off x="5946855" y="4510398"/>
+            <a:ext cx="2448491" cy="369332"/>
+          </a:xfrm>
+          <a:prstGeom prst="rect">
+            <a:avLst/>
+          </a:prstGeom>
+          <a:noFill/>
+        </p:spPr>
+        <p:txBody>
+          <a:bodyPr wrap="none" rtlCol="0">
+            <a:spAutoFit/>
+          </a:bodyPr>
+          <a:lstStyle/>
+          <a:p>
+            <a:r>
+              <a:rPr lang="en-US" dirty="0"/>
+              <a:t>Range from 0  to infinity</a:t>
+            </a:r>
+          </a:p>
+        </p:txBody>
+      </p:sp>
+      <p:sp>
+        <p:nvSpPr>
+          <p:cNvPr id="17" name="TextBox 16">
+            <a:extLst>
+              <a:ext uri="{FF2B5EF4-FFF2-40B4-BE49-F238E27FC236}">
+                <a16:creationId xmlns:a16="http://schemas.microsoft.com/office/drawing/2014/main" id="{A6FD6E4C-2912-4255-B02F-747E3F9C5A09}"/>
+              </a:ext>
+            </a:extLst>
+          </p:cNvPr>
+          <p:cNvSpPr txBox="1"/>
+          <p:nvPr/>
+        </p:nvSpPr>
+        <p:spPr>
+          <a:xfrm>
+            <a:off x="6011703" y="5911175"/>
+            <a:ext cx="2835328" cy="369332"/>
+          </a:xfrm>
+          <a:prstGeom prst="rect">
+            <a:avLst/>
+          </a:prstGeom>
+          <a:noFill/>
+        </p:spPr>
+        <p:txBody>
+          <a:bodyPr wrap="none" rtlCol="0">
+            <a:spAutoFit/>
+          </a:bodyPr>
+          <a:lstStyle/>
+          <a:p>
+            <a:r>
+              <a:rPr lang="en-US" dirty="0"/>
+              <a:t>Logistic Regression Equation</a:t>
             </a:r>
           </a:p>
         </p:txBody>
@@ -7984,7 +8223,7 @@
     </p:spTree>
     <p:extLst>
       <p:ext uri="{BB962C8B-B14F-4D97-AF65-F5344CB8AC3E}">
-        <p14:creationId xmlns:p14="http://schemas.microsoft.com/office/powerpoint/2010/main" val="406235811"/>
+        <p14:creationId xmlns:p14="http://schemas.microsoft.com/office/powerpoint/2010/main" val="76323362"/>
       </p:ext>
     </p:extLst>
   </p:cSld>
@@ -8013,142 +8252,14 @@
       </p:grpSpPr>
       <p:sp>
         <p:nvSpPr>
-          <p:cNvPr id="3" name="Subtitle 2"/>
-          <p:cNvSpPr>
-            <a:spLocks noGrp="1"/>
-          </p:cNvSpPr>
-          <p:nvPr>
-            <p:ph type="subTitle" idx="1"/>
-          </p:nvPr>
-        </p:nvSpPr>
-        <p:spPr>
-          <a:xfrm>
-            <a:off x="1166948" y="815294"/>
-            <a:ext cx="9144000" cy="5498419"/>
-          </a:xfrm>
-        </p:spPr>
-        <p:txBody>
-          <a:bodyPr>
-            <a:normAutofit fontScale="32500" lnSpcReduction="20000"/>
-          </a:bodyPr>
-          <a:lstStyle/>
-          <a:p>
-            <a:pPr algn="l"/>
-            <a:r>
-              <a:rPr lang="en-US" sz="6200" dirty="0"/>
-              <a:t>Random Forest </a:t>
-            </a:r>
-          </a:p>
-          <a:p>
-            <a:pPr algn="l"/>
-            <a:r>
-              <a:rPr lang="en-US" sz="6200" dirty="0"/>
-              <a:t>Random Forest Use-Cases </a:t>
-            </a:r>
-          </a:p>
-          <a:p>
-            <a:pPr algn="l"/>
-            <a:r>
-              <a:rPr lang="en-US" sz="6200" dirty="0"/>
-              <a:t>Random Forest Algorithm </a:t>
-            </a:r>
-          </a:p>
-          <a:p>
-            <a:pPr algn="l"/>
-            <a:r>
-              <a:rPr lang="en-US" sz="6200" dirty="0"/>
-              <a:t>KNN Algorithm </a:t>
-            </a:r>
-          </a:p>
-          <a:p>
-            <a:pPr algn="l"/>
-            <a:r>
-              <a:rPr lang="en-US" sz="6200" dirty="0"/>
-              <a:t>KNN Algorithm Working </a:t>
-            </a:r>
-          </a:p>
-          <a:p>
-            <a:pPr algn="l"/>
-            <a:r>
-              <a:rPr lang="en-US" sz="6200" dirty="0"/>
-              <a:t>KNN Demo </a:t>
-            </a:r>
-          </a:p>
-          <a:p>
-            <a:pPr algn="l"/>
-            <a:r>
-              <a:rPr lang="en-US" sz="6200" dirty="0"/>
-              <a:t>Naive Bayes </a:t>
-            </a:r>
-          </a:p>
-          <a:p>
-            <a:pPr algn="l"/>
-            <a:r>
-              <a:rPr lang="en-US" sz="6200" dirty="0"/>
-              <a:t>Naive Bayes Working </a:t>
-            </a:r>
-          </a:p>
-          <a:p>
-            <a:pPr algn="l"/>
-            <a:r>
-              <a:rPr lang="en-US" sz="6200" dirty="0"/>
-              <a:t>Industrial Use of Naive Bayes </a:t>
-            </a:r>
-          </a:p>
-          <a:p>
-            <a:pPr algn="l"/>
-            <a:r>
-              <a:rPr lang="en-US" sz="6200" dirty="0"/>
-              <a:t>Types of Naive Bayes </a:t>
-            </a:r>
-          </a:p>
-          <a:p>
-            <a:pPr algn="l"/>
-            <a:r>
-              <a:rPr lang="en-US" sz="6200" dirty="0"/>
-              <a:t>Steps involved in Naive Bayes </a:t>
-            </a:r>
-          </a:p>
-          <a:p>
-            <a:pPr algn="l"/>
-            <a:r>
-              <a:rPr lang="en-US" sz="6200" dirty="0"/>
-              <a:t>PIMA Diabetic Test Use Case </a:t>
-            </a:r>
-          </a:p>
-          <a:p>
-            <a:pPr algn="l"/>
-            <a:r>
-              <a:rPr lang="en-US" sz="6200" dirty="0"/>
-              <a:t>Support Vector Machine </a:t>
-            </a:r>
-          </a:p>
-          <a:p>
-            <a:pPr algn="l"/>
-            <a:r>
-              <a:rPr lang="en-US" sz="6200" dirty="0"/>
-              <a:t>Non-Linear SVM </a:t>
-            </a:r>
-          </a:p>
-          <a:p>
-            <a:pPr algn="l"/>
-            <a:r>
-              <a:rPr lang="en-US" sz="6200" dirty="0"/>
-              <a:t>SVM Use-case </a:t>
-            </a:r>
-          </a:p>
-        </p:txBody>
-      </p:sp>
-      <p:sp>
-        <p:nvSpPr>
-          <p:cNvPr id="4" name="TextBox 3"/>
+          <p:cNvPr id="5" name="TextBox 4"/>
           <p:cNvSpPr txBox="1"/>
           <p:nvPr/>
         </p:nvSpPr>
         <p:spPr>
           <a:xfrm>
-            <a:off x="522514" y="217714"/>
-            <a:ext cx="936154" cy="369332"/>
+            <a:off x="254568" y="147547"/>
+            <a:ext cx="10968760" cy="584775"/>
           </a:xfrm>
           <a:prstGeom prst="rect">
             <a:avLst/>
@@ -8156,22 +8267,369 @@
           <a:noFill/>
         </p:spPr>
         <p:txBody>
-          <a:bodyPr wrap="none" rtlCol="0">
+          <a:bodyPr wrap="square" rtlCol="0">
             <a:spAutoFit/>
           </a:bodyPr>
           <a:lstStyle/>
           <a:p>
             <a:r>
-              <a:rPr lang="en-US" dirty="0"/>
-              <a:t>Content</a:t>
-            </a:r>
-          </a:p>
-        </p:txBody>
-      </p:sp>
+              <a:rPr lang="en-US" sz="3200" dirty="0"/>
+              <a:t>Class-3: Linear Regression </a:t>
+            </a:r>
+          </a:p>
+        </p:txBody>
+      </p:sp>
+      <p:graphicFrame>
+        <p:nvGraphicFramePr>
+          <p:cNvPr id="2" name="Table 3">
+            <a:extLst>
+              <a:ext uri="{FF2B5EF4-FFF2-40B4-BE49-F238E27FC236}">
+                <a16:creationId xmlns:a16="http://schemas.microsoft.com/office/drawing/2014/main" id="{B4A5A27E-B594-4E50-98A5-F9F9D890D0ED}"/>
+              </a:ext>
+            </a:extLst>
+          </p:cNvPr>
+          <p:cNvGraphicFramePr>
+            <a:graphicFrameLocks noGrp="1"/>
+          </p:cNvGraphicFramePr>
+          <p:nvPr>
+            <p:extLst>
+              <p:ext uri="{D42A27DB-BD31-4B8C-83A1-F6EECF244321}">
+                <p14:modId xmlns:p14="http://schemas.microsoft.com/office/powerpoint/2010/main" val="3096946033"/>
+              </p:ext>
+            </p:extLst>
+          </p:nvPr>
+        </p:nvGraphicFramePr>
+        <p:xfrm>
+          <a:off x="415108" y="957580"/>
+          <a:ext cx="10759822" cy="3850640"/>
+        </p:xfrm>
+        <a:graphic>
+          <a:graphicData uri="http://schemas.openxmlformats.org/drawingml/2006/table">
+            <a:tbl>
+              <a:tblPr firstRow="1" bandRow="1">
+                <a:tableStyleId>{5C22544A-7EE6-4342-B048-85BDC9FD1C3A}</a:tableStyleId>
+              </a:tblPr>
+              <a:tblGrid>
+                <a:gridCol w="2934081">
+                  <a:extLst>
+                    <a:ext uri="{9D8B030D-6E8A-4147-A177-3AD203B41FA5}">
+                      <a16:colId xmlns:a16="http://schemas.microsoft.com/office/drawing/2014/main" val="2029966492"/>
+                    </a:ext>
+                  </a:extLst>
+                </a:gridCol>
+                <a:gridCol w="4260790">
+                  <a:extLst>
+                    <a:ext uri="{9D8B030D-6E8A-4147-A177-3AD203B41FA5}">
+                      <a16:colId xmlns:a16="http://schemas.microsoft.com/office/drawing/2014/main" val="1122156824"/>
+                    </a:ext>
+                  </a:extLst>
+                </a:gridCol>
+                <a:gridCol w="3564951">
+                  <a:extLst>
+                    <a:ext uri="{9D8B030D-6E8A-4147-A177-3AD203B41FA5}">
+                      <a16:colId xmlns:a16="http://schemas.microsoft.com/office/drawing/2014/main" val="827622800"/>
+                    </a:ext>
+                  </a:extLst>
+                </a:gridCol>
+              </a:tblGrid>
+              <a:tr h="324839">
+                <a:tc>
+                  <a:txBody>
+                    <a:bodyPr/>
+                    <a:lstStyle/>
+                    <a:p>
+                      <a:r>
+                        <a:rPr lang="en-US" dirty="0"/>
+                        <a:t>Basic</a:t>
+                      </a:r>
+                    </a:p>
+                  </a:txBody>
+                  <a:tcPr/>
+                </a:tc>
+                <a:tc>
+                  <a:txBody>
+                    <a:bodyPr/>
+                    <a:lstStyle/>
+                    <a:p>
+                      <a:r>
+                        <a:rPr lang="en-US" dirty="0"/>
+                        <a:t>Linear Regression</a:t>
+                      </a:r>
+                    </a:p>
+                  </a:txBody>
+                  <a:tcPr/>
+                </a:tc>
+                <a:tc>
+                  <a:txBody>
+                    <a:bodyPr/>
+                    <a:lstStyle/>
+                    <a:p>
+                      <a:r>
+                        <a:rPr lang="en-US" dirty="0"/>
+                        <a:t>Logistic Regression</a:t>
+                      </a:r>
+                    </a:p>
+                  </a:txBody>
+                  <a:tcPr/>
+                </a:tc>
+                <a:extLst>
+                  <a:ext uri="{0D108BD9-81ED-4DB2-BD59-A6C34878D82A}">
+                    <a16:rowId xmlns:a16="http://schemas.microsoft.com/office/drawing/2014/main" val="2263784012"/>
+                  </a:ext>
+                </a:extLst>
+              </a:tr>
+              <a:tr h="370840">
+                <a:tc>
+                  <a:txBody>
+                    <a:bodyPr/>
+                    <a:lstStyle/>
+                    <a:p>
+                      <a:r>
+                        <a:rPr lang="en-US" dirty="0"/>
+                        <a:t>Core Concept</a:t>
+                      </a:r>
+                    </a:p>
+                  </a:txBody>
+                  <a:tcPr/>
+                </a:tc>
+                <a:tc>
+                  <a:txBody>
+                    <a:bodyPr/>
+                    <a:lstStyle/>
+                    <a:p>
+                      <a:r>
+                        <a:rPr lang="en-US" dirty="0"/>
+                        <a:t>The data is modelled using a straight line</a:t>
+                      </a:r>
+                    </a:p>
+                  </a:txBody>
+                  <a:tcPr/>
+                </a:tc>
+                <a:tc>
+                  <a:txBody>
+                    <a:bodyPr/>
+                    <a:lstStyle/>
+                    <a:p>
+                      <a:r>
+                        <a:rPr lang="en-US" dirty="0"/>
+                        <a:t>The probability of some obtained event is represented as a linear function of a combination of predictor variables</a:t>
+                      </a:r>
+                    </a:p>
+                  </a:txBody>
+                  <a:tcPr/>
+                </a:tc>
+                <a:extLst>
+                  <a:ext uri="{0D108BD9-81ED-4DB2-BD59-A6C34878D82A}">
+                    <a16:rowId xmlns:a16="http://schemas.microsoft.com/office/drawing/2014/main" val="2767534480"/>
+                  </a:ext>
+                </a:extLst>
+              </a:tr>
+              <a:tr h="370840">
+                <a:tc>
+                  <a:txBody>
+                    <a:bodyPr/>
+                    <a:lstStyle/>
+                    <a:p>
+                      <a:r>
+                        <a:rPr lang="en-US" dirty="0"/>
+                        <a:t>Used with </a:t>
+                      </a:r>
+                    </a:p>
+                  </a:txBody>
+                  <a:tcPr/>
+                </a:tc>
+                <a:tc>
+                  <a:txBody>
+                    <a:bodyPr/>
+                    <a:lstStyle/>
+                    <a:p>
+                      <a:r>
+                        <a:rPr lang="en-US" dirty="0"/>
+                        <a:t>Continuous Variable (y = mx + c)</a:t>
+                      </a:r>
+                    </a:p>
+                  </a:txBody>
+                  <a:tcPr/>
+                </a:tc>
+                <a:tc>
+                  <a:txBody>
+                    <a:bodyPr/>
+                    <a:lstStyle/>
+                    <a:p>
+                      <a:r>
+                        <a:rPr lang="en-US" dirty="0"/>
+                        <a:t>Categorical Variable (sigmoid function)</a:t>
+                      </a:r>
+                    </a:p>
+                  </a:txBody>
+                  <a:tcPr/>
+                </a:tc>
+                <a:extLst>
+                  <a:ext uri="{0D108BD9-81ED-4DB2-BD59-A6C34878D82A}">
+                    <a16:rowId xmlns:a16="http://schemas.microsoft.com/office/drawing/2014/main" val="4099129249"/>
+                  </a:ext>
+                </a:extLst>
+              </a:tr>
+              <a:tr h="370840">
+                <a:tc>
+                  <a:txBody>
+                    <a:bodyPr/>
+                    <a:lstStyle/>
+                    <a:p>
+                      <a:r>
+                        <a:rPr lang="en-US" dirty="0"/>
+                        <a:t>Output/</a:t>
+                      </a:r>
+                      <a:r>
+                        <a:rPr lang="en-US" dirty="0" err="1"/>
+                        <a:t>Predition</a:t>
+                      </a:r>
+                      <a:endParaRPr lang="en-US" dirty="0"/>
+                    </a:p>
+                  </a:txBody>
+                  <a:tcPr/>
+                </a:tc>
+                <a:tc>
+                  <a:txBody>
+                    <a:bodyPr/>
+                    <a:lstStyle/>
+                    <a:p>
+                      <a:r>
+                        <a:rPr lang="en-US" dirty="0"/>
+                        <a:t>Value of the variable</a:t>
+                      </a:r>
+                    </a:p>
+                  </a:txBody>
+                  <a:tcPr/>
+                </a:tc>
+                <a:tc>
+                  <a:txBody>
+                    <a:bodyPr/>
+                    <a:lstStyle/>
+                    <a:p>
+                      <a:r>
+                        <a:rPr lang="en-US" dirty="0"/>
+                        <a:t>Probability of occurrence of event</a:t>
+                      </a:r>
+                    </a:p>
+                  </a:txBody>
+                  <a:tcPr/>
+                </a:tc>
+                <a:extLst>
+                  <a:ext uri="{0D108BD9-81ED-4DB2-BD59-A6C34878D82A}">
+                    <a16:rowId xmlns:a16="http://schemas.microsoft.com/office/drawing/2014/main" val="3567391119"/>
+                  </a:ext>
+                </a:extLst>
+              </a:tr>
+              <a:tr h="370840">
+                <a:tc>
+                  <a:txBody>
+                    <a:bodyPr/>
+                    <a:lstStyle/>
+                    <a:p>
+                      <a:r>
+                        <a:rPr lang="en-US" dirty="0"/>
+                        <a:t>Accuracy and Goodness of fit</a:t>
+                      </a:r>
+                    </a:p>
+                  </a:txBody>
+                  <a:tcPr/>
+                </a:tc>
+                <a:tc>
+                  <a:txBody>
+                    <a:bodyPr/>
+                    <a:lstStyle/>
+                    <a:p>
+                      <a:r>
+                        <a:rPr lang="en-US" dirty="0"/>
+                        <a:t>Measure by loss, R squared, Adjusted R squared </a:t>
+                      </a:r>
+                      <a:r>
+                        <a:rPr lang="en-US" dirty="0" err="1"/>
+                        <a:t>etc</a:t>
+                      </a:r>
+                      <a:endParaRPr lang="en-US" dirty="0"/>
+                    </a:p>
+                  </a:txBody>
+                  <a:tcPr/>
+                </a:tc>
+                <a:tc>
+                  <a:txBody>
+                    <a:bodyPr/>
+                    <a:lstStyle/>
+                    <a:p>
+                      <a:r>
+                        <a:rPr lang="en-US" dirty="0"/>
+                        <a:t>Accuracy, Precision, Recall, F1 </a:t>
+                      </a:r>
+                      <a:r>
+                        <a:rPr lang="en-US" dirty="0" err="1"/>
+                        <a:t>scoure</a:t>
+                      </a:r>
+                      <a:r>
+                        <a:rPr lang="en-US" dirty="0"/>
+                        <a:t>, ROC curve, Confusion Matrix, </a:t>
+                      </a:r>
+                      <a:r>
+                        <a:rPr lang="en-US" dirty="0" err="1"/>
+                        <a:t>etc</a:t>
+                      </a:r>
+                      <a:endParaRPr lang="en-US" dirty="0"/>
+                    </a:p>
+                  </a:txBody>
+                  <a:tcPr/>
+                </a:tc>
+                <a:extLst>
+                  <a:ext uri="{0D108BD9-81ED-4DB2-BD59-A6C34878D82A}">
+                    <a16:rowId xmlns:a16="http://schemas.microsoft.com/office/drawing/2014/main" val="2064094873"/>
+                  </a:ext>
+                </a:extLst>
+              </a:tr>
+              <a:tr h="370840">
+                <a:tc>
+                  <a:txBody>
+                    <a:bodyPr/>
+                    <a:lstStyle/>
+                    <a:p>
+                      <a:endParaRPr lang="en-US" dirty="0"/>
+                    </a:p>
+                  </a:txBody>
+                  <a:tcPr/>
+                </a:tc>
+                <a:tc>
+                  <a:txBody>
+                    <a:bodyPr/>
+                    <a:lstStyle/>
+                    <a:p>
+                      <a:endParaRPr lang="en-US"/>
+                    </a:p>
+                  </a:txBody>
+                  <a:tcPr/>
+                </a:tc>
+                <a:tc>
+                  <a:txBody>
+                    <a:bodyPr/>
+                    <a:lstStyle/>
+                    <a:p>
+                      <a:endParaRPr lang="en-US" dirty="0"/>
+                    </a:p>
+                  </a:txBody>
+                  <a:tcPr/>
+                </a:tc>
+                <a:extLst>
+                  <a:ext uri="{0D108BD9-81ED-4DB2-BD59-A6C34878D82A}">
+                    <a16:rowId xmlns:a16="http://schemas.microsoft.com/office/drawing/2014/main" val="3143956868"/>
+                  </a:ext>
+                </a:extLst>
+              </a:tr>
+            </a:tbl>
+          </a:graphicData>
+        </a:graphic>
+      </p:graphicFrame>
     </p:spTree>
     <p:extLst>
       <p:ext uri="{BB962C8B-B14F-4D97-AF65-F5344CB8AC3E}">
-        <p14:creationId xmlns:p14="http://schemas.microsoft.com/office/powerpoint/2010/main" val="3761855347"/>
+        <p14:creationId xmlns:p14="http://schemas.microsoft.com/office/powerpoint/2010/main" val="3917404551"/>
       </p:ext>
     </p:extLst>
   </p:cSld>
@@ -8210,6 +8668,490 @@
         </p:nvSpPr>
         <p:spPr>
           <a:xfrm>
+            <a:off x="476655" y="815294"/>
+            <a:ext cx="11420273" cy="5601547"/>
+          </a:xfrm>
+        </p:spPr>
+        <p:txBody>
+          <a:bodyPr>
+            <a:normAutofit/>
+          </a:bodyPr>
+          <a:lstStyle/>
+          <a:p>
+            <a:pPr algn="l"/>
+            <a:r>
+              <a:rPr lang="en-US" sz="2900" dirty="0"/>
+              <a:t>Weather forecast (yes or no) vs Linear Regression (what temperatures)</a:t>
+            </a:r>
+          </a:p>
+          <a:p>
+            <a:pPr algn="l"/>
+            <a:r>
+              <a:rPr lang="en-US" sz="2900" dirty="0"/>
+              <a:t>Classification problem </a:t>
+            </a:r>
+          </a:p>
+          <a:p>
+            <a:pPr algn="l"/>
+            <a:r>
+              <a:rPr lang="en-US" sz="2900" dirty="0"/>
+              <a:t>	Vertebrates (a bird, or a cat)</a:t>
+            </a:r>
+          </a:p>
+          <a:p>
+            <a:pPr algn="l"/>
+            <a:r>
+              <a:rPr lang="en-US" sz="2900" dirty="0"/>
+              <a:t>	Determines Illness (based on the bio-data)</a:t>
+            </a:r>
+          </a:p>
+          <a:p>
+            <a:pPr algn="l"/>
+            <a:endParaRPr lang="en-US" sz="2900"/>
+          </a:p>
+          <a:p>
+            <a:pPr algn="l"/>
+            <a:r>
+              <a:rPr lang="en-US" sz="2900"/>
+              <a:t>Practices</a:t>
+            </a:r>
+            <a:r>
+              <a:rPr lang="en-US" sz="2900" dirty="0"/>
+              <a:t>: </a:t>
+            </a:r>
+          </a:p>
+          <a:p>
+            <a:pPr algn="l"/>
+            <a:r>
+              <a:rPr lang="en-US" sz="2900" dirty="0"/>
+              <a:t>	Explore titanic dataset and explore about the people, both those who survived and those who did not. With today’s technology, answering questions through data analysis is now easier than ever: </a:t>
+            </a:r>
+          </a:p>
+          <a:p>
+            <a:pPr algn="l"/>
+            <a:r>
+              <a:rPr lang="en-US" b="1" dirty="0"/>
+              <a:t>	what factors made people more likely survive the sinking of the Titanic</a:t>
+            </a:r>
+            <a:r>
+              <a:rPr lang="en-US" dirty="0"/>
+              <a:t>?</a:t>
+            </a:r>
+          </a:p>
+          <a:p>
+            <a:pPr algn="l"/>
+            <a:endParaRPr lang="en-US" sz="2900" dirty="0"/>
+          </a:p>
+          <a:p>
+            <a:pPr algn="l"/>
+            <a:endParaRPr lang="en-US" sz="2900" dirty="0"/>
+          </a:p>
+        </p:txBody>
+      </p:sp>
+      <p:sp>
+        <p:nvSpPr>
+          <p:cNvPr id="5" name="TextBox 4"/>
+          <p:cNvSpPr txBox="1"/>
+          <p:nvPr/>
+        </p:nvSpPr>
+        <p:spPr>
+          <a:xfrm>
+            <a:off x="254568" y="147547"/>
+            <a:ext cx="10968760" cy="584775"/>
+          </a:xfrm>
+          <a:prstGeom prst="rect">
+            <a:avLst/>
+          </a:prstGeom>
+          <a:noFill/>
+        </p:spPr>
+        <p:txBody>
+          <a:bodyPr wrap="square" rtlCol="0">
+            <a:spAutoFit/>
+          </a:bodyPr>
+          <a:lstStyle/>
+          <a:p>
+            <a:r>
+              <a:rPr lang="en-US" sz="3200" dirty="0"/>
+              <a:t>Class-3: Logistic Regression Use Cases</a:t>
+            </a:r>
+          </a:p>
+        </p:txBody>
+      </p:sp>
+    </p:spTree>
+    <p:extLst>
+      <p:ext uri="{BB962C8B-B14F-4D97-AF65-F5344CB8AC3E}">
+        <p14:creationId xmlns:p14="http://schemas.microsoft.com/office/powerpoint/2010/main" val="1897691093"/>
+      </p:ext>
+    </p:extLst>
+  </p:cSld>
+  <p:clrMapOvr>
+    <a:masterClrMapping/>
+  </p:clrMapOvr>
+</p:sld>
+</file>
+
+<file path=ppt/slides/slide25.xml><?xml version="1.0" encoding="utf-8"?>
+<p:sld xmlns:a="http://schemas.openxmlformats.org/drawingml/2006/main" xmlns:r="http://schemas.openxmlformats.org/officeDocument/2006/relationships" xmlns:p="http://schemas.openxmlformats.org/presentationml/2006/main">
+  <p:cSld>
+    <p:spTree>
+      <p:nvGrpSpPr>
+        <p:cNvPr id="1" name=""/>
+        <p:cNvGrpSpPr/>
+        <p:nvPr/>
+      </p:nvGrpSpPr>
+      <p:grpSpPr>
+        <a:xfrm>
+          <a:off x="0" y="0"/>
+          <a:ext cx="0" cy="0"/>
+          <a:chOff x="0" y="0"/>
+          <a:chExt cx="0" cy="0"/>
+        </a:xfrm>
+      </p:grpSpPr>
+      <p:sp>
+        <p:nvSpPr>
+          <p:cNvPr id="3" name="Subtitle 2"/>
+          <p:cNvSpPr>
+            <a:spLocks noGrp="1"/>
+          </p:cNvSpPr>
+          <p:nvPr>
+            <p:ph type="subTitle" idx="1"/>
+          </p:nvPr>
+        </p:nvSpPr>
+        <p:spPr>
+          <a:xfrm>
+            <a:off x="1166948" y="815294"/>
+            <a:ext cx="9144000" cy="5498419"/>
+          </a:xfrm>
+        </p:spPr>
+        <p:txBody>
+          <a:bodyPr>
+            <a:normAutofit/>
+          </a:bodyPr>
+          <a:lstStyle/>
+          <a:p>
+            <a:pPr marL="457200" indent="-457200" algn="l">
+              <a:buFont typeface="Arial" panose="020B0604020202020204" pitchFamily="34" charset="0"/>
+              <a:buChar char="•"/>
+            </a:pPr>
+            <a:r>
+              <a:rPr lang="en-US" sz="3200" dirty="0"/>
+              <a:t>What is Classification? </a:t>
+            </a:r>
+          </a:p>
+          <a:p>
+            <a:pPr marL="457200" indent="-457200" algn="l">
+              <a:buFont typeface="Arial" panose="020B0604020202020204" pitchFamily="34" charset="0"/>
+              <a:buChar char="•"/>
+            </a:pPr>
+            <a:r>
+              <a:rPr lang="en-US" sz="3200" dirty="0"/>
+              <a:t>Types of Classification </a:t>
+            </a:r>
+          </a:p>
+          <a:p>
+            <a:pPr marL="457200" indent="-457200" algn="l">
+              <a:buFont typeface="Arial" panose="020B0604020202020204" pitchFamily="34" charset="0"/>
+              <a:buChar char="•"/>
+            </a:pPr>
+            <a:r>
+              <a:rPr lang="en-US" sz="3200" dirty="0"/>
+              <a:t>Decision Tree </a:t>
+            </a:r>
+          </a:p>
+          <a:p>
+            <a:pPr marL="457200" indent="-457200" algn="l">
+              <a:buFont typeface="Arial" panose="020B0604020202020204" pitchFamily="34" charset="0"/>
+              <a:buChar char="•"/>
+            </a:pPr>
+            <a:r>
+              <a:rPr lang="en-US" sz="3200" dirty="0"/>
+              <a:t>Decision Tree Terminologies </a:t>
+            </a:r>
+          </a:p>
+          <a:p>
+            <a:pPr marL="457200" indent="-457200" algn="l">
+              <a:buFont typeface="Arial" panose="020B0604020202020204" pitchFamily="34" charset="0"/>
+              <a:buChar char="•"/>
+            </a:pPr>
+            <a:r>
+              <a:rPr lang="en-US" sz="3200" dirty="0"/>
+              <a:t>Entropy </a:t>
+            </a:r>
+          </a:p>
+          <a:p>
+            <a:pPr marL="457200" indent="-457200" algn="l">
+              <a:buFont typeface="Arial" panose="020B0604020202020204" pitchFamily="34" charset="0"/>
+              <a:buChar char="•"/>
+            </a:pPr>
+            <a:r>
+              <a:rPr lang="en-US" sz="3200" dirty="0"/>
+              <a:t>Credit Risk Detection Use-case</a:t>
+            </a:r>
+            <a:r>
+              <a:rPr lang="en-US" sz="3300" dirty="0"/>
+              <a:t> </a:t>
+            </a:r>
+          </a:p>
+        </p:txBody>
+      </p:sp>
+      <p:sp>
+        <p:nvSpPr>
+          <p:cNvPr id="5" name="TextBox 4"/>
+          <p:cNvSpPr txBox="1"/>
+          <p:nvPr/>
+        </p:nvSpPr>
+        <p:spPr>
+          <a:xfrm>
+            <a:off x="254568" y="147547"/>
+            <a:ext cx="10968760" cy="584775"/>
+          </a:xfrm>
+          <a:prstGeom prst="rect">
+            <a:avLst/>
+          </a:prstGeom>
+          <a:noFill/>
+        </p:spPr>
+        <p:txBody>
+          <a:bodyPr wrap="square" rtlCol="0">
+            <a:spAutoFit/>
+          </a:bodyPr>
+          <a:lstStyle/>
+          <a:p>
+            <a:r>
+              <a:rPr lang="en-US" sz="3200" dirty="0"/>
+              <a:t>Class-3: Supervised Learning Algorithms</a:t>
+            </a:r>
+          </a:p>
+        </p:txBody>
+      </p:sp>
+    </p:spTree>
+    <p:extLst>
+      <p:ext uri="{BB962C8B-B14F-4D97-AF65-F5344CB8AC3E}">
+        <p14:creationId xmlns:p14="http://schemas.microsoft.com/office/powerpoint/2010/main" val="2209680589"/>
+      </p:ext>
+    </p:extLst>
+  </p:cSld>
+  <p:clrMapOvr>
+    <a:masterClrMapping/>
+  </p:clrMapOvr>
+</p:sld>
+</file>
+
+<file path=ppt/slides/slide26.xml><?xml version="1.0" encoding="utf-8"?>
+<p:sld xmlns:a="http://schemas.openxmlformats.org/drawingml/2006/main" xmlns:r="http://schemas.openxmlformats.org/officeDocument/2006/relationships" xmlns:p="http://schemas.openxmlformats.org/presentationml/2006/main">
+  <p:cSld>
+    <p:spTree>
+      <p:nvGrpSpPr>
+        <p:cNvPr id="1" name=""/>
+        <p:cNvGrpSpPr/>
+        <p:nvPr/>
+      </p:nvGrpSpPr>
+      <p:grpSpPr>
+        <a:xfrm>
+          <a:off x="0" y="0"/>
+          <a:ext cx="0" cy="0"/>
+          <a:chOff x="0" y="0"/>
+          <a:chExt cx="0" cy="0"/>
+        </a:xfrm>
+      </p:grpSpPr>
+      <p:sp>
+        <p:nvSpPr>
+          <p:cNvPr id="3" name="Subtitle 2"/>
+          <p:cNvSpPr>
+            <a:spLocks noGrp="1"/>
+          </p:cNvSpPr>
+          <p:nvPr>
+            <p:ph type="subTitle" idx="1"/>
+          </p:nvPr>
+        </p:nvSpPr>
+        <p:spPr>
+          <a:xfrm>
+            <a:off x="1166948" y="815294"/>
+            <a:ext cx="9144000" cy="5498419"/>
+          </a:xfrm>
+        </p:spPr>
+        <p:txBody>
+          <a:bodyPr>
+            <a:normAutofit fontScale="32500" lnSpcReduction="20000"/>
+          </a:bodyPr>
+          <a:lstStyle/>
+          <a:p>
+            <a:pPr algn="l"/>
+            <a:r>
+              <a:rPr lang="en-US" sz="6200" dirty="0"/>
+              <a:t>Random Forest </a:t>
+            </a:r>
+          </a:p>
+          <a:p>
+            <a:pPr algn="l"/>
+            <a:r>
+              <a:rPr lang="en-US" sz="6200" dirty="0"/>
+              <a:t>Random Forest Use-Cases </a:t>
+            </a:r>
+          </a:p>
+          <a:p>
+            <a:pPr algn="l"/>
+            <a:r>
+              <a:rPr lang="en-US" sz="6200" dirty="0"/>
+              <a:t>Random Forest Algorithm </a:t>
+            </a:r>
+          </a:p>
+          <a:p>
+            <a:pPr algn="l"/>
+            <a:r>
+              <a:rPr lang="en-US" sz="6200" dirty="0"/>
+              <a:t>KNN Algorithm </a:t>
+            </a:r>
+          </a:p>
+          <a:p>
+            <a:pPr algn="l"/>
+            <a:r>
+              <a:rPr lang="en-US" sz="6200" dirty="0"/>
+              <a:t>KNN Algorithm Working </a:t>
+            </a:r>
+          </a:p>
+          <a:p>
+            <a:pPr algn="l"/>
+            <a:r>
+              <a:rPr lang="en-US" sz="6200" dirty="0"/>
+              <a:t>KNN Demo </a:t>
+            </a:r>
+          </a:p>
+          <a:p>
+            <a:pPr algn="l"/>
+            <a:r>
+              <a:rPr lang="en-US" sz="6200" dirty="0"/>
+              <a:t>Naive Bayes </a:t>
+            </a:r>
+          </a:p>
+          <a:p>
+            <a:pPr algn="l"/>
+            <a:r>
+              <a:rPr lang="en-US" sz="6200" dirty="0"/>
+              <a:t>Naive Bayes Working </a:t>
+            </a:r>
+          </a:p>
+          <a:p>
+            <a:pPr algn="l"/>
+            <a:r>
+              <a:rPr lang="en-US" sz="6200" dirty="0"/>
+              <a:t>Industrial Use of Naive Bayes </a:t>
+            </a:r>
+          </a:p>
+          <a:p>
+            <a:pPr algn="l"/>
+            <a:r>
+              <a:rPr lang="en-US" sz="6200" dirty="0"/>
+              <a:t>Types of Naive Bayes </a:t>
+            </a:r>
+          </a:p>
+          <a:p>
+            <a:pPr algn="l"/>
+            <a:r>
+              <a:rPr lang="en-US" sz="6200" dirty="0"/>
+              <a:t>Steps involved in Naive Bayes </a:t>
+            </a:r>
+          </a:p>
+          <a:p>
+            <a:pPr algn="l"/>
+            <a:r>
+              <a:rPr lang="en-US" sz="6200" dirty="0"/>
+              <a:t>PIMA Diabetic Test Use Case </a:t>
+            </a:r>
+          </a:p>
+          <a:p>
+            <a:pPr algn="l"/>
+            <a:r>
+              <a:rPr lang="en-US" sz="6200" dirty="0"/>
+              <a:t>Support Vector Machine </a:t>
+            </a:r>
+          </a:p>
+          <a:p>
+            <a:pPr algn="l"/>
+            <a:r>
+              <a:rPr lang="en-US" sz="6200" dirty="0"/>
+              <a:t>Non-Linear SVM </a:t>
+            </a:r>
+          </a:p>
+          <a:p>
+            <a:pPr algn="l"/>
+            <a:r>
+              <a:rPr lang="en-US" sz="6200" dirty="0"/>
+              <a:t>SVM Use-case </a:t>
+            </a:r>
+          </a:p>
+        </p:txBody>
+      </p:sp>
+      <p:sp>
+        <p:nvSpPr>
+          <p:cNvPr id="4" name="TextBox 3"/>
+          <p:cNvSpPr txBox="1"/>
+          <p:nvPr/>
+        </p:nvSpPr>
+        <p:spPr>
+          <a:xfrm>
+            <a:off x="522514" y="217714"/>
+            <a:ext cx="936154" cy="369332"/>
+          </a:xfrm>
+          <a:prstGeom prst="rect">
+            <a:avLst/>
+          </a:prstGeom>
+          <a:noFill/>
+        </p:spPr>
+        <p:txBody>
+          <a:bodyPr wrap="none" rtlCol="0">
+            <a:spAutoFit/>
+          </a:bodyPr>
+          <a:lstStyle/>
+          <a:p>
+            <a:r>
+              <a:rPr lang="en-US" dirty="0"/>
+              <a:t>Content</a:t>
+            </a:r>
+          </a:p>
+        </p:txBody>
+      </p:sp>
+    </p:spTree>
+    <p:extLst>
+      <p:ext uri="{BB962C8B-B14F-4D97-AF65-F5344CB8AC3E}">
+        <p14:creationId xmlns:p14="http://schemas.microsoft.com/office/powerpoint/2010/main" val="3761855347"/>
+      </p:ext>
+    </p:extLst>
+  </p:cSld>
+  <p:clrMapOvr>
+    <a:masterClrMapping/>
+  </p:clrMapOvr>
+</p:sld>
+</file>
+
+<file path=ppt/slides/slide27.xml><?xml version="1.0" encoding="utf-8"?>
+<p:sld xmlns:a="http://schemas.openxmlformats.org/drawingml/2006/main" xmlns:r="http://schemas.openxmlformats.org/officeDocument/2006/relationships" xmlns:p="http://schemas.openxmlformats.org/presentationml/2006/main">
+  <p:cSld>
+    <p:spTree>
+      <p:nvGrpSpPr>
+        <p:cNvPr id="1" name=""/>
+        <p:cNvGrpSpPr/>
+        <p:nvPr/>
+      </p:nvGrpSpPr>
+      <p:grpSpPr>
+        <a:xfrm>
+          <a:off x="0" y="0"/>
+          <a:ext cx="0" cy="0"/>
+          <a:chOff x="0" y="0"/>
+          <a:chExt cx="0" cy="0"/>
+        </a:xfrm>
+      </p:grpSpPr>
+      <p:sp>
+        <p:nvSpPr>
+          <p:cNvPr id="3" name="Subtitle 2"/>
+          <p:cNvSpPr>
+            <a:spLocks noGrp="1"/>
+          </p:cNvSpPr>
+          <p:nvPr>
+            <p:ph type="subTitle" idx="1"/>
+          </p:nvPr>
+        </p:nvSpPr>
+        <p:spPr>
+          <a:xfrm>
             <a:off x="1166948" y="815294"/>
             <a:ext cx="9144000" cy="5498419"/>
           </a:xfrm>
@@ -8369,7 +9311,7 @@
 </p:sld>
 </file>
 
-<file path=ppt/slides/slide25.xml><?xml version="1.0" encoding="utf-8"?>
+<file path=ppt/slides/slide28.xml><?xml version="1.0" encoding="utf-8"?>
 <p:sld xmlns:a="http://schemas.openxmlformats.org/drawingml/2006/main" xmlns:r="http://schemas.openxmlformats.org/officeDocument/2006/relationships" xmlns:p="http://schemas.openxmlformats.org/presentationml/2006/main">
   <p:cSld>
     <p:spTree>
@@ -10128,15 +11070,6 @@
 </file>
 
 <file path=customXml/item1.xml><?xml version="1.0" encoding="utf-8"?>
-<?mso-contentType ?>
-<FormTemplates xmlns="http://schemas.microsoft.com/sharepoint/v3/contenttype/forms">
-  <Display>DocumentLibraryForm</Display>
-  <Edit>DocumentLibraryForm</Edit>
-  <New>DocumentLibraryForm</New>
-</FormTemplates>
-</file>
-
-<file path=customXml/item2.xml><?xml version="1.0" encoding="utf-8"?>
 <ct:contentTypeSchema xmlns:ct="http://schemas.microsoft.com/office/2006/metadata/contentType" xmlns:ma="http://schemas.microsoft.com/office/2006/metadata/properties/metaAttributes" ct:_="" ma:_="" ma:contentTypeName="Document" ma:contentTypeID="0x01010040A75B615E1C194CABC80F3CAEA6E4E5" ma:contentTypeVersion="9" ma:contentTypeDescription="Create a new document." ma:contentTypeScope="" ma:versionID="4a1cf2a28ba0a9e91fab658e05820dde">
   <xsd:schema xmlns:xsd="http://www.w3.org/2001/XMLSchema" xmlns:xs="http://www.w3.org/2001/XMLSchema" xmlns:p="http://schemas.microsoft.com/office/2006/metadata/properties" xmlns:ns3="d97dfd74-0758-4aac-b7c3-4f13d10397e8" xmlns:ns4="851bce1a-01c5-49d9-967d-64af5945ebef" targetNamespace="http://schemas.microsoft.com/office/2006/metadata/properties" ma:root="true" ma:fieldsID="090359357a8ddcd8bb6253bd66cd91d0" ns3:_="" ns4:_="">
     <xsd:import namespace="d97dfd74-0758-4aac-b7c3-4f13d10397e8"/>
@@ -10333,6 +11266,15 @@
 </ct:contentTypeSchema>
 </file>
 
+<file path=customXml/item2.xml><?xml version="1.0" encoding="utf-8"?>
+<?mso-contentType ?>
+<FormTemplates xmlns="http://schemas.microsoft.com/sharepoint/v3/contenttype/forms">
+  <Display>DocumentLibraryForm</Display>
+  <Edit>DocumentLibraryForm</Edit>
+  <New>DocumentLibraryForm</New>
+</FormTemplates>
+</file>
+
 <file path=customXml/item3.xml><?xml version="1.0" encoding="utf-8"?>
 <p:properties xmlns:p="http://schemas.microsoft.com/office/2006/metadata/properties" xmlns:xsi="http://www.w3.org/2001/XMLSchema-instance" xmlns:pc="http://schemas.microsoft.com/office/infopath/2007/PartnerControls">
   <documentManagement/>
@@ -10340,14 +11282,6 @@
 </file>
 
 <file path=customXml/itemProps1.xml><?xml version="1.0" encoding="utf-8"?>
-<ds:datastoreItem xmlns:ds="http://schemas.openxmlformats.org/officeDocument/2006/customXml" ds:itemID="{9A56549F-9000-409B-8EE1-A7AE4257567A}">
-  <ds:schemaRefs>
-    <ds:schemaRef ds:uri="http://schemas.microsoft.com/sharepoint/v3/contenttype/forms"/>
-  </ds:schemaRefs>
-</ds:datastoreItem>
-</file>
-
-<file path=customXml/itemProps2.xml><?xml version="1.0" encoding="utf-8"?>
 <ds:datastoreItem xmlns:ds="http://schemas.openxmlformats.org/officeDocument/2006/customXml" ds:itemID="{A173A3F4-56E8-4506-812D-90D9C8F7ED90}">
   <ds:schemaRefs>
     <ds:schemaRef ds:uri="http://schemas.microsoft.com/office/2006/metadata/contentType"/>
@@ -10362,6 +11296,14 @@
     <ds:schemaRef ds:uri="http://purl.org/dc/elements/1.1/"/>
     <ds:schemaRef ds:uri="http://purl.org/dc/terms/"/>
     <ds:schemaRef ds:uri="http://schemas.microsoft.com/internal/obd"/>
+  </ds:schemaRefs>
+</ds:datastoreItem>
+</file>
+
+<file path=customXml/itemProps2.xml><?xml version="1.0" encoding="utf-8"?>
+<ds:datastoreItem xmlns:ds="http://schemas.openxmlformats.org/officeDocument/2006/customXml" ds:itemID="{9A56549F-9000-409B-8EE1-A7AE4257567A}">
+  <ds:schemaRefs>
+    <ds:schemaRef ds:uri="http://schemas.microsoft.com/sharepoint/v3/contenttype/forms"/>
   </ds:schemaRefs>
 </ds:datastoreItem>
 </file>

--- a/AI-ML-DL/Machine Learning.pptx
+++ b/AI-ML-DL/Machine Learning.pptx
@@ -5,7 +5,7 @@
     <p:sldMasterId id="2147483648" r:id="rId4"/>
   </p:sldMasterIdLst>
   <p:notesMasterIdLst>
-    <p:notesMasterId r:id="rId33"/>
+    <p:notesMasterId r:id="rId35"/>
   </p:notesMasterIdLst>
   <p:sldIdLst>
     <p:sldId id="256" r:id="rId5"/>
@@ -36,6 +36,8 @@
     <p:sldId id="264" r:id="rId30"/>
     <p:sldId id="265" r:id="rId31"/>
     <p:sldId id="266" r:id="rId32"/>
+    <p:sldId id="285" r:id="rId33"/>
+    <p:sldId id="286" r:id="rId34"/>
   </p:sldIdLst>
   <p:sldSz cx="12192000" cy="6858000"/>
   <p:notesSz cx="6858000" cy="9144000"/>
@@ -232,7 +234,7 @@
           <a:p>
             <a:fld id="{1E5BB661-8884-4460-B9ED-FD0D9BF054C6}" type="datetimeFigureOut">
               <a:rPr lang="en-US" smtClean="0"/>
-              <a:t>6/21/2020</a:t>
+              <a:t>6/24/2020</a:t>
             </a:fld>
             <a:endParaRPr lang="en-US"/>
           </a:p>
@@ -901,7 +903,7 @@
           <a:p>
             <a:fld id="{99CA405F-FDE6-4D37-9F47-E73AA25D91EF}" type="datetimeFigureOut">
               <a:rPr lang="en-US" smtClean="0"/>
-              <a:t>6/21/2020</a:t>
+              <a:t>6/24/2020</a:t>
             </a:fld>
             <a:endParaRPr lang="en-US"/>
           </a:p>
@@ -1069,7 +1071,7 @@
           <a:p>
             <a:fld id="{99CA405F-FDE6-4D37-9F47-E73AA25D91EF}" type="datetimeFigureOut">
               <a:rPr lang="en-US" smtClean="0"/>
-              <a:t>6/21/2020</a:t>
+              <a:t>6/24/2020</a:t>
             </a:fld>
             <a:endParaRPr lang="en-US"/>
           </a:p>
@@ -1247,7 +1249,7 @@
           <a:p>
             <a:fld id="{99CA405F-FDE6-4D37-9F47-E73AA25D91EF}" type="datetimeFigureOut">
               <a:rPr lang="en-US" smtClean="0"/>
-              <a:t>6/21/2020</a:t>
+              <a:t>6/24/2020</a:t>
             </a:fld>
             <a:endParaRPr lang="en-US"/>
           </a:p>
@@ -1415,7 +1417,7 @@
           <a:p>
             <a:fld id="{99CA405F-FDE6-4D37-9F47-E73AA25D91EF}" type="datetimeFigureOut">
               <a:rPr lang="en-US" smtClean="0"/>
-              <a:t>6/21/2020</a:t>
+              <a:t>6/24/2020</a:t>
             </a:fld>
             <a:endParaRPr lang="en-US"/>
           </a:p>
@@ -1660,7 +1662,7 @@
           <a:p>
             <a:fld id="{99CA405F-FDE6-4D37-9F47-E73AA25D91EF}" type="datetimeFigureOut">
               <a:rPr lang="en-US" smtClean="0"/>
-              <a:t>6/21/2020</a:t>
+              <a:t>6/24/2020</a:t>
             </a:fld>
             <a:endParaRPr lang="en-US"/>
           </a:p>
@@ -1889,7 +1891,7 @@
           <a:p>
             <a:fld id="{99CA405F-FDE6-4D37-9F47-E73AA25D91EF}" type="datetimeFigureOut">
               <a:rPr lang="en-US" smtClean="0"/>
-              <a:t>6/21/2020</a:t>
+              <a:t>6/24/2020</a:t>
             </a:fld>
             <a:endParaRPr lang="en-US"/>
           </a:p>
@@ -2253,7 +2255,7 @@
           <a:p>
             <a:fld id="{99CA405F-FDE6-4D37-9F47-E73AA25D91EF}" type="datetimeFigureOut">
               <a:rPr lang="en-US" smtClean="0"/>
-              <a:t>6/21/2020</a:t>
+              <a:t>6/24/2020</a:t>
             </a:fld>
             <a:endParaRPr lang="en-US"/>
           </a:p>
@@ -2370,7 +2372,7 @@
           <a:p>
             <a:fld id="{99CA405F-FDE6-4D37-9F47-E73AA25D91EF}" type="datetimeFigureOut">
               <a:rPr lang="en-US" smtClean="0"/>
-              <a:t>6/21/2020</a:t>
+              <a:t>6/24/2020</a:t>
             </a:fld>
             <a:endParaRPr lang="en-US"/>
           </a:p>
@@ -2465,7 +2467,7 @@
           <a:p>
             <a:fld id="{99CA405F-FDE6-4D37-9F47-E73AA25D91EF}" type="datetimeFigureOut">
               <a:rPr lang="en-US" smtClean="0"/>
-              <a:t>6/21/2020</a:t>
+              <a:t>6/24/2020</a:t>
             </a:fld>
             <a:endParaRPr lang="en-US"/>
           </a:p>
@@ -2740,7 +2742,7 @@
           <a:p>
             <a:fld id="{99CA405F-FDE6-4D37-9F47-E73AA25D91EF}" type="datetimeFigureOut">
               <a:rPr lang="en-US" smtClean="0"/>
-              <a:t>6/21/2020</a:t>
+              <a:t>6/24/2020</a:t>
             </a:fld>
             <a:endParaRPr lang="en-US"/>
           </a:p>
@@ -2992,7 +2994,7 @@
           <a:p>
             <a:fld id="{99CA405F-FDE6-4D37-9F47-E73AA25D91EF}" type="datetimeFigureOut">
               <a:rPr lang="en-US" smtClean="0"/>
-              <a:t>6/21/2020</a:t>
+              <a:t>6/24/2020</a:t>
             </a:fld>
             <a:endParaRPr lang="en-US"/>
           </a:p>
@@ -3203,7 +3205,7 @@
           <a:p>
             <a:fld id="{99CA405F-FDE6-4D37-9F47-E73AA25D91EF}" type="datetimeFigureOut">
               <a:rPr lang="en-US" smtClean="0"/>
-              <a:t>6/21/2020</a:t>
+              <a:t>6/24/2020</a:t>
             </a:fld>
             <a:endParaRPr lang="en-US"/>
           </a:p>
@@ -9346,7 +9348,7 @@
         </p:spPr>
         <p:txBody>
           <a:bodyPr>
-            <a:normAutofit fontScale="40000" lnSpcReduction="20000"/>
+            <a:normAutofit lnSpcReduction="10000"/>
           </a:bodyPr>
           <a:lstStyle/>
           <a:p>
@@ -9388,6 +9390,88 @@
               <a:t>Machine Learning Projects </a:t>
             </a:r>
           </a:p>
+        </p:txBody>
+      </p:sp>
+      <p:sp>
+        <p:nvSpPr>
+          <p:cNvPr id="4" name="TextBox 3"/>
+          <p:cNvSpPr txBox="1"/>
+          <p:nvPr/>
+        </p:nvSpPr>
+        <p:spPr>
+          <a:xfrm>
+            <a:off x="522514" y="217714"/>
+            <a:ext cx="936154" cy="369332"/>
+          </a:xfrm>
+          <a:prstGeom prst="rect">
+            <a:avLst/>
+          </a:prstGeom>
+          <a:noFill/>
+        </p:spPr>
+        <p:txBody>
+          <a:bodyPr wrap="none" rtlCol="0">
+            <a:spAutoFit/>
+          </a:bodyPr>
+          <a:lstStyle/>
+          <a:p>
+            <a:r>
+              <a:rPr lang="en-US" dirty="0"/>
+              <a:t>Content</a:t>
+            </a:r>
+          </a:p>
+        </p:txBody>
+      </p:sp>
+    </p:spTree>
+    <p:extLst>
+      <p:ext uri="{BB962C8B-B14F-4D97-AF65-F5344CB8AC3E}">
+        <p14:creationId xmlns:p14="http://schemas.microsoft.com/office/powerpoint/2010/main" val="2764468633"/>
+      </p:ext>
+    </p:extLst>
+  </p:cSld>
+  <p:clrMapOvr>
+    <a:masterClrMapping/>
+  </p:clrMapOvr>
+</p:sld>
+</file>
+
+<file path=ppt/slides/slide29.xml><?xml version="1.0" encoding="utf-8"?>
+<p:sld xmlns:a="http://schemas.openxmlformats.org/drawingml/2006/main" xmlns:r="http://schemas.openxmlformats.org/officeDocument/2006/relationships" xmlns:p="http://schemas.openxmlformats.org/presentationml/2006/main">
+  <p:cSld>
+    <p:spTree>
+      <p:nvGrpSpPr>
+        <p:cNvPr id="1" name=""/>
+        <p:cNvGrpSpPr/>
+        <p:nvPr/>
+      </p:nvGrpSpPr>
+      <p:grpSpPr>
+        <a:xfrm>
+          <a:off x="0" y="0"/>
+          <a:ext cx="0" cy="0"/>
+          <a:chOff x="0" y="0"/>
+          <a:chExt cx="0" cy="0"/>
+        </a:xfrm>
+      </p:grpSpPr>
+      <p:sp>
+        <p:nvSpPr>
+          <p:cNvPr id="3" name="Subtitle 2"/>
+          <p:cNvSpPr>
+            <a:spLocks noGrp="1"/>
+          </p:cNvSpPr>
+          <p:nvPr>
+            <p:ph type="subTitle" idx="1"/>
+          </p:nvPr>
+        </p:nvSpPr>
+        <p:spPr>
+          <a:xfrm>
+            <a:off x="1166948" y="815294"/>
+            <a:ext cx="9144000" cy="5498419"/>
+          </a:xfrm>
+        </p:spPr>
+        <p:txBody>
+          <a:bodyPr>
+            <a:normAutofit fontScale="32500" lnSpcReduction="20000"/>
+          </a:bodyPr>
+          <a:lstStyle/>
           <a:p>
             <a:pPr algn="l"/>
             <a:r>
@@ -9399,43 +9483,125 @@
             <a:pPr algn="l"/>
             <a:r>
               <a:rPr lang="en-US" sz="6200" dirty="0"/>
-              <a:t>ML Engineer Job Trends </a:t>
+              <a:t>Top 10 Skills (The increase rank)</a:t>
+            </a:r>
+          </a:p>
+          <a:p>
+            <a:pPr marL="1143000" indent="-1143000" algn="l">
+              <a:buFont typeface="+mj-lt"/>
+              <a:buAutoNum type="arabicPeriod"/>
+            </a:pPr>
+            <a:r>
+              <a:rPr lang="en-US" sz="6200" dirty="0"/>
+              <a:t>Python</a:t>
+            </a:r>
+          </a:p>
+          <a:p>
+            <a:pPr marL="1143000" indent="-1143000" algn="l">
+              <a:buFont typeface="+mj-lt"/>
+              <a:buAutoNum type="arabicPeriod"/>
+            </a:pPr>
+            <a:r>
+              <a:rPr lang="en-US" sz="6200" dirty="0"/>
+              <a:t>Linear Algebra</a:t>
+            </a:r>
+          </a:p>
+          <a:p>
+            <a:pPr marL="1143000" indent="-1143000" algn="l">
+              <a:buFont typeface="+mj-lt"/>
+              <a:buAutoNum type="arabicPeriod"/>
+            </a:pPr>
+            <a:r>
+              <a:rPr lang="en-US" sz="6200" dirty="0"/>
+              <a:t>Advance Signal Processing (</a:t>
+            </a:r>
+          </a:p>
+          <a:p>
+            <a:pPr marL="1143000" indent="-1143000" algn="l">
+              <a:buFont typeface="+mj-lt"/>
+              <a:buAutoNum type="arabicPeriod"/>
+            </a:pPr>
+            <a:r>
+              <a:rPr lang="en-US" sz="6200" dirty="0"/>
+              <a:t>Applied Math &amp; Algorithms</a:t>
+            </a:r>
+          </a:p>
+          <a:p>
+            <a:pPr marL="1143000" indent="-1143000" algn="l">
+              <a:buFont typeface="+mj-lt"/>
+              <a:buAutoNum type="arabicPeriod"/>
+            </a:pPr>
+            <a:r>
+              <a:rPr lang="en-US" sz="6200" dirty="0"/>
+              <a:t>Neural Networks Architectures</a:t>
+            </a:r>
+          </a:p>
+          <a:p>
+            <a:pPr marL="1143000" indent="-1143000" algn="l">
+              <a:buFont typeface="+mj-lt"/>
+              <a:buAutoNum type="arabicPeriod"/>
+            </a:pPr>
+            <a:r>
+              <a:rPr lang="en-US" sz="6200" dirty="0"/>
+              <a:t>NLP</a:t>
             </a:r>
           </a:p>
           <a:p>
             <a:pPr algn="l"/>
             <a:r>
               <a:rPr lang="en-US" sz="6200" dirty="0"/>
-              <a:t>ML Engineer Salary Trends </a:t>
-            </a:r>
+              <a:t>-----------------------</a:t>
+            </a:r>
+          </a:p>
+          <a:p>
+            <a:pPr marL="1143000" indent="-1143000" algn="l">
+              <a:buFont typeface="+mj-lt"/>
+              <a:buAutoNum type="arabicPeriod"/>
+            </a:pPr>
+            <a:r>
+              <a:rPr lang="en-US" sz="6200" dirty="0"/>
+              <a:t>Industry Knowledge</a:t>
+            </a:r>
+          </a:p>
+          <a:p>
+            <a:pPr marL="1143000" indent="-1143000" algn="l">
+              <a:buFont typeface="+mj-lt"/>
+              <a:buAutoNum type="arabicPeriod"/>
+            </a:pPr>
+            <a:r>
+              <a:rPr lang="en-US" sz="6200" dirty="0"/>
+              <a:t>Effective Communication</a:t>
+            </a:r>
+          </a:p>
+          <a:p>
+            <a:pPr marL="1143000" indent="-1143000" algn="l">
+              <a:buFont typeface="+mj-lt"/>
+              <a:buAutoNum type="arabicPeriod"/>
+            </a:pPr>
+            <a:r>
+              <a:rPr lang="en-US" sz="6200" dirty="0"/>
+              <a:t>Rapid Prototyping</a:t>
+            </a:r>
+          </a:p>
+          <a:p>
+            <a:pPr marL="1143000" indent="-1143000" algn="l">
+              <a:buFont typeface="+mj-lt"/>
+              <a:buAutoNum type="arabicPeriod"/>
+            </a:pPr>
+            <a:r>
+              <a:rPr lang="en-US" sz="6200" dirty="0"/>
+              <a:t>Keep It Up/updated</a:t>
+            </a:r>
+          </a:p>
+          <a:p>
+            <a:pPr marL="1143000" indent="-1143000" algn="l">
+              <a:buFont typeface="+mj-lt"/>
+              <a:buAutoNum type="arabicPeriod" startAt="10"/>
+            </a:pPr>
+            <a:endParaRPr lang="en-US" sz="5800" dirty="0"/>
           </a:p>
           <a:p>
             <a:pPr algn="l"/>
-            <a:r>
-              <a:rPr lang="en-US" sz="6200" dirty="0"/>
-              <a:t>ML Engineer Skills </a:t>
-            </a:r>
-          </a:p>
-          <a:p>
-            <a:pPr algn="l"/>
-            <a:r>
-              <a:rPr lang="en-US" sz="6200" dirty="0"/>
-              <a:t>ML Engineer Job Description </a:t>
-            </a:r>
-          </a:p>
-          <a:p>
-            <a:pPr algn="l"/>
-            <a:r>
-              <a:rPr lang="en-US" sz="6200" dirty="0"/>
-              <a:t>ML Engineer Resume </a:t>
-            </a:r>
-          </a:p>
-          <a:p>
-            <a:pPr algn="l"/>
-            <a:r>
-              <a:rPr lang="en-US" sz="6200" dirty="0"/>
-              <a:t>Machine Learning Interview Questions</a:t>
-            </a:r>
             <a:br>
               <a:rPr lang="en-US" sz="6600" dirty="0"/>
             </a:br>
@@ -9475,7 +9641,7 @@
     </p:spTree>
     <p:extLst>
       <p:ext uri="{BB962C8B-B14F-4D97-AF65-F5344CB8AC3E}">
-        <p14:creationId xmlns:p14="http://schemas.microsoft.com/office/powerpoint/2010/main" val="2764468633"/>
+        <p14:creationId xmlns:p14="http://schemas.microsoft.com/office/powerpoint/2010/main" val="3230676015"/>
       </p:ext>
     </p:extLst>
   </p:cSld>
@@ -9641,6 +9807,138 @@
     <p:extLst>
       <p:ext uri="{BB962C8B-B14F-4D97-AF65-F5344CB8AC3E}">
         <p14:creationId xmlns:p14="http://schemas.microsoft.com/office/powerpoint/2010/main" val="1538160773"/>
+      </p:ext>
+    </p:extLst>
+  </p:cSld>
+  <p:clrMapOvr>
+    <a:masterClrMapping/>
+  </p:clrMapOvr>
+</p:sld>
+</file>
+
+<file path=ppt/slides/slide30.xml><?xml version="1.0" encoding="utf-8"?>
+<p:sld xmlns:a="http://schemas.openxmlformats.org/drawingml/2006/main" xmlns:r="http://schemas.openxmlformats.org/officeDocument/2006/relationships" xmlns:p="http://schemas.openxmlformats.org/presentationml/2006/main">
+  <p:cSld>
+    <p:spTree>
+      <p:nvGrpSpPr>
+        <p:cNvPr id="1" name=""/>
+        <p:cNvGrpSpPr/>
+        <p:nvPr/>
+      </p:nvGrpSpPr>
+      <p:grpSpPr>
+        <a:xfrm>
+          <a:off x="0" y="0"/>
+          <a:ext cx="0" cy="0"/>
+          <a:chOff x="0" y="0"/>
+          <a:chExt cx="0" cy="0"/>
+        </a:xfrm>
+      </p:grpSpPr>
+      <p:sp>
+        <p:nvSpPr>
+          <p:cNvPr id="3" name="Subtitle 2"/>
+          <p:cNvSpPr>
+            <a:spLocks noGrp="1"/>
+          </p:cNvSpPr>
+          <p:nvPr>
+            <p:ph type="subTitle" idx="1"/>
+          </p:nvPr>
+        </p:nvSpPr>
+        <p:spPr>
+          <a:xfrm>
+            <a:off x="1166948" y="815294"/>
+            <a:ext cx="9144000" cy="5498419"/>
+          </a:xfrm>
+        </p:spPr>
+        <p:txBody>
+          <a:bodyPr>
+            <a:normAutofit fontScale="70000" lnSpcReduction="20000"/>
+          </a:bodyPr>
+          <a:lstStyle/>
+          <a:p>
+            <a:pPr algn="l"/>
+            <a:r>
+              <a:rPr lang="en-US" sz="6200" dirty="0"/>
+              <a:t>ML Engineer Job Trends </a:t>
+            </a:r>
+          </a:p>
+          <a:p>
+            <a:pPr algn="l"/>
+            <a:r>
+              <a:rPr lang="en-US" sz="6200" dirty="0"/>
+              <a:t>ML Engineer Salary Trends </a:t>
+            </a:r>
+          </a:p>
+          <a:p>
+            <a:pPr algn="l"/>
+            <a:r>
+              <a:rPr lang="en-US" sz="6200" dirty="0"/>
+              <a:t>ML Engineer Skills </a:t>
+            </a:r>
+          </a:p>
+          <a:p>
+            <a:pPr algn="l"/>
+            <a:r>
+              <a:rPr lang="en-US" sz="6200" dirty="0"/>
+              <a:t>ML Engineer Job Description </a:t>
+            </a:r>
+          </a:p>
+          <a:p>
+            <a:pPr algn="l"/>
+            <a:r>
+              <a:rPr lang="en-US" sz="6200" dirty="0"/>
+              <a:t>ML Engineer Resume </a:t>
+            </a:r>
+          </a:p>
+          <a:p>
+            <a:pPr algn="l"/>
+            <a:r>
+              <a:rPr lang="en-US" sz="6200"/>
+              <a:t>Machine Learning Interview Questions</a:t>
+            </a:r>
+            <a:endParaRPr lang="en-US" sz="5800" dirty="0"/>
+          </a:p>
+          <a:p>
+            <a:pPr algn="l"/>
+            <a:br>
+              <a:rPr lang="en-US" sz="6600" dirty="0"/>
+            </a:br>
+            <a:endParaRPr lang="en-US" sz="6600" dirty="0"/>
+          </a:p>
+        </p:txBody>
+      </p:sp>
+      <p:sp>
+        <p:nvSpPr>
+          <p:cNvPr id="4" name="TextBox 3"/>
+          <p:cNvSpPr txBox="1"/>
+          <p:nvPr/>
+        </p:nvSpPr>
+        <p:spPr>
+          <a:xfrm>
+            <a:off x="522514" y="217714"/>
+            <a:ext cx="936154" cy="369332"/>
+          </a:xfrm>
+          <a:prstGeom prst="rect">
+            <a:avLst/>
+          </a:prstGeom>
+          <a:noFill/>
+        </p:spPr>
+        <p:txBody>
+          <a:bodyPr wrap="none" rtlCol="0">
+            <a:spAutoFit/>
+          </a:bodyPr>
+          <a:lstStyle/>
+          <a:p>
+            <a:r>
+              <a:rPr lang="en-US" dirty="0"/>
+              <a:t>Content</a:t>
+            </a:r>
+          </a:p>
+        </p:txBody>
+      </p:sp>
+    </p:spTree>
+    <p:extLst>
+      <p:ext uri="{BB962C8B-B14F-4D97-AF65-F5344CB8AC3E}">
+        <p14:creationId xmlns:p14="http://schemas.microsoft.com/office/powerpoint/2010/main" val="2614907962"/>
       </p:ext>
     </p:extLst>
   </p:cSld>

--- a/AI-ML-DL/Machine Learning.pptx
+++ b/AI-ML-DL/Machine Learning.pptx
@@ -5,39 +5,47 @@
     <p:sldMasterId id="2147483648" r:id="rId4"/>
   </p:sldMasterIdLst>
   <p:notesMasterIdLst>
-    <p:notesMasterId r:id="rId35"/>
+    <p:notesMasterId r:id="rId43"/>
   </p:notesMasterIdLst>
   <p:sldIdLst>
     <p:sldId id="256" r:id="rId5"/>
-    <p:sldId id="260" r:id="rId6"/>
-    <p:sldId id="258" r:id="rId7"/>
-    <p:sldId id="257" r:id="rId8"/>
-    <p:sldId id="267" r:id="rId9"/>
-    <p:sldId id="261" r:id="rId10"/>
-    <p:sldId id="269" r:id="rId11"/>
-    <p:sldId id="270" r:id="rId12"/>
-    <p:sldId id="268" r:id="rId13"/>
-    <p:sldId id="271" r:id="rId14"/>
-    <p:sldId id="272" r:id="rId15"/>
-    <p:sldId id="273" r:id="rId16"/>
-    <p:sldId id="274" r:id="rId17"/>
-    <p:sldId id="275" r:id="rId18"/>
-    <p:sldId id="262" r:id="rId19"/>
-    <p:sldId id="277" r:id="rId20"/>
-    <p:sldId id="278" r:id="rId21"/>
-    <p:sldId id="263" r:id="rId22"/>
-    <p:sldId id="279" r:id="rId23"/>
-    <p:sldId id="280" r:id="rId24"/>
-    <p:sldId id="276" r:id="rId25"/>
-    <p:sldId id="283" r:id="rId26"/>
-    <p:sldId id="281" r:id="rId27"/>
-    <p:sldId id="284" r:id="rId28"/>
-    <p:sldId id="282" r:id="rId29"/>
-    <p:sldId id="264" r:id="rId30"/>
-    <p:sldId id="265" r:id="rId31"/>
-    <p:sldId id="266" r:id="rId32"/>
-    <p:sldId id="285" r:id="rId33"/>
-    <p:sldId id="286" r:id="rId34"/>
+    <p:sldId id="285" r:id="rId6"/>
+    <p:sldId id="260" r:id="rId7"/>
+    <p:sldId id="289" r:id="rId8"/>
+    <p:sldId id="291" r:id="rId9"/>
+    <p:sldId id="293" r:id="rId10"/>
+    <p:sldId id="292" r:id="rId11"/>
+    <p:sldId id="290" r:id="rId12"/>
+    <p:sldId id="258" r:id="rId13"/>
+    <p:sldId id="288" r:id="rId14"/>
+    <p:sldId id="257" r:id="rId15"/>
+    <p:sldId id="267" r:id="rId16"/>
+    <p:sldId id="261" r:id="rId17"/>
+    <p:sldId id="269" r:id="rId18"/>
+    <p:sldId id="270" r:id="rId19"/>
+    <p:sldId id="268" r:id="rId20"/>
+    <p:sldId id="271" r:id="rId21"/>
+    <p:sldId id="272" r:id="rId22"/>
+    <p:sldId id="273" r:id="rId23"/>
+    <p:sldId id="274" r:id="rId24"/>
+    <p:sldId id="275" r:id="rId25"/>
+    <p:sldId id="262" r:id="rId26"/>
+    <p:sldId id="277" r:id="rId27"/>
+    <p:sldId id="278" r:id="rId28"/>
+    <p:sldId id="263" r:id="rId29"/>
+    <p:sldId id="279" r:id="rId30"/>
+    <p:sldId id="280" r:id="rId31"/>
+    <p:sldId id="276" r:id="rId32"/>
+    <p:sldId id="283" r:id="rId33"/>
+    <p:sldId id="281" r:id="rId34"/>
+    <p:sldId id="284" r:id="rId35"/>
+    <p:sldId id="282" r:id="rId36"/>
+    <p:sldId id="264" r:id="rId37"/>
+    <p:sldId id="265" r:id="rId38"/>
+    <p:sldId id="287" r:id="rId39"/>
+    <p:sldId id="266" r:id="rId40"/>
+    <p:sldId id="294" r:id="rId41"/>
+    <p:sldId id="286" r:id="rId42"/>
   </p:sldIdLst>
   <p:sldSz cx="12192000" cy="6858000"/>
   <p:notesSz cx="6858000" cy="9144000"/>
@@ -234,7 +242,7 @@
           <a:p>
             <a:fld id="{1E5BB661-8884-4460-B9ED-FD0D9BF054C6}" type="datetimeFigureOut">
               <a:rPr lang="en-US" smtClean="0"/>
-              <a:t>6/24/2020</a:t>
+              <a:t>6/26/2020</a:t>
             </a:fld>
             <a:endParaRPr lang="en-US"/>
           </a:p>
@@ -594,6 +602,189 @@
 </p:notes>
 </file>
 
+<file path=ppt/notesSlides/notesSlide10.xml><?xml version="1.0" encoding="utf-8"?>
+<p:notes xmlns:a="http://schemas.openxmlformats.org/drawingml/2006/main" xmlns:r="http://schemas.openxmlformats.org/officeDocument/2006/relationships" xmlns:p="http://schemas.openxmlformats.org/presentationml/2006/main">
+  <p:cSld>
+    <p:spTree>
+      <p:nvGrpSpPr>
+        <p:cNvPr id="1" name=""/>
+        <p:cNvGrpSpPr/>
+        <p:nvPr/>
+      </p:nvGrpSpPr>
+      <p:grpSpPr>
+        <a:xfrm>
+          <a:off x="0" y="0"/>
+          <a:ext cx="0" cy="0"/>
+          <a:chOff x="0" y="0"/>
+          <a:chExt cx="0" cy="0"/>
+        </a:xfrm>
+      </p:grpSpPr>
+      <p:sp>
+        <p:nvSpPr>
+          <p:cNvPr id="2" name="Slide Image Placeholder 1"/>
+          <p:cNvSpPr>
+            <a:spLocks noGrp="1" noRot="1" noChangeAspect="1"/>
+          </p:cNvSpPr>
+          <p:nvPr>
+            <p:ph type="sldImg"/>
+          </p:nvPr>
+        </p:nvSpPr>
+        <p:spPr/>
+      </p:sp>
+      <p:sp>
+        <p:nvSpPr>
+          <p:cNvPr id="3" name="Notes Placeholder 2"/>
+          <p:cNvSpPr>
+            <a:spLocks noGrp="1"/>
+          </p:cNvSpPr>
+          <p:nvPr>
+            <p:ph type="body" idx="1"/>
+          </p:nvPr>
+        </p:nvSpPr>
+        <p:spPr/>
+        <p:txBody>
+          <a:bodyPr/>
+          <a:lstStyle/>
+          <a:p>
+            <a:r>
+              <a:rPr lang="en-US" dirty="0">
+                <a:hlinkClick r:id="rId3"/>
+              </a:rPr>
+              <a:t>https://www.kaggle.com/mattslone/titanic-dataset-logistic-regression</a:t>
+            </a:r>
+            <a:endParaRPr lang="en-US" dirty="0"/>
+          </a:p>
+        </p:txBody>
+      </p:sp>
+      <p:sp>
+        <p:nvSpPr>
+          <p:cNvPr id="4" name="Slide Number Placeholder 3"/>
+          <p:cNvSpPr>
+            <a:spLocks noGrp="1"/>
+          </p:cNvSpPr>
+          <p:nvPr>
+            <p:ph type="sldNum" sz="quarter" idx="5"/>
+          </p:nvPr>
+        </p:nvSpPr>
+        <p:spPr/>
+        <p:txBody>
+          <a:bodyPr/>
+          <a:lstStyle/>
+          <a:p>
+            <a:fld id="{95EDE83F-F192-4237-87E6-BD69D3B8E2F0}" type="slidenum">
+              <a:rPr lang="en-US" smtClean="0"/>
+              <a:t>31</a:t>
+            </a:fld>
+            <a:endParaRPr lang="en-US"/>
+          </a:p>
+        </p:txBody>
+      </p:sp>
+    </p:spTree>
+    <p:extLst>
+      <p:ext uri="{BB962C8B-B14F-4D97-AF65-F5344CB8AC3E}">
+        <p14:creationId xmlns:p14="http://schemas.microsoft.com/office/powerpoint/2010/main" val="857002671"/>
+      </p:ext>
+    </p:extLst>
+  </p:cSld>
+  <p:clrMapOvr>
+    <a:masterClrMapping/>
+  </p:clrMapOvr>
+</p:notes>
+</file>
+
+<file path=ppt/notesSlides/notesSlide11.xml><?xml version="1.0" encoding="utf-8"?>
+<p:notes xmlns:a="http://schemas.openxmlformats.org/drawingml/2006/main" xmlns:r="http://schemas.openxmlformats.org/officeDocument/2006/relationships" xmlns:p="http://schemas.openxmlformats.org/presentationml/2006/main">
+  <p:cSld>
+    <p:spTree>
+      <p:nvGrpSpPr>
+        <p:cNvPr id="1" name=""/>
+        <p:cNvGrpSpPr/>
+        <p:nvPr/>
+      </p:nvGrpSpPr>
+      <p:grpSpPr>
+        <a:xfrm>
+          <a:off x="0" y="0"/>
+          <a:ext cx="0" cy="0"/>
+          <a:chOff x="0" y="0"/>
+          <a:chExt cx="0" cy="0"/>
+        </a:xfrm>
+      </p:grpSpPr>
+      <p:sp>
+        <p:nvSpPr>
+          <p:cNvPr id="2" name="Slide Image Placeholder 1"/>
+          <p:cNvSpPr>
+            <a:spLocks noGrp="1" noRot="1" noChangeAspect="1"/>
+          </p:cNvSpPr>
+          <p:nvPr>
+            <p:ph type="sldImg"/>
+          </p:nvPr>
+        </p:nvSpPr>
+        <p:spPr/>
+      </p:sp>
+      <p:sp>
+        <p:nvSpPr>
+          <p:cNvPr id="3" name="Notes Placeholder 2"/>
+          <p:cNvSpPr>
+            <a:spLocks noGrp="1"/>
+          </p:cNvSpPr>
+          <p:nvPr>
+            <p:ph type="body" idx="1"/>
+          </p:nvPr>
+        </p:nvSpPr>
+        <p:spPr/>
+        <p:txBody>
+          <a:bodyPr/>
+          <a:lstStyle/>
+          <a:p>
+            <a:r>
+              <a:rPr lang="en-US" dirty="0">
+                <a:hlinkClick r:id="rId3"/>
+              </a:rPr>
+              <a:t>https://www.kaggle.com/zlatankr/titanic-random-forest-82-78</a:t>
+            </a:r>
+            <a:endParaRPr lang="en-US" dirty="0"/>
+          </a:p>
+          <a:p>
+            <a:endParaRPr lang="en-US" dirty="0"/>
+          </a:p>
+        </p:txBody>
+      </p:sp>
+      <p:sp>
+        <p:nvSpPr>
+          <p:cNvPr id="4" name="Slide Number Placeholder 3"/>
+          <p:cNvSpPr>
+            <a:spLocks noGrp="1"/>
+          </p:cNvSpPr>
+          <p:nvPr>
+            <p:ph type="sldNum" sz="quarter" idx="5"/>
+          </p:nvPr>
+        </p:nvSpPr>
+        <p:spPr/>
+        <p:txBody>
+          <a:bodyPr/>
+          <a:lstStyle/>
+          <a:p>
+            <a:fld id="{95EDE83F-F192-4237-87E6-BD69D3B8E2F0}" type="slidenum">
+              <a:rPr lang="en-US" smtClean="0"/>
+              <a:t>32</a:t>
+            </a:fld>
+            <a:endParaRPr lang="en-US"/>
+          </a:p>
+        </p:txBody>
+      </p:sp>
+    </p:spTree>
+    <p:extLst>
+      <p:ext uri="{BB962C8B-B14F-4D97-AF65-F5344CB8AC3E}">
+        <p14:creationId xmlns:p14="http://schemas.microsoft.com/office/powerpoint/2010/main" val="3610966828"/>
+      </p:ext>
+    </p:extLst>
+  </p:cSld>
+  <p:clrMapOvr>
+    <a:masterClrMapping/>
+  </p:clrMapOvr>
+</p:notes>
+</file>
+
 <file path=ppt/notesSlides/notesSlide2.xml><?xml version="1.0" encoding="utf-8"?>
 <p:notes xmlns:a="http://schemas.openxmlformats.org/drawingml/2006/main" xmlns:r="http://schemas.openxmlformats.org/officeDocument/2006/relationships" xmlns:p="http://schemas.openxmlformats.org/presentationml/2006/main">
   <p:cSld>
@@ -638,12 +829,6 @@
           <a:bodyPr/>
           <a:lstStyle/>
           <a:p>
-            <a:r>
-              <a:rPr lang="en-US" dirty="0">
-                <a:hlinkClick r:id="rId3"/>
-              </a:rPr>
-              <a:t>https://www.kaggle.com/codefordata/headbrain-simple-linear-regression</a:t>
-            </a:r>
             <a:endParaRPr lang="en-US" dirty="0"/>
           </a:p>
         </p:txBody>
@@ -665,7 +850,7 @@
           <a:p>
             <a:fld id="{95EDE83F-F192-4237-87E6-BD69D3B8E2F0}" type="slidenum">
               <a:rPr lang="en-US" smtClean="0"/>
-              <a:t>20</a:t>
+              <a:t>3</a:t>
             </a:fld>
             <a:endParaRPr lang="en-US"/>
           </a:p>
@@ -674,7 +859,7 @@
     </p:spTree>
     <p:extLst>
       <p:ext uri="{BB962C8B-B14F-4D97-AF65-F5344CB8AC3E}">
-        <p14:creationId xmlns:p14="http://schemas.microsoft.com/office/powerpoint/2010/main" val="2269815704"/>
+        <p14:creationId xmlns:p14="http://schemas.microsoft.com/office/powerpoint/2010/main" val="3497640749"/>
       </p:ext>
     </p:extLst>
   </p:cSld>
@@ -728,12 +913,29 @@
           <a:bodyPr/>
           <a:lstStyle/>
           <a:p>
-            <a:r>
-              <a:rPr lang="en-US" dirty="0">
-                <a:hlinkClick r:id="rId3"/>
-              </a:rPr>
-              <a:t>https://www.kaggle.com/mattslone/titanic-dataset-logistic-regression</a:t>
-            </a:r>
+            <a:pPr marL="0" marR="0" lvl="0" indent="0" algn="l" defTabSz="914400" rtl="0" eaLnBrk="1" fontAlgn="auto" latinLnBrk="0" hangingPunct="1">
+              <a:lnSpc>
+                <a:spcPct val="100000"/>
+              </a:lnSpc>
+              <a:spcBef>
+                <a:spcPts val="0"/>
+              </a:spcBef>
+              <a:spcAft>
+                <a:spcPts val="0"/>
+              </a:spcAft>
+              <a:buClrTx/>
+              <a:buSzTx/>
+              <a:buFontTx/>
+              <a:buNone/>
+              <a:tabLst/>
+              <a:defRPr/>
+            </a:pPr>
+            <a:r>
+              <a:rPr lang="en-US" dirty="0"/>
+              <a:t>80s – Gate Tree and Rule based “expert” system (forward chain)  - In fact, it is novices system. How to tell animal is a cheetah:</a:t>
+            </a:r>
+          </a:p>
+          <a:p>
             <a:endParaRPr lang="en-US" dirty="0"/>
           </a:p>
         </p:txBody>
@@ -755,7 +957,7 @@
           <a:p>
             <a:fld id="{95EDE83F-F192-4237-87E6-BD69D3B8E2F0}" type="slidenum">
               <a:rPr lang="en-US" smtClean="0"/>
-              <a:t>24</a:t>
+              <a:t>4</a:t>
             </a:fld>
             <a:endParaRPr lang="en-US"/>
           </a:p>
@@ -764,7 +966,567 @@
     </p:spTree>
     <p:extLst>
       <p:ext uri="{BB962C8B-B14F-4D97-AF65-F5344CB8AC3E}">
-        <p14:creationId xmlns:p14="http://schemas.microsoft.com/office/powerpoint/2010/main" val="857002671"/>
+        <p14:creationId xmlns:p14="http://schemas.microsoft.com/office/powerpoint/2010/main" val="254979682"/>
+      </p:ext>
+    </p:extLst>
+  </p:cSld>
+  <p:clrMapOvr>
+    <a:masterClrMapping/>
+  </p:clrMapOvr>
+</p:notes>
+</file>
+
+<file path=ppt/notesSlides/notesSlide4.xml><?xml version="1.0" encoding="utf-8"?>
+<p:notes xmlns:a="http://schemas.openxmlformats.org/drawingml/2006/main" xmlns:r="http://schemas.openxmlformats.org/officeDocument/2006/relationships" xmlns:p="http://schemas.openxmlformats.org/presentationml/2006/main">
+  <p:cSld>
+    <p:spTree>
+      <p:nvGrpSpPr>
+        <p:cNvPr id="1" name=""/>
+        <p:cNvGrpSpPr/>
+        <p:nvPr/>
+      </p:nvGrpSpPr>
+      <p:grpSpPr>
+        <a:xfrm>
+          <a:off x="0" y="0"/>
+          <a:ext cx="0" cy="0"/>
+          <a:chOff x="0" y="0"/>
+          <a:chExt cx="0" cy="0"/>
+        </a:xfrm>
+      </p:grpSpPr>
+      <p:sp>
+        <p:nvSpPr>
+          <p:cNvPr id="2" name="Slide Image Placeholder 1"/>
+          <p:cNvSpPr>
+            <a:spLocks noGrp="1" noRot="1" noChangeAspect="1"/>
+          </p:cNvSpPr>
+          <p:nvPr>
+            <p:ph type="sldImg"/>
+          </p:nvPr>
+        </p:nvSpPr>
+        <p:spPr/>
+      </p:sp>
+      <p:sp>
+        <p:nvSpPr>
+          <p:cNvPr id="3" name="Notes Placeholder 2"/>
+          <p:cNvSpPr>
+            <a:spLocks noGrp="1"/>
+          </p:cNvSpPr>
+          <p:nvPr>
+            <p:ph type="body" idx="1"/>
+          </p:nvPr>
+        </p:nvSpPr>
+        <p:spPr/>
+        <p:txBody>
+          <a:bodyPr/>
+          <a:lstStyle/>
+          <a:p>
+            <a:r>
+              <a:rPr lang="en-US" dirty="0"/>
+              <a:t>Using grocery bagging to explain the knowledge engineering</a:t>
+            </a:r>
+            <a:br>
+              <a:rPr lang="en-US" dirty="0"/>
+            </a:br>
+            <a:r>
+              <a:rPr lang="en-US" dirty="0"/>
+              <a:t>1. People don’t expect out with an engine oil?</a:t>
+            </a:r>
+          </a:p>
+          <a:p>
+            <a:r>
+              <a:rPr lang="en-US" dirty="0"/>
+              <a:t>2. How to arrange the things in the bag.</a:t>
+            </a:r>
+          </a:p>
+          <a:p>
+            <a:r>
+              <a:rPr lang="en-US" dirty="0"/>
+              <a:t>3. Be vigilant and bug if there is anything wrong. </a:t>
+            </a:r>
+          </a:p>
+        </p:txBody>
+      </p:sp>
+      <p:sp>
+        <p:nvSpPr>
+          <p:cNvPr id="4" name="Slide Number Placeholder 3"/>
+          <p:cNvSpPr>
+            <a:spLocks noGrp="1"/>
+          </p:cNvSpPr>
+          <p:nvPr>
+            <p:ph type="sldNum" sz="quarter" idx="5"/>
+          </p:nvPr>
+        </p:nvSpPr>
+        <p:spPr/>
+        <p:txBody>
+          <a:bodyPr/>
+          <a:lstStyle/>
+          <a:p>
+            <a:fld id="{95EDE83F-F192-4237-87E6-BD69D3B8E2F0}" type="slidenum">
+              <a:rPr lang="en-US" smtClean="0"/>
+              <a:t>5</a:t>
+            </a:fld>
+            <a:endParaRPr lang="en-US"/>
+          </a:p>
+        </p:txBody>
+      </p:sp>
+    </p:spTree>
+    <p:extLst>
+      <p:ext uri="{BB962C8B-B14F-4D97-AF65-F5344CB8AC3E}">
+        <p14:creationId xmlns:p14="http://schemas.microsoft.com/office/powerpoint/2010/main" val="402221331"/>
+      </p:ext>
+    </p:extLst>
+  </p:cSld>
+  <p:clrMapOvr>
+    <a:masterClrMapping/>
+  </p:clrMapOvr>
+</p:notes>
+</file>
+
+<file path=ppt/notesSlides/notesSlide5.xml><?xml version="1.0" encoding="utf-8"?>
+<p:notes xmlns:a="http://schemas.openxmlformats.org/drawingml/2006/main" xmlns:r="http://schemas.openxmlformats.org/officeDocument/2006/relationships" xmlns:p="http://schemas.openxmlformats.org/presentationml/2006/main">
+  <p:cSld>
+    <p:spTree>
+      <p:nvGrpSpPr>
+        <p:cNvPr id="1" name=""/>
+        <p:cNvGrpSpPr/>
+        <p:nvPr/>
+      </p:nvGrpSpPr>
+      <p:grpSpPr>
+        <a:xfrm>
+          <a:off x="0" y="0"/>
+          <a:ext cx="0" cy="0"/>
+          <a:chOff x="0" y="0"/>
+          <a:chExt cx="0" cy="0"/>
+        </a:xfrm>
+      </p:grpSpPr>
+      <p:sp>
+        <p:nvSpPr>
+          <p:cNvPr id="2" name="Slide Image Placeholder 1"/>
+          <p:cNvSpPr>
+            <a:spLocks noGrp="1" noRot="1" noChangeAspect="1"/>
+          </p:cNvSpPr>
+          <p:nvPr>
+            <p:ph type="sldImg"/>
+          </p:nvPr>
+        </p:nvSpPr>
+        <p:spPr/>
+      </p:sp>
+      <p:sp>
+        <p:nvSpPr>
+          <p:cNvPr id="3" name="Notes Placeholder 2"/>
+          <p:cNvSpPr>
+            <a:spLocks noGrp="1"/>
+          </p:cNvSpPr>
+          <p:nvPr>
+            <p:ph type="body" idx="1"/>
+          </p:nvPr>
+        </p:nvSpPr>
+        <p:spPr/>
+        <p:txBody>
+          <a:bodyPr/>
+          <a:lstStyle/>
+          <a:p>
+            <a:endParaRPr lang="en-US" dirty="0"/>
+          </a:p>
+        </p:txBody>
+      </p:sp>
+      <p:sp>
+        <p:nvSpPr>
+          <p:cNvPr id="4" name="Slide Number Placeholder 3"/>
+          <p:cNvSpPr>
+            <a:spLocks noGrp="1"/>
+          </p:cNvSpPr>
+          <p:nvPr>
+            <p:ph type="sldNum" sz="quarter" idx="5"/>
+          </p:nvPr>
+        </p:nvSpPr>
+        <p:spPr/>
+        <p:txBody>
+          <a:bodyPr/>
+          <a:lstStyle/>
+          <a:p>
+            <a:fld id="{95EDE83F-F192-4237-87E6-BD69D3B8E2F0}" type="slidenum">
+              <a:rPr lang="en-US" smtClean="0"/>
+              <a:t>6</a:t>
+            </a:fld>
+            <a:endParaRPr lang="en-US"/>
+          </a:p>
+        </p:txBody>
+      </p:sp>
+    </p:spTree>
+    <p:extLst>
+      <p:ext uri="{BB962C8B-B14F-4D97-AF65-F5344CB8AC3E}">
+        <p14:creationId xmlns:p14="http://schemas.microsoft.com/office/powerpoint/2010/main" val="3252809661"/>
+      </p:ext>
+    </p:extLst>
+  </p:cSld>
+  <p:clrMapOvr>
+    <a:masterClrMapping/>
+  </p:clrMapOvr>
+</p:notes>
+</file>
+
+<file path=ppt/notesSlides/notesSlide6.xml><?xml version="1.0" encoding="utf-8"?>
+<p:notes xmlns:a="http://schemas.openxmlformats.org/drawingml/2006/main" xmlns:r="http://schemas.openxmlformats.org/officeDocument/2006/relationships" xmlns:p="http://schemas.openxmlformats.org/presentationml/2006/main">
+  <p:cSld>
+    <p:spTree>
+      <p:nvGrpSpPr>
+        <p:cNvPr id="1" name=""/>
+        <p:cNvGrpSpPr/>
+        <p:nvPr/>
+      </p:nvGrpSpPr>
+      <p:grpSpPr>
+        <a:xfrm>
+          <a:off x="0" y="0"/>
+          <a:ext cx="0" cy="0"/>
+          <a:chOff x="0" y="0"/>
+          <a:chExt cx="0" cy="0"/>
+        </a:xfrm>
+      </p:grpSpPr>
+      <p:sp>
+        <p:nvSpPr>
+          <p:cNvPr id="2" name="Slide Image Placeholder 1"/>
+          <p:cNvSpPr>
+            <a:spLocks noGrp="1" noRot="1" noChangeAspect="1"/>
+          </p:cNvSpPr>
+          <p:nvPr>
+            <p:ph type="sldImg"/>
+          </p:nvPr>
+        </p:nvSpPr>
+        <p:spPr/>
+      </p:sp>
+      <p:sp>
+        <p:nvSpPr>
+          <p:cNvPr id="3" name="Notes Placeholder 2"/>
+          <p:cNvSpPr>
+            <a:spLocks noGrp="1"/>
+          </p:cNvSpPr>
+          <p:nvPr>
+            <p:ph type="body" idx="1"/>
+          </p:nvPr>
+        </p:nvSpPr>
+        <p:spPr/>
+        <p:txBody>
+          <a:bodyPr/>
+          <a:lstStyle/>
+          <a:p>
+            <a:r>
+              <a:rPr lang="en-US" dirty="0"/>
+              <a:t>Using grocery bagging to explain the knowledge engineering</a:t>
+            </a:r>
+            <a:br>
+              <a:rPr lang="en-US" dirty="0"/>
+            </a:br>
+            <a:r>
+              <a:rPr lang="en-US" dirty="0"/>
+              <a:t>1. People don’t expect out with an engine oil?</a:t>
+            </a:r>
+          </a:p>
+          <a:p>
+            <a:r>
+              <a:rPr lang="en-US" dirty="0"/>
+              <a:t>2. How to arrange the things in the bag.</a:t>
+            </a:r>
+          </a:p>
+          <a:p>
+            <a:r>
+              <a:rPr lang="en-US" dirty="0"/>
+              <a:t>3. Be vigilant and bug if there is anything wrong. </a:t>
+            </a:r>
+          </a:p>
+        </p:txBody>
+      </p:sp>
+      <p:sp>
+        <p:nvSpPr>
+          <p:cNvPr id="4" name="Slide Number Placeholder 3"/>
+          <p:cNvSpPr>
+            <a:spLocks noGrp="1"/>
+          </p:cNvSpPr>
+          <p:nvPr>
+            <p:ph type="sldNum" sz="quarter" idx="5"/>
+          </p:nvPr>
+        </p:nvSpPr>
+        <p:spPr/>
+        <p:txBody>
+          <a:bodyPr/>
+          <a:lstStyle/>
+          <a:p>
+            <a:fld id="{95EDE83F-F192-4237-87E6-BD69D3B8E2F0}" type="slidenum">
+              <a:rPr lang="en-US" smtClean="0"/>
+              <a:t>7</a:t>
+            </a:fld>
+            <a:endParaRPr lang="en-US"/>
+          </a:p>
+        </p:txBody>
+      </p:sp>
+    </p:spTree>
+    <p:extLst>
+      <p:ext uri="{BB962C8B-B14F-4D97-AF65-F5344CB8AC3E}">
+        <p14:creationId xmlns:p14="http://schemas.microsoft.com/office/powerpoint/2010/main" val="3041688516"/>
+      </p:ext>
+    </p:extLst>
+  </p:cSld>
+  <p:clrMapOvr>
+    <a:masterClrMapping/>
+  </p:clrMapOvr>
+</p:notes>
+</file>
+
+<file path=ppt/notesSlides/notesSlide7.xml><?xml version="1.0" encoding="utf-8"?>
+<p:notes xmlns:a="http://schemas.openxmlformats.org/drawingml/2006/main" xmlns:r="http://schemas.openxmlformats.org/officeDocument/2006/relationships" xmlns:p="http://schemas.openxmlformats.org/presentationml/2006/main">
+  <p:cSld>
+    <p:spTree>
+      <p:nvGrpSpPr>
+        <p:cNvPr id="1" name=""/>
+        <p:cNvGrpSpPr/>
+        <p:nvPr/>
+      </p:nvGrpSpPr>
+      <p:grpSpPr>
+        <a:xfrm>
+          <a:off x="0" y="0"/>
+          <a:ext cx="0" cy="0"/>
+          <a:chOff x="0" y="0"/>
+          <a:chExt cx="0" cy="0"/>
+        </a:xfrm>
+      </p:grpSpPr>
+      <p:sp>
+        <p:nvSpPr>
+          <p:cNvPr id="2" name="Slide Image Placeholder 1"/>
+          <p:cNvSpPr>
+            <a:spLocks noGrp="1" noRot="1" noChangeAspect="1"/>
+          </p:cNvSpPr>
+          <p:nvPr>
+            <p:ph type="sldImg"/>
+          </p:nvPr>
+        </p:nvSpPr>
+        <p:spPr/>
+      </p:sp>
+      <p:sp>
+        <p:nvSpPr>
+          <p:cNvPr id="3" name="Notes Placeholder 2"/>
+          <p:cNvSpPr>
+            <a:spLocks noGrp="1"/>
+          </p:cNvSpPr>
+          <p:nvPr>
+            <p:ph type="body" idx="1"/>
+          </p:nvPr>
+        </p:nvSpPr>
+        <p:spPr/>
+        <p:txBody>
+          <a:bodyPr/>
+          <a:lstStyle/>
+          <a:p>
+            <a:endParaRPr lang="en-US" dirty="0"/>
+          </a:p>
+        </p:txBody>
+      </p:sp>
+      <p:sp>
+        <p:nvSpPr>
+          <p:cNvPr id="4" name="Slide Number Placeholder 3"/>
+          <p:cNvSpPr>
+            <a:spLocks noGrp="1"/>
+          </p:cNvSpPr>
+          <p:nvPr>
+            <p:ph type="sldNum" sz="quarter" idx="5"/>
+          </p:nvPr>
+        </p:nvSpPr>
+        <p:spPr/>
+        <p:txBody>
+          <a:bodyPr/>
+          <a:lstStyle/>
+          <a:p>
+            <a:fld id="{95EDE83F-F192-4237-87E6-BD69D3B8E2F0}" type="slidenum">
+              <a:rPr lang="en-US" smtClean="0"/>
+              <a:t>8</a:t>
+            </a:fld>
+            <a:endParaRPr lang="en-US"/>
+          </a:p>
+        </p:txBody>
+      </p:sp>
+    </p:spTree>
+    <p:extLst>
+      <p:ext uri="{BB962C8B-B14F-4D97-AF65-F5344CB8AC3E}">
+        <p14:creationId xmlns:p14="http://schemas.microsoft.com/office/powerpoint/2010/main" val="2098524435"/>
+      </p:ext>
+    </p:extLst>
+  </p:cSld>
+  <p:clrMapOvr>
+    <a:masterClrMapping/>
+  </p:clrMapOvr>
+</p:notes>
+</file>
+
+<file path=ppt/notesSlides/notesSlide8.xml><?xml version="1.0" encoding="utf-8"?>
+<p:notes xmlns:a="http://schemas.openxmlformats.org/drawingml/2006/main" xmlns:r="http://schemas.openxmlformats.org/officeDocument/2006/relationships" xmlns:p="http://schemas.openxmlformats.org/presentationml/2006/main">
+  <p:cSld>
+    <p:spTree>
+      <p:nvGrpSpPr>
+        <p:cNvPr id="1" name=""/>
+        <p:cNvGrpSpPr/>
+        <p:nvPr/>
+      </p:nvGrpSpPr>
+      <p:grpSpPr>
+        <a:xfrm>
+          <a:off x="0" y="0"/>
+          <a:ext cx="0" cy="0"/>
+          <a:chOff x="0" y="0"/>
+          <a:chExt cx="0" cy="0"/>
+        </a:xfrm>
+      </p:grpSpPr>
+      <p:sp>
+        <p:nvSpPr>
+          <p:cNvPr id="2" name="Slide Image Placeholder 1"/>
+          <p:cNvSpPr>
+            <a:spLocks noGrp="1" noRot="1" noChangeAspect="1"/>
+          </p:cNvSpPr>
+          <p:nvPr>
+            <p:ph type="sldImg"/>
+          </p:nvPr>
+        </p:nvSpPr>
+        <p:spPr/>
+      </p:sp>
+      <p:sp>
+        <p:nvSpPr>
+          <p:cNvPr id="3" name="Notes Placeholder 2"/>
+          <p:cNvSpPr>
+            <a:spLocks noGrp="1"/>
+          </p:cNvSpPr>
+          <p:nvPr>
+            <p:ph type="body" idx="1"/>
+          </p:nvPr>
+        </p:nvSpPr>
+        <p:spPr/>
+        <p:txBody>
+          <a:bodyPr/>
+          <a:lstStyle/>
+          <a:p>
+            <a:r>
+              <a:rPr lang="en-US" dirty="0">
+                <a:hlinkClick r:id="rId3"/>
+              </a:rPr>
+              <a:t>https://www.geeksforgeeks.org/confusion-matrix-machine-learning/</a:t>
+            </a:r>
+            <a:endParaRPr lang="en-US" dirty="0"/>
+          </a:p>
+        </p:txBody>
+      </p:sp>
+      <p:sp>
+        <p:nvSpPr>
+          <p:cNvPr id="4" name="Slide Number Placeholder 3"/>
+          <p:cNvSpPr>
+            <a:spLocks noGrp="1"/>
+          </p:cNvSpPr>
+          <p:nvPr>
+            <p:ph type="sldNum" sz="quarter" idx="5"/>
+          </p:nvPr>
+        </p:nvSpPr>
+        <p:spPr/>
+        <p:txBody>
+          <a:bodyPr/>
+          <a:lstStyle/>
+          <a:p>
+            <a:fld id="{95EDE83F-F192-4237-87E6-BD69D3B8E2F0}" type="slidenum">
+              <a:rPr lang="en-US" smtClean="0"/>
+              <a:t>19</a:t>
+            </a:fld>
+            <a:endParaRPr lang="en-US"/>
+          </a:p>
+        </p:txBody>
+      </p:sp>
+    </p:spTree>
+    <p:extLst>
+      <p:ext uri="{BB962C8B-B14F-4D97-AF65-F5344CB8AC3E}">
+        <p14:creationId xmlns:p14="http://schemas.microsoft.com/office/powerpoint/2010/main" val="2412054311"/>
+      </p:ext>
+    </p:extLst>
+  </p:cSld>
+  <p:clrMapOvr>
+    <a:masterClrMapping/>
+  </p:clrMapOvr>
+</p:notes>
+</file>
+
+<file path=ppt/notesSlides/notesSlide9.xml><?xml version="1.0" encoding="utf-8"?>
+<p:notes xmlns:a="http://schemas.openxmlformats.org/drawingml/2006/main" xmlns:r="http://schemas.openxmlformats.org/officeDocument/2006/relationships" xmlns:p="http://schemas.openxmlformats.org/presentationml/2006/main">
+  <p:cSld>
+    <p:spTree>
+      <p:nvGrpSpPr>
+        <p:cNvPr id="1" name=""/>
+        <p:cNvGrpSpPr/>
+        <p:nvPr/>
+      </p:nvGrpSpPr>
+      <p:grpSpPr>
+        <a:xfrm>
+          <a:off x="0" y="0"/>
+          <a:ext cx="0" cy="0"/>
+          <a:chOff x="0" y="0"/>
+          <a:chExt cx="0" cy="0"/>
+        </a:xfrm>
+      </p:grpSpPr>
+      <p:sp>
+        <p:nvSpPr>
+          <p:cNvPr id="2" name="Slide Image Placeholder 1"/>
+          <p:cNvSpPr>
+            <a:spLocks noGrp="1" noRot="1" noChangeAspect="1"/>
+          </p:cNvSpPr>
+          <p:nvPr>
+            <p:ph type="sldImg"/>
+          </p:nvPr>
+        </p:nvSpPr>
+        <p:spPr/>
+      </p:sp>
+      <p:sp>
+        <p:nvSpPr>
+          <p:cNvPr id="3" name="Notes Placeholder 2"/>
+          <p:cNvSpPr>
+            <a:spLocks noGrp="1"/>
+          </p:cNvSpPr>
+          <p:nvPr>
+            <p:ph type="body" idx="1"/>
+          </p:nvPr>
+        </p:nvSpPr>
+        <p:spPr/>
+        <p:txBody>
+          <a:bodyPr/>
+          <a:lstStyle/>
+          <a:p>
+            <a:r>
+              <a:rPr lang="en-US" dirty="0">
+                <a:hlinkClick r:id="rId3"/>
+              </a:rPr>
+              <a:t>https://www.kaggle.com/codefordata/headbrain-simple-linear-regression</a:t>
+            </a:r>
+            <a:endParaRPr lang="en-US" dirty="0"/>
+          </a:p>
+        </p:txBody>
+      </p:sp>
+      <p:sp>
+        <p:nvSpPr>
+          <p:cNvPr id="4" name="Slide Number Placeholder 3"/>
+          <p:cNvSpPr>
+            <a:spLocks noGrp="1"/>
+          </p:cNvSpPr>
+          <p:nvPr>
+            <p:ph type="sldNum" sz="quarter" idx="5"/>
+          </p:nvPr>
+        </p:nvSpPr>
+        <p:spPr/>
+        <p:txBody>
+          <a:bodyPr/>
+          <a:lstStyle/>
+          <a:p>
+            <a:fld id="{95EDE83F-F192-4237-87E6-BD69D3B8E2F0}" type="slidenum">
+              <a:rPr lang="en-US" smtClean="0"/>
+              <a:t>27</a:t>
+            </a:fld>
+            <a:endParaRPr lang="en-US"/>
+          </a:p>
+        </p:txBody>
+      </p:sp>
+    </p:spTree>
+    <p:extLst>
+      <p:ext uri="{BB962C8B-B14F-4D97-AF65-F5344CB8AC3E}">
+        <p14:creationId xmlns:p14="http://schemas.microsoft.com/office/powerpoint/2010/main" val="2269815704"/>
       </p:ext>
     </p:extLst>
   </p:cSld>
@@ -903,7 +1665,7 @@
           <a:p>
             <a:fld id="{99CA405F-FDE6-4D37-9F47-E73AA25D91EF}" type="datetimeFigureOut">
               <a:rPr lang="en-US" smtClean="0"/>
-              <a:t>6/24/2020</a:t>
+              <a:t>6/26/2020</a:t>
             </a:fld>
             <a:endParaRPr lang="en-US"/>
           </a:p>
@@ -1071,7 +1833,7 @@
           <a:p>
             <a:fld id="{99CA405F-FDE6-4D37-9F47-E73AA25D91EF}" type="datetimeFigureOut">
               <a:rPr lang="en-US" smtClean="0"/>
-              <a:t>6/24/2020</a:t>
+              <a:t>6/26/2020</a:t>
             </a:fld>
             <a:endParaRPr lang="en-US"/>
           </a:p>
@@ -1249,7 +2011,7 @@
           <a:p>
             <a:fld id="{99CA405F-FDE6-4D37-9F47-E73AA25D91EF}" type="datetimeFigureOut">
               <a:rPr lang="en-US" smtClean="0"/>
-              <a:t>6/24/2020</a:t>
+              <a:t>6/26/2020</a:t>
             </a:fld>
             <a:endParaRPr lang="en-US"/>
           </a:p>
@@ -1417,7 +2179,7 @@
           <a:p>
             <a:fld id="{99CA405F-FDE6-4D37-9F47-E73AA25D91EF}" type="datetimeFigureOut">
               <a:rPr lang="en-US" smtClean="0"/>
-              <a:t>6/24/2020</a:t>
+              <a:t>6/26/2020</a:t>
             </a:fld>
             <a:endParaRPr lang="en-US"/>
           </a:p>
@@ -1662,7 +2424,7 @@
           <a:p>
             <a:fld id="{99CA405F-FDE6-4D37-9F47-E73AA25D91EF}" type="datetimeFigureOut">
               <a:rPr lang="en-US" smtClean="0"/>
-              <a:t>6/24/2020</a:t>
+              <a:t>6/26/2020</a:t>
             </a:fld>
             <a:endParaRPr lang="en-US"/>
           </a:p>
@@ -1891,7 +2653,7 @@
           <a:p>
             <a:fld id="{99CA405F-FDE6-4D37-9F47-E73AA25D91EF}" type="datetimeFigureOut">
               <a:rPr lang="en-US" smtClean="0"/>
-              <a:t>6/24/2020</a:t>
+              <a:t>6/26/2020</a:t>
             </a:fld>
             <a:endParaRPr lang="en-US"/>
           </a:p>
@@ -2255,7 +3017,7 @@
           <a:p>
             <a:fld id="{99CA405F-FDE6-4D37-9F47-E73AA25D91EF}" type="datetimeFigureOut">
               <a:rPr lang="en-US" smtClean="0"/>
-              <a:t>6/24/2020</a:t>
+              <a:t>6/26/2020</a:t>
             </a:fld>
             <a:endParaRPr lang="en-US"/>
           </a:p>
@@ -2372,7 +3134,7 @@
           <a:p>
             <a:fld id="{99CA405F-FDE6-4D37-9F47-E73AA25D91EF}" type="datetimeFigureOut">
               <a:rPr lang="en-US" smtClean="0"/>
-              <a:t>6/24/2020</a:t>
+              <a:t>6/26/2020</a:t>
             </a:fld>
             <a:endParaRPr lang="en-US"/>
           </a:p>
@@ -2467,7 +3229,7 @@
           <a:p>
             <a:fld id="{99CA405F-FDE6-4D37-9F47-E73AA25D91EF}" type="datetimeFigureOut">
               <a:rPr lang="en-US" smtClean="0"/>
-              <a:t>6/24/2020</a:t>
+              <a:t>6/26/2020</a:t>
             </a:fld>
             <a:endParaRPr lang="en-US"/>
           </a:p>
@@ -2742,7 +3504,7 @@
           <a:p>
             <a:fld id="{99CA405F-FDE6-4D37-9F47-E73AA25D91EF}" type="datetimeFigureOut">
               <a:rPr lang="en-US" smtClean="0"/>
-              <a:t>6/24/2020</a:t>
+              <a:t>6/26/2020</a:t>
             </a:fld>
             <a:endParaRPr lang="en-US"/>
           </a:p>
@@ -2994,7 +3756,7 @@
           <a:p>
             <a:fld id="{99CA405F-FDE6-4D37-9F47-E73AA25D91EF}" type="datetimeFigureOut">
               <a:rPr lang="en-US" smtClean="0"/>
-              <a:t>6/24/2020</a:t>
+              <a:t>6/26/2020</a:t>
             </a:fld>
             <a:endParaRPr lang="en-US"/>
           </a:p>
@@ -3205,7 +3967,7 @@
           <a:p>
             <a:fld id="{99CA405F-FDE6-4D37-9F47-E73AA25D91EF}" type="datetimeFigureOut">
               <a:rPr lang="en-US" smtClean="0"/>
-              <a:t>6/24/2020</a:t>
+              <a:t>6/26/2020</a:t>
             </a:fld>
             <a:endParaRPr lang="en-US"/>
           </a:p>
@@ -3627,7 +4389,7 @@
           <a:p>
             <a:r>
               <a:rPr lang="en-US" dirty="0"/>
-              <a:t>Machine Learning</a:t>
+              <a:t>AI/ML</a:t>
             </a:r>
           </a:p>
         </p:txBody>
@@ -3716,8 +4478,8 @@
         </p:nvSpPr>
         <p:spPr>
           <a:xfrm>
-            <a:off x="134647" y="935215"/>
-            <a:ext cx="10968760" cy="5498419"/>
+            <a:off x="1266840" y="1306929"/>
+            <a:ext cx="9144000" cy="4525030"/>
           </a:xfrm>
         </p:spPr>
         <p:txBody>
@@ -3726,135 +4488,27 @@
           </a:bodyPr>
           <a:lstStyle/>
           <a:p>
-            <a:pPr marL="914400" lvl="1" indent="-457200" algn="l">
-              <a:lnSpc>
-                <a:spcPct val="100000"/>
-              </a:lnSpc>
-              <a:buFont typeface="Arial" panose="020B0604020202020204" pitchFamily="34" charset="0"/>
-              <a:buChar char="•"/>
-            </a:pPr>
-            <a:r>
-              <a:rPr lang="en-US" sz="2800" dirty="0"/>
-              <a:t>Measure of Center</a:t>
-            </a:r>
-          </a:p>
-          <a:p>
-            <a:pPr marL="1428750" lvl="2" indent="-514350" algn="l">
-              <a:lnSpc>
-                <a:spcPct val="100000"/>
-              </a:lnSpc>
-              <a:buFont typeface="Courier New" panose="02070309020205020404" pitchFamily="49" charset="0"/>
-              <a:buChar char="o"/>
-            </a:pPr>
-            <a:r>
-              <a:rPr lang="en-US" sz="2600" dirty="0"/>
-              <a:t>Mean, </a:t>
-            </a:r>
-          </a:p>
-          <a:p>
-            <a:pPr marL="1428750" lvl="2" indent="-514350" algn="l">
-              <a:lnSpc>
-                <a:spcPct val="100000"/>
-              </a:lnSpc>
-              <a:buFont typeface="Courier New" panose="02070309020205020404" pitchFamily="49" charset="0"/>
-              <a:buChar char="o"/>
-            </a:pPr>
-            <a:r>
-              <a:rPr lang="en-US" sz="2600" dirty="0"/>
-              <a:t>Median,</a:t>
-            </a:r>
-          </a:p>
-          <a:p>
-            <a:pPr marL="1428750" lvl="2" indent="-514350" algn="l">
-              <a:lnSpc>
-                <a:spcPct val="100000"/>
-              </a:lnSpc>
-              <a:buFont typeface="Courier New" panose="02070309020205020404" pitchFamily="49" charset="0"/>
-              <a:buChar char="o"/>
-            </a:pPr>
-            <a:r>
-              <a:rPr lang="en-US" sz="2600" dirty="0"/>
-              <a:t>Mode (most popular one)</a:t>
-            </a:r>
-          </a:p>
-          <a:p>
-            <a:pPr marL="914400" lvl="1" indent="-457200" algn="l">
-              <a:lnSpc>
-                <a:spcPct val="100000"/>
-              </a:lnSpc>
-              <a:buFont typeface="Arial" panose="020B0604020202020204" pitchFamily="34" charset="0"/>
-              <a:buChar char="•"/>
-            </a:pPr>
-            <a:r>
-              <a:rPr lang="en-US" sz="2800" dirty="0"/>
-              <a:t>Measures of Spread (Variability)</a:t>
-            </a:r>
-          </a:p>
-          <a:p>
-            <a:pPr marL="1371600" lvl="2" indent="-457200" algn="l">
-              <a:buFont typeface="Courier New" panose="02070309020205020404" pitchFamily="49" charset="0"/>
-              <a:buChar char="o"/>
-            </a:pPr>
-            <a:r>
-              <a:rPr lang="en-US" sz="2600" dirty="0"/>
-              <a:t>Range = Max(xi) – Min(xi)</a:t>
-            </a:r>
-          </a:p>
-          <a:p>
-            <a:pPr marL="1371600" lvl="2" indent="-457200" algn="l">
-              <a:buFont typeface="Courier New" panose="02070309020205020404" pitchFamily="49" charset="0"/>
-              <a:buChar char="o"/>
-            </a:pPr>
-            <a:r>
-              <a:rPr lang="en-US" sz="2600" dirty="0"/>
-              <a:t>Inter Quartile Range, </a:t>
-            </a:r>
-          </a:p>
-          <a:p>
-            <a:pPr marL="1371600" lvl="2" indent="-457200" algn="l">
-              <a:buFont typeface="Courier New" panose="02070309020205020404" pitchFamily="49" charset="0"/>
-              <a:buChar char="o"/>
-            </a:pPr>
-            <a:r>
-              <a:rPr lang="en-US" sz="2600" dirty="0"/>
-              <a:t>Variance, </a:t>
-            </a:r>
-          </a:p>
-          <a:p>
-            <a:pPr marL="1371600" lvl="2" indent="-457200" algn="l">
-              <a:buFont typeface="Courier New" panose="02070309020205020404" pitchFamily="49" charset="0"/>
-              <a:buChar char="o"/>
-            </a:pPr>
-            <a:r>
-              <a:rPr lang="en-US" sz="2600" dirty="0"/>
-              <a:t>Standard Deviation</a:t>
-            </a:r>
-          </a:p>
-          <a:p>
-            <a:pPr marL="914400" lvl="1" indent="-457200" algn="l">
-              <a:buFont typeface="Arial" panose="020B0604020202020204" pitchFamily="34" charset="0"/>
-              <a:buChar char="•"/>
-            </a:pPr>
-            <a:r>
-              <a:rPr lang="en-US" sz="2800" dirty="0"/>
-              <a:t>Information Gain &amp; Entropy </a:t>
-            </a:r>
-          </a:p>
-          <a:p>
-            <a:pPr marL="914400" lvl="1" indent="-457200" algn="l">
-              <a:buFont typeface="Arial" panose="020B0604020202020204" pitchFamily="34" charset="0"/>
-              <a:buChar char="•"/>
-            </a:pPr>
-            <a:r>
-              <a:rPr lang="en-US" sz="2800" dirty="0"/>
-              <a:t>Confusion Matrix </a:t>
-            </a:r>
-          </a:p>
-        </p:txBody>
-      </p:sp>
-      <p:sp>
-        <p:nvSpPr>
-          <p:cNvPr id="5" name="TextBox 4"/>
+            <a:pPr algn="l"/>
+            <a:endParaRPr lang="en-US" sz="6200" dirty="0"/>
+          </a:p>
+          <a:p>
+            <a:pPr algn="l"/>
+            <a:br>
+              <a:rPr lang="en-US" sz="6600" dirty="0"/>
+            </a:br>
+            <a:endParaRPr lang="en-US" sz="6600" dirty="0"/>
+          </a:p>
+        </p:txBody>
+      </p:sp>
+      <p:sp>
+        <p:nvSpPr>
+          <p:cNvPr id="5" name="TextBox 4">
+            <a:extLst>
+              <a:ext uri="{FF2B5EF4-FFF2-40B4-BE49-F238E27FC236}">
+                <a16:creationId xmlns:a16="http://schemas.microsoft.com/office/drawing/2014/main" id="{3F9B5E2A-82D8-4F44-B8DD-1CBB90D9EE82}"/>
+              </a:ext>
+            </a:extLst>
+          </p:cNvPr>
           <p:cNvSpPr txBox="1"/>
           <p:nvPr/>
         </p:nvSpPr>
@@ -3876,15 +4530,62 @@
           <a:p>
             <a:r>
               <a:rPr lang="en-US" sz="3200" dirty="0"/>
-              <a:t>Class-2: Descriptive Statistics</a:t>
-            </a:r>
-          </a:p>
-        </p:txBody>
-      </p:sp>
+              <a:t>Class-3: Machine Learning Algorithms</a:t>
+            </a:r>
+          </a:p>
+        </p:txBody>
+      </p:sp>
+      <p:pic>
+        <p:nvPicPr>
+          <p:cNvPr id="1026" name="Picture 2" descr="Machine Learning For Cryptocurrency Mobilego">
+            <a:extLst>
+              <a:ext uri="{FF2B5EF4-FFF2-40B4-BE49-F238E27FC236}">
+                <a16:creationId xmlns:a16="http://schemas.microsoft.com/office/drawing/2014/main" id="{C908E1B8-4F70-4986-98B5-F85053312F9C}"/>
+              </a:ext>
+            </a:extLst>
+          </p:cNvPr>
+          <p:cNvPicPr>
+            <a:picLocks noChangeAspect="1" noChangeArrowheads="1"/>
+          </p:cNvPicPr>
+          <p:nvPr/>
+        </p:nvPicPr>
+        <p:blipFill>
+          <a:blip r:embed="rId2">
+            <a:extLst>
+              <a:ext uri="{28A0092B-C50C-407E-A947-70E740481C1C}">
+                <a14:useLocalDpi xmlns:a14="http://schemas.microsoft.com/office/drawing/2010/main" val="0"/>
+              </a:ext>
+            </a:extLst>
+          </a:blip>
+          <a:srcRect/>
+          <a:stretch>
+            <a:fillRect/>
+          </a:stretch>
+        </p:blipFill>
+        <p:spPr bwMode="auto">
+          <a:xfrm>
+            <a:off x="1985842" y="732322"/>
+            <a:ext cx="8418513" cy="5643923"/>
+          </a:xfrm>
+          <a:prstGeom prst="rect">
+            <a:avLst/>
+          </a:prstGeom>
+          <a:noFill/>
+          <a:extLst>
+            <a:ext uri="{909E8E84-426E-40DD-AFC4-6F175D3DCCD1}">
+              <a14:hiddenFill xmlns:a14="http://schemas.microsoft.com/office/drawing/2010/main">
+                <a:solidFill>
+                  <a:srgbClr val="FFFFFF"/>
+                </a:solidFill>
+              </a14:hiddenFill>
+            </a:ext>
+          </a:extLst>
+        </p:spPr>
+      </p:pic>
     </p:spTree>
     <p:extLst>
       <p:ext uri="{BB962C8B-B14F-4D97-AF65-F5344CB8AC3E}">
-        <p14:creationId xmlns:p14="http://schemas.microsoft.com/office/powerpoint/2010/main" val="1969190807"/>
+        <p14:creationId xmlns:p14="http://schemas.microsoft.com/office/powerpoint/2010/main" val="1231771256"/>
       </p:ext>
     </p:extLst>
   </p:cSld>
@@ -3923,8 +4624,8 @@
         </p:nvSpPr>
         <p:spPr>
           <a:xfrm>
-            <a:off x="134647" y="935215"/>
-            <a:ext cx="10968760" cy="5498419"/>
+            <a:off x="1242362" y="1079488"/>
+            <a:ext cx="9918973" cy="5498419"/>
           </a:xfrm>
         </p:spPr>
         <p:txBody>
@@ -3933,58 +4634,58 @@
           </a:bodyPr>
           <a:lstStyle/>
           <a:p>
-            <a:pPr marL="914400" lvl="1" indent="-457200" algn="l">
+            <a:pPr marL="857250" indent="-857250" algn="l">
               <a:buFont typeface="Arial" panose="020B0604020202020204" pitchFamily="34" charset="0"/>
               <a:buChar char="•"/>
             </a:pPr>
             <a:r>
-              <a:rPr lang="en-US" sz="2800" dirty="0"/>
-              <a:t>Entropy</a:t>
-            </a:r>
-          </a:p>
-          <a:p>
-            <a:pPr marL="914400" lvl="1" indent="-457200" algn="l">
+              <a:rPr lang="en-US" sz="4600" dirty="0"/>
+              <a:t>Anomaly Detection Algorithm</a:t>
+            </a:r>
+          </a:p>
+          <a:p>
+            <a:pPr marL="857250" indent="-857250" algn="l">
               <a:buFont typeface="Arial" panose="020B0604020202020204" pitchFamily="34" charset="0"/>
               <a:buChar char="•"/>
             </a:pPr>
-            <a:endParaRPr lang="en-US" sz="2800" dirty="0"/>
-          </a:p>
-          <a:p>
-            <a:pPr marL="914400" lvl="1" indent="-457200" algn="l">
+            <a:r>
+              <a:rPr lang="en-US" sz="4600" dirty="0"/>
+              <a:t>Clustering Algorithm</a:t>
+            </a:r>
+          </a:p>
+          <a:p>
+            <a:pPr marL="857250" indent="-857250" algn="l">
               <a:buFont typeface="Arial" panose="020B0604020202020204" pitchFamily="34" charset="0"/>
               <a:buChar char="•"/>
             </a:pPr>
-            <a:endParaRPr lang="en-US" sz="2800" dirty="0"/>
-          </a:p>
-          <a:p>
-            <a:pPr marL="914400" lvl="1" indent="-457200" algn="l">
-              <a:buFont typeface="Arial" panose="020B0604020202020204" pitchFamily="34" charset="0"/>
-              <a:buChar char="•"/>
-            </a:pPr>
-            <a:endParaRPr lang="en-US" sz="2800" dirty="0"/>
-          </a:p>
-          <a:p>
-            <a:pPr marL="914400" lvl="1" indent="-457200" algn="l">
-              <a:buFont typeface="Arial" panose="020B0604020202020204" pitchFamily="34" charset="0"/>
-              <a:buChar char="•"/>
-            </a:pPr>
-            <a:r>
-              <a:rPr lang="en-US" sz="2800" dirty="0"/>
-              <a:t>Information Gain</a:t>
-            </a:r>
-          </a:p>
-        </p:txBody>
-      </p:sp>
-      <p:sp>
-        <p:nvSpPr>
-          <p:cNvPr id="5" name="TextBox 4"/>
+            <a:r>
+              <a:rPr lang="en-US" sz="4600" dirty="0"/>
+              <a:t>Regression Algorithm</a:t>
+            </a:r>
+          </a:p>
+          <a:p>
+            <a:pPr algn="l"/>
+            <a:r>
+              <a:rPr lang="en-US" sz="6200" dirty="0"/>
+              <a:t>	</a:t>
+            </a:r>
+            <a:r>
+              <a:rPr lang="en-US" sz="4000" dirty="0"/>
+              <a:t>Demo: Iris Dataset </a:t>
+            </a:r>
+          </a:p>
+        </p:txBody>
+      </p:sp>
+      <p:sp>
+        <p:nvSpPr>
+          <p:cNvPr id="4" name="TextBox 3"/>
           <p:cNvSpPr txBox="1"/>
           <p:nvPr/>
         </p:nvSpPr>
         <p:spPr>
           <a:xfrm>
-            <a:off x="254568" y="147547"/>
-            <a:ext cx="10968760" cy="584775"/>
+            <a:off x="522514" y="217714"/>
+            <a:ext cx="10968760" cy="861774"/>
           </a:xfrm>
           <a:prstGeom prst="rect">
             <a:avLst/>
@@ -3999,143 +4700,18 @@
           <a:p>
             <a:r>
               <a:rPr lang="en-US" sz="3200" dirty="0"/>
-              <a:t>Class-2: Information Gain &amp; Entropy </a:t>
-            </a:r>
-          </a:p>
-        </p:txBody>
-      </p:sp>
-      <p:sp>
-        <p:nvSpPr>
-          <p:cNvPr id="4" name="AutoShape 2" descr="Information Entropy Equation"/>
-          <p:cNvSpPr>
-            <a:spLocks noChangeAspect="1" noChangeArrowheads="1"/>
-          </p:cNvSpPr>
-          <p:nvPr/>
-        </p:nvSpPr>
-        <p:spPr bwMode="auto">
-          <a:xfrm>
-            <a:off x="4262879" y="935215"/>
-            <a:ext cx="4371455" cy="4371469"/>
-          </a:xfrm>
-          <a:prstGeom prst="rect">
-            <a:avLst/>
-          </a:prstGeom>
-          <a:noFill/>
-          <a:extLst>
-            <a:ext uri="{909E8E84-426E-40DD-AFC4-6F175D3DCCD1}">
-              <a14:hiddenFill xmlns:a14="http://schemas.microsoft.com/office/drawing/2010/main">
-                <a:solidFill>
-                  <a:srgbClr val="FFFFFF"/>
-                </a:solidFill>
-              </a14:hiddenFill>
-            </a:ext>
-          </a:extLst>
-        </p:spPr>
-        <p:txBody>
-          <a:bodyPr vert="horz" wrap="square" lIns="91440" tIns="45720" rIns="91440" bIns="45720" numCol="1" anchor="t" anchorCtr="0" compatLnSpc="1">
-            <a:prstTxWarp prst="textNoShape">
-              <a:avLst/>
-            </a:prstTxWarp>
-          </a:bodyPr>
-          <a:lstStyle/>
-          <a:p>
-            <a:endParaRPr lang="en-US"/>
-          </a:p>
-        </p:txBody>
-      </p:sp>
-      <p:pic>
-        <p:nvPicPr>
-          <p:cNvPr id="1028" name="Picture 4" descr="Information Entropy Equation"/>
-          <p:cNvPicPr>
-            <a:picLocks noChangeAspect="1" noChangeArrowheads="1"/>
-          </p:cNvPicPr>
-          <p:nvPr/>
-        </p:nvPicPr>
-        <p:blipFill>
-          <a:blip r:embed="rId2">
-            <a:extLst>
-              <a:ext uri="{28A0092B-C50C-407E-A947-70E740481C1C}">
-                <a14:useLocalDpi xmlns:a14="http://schemas.microsoft.com/office/drawing/2010/main" val="0"/>
-              </a:ext>
-            </a:extLst>
-          </a:blip>
-          <a:srcRect/>
-          <a:stretch>
-            <a:fillRect/>
-          </a:stretch>
-        </p:blipFill>
-        <p:spPr bwMode="auto">
-          <a:xfrm>
-            <a:off x="3219795" y="1089542"/>
-            <a:ext cx="2887092" cy="1279340"/>
-          </a:xfrm>
-          <a:prstGeom prst="rect">
-            <a:avLst/>
-          </a:prstGeom>
-          <a:noFill/>
-          <a:extLst>
-            <a:ext uri="{909E8E84-426E-40DD-AFC4-6F175D3DCCD1}">
-              <a14:hiddenFill xmlns:a14="http://schemas.microsoft.com/office/drawing/2010/main">
-                <a:solidFill>
-                  <a:srgbClr val="FFFFFF"/>
-                </a:solidFill>
-              </a14:hiddenFill>
-            </a:ext>
-          </a:extLst>
-        </p:spPr>
-      </p:pic>
-      <p:pic>
-        <p:nvPicPr>
-          <p:cNvPr id="6" name="Picture 5"/>
-          <p:cNvPicPr>
-            <a:picLocks noChangeAspect="1"/>
-          </p:cNvPicPr>
-          <p:nvPr/>
-        </p:nvPicPr>
-        <p:blipFill>
-          <a:blip r:embed="rId3"/>
-          <a:stretch>
-            <a:fillRect/>
-          </a:stretch>
-        </p:blipFill>
-        <p:spPr>
-          <a:xfrm>
-            <a:off x="7562015" y="732322"/>
-            <a:ext cx="2447925" cy="2610931"/>
-          </a:xfrm>
-          <a:prstGeom prst="rect">
-            <a:avLst/>
-          </a:prstGeom>
-        </p:spPr>
-      </p:pic>
-      <p:pic>
-        <p:nvPicPr>
-          <p:cNvPr id="7" name="Picture 6"/>
-          <p:cNvPicPr>
-            <a:picLocks noChangeAspect="1"/>
-          </p:cNvPicPr>
-          <p:nvPr/>
-        </p:nvPicPr>
-        <p:blipFill>
-          <a:blip r:embed="rId4"/>
-          <a:stretch>
-            <a:fillRect/>
-          </a:stretch>
-        </p:blipFill>
-        <p:spPr>
-          <a:xfrm>
-            <a:off x="1047027" y="3207527"/>
-            <a:ext cx="4572000" cy="3429000"/>
-          </a:xfrm>
-          <a:prstGeom prst="rect">
-            <a:avLst/>
-          </a:prstGeom>
-        </p:spPr>
-      </p:pic>
+              <a:t>Class-1:Classification of Algorithm</a:t>
+            </a:r>
+          </a:p>
+          <a:p>
+            <a:endParaRPr lang="en-US" dirty="0"/>
+          </a:p>
+        </p:txBody>
+      </p:sp>
     </p:spTree>
     <p:extLst>
       <p:ext uri="{BB962C8B-B14F-4D97-AF65-F5344CB8AC3E}">
-        <p14:creationId xmlns:p14="http://schemas.microsoft.com/office/powerpoint/2010/main" val="2386337576"/>
+        <p14:creationId xmlns:p14="http://schemas.microsoft.com/office/powerpoint/2010/main" val="3433111902"/>
       </p:ext>
     </p:extLst>
   </p:cSld>
@@ -4174,34 +4750,157 @@
         </p:nvSpPr>
         <p:spPr>
           <a:xfrm>
-            <a:off x="134647" y="935215"/>
-            <a:ext cx="10968760" cy="5498419"/>
+            <a:off x="522514" y="935109"/>
+            <a:ext cx="11300518" cy="5642154"/>
           </a:xfrm>
         </p:spPr>
         <p:txBody>
           <a:bodyPr>
-            <a:normAutofit/>
+            <a:noAutofit/>
           </a:bodyPr>
           <a:lstStyle/>
           <a:p>
-            <a:pPr marL="914400" lvl="1" indent="-457200" algn="l">
+            <a:pPr marL="457200" indent="-457200" algn="l">
               <a:buFont typeface="Arial" panose="020B0604020202020204" pitchFamily="34" charset="0"/>
               <a:buChar char="•"/>
             </a:pPr>
-            <a:endParaRPr lang="en-US" sz="2800" dirty="0"/>
-          </a:p>
-        </p:txBody>
-      </p:sp>
-      <p:sp>
-        <p:nvSpPr>
-          <p:cNvPr id="5" name="TextBox 4"/>
+            <a:r>
+              <a:rPr lang="en-US" sz="2800" dirty="0"/>
+              <a:t>Anomaly Detection Algorithm</a:t>
+            </a:r>
+          </a:p>
+          <a:p>
+            <a:pPr lvl="1" algn="l"/>
+            <a:r>
+              <a:rPr lang="en-US" sz="2800" dirty="0"/>
+              <a:t>    -- Identify unusual data points</a:t>
+            </a:r>
+          </a:p>
+          <a:p>
+            <a:pPr marL="1371600" lvl="2" indent="-457200" algn="l">
+              <a:buFont typeface="Courier New" panose="02070309020205020404" pitchFamily="49" charset="0"/>
+              <a:buChar char="o"/>
+            </a:pPr>
+            <a:r>
+              <a:rPr lang="en-US" sz="2800" dirty="0"/>
+              <a:t>Is there any fraud in this transactions</a:t>
+            </a:r>
+          </a:p>
+          <a:p>
+            <a:pPr marL="1371600" lvl="2" indent="-457200" algn="l">
+              <a:buFont typeface="Courier New" panose="02070309020205020404" pitchFamily="49" charset="0"/>
+              <a:buChar char="o"/>
+            </a:pPr>
+            <a:r>
+              <a:rPr lang="en-US" sz="2800" dirty="0"/>
+              <a:t>Is someone trying to hack our network</a:t>
+            </a:r>
+          </a:p>
+          <a:p>
+            <a:pPr marL="457200" indent="-457200" algn="l">
+              <a:buFont typeface="Arial" panose="020B0604020202020204" pitchFamily="34" charset="0"/>
+              <a:buChar char="•"/>
+            </a:pPr>
+            <a:r>
+              <a:rPr lang="en-US" sz="2800" dirty="0"/>
+              <a:t>Clustering Algorithm</a:t>
+            </a:r>
+          </a:p>
+          <a:p>
+            <a:pPr algn="l"/>
+            <a:r>
+              <a:rPr lang="en-US" sz="2800" dirty="0"/>
+              <a:t>	-- Group data based on some condition</a:t>
+            </a:r>
+          </a:p>
+          <a:p>
+            <a:pPr marL="1485900" lvl="2" indent="-571500" algn="l">
+              <a:buFont typeface="Courier New" panose="02070309020205020404" pitchFamily="49" charset="0"/>
+              <a:buChar char="o"/>
+            </a:pPr>
+            <a:r>
+              <a:rPr lang="en-US" sz="2800" dirty="0"/>
+              <a:t>Which type of house lies in this segment?</a:t>
+            </a:r>
+          </a:p>
+          <a:p>
+            <a:pPr marL="1485900" lvl="2" indent="-571500" algn="l">
+              <a:buFont typeface="Courier New" panose="02070309020205020404" pitchFamily="49" charset="0"/>
+              <a:buChar char="o"/>
+            </a:pPr>
+            <a:r>
+              <a:rPr lang="en-US" sz="2800" dirty="0"/>
+              <a:t>What type of customer buys this product?</a:t>
+            </a:r>
+          </a:p>
+          <a:p>
+            <a:pPr marL="457200" indent="-457200" algn="l">
+              <a:buFont typeface="Arial" panose="020B0604020202020204" pitchFamily="34" charset="0"/>
+              <a:buChar char="•"/>
+            </a:pPr>
+            <a:r>
+              <a:rPr lang="en-US" sz="2800" dirty="0"/>
+              <a:t>Regression Algorithm</a:t>
+            </a:r>
+          </a:p>
+          <a:p>
+            <a:pPr algn="l"/>
+            <a:r>
+              <a:rPr lang="en-US" sz="2800" dirty="0"/>
+              <a:t>	-- Data itself is predicted</a:t>
+            </a:r>
+          </a:p>
+          <a:p>
+            <a:pPr marL="1600200" lvl="2" indent="-685800" algn="l">
+              <a:buFont typeface="Courier New" panose="02070309020205020404" pitchFamily="49" charset="0"/>
+              <a:buChar char="o"/>
+            </a:pPr>
+            <a:r>
+              <a:rPr lang="en-US" sz="2800" dirty="0"/>
+              <a:t>what is the market value of this house?</a:t>
+            </a:r>
+          </a:p>
+          <a:p>
+            <a:pPr marL="1600200" lvl="2" indent="-685800" algn="l">
+              <a:buFont typeface="Courier New" panose="02070309020205020404" pitchFamily="49" charset="0"/>
+              <a:buChar char="o"/>
+            </a:pPr>
+            <a:r>
+              <a:rPr lang="en-US" sz="2800" dirty="0"/>
+              <a:t>Is it going to rain tomorrow?</a:t>
+            </a:r>
+          </a:p>
+          <a:p>
+            <a:pPr algn="l"/>
+            <a:endParaRPr lang="en-US" sz="4600" dirty="0"/>
+          </a:p>
+          <a:p>
+            <a:pPr algn="l"/>
+            <a:endParaRPr lang="en-US" sz="4600" dirty="0"/>
+          </a:p>
+          <a:p>
+            <a:pPr algn="l"/>
+            <a:endParaRPr lang="en-US" sz="4600" dirty="0"/>
+          </a:p>
+          <a:p>
+            <a:pPr algn="l"/>
+            <a:r>
+              <a:rPr lang="en-US" sz="6200" dirty="0"/>
+              <a:t>	</a:t>
+            </a:r>
+          </a:p>
+        </p:txBody>
+      </p:sp>
+      <p:sp>
+        <p:nvSpPr>
+          <p:cNvPr id="4" name="TextBox 3"/>
           <p:cNvSpPr txBox="1"/>
           <p:nvPr/>
         </p:nvSpPr>
         <p:spPr>
           <a:xfrm>
-            <a:off x="254568" y="147547"/>
-            <a:ext cx="10968760" cy="584775"/>
+            <a:off x="522514" y="217714"/>
+            <a:ext cx="10968760" cy="861774"/>
           </a:xfrm>
           <a:prstGeom prst="rect">
             <a:avLst/>
@@ -4216,15 +4915,18 @@
           <a:p>
             <a:r>
               <a:rPr lang="en-US" sz="3200" dirty="0"/>
-              <a:t>Class-2: Confusion Matrix  </a:t>
-            </a:r>
+              <a:t>Class-1:Classification of Algorithm</a:t>
+            </a:r>
+          </a:p>
+          <a:p>
+            <a:endParaRPr lang="en-US" dirty="0"/>
           </a:p>
         </p:txBody>
       </p:sp>
     </p:spTree>
     <p:extLst>
       <p:ext uri="{BB962C8B-B14F-4D97-AF65-F5344CB8AC3E}">
-        <p14:creationId xmlns:p14="http://schemas.microsoft.com/office/powerpoint/2010/main" val="2689922509"/>
+        <p14:creationId xmlns:p14="http://schemas.microsoft.com/office/powerpoint/2010/main" val="338597293"/>
       </p:ext>
     </p:extLst>
   </p:cSld>
@@ -4263,6 +4965,1410 @@
         </p:nvSpPr>
         <p:spPr>
           <a:xfrm>
+            <a:off x="1166948" y="815294"/>
+            <a:ext cx="10375478" cy="5498419"/>
+          </a:xfrm>
+        </p:spPr>
+        <p:txBody>
+          <a:bodyPr>
+            <a:normAutofit/>
+          </a:bodyPr>
+          <a:lstStyle/>
+          <a:p>
+            <a:pPr algn="l"/>
+            <a:r>
+              <a:rPr lang="en-US" sz="3600" dirty="0"/>
+              <a:t>Demo Iris</a:t>
+            </a:r>
+          </a:p>
+          <a:p>
+            <a:pPr algn="l"/>
+            <a:endParaRPr lang="en-US" sz="5800" dirty="0"/>
+          </a:p>
+        </p:txBody>
+      </p:sp>
+      <p:sp>
+        <p:nvSpPr>
+          <p:cNvPr id="5" name="TextBox 4"/>
+          <p:cNvSpPr txBox="1"/>
+          <p:nvPr/>
+        </p:nvSpPr>
+        <p:spPr>
+          <a:xfrm>
+            <a:off x="254568" y="147547"/>
+            <a:ext cx="10968760" cy="584775"/>
+          </a:xfrm>
+          <a:prstGeom prst="rect">
+            <a:avLst/>
+          </a:prstGeom>
+          <a:noFill/>
+        </p:spPr>
+        <p:txBody>
+          <a:bodyPr wrap="square" rtlCol="0">
+            <a:spAutoFit/>
+          </a:bodyPr>
+          <a:lstStyle/>
+          <a:p>
+            <a:r>
+              <a:rPr lang="en-US" sz="3200" dirty="0"/>
+              <a:t>Class-1: Demo Iris</a:t>
+            </a:r>
+            <a:endParaRPr lang="en-US" dirty="0"/>
+          </a:p>
+        </p:txBody>
+      </p:sp>
+    </p:spTree>
+    <p:extLst>
+      <p:ext uri="{BB962C8B-B14F-4D97-AF65-F5344CB8AC3E}">
+        <p14:creationId xmlns:p14="http://schemas.microsoft.com/office/powerpoint/2010/main" val="1873121010"/>
+      </p:ext>
+    </p:extLst>
+  </p:cSld>
+  <p:clrMapOvr>
+    <a:masterClrMapping/>
+  </p:clrMapOvr>
+</p:sld>
+</file>
+
+<file path=ppt/slides/slide14.xml><?xml version="1.0" encoding="utf-8"?>
+<p:sld xmlns:a="http://schemas.openxmlformats.org/drawingml/2006/main" xmlns:r="http://schemas.openxmlformats.org/officeDocument/2006/relationships" xmlns:p="http://schemas.openxmlformats.org/presentationml/2006/main">
+  <p:cSld>
+    <p:spTree>
+      <p:nvGrpSpPr>
+        <p:cNvPr id="1" name=""/>
+        <p:cNvGrpSpPr/>
+        <p:nvPr/>
+      </p:nvGrpSpPr>
+      <p:grpSpPr>
+        <a:xfrm>
+          <a:off x="0" y="0"/>
+          <a:ext cx="0" cy="0"/>
+          <a:chOff x="0" y="0"/>
+          <a:chExt cx="0" cy="0"/>
+        </a:xfrm>
+      </p:grpSpPr>
+      <p:sp>
+        <p:nvSpPr>
+          <p:cNvPr id="3" name="Subtitle 2"/>
+          <p:cNvSpPr>
+            <a:spLocks noGrp="1"/>
+          </p:cNvSpPr>
+          <p:nvPr>
+            <p:ph type="subTitle" idx="1"/>
+          </p:nvPr>
+        </p:nvSpPr>
+        <p:spPr>
+          <a:xfrm>
+            <a:off x="1166948" y="815294"/>
+            <a:ext cx="10375478" cy="5498419"/>
+          </a:xfrm>
+        </p:spPr>
+        <p:txBody>
+          <a:bodyPr>
+            <a:normAutofit fontScale="70000" lnSpcReduction="20000"/>
+          </a:bodyPr>
+          <a:lstStyle/>
+          <a:p>
+            <a:pPr algn="l"/>
+            <a:r>
+              <a:rPr lang="en-US" sz="3600" dirty="0"/>
+              <a:t>What is Data</a:t>
+            </a:r>
+          </a:p>
+          <a:p>
+            <a:pPr algn="l"/>
+            <a:r>
+              <a:rPr lang="en-US" sz="3600" dirty="0"/>
+              <a:t>	</a:t>
+            </a:r>
+            <a:r>
+              <a:rPr lang="en-US" sz="2000" i="1" dirty="0"/>
+              <a:t>“Data refers to facts and statistics collected together for reference or analysis”</a:t>
+            </a:r>
+          </a:p>
+          <a:p>
+            <a:pPr algn="l"/>
+            <a:endParaRPr lang="en-US" sz="3600" dirty="0"/>
+          </a:p>
+          <a:p>
+            <a:pPr algn="l"/>
+            <a:r>
+              <a:rPr lang="en-US" sz="3600" dirty="0"/>
+              <a:t>Categories of Data</a:t>
+            </a:r>
+          </a:p>
+          <a:p>
+            <a:pPr algn="l"/>
+            <a:r>
+              <a:rPr lang="en-US" sz="3600" dirty="0"/>
+              <a:t>	Qualitative Data </a:t>
+            </a:r>
+          </a:p>
+          <a:p>
+            <a:pPr algn="l"/>
+            <a:r>
+              <a:rPr lang="en-US" sz="3600" dirty="0"/>
+              <a:t>		Nominal Data vs. Ordinal Data</a:t>
+            </a:r>
+          </a:p>
+          <a:p>
+            <a:pPr algn="l"/>
+            <a:r>
+              <a:rPr lang="en-US" sz="3600" dirty="0"/>
+              <a:t>	Quantitative Data</a:t>
+            </a:r>
+          </a:p>
+          <a:p>
+            <a:pPr algn="l"/>
+            <a:r>
+              <a:rPr lang="en-US" sz="3600" dirty="0"/>
+              <a:t>		Discrete Data vs. Continuous Data	</a:t>
+            </a:r>
+          </a:p>
+          <a:p>
+            <a:pPr algn="l"/>
+            <a:r>
+              <a:rPr lang="en-US" sz="3600" dirty="0"/>
+              <a:t>What is Statistics</a:t>
+            </a:r>
+          </a:p>
+          <a:p>
+            <a:pPr algn="l"/>
+            <a:r>
+              <a:rPr lang="en-US" sz="3600" dirty="0"/>
+              <a:t>Basic Terminologies in Statistics</a:t>
+            </a:r>
+          </a:p>
+          <a:p>
+            <a:pPr algn="l"/>
+            <a:r>
+              <a:rPr lang="en-US" sz="3600" dirty="0"/>
+              <a:t>	Measure of Central tendency</a:t>
+            </a:r>
+          </a:p>
+          <a:p>
+            <a:pPr algn="l"/>
+            <a:r>
+              <a:rPr lang="en-US" sz="3600" dirty="0"/>
+              <a:t>	Measure of </a:t>
+            </a:r>
+            <a:r>
+              <a:rPr lang="en-US" sz="3600" dirty="0" err="1"/>
+              <a:t>Variablitity</a:t>
+            </a:r>
+            <a:r>
+              <a:rPr lang="en-US" sz="3600" dirty="0"/>
+              <a:t> (spread) </a:t>
+            </a:r>
+          </a:p>
+          <a:p>
+            <a:pPr algn="l"/>
+            <a:r>
+              <a:rPr lang="en-US" sz="3600" dirty="0"/>
+              <a:t>	Maximum, Average, Minimum, </a:t>
+            </a:r>
+          </a:p>
+          <a:p>
+            <a:pPr algn="l"/>
+            <a:endParaRPr lang="en-US" sz="5800" dirty="0"/>
+          </a:p>
+        </p:txBody>
+      </p:sp>
+      <p:sp>
+        <p:nvSpPr>
+          <p:cNvPr id="5" name="TextBox 4"/>
+          <p:cNvSpPr txBox="1"/>
+          <p:nvPr/>
+        </p:nvSpPr>
+        <p:spPr>
+          <a:xfrm>
+            <a:off x="254568" y="147547"/>
+            <a:ext cx="10968760" cy="861774"/>
+          </a:xfrm>
+          <a:prstGeom prst="rect">
+            <a:avLst/>
+          </a:prstGeom>
+          <a:noFill/>
+        </p:spPr>
+        <p:txBody>
+          <a:bodyPr wrap="square" rtlCol="0">
+            <a:spAutoFit/>
+          </a:bodyPr>
+          <a:lstStyle/>
+          <a:p>
+            <a:r>
+              <a:rPr lang="en-US" sz="3200" dirty="0"/>
+              <a:t>Class-2: Statistics &amp; Probability for ML - Intro</a:t>
+            </a:r>
+          </a:p>
+          <a:p>
+            <a:endParaRPr lang="en-US" dirty="0"/>
+          </a:p>
+        </p:txBody>
+      </p:sp>
+    </p:spTree>
+    <p:extLst>
+      <p:ext uri="{BB962C8B-B14F-4D97-AF65-F5344CB8AC3E}">
+        <p14:creationId xmlns:p14="http://schemas.microsoft.com/office/powerpoint/2010/main" val="2516377397"/>
+      </p:ext>
+    </p:extLst>
+  </p:cSld>
+  <p:clrMapOvr>
+    <a:masterClrMapping/>
+  </p:clrMapOvr>
+</p:sld>
+</file>
+
+<file path=ppt/slides/slide15.xml><?xml version="1.0" encoding="utf-8"?>
+<p:sld xmlns:a="http://schemas.openxmlformats.org/drawingml/2006/main" xmlns:r="http://schemas.openxmlformats.org/officeDocument/2006/relationships" xmlns:p="http://schemas.openxmlformats.org/presentationml/2006/main">
+  <p:cSld>
+    <p:spTree>
+      <p:nvGrpSpPr>
+        <p:cNvPr id="1" name=""/>
+        <p:cNvGrpSpPr/>
+        <p:nvPr/>
+      </p:nvGrpSpPr>
+      <p:grpSpPr>
+        <a:xfrm>
+          <a:off x="0" y="0"/>
+          <a:ext cx="0" cy="0"/>
+          <a:chOff x="0" y="0"/>
+          <a:chExt cx="0" cy="0"/>
+        </a:xfrm>
+      </p:grpSpPr>
+      <p:sp>
+        <p:nvSpPr>
+          <p:cNvPr id="3" name="Subtitle 2"/>
+          <p:cNvSpPr>
+            <a:spLocks noGrp="1"/>
+          </p:cNvSpPr>
+          <p:nvPr>
+            <p:ph type="subTitle" idx="1"/>
+          </p:nvPr>
+        </p:nvSpPr>
+        <p:spPr>
+          <a:xfrm>
+            <a:off x="1166948" y="815294"/>
+            <a:ext cx="10375478" cy="5498419"/>
+          </a:xfrm>
+        </p:spPr>
+        <p:txBody>
+          <a:bodyPr>
+            <a:normAutofit/>
+          </a:bodyPr>
+          <a:lstStyle/>
+          <a:p>
+            <a:pPr marL="571500" indent="-571500" algn="l">
+              <a:buFont typeface="Arial" panose="020B0604020202020204" pitchFamily="34" charset="0"/>
+              <a:buChar char="•"/>
+            </a:pPr>
+            <a:r>
+              <a:rPr lang="en-US" sz="3600" dirty="0"/>
+              <a:t>Basic Terminologies in Statistics</a:t>
+            </a:r>
+          </a:p>
+          <a:p>
+            <a:pPr algn="l"/>
+            <a:r>
+              <a:rPr lang="en-US" sz="3600" dirty="0"/>
+              <a:t>	</a:t>
+            </a:r>
+            <a:r>
+              <a:rPr lang="en-US" sz="3400" dirty="0"/>
+              <a:t>Population vs Sample</a:t>
+            </a:r>
+            <a:r>
+              <a:rPr lang="en-US" sz="3600" dirty="0"/>
+              <a:t>	</a:t>
+            </a:r>
+          </a:p>
+          <a:p>
+            <a:pPr marL="571500" indent="-571500" algn="l">
+              <a:buFont typeface="Arial" panose="020B0604020202020204" pitchFamily="34" charset="0"/>
+              <a:buChar char="•"/>
+            </a:pPr>
+            <a:r>
+              <a:rPr lang="en-US" sz="3600" dirty="0"/>
+              <a:t>Sampling Techniques </a:t>
+            </a:r>
+          </a:p>
+          <a:p>
+            <a:pPr lvl="2" algn="l"/>
+            <a:r>
+              <a:rPr lang="en-US" sz="3400" dirty="0"/>
+              <a:t>Random Sampling </a:t>
+            </a:r>
+          </a:p>
+          <a:p>
+            <a:pPr lvl="2" algn="l"/>
+            <a:r>
+              <a:rPr lang="en-US" sz="3400" dirty="0"/>
+              <a:t>Systematic Sampling </a:t>
+            </a:r>
+          </a:p>
+          <a:p>
+            <a:pPr lvl="2" algn="l"/>
+            <a:r>
+              <a:rPr lang="en-US" sz="3400" dirty="0"/>
+              <a:t>Stratified Sampling </a:t>
+            </a:r>
+          </a:p>
+          <a:p>
+            <a:pPr algn="l"/>
+            <a:endParaRPr lang="en-US" sz="3600" dirty="0"/>
+          </a:p>
+        </p:txBody>
+      </p:sp>
+      <p:sp>
+        <p:nvSpPr>
+          <p:cNvPr id="5" name="TextBox 4"/>
+          <p:cNvSpPr txBox="1"/>
+          <p:nvPr/>
+        </p:nvSpPr>
+        <p:spPr>
+          <a:xfrm>
+            <a:off x="254568" y="147547"/>
+            <a:ext cx="10968760" cy="861774"/>
+          </a:xfrm>
+          <a:prstGeom prst="rect">
+            <a:avLst/>
+          </a:prstGeom>
+          <a:noFill/>
+        </p:spPr>
+        <p:txBody>
+          <a:bodyPr wrap="square" rtlCol="0">
+            <a:spAutoFit/>
+          </a:bodyPr>
+          <a:lstStyle/>
+          <a:p>
+            <a:r>
+              <a:rPr lang="en-US" sz="3200" dirty="0"/>
+              <a:t>Class-2: Statistics &amp; Probability for ML</a:t>
+            </a:r>
+          </a:p>
+          <a:p>
+            <a:endParaRPr lang="en-US" dirty="0"/>
+          </a:p>
+        </p:txBody>
+      </p:sp>
+    </p:spTree>
+    <p:extLst>
+      <p:ext uri="{BB962C8B-B14F-4D97-AF65-F5344CB8AC3E}">
+        <p14:creationId xmlns:p14="http://schemas.microsoft.com/office/powerpoint/2010/main" val="2089964153"/>
+      </p:ext>
+    </p:extLst>
+  </p:cSld>
+  <p:clrMapOvr>
+    <a:masterClrMapping/>
+  </p:clrMapOvr>
+</p:sld>
+</file>
+
+<file path=ppt/slides/slide16.xml><?xml version="1.0" encoding="utf-8"?>
+<p:sld xmlns:a="http://schemas.openxmlformats.org/drawingml/2006/main" xmlns:r="http://schemas.openxmlformats.org/officeDocument/2006/relationships" xmlns:p="http://schemas.openxmlformats.org/presentationml/2006/main">
+  <p:cSld>
+    <p:spTree>
+      <p:nvGrpSpPr>
+        <p:cNvPr id="1" name=""/>
+        <p:cNvGrpSpPr/>
+        <p:nvPr/>
+      </p:nvGrpSpPr>
+      <p:grpSpPr>
+        <a:xfrm>
+          <a:off x="0" y="0"/>
+          <a:ext cx="0" cy="0"/>
+          <a:chOff x="0" y="0"/>
+          <a:chExt cx="0" cy="0"/>
+        </a:xfrm>
+      </p:grpSpPr>
+      <p:sp>
+        <p:nvSpPr>
+          <p:cNvPr id="3" name="Subtitle 2"/>
+          <p:cNvSpPr>
+            <a:spLocks noGrp="1"/>
+          </p:cNvSpPr>
+          <p:nvPr>
+            <p:ph type="subTitle" idx="1"/>
+          </p:nvPr>
+        </p:nvSpPr>
+        <p:spPr>
+          <a:xfrm>
+            <a:off x="134647" y="935215"/>
+            <a:ext cx="10968760" cy="5498419"/>
+          </a:xfrm>
+        </p:spPr>
+        <p:txBody>
+          <a:bodyPr>
+            <a:normAutofit/>
+          </a:bodyPr>
+          <a:lstStyle/>
+          <a:p>
+            <a:pPr marL="914400" lvl="1" indent="-457200" algn="l">
+              <a:buFont typeface="Arial" panose="020B0604020202020204" pitchFamily="34" charset="0"/>
+              <a:buChar char="•"/>
+            </a:pPr>
+            <a:r>
+              <a:rPr lang="en-US" sz="2800" dirty="0"/>
+              <a:t>Descriptive Statistics</a:t>
+            </a:r>
+          </a:p>
+          <a:p>
+            <a:pPr lvl="1" algn="l">
+              <a:lnSpc>
+                <a:spcPct val="100000"/>
+              </a:lnSpc>
+            </a:pPr>
+            <a:r>
+              <a:rPr lang="en-US" sz="2800" dirty="0"/>
+              <a:t>	Maximum Average Minimum</a:t>
+            </a:r>
+          </a:p>
+          <a:p>
+            <a:pPr marL="914400" lvl="1" indent="-457200" algn="l">
+              <a:lnSpc>
+                <a:spcPct val="100000"/>
+              </a:lnSpc>
+              <a:buFont typeface="Arial" panose="020B0604020202020204" pitchFamily="34" charset="0"/>
+              <a:buChar char="•"/>
+            </a:pPr>
+            <a:r>
+              <a:rPr lang="en-US" sz="2800" dirty="0"/>
+              <a:t>Inferential Statistics</a:t>
+            </a:r>
+          </a:p>
+          <a:p>
+            <a:pPr lvl="1" algn="l">
+              <a:lnSpc>
+                <a:spcPct val="100000"/>
+              </a:lnSpc>
+            </a:pPr>
+            <a:r>
+              <a:rPr lang="en-US" sz="2800" dirty="0"/>
+              <a:t>	Large Medium Small</a:t>
+            </a:r>
+          </a:p>
+        </p:txBody>
+      </p:sp>
+      <p:sp>
+        <p:nvSpPr>
+          <p:cNvPr id="5" name="TextBox 4"/>
+          <p:cNvSpPr txBox="1"/>
+          <p:nvPr/>
+        </p:nvSpPr>
+        <p:spPr>
+          <a:xfrm>
+            <a:off x="254568" y="147547"/>
+            <a:ext cx="10968760" cy="584775"/>
+          </a:xfrm>
+          <a:prstGeom prst="rect">
+            <a:avLst/>
+          </a:prstGeom>
+          <a:noFill/>
+        </p:spPr>
+        <p:txBody>
+          <a:bodyPr wrap="square" rtlCol="0">
+            <a:spAutoFit/>
+          </a:bodyPr>
+          <a:lstStyle/>
+          <a:p>
+            <a:r>
+              <a:rPr lang="en-US" sz="3200" dirty="0"/>
+              <a:t>Class-2: Types of Statistics</a:t>
+            </a:r>
+            <a:endParaRPr lang="en-US" dirty="0"/>
+          </a:p>
+        </p:txBody>
+      </p:sp>
+    </p:spTree>
+    <p:extLst>
+      <p:ext uri="{BB962C8B-B14F-4D97-AF65-F5344CB8AC3E}">
+        <p14:creationId xmlns:p14="http://schemas.microsoft.com/office/powerpoint/2010/main" val="3362844972"/>
+      </p:ext>
+    </p:extLst>
+  </p:cSld>
+  <p:clrMapOvr>
+    <a:masterClrMapping/>
+  </p:clrMapOvr>
+</p:sld>
+</file>
+
+<file path=ppt/slides/slide17.xml><?xml version="1.0" encoding="utf-8"?>
+<p:sld xmlns:a="http://schemas.openxmlformats.org/drawingml/2006/main" xmlns:r="http://schemas.openxmlformats.org/officeDocument/2006/relationships" xmlns:p="http://schemas.openxmlformats.org/presentationml/2006/main">
+  <p:cSld>
+    <p:spTree>
+      <p:nvGrpSpPr>
+        <p:cNvPr id="1" name=""/>
+        <p:cNvGrpSpPr/>
+        <p:nvPr/>
+      </p:nvGrpSpPr>
+      <p:grpSpPr>
+        <a:xfrm>
+          <a:off x="0" y="0"/>
+          <a:ext cx="0" cy="0"/>
+          <a:chOff x="0" y="0"/>
+          <a:chExt cx="0" cy="0"/>
+        </a:xfrm>
+      </p:grpSpPr>
+      <p:sp>
+        <p:nvSpPr>
+          <p:cNvPr id="3" name="Subtitle 2"/>
+          <p:cNvSpPr>
+            <a:spLocks noGrp="1"/>
+          </p:cNvSpPr>
+          <p:nvPr>
+            <p:ph type="subTitle" idx="1"/>
+          </p:nvPr>
+        </p:nvSpPr>
+        <p:spPr>
+          <a:xfrm>
+            <a:off x="134647" y="935215"/>
+            <a:ext cx="10968760" cy="5498419"/>
+          </a:xfrm>
+        </p:spPr>
+        <p:txBody>
+          <a:bodyPr>
+            <a:normAutofit/>
+          </a:bodyPr>
+          <a:lstStyle/>
+          <a:p>
+            <a:pPr marL="914400" lvl="1" indent="-457200" algn="l">
+              <a:lnSpc>
+                <a:spcPct val="100000"/>
+              </a:lnSpc>
+              <a:buFont typeface="Arial" panose="020B0604020202020204" pitchFamily="34" charset="0"/>
+              <a:buChar char="•"/>
+            </a:pPr>
+            <a:r>
+              <a:rPr lang="en-US" sz="2800" dirty="0"/>
+              <a:t>Measure of Center</a:t>
+            </a:r>
+          </a:p>
+          <a:p>
+            <a:pPr marL="1428750" lvl="2" indent="-514350" algn="l">
+              <a:lnSpc>
+                <a:spcPct val="100000"/>
+              </a:lnSpc>
+              <a:buFont typeface="Courier New" panose="02070309020205020404" pitchFamily="49" charset="0"/>
+              <a:buChar char="o"/>
+            </a:pPr>
+            <a:r>
+              <a:rPr lang="en-US" sz="2600" dirty="0"/>
+              <a:t>Mean, </a:t>
+            </a:r>
+          </a:p>
+          <a:p>
+            <a:pPr marL="1428750" lvl="2" indent="-514350" algn="l">
+              <a:lnSpc>
+                <a:spcPct val="100000"/>
+              </a:lnSpc>
+              <a:buFont typeface="Courier New" panose="02070309020205020404" pitchFamily="49" charset="0"/>
+              <a:buChar char="o"/>
+            </a:pPr>
+            <a:r>
+              <a:rPr lang="en-US" sz="2600" dirty="0"/>
+              <a:t>Median,</a:t>
+            </a:r>
+          </a:p>
+          <a:p>
+            <a:pPr marL="1428750" lvl="2" indent="-514350" algn="l">
+              <a:lnSpc>
+                <a:spcPct val="100000"/>
+              </a:lnSpc>
+              <a:buFont typeface="Courier New" panose="02070309020205020404" pitchFamily="49" charset="0"/>
+              <a:buChar char="o"/>
+            </a:pPr>
+            <a:r>
+              <a:rPr lang="en-US" sz="2600" dirty="0"/>
+              <a:t>Mode (most popular one)</a:t>
+            </a:r>
+          </a:p>
+          <a:p>
+            <a:pPr marL="914400" lvl="1" indent="-457200" algn="l">
+              <a:lnSpc>
+                <a:spcPct val="100000"/>
+              </a:lnSpc>
+              <a:buFont typeface="Arial" panose="020B0604020202020204" pitchFamily="34" charset="0"/>
+              <a:buChar char="•"/>
+            </a:pPr>
+            <a:r>
+              <a:rPr lang="en-US" sz="2800" dirty="0"/>
+              <a:t>Measures of Spread (Variability)</a:t>
+            </a:r>
+          </a:p>
+          <a:p>
+            <a:pPr marL="1371600" lvl="2" indent="-457200" algn="l">
+              <a:buFont typeface="Courier New" panose="02070309020205020404" pitchFamily="49" charset="0"/>
+              <a:buChar char="o"/>
+            </a:pPr>
+            <a:r>
+              <a:rPr lang="en-US" sz="2600" dirty="0"/>
+              <a:t>Range = Max(xi) – Min(xi)</a:t>
+            </a:r>
+          </a:p>
+          <a:p>
+            <a:pPr marL="1371600" lvl="2" indent="-457200" algn="l">
+              <a:buFont typeface="Courier New" panose="02070309020205020404" pitchFamily="49" charset="0"/>
+              <a:buChar char="o"/>
+            </a:pPr>
+            <a:r>
+              <a:rPr lang="en-US" sz="2600" dirty="0"/>
+              <a:t>Inter Quartile Range, </a:t>
+            </a:r>
+          </a:p>
+          <a:p>
+            <a:pPr marL="1371600" lvl="2" indent="-457200" algn="l">
+              <a:buFont typeface="Courier New" panose="02070309020205020404" pitchFamily="49" charset="0"/>
+              <a:buChar char="o"/>
+            </a:pPr>
+            <a:r>
+              <a:rPr lang="en-US" sz="2600" dirty="0"/>
+              <a:t>Variance, </a:t>
+            </a:r>
+          </a:p>
+          <a:p>
+            <a:pPr marL="1371600" lvl="2" indent="-457200" algn="l">
+              <a:buFont typeface="Courier New" panose="02070309020205020404" pitchFamily="49" charset="0"/>
+              <a:buChar char="o"/>
+            </a:pPr>
+            <a:r>
+              <a:rPr lang="en-US" sz="2600" dirty="0"/>
+              <a:t>Standard Deviation</a:t>
+            </a:r>
+          </a:p>
+          <a:p>
+            <a:pPr marL="914400" lvl="1" indent="-457200" algn="l">
+              <a:buFont typeface="Arial" panose="020B0604020202020204" pitchFamily="34" charset="0"/>
+              <a:buChar char="•"/>
+            </a:pPr>
+            <a:r>
+              <a:rPr lang="en-US" sz="2800" dirty="0"/>
+              <a:t>Information Gain &amp; Entropy </a:t>
+            </a:r>
+          </a:p>
+          <a:p>
+            <a:pPr marL="914400" lvl="1" indent="-457200" algn="l">
+              <a:buFont typeface="Arial" panose="020B0604020202020204" pitchFamily="34" charset="0"/>
+              <a:buChar char="•"/>
+            </a:pPr>
+            <a:r>
+              <a:rPr lang="en-US" sz="2800" dirty="0"/>
+              <a:t>Confusion Matrix </a:t>
+            </a:r>
+          </a:p>
+        </p:txBody>
+      </p:sp>
+      <p:sp>
+        <p:nvSpPr>
+          <p:cNvPr id="5" name="TextBox 4"/>
+          <p:cNvSpPr txBox="1"/>
+          <p:nvPr/>
+        </p:nvSpPr>
+        <p:spPr>
+          <a:xfrm>
+            <a:off x="254568" y="147547"/>
+            <a:ext cx="10968760" cy="584775"/>
+          </a:xfrm>
+          <a:prstGeom prst="rect">
+            <a:avLst/>
+          </a:prstGeom>
+          <a:noFill/>
+        </p:spPr>
+        <p:txBody>
+          <a:bodyPr wrap="square" rtlCol="0">
+            <a:spAutoFit/>
+          </a:bodyPr>
+          <a:lstStyle/>
+          <a:p>
+            <a:r>
+              <a:rPr lang="en-US" sz="3200" dirty="0"/>
+              <a:t>Class-2: Descriptive Statistics</a:t>
+            </a:r>
+          </a:p>
+        </p:txBody>
+      </p:sp>
+    </p:spTree>
+    <p:extLst>
+      <p:ext uri="{BB962C8B-B14F-4D97-AF65-F5344CB8AC3E}">
+        <p14:creationId xmlns:p14="http://schemas.microsoft.com/office/powerpoint/2010/main" val="1969190807"/>
+      </p:ext>
+    </p:extLst>
+  </p:cSld>
+  <p:clrMapOvr>
+    <a:masterClrMapping/>
+  </p:clrMapOvr>
+</p:sld>
+</file>
+
+<file path=ppt/slides/slide18.xml><?xml version="1.0" encoding="utf-8"?>
+<p:sld xmlns:a="http://schemas.openxmlformats.org/drawingml/2006/main" xmlns:r="http://schemas.openxmlformats.org/officeDocument/2006/relationships" xmlns:p="http://schemas.openxmlformats.org/presentationml/2006/main">
+  <p:cSld>
+    <p:spTree>
+      <p:nvGrpSpPr>
+        <p:cNvPr id="1" name=""/>
+        <p:cNvGrpSpPr/>
+        <p:nvPr/>
+      </p:nvGrpSpPr>
+      <p:grpSpPr>
+        <a:xfrm>
+          <a:off x="0" y="0"/>
+          <a:ext cx="0" cy="0"/>
+          <a:chOff x="0" y="0"/>
+          <a:chExt cx="0" cy="0"/>
+        </a:xfrm>
+      </p:grpSpPr>
+      <p:sp>
+        <p:nvSpPr>
+          <p:cNvPr id="3" name="Subtitle 2"/>
+          <p:cNvSpPr>
+            <a:spLocks noGrp="1"/>
+          </p:cNvSpPr>
+          <p:nvPr>
+            <p:ph type="subTitle" idx="1"/>
+          </p:nvPr>
+        </p:nvSpPr>
+        <p:spPr>
+          <a:xfrm>
+            <a:off x="134647" y="935215"/>
+            <a:ext cx="10968760" cy="5498419"/>
+          </a:xfrm>
+        </p:spPr>
+        <p:txBody>
+          <a:bodyPr>
+            <a:normAutofit/>
+          </a:bodyPr>
+          <a:lstStyle/>
+          <a:p>
+            <a:pPr marL="914400" lvl="1" indent="-457200" algn="l">
+              <a:buFont typeface="Arial" panose="020B0604020202020204" pitchFamily="34" charset="0"/>
+              <a:buChar char="•"/>
+            </a:pPr>
+            <a:r>
+              <a:rPr lang="en-US" sz="2800" dirty="0"/>
+              <a:t>Entropy</a:t>
+            </a:r>
+          </a:p>
+          <a:p>
+            <a:pPr marL="914400" lvl="1" indent="-457200" algn="l">
+              <a:buFont typeface="Arial" panose="020B0604020202020204" pitchFamily="34" charset="0"/>
+              <a:buChar char="•"/>
+            </a:pPr>
+            <a:endParaRPr lang="en-US" sz="2800" dirty="0"/>
+          </a:p>
+          <a:p>
+            <a:pPr marL="914400" lvl="1" indent="-457200" algn="l">
+              <a:buFont typeface="Arial" panose="020B0604020202020204" pitchFamily="34" charset="0"/>
+              <a:buChar char="•"/>
+            </a:pPr>
+            <a:endParaRPr lang="en-US" sz="2800" dirty="0"/>
+          </a:p>
+          <a:p>
+            <a:pPr marL="914400" lvl="1" indent="-457200" algn="l">
+              <a:buFont typeface="Arial" panose="020B0604020202020204" pitchFamily="34" charset="0"/>
+              <a:buChar char="•"/>
+            </a:pPr>
+            <a:endParaRPr lang="en-US" sz="2800" dirty="0"/>
+          </a:p>
+          <a:p>
+            <a:pPr marL="914400" lvl="1" indent="-457200" algn="l">
+              <a:buFont typeface="Arial" panose="020B0604020202020204" pitchFamily="34" charset="0"/>
+              <a:buChar char="•"/>
+            </a:pPr>
+            <a:r>
+              <a:rPr lang="en-US" sz="2800" dirty="0"/>
+              <a:t>Information Gain</a:t>
+            </a:r>
+          </a:p>
+        </p:txBody>
+      </p:sp>
+      <p:sp>
+        <p:nvSpPr>
+          <p:cNvPr id="5" name="TextBox 4"/>
+          <p:cNvSpPr txBox="1"/>
+          <p:nvPr/>
+        </p:nvSpPr>
+        <p:spPr>
+          <a:xfrm>
+            <a:off x="254568" y="147547"/>
+            <a:ext cx="10968760" cy="584775"/>
+          </a:xfrm>
+          <a:prstGeom prst="rect">
+            <a:avLst/>
+          </a:prstGeom>
+          <a:noFill/>
+        </p:spPr>
+        <p:txBody>
+          <a:bodyPr wrap="square" rtlCol="0">
+            <a:spAutoFit/>
+          </a:bodyPr>
+          <a:lstStyle/>
+          <a:p>
+            <a:r>
+              <a:rPr lang="en-US" sz="3200" dirty="0"/>
+              <a:t>Class-2: Information Gain &amp; Entropy </a:t>
+            </a:r>
+          </a:p>
+        </p:txBody>
+      </p:sp>
+      <p:sp>
+        <p:nvSpPr>
+          <p:cNvPr id="4" name="AutoShape 2" descr="Information Entropy Equation"/>
+          <p:cNvSpPr>
+            <a:spLocks noChangeAspect="1" noChangeArrowheads="1"/>
+          </p:cNvSpPr>
+          <p:nvPr/>
+        </p:nvSpPr>
+        <p:spPr bwMode="auto">
+          <a:xfrm>
+            <a:off x="4262879" y="935215"/>
+            <a:ext cx="4371455" cy="4371469"/>
+          </a:xfrm>
+          <a:prstGeom prst="rect">
+            <a:avLst/>
+          </a:prstGeom>
+          <a:noFill/>
+          <a:extLst>
+            <a:ext uri="{909E8E84-426E-40DD-AFC4-6F175D3DCCD1}">
+              <a14:hiddenFill xmlns:a14="http://schemas.microsoft.com/office/drawing/2010/main">
+                <a:solidFill>
+                  <a:srgbClr val="FFFFFF"/>
+                </a:solidFill>
+              </a14:hiddenFill>
+            </a:ext>
+          </a:extLst>
+        </p:spPr>
+        <p:txBody>
+          <a:bodyPr vert="horz" wrap="square" lIns="91440" tIns="45720" rIns="91440" bIns="45720" numCol="1" anchor="t" anchorCtr="0" compatLnSpc="1">
+            <a:prstTxWarp prst="textNoShape">
+              <a:avLst/>
+            </a:prstTxWarp>
+          </a:bodyPr>
+          <a:lstStyle/>
+          <a:p>
+            <a:endParaRPr lang="en-US"/>
+          </a:p>
+        </p:txBody>
+      </p:sp>
+      <p:pic>
+        <p:nvPicPr>
+          <p:cNvPr id="1028" name="Picture 4" descr="Information Entropy Equation"/>
+          <p:cNvPicPr>
+            <a:picLocks noChangeAspect="1" noChangeArrowheads="1"/>
+          </p:cNvPicPr>
+          <p:nvPr/>
+        </p:nvPicPr>
+        <p:blipFill>
+          <a:blip r:embed="rId2">
+            <a:extLst>
+              <a:ext uri="{28A0092B-C50C-407E-A947-70E740481C1C}">
+                <a14:useLocalDpi xmlns:a14="http://schemas.microsoft.com/office/drawing/2010/main" val="0"/>
+              </a:ext>
+            </a:extLst>
+          </a:blip>
+          <a:srcRect/>
+          <a:stretch>
+            <a:fillRect/>
+          </a:stretch>
+        </p:blipFill>
+        <p:spPr bwMode="auto">
+          <a:xfrm>
+            <a:off x="3219795" y="1089542"/>
+            <a:ext cx="2887092" cy="1279340"/>
+          </a:xfrm>
+          <a:prstGeom prst="rect">
+            <a:avLst/>
+          </a:prstGeom>
+          <a:noFill/>
+          <a:extLst>
+            <a:ext uri="{909E8E84-426E-40DD-AFC4-6F175D3DCCD1}">
+              <a14:hiddenFill xmlns:a14="http://schemas.microsoft.com/office/drawing/2010/main">
+                <a:solidFill>
+                  <a:srgbClr val="FFFFFF"/>
+                </a:solidFill>
+              </a14:hiddenFill>
+            </a:ext>
+          </a:extLst>
+        </p:spPr>
+      </p:pic>
+      <p:pic>
+        <p:nvPicPr>
+          <p:cNvPr id="6" name="Picture 5"/>
+          <p:cNvPicPr>
+            <a:picLocks noChangeAspect="1"/>
+          </p:cNvPicPr>
+          <p:nvPr/>
+        </p:nvPicPr>
+        <p:blipFill>
+          <a:blip r:embed="rId3"/>
+          <a:stretch>
+            <a:fillRect/>
+          </a:stretch>
+        </p:blipFill>
+        <p:spPr>
+          <a:xfrm>
+            <a:off x="7562015" y="732322"/>
+            <a:ext cx="2447925" cy="2610931"/>
+          </a:xfrm>
+          <a:prstGeom prst="rect">
+            <a:avLst/>
+          </a:prstGeom>
+        </p:spPr>
+      </p:pic>
+      <p:pic>
+        <p:nvPicPr>
+          <p:cNvPr id="7" name="Picture 6"/>
+          <p:cNvPicPr>
+            <a:picLocks noChangeAspect="1"/>
+          </p:cNvPicPr>
+          <p:nvPr/>
+        </p:nvPicPr>
+        <p:blipFill>
+          <a:blip r:embed="rId4"/>
+          <a:stretch>
+            <a:fillRect/>
+          </a:stretch>
+        </p:blipFill>
+        <p:spPr>
+          <a:xfrm>
+            <a:off x="1047027" y="3207527"/>
+            <a:ext cx="4572000" cy="3429000"/>
+          </a:xfrm>
+          <a:prstGeom prst="rect">
+            <a:avLst/>
+          </a:prstGeom>
+        </p:spPr>
+      </p:pic>
+    </p:spTree>
+    <p:extLst>
+      <p:ext uri="{BB962C8B-B14F-4D97-AF65-F5344CB8AC3E}">
+        <p14:creationId xmlns:p14="http://schemas.microsoft.com/office/powerpoint/2010/main" val="2386337576"/>
+      </p:ext>
+    </p:extLst>
+  </p:cSld>
+  <p:clrMapOvr>
+    <a:masterClrMapping/>
+  </p:clrMapOvr>
+</p:sld>
+</file>
+
+<file path=ppt/slides/slide19.xml><?xml version="1.0" encoding="utf-8"?>
+<p:sld xmlns:a="http://schemas.openxmlformats.org/drawingml/2006/main" xmlns:r="http://schemas.openxmlformats.org/officeDocument/2006/relationships" xmlns:p="http://schemas.openxmlformats.org/presentationml/2006/main">
+  <p:cSld>
+    <p:spTree>
+      <p:nvGrpSpPr>
+        <p:cNvPr id="1" name=""/>
+        <p:cNvGrpSpPr/>
+        <p:nvPr/>
+      </p:nvGrpSpPr>
+      <p:grpSpPr>
+        <a:xfrm>
+          <a:off x="0" y="0"/>
+          <a:ext cx="0" cy="0"/>
+          <a:chOff x="0" y="0"/>
+          <a:chExt cx="0" cy="0"/>
+        </a:xfrm>
+      </p:grpSpPr>
+      <p:sp>
+        <p:nvSpPr>
+          <p:cNvPr id="3" name="Subtitle 2"/>
+          <p:cNvSpPr>
+            <a:spLocks noGrp="1"/>
+          </p:cNvSpPr>
+          <p:nvPr>
+            <p:ph type="subTitle" idx="1"/>
+          </p:nvPr>
+        </p:nvSpPr>
+        <p:spPr>
+          <a:xfrm>
+            <a:off x="134647" y="935215"/>
+            <a:ext cx="10968760" cy="5498419"/>
+          </a:xfrm>
+        </p:spPr>
+        <p:txBody>
+          <a:bodyPr>
+            <a:normAutofit/>
+          </a:bodyPr>
+          <a:lstStyle/>
+          <a:p>
+            <a:pPr marL="914400" lvl="1" indent="-457200" algn="l">
+              <a:buFont typeface="Arial" panose="020B0604020202020204" pitchFamily="34" charset="0"/>
+              <a:buChar char="•"/>
+            </a:pPr>
+            <a:r>
+              <a:rPr lang="en-US" sz="2800" dirty="0"/>
+              <a:t>In class research</a:t>
+            </a:r>
+          </a:p>
+          <a:p>
+            <a:pPr marL="914400" lvl="1" indent="-457200" algn="l">
+              <a:buFont typeface="Arial" panose="020B0604020202020204" pitchFamily="34" charset="0"/>
+              <a:buChar char="•"/>
+            </a:pPr>
+            <a:r>
+              <a:rPr lang="en-US" sz="2800" dirty="0"/>
+              <a:t>Definitions:</a:t>
+            </a:r>
+          </a:p>
+          <a:p>
+            <a:pPr marL="1371600" lvl="2" indent="-457200" algn="l">
+              <a:buFont typeface="Arial" panose="020B0604020202020204" pitchFamily="34" charset="0"/>
+              <a:buChar char="•"/>
+            </a:pPr>
+            <a:r>
+              <a:rPr lang="en-US" sz="2600" dirty="0"/>
+              <a:t>Accuracy</a:t>
+            </a:r>
+          </a:p>
+          <a:p>
+            <a:pPr marL="1371600" lvl="2" indent="-457200" algn="l">
+              <a:buFont typeface="Arial" panose="020B0604020202020204" pitchFamily="34" charset="0"/>
+              <a:buChar char="•"/>
+            </a:pPr>
+            <a:r>
+              <a:rPr lang="en-US" sz="2600" dirty="0"/>
+              <a:t>Precision</a:t>
+            </a:r>
+          </a:p>
+          <a:p>
+            <a:pPr marL="1371600" lvl="2" indent="-457200" algn="l">
+              <a:buFont typeface="Arial" panose="020B0604020202020204" pitchFamily="34" charset="0"/>
+              <a:buChar char="•"/>
+            </a:pPr>
+            <a:r>
+              <a:rPr lang="en-US" sz="2600" dirty="0"/>
+              <a:t>Recall</a:t>
+            </a:r>
+          </a:p>
+          <a:p>
+            <a:pPr marL="1371600" lvl="2" indent="-457200" algn="l">
+              <a:buFont typeface="Arial" panose="020B0604020202020204" pitchFamily="34" charset="0"/>
+              <a:buChar char="•"/>
+            </a:pPr>
+            <a:r>
+              <a:rPr lang="en-US" sz="2600" dirty="0"/>
+              <a:t>False positive</a:t>
+            </a:r>
+          </a:p>
+          <a:p>
+            <a:pPr marL="1371600" lvl="2" indent="-457200" algn="l">
+              <a:buFont typeface="Arial" panose="020B0604020202020204" pitchFamily="34" charset="0"/>
+              <a:buChar char="•"/>
+            </a:pPr>
+            <a:r>
+              <a:rPr lang="en-US" sz="2600" dirty="0"/>
+              <a:t>False negative</a:t>
+            </a:r>
+          </a:p>
+          <a:p>
+            <a:pPr marL="1371600" lvl="2" indent="-457200" algn="l">
+              <a:buFont typeface="Arial" panose="020B0604020202020204" pitchFamily="34" charset="0"/>
+              <a:buChar char="•"/>
+            </a:pPr>
+            <a:r>
+              <a:rPr lang="en-US" sz="2600" dirty="0"/>
+              <a:t>F-measure(F-1)</a:t>
+            </a:r>
+          </a:p>
+          <a:p>
+            <a:pPr marL="1371600" lvl="2" indent="-457200" algn="l">
+              <a:buFont typeface="Arial" panose="020B0604020202020204" pitchFamily="34" charset="0"/>
+              <a:buChar char="•"/>
+            </a:pPr>
+            <a:endParaRPr lang="en-US" sz="2600" dirty="0"/>
+          </a:p>
+        </p:txBody>
+      </p:sp>
+      <p:sp>
+        <p:nvSpPr>
+          <p:cNvPr id="5" name="TextBox 4"/>
+          <p:cNvSpPr txBox="1"/>
+          <p:nvPr/>
+        </p:nvSpPr>
+        <p:spPr>
+          <a:xfrm>
+            <a:off x="254568" y="147547"/>
+            <a:ext cx="10968760" cy="584775"/>
+          </a:xfrm>
+          <a:prstGeom prst="rect">
+            <a:avLst/>
+          </a:prstGeom>
+          <a:noFill/>
+        </p:spPr>
+        <p:txBody>
+          <a:bodyPr wrap="square" rtlCol="0">
+            <a:spAutoFit/>
+          </a:bodyPr>
+          <a:lstStyle/>
+          <a:p>
+            <a:r>
+              <a:rPr lang="en-US" sz="3200" dirty="0"/>
+              <a:t>Class-2: Confusion Matrix  </a:t>
+            </a:r>
+          </a:p>
+        </p:txBody>
+      </p:sp>
+    </p:spTree>
+    <p:extLst>
+      <p:ext uri="{BB962C8B-B14F-4D97-AF65-F5344CB8AC3E}">
+        <p14:creationId xmlns:p14="http://schemas.microsoft.com/office/powerpoint/2010/main" val="2689922509"/>
+      </p:ext>
+    </p:extLst>
+  </p:cSld>
+  <p:clrMapOvr>
+    <a:masterClrMapping/>
+  </p:clrMapOvr>
+</p:sld>
+</file>
+
+<file path=ppt/slides/slide2.xml><?xml version="1.0" encoding="utf-8"?>
+<p:sld xmlns:a="http://schemas.openxmlformats.org/drawingml/2006/main" xmlns:r="http://schemas.openxmlformats.org/officeDocument/2006/relationships" xmlns:p="http://schemas.openxmlformats.org/presentationml/2006/main">
+  <p:cSld>
+    <p:spTree>
+      <p:nvGrpSpPr>
+        <p:cNvPr id="1" name=""/>
+        <p:cNvGrpSpPr/>
+        <p:nvPr/>
+      </p:nvGrpSpPr>
+      <p:grpSpPr>
+        <a:xfrm>
+          <a:off x="0" y="0"/>
+          <a:ext cx="0" cy="0"/>
+          <a:chOff x="0" y="0"/>
+          <a:chExt cx="0" cy="0"/>
+        </a:xfrm>
+      </p:grpSpPr>
+      <p:sp>
+        <p:nvSpPr>
+          <p:cNvPr id="3" name="Subtitle 2"/>
+          <p:cNvSpPr>
+            <a:spLocks noGrp="1"/>
+          </p:cNvSpPr>
+          <p:nvPr>
+            <p:ph type="subTitle" idx="1"/>
+          </p:nvPr>
+        </p:nvSpPr>
+        <p:spPr>
+          <a:xfrm>
+            <a:off x="1802100" y="963680"/>
+            <a:ext cx="8738140" cy="5721844"/>
+          </a:xfrm>
+        </p:spPr>
+        <p:txBody>
+          <a:bodyPr>
+            <a:normAutofit fontScale="40000" lnSpcReduction="20000"/>
+          </a:bodyPr>
+          <a:lstStyle/>
+          <a:p>
+            <a:pPr algn="l"/>
+            <a:r>
+              <a:rPr lang="en-US" sz="6200" b="1" dirty="0"/>
+              <a:t>Top 10 Skills</a:t>
+            </a:r>
+            <a:r>
+              <a:rPr lang="en-US" sz="6200" dirty="0"/>
+              <a:t> (in increasing ranking order)</a:t>
+            </a:r>
+          </a:p>
+          <a:p>
+            <a:pPr algn="l"/>
+            <a:endParaRPr lang="en-US" sz="6200" dirty="0"/>
+          </a:p>
+          <a:p>
+            <a:pPr marL="1600200" lvl="1" indent="-1143000" algn="l">
+              <a:buFont typeface="+mj-lt"/>
+              <a:buAutoNum type="arabicPeriod"/>
+            </a:pPr>
+            <a:r>
+              <a:rPr lang="en-US" sz="5800" dirty="0"/>
+              <a:t>Python</a:t>
+            </a:r>
+          </a:p>
+          <a:p>
+            <a:pPr marL="1600200" lvl="1" indent="-1143000" algn="l">
+              <a:buFont typeface="+mj-lt"/>
+              <a:buAutoNum type="arabicPeriod"/>
+            </a:pPr>
+            <a:r>
+              <a:rPr lang="en-US" sz="5800" dirty="0"/>
+              <a:t>Linear Algebra</a:t>
+            </a:r>
+          </a:p>
+          <a:p>
+            <a:pPr marL="1600200" lvl="1" indent="-1143000" algn="l">
+              <a:buFont typeface="+mj-lt"/>
+              <a:buAutoNum type="arabicPeriod"/>
+            </a:pPr>
+            <a:r>
+              <a:rPr lang="en-US" sz="5800" dirty="0"/>
+              <a:t>Advance Signal Processing </a:t>
+            </a:r>
+          </a:p>
+          <a:p>
+            <a:pPr marL="1600200" lvl="1" indent="-1143000" algn="l">
+              <a:buFont typeface="+mj-lt"/>
+              <a:buAutoNum type="arabicPeriod"/>
+            </a:pPr>
+            <a:r>
+              <a:rPr lang="en-US" sz="5800" dirty="0"/>
+              <a:t>Applied Math &amp; Algorithms</a:t>
+            </a:r>
+          </a:p>
+          <a:p>
+            <a:pPr marL="1600200" lvl="1" indent="-1143000" algn="l">
+              <a:buFont typeface="+mj-lt"/>
+              <a:buAutoNum type="arabicPeriod"/>
+            </a:pPr>
+            <a:r>
+              <a:rPr lang="en-US" sz="5800" dirty="0"/>
+              <a:t>Neural Networks Architectures</a:t>
+            </a:r>
+          </a:p>
+          <a:p>
+            <a:pPr marL="1600200" lvl="1" indent="-1143000" algn="l">
+              <a:buFont typeface="+mj-lt"/>
+              <a:buAutoNum type="arabicPeriod"/>
+            </a:pPr>
+            <a:r>
+              <a:rPr lang="en-US" sz="5800" dirty="0"/>
+              <a:t>NLP</a:t>
+            </a:r>
+          </a:p>
+          <a:p>
+            <a:pPr lvl="1" algn="l"/>
+            <a:r>
+              <a:rPr lang="en-US" sz="5800" dirty="0"/>
+              <a:t>-----------------------</a:t>
+            </a:r>
+          </a:p>
+          <a:p>
+            <a:pPr marL="1600200" lvl="1" indent="-1143000" algn="l">
+              <a:buFont typeface="+mj-lt"/>
+              <a:buAutoNum type="arabicPeriod"/>
+            </a:pPr>
+            <a:r>
+              <a:rPr lang="en-US" sz="5800" dirty="0"/>
+              <a:t>Industry Knowledge</a:t>
+            </a:r>
+          </a:p>
+          <a:p>
+            <a:pPr marL="1600200" lvl="1" indent="-1143000" algn="l">
+              <a:buFont typeface="+mj-lt"/>
+              <a:buAutoNum type="arabicPeriod"/>
+            </a:pPr>
+            <a:r>
+              <a:rPr lang="en-US" sz="5800" dirty="0"/>
+              <a:t>Effective Communication</a:t>
+            </a:r>
+          </a:p>
+          <a:p>
+            <a:pPr marL="1600200" lvl="1" indent="-1143000" algn="l">
+              <a:buFont typeface="+mj-lt"/>
+              <a:buAutoNum type="arabicPeriod"/>
+            </a:pPr>
+            <a:r>
+              <a:rPr lang="en-US" sz="5800" dirty="0"/>
+              <a:t>Rapid Prototyping</a:t>
+            </a:r>
+          </a:p>
+          <a:p>
+            <a:pPr marL="1600200" lvl="1" indent="-1143000" algn="l">
+              <a:buFont typeface="+mj-lt"/>
+              <a:buAutoNum type="arabicPeriod"/>
+            </a:pPr>
+            <a:r>
+              <a:rPr lang="en-US" sz="5800" dirty="0"/>
+              <a:t>Keep It Up/updated</a:t>
+            </a:r>
+          </a:p>
+          <a:p>
+            <a:pPr marL="1600200" lvl="1" indent="-1143000" algn="l">
+              <a:buFont typeface="+mj-lt"/>
+              <a:buAutoNum type="arabicPeriod" startAt="10"/>
+            </a:pPr>
+            <a:endParaRPr lang="en-US" sz="5400" dirty="0"/>
+          </a:p>
+          <a:p>
+            <a:pPr lvl="1" algn="l"/>
+            <a:br>
+              <a:rPr lang="en-US" sz="6200" dirty="0"/>
+            </a:br>
+            <a:endParaRPr lang="en-US" sz="6200" dirty="0"/>
+          </a:p>
+        </p:txBody>
+      </p:sp>
+      <p:sp>
+        <p:nvSpPr>
+          <p:cNvPr id="4" name="TextBox 3"/>
+          <p:cNvSpPr txBox="1"/>
+          <p:nvPr/>
+        </p:nvSpPr>
+        <p:spPr>
+          <a:xfrm>
+            <a:off x="95429" y="101906"/>
+            <a:ext cx="5644109" cy="861774"/>
+          </a:xfrm>
+          <a:prstGeom prst="rect">
+            <a:avLst/>
+          </a:prstGeom>
+          <a:noFill/>
+        </p:spPr>
+        <p:txBody>
+          <a:bodyPr wrap="none" rtlCol="0">
+            <a:spAutoFit/>
+          </a:bodyPr>
+          <a:lstStyle/>
+          <a:p>
+            <a:r>
+              <a:rPr lang="en-US" sz="3200" dirty="0"/>
+              <a:t>Who is a ML Engineer/Scientist? </a:t>
+            </a:r>
+          </a:p>
+          <a:p>
+            <a:endParaRPr lang="en-US" dirty="0"/>
+          </a:p>
+        </p:txBody>
+      </p:sp>
+    </p:spTree>
+    <p:extLst>
+      <p:ext uri="{BB962C8B-B14F-4D97-AF65-F5344CB8AC3E}">
+        <p14:creationId xmlns:p14="http://schemas.microsoft.com/office/powerpoint/2010/main" val="3230676015"/>
+      </p:ext>
+    </p:extLst>
+  </p:cSld>
+  <p:clrMapOvr>
+    <a:masterClrMapping/>
+  </p:clrMapOvr>
+</p:sld>
+</file>
+
+<file path=ppt/slides/slide20.xml><?xml version="1.0" encoding="utf-8"?>
+<p:sld xmlns:a="http://schemas.openxmlformats.org/drawingml/2006/main" xmlns:r="http://schemas.openxmlformats.org/officeDocument/2006/relationships" xmlns:p="http://schemas.openxmlformats.org/presentationml/2006/main">
+  <p:cSld>
+    <p:spTree>
+      <p:nvGrpSpPr>
+        <p:cNvPr id="1" name=""/>
+        <p:cNvGrpSpPr/>
+        <p:nvPr/>
+      </p:nvGrpSpPr>
+      <p:grpSpPr>
+        <a:xfrm>
+          <a:off x="0" y="0"/>
+          <a:ext cx="0" cy="0"/>
+          <a:chOff x="0" y="0"/>
+          <a:chExt cx="0" cy="0"/>
+        </a:xfrm>
+      </p:grpSpPr>
+      <p:sp>
+        <p:nvSpPr>
+          <p:cNvPr id="3" name="Subtitle 2"/>
+          <p:cNvSpPr>
+            <a:spLocks noGrp="1"/>
+          </p:cNvSpPr>
+          <p:nvPr>
+            <p:ph type="subTitle" idx="1"/>
+          </p:nvPr>
+        </p:nvSpPr>
+        <p:spPr>
+          <a:xfrm>
             <a:off x="134647" y="935215"/>
             <a:ext cx="10968760" cy="5498419"/>
           </a:xfrm>
@@ -4410,7 +6516,7 @@
 </p:sld>
 </file>
 
-<file path=ppt/slides/slide14.xml><?xml version="1.0" encoding="utf-8"?>
+<file path=ppt/slides/slide21.xml><?xml version="1.0" encoding="utf-8"?>
 <p:sld xmlns:a="http://schemas.openxmlformats.org/drawingml/2006/main" xmlns:r="http://schemas.openxmlformats.org/officeDocument/2006/relationships" xmlns:p="http://schemas.openxmlformats.org/presentationml/2006/main">
   <p:cSld>
     <p:bg>
@@ -5310,7 +7416,7 @@
 </p:sld>
 </file>
 
-<file path=ppt/slides/slide15.xml><?xml version="1.0" encoding="utf-8"?>
+<file path=ppt/slides/slide22.xml><?xml version="1.0" encoding="utf-8"?>
 <p:sld xmlns:a="http://schemas.openxmlformats.org/drawingml/2006/main" xmlns:r="http://schemas.openxmlformats.org/officeDocument/2006/relationships" xmlns:p="http://schemas.openxmlformats.org/presentationml/2006/main">
   <p:cSld>
     <p:spTree>
@@ -5530,7 +7636,7 @@
 </p:sld>
 </file>
 
-<file path=ppt/slides/slide16.xml><?xml version="1.0" encoding="utf-8"?>
+<file path=ppt/slides/slide23.xml><?xml version="1.0" encoding="utf-8"?>
 <p:sld xmlns:a="http://schemas.openxmlformats.org/drawingml/2006/main" xmlns:r="http://schemas.openxmlformats.org/officeDocument/2006/relationships" xmlns:p="http://schemas.openxmlformats.org/presentationml/2006/main">
   <p:cSld>
     <p:spTree>
@@ -5818,7 +7924,7 @@
 </p:sld>
 </file>
 
-<file path=ppt/slides/slide17.xml><?xml version="1.0" encoding="utf-8"?>
+<file path=ppt/slides/slide24.xml><?xml version="1.0" encoding="utf-8"?>
 <p:sld xmlns:a="http://schemas.openxmlformats.org/drawingml/2006/main" xmlns:r="http://schemas.openxmlformats.org/officeDocument/2006/relationships" xmlns:p="http://schemas.openxmlformats.org/presentationml/2006/main">
   <p:cSld>
     <p:spTree>
@@ -5958,7 +8064,7 @@
 </p:sld>
 </file>
 
-<file path=ppt/slides/slide18.xml><?xml version="1.0" encoding="utf-8"?>
+<file path=ppt/slides/slide25.xml><?xml version="1.0" encoding="utf-8"?>
 <p:sld xmlns:a="http://schemas.openxmlformats.org/drawingml/2006/main" xmlns:r="http://schemas.openxmlformats.org/officeDocument/2006/relationships" xmlns:p="http://schemas.openxmlformats.org/presentationml/2006/main">
   <p:cSld>
     <p:spTree>
@@ -6142,7 +8248,7 @@
 </p:sld>
 </file>
 
-<file path=ppt/slides/slide19.xml><?xml version="1.0" encoding="utf-8"?>
+<file path=ppt/slides/slide26.xml><?xml version="1.0" encoding="utf-8"?>
 <p:sld xmlns:a="http://schemas.openxmlformats.org/drawingml/2006/main" xmlns:r="http://schemas.openxmlformats.org/officeDocument/2006/relationships" xmlns:p="http://schemas.openxmlformats.org/presentationml/2006/main">
   <p:cSld>
     <p:spTree>
@@ -6314,242 +8420,7 @@
 </p:sld>
 </file>
 
-<file path=ppt/slides/slide2.xml><?xml version="1.0" encoding="utf-8"?>
-<p:sld xmlns:a="http://schemas.openxmlformats.org/drawingml/2006/main" xmlns:r="http://schemas.openxmlformats.org/officeDocument/2006/relationships" xmlns:p="http://schemas.openxmlformats.org/presentationml/2006/main">
-  <p:cSld>
-    <p:bg>
-      <p:bgPr>
-        <a:solidFill>
-          <a:schemeClr val="bg1"/>
-        </a:solidFill>
-        <a:effectLst/>
-      </p:bgPr>
-    </p:bg>
-    <p:spTree>
-      <p:nvGrpSpPr>
-        <p:cNvPr id="1" name=""/>
-        <p:cNvGrpSpPr/>
-        <p:nvPr/>
-      </p:nvGrpSpPr>
-      <p:grpSpPr>
-        <a:xfrm>
-          <a:off x="0" y="0"/>
-          <a:ext cx="0" cy="0"/>
-          <a:chOff x="0" y="0"/>
-          <a:chExt cx="0" cy="0"/>
-        </a:xfrm>
-      </p:grpSpPr>
-      <p:sp>
-        <p:nvSpPr>
-          <p:cNvPr id="4" name="TextBox 3"/>
-          <p:cNvSpPr txBox="1"/>
-          <p:nvPr/>
-        </p:nvSpPr>
-        <p:spPr>
-          <a:xfrm>
-            <a:off x="648929" y="629266"/>
-            <a:ext cx="3651467" cy="1676603"/>
-          </a:xfrm>
-          <a:prstGeom prst="rect">
-            <a:avLst/>
-          </a:prstGeom>
-        </p:spPr>
-        <p:txBody>
-          <a:bodyPr vert="horz" lIns="91440" tIns="45720" rIns="91440" bIns="45720" rtlCol="0" anchor="ctr">
-            <a:normAutofit/>
-          </a:bodyPr>
-          <a:lstStyle/>
-          <a:p>
-            <a:pPr>
-              <a:lnSpc>
-                <a:spcPct val="90000"/>
-              </a:lnSpc>
-              <a:spcBef>
-                <a:spcPct val="0"/>
-              </a:spcBef>
-              <a:spcAft>
-                <a:spcPts val="600"/>
-              </a:spcAft>
-            </a:pPr>
-            <a:r>
-              <a:rPr lang="en-US" sz="3700" dirty="0">
-                <a:latin typeface="+mj-lt"/>
-                <a:ea typeface="+mj-ea"/>
-                <a:cs typeface="+mj-cs"/>
-              </a:rPr>
-              <a:t>Class-1: AI vs ML vs Deep Learning</a:t>
-            </a:r>
-          </a:p>
-          <a:p>
-            <a:pPr>
-              <a:lnSpc>
-                <a:spcPct val="90000"/>
-              </a:lnSpc>
-              <a:spcBef>
-                <a:spcPct val="0"/>
-              </a:spcBef>
-              <a:spcAft>
-                <a:spcPts val="600"/>
-              </a:spcAft>
-            </a:pPr>
-            <a:endParaRPr lang="en-US" sz="3700" dirty="0">
-              <a:latin typeface="+mj-lt"/>
-              <a:ea typeface="+mj-ea"/>
-              <a:cs typeface="+mj-cs"/>
-            </a:endParaRPr>
-          </a:p>
-        </p:txBody>
-      </p:sp>
-      <p:sp>
-        <p:nvSpPr>
-          <p:cNvPr id="3" name="Subtitle 2"/>
-          <p:cNvSpPr>
-            <a:spLocks noGrp="1"/>
-          </p:cNvSpPr>
-          <p:nvPr>
-            <p:ph type="subTitle" idx="1"/>
-          </p:nvPr>
-        </p:nvSpPr>
-        <p:spPr>
-          <a:xfrm>
-            <a:off x="648931" y="2438400"/>
-            <a:ext cx="3651466" cy="3785419"/>
-          </a:xfrm>
-        </p:spPr>
-        <p:txBody>
-          <a:bodyPr vert="horz" lIns="91440" tIns="45720" rIns="91440" bIns="45720" rtlCol="0">
-            <a:normAutofit/>
-          </a:bodyPr>
-          <a:lstStyle/>
-          <a:p>
-            <a:pPr algn="l"/>
-            <a:r>
-              <a:rPr lang="en-US" sz="1800" dirty="0"/>
-              <a:t>1950s-1970s - AI</a:t>
-            </a:r>
-          </a:p>
-          <a:p>
-            <a:pPr indent="-228600" algn="l">
-              <a:buFont typeface="Arial" panose="020B0604020202020204" pitchFamily="34" charset="0"/>
-              <a:buChar char="•"/>
-            </a:pPr>
-            <a:r>
-              <a:rPr lang="en-US" sz="1800" dirty="0"/>
-              <a:t>Example of AI</a:t>
-            </a:r>
-          </a:p>
-          <a:p>
-            <a:pPr algn="l"/>
-            <a:endParaRPr lang="en-US" sz="1800" dirty="0"/>
-          </a:p>
-          <a:p>
-            <a:pPr algn="l"/>
-            <a:r>
-              <a:rPr lang="en-US" sz="1800" dirty="0"/>
-              <a:t>1980s – 1990s - ML</a:t>
-            </a:r>
-          </a:p>
-          <a:p>
-            <a:pPr indent="-228600" algn="l">
-              <a:buFont typeface="Arial" panose="020B0604020202020204" pitchFamily="34" charset="0"/>
-              <a:buChar char="•"/>
-            </a:pPr>
-            <a:r>
-              <a:rPr lang="en-US" sz="1800" dirty="0"/>
-              <a:t>Example of ML</a:t>
-            </a:r>
-          </a:p>
-          <a:p>
-            <a:pPr indent="-228600" algn="l">
-              <a:buFont typeface="Arial" panose="020B0604020202020204" pitchFamily="34" charset="0"/>
-              <a:buChar char="•"/>
-            </a:pPr>
-            <a:endParaRPr lang="en-US" sz="1800" dirty="0"/>
-          </a:p>
-          <a:p>
-            <a:pPr algn="l"/>
-            <a:r>
-              <a:rPr lang="en-US" sz="1800" dirty="0"/>
-              <a:t>2000s -2010s – DL - ANN</a:t>
-            </a:r>
-          </a:p>
-          <a:p>
-            <a:pPr indent="-228600" algn="l">
-              <a:buFont typeface="Arial" panose="020B0604020202020204" pitchFamily="34" charset="0"/>
-              <a:buChar char="•"/>
-            </a:pPr>
-            <a:r>
-              <a:rPr lang="en-US" sz="1800" dirty="0"/>
-              <a:t>Artificial/Deep Neural Network </a:t>
-            </a:r>
-          </a:p>
-          <a:p>
-            <a:pPr indent="-228600" algn="l">
-              <a:buFont typeface="Arial" panose="020B0604020202020204" pitchFamily="34" charset="0"/>
-              <a:buChar char="•"/>
-            </a:pPr>
-            <a:r>
-              <a:rPr lang="en-US" sz="1800" dirty="0"/>
-              <a:t>Example of Deep Learning</a:t>
-            </a:r>
-          </a:p>
-          <a:p>
-            <a:pPr algn="l"/>
-            <a:endParaRPr lang="en-US" sz="1800" dirty="0"/>
-          </a:p>
-          <a:p>
-            <a:pPr indent="-228600" algn="l">
-              <a:buFont typeface="Arial" panose="020B0604020202020204" pitchFamily="34" charset="0"/>
-              <a:buChar char="•"/>
-            </a:pPr>
-            <a:endParaRPr lang="en-US" sz="1800" dirty="0"/>
-          </a:p>
-        </p:txBody>
-      </p:sp>
-      <p:pic>
-        <p:nvPicPr>
-          <p:cNvPr id="2" name="Picture 1">
-            <a:extLst>
-              <a:ext uri="{FF2B5EF4-FFF2-40B4-BE49-F238E27FC236}">
-                <a16:creationId xmlns:a16="http://schemas.microsoft.com/office/drawing/2014/main" id="{BA5AF337-9A07-4F1F-B422-F537DB28C43D}"/>
-              </a:ext>
-            </a:extLst>
-          </p:cNvPr>
-          <p:cNvPicPr>
-            <a:picLocks noChangeAspect="1"/>
-          </p:cNvPicPr>
-          <p:nvPr/>
-        </p:nvPicPr>
-        <p:blipFill rotWithShape="1">
-          <a:blip r:embed="rId2"/>
-          <a:srcRect l="3932" r="3557" b="2"/>
-          <a:stretch/>
-        </p:blipFill>
-        <p:spPr>
-          <a:xfrm>
-            <a:off x="4639056" y="10"/>
-            <a:ext cx="7552944" cy="6857990"/>
-          </a:xfrm>
-          <a:prstGeom prst="rect">
-            <a:avLst/>
-          </a:prstGeom>
-          <a:effectLst/>
-        </p:spPr>
-      </p:pic>
-    </p:spTree>
-    <p:extLst>
-      <p:ext uri="{BB962C8B-B14F-4D97-AF65-F5344CB8AC3E}">
-        <p14:creationId xmlns:p14="http://schemas.microsoft.com/office/powerpoint/2010/main" val="2618803147"/>
-      </p:ext>
-    </p:extLst>
-  </p:cSld>
-  <p:clrMapOvr>
-    <a:masterClrMapping/>
-  </p:clrMapOvr>
-</p:sld>
-</file>
-
-<file path=ppt/slides/slide20.xml><?xml version="1.0" encoding="utf-8"?>
+<file path=ppt/slides/slide27.xml><?xml version="1.0" encoding="utf-8"?>
 <p:sld xmlns:a="http://schemas.openxmlformats.org/drawingml/2006/main" xmlns:r="http://schemas.openxmlformats.org/officeDocument/2006/relationships" xmlns:p="http://schemas.openxmlformats.org/presentationml/2006/main">
   <p:cSld>
     <p:spTree>
@@ -7542,7 +9413,7 @@
 </p:sld>
 </file>
 
-<file path=ppt/slides/slide21.xml><?xml version="1.0" encoding="utf-8"?>
+<file path=ppt/slides/slide28.xml><?xml version="1.0" encoding="utf-8"?>
 <p:sld xmlns:a="http://schemas.openxmlformats.org/drawingml/2006/main" xmlns:r="http://schemas.openxmlformats.org/officeDocument/2006/relationships" xmlns:p="http://schemas.openxmlformats.org/presentationml/2006/main">
   <p:cSld>
     <p:spTree>
@@ -7714,7 +9585,7 @@
 </p:sld>
 </file>
 
-<file path=ppt/slides/slide22.xml><?xml version="1.0" encoding="utf-8"?>
+<file path=ppt/slides/slide29.xml><?xml version="1.0" encoding="utf-8"?>
 <p:sld xmlns:a="http://schemas.openxmlformats.org/drawingml/2006/main" xmlns:r="http://schemas.openxmlformats.org/officeDocument/2006/relationships" xmlns:p="http://schemas.openxmlformats.org/presentationml/2006/main">
   <p:cSld>
     <p:spTree>
@@ -8235,7 +10106,538 @@
 </p:sld>
 </file>
 
-<file path=ppt/slides/slide23.xml><?xml version="1.0" encoding="utf-8"?>
+<file path=ppt/slides/slide3.xml><?xml version="1.0" encoding="utf-8"?>
+<p:sld xmlns:a="http://schemas.openxmlformats.org/drawingml/2006/main" xmlns:r="http://schemas.openxmlformats.org/officeDocument/2006/relationships" xmlns:p="http://schemas.openxmlformats.org/presentationml/2006/main">
+  <p:cSld>
+    <p:bg>
+      <p:bgPr>
+        <a:solidFill>
+          <a:schemeClr val="bg1"/>
+        </a:solidFill>
+        <a:effectLst/>
+      </p:bgPr>
+    </p:bg>
+    <p:spTree>
+      <p:nvGrpSpPr>
+        <p:cNvPr id="1" name=""/>
+        <p:cNvGrpSpPr/>
+        <p:nvPr/>
+      </p:nvGrpSpPr>
+      <p:grpSpPr>
+        <a:xfrm>
+          <a:off x="0" y="0"/>
+          <a:ext cx="0" cy="0"/>
+          <a:chOff x="0" y="0"/>
+          <a:chExt cx="0" cy="0"/>
+        </a:xfrm>
+      </p:grpSpPr>
+      <p:sp>
+        <p:nvSpPr>
+          <p:cNvPr id="4" name="TextBox 3"/>
+          <p:cNvSpPr txBox="1"/>
+          <p:nvPr/>
+        </p:nvSpPr>
+        <p:spPr>
+          <a:xfrm>
+            <a:off x="648929" y="629266"/>
+            <a:ext cx="3651467" cy="1676603"/>
+          </a:xfrm>
+          <a:prstGeom prst="rect">
+            <a:avLst/>
+          </a:prstGeom>
+        </p:spPr>
+        <p:txBody>
+          <a:bodyPr vert="horz" lIns="91440" tIns="45720" rIns="91440" bIns="45720" rtlCol="0" anchor="ctr">
+            <a:normAutofit/>
+          </a:bodyPr>
+          <a:lstStyle/>
+          <a:p>
+            <a:pPr>
+              <a:lnSpc>
+                <a:spcPct val="90000"/>
+              </a:lnSpc>
+              <a:spcBef>
+                <a:spcPct val="0"/>
+              </a:spcBef>
+              <a:spcAft>
+                <a:spcPts val="600"/>
+              </a:spcAft>
+            </a:pPr>
+            <a:r>
+              <a:rPr lang="en-US" sz="3700" dirty="0">
+                <a:latin typeface="+mj-lt"/>
+                <a:ea typeface="+mj-ea"/>
+                <a:cs typeface="+mj-cs"/>
+              </a:rPr>
+              <a:t>Class-1: AI vs ML vs Deep Learning</a:t>
+            </a:r>
+          </a:p>
+          <a:p>
+            <a:pPr>
+              <a:lnSpc>
+                <a:spcPct val="90000"/>
+              </a:lnSpc>
+              <a:spcBef>
+                <a:spcPct val="0"/>
+              </a:spcBef>
+              <a:spcAft>
+                <a:spcPts val="600"/>
+              </a:spcAft>
+            </a:pPr>
+            <a:endParaRPr lang="en-US" sz="3700" dirty="0">
+              <a:latin typeface="+mj-lt"/>
+              <a:ea typeface="+mj-ea"/>
+              <a:cs typeface="+mj-cs"/>
+            </a:endParaRPr>
+          </a:p>
+        </p:txBody>
+      </p:sp>
+      <p:sp>
+        <p:nvSpPr>
+          <p:cNvPr id="3" name="Subtitle 2"/>
+          <p:cNvSpPr>
+            <a:spLocks noGrp="1"/>
+          </p:cNvSpPr>
+          <p:nvPr>
+            <p:ph type="subTitle" idx="1"/>
+          </p:nvPr>
+        </p:nvSpPr>
+        <p:spPr>
+          <a:xfrm>
+            <a:off x="648929" y="3731998"/>
+            <a:ext cx="5299383" cy="2714920"/>
+          </a:xfrm>
+        </p:spPr>
+        <p:txBody>
+          <a:bodyPr vert="horz" lIns="91440" tIns="45720" rIns="91440" bIns="45720" rtlCol="0">
+            <a:normAutofit/>
+          </a:bodyPr>
+          <a:lstStyle/>
+          <a:p>
+            <a:pPr algn="l"/>
+            <a:r>
+              <a:rPr lang="en-US" sz="1800" dirty="0"/>
+              <a:t>1950s-1970s - AI</a:t>
+            </a:r>
+          </a:p>
+          <a:p>
+            <a:pPr indent="-228600" algn="l">
+              <a:buFont typeface="Arial" panose="020B0604020202020204" pitchFamily="34" charset="0"/>
+              <a:buChar char="•"/>
+            </a:pPr>
+            <a:r>
+              <a:rPr lang="en-US" sz="1800" dirty="0"/>
+              <a:t>Example of AI</a:t>
+            </a:r>
+          </a:p>
+          <a:p>
+            <a:pPr algn="l"/>
+            <a:r>
+              <a:rPr lang="en-US" sz="1800" dirty="0"/>
+              <a:t>1980s – 1990s - ML</a:t>
+            </a:r>
+          </a:p>
+          <a:p>
+            <a:pPr indent="-228600" algn="l">
+              <a:buFont typeface="Arial" panose="020B0604020202020204" pitchFamily="34" charset="0"/>
+              <a:buChar char="•"/>
+            </a:pPr>
+            <a:r>
+              <a:rPr lang="en-US" sz="1800" dirty="0"/>
+              <a:t>Example of ML (“Expert” System)</a:t>
+            </a:r>
+          </a:p>
+          <a:p>
+            <a:pPr algn="l"/>
+            <a:r>
+              <a:rPr lang="en-US" sz="1800" dirty="0"/>
+              <a:t>2000s -2010s – DL - ANN</a:t>
+            </a:r>
+          </a:p>
+          <a:p>
+            <a:pPr indent="-228600" algn="l">
+              <a:buFont typeface="Arial" panose="020B0604020202020204" pitchFamily="34" charset="0"/>
+              <a:buChar char="•"/>
+            </a:pPr>
+            <a:r>
+              <a:rPr lang="en-US" sz="1800" dirty="0"/>
+              <a:t>Artificial/Deep Neural Network </a:t>
+            </a:r>
+          </a:p>
+          <a:p>
+            <a:pPr indent="-228600" algn="l">
+              <a:buFont typeface="Arial" panose="020B0604020202020204" pitchFamily="34" charset="0"/>
+              <a:buChar char="•"/>
+            </a:pPr>
+            <a:r>
+              <a:rPr lang="en-US" sz="1800" dirty="0"/>
+              <a:t>Example of Deep Learning</a:t>
+            </a:r>
+          </a:p>
+          <a:p>
+            <a:pPr algn="l"/>
+            <a:endParaRPr lang="en-US" sz="1800" dirty="0"/>
+          </a:p>
+          <a:p>
+            <a:pPr indent="-228600" algn="l">
+              <a:buFont typeface="Arial" panose="020B0604020202020204" pitchFamily="34" charset="0"/>
+              <a:buChar char="•"/>
+            </a:pPr>
+            <a:endParaRPr lang="en-US" sz="1800" dirty="0"/>
+          </a:p>
+        </p:txBody>
+      </p:sp>
+      <p:pic>
+        <p:nvPicPr>
+          <p:cNvPr id="2" name="Picture 1">
+            <a:extLst>
+              <a:ext uri="{FF2B5EF4-FFF2-40B4-BE49-F238E27FC236}">
+                <a16:creationId xmlns:a16="http://schemas.microsoft.com/office/drawing/2014/main" id="{BA5AF337-9A07-4F1F-B422-F537DB28C43D}"/>
+              </a:ext>
+            </a:extLst>
+          </p:cNvPr>
+          <p:cNvPicPr>
+            <a:picLocks noChangeAspect="1"/>
+          </p:cNvPicPr>
+          <p:nvPr/>
+        </p:nvPicPr>
+        <p:blipFill rotWithShape="1">
+          <a:blip r:embed="rId3"/>
+          <a:srcRect l="3932" r="3557" b="2"/>
+          <a:stretch/>
+        </p:blipFill>
+        <p:spPr>
+          <a:xfrm>
+            <a:off x="6237551" y="793940"/>
+            <a:ext cx="5892776" cy="5429416"/>
+          </a:xfrm>
+          <a:prstGeom prst="rect">
+            <a:avLst/>
+          </a:prstGeom>
+          <a:effectLst/>
+        </p:spPr>
+      </p:pic>
+      <p:sp>
+        <p:nvSpPr>
+          <p:cNvPr id="5" name="Subtitle 2">
+            <a:extLst>
+              <a:ext uri="{FF2B5EF4-FFF2-40B4-BE49-F238E27FC236}">
+                <a16:creationId xmlns:a16="http://schemas.microsoft.com/office/drawing/2014/main" id="{D9929E9D-FEC5-4EAC-9822-EC63839F7969}"/>
+              </a:ext>
+            </a:extLst>
+          </p:cNvPr>
+          <p:cNvSpPr txBox="1">
+            <a:spLocks/>
+          </p:cNvSpPr>
+          <p:nvPr/>
+        </p:nvSpPr>
+        <p:spPr>
+          <a:xfrm>
+            <a:off x="693271" y="1999128"/>
+            <a:ext cx="5110705" cy="1866539"/>
+          </a:xfrm>
+          <a:prstGeom prst="rect">
+            <a:avLst/>
+          </a:prstGeom>
+        </p:spPr>
+        <p:txBody>
+          <a:bodyPr vert="horz" lIns="91440" tIns="45720" rIns="91440" bIns="45720" rtlCol="0">
+            <a:normAutofit/>
+          </a:bodyPr>
+          <a:lstStyle>
+            <a:lvl1pPr marL="0" indent="0" algn="ctr" defTabSz="914400" rtl="0" eaLnBrk="1" latinLnBrk="0" hangingPunct="1">
+              <a:lnSpc>
+                <a:spcPct val="90000"/>
+              </a:lnSpc>
+              <a:spcBef>
+                <a:spcPts val="1000"/>
+              </a:spcBef>
+              <a:buFont typeface="Arial" panose="020B0604020202020204" pitchFamily="34" charset="0"/>
+              <a:buNone/>
+              <a:defRPr sz="2400" kern="1200">
+                <a:solidFill>
+                  <a:schemeClr val="tx1"/>
+                </a:solidFill>
+                <a:latin typeface="+mn-lt"/>
+                <a:ea typeface="+mn-ea"/>
+                <a:cs typeface="+mn-cs"/>
+              </a:defRPr>
+            </a:lvl1pPr>
+            <a:lvl2pPr marL="457200" indent="0" algn="ctr" defTabSz="914400" rtl="0" eaLnBrk="1" latinLnBrk="0" hangingPunct="1">
+              <a:lnSpc>
+                <a:spcPct val="90000"/>
+              </a:lnSpc>
+              <a:spcBef>
+                <a:spcPts val="500"/>
+              </a:spcBef>
+              <a:buFont typeface="Arial" panose="020B0604020202020204" pitchFamily="34" charset="0"/>
+              <a:buNone/>
+              <a:defRPr sz="2000" kern="1200">
+                <a:solidFill>
+                  <a:schemeClr val="tx1"/>
+                </a:solidFill>
+                <a:latin typeface="+mn-lt"/>
+                <a:ea typeface="+mn-ea"/>
+                <a:cs typeface="+mn-cs"/>
+              </a:defRPr>
+            </a:lvl2pPr>
+            <a:lvl3pPr marL="914400" indent="0" algn="ctr" defTabSz="914400" rtl="0" eaLnBrk="1" latinLnBrk="0" hangingPunct="1">
+              <a:lnSpc>
+                <a:spcPct val="90000"/>
+              </a:lnSpc>
+              <a:spcBef>
+                <a:spcPts val="500"/>
+              </a:spcBef>
+              <a:buFont typeface="Arial" panose="020B0604020202020204" pitchFamily="34" charset="0"/>
+              <a:buNone/>
+              <a:defRPr sz="1800" kern="1200">
+                <a:solidFill>
+                  <a:schemeClr val="tx1"/>
+                </a:solidFill>
+                <a:latin typeface="+mn-lt"/>
+                <a:ea typeface="+mn-ea"/>
+                <a:cs typeface="+mn-cs"/>
+              </a:defRPr>
+            </a:lvl3pPr>
+            <a:lvl4pPr marL="1371600" indent="0" algn="ctr" defTabSz="914400" rtl="0" eaLnBrk="1" latinLnBrk="0" hangingPunct="1">
+              <a:lnSpc>
+                <a:spcPct val="90000"/>
+              </a:lnSpc>
+              <a:spcBef>
+                <a:spcPts val="500"/>
+              </a:spcBef>
+              <a:buFont typeface="Arial" panose="020B0604020202020204" pitchFamily="34" charset="0"/>
+              <a:buNone/>
+              <a:defRPr sz="1600" kern="1200">
+                <a:solidFill>
+                  <a:schemeClr val="tx1"/>
+                </a:solidFill>
+                <a:latin typeface="+mn-lt"/>
+                <a:ea typeface="+mn-ea"/>
+                <a:cs typeface="+mn-cs"/>
+              </a:defRPr>
+            </a:lvl4pPr>
+            <a:lvl5pPr marL="1828800" indent="0" algn="ctr" defTabSz="914400" rtl="0" eaLnBrk="1" latinLnBrk="0" hangingPunct="1">
+              <a:lnSpc>
+                <a:spcPct val="90000"/>
+              </a:lnSpc>
+              <a:spcBef>
+                <a:spcPts val="500"/>
+              </a:spcBef>
+              <a:buFont typeface="Arial" panose="020B0604020202020204" pitchFamily="34" charset="0"/>
+              <a:buNone/>
+              <a:defRPr sz="1600" kern="1200">
+                <a:solidFill>
+                  <a:schemeClr val="tx1"/>
+                </a:solidFill>
+                <a:latin typeface="+mn-lt"/>
+                <a:ea typeface="+mn-ea"/>
+                <a:cs typeface="+mn-cs"/>
+              </a:defRPr>
+            </a:lvl5pPr>
+            <a:lvl6pPr marL="2286000" indent="0" algn="ctr" defTabSz="914400" rtl="0" eaLnBrk="1" latinLnBrk="0" hangingPunct="1">
+              <a:lnSpc>
+                <a:spcPct val="90000"/>
+              </a:lnSpc>
+              <a:spcBef>
+                <a:spcPts val="500"/>
+              </a:spcBef>
+              <a:buFont typeface="Arial" panose="020B0604020202020204" pitchFamily="34" charset="0"/>
+              <a:buNone/>
+              <a:defRPr sz="1600" kern="1200">
+                <a:solidFill>
+                  <a:schemeClr val="tx1"/>
+                </a:solidFill>
+                <a:latin typeface="+mn-lt"/>
+                <a:ea typeface="+mn-ea"/>
+                <a:cs typeface="+mn-cs"/>
+              </a:defRPr>
+            </a:lvl6pPr>
+            <a:lvl7pPr marL="2743200" indent="0" algn="ctr" defTabSz="914400" rtl="0" eaLnBrk="1" latinLnBrk="0" hangingPunct="1">
+              <a:lnSpc>
+                <a:spcPct val="90000"/>
+              </a:lnSpc>
+              <a:spcBef>
+                <a:spcPts val="500"/>
+              </a:spcBef>
+              <a:buFont typeface="Arial" panose="020B0604020202020204" pitchFamily="34" charset="0"/>
+              <a:buNone/>
+              <a:defRPr sz="1600" kern="1200">
+                <a:solidFill>
+                  <a:schemeClr val="tx1"/>
+                </a:solidFill>
+                <a:latin typeface="+mn-lt"/>
+                <a:ea typeface="+mn-ea"/>
+                <a:cs typeface="+mn-cs"/>
+              </a:defRPr>
+            </a:lvl7pPr>
+            <a:lvl8pPr marL="3200400" indent="0" algn="ctr" defTabSz="914400" rtl="0" eaLnBrk="1" latinLnBrk="0" hangingPunct="1">
+              <a:lnSpc>
+                <a:spcPct val="90000"/>
+              </a:lnSpc>
+              <a:spcBef>
+                <a:spcPts val="500"/>
+              </a:spcBef>
+              <a:buFont typeface="Arial" panose="020B0604020202020204" pitchFamily="34" charset="0"/>
+              <a:buNone/>
+              <a:defRPr sz="1600" kern="1200">
+                <a:solidFill>
+                  <a:schemeClr val="tx1"/>
+                </a:solidFill>
+                <a:latin typeface="+mn-lt"/>
+                <a:ea typeface="+mn-ea"/>
+                <a:cs typeface="+mn-cs"/>
+              </a:defRPr>
+            </a:lvl8pPr>
+            <a:lvl9pPr marL="3657600" indent="0" algn="ctr" defTabSz="914400" rtl="0" eaLnBrk="1" latinLnBrk="0" hangingPunct="1">
+              <a:lnSpc>
+                <a:spcPct val="90000"/>
+              </a:lnSpc>
+              <a:spcBef>
+                <a:spcPts val="500"/>
+              </a:spcBef>
+              <a:buFont typeface="Arial" panose="020B0604020202020204" pitchFamily="34" charset="0"/>
+              <a:buNone/>
+              <a:defRPr sz="1600" kern="1200">
+                <a:solidFill>
+                  <a:schemeClr val="tx1"/>
+                </a:solidFill>
+                <a:latin typeface="+mn-lt"/>
+                <a:ea typeface="+mn-ea"/>
+                <a:cs typeface="+mn-cs"/>
+              </a:defRPr>
+            </a:lvl9pPr>
+          </a:lstStyle>
+          <a:p>
+            <a:pPr algn="l"/>
+            <a:r>
+              <a:rPr lang="en-US" sz="1800" dirty="0"/>
+              <a:t>WHAT IS AI?</a:t>
+            </a:r>
+          </a:p>
+          <a:p>
+            <a:pPr algn="l"/>
+            <a:r>
+              <a:rPr lang="en-US" sz="1800" dirty="0"/>
+              <a:t>“</a:t>
+            </a:r>
+            <a:r>
+              <a:rPr lang="en-US" sz="1800" b="1" dirty="0"/>
+              <a:t>Algorithms</a:t>
+            </a:r>
+            <a:r>
+              <a:rPr lang="en-US" sz="1800" dirty="0"/>
+              <a:t> enabled by </a:t>
+            </a:r>
+            <a:r>
+              <a:rPr lang="en-US" sz="1800" b="1" dirty="0"/>
+              <a:t>constraints</a:t>
+            </a:r>
+            <a:r>
+              <a:rPr lang="en-US" sz="1800" dirty="0"/>
+              <a:t> &amp; exposed by </a:t>
+            </a:r>
+            <a:r>
+              <a:rPr lang="en-US" sz="1800" b="1" dirty="0"/>
+              <a:t>representations</a:t>
+            </a:r>
+            <a:r>
+              <a:rPr lang="en-US" sz="1800" dirty="0"/>
+              <a:t> that support models targeted at </a:t>
+            </a:r>
+            <a:r>
+              <a:rPr lang="en-US" sz="1800" b="1" dirty="0"/>
+              <a:t>thinking</a:t>
+            </a:r>
+            <a:r>
+              <a:rPr lang="en-US" sz="1800" dirty="0"/>
+              <a:t>, </a:t>
+            </a:r>
+            <a:r>
+              <a:rPr lang="en-US" sz="1800" b="1" dirty="0"/>
+              <a:t>perception</a:t>
+            </a:r>
+            <a:r>
+              <a:rPr lang="en-US" sz="1800" dirty="0"/>
+              <a:t> and </a:t>
+            </a:r>
+            <a:r>
+              <a:rPr lang="en-US" sz="1800" b="1" dirty="0"/>
+              <a:t>action</a:t>
+            </a:r>
+            <a:r>
+              <a:rPr lang="en-US" sz="1800" dirty="0"/>
+              <a:t>.” 	</a:t>
+            </a:r>
+          </a:p>
+          <a:p>
+            <a:pPr algn="r"/>
+            <a:r>
+              <a:rPr lang="en-US" sz="1800" dirty="0"/>
+              <a:t>MIT Prof. Patrick Winston</a:t>
+            </a:r>
+          </a:p>
+          <a:p>
+            <a:pPr indent="-228600" algn="l">
+              <a:buFont typeface="Arial" panose="020B0604020202020204" pitchFamily="34" charset="0"/>
+              <a:buChar char="•"/>
+            </a:pPr>
+            <a:endParaRPr lang="en-US" sz="1800" dirty="0"/>
+          </a:p>
+        </p:txBody>
+      </p:sp>
+      <p:cxnSp>
+        <p:nvCxnSpPr>
+          <p:cNvPr id="6" name="Straight Connector 5">
+            <a:extLst>
+              <a:ext uri="{FF2B5EF4-FFF2-40B4-BE49-F238E27FC236}">
+                <a16:creationId xmlns:a16="http://schemas.microsoft.com/office/drawing/2014/main" id="{54114226-73D0-4FF0-956C-B62212123485}"/>
+              </a:ext>
+            </a:extLst>
+          </p:cNvPr>
+          <p:cNvCxnSpPr>
+            <a:cxnSpLocks/>
+          </p:cNvCxnSpPr>
+          <p:nvPr/>
+        </p:nvCxnSpPr>
+        <p:spPr>
+          <a:xfrm>
+            <a:off x="5532472" y="4550418"/>
+            <a:ext cx="359570" cy="287481"/>
+          </a:xfrm>
+          <a:prstGeom prst="line">
+            <a:avLst/>
+          </a:prstGeom>
+        </p:spPr>
+        <p:style>
+          <a:lnRef idx="1">
+            <a:schemeClr val="accent1"/>
+          </a:lnRef>
+          <a:fillRef idx="0">
+            <a:schemeClr val="accent1"/>
+          </a:fillRef>
+          <a:effectRef idx="0">
+            <a:schemeClr val="accent1"/>
+          </a:effectRef>
+          <a:fontRef idx="minor">
+            <a:schemeClr val="tx1"/>
+          </a:fontRef>
+        </p:style>
+      </p:cxnSp>
+    </p:spTree>
+    <p:extLst>
+      <p:ext uri="{BB962C8B-B14F-4D97-AF65-F5344CB8AC3E}">
+        <p14:creationId xmlns:p14="http://schemas.microsoft.com/office/powerpoint/2010/main" val="2618803147"/>
+      </p:ext>
+    </p:extLst>
+  </p:cSld>
+  <p:clrMapOvr>
+    <a:masterClrMapping/>
+  </p:clrMapOvr>
+</p:sld>
+</file>
+
+<file path=ppt/slides/slide30.xml><?xml version="1.0" encoding="utf-8"?>
 <p:sld xmlns:a="http://schemas.openxmlformats.org/drawingml/2006/main" xmlns:r="http://schemas.openxmlformats.org/officeDocument/2006/relationships" xmlns:p="http://schemas.openxmlformats.org/presentationml/2006/main">
   <p:cSld>
     <p:spTree>
@@ -8641,7 +11043,7 @@
 </p:sld>
 </file>
 
-<file path=ppt/slides/slide24.xml><?xml version="1.0" encoding="utf-8"?>
+<file path=ppt/slides/slide31.xml><?xml version="1.0" encoding="utf-8"?>
 <p:sld xmlns:a="http://schemas.openxmlformats.org/drawingml/2006/main" xmlns:r="http://schemas.openxmlformats.org/officeDocument/2006/relationships" xmlns:p="http://schemas.openxmlformats.org/presentationml/2006/main">
   <p:cSld>
     <p:spTree>
@@ -8792,7 +11194,7 @@
 </p:sld>
 </file>
 
-<file path=ppt/slides/slide25.xml><?xml version="1.0" encoding="utf-8"?>
+<file path=ppt/slides/slide32.xml><?xml version="1.0" encoding="utf-8"?>
 <p:sld xmlns:a="http://schemas.openxmlformats.org/drawingml/2006/main" xmlns:r="http://schemas.openxmlformats.org/officeDocument/2006/relationships" xmlns:p="http://schemas.openxmlformats.org/presentationml/2006/main">
   <p:cSld>
     <p:spTree>
@@ -8836,8 +11238,8 @@
               <a:buChar char="•"/>
             </a:pPr>
             <a:r>
-              <a:rPr lang="en-US" sz="3200" dirty="0"/>
-              <a:t>What is Classification? </a:t>
+              <a:rPr lang="en-US" sz="3300" dirty="0"/>
+              <a:t>Explain</a:t>
             </a:r>
           </a:p>
           <a:p>
@@ -8846,53 +11248,10 @@
               <a:buChar char="•"/>
             </a:pPr>
             <a:r>
-              <a:rPr lang="en-US" sz="3200" dirty="0"/>
-              <a:t>Types of Classification </a:t>
-            </a:r>
-          </a:p>
-          <a:p>
-            <a:pPr marL="457200" indent="-457200" algn="l">
-              <a:buFont typeface="Arial" panose="020B0604020202020204" pitchFamily="34" charset="0"/>
-              <a:buChar char="•"/>
-            </a:pPr>
-            <a:r>
-              <a:rPr lang="en-US" sz="3200" dirty="0"/>
-              <a:t>Decision Tree </a:t>
-            </a:r>
-          </a:p>
-          <a:p>
-            <a:pPr marL="457200" indent="-457200" algn="l">
-              <a:buFont typeface="Arial" panose="020B0604020202020204" pitchFamily="34" charset="0"/>
-              <a:buChar char="•"/>
-            </a:pPr>
-            <a:r>
-              <a:rPr lang="en-US" sz="3200" dirty="0"/>
-              <a:t>Decision Tree Terminologies </a:t>
-            </a:r>
-          </a:p>
-          <a:p>
-            <a:pPr marL="457200" indent="-457200" algn="l">
-              <a:buFont typeface="Arial" panose="020B0604020202020204" pitchFamily="34" charset="0"/>
-              <a:buChar char="•"/>
-            </a:pPr>
-            <a:r>
-              <a:rPr lang="en-US" sz="3200" dirty="0"/>
-              <a:t>Entropy </a:t>
-            </a:r>
-          </a:p>
-          <a:p>
-            <a:pPr marL="457200" indent="-457200" algn="l">
-              <a:buFont typeface="Arial" panose="020B0604020202020204" pitchFamily="34" charset="0"/>
-              <a:buChar char="•"/>
-            </a:pPr>
-            <a:r>
-              <a:rPr lang="en-US" sz="3200" dirty="0"/>
-              <a:t>Credit Risk Detection Use-case</a:t>
-            </a:r>
-            <a:r>
-              <a:rPr lang="en-US" sz="3300" dirty="0"/>
-              <a:t> </a:t>
-            </a:r>
+              <a:rPr lang="en-US" sz="3300"/>
+              <a:t>Practice </a:t>
+            </a:r>
+            <a:endParaRPr lang="en-US" sz="3300" dirty="0"/>
           </a:p>
         </p:txBody>
       </p:sp>
@@ -8920,7 +11279,7 @@
           <a:p>
             <a:r>
               <a:rPr lang="en-US" sz="3200" dirty="0"/>
-              <a:t>Class-3: Supervised Learning Algorithms</a:t>
+              <a:t>Class-3: Supervised Learning Algorithms – Random Forest</a:t>
             </a:r>
           </a:p>
         </p:txBody>
@@ -8938,7 +11297,7 @@
 </p:sld>
 </file>
 
-<file path=ppt/slides/slide26.xml><?xml version="1.0" encoding="utf-8"?>
+<file path=ppt/slides/slide33.xml><?xml version="1.0" encoding="utf-8"?>
 <p:sld xmlns:a="http://schemas.openxmlformats.org/drawingml/2006/main" xmlns:r="http://schemas.openxmlformats.org/officeDocument/2006/relationships" xmlns:p="http://schemas.openxmlformats.org/presentationml/2006/main">
   <p:cSld>
     <p:spTree>
@@ -9085,14 +11444,20 @@
       </p:sp>
       <p:sp>
         <p:nvSpPr>
-          <p:cNvPr id="4" name="TextBox 3"/>
+          <p:cNvPr id="5" name="TextBox 4">
+            <a:extLst>
+              <a:ext uri="{FF2B5EF4-FFF2-40B4-BE49-F238E27FC236}">
+                <a16:creationId xmlns:a16="http://schemas.microsoft.com/office/drawing/2014/main" id="{F078F554-9BF3-48C4-9F21-630DF533722F}"/>
+              </a:ext>
+            </a:extLst>
+          </p:cNvPr>
           <p:cNvSpPr txBox="1"/>
           <p:nvPr/>
         </p:nvSpPr>
         <p:spPr>
           <a:xfrm>
-            <a:off x="522514" y="217714"/>
-            <a:ext cx="936154" cy="369332"/>
+            <a:off x="254568" y="147547"/>
+            <a:ext cx="10968760" cy="584775"/>
           </a:xfrm>
           <a:prstGeom prst="rect">
             <a:avLst/>
@@ -9100,14 +11465,14 @@
           <a:noFill/>
         </p:spPr>
         <p:txBody>
-          <a:bodyPr wrap="none" rtlCol="0">
+          <a:bodyPr wrap="square" rtlCol="0">
             <a:spAutoFit/>
           </a:bodyPr>
           <a:lstStyle/>
           <a:p>
             <a:r>
-              <a:rPr lang="en-US" dirty="0"/>
-              <a:t>Content</a:t>
+              <a:rPr lang="en-US" sz="3200" dirty="0"/>
+              <a:t>Class-3: Supervised Learning Algorithms</a:t>
             </a:r>
           </a:p>
         </p:txBody>
@@ -9125,7 +11490,7 @@
 </p:sld>
 </file>
 
-<file path=ppt/slides/slide27.xml><?xml version="1.0" encoding="utf-8"?>
+<file path=ppt/slides/slide34.xml><?xml version="1.0" encoding="utf-8"?>
 <p:sld xmlns:a="http://schemas.openxmlformats.org/drawingml/2006/main" xmlns:r="http://schemas.openxmlformats.org/officeDocument/2006/relationships" xmlns:p="http://schemas.openxmlformats.org/presentationml/2006/main">
   <p:cSld>
     <p:spTree>
@@ -9160,7 +11525,7 @@
         </p:spPr>
         <p:txBody>
           <a:bodyPr>
-            <a:normAutofit fontScale="32500" lnSpcReduction="20000"/>
+            <a:normAutofit fontScale="47500" lnSpcReduction="20000"/>
           </a:bodyPr>
           <a:lstStyle/>
           <a:p>
@@ -9171,37 +11536,37 @@
             </a:r>
           </a:p>
           <a:p>
-            <a:pPr algn="l"/>
-            <a:r>
-              <a:rPr lang="en-US" sz="6200" dirty="0"/>
+            <a:pPr lvl="1" algn="l"/>
+            <a:r>
+              <a:rPr lang="en-US" sz="5800" dirty="0"/>
               <a:t>Types of Clustering </a:t>
             </a:r>
           </a:p>
           <a:p>
-            <a:pPr algn="l"/>
-            <a:r>
-              <a:rPr lang="en-US" sz="6200" dirty="0"/>
+            <a:pPr lvl="1" algn="l"/>
+            <a:r>
+              <a:rPr lang="en-US" sz="5800" dirty="0"/>
               <a:t>K-Means Clustering </a:t>
             </a:r>
           </a:p>
           <a:p>
-            <a:pPr algn="l"/>
-            <a:r>
-              <a:rPr lang="en-US" sz="6200" dirty="0"/>
+            <a:pPr lvl="1" algn="l"/>
+            <a:r>
+              <a:rPr lang="en-US" sz="5800" dirty="0"/>
               <a:t>K-Means Working </a:t>
             </a:r>
           </a:p>
           <a:p>
-            <a:pPr algn="l"/>
-            <a:r>
-              <a:rPr lang="en-US" sz="6200" dirty="0"/>
+            <a:pPr lvl="1" algn="l"/>
+            <a:r>
+              <a:rPr lang="en-US" sz="5800" dirty="0"/>
               <a:t>Pros &amp; Cons of K-Means Clustering </a:t>
             </a:r>
           </a:p>
           <a:p>
-            <a:pPr algn="l"/>
-            <a:r>
-              <a:rPr lang="en-US" sz="6200" dirty="0"/>
+            <a:pPr lvl="1" algn="l"/>
+            <a:r>
+              <a:rPr lang="en-US" sz="5800" dirty="0"/>
               <a:t>K-Means Demo </a:t>
             </a:r>
           </a:p>
@@ -9213,54 +11578,37 @@
             </a:r>
           </a:p>
           <a:p>
+            <a:pPr lvl="1" algn="l"/>
+            <a:r>
+              <a:rPr lang="en-US" sz="5800" dirty="0"/>
+              <a:t>Association Rule Mining </a:t>
+            </a:r>
+          </a:p>
+          <a:p>
+            <a:pPr lvl="1" algn="l"/>
+            <a:r>
+              <a:rPr lang="en-US" sz="5800" dirty="0" err="1"/>
+              <a:t>Apriori</a:t>
+            </a:r>
+            <a:r>
+              <a:rPr lang="en-US" sz="5800" dirty="0"/>
+              <a:t> Algorithm </a:t>
+            </a:r>
+          </a:p>
+          <a:p>
+            <a:pPr lvl="1" algn="l"/>
+            <a:r>
+              <a:rPr lang="en-US" sz="5800" dirty="0" err="1"/>
+              <a:t>Apriori</a:t>
+            </a:r>
+            <a:r>
+              <a:rPr lang="en-US" sz="5800" dirty="0"/>
+              <a:t> Algorithm Demo </a:t>
+            </a:r>
+          </a:p>
+          <a:p>
             <a:pPr algn="l"/>
-            <a:r>
-              <a:rPr lang="en-US" sz="6200" dirty="0"/>
-              <a:t>Association Rule Mining </a:t>
-            </a:r>
-          </a:p>
-          <a:p>
-            <a:pPr algn="l"/>
-            <a:r>
-              <a:rPr lang="en-US" sz="6200" dirty="0" err="1"/>
-              <a:t>Apriori</a:t>
-            </a:r>
-            <a:r>
-              <a:rPr lang="en-US" sz="6200" dirty="0"/>
-              <a:t> Algorithm </a:t>
-            </a:r>
-          </a:p>
-          <a:p>
-            <a:pPr algn="l"/>
-            <a:r>
-              <a:rPr lang="en-US" sz="6200" dirty="0" err="1"/>
-              <a:t>Apriori</a:t>
-            </a:r>
-            <a:r>
-              <a:rPr lang="en-US" sz="6200" dirty="0"/>
-              <a:t> Algorithm Demo </a:t>
-            </a:r>
-          </a:p>
-          <a:p>
-            <a:pPr algn="l"/>
-            <a:r>
-              <a:rPr lang="en-US" sz="6200" dirty="0"/>
-              <a:t>Reinforcement Learning </a:t>
-            </a:r>
-          </a:p>
-          <a:p>
-            <a:pPr algn="l"/>
-            <a:r>
-              <a:rPr lang="en-US" sz="6200" dirty="0"/>
-              <a:t>	Reinforcement Learning: Counter-Strike Example </a:t>
-            </a:r>
-          </a:p>
-          <a:p>
-            <a:pPr algn="l"/>
-            <a:r>
-              <a:rPr lang="en-US" sz="6200" dirty="0"/>
-              <a:t>Markov's Decision Process </a:t>
-            </a:r>
+            <a:endParaRPr lang="en-US" sz="6200" dirty="0"/>
           </a:p>
           <a:p>
             <a:pPr algn="l"/>
@@ -9273,14 +11621,20 @@
       </p:sp>
       <p:sp>
         <p:nvSpPr>
-          <p:cNvPr id="4" name="TextBox 3"/>
+          <p:cNvPr id="5" name="TextBox 4">
+            <a:extLst>
+              <a:ext uri="{FF2B5EF4-FFF2-40B4-BE49-F238E27FC236}">
+                <a16:creationId xmlns:a16="http://schemas.microsoft.com/office/drawing/2014/main" id="{3F9B5E2A-82D8-4F44-B8DD-1CBB90D9EE82}"/>
+              </a:ext>
+            </a:extLst>
+          </p:cNvPr>
           <p:cNvSpPr txBox="1"/>
           <p:nvPr/>
         </p:nvSpPr>
         <p:spPr>
           <a:xfrm>
-            <a:off x="522514" y="217714"/>
-            <a:ext cx="936154" cy="369332"/>
+            <a:off x="254568" y="147547"/>
+            <a:ext cx="10968760" cy="584775"/>
           </a:xfrm>
           <a:prstGeom prst="rect">
             <a:avLst/>
@@ -9288,14 +11642,14 @@
           <a:noFill/>
         </p:spPr>
         <p:txBody>
-          <a:bodyPr wrap="none" rtlCol="0">
+          <a:bodyPr wrap="square" rtlCol="0">
             <a:spAutoFit/>
           </a:bodyPr>
           <a:lstStyle/>
           <a:p>
             <a:r>
-              <a:rPr lang="en-US" dirty="0"/>
-              <a:t>Content</a:t>
+              <a:rPr lang="en-US" sz="3200" dirty="0"/>
+              <a:t>Class-3: Unsupervised Learning Algorithms</a:t>
             </a:r>
           </a:p>
         </p:txBody>
@@ -9313,7 +11667,7 @@
 </p:sld>
 </file>
 
-<file path=ppt/slides/slide28.xml><?xml version="1.0" encoding="utf-8"?>
+<file path=ppt/slides/slide35.xml><?xml version="1.0" encoding="utf-8"?>
 <p:sld xmlns:a="http://schemas.openxmlformats.org/drawingml/2006/main" xmlns:r="http://schemas.openxmlformats.org/officeDocument/2006/relationships" xmlns:p="http://schemas.openxmlformats.org/presentationml/2006/main">
   <p:cSld>
     <p:spTree>
@@ -9348,9 +11702,30 @@
         </p:spPr>
         <p:txBody>
           <a:bodyPr>
-            <a:normAutofit lnSpcReduction="10000"/>
+            <a:normAutofit fontScale="55000" lnSpcReduction="20000"/>
           </a:bodyPr>
           <a:lstStyle/>
+          <a:p>
+            <a:pPr algn="l"/>
+            <a:r>
+              <a:rPr lang="en-US" sz="6200" dirty="0"/>
+              <a:t>Reinforcement Learning </a:t>
+            </a:r>
+          </a:p>
+          <a:p>
+            <a:pPr algn="l"/>
+            <a:r>
+              <a:rPr lang="en-US" sz="6200" dirty="0"/>
+              <a:t>	Reinforcement Learning: Counter-Strike Example </a:t>
+            </a:r>
+          </a:p>
+          <a:p>
+            <a:pPr algn="l"/>
+            <a:r>
+              <a:rPr lang="en-US" sz="6200" dirty="0"/>
+              <a:t>Markov's Decision Process </a:t>
+            </a:r>
+          </a:p>
           <a:p>
             <a:pPr algn="l"/>
             <a:r>
@@ -9385,23 +11760,29 @@
           </a:p>
           <a:p>
             <a:pPr algn="l"/>
-            <a:r>
-              <a:rPr lang="en-US" sz="6200" dirty="0"/>
-              <a:t>Machine Learning Projects </a:t>
-            </a:r>
-          </a:p>
-        </p:txBody>
-      </p:sp>
-      <p:sp>
-        <p:nvSpPr>
-          <p:cNvPr id="4" name="TextBox 3"/>
+            <a:br>
+              <a:rPr lang="en-US" sz="6600" dirty="0"/>
+            </a:br>
+            <a:endParaRPr lang="en-US" sz="6600" dirty="0"/>
+          </a:p>
+        </p:txBody>
+      </p:sp>
+      <p:sp>
+        <p:nvSpPr>
+          <p:cNvPr id="5" name="TextBox 4">
+            <a:extLst>
+              <a:ext uri="{FF2B5EF4-FFF2-40B4-BE49-F238E27FC236}">
+                <a16:creationId xmlns:a16="http://schemas.microsoft.com/office/drawing/2014/main" id="{3F9B5E2A-82D8-4F44-B8DD-1CBB90D9EE82}"/>
+              </a:ext>
+            </a:extLst>
+          </p:cNvPr>
           <p:cNvSpPr txBox="1"/>
           <p:nvPr/>
         </p:nvSpPr>
         <p:spPr>
           <a:xfrm>
-            <a:off x="522514" y="217714"/>
-            <a:ext cx="936154" cy="369332"/>
+            <a:off x="254568" y="147547"/>
+            <a:ext cx="10968760" cy="584775"/>
           </a:xfrm>
           <a:prstGeom prst="rect">
             <a:avLst/>
@@ -9409,14 +11790,14 @@
           <a:noFill/>
         </p:spPr>
         <p:txBody>
-          <a:bodyPr wrap="none" rtlCol="0">
+          <a:bodyPr wrap="square" rtlCol="0">
             <a:spAutoFit/>
           </a:bodyPr>
           <a:lstStyle/>
           <a:p>
             <a:r>
-              <a:rPr lang="en-US" dirty="0"/>
-              <a:t>Content</a:t>
+              <a:rPr lang="en-US" sz="3200" dirty="0"/>
+              <a:t>Class-3: Reinforcement Learning Algorithms</a:t>
             </a:r>
           </a:p>
         </p:txBody>
@@ -9424,7 +11805,7 @@
     </p:spTree>
     <p:extLst>
       <p:ext uri="{BB962C8B-B14F-4D97-AF65-F5344CB8AC3E}">
-        <p14:creationId xmlns:p14="http://schemas.microsoft.com/office/powerpoint/2010/main" val="2764468633"/>
+        <p14:creationId xmlns:p14="http://schemas.microsoft.com/office/powerpoint/2010/main" val="48239294"/>
       </p:ext>
     </p:extLst>
   </p:cSld>
@@ -9434,7 +11815,7 @@
 </p:sld>
 </file>
 
-<file path=ppt/slides/slide29.xml><?xml version="1.0" encoding="utf-8"?>
+<file path=ppt/slides/slide36.xml><?xml version="1.0" encoding="utf-8"?>
 <p:sld xmlns:a="http://schemas.openxmlformats.org/drawingml/2006/main" xmlns:r="http://schemas.openxmlformats.org/officeDocument/2006/relationships" xmlns:p="http://schemas.openxmlformats.org/presentationml/2006/main">
   <p:cSld>
     <p:spTree>
@@ -9469,143 +11850,19 @@
         </p:spPr>
         <p:txBody>
           <a:bodyPr>
-            <a:normAutofit fontScale="32500" lnSpcReduction="20000"/>
+            <a:normAutofit/>
           </a:bodyPr>
           <a:lstStyle/>
           <a:p>
             <a:pPr algn="l"/>
+            <a:endParaRPr lang="en-US" sz="6200" dirty="0"/>
+          </a:p>
+          <a:p>
+            <a:pPr algn="l"/>
             <a:r>
               <a:rPr lang="en-US" sz="6200" dirty="0"/>
-              <a:t>Who is a ML Engineer? </a:t>
-            </a:r>
-          </a:p>
-          <a:p>
-            <a:pPr algn="l"/>
-            <a:r>
-              <a:rPr lang="en-US" sz="6200" dirty="0"/>
-              <a:t>Top 10 Skills (The increase rank)</a:t>
-            </a:r>
-          </a:p>
-          <a:p>
-            <a:pPr marL="1143000" indent="-1143000" algn="l">
-              <a:buFont typeface="+mj-lt"/>
-              <a:buAutoNum type="arabicPeriod"/>
-            </a:pPr>
-            <a:r>
-              <a:rPr lang="en-US" sz="6200" dirty="0"/>
-              <a:t>Python</a:t>
-            </a:r>
-          </a:p>
-          <a:p>
-            <a:pPr marL="1143000" indent="-1143000" algn="l">
-              <a:buFont typeface="+mj-lt"/>
-              <a:buAutoNum type="arabicPeriod"/>
-            </a:pPr>
-            <a:r>
-              <a:rPr lang="en-US" sz="6200" dirty="0"/>
-              <a:t>Linear Algebra</a:t>
-            </a:r>
-          </a:p>
-          <a:p>
-            <a:pPr marL="1143000" indent="-1143000" algn="l">
-              <a:buFont typeface="+mj-lt"/>
-              <a:buAutoNum type="arabicPeriod"/>
-            </a:pPr>
-            <a:r>
-              <a:rPr lang="en-US" sz="6200" dirty="0"/>
-              <a:t>Advance Signal Processing (</a:t>
-            </a:r>
-          </a:p>
-          <a:p>
-            <a:pPr marL="1143000" indent="-1143000" algn="l">
-              <a:buFont typeface="+mj-lt"/>
-              <a:buAutoNum type="arabicPeriod"/>
-            </a:pPr>
-            <a:r>
-              <a:rPr lang="en-US" sz="6200" dirty="0"/>
-              <a:t>Applied Math &amp; Algorithms</a:t>
-            </a:r>
-          </a:p>
-          <a:p>
-            <a:pPr marL="1143000" indent="-1143000" algn="l">
-              <a:buFont typeface="+mj-lt"/>
-              <a:buAutoNum type="arabicPeriod"/>
-            </a:pPr>
-            <a:r>
-              <a:rPr lang="en-US" sz="6200" dirty="0"/>
-              <a:t>Neural Networks Architectures</a:t>
-            </a:r>
-          </a:p>
-          <a:p>
-            <a:pPr marL="1143000" indent="-1143000" algn="l">
-              <a:buFont typeface="+mj-lt"/>
-              <a:buAutoNum type="arabicPeriod"/>
-            </a:pPr>
-            <a:r>
-              <a:rPr lang="en-US" sz="6200" dirty="0"/>
-              <a:t>NLP</a:t>
-            </a:r>
-          </a:p>
-          <a:p>
-            <a:pPr algn="l"/>
-            <a:r>
-              <a:rPr lang="en-US" sz="6200" dirty="0"/>
-              <a:t>-----------------------</a:t>
-            </a:r>
-          </a:p>
-          <a:p>
-            <a:pPr marL="1143000" indent="-1143000" algn="l">
-              <a:buFont typeface="+mj-lt"/>
-              <a:buAutoNum type="arabicPeriod"/>
-            </a:pPr>
-            <a:r>
-              <a:rPr lang="en-US" sz="6200" dirty="0"/>
-              <a:t>Industry Knowledge</a:t>
-            </a:r>
-          </a:p>
-          <a:p>
-            <a:pPr marL="1143000" indent="-1143000" algn="l">
-              <a:buFont typeface="+mj-lt"/>
-              <a:buAutoNum type="arabicPeriod"/>
-            </a:pPr>
-            <a:r>
-              <a:rPr lang="en-US" sz="6200" dirty="0"/>
-              <a:t>Effective Communication</a:t>
-            </a:r>
-          </a:p>
-          <a:p>
-            <a:pPr marL="1143000" indent="-1143000" algn="l">
-              <a:buFont typeface="+mj-lt"/>
-              <a:buAutoNum type="arabicPeriod"/>
-            </a:pPr>
-            <a:r>
-              <a:rPr lang="en-US" sz="6200" dirty="0"/>
-              <a:t>Rapid Prototyping</a:t>
-            </a:r>
-          </a:p>
-          <a:p>
-            <a:pPr marL="1143000" indent="-1143000" algn="l">
-              <a:buFont typeface="+mj-lt"/>
-              <a:buAutoNum type="arabicPeriod"/>
-            </a:pPr>
-            <a:r>
-              <a:rPr lang="en-US" sz="6200" dirty="0"/>
-              <a:t>Keep It Up/updated</a:t>
-            </a:r>
-          </a:p>
-          <a:p>
-            <a:pPr marL="1143000" indent="-1143000" algn="l">
-              <a:buFont typeface="+mj-lt"/>
-              <a:buAutoNum type="arabicPeriod" startAt="10"/>
-            </a:pPr>
-            <a:endParaRPr lang="en-US" sz="5800" dirty="0"/>
-          </a:p>
-          <a:p>
-            <a:pPr algn="l"/>
-            <a:br>
-              <a:rPr lang="en-US" sz="6600" dirty="0"/>
-            </a:br>
-            <a:endParaRPr lang="en-US" sz="6600" dirty="0"/>
+              <a:t>Machine Learning Projects </a:t>
+            </a:r>
           </a:p>
         </p:txBody>
       </p:sp>
@@ -9641,7 +11898,7 @@
     </p:spTree>
     <p:extLst>
       <p:ext uri="{BB962C8B-B14F-4D97-AF65-F5344CB8AC3E}">
-        <p14:creationId xmlns:p14="http://schemas.microsoft.com/office/powerpoint/2010/main" val="3230676015"/>
+        <p14:creationId xmlns:p14="http://schemas.microsoft.com/office/powerpoint/2010/main" val="2764468633"/>
       </p:ext>
     </p:extLst>
   </p:cSld>
@@ -9651,7 +11908,7 @@
 </p:sld>
 </file>
 
-<file path=ppt/slides/slide3.xml><?xml version="1.0" encoding="utf-8"?>
+<file path=ppt/slides/slide37.xml><?xml version="1.0" encoding="utf-8"?>
 <p:sld xmlns:a="http://schemas.openxmlformats.org/drawingml/2006/main" xmlns:r="http://schemas.openxmlformats.org/officeDocument/2006/relationships" xmlns:p="http://schemas.openxmlformats.org/presentationml/2006/main">
   <p:cSld>
     <p:spTree>
@@ -9680,8 +11937,8 @@
         </p:nvSpPr>
         <p:spPr>
           <a:xfrm>
-            <a:off x="641023" y="815294"/>
-            <a:ext cx="11227323" cy="5498419"/>
+            <a:off x="1166948" y="731520"/>
+            <a:ext cx="10059070" cy="5582193"/>
           </a:xfrm>
         </p:spPr>
         <p:txBody>
@@ -9690,87 +11947,64 @@
           </a:bodyPr>
           <a:lstStyle/>
           <a:p>
-            <a:pPr marL="685800" indent="-685800" algn="l">
-              <a:buFont typeface="Arial" panose="020B0604020202020204" pitchFamily="34" charset="0"/>
-              <a:buChar char="•"/>
+            <a:pPr marL="742950" indent="-742950" algn="l">
+              <a:buAutoNum type="arabicPeriod"/>
             </a:pPr>
             <a:r>
-              <a:rPr lang="en-US" sz="4900" dirty="0"/>
-              <a:t>	</a:t>
-            </a:r>
-            <a:r>
-              <a:rPr lang="en-US" sz="4000" dirty="0"/>
-              <a:t>Supervised Learning</a:t>
-            </a:r>
-            <a:r>
-              <a:rPr lang="en-US" sz="4900" dirty="0"/>
-              <a:t>	</a:t>
+              <a:rPr lang="en-US" sz="4300" dirty="0"/>
+              <a:t>Analysis -&gt; Strategy -&gt; Tactics =&gt; MOVE</a:t>
+            </a:r>
+          </a:p>
+          <a:p>
+            <a:pPr marL="742950" indent="-742950" algn="l">
+              <a:buAutoNum type="arabicPeriod"/>
+            </a:pPr>
+            <a:r>
+              <a:rPr lang="en-US" sz="4300" dirty="0"/>
+              <a:t>IF-Then rules</a:t>
+            </a:r>
+          </a:p>
+          <a:p>
+            <a:pPr marL="742950" indent="-742950" algn="l">
+              <a:buAutoNum type="arabicPeriod"/>
+            </a:pPr>
+            <a:r>
+              <a:rPr lang="en-US" sz="4300" dirty="0"/>
+              <a:t>Look ahead &amp; evaluate</a:t>
+            </a:r>
+          </a:p>
+          <a:p>
+            <a:pPr lvl="1" algn="l"/>
+            <a:r>
+              <a:rPr lang="en-US" sz="3900" dirty="0"/>
+              <a:t>Static values = g(f1, f2,…,</a:t>
+            </a:r>
+            <a:r>
+              <a:rPr lang="en-US" sz="3900" dirty="0" err="1"/>
+              <a:t>fn</a:t>
+            </a:r>
+            <a:r>
+              <a:rPr lang="en-US" sz="3900" dirty="0"/>
+              <a:t>)</a:t>
+            </a:r>
+          </a:p>
+          <a:p>
+            <a:pPr lvl="1" algn="l"/>
+            <a:r>
+              <a:rPr lang="en-US" sz="3900" dirty="0"/>
+              <a:t>Where g is linear scorning polynomial</a:t>
             </a:r>
           </a:p>
           <a:p>
             <a:pPr algn="l"/>
             <a:r>
-              <a:rPr lang="en-US" sz="4900" dirty="0"/>
-              <a:t>		</a:t>
-            </a:r>
-            <a:r>
-              <a:rPr lang="en-US" sz="3000" dirty="0"/>
-              <a:t>knowing X and Y, generate a model to classification</a:t>
-            </a:r>
-          </a:p>
-          <a:p>
-            <a:pPr marL="685800" indent="-685800" algn="l">
-              <a:buFont typeface="Arial" panose="020B0604020202020204" pitchFamily="34" charset="0"/>
-              <a:buChar char="•"/>
-            </a:pPr>
-            <a:r>
-              <a:rPr lang="en-US" sz="4900" dirty="0"/>
-              <a:t>	</a:t>
-            </a:r>
-            <a:r>
-              <a:rPr lang="en-US" sz="4000" dirty="0"/>
-              <a:t>Unsupervised Learning</a:t>
-            </a:r>
-          </a:p>
-          <a:p>
-            <a:pPr lvl="2" algn="l"/>
-            <a:r>
-              <a:rPr lang="en-US" sz="3400" dirty="0"/>
-              <a:t>	</a:t>
-            </a:r>
-            <a:r>
-              <a:rPr lang="en-US" sz="3000" dirty="0"/>
-              <a:t>knowing X but Y, generate a model to cluster</a:t>
-            </a:r>
-          </a:p>
-          <a:p>
-            <a:pPr marL="685800" indent="-685800" algn="l">
-              <a:buFont typeface="Arial" panose="020B0604020202020204" pitchFamily="34" charset="0"/>
-              <a:buChar char="•"/>
-            </a:pPr>
-            <a:r>
-              <a:rPr lang="en-US" sz="4900" dirty="0"/>
-              <a:t>	</a:t>
-            </a:r>
-            <a:r>
-              <a:rPr lang="en-US" sz="4000" dirty="0"/>
-              <a:t>Reinforcement Learning</a:t>
-            </a:r>
-          </a:p>
-          <a:p>
-            <a:pPr lvl="1" algn="l"/>
-            <a:r>
-              <a:rPr lang="en-US" sz="3000" dirty="0"/>
-              <a:t>		knowing X but Y, create an environment and learning agent</a:t>
+              <a:rPr lang="en-US" sz="4300" dirty="0"/>
+              <a:t>4. </a:t>
             </a:r>
           </a:p>
           <a:p>
             <a:pPr algn="l"/>
-            <a:endParaRPr lang="en-US" sz="4900" dirty="0"/>
-          </a:p>
-          <a:p>
-            <a:pPr algn="l"/>
-            <a:endParaRPr lang="en-US" sz="4900" dirty="0"/>
+            <a:endParaRPr lang="en-US" sz="6200" dirty="0"/>
           </a:p>
         </p:txBody>
       </p:sp>
@@ -9782,8 +12016,8 @@
         </p:nvSpPr>
         <p:spPr>
           <a:xfrm>
-            <a:off x="522514" y="217714"/>
-            <a:ext cx="7961610" cy="584775"/>
+            <a:off x="97000" y="82622"/>
+            <a:ext cx="7397597" cy="923330"/>
           </a:xfrm>
           <a:prstGeom prst="rect">
             <a:avLst/>
@@ -9797,16 +12031,19 @@
           <a:lstStyle/>
           <a:p>
             <a:r>
-              <a:rPr lang="en-US" sz="3200" dirty="0"/>
-              <a:t>Class-1: Introduction to ML</a:t>
-            </a:r>
+              <a:rPr lang="en-US" sz="3600" dirty="0"/>
+              <a:t>Chess Play : Deep Blue </a:t>
+            </a:r>
+          </a:p>
+          <a:p>
+            <a:endParaRPr lang="en-US" dirty="0"/>
           </a:p>
         </p:txBody>
       </p:sp>
     </p:spTree>
     <p:extLst>
       <p:ext uri="{BB962C8B-B14F-4D97-AF65-F5344CB8AC3E}">
-        <p14:creationId xmlns:p14="http://schemas.microsoft.com/office/powerpoint/2010/main" val="1538160773"/>
+        <p14:creationId xmlns:p14="http://schemas.microsoft.com/office/powerpoint/2010/main" val="1072615474"/>
       </p:ext>
     </p:extLst>
   </p:cSld>
@@ -9816,7 +12053,7 @@
 </p:sld>
 </file>
 
-<file path=ppt/slides/slide30.xml><?xml version="1.0" encoding="utf-8"?>
+<file path=ppt/slides/slide38.xml><?xml version="1.0" encoding="utf-8"?>
 <p:sld xmlns:a="http://schemas.openxmlformats.org/drawingml/2006/main" xmlns:r="http://schemas.openxmlformats.org/officeDocument/2006/relationships" xmlns:p="http://schemas.openxmlformats.org/presentationml/2006/main">
   <p:cSld>
     <p:spTree>
@@ -9977,54 +12214,85 @@
         </p:nvSpPr>
         <p:spPr>
           <a:xfrm>
-            <a:off x="1242362" y="1079488"/>
-            <a:ext cx="9918973" cy="5498419"/>
+            <a:off x="641023" y="815294"/>
+            <a:ext cx="11227323" cy="5498419"/>
           </a:xfrm>
         </p:spPr>
         <p:txBody>
           <a:bodyPr>
-            <a:normAutofit/>
+            <a:normAutofit fontScale="92500" lnSpcReduction="10000"/>
           </a:bodyPr>
           <a:lstStyle/>
           <a:p>
-            <a:pPr marL="857250" indent="-857250" algn="l">
+            <a:pPr algn="l"/>
+            <a:r>
+              <a:rPr lang="en-US" sz="4900" dirty="0"/>
+              <a:t>Is this thing a cheetah?</a:t>
+            </a:r>
+          </a:p>
+          <a:p>
+            <a:pPr algn="l"/>
+            <a:r>
+              <a:rPr lang="en-US" sz="4900" dirty="0"/>
+              <a:t>Rule based “expert” system</a:t>
+            </a:r>
+          </a:p>
+          <a:p>
+            <a:pPr marL="685800" indent="-685800" algn="l">
               <a:buFont typeface="Arial" panose="020B0604020202020204" pitchFamily="34" charset="0"/>
               <a:buChar char="•"/>
             </a:pPr>
             <a:r>
-              <a:rPr lang="en-US" sz="4600" dirty="0"/>
-              <a:t>Anomaly Detection Algorithm</a:t>
-            </a:r>
-          </a:p>
-          <a:p>
-            <a:pPr marL="857250" indent="-857250" algn="l">
+              <a:rPr lang="en-US" sz="3000" dirty="0"/>
+              <a:t>Hair (R1) -&gt; Mammal</a:t>
+            </a:r>
+          </a:p>
+          <a:p>
+            <a:pPr marL="685800" indent="-685800" algn="l">
               <a:buFont typeface="Arial" panose="020B0604020202020204" pitchFamily="34" charset="0"/>
               <a:buChar char="•"/>
             </a:pPr>
             <a:r>
-              <a:rPr lang="en-US" sz="4600" dirty="0"/>
-              <a:t>Clustering Algorithm</a:t>
-            </a:r>
-          </a:p>
-          <a:p>
-            <a:pPr marL="857250" indent="-857250" algn="l">
+              <a:rPr lang="en-US" sz="3000" dirty="0"/>
+              <a:t>Claws, Teeth, forward point eyes (R2) - Animal</a:t>
+            </a:r>
+          </a:p>
+          <a:p>
+            <a:pPr marL="685800" indent="-685800" algn="l">
               <a:buFont typeface="Arial" panose="020B0604020202020204" pitchFamily="34" charset="0"/>
               <a:buChar char="•"/>
             </a:pPr>
             <a:r>
-              <a:rPr lang="en-US" sz="4600" dirty="0"/>
-              <a:t>Regression Algorithm</a:t>
+              <a:rPr lang="en-US" sz="3000" dirty="0"/>
+              <a:t>Meat eat (R3) -&gt; Carnivore</a:t>
+            </a:r>
+          </a:p>
+          <a:p>
+            <a:pPr marL="685800" indent="-685800" algn="l">
+              <a:buFont typeface="Arial" panose="020B0604020202020204" pitchFamily="34" charset="0"/>
+              <a:buChar char="•"/>
+            </a:pPr>
+            <a:r>
+              <a:rPr lang="en-US" sz="3000" dirty="0"/>
+              <a:t>Run fast (R4) </a:t>
             </a:r>
           </a:p>
           <a:p>
             <a:pPr algn="l"/>
             <a:r>
-              <a:rPr lang="en-US" sz="6200" dirty="0"/>
-              <a:t>	</a:t>
-            </a:r>
-            <a:r>
-              <a:rPr lang="en-US" sz="4000" dirty="0"/>
-              <a:t>Demo: Iris Dataset </a:t>
+              <a:rPr lang="en-US" sz="3200" dirty="0"/>
+              <a:t>Through Gate Tree -&gt; Cheetah</a:t>
+            </a:r>
+          </a:p>
+          <a:p>
+            <a:pPr algn="l"/>
+            <a:endParaRPr lang="en-US" sz="3200" dirty="0"/>
+          </a:p>
+          <a:p>
+            <a:pPr algn="l"/>
+            <a:r>
+              <a:rPr lang="en-US" sz="4900" dirty="0"/>
+              <a:t>“Can the system answer questions of its own behaviors?”</a:t>
             </a:r>
           </a:p>
         </p:txBody>
@@ -10037,8 +12305,8 @@
         </p:nvSpPr>
         <p:spPr>
           <a:xfrm>
-            <a:off x="522514" y="217714"/>
-            <a:ext cx="10968760" cy="861774"/>
+            <a:off x="522513" y="217714"/>
+            <a:ext cx="10798629" cy="584775"/>
           </a:xfrm>
           <a:prstGeom prst="rect">
             <a:avLst/>
@@ -10053,18 +12321,15 @@
           <a:p>
             <a:r>
               <a:rPr lang="en-US" sz="3200" dirty="0"/>
-              <a:t>Class-1:Classification of Algorithm</a:t>
-            </a:r>
-          </a:p>
-          <a:p>
-            <a:endParaRPr lang="en-US" dirty="0"/>
+              <a:t>Class-1: Introduction to ML</a:t>
+            </a:r>
           </a:p>
         </p:txBody>
       </p:sp>
     </p:spTree>
     <p:extLst>
       <p:ext uri="{BB962C8B-B14F-4D97-AF65-F5344CB8AC3E}">
-        <p14:creationId xmlns:p14="http://schemas.microsoft.com/office/powerpoint/2010/main" val="3433111902"/>
+        <p14:creationId xmlns:p14="http://schemas.microsoft.com/office/powerpoint/2010/main" val="3360769727"/>
       </p:ext>
     </p:extLst>
   </p:cSld>
@@ -10103,144 +12368,58 @@
         </p:nvSpPr>
         <p:spPr>
           <a:xfrm>
-            <a:off x="522514" y="935109"/>
-            <a:ext cx="11300518" cy="5642154"/>
+            <a:off x="641023" y="815294"/>
+            <a:ext cx="11227323" cy="5498419"/>
           </a:xfrm>
         </p:spPr>
         <p:txBody>
           <a:bodyPr>
-            <a:noAutofit/>
+            <a:normAutofit/>
           </a:bodyPr>
           <a:lstStyle/>
           <a:p>
-            <a:pPr marL="457200" indent="-457200" algn="l">
+            <a:pPr algn="l"/>
+            <a:r>
+              <a:rPr lang="en-US" sz="4900" dirty="0"/>
+              <a:t>Knowledge Engineering Rules:</a:t>
+            </a:r>
+          </a:p>
+          <a:p>
+            <a:pPr marL="685800" indent="-685800" algn="l">
               <a:buFont typeface="Arial" panose="020B0604020202020204" pitchFamily="34" charset="0"/>
               <a:buChar char="•"/>
             </a:pPr>
             <a:r>
-              <a:rPr lang="en-US" sz="2800" dirty="0"/>
-              <a:t>Anomaly Detection Algorithm</a:t>
-            </a:r>
-          </a:p>
-          <a:p>
-            <a:pPr lvl="1" algn="l"/>
-            <a:r>
-              <a:rPr lang="en-US" sz="2800" dirty="0"/>
-              <a:t>    -- Identify unusual data points</a:t>
-            </a:r>
-          </a:p>
-          <a:p>
-            <a:pPr marL="1371600" lvl="2" indent="-457200" algn="l">
-              <a:buFont typeface="Courier New" panose="02070309020205020404" pitchFamily="49" charset="0"/>
-              <a:buChar char="o"/>
-            </a:pPr>
-            <a:r>
-              <a:rPr lang="en-US" sz="2800" dirty="0"/>
-              <a:t>Is there any fraud in this transactions</a:t>
-            </a:r>
-          </a:p>
-          <a:p>
-            <a:pPr marL="1371600" lvl="2" indent="-457200" algn="l">
-              <a:buFont typeface="Courier New" panose="02070309020205020404" pitchFamily="49" charset="0"/>
-              <a:buChar char="o"/>
-            </a:pPr>
-            <a:r>
-              <a:rPr lang="en-US" sz="2800" dirty="0"/>
-              <a:t>Is someone trying to hack our network</a:t>
-            </a:r>
-          </a:p>
-          <a:p>
-            <a:pPr marL="457200" indent="-457200" algn="l">
+              <a:rPr lang="en-US" sz="4900" dirty="0"/>
+              <a:t>Be Specific – domain</a:t>
+            </a:r>
+          </a:p>
+          <a:p>
+            <a:pPr marL="685800" indent="-685800" algn="l">
               <a:buFont typeface="Arial" panose="020B0604020202020204" pitchFamily="34" charset="0"/>
               <a:buChar char="•"/>
             </a:pPr>
             <a:r>
-              <a:rPr lang="en-US" sz="2800" dirty="0"/>
-              <a:t>Clustering Algorithm</a:t>
-            </a:r>
-          </a:p>
-          <a:p>
-            <a:pPr algn="l"/>
-            <a:r>
-              <a:rPr lang="en-US" sz="2800" dirty="0"/>
-              <a:t>	-- Group data based on some condition</a:t>
-            </a:r>
-          </a:p>
-          <a:p>
-            <a:pPr marL="1485900" lvl="2" indent="-571500" algn="l">
-              <a:buFont typeface="Courier New" panose="02070309020205020404" pitchFamily="49" charset="0"/>
-              <a:buChar char="o"/>
-            </a:pPr>
-            <a:r>
-              <a:rPr lang="en-US" sz="2800" dirty="0"/>
-              <a:t>Which type of house lies in this segment?</a:t>
-            </a:r>
-          </a:p>
-          <a:p>
-            <a:pPr marL="1485900" lvl="2" indent="-571500" algn="l">
-              <a:buFont typeface="Courier New" panose="02070309020205020404" pitchFamily="49" charset="0"/>
-              <a:buChar char="o"/>
-            </a:pPr>
-            <a:r>
-              <a:rPr lang="en-US" sz="2800" dirty="0"/>
-              <a:t>What type of customer buys this product?</a:t>
-            </a:r>
-          </a:p>
-          <a:p>
-            <a:pPr marL="457200" indent="-457200" algn="l">
+              <a:rPr lang="en-US" sz="4900" dirty="0"/>
+              <a:t>Know the subjects</a:t>
+            </a:r>
+          </a:p>
+          <a:p>
+            <a:pPr marL="685800" indent="-685800" algn="l">
               <a:buFont typeface="Arial" panose="020B0604020202020204" pitchFamily="34" charset="0"/>
               <a:buChar char="•"/>
             </a:pPr>
             <a:r>
-              <a:rPr lang="en-US" sz="2800" dirty="0"/>
-              <a:t>Regression Algorithm</a:t>
-            </a:r>
-          </a:p>
-          <a:p>
-            <a:pPr algn="l"/>
-            <a:r>
-              <a:rPr lang="en-US" sz="2800" dirty="0"/>
-              <a:t>	-- Data itself is predicted</a:t>
-            </a:r>
-          </a:p>
-          <a:p>
-            <a:pPr marL="1600200" lvl="2" indent="-685800" algn="l">
-              <a:buFont typeface="Courier New" panose="02070309020205020404" pitchFamily="49" charset="0"/>
-              <a:buChar char="o"/>
+              <a:rPr lang="en-US" sz="4900" dirty="0"/>
+              <a:t>Build the system with unit test - “Can the system answer questions of its own behaviors?”</a:t>
+            </a:r>
+          </a:p>
+          <a:p>
+            <a:pPr marL="685800" indent="-685800" algn="l">
+              <a:buFont typeface="Arial" panose="020B0604020202020204" pitchFamily="34" charset="0"/>
+              <a:buChar char="•"/>
             </a:pPr>
-            <a:r>
-              <a:rPr lang="en-US" sz="2800" dirty="0"/>
-              <a:t>what is the market value of this house?</a:t>
-            </a:r>
-          </a:p>
-          <a:p>
-            <a:pPr marL="1600200" lvl="2" indent="-685800" algn="l">
-              <a:buFont typeface="Courier New" panose="02070309020205020404" pitchFamily="49" charset="0"/>
-              <a:buChar char="o"/>
-            </a:pPr>
-            <a:r>
-              <a:rPr lang="en-US" sz="2800" dirty="0"/>
-              <a:t>Is it going to rain tomorrow?</a:t>
-            </a:r>
-          </a:p>
-          <a:p>
-            <a:pPr algn="l"/>
-            <a:endParaRPr lang="en-US" sz="4600" dirty="0"/>
-          </a:p>
-          <a:p>
-            <a:pPr algn="l"/>
-            <a:endParaRPr lang="en-US" sz="4600" dirty="0"/>
-          </a:p>
-          <a:p>
-            <a:pPr algn="l"/>
-            <a:endParaRPr lang="en-US" sz="4600" dirty="0"/>
-          </a:p>
-          <a:p>
-            <a:pPr algn="l"/>
-            <a:r>
-              <a:rPr lang="en-US" sz="6200" dirty="0"/>
-              <a:t>	</a:t>
-            </a:r>
+            <a:endParaRPr lang="en-US" sz="4900" dirty="0"/>
           </a:p>
         </p:txBody>
       </p:sp>
@@ -10252,8 +12431,8 @@
         </p:nvSpPr>
         <p:spPr>
           <a:xfrm>
-            <a:off x="522514" y="217714"/>
-            <a:ext cx="10968760" cy="861774"/>
+            <a:off x="522513" y="217714"/>
+            <a:ext cx="10798629" cy="584775"/>
           </a:xfrm>
           <a:prstGeom prst="rect">
             <a:avLst/>
@@ -10268,18 +12447,15 @@
           <a:p>
             <a:r>
               <a:rPr lang="en-US" sz="3200" dirty="0"/>
-              <a:t>Class-1:Classification of Algorithm</a:t>
-            </a:r>
-          </a:p>
-          <a:p>
-            <a:endParaRPr lang="en-US" dirty="0"/>
+              <a:t>Class-1: Introduction to ML</a:t>
+            </a:r>
           </a:p>
         </p:txBody>
       </p:sp>
     </p:spTree>
     <p:extLst>
       <p:ext uri="{BB962C8B-B14F-4D97-AF65-F5344CB8AC3E}">
-        <p14:creationId xmlns:p14="http://schemas.microsoft.com/office/powerpoint/2010/main" val="338597293"/>
+        <p14:creationId xmlns:p14="http://schemas.microsoft.com/office/powerpoint/2010/main" val="1536398754"/>
       </p:ext>
     </p:extLst>
   </p:cSld>
@@ -10318,8 +12494,8 @@
         </p:nvSpPr>
         <p:spPr>
           <a:xfrm>
-            <a:off x="1166948" y="815294"/>
-            <a:ext cx="10375478" cy="5498419"/>
+            <a:off x="793107" y="1251184"/>
+            <a:ext cx="4331914" cy="471275"/>
           </a:xfrm>
         </p:spPr>
         <p:txBody>
@@ -10330,26 +12506,26 @@
           <a:p>
             <a:pPr algn="l"/>
             <a:r>
-              <a:rPr lang="en-US" sz="3600" dirty="0"/>
-              <a:t>Demo Iris</a:t>
+              <a:rPr lang="en-US" dirty="0"/>
+              <a:t>Search - British Museum Problem</a:t>
             </a:r>
           </a:p>
           <a:p>
             <a:pPr algn="l"/>
-            <a:endParaRPr lang="en-US" sz="5800" dirty="0"/>
-          </a:p>
-        </p:txBody>
-      </p:sp>
-      <p:sp>
-        <p:nvSpPr>
-          <p:cNvPr id="5" name="TextBox 4"/>
+            <a:endParaRPr lang="en-US" sz="4900" dirty="0"/>
+          </a:p>
+        </p:txBody>
+      </p:sp>
+      <p:sp>
+        <p:nvSpPr>
+          <p:cNvPr id="4" name="TextBox 3"/>
           <p:cNvSpPr txBox="1"/>
           <p:nvPr/>
         </p:nvSpPr>
         <p:spPr>
           <a:xfrm>
-            <a:off x="254568" y="147547"/>
-            <a:ext cx="10968760" cy="584775"/>
+            <a:off x="522513" y="217714"/>
+            <a:ext cx="10798629" cy="584775"/>
           </a:xfrm>
           <a:prstGeom prst="rect">
             <a:avLst/>
@@ -10364,16 +12540,2188 @@
           <a:p>
             <a:r>
               <a:rPr lang="en-US" sz="3200" dirty="0"/>
-              <a:t>Class-1: Demo Iris</a:t>
-            </a:r>
-            <a:endParaRPr lang="en-US" dirty="0"/>
+              <a:t>Class-1: Introduction to ML – Knowledge Map</a:t>
+            </a:r>
+          </a:p>
+        </p:txBody>
+      </p:sp>
+      <p:grpSp>
+        <p:nvGrpSpPr>
+          <p:cNvPr id="34" name="Group 33">
+            <a:extLst>
+              <a:ext uri="{FF2B5EF4-FFF2-40B4-BE49-F238E27FC236}">
+                <a16:creationId xmlns:a16="http://schemas.microsoft.com/office/drawing/2014/main" id="{9B27BE93-BBC7-44D5-8017-E8749655CC35}"/>
+              </a:ext>
+            </a:extLst>
+          </p:cNvPr>
+          <p:cNvGrpSpPr/>
+          <p:nvPr/>
+        </p:nvGrpSpPr>
+        <p:grpSpPr>
+          <a:xfrm>
+            <a:off x="646283" y="2236741"/>
+            <a:ext cx="3399312" cy="2698074"/>
+            <a:chOff x="7304313" y="1712587"/>
+            <a:chExt cx="3399312" cy="2698074"/>
+          </a:xfrm>
+        </p:grpSpPr>
+        <p:sp>
+          <p:nvSpPr>
+            <p:cNvPr id="10" name="Oval 9">
+              <a:extLst>
+                <a:ext uri="{FF2B5EF4-FFF2-40B4-BE49-F238E27FC236}">
+                  <a16:creationId xmlns:a16="http://schemas.microsoft.com/office/drawing/2014/main" id="{61DADFC0-8799-4237-8039-D27DC263CA30}"/>
+                </a:ext>
+              </a:extLst>
+            </p:cNvPr>
+            <p:cNvSpPr/>
+            <p:nvPr/>
+          </p:nvSpPr>
+          <p:spPr>
+            <a:xfrm>
+              <a:off x="10261976" y="3931687"/>
+              <a:ext cx="441649" cy="472751"/>
+            </a:xfrm>
+            <a:prstGeom prst="ellipse">
+              <a:avLst/>
+            </a:prstGeom>
+          </p:spPr>
+          <p:style>
+            <a:lnRef idx="2">
+              <a:schemeClr val="accent1">
+                <a:shade val="50000"/>
+              </a:schemeClr>
+            </a:lnRef>
+            <a:fillRef idx="1">
+              <a:schemeClr val="accent1"/>
+            </a:fillRef>
+            <a:effectRef idx="0">
+              <a:schemeClr val="accent1"/>
+            </a:effectRef>
+            <a:fontRef idx="minor">
+              <a:schemeClr val="lt1"/>
+            </a:fontRef>
+          </p:style>
+          <p:txBody>
+            <a:bodyPr rtlCol="0" anchor="ctr"/>
+            <a:lstStyle/>
+            <a:p>
+              <a:pPr algn="ctr"/>
+              <a:r>
+                <a:rPr lang="en-US" dirty="0"/>
+                <a:t>D</a:t>
+              </a:r>
+            </a:p>
+          </p:txBody>
+        </p:sp>
+        <p:grpSp>
+          <p:nvGrpSpPr>
+            <p:cNvPr id="31" name="Group 30">
+              <a:extLst>
+                <a:ext uri="{FF2B5EF4-FFF2-40B4-BE49-F238E27FC236}">
+                  <a16:creationId xmlns:a16="http://schemas.microsoft.com/office/drawing/2014/main" id="{1430F79C-A09C-48B9-A352-E8D7107DC313}"/>
+                </a:ext>
+              </a:extLst>
+            </p:cNvPr>
+            <p:cNvGrpSpPr/>
+            <p:nvPr/>
+          </p:nvGrpSpPr>
+          <p:grpSpPr>
+            <a:xfrm>
+              <a:off x="7304313" y="1712587"/>
+              <a:ext cx="3399312" cy="2698074"/>
+              <a:chOff x="6151984" y="2561282"/>
+              <a:chExt cx="3399312" cy="2698074"/>
+            </a:xfrm>
+          </p:grpSpPr>
+          <p:sp>
+            <p:nvSpPr>
+              <p:cNvPr id="2" name="Oval 1">
+                <a:extLst>
+                  <a:ext uri="{FF2B5EF4-FFF2-40B4-BE49-F238E27FC236}">
+                    <a16:creationId xmlns:a16="http://schemas.microsoft.com/office/drawing/2014/main" id="{8DCE4A32-6193-49DB-A0C9-A183C2EC4ACD}"/>
+                  </a:ext>
+                </a:extLst>
+              </p:cNvPr>
+              <p:cNvSpPr/>
+              <p:nvPr/>
+            </p:nvSpPr>
+            <p:spPr>
+              <a:xfrm>
+                <a:off x="6151984" y="4186335"/>
+                <a:ext cx="441649" cy="472751"/>
+              </a:xfrm>
+              <a:prstGeom prst="ellipse">
+                <a:avLst/>
+              </a:prstGeom>
+              <a:solidFill>
+                <a:srgbClr val="00B050"/>
+              </a:solidFill>
+            </p:spPr>
+            <p:style>
+              <a:lnRef idx="2">
+                <a:schemeClr val="accent1">
+                  <a:shade val="50000"/>
+                </a:schemeClr>
+              </a:lnRef>
+              <a:fillRef idx="1">
+                <a:schemeClr val="accent1"/>
+              </a:fillRef>
+              <a:effectRef idx="0">
+                <a:schemeClr val="accent1"/>
+              </a:effectRef>
+              <a:fontRef idx="minor">
+                <a:schemeClr val="lt1"/>
+              </a:fontRef>
+            </p:style>
+            <p:txBody>
+              <a:bodyPr rtlCol="0" anchor="ctr"/>
+              <a:lstStyle/>
+              <a:p>
+                <a:pPr algn="ctr"/>
+                <a:r>
+                  <a:rPr lang="en-US" dirty="0"/>
+                  <a:t>S</a:t>
+                </a:r>
+              </a:p>
+            </p:txBody>
+          </p:sp>
+          <p:sp>
+            <p:nvSpPr>
+              <p:cNvPr id="5" name="Oval 4">
+                <a:extLst>
+                  <a:ext uri="{FF2B5EF4-FFF2-40B4-BE49-F238E27FC236}">
+                    <a16:creationId xmlns:a16="http://schemas.microsoft.com/office/drawing/2014/main" id="{D7395DAC-3F62-459D-9A30-1850999FEC97}"/>
+                  </a:ext>
+                </a:extLst>
+              </p:cNvPr>
+              <p:cNvSpPr/>
+              <p:nvPr/>
+            </p:nvSpPr>
+            <p:spPr>
+              <a:xfrm>
+                <a:off x="7666654" y="4786605"/>
+                <a:ext cx="441649" cy="472751"/>
+              </a:xfrm>
+              <a:prstGeom prst="ellipse">
+                <a:avLst/>
+              </a:prstGeom>
+            </p:spPr>
+            <p:style>
+              <a:lnRef idx="2">
+                <a:schemeClr val="accent1">
+                  <a:shade val="50000"/>
+                </a:schemeClr>
+              </a:lnRef>
+              <a:fillRef idx="1">
+                <a:schemeClr val="accent1"/>
+              </a:fillRef>
+              <a:effectRef idx="0">
+                <a:schemeClr val="accent1"/>
+              </a:effectRef>
+              <a:fontRef idx="minor">
+                <a:schemeClr val="lt1"/>
+              </a:fontRef>
+            </p:style>
+            <p:txBody>
+              <a:bodyPr rtlCol="0" anchor="ctr"/>
+              <a:lstStyle/>
+              <a:p>
+                <a:pPr algn="ctr"/>
+                <a:r>
+                  <a:rPr lang="en-US" dirty="0"/>
+                  <a:t>A</a:t>
+                </a:r>
+              </a:p>
+            </p:txBody>
+          </p:sp>
+          <p:sp>
+            <p:nvSpPr>
+              <p:cNvPr id="6" name="Oval 5">
+                <a:extLst>
+                  <a:ext uri="{FF2B5EF4-FFF2-40B4-BE49-F238E27FC236}">
+                    <a16:creationId xmlns:a16="http://schemas.microsoft.com/office/drawing/2014/main" id="{9EC526B3-5C83-42A6-B72C-0A4F2DA54352}"/>
+                  </a:ext>
+                </a:extLst>
+              </p:cNvPr>
+              <p:cNvSpPr/>
+              <p:nvPr/>
+            </p:nvSpPr>
+            <p:spPr>
+              <a:xfrm>
+                <a:off x="7666654" y="3757127"/>
+                <a:ext cx="441649" cy="472751"/>
+              </a:xfrm>
+              <a:prstGeom prst="ellipse">
+                <a:avLst/>
+              </a:prstGeom>
+            </p:spPr>
+            <p:style>
+              <a:lnRef idx="2">
+                <a:schemeClr val="accent1">
+                  <a:shade val="50000"/>
+                </a:schemeClr>
+              </a:lnRef>
+              <a:fillRef idx="1">
+                <a:schemeClr val="accent1"/>
+              </a:fillRef>
+              <a:effectRef idx="0">
+                <a:schemeClr val="accent1"/>
+              </a:effectRef>
+              <a:fontRef idx="minor">
+                <a:schemeClr val="lt1"/>
+              </a:fontRef>
+            </p:style>
+            <p:txBody>
+              <a:bodyPr rtlCol="0" anchor="ctr"/>
+              <a:lstStyle/>
+              <a:p>
+                <a:pPr algn="ctr"/>
+                <a:r>
+                  <a:rPr lang="en-US" dirty="0"/>
+                  <a:t>B</a:t>
+                </a:r>
+              </a:p>
+            </p:txBody>
+          </p:sp>
+          <p:sp>
+            <p:nvSpPr>
+              <p:cNvPr id="7" name="Oval 6">
+                <a:extLst>
+                  <a:ext uri="{FF2B5EF4-FFF2-40B4-BE49-F238E27FC236}">
+                    <a16:creationId xmlns:a16="http://schemas.microsoft.com/office/drawing/2014/main" id="{120643AC-E4E4-4DB3-8706-DF76D3B1BCAD}"/>
+                  </a:ext>
+                </a:extLst>
+              </p:cNvPr>
+              <p:cNvSpPr/>
+              <p:nvPr/>
+            </p:nvSpPr>
+            <p:spPr>
+              <a:xfrm>
+                <a:off x="7666654" y="2561282"/>
+                <a:ext cx="441649" cy="472751"/>
+              </a:xfrm>
+              <a:prstGeom prst="ellipse">
+                <a:avLst/>
+              </a:prstGeom>
+            </p:spPr>
+            <p:style>
+              <a:lnRef idx="2">
+                <a:schemeClr val="accent1">
+                  <a:shade val="50000"/>
+                </a:schemeClr>
+              </a:lnRef>
+              <a:fillRef idx="1">
+                <a:schemeClr val="accent1"/>
+              </a:fillRef>
+              <a:effectRef idx="0">
+                <a:schemeClr val="accent1"/>
+              </a:effectRef>
+              <a:fontRef idx="minor">
+                <a:schemeClr val="lt1"/>
+              </a:fontRef>
+            </p:style>
+            <p:txBody>
+              <a:bodyPr rtlCol="0" anchor="ctr"/>
+              <a:lstStyle/>
+              <a:p>
+                <a:pPr algn="ctr"/>
+                <a:r>
+                  <a:rPr lang="en-US" dirty="0"/>
+                  <a:t>C</a:t>
+                </a:r>
+              </a:p>
+            </p:txBody>
+          </p:sp>
+          <p:sp>
+            <p:nvSpPr>
+              <p:cNvPr id="8" name="Oval 7">
+                <a:extLst>
+                  <a:ext uri="{FF2B5EF4-FFF2-40B4-BE49-F238E27FC236}">
+                    <a16:creationId xmlns:a16="http://schemas.microsoft.com/office/drawing/2014/main" id="{D23BBCFB-53DC-4B8C-A378-3FFB280C33C8}"/>
+                  </a:ext>
+                </a:extLst>
+              </p:cNvPr>
+              <p:cNvSpPr/>
+              <p:nvPr/>
+            </p:nvSpPr>
+            <p:spPr>
+              <a:xfrm>
+                <a:off x="9097346" y="2561282"/>
+                <a:ext cx="441649" cy="472751"/>
+              </a:xfrm>
+              <a:prstGeom prst="ellipse">
+                <a:avLst/>
+              </a:prstGeom>
+              <a:solidFill>
+                <a:schemeClr val="accent6">
+                  <a:lumMod val="75000"/>
+                </a:schemeClr>
+              </a:solidFill>
+            </p:spPr>
+            <p:style>
+              <a:lnRef idx="2">
+                <a:schemeClr val="accent1">
+                  <a:shade val="50000"/>
+                </a:schemeClr>
+              </a:lnRef>
+              <a:fillRef idx="1">
+                <a:schemeClr val="accent1"/>
+              </a:fillRef>
+              <a:effectRef idx="0">
+                <a:schemeClr val="accent1"/>
+              </a:effectRef>
+              <a:fontRef idx="minor">
+                <a:schemeClr val="lt1"/>
+              </a:fontRef>
+            </p:style>
+            <p:txBody>
+              <a:bodyPr rtlCol="0" anchor="ctr"/>
+              <a:lstStyle/>
+              <a:p>
+                <a:pPr algn="ctr"/>
+                <a:r>
+                  <a:rPr lang="en-US" dirty="0"/>
+                  <a:t>E</a:t>
+                </a:r>
+              </a:p>
+            </p:txBody>
+          </p:sp>
+          <p:sp>
+            <p:nvSpPr>
+              <p:cNvPr id="9" name="Oval 8">
+                <a:extLst>
+                  <a:ext uri="{FF2B5EF4-FFF2-40B4-BE49-F238E27FC236}">
+                    <a16:creationId xmlns:a16="http://schemas.microsoft.com/office/drawing/2014/main" id="{8C9E01DB-724B-4EA9-9DD7-E6C8F6679E37}"/>
+                  </a:ext>
+                </a:extLst>
+              </p:cNvPr>
+              <p:cNvSpPr/>
+              <p:nvPr/>
+            </p:nvSpPr>
+            <p:spPr>
+              <a:xfrm>
+                <a:off x="9109647" y="3640403"/>
+                <a:ext cx="441649" cy="472751"/>
+              </a:xfrm>
+              <a:prstGeom prst="ellipse">
+                <a:avLst/>
+              </a:prstGeom>
+            </p:spPr>
+            <p:style>
+              <a:lnRef idx="2">
+                <a:schemeClr val="accent1">
+                  <a:shade val="50000"/>
+                </a:schemeClr>
+              </a:lnRef>
+              <a:fillRef idx="1">
+                <a:schemeClr val="accent1"/>
+              </a:fillRef>
+              <a:effectRef idx="0">
+                <a:schemeClr val="accent1"/>
+              </a:effectRef>
+              <a:fontRef idx="minor">
+                <a:schemeClr val="lt1"/>
+              </a:fontRef>
+            </p:style>
+            <p:txBody>
+              <a:bodyPr rtlCol="0" anchor="ctr"/>
+              <a:lstStyle/>
+              <a:p>
+                <a:pPr algn="ctr"/>
+                <a:r>
+                  <a:rPr lang="en-US" dirty="0"/>
+                  <a:t>G</a:t>
+                </a:r>
+              </a:p>
+            </p:txBody>
+          </p:sp>
+          <p:cxnSp>
+            <p:nvCxnSpPr>
+              <p:cNvPr id="12" name="Straight Connector 11">
+                <a:extLst>
+                  <a:ext uri="{FF2B5EF4-FFF2-40B4-BE49-F238E27FC236}">
+                    <a16:creationId xmlns:a16="http://schemas.microsoft.com/office/drawing/2014/main" id="{5D322083-F1F5-46D0-A894-8B27D128F9D4}"/>
+                  </a:ext>
+                </a:extLst>
+              </p:cNvPr>
+              <p:cNvCxnSpPr>
+                <a:stCxn id="2" idx="5"/>
+                <a:endCxn id="5" idx="2"/>
+              </p:cNvCxnSpPr>
+              <p:nvPr/>
+            </p:nvCxnSpPr>
+            <p:spPr>
+              <a:xfrm>
+                <a:off x="6528955" y="4589853"/>
+                <a:ext cx="1137699" cy="433128"/>
+              </a:xfrm>
+              <a:prstGeom prst="line">
+                <a:avLst/>
+              </a:prstGeom>
+            </p:spPr>
+            <p:style>
+              <a:lnRef idx="1">
+                <a:schemeClr val="accent1"/>
+              </a:lnRef>
+              <a:fillRef idx="0">
+                <a:schemeClr val="accent1"/>
+              </a:fillRef>
+              <a:effectRef idx="0">
+                <a:schemeClr val="accent1"/>
+              </a:effectRef>
+              <a:fontRef idx="minor">
+                <a:schemeClr val="tx1"/>
+              </a:fontRef>
+            </p:style>
+          </p:cxnSp>
+          <p:cxnSp>
+            <p:nvCxnSpPr>
+              <p:cNvPr id="13" name="Straight Connector 12">
+                <a:extLst>
+                  <a:ext uri="{FF2B5EF4-FFF2-40B4-BE49-F238E27FC236}">
+                    <a16:creationId xmlns:a16="http://schemas.microsoft.com/office/drawing/2014/main" id="{ED63A3EE-C9E0-42B5-9A41-05383F41BBB9}"/>
+                  </a:ext>
+                </a:extLst>
+              </p:cNvPr>
+              <p:cNvCxnSpPr>
+                <a:cxnSpLocks/>
+                <a:stCxn id="10" idx="0"/>
+                <a:endCxn id="9" idx="4"/>
+              </p:cNvCxnSpPr>
+              <p:nvPr/>
+            </p:nvCxnSpPr>
+            <p:spPr>
+              <a:xfrm flipV="1">
+                <a:off x="9330472" y="4113154"/>
+                <a:ext cx="0" cy="667228"/>
+              </a:xfrm>
+              <a:prstGeom prst="line">
+                <a:avLst/>
+              </a:prstGeom>
+            </p:spPr>
+            <p:style>
+              <a:lnRef idx="1">
+                <a:schemeClr val="accent1"/>
+              </a:lnRef>
+              <a:fillRef idx="0">
+                <a:schemeClr val="accent1"/>
+              </a:fillRef>
+              <a:effectRef idx="0">
+                <a:schemeClr val="accent1"/>
+              </a:effectRef>
+              <a:fontRef idx="minor">
+                <a:schemeClr val="tx1"/>
+              </a:fontRef>
+            </p:style>
+          </p:cxnSp>
+          <p:cxnSp>
+            <p:nvCxnSpPr>
+              <p:cNvPr id="14" name="Straight Connector 13">
+                <a:extLst>
+                  <a:ext uri="{FF2B5EF4-FFF2-40B4-BE49-F238E27FC236}">
+                    <a16:creationId xmlns:a16="http://schemas.microsoft.com/office/drawing/2014/main" id="{8828F82E-166F-4F2A-809C-C94B98946561}"/>
+                  </a:ext>
+                </a:extLst>
+              </p:cNvPr>
+              <p:cNvCxnSpPr>
+                <a:cxnSpLocks/>
+                <a:stCxn id="5" idx="6"/>
+                <a:endCxn id="10" idx="2"/>
+              </p:cNvCxnSpPr>
+              <p:nvPr/>
+            </p:nvCxnSpPr>
+            <p:spPr>
+              <a:xfrm flipV="1">
+                <a:off x="8108303" y="5016758"/>
+                <a:ext cx="1001344" cy="6223"/>
+              </a:xfrm>
+              <a:prstGeom prst="line">
+                <a:avLst/>
+              </a:prstGeom>
+            </p:spPr>
+            <p:style>
+              <a:lnRef idx="1">
+                <a:schemeClr val="accent1"/>
+              </a:lnRef>
+              <a:fillRef idx="0">
+                <a:schemeClr val="accent1"/>
+              </a:fillRef>
+              <a:effectRef idx="0">
+                <a:schemeClr val="accent1"/>
+              </a:effectRef>
+              <a:fontRef idx="minor">
+                <a:schemeClr val="tx1"/>
+              </a:fontRef>
+            </p:style>
+          </p:cxnSp>
+          <p:cxnSp>
+            <p:nvCxnSpPr>
+              <p:cNvPr id="15" name="Straight Connector 14">
+                <a:extLst>
+                  <a:ext uri="{FF2B5EF4-FFF2-40B4-BE49-F238E27FC236}">
+                    <a16:creationId xmlns:a16="http://schemas.microsoft.com/office/drawing/2014/main" id="{3EA11E76-B82C-4308-A28F-C2422B514EBB}"/>
+                  </a:ext>
+                </a:extLst>
+              </p:cNvPr>
+              <p:cNvCxnSpPr>
+                <a:cxnSpLocks/>
+                <a:stCxn id="7" idx="6"/>
+                <a:endCxn id="8" idx="2"/>
+              </p:cNvCxnSpPr>
+              <p:nvPr/>
+            </p:nvCxnSpPr>
+            <p:spPr>
+              <a:xfrm>
+                <a:off x="8108303" y="2797658"/>
+                <a:ext cx="989043" cy="0"/>
+              </a:xfrm>
+              <a:prstGeom prst="line">
+                <a:avLst/>
+              </a:prstGeom>
+            </p:spPr>
+            <p:style>
+              <a:lnRef idx="1">
+                <a:schemeClr val="accent1"/>
+              </a:lnRef>
+              <a:fillRef idx="0">
+                <a:schemeClr val="accent1"/>
+              </a:fillRef>
+              <a:effectRef idx="0">
+                <a:schemeClr val="accent1"/>
+              </a:effectRef>
+              <a:fontRef idx="minor">
+                <a:schemeClr val="tx1"/>
+              </a:fontRef>
+            </p:style>
+          </p:cxnSp>
+          <p:cxnSp>
+            <p:nvCxnSpPr>
+              <p:cNvPr id="16" name="Straight Connector 15">
+                <a:extLst>
+                  <a:ext uri="{FF2B5EF4-FFF2-40B4-BE49-F238E27FC236}">
+                    <a16:creationId xmlns:a16="http://schemas.microsoft.com/office/drawing/2014/main" id="{8BEA3829-9E3A-45DD-89D0-53DC452E3E84}"/>
+                  </a:ext>
+                </a:extLst>
+              </p:cNvPr>
+              <p:cNvCxnSpPr>
+                <a:cxnSpLocks/>
+                <a:stCxn id="6" idx="0"/>
+                <a:endCxn id="7" idx="4"/>
+              </p:cNvCxnSpPr>
+              <p:nvPr/>
+            </p:nvCxnSpPr>
+            <p:spPr>
+              <a:xfrm flipV="1">
+                <a:off x="7887479" y="3034033"/>
+                <a:ext cx="0" cy="723094"/>
+              </a:xfrm>
+              <a:prstGeom prst="line">
+                <a:avLst/>
+              </a:prstGeom>
+            </p:spPr>
+            <p:style>
+              <a:lnRef idx="1">
+                <a:schemeClr val="accent1"/>
+              </a:lnRef>
+              <a:fillRef idx="0">
+                <a:schemeClr val="accent1"/>
+              </a:fillRef>
+              <a:effectRef idx="0">
+                <a:schemeClr val="accent1"/>
+              </a:effectRef>
+              <a:fontRef idx="minor">
+                <a:schemeClr val="tx1"/>
+              </a:fontRef>
+            </p:style>
+          </p:cxnSp>
+          <p:cxnSp>
+            <p:nvCxnSpPr>
+              <p:cNvPr id="17" name="Straight Connector 16">
+                <a:extLst>
+                  <a:ext uri="{FF2B5EF4-FFF2-40B4-BE49-F238E27FC236}">
+                    <a16:creationId xmlns:a16="http://schemas.microsoft.com/office/drawing/2014/main" id="{5C0BBF53-F2F5-41F5-B481-224B0202F287}"/>
+                  </a:ext>
+                </a:extLst>
+              </p:cNvPr>
+              <p:cNvCxnSpPr>
+                <a:cxnSpLocks/>
+                <a:stCxn id="5" idx="0"/>
+                <a:endCxn id="6" idx="4"/>
+              </p:cNvCxnSpPr>
+              <p:nvPr/>
+            </p:nvCxnSpPr>
+            <p:spPr>
+              <a:xfrm flipV="1">
+                <a:off x="7887479" y="4229878"/>
+                <a:ext cx="0" cy="556727"/>
+              </a:xfrm>
+              <a:prstGeom prst="line">
+                <a:avLst/>
+              </a:prstGeom>
+            </p:spPr>
+            <p:style>
+              <a:lnRef idx="1">
+                <a:schemeClr val="accent1"/>
+              </a:lnRef>
+              <a:fillRef idx="0">
+                <a:schemeClr val="accent1"/>
+              </a:fillRef>
+              <a:effectRef idx="0">
+                <a:schemeClr val="accent1"/>
+              </a:effectRef>
+              <a:fontRef idx="minor">
+                <a:schemeClr val="tx1"/>
+              </a:fontRef>
+            </p:style>
+          </p:cxnSp>
+          <p:cxnSp>
+            <p:nvCxnSpPr>
+              <p:cNvPr id="18" name="Straight Connector 17">
+                <a:extLst>
+                  <a:ext uri="{FF2B5EF4-FFF2-40B4-BE49-F238E27FC236}">
+                    <a16:creationId xmlns:a16="http://schemas.microsoft.com/office/drawing/2014/main" id="{974F81A7-FA41-4FFC-8C05-8FB9F1EB8D49}"/>
+                  </a:ext>
+                </a:extLst>
+              </p:cNvPr>
+              <p:cNvCxnSpPr>
+                <a:cxnSpLocks/>
+                <a:stCxn id="2" idx="7"/>
+                <a:endCxn id="6" idx="2"/>
+              </p:cNvCxnSpPr>
+              <p:nvPr/>
+            </p:nvCxnSpPr>
+            <p:spPr>
+              <a:xfrm flipV="1">
+                <a:off x="6528955" y="3993503"/>
+                <a:ext cx="1137699" cy="262065"/>
+              </a:xfrm>
+              <a:prstGeom prst="line">
+                <a:avLst/>
+              </a:prstGeom>
+            </p:spPr>
+            <p:style>
+              <a:lnRef idx="1">
+                <a:schemeClr val="accent1"/>
+              </a:lnRef>
+              <a:fillRef idx="0">
+                <a:schemeClr val="accent1"/>
+              </a:fillRef>
+              <a:effectRef idx="0">
+                <a:schemeClr val="accent1"/>
+              </a:effectRef>
+              <a:fontRef idx="minor">
+                <a:schemeClr val="tx1"/>
+              </a:fontRef>
+            </p:style>
+          </p:cxnSp>
+        </p:grpSp>
+      </p:grpSp>
+      <p:cxnSp>
+        <p:nvCxnSpPr>
+          <p:cNvPr id="107" name="Straight Connector 106">
+            <a:extLst>
+              <a:ext uri="{FF2B5EF4-FFF2-40B4-BE49-F238E27FC236}">
+                <a16:creationId xmlns:a16="http://schemas.microsoft.com/office/drawing/2014/main" id="{CB3EE8FA-5AD5-46D3-B6FD-0EFA1A1F871F}"/>
+              </a:ext>
+            </a:extLst>
+          </p:cNvPr>
+          <p:cNvCxnSpPr>
+            <a:cxnSpLocks/>
+            <a:stCxn id="109" idx="3"/>
+            <a:endCxn id="116" idx="0"/>
+          </p:cNvCxnSpPr>
+          <p:nvPr/>
+        </p:nvCxnSpPr>
+        <p:spPr>
+          <a:xfrm flipH="1">
+            <a:off x="6787547" y="2879553"/>
+            <a:ext cx="283525" cy="232324"/>
+          </a:xfrm>
+          <a:prstGeom prst="line">
+            <a:avLst/>
+          </a:prstGeom>
+        </p:spPr>
+        <p:style>
+          <a:lnRef idx="1">
+            <a:schemeClr val="accent1"/>
+          </a:lnRef>
+          <a:fillRef idx="0">
+            <a:schemeClr val="accent1"/>
+          </a:fillRef>
+          <a:effectRef idx="0">
+            <a:schemeClr val="accent1"/>
+          </a:effectRef>
+          <a:fontRef idx="minor">
+            <a:schemeClr val="tx1"/>
+          </a:fontRef>
+        </p:style>
+      </p:cxnSp>
+      <p:cxnSp>
+        <p:nvCxnSpPr>
+          <p:cNvPr id="108" name="Straight Connector 107">
+            <a:extLst>
+              <a:ext uri="{FF2B5EF4-FFF2-40B4-BE49-F238E27FC236}">
+                <a16:creationId xmlns:a16="http://schemas.microsoft.com/office/drawing/2014/main" id="{AF283143-7A4B-47BD-B7ED-255DC442FEF6}"/>
+              </a:ext>
+            </a:extLst>
+          </p:cNvPr>
+          <p:cNvCxnSpPr>
+            <a:cxnSpLocks/>
+            <a:stCxn id="109" idx="5"/>
+            <a:endCxn id="112" idx="0"/>
+          </p:cNvCxnSpPr>
+          <p:nvPr/>
+        </p:nvCxnSpPr>
+        <p:spPr>
+          <a:xfrm>
+            <a:off x="7320168" y="2879553"/>
+            <a:ext cx="302693" cy="277439"/>
+          </a:xfrm>
+          <a:prstGeom prst="line">
+            <a:avLst/>
+          </a:prstGeom>
+        </p:spPr>
+        <p:style>
+          <a:lnRef idx="1">
+            <a:schemeClr val="accent1"/>
+          </a:lnRef>
+          <a:fillRef idx="0">
+            <a:schemeClr val="accent1"/>
+          </a:fillRef>
+          <a:effectRef idx="0">
+            <a:schemeClr val="accent1"/>
+          </a:effectRef>
+          <a:fontRef idx="minor">
+            <a:schemeClr val="tx1"/>
+          </a:fontRef>
+        </p:style>
+      </p:cxnSp>
+      <p:sp>
+        <p:nvSpPr>
+          <p:cNvPr id="109" name="Oval 108">
+            <a:extLst>
+              <a:ext uri="{FF2B5EF4-FFF2-40B4-BE49-F238E27FC236}">
+                <a16:creationId xmlns:a16="http://schemas.microsoft.com/office/drawing/2014/main" id="{4196F85D-F406-4463-A1F3-09AE3D51144E}"/>
+              </a:ext>
+            </a:extLst>
+          </p:cNvPr>
+          <p:cNvSpPr/>
+          <p:nvPr/>
+        </p:nvSpPr>
+        <p:spPr>
+          <a:xfrm>
+            <a:off x="7019482" y="2568950"/>
+            <a:ext cx="352276" cy="363894"/>
+          </a:xfrm>
+          <a:prstGeom prst="ellipse">
+            <a:avLst/>
+          </a:prstGeom>
+        </p:spPr>
+        <p:style>
+          <a:lnRef idx="2">
+            <a:schemeClr val="accent1">
+              <a:shade val="50000"/>
+            </a:schemeClr>
+          </a:lnRef>
+          <a:fillRef idx="1">
+            <a:schemeClr val="accent1"/>
+          </a:fillRef>
+          <a:effectRef idx="0">
+            <a:schemeClr val="accent1"/>
+          </a:effectRef>
+          <a:fontRef idx="minor">
+            <a:schemeClr val="lt1"/>
+          </a:fontRef>
+        </p:style>
+        <p:txBody>
+          <a:bodyPr rtlCol="0" anchor="ctr"/>
+          <a:lstStyle/>
+          <a:p>
+            <a:pPr algn="ctr"/>
+            <a:r>
+              <a:rPr lang="en-US" dirty="0"/>
+              <a:t>S</a:t>
+            </a:r>
+          </a:p>
+        </p:txBody>
+      </p:sp>
+      <p:cxnSp>
+        <p:nvCxnSpPr>
+          <p:cNvPr id="110" name="Straight Connector 109">
+            <a:extLst>
+              <a:ext uri="{FF2B5EF4-FFF2-40B4-BE49-F238E27FC236}">
+                <a16:creationId xmlns:a16="http://schemas.microsoft.com/office/drawing/2014/main" id="{CE385EC6-8D99-4664-B2A1-273E1ECC6F0A}"/>
+              </a:ext>
+            </a:extLst>
+          </p:cNvPr>
+          <p:cNvCxnSpPr>
+            <a:cxnSpLocks/>
+            <a:stCxn id="116" idx="3"/>
+            <a:endCxn id="111" idx="0"/>
+          </p:cNvCxnSpPr>
+          <p:nvPr/>
+        </p:nvCxnSpPr>
+        <p:spPr>
+          <a:xfrm flipH="1">
+            <a:off x="6433613" y="3422480"/>
+            <a:ext cx="229386" cy="315819"/>
+          </a:xfrm>
+          <a:prstGeom prst="line">
+            <a:avLst/>
+          </a:prstGeom>
+        </p:spPr>
+        <p:style>
+          <a:lnRef idx="1">
+            <a:schemeClr val="accent1"/>
+          </a:lnRef>
+          <a:fillRef idx="0">
+            <a:schemeClr val="accent1"/>
+          </a:fillRef>
+          <a:effectRef idx="0">
+            <a:schemeClr val="accent1"/>
+          </a:effectRef>
+          <a:fontRef idx="minor">
+            <a:schemeClr val="tx1"/>
+          </a:fontRef>
+        </p:style>
+      </p:cxnSp>
+      <p:sp>
+        <p:nvSpPr>
+          <p:cNvPr id="111" name="Oval 110">
+            <a:extLst>
+              <a:ext uri="{FF2B5EF4-FFF2-40B4-BE49-F238E27FC236}">
+                <a16:creationId xmlns:a16="http://schemas.microsoft.com/office/drawing/2014/main" id="{4CE61B57-15D7-4256-BE83-E260366BDD18}"/>
+              </a:ext>
+            </a:extLst>
+          </p:cNvPr>
+          <p:cNvSpPr/>
+          <p:nvPr/>
+        </p:nvSpPr>
+        <p:spPr>
+          <a:xfrm>
+            <a:off x="6257475" y="3738299"/>
+            <a:ext cx="352276" cy="363894"/>
+          </a:xfrm>
+          <a:prstGeom prst="ellipse">
+            <a:avLst/>
+          </a:prstGeom>
+        </p:spPr>
+        <p:style>
+          <a:lnRef idx="2">
+            <a:schemeClr val="accent1">
+              <a:shade val="50000"/>
+            </a:schemeClr>
+          </a:lnRef>
+          <a:fillRef idx="1">
+            <a:schemeClr val="accent1"/>
+          </a:fillRef>
+          <a:effectRef idx="0">
+            <a:schemeClr val="accent1"/>
+          </a:effectRef>
+          <a:fontRef idx="minor">
+            <a:schemeClr val="lt1"/>
+          </a:fontRef>
+        </p:style>
+        <p:txBody>
+          <a:bodyPr rtlCol="0" anchor="ctr"/>
+          <a:lstStyle/>
+          <a:p>
+            <a:pPr algn="ctr"/>
+            <a:r>
+              <a:rPr lang="en-US" dirty="0"/>
+              <a:t>B</a:t>
+            </a:r>
+          </a:p>
+        </p:txBody>
+      </p:sp>
+      <p:sp>
+        <p:nvSpPr>
+          <p:cNvPr id="112" name="Oval 111">
+            <a:extLst>
+              <a:ext uri="{FF2B5EF4-FFF2-40B4-BE49-F238E27FC236}">
+                <a16:creationId xmlns:a16="http://schemas.microsoft.com/office/drawing/2014/main" id="{9419D2EA-E467-4247-A9BE-9271647BE226}"/>
+              </a:ext>
+            </a:extLst>
+          </p:cNvPr>
+          <p:cNvSpPr/>
+          <p:nvPr/>
+        </p:nvSpPr>
+        <p:spPr>
+          <a:xfrm>
+            <a:off x="7446723" y="3156992"/>
+            <a:ext cx="352276" cy="363894"/>
+          </a:xfrm>
+          <a:prstGeom prst="ellipse">
+            <a:avLst/>
+          </a:prstGeom>
+        </p:spPr>
+        <p:style>
+          <a:lnRef idx="2">
+            <a:schemeClr val="accent1">
+              <a:shade val="50000"/>
+            </a:schemeClr>
+          </a:lnRef>
+          <a:fillRef idx="1">
+            <a:schemeClr val="accent1"/>
+          </a:fillRef>
+          <a:effectRef idx="0">
+            <a:schemeClr val="accent1"/>
+          </a:effectRef>
+          <a:fontRef idx="minor">
+            <a:schemeClr val="lt1"/>
+          </a:fontRef>
+        </p:style>
+        <p:txBody>
+          <a:bodyPr rtlCol="0" anchor="ctr"/>
+          <a:lstStyle/>
+          <a:p>
+            <a:pPr algn="ctr"/>
+            <a:r>
+              <a:rPr lang="en-US" dirty="0"/>
+              <a:t>B</a:t>
+            </a:r>
+          </a:p>
+        </p:txBody>
+      </p:sp>
+      <p:sp>
+        <p:nvSpPr>
+          <p:cNvPr id="113" name="Oval 112">
+            <a:extLst>
+              <a:ext uri="{FF2B5EF4-FFF2-40B4-BE49-F238E27FC236}">
+                <a16:creationId xmlns:a16="http://schemas.microsoft.com/office/drawing/2014/main" id="{0A958115-59E6-4FA3-A518-3928490D63FE}"/>
+              </a:ext>
+            </a:extLst>
+          </p:cNvPr>
+          <p:cNvSpPr/>
+          <p:nvPr/>
+        </p:nvSpPr>
+        <p:spPr>
+          <a:xfrm>
+            <a:off x="6959257" y="3732773"/>
+            <a:ext cx="352276" cy="363894"/>
+          </a:xfrm>
+          <a:prstGeom prst="ellipse">
+            <a:avLst/>
+          </a:prstGeom>
+        </p:spPr>
+        <p:style>
+          <a:lnRef idx="2">
+            <a:schemeClr val="accent1">
+              <a:shade val="50000"/>
+            </a:schemeClr>
+          </a:lnRef>
+          <a:fillRef idx="1">
+            <a:schemeClr val="accent1"/>
+          </a:fillRef>
+          <a:effectRef idx="0">
+            <a:schemeClr val="accent1"/>
+          </a:effectRef>
+          <a:fontRef idx="minor">
+            <a:schemeClr val="lt1"/>
+          </a:fontRef>
+        </p:style>
+        <p:txBody>
+          <a:bodyPr rtlCol="0" anchor="ctr"/>
+          <a:lstStyle/>
+          <a:p>
+            <a:pPr algn="ctr"/>
+            <a:r>
+              <a:rPr lang="en-US" dirty="0"/>
+              <a:t>D</a:t>
+            </a:r>
+          </a:p>
+        </p:txBody>
+      </p:sp>
+      <p:sp>
+        <p:nvSpPr>
+          <p:cNvPr id="114" name="Oval 113">
+            <a:extLst>
+              <a:ext uri="{FF2B5EF4-FFF2-40B4-BE49-F238E27FC236}">
+                <a16:creationId xmlns:a16="http://schemas.microsoft.com/office/drawing/2014/main" id="{181CE788-84CA-4FCD-91AD-C82A2B95460C}"/>
+              </a:ext>
+            </a:extLst>
+          </p:cNvPr>
+          <p:cNvSpPr/>
+          <p:nvPr/>
+        </p:nvSpPr>
+        <p:spPr>
+          <a:xfrm>
+            <a:off x="6257475" y="5207536"/>
+            <a:ext cx="352276" cy="363894"/>
+          </a:xfrm>
+          <a:prstGeom prst="ellipse">
+            <a:avLst/>
+          </a:prstGeom>
+        </p:spPr>
+        <p:style>
+          <a:lnRef idx="2">
+            <a:schemeClr val="accent1">
+              <a:shade val="50000"/>
+            </a:schemeClr>
+          </a:lnRef>
+          <a:fillRef idx="1">
+            <a:schemeClr val="accent1"/>
+          </a:fillRef>
+          <a:effectRef idx="0">
+            <a:schemeClr val="accent1"/>
+          </a:effectRef>
+          <a:fontRef idx="minor">
+            <a:schemeClr val="lt1"/>
+          </a:fontRef>
+        </p:style>
+        <p:txBody>
+          <a:bodyPr rtlCol="0" anchor="ctr"/>
+          <a:lstStyle/>
+          <a:p>
+            <a:pPr algn="ctr"/>
+            <a:r>
+              <a:rPr lang="en-US" dirty="0"/>
+              <a:t>E</a:t>
+            </a:r>
+          </a:p>
+        </p:txBody>
+      </p:sp>
+      <p:sp>
+        <p:nvSpPr>
+          <p:cNvPr id="115" name="Oval 114">
+            <a:extLst>
+              <a:ext uri="{FF2B5EF4-FFF2-40B4-BE49-F238E27FC236}">
+                <a16:creationId xmlns:a16="http://schemas.microsoft.com/office/drawing/2014/main" id="{51731A85-9A70-4CC8-B27C-F70990B27C70}"/>
+              </a:ext>
+            </a:extLst>
+          </p:cNvPr>
+          <p:cNvSpPr/>
+          <p:nvPr/>
+        </p:nvSpPr>
+        <p:spPr>
+          <a:xfrm>
+            <a:off x="6257475" y="4498810"/>
+            <a:ext cx="352276" cy="363894"/>
+          </a:xfrm>
+          <a:prstGeom prst="ellipse">
+            <a:avLst/>
+          </a:prstGeom>
+        </p:spPr>
+        <p:style>
+          <a:lnRef idx="2">
+            <a:schemeClr val="accent1">
+              <a:shade val="50000"/>
+            </a:schemeClr>
+          </a:lnRef>
+          <a:fillRef idx="1">
+            <a:schemeClr val="accent1"/>
+          </a:fillRef>
+          <a:effectRef idx="0">
+            <a:schemeClr val="accent1"/>
+          </a:effectRef>
+          <a:fontRef idx="minor">
+            <a:schemeClr val="lt1"/>
+          </a:fontRef>
+        </p:style>
+        <p:txBody>
+          <a:bodyPr rtlCol="0" anchor="ctr"/>
+          <a:lstStyle/>
+          <a:p>
+            <a:pPr algn="ctr"/>
+            <a:r>
+              <a:rPr lang="en-US" dirty="0"/>
+              <a:t>C</a:t>
+            </a:r>
+          </a:p>
+        </p:txBody>
+      </p:sp>
+      <p:sp>
+        <p:nvSpPr>
+          <p:cNvPr id="116" name="Oval 115">
+            <a:extLst>
+              <a:ext uri="{FF2B5EF4-FFF2-40B4-BE49-F238E27FC236}">
+                <a16:creationId xmlns:a16="http://schemas.microsoft.com/office/drawing/2014/main" id="{01D9D6D6-3FB7-46BB-9BAB-9DB5DC457484}"/>
+              </a:ext>
+            </a:extLst>
+          </p:cNvPr>
+          <p:cNvSpPr/>
+          <p:nvPr/>
+        </p:nvSpPr>
+        <p:spPr>
+          <a:xfrm>
+            <a:off x="6611409" y="3111877"/>
+            <a:ext cx="352276" cy="363894"/>
+          </a:xfrm>
+          <a:prstGeom prst="ellipse">
+            <a:avLst/>
+          </a:prstGeom>
+        </p:spPr>
+        <p:style>
+          <a:lnRef idx="2">
+            <a:schemeClr val="accent1">
+              <a:shade val="50000"/>
+            </a:schemeClr>
+          </a:lnRef>
+          <a:fillRef idx="1">
+            <a:schemeClr val="accent1"/>
+          </a:fillRef>
+          <a:effectRef idx="0">
+            <a:schemeClr val="accent1"/>
+          </a:effectRef>
+          <a:fontRef idx="minor">
+            <a:schemeClr val="lt1"/>
+          </a:fontRef>
+        </p:style>
+        <p:txBody>
+          <a:bodyPr rtlCol="0" anchor="ctr"/>
+          <a:lstStyle/>
+          <a:p>
+            <a:pPr algn="ctr"/>
+            <a:r>
+              <a:rPr lang="en-US" dirty="0"/>
+              <a:t>A</a:t>
+            </a:r>
+          </a:p>
+        </p:txBody>
+      </p:sp>
+      <p:sp>
+        <p:nvSpPr>
+          <p:cNvPr id="117" name="Oval 116">
+            <a:extLst>
+              <a:ext uri="{FF2B5EF4-FFF2-40B4-BE49-F238E27FC236}">
+                <a16:creationId xmlns:a16="http://schemas.microsoft.com/office/drawing/2014/main" id="{BC317503-D010-45BD-BCA6-12FB5CDAA3A5}"/>
+              </a:ext>
+            </a:extLst>
+          </p:cNvPr>
+          <p:cNvSpPr/>
+          <p:nvPr/>
+        </p:nvSpPr>
+        <p:spPr>
+          <a:xfrm>
+            <a:off x="6959257" y="4444060"/>
+            <a:ext cx="352276" cy="363894"/>
+          </a:xfrm>
+          <a:prstGeom prst="ellipse">
+            <a:avLst/>
+          </a:prstGeom>
+        </p:spPr>
+        <p:style>
+          <a:lnRef idx="2">
+            <a:schemeClr val="accent1">
+              <a:shade val="50000"/>
+            </a:schemeClr>
+          </a:lnRef>
+          <a:fillRef idx="1">
+            <a:schemeClr val="accent1"/>
+          </a:fillRef>
+          <a:effectRef idx="0">
+            <a:schemeClr val="accent1"/>
+          </a:effectRef>
+          <a:fontRef idx="minor">
+            <a:schemeClr val="lt1"/>
+          </a:fontRef>
+        </p:style>
+        <p:txBody>
+          <a:bodyPr rtlCol="0" anchor="ctr"/>
+          <a:lstStyle/>
+          <a:p>
+            <a:pPr algn="ctr"/>
+            <a:r>
+              <a:rPr lang="en-US" dirty="0"/>
+              <a:t>G</a:t>
+            </a:r>
+          </a:p>
+        </p:txBody>
+      </p:sp>
+      <p:cxnSp>
+        <p:nvCxnSpPr>
+          <p:cNvPr id="118" name="Straight Connector 117">
+            <a:extLst>
+              <a:ext uri="{FF2B5EF4-FFF2-40B4-BE49-F238E27FC236}">
+                <a16:creationId xmlns:a16="http://schemas.microsoft.com/office/drawing/2014/main" id="{5D797FDF-F654-4F9D-B993-20983E84810D}"/>
+              </a:ext>
+            </a:extLst>
+          </p:cNvPr>
+          <p:cNvCxnSpPr>
+            <a:cxnSpLocks/>
+            <a:stCxn id="115" idx="0"/>
+            <a:endCxn id="111" idx="4"/>
+          </p:cNvCxnSpPr>
+          <p:nvPr/>
+        </p:nvCxnSpPr>
+        <p:spPr>
+          <a:xfrm flipV="1">
+            <a:off x="6433613" y="4102193"/>
+            <a:ext cx="0" cy="396617"/>
+          </a:xfrm>
+          <a:prstGeom prst="line">
+            <a:avLst/>
+          </a:prstGeom>
+        </p:spPr>
+        <p:style>
+          <a:lnRef idx="1">
+            <a:schemeClr val="accent1"/>
+          </a:lnRef>
+          <a:fillRef idx="0">
+            <a:schemeClr val="accent1"/>
+          </a:fillRef>
+          <a:effectRef idx="0">
+            <a:schemeClr val="accent1"/>
+          </a:effectRef>
+          <a:fontRef idx="minor">
+            <a:schemeClr val="tx1"/>
+          </a:fontRef>
+        </p:style>
+      </p:cxnSp>
+      <p:cxnSp>
+        <p:nvCxnSpPr>
+          <p:cNvPr id="119" name="Straight Connector 118">
+            <a:extLst>
+              <a:ext uri="{FF2B5EF4-FFF2-40B4-BE49-F238E27FC236}">
+                <a16:creationId xmlns:a16="http://schemas.microsoft.com/office/drawing/2014/main" id="{7DC7D5F5-2F1C-412C-A431-6B0988C82F55}"/>
+              </a:ext>
+            </a:extLst>
+          </p:cNvPr>
+          <p:cNvCxnSpPr>
+            <a:cxnSpLocks/>
+            <a:stCxn id="115" idx="4"/>
+            <a:endCxn id="114" idx="0"/>
+          </p:cNvCxnSpPr>
+          <p:nvPr/>
+        </p:nvCxnSpPr>
+        <p:spPr>
+          <a:xfrm>
+            <a:off x="6433613" y="4862704"/>
+            <a:ext cx="0" cy="344832"/>
+          </a:xfrm>
+          <a:prstGeom prst="line">
+            <a:avLst/>
+          </a:prstGeom>
+        </p:spPr>
+        <p:style>
+          <a:lnRef idx="1">
+            <a:schemeClr val="accent1"/>
+          </a:lnRef>
+          <a:fillRef idx="0">
+            <a:schemeClr val="accent1"/>
+          </a:fillRef>
+          <a:effectRef idx="0">
+            <a:schemeClr val="accent1"/>
+          </a:effectRef>
+          <a:fontRef idx="minor">
+            <a:schemeClr val="tx1"/>
+          </a:fontRef>
+        </p:style>
+      </p:cxnSp>
+      <p:cxnSp>
+        <p:nvCxnSpPr>
+          <p:cNvPr id="120" name="Straight Connector 119">
+            <a:extLst>
+              <a:ext uri="{FF2B5EF4-FFF2-40B4-BE49-F238E27FC236}">
+                <a16:creationId xmlns:a16="http://schemas.microsoft.com/office/drawing/2014/main" id="{6C2A0EF5-AA35-4013-8B2C-2FFCFC144F56}"/>
+              </a:ext>
+            </a:extLst>
+          </p:cNvPr>
+          <p:cNvCxnSpPr>
+            <a:cxnSpLocks/>
+            <a:stCxn id="116" idx="5"/>
+            <a:endCxn id="113" idx="0"/>
+          </p:cNvCxnSpPr>
+          <p:nvPr/>
+        </p:nvCxnSpPr>
+        <p:spPr>
+          <a:xfrm>
+            <a:off x="6912095" y="3422480"/>
+            <a:ext cx="223300" cy="310293"/>
+          </a:xfrm>
+          <a:prstGeom prst="line">
+            <a:avLst/>
+          </a:prstGeom>
+        </p:spPr>
+        <p:style>
+          <a:lnRef idx="1">
+            <a:schemeClr val="accent1"/>
+          </a:lnRef>
+          <a:fillRef idx="0">
+            <a:schemeClr val="accent1"/>
+          </a:fillRef>
+          <a:effectRef idx="0">
+            <a:schemeClr val="accent1"/>
+          </a:effectRef>
+          <a:fontRef idx="minor">
+            <a:schemeClr val="tx1"/>
+          </a:fontRef>
+        </p:style>
+      </p:cxnSp>
+      <p:cxnSp>
+        <p:nvCxnSpPr>
+          <p:cNvPr id="121" name="Straight Connector 120">
+            <a:extLst>
+              <a:ext uri="{FF2B5EF4-FFF2-40B4-BE49-F238E27FC236}">
+                <a16:creationId xmlns:a16="http://schemas.microsoft.com/office/drawing/2014/main" id="{C7400702-6667-4E5D-804A-3609B7C36FE3}"/>
+              </a:ext>
+            </a:extLst>
+          </p:cNvPr>
+          <p:cNvCxnSpPr>
+            <a:cxnSpLocks/>
+            <a:stCxn id="117" idx="0"/>
+            <a:endCxn id="113" idx="4"/>
+          </p:cNvCxnSpPr>
+          <p:nvPr/>
+        </p:nvCxnSpPr>
+        <p:spPr>
+          <a:xfrm flipV="1">
+            <a:off x="7135395" y="4096667"/>
+            <a:ext cx="0" cy="347393"/>
+          </a:xfrm>
+          <a:prstGeom prst="line">
+            <a:avLst/>
+          </a:prstGeom>
+        </p:spPr>
+        <p:style>
+          <a:lnRef idx="1">
+            <a:schemeClr val="accent1"/>
+          </a:lnRef>
+          <a:fillRef idx="0">
+            <a:schemeClr val="accent1"/>
+          </a:fillRef>
+          <a:effectRef idx="0">
+            <a:schemeClr val="accent1"/>
+          </a:effectRef>
+          <a:fontRef idx="minor">
+            <a:schemeClr val="tx1"/>
+          </a:fontRef>
+        </p:style>
+      </p:cxnSp>
+      <p:cxnSp>
+        <p:nvCxnSpPr>
+          <p:cNvPr id="122" name="Straight Connector 121">
+            <a:extLst>
+              <a:ext uri="{FF2B5EF4-FFF2-40B4-BE49-F238E27FC236}">
+                <a16:creationId xmlns:a16="http://schemas.microsoft.com/office/drawing/2014/main" id="{A98DB019-E476-45C8-AF04-5FAB8B36AC16}"/>
+              </a:ext>
+            </a:extLst>
+          </p:cNvPr>
+          <p:cNvCxnSpPr>
+            <a:cxnSpLocks/>
+            <a:stCxn id="124" idx="3"/>
+            <a:endCxn id="131" idx="0"/>
+          </p:cNvCxnSpPr>
+          <p:nvPr/>
+        </p:nvCxnSpPr>
+        <p:spPr>
+          <a:xfrm flipH="1">
+            <a:off x="9117893" y="2856741"/>
+            <a:ext cx="383351" cy="277174"/>
+          </a:xfrm>
+          <a:prstGeom prst="line">
+            <a:avLst/>
+          </a:prstGeom>
+        </p:spPr>
+        <p:style>
+          <a:lnRef idx="1">
+            <a:schemeClr val="accent1"/>
+          </a:lnRef>
+          <a:fillRef idx="0">
+            <a:schemeClr val="accent1"/>
+          </a:fillRef>
+          <a:effectRef idx="0">
+            <a:schemeClr val="accent1"/>
+          </a:effectRef>
+          <a:fontRef idx="minor">
+            <a:schemeClr val="tx1"/>
+          </a:fontRef>
+        </p:style>
+      </p:cxnSp>
+      <p:cxnSp>
+        <p:nvCxnSpPr>
+          <p:cNvPr id="123" name="Straight Connector 122">
+            <a:extLst>
+              <a:ext uri="{FF2B5EF4-FFF2-40B4-BE49-F238E27FC236}">
+                <a16:creationId xmlns:a16="http://schemas.microsoft.com/office/drawing/2014/main" id="{16C0D531-3532-4EF7-AE26-1410A945AF68}"/>
+              </a:ext>
+            </a:extLst>
+          </p:cNvPr>
+          <p:cNvCxnSpPr>
+            <a:cxnSpLocks/>
+            <a:stCxn id="124" idx="5"/>
+            <a:endCxn id="127" idx="0"/>
+          </p:cNvCxnSpPr>
+          <p:nvPr/>
+        </p:nvCxnSpPr>
+        <p:spPr>
+          <a:xfrm>
+            <a:off x="9750340" y="2856741"/>
+            <a:ext cx="601527" cy="255136"/>
+          </a:xfrm>
+          <a:prstGeom prst="line">
+            <a:avLst/>
+          </a:prstGeom>
+        </p:spPr>
+        <p:style>
+          <a:lnRef idx="1">
+            <a:schemeClr val="accent1"/>
+          </a:lnRef>
+          <a:fillRef idx="0">
+            <a:schemeClr val="accent1"/>
+          </a:fillRef>
+          <a:effectRef idx="0">
+            <a:schemeClr val="accent1"/>
+          </a:effectRef>
+          <a:fontRef idx="minor">
+            <a:schemeClr val="tx1"/>
+          </a:fontRef>
+        </p:style>
+      </p:cxnSp>
+      <p:sp>
+        <p:nvSpPr>
+          <p:cNvPr id="124" name="Oval 123">
+            <a:extLst>
+              <a:ext uri="{FF2B5EF4-FFF2-40B4-BE49-F238E27FC236}">
+                <a16:creationId xmlns:a16="http://schemas.microsoft.com/office/drawing/2014/main" id="{AA09BA24-D3F9-4071-BE02-F99B60B1AA25}"/>
+              </a:ext>
+            </a:extLst>
+          </p:cNvPr>
+          <p:cNvSpPr/>
+          <p:nvPr/>
+        </p:nvSpPr>
+        <p:spPr>
+          <a:xfrm>
+            <a:off x="9449654" y="2546138"/>
+            <a:ext cx="352276" cy="363894"/>
+          </a:xfrm>
+          <a:prstGeom prst="ellipse">
+            <a:avLst/>
+          </a:prstGeom>
+        </p:spPr>
+        <p:style>
+          <a:lnRef idx="2">
+            <a:schemeClr val="accent1">
+              <a:shade val="50000"/>
+            </a:schemeClr>
+          </a:lnRef>
+          <a:fillRef idx="1">
+            <a:schemeClr val="accent1"/>
+          </a:fillRef>
+          <a:effectRef idx="0">
+            <a:schemeClr val="accent1"/>
+          </a:effectRef>
+          <a:fontRef idx="minor">
+            <a:schemeClr val="lt1"/>
+          </a:fontRef>
+        </p:style>
+        <p:txBody>
+          <a:bodyPr rtlCol="0" anchor="ctr"/>
+          <a:lstStyle/>
+          <a:p>
+            <a:pPr algn="ctr"/>
+            <a:r>
+              <a:rPr lang="en-US" dirty="0"/>
+              <a:t>S</a:t>
+            </a:r>
+          </a:p>
+        </p:txBody>
+      </p:sp>
+      <p:cxnSp>
+        <p:nvCxnSpPr>
+          <p:cNvPr id="125" name="Straight Connector 124">
+            <a:extLst>
+              <a:ext uri="{FF2B5EF4-FFF2-40B4-BE49-F238E27FC236}">
+                <a16:creationId xmlns:a16="http://schemas.microsoft.com/office/drawing/2014/main" id="{7F8BB770-33FF-452C-82AF-F20E36736537}"/>
+              </a:ext>
+            </a:extLst>
+          </p:cNvPr>
+          <p:cNvCxnSpPr>
+            <a:cxnSpLocks/>
+            <a:stCxn id="131" idx="3"/>
+            <a:endCxn id="126" idx="0"/>
+          </p:cNvCxnSpPr>
+          <p:nvPr/>
+        </p:nvCxnSpPr>
+        <p:spPr>
+          <a:xfrm flipH="1">
+            <a:off x="8667867" y="3444518"/>
+            <a:ext cx="325478" cy="275816"/>
+          </a:xfrm>
+          <a:prstGeom prst="line">
+            <a:avLst/>
+          </a:prstGeom>
+        </p:spPr>
+        <p:style>
+          <a:lnRef idx="1">
+            <a:schemeClr val="accent1"/>
+          </a:lnRef>
+          <a:fillRef idx="0">
+            <a:schemeClr val="accent1"/>
+          </a:fillRef>
+          <a:effectRef idx="0">
+            <a:schemeClr val="accent1"/>
+          </a:effectRef>
+          <a:fontRef idx="minor">
+            <a:schemeClr val="tx1"/>
+          </a:fontRef>
+        </p:style>
+      </p:cxnSp>
+      <p:sp>
+        <p:nvSpPr>
+          <p:cNvPr id="126" name="Oval 125">
+            <a:extLst>
+              <a:ext uri="{FF2B5EF4-FFF2-40B4-BE49-F238E27FC236}">
+                <a16:creationId xmlns:a16="http://schemas.microsoft.com/office/drawing/2014/main" id="{5FAED7B4-4836-4DAC-A296-FD2C83EFFCCE}"/>
+              </a:ext>
+            </a:extLst>
+          </p:cNvPr>
+          <p:cNvSpPr/>
+          <p:nvPr/>
+        </p:nvSpPr>
+        <p:spPr>
+          <a:xfrm>
+            <a:off x="8491729" y="3720334"/>
+            <a:ext cx="352276" cy="363894"/>
+          </a:xfrm>
+          <a:prstGeom prst="ellipse">
+            <a:avLst/>
+          </a:prstGeom>
+        </p:spPr>
+        <p:style>
+          <a:lnRef idx="2">
+            <a:schemeClr val="accent1">
+              <a:shade val="50000"/>
+            </a:schemeClr>
+          </a:lnRef>
+          <a:fillRef idx="1">
+            <a:schemeClr val="accent1"/>
+          </a:fillRef>
+          <a:effectRef idx="0">
+            <a:schemeClr val="accent1"/>
+          </a:effectRef>
+          <a:fontRef idx="minor">
+            <a:schemeClr val="lt1"/>
+          </a:fontRef>
+        </p:style>
+        <p:txBody>
+          <a:bodyPr rtlCol="0" anchor="ctr"/>
+          <a:lstStyle/>
+          <a:p>
+            <a:pPr algn="ctr"/>
+            <a:r>
+              <a:rPr lang="en-US" dirty="0"/>
+              <a:t>B</a:t>
+            </a:r>
+          </a:p>
+        </p:txBody>
+      </p:sp>
+      <p:sp>
+        <p:nvSpPr>
+          <p:cNvPr id="127" name="Oval 126">
+            <a:extLst>
+              <a:ext uri="{FF2B5EF4-FFF2-40B4-BE49-F238E27FC236}">
+                <a16:creationId xmlns:a16="http://schemas.microsoft.com/office/drawing/2014/main" id="{F3A9FB7E-165F-41D9-8EF4-9740B4E2E370}"/>
+              </a:ext>
+            </a:extLst>
+          </p:cNvPr>
+          <p:cNvSpPr/>
+          <p:nvPr/>
+        </p:nvSpPr>
+        <p:spPr>
+          <a:xfrm>
+            <a:off x="10175729" y="3111877"/>
+            <a:ext cx="352276" cy="363894"/>
+          </a:xfrm>
+          <a:prstGeom prst="ellipse">
+            <a:avLst/>
+          </a:prstGeom>
+        </p:spPr>
+        <p:style>
+          <a:lnRef idx="2">
+            <a:schemeClr val="accent1">
+              <a:shade val="50000"/>
+            </a:schemeClr>
+          </a:lnRef>
+          <a:fillRef idx="1">
+            <a:schemeClr val="accent1"/>
+          </a:fillRef>
+          <a:effectRef idx="0">
+            <a:schemeClr val="accent1"/>
+          </a:effectRef>
+          <a:fontRef idx="minor">
+            <a:schemeClr val="lt1"/>
+          </a:fontRef>
+        </p:style>
+        <p:txBody>
+          <a:bodyPr rtlCol="0" anchor="ctr"/>
+          <a:lstStyle/>
+          <a:p>
+            <a:pPr algn="ctr"/>
+            <a:r>
+              <a:rPr lang="en-US" dirty="0"/>
+              <a:t>B</a:t>
+            </a:r>
+          </a:p>
+        </p:txBody>
+      </p:sp>
+      <p:sp>
+        <p:nvSpPr>
+          <p:cNvPr id="128" name="Oval 127">
+            <a:extLst>
+              <a:ext uri="{FF2B5EF4-FFF2-40B4-BE49-F238E27FC236}">
+                <a16:creationId xmlns:a16="http://schemas.microsoft.com/office/drawing/2014/main" id="{D10C467C-9626-4B35-B801-59EB7CB3D73F}"/>
+              </a:ext>
+            </a:extLst>
+          </p:cNvPr>
+          <p:cNvSpPr/>
+          <p:nvPr/>
+        </p:nvSpPr>
+        <p:spPr>
+          <a:xfrm>
+            <a:off x="9389429" y="3709961"/>
+            <a:ext cx="352276" cy="363894"/>
+          </a:xfrm>
+          <a:prstGeom prst="ellipse">
+            <a:avLst/>
+          </a:prstGeom>
+        </p:spPr>
+        <p:style>
+          <a:lnRef idx="2">
+            <a:schemeClr val="accent1">
+              <a:shade val="50000"/>
+            </a:schemeClr>
+          </a:lnRef>
+          <a:fillRef idx="1">
+            <a:schemeClr val="accent1"/>
+          </a:fillRef>
+          <a:effectRef idx="0">
+            <a:schemeClr val="accent1"/>
+          </a:effectRef>
+          <a:fontRef idx="minor">
+            <a:schemeClr val="lt1"/>
+          </a:fontRef>
+        </p:style>
+        <p:txBody>
+          <a:bodyPr rtlCol="0" anchor="ctr"/>
+          <a:lstStyle/>
+          <a:p>
+            <a:pPr algn="ctr"/>
+            <a:r>
+              <a:rPr lang="en-US" dirty="0"/>
+              <a:t>D</a:t>
+            </a:r>
+          </a:p>
+        </p:txBody>
+      </p:sp>
+      <p:sp>
+        <p:nvSpPr>
+          <p:cNvPr id="129" name="Oval 128">
+            <a:extLst>
+              <a:ext uri="{FF2B5EF4-FFF2-40B4-BE49-F238E27FC236}">
+                <a16:creationId xmlns:a16="http://schemas.microsoft.com/office/drawing/2014/main" id="{47369850-AB5C-45F6-AED4-054D86422404}"/>
+              </a:ext>
+            </a:extLst>
+          </p:cNvPr>
+          <p:cNvSpPr/>
+          <p:nvPr/>
+        </p:nvSpPr>
+        <p:spPr>
+          <a:xfrm>
+            <a:off x="10690623" y="3709961"/>
+            <a:ext cx="352276" cy="363894"/>
+          </a:xfrm>
+          <a:prstGeom prst="ellipse">
+            <a:avLst/>
+          </a:prstGeom>
+        </p:spPr>
+        <p:style>
+          <a:lnRef idx="2">
+            <a:schemeClr val="accent1">
+              <a:shade val="50000"/>
+            </a:schemeClr>
+          </a:lnRef>
+          <a:fillRef idx="1">
+            <a:schemeClr val="accent1"/>
+          </a:fillRef>
+          <a:effectRef idx="0">
+            <a:schemeClr val="accent1"/>
+          </a:effectRef>
+          <a:fontRef idx="minor">
+            <a:schemeClr val="lt1"/>
+          </a:fontRef>
+        </p:style>
+        <p:txBody>
+          <a:bodyPr rtlCol="0" anchor="ctr"/>
+          <a:lstStyle/>
+          <a:p>
+            <a:pPr algn="ctr"/>
+            <a:r>
+              <a:rPr lang="en-US" dirty="0"/>
+              <a:t>C</a:t>
+            </a:r>
+          </a:p>
+        </p:txBody>
+      </p:sp>
+      <p:sp>
+        <p:nvSpPr>
+          <p:cNvPr id="130" name="Oval 129">
+            <a:extLst>
+              <a:ext uri="{FF2B5EF4-FFF2-40B4-BE49-F238E27FC236}">
+                <a16:creationId xmlns:a16="http://schemas.microsoft.com/office/drawing/2014/main" id="{B42AA37C-02B4-4F43-AF42-45A04E7FBF97}"/>
+              </a:ext>
+            </a:extLst>
+          </p:cNvPr>
+          <p:cNvSpPr/>
+          <p:nvPr/>
+        </p:nvSpPr>
+        <p:spPr>
+          <a:xfrm>
+            <a:off x="8488562" y="4421248"/>
+            <a:ext cx="352276" cy="363894"/>
+          </a:xfrm>
+          <a:prstGeom prst="ellipse">
+            <a:avLst/>
+          </a:prstGeom>
+        </p:spPr>
+        <p:style>
+          <a:lnRef idx="2">
+            <a:schemeClr val="accent1">
+              <a:shade val="50000"/>
+            </a:schemeClr>
+          </a:lnRef>
+          <a:fillRef idx="1">
+            <a:schemeClr val="accent1"/>
+          </a:fillRef>
+          <a:effectRef idx="0">
+            <a:schemeClr val="accent1"/>
+          </a:effectRef>
+          <a:fontRef idx="minor">
+            <a:schemeClr val="lt1"/>
+          </a:fontRef>
+        </p:style>
+        <p:txBody>
+          <a:bodyPr rtlCol="0" anchor="ctr"/>
+          <a:lstStyle/>
+          <a:p>
+            <a:pPr algn="ctr"/>
+            <a:r>
+              <a:rPr lang="en-US" dirty="0"/>
+              <a:t>C</a:t>
+            </a:r>
+          </a:p>
+        </p:txBody>
+      </p:sp>
+      <p:sp>
+        <p:nvSpPr>
+          <p:cNvPr id="131" name="Oval 130">
+            <a:extLst>
+              <a:ext uri="{FF2B5EF4-FFF2-40B4-BE49-F238E27FC236}">
+                <a16:creationId xmlns:a16="http://schemas.microsoft.com/office/drawing/2014/main" id="{3EC7969D-969F-4174-81E6-069BC9B30723}"/>
+              </a:ext>
+            </a:extLst>
+          </p:cNvPr>
+          <p:cNvSpPr/>
+          <p:nvPr/>
+        </p:nvSpPr>
+        <p:spPr>
+          <a:xfrm>
+            <a:off x="8941755" y="3133915"/>
+            <a:ext cx="352276" cy="363894"/>
+          </a:xfrm>
+          <a:prstGeom prst="ellipse">
+            <a:avLst/>
+          </a:prstGeom>
+        </p:spPr>
+        <p:style>
+          <a:lnRef idx="2">
+            <a:schemeClr val="accent1">
+              <a:shade val="50000"/>
+            </a:schemeClr>
+          </a:lnRef>
+          <a:fillRef idx="1">
+            <a:schemeClr val="accent1"/>
+          </a:fillRef>
+          <a:effectRef idx="0">
+            <a:schemeClr val="accent1"/>
+          </a:effectRef>
+          <a:fontRef idx="minor">
+            <a:schemeClr val="lt1"/>
+          </a:fontRef>
+        </p:style>
+        <p:txBody>
+          <a:bodyPr rtlCol="0" anchor="ctr"/>
+          <a:lstStyle/>
+          <a:p>
+            <a:pPr algn="ctr"/>
+            <a:r>
+              <a:rPr lang="en-US" dirty="0"/>
+              <a:t>A</a:t>
+            </a:r>
+          </a:p>
+        </p:txBody>
+      </p:sp>
+      <p:sp>
+        <p:nvSpPr>
+          <p:cNvPr id="132" name="Oval 131">
+            <a:extLst>
+              <a:ext uri="{FF2B5EF4-FFF2-40B4-BE49-F238E27FC236}">
+                <a16:creationId xmlns:a16="http://schemas.microsoft.com/office/drawing/2014/main" id="{21889D3D-BA3C-4BDB-8C0A-5380ADE6B0E4}"/>
+              </a:ext>
+            </a:extLst>
+          </p:cNvPr>
+          <p:cNvSpPr/>
+          <p:nvPr/>
+        </p:nvSpPr>
+        <p:spPr>
+          <a:xfrm>
+            <a:off x="9389429" y="4421248"/>
+            <a:ext cx="352276" cy="363894"/>
+          </a:xfrm>
+          <a:prstGeom prst="ellipse">
+            <a:avLst/>
+          </a:prstGeom>
+        </p:spPr>
+        <p:style>
+          <a:lnRef idx="2">
+            <a:schemeClr val="accent1">
+              <a:shade val="50000"/>
+            </a:schemeClr>
+          </a:lnRef>
+          <a:fillRef idx="1">
+            <a:schemeClr val="accent1"/>
+          </a:fillRef>
+          <a:effectRef idx="0">
+            <a:schemeClr val="accent1"/>
+          </a:effectRef>
+          <a:fontRef idx="minor">
+            <a:schemeClr val="lt1"/>
+          </a:fontRef>
+        </p:style>
+        <p:txBody>
+          <a:bodyPr rtlCol="0" anchor="ctr"/>
+          <a:lstStyle/>
+          <a:p>
+            <a:pPr algn="ctr"/>
+            <a:r>
+              <a:rPr lang="en-US" dirty="0"/>
+              <a:t>G</a:t>
+            </a:r>
+          </a:p>
+        </p:txBody>
+      </p:sp>
+      <p:cxnSp>
+        <p:nvCxnSpPr>
+          <p:cNvPr id="133" name="Straight Connector 132">
+            <a:extLst>
+              <a:ext uri="{FF2B5EF4-FFF2-40B4-BE49-F238E27FC236}">
+                <a16:creationId xmlns:a16="http://schemas.microsoft.com/office/drawing/2014/main" id="{3CA70055-56C5-4AEA-BD8D-55840B9A2F34}"/>
+              </a:ext>
+            </a:extLst>
+          </p:cNvPr>
+          <p:cNvCxnSpPr>
+            <a:cxnSpLocks/>
+            <a:stCxn id="130" idx="0"/>
+            <a:endCxn id="126" idx="4"/>
+          </p:cNvCxnSpPr>
+          <p:nvPr/>
+        </p:nvCxnSpPr>
+        <p:spPr>
+          <a:xfrm flipV="1">
+            <a:off x="8664700" y="4084228"/>
+            <a:ext cx="3167" cy="337020"/>
+          </a:xfrm>
+          <a:prstGeom prst="line">
+            <a:avLst/>
+          </a:prstGeom>
+        </p:spPr>
+        <p:style>
+          <a:lnRef idx="1">
+            <a:schemeClr val="accent1"/>
+          </a:lnRef>
+          <a:fillRef idx="0">
+            <a:schemeClr val="accent1"/>
+          </a:fillRef>
+          <a:effectRef idx="0">
+            <a:schemeClr val="accent1"/>
+          </a:effectRef>
+          <a:fontRef idx="minor">
+            <a:schemeClr val="tx1"/>
+          </a:fontRef>
+        </p:style>
+      </p:cxnSp>
+      <p:cxnSp>
+        <p:nvCxnSpPr>
+          <p:cNvPr id="134" name="Straight Connector 133">
+            <a:extLst>
+              <a:ext uri="{FF2B5EF4-FFF2-40B4-BE49-F238E27FC236}">
+                <a16:creationId xmlns:a16="http://schemas.microsoft.com/office/drawing/2014/main" id="{E3914092-2E48-486A-A77E-43BBC92661CE}"/>
+              </a:ext>
+            </a:extLst>
+          </p:cNvPr>
+          <p:cNvCxnSpPr>
+            <a:cxnSpLocks/>
+            <a:stCxn id="127" idx="5"/>
+            <a:endCxn id="129" idx="0"/>
+          </p:cNvCxnSpPr>
+          <p:nvPr/>
+        </p:nvCxnSpPr>
+        <p:spPr>
+          <a:xfrm>
+            <a:off x="10476415" y="3422480"/>
+            <a:ext cx="390346" cy="287481"/>
+          </a:xfrm>
+          <a:prstGeom prst="line">
+            <a:avLst/>
+          </a:prstGeom>
+        </p:spPr>
+        <p:style>
+          <a:lnRef idx="1">
+            <a:schemeClr val="accent1"/>
+          </a:lnRef>
+          <a:fillRef idx="0">
+            <a:schemeClr val="accent1"/>
+          </a:fillRef>
+          <a:effectRef idx="0">
+            <a:schemeClr val="accent1"/>
+          </a:effectRef>
+          <a:fontRef idx="minor">
+            <a:schemeClr val="tx1"/>
+          </a:fontRef>
+        </p:style>
+      </p:cxnSp>
+      <p:cxnSp>
+        <p:nvCxnSpPr>
+          <p:cNvPr id="135" name="Straight Connector 134">
+            <a:extLst>
+              <a:ext uri="{FF2B5EF4-FFF2-40B4-BE49-F238E27FC236}">
+                <a16:creationId xmlns:a16="http://schemas.microsoft.com/office/drawing/2014/main" id="{6B46E2A9-0B14-48F7-AA7C-607A8604E3A4}"/>
+              </a:ext>
+            </a:extLst>
+          </p:cNvPr>
+          <p:cNvCxnSpPr>
+            <a:cxnSpLocks/>
+            <a:stCxn id="131" idx="5"/>
+            <a:endCxn id="128" idx="0"/>
+          </p:cNvCxnSpPr>
+          <p:nvPr/>
+        </p:nvCxnSpPr>
+        <p:spPr>
+          <a:xfrm>
+            <a:off x="9242441" y="3444518"/>
+            <a:ext cx="323126" cy="265443"/>
+          </a:xfrm>
+          <a:prstGeom prst="line">
+            <a:avLst/>
+          </a:prstGeom>
+        </p:spPr>
+        <p:style>
+          <a:lnRef idx="1">
+            <a:schemeClr val="accent1"/>
+          </a:lnRef>
+          <a:fillRef idx="0">
+            <a:schemeClr val="accent1"/>
+          </a:fillRef>
+          <a:effectRef idx="0">
+            <a:schemeClr val="accent1"/>
+          </a:effectRef>
+          <a:fontRef idx="minor">
+            <a:schemeClr val="tx1"/>
+          </a:fontRef>
+        </p:style>
+      </p:cxnSp>
+      <p:cxnSp>
+        <p:nvCxnSpPr>
+          <p:cNvPr id="136" name="Straight Connector 135">
+            <a:extLst>
+              <a:ext uri="{FF2B5EF4-FFF2-40B4-BE49-F238E27FC236}">
+                <a16:creationId xmlns:a16="http://schemas.microsoft.com/office/drawing/2014/main" id="{5156BD51-D4ED-4080-844C-205B7F0F5DE4}"/>
+              </a:ext>
+            </a:extLst>
+          </p:cNvPr>
+          <p:cNvCxnSpPr>
+            <a:cxnSpLocks/>
+            <a:stCxn id="132" idx="0"/>
+            <a:endCxn id="128" idx="4"/>
+          </p:cNvCxnSpPr>
+          <p:nvPr/>
+        </p:nvCxnSpPr>
+        <p:spPr>
+          <a:xfrm flipV="1">
+            <a:off x="9565567" y="4073855"/>
+            <a:ext cx="0" cy="347393"/>
+          </a:xfrm>
+          <a:prstGeom prst="line">
+            <a:avLst/>
+          </a:prstGeom>
+        </p:spPr>
+        <p:style>
+          <a:lnRef idx="1">
+            <a:schemeClr val="accent1"/>
+          </a:lnRef>
+          <a:fillRef idx="0">
+            <a:schemeClr val="accent1"/>
+          </a:fillRef>
+          <a:effectRef idx="0">
+            <a:schemeClr val="accent1"/>
+          </a:effectRef>
+          <a:fontRef idx="minor">
+            <a:schemeClr val="tx1"/>
+          </a:fontRef>
+        </p:style>
+      </p:cxnSp>
+      <p:sp>
+        <p:nvSpPr>
+          <p:cNvPr id="137" name="Oval 136">
+            <a:extLst>
+              <a:ext uri="{FF2B5EF4-FFF2-40B4-BE49-F238E27FC236}">
+                <a16:creationId xmlns:a16="http://schemas.microsoft.com/office/drawing/2014/main" id="{64FBA9D0-563B-4AA5-BB21-102D5C31C7F8}"/>
+              </a:ext>
+            </a:extLst>
+          </p:cNvPr>
+          <p:cNvSpPr/>
+          <p:nvPr/>
+        </p:nvSpPr>
+        <p:spPr>
+          <a:xfrm>
+            <a:off x="9801930" y="3709961"/>
+            <a:ext cx="352276" cy="363894"/>
+          </a:xfrm>
+          <a:prstGeom prst="ellipse">
+            <a:avLst/>
+          </a:prstGeom>
+        </p:spPr>
+        <p:style>
+          <a:lnRef idx="2">
+            <a:schemeClr val="accent1">
+              <a:shade val="50000"/>
+            </a:schemeClr>
+          </a:lnRef>
+          <a:fillRef idx="1">
+            <a:schemeClr val="accent1"/>
+          </a:fillRef>
+          <a:effectRef idx="0">
+            <a:schemeClr val="accent1"/>
+          </a:effectRef>
+          <a:fontRef idx="minor">
+            <a:schemeClr val="lt1"/>
+          </a:fontRef>
+        </p:style>
+        <p:txBody>
+          <a:bodyPr rtlCol="0" anchor="ctr"/>
+          <a:lstStyle/>
+          <a:p>
+            <a:pPr algn="ctr"/>
+            <a:r>
+              <a:rPr lang="en-US" dirty="0"/>
+              <a:t>A</a:t>
+            </a:r>
+          </a:p>
+        </p:txBody>
+      </p:sp>
+      <p:cxnSp>
+        <p:nvCxnSpPr>
+          <p:cNvPr id="138" name="Straight Connector 137">
+            <a:extLst>
+              <a:ext uri="{FF2B5EF4-FFF2-40B4-BE49-F238E27FC236}">
+                <a16:creationId xmlns:a16="http://schemas.microsoft.com/office/drawing/2014/main" id="{74B601EC-AA3B-4521-9244-D0BE085E973B}"/>
+              </a:ext>
+            </a:extLst>
+          </p:cNvPr>
+          <p:cNvCxnSpPr>
+            <a:cxnSpLocks/>
+            <a:stCxn id="127" idx="3"/>
+            <a:endCxn id="137" idx="0"/>
+          </p:cNvCxnSpPr>
+          <p:nvPr/>
+        </p:nvCxnSpPr>
+        <p:spPr>
+          <a:xfrm flipH="1">
+            <a:off x="9978068" y="3422480"/>
+            <a:ext cx="249251" cy="287481"/>
+          </a:xfrm>
+          <a:prstGeom prst="line">
+            <a:avLst/>
+          </a:prstGeom>
+        </p:spPr>
+        <p:style>
+          <a:lnRef idx="1">
+            <a:schemeClr val="accent1"/>
+          </a:lnRef>
+          <a:fillRef idx="0">
+            <a:schemeClr val="accent1"/>
+          </a:fillRef>
+          <a:effectRef idx="0">
+            <a:schemeClr val="accent1"/>
+          </a:effectRef>
+          <a:fontRef idx="minor">
+            <a:schemeClr val="tx1"/>
+          </a:fontRef>
+        </p:style>
+      </p:cxnSp>
+      <p:sp>
+        <p:nvSpPr>
+          <p:cNvPr id="139" name="Rectangle 138">
+            <a:extLst>
+              <a:ext uri="{FF2B5EF4-FFF2-40B4-BE49-F238E27FC236}">
+                <a16:creationId xmlns:a16="http://schemas.microsoft.com/office/drawing/2014/main" id="{1EB29857-11B1-4C63-913F-5EE1E026619F}"/>
+              </a:ext>
+            </a:extLst>
+          </p:cNvPr>
+          <p:cNvSpPr/>
+          <p:nvPr/>
+        </p:nvSpPr>
+        <p:spPr>
+          <a:xfrm>
+            <a:off x="8879422" y="1894155"/>
+            <a:ext cx="1811201" cy="369332"/>
+          </a:xfrm>
+          <a:prstGeom prst="rect">
+            <a:avLst/>
+          </a:prstGeom>
+        </p:spPr>
+        <p:txBody>
+          <a:bodyPr wrap="none">
+            <a:spAutoFit/>
+          </a:bodyPr>
+          <a:lstStyle/>
+          <a:p>
+            <a:r>
+              <a:rPr lang="en-US" dirty="0"/>
+              <a:t>Breadth First (BT)</a:t>
+            </a:r>
+          </a:p>
+        </p:txBody>
+      </p:sp>
+      <p:sp>
+        <p:nvSpPr>
+          <p:cNvPr id="140" name="Rectangle 139">
+            <a:extLst>
+              <a:ext uri="{FF2B5EF4-FFF2-40B4-BE49-F238E27FC236}">
+                <a16:creationId xmlns:a16="http://schemas.microsoft.com/office/drawing/2014/main" id="{F7D16DD5-1C49-401F-875F-4D9657D7AD95}"/>
+              </a:ext>
+            </a:extLst>
+          </p:cNvPr>
+          <p:cNvSpPr/>
+          <p:nvPr/>
+        </p:nvSpPr>
+        <p:spPr>
+          <a:xfrm>
+            <a:off x="5903968" y="1908867"/>
+            <a:ext cx="2462854" cy="369332"/>
+          </a:xfrm>
+          <a:prstGeom prst="rect">
+            <a:avLst/>
+          </a:prstGeom>
+        </p:spPr>
+        <p:txBody>
+          <a:bodyPr wrap="none">
+            <a:spAutoFit/>
+          </a:bodyPr>
+          <a:lstStyle/>
+          <a:p>
+            <a:r>
+              <a:rPr lang="en-US" dirty="0"/>
+              <a:t>Depth First (Binary Tree)</a:t>
+            </a:r>
           </a:p>
         </p:txBody>
       </p:sp>
     </p:spTree>
     <p:extLst>
       <p:ext uri="{BB962C8B-B14F-4D97-AF65-F5344CB8AC3E}">
-        <p14:creationId xmlns:p14="http://schemas.microsoft.com/office/powerpoint/2010/main" val="1873121010"/>
+        <p14:creationId xmlns:p14="http://schemas.microsoft.com/office/powerpoint/2010/main" val="3763672674"/>
       </p:ext>
     </p:extLst>
   </p:cSld>
@@ -10412,131 +14760,102 @@
         </p:nvSpPr>
         <p:spPr>
           <a:xfrm>
-            <a:off x="1166948" y="815294"/>
-            <a:ext cx="10375478" cy="5498419"/>
+            <a:off x="641023" y="1253878"/>
+            <a:ext cx="11227323" cy="5059835"/>
           </a:xfrm>
         </p:spPr>
         <p:txBody>
           <a:bodyPr>
-            <a:normAutofit fontScale="70000" lnSpcReduction="20000"/>
+            <a:normAutofit lnSpcReduction="10000"/>
           </a:bodyPr>
           <a:lstStyle/>
           <a:p>
-            <a:pPr algn="l"/>
-            <a:r>
-              <a:rPr lang="en-US" sz="3600" dirty="0"/>
-              <a:t>What is Data</a:t>
-            </a:r>
-          </a:p>
-          <a:p>
-            <a:pPr algn="l"/>
-            <a:r>
-              <a:rPr lang="en-US" sz="3600" dirty="0"/>
-              <a:t>	</a:t>
-            </a:r>
-            <a:r>
-              <a:rPr lang="en-US" sz="2000" i="1" dirty="0"/>
-              <a:t>“Data refers to facts and statistics collected together for reference or analysis”</a:t>
-            </a:r>
-          </a:p>
-          <a:p>
-            <a:pPr algn="l"/>
-            <a:endParaRPr lang="en-US" sz="3600" dirty="0"/>
-          </a:p>
-          <a:p>
-            <a:pPr algn="l"/>
-            <a:r>
-              <a:rPr lang="en-US" sz="3600" dirty="0"/>
-              <a:t>Categories of Data</a:t>
-            </a:r>
-          </a:p>
-          <a:p>
-            <a:pPr algn="l"/>
-            <a:r>
-              <a:rPr lang="en-US" sz="3600" dirty="0"/>
-              <a:t>	Qualitative Data </a:t>
-            </a:r>
-          </a:p>
-          <a:p>
-            <a:pPr algn="l"/>
-            <a:r>
-              <a:rPr lang="en-US" sz="3600" dirty="0"/>
-              <a:t>		Nominal Data vs. Ordinal Data</a:t>
-            </a:r>
-          </a:p>
-          <a:p>
-            <a:pPr algn="l"/>
-            <a:r>
-              <a:rPr lang="en-US" sz="3600" dirty="0"/>
-              <a:t>	Quantitative Data</a:t>
-            </a:r>
-          </a:p>
-          <a:p>
-            <a:pPr algn="l"/>
-            <a:r>
-              <a:rPr lang="en-US" sz="3600" dirty="0"/>
-              <a:t>		Discrete Data vs. Continuous Data	</a:t>
-            </a:r>
-          </a:p>
-          <a:p>
-            <a:pPr algn="l"/>
-            <a:r>
-              <a:rPr lang="en-US" sz="3600" dirty="0"/>
-              <a:t>What is Statistics</a:t>
-            </a:r>
-          </a:p>
-          <a:p>
-            <a:pPr algn="l"/>
-            <a:r>
-              <a:rPr lang="en-US" sz="3600" dirty="0"/>
-              <a:t>Basic Terminologies in Statistics</a:t>
-            </a:r>
-          </a:p>
-          <a:p>
-            <a:pPr algn="l"/>
-            <a:r>
-              <a:rPr lang="en-US" sz="3600" dirty="0"/>
-              <a:t>	Measure of Central tendency</a:t>
-            </a:r>
-          </a:p>
-          <a:p>
-            <a:pPr algn="l"/>
-            <a:r>
-              <a:rPr lang="en-US" sz="3600" dirty="0"/>
-              <a:t>	Measure of </a:t>
-            </a:r>
-            <a:r>
-              <a:rPr lang="en-US" sz="3600" dirty="0" err="1"/>
-              <a:t>Variablitity</a:t>
-            </a:r>
-            <a:r>
-              <a:rPr lang="en-US" sz="3600" dirty="0"/>
-              <a:t> (spread) </a:t>
-            </a:r>
-          </a:p>
-          <a:p>
-            <a:pPr algn="l"/>
-            <a:r>
-              <a:rPr lang="en-US" sz="3600" dirty="0"/>
-              <a:t>	Maximum, Average, Minimum, </a:t>
-            </a:r>
-          </a:p>
-          <a:p>
-            <a:pPr algn="l"/>
-            <a:endParaRPr lang="en-US" sz="5800" dirty="0"/>
-          </a:p>
-        </p:txBody>
-      </p:sp>
-      <p:sp>
-        <p:nvSpPr>
-          <p:cNvPr id="5" name="TextBox 4"/>
+            <a:pPr marL="685800" indent="-685800" algn="l">
+              <a:buFont typeface="Arial" panose="020B0604020202020204" pitchFamily="34" charset="0"/>
+              <a:buChar char="•"/>
+            </a:pPr>
+            <a:r>
+              <a:rPr lang="en-US" sz="4900" dirty="0"/>
+              <a:t>Computer programming</a:t>
+            </a:r>
+          </a:p>
+          <a:p>
+            <a:pPr marL="685800" indent="-685800" algn="l">
+              <a:buFont typeface="Arial" panose="020B0604020202020204" pitchFamily="34" charset="0"/>
+              <a:buChar char="•"/>
+            </a:pPr>
+            <a:r>
+              <a:rPr lang="en-US" sz="4900" dirty="0"/>
+              <a:t>Knowledge mining – search</a:t>
+            </a:r>
+          </a:p>
+          <a:p>
+            <a:pPr marL="685800" indent="-685800" algn="l">
+              <a:buFont typeface="Arial" panose="020B0604020202020204" pitchFamily="34" charset="0"/>
+              <a:buChar char="•"/>
+            </a:pPr>
+            <a:r>
+              <a:rPr lang="en-US" sz="4900" dirty="0"/>
+              <a:t>Domain knowledge</a:t>
+            </a:r>
+          </a:p>
+          <a:p>
+            <a:pPr marL="685800" indent="-685800" algn="l">
+              <a:buFont typeface="Arial" panose="020B0604020202020204" pitchFamily="34" charset="0"/>
+              <a:buChar char="•"/>
+            </a:pPr>
+            <a:r>
+              <a:rPr lang="en-US" sz="4900" dirty="0"/>
+              <a:t>Data Ingestion</a:t>
+            </a:r>
+          </a:p>
+          <a:p>
+            <a:pPr marL="685800" indent="-685800" algn="l">
+              <a:buFont typeface="Arial" panose="020B0604020202020204" pitchFamily="34" charset="0"/>
+              <a:buChar char="•"/>
+            </a:pPr>
+            <a:r>
+              <a:rPr lang="en-US" sz="4900" dirty="0"/>
+              <a:t>Model Training </a:t>
+            </a:r>
+          </a:p>
+          <a:p>
+            <a:pPr marL="685800" indent="-685800" algn="l">
+              <a:buFont typeface="Arial" panose="020B0604020202020204" pitchFamily="34" charset="0"/>
+              <a:buChar char="•"/>
+            </a:pPr>
+            <a:r>
+              <a:rPr lang="en-US" sz="4900" dirty="0"/>
+              <a:t>Humanity - AI Ethics (human behaviors and </a:t>
+            </a:r>
+            <a:r>
+              <a:rPr lang="en-US" sz="4900" dirty="0" err="1"/>
+              <a:t>valuelines</a:t>
+            </a:r>
+            <a:r>
+              <a:rPr lang="en-US" sz="4900" dirty="0"/>
+              <a:t>) </a:t>
+            </a:r>
+          </a:p>
+          <a:p>
+            <a:pPr marL="685800" indent="-685800" algn="l">
+              <a:buFont typeface="Arial" panose="020B0604020202020204" pitchFamily="34" charset="0"/>
+              <a:buChar char="•"/>
+            </a:pPr>
+            <a:endParaRPr lang="en-US" sz="4900" dirty="0"/>
+          </a:p>
+        </p:txBody>
+      </p:sp>
+      <p:sp>
+        <p:nvSpPr>
+          <p:cNvPr id="4" name="TextBox 3"/>
           <p:cNvSpPr txBox="1"/>
           <p:nvPr/>
         </p:nvSpPr>
         <p:spPr>
           <a:xfrm>
-            <a:off x="254568" y="147547"/>
-            <a:ext cx="10968760" cy="861774"/>
+            <a:off x="522513" y="217714"/>
+            <a:ext cx="10798629" cy="584775"/>
           </a:xfrm>
           <a:prstGeom prst="rect">
             <a:avLst/>
@@ -10551,18 +14870,15 @@
           <a:p>
             <a:r>
               <a:rPr lang="en-US" sz="3200" dirty="0"/>
-              <a:t>Class-2: Statistics &amp; Probability for ML - Intro</a:t>
-            </a:r>
-          </a:p>
-          <a:p>
-            <a:endParaRPr lang="en-US" dirty="0"/>
+              <a:t>Class-1: Introduction to ML – what involved?</a:t>
+            </a:r>
           </a:p>
         </p:txBody>
       </p:sp>
     </p:spTree>
     <p:extLst>
       <p:ext uri="{BB962C8B-B14F-4D97-AF65-F5344CB8AC3E}">
-        <p14:creationId xmlns:p14="http://schemas.microsoft.com/office/powerpoint/2010/main" val="2516377397"/>
+        <p14:creationId xmlns:p14="http://schemas.microsoft.com/office/powerpoint/2010/main" val="2374375479"/>
       </p:ext>
     </p:extLst>
   </p:cSld>
@@ -10601,8 +14917,8 @@
         </p:nvSpPr>
         <p:spPr>
           <a:xfrm>
-            <a:off x="1166948" y="815294"/>
-            <a:ext cx="10375478" cy="5498419"/>
+            <a:off x="641023" y="815294"/>
+            <a:ext cx="11227323" cy="5498419"/>
           </a:xfrm>
         </p:spPr>
         <p:txBody>
@@ -10611,77 +14927,31 @@
           </a:bodyPr>
           <a:lstStyle/>
           <a:p>
-            <a:pPr marL="571500" indent="-571500" algn="l">
-              <a:buFont typeface="Arial" panose="020B0604020202020204" pitchFamily="34" charset="0"/>
-              <a:buChar char="•"/>
-            </a:pPr>
-            <a:r>
-              <a:rPr lang="en-US" sz="3600" dirty="0"/>
-              <a:t>Basic Terminologies in Statistics</a:t>
-            </a:r>
-          </a:p>
-          <a:p>
             <a:pPr algn="l"/>
             <a:r>
-              <a:rPr lang="en-US" sz="3600" dirty="0"/>
-              <a:t>	</a:t>
-            </a:r>
-            <a:r>
-              <a:rPr lang="en-US" sz="3400" dirty="0"/>
-              <a:t>Population vs Sample</a:t>
-            </a:r>
-            <a:r>
-              <a:rPr lang="en-US" sz="3600" dirty="0"/>
-              <a:t>	</a:t>
-            </a:r>
-          </a:p>
-          <a:p>
-            <a:pPr marL="571500" indent="-571500" algn="l">
-              <a:buFont typeface="Arial" panose="020B0604020202020204" pitchFamily="34" charset="0"/>
-              <a:buChar char="•"/>
-            </a:pPr>
-            <a:r>
-              <a:rPr lang="en-US" sz="3600" dirty="0"/>
-              <a:t>Sampling Techniques </a:t>
-            </a:r>
-          </a:p>
-          <a:p>
-            <a:pPr lvl="2" algn="l"/>
-            <a:r>
-              <a:rPr lang="en-US" sz="3400" dirty="0"/>
-              <a:t>Random Sampling </a:t>
-            </a:r>
-          </a:p>
-          <a:p>
-            <a:pPr lvl="2" algn="l"/>
-            <a:r>
-              <a:rPr lang="en-US" sz="3400" dirty="0"/>
-              <a:t>Systematic Sampling </a:t>
-            </a:r>
-          </a:p>
-          <a:p>
-            <a:pPr lvl="2" algn="l"/>
-            <a:r>
-              <a:rPr lang="en-US" sz="3400" dirty="0"/>
-              <a:t>Stratified Sampling </a:t>
+              <a:rPr lang="en-US" sz="4900" dirty="0"/>
+              <a:t>Is this thing a cheetah?</a:t>
             </a:r>
           </a:p>
           <a:p>
             <a:pPr algn="l"/>
-            <a:endParaRPr lang="en-US" sz="3600" dirty="0"/>
-          </a:p>
-        </p:txBody>
-      </p:sp>
-      <p:sp>
-        <p:nvSpPr>
-          <p:cNvPr id="5" name="TextBox 4"/>
+            <a:r>
+              <a:rPr lang="en-US" sz="4900" dirty="0"/>
+              <a:t>2000s AI/ML approach is totally different.</a:t>
+            </a:r>
+          </a:p>
+        </p:txBody>
+      </p:sp>
+      <p:sp>
+        <p:nvSpPr>
+          <p:cNvPr id="4" name="TextBox 3"/>
           <p:cNvSpPr txBox="1"/>
           <p:nvPr/>
         </p:nvSpPr>
         <p:spPr>
           <a:xfrm>
-            <a:off x="254568" y="147547"/>
-            <a:ext cx="10968760" cy="861774"/>
+            <a:off x="522514" y="217714"/>
+            <a:ext cx="7961610" cy="584775"/>
           </a:xfrm>
           <a:prstGeom prst="rect">
             <a:avLst/>
@@ -10696,18 +14966,15 @@
           <a:p>
             <a:r>
               <a:rPr lang="en-US" sz="3200" dirty="0"/>
-              <a:t>Class-2: Statistics &amp; Probability for ML</a:t>
-            </a:r>
-          </a:p>
-          <a:p>
-            <a:endParaRPr lang="en-US" dirty="0"/>
+              <a:t>Class-1: Introduction to ML</a:t>
+            </a:r>
           </a:p>
         </p:txBody>
       </p:sp>
     </p:spTree>
     <p:extLst>
       <p:ext uri="{BB962C8B-B14F-4D97-AF65-F5344CB8AC3E}">
-        <p14:creationId xmlns:p14="http://schemas.microsoft.com/office/powerpoint/2010/main" val="2089964153"/>
+        <p14:creationId xmlns:p14="http://schemas.microsoft.com/office/powerpoint/2010/main" val="1928135425"/>
       </p:ext>
     </p:extLst>
   </p:cSld>
@@ -10746,8 +15013,8 @@
         </p:nvSpPr>
         <p:spPr>
           <a:xfrm>
-            <a:off x="134647" y="935215"/>
-            <a:ext cx="10968760" cy="5498419"/>
+            <a:off x="641023" y="815294"/>
+            <a:ext cx="11227323" cy="5498419"/>
           </a:xfrm>
         </p:spPr>
         <p:txBody>
@@ -10756,62 +15023,100 @@
           </a:bodyPr>
           <a:lstStyle/>
           <a:p>
-            <a:pPr marL="914400" lvl="1" indent="-457200" algn="l">
+            <a:pPr marL="685800" indent="-685800" algn="l">
               <a:buFont typeface="Arial" panose="020B0604020202020204" pitchFamily="34" charset="0"/>
               <a:buChar char="•"/>
             </a:pPr>
             <a:r>
-              <a:rPr lang="en-US" sz="2800" dirty="0"/>
-              <a:t>Descriptive Statistics</a:t>
-            </a:r>
-          </a:p>
-          <a:p>
-            <a:pPr lvl="1" algn="l">
-              <a:lnSpc>
-                <a:spcPct val="100000"/>
-              </a:lnSpc>
-            </a:pPr>
-            <a:r>
-              <a:rPr lang="en-US" sz="2800" dirty="0"/>
-              <a:t>	Maximum Average Minimum</a:t>
-            </a:r>
-          </a:p>
-          <a:p>
-            <a:pPr marL="914400" lvl="1" indent="-457200" algn="l">
-              <a:lnSpc>
-                <a:spcPct val="100000"/>
-              </a:lnSpc>
+              <a:rPr lang="en-US" sz="4900" dirty="0"/>
+              <a:t>	</a:t>
+            </a:r>
+            <a:r>
+              <a:rPr lang="en-US" sz="4000" dirty="0"/>
+              <a:t>Supervised Learning</a:t>
+            </a:r>
+            <a:r>
+              <a:rPr lang="en-US" sz="4900" dirty="0"/>
+              <a:t>	</a:t>
+            </a:r>
+          </a:p>
+          <a:p>
+            <a:pPr algn="l"/>
+            <a:r>
+              <a:rPr lang="en-US" sz="4900" dirty="0"/>
+              <a:t>		</a:t>
+            </a:r>
+            <a:r>
+              <a:rPr lang="en-US" sz="3000" dirty="0"/>
+              <a:t>knowing X and Y, generate a model to classification</a:t>
+            </a:r>
+          </a:p>
+          <a:p>
+            <a:pPr marL="685800" indent="-685800" algn="l">
               <a:buFont typeface="Arial" panose="020B0604020202020204" pitchFamily="34" charset="0"/>
               <a:buChar char="•"/>
             </a:pPr>
             <a:r>
-              <a:rPr lang="en-US" sz="2800" dirty="0"/>
-              <a:t>Inferential Statistics</a:t>
-            </a:r>
-          </a:p>
-          <a:p>
-            <a:pPr lvl="1" algn="l">
-              <a:lnSpc>
-                <a:spcPct val="100000"/>
-              </a:lnSpc>
+              <a:rPr lang="en-US" sz="4900" dirty="0"/>
+              <a:t>	</a:t>
+            </a:r>
+            <a:r>
+              <a:rPr lang="en-US" sz="4000" dirty="0"/>
+              <a:t>Unsupervised Learning</a:t>
+            </a:r>
+          </a:p>
+          <a:p>
+            <a:pPr lvl="2" algn="l"/>
+            <a:r>
+              <a:rPr lang="en-US" sz="3400" dirty="0"/>
+              <a:t>	</a:t>
+            </a:r>
+            <a:r>
+              <a:rPr lang="en-US" sz="3000" dirty="0"/>
+              <a:t>knowing X but Y, generate a model to cluster</a:t>
+            </a:r>
+          </a:p>
+          <a:p>
+            <a:pPr marL="685800" indent="-685800" algn="l">
+              <a:buFont typeface="Arial" panose="020B0604020202020204" pitchFamily="34" charset="0"/>
+              <a:buChar char="•"/>
             </a:pPr>
             <a:r>
-              <a:rPr lang="en-US" sz="2800" dirty="0"/>
-              <a:t>	Large Medium Small</a:t>
-            </a:r>
-          </a:p>
-        </p:txBody>
-      </p:sp>
-      <p:sp>
-        <p:nvSpPr>
-          <p:cNvPr id="5" name="TextBox 4"/>
+              <a:rPr lang="en-US" sz="4900" dirty="0"/>
+              <a:t>	</a:t>
+            </a:r>
+            <a:r>
+              <a:rPr lang="en-US" sz="4000" dirty="0"/>
+              <a:t>Reinforcement Learning</a:t>
+            </a:r>
+          </a:p>
+          <a:p>
+            <a:pPr lvl="1" algn="l"/>
+            <a:r>
+              <a:rPr lang="en-US" sz="3000" dirty="0"/>
+              <a:t>		knowing X but Y, create an environment and learning agent</a:t>
+            </a:r>
+          </a:p>
+          <a:p>
+            <a:pPr algn="l"/>
+            <a:endParaRPr lang="en-US" sz="4900" dirty="0"/>
+          </a:p>
+          <a:p>
+            <a:pPr algn="l"/>
+            <a:endParaRPr lang="en-US" sz="4900" dirty="0"/>
+          </a:p>
+        </p:txBody>
+      </p:sp>
+      <p:sp>
+        <p:nvSpPr>
+          <p:cNvPr id="4" name="TextBox 3"/>
           <p:cNvSpPr txBox="1"/>
           <p:nvPr/>
         </p:nvSpPr>
         <p:spPr>
           <a:xfrm>
-            <a:off x="254568" y="147547"/>
-            <a:ext cx="10968760" cy="584775"/>
+            <a:off x="522514" y="217714"/>
+            <a:ext cx="7961610" cy="584775"/>
           </a:xfrm>
           <a:prstGeom prst="rect">
             <a:avLst/>
@@ -10826,16 +15131,15 @@
           <a:p>
             <a:r>
               <a:rPr lang="en-US" sz="3200" dirty="0"/>
-              <a:t>Class-2: Types of Statistics</a:t>
-            </a:r>
-            <a:endParaRPr lang="en-US" dirty="0"/>
+              <a:t>Class-1: Introduction to ML</a:t>
+            </a:r>
           </a:p>
         </p:txBody>
       </p:sp>
     </p:spTree>
     <p:extLst>
       <p:ext uri="{BB962C8B-B14F-4D97-AF65-F5344CB8AC3E}">
-        <p14:creationId xmlns:p14="http://schemas.microsoft.com/office/powerpoint/2010/main" val="3362844972"/>
+        <p14:creationId xmlns:p14="http://schemas.microsoft.com/office/powerpoint/2010/main" val="1538160773"/>
       </p:ext>
     </p:extLst>
   </p:cSld>

--- a/AI-ML-DL/Machine Learning.pptx
+++ b/AI-ML-DL/Machine Learning.pptx
@@ -5,7 +5,7 @@
     <p:sldMasterId id="2147483648" r:id="rId4"/>
   </p:sldMasterIdLst>
   <p:notesMasterIdLst>
-    <p:notesMasterId r:id="rId43"/>
+    <p:notesMasterId r:id="rId44"/>
   </p:notesMasterIdLst>
   <p:sldIdLst>
     <p:sldId id="256" r:id="rId5"/>
@@ -45,7 +45,8 @@
     <p:sldId id="287" r:id="rId39"/>
     <p:sldId id="266" r:id="rId40"/>
     <p:sldId id="294" r:id="rId41"/>
-    <p:sldId id="286" r:id="rId42"/>
+    <p:sldId id="295" r:id="rId42"/>
+    <p:sldId id="286" r:id="rId43"/>
   </p:sldIdLst>
   <p:sldSz cx="12192000" cy="6858000"/>
   <p:notesSz cx="6858000" cy="9144000"/>
@@ -4493,6 +4494,10 @@
           </a:p>
           <a:p>
             <a:pPr algn="l"/>
+            <a:r>
+              <a:rPr lang="en-US" sz="6600" dirty="0"/>
+              <a:t/>
+            </a:r>
             <a:br>
               <a:rPr lang="en-US" sz="6600" dirty="0"/>
             </a:br>
@@ -6288,6 +6293,10 @@
           </a:p>
           <a:p>
             <a:pPr lvl="1" algn="l"/>
+            <a:r>
+              <a:rPr lang="en-US" sz="6200" dirty="0"/>
+              <a:t/>
+            </a:r>
             <a:br>
               <a:rPr lang="en-US" sz="6200" dirty="0"/>
             </a:br>
@@ -6549,7 +6558,7 @@
                 <a16:creationId xmlns:a16="http://schemas.microsoft.com/office/drawing/2014/main" id="{DEE5C6BA-FE2A-4C38-8D88-E70C06E54F82}"/>
               </a:ext>
               <a:ext uri="{C183D7F6-B498-43B3-948B-1728B52AA6E4}">
-                <adec:decorative xmlns:adec="http://schemas.microsoft.com/office/drawing/2017/decorative" val="1"/>
+                <adec:decorative xmlns:adec="http://schemas.microsoft.com/office/drawing/2017/decorative" xmlns="" val="1"/>
               </a:ext>
             </a:extLst>
           </p:cNvPr>
@@ -6635,7 +6644,7 @@
                 <a16:creationId xmlns:a16="http://schemas.microsoft.com/office/drawing/2014/main" id="{53E66F28-0926-4CFB-BDAB-646CAB184CB0}"/>
               </a:ext>
               <a:ext uri="{C183D7F6-B498-43B3-948B-1728B52AA6E4}">
-                <adec:decorative xmlns:adec="http://schemas.microsoft.com/office/drawing/2017/decorative" val="1"/>
+                <adec:decorative xmlns:adec="http://schemas.microsoft.com/office/drawing/2017/decorative" xmlns="" val="1"/>
               </a:ext>
             </a:extLst>
           </p:cNvPr>
@@ -6726,7 +6735,7 @@
                 <a16:creationId xmlns:a16="http://schemas.microsoft.com/office/drawing/2014/main" id="{DE9FA85F-F0FB-4952-A05F-04CC67B18EE5}"/>
               </a:ext>
               <a:ext uri="{C183D7F6-B498-43B3-948B-1728B52AA6E4}">
-                <adec:decorative xmlns:adec="http://schemas.microsoft.com/office/drawing/2017/decorative" val="1"/>
+                <adec:decorative xmlns:adec="http://schemas.microsoft.com/office/drawing/2017/decorative" xmlns="" val="1"/>
               </a:ext>
             </a:extLst>
           </p:cNvPr>
@@ -7172,7 +7181,7 @@
                 <a16:creationId xmlns:a16="http://schemas.microsoft.com/office/drawing/2014/main" id="{FEBD362A-CC27-47D9-8FC3-A5E91BA0760C}"/>
               </a:ext>
               <a:ext uri="{C183D7F6-B498-43B3-948B-1728B52AA6E4}">
-                <adec:decorative xmlns:adec="http://schemas.microsoft.com/office/drawing/2017/decorative" val="1"/>
+                <adec:decorative xmlns:adec="http://schemas.microsoft.com/office/drawing/2017/decorative" xmlns="" val="1"/>
               </a:ext>
             </a:extLst>
           </p:cNvPr>
@@ -11612,6 +11621,10 @@
           </a:p>
           <a:p>
             <a:pPr algn="l"/>
+            <a:r>
+              <a:rPr lang="en-US" sz="6600" dirty="0"/>
+              <a:t/>
+            </a:r>
             <a:br>
               <a:rPr lang="en-US" sz="6600" dirty="0"/>
             </a:br>
@@ -11760,6 +11773,10 @@
           </a:p>
           <a:p>
             <a:pPr algn="l"/>
+            <a:r>
+              <a:rPr lang="en-US" sz="6600" dirty="0"/>
+              <a:t/>
+            </a:r>
             <a:br>
               <a:rPr lang="en-US" sz="6600" dirty="0"/>
             </a:br>
@@ -11996,11 +12013,23 @@
             </a:r>
           </a:p>
           <a:p>
-            <a:pPr algn="l"/>
-            <a:r>
-              <a:rPr lang="en-US" sz="4300" dirty="0"/>
-              <a:t>4. </a:t>
-            </a:r>
+            <a:pPr marL="742950" indent="-742950" algn="l">
+              <a:buAutoNum type="arabicPeriod" startAt="4"/>
+            </a:pPr>
+            <a:r>
+              <a:rPr lang="en-US" sz="4300" dirty="0" smtClean="0"/>
+              <a:t>Using British Museum Algorithm</a:t>
+            </a:r>
+          </a:p>
+          <a:p>
+            <a:pPr marL="742950" indent="-742950" algn="l">
+              <a:buAutoNum type="arabicPeriod" startAt="4"/>
+            </a:pPr>
+            <a:r>
+              <a:rPr lang="en-US" sz="4300" dirty="0" smtClean="0"/>
+              <a:t>Look Ahead as far as Possible</a:t>
+            </a:r>
+            <a:endParaRPr lang="en-US" sz="4300" dirty="0"/>
           </a:p>
           <a:p>
             <a:pPr algn="l"/>
@@ -12082,6 +12111,616 @@
         </p:nvSpPr>
         <p:spPr>
           <a:xfrm>
+            <a:off x="477672" y="731521"/>
+            <a:ext cx="8807355" cy="2898784"/>
+          </a:xfrm>
+        </p:spPr>
+        <p:txBody>
+          <a:bodyPr>
+            <a:normAutofit/>
+          </a:bodyPr>
+          <a:lstStyle/>
+          <a:p>
+            <a:pPr algn="l"/>
+            <a:r>
+              <a:rPr lang="en-US" sz="6200" dirty="0" smtClean="0"/>
+              <a:t>Guzman-&gt;Huffman-&gt;Waltz</a:t>
+            </a:r>
+          </a:p>
+          <a:p>
+            <a:pPr algn="l"/>
+            <a:r>
+              <a:rPr lang="en-US" sz="4800" dirty="0" smtClean="0"/>
+              <a:t>The whole world can be presented in these 2 things:</a:t>
+            </a:r>
+          </a:p>
+        </p:txBody>
+      </p:sp>
+      <p:sp>
+        <p:nvSpPr>
+          <p:cNvPr id="4" name="TextBox 3"/>
+          <p:cNvSpPr txBox="1"/>
+          <p:nvPr/>
+        </p:nvSpPr>
+        <p:spPr>
+          <a:xfrm>
+            <a:off x="97000" y="82622"/>
+            <a:ext cx="11449006" cy="923330"/>
+          </a:xfrm>
+          <a:prstGeom prst="rect">
+            <a:avLst/>
+          </a:prstGeom>
+          <a:noFill/>
+        </p:spPr>
+        <p:txBody>
+          <a:bodyPr wrap="square" rtlCol="0">
+            <a:spAutoFit/>
+          </a:bodyPr>
+          <a:lstStyle/>
+          <a:p>
+            <a:r>
+              <a:rPr lang="en-US" sz="3600" dirty="0" smtClean="0"/>
+              <a:t>Constraints: Interpreting Line Drawings</a:t>
+            </a:r>
+            <a:r>
+              <a:rPr lang="en-US" sz="3600" dirty="0" smtClean="0"/>
+              <a:t> </a:t>
+            </a:r>
+            <a:endParaRPr lang="en-US" sz="3600" dirty="0"/>
+          </a:p>
+          <a:p>
+            <a:endParaRPr lang="en-US" dirty="0"/>
+          </a:p>
+        </p:txBody>
+      </p:sp>
+      <p:grpSp>
+        <p:nvGrpSpPr>
+          <p:cNvPr id="27" name="Group 26"/>
+          <p:cNvGrpSpPr/>
+          <p:nvPr/>
+        </p:nvGrpSpPr>
+        <p:grpSpPr>
+          <a:xfrm>
+            <a:off x="6878469" y="2384083"/>
+            <a:ext cx="1992574" cy="764274"/>
+            <a:chOff x="9553432" y="3140124"/>
+            <a:chExt cx="1992574" cy="764274"/>
+          </a:xfrm>
+        </p:grpSpPr>
+        <p:cxnSp>
+          <p:nvCxnSpPr>
+            <p:cNvPr id="12" name="Straight Connector 11"/>
+            <p:cNvCxnSpPr/>
+            <p:nvPr/>
+          </p:nvCxnSpPr>
+          <p:spPr>
+            <a:xfrm flipV="1">
+              <a:off x="10877267" y="3538184"/>
+              <a:ext cx="279779" cy="366214"/>
+            </a:xfrm>
+            <a:prstGeom prst="line">
+              <a:avLst/>
+            </a:prstGeom>
+          </p:spPr>
+          <p:style>
+            <a:lnRef idx="1">
+              <a:schemeClr val="accent1"/>
+            </a:lnRef>
+            <a:fillRef idx="0">
+              <a:schemeClr val="accent1"/>
+            </a:fillRef>
+            <a:effectRef idx="0">
+              <a:schemeClr val="accent1"/>
+            </a:effectRef>
+            <a:fontRef idx="minor">
+              <a:schemeClr val="tx1"/>
+            </a:fontRef>
+          </p:style>
+        </p:cxnSp>
+        <p:grpSp>
+          <p:nvGrpSpPr>
+            <p:cNvPr id="26" name="Group 25"/>
+            <p:cNvGrpSpPr/>
+            <p:nvPr/>
+          </p:nvGrpSpPr>
+          <p:grpSpPr>
+            <a:xfrm>
+              <a:off x="9553432" y="3140124"/>
+              <a:ext cx="1992574" cy="764274"/>
+              <a:chOff x="1460310" y="3780430"/>
+              <a:chExt cx="1992574" cy="764274"/>
+            </a:xfrm>
+          </p:grpSpPr>
+          <p:cxnSp>
+            <p:nvCxnSpPr>
+              <p:cNvPr id="5" name="Straight Connector 4"/>
+              <p:cNvCxnSpPr/>
+              <p:nvPr/>
+            </p:nvCxnSpPr>
+            <p:spPr>
+              <a:xfrm flipV="1">
+                <a:off x="1460310" y="3903260"/>
+                <a:ext cx="559559" cy="641444"/>
+              </a:xfrm>
+              <a:prstGeom prst="line">
+                <a:avLst/>
+              </a:prstGeom>
+            </p:spPr>
+            <p:style>
+              <a:lnRef idx="1">
+                <a:schemeClr val="accent1"/>
+              </a:lnRef>
+              <a:fillRef idx="0">
+                <a:schemeClr val="accent1"/>
+              </a:fillRef>
+              <a:effectRef idx="0">
+                <a:schemeClr val="accent1"/>
+              </a:effectRef>
+              <a:fontRef idx="minor">
+                <a:schemeClr val="tx1"/>
+              </a:fontRef>
+            </p:style>
+          </p:cxnSp>
+          <p:cxnSp>
+            <p:nvCxnSpPr>
+              <p:cNvPr id="6" name="Straight Connector 5"/>
+              <p:cNvCxnSpPr/>
+              <p:nvPr/>
+            </p:nvCxnSpPr>
+            <p:spPr>
+              <a:xfrm flipH="1" flipV="1">
+                <a:off x="2019869" y="3903260"/>
+                <a:ext cx="204716" cy="464024"/>
+              </a:xfrm>
+              <a:prstGeom prst="line">
+                <a:avLst/>
+              </a:prstGeom>
+            </p:spPr>
+            <p:style>
+              <a:lnRef idx="1">
+                <a:schemeClr val="accent1"/>
+              </a:lnRef>
+              <a:fillRef idx="0">
+                <a:schemeClr val="accent1"/>
+              </a:fillRef>
+              <a:effectRef idx="0">
+                <a:schemeClr val="accent1"/>
+              </a:effectRef>
+              <a:fontRef idx="minor">
+                <a:schemeClr val="tx1"/>
+              </a:fontRef>
+            </p:style>
+          </p:cxnSp>
+          <p:cxnSp>
+            <p:nvCxnSpPr>
+              <p:cNvPr id="9" name="Straight Connector 8"/>
+              <p:cNvCxnSpPr/>
+              <p:nvPr/>
+            </p:nvCxnSpPr>
+            <p:spPr>
+              <a:xfrm flipH="1" flipV="1">
+                <a:off x="1460310" y="3903260"/>
+                <a:ext cx="559560" cy="1"/>
+              </a:xfrm>
+              <a:prstGeom prst="line">
+                <a:avLst/>
+              </a:prstGeom>
+            </p:spPr>
+            <p:style>
+              <a:lnRef idx="1">
+                <a:schemeClr val="accent1"/>
+              </a:lnRef>
+              <a:fillRef idx="0">
+                <a:schemeClr val="accent1"/>
+              </a:fillRef>
+              <a:effectRef idx="0">
+                <a:schemeClr val="accent1"/>
+              </a:effectRef>
+              <a:fontRef idx="minor">
+                <a:schemeClr val="tx1"/>
+              </a:fontRef>
+            </p:style>
+          </p:cxnSp>
+          <p:cxnSp>
+            <p:nvCxnSpPr>
+              <p:cNvPr id="13" name="Straight Connector 12"/>
+              <p:cNvCxnSpPr/>
+              <p:nvPr/>
+            </p:nvCxnSpPr>
+            <p:spPr>
+              <a:xfrm flipH="1">
+                <a:off x="3063924" y="4135272"/>
+                <a:ext cx="388960" cy="43218"/>
+              </a:xfrm>
+              <a:prstGeom prst="line">
+                <a:avLst/>
+              </a:prstGeom>
+            </p:spPr>
+            <p:style>
+              <a:lnRef idx="1">
+                <a:schemeClr val="accent1"/>
+              </a:lnRef>
+              <a:fillRef idx="0">
+                <a:schemeClr val="accent1"/>
+              </a:fillRef>
+              <a:effectRef idx="0">
+                <a:schemeClr val="accent1"/>
+              </a:effectRef>
+              <a:fontRef idx="minor">
+                <a:schemeClr val="tx1"/>
+              </a:fontRef>
+            </p:style>
+          </p:cxnSp>
+          <p:cxnSp>
+            <p:nvCxnSpPr>
+              <p:cNvPr id="14" name="Straight Connector 13"/>
+              <p:cNvCxnSpPr/>
+              <p:nvPr/>
+            </p:nvCxnSpPr>
+            <p:spPr>
+              <a:xfrm flipH="1" flipV="1">
+                <a:off x="2975212" y="3780430"/>
+                <a:ext cx="88712" cy="398062"/>
+              </a:xfrm>
+              <a:prstGeom prst="line">
+                <a:avLst/>
+              </a:prstGeom>
+            </p:spPr>
+            <p:style>
+              <a:lnRef idx="1">
+                <a:schemeClr val="accent1"/>
+              </a:lnRef>
+              <a:fillRef idx="0">
+                <a:schemeClr val="accent1"/>
+              </a:fillRef>
+              <a:effectRef idx="0">
+                <a:schemeClr val="accent1"/>
+              </a:effectRef>
+              <a:fontRef idx="minor">
+                <a:schemeClr val="tx1"/>
+              </a:fontRef>
+            </p:style>
+          </p:cxnSp>
+        </p:grpSp>
+      </p:grpSp>
+      <p:pic>
+        <p:nvPicPr>
+          <p:cNvPr id="24" name="Picture 23" descr="TensorFlow - Wikipedia"/>
+          <p:cNvPicPr>
+            <a:picLocks noChangeAspect="1"/>
+          </p:cNvPicPr>
+          <p:nvPr/>
+        </p:nvPicPr>
+        <p:blipFill>
+          <a:blip r:embed="rId2" cstate="print">
+            <a:extLst>
+              <a:ext uri="{28A0092B-C50C-407E-A947-70E740481C1C}">
+                <a14:useLocalDpi xmlns:a14="http://schemas.microsoft.com/office/drawing/2010/main" val="0"/>
+              </a:ext>
+            </a:extLst>
+          </a:blip>
+          <a:stretch>
+            <a:fillRect/>
+          </a:stretch>
+        </p:blipFill>
+        <p:spPr>
+          <a:xfrm>
+            <a:off x="9285027" y="544287"/>
+            <a:ext cx="2568054" cy="2140045"/>
+          </a:xfrm>
+          <a:prstGeom prst="rect">
+            <a:avLst/>
+          </a:prstGeom>
+        </p:spPr>
+      </p:pic>
+      <p:sp>
+        <p:nvSpPr>
+          <p:cNvPr id="25" name="Subtitle 2"/>
+          <p:cNvSpPr txBox="1">
+            <a:spLocks/>
+          </p:cNvSpPr>
+          <p:nvPr/>
+        </p:nvSpPr>
+        <p:spPr>
+          <a:xfrm>
+            <a:off x="477672" y="3817539"/>
+            <a:ext cx="3604471" cy="2060812"/>
+          </a:xfrm>
+          <a:prstGeom prst="rect">
+            <a:avLst/>
+          </a:prstGeom>
+        </p:spPr>
+        <p:txBody>
+          <a:bodyPr vert="horz" lIns="91440" tIns="45720" rIns="91440" bIns="45720" rtlCol="0">
+            <a:normAutofit/>
+          </a:bodyPr>
+          <a:lstStyle>
+            <a:lvl1pPr marL="0" indent="0" algn="ctr" defTabSz="914400" rtl="0" eaLnBrk="1" latinLnBrk="0" hangingPunct="1">
+              <a:lnSpc>
+                <a:spcPct val="90000"/>
+              </a:lnSpc>
+              <a:spcBef>
+                <a:spcPts val="1000"/>
+              </a:spcBef>
+              <a:buFont typeface="Arial" panose="020B0604020202020204" pitchFamily="34" charset="0"/>
+              <a:buNone/>
+              <a:defRPr sz="2400" kern="1200">
+                <a:solidFill>
+                  <a:schemeClr val="tx1"/>
+                </a:solidFill>
+                <a:latin typeface="+mn-lt"/>
+                <a:ea typeface="+mn-ea"/>
+                <a:cs typeface="+mn-cs"/>
+              </a:defRPr>
+            </a:lvl1pPr>
+            <a:lvl2pPr marL="457200" indent="0" algn="ctr" defTabSz="914400" rtl="0" eaLnBrk="1" latinLnBrk="0" hangingPunct="1">
+              <a:lnSpc>
+                <a:spcPct val="90000"/>
+              </a:lnSpc>
+              <a:spcBef>
+                <a:spcPts val="500"/>
+              </a:spcBef>
+              <a:buFont typeface="Arial" panose="020B0604020202020204" pitchFamily="34" charset="0"/>
+              <a:buNone/>
+              <a:defRPr sz="2000" kern="1200">
+                <a:solidFill>
+                  <a:schemeClr val="tx1"/>
+                </a:solidFill>
+                <a:latin typeface="+mn-lt"/>
+                <a:ea typeface="+mn-ea"/>
+                <a:cs typeface="+mn-cs"/>
+              </a:defRPr>
+            </a:lvl2pPr>
+            <a:lvl3pPr marL="914400" indent="0" algn="ctr" defTabSz="914400" rtl="0" eaLnBrk="1" latinLnBrk="0" hangingPunct="1">
+              <a:lnSpc>
+                <a:spcPct val="90000"/>
+              </a:lnSpc>
+              <a:spcBef>
+                <a:spcPts val="500"/>
+              </a:spcBef>
+              <a:buFont typeface="Arial" panose="020B0604020202020204" pitchFamily="34" charset="0"/>
+              <a:buNone/>
+              <a:defRPr sz="1800" kern="1200">
+                <a:solidFill>
+                  <a:schemeClr val="tx1"/>
+                </a:solidFill>
+                <a:latin typeface="+mn-lt"/>
+                <a:ea typeface="+mn-ea"/>
+                <a:cs typeface="+mn-cs"/>
+              </a:defRPr>
+            </a:lvl3pPr>
+            <a:lvl4pPr marL="1371600" indent="0" algn="ctr" defTabSz="914400" rtl="0" eaLnBrk="1" latinLnBrk="0" hangingPunct="1">
+              <a:lnSpc>
+                <a:spcPct val="90000"/>
+              </a:lnSpc>
+              <a:spcBef>
+                <a:spcPts val="500"/>
+              </a:spcBef>
+              <a:buFont typeface="Arial" panose="020B0604020202020204" pitchFamily="34" charset="0"/>
+              <a:buNone/>
+              <a:defRPr sz="1600" kern="1200">
+                <a:solidFill>
+                  <a:schemeClr val="tx1"/>
+                </a:solidFill>
+                <a:latin typeface="+mn-lt"/>
+                <a:ea typeface="+mn-ea"/>
+                <a:cs typeface="+mn-cs"/>
+              </a:defRPr>
+            </a:lvl4pPr>
+            <a:lvl5pPr marL="1828800" indent="0" algn="ctr" defTabSz="914400" rtl="0" eaLnBrk="1" latinLnBrk="0" hangingPunct="1">
+              <a:lnSpc>
+                <a:spcPct val="90000"/>
+              </a:lnSpc>
+              <a:spcBef>
+                <a:spcPts val="500"/>
+              </a:spcBef>
+              <a:buFont typeface="Arial" panose="020B0604020202020204" pitchFamily="34" charset="0"/>
+              <a:buNone/>
+              <a:defRPr sz="1600" kern="1200">
+                <a:solidFill>
+                  <a:schemeClr val="tx1"/>
+                </a:solidFill>
+                <a:latin typeface="+mn-lt"/>
+                <a:ea typeface="+mn-ea"/>
+                <a:cs typeface="+mn-cs"/>
+              </a:defRPr>
+            </a:lvl5pPr>
+            <a:lvl6pPr marL="2286000" indent="0" algn="ctr" defTabSz="914400" rtl="0" eaLnBrk="1" latinLnBrk="0" hangingPunct="1">
+              <a:lnSpc>
+                <a:spcPct val="90000"/>
+              </a:lnSpc>
+              <a:spcBef>
+                <a:spcPts val="500"/>
+              </a:spcBef>
+              <a:buFont typeface="Arial" panose="020B0604020202020204" pitchFamily="34" charset="0"/>
+              <a:buNone/>
+              <a:defRPr sz="1600" kern="1200">
+                <a:solidFill>
+                  <a:schemeClr val="tx1"/>
+                </a:solidFill>
+                <a:latin typeface="+mn-lt"/>
+                <a:ea typeface="+mn-ea"/>
+                <a:cs typeface="+mn-cs"/>
+              </a:defRPr>
+            </a:lvl6pPr>
+            <a:lvl7pPr marL="2743200" indent="0" algn="ctr" defTabSz="914400" rtl="0" eaLnBrk="1" latinLnBrk="0" hangingPunct="1">
+              <a:lnSpc>
+                <a:spcPct val="90000"/>
+              </a:lnSpc>
+              <a:spcBef>
+                <a:spcPts val="500"/>
+              </a:spcBef>
+              <a:buFont typeface="Arial" panose="020B0604020202020204" pitchFamily="34" charset="0"/>
+              <a:buNone/>
+              <a:defRPr sz="1600" kern="1200">
+                <a:solidFill>
+                  <a:schemeClr val="tx1"/>
+                </a:solidFill>
+                <a:latin typeface="+mn-lt"/>
+                <a:ea typeface="+mn-ea"/>
+                <a:cs typeface="+mn-cs"/>
+              </a:defRPr>
+            </a:lvl7pPr>
+            <a:lvl8pPr marL="3200400" indent="0" algn="ctr" defTabSz="914400" rtl="0" eaLnBrk="1" latinLnBrk="0" hangingPunct="1">
+              <a:lnSpc>
+                <a:spcPct val="90000"/>
+              </a:lnSpc>
+              <a:spcBef>
+                <a:spcPts val="500"/>
+              </a:spcBef>
+              <a:buFont typeface="Arial" panose="020B0604020202020204" pitchFamily="34" charset="0"/>
+              <a:buNone/>
+              <a:defRPr sz="1600" kern="1200">
+                <a:solidFill>
+                  <a:schemeClr val="tx1"/>
+                </a:solidFill>
+                <a:latin typeface="+mn-lt"/>
+                <a:ea typeface="+mn-ea"/>
+                <a:cs typeface="+mn-cs"/>
+              </a:defRPr>
+            </a:lvl8pPr>
+            <a:lvl9pPr marL="3657600" indent="0" algn="ctr" defTabSz="914400" rtl="0" eaLnBrk="1" latinLnBrk="0" hangingPunct="1">
+              <a:lnSpc>
+                <a:spcPct val="90000"/>
+              </a:lnSpc>
+              <a:spcBef>
+                <a:spcPts val="500"/>
+              </a:spcBef>
+              <a:buFont typeface="Arial" panose="020B0604020202020204" pitchFamily="34" charset="0"/>
+              <a:buNone/>
+              <a:defRPr sz="1600" kern="1200">
+                <a:solidFill>
+                  <a:schemeClr val="tx1"/>
+                </a:solidFill>
+                <a:latin typeface="+mn-lt"/>
+                <a:ea typeface="+mn-ea"/>
+                <a:cs typeface="+mn-cs"/>
+              </a:defRPr>
+            </a:lvl9pPr>
+          </a:lstStyle>
+          <a:p>
+            <a:pPr algn="l"/>
+            <a:r>
+              <a:rPr lang="en-US" sz="1800" dirty="0" smtClean="0"/>
+              <a:t>Assumptions:</a:t>
+            </a:r>
+          </a:p>
+          <a:p>
+            <a:pPr marL="342900" indent="-342900" algn="l">
+              <a:buAutoNum type="arabicPeriod"/>
+            </a:pPr>
+            <a:r>
+              <a:rPr lang="en-US" sz="1800" dirty="0" smtClean="0"/>
+              <a:t>General Positon</a:t>
+            </a:r>
+          </a:p>
+          <a:p>
+            <a:pPr marL="342900" indent="-342900" algn="l">
+              <a:buAutoNum type="arabicPeriod"/>
+            </a:pPr>
+            <a:r>
+              <a:rPr lang="en-US" sz="1800" dirty="0" smtClean="0"/>
+              <a:t>Trihedral + </a:t>
+            </a:r>
+            <a:r>
+              <a:rPr lang="en-US" sz="1800" smtClean="0"/>
+              <a:t>3 Faces </a:t>
+            </a:r>
+            <a:endParaRPr lang="en-US" sz="1800" dirty="0" smtClean="0"/>
+          </a:p>
+          <a:p>
+            <a:pPr algn="l"/>
+            <a:r>
+              <a:rPr lang="en-US" sz="1800" dirty="0" smtClean="0"/>
+              <a:t>3.    Convex/Concave/Boundary</a:t>
+            </a:r>
+            <a:endParaRPr lang="en-US" sz="1800" dirty="0" smtClean="0"/>
+          </a:p>
+        </p:txBody>
+      </p:sp>
+      <p:sp>
+        <p:nvSpPr>
+          <p:cNvPr id="28" name="Rectangle 27"/>
+          <p:cNvSpPr/>
+          <p:nvPr/>
+        </p:nvSpPr>
+        <p:spPr>
+          <a:xfrm>
+            <a:off x="477672" y="5416686"/>
+            <a:ext cx="3187890" cy="923330"/>
+          </a:xfrm>
+          <a:prstGeom prst="rect">
+            <a:avLst/>
+          </a:prstGeom>
+        </p:spPr>
+        <p:txBody>
+          <a:bodyPr wrap="square">
+            <a:spAutoFit/>
+          </a:bodyPr>
+          <a:lstStyle/>
+          <a:p>
+            <a:r>
+              <a:rPr lang="en-US" dirty="0" smtClean="0"/>
+              <a:t>Terminologies:</a:t>
+            </a:r>
+          </a:p>
+          <a:p>
+            <a:r>
+              <a:rPr lang="en-US" dirty="0" smtClean="0"/>
+              <a:t>Vertexes		Junctions</a:t>
+            </a:r>
+          </a:p>
+          <a:p>
+            <a:r>
+              <a:rPr lang="en-US" dirty="0" smtClean="0"/>
+              <a:t>Edges		Lines</a:t>
+            </a:r>
+            <a:endParaRPr lang="en-US" dirty="0"/>
+          </a:p>
+        </p:txBody>
+      </p:sp>
+    </p:spTree>
+    <p:extLst>
+      <p:ext uri="{BB962C8B-B14F-4D97-AF65-F5344CB8AC3E}">
+        <p14:creationId xmlns:p14="http://schemas.microsoft.com/office/powerpoint/2010/main" val="4176416299"/>
+      </p:ext>
+    </p:extLst>
+  </p:cSld>
+  <p:clrMapOvr>
+    <a:masterClrMapping/>
+  </p:clrMapOvr>
+</p:sld>
+</file>
+
+<file path=ppt/slides/slide39.xml><?xml version="1.0" encoding="utf-8"?>
+<p:sld xmlns:a="http://schemas.openxmlformats.org/drawingml/2006/main" xmlns:r="http://schemas.openxmlformats.org/officeDocument/2006/relationships" xmlns:p="http://schemas.openxmlformats.org/presentationml/2006/main">
+  <p:cSld>
+    <p:spTree>
+      <p:nvGrpSpPr>
+        <p:cNvPr id="1" name=""/>
+        <p:cNvGrpSpPr/>
+        <p:nvPr/>
+      </p:nvGrpSpPr>
+      <p:grpSpPr>
+        <a:xfrm>
+          <a:off x="0" y="0"/>
+          <a:ext cx="0" cy="0"/>
+          <a:chOff x="0" y="0"/>
+          <a:chExt cx="0" cy="0"/>
+        </a:xfrm>
+      </p:grpSpPr>
+      <p:sp>
+        <p:nvSpPr>
+          <p:cNvPr id="3" name="Subtitle 2"/>
+          <p:cNvSpPr>
+            <a:spLocks noGrp="1"/>
+          </p:cNvSpPr>
+          <p:nvPr>
+            <p:ph type="subTitle" idx="1"/>
+          </p:nvPr>
+        </p:nvSpPr>
+        <p:spPr>
+          <a:xfrm>
             <a:off x="1166948" y="815294"/>
             <a:ext cx="9144000" cy="5498419"/>
           </a:xfrm>
@@ -12136,6 +12775,10 @@
           </a:p>
           <a:p>
             <a:pPr algn="l"/>
+            <a:r>
+              <a:rPr lang="en-US" sz="6600" dirty="0"/>
+              <a:t/>
+            </a:r>
             <a:br>
               <a:rPr lang="en-US" sz="6600" dirty="0"/>
             </a:br>
@@ -15672,6 +16315,15 @@
 </file>
 
 <file path=customXml/item1.xml><?xml version="1.0" encoding="utf-8"?>
+<?mso-contentType ?>
+<FormTemplates xmlns="http://schemas.microsoft.com/sharepoint/v3/contenttype/forms">
+  <Display>DocumentLibraryForm</Display>
+  <Edit>DocumentLibraryForm</Edit>
+  <New>DocumentLibraryForm</New>
+</FormTemplates>
+</file>
+
+<file path=customXml/item2.xml><?xml version="1.0" encoding="utf-8"?>
 <ct:contentTypeSchema xmlns:ct="http://schemas.microsoft.com/office/2006/metadata/contentType" xmlns:ma="http://schemas.microsoft.com/office/2006/metadata/properties/metaAttributes" ct:_="" ma:_="" ma:contentTypeName="Document" ma:contentTypeID="0x01010040A75B615E1C194CABC80F3CAEA6E4E5" ma:contentTypeVersion="9" ma:contentTypeDescription="Create a new document." ma:contentTypeScope="" ma:versionID="4a1cf2a28ba0a9e91fab658e05820dde">
   <xsd:schema xmlns:xsd="http://www.w3.org/2001/XMLSchema" xmlns:xs="http://www.w3.org/2001/XMLSchema" xmlns:p="http://schemas.microsoft.com/office/2006/metadata/properties" xmlns:ns3="d97dfd74-0758-4aac-b7c3-4f13d10397e8" xmlns:ns4="851bce1a-01c5-49d9-967d-64af5945ebef" targetNamespace="http://schemas.microsoft.com/office/2006/metadata/properties" ma:root="true" ma:fieldsID="090359357a8ddcd8bb6253bd66cd91d0" ns3:_="" ns4:_="">
     <xsd:import namespace="d97dfd74-0758-4aac-b7c3-4f13d10397e8"/>
@@ -15868,15 +16520,6 @@
 </ct:contentTypeSchema>
 </file>
 
-<file path=customXml/item2.xml><?xml version="1.0" encoding="utf-8"?>
-<?mso-contentType ?>
-<FormTemplates xmlns="http://schemas.microsoft.com/sharepoint/v3/contenttype/forms">
-  <Display>DocumentLibraryForm</Display>
-  <Edit>DocumentLibraryForm</Edit>
-  <New>DocumentLibraryForm</New>
-</FormTemplates>
-</file>
-
 <file path=customXml/item3.xml><?xml version="1.0" encoding="utf-8"?>
 <p:properties xmlns:p="http://schemas.microsoft.com/office/2006/metadata/properties" xmlns:xsi="http://www.w3.org/2001/XMLSchema-instance" xmlns:pc="http://schemas.microsoft.com/office/infopath/2007/PartnerControls">
   <documentManagement/>
@@ -15884,6 +16527,14 @@
 </file>
 
 <file path=customXml/itemProps1.xml><?xml version="1.0" encoding="utf-8"?>
+<ds:datastoreItem xmlns:ds="http://schemas.openxmlformats.org/officeDocument/2006/customXml" ds:itemID="{9A56549F-9000-409B-8EE1-A7AE4257567A}">
+  <ds:schemaRefs>
+    <ds:schemaRef ds:uri="http://schemas.microsoft.com/sharepoint/v3/contenttype/forms"/>
+  </ds:schemaRefs>
+</ds:datastoreItem>
+</file>
+
+<file path=customXml/itemProps2.xml><?xml version="1.0" encoding="utf-8"?>
 <ds:datastoreItem xmlns:ds="http://schemas.openxmlformats.org/officeDocument/2006/customXml" ds:itemID="{A173A3F4-56E8-4506-812D-90D9C8F7ED90}">
   <ds:schemaRefs>
     <ds:schemaRef ds:uri="http://schemas.microsoft.com/office/2006/metadata/contentType"/>
@@ -15898,14 +16549,6 @@
     <ds:schemaRef ds:uri="http://purl.org/dc/elements/1.1/"/>
     <ds:schemaRef ds:uri="http://purl.org/dc/terms/"/>
     <ds:schemaRef ds:uri="http://schemas.microsoft.com/internal/obd"/>
-  </ds:schemaRefs>
-</ds:datastoreItem>
-</file>
-
-<file path=customXml/itemProps2.xml><?xml version="1.0" encoding="utf-8"?>
-<ds:datastoreItem xmlns:ds="http://schemas.openxmlformats.org/officeDocument/2006/customXml" ds:itemID="{9A56549F-9000-409B-8EE1-A7AE4257567A}">
-  <ds:schemaRefs>
-    <ds:schemaRef ds:uri="http://schemas.microsoft.com/sharepoint/v3/contenttype/forms"/>
   </ds:schemaRefs>
 </ds:datastoreItem>
 </file>

--- a/AI-ML-DL/Machine Learning.pptx
+++ b/AI-ML-DL/Machine Learning.pptx
@@ -5,48 +5,49 @@
     <p:sldMasterId id="2147483648" r:id="rId4"/>
   </p:sldMasterIdLst>
   <p:notesMasterIdLst>
-    <p:notesMasterId r:id="rId44"/>
+    <p:notesMasterId r:id="rId45"/>
   </p:notesMasterIdLst>
   <p:sldIdLst>
     <p:sldId id="256" r:id="rId5"/>
     <p:sldId id="285" r:id="rId6"/>
-    <p:sldId id="260" r:id="rId7"/>
-    <p:sldId id="289" r:id="rId8"/>
-    <p:sldId id="291" r:id="rId9"/>
-    <p:sldId id="293" r:id="rId10"/>
-    <p:sldId id="292" r:id="rId11"/>
-    <p:sldId id="290" r:id="rId12"/>
-    <p:sldId id="258" r:id="rId13"/>
-    <p:sldId id="288" r:id="rId14"/>
-    <p:sldId id="257" r:id="rId15"/>
-    <p:sldId id="267" r:id="rId16"/>
-    <p:sldId id="261" r:id="rId17"/>
-    <p:sldId id="269" r:id="rId18"/>
-    <p:sldId id="270" r:id="rId19"/>
-    <p:sldId id="268" r:id="rId20"/>
-    <p:sldId id="271" r:id="rId21"/>
-    <p:sldId id="272" r:id="rId22"/>
-    <p:sldId id="273" r:id="rId23"/>
-    <p:sldId id="274" r:id="rId24"/>
-    <p:sldId id="275" r:id="rId25"/>
-    <p:sldId id="262" r:id="rId26"/>
-    <p:sldId id="277" r:id="rId27"/>
-    <p:sldId id="278" r:id="rId28"/>
-    <p:sldId id="263" r:id="rId29"/>
-    <p:sldId id="279" r:id="rId30"/>
-    <p:sldId id="280" r:id="rId31"/>
-    <p:sldId id="276" r:id="rId32"/>
-    <p:sldId id="283" r:id="rId33"/>
-    <p:sldId id="281" r:id="rId34"/>
-    <p:sldId id="284" r:id="rId35"/>
-    <p:sldId id="282" r:id="rId36"/>
-    <p:sldId id="264" r:id="rId37"/>
-    <p:sldId id="265" r:id="rId38"/>
-    <p:sldId id="287" r:id="rId39"/>
-    <p:sldId id="266" r:id="rId40"/>
-    <p:sldId id="294" r:id="rId41"/>
-    <p:sldId id="295" r:id="rId42"/>
-    <p:sldId id="286" r:id="rId43"/>
+    <p:sldId id="296" r:id="rId7"/>
+    <p:sldId id="260" r:id="rId8"/>
+    <p:sldId id="289" r:id="rId9"/>
+    <p:sldId id="291" r:id="rId10"/>
+    <p:sldId id="293" r:id="rId11"/>
+    <p:sldId id="292" r:id="rId12"/>
+    <p:sldId id="290" r:id="rId13"/>
+    <p:sldId id="258" r:id="rId14"/>
+    <p:sldId id="288" r:id="rId15"/>
+    <p:sldId id="257" r:id="rId16"/>
+    <p:sldId id="267" r:id="rId17"/>
+    <p:sldId id="261" r:id="rId18"/>
+    <p:sldId id="269" r:id="rId19"/>
+    <p:sldId id="270" r:id="rId20"/>
+    <p:sldId id="268" r:id="rId21"/>
+    <p:sldId id="271" r:id="rId22"/>
+    <p:sldId id="272" r:id="rId23"/>
+    <p:sldId id="273" r:id="rId24"/>
+    <p:sldId id="274" r:id="rId25"/>
+    <p:sldId id="275" r:id="rId26"/>
+    <p:sldId id="262" r:id="rId27"/>
+    <p:sldId id="277" r:id="rId28"/>
+    <p:sldId id="278" r:id="rId29"/>
+    <p:sldId id="263" r:id="rId30"/>
+    <p:sldId id="279" r:id="rId31"/>
+    <p:sldId id="280" r:id="rId32"/>
+    <p:sldId id="276" r:id="rId33"/>
+    <p:sldId id="283" r:id="rId34"/>
+    <p:sldId id="281" r:id="rId35"/>
+    <p:sldId id="284" r:id="rId36"/>
+    <p:sldId id="282" r:id="rId37"/>
+    <p:sldId id="264" r:id="rId38"/>
+    <p:sldId id="265" r:id="rId39"/>
+    <p:sldId id="287" r:id="rId40"/>
+    <p:sldId id="266" r:id="rId41"/>
+    <p:sldId id="294" r:id="rId42"/>
+    <p:sldId id="295" r:id="rId43"/>
+    <p:sldId id="286" r:id="rId44"/>
   </p:sldIdLst>
   <p:sldSz cx="12192000" cy="6858000"/>
   <p:notesSz cx="6858000" cy="9144000"/>
@@ -674,7 +675,7 @@
           <a:p>
             <a:fld id="{95EDE83F-F192-4237-87E6-BD69D3B8E2F0}" type="slidenum">
               <a:rPr lang="en-US" smtClean="0"/>
-              <a:t>31</a:t>
+              <a:t>32</a:t>
             </a:fld>
             <a:endParaRPr lang="en-US"/>
           </a:p>
@@ -767,7 +768,7 @@
           <a:p>
             <a:fld id="{95EDE83F-F192-4237-87E6-BD69D3B8E2F0}" type="slidenum">
               <a:rPr lang="en-US" smtClean="0"/>
-              <a:t>32</a:t>
+              <a:t>33</a:t>
             </a:fld>
             <a:endParaRPr lang="en-US"/>
           </a:p>
@@ -851,7 +852,7 @@
           <a:p>
             <a:fld id="{95EDE83F-F192-4237-87E6-BD69D3B8E2F0}" type="slidenum">
               <a:rPr lang="en-US" smtClean="0"/>
-              <a:t>3</a:t>
+              <a:t>4</a:t>
             </a:fld>
             <a:endParaRPr lang="en-US"/>
           </a:p>
@@ -958,7 +959,7 @@
           <a:p>
             <a:fld id="{95EDE83F-F192-4237-87E6-BD69D3B8E2F0}" type="slidenum">
               <a:rPr lang="en-US" smtClean="0"/>
-              <a:t>4</a:t>
+              <a:t>5</a:t>
             </a:fld>
             <a:endParaRPr lang="en-US"/>
           </a:p>
@@ -1064,7 +1065,7 @@
           <a:p>
             <a:fld id="{95EDE83F-F192-4237-87E6-BD69D3B8E2F0}" type="slidenum">
               <a:rPr lang="en-US" smtClean="0"/>
-              <a:t>5</a:t>
+              <a:t>6</a:t>
             </a:fld>
             <a:endParaRPr lang="en-US"/>
           </a:p>
@@ -1148,7 +1149,7 @@
           <a:p>
             <a:fld id="{95EDE83F-F192-4237-87E6-BD69D3B8E2F0}" type="slidenum">
               <a:rPr lang="en-US" smtClean="0"/>
-              <a:t>6</a:t>
+              <a:t>7</a:t>
             </a:fld>
             <a:endParaRPr lang="en-US"/>
           </a:p>
@@ -1254,7 +1255,7 @@
           <a:p>
             <a:fld id="{95EDE83F-F192-4237-87E6-BD69D3B8E2F0}" type="slidenum">
               <a:rPr lang="en-US" smtClean="0"/>
-              <a:t>7</a:t>
+              <a:t>8</a:t>
             </a:fld>
             <a:endParaRPr lang="en-US"/>
           </a:p>
@@ -1338,7 +1339,7 @@
           <a:p>
             <a:fld id="{95EDE83F-F192-4237-87E6-BD69D3B8E2F0}" type="slidenum">
               <a:rPr lang="en-US" smtClean="0"/>
-              <a:t>8</a:t>
+              <a:t>9</a:t>
             </a:fld>
             <a:endParaRPr lang="en-US"/>
           </a:p>
@@ -1428,7 +1429,7 @@
           <a:p>
             <a:fld id="{95EDE83F-F192-4237-87E6-BD69D3B8E2F0}" type="slidenum">
               <a:rPr lang="en-US" smtClean="0"/>
-              <a:t>19</a:t>
+              <a:t>20</a:t>
             </a:fld>
             <a:endParaRPr lang="en-US"/>
           </a:p>
@@ -1518,7 +1519,7 @@
           <a:p>
             <a:fld id="{95EDE83F-F192-4237-87E6-BD69D3B8E2F0}" type="slidenum">
               <a:rPr lang="en-US" smtClean="0"/>
-              <a:t>27</a:t>
+              <a:t>28</a:t>
             </a:fld>
             <a:endParaRPr lang="en-US"/>
           </a:p>
@@ -4479,8 +4480,8 @@
         </p:nvSpPr>
         <p:spPr>
           <a:xfrm>
-            <a:off x="1266840" y="1306929"/>
-            <a:ext cx="9144000" cy="4525030"/>
+            <a:off x="641023" y="815294"/>
+            <a:ext cx="11227323" cy="5498419"/>
           </a:xfrm>
         </p:spPr>
         <p:txBody>
@@ -4489,15 +4490,176 @@
           </a:bodyPr>
           <a:lstStyle/>
           <a:p>
+            <a:pPr marL="685800" indent="-685800" algn="l">
+              <a:buFont typeface="Arial" panose="020B0604020202020204" pitchFamily="34" charset="0"/>
+              <a:buChar char="•"/>
+            </a:pPr>
+            <a:r>
+              <a:rPr lang="en-US" sz="4900" dirty="0"/>
+              <a:t>	</a:t>
+            </a:r>
+            <a:r>
+              <a:rPr lang="en-US" sz="4000" dirty="0"/>
+              <a:t>Supervised Learning</a:t>
+            </a:r>
+            <a:r>
+              <a:rPr lang="en-US" sz="4900" dirty="0"/>
+              <a:t>	</a:t>
+            </a:r>
+          </a:p>
+          <a:p>
+            <a:pPr algn="l"/>
+            <a:r>
+              <a:rPr lang="en-US" sz="4900" dirty="0"/>
+              <a:t>		</a:t>
+            </a:r>
+            <a:r>
+              <a:rPr lang="en-US" sz="3000" dirty="0"/>
+              <a:t>knowing X and Y, generate a model to classification</a:t>
+            </a:r>
+          </a:p>
+          <a:p>
+            <a:pPr marL="685800" indent="-685800" algn="l">
+              <a:buFont typeface="Arial" panose="020B0604020202020204" pitchFamily="34" charset="0"/>
+              <a:buChar char="•"/>
+            </a:pPr>
+            <a:r>
+              <a:rPr lang="en-US" sz="4900" dirty="0"/>
+              <a:t>	</a:t>
+            </a:r>
+            <a:r>
+              <a:rPr lang="en-US" sz="4000" dirty="0"/>
+              <a:t>Unsupervised Learning</a:t>
+            </a:r>
+          </a:p>
+          <a:p>
+            <a:pPr lvl="2" algn="l"/>
+            <a:r>
+              <a:rPr lang="en-US" sz="3400" dirty="0"/>
+              <a:t>	</a:t>
+            </a:r>
+            <a:r>
+              <a:rPr lang="en-US" sz="3000" dirty="0"/>
+              <a:t>knowing X but Y, generate a model to cluster</a:t>
+            </a:r>
+          </a:p>
+          <a:p>
+            <a:pPr marL="685800" indent="-685800" algn="l">
+              <a:buFont typeface="Arial" panose="020B0604020202020204" pitchFamily="34" charset="0"/>
+              <a:buChar char="•"/>
+            </a:pPr>
+            <a:r>
+              <a:rPr lang="en-US" sz="4900" dirty="0"/>
+              <a:t>	</a:t>
+            </a:r>
+            <a:r>
+              <a:rPr lang="en-US" sz="4000" dirty="0"/>
+              <a:t>Reinforcement Learning</a:t>
+            </a:r>
+          </a:p>
+          <a:p>
+            <a:pPr lvl="1" algn="l"/>
+            <a:r>
+              <a:rPr lang="en-US" sz="3000" dirty="0"/>
+              <a:t>		knowing X but Y, create an environment and learning agent</a:t>
+            </a:r>
+          </a:p>
+          <a:p>
+            <a:pPr algn="l"/>
+            <a:endParaRPr lang="en-US" sz="4900" dirty="0"/>
+          </a:p>
+          <a:p>
+            <a:pPr algn="l"/>
+            <a:endParaRPr lang="en-US" sz="4900" dirty="0"/>
+          </a:p>
+        </p:txBody>
+      </p:sp>
+      <p:sp>
+        <p:nvSpPr>
+          <p:cNvPr id="4" name="TextBox 3"/>
+          <p:cNvSpPr txBox="1"/>
+          <p:nvPr/>
+        </p:nvSpPr>
+        <p:spPr>
+          <a:xfrm>
+            <a:off x="522514" y="217714"/>
+            <a:ext cx="7961610" cy="584775"/>
+          </a:xfrm>
+          <a:prstGeom prst="rect">
+            <a:avLst/>
+          </a:prstGeom>
+          <a:noFill/>
+        </p:spPr>
+        <p:txBody>
+          <a:bodyPr wrap="square" rtlCol="0">
+            <a:spAutoFit/>
+          </a:bodyPr>
+          <a:lstStyle/>
+          <a:p>
+            <a:r>
+              <a:rPr lang="en-US" sz="3200" dirty="0"/>
+              <a:t>Class-1: Introduction to ML</a:t>
+            </a:r>
+          </a:p>
+        </p:txBody>
+      </p:sp>
+    </p:spTree>
+    <p:extLst>
+      <p:ext uri="{BB962C8B-B14F-4D97-AF65-F5344CB8AC3E}">
+        <p14:creationId xmlns:p14="http://schemas.microsoft.com/office/powerpoint/2010/main" val="1538160773"/>
+      </p:ext>
+    </p:extLst>
+  </p:cSld>
+  <p:clrMapOvr>
+    <a:masterClrMapping/>
+  </p:clrMapOvr>
+</p:sld>
+</file>
+
+<file path=ppt/slides/slide11.xml><?xml version="1.0" encoding="utf-8"?>
+<p:sld xmlns:a="http://schemas.openxmlformats.org/drawingml/2006/main" xmlns:r="http://schemas.openxmlformats.org/officeDocument/2006/relationships" xmlns:p="http://schemas.openxmlformats.org/presentationml/2006/main">
+  <p:cSld>
+    <p:spTree>
+      <p:nvGrpSpPr>
+        <p:cNvPr id="1" name=""/>
+        <p:cNvGrpSpPr/>
+        <p:nvPr/>
+      </p:nvGrpSpPr>
+      <p:grpSpPr>
+        <a:xfrm>
+          <a:off x="0" y="0"/>
+          <a:ext cx="0" cy="0"/>
+          <a:chOff x="0" y="0"/>
+          <a:chExt cx="0" cy="0"/>
+        </a:xfrm>
+      </p:grpSpPr>
+      <p:sp>
+        <p:nvSpPr>
+          <p:cNvPr id="3" name="Subtitle 2"/>
+          <p:cNvSpPr>
+            <a:spLocks noGrp="1"/>
+          </p:cNvSpPr>
+          <p:nvPr>
+            <p:ph type="subTitle" idx="1"/>
+          </p:nvPr>
+        </p:nvSpPr>
+        <p:spPr>
+          <a:xfrm>
+            <a:off x="1266840" y="1306929"/>
+            <a:ext cx="9144000" cy="4525030"/>
+          </a:xfrm>
+        </p:spPr>
+        <p:txBody>
+          <a:bodyPr>
+            <a:normAutofit/>
+          </a:bodyPr>
+          <a:lstStyle/>
+          <a:p>
             <a:pPr algn="l"/>
             <a:endParaRPr lang="en-US" sz="6200" dirty="0"/>
           </a:p>
           <a:p>
             <a:pPr algn="l"/>
-            <a:r>
-              <a:rPr lang="en-US" sz="6600" dirty="0"/>
-              <a:t/>
-            </a:r>
             <a:br>
               <a:rPr lang="en-US" sz="6600" dirty="0"/>
             </a:br>
@@ -4600,132 +4762,6 @@
 </p:sld>
 </file>
 
-<file path=ppt/slides/slide11.xml><?xml version="1.0" encoding="utf-8"?>
-<p:sld xmlns:a="http://schemas.openxmlformats.org/drawingml/2006/main" xmlns:r="http://schemas.openxmlformats.org/officeDocument/2006/relationships" xmlns:p="http://schemas.openxmlformats.org/presentationml/2006/main">
-  <p:cSld>
-    <p:spTree>
-      <p:nvGrpSpPr>
-        <p:cNvPr id="1" name=""/>
-        <p:cNvGrpSpPr/>
-        <p:nvPr/>
-      </p:nvGrpSpPr>
-      <p:grpSpPr>
-        <a:xfrm>
-          <a:off x="0" y="0"/>
-          <a:ext cx="0" cy="0"/>
-          <a:chOff x="0" y="0"/>
-          <a:chExt cx="0" cy="0"/>
-        </a:xfrm>
-      </p:grpSpPr>
-      <p:sp>
-        <p:nvSpPr>
-          <p:cNvPr id="3" name="Subtitle 2"/>
-          <p:cNvSpPr>
-            <a:spLocks noGrp="1"/>
-          </p:cNvSpPr>
-          <p:nvPr>
-            <p:ph type="subTitle" idx="1"/>
-          </p:nvPr>
-        </p:nvSpPr>
-        <p:spPr>
-          <a:xfrm>
-            <a:off x="1242362" y="1079488"/>
-            <a:ext cx="9918973" cy="5498419"/>
-          </a:xfrm>
-        </p:spPr>
-        <p:txBody>
-          <a:bodyPr>
-            <a:normAutofit/>
-          </a:bodyPr>
-          <a:lstStyle/>
-          <a:p>
-            <a:pPr marL="857250" indent="-857250" algn="l">
-              <a:buFont typeface="Arial" panose="020B0604020202020204" pitchFamily="34" charset="0"/>
-              <a:buChar char="•"/>
-            </a:pPr>
-            <a:r>
-              <a:rPr lang="en-US" sz="4600" dirty="0"/>
-              <a:t>Anomaly Detection Algorithm</a:t>
-            </a:r>
-          </a:p>
-          <a:p>
-            <a:pPr marL="857250" indent="-857250" algn="l">
-              <a:buFont typeface="Arial" panose="020B0604020202020204" pitchFamily="34" charset="0"/>
-              <a:buChar char="•"/>
-            </a:pPr>
-            <a:r>
-              <a:rPr lang="en-US" sz="4600" dirty="0"/>
-              <a:t>Clustering Algorithm</a:t>
-            </a:r>
-          </a:p>
-          <a:p>
-            <a:pPr marL="857250" indent="-857250" algn="l">
-              <a:buFont typeface="Arial" panose="020B0604020202020204" pitchFamily="34" charset="0"/>
-              <a:buChar char="•"/>
-            </a:pPr>
-            <a:r>
-              <a:rPr lang="en-US" sz="4600" dirty="0"/>
-              <a:t>Regression Algorithm</a:t>
-            </a:r>
-          </a:p>
-          <a:p>
-            <a:pPr algn="l"/>
-            <a:r>
-              <a:rPr lang="en-US" sz="6200" dirty="0"/>
-              <a:t>	</a:t>
-            </a:r>
-            <a:r>
-              <a:rPr lang="en-US" sz="4000" dirty="0"/>
-              <a:t>Demo: Iris Dataset </a:t>
-            </a:r>
-          </a:p>
-        </p:txBody>
-      </p:sp>
-      <p:sp>
-        <p:nvSpPr>
-          <p:cNvPr id="4" name="TextBox 3"/>
-          <p:cNvSpPr txBox="1"/>
-          <p:nvPr/>
-        </p:nvSpPr>
-        <p:spPr>
-          <a:xfrm>
-            <a:off x="522514" y="217714"/>
-            <a:ext cx="10968760" cy="861774"/>
-          </a:xfrm>
-          <a:prstGeom prst="rect">
-            <a:avLst/>
-          </a:prstGeom>
-          <a:noFill/>
-        </p:spPr>
-        <p:txBody>
-          <a:bodyPr wrap="square" rtlCol="0">
-            <a:spAutoFit/>
-          </a:bodyPr>
-          <a:lstStyle/>
-          <a:p>
-            <a:r>
-              <a:rPr lang="en-US" sz="3200" dirty="0"/>
-              <a:t>Class-1:Classification of Algorithm</a:t>
-            </a:r>
-          </a:p>
-          <a:p>
-            <a:endParaRPr lang="en-US" dirty="0"/>
-          </a:p>
-        </p:txBody>
-      </p:sp>
-    </p:spTree>
-    <p:extLst>
-      <p:ext uri="{BB962C8B-B14F-4D97-AF65-F5344CB8AC3E}">
-        <p14:creationId xmlns:p14="http://schemas.microsoft.com/office/powerpoint/2010/main" val="3433111902"/>
-      </p:ext>
-    </p:extLst>
-  </p:cSld>
-  <p:clrMapOvr>
-    <a:masterClrMapping/>
-  </p:clrMapOvr>
-</p:sld>
-</file>
-
 <file path=ppt/slides/slide12.xml><?xml version="1.0" encoding="utf-8"?>
 <p:sld xmlns:a="http://schemas.openxmlformats.org/drawingml/2006/main" xmlns:r="http://schemas.openxmlformats.org/officeDocument/2006/relationships" xmlns:p="http://schemas.openxmlformats.org/presentationml/2006/main">
   <p:cSld>
@@ -4755,143 +4791,54 @@
         </p:nvSpPr>
         <p:spPr>
           <a:xfrm>
-            <a:off x="522514" y="935109"/>
-            <a:ext cx="11300518" cy="5642154"/>
+            <a:off x="1242362" y="1079488"/>
+            <a:ext cx="9918973" cy="5498419"/>
           </a:xfrm>
         </p:spPr>
         <p:txBody>
           <a:bodyPr>
-            <a:noAutofit/>
+            <a:normAutofit/>
           </a:bodyPr>
           <a:lstStyle/>
           <a:p>
-            <a:pPr marL="457200" indent="-457200" algn="l">
+            <a:pPr marL="857250" indent="-857250" algn="l">
               <a:buFont typeface="Arial" panose="020B0604020202020204" pitchFamily="34" charset="0"/>
               <a:buChar char="•"/>
             </a:pPr>
             <a:r>
-              <a:rPr lang="en-US" sz="2800" dirty="0"/>
+              <a:rPr lang="en-US" sz="4600" dirty="0"/>
               <a:t>Anomaly Detection Algorithm</a:t>
             </a:r>
           </a:p>
           <a:p>
-            <a:pPr lvl="1" algn="l"/>
-            <a:r>
-              <a:rPr lang="en-US" sz="2800" dirty="0"/>
-              <a:t>    -- Identify unusual data points</a:t>
-            </a:r>
-          </a:p>
-          <a:p>
-            <a:pPr marL="1371600" lvl="2" indent="-457200" algn="l">
-              <a:buFont typeface="Courier New" panose="02070309020205020404" pitchFamily="49" charset="0"/>
-              <a:buChar char="o"/>
-            </a:pPr>
-            <a:r>
-              <a:rPr lang="en-US" sz="2800" dirty="0"/>
-              <a:t>Is there any fraud in this transactions</a:t>
-            </a:r>
-          </a:p>
-          <a:p>
-            <a:pPr marL="1371600" lvl="2" indent="-457200" algn="l">
-              <a:buFont typeface="Courier New" panose="02070309020205020404" pitchFamily="49" charset="0"/>
-              <a:buChar char="o"/>
-            </a:pPr>
-            <a:r>
-              <a:rPr lang="en-US" sz="2800" dirty="0"/>
-              <a:t>Is someone trying to hack our network</a:t>
-            </a:r>
-          </a:p>
-          <a:p>
-            <a:pPr marL="457200" indent="-457200" algn="l">
+            <a:pPr marL="857250" indent="-857250" algn="l">
               <a:buFont typeface="Arial" panose="020B0604020202020204" pitchFamily="34" charset="0"/>
               <a:buChar char="•"/>
             </a:pPr>
             <a:r>
-              <a:rPr lang="en-US" sz="2800" dirty="0"/>
+              <a:rPr lang="en-US" sz="4600" dirty="0"/>
               <a:t>Clustering Algorithm</a:t>
             </a:r>
           </a:p>
           <a:p>
-            <a:pPr algn="l"/>
-            <a:r>
-              <a:rPr lang="en-US" sz="2800" dirty="0"/>
-              <a:t>	-- Group data based on some condition</a:t>
-            </a:r>
-          </a:p>
-          <a:p>
-            <a:pPr marL="1485900" lvl="2" indent="-571500" algn="l">
-              <a:buFont typeface="Courier New" panose="02070309020205020404" pitchFamily="49" charset="0"/>
-              <a:buChar char="o"/>
-            </a:pPr>
-            <a:r>
-              <a:rPr lang="en-US" sz="2800" dirty="0"/>
-              <a:t>Which type of house lies in this segment?</a:t>
-            </a:r>
-          </a:p>
-          <a:p>
-            <a:pPr marL="1485900" lvl="2" indent="-571500" algn="l">
-              <a:buFont typeface="Courier New" panose="02070309020205020404" pitchFamily="49" charset="0"/>
-              <a:buChar char="o"/>
-            </a:pPr>
-            <a:r>
-              <a:rPr lang="en-US" sz="2800" dirty="0"/>
-              <a:t>What type of customer buys this product?</a:t>
-            </a:r>
-          </a:p>
-          <a:p>
-            <a:pPr marL="457200" indent="-457200" algn="l">
+            <a:pPr marL="857250" indent="-857250" algn="l">
               <a:buFont typeface="Arial" panose="020B0604020202020204" pitchFamily="34" charset="0"/>
               <a:buChar char="•"/>
             </a:pPr>
             <a:r>
-              <a:rPr lang="en-US" sz="2800" dirty="0"/>
+              <a:rPr lang="en-US" sz="4600" dirty="0"/>
               <a:t>Regression Algorithm</a:t>
             </a:r>
-          </a:p>
-          <a:p>
-            <a:pPr algn="l"/>
-            <a:r>
-              <a:rPr lang="en-US" sz="2800" dirty="0"/>
-              <a:t>	-- Data itself is predicted</a:t>
-            </a:r>
-          </a:p>
-          <a:p>
-            <a:pPr marL="1600200" lvl="2" indent="-685800" algn="l">
-              <a:buFont typeface="Courier New" panose="02070309020205020404" pitchFamily="49" charset="0"/>
-              <a:buChar char="o"/>
-            </a:pPr>
-            <a:r>
-              <a:rPr lang="en-US" sz="2800" dirty="0"/>
-              <a:t>what is the market value of this house?</a:t>
-            </a:r>
-          </a:p>
-          <a:p>
-            <a:pPr marL="1600200" lvl="2" indent="-685800" algn="l">
-              <a:buFont typeface="Courier New" panose="02070309020205020404" pitchFamily="49" charset="0"/>
-              <a:buChar char="o"/>
-            </a:pPr>
-            <a:r>
-              <a:rPr lang="en-US" sz="2800" dirty="0"/>
-              <a:t>Is it going to rain tomorrow?</a:t>
-            </a:r>
-          </a:p>
-          <a:p>
-            <a:pPr algn="l"/>
-            <a:endParaRPr lang="en-US" sz="4600" dirty="0"/>
-          </a:p>
-          <a:p>
-            <a:pPr algn="l"/>
-            <a:endParaRPr lang="en-US" sz="4600" dirty="0"/>
-          </a:p>
-          <a:p>
-            <a:pPr algn="l"/>
-            <a:endParaRPr lang="en-US" sz="4600" dirty="0"/>
           </a:p>
           <a:p>
             <a:pPr algn="l"/>
             <a:r>
               <a:rPr lang="en-US" sz="6200" dirty="0"/>
               <a:t>	</a:t>
+            </a:r>
+            <a:r>
+              <a:rPr lang="en-US" sz="4000" dirty="0"/>
+              <a:t>Demo: Iris Dataset </a:t>
             </a:r>
           </a:p>
         </p:txBody>
@@ -4931,7 +4878,7 @@
     </p:spTree>
     <p:extLst>
       <p:ext uri="{BB962C8B-B14F-4D97-AF65-F5344CB8AC3E}">
-        <p14:creationId xmlns:p14="http://schemas.microsoft.com/office/powerpoint/2010/main" val="338597293"/>
+        <p14:creationId xmlns:p14="http://schemas.microsoft.com/office/powerpoint/2010/main" val="3433111902"/>
       </p:ext>
     </p:extLst>
   </p:cSld>
@@ -4970,38 +4917,157 @@
         </p:nvSpPr>
         <p:spPr>
           <a:xfrm>
-            <a:off x="1166948" y="815294"/>
-            <a:ext cx="10375478" cy="5498419"/>
+            <a:off x="522514" y="935109"/>
+            <a:ext cx="11300518" cy="5642154"/>
           </a:xfrm>
         </p:spPr>
         <p:txBody>
           <a:bodyPr>
-            <a:normAutofit/>
+            <a:noAutofit/>
           </a:bodyPr>
           <a:lstStyle/>
           <a:p>
+            <a:pPr marL="457200" indent="-457200" algn="l">
+              <a:buFont typeface="Arial" panose="020B0604020202020204" pitchFamily="34" charset="0"/>
+              <a:buChar char="•"/>
+            </a:pPr>
+            <a:r>
+              <a:rPr lang="en-US" sz="2800" dirty="0"/>
+              <a:t>Anomaly Detection Algorithm</a:t>
+            </a:r>
+          </a:p>
+          <a:p>
+            <a:pPr lvl="1" algn="l"/>
+            <a:r>
+              <a:rPr lang="en-US" sz="2800" dirty="0"/>
+              <a:t>    -- Identify unusual data points</a:t>
+            </a:r>
+          </a:p>
+          <a:p>
+            <a:pPr marL="1371600" lvl="2" indent="-457200" algn="l">
+              <a:buFont typeface="Courier New" panose="02070309020205020404" pitchFamily="49" charset="0"/>
+              <a:buChar char="o"/>
+            </a:pPr>
+            <a:r>
+              <a:rPr lang="en-US" sz="2800" dirty="0"/>
+              <a:t>Is there any fraud in this transactions</a:t>
+            </a:r>
+          </a:p>
+          <a:p>
+            <a:pPr marL="1371600" lvl="2" indent="-457200" algn="l">
+              <a:buFont typeface="Courier New" panose="02070309020205020404" pitchFamily="49" charset="0"/>
+              <a:buChar char="o"/>
+            </a:pPr>
+            <a:r>
+              <a:rPr lang="en-US" sz="2800" dirty="0"/>
+              <a:t>Is someone trying to hack our network</a:t>
+            </a:r>
+          </a:p>
+          <a:p>
+            <a:pPr marL="457200" indent="-457200" algn="l">
+              <a:buFont typeface="Arial" panose="020B0604020202020204" pitchFamily="34" charset="0"/>
+              <a:buChar char="•"/>
+            </a:pPr>
+            <a:r>
+              <a:rPr lang="en-US" sz="2800" dirty="0"/>
+              <a:t>Clustering Algorithm</a:t>
+            </a:r>
+          </a:p>
+          <a:p>
             <a:pPr algn="l"/>
             <a:r>
-              <a:rPr lang="en-US" sz="3600" dirty="0"/>
-              <a:t>Demo Iris</a:t>
+              <a:rPr lang="en-US" sz="2800" dirty="0"/>
+              <a:t>	-- Group data based on some condition</a:t>
+            </a:r>
+          </a:p>
+          <a:p>
+            <a:pPr marL="1485900" lvl="2" indent="-571500" algn="l">
+              <a:buFont typeface="Courier New" panose="02070309020205020404" pitchFamily="49" charset="0"/>
+              <a:buChar char="o"/>
+            </a:pPr>
+            <a:r>
+              <a:rPr lang="en-US" sz="2800" dirty="0"/>
+              <a:t>Which type of house lies in this segment?</a:t>
+            </a:r>
+          </a:p>
+          <a:p>
+            <a:pPr marL="1485900" lvl="2" indent="-571500" algn="l">
+              <a:buFont typeface="Courier New" panose="02070309020205020404" pitchFamily="49" charset="0"/>
+              <a:buChar char="o"/>
+            </a:pPr>
+            <a:r>
+              <a:rPr lang="en-US" sz="2800" dirty="0"/>
+              <a:t>What type of customer buys this product?</a:t>
+            </a:r>
+          </a:p>
+          <a:p>
+            <a:pPr marL="457200" indent="-457200" algn="l">
+              <a:buFont typeface="Arial" panose="020B0604020202020204" pitchFamily="34" charset="0"/>
+              <a:buChar char="•"/>
+            </a:pPr>
+            <a:r>
+              <a:rPr lang="en-US" sz="2800" dirty="0"/>
+              <a:t>Regression Algorithm</a:t>
             </a:r>
           </a:p>
           <a:p>
             <a:pPr algn="l"/>
-            <a:endParaRPr lang="en-US" sz="5800" dirty="0"/>
-          </a:p>
-        </p:txBody>
-      </p:sp>
-      <p:sp>
-        <p:nvSpPr>
-          <p:cNvPr id="5" name="TextBox 4"/>
+            <a:r>
+              <a:rPr lang="en-US" sz="2800" dirty="0"/>
+              <a:t>	-- Data itself is predicted</a:t>
+            </a:r>
+          </a:p>
+          <a:p>
+            <a:pPr marL="1600200" lvl="2" indent="-685800" algn="l">
+              <a:buFont typeface="Courier New" panose="02070309020205020404" pitchFamily="49" charset="0"/>
+              <a:buChar char="o"/>
+            </a:pPr>
+            <a:r>
+              <a:rPr lang="en-US" sz="2800" dirty="0"/>
+              <a:t>what is the market value of this house?</a:t>
+            </a:r>
+          </a:p>
+          <a:p>
+            <a:pPr marL="1600200" lvl="2" indent="-685800" algn="l">
+              <a:buFont typeface="Courier New" panose="02070309020205020404" pitchFamily="49" charset="0"/>
+              <a:buChar char="o"/>
+            </a:pPr>
+            <a:r>
+              <a:rPr lang="en-US" sz="2800" dirty="0"/>
+              <a:t>Is it going to rain tomorrow?</a:t>
+            </a:r>
+          </a:p>
+          <a:p>
+            <a:pPr algn="l"/>
+            <a:endParaRPr lang="en-US" sz="4600" dirty="0"/>
+          </a:p>
+          <a:p>
+            <a:pPr algn="l"/>
+            <a:endParaRPr lang="en-US" sz="4600" dirty="0"/>
+          </a:p>
+          <a:p>
+            <a:pPr algn="l"/>
+            <a:endParaRPr lang="en-US" sz="4600" dirty="0"/>
+          </a:p>
+          <a:p>
+            <a:pPr algn="l"/>
+            <a:r>
+              <a:rPr lang="en-US" sz="6200" dirty="0"/>
+              <a:t>	</a:t>
+            </a:r>
+          </a:p>
+        </p:txBody>
+      </p:sp>
+      <p:sp>
+        <p:nvSpPr>
+          <p:cNvPr id="4" name="TextBox 3"/>
           <p:cNvSpPr txBox="1"/>
           <p:nvPr/>
         </p:nvSpPr>
         <p:spPr>
           <a:xfrm>
-            <a:off x="254568" y="147547"/>
-            <a:ext cx="10968760" cy="584775"/>
+            <a:off x="522514" y="217714"/>
+            <a:ext cx="10968760" cy="861774"/>
           </a:xfrm>
           <a:prstGeom prst="rect">
             <a:avLst/>
@@ -5016,8 +5082,10 @@
           <a:p>
             <a:r>
               <a:rPr lang="en-US" sz="3200" dirty="0"/>
-              <a:t>Class-1: Demo Iris</a:t>
-            </a:r>
+              <a:t>Class-1:Classification of Algorithm</a:t>
+            </a:r>
+          </a:p>
+          <a:p>
             <a:endParaRPr lang="en-US" dirty="0"/>
           </a:p>
         </p:txBody>
@@ -5025,7 +5093,7 @@
     </p:spTree>
     <p:extLst>
       <p:ext uri="{BB962C8B-B14F-4D97-AF65-F5344CB8AC3E}">
-        <p14:creationId xmlns:p14="http://schemas.microsoft.com/office/powerpoint/2010/main" val="1873121010"/>
+        <p14:creationId xmlns:p14="http://schemas.microsoft.com/office/powerpoint/2010/main" val="338597293"/>
       </p:ext>
     </p:extLst>
   </p:cSld>
@@ -5070,107 +5138,14 @@
         </p:spPr>
         <p:txBody>
           <a:bodyPr>
-            <a:normAutofit fontScale="70000" lnSpcReduction="20000"/>
+            <a:normAutofit/>
           </a:bodyPr>
           <a:lstStyle/>
           <a:p>
             <a:pPr algn="l"/>
             <a:r>
               <a:rPr lang="en-US" sz="3600" dirty="0"/>
-              <a:t>What is Data</a:t>
-            </a:r>
-          </a:p>
-          <a:p>
-            <a:pPr algn="l"/>
-            <a:r>
-              <a:rPr lang="en-US" sz="3600" dirty="0"/>
-              <a:t>	</a:t>
-            </a:r>
-            <a:r>
-              <a:rPr lang="en-US" sz="2000" i="1" dirty="0"/>
-              <a:t>“Data refers to facts and statistics collected together for reference or analysis”</a:t>
-            </a:r>
-          </a:p>
-          <a:p>
-            <a:pPr algn="l"/>
-            <a:endParaRPr lang="en-US" sz="3600" dirty="0"/>
-          </a:p>
-          <a:p>
-            <a:pPr algn="l"/>
-            <a:r>
-              <a:rPr lang="en-US" sz="3600" dirty="0"/>
-              <a:t>Categories of Data</a:t>
-            </a:r>
-          </a:p>
-          <a:p>
-            <a:pPr algn="l"/>
-            <a:r>
-              <a:rPr lang="en-US" sz="3600" dirty="0"/>
-              <a:t>	Qualitative Data </a:t>
-            </a:r>
-          </a:p>
-          <a:p>
-            <a:pPr algn="l"/>
-            <a:r>
-              <a:rPr lang="en-US" sz="3600" dirty="0"/>
-              <a:t>		Nominal Data vs. Ordinal Data</a:t>
-            </a:r>
-          </a:p>
-          <a:p>
-            <a:pPr algn="l"/>
-            <a:r>
-              <a:rPr lang="en-US" sz="3600" dirty="0"/>
-              <a:t>	Quantitative Data</a:t>
-            </a:r>
-          </a:p>
-          <a:p>
-            <a:pPr algn="l"/>
-            <a:r>
-              <a:rPr lang="en-US" sz="3600" dirty="0"/>
-              <a:t>		Discrete Data vs. Continuous Data	</a:t>
-            </a:r>
-          </a:p>
-          <a:p>
-            <a:pPr algn="l"/>
-            <a:r>
-              <a:rPr lang="en-US" sz="3600" dirty="0"/>
-              <a:t>What is Statistics</a:t>
-            </a:r>
-          </a:p>
-          <a:p>
-            <a:pPr algn="l"/>
-            <a:r>
-              <a:rPr lang="en-US" sz="3600" dirty="0"/>
-              <a:t>Basic Terminologies in Statistics</a:t>
-            </a:r>
-          </a:p>
-          <a:p>
-            <a:pPr algn="l"/>
-            <a:r>
-              <a:rPr lang="en-US" sz="3600" dirty="0"/>
-              <a:t>	Measure of Central tendency</a:t>
-            </a:r>
-          </a:p>
-          <a:p>
-            <a:pPr algn="l"/>
-            <a:r>
-              <a:rPr lang="en-US" sz="3600" dirty="0"/>
-              <a:t>	Measure of </a:t>
-            </a:r>
-            <a:r>
-              <a:rPr lang="en-US" sz="3600" dirty="0" err="1"/>
-              <a:t>Variablitity</a:t>
-            </a:r>
-            <a:r>
-              <a:rPr lang="en-US" sz="3600" dirty="0"/>
-              <a:t> (spread) </a:t>
-            </a:r>
-          </a:p>
-          <a:p>
-            <a:pPr algn="l"/>
-            <a:r>
-              <a:rPr lang="en-US" sz="3600" dirty="0"/>
-              <a:t>	Maximum, Average, Minimum, </a:t>
+              <a:t>Demo Iris</a:t>
             </a:r>
           </a:p>
           <a:p>
@@ -5188,7 +5163,7 @@
         <p:spPr>
           <a:xfrm>
             <a:off x="254568" y="147547"/>
-            <a:ext cx="10968760" cy="861774"/>
+            <a:ext cx="10968760" cy="584775"/>
           </a:xfrm>
           <a:prstGeom prst="rect">
             <a:avLst/>
@@ -5203,10 +5178,8 @@
           <a:p>
             <a:r>
               <a:rPr lang="en-US" sz="3200" dirty="0"/>
-              <a:t>Class-2: Statistics &amp; Probability for ML - Intro</a:t>
-            </a:r>
-          </a:p>
-          <a:p>
+              <a:t>Class-1: Demo Iris</a:t>
+            </a:r>
             <a:endParaRPr lang="en-US" dirty="0"/>
           </a:p>
         </p:txBody>
@@ -5214,7 +5187,7 @@
     </p:spTree>
     <p:extLst>
       <p:ext uri="{BB962C8B-B14F-4D97-AF65-F5344CB8AC3E}">
-        <p14:creationId xmlns:p14="http://schemas.microsoft.com/office/powerpoint/2010/main" val="2516377397"/>
+        <p14:creationId xmlns:p14="http://schemas.microsoft.com/office/powerpoint/2010/main" val="1873121010"/>
       </p:ext>
     </p:extLst>
   </p:cSld>
@@ -5259,14 +5232,75 @@
         </p:spPr>
         <p:txBody>
           <a:bodyPr>
-            <a:normAutofit/>
+            <a:normAutofit fontScale="70000" lnSpcReduction="20000"/>
           </a:bodyPr>
           <a:lstStyle/>
           <a:p>
-            <a:pPr marL="571500" indent="-571500" algn="l">
-              <a:buFont typeface="Arial" panose="020B0604020202020204" pitchFamily="34" charset="0"/>
-              <a:buChar char="•"/>
-            </a:pPr>
+            <a:pPr algn="l"/>
+            <a:r>
+              <a:rPr lang="en-US" sz="3600" dirty="0"/>
+              <a:t>What is Data</a:t>
+            </a:r>
+          </a:p>
+          <a:p>
+            <a:pPr algn="l"/>
+            <a:r>
+              <a:rPr lang="en-US" sz="3600" dirty="0"/>
+              <a:t>	</a:t>
+            </a:r>
+            <a:r>
+              <a:rPr lang="en-US" sz="2000" i="1" dirty="0"/>
+              <a:t>“Data refers to facts and statistics collected together for reference or analysis”</a:t>
+            </a:r>
+          </a:p>
+          <a:p>
+            <a:pPr algn="l"/>
+            <a:endParaRPr lang="en-US" sz="3600" dirty="0"/>
+          </a:p>
+          <a:p>
+            <a:pPr algn="l"/>
+            <a:r>
+              <a:rPr lang="en-US" sz="3600" dirty="0"/>
+              <a:t>Categories of Data</a:t>
+            </a:r>
+          </a:p>
+          <a:p>
+            <a:pPr algn="l"/>
+            <a:r>
+              <a:rPr lang="en-US" sz="3600" dirty="0"/>
+              <a:t>	Qualitative Data </a:t>
+            </a:r>
+          </a:p>
+          <a:p>
+            <a:pPr algn="l"/>
+            <a:r>
+              <a:rPr lang="en-US" sz="3600" dirty="0"/>
+              <a:t>		Nominal Data vs. Ordinal Data</a:t>
+            </a:r>
+          </a:p>
+          <a:p>
+            <a:pPr algn="l"/>
+            <a:r>
+              <a:rPr lang="en-US" sz="3600" dirty="0"/>
+              <a:t>	Quantitative Data</a:t>
+            </a:r>
+          </a:p>
+          <a:p>
+            <a:pPr algn="l"/>
+            <a:r>
+              <a:rPr lang="en-US" sz="3600" dirty="0"/>
+              <a:t>		Discrete Data vs. Continuous Data	</a:t>
+            </a:r>
+          </a:p>
+          <a:p>
+            <a:pPr algn="l"/>
+            <a:r>
+              <a:rPr lang="en-US" sz="3600" dirty="0"/>
+              <a:t>What is Statistics</a:t>
+            </a:r>
+          </a:p>
+          <a:p>
+            <a:pPr algn="l"/>
             <a:r>
               <a:rPr lang="en-US" sz="3600" dirty="0"/>
               <a:t>Basic Terminologies in Statistics</a:t>
@@ -5276,51 +5310,34 @@
             <a:pPr algn="l"/>
             <a:r>
               <a:rPr lang="en-US" sz="3600" dirty="0"/>
-              <a:t>	</a:t>
-            </a:r>
-            <a:r>
-              <a:rPr lang="en-US" sz="3400" dirty="0"/>
-              <a:t>Population vs Sample</a:t>
-            </a:r>
+              <a:t>	Measure of Central tendency</a:t>
+            </a:r>
+          </a:p>
+          <a:p>
+            <a:pPr algn="l"/>
             <a:r>
               <a:rPr lang="en-US" sz="3600" dirty="0"/>
-              <a:t>	</a:t>
-            </a:r>
-          </a:p>
-          <a:p>
-            <a:pPr marL="571500" indent="-571500" algn="l">
-              <a:buFont typeface="Arial" panose="020B0604020202020204" pitchFamily="34" charset="0"/>
-              <a:buChar char="•"/>
-            </a:pPr>
+              <a:t>	Measure of </a:t>
+            </a:r>
+            <a:r>
+              <a:rPr lang="en-US" sz="3600" dirty="0" err="1"/>
+              <a:t>Variablitity</a:t>
+            </a:r>
             <a:r>
               <a:rPr lang="en-US" sz="3600" dirty="0"/>
-              <a:t>Sampling Techniques </a:t>
-            </a:r>
-          </a:p>
-          <a:p>
-            <a:pPr lvl="2" algn="l"/>
-            <a:r>
-              <a:rPr lang="en-US" sz="3400" dirty="0"/>
-              <a:t>Random Sampling </a:t>
-            </a:r>
-          </a:p>
-          <a:p>
-            <a:pPr lvl="2" algn="l"/>
-            <a:r>
-              <a:rPr lang="en-US" sz="3400" dirty="0"/>
-              <a:t>Systematic Sampling </a:t>
-            </a:r>
-          </a:p>
-          <a:p>
-            <a:pPr lvl="2" algn="l"/>
-            <a:r>
-              <a:rPr lang="en-US" sz="3400" dirty="0"/>
-              <a:t>Stratified Sampling </a:t>
+              <a:t> (spread) </a:t>
             </a:r>
           </a:p>
           <a:p>
             <a:pPr algn="l"/>
-            <a:endParaRPr lang="en-US" sz="3600" dirty="0"/>
+            <a:r>
+              <a:rPr lang="en-US" sz="3600" dirty="0"/>
+              <a:t>	Maximum, Average, Minimum, </a:t>
+            </a:r>
+          </a:p>
+          <a:p>
+            <a:pPr algn="l"/>
+            <a:endParaRPr lang="en-US" sz="5800" dirty="0"/>
           </a:p>
         </p:txBody>
       </p:sp>
@@ -5348,7 +5365,7 @@
           <a:p>
             <a:r>
               <a:rPr lang="en-US" sz="3200" dirty="0"/>
-              <a:t>Class-2: Statistics &amp; Probability for ML</a:t>
+              <a:t>Class-2: Statistics &amp; Probability for ML - Intro</a:t>
             </a:r>
           </a:p>
           <a:p>
@@ -5359,7 +5376,7 @@
     </p:spTree>
     <p:extLst>
       <p:ext uri="{BB962C8B-B14F-4D97-AF65-F5344CB8AC3E}">
-        <p14:creationId xmlns:p14="http://schemas.microsoft.com/office/powerpoint/2010/main" val="2089964153"/>
+        <p14:creationId xmlns:p14="http://schemas.microsoft.com/office/powerpoint/2010/main" val="2516377397"/>
       </p:ext>
     </p:extLst>
   </p:cSld>
@@ -5398,8 +5415,8 @@
         </p:nvSpPr>
         <p:spPr>
           <a:xfrm>
-            <a:off x="134647" y="935215"/>
-            <a:ext cx="10968760" cy="5498419"/>
+            <a:off x="1166948" y="815294"/>
+            <a:ext cx="10375478" cy="5498419"/>
           </a:xfrm>
         </p:spPr>
         <p:txBody>
@@ -5408,49 +5425,64 @@
           </a:bodyPr>
           <a:lstStyle/>
           <a:p>
-            <a:pPr marL="914400" lvl="1" indent="-457200" algn="l">
+            <a:pPr marL="571500" indent="-571500" algn="l">
               <a:buFont typeface="Arial" panose="020B0604020202020204" pitchFamily="34" charset="0"/>
               <a:buChar char="•"/>
             </a:pPr>
             <a:r>
-              <a:rPr lang="en-US" sz="2800" dirty="0"/>
-              <a:t>Descriptive Statistics</a:t>
-            </a:r>
-          </a:p>
-          <a:p>
-            <a:pPr lvl="1" algn="l">
-              <a:lnSpc>
-                <a:spcPct val="100000"/>
-              </a:lnSpc>
-            </a:pPr>
-            <a:r>
-              <a:rPr lang="en-US" sz="2800" dirty="0"/>
-              <a:t>	Maximum Average Minimum</a:t>
-            </a:r>
-          </a:p>
-          <a:p>
-            <a:pPr marL="914400" lvl="1" indent="-457200" algn="l">
-              <a:lnSpc>
-                <a:spcPct val="100000"/>
-              </a:lnSpc>
+              <a:rPr lang="en-US" sz="3600" dirty="0"/>
+              <a:t>Basic Terminologies in Statistics</a:t>
+            </a:r>
+          </a:p>
+          <a:p>
+            <a:pPr algn="l"/>
+            <a:r>
+              <a:rPr lang="en-US" sz="3600" dirty="0"/>
+              <a:t>	</a:t>
+            </a:r>
+            <a:r>
+              <a:rPr lang="en-US" sz="3400" dirty="0"/>
+              <a:t>Population vs Sample</a:t>
+            </a:r>
+            <a:r>
+              <a:rPr lang="en-US" sz="3600" dirty="0"/>
+              <a:t>	</a:t>
+            </a:r>
+          </a:p>
+          <a:p>
+            <a:pPr marL="571500" indent="-571500" algn="l">
               <a:buFont typeface="Arial" panose="020B0604020202020204" pitchFamily="34" charset="0"/>
               <a:buChar char="•"/>
             </a:pPr>
             <a:r>
-              <a:rPr lang="en-US" sz="2800" dirty="0"/>
-              <a:t>Inferential Statistics</a:t>
-            </a:r>
-          </a:p>
-          <a:p>
-            <a:pPr lvl="1" algn="l">
-              <a:lnSpc>
-                <a:spcPct val="100000"/>
-              </a:lnSpc>
-            </a:pPr>
-            <a:r>
-              <a:rPr lang="en-US" sz="2800" dirty="0"/>
-              <a:t>	Large Medium Small</a:t>
-            </a:r>
+              <a:rPr lang="en-US" sz="3600" dirty="0"/>
+              <a:t>Sampling Techniques </a:t>
+            </a:r>
+          </a:p>
+          <a:p>
+            <a:pPr lvl="2" algn="l"/>
+            <a:r>
+              <a:rPr lang="en-US" sz="3400" dirty="0"/>
+              <a:t>Random Sampling </a:t>
+            </a:r>
+          </a:p>
+          <a:p>
+            <a:pPr lvl="2" algn="l"/>
+            <a:r>
+              <a:rPr lang="en-US" sz="3400" dirty="0"/>
+              <a:t>Systematic Sampling </a:t>
+            </a:r>
+          </a:p>
+          <a:p>
+            <a:pPr lvl="2" algn="l"/>
+            <a:r>
+              <a:rPr lang="en-US" sz="3400" dirty="0"/>
+              <a:t>Stratified Sampling </a:t>
+            </a:r>
+          </a:p>
+          <a:p>
+            <a:pPr algn="l"/>
+            <a:endParaRPr lang="en-US" sz="3600" dirty="0"/>
           </a:p>
         </p:txBody>
       </p:sp>
@@ -5463,7 +5495,7 @@
         <p:spPr>
           <a:xfrm>
             <a:off x="254568" y="147547"/>
-            <a:ext cx="10968760" cy="584775"/>
+            <a:ext cx="10968760" cy="861774"/>
           </a:xfrm>
           <a:prstGeom prst="rect">
             <a:avLst/>
@@ -5478,8 +5510,10 @@
           <a:p>
             <a:r>
               <a:rPr lang="en-US" sz="3200" dirty="0"/>
-              <a:t>Class-2: Types of Statistics</a:t>
-            </a:r>
+              <a:t>Class-2: Statistics &amp; Probability for ML</a:t>
+            </a:r>
+          </a:p>
+          <a:p>
             <a:endParaRPr lang="en-US" dirty="0"/>
           </a:p>
         </p:txBody>
@@ -5487,7 +5521,7 @@
     </p:spTree>
     <p:extLst>
       <p:ext uri="{BB962C8B-B14F-4D97-AF65-F5344CB8AC3E}">
-        <p14:creationId xmlns:p14="http://schemas.microsoft.com/office/powerpoint/2010/main" val="3362844972"/>
+        <p14:creationId xmlns:p14="http://schemas.microsoft.com/office/powerpoint/2010/main" val="2089964153"/>
       </p:ext>
     </p:extLst>
   </p:cSld>
@@ -5537,54 +5571,23 @@
           <a:lstStyle/>
           <a:p>
             <a:pPr marL="914400" lvl="1" indent="-457200" algn="l">
+              <a:buFont typeface="Arial" panose="020B0604020202020204" pitchFamily="34" charset="0"/>
+              <a:buChar char="•"/>
+            </a:pPr>
+            <a:r>
+              <a:rPr lang="en-US" sz="2800" dirty="0"/>
+              <a:t>Descriptive Statistics</a:t>
+            </a:r>
+          </a:p>
+          <a:p>
+            <a:pPr lvl="1" algn="l">
               <a:lnSpc>
                 <a:spcPct val="100000"/>
               </a:lnSpc>
-              <a:buFont typeface="Arial" panose="020B0604020202020204" pitchFamily="34" charset="0"/>
-              <a:buChar char="•"/>
             </a:pPr>
             <a:r>
               <a:rPr lang="en-US" sz="2800" dirty="0"/>
-              <a:t>Measure of Center</a:t>
-            </a:r>
-          </a:p>
-          <a:p>
-            <a:pPr marL="1428750" lvl="2" indent="-514350" algn="l">
-              <a:lnSpc>
-                <a:spcPct val="100000"/>
-              </a:lnSpc>
-              <a:buFont typeface="Courier New" panose="02070309020205020404" pitchFamily="49" charset="0"/>
-              <a:buChar char="o"/>
-            </a:pPr>
-            <a:r>
-              <a:rPr lang="en-US" sz="2600" dirty="0"/>
-              <a:t>Mean, </a:t>
-            </a:r>
-          </a:p>
-          <a:p>
-            <a:pPr marL="1428750" lvl="2" indent="-514350" algn="l">
-              <a:lnSpc>
-                <a:spcPct val="100000"/>
-              </a:lnSpc>
-              <a:buFont typeface="Courier New" panose="02070309020205020404" pitchFamily="49" charset="0"/>
-              <a:buChar char="o"/>
-            </a:pPr>
-            <a:r>
-              <a:rPr lang="en-US" sz="2600" dirty="0"/>
-              <a:t>Median,</a:t>
-            </a:r>
-          </a:p>
-          <a:p>
-            <a:pPr marL="1428750" lvl="2" indent="-514350" algn="l">
-              <a:lnSpc>
-                <a:spcPct val="100000"/>
-              </a:lnSpc>
-              <a:buFont typeface="Courier New" panose="02070309020205020404" pitchFamily="49" charset="0"/>
-              <a:buChar char="o"/>
-            </a:pPr>
-            <a:r>
-              <a:rPr lang="en-US" sz="2600" dirty="0"/>
-              <a:t>Mode (most popular one)</a:t>
+              <a:t>	Maximum Average Minimum</a:t>
             </a:r>
           </a:p>
           <a:p>
@@ -5597,67 +5600,18 @@
             </a:pPr>
             <a:r>
               <a:rPr lang="en-US" sz="2800" dirty="0"/>
-              <a:t>Measures of Spread (Variability)</a:t>
-            </a:r>
-          </a:p>
-          <a:p>
-            <a:pPr marL="1371600" lvl="2" indent="-457200" algn="l">
-              <a:buFont typeface="Courier New" panose="02070309020205020404" pitchFamily="49" charset="0"/>
-              <a:buChar char="o"/>
+              <a:t>Inferential Statistics</a:t>
+            </a:r>
+          </a:p>
+          <a:p>
+            <a:pPr lvl="1" algn="l">
+              <a:lnSpc>
+                <a:spcPct val="100000"/>
+              </a:lnSpc>
             </a:pPr>
             <a:r>
-              <a:rPr lang="en-US" sz="2600" dirty="0"/>
-              <a:t>Range = Max(xi) – Min(xi)</a:t>
-            </a:r>
-          </a:p>
-          <a:p>
-            <a:pPr marL="1371600" lvl="2" indent="-457200" algn="l">
-              <a:buFont typeface="Courier New" panose="02070309020205020404" pitchFamily="49" charset="0"/>
-              <a:buChar char="o"/>
-            </a:pPr>
-            <a:r>
-              <a:rPr lang="en-US" sz="2600" dirty="0"/>
-              <a:t>Inter Quartile Range, </a:t>
-            </a:r>
-          </a:p>
-          <a:p>
-            <a:pPr marL="1371600" lvl="2" indent="-457200" algn="l">
-              <a:buFont typeface="Courier New" panose="02070309020205020404" pitchFamily="49" charset="0"/>
-              <a:buChar char="o"/>
-            </a:pPr>
-            <a:r>
-              <a:rPr lang="en-US" sz="2600" dirty="0"/>
-              <a:t>Variance, </a:t>
-            </a:r>
-          </a:p>
-          <a:p>
-            <a:pPr marL="1371600" lvl="2" indent="-457200" algn="l">
-              <a:buFont typeface="Courier New" panose="02070309020205020404" pitchFamily="49" charset="0"/>
-              <a:buChar char="o"/>
-            </a:pPr>
-            <a:r>
-              <a:rPr lang="en-US" sz="2600" dirty="0"/>
-              <a:t>Standard Deviation</a:t>
-            </a:r>
-          </a:p>
-          <a:p>
-            <a:pPr marL="914400" lvl="1" indent="-457200" algn="l">
-              <a:buFont typeface="Arial" panose="020B0604020202020204" pitchFamily="34" charset="0"/>
-              <a:buChar char="•"/>
-            </a:pPr>
-            <a:r>
               <a:rPr lang="en-US" sz="2800" dirty="0"/>
-              <a:t>Information Gain &amp; Entropy </a:t>
-            </a:r>
-          </a:p>
-          <a:p>
-            <a:pPr marL="914400" lvl="1" indent="-457200" algn="l">
-              <a:buFont typeface="Arial" panose="020B0604020202020204" pitchFamily="34" charset="0"/>
-              <a:buChar char="•"/>
-            </a:pPr>
-            <a:r>
-              <a:rPr lang="en-US" sz="2800" dirty="0"/>
-              <a:t>Confusion Matrix </a:t>
+              <a:t>	Large Medium Small</a:t>
             </a:r>
           </a:p>
         </p:txBody>
@@ -5686,15 +5640,16 @@
           <a:p>
             <a:r>
               <a:rPr lang="en-US" sz="3200" dirty="0"/>
-              <a:t>Class-2: Descriptive Statistics</a:t>
-            </a:r>
+              <a:t>Class-2: Types of Statistics</a:t>
+            </a:r>
+            <a:endParaRPr lang="en-US" dirty="0"/>
           </a:p>
         </p:txBody>
       </p:sp>
     </p:spTree>
     <p:extLst>
       <p:ext uri="{BB962C8B-B14F-4D97-AF65-F5344CB8AC3E}">
-        <p14:creationId xmlns:p14="http://schemas.microsoft.com/office/powerpoint/2010/main" val="1969190807"/>
+        <p14:creationId xmlns:p14="http://schemas.microsoft.com/office/powerpoint/2010/main" val="3362844972"/>
       </p:ext>
     </p:extLst>
   </p:cSld>
@@ -5744,12 +5699,107 @@
           <a:lstStyle/>
           <a:p>
             <a:pPr marL="914400" lvl="1" indent="-457200" algn="l">
+              <a:lnSpc>
+                <a:spcPct val="100000"/>
+              </a:lnSpc>
               <a:buFont typeface="Arial" panose="020B0604020202020204" pitchFamily="34" charset="0"/>
               <a:buChar char="•"/>
             </a:pPr>
             <a:r>
               <a:rPr lang="en-US" sz="2800" dirty="0"/>
-              <a:t>Entropy</a:t>
+              <a:t>Measure of Center</a:t>
+            </a:r>
+          </a:p>
+          <a:p>
+            <a:pPr marL="1428750" lvl="2" indent="-514350" algn="l">
+              <a:lnSpc>
+                <a:spcPct val="100000"/>
+              </a:lnSpc>
+              <a:buFont typeface="Courier New" panose="02070309020205020404" pitchFamily="49" charset="0"/>
+              <a:buChar char="o"/>
+            </a:pPr>
+            <a:r>
+              <a:rPr lang="en-US" sz="2600" dirty="0"/>
+              <a:t>Mean, </a:t>
+            </a:r>
+          </a:p>
+          <a:p>
+            <a:pPr marL="1428750" lvl="2" indent="-514350" algn="l">
+              <a:lnSpc>
+                <a:spcPct val="100000"/>
+              </a:lnSpc>
+              <a:buFont typeface="Courier New" panose="02070309020205020404" pitchFamily="49" charset="0"/>
+              <a:buChar char="o"/>
+            </a:pPr>
+            <a:r>
+              <a:rPr lang="en-US" sz="2600" dirty="0"/>
+              <a:t>Median,</a:t>
+            </a:r>
+          </a:p>
+          <a:p>
+            <a:pPr marL="1428750" lvl="2" indent="-514350" algn="l">
+              <a:lnSpc>
+                <a:spcPct val="100000"/>
+              </a:lnSpc>
+              <a:buFont typeface="Courier New" panose="02070309020205020404" pitchFamily="49" charset="0"/>
+              <a:buChar char="o"/>
+            </a:pPr>
+            <a:r>
+              <a:rPr lang="en-US" sz="2600" dirty="0"/>
+              <a:t>Mode (most popular one)</a:t>
+            </a:r>
+          </a:p>
+          <a:p>
+            <a:pPr marL="914400" lvl="1" indent="-457200" algn="l">
+              <a:lnSpc>
+                <a:spcPct val="100000"/>
+              </a:lnSpc>
+              <a:buFont typeface="Arial" panose="020B0604020202020204" pitchFamily="34" charset="0"/>
+              <a:buChar char="•"/>
+            </a:pPr>
+            <a:r>
+              <a:rPr lang="en-US" sz="2800" dirty="0"/>
+              <a:t>Measures of Spread (Variability)</a:t>
+            </a:r>
+          </a:p>
+          <a:p>
+            <a:pPr marL="1371600" lvl="2" indent="-457200" algn="l">
+              <a:buFont typeface="Courier New" panose="02070309020205020404" pitchFamily="49" charset="0"/>
+              <a:buChar char="o"/>
+            </a:pPr>
+            <a:r>
+              <a:rPr lang="en-US" sz="2600" dirty="0"/>
+              <a:t>Range = Max(xi) – Min(xi)</a:t>
+            </a:r>
+          </a:p>
+          <a:p>
+            <a:pPr marL="1371600" lvl="2" indent="-457200" algn="l">
+              <a:buFont typeface="Courier New" panose="02070309020205020404" pitchFamily="49" charset="0"/>
+              <a:buChar char="o"/>
+            </a:pPr>
+            <a:r>
+              <a:rPr lang="en-US" sz="2600" dirty="0"/>
+              <a:t>Inter Quartile Range, </a:t>
+            </a:r>
+          </a:p>
+          <a:p>
+            <a:pPr marL="1371600" lvl="2" indent="-457200" algn="l">
+              <a:buFont typeface="Courier New" panose="02070309020205020404" pitchFamily="49" charset="0"/>
+              <a:buChar char="o"/>
+            </a:pPr>
+            <a:r>
+              <a:rPr lang="en-US" sz="2600" dirty="0"/>
+              <a:t>Variance, </a:t>
+            </a:r>
+          </a:p>
+          <a:p>
+            <a:pPr marL="1371600" lvl="2" indent="-457200" algn="l">
+              <a:buFont typeface="Courier New" panose="02070309020205020404" pitchFamily="49" charset="0"/>
+              <a:buChar char="o"/>
+            </a:pPr>
+            <a:r>
+              <a:rPr lang="en-US" sz="2600" dirty="0"/>
+              <a:t>Standard Deviation</a:t>
             </a:r>
           </a:p>
           <a:p>
@@ -5757,30 +5807,19 @@
               <a:buFont typeface="Arial" panose="020B0604020202020204" pitchFamily="34" charset="0"/>
               <a:buChar char="•"/>
             </a:pPr>
-            <a:endParaRPr lang="en-US" sz="2800" dirty="0"/>
+            <a:r>
+              <a:rPr lang="en-US" sz="2800" dirty="0"/>
+              <a:t>Information Gain &amp; Entropy </a:t>
+            </a:r>
           </a:p>
           <a:p>
             <a:pPr marL="914400" lvl="1" indent="-457200" algn="l">
               <a:buFont typeface="Arial" panose="020B0604020202020204" pitchFamily="34" charset="0"/>
               <a:buChar char="•"/>
             </a:pPr>
-            <a:endParaRPr lang="en-US" sz="2800" dirty="0"/>
-          </a:p>
-          <a:p>
-            <a:pPr marL="914400" lvl="1" indent="-457200" algn="l">
-              <a:buFont typeface="Arial" panose="020B0604020202020204" pitchFamily="34" charset="0"/>
-              <a:buChar char="•"/>
-            </a:pPr>
-            <a:endParaRPr lang="en-US" sz="2800" dirty="0"/>
-          </a:p>
-          <a:p>
-            <a:pPr marL="914400" lvl="1" indent="-457200" algn="l">
-              <a:buFont typeface="Arial" panose="020B0604020202020204" pitchFamily="34" charset="0"/>
-              <a:buChar char="•"/>
-            </a:pPr>
             <a:r>
               <a:rPr lang="en-US" sz="2800" dirty="0"/>
-              <a:t>Information Gain</a:t>
+              <a:t>Confusion Matrix </a:t>
             </a:r>
           </a:p>
         </p:txBody>
@@ -5809,143 +5848,15 @@
           <a:p>
             <a:r>
               <a:rPr lang="en-US" sz="3200" dirty="0"/>
-              <a:t>Class-2: Information Gain &amp; Entropy </a:t>
-            </a:r>
-          </a:p>
-        </p:txBody>
-      </p:sp>
-      <p:sp>
-        <p:nvSpPr>
-          <p:cNvPr id="4" name="AutoShape 2" descr="Information Entropy Equation"/>
-          <p:cNvSpPr>
-            <a:spLocks noChangeAspect="1" noChangeArrowheads="1"/>
-          </p:cNvSpPr>
-          <p:nvPr/>
-        </p:nvSpPr>
-        <p:spPr bwMode="auto">
-          <a:xfrm>
-            <a:off x="4262879" y="935215"/>
-            <a:ext cx="4371455" cy="4371469"/>
-          </a:xfrm>
-          <a:prstGeom prst="rect">
-            <a:avLst/>
-          </a:prstGeom>
-          <a:noFill/>
-          <a:extLst>
-            <a:ext uri="{909E8E84-426E-40DD-AFC4-6F175D3DCCD1}">
-              <a14:hiddenFill xmlns:a14="http://schemas.microsoft.com/office/drawing/2010/main">
-                <a:solidFill>
-                  <a:srgbClr val="FFFFFF"/>
-                </a:solidFill>
-              </a14:hiddenFill>
-            </a:ext>
-          </a:extLst>
-        </p:spPr>
-        <p:txBody>
-          <a:bodyPr vert="horz" wrap="square" lIns="91440" tIns="45720" rIns="91440" bIns="45720" numCol="1" anchor="t" anchorCtr="0" compatLnSpc="1">
-            <a:prstTxWarp prst="textNoShape">
-              <a:avLst/>
-            </a:prstTxWarp>
-          </a:bodyPr>
-          <a:lstStyle/>
-          <a:p>
-            <a:endParaRPr lang="en-US"/>
-          </a:p>
-        </p:txBody>
-      </p:sp>
-      <p:pic>
-        <p:nvPicPr>
-          <p:cNvPr id="1028" name="Picture 4" descr="Information Entropy Equation"/>
-          <p:cNvPicPr>
-            <a:picLocks noChangeAspect="1" noChangeArrowheads="1"/>
-          </p:cNvPicPr>
-          <p:nvPr/>
-        </p:nvPicPr>
-        <p:blipFill>
-          <a:blip r:embed="rId2">
-            <a:extLst>
-              <a:ext uri="{28A0092B-C50C-407E-A947-70E740481C1C}">
-                <a14:useLocalDpi xmlns:a14="http://schemas.microsoft.com/office/drawing/2010/main" val="0"/>
-              </a:ext>
-            </a:extLst>
-          </a:blip>
-          <a:srcRect/>
-          <a:stretch>
-            <a:fillRect/>
-          </a:stretch>
-        </p:blipFill>
-        <p:spPr bwMode="auto">
-          <a:xfrm>
-            <a:off x="3219795" y="1089542"/>
-            <a:ext cx="2887092" cy="1279340"/>
-          </a:xfrm>
-          <a:prstGeom prst="rect">
-            <a:avLst/>
-          </a:prstGeom>
-          <a:noFill/>
-          <a:extLst>
-            <a:ext uri="{909E8E84-426E-40DD-AFC4-6F175D3DCCD1}">
-              <a14:hiddenFill xmlns:a14="http://schemas.microsoft.com/office/drawing/2010/main">
-                <a:solidFill>
-                  <a:srgbClr val="FFFFFF"/>
-                </a:solidFill>
-              </a14:hiddenFill>
-            </a:ext>
-          </a:extLst>
-        </p:spPr>
-      </p:pic>
-      <p:pic>
-        <p:nvPicPr>
-          <p:cNvPr id="6" name="Picture 5"/>
-          <p:cNvPicPr>
-            <a:picLocks noChangeAspect="1"/>
-          </p:cNvPicPr>
-          <p:nvPr/>
-        </p:nvPicPr>
-        <p:blipFill>
-          <a:blip r:embed="rId3"/>
-          <a:stretch>
-            <a:fillRect/>
-          </a:stretch>
-        </p:blipFill>
-        <p:spPr>
-          <a:xfrm>
-            <a:off x="7562015" y="732322"/>
-            <a:ext cx="2447925" cy="2610931"/>
-          </a:xfrm>
-          <a:prstGeom prst="rect">
-            <a:avLst/>
-          </a:prstGeom>
-        </p:spPr>
-      </p:pic>
-      <p:pic>
-        <p:nvPicPr>
-          <p:cNvPr id="7" name="Picture 6"/>
-          <p:cNvPicPr>
-            <a:picLocks noChangeAspect="1"/>
-          </p:cNvPicPr>
-          <p:nvPr/>
-        </p:nvPicPr>
-        <p:blipFill>
-          <a:blip r:embed="rId4"/>
-          <a:stretch>
-            <a:fillRect/>
-          </a:stretch>
-        </p:blipFill>
-        <p:spPr>
-          <a:xfrm>
-            <a:off x="1047027" y="3207527"/>
-            <a:ext cx="4572000" cy="3429000"/>
-          </a:xfrm>
-          <a:prstGeom prst="rect">
-            <a:avLst/>
-          </a:prstGeom>
-        </p:spPr>
-      </p:pic>
+              <a:t>Class-2: Descriptive Statistics</a:t>
+            </a:r>
+          </a:p>
+        </p:txBody>
+      </p:sp>
     </p:spTree>
     <p:extLst>
       <p:ext uri="{BB962C8B-B14F-4D97-AF65-F5344CB8AC3E}">
-        <p14:creationId xmlns:p14="http://schemas.microsoft.com/office/powerpoint/2010/main" val="2386337576"/>
+        <p14:creationId xmlns:p14="http://schemas.microsoft.com/office/powerpoint/2010/main" val="1969190807"/>
       </p:ext>
     </p:extLst>
   </p:cSld>
@@ -6000,7 +5911,7 @@
             </a:pPr>
             <a:r>
               <a:rPr lang="en-US" sz="2800" dirty="0"/>
-              <a:t>In class research</a:t>
+              <a:t>Entropy</a:t>
             </a:r>
           </a:p>
           <a:p>
@@ -6008,77 +5919,31 @@
               <a:buFont typeface="Arial" panose="020B0604020202020204" pitchFamily="34" charset="0"/>
               <a:buChar char="•"/>
             </a:pPr>
-            <a:r>
-              <a:rPr lang="en-US" sz="2800" dirty="0"/>
-              <a:t>Definitions:</a:t>
-            </a:r>
-          </a:p>
-          <a:p>
-            <a:pPr marL="1371600" lvl="2" indent="-457200" algn="l">
+            <a:endParaRPr lang="en-US" sz="2800" dirty="0"/>
+          </a:p>
+          <a:p>
+            <a:pPr marL="914400" lvl="1" indent="-457200" algn="l">
               <a:buFont typeface="Arial" panose="020B0604020202020204" pitchFamily="34" charset="0"/>
               <a:buChar char="•"/>
             </a:pPr>
-            <a:r>
-              <a:rPr lang="en-US" sz="2600" dirty="0"/>
-              <a:t>Accuracy</a:t>
-            </a:r>
-          </a:p>
-          <a:p>
-            <a:pPr marL="1371600" lvl="2" indent="-457200" algn="l">
+            <a:endParaRPr lang="en-US" sz="2800" dirty="0"/>
+          </a:p>
+          <a:p>
+            <a:pPr marL="914400" lvl="1" indent="-457200" algn="l">
               <a:buFont typeface="Arial" panose="020B0604020202020204" pitchFamily="34" charset="0"/>
               <a:buChar char="•"/>
             </a:pPr>
-            <a:r>
-              <a:rPr lang="en-US" sz="2600" dirty="0"/>
-              <a:t>Precision</a:t>
-            </a:r>
-          </a:p>
-          <a:p>
-            <a:pPr marL="1371600" lvl="2" indent="-457200" algn="l">
+            <a:endParaRPr lang="en-US" sz="2800" dirty="0"/>
+          </a:p>
+          <a:p>
+            <a:pPr marL="914400" lvl="1" indent="-457200" algn="l">
               <a:buFont typeface="Arial" panose="020B0604020202020204" pitchFamily="34" charset="0"/>
               <a:buChar char="•"/>
             </a:pPr>
             <a:r>
-              <a:rPr lang="en-US" sz="2600" dirty="0"/>
-              <a:t>Recall</a:t>
-            </a:r>
-          </a:p>
-          <a:p>
-            <a:pPr marL="1371600" lvl="2" indent="-457200" algn="l">
-              <a:buFont typeface="Arial" panose="020B0604020202020204" pitchFamily="34" charset="0"/>
-              <a:buChar char="•"/>
-            </a:pPr>
-            <a:r>
-              <a:rPr lang="en-US" sz="2600" dirty="0"/>
-              <a:t>False positive</a:t>
-            </a:r>
-          </a:p>
-          <a:p>
-            <a:pPr marL="1371600" lvl="2" indent="-457200" algn="l">
-              <a:buFont typeface="Arial" panose="020B0604020202020204" pitchFamily="34" charset="0"/>
-              <a:buChar char="•"/>
-            </a:pPr>
-            <a:r>
-              <a:rPr lang="en-US" sz="2600" dirty="0"/>
-              <a:t>False negative</a:t>
-            </a:r>
-          </a:p>
-          <a:p>
-            <a:pPr marL="1371600" lvl="2" indent="-457200" algn="l">
-              <a:buFont typeface="Arial" panose="020B0604020202020204" pitchFamily="34" charset="0"/>
-              <a:buChar char="•"/>
-            </a:pPr>
-            <a:r>
-              <a:rPr lang="en-US" sz="2600" dirty="0"/>
-              <a:t>F-measure(F-1)</a:t>
-            </a:r>
-          </a:p>
-          <a:p>
-            <a:pPr marL="1371600" lvl="2" indent="-457200" algn="l">
-              <a:buFont typeface="Arial" panose="020B0604020202020204" pitchFamily="34" charset="0"/>
-              <a:buChar char="•"/>
-            </a:pPr>
-            <a:endParaRPr lang="en-US" sz="2600" dirty="0"/>
+              <a:rPr lang="en-US" sz="2800" dirty="0"/>
+              <a:t>Information Gain</a:t>
+            </a:r>
           </a:p>
         </p:txBody>
       </p:sp>
@@ -6106,15 +5971,143 @@
           <a:p>
             <a:r>
               <a:rPr lang="en-US" sz="3200" dirty="0"/>
-              <a:t>Class-2: Confusion Matrix  </a:t>
-            </a:r>
-          </a:p>
-        </p:txBody>
-      </p:sp>
+              <a:t>Class-2: Information Gain &amp; Entropy </a:t>
+            </a:r>
+          </a:p>
+        </p:txBody>
+      </p:sp>
+      <p:sp>
+        <p:nvSpPr>
+          <p:cNvPr id="4" name="AutoShape 2" descr="Information Entropy Equation"/>
+          <p:cNvSpPr>
+            <a:spLocks noChangeAspect="1" noChangeArrowheads="1"/>
+          </p:cNvSpPr>
+          <p:nvPr/>
+        </p:nvSpPr>
+        <p:spPr bwMode="auto">
+          <a:xfrm>
+            <a:off x="4262879" y="935215"/>
+            <a:ext cx="4371455" cy="4371469"/>
+          </a:xfrm>
+          <a:prstGeom prst="rect">
+            <a:avLst/>
+          </a:prstGeom>
+          <a:noFill/>
+          <a:extLst>
+            <a:ext uri="{909E8E84-426E-40DD-AFC4-6F175D3DCCD1}">
+              <a14:hiddenFill xmlns:a14="http://schemas.microsoft.com/office/drawing/2010/main">
+                <a:solidFill>
+                  <a:srgbClr val="FFFFFF"/>
+                </a:solidFill>
+              </a14:hiddenFill>
+            </a:ext>
+          </a:extLst>
+        </p:spPr>
+        <p:txBody>
+          <a:bodyPr vert="horz" wrap="square" lIns="91440" tIns="45720" rIns="91440" bIns="45720" numCol="1" anchor="t" anchorCtr="0" compatLnSpc="1">
+            <a:prstTxWarp prst="textNoShape">
+              <a:avLst/>
+            </a:prstTxWarp>
+          </a:bodyPr>
+          <a:lstStyle/>
+          <a:p>
+            <a:endParaRPr lang="en-US"/>
+          </a:p>
+        </p:txBody>
+      </p:sp>
+      <p:pic>
+        <p:nvPicPr>
+          <p:cNvPr id="1028" name="Picture 4" descr="Information Entropy Equation"/>
+          <p:cNvPicPr>
+            <a:picLocks noChangeAspect="1" noChangeArrowheads="1"/>
+          </p:cNvPicPr>
+          <p:nvPr/>
+        </p:nvPicPr>
+        <p:blipFill>
+          <a:blip r:embed="rId2">
+            <a:extLst>
+              <a:ext uri="{28A0092B-C50C-407E-A947-70E740481C1C}">
+                <a14:useLocalDpi xmlns:a14="http://schemas.microsoft.com/office/drawing/2010/main" val="0"/>
+              </a:ext>
+            </a:extLst>
+          </a:blip>
+          <a:srcRect/>
+          <a:stretch>
+            <a:fillRect/>
+          </a:stretch>
+        </p:blipFill>
+        <p:spPr bwMode="auto">
+          <a:xfrm>
+            <a:off x="3219795" y="1089542"/>
+            <a:ext cx="2887092" cy="1279340"/>
+          </a:xfrm>
+          <a:prstGeom prst="rect">
+            <a:avLst/>
+          </a:prstGeom>
+          <a:noFill/>
+          <a:extLst>
+            <a:ext uri="{909E8E84-426E-40DD-AFC4-6F175D3DCCD1}">
+              <a14:hiddenFill xmlns:a14="http://schemas.microsoft.com/office/drawing/2010/main">
+                <a:solidFill>
+                  <a:srgbClr val="FFFFFF"/>
+                </a:solidFill>
+              </a14:hiddenFill>
+            </a:ext>
+          </a:extLst>
+        </p:spPr>
+      </p:pic>
+      <p:pic>
+        <p:nvPicPr>
+          <p:cNvPr id="6" name="Picture 5"/>
+          <p:cNvPicPr>
+            <a:picLocks noChangeAspect="1"/>
+          </p:cNvPicPr>
+          <p:nvPr/>
+        </p:nvPicPr>
+        <p:blipFill>
+          <a:blip r:embed="rId3"/>
+          <a:stretch>
+            <a:fillRect/>
+          </a:stretch>
+        </p:blipFill>
+        <p:spPr>
+          <a:xfrm>
+            <a:off x="7562015" y="732322"/>
+            <a:ext cx="2447925" cy="2610931"/>
+          </a:xfrm>
+          <a:prstGeom prst="rect">
+            <a:avLst/>
+          </a:prstGeom>
+        </p:spPr>
+      </p:pic>
+      <p:pic>
+        <p:nvPicPr>
+          <p:cNvPr id="7" name="Picture 6"/>
+          <p:cNvPicPr>
+            <a:picLocks noChangeAspect="1"/>
+          </p:cNvPicPr>
+          <p:nvPr/>
+        </p:nvPicPr>
+        <p:blipFill>
+          <a:blip r:embed="rId4"/>
+          <a:stretch>
+            <a:fillRect/>
+          </a:stretch>
+        </p:blipFill>
+        <p:spPr>
+          <a:xfrm>
+            <a:off x="1047027" y="3207527"/>
+            <a:ext cx="4572000" cy="3429000"/>
+          </a:xfrm>
+          <a:prstGeom prst="rect">
+            <a:avLst/>
+          </a:prstGeom>
+        </p:spPr>
+      </p:pic>
     </p:spTree>
     <p:extLst>
       <p:ext uri="{BB962C8B-B14F-4D97-AF65-F5344CB8AC3E}">
-        <p14:creationId xmlns:p14="http://schemas.microsoft.com/office/powerpoint/2010/main" val="2689922509"/>
+        <p14:creationId xmlns:p14="http://schemas.microsoft.com/office/powerpoint/2010/main" val="2386337576"/>
       </p:ext>
     </p:extLst>
   </p:cSld>
@@ -6143,7 +6136,13 @@
       </p:grpSpPr>
       <p:sp>
         <p:nvSpPr>
-          <p:cNvPr id="3" name="Subtitle 2"/>
+          <p:cNvPr id="5" name="Subtitle 4">
+            <a:extLst>
+              <a:ext uri="{FF2B5EF4-FFF2-40B4-BE49-F238E27FC236}">
+                <a16:creationId xmlns:a16="http://schemas.microsoft.com/office/drawing/2014/main" id="{3956E86E-30CF-45A6-BB20-CCDE1F98460E}"/>
+              </a:ext>
+            </a:extLst>
+          </p:cNvPr>
           <p:cNvSpPr>
             <a:spLocks noGrp="1"/>
           </p:cNvSpPr>
@@ -6153,189 +6152,48 @@
         </p:nvSpPr>
         <p:spPr>
           <a:xfrm>
-            <a:off x="1802100" y="963680"/>
-            <a:ext cx="8738140" cy="5721844"/>
-          </a:xfrm>
-        </p:spPr>
-        <p:txBody>
-          <a:bodyPr>
-            <a:normAutofit fontScale="40000" lnSpcReduction="20000"/>
-          </a:bodyPr>
-          <a:lstStyle/>
-          <a:p>
-            <a:pPr algn="l"/>
-            <a:r>
-              <a:rPr lang="en-US" sz="6200" b="1" dirty="0"/>
-              <a:t>Top 10 Skills</a:t>
-            </a:r>
-            <a:r>
-              <a:rPr lang="en-US" sz="6200" dirty="0"/>
-              <a:t> (in increasing ranking order)</a:t>
-            </a:r>
-          </a:p>
-          <a:p>
-            <a:pPr algn="l"/>
-            <a:endParaRPr lang="en-US" sz="6200" dirty="0"/>
-          </a:p>
-          <a:p>
-            <a:pPr marL="1600200" lvl="1" indent="-1143000" algn="l">
-              <a:buFont typeface="+mj-lt"/>
-              <a:buAutoNum type="arabicPeriod"/>
-            </a:pPr>
-            <a:r>
-              <a:rPr lang="en-US" sz="5800" dirty="0"/>
-              <a:t>Python</a:t>
-            </a:r>
-          </a:p>
-          <a:p>
-            <a:pPr marL="1600200" lvl="1" indent="-1143000" algn="l">
-              <a:buFont typeface="+mj-lt"/>
-              <a:buAutoNum type="arabicPeriod"/>
-            </a:pPr>
-            <a:r>
-              <a:rPr lang="en-US" sz="5800" dirty="0"/>
-              <a:t>Linear Algebra</a:t>
-            </a:r>
-          </a:p>
-          <a:p>
-            <a:pPr marL="1600200" lvl="1" indent="-1143000" algn="l">
-              <a:buFont typeface="+mj-lt"/>
-              <a:buAutoNum type="arabicPeriod"/>
-            </a:pPr>
-            <a:r>
-              <a:rPr lang="en-US" sz="5800" dirty="0"/>
-              <a:t>Advance Signal Processing </a:t>
-            </a:r>
-          </a:p>
-          <a:p>
-            <a:pPr marL="1600200" lvl="1" indent="-1143000" algn="l">
-              <a:buFont typeface="+mj-lt"/>
-              <a:buAutoNum type="arabicPeriod"/>
-            </a:pPr>
-            <a:r>
-              <a:rPr lang="en-US" sz="5800" dirty="0"/>
-              <a:t>Applied Math &amp; Algorithms</a:t>
-            </a:r>
-          </a:p>
-          <a:p>
-            <a:pPr marL="1600200" lvl="1" indent="-1143000" algn="l">
-              <a:buFont typeface="+mj-lt"/>
-              <a:buAutoNum type="arabicPeriod"/>
-            </a:pPr>
-            <a:r>
-              <a:rPr lang="en-US" sz="5800" dirty="0"/>
-              <a:t>Neural Networks Architectures</a:t>
-            </a:r>
-          </a:p>
-          <a:p>
-            <a:pPr marL="1600200" lvl="1" indent="-1143000" algn="l">
-              <a:buFont typeface="+mj-lt"/>
-              <a:buAutoNum type="arabicPeriod"/>
-            </a:pPr>
-            <a:r>
-              <a:rPr lang="en-US" sz="5800" dirty="0"/>
-              <a:t>NLP</a:t>
-            </a:r>
-          </a:p>
-          <a:p>
-            <a:pPr lvl="1" algn="l"/>
-            <a:r>
-              <a:rPr lang="en-US" sz="5800" dirty="0"/>
-              <a:t>-----------------------</a:t>
-            </a:r>
-          </a:p>
-          <a:p>
-            <a:pPr marL="1600200" lvl="1" indent="-1143000" algn="l">
-              <a:buFont typeface="+mj-lt"/>
-              <a:buAutoNum type="arabicPeriod"/>
-            </a:pPr>
-            <a:r>
-              <a:rPr lang="en-US" sz="5800" dirty="0"/>
-              <a:t>Industry Knowledge</a:t>
-            </a:r>
-          </a:p>
-          <a:p>
-            <a:pPr marL="1600200" lvl="1" indent="-1143000" algn="l">
-              <a:buFont typeface="+mj-lt"/>
-              <a:buAutoNum type="arabicPeriod"/>
-            </a:pPr>
-            <a:r>
-              <a:rPr lang="en-US" sz="5800" dirty="0"/>
-              <a:t>Effective Communication</a:t>
-            </a:r>
-          </a:p>
-          <a:p>
-            <a:pPr marL="1600200" lvl="1" indent="-1143000" algn="l">
-              <a:buFont typeface="+mj-lt"/>
-              <a:buAutoNum type="arabicPeriod"/>
-            </a:pPr>
-            <a:r>
-              <a:rPr lang="en-US" sz="5800" dirty="0"/>
-              <a:t>Rapid Prototyping</a:t>
-            </a:r>
-          </a:p>
-          <a:p>
-            <a:pPr marL="1600200" lvl="1" indent="-1143000" algn="l">
-              <a:buFont typeface="+mj-lt"/>
-              <a:buAutoNum type="arabicPeriod"/>
-            </a:pPr>
-            <a:r>
-              <a:rPr lang="en-US" sz="5800" dirty="0"/>
-              <a:t>Keep It Up/updated</a:t>
-            </a:r>
-          </a:p>
-          <a:p>
-            <a:pPr marL="1600200" lvl="1" indent="-1143000" algn="l">
-              <a:buFont typeface="+mj-lt"/>
-              <a:buAutoNum type="arabicPeriod" startAt="10"/>
-            </a:pPr>
-            <a:endParaRPr lang="en-US" sz="5400" dirty="0"/>
-          </a:p>
-          <a:p>
-            <a:pPr lvl="1" algn="l"/>
-            <a:r>
-              <a:rPr lang="en-US" sz="6200" dirty="0"/>
-              <a:t/>
-            </a:r>
-            <a:br>
-              <a:rPr lang="en-US" sz="6200" dirty="0"/>
-            </a:br>
-            <a:endParaRPr lang="en-US" sz="6200" dirty="0"/>
-          </a:p>
-        </p:txBody>
-      </p:sp>
-      <p:sp>
-        <p:nvSpPr>
-          <p:cNvPr id="4" name="TextBox 3"/>
-          <p:cNvSpPr txBox="1"/>
+            <a:off x="1524000" y="3602038"/>
+            <a:ext cx="9144000" cy="1655762"/>
+          </a:xfrm>
+        </p:spPr>
+        <p:txBody>
+          <a:bodyPr/>
+          <a:lstStyle/>
+          <a:p>
+            <a:endParaRPr lang="en-US"/>
+          </a:p>
+        </p:txBody>
+      </p:sp>
+      <p:pic>
+        <p:nvPicPr>
+          <p:cNvPr id="6" name="Picture 5">
+            <a:extLst>
+              <a:ext uri="{FF2B5EF4-FFF2-40B4-BE49-F238E27FC236}">
+                <a16:creationId xmlns:a16="http://schemas.microsoft.com/office/drawing/2014/main" id="{0FD10501-A78B-4675-A1CA-259C04828DE1}"/>
+              </a:ext>
+            </a:extLst>
+          </p:cNvPr>
+          <p:cNvPicPr>
+            <a:picLocks noChangeAspect="1"/>
+          </p:cNvPicPr>
           <p:nvPr/>
-        </p:nvSpPr>
-        <p:spPr>
-          <a:xfrm>
-            <a:off x="95429" y="101906"/>
-            <a:ext cx="5644109" cy="861774"/>
+        </p:nvPicPr>
+        <p:blipFill>
+          <a:blip r:embed="rId2"/>
+          <a:stretch>
+            <a:fillRect/>
+          </a:stretch>
+        </p:blipFill>
+        <p:spPr>
+          <a:xfrm>
+            <a:off x="0" y="123446"/>
+            <a:ext cx="12192000" cy="6611107"/>
           </a:xfrm>
           <a:prstGeom prst="rect">
             <a:avLst/>
           </a:prstGeom>
-          <a:noFill/>
-        </p:spPr>
-        <p:txBody>
-          <a:bodyPr wrap="none" rtlCol="0">
-            <a:spAutoFit/>
-          </a:bodyPr>
-          <a:lstStyle/>
-          <a:p>
-            <a:r>
-              <a:rPr lang="en-US" sz="3200" dirty="0"/>
-              <a:t>Who is a ML Engineer/Scientist? </a:t>
-            </a:r>
-          </a:p>
-          <a:p>
-            <a:endParaRPr lang="en-US" dirty="0"/>
-          </a:p>
-        </p:txBody>
-      </p:sp>
+        </p:spPr>
+      </p:pic>
     </p:spTree>
     <p:extLst>
       <p:ext uri="{BB962C8B-B14F-4D97-AF65-F5344CB8AC3E}">
@@ -6388,6 +6246,175 @@
           </a:bodyPr>
           <a:lstStyle/>
           <a:p>
+            <a:pPr marL="914400" lvl="1" indent="-457200" algn="l">
+              <a:buFont typeface="Arial" panose="020B0604020202020204" pitchFamily="34" charset="0"/>
+              <a:buChar char="•"/>
+            </a:pPr>
+            <a:r>
+              <a:rPr lang="en-US" sz="2800" dirty="0"/>
+              <a:t>In class research</a:t>
+            </a:r>
+          </a:p>
+          <a:p>
+            <a:pPr marL="914400" lvl="1" indent="-457200" algn="l">
+              <a:buFont typeface="Arial" panose="020B0604020202020204" pitchFamily="34" charset="0"/>
+              <a:buChar char="•"/>
+            </a:pPr>
+            <a:r>
+              <a:rPr lang="en-US" sz="2800" dirty="0"/>
+              <a:t>Definitions:</a:t>
+            </a:r>
+          </a:p>
+          <a:p>
+            <a:pPr marL="1371600" lvl="2" indent="-457200" algn="l">
+              <a:buFont typeface="Arial" panose="020B0604020202020204" pitchFamily="34" charset="0"/>
+              <a:buChar char="•"/>
+            </a:pPr>
+            <a:r>
+              <a:rPr lang="en-US" sz="2600" dirty="0"/>
+              <a:t>Accuracy</a:t>
+            </a:r>
+          </a:p>
+          <a:p>
+            <a:pPr marL="1371600" lvl="2" indent="-457200" algn="l">
+              <a:buFont typeface="Arial" panose="020B0604020202020204" pitchFamily="34" charset="0"/>
+              <a:buChar char="•"/>
+            </a:pPr>
+            <a:r>
+              <a:rPr lang="en-US" sz="2600" dirty="0"/>
+              <a:t>Precision</a:t>
+            </a:r>
+          </a:p>
+          <a:p>
+            <a:pPr marL="1371600" lvl="2" indent="-457200" algn="l">
+              <a:buFont typeface="Arial" panose="020B0604020202020204" pitchFamily="34" charset="0"/>
+              <a:buChar char="•"/>
+            </a:pPr>
+            <a:r>
+              <a:rPr lang="en-US" sz="2600" dirty="0"/>
+              <a:t>Recall</a:t>
+            </a:r>
+          </a:p>
+          <a:p>
+            <a:pPr marL="1371600" lvl="2" indent="-457200" algn="l">
+              <a:buFont typeface="Arial" panose="020B0604020202020204" pitchFamily="34" charset="0"/>
+              <a:buChar char="•"/>
+            </a:pPr>
+            <a:r>
+              <a:rPr lang="en-US" sz="2600" dirty="0"/>
+              <a:t>False positive</a:t>
+            </a:r>
+          </a:p>
+          <a:p>
+            <a:pPr marL="1371600" lvl="2" indent="-457200" algn="l">
+              <a:buFont typeface="Arial" panose="020B0604020202020204" pitchFamily="34" charset="0"/>
+              <a:buChar char="•"/>
+            </a:pPr>
+            <a:r>
+              <a:rPr lang="en-US" sz="2600" dirty="0"/>
+              <a:t>False negative</a:t>
+            </a:r>
+          </a:p>
+          <a:p>
+            <a:pPr marL="1371600" lvl="2" indent="-457200" algn="l">
+              <a:buFont typeface="Arial" panose="020B0604020202020204" pitchFamily="34" charset="0"/>
+              <a:buChar char="•"/>
+            </a:pPr>
+            <a:r>
+              <a:rPr lang="en-US" sz="2600" dirty="0"/>
+              <a:t>F-measure(F-1)</a:t>
+            </a:r>
+          </a:p>
+          <a:p>
+            <a:pPr marL="1371600" lvl="2" indent="-457200" algn="l">
+              <a:buFont typeface="Arial" panose="020B0604020202020204" pitchFamily="34" charset="0"/>
+              <a:buChar char="•"/>
+            </a:pPr>
+            <a:endParaRPr lang="en-US" sz="2600" dirty="0"/>
+          </a:p>
+        </p:txBody>
+      </p:sp>
+      <p:sp>
+        <p:nvSpPr>
+          <p:cNvPr id="5" name="TextBox 4"/>
+          <p:cNvSpPr txBox="1"/>
+          <p:nvPr/>
+        </p:nvSpPr>
+        <p:spPr>
+          <a:xfrm>
+            <a:off x="254568" y="147547"/>
+            <a:ext cx="10968760" cy="584775"/>
+          </a:xfrm>
+          <a:prstGeom prst="rect">
+            <a:avLst/>
+          </a:prstGeom>
+          <a:noFill/>
+        </p:spPr>
+        <p:txBody>
+          <a:bodyPr wrap="square" rtlCol="0">
+            <a:spAutoFit/>
+          </a:bodyPr>
+          <a:lstStyle/>
+          <a:p>
+            <a:r>
+              <a:rPr lang="en-US" sz="3200" dirty="0"/>
+              <a:t>Class-2: Confusion Matrix  </a:t>
+            </a:r>
+          </a:p>
+        </p:txBody>
+      </p:sp>
+    </p:spTree>
+    <p:extLst>
+      <p:ext uri="{BB962C8B-B14F-4D97-AF65-F5344CB8AC3E}">
+        <p14:creationId xmlns:p14="http://schemas.microsoft.com/office/powerpoint/2010/main" val="2689922509"/>
+      </p:ext>
+    </p:extLst>
+  </p:cSld>
+  <p:clrMapOvr>
+    <a:masterClrMapping/>
+  </p:clrMapOvr>
+</p:sld>
+</file>
+
+<file path=ppt/slides/slide21.xml><?xml version="1.0" encoding="utf-8"?>
+<p:sld xmlns:a="http://schemas.openxmlformats.org/drawingml/2006/main" xmlns:r="http://schemas.openxmlformats.org/officeDocument/2006/relationships" xmlns:p="http://schemas.openxmlformats.org/presentationml/2006/main">
+  <p:cSld>
+    <p:spTree>
+      <p:nvGrpSpPr>
+        <p:cNvPr id="1" name=""/>
+        <p:cNvGrpSpPr/>
+        <p:nvPr/>
+      </p:nvGrpSpPr>
+      <p:grpSpPr>
+        <a:xfrm>
+          <a:off x="0" y="0"/>
+          <a:ext cx="0" cy="0"/>
+          <a:chOff x="0" y="0"/>
+          <a:chExt cx="0" cy="0"/>
+        </a:xfrm>
+      </p:grpSpPr>
+      <p:sp>
+        <p:nvSpPr>
+          <p:cNvPr id="3" name="Subtitle 2"/>
+          <p:cNvSpPr>
+            <a:spLocks noGrp="1"/>
+          </p:cNvSpPr>
+          <p:nvPr>
+            <p:ph type="subTitle" idx="1"/>
+          </p:nvPr>
+        </p:nvSpPr>
+        <p:spPr>
+          <a:xfrm>
+            <a:off x="134647" y="935215"/>
+            <a:ext cx="10968760" cy="5498419"/>
+          </a:xfrm>
+        </p:spPr>
+        <p:txBody>
+          <a:bodyPr>
+            <a:normAutofit/>
+          </a:bodyPr>
+          <a:lstStyle/>
+          <a:p>
             <a:pPr marL="857250" indent="-857250" algn="l">
               <a:buFont typeface="Arial" panose="020B0604020202020204" pitchFamily="34" charset="0"/>
               <a:buChar char="•"/>
@@ -6525,7 +6552,7 @@
 </p:sld>
 </file>
 
-<file path=ppt/slides/slide21.xml><?xml version="1.0" encoding="utf-8"?>
+<file path=ppt/slides/slide22.xml><?xml version="1.0" encoding="utf-8"?>
 <p:sld xmlns:a="http://schemas.openxmlformats.org/drawingml/2006/main" xmlns:r="http://schemas.openxmlformats.org/officeDocument/2006/relationships" xmlns:p="http://schemas.openxmlformats.org/presentationml/2006/main">
   <p:cSld>
     <p:bg>
@@ -6558,7 +6585,7 @@
                 <a16:creationId xmlns:a16="http://schemas.microsoft.com/office/drawing/2014/main" id="{DEE5C6BA-FE2A-4C38-8D88-E70C06E54F82}"/>
               </a:ext>
               <a:ext uri="{C183D7F6-B498-43B3-948B-1728B52AA6E4}">
-                <adec:decorative xmlns:adec="http://schemas.microsoft.com/office/drawing/2017/decorative" xmlns="" val="1"/>
+                <adec:decorative xmlns:adec="http://schemas.microsoft.com/office/drawing/2017/decorative" val="1"/>
               </a:ext>
             </a:extLst>
           </p:cNvPr>
@@ -6644,7 +6671,7 @@
                 <a16:creationId xmlns:a16="http://schemas.microsoft.com/office/drawing/2014/main" id="{53E66F28-0926-4CFB-BDAB-646CAB184CB0}"/>
               </a:ext>
               <a:ext uri="{C183D7F6-B498-43B3-948B-1728B52AA6E4}">
-                <adec:decorative xmlns:adec="http://schemas.microsoft.com/office/drawing/2017/decorative" xmlns="" val="1"/>
+                <adec:decorative xmlns:adec="http://schemas.microsoft.com/office/drawing/2017/decorative" val="1"/>
               </a:ext>
             </a:extLst>
           </p:cNvPr>
@@ -6735,7 +6762,7 @@
                 <a16:creationId xmlns:a16="http://schemas.microsoft.com/office/drawing/2014/main" id="{DE9FA85F-F0FB-4952-A05F-04CC67B18EE5}"/>
               </a:ext>
               <a:ext uri="{C183D7F6-B498-43B3-948B-1728B52AA6E4}">
-                <adec:decorative xmlns:adec="http://schemas.microsoft.com/office/drawing/2017/decorative" xmlns="" val="1"/>
+                <adec:decorative xmlns:adec="http://schemas.microsoft.com/office/drawing/2017/decorative" val="1"/>
               </a:ext>
             </a:extLst>
           </p:cNvPr>
@@ -7181,7 +7208,7 @@
                 <a16:creationId xmlns:a16="http://schemas.microsoft.com/office/drawing/2014/main" id="{FEBD362A-CC27-47D9-8FC3-A5E91BA0760C}"/>
               </a:ext>
               <a:ext uri="{C183D7F6-B498-43B3-948B-1728B52AA6E4}">
-                <adec:decorative xmlns:adec="http://schemas.microsoft.com/office/drawing/2017/decorative" xmlns="" val="1"/>
+                <adec:decorative xmlns:adec="http://schemas.microsoft.com/office/drawing/2017/decorative" val="1"/>
               </a:ext>
             </a:extLst>
           </p:cNvPr>
@@ -7425,7 +7452,7 @@
 </p:sld>
 </file>
 
-<file path=ppt/slides/slide22.xml><?xml version="1.0" encoding="utf-8"?>
+<file path=ppt/slides/slide23.xml><?xml version="1.0" encoding="utf-8"?>
 <p:sld xmlns:a="http://schemas.openxmlformats.org/drawingml/2006/main" xmlns:r="http://schemas.openxmlformats.org/officeDocument/2006/relationships" xmlns:p="http://schemas.openxmlformats.org/presentationml/2006/main">
   <p:cSld>
     <p:spTree>
@@ -7645,7 +7672,7 @@
 </p:sld>
 </file>
 
-<file path=ppt/slides/slide23.xml><?xml version="1.0" encoding="utf-8"?>
+<file path=ppt/slides/slide24.xml><?xml version="1.0" encoding="utf-8"?>
 <p:sld xmlns:a="http://schemas.openxmlformats.org/drawingml/2006/main" xmlns:r="http://schemas.openxmlformats.org/officeDocument/2006/relationships" xmlns:p="http://schemas.openxmlformats.org/presentationml/2006/main">
   <p:cSld>
     <p:spTree>
@@ -7933,7 +7960,7 @@
 </p:sld>
 </file>
 
-<file path=ppt/slides/slide24.xml><?xml version="1.0" encoding="utf-8"?>
+<file path=ppt/slides/slide25.xml><?xml version="1.0" encoding="utf-8"?>
 <p:sld xmlns:a="http://schemas.openxmlformats.org/drawingml/2006/main" xmlns:r="http://schemas.openxmlformats.org/officeDocument/2006/relationships" xmlns:p="http://schemas.openxmlformats.org/presentationml/2006/main">
   <p:cSld>
     <p:spTree>
@@ -8064,190 +8091,6 @@
     <p:extLst>
       <p:ext uri="{BB962C8B-B14F-4D97-AF65-F5344CB8AC3E}">
         <p14:creationId xmlns:p14="http://schemas.microsoft.com/office/powerpoint/2010/main" val="2079068304"/>
-      </p:ext>
-    </p:extLst>
-  </p:cSld>
-  <p:clrMapOvr>
-    <a:masterClrMapping/>
-  </p:clrMapOvr>
-</p:sld>
-</file>
-
-<file path=ppt/slides/slide25.xml><?xml version="1.0" encoding="utf-8"?>
-<p:sld xmlns:a="http://schemas.openxmlformats.org/drawingml/2006/main" xmlns:r="http://schemas.openxmlformats.org/officeDocument/2006/relationships" xmlns:p="http://schemas.openxmlformats.org/presentationml/2006/main">
-  <p:cSld>
-    <p:spTree>
-      <p:nvGrpSpPr>
-        <p:cNvPr id="1" name=""/>
-        <p:cNvGrpSpPr/>
-        <p:nvPr/>
-      </p:nvGrpSpPr>
-      <p:grpSpPr>
-        <a:xfrm>
-          <a:off x="0" y="0"/>
-          <a:ext cx="0" cy="0"/>
-          <a:chOff x="0" y="0"/>
-          <a:chExt cx="0" cy="0"/>
-        </a:xfrm>
-      </p:grpSpPr>
-      <p:sp>
-        <p:nvSpPr>
-          <p:cNvPr id="3" name="Subtitle 2"/>
-          <p:cNvSpPr>
-            <a:spLocks noGrp="1"/>
-          </p:cNvSpPr>
-          <p:nvPr>
-            <p:ph type="subTitle" idx="1"/>
-          </p:nvPr>
-        </p:nvSpPr>
-        <p:spPr>
-          <a:xfrm>
-            <a:off x="1166948" y="815294"/>
-            <a:ext cx="9144000" cy="5498419"/>
-          </a:xfrm>
-        </p:spPr>
-        <p:txBody>
-          <a:bodyPr>
-            <a:normAutofit fontScale="92500" lnSpcReduction="10000"/>
-          </a:bodyPr>
-          <a:lstStyle/>
-          <a:p>
-            <a:pPr marL="457200" indent="-457200" algn="l">
-              <a:buFont typeface="Arial" panose="020B0604020202020204" pitchFamily="34" charset="0"/>
-              <a:buChar char="•"/>
-            </a:pPr>
-            <a:r>
-              <a:rPr lang="en-US" sz="3300" dirty="0"/>
-              <a:t>Regression</a:t>
-            </a:r>
-          </a:p>
-          <a:p>
-            <a:pPr marL="914400" lvl="1" indent="-457200" algn="l">
-              <a:buFont typeface="Arial" panose="020B0604020202020204" pitchFamily="34" charset="0"/>
-              <a:buChar char="•"/>
-            </a:pPr>
-            <a:endParaRPr lang="en-US" sz="2900" dirty="0"/>
-          </a:p>
-          <a:p>
-            <a:pPr marL="457200" indent="-457200" algn="l">
-              <a:buFont typeface="Arial" panose="020B0604020202020204" pitchFamily="34" charset="0"/>
-              <a:buChar char="•"/>
-            </a:pPr>
-            <a:r>
-              <a:rPr lang="en-US" sz="3300" dirty="0"/>
-              <a:t>Linear vs Logistic Regression</a:t>
-            </a:r>
-          </a:p>
-          <a:p>
-            <a:pPr marL="457200" indent="-457200" algn="l">
-              <a:buFont typeface="Arial" panose="020B0604020202020204" pitchFamily="34" charset="0"/>
-              <a:buChar char="•"/>
-            </a:pPr>
-            <a:r>
-              <a:rPr lang="en-US" sz="3300" dirty="0"/>
-              <a:t>Understanding Linear Regression Algorithm</a:t>
-            </a:r>
-          </a:p>
-          <a:p>
-            <a:pPr marL="457200" indent="-457200" algn="l">
-              <a:buFont typeface="Arial" panose="020B0604020202020204" pitchFamily="34" charset="0"/>
-              <a:buChar char="•"/>
-            </a:pPr>
-            <a:r>
-              <a:rPr lang="en-US" sz="3300" dirty="0"/>
-              <a:t>Logistic Regression Curve</a:t>
-            </a:r>
-          </a:p>
-          <a:p>
-            <a:pPr marL="457200" indent="-457200" algn="l">
-              <a:buFont typeface="Arial" panose="020B0604020202020204" pitchFamily="34" charset="0"/>
-              <a:buChar char="•"/>
-            </a:pPr>
-            <a:r>
-              <a:rPr lang="en-US" sz="3300" dirty="0"/>
-              <a:t>Titanic Data Analysis</a:t>
-            </a:r>
-          </a:p>
-          <a:p>
-            <a:pPr marL="457200" indent="-457200" algn="l">
-              <a:buFont typeface="Arial" panose="020B0604020202020204" pitchFamily="34" charset="0"/>
-              <a:buChar char="•"/>
-            </a:pPr>
-            <a:r>
-              <a:rPr lang="en-US" sz="3300" dirty="0"/>
-              <a:t>Decision Tree </a:t>
-            </a:r>
-          </a:p>
-          <a:p>
-            <a:pPr marL="457200" indent="-457200" algn="l">
-              <a:buFont typeface="Arial" panose="020B0604020202020204" pitchFamily="34" charset="0"/>
-              <a:buChar char="•"/>
-            </a:pPr>
-            <a:r>
-              <a:rPr lang="en-US" sz="3300" dirty="0"/>
-              <a:t>Random Forest</a:t>
-            </a:r>
-          </a:p>
-          <a:p>
-            <a:pPr marL="457200" indent="-457200" algn="l">
-              <a:buFont typeface="Arial" panose="020B0604020202020204" pitchFamily="34" charset="0"/>
-              <a:buChar char="•"/>
-            </a:pPr>
-            <a:r>
-              <a:rPr lang="en-US" sz="3300" dirty="0"/>
-              <a:t>Naïve </a:t>
-            </a:r>
-            <a:r>
-              <a:rPr lang="en-US" sz="3300" dirty="0" err="1"/>
-              <a:t>Bayers</a:t>
-            </a:r>
-            <a:r>
-              <a:rPr lang="en-US" sz="3300" dirty="0"/>
-              <a:t> Classifier</a:t>
-            </a:r>
-          </a:p>
-          <a:p>
-            <a:pPr algn="l"/>
-            <a:r>
-              <a:rPr lang="en-US" sz="6200" dirty="0"/>
-              <a:t> </a:t>
-            </a:r>
-          </a:p>
-        </p:txBody>
-      </p:sp>
-      <p:sp>
-        <p:nvSpPr>
-          <p:cNvPr id="5" name="TextBox 4"/>
-          <p:cNvSpPr txBox="1"/>
-          <p:nvPr/>
-        </p:nvSpPr>
-        <p:spPr>
-          <a:xfrm>
-            <a:off x="254568" y="147547"/>
-            <a:ext cx="10968760" cy="584775"/>
-          </a:xfrm>
-          <a:prstGeom prst="rect">
-            <a:avLst/>
-          </a:prstGeom>
-          <a:noFill/>
-        </p:spPr>
-        <p:txBody>
-          <a:bodyPr wrap="square" rtlCol="0">
-            <a:spAutoFit/>
-          </a:bodyPr>
-          <a:lstStyle/>
-          <a:p>
-            <a:r>
-              <a:rPr lang="en-US" sz="3200" dirty="0"/>
-              <a:t>Class-3: Supervised Learning Algorithms</a:t>
-            </a:r>
-          </a:p>
-        </p:txBody>
-      </p:sp>
-    </p:spTree>
-    <p:extLst>
-      <p:ext uri="{BB962C8B-B14F-4D97-AF65-F5344CB8AC3E}">
-        <p14:creationId xmlns:p14="http://schemas.microsoft.com/office/powerpoint/2010/main" val="2339844009"/>
       </p:ext>
     </p:extLst>
   </p:cSld>
@@ -8286,6 +8129,190 @@
         </p:nvSpPr>
         <p:spPr>
           <a:xfrm>
+            <a:off x="1166948" y="815294"/>
+            <a:ext cx="9144000" cy="5498419"/>
+          </a:xfrm>
+        </p:spPr>
+        <p:txBody>
+          <a:bodyPr>
+            <a:normAutofit fontScale="92500" lnSpcReduction="10000"/>
+          </a:bodyPr>
+          <a:lstStyle/>
+          <a:p>
+            <a:pPr marL="457200" indent="-457200" algn="l">
+              <a:buFont typeface="Arial" panose="020B0604020202020204" pitchFamily="34" charset="0"/>
+              <a:buChar char="•"/>
+            </a:pPr>
+            <a:r>
+              <a:rPr lang="en-US" sz="3300" dirty="0"/>
+              <a:t>Regression</a:t>
+            </a:r>
+          </a:p>
+          <a:p>
+            <a:pPr marL="914400" lvl="1" indent="-457200" algn="l">
+              <a:buFont typeface="Arial" panose="020B0604020202020204" pitchFamily="34" charset="0"/>
+              <a:buChar char="•"/>
+            </a:pPr>
+            <a:endParaRPr lang="en-US" sz="2900" dirty="0"/>
+          </a:p>
+          <a:p>
+            <a:pPr marL="457200" indent="-457200" algn="l">
+              <a:buFont typeface="Arial" panose="020B0604020202020204" pitchFamily="34" charset="0"/>
+              <a:buChar char="•"/>
+            </a:pPr>
+            <a:r>
+              <a:rPr lang="en-US" sz="3300" dirty="0"/>
+              <a:t>Linear vs Logistic Regression</a:t>
+            </a:r>
+          </a:p>
+          <a:p>
+            <a:pPr marL="457200" indent="-457200" algn="l">
+              <a:buFont typeface="Arial" panose="020B0604020202020204" pitchFamily="34" charset="0"/>
+              <a:buChar char="•"/>
+            </a:pPr>
+            <a:r>
+              <a:rPr lang="en-US" sz="3300" dirty="0"/>
+              <a:t>Understanding Linear Regression Algorithm</a:t>
+            </a:r>
+          </a:p>
+          <a:p>
+            <a:pPr marL="457200" indent="-457200" algn="l">
+              <a:buFont typeface="Arial" panose="020B0604020202020204" pitchFamily="34" charset="0"/>
+              <a:buChar char="•"/>
+            </a:pPr>
+            <a:r>
+              <a:rPr lang="en-US" sz="3300" dirty="0"/>
+              <a:t>Logistic Regression Curve</a:t>
+            </a:r>
+          </a:p>
+          <a:p>
+            <a:pPr marL="457200" indent="-457200" algn="l">
+              <a:buFont typeface="Arial" panose="020B0604020202020204" pitchFamily="34" charset="0"/>
+              <a:buChar char="•"/>
+            </a:pPr>
+            <a:r>
+              <a:rPr lang="en-US" sz="3300" dirty="0"/>
+              <a:t>Titanic Data Analysis</a:t>
+            </a:r>
+          </a:p>
+          <a:p>
+            <a:pPr marL="457200" indent="-457200" algn="l">
+              <a:buFont typeface="Arial" panose="020B0604020202020204" pitchFamily="34" charset="0"/>
+              <a:buChar char="•"/>
+            </a:pPr>
+            <a:r>
+              <a:rPr lang="en-US" sz="3300" dirty="0"/>
+              <a:t>Decision Tree </a:t>
+            </a:r>
+          </a:p>
+          <a:p>
+            <a:pPr marL="457200" indent="-457200" algn="l">
+              <a:buFont typeface="Arial" panose="020B0604020202020204" pitchFamily="34" charset="0"/>
+              <a:buChar char="•"/>
+            </a:pPr>
+            <a:r>
+              <a:rPr lang="en-US" sz="3300" dirty="0"/>
+              <a:t>Random Forest</a:t>
+            </a:r>
+          </a:p>
+          <a:p>
+            <a:pPr marL="457200" indent="-457200" algn="l">
+              <a:buFont typeface="Arial" panose="020B0604020202020204" pitchFamily="34" charset="0"/>
+              <a:buChar char="•"/>
+            </a:pPr>
+            <a:r>
+              <a:rPr lang="en-US" sz="3300" dirty="0"/>
+              <a:t>Naïve </a:t>
+            </a:r>
+            <a:r>
+              <a:rPr lang="en-US" sz="3300" dirty="0" err="1"/>
+              <a:t>Bayers</a:t>
+            </a:r>
+            <a:r>
+              <a:rPr lang="en-US" sz="3300" dirty="0"/>
+              <a:t> Classifier</a:t>
+            </a:r>
+          </a:p>
+          <a:p>
+            <a:pPr algn="l"/>
+            <a:r>
+              <a:rPr lang="en-US" sz="6200" dirty="0"/>
+              <a:t> </a:t>
+            </a:r>
+          </a:p>
+        </p:txBody>
+      </p:sp>
+      <p:sp>
+        <p:nvSpPr>
+          <p:cNvPr id="5" name="TextBox 4"/>
+          <p:cNvSpPr txBox="1"/>
+          <p:nvPr/>
+        </p:nvSpPr>
+        <p:spPr>
+          <a:xfrm>
+            <a:off x="254568" y="147547"/>
+            <a:ext cx="10968760" cy="584775"/>
+          </a:xfrm>
+          <a:prstGeom prst="rect">
+            <a:avLst/>
+          </a:prstGeom>
+          <a:noFill/>
+        </p:spPr>
+        <p:txBody>
+          <a:bodyPr wrap="square" rtlCol="0">
+            <a:spAutoFit/>
+          </a:bodyPr>
+          <a:lstStyle/>
+          <a:p>
+            <a:r>
+              <a:rPr lang="en-US" sz="3200" dirty="0"/>
+              <a:t>Class-3: Supervised Learning Algorithms</a:t>
+            </a:r>
+          </a:p>
+        </p:txBody>
+      </p:sp>
+    </p:spTree>
+    <p:extLst>
+      <p:ext uri="{BB962C8B-B14F-4D97-AF65-F5344CB8AC3E}">
+        <p14:creationId xmlns:p14="http://schemas.microsoft.com/office/powerpoint/2010/main" val="2339844009"/>
+      </p:ext>
+    </p:extLst>
+  </p:cSld>
+  <p:clrMapOvr>
+    <a:masterClrMapping/>
+  </p:clrMapOvr>
+</p:sld>
+</file>
+
+<file path=ppt/slides/slide27.xml><?xml version="1.0" encoding="utf-8"?>
+<p:sld xmlns:a="http://schemas.openxmlformats.org/drawingml/2006/main" xmlns:r="http://schemas.openxmlformats.org/officeDocument/2006/relationships" xmlns:p="http://schemas.openxmlformats.org/presentationml/2006/main">
+  <p:cSld>
+    <p:spTree>
+      <p:nvGrpSpPr>
+        <p:cNvPr id="1" name=""/>
+        <p:cNvGrpSpPr/>
+        <p:nvPr/>
+      </p:nvGrpSpPr>
+      <p:grpSpPr>
+        <a:xfrm>
+          <a:off x="0" y="0"/>
+          <a:ext cx="0" cy="0"/>
+          <a:chOff x="0" y="0"/>
+          <a:chExt cx="0" cy="0"/>
+        </a:xfrm>
+      </p:grpSpPr>
+      <p:sp>
+        <p:nvSpPr>
+          <p:cNvPr id="3" name="Subtitle 2"/>
+          <p:cNvSpPr>
+            <a:spLocks noGrp="1"/>
+          </p:cNvSpPr>
+          <p:nvPr>
+            <p:ph type="subTitle" idx="1"/>
+          </p:nvPr>
+        </p:nvSpPr>
+        <p:spPr>
+          <a:xfrm>
             <a:off x="1166947" y="815294"/>
             <a:ext cx="10282507" cy="5498419"/>
           </a:xfrm>
@@ -8429,7 +8456,7 @@
 </p:sld>
 </file>
 
-<file path=ppt/slides/slide27.xml><?xml version="1.0" encoding="utf-8"?>
+<file path=ppt/slides/slide28.xml><?xml version="1.0" encoding="utf-8"?>
 <p:sld xmlns:a="http://schemas.openxmlformats.org/drawingml/2006/main" xmlns:r="http://schemas.openxmlformats.org/officeDocument/2006/relationships" xmlns:p="http://schemas.openxmlformats.org/presentationml/2006/main">
   <p:cSld>
     <p:spTree>
@@ -9422,7 +9449,7 @@
 </p:sld>
 </file>
 
-<file path=ppt/slides/slide28.xml><?xml version="1.0" encoding="utf-8"?>
+<file path=ppt/slides/slide29.xml><?xml version="1.0" encoding="utf-8"?>
 <p:sld xmlns:a="http://schemas.openxmlformats.org/drawingml/2006/main" xmlns:r="http://schemas.openxmlformats.org/officeDocument/2006/relationships" xmlns:p="http://schemas.openxmlformats.org/presentationml/2006/main">
   <p:cSld>
     <p:spTree>
@@ -9594,7 +9621,7 @@
 </p:sld>
 </file>
 
-<file path=ppt/slides/slide29.xml><?xml version="1.0" encoding="utf-8"?>
+<file path=ppt/slides/slide3.xml><?xml version="1.0" encoding="utf-8"?>
 <p:sld xmlns:a="http://schemas.openxmlformats.org/drawingml/2006/main" xmlns:r="http://schemas.openxmlformats.org/officeDocument/2006/relationships" xmlns:p="http://schemas.openxmlformats.org/presentationml/2006/main">
   <p:cSld>
     <p:spTree>
@@ -9623,34 +9650,163 @@
         </p:nvSpPr>
         <p:spPr>
           <a:xfrm>
-            <a:off x="476655" y="815295"/>
-            <a:ext cx="11420273" cy="1023234"/>
+            <a:off x="1802100" y="963680"/>
+            <a:ext cx="8738140" cy="5721844"/>
           </a:xfrm>
         </p:spPr>
         <p:txBody>
           <a:bodyPr>
-            <a:normAutofit/>
+            <a:normAutofit fontScale="40000" lnSpcReduction="20000"/>
           </a:bodyPr>
           <a:lstStyle/>
           <a:p>
             <a:pPr algn="l"/>
             <a:r>
-              <a:rPr lang="en-US" sz="2900" dirty="0"/>
-              <a:t>The Logistic Regression Equation is derived from the Straight Line Equation</a:t>
-            </a:r>
-          </a:p>
-        </p:txBody>
-      </p:sp>
-      <p:sp>
-        <p:nvSpPr>
-          <p:cNvPr id="5" name="TextBox 4"/>
+              <a:rPr lang="en-US" sz="6200" b="1" dirty="0"/>
+              <a:t>Top 10 Skills</a:t>
+            </a:r>
+            <a:r>
+              <a:rPr lang="en-US" sz="6200" dirty="0"/>
+              <a:t> (in increasing ranking order)</a:t>
+            </a:r>
+          </a:p>
+          <a:p>
+            <a:pPr algn="l"/>
+            <a:endParaRPr lang="en-US" sz="6200" dirty="0"/>
+          </a:p>
+          <a:p>
+            <a:pPr marL="1600200" lvl="1" indent="-1143000" algn="l">
+              <a:buFont typeface="+mj-lt"/>
+              <a:buAutoNum type="arabicPeriod"/>
+            </a:pPr>
+            <a:r>
+              <a:rPr lang="en-US" sz="5800" dirty="0"/>
+              <a:t>Python</a:t>
+            </a:r>
+          </a:p>
+          <a:p>
+            <a:pPr marL="1600200" lvl="1" indent="-1143000" algn="l">
+              <a:buFont typeface="+mj-lt"/>
+              <a:buAutoNum type="arabicPeriod"/>
+            </a:pPr>
+            <a:r>
+              <a:rPr lang="en-US" sz="5800" dirty="0"/>
+              <a:t>Linear Algebra</a:t>
+            </a:r>
+          </a:p>
+          <a:p>
+            <a:pPr marL="1600200" lvl="1" indent="-1143000" algn="l">
+              <a:buFont typeface="+mj-lt"/>
+              <a:buAutoNum type="arabicPeriod"/>
+            </a:pPr>
+            <a:r>
+              <a:rPr lang="en-US" sz="5800" dirty="0"/>
+              <a:t>Advance Signal Processing </a:t>
+            </a:r>
+          </a:p>
+          <a:p>
+            <a:pPr marL="1600200" lvl="1" indent="-1143000" algn="l">
+              <a:buFont typeface="+mj-lt"/>
+              <a:buAutoNum type="arabicPeriod"/>
+            </a:pPr>
+            <a:r>
+              <a:rPr lang="en-US" sz="5800" dirty="0"/>
+              <a:t>Applied Math &amp; Algorithms</a:t>
+            </a:r>
+          </a:p>
+          <a:p>
+            <a:pPr marL="1600200" lvl="1" indent="-1143000" algn="l">
+              <a:buFont typeface="+mj-lt"/>
+              <a:buAutoNum type="arabicPeriod"/>
+            </a:pPr>
+            <a:r>
+              <a:rPr lang="en-US" sz="5800" dirty="0"/>
+              <a:t>Neural Networks Architectures</a:t>
+            </a:r>
+          </a:p>
+          <a:p>
+            <a:pPr marL="1600200" lvl="1" indent="-1143000" algn="l">
+              <a:buFont typeface="+mj-lt"/>
+              <a:buAutoNum type="arabicPeriod"/>
+            </a:pPr>
+            <a:r>
+              <a:rPr lang="en-US" sz="5800" dirty="0"/>
+              <a:t>NLP</a:t>
+            </a:r>
+          </a:p>
+          <a:p>
+            <a:pPr lvl="1" algn="l"/>
+            <a:r>
+              <a:rPr lang="en-US" sz="5800" dirty="0"/>
+              <a:t>-----------------------</a:t>
+            </a:r>
+          </a:p>
+          <a:p>
+            <a:pPr marL="1600200" lvl="1" indent="-1143000" algn="l">
+              <a:buFont typeface="+mj-lt"/>
+              <a:buAutoNum type="arabicPeriod"/>
+            </a:pPr>
+            <a:r>
+              <a:rPr lang="en-US" sz="5800" dirty="0"/>
+              <a:t>Industry Knowledge</a:t>
+            </a:r>
+          </a:p>
+          <a:p>
+            <a:pPr marL="1600200" lvl="1" indent="-1143000" algn="l">
+              <a:buFont typeface="+mj-lt"/>
+              <a:buAutoNum type="arabicPeriod"/>
+            </a:pPr>
+            <a:r>
+              <a:rPr lang="en-US" sz="5800" dirty="0"/>
+              <a:t>Effective Communication</a:t>
+            </a:r>
+          </a:p>
+          <a:p>
+            <a:pPr marL="1600200" lvl="1" indent="-1143000" algn="l">
+              <a:buFont typeface="+mj-lt"/>
+              <a:buAutoNum type="arabicPeriod"/>
+            </a:pPr>
+            <a:r>
+              <a:rPr lang="en-US" sz="5800" dirty="0"/>
+              <a:t>Rapid Prototyping</a:t>
+            </a:r>
+          </a:p>
+          <a:p>
+            <a:pPr marL="1600200" lvl="1" indent="-1143000" algn="l">
+              <a:buFont typeface="+mj-lt"/>
+              <a:buAutoNum type="arabicPeriod"/>
+            </a:pPr>
+            <a:r>
+              <a:rPr lang="en-US" sz="5800" dirty="0"/>
+              <a:t>Keep It Up/updated</a:t>
+            </a:r>
+          </a:p>
+          <a:p>
+            <a:pPr marL="1600200" lvl="1" indent="-1143000" algn="l">
+              <a:buFont typeface="+mj-lt"/>
+              <a:buAutoNum type="arabicPeriod" startAt="10"/>
+            </a:pPr>
+            <a:endParaRPr lang="en-US" sz="5400" dirty="0"/>
+          </a:p>
+          <a:p>
+            <a:pPr lvl="1" algn="l"/>
+            <a:br>
+              <a:rPr lang="en-US" sz="6200" dirty="0"/>
+            </a:br>
+            <a:endParaRPr lang="en-US" sz="6200" dirty="0"/>
+          </a:p>
+        </p:txBody>
+      </p:sp>
+      <p:sp>
+        <p:nvSpPr>
+          <p:cNvPr id="4" name="TextBox 3"/>
           <p:cNvSpPr txBox="1"/>
           <p:nvPr/>
         </p:nvSpPr>
         <p:spPr>
           <a:xfrm>
-            <a:off x="254568" y="147547"/>
-            <a:ext cx="10968760" cy="584775"/>
+            <a:off x="95429" y="101906"/>
+            <a:ext cx="5644109" cy="861774"/>
           </a:xfrm>
           <a:prstGeom prst="rect">
             <a:avLst/>
@@ -9658,454 +9814,25 @@
           <a:noFill/>
         </p:spPr>
         <p:txBody>
-          <a:bodyPr wrap="square" rtlCol="0">
-            <a:spAutoFit/>
-          </a:bodyPr>
-          <a:lstStyle/>
-          <a:p>
-            <a:r>
-              <a:rPr lang="en-US" sz="3200" dirty="0"/>
-              <a:t>Class-3: Logistic Regression Equation</a:t>
-            </a:r>
-          </a:p>
-        </p:txBody>
-      </p:sp>
-      <p:sp>
-        <p:nvSpPr>
-          <p:cNvPr id="6" name="TextBox 5">
-            <a:extLst>
-              <a:ext uri="{FF2B5EF4-FFF2-40B4-BE49-F238E27FC236}">
-                <a16:creationId xmlns:a16="http://schemas.microsoft.com/office/drawing/2014/main" id="{4FFB6430-1789-4D99-AF81-1B3CBEDB3695}"/>
-              </a:ext>
-            </a:extLst>
-          </p:cNvPr>
-          <p:cNvSpPr txBox="1"/>
-          <p:nvPr/>
-        </p:nvSpPr>
-        <p:spPr>
-          <a:xfrm>
-            <a:off x="564204" y="1663430"/>
-            <a:ext cx="2851422" cy="400110"/>
-          </a:xfrm>
-          <a:prstGeom prst="rect">
-            <a:avLst/>
-          </a:prstGeom>
-          <a:noFill/>
-        </p:spPr>
-        <p:txBody>
           <a:bodyPr wrap="none" rtlCol="0">
             <a:spAutoFit/>
           </a:bodyPr>
           <a:lstStyle/>
           <a:p>
             <a:r>
-              <a:rPr lang="en-US" sz="2000" dirty="0"/>
-              <a:t>Equation of a straight line</a:t>
-            </a:r>
-          </a:p>
-        </p:txBody>
-      </p:sp>
-      <p:sp>
-        <p:nvSpPr>
-          <p:cNvPr id="7" name="TextBox 6">
-            <a:extLst>
-              <a:ext uri="{FF2B5EF4-FFF2-40B4-BE49-F238E27FC236}">
-                <a16:creationId xmlns:a16="http://schemas.microsoft.com/office/drawing/2014/main" id="{C241CC66-8B8A-4D99-A805-730596265C2E}"/>
-              </a:ext>
-            </a:extLst>
-          </p:cNvPr>
-          <p:cNvSpPr txBox="1"/>
-          <p:nvPr/>
-        </p:nvSpPr>
-        <p:spPr>
-          <a:xfrm>
-            <a:off x="1400783" y="2159535"/>
-            <a:ext cx="2422458" cy="369332"/>
-          </a:xfrm>
-          <a:prstGeom prst="rect">
-            <a:avLst/>
-          </a:prstGeom>
-          <a:noFill/>
-        </p:spPr>
-        <p:txBody>
-          <a:bodyPr wrap="none" rtlCol="0">
-            <a:spAutoFit/>
-          </a:bodyPr>
-          <a:lstStyle/>
-          <a:p>
-            <a:r>
-              <a:rPr lang="en-US" dirty="0"/>
-              <a:t>Y = C + B1X1 + B2X2 + …</a:t>
-            </a:r>
-          </a:p>
-        </p:txBody>
-      </p:sp>
-      <p:sp>
-        <p:nvSpPr>
-          <p:cNvPr id="8" name="TextBox 7">
-            <a:extLst>
-              <a:ext uri="{FF2B5EF4-FFF2-40B4-BE49-F238E27FC236}">
-                <a16:creationId xmlns:a16="http://schemas.microsoft.com/office/drawing/2014/main" id="{D4021529-F1D2-4F77-A247-376CB74954EE}"/>
-              </a:ext>
-            </a:extLst>
-          </p:cNvPr>
-          <p:cNvSpPr txBox="1"/>
-          <p:nvPr/>
-        </p:nvSpPr>
-        <p:spPr>
-          <a:xfrm>
-            <a:off x="638780" y="2613503"/>
-            <a:ext cx="8383001" cy="400110"/>
-          </a:xfrm>
-          <a:prstGeom prst="rect">
-            <a:avLst/>
-          </a:prstGeom>
-          <a:noFill/>
-        </p:spPr>
-        <p:txBody>
-          <a:bodyPr wrap="none" rtlCol="0">
-            <a:spAutoFit/>
-          </a:bodyPr>
-          <a:lstStyle/>
-          <a:p>
-            <a:r>
-              <a:rPr lang="en-US" sz="2000" dirty="0"/>
-              <a:t>Let’s try to reduce the Logistic Regression Equation from Straight Line Equation</a:t>
-            </a:r>
-          </a:p>
-        </p:txBody>
-      </p:sp>
-      <p:sp>
-        <p:nvSpPr>
-          <p:cNvPr id="9" name="TextBox 8">
-            <a:extLst>
-              <a:ext uri="{FF2B5EF4-FFF2-40B4-BE49-F238E27FC236}">
-                <a16:creationId xmlns:a16="http://schemas.microsoft.com/office/drawing/2014/main" id="{B2803CF0-F165-425C-AF72-9B864F788353}"/>
-              </a:ext>
-            </a:extLst>
-          </p:cNvPr>
-          <p:cNvSpPr txBox="1"/>
-          <p:nvPr/>
-        </p:nvSpPr>
-        <p:spPr>
-          <a:xfrm>
-            <a:off x="1407263" y="3255528"/>
-            <a:ext cx="2422458" cy="369332"/>
-          </a:xfrm>
-          <a:prstGeom prst="rect">
-            <a:avLst/>
-          </a:prstGeom>
-          <a:noFill/>
-        </p:spPr>
-        <p:txBody>
-          <a:bodyPr wrap="none" rtlCol="0">
-            <a:spAutoFit/>
-          </a:bodyPr>
-          <a:lstStyle/>
-          <a:p>
-            <a:r>
-              <a:rPr lang="en-US" dirty="0"/>
-              <a:t>Y = C + B1X1 + B2X2 + …</a:t>
-            </a:r>
-          </a:p>
-        </p:txBody>
-      </p:sp>
-      <p:sp>
-        <p:nvSpPr>
-          <p:cNvPr id="10" name="TextBox 9">
-            <a:extLst>
-              <a:ext uri="{FF2B5EF4-FFF2-40B4-BE49-F238E27FC236}">
-                <a16:creationId xmlns:a16="http://schemas.microsoft.com/office/drawing/2014/main" id="{EE393281-65C1-4F83-A9F9-12AA91092EC5}"/>
-              </a:ext>
-            </a:extLst>
-          </p:cNvPr>
-          <p:cNvSpPr txBox="1"/>
-          <p:nvPr/>
-        </p:nvSpPr>
-        <p:spPr>
-          <a:xfrm>
-            <a:off x="5920917" y="2136834"/>
-            <a:ext cx="3497111" cy="369332"/>
-          </a:xfrm>
-          <a:prstGeom prst="rect">
-            <a:avLst/>
-          </a:prstGeom>
-          <a:noFill/>
-        </p:spPr>
-        <p:txBody>
-          <a:bodyPr wrap="none" rtlCol="0">
-            <a:spAutoFit/>
-          </a:bodyPr>
-          <a:lstStyle/>
-          <a:p>
-            <a:r>
-              <a:rPr lang="en-US" dirty="0"/>
-              <a:t>Range from –(infinity) to +(infinity) </a:t>
-            </a:r>
-          </a:p>
-        </p:txBody>
-      </p:sp>
-      <p:sp>
-        <p:nvSpPr>
-          <p:cNvPr id="11" name="TextBox 10">
-            <a:extLst>
-              <a:ext uri="{FF2B5EF4-FFF2-40B4-BE49-F238E27FC236}">
-                <a16:creationId xmlns:a16="http://schemas.microsoft.com/office/drawing/2014/main" id="{1A3C1FC5-9F64-4A84-B7A6-D0C146FCFF59}"/>
-              </a:ext>
-            </a:extLst>
-          </p:cNvPr>
-          <p:cNvSpPr txBox="1"/>
-          <p:nvPr/>
-        </p:nvSpPr>
-        <p:spPr>
-          <a:xfrm>
-            <a:off x="5946855" y="3268491"/>
-            <a:ext cx="3781869" cy="369332"/>
-          </a:xfrm>
-          <a:prstGeom prst="rect">
-            <a:avLst/>
-          </a:prstGeom>
-          <a:noFill/>
-        </p:spPr>
-        <p:txBody>
-          <a:bodyPr wrap="none" rtlCol="0">
-            <a:spAutoFit/>
-          </a:bodyPr>
-          <a:lstStyle/>
-          <a:p>
-            <a:r>
-              <a:rPr lang="en-US" dirty="0"/>
-              <a:t>In Logistic Equation Range from 0 to 1 </a:t>
-            </a:r>
-          </a:p>
-        </p:txBody>
-      </p:sp>
-      <p:sp>
-        <p:nvSpPr>
-          <p:cNvPr id="12" name="TextBox 11">
-            <a:extLst>
-              <a:ext uri="{FF2B5EF4-FFF2-40B4-BE49-F238E27FC236}">
-                <a16:creationId xmlns:a16="http://schemas.microsoft.com/office/drawing/2014/main" id="{AD013F8B-88A2-4C14-8810-D839D36E470B}"/>
-              </a:ext>
-            </a:extLst>
-          </p:cNvPr>
-          <p:cNvSpPr txBox="1"/>
-          <p:nvPr/>
-        </p:nvSpPr>
-        <p:spPr>
-          <a:xfrm>
-            <a:off x="716604" y="3868373"/>
-            <a:ext cx="5849165" cy="400110"/>
-          </a:xfrm>
-          <a:prstGeom prst="rect">
-            <a:avLst/>
-          </a:prstGeom>
-          <a:noFill/>
-        </p:spPr>
-        <p:txBody>
-          <a:bodyPr wrap="none" rtlCol="0">
-            <a:spAutoFit/>
-          </a:bodyPr>
-          <a:lstStyle/>
-          <a:p>
-            <a:r>
-              <a:rPr lang="en-US" sz="2000" dirty="0"/>
-              <a:t>To get the range of Y between 0 and infinity, we define</a:t>
-            </a:r>
-          </a:p>
-        </p:txBody>
-      </p:sp>
-      <p:sp>
-        <p:nvSpPr>
-          <p:cNvPr id="13" name="TextBox 12">
-            <a:extLst>
-              <a:ext uri="{FF2B5EF4-FFF2-40B4-BE49-F238E27FC236}">
-                <a16:creationId xmlns:a16="http://schemas.microsoft.com/office/drawing/2014/main" id="{A3CB071C-EDA5-4B42-AACA-878EA9FD82D7}"/>
-              </a:ext>
-            </a:extLst>
-          </p:cNvPr>
-          <p:cNvSpPr txBox="1"/>
-          <p:nvPr/>
-        </p:nvSpPr>
-        <p:spPr>
-          <a:xfrm>
-            <a:off x="1424466" y="4497434"/>
-            <a:ext cx="2647135" cy="923330"/>
-          </a:xfrm>
-          <a:prstGeom prst="rect">
-            <a:avLst/>
-          </a:prstGeom>
-          <a:noFill/>
-        </p:spPr>
-        <p:txBody>
-          <a:bodyPr wrap="none" rtlCol="0">
-            <a:spAutoFit/>
-          </a:bodyPr>
-          <a:lstStyle/>
-          <a:p>
-            <a:r>
-              <a:rPr lang="en-US" dirty="0"/>
-              <a:t>Y / (1-Y)</a:t>
-            </a:r>
-          </a:p>
-          <a:p>
-            <a:r>
-              <a:rPr lang="en-US" dirty="0"/>
-              <a:t>Where, 	Y=0 then 0</a:t>
-            </a:r>
-          </a:p>
-          <a:p>
-            <a:r>
-              <a:rPr lang="en-US" dirty="0"/>
-              <a:t>	Y=1 then infinity</a:t>
-            </a:r>
-          </a:p>
-        </p:txBody>
-      </p:sp>
-      <p:sp>
-        <p:nvSpPr>
-          <p:cNvPr id="14" name="TextBox 13">
-            <a:extLst>
-              <a:ext uri="{FF2B5EF4-FFF2-40B4-BE49-F238E27FC236}">
-                <a16:creationId xmlns:a16="http://schemas.microsoft.com/office/drawing/2014/main" id="{429BCA53-D241-4002-A831-7A24B2491475}"/>
-              </a:ext>
-            </a:extLst>
-          </p:cNvPr>
-          <p:cNvSpPr txBox="1"/>
-          <p:nvPr/>
-        </p:nvSpPr>
-        <p:spPr>
-          <a:xfrm>
-            <a:off x="716604" y="5327415"/>
-            <a:ext cx="7336239" cy="400110"/>
-          </a:xfrm>
-          <a:prstGeom prst="rect">
-            <a:avLst/>
-          </a:prstGeom>
-          <a:noFill/>
-        </p:spPr>
-        <p:txBody>
-          <a:bodyPr wrap="none" rtlCol="0">
-            <a:spAutoFit/>
-          </a:bodyPr>
-          <a:lstStyle/>
-          <a:p>
-            <a:r>
-              <a:rPr lang="en-US" sz="2000" dirty="0"/>
-              <a:t>Transform it further, and get range between –(infinity) and +(infinity)</a:t>
-            </a:r>
-          </a:p>
-        </p:txBody>
-      </p:sp>
-      <p:sp>
-        <p:nvSpPr>
-          <p:cNvPr id="15" name="TextBox 14">
-            <a:extLst>
-              <a:ext uri="{FF2B5EF4-FFF2-40B4-BE49-F238E27FC236}">
-                <a16:creationId xmlns:a16="http://schemas.microsoft.com/office/drawing/2014/main" id="{CC928E60-06F8-46B3-93F1-72B7BBE85512}"/>
-              </a:ext>
-            </a:extLst>
-          </p:cNvPr>
-          <p:cNvSpPr txBox="1"/>
-          <p:nvPr/>
-        </p:nvSpPr>
-        <p:spPr>
-          <a:xfrm>
-            <a:off x="1400783" y="5851274"/>
-            <a:ext cx="3681136" cy="369332"/>
-          </a:xfrm>
-          <a:prstGeom prst="rect">
-            <a:avLst/>
-          </a:prstGeom>
-          <a:noFill/>
-        </p:spPr>
-        <p:txBody>
-          <a:bodyPr wrap="none" rtlCol="0">
-            <a:spAutoFit/>
-          </a:bodyPr>
-          <a:lstStyle/>
-          <a:p>
-            <a:r>
-              <a:rPr lang="en-US" dirty="0"/>
-              <a:t>Log(Y/(1-Y) =&gt; Y= C+ B1X1 + B2X2 + …</a:t>
-            </a:r>
-          </a:p>
-        </p:txBody>
-      </p:sp>
-      <p:sp>
-        <p:nvSpPr>
-          <p:cNvPr id="16" name="TextBox 15">
-            <a:extLst>
-              <a:ext uri="{FF2B5EF4-FFF2-40B4-BE49-F238E27FC236}">
-                <a16:creationId xmlns:a16="http://schemas.microsoft.com/office/drawing/2014/main" id="{35C4E0F1-56D2-46D2-9A00-353A9EC6F807}"/>
-              </a:ext>
-            </a:extLst>
-          </p:cNvPr>
-          <p:cNvSpPr txBox="1"/>
-          <p:nvPr/>
-        </p:nvSpPr>
-        <p:spPr>
-          <a:xfrm>
-            <a:off x="5946855" y="4510398"/>
-            <a:ext cx="2448491" cy="369332"/>
-          </a:xfrm>
-          <a:prstGeom prst="rect">
-            <a:avLst/>
-          </a:prstGeom>
-          <a:noFill/>
-        </p:spPr>
-        <p:txBody>
-          <a:bodyPr wrap="none" rtlCol="0">
-            <a:spAutoFit/>
-          </a:bodyPr>
-          <a:lstStyle/>
-          <a:p>
-            <a:r>
-              <a:rPr lang="en-US" dirty="0"/>
-              <a:t>Range from 0  to infinity</a:t>
-            </a:r>
-          </a:p>
-        </p:txBody>
-      </p:sp>
-      <p:sp>
-        <p:nvSpPr>
-          <p:cNvPr id="17" name="TextBox 16">
-            <a:extLst>
-              <a:ext uri="{FF2B5EF4-FFF2-40B4-BE49-F238E27FC236}">
-                <a16:creationId xmlns:a16="http://schemas.microsoft.com/office/drawing/2014/main" id="{A6FD6E4C-2912-4255-B02F-747E3F9C5A09}"/>
-              </a:ext>
-            </a:extLst>
-          </p:cNvPr>
-          <p:cNvSpPr txBox="1"/>
-          <p:nvPr/>
-        </p:nvSpPr>
-        <p:spPr>
-          <a:xfrm>
-            <a:off x="6011703" y="5911175"/>
-            <a:ext cx="2835328" cy="369332"/>
-          </a:xfrm>
-          <a:prstGeom prst="rect">
-            <a:avLst/>
-          </a:prstGeom>
-          <a:noFill/>
-        </p:spPr>
-        <p:txBody>
-          <a:bodyPr wrap="none" rtlCol="0">
-            <a:spAutoFit/>
-          </a:bodyPr>
-          <a:lstStyle/>
-          <a:p>
-            <a:r>
-              <a:rPr lang="en-US" dirty="0"/>
-              <a:t>Logistic Regression Equation</a:t>
-            </a:r>
+              <a:rPr lang="en-US" sz="3200" dirty="0"/>
+              <a:t>Who is a ML Engineer/Scientist? </a:t>
+            </a:r>
+          </a:p>
+          <a:p>
+            <a:endParaRPr lang="en-US" dirty="0"/>
           </a:p>
         </p:txBody>
       </p:sp>
     </p:spTree>
     <p:extLst>
       <p:ext uri="{BB962C8B-B14F-4D97-AF65-F5344CB8AC3E}">
-        <p14:creationId xmlns:p14="http://schemas.microsoft.com/office/powerpoint/2010/main" val="76323362"/>
+        <p14:creationId xmlns:p14="http://schemas.microsoft.com/office/powerpoint/2010/main" val="728681631"/>
       </p:ext>
     </p:extLst>
   </p:cSld>
@@ -10115,17 +9842,9 @@
 </p:sld>
 </file>
 
-<file path=ppt/slides/slide3.xml><?xml version="1.0" encoding="utf-8"?>
+<file path=ppt/slides/slide30.xml><?xml version="1.0" encoding="utf-8"?>
 <p:sld xmlns:a="http://schemas.openxmlformats.org/drawingml/2006/main" xmlns:r="http://schemas.openxmlformats.org/officeDocument/2006/relationships" xmlns:p="http://schemas.openxmlformats.org/presentationml/2006/main">
   <p:cSld>
-    <p:bg>
-      <p:bgPr>
-        <a:solidFill>
-          <a:schemeClr val="bg1"/>
-        </a:solidFill>
-        <a:effectLst/>
-      </p:bgPr>
-    </p:bg>
     <p:spTree>
       <p:nvGrpSpPr>
         <p:cNvPr id="1" name=""/>
@@ -10142,67 +9861,6 @@
       </p:grpSpPr>
       <p:sp>
         <p:nvSpPr>
-          <p:cNvPr id="4" name="TextBox 3"/>
-          <p:cNvSpPr txBox="1"/>
-          <p:nvPr/>
-        </p:nvSpPr>
-        <p:spPr>
-          <a:xfrm>
-            <a:off x="648929" y="629266"/>
-            <a:ext cx="3651467" cy="1676603"/>
-          </a:xfrm>
-          <a:prstGeom prst="rect">
-            <a:avLst/>
-          </a:prstGeom>
-        </p:spPr>
-        <p:txBody>
-          <a:bodyPr vert="horz" lIns="91440" tIns="45720" rIns="91440" bIns="45720" rtlCol="0" anchor="ctr">
-            <a:normAutofit/>
-          </a:bodyPr>
-          <a:lstStyle/>
-          <a:p>
-            <a:pPr>
-              <a:lnSpc>
-                <a:spcPct val="90000"/>
-              </a:lnSpc>
-              <a:spcBef>
-                <a:spcPct val="0"/>
-              </a:spcBef>
-              <a:spcAft>
-                <a:spcPts val="600"/>
-              </a:spcAft>
-            </a:pPr>
-            <a:r>
-              <a:rPr lang="en-US" sz="3700" dirty="0">
-                <a:latin typeface="+mj-lt"/>
-                <a:ea typeface="+mj-ea"/>
-                <a:cs typeface="+mj-cs"/>
-              </a:rPr>
-              <a:t>Class-1: AI vs ML vs Deep Learning</a:t>
-            </a:r>
-          </a:p>
-          <a:p>
-            <a:pPr>
-              <a:lnSpc>
-                <a:spcPct val="90000"/>
-              </a:lnSpc>
-              <a:spcBef>
-                <a:spcPct val="0"/>
-              </a:spcBef>
-              <a:spcAft>
-                <a:spcPts val="600"/>
-              </a:spcAft>
-            </a:pPr>
-            <a:endParaRPr lang="en-US" sz="3700" dirty="0">
-              <a:latin typeface="+mj-lt"/>
-              <a:ea typeface="+mj-ea"/>
-              <a:cs typeface="+mj-cs"/>
-            </a:endParaRPr>
-          </a:p>
-        </p:txBody>
-      </p:sp>
-      <p:sp>
-        <p:nvSpPr>
           <p:cNvPr id="3" name="Subtitle 2"/>
           <p:cNvSpPr>
             <a:spLocks noGrp="1"/>
@@ -10213,430 +9871,489 @@
         </p:nvSpPr>
         <p:spPr>
           <a:xfrm>
-            <a:off x="648929" y="3731998"/>
-            <a:ext cx="5299383" cy="2714920"/>
-          </a:xfrm>
-        </p:spPr>
-        <p:txBody>
-          <a:bodyPr vert="horz" lIns="91440" tIns="45720" rIns="91440" bIns="45720" rtlCol="0">
+            <a:off x="476655" y="815295"/>
+            <a:ext cx="11420273" cy="1023234"/>
+          </a:xfrm>
+        </p:spPr>
+        <p:txBody>
+          <a:bodyPr>
             <a:normAutofit/>
           </a:bodyPr>
           <a:lstStyle/>
           <a:p>
             <a:pPr algn="l"/>
             <a:r>
-              <a:rPr lang="en-US" sz="1800" dirty="0"/>
-              <a:t>1950s-1970s - AI</a:t>
-            </a:r>
-          </a:p>
-          <a:p>
-            <a:pPr indent="-228600" algn="l">
-              <a:buFont typeface="Arial" panose="020B0604020202020204" pitchFamily="34" charset="0"/>
-              <a:buChar char="•"/>
-            </a:pPr>
-            <a:r>
-              <a:rPr lang="en-US" sz="1800" dirty="0"/>
-              <a:t>Example of AI</a:t>
-            </a:r>
-          </a:p>
-          <a:p>
-            <a:pPr algn="l"/>
-            <a:r>
-              <a:rPr lang="en-US" sz="1800" dirty="0"/>
-              <a:t>1980s – 1990s - ML</a:t>
-            </a:r>
-          </a:p>
-          <a:p>
-            <a:pPr indent="-228600" algn="l">
-              <a:buFont typeface="Arial" panose="020B0604020202020204" pitchFamily="34" charset="0"/>
-              <a:buChar char="•"/>
-            </a:pPr>
-            <a:r>
-              <a:rPr lang="en-US" sz="1800" dirty="0"/>
-              <a:t>Example of ML (“Expert” System)</a:t>
-            </a:r>
-          </a:p>
-          <a:p>
-            <a:pPr algn="l"/>
-            <a:r>
-              <a:rPr lang="en-US" sz="1800" dirty="0"/>
-              <a:t>2000s -2010s – DL - ANN</a:t>
-            </a:r>
-          </a:p>
-          <a:p>
-            <a:pPr indent="-228600" algn="l">
-              <a:buFont typeface="Arial" panose="020B0604020202020204" pitchFamily="34" charset="0"/>
-              <a:buChar char="•"/>
-            </a:pPr>
-            <a:r>
-              <a:rPr lang="en-US" sz="1800" dirty="0"/>
-              <a:t>Artificial/Deep Neural Network </a:t>
-            </a:r>
-          </a:p>
-          <a:p>
-            <a:pPr indent="-228600" algn="l">
-              <a:buFont typeface="Arial" panose="020B0604020202020204" pitchFamily="34" charset="0"/>
-              <a:buChar char="•"/>
-            </a:pPr>
-            <a:r>
-              <a:rPr lang="en-US" sz="1800" dirty="0"/>
-              <a:t>Example of Deep Learning</a:t>
-            </a:r>
-          </a:p>
-          <a:p>
-            <a:pPr algn="l"/>
-            <a:endParaRPr lang="en-US" sz="1800" dirty="0"/>
-          </a:p>
-          <a:p>
-            <a:pPr indent="-228600" algn="l">
-              <a:buFont typeface="Arial" panose="020B0604020202020204" pitchFamily="34" charset="0"/>
-              <a:buChar char="•"/>
-            </a:pPr>
-            <a:endParaRPr lang="en-US" sz="1800" dirty="0"/>
-          </a:p>
-        </p:txBody>
-      </p:sp>
-      <p:pic>
-        <p:nvPicPr>
-          <p:cNvPr id="2" name="Picture 1">
+              <a:rPr lang="en-US" sz="2900" dirty="0"/>
+              <a:t>The Logistic Regression Equation is derived from the Straight Line Equation</a:t>
+            </a:r>
+          </a:p>
+        </p:txBody>
+      </p:sp>
+      <p:sp>
+        <p:nvSpPr>
+          <p:cNvPr id="5" name="TextBox 4"/>
+          <p:cNvSpPr txBox="1"/>
+          <p:nvPr/>
+        </p:nvSpPr>
+        <p:spPr>
+          <a:xfrm>
+            <a:off x="254568" y="147547"/>
+            <a:ext cx="10968760" cy="584775"/>
+          </a:xfrm>
+          <a:prstGeom prst="rect">
+            <a:avLst/>
+          </a:prstGeom>
+          <a:noFill/>
+        </p:spPr>
+        <p:txBody>
+          <a:bodyPr wrap="square" rtlCol="0">
+            <a:spAutoFit/>
+          </a:bodyPr>
+          <a:lstStyle/>
+          <a:p>
+            <a:r>
+              <a:rPr lang="en-US" sz="3200" dirty="0"/>
+              <a:t>Class-3: Logistic Regression Equation</a:t>
+            </a:r>
+          </a:p>
+        </p:txBody>
+      </p:sp>
+      <p:sp>
+        <p:nvSpPr>
+          <p:cNvPr id="6" name="TextBox 5">
             <a:extLst>
               <a:ext uri="{FF2B5EF4-FFF2-40B4-BE49-F238E27FC236}">
-                <a16:creationId xmlns:a16="http://schemas.microsoft.com/office/drawing/2014/main" id="{BA5AF337-9A07-4F1F-B422-F537DB28C43D}"/>
+                <a16:creationId xmlns:a16="http://schemas.microsoft.com/office/drawing/2014/main" id="{4FFB6430-1789-4D99-AF81-1B3CBEDB3695}"/>
               </a:ext>
             </a:extLst>
           </p:cNvPr>
-          <p:cNvPicPr>
-            <a:picLocks noChangeAspect="1"/>
-          </p:cNvPicPr>
+          <p:cNvSpPr txBox="1"/>
           <p:nvPr/>
-        </p:nvPicPr>
-        <p:blipFill rotWithShape="1">
-          <a:blip r:embed="rId3"/>
-          <a:srcRect l="3932" r="3557" b="2"/>
-          <a:stretch/>
-        </p:blipFill>
-        <p:spPr>
-          <a:xfrm>
-            <a:off x="6237551" y="793940"/>
-            <a:ext cx="5892776" cy="5429416"/>
+        </p:nvSpPr>
+        <p:spPr>
+          <a:xfrm>
+            <a:off x="564204" y="1663430"/>
+            <a:ext cx="2851422" cy="400110"/>
           </a:xfrm>
           <a:prstGeom prst="rect">
             <a:avLst/>
           </a:prstGeom>
-          <a:effectLst/>
-        </p:spPr>
-      </p:pic>
-      <p:sp>
-        <p:nvSpPr>
-          <p:cNvPr id="5" name="Subtitle 2">
+          <a:noFill/>
+        </p:spPr>
+        <p:txBody>
+          <a:bodyPr wrap="none" rtlCol="0">
+            <a:spAutoFit/>
+          </a:bodyPr>
+          <a:lstStyle/>
+          <a:p>
+            <a:r>
+              <a:rPr lang="en-US" sz="2000" dirty="0"/>
+              <a:t>Equation of a straight line</a:t>
+            </a:r>
+          </a:p>
+        </p:txBody>
+      </p:sp>
+      <p:sp>
+        <p:nvSpPr>
+          <p:cNvPr id="7" name="TextBox 6">
             <a:extLst>
               <a:ext uri="{FF2B5EF4-FFF2-40B4-BE49-F238E27FC236}">
-                <a16:creationId xmlns:a16="http://schemas.microsoft.com/office/drawing/2014/main" id="{D9929E9D-FEC5-4EAC-9822-EC63839F7969}"/>
+                <a16:creationId xmlns:a16="http://schemas.microsoft.com/office/drawing/2014/main" id="{C241CC66-8B8A-4D99-A805-730596265C2E}"/>
               </a:ext>
             </a:extLst>
           </p:cNvPr>
-          <p:cNvSpPr txBox="1">
-            <a:spLocks/>
-          </p:cNvSpPr>
+          <p:cNvSpPr txBox="1"/>
           <p:nvPr/>
         </p:nvSpPr>
         <p:spPr>
           <a:xfrm>
-            <a:off x="693271" y="1999128"/>
-            <a:ext cx="5110705" cy="1866539"/>
+            <a:off x="1400783" y="2159535"/>
+            <a:ext cx="2422458" cy="369332"/>
           </a:xfrm>
           <a:prstGeom prst="rect">
             <a:avLst/>
           </a:prstGeom>
-        </p:spPr>
-        <p:txBody>
-          <a:bodyPr vert="horz" lIns="91440" tIns="45720" rIns="91440" bIns="45720" rtlCol="0">
-            <a:normAutofit/>
+          <a:noFill/>
+        </p:spPr>
+        <p:txBody>
+          <a:bodyPr wrap="none" rtlCol="0">
+            <a:spAutoFit/>
           </a:bodyPr>
-          <a:lstStyle>
-            <a:lvl1pPr marL="0" indent="0" algn="ctr" defTabSz="914400" rtl="0" eaLnBrk="1" latinLnBrk="0" hangingPunct="1">
-              <a:lnSpc>
-                <a:spcPct val="90000"/>
-              </a:lnSpc>
-              <a:spcBef>
-                <a:spcPts val="1000"/>
-              </a:spcBef>
-              <a:buFont typeface="Arial" panose="020B0604020202020204" pitchFamily="34" charset="0"/>
-              <a:buNone/>
-              <a:defRPr sz="2400" kern="1200">
-                <a:solidFill>
-                  <a:schemeClr val="tx1"/>
-                </a:solidFill>
-                <a:latin typeface="+mn-lt"/>
-                <a:ea typeface="+mn-ea"/>
-                <a:cs typeface="+mn-cs"/>
-              </a:defRPr>
-            </a:lvl1pPr>
-            <a:lvl2pPr marL="457200" indent="0" algn="ctr" defTabSz="914400" rtl="0" eaLnBrk="1" latinLnBrk="0" hangingPunct="1">
-              <a:lnSpc>
-                <a:spcPct val="90000"/>
-              </a:lnSpc>
-              <a:spcBef>
-                <a:spcPts val="500"/>
-              </a:spcBef>
-              <a:buFont typeface="Arial" panose="020B0604020202020204" pitchFamily="34" charset="0"/>
-              <a:buNone/>
-              <a:defRPr sz="2000" kern="1200">
-                <a:solidFill>
-                  <a:schemeClr val="tx1"/>
-                </a:solidFill>
-                <a:latin typeface="+mn-lt"/>
-                <a:ea typeface="+mn-ea"/>
-                <a:cs typeface="+mn-cs"/>
-              </a:defRPr>
-            </a:lvl2pPr>
-            <a:lvl3pPr marL="914400" indent="0" algn="ctr" defTabSz="914400" rtl="0" eaLnBrk="1" latinLnBrk="0" hangingPunct="1">
-              <a:lnSpc>
-                <a:spcPct val="90000"/>
-              </a:lnSpc>
-              <a:spcBef>
-                <a:spcPts val="500"/>
-              </a:spcBef>
-              <a:buFont typeface="Arial" panose="020B0604020202020204" pitchFamily="34" charset="0"/>
-              <a:buNone/>
-              <a:defRPr sz="1800" kern="1200">
-                <a:solidFill>
-                  <a:schemeClr val="tx1"/>
-                </a:solidFill>
-                <a:latin typeface="+mn-lt"/>
-                <a:ea typeface="+mn-ea"/>
-                <a:cs typeface="+mn-cs"/>
-              </a:defRPr>
-            </a:lvl3pPr>
-            <a:lvl4pPr marL="1371600" indent="0" algn="ctr" defTabSz="914400" rtl="0" eaLnBrk="1" latinLnBrk="0" hangingPunct="1">
-              <a:lnSpc>
-                <a:spcPct val="90000"/>
-              </a:lnSpc>
-              <a:spcBef>
-                <a:spcPts val="500"/>
-              </a:spcBef>
-              <a:buFont typeface="Arial" panose="020B0604020202020204" pitchFamily="34" charset="0"/>
-              <a:buNone/>
-              <a:defRPr sz="1600" kern="1200">
-                <a:solidFill>
-                  <a:schemeClr val="tx1"/>
-                </a:solidFill>
-                <a:latin typeface="+mn-lt"/>
-                <a:ea typeface="+mn-ea"/>
-                <a:cs typeface="+mn-cs"/>
-              </a:defRPr>
-            </a:lvl4pPr>
-            <a:lvl5pPr marL="1828800" indent="0" algn="ctr" defTabSz="914400" rtl="0" eaLnBrk="1" latinLnBrk="0" hangingPunct="1">
-              <a:lnSpc>
-                <a:spcPct val="90000"/>
-              </a:lnSpc>
-              <a:spcBef>
-                <a:spcPts val="500"/>
-              </a:spcBef>
-              <a:buFont typeface="Arial" panose="020B0604020202020204" pitchFamily="34" charset="0"/>
-              <a:buNone/>
-              <a:defRPr sz="1600" kern="1200">
-                <a:solidFill>
-                  <a:schemeClr val="tx1"/>
-                </a:solidFill>
-                <a:latin typeface="+mn-lt"/>
-                <a:ea typeface="+mn-ea"/>
-                <a:cs typeface="+mn-cs"/>
-              </a:defRPr>
-            </a:lvl5pPr>
-            <a:lvl6pPr marL="2286000" indent="0" algn="ctr" defTabSz="914400" rtl="0" eaLnBrk="1" latinLnBrk="0" hangingPunct="1">
-              <a:lnSpc>
-                <a:spcPct val="90000"/>
-              </a:lnSpc>
-              <a:spcBef>
-                <a:spcPts val="500"/>
-              </a:spcBef>
-              <a:buFont typeface="Arial" panose="020B0604020202020204" pitchFamily="34" charset="0"/>
-              <a:buNone/>
-              <a:defRPr sz="1600" kern="1200">
-                <a:solidFill>
-                  <a:schemeClr val="tx1"/>
-                </a:solidFill>
-                <a:latin typeface="+mn-lt"/>
-                <a:ea typeface="+mn-ea"/>
-                <a:cs typeface="+mn-cs"/>
-              </a:defRPr>
-            </a:lvl6pPr>
-            <a:lvl7pPr marL="2743200" indent="0" algn="ctr" defTabSz="914400" rtl="0" eaLnBrk="1" latinLnBrk="0" hangingPunct="1">
-              <a:lnSpc>
-                <a:spcPct val="90000"/>
-              </a:lnSpc>
-              <a:spcBef>
-                <a:spcPts val="500"/>
-              </a:spcBef>
-              <a:buFont typeface="Arial" panose="020B0604020202020204" pitchFamily="34" charset="0"/>
-              <a:buNone/>
-              <a:defRPr sz="1600" kern="1200">
-                <a:solidFill>
-                  <a:schemeClr val="tx1"/>
-                </a:solidFill>
-                <a:latin typeface="+mn-lt"/>
-                <a:ea typeface="+mn-ea"/>
-                <a:cs typeface="+mn-cs"/>
-              </a:defRPr>
-            </a:lvl7pPr>
-            <a:lvl8pPr marL="3200400" indent="0" algn="ctr" defTabSz="914400" rtl="0" eaLnBrk="1" latinLnBrk="0" hangingPunct="1">
-              <a:lnSpc>
-                <a:spcPct val="90000"/>
-              </a:lnSpc>
-              <a:spcBef>
-                <a:spcPts val="500"/>
-              </a:spcBef>
-              <a:buFont typeface="Arial" panose="020B0604020202020204" pitchFamily="34" charset="0"/>
-              <a:buNone/>
-              <a:defRPr sz="1600" kern="1200">
-                <a:solidFill>
-                  <a:schemeClr val="tx1"/>
-                </a:solidFill>
-                <a:latin typeface="+mn-lt"/>
-                <a:ea typeface="+mn-ea"/>
-                <a:cs typeface="+mn-cs"/>
-              </a:defRPr>
-            </a:lvl8pPr>
-            <a:lvl9pPr marL="3657600" indent="0" algn="ctr" defTabSz="914400" rtl="0" eaLnBrk="1" latinLnBrk="0" hangingPunct="1">
-              <a:lnSpc>
-                <a:spcPct val="90000"/>
-              </a:lnSpc>
-              <a:spcBef>
-                <a:spcPts val="500"/>
-              </a:spcBef>
-              <a:buFont typeface="Arial" panose="020B0604020202020204" pitchFamily="34" charset="0"/>
-              <a:buNone/>
-              <a:defRPr sz="1600" kern="1200">
-                <a:solidFill>
-                  <a:schemeClr val="tx1"/>
-                </a:solidFill>
-                <a:latin typeface="+mn-lt"/>
-                <a:ea typeface="+mn-ea"/>
-                <a:cs typeface="+mn-cs"/>
-              </a:defRPr>
-            </a:lvl9pPr>
-          </a:lstStyle>
-          <a:p>
-            <a:pPr algn="l"/>
-            <a:r>
-              <a:rPr lang="en-US" sz="1800" dirty="0"/>
-              <a:t>WHAT IS AI?</a:t>
-            </a:r>
-          </a:p>
-          <a:p>
-            <a:pPr algn="l"/>
-            <a:r>
-              <a:rPr lang="en-US" sz="1800" dirty="0"/>
-              <a:t>“</a:t>
-            </a:r>
-            <a:r>
-              <a:rPr lang="en-US" sz="1800" b="1" dirty="0"/>
-              <a:t>Algorithms</a:t>
-            </a:r>
-            <a:r>
-              <a:rPr lang="en-US" sz="1800" dirty="0"/>
-              <a:t> enabled by </a:t>
-            </a:r>
-            <a:r>
-              <a:rPr lang="en-US" sz="1800" b="1" dirty="0"/>
-              <a:t>constraints</a:t>
-            </a:r>
-            <a:r>
-              <a:rPr lang="en-US" sz="1800" dirty="0"/>
-              <a:t> &amp; exposed by </a:t>
-            </a:r>
-            <a:r>
-              <a:rPr lang="en-US" sz="1800" b="1" dirty="0"/>
-              <a:t>representations</a:t>
-            </a:r>
-            <a:r>
-              <a:rPr lang="en-US" sz="1800" dirty="0"/>
-              <a:t> that support models targeted at </a:t>
-            </a:r>
-            <a:r>
-              <a:rPr lang="en-US" sz="1800" b="1" dirty="0"/>
-              <a:t>thinking</a:t>
-            </a:r>
-            <a:r>
-              <a:rPr lang="en-US" sz="1800" dirty="0"/>
-              <a:t>, </a:t>
-            </a:r>
-            <a:r>
-              <a:rPr lang="en-US" sz="1800" b="1" dirty="0"/>
-              <a:t>perception</a:t>
-            </a:r>
-            <a:r>
-              <a:rPr lang="en-US" sz="1800" dirty="0"/>
-              <a:t> and </a:t>
-            </a:r>
-            <a:r>
-              <a:rPr lang="en-US" sz="1800" b="1" dirty="0"/>
-              <a:t>action</a:t>
-            </a:r>
-            <a:r>
-              <a:rPr lang="en-US" sz="1800" dirty="0"/>
-              <a:t>.” 	</a:t>
-            </a:r>
-          </a:p>
-          <a:p>
-            <a:pPr algn="r"/>
-            <a:r>
-              <a:rPr lang="en-US" sz="1800" dirty="0"/>
-              <a:t>MIT Prof. Patrick Winston</a:t>
-            </a:r>
-          </a:p>
-          <a:p>
-            <a:pPr indent="-228600" algn="l">
-              <a:buFont typeface="Arial" panose="020B0604020202020204" pitchFamily="34" charset="0"/>
-              <a:buChar char="•"/>
-            </a:pPr>
-            <a:endParaRPr lang="en-US" sz="1800" dirty="0"/>
-          </a:p>
-        </p:txBody>
-      </p:sp>
-      <p:cxnSp>
-        <p:nvCxnSpPr>
-          <p:cNvPr id="6" name="Straight Connector 5">
+          <a:lstStyle/>
+          <a:p>
+            <a:r>
+              <a:rPr lang="en-US" dirty="0"/>
+              <a:t>Y = C + B1X1 + B2X2 + …</a:t>
+            </a:r>
+          </a:p>
+        </p:txBody>
+      </p:sp>
+      <p:sp>
+        <p:nvSpPr>
+          <p:cNvPr id="8" name="TextBox 7">
             <a:extLst>
               <a:ext uri="{FF2B5EF4-FFF2-40B4-BE49-F238E27FC236}">
-                <a16:creationId xmlns:a16="http://schemas.microsoft.com/office/drawing/2014/main" id="{54114226-73D0-4FF0-956C-B62212123485}"/>
+                <a16:creationId xmlns:a16="http://schemas.microsoft.com/office/drawing/2014/main" id="{D4021529-F1D2-4F77-A247-376CB74954EE}"/>
               </a:ext>
             </a:extLst>
           </p:cNvPr>
-          <p:cNvCxnSpPr>
-            <a:cxnSpLocks/>
-          </p:cNvCxnSpPr>
+          <p:cNvSpPr txBox="1"/>
           <p:nvPr/>
-        </p:nvCxnSpPr>
-        <p:spPr>
-          <a:xfrm>
-            <a:off x="5532472" y="4550418"/>
-            <a:ext cx="359570" cy="287481"/>
-          </a:xfrm>
-          <a:prstGeom prst="line">
+        </p:nvSpPr>
+        <p:spPr>
+          <a:xfrm>
+            <a:off x="638780" y="2613503"/>
+            <a:ext cx="8383001" cy="400110"/>
+          </a:xfrm>
+          <a:prstGeom prst="rect">
             <a:avLst/>
           </a:prstGeom>
-        </p:spPr>
-        <p:style>
-          <a:lnRef idx="1">
-            <a:schemeClr val="accent1"/>
-          </a:lnRef>
-          <a:fillRef idx="0">
-            <a:schemeClr val="accent1"/>
-          </a:fillRef>
-          <a:effectRef idx="0">
-            <a:schemeClr val="accent1"/>
-          </a:effectRef>
-          <a:fontRef idx="minor">
-            <a:schemeClr val="tx1"/>
-          </a:fontRef>
-        </p:style>
-      </p:cxnSp>
+          <a:noFill/>
+        </p:spPr>
+        <p:txBody>
+          <a:bodyPr wrap="none" rtlCol="0">
+            <a:spAutoFit/>
+          </a:bodyPr>
+          <a:lstStyle/>
+          <a:p>
+            <a:r>
+              <a:rPr lang="en-US" sz="2000" dirty="0"/>
+              <a:t>Let’s try to reduce the Logistic Regression Equation from Straight Line Equation</a:t>
+            </a:r>
+          </a:p>
+        </p:txBody>
+      </p:sp>
+      <p:sp>
+        <p:nvSpPr>
+          <p:cNvPr id="9" name="TextBox 8">
+            <a:extLst>
+              <a:ext uri="{FF2B5EF4-FFF2-40B4-BE49-F238E27FC236}">
+                <a16:creationId xmlns:a16="http://schemas.microsoft.com/office/drawing/2014/main" id="{B2803CF0-F165-425C-AF72-9B864F788353}"/>
+              </a:ext>
+            </a:extLst>
+          </p:cNvPr>
+          <p:cNvSpPr txBox="1"/>
+          <p:nvPr/>
+        </p:nvSpPr>
+        <p:spPr>
+          <a:xfrm>
+            <a:off x="1407263" y="3255528"/>
+            <a:ext cx="2422458" cy="369332"/>
+          </a:xfrm>
+          <a:prstGeom prst="rect">
+            <a:avLst/>
+          </a:prstGeom>
+          <a:noFill/>
+        </p:spPr>
+        <p:txBody>
+          <a:bodyPr wrap="none" rtlCol="0">
+            <a:spAutoFit/>
+          </a:bodyPr>
+          <a:lstStyle/>
+          <a:p>
+            <a:r>
+              <a:rPr lang="en-US" dirty="0"/>
+              <a:t>Y = C + B1X1 + B2X2 + …</a:t>
+            </a:r>
+          </a:p>
+        </p:txBody>
+      </p:sp>
+      <p:sp>
+        <p:nvSpPr>
+          <p:cNvPr id="10" name="TextBox 9">
+            <a:extLst>
+              <a:ext uri="{FF2B5EF4-FFF2-40B4-BE49-F238E27FC236}">
+                <a16:creationId xmlns:a16="http://schemas.microsoft.com/office/drawing/2014/main" id="{EE393281-65C1-4F83-A9F9-12AA91092EC5}"/>
+              </a:ext>
+            </a:extLst>
+          </p:cNvPr>
+          <p:cNvSpPr txBox="1"/>
+          <p:nvPr/>
+        </p:nvSpPr>
+        <p:spPr>
+          <a:xfrm>
+            <a:off x="5920917" y="2136834"/>
+            <a:ext cx="3497111" cy="369332"/>
+          </a:xfrm>
+          <a:prstGeom prst="rect">
+            <a:avLst/>
+          </a:prstGeom>
+          <a:noFill/>
+        </p:spPr>
+        <p:txBody>
+          <a:bodyPr wrap="none" rtlCol="0">
+            <a:spAutoFit/>
+          </a:bodyPr>
+          <a:lstStyle/>
+          <a:p>
+            <a:r>
+              <a:rPr lang="en-US" dirty="0"/>
+              <a:t>Range from –(infinity) to +(infinity) </a:t>
+            </a:r>
+          </a:p>
+        </p:txBody>
+      </p:sp>
+      <p:sp>
+        <p:nvSpPr>
+          <p:cNvPr id="11" name="TextBox 10">
+            <a:extLst>
+              <a:ext uri="{FF2B5EF4-FFF2-40B4-BE49-F238E27FC236}">
+                <a16:creationId xmlns:a16="http://schemas.microsoft.com/office/drawing/2014/main" id="{1A3C1FC5-9F64-4A84-B7A6-D0C146FCFF59}"/>
+              </a:ext>
+            </a:extLst>
+          </p:cNvPr>
+          <p:cNvSpPr txBox="1"/>
+          <p:nvPr/>
+        </p:nvSpPr>
+        <p:spPr>
+          <a:xfrm>
+            <a:off x="5946855" y="3268491"/>
+            <a:ext cx="3781869" cy="369332"/>
+          </a:xfrm>
+          <a:prstGeom prst="rect">
+            <a:avLst/>
+          </a:prstGeom>
+          <a:noFill/>
+        </p:spPr>
+        <p:txBody>
+          <a:bodyPr wrap="none" rtlCol="0">
+            <a:spAutoFit/>
+          </a:bodyPr>
+          <a:lstStyle/>
+          <a:p>
+            <a:r>
+              <a:rPr lang="en-US" dirty="0"/>
+              <a:t>In Logistic Equation Range from 0 to 1 </a:t>
+            </a:r>
+          </a:p>
+        </p:txBody>
+      </p:sp>
+      <p:sp>
+        <p:nvSpPr>
+          <p:cNvPr id="12" name="TextBox 11">
+            <a:extLst>
+              <a:ext uri="{FF2B5EF4-FFF2-40B4-BE49-F238E27FC236}">
+                <a16:creationId xmlns:a16="http://schemas.microsoft.com/office/drawing/2014/main" id="{AD013F8B-88A2-4C14-8810-D839D36E470B}"/>
+              </a:ext>
+            </a:extLst>
+          </p:cNvPr>
+          <p:cNvSpPr txBox="1"/>
+          <p:nvPr/>
+        </p:nvSpPr>
+        <p:spPr>
+          <a:xfrm>
+            <a:off x="716604" y="3868373"/>
+            <a:ext cx="5849165" cy="400110"/>
+          </a:xfrm>
+          <a:prstGeom prst="rect">
+            <a:avLst/>
+          </a:prstGeom>
+          <a:noFill/>
+        </p:spPr>
+        <p:txBody>
+          <a:bodyPr wrap="none" rtlCol="0">
+            <a:spAutoFit/>
+          </a:bodyPr>
+          <a:lstStyle/>
+          <a:p>
+            <a:r>
+              <a:rPr lang="en-US" sz="2000" dirty="0"/>
+              <a:t>To get the range of Y between 0 and infinity, we define</a:t>
+            </a:r>
+          </a:p>
+        </p:txBody>
+      </p:sp>
+      <p:sp>
+        <p:nvSpPr>
+          <p:cNvPr id="13" name="TextBox 12">
+            <a:extLst>
+              <a:ext uri="{FF2B5EF4-FFF2-40B4-BE49-F238E27FC236}">
+                <a16:creationId xmlns:a16="http://schemas.microsoft.com/office/drawing/2014/main" id="{A3CB071C-EDA5-4B42-AACA-878EA9FD82D7}"/>
+              </a:ext>
+            </a:extLst>
+          </p:cNvPr>
+          <p:cNvSpPr txBox="1"/>
+          <p:nvPr/>
+        </p:nvSpPr>
+        <p:spPr>
+          <a:xfrm>
+            <a:off x="1424466" y="4497434"/>
+            <a:ext cx="2647135" cy="923330"/>
+          </a:xfrm>
+          <a:prstGeom prst="rect">
+            <a:avLst/>
+          </a:prstGeom>
+          <a:noFill/>
+        </p:spPr>
+        <p:txBody>
+          <a:bodyPr wrap="none" rtlCol="0">
+            <a:spAutoFit/>
+          </a:bodyPr>
+          <a:lstStyle/>
+          <a:p>
+            <a:r>
+              <a:rPr lang="en-US" dirty="0"/>
+              <a:t>Y / (1-Y)</a:t>
+            </a:r>
+          </a:p>
+          <a:p>
+            <a:r>
+              <a:rPr lang="en-US" dirty="0"/>
+              <a:t>Where, 	Y=0 then 0</a:t>
+            </a:r>
+          </a:p>
+          <a:p>
+            <a:r>
+              <a:rPr lang="en-US" dirty="0"/>
+              <a:t>	Y=1 then infinity</a:t>
+            </a:r>
+          </a:p>
+        </p:txBody>
+      </p:sp>
+      <p:sp>
+        <p:nvSpPr>
+          <p:cNvPr id="14" name="TextBox 13">
+            <a:extLst>
+              <a:ext uri="{FF2B5EF4-FFF2-40B4-BE49-F238E27FC236}">
+                <a16:creationId xmlns:a16="http://schemas.microsoft.com/office/drawing/2014/main" id="{429BCA53-D241-4002-A831-7A24B2491475}"/>
+              </a:ext>
+            </a:extLst>
+          </p:cNvPr>
+          <p:cNvSpPr txBox="1"/>
+          <p:nvPr/>
+        </p:nvSpPr>
+        <p:spPr>
+          <a:xfrm>
+            <a:off x="716604" y="5327415"/>
+            <a:ext cx="7336239" cy="400110"/>
+          </a:xfrm>
+          <a:prstGeom prst="rect">
+            <a:avLst/>
+          </a:prstGeom>
+          <a:noFill/>
+        </p:spPr>
+        <p:txBody>
+          <a:bodyPr wrap="none" rtlCol="0">
+            <a:spAutoFit/>
+          </a:bodyPr>
+          <a:lstStyle/>
+          <a:p>
+            <a:r>
+              <a:rPr lang="en-US" sz="2000" dirty="0"/>
+              <a:t>Transform it further, and get range between –(infinity) and +(infinity)</a:t>
+            </a:r>
+          </a:p>
+        </p:txBody>
+      </p:sp>
+      <p:sp>
+        <p:nvSpPr>
+          <p:cNvPr id="15" name="TextBox 14">
+            <a:extLst>
+              <a:ext uri="{FF2B5EF4-FFF2-40B4-BE49-F238E27FC236}">
+                <a16:creationId xmlns:a16="http://schemas.microsoft.com/office/drawing/2014/main" id="{CC928E60-06F8-46B3-93F1-72B7BBE85512}"/>
+              </a:ext>
+            </a:extLst>
+          </p:cNvPr>
+          <p:cNvSpPr txBox="1"/>
+          <p:nvPr/>
+        </p:nvSpPr>
+        <p:spPr>
+          <a:xfrm>
+            <a:off x="1400783" y="5851274"/>
+            <a:ext cx="3681136" cy="369332"/>
+          </a:xfrm>
+          <a:prstGeom prst="rect">
+            <a:avLst/>
+          </a:prstGeom>
+          <a:noFill/>
+        </p:spPr>
+        <p:txBody>
+          <a:bodyPr wrap="none" rtlCol="0">
+            <a:spAutoFit/>
+          </a:bodyPr>
+          <a:lstStyle/>
+          <a:p>
+            <a:r>
+              <a:rPr lang="en-US" dirty="0"/>
+              <a:t>Log(Y/(1-Y) =&gt; Y= C+ B1X1 + B2X2 + …</a:t>
+            </a:r>
+          </a:p>
+        </p:txBody>
+      </p:sp>
+      <p:sp>
+        <p:nvSpPr>
+          <p:cNvPr id="16" name="TextBox 15">
+            <a:extLst>
+              <a:ext uri="{FF2B5EF4-FFF2-40B4-BE49-F238E27FC236}">
+                <a16:creationId xmlns:a16="http://schemas.microsoft.com/office/drawing/2014/main" id="{35C4E0F1-56D2-46D2-9A00-353A9EC6F807}"/>
+              </a:ext>
+            </a:extLst>
+          </p:cNvPr>
+          <p:cNvSpPr txBox="1"/>
+          <p:nvPr/>
+        </p:nvSpPr>
+        <p:spPr>
+          <a:xfrm>
+            <a:off x="5946855" y="4510398"/>
+            <a:ext cx="2448491" cy="369332"/>
+          </a:xfrm>
+          <a:prstGeom prst="rect">
+            <a:avLst/>
+          </a:prstGeom>
+          <a:noFill/>
+        </p:spPr>
+        <p:txBody>
+          <a:bodyPr wrap="none" rtlCol="0">
+            <a:spAutoFit/>
+          </a:bodyPr>
+          <a:lstStyle/>
+          <a:p>
+            <a:r>
+              <a:rPr lang="en-US" dirty="0"/>
+              <a:t>Range from 0  to infinity</a:t>
+            </a:r>
+          </a:p>
+        </p:txBody>
+      </p:sp>
+      <p:sp>
+        <p:nvSpPr>
+          <p:cNvPr id="17" name="TextBox 16">
+            <a:extLst>
+              <a:ext uri="{FF2B5EF4-FFF2-40B4-BE49-F238E27FC236}">
+                <a16:creationId xmlns:a16="http://schemas.microsoft.com/office/drawing/2014/main" id="{A6FD6E4C-2912-4255-B02F-747E3F9C5A09}"/>
+              </a:ext>
+            </a:extLst>
+          </p:cNvPr>
+          <p:cNvSpPr txBox="1"/>
+          <p:nvPr/>
+        </p:nvSpPr>
+        <p:spPr>
+          <a:xfrm>
+            <a:off x="6011703" y="5911175"/>
+            <a:ext cx="2835328" cy="369332"/>
+          </a:xfrm>
+          <a:prstGeom prst="rect">
+            <a:avLst/>
+          </a:prstGeom>
+          <a:noFill/>
+        </p:spPr>
+        <p:txBody>
+          <a:bodyPr wrap="none" rtlCol="0">
+            <a:spAutoFit/>
+          </a:bodyPr>
+          <a:lstStyle/>
+          <a:p>
+            <a:r>
+              <a:rPr lang="en-US" dirty="0"/>
+              <a:t>Logistic Regression Equation</a:t>
+            </a:r>
+          </a:p>
+        </p:txBody>
+      </p:sp>
     </p:spTree>
     <p:extLst>
       <p:ext uri="{BB962C8B-B14F-4D97-AF65-F5344CB8AC3E}">
-        <p14:creationId xmlns:p14="http://schemas.microsoft.com/office/powerpoint/2010/main" val="2618803147"/>
+        <p14:creationId xmlns:p14="http://schemas.microsoft.com/office/powerpoint/2010/main" val="76323362"/>
       </p:ext>
     </p:extLst>
   </p:cSld>
@@ -10646,7 +10363,7 @@
 </p:sld>
 </file>
 
-<file path=ppt/slides/slide30.xml><?xml version="1.0" encoding="utf-8"?>
+<file path=ppt/slides/slide31.xml><?xml version="1.0" encoding="utf-8"?>
 <p:sld xmlns:a="http://schemas.openxmlformats.org/drawingml/2006/main" xmlns:r="http://schemas.openxmlformats.org/officeDocument/2006/relationships" xmlns:p="http://schemas.openxmlformats.org/presentationml/2006/main">
   <p:cSld>
     <p:spTree>
@@ -11052,157 +10769,6 @@
 </p:sld>
 </file>
 
-<file path=ppt/slides/slide31.xml><?xml version="1.0" encoding="utf-8"?>
-<p:sld xmlns:a="http://schemas.openxmlformats.org/drawingml/2006/main" xmlns:r="http://schemas.openxmlformats.org/officeDocument/2006/relationships" xmlns:p="http://schemas.openxmlformats.org/presentationml/2006/main">
-  <p:cSld>
-    <p:spTree>
-      <p:nvGrpSpPr>
-        <p:cNvPr id="1" name=""/>
-        <p:cNvGrpSpPr/>
-        <p:nvPr/>
-      </p:nvGrpSpPr>
-      <p:grpSpPr>
-        <a:xfrm>
-          <a:off x="0" y="0"/>
-          <a:ext cx="0" cy="0"/>
-          <a:chOff x="0" y="0"/>
-          <a:chExt cx="0" cy="0"/>
-        </a:xfrm>
-      </p:grpSpPr>
-      <p:sp>
-        <p:nvSpPr>
-          <p:cNvPr id="3" name="Subtitle 2"/>
-          <p:cNvSpPr>
-            <a:spLocks noGrp="1"/>
-          </p:cNvSpPr>
-          <p:nvPr>
-            <p:ph type="subTitle" idx="1"/>
-          </p:nvPr>
-        </p:nvSpPr>
-        <p:spPr>
-          <a:xfrm>
-            <a:off x="476655" y="815294"/>
-            <a:ext cx="11420273" cy="5601547"/>
-          </a:xfrm>
-        </p:spPr>
-        <p:txBody>
-          <a:bodyPr>
-            <a:normAutofit/>
-          </a:bodyPr>
-          <a:lstStyle/>
-          <a:p>
-            <a:pPr algn="l"/>
-            <a:r>
-              <a:rPr lang="en-US" sz="2900" dirty="0"/>
-              <a:t>Weather forecast (yes or no) vs Linear Regression (what temperatures)</a:t>
-            </a:r>
-          </a:p>
-          <a:p>
-            <a:pPr algn="l"/>
-            <a:r>
-              <a:rPr lang="en-US" sz="2900" dirty="0"/>
-              <a:t>Classification problem </a:t>
-            </a:r>
-          </a:p>
-          <a:p>
-            <a:pPr algn="l"/>
-            <a:r>
-              <a:rPr lang="en-US" sz="2900" dirty="0"/>
-              <a:t>	Vertebrates (a bird, or a cat)</a:t>
-            </a:r>
-          </a:p>
-          <a:p>
-            <a:pPr algn="l"/>
-            <a:r>
-              <a:rPr lang="en-US" sz="2900" dirty="0"/>
-              <a:t>	Determines Illness (based on the bio-data)</a:t>
-            </a:r>
-          </a:p>
-          <a:p>
-            <a:pPr algn="l"/>
-            <a:endParaRPr lang="en-US" sz="2900"/>
-          </a:p>
-          <a:p>
-            <a:pPr algn="l"/>
-            <a:r>
-              <a:rPr lang="en-US" sz="2900"/>
-              <a:t>Practices</a:t>
-            </a:r>
-            <a:r>
-              <a:rPr lang="en-US" sz="2900" dirty="0"/>
-              <a:t>: </a:t>
-            </a:r>
-          </a:p>
-          <a:p>
-            <a:pPr algn="l"/>
-            <a:r>
-              <a:rPr lang="en-US" sz="2900" dirty="0"/>
-              <a:t>	Explore titanic dataset and explore about the people, both those who survived and those who did not. With today’s technology, answering questions through data analysis is now easier than ever: </a:t>
-            </a:r>
-          </a:p>
-          <a:p>
-            <a:pPr algn="l"/>
-            <a:r>
-              <a:rPr lang="en-US" b="1" dirty="0"/>
-              <a:t>	what factors made people more likely survive the sinking of the Titanic</a:t>
-            </a:r>
-            <a:r>
-              <a:rPr lang="en-US" dirty="0"/>
-              <a:t>?</a:t>
-            </a:r>
-          </a:p>
-          <a:p>
-            <a:pPr algn="l"/>
-            <a:endParaRPr lang="en-US" sz="2900" dirty="0"/>
-          </a:p>
-          <a:p>
-            <a:pPr algn="l"/>
-            <a:endParaRPr lang="en-US" sz="2900" dirty="0"/>
-          </a:p>
-        </p:txBody>
-      </p:sp>
-      <p:sp>
-        <p:nvSpPr>
-          <p:cNvPr id="5" name="TextBox 4"/>
-          <p:cNvSpPr txBox="1"/>
-          <p:nvPr/>
-        </p:nvSpPr>
-        <p:spPr>
-          <a:xfrm>
-            <a:off x="254568" y="147547"/>
-            <a:ext cx="10968760" cy="584775"/>
-          </a:xfrm>
-          <a:prstGeom prst="rect">
-            <a:avLst/>
-          </a:prstGeom>
-          <a:noFill/>
-        </p:spPr>
-        <p:txBody>
-          <a:bodyPr wrap="square" rtlCol="0">
-            <a:spAutoFit/>
-          </a:bodyPr>
-          <a:lstStyle/>
-          <a:p>
-            <a:r>
-              <a:rPr lang="en-US" sz="3200" dirty="0"/>
-              <a:t>Class-3: Logistic Regression Use Cases</a:t>
-            </a:r>
-          </a:p>
-        </p:txBody>
-      </p:sp>
-    </p:spTree>
-    <p:extLst>
-      <p:ext uri="{BB962C8B-B14F-4D97-AF65-F5344CB8AC3E}">
-        <p14:creationId xmlns:p14="http://schemas.microsoft.com/office/powerpoint/2010/main" val="1897691093"/>
-      </p:ext>
-    </p:extLst>
-  </p:cSld>
-  <p:clrMapOvr>
-    <a:masterClrMapping/>
-  </p:clrMapOvr>
-</p:sld>
-</file>
-
 <file path=ppt/slides/slide32.xml><?xml version="1.0" encoding="utf-8"?>
 <p:sld xmlns:a="http://schemas.openxmlformats.org/drawingml/2006/main" xmlns:r="http://schemas.openxmlformats.org/officeDocument/2006/relationships" xmlns:p="http://schemas.openxmlformats.org/presentationml/2006/main">
   <p:cSld>
@@ -11232,8 +10798,8 @@
         </p:nvSpPr>
         <p:spPr>
           <a:xfrm>
-            <a:off x="1166948" y="815294"/>
-            <a:ext cx="9144000" cy="5498419"/>
+            <a:off x="476655" y="815294"/>
+            <a:ext cx="11420273" cy="5601547"/>
           </a:xfrm>
         </p:spPr>
         <p:txBody>
@@ -11242,25 +10808,73 @@
           </a:bodyPr>
           <a:lstStyle/>
           <a:p>
-            <a:pPr marL="457200" indent="-457200" algn="l">
-              <a:buFont typeface="Arial" panose="020B0604020202020204" pitchFamily="34" charset="0"/>
-              <a:buChar char="•"/>
-            </a:pPr>
-            <a:r>
-              <a:rPr lang="en-US" sz="3300" dirty="0"/>
-              <a:t>Explain</a:t>
-            </a:r>
-          </a:p>
-          <a:p>
-            <a:pPr marL="457200" indent="-457200" algn="l">
-              <a:buFont typeface="Arial" panose="020B0604020202020204" pitchFamily="34" charset="0"/>
-              <a:buChar char="•"/>
-            </a:pPr>
-            <a:r>
-              <a:rPr lang="en-US" sz="3300"/>
-              <a:t>Practice </a:t>
-            </a:r>
-            <a:endParaRPr lang="en-US" sz="3300" dirty="0"/>
+            <a:pPr algn="l"/>
+            <a:r>
+              <a:rPr lang="en-US" sz="2900" dirty="0"/>
+              <a:t>Weather forecast (yes or no) vs Linear Regression (what temperatures)</a:t>
+            </a:r>
+          </a:p>
+          <a:p>
+            <a:pPr algn="l"/>
+            <a:r>
+              <a:rPr lang="en-US" sz="2900" dirty="0"/>
+              <a:t>Classification problem </a:t>
+            </a:r>
+          </a:p>
+          <a:p>
+            <a:pPr algn="l"/>
+            <a:r>
+              <a:rPr lang="en-US" sz="2900" dirty="0"/>
+              <a:t>	Vertebrates (a bird, or a cat)</a:t>
+            </a:r>
+          </a:p>
+          <a:p>
+            <a:pPr algn="l"/>
+            <a:r>
+              <a:rPr lang="en-US" sz="2900" dirty="0"/>
+              <a:t>	Determines Illness (based on the bio-data)</a:t>
+            </a:r>
+          </a:p>
+          <a:p>
+            <a:pPr algn="l"/>
+            <a:endParaRPr lang="en-US" sz="2900"/>
+          </a:p>
+          <a:p>
+            <a:pPr algn="l"/>
+            <a:r>
+              <a:rPr lang="en-US" sz="2900"/>
+              <a:t>Practices</a:t>
+            </a:r>
+            <a:r>
+              <a:rPr lang="en-US" sz="2900" dirty="0"/>
+              <a:t>: </a:t>
+            </a:r>
+          </a:p>
+          <a:p>
+            <a:pPr algn="l"/>
+            <a:r>
+              <a:rPr lang="en-US" sz="2900" dirty="0"/>
+              <a:t>	Explore titanic dataset and explore about the people, both those who survived and those who did not. With today’s technology, answering questions through data analysis is now easier than ever: </a:t>
+            </a:r>
+          </a:p>
+          <a:p>
+            <a:pPr algn="l"/>
+            <a:r>
+              <a:rPr lang="en-US" b="1" dirty="0"/>
+              <a:t>	what factors made people more likely survive the sinking of the Titanic</a:t>
+            </a:r>
+            <a:r>
+              <a:rPr lang="en-US" dirty="0"/>
+              <a:t>?</a:t>
+            </a:r>
+          </a:p>
+          <a:p>
+            <a:pPr algn="l"/>
+            <a:endParaRPr lang="en-US" sz="2900" dirty="0"/>
+          </a:p>
+          <a:p>
+            <a:pPr algn="l"/>
+            <a:endParaRPr lang="en-US" sz="2900" dirty="0"/>
           </a:p>
         </p:txBody>
       </p:sp>
@@ -11288,7 +10902,7 @@
           <a:p>
             <a:r>
               <a:rPr lang="en-US" sz="3200" dirty="0"/>
-              <a:t>Class-3: Supervised Learning Algorithms – Random Forest</a:t>
+              <a:t>Class-3: Logistic Regression Use Cases</a:t>
             </a:r>
           </a:p>
         </p:txBody>
@@ -11296,7 +10910,7 @@
     </p:spTree>
     <p:extLst>
       <p:ext uri="{BB962C8B-B14F-4D97-AF65-F5344CB8AC3E}">
-        <p14:creationId xmlns:p14="http://schemas.microsoft.com/office/powerpoint/2010/main" val="2209680589"/>
+        <p14:creationId xmlns:p14="http://schemas.microsoft.com/office/powerpoint/2010/main" val="1897691093"/>
       </p:ext>
     </p:extLst>
   </p:cSld>
@@ -11341,125 +10955,35 @@
         </p:spPr>
         <p:txBody>
           <a:bodyPr>
-            <a:normAutofit fontScale="32500" lnSpcReduction="20000"/>
+            <a:normAutofit/>
           </a:bodyPr>
           <a:lstStyle/>
           <a:p>
-            <a:pPr algn="l"/>
-            <a:r>
-              <a:rPr lang="en-US" sz="6200" dirty="0"/>
-              <a:t>Random Forest </a:t>
-            </a:r>
-          </a:p>
-          <a:p>
-            <a:pPr algn="l"/>
-            <a:r>
-              <a:rPr lang="en-US" sz="6200" dirty="0"/>
-              <a:t>Random Forest Use-Cases </a:t>
-            </a:r>
-          </a:p>
-          <a:p>
-            <a:pPr algn="l"/>
-            <a:r>
-              <a:rPr lang="en-US" sz="6200" dirty="0"/>
-              <a:t>Random Forest Algorithm </a:t>
-            </a:r>
-          </a:p>
-          <a:p>
-            <a:pPr algn="l"/>
-            <a:r>
-              <a:rPr lang="en-US" sz="6200" dirty="0"/>
-              <a:t>KNN Algorithm </a:t>
-            </a:r>
-          </a:p>
-          <a:p>
-            <a:pPr algn="l"/>
-            <a:r>
-              <a:rPr lang="en-US" sz="6200" dirty="0"/>
-              <a:t>KNN Algorithm Working </a:t>
-            </a:r>
-          </a:p>
-          <a:p>
-            <a:pPr algn="l"/>
-            <a:r>
-              <a:rPr lang="en-US" sz="6200" dirty="0"/>
-              <a:t>KNN Demo </a:t>
-            </a:r>
-          </a:p>
-          <a:p>
-            <a:pPr algn="l"/>
-            <a:r>
-              <a:rPr lang="en-US" sz="6200" dirty="0"/>
-              <a:t>Naive Bayes </a:t>
-            </a:r>
-          </a:p>
-          <a:p>
-            <a:pPr algn="l"/>
-            <a:r>
-              <a:rPr lang="en-US" sz="6200" dirty="0"/>
-              <a:t>Naive Bayes Working </a:t>
-            </a:r>
-          </a:p>
-          <a:p>
-            <a:pPr algn="l"/>
-            <a:r>
-              <a:rPr lang="en-US" sz="6200" dirty="0"/>
-              <a:t>Industrial Use of Naive Bayes </a:t>
-            </a:r>
-          </a:p>
-          <a:p>
-            <a:pPr algn="l"/>
-            <a:r>
-              <a:rPr lang="en-US" sz="6200" dirty="0"/>
-              <a:t>Types of Naive Bayes </a:t>
-            </a:r>
-          </a:p>
-          <a:p>
-            <a:pPr algn="l"/>
-            <a:r>
-              <a:rPr lang="en-US" sz="6200" dirty="0"/>
-              <a:t>Steps involved in Naive Bayes </a:t>
-            </a:r>
-          </a:p>
-          <a:p>
-            <a:pPr algn="l"/>
-            <a:r>
-              <a:rPr lang="en-US" sz="6200" dirty="0"/>
-              <a:t>PIMA Diabetic Test Use Case </a:t>
-            </a:r>
-          </a:p>
-          <a:p>
-            <a:pPr algn="l"/>
-            <a:r>
-              <a:rPr lang="en-US" sz="6200" dirty="0"/>
-              <a:t>Support Vector Machine </a:t>
-            </a:r>
-          </a:p>
-          <a:p>
-            <a:pPr algn="l"/>
-            <a:r>
-              <a:rPr lang="en-US" sz="6200" dirty="0"/>
-              <a:t>Non-Linear SVM </a:t>
-            </a:r>
-          </a:p>
-          <a:p>
-            <a:pPr algn="l"/>
-            <a:r>
-              <a:rPr lang="en-US" sz="6200" dirty="0"/>
-              <a:t>SVM Use-case </a:t>
-            </a:r>
-          </a:p>
-        </p:txBody>
-      </p:sp>
-      <p:sp>
-        <p:nvSpPr>
-          <p:cNvPr id="5" name="TextBox 4">
-            <a:extLst>
-              <a:ext uri="{FF2B5EF4-FFF2-40B4-BE49-F238E27FC236}">
-                <a16:creationId xmlns:a16="http://schemas.microsoft.com/office/drawing/2014/main" id="{F078F554-9BF3-48C4-9F21-630DF533722F}"/>
-              </a:ext>
-            </a:extLst>
-          </p:cNvPr>
+            <a:pPr marL="457200" indent="-457200" algn="l">
+              <a:buFont typeface="Arial" panose="020B0604020202020204" pitchFamily="34" charset="0"/>
+              <a:buChar char="•"/>
+            </a:pPr>
+            <a:r>
+              <a:rPr lang="en-US" sz="3300" dirty="0"/>
+              <a:t>Explain</a:t>
+            </a:r>
+          </a:p>
+          <a:p>
+            <a:pPr marL="457200" indent="-457200" algn="l">
+              <a:buFont typeface="Arial" panose="020B0604020202020204" pitchFamily="34" charset="0"/>
+              <a:buChar char="•"/>
+            </a:pPr>
+            <a:r>
+              <a:rPr lang="en-US" sz="3300"/>
+              <a:t>Practice </a:t>
+            </a:r>
+            <a:endParaRPr lang="en-US" sz="3300" dirty="0"/>
+          </a:p>
+        </p:txBody>
+      </p:sp>
+      <p:sp>
+        <p:nvSpPr>
+          <p:cNvPr id="5" name="TextBox 4"/>
           <p:cNvSpPr txBox="1"/>
           <p:nvPr/>
         </p:nvSpPr>
@@ -11481,7 +11005,7 @@
           <a:p>
             <a:r>
               <a:rPr lang="en-US" sz="3200" dirty="0"/>
-              <a:t>Class-3: Supervised Learning Algorithms</a:t>
+              <a:t>Class-3: Supervised Learning Algorithms – Random Forest</a:t>
             </a:r>
           </a:p>
         </p:txBody>
@@ -11489,7 +11013,7 @@
     </p:spTree>
     <p:extLst>
       <p:ext uri="{BB962C8B-B14F-4D97-AF65-F5344CB8AC3E}">
-        <p14:creationId xmlns:p14="http://schemas.microsoft.com/office/powerpoint/2010/main" val="3761855347"/>
+        <p14:creationId xmlns:p14="http://schemas.microsoft.com/office/powerpoint/2010/main" val="2209680589"/>
       </p:ext>
     </p:extLst>
   </p:cSld>
@@ -11534,101 +11058,113 @@
         </p:spPr>
         <p:txBody>
           <a:bodyPr>
-            <a:normAutofit fontScale="47500" lnSpcReduction="20000"/>
+            <a:normAutofit fontScale="32500" lnSpcReduction="20000"/>
           </a:bodyPr>
           <a:lstStyle/>
           <a:p>
             <a:pPr algn="l"/>
             <a:r>
               <a:rPr lang="en-US" sz="6200" dirty="0"/>
-              <a:t>K-Means Clustering &amp; Association Rule Mining </a:t>
-            </a:r>
-          </a:p>
-          <a:p>
-            <a:pPr lvl="1" algn="l"/>
-            <a:r>
-              <a:rPr lang="en-US" sz="5800" dirty="0"/>
-              <a:t>Types of Clustering </a:t>
-            </a:r>
-          </a:p>
-          <a:p>
-            <a:pPr lvl="1" algn="l"/>
-            <a:r>
-              <a:rPr lang="en-US" sz="5800" dirty="0"/>
-              <a:t>K-Means Clustering </a:t>
-            </a:r>
-          </a:p>
-          <a:p>
-            <a:pPr lvl="1" algn="l"/>
-            <a:r>
-              <a:rPr lang="en-US" sz="5800" dirty="0"/>
-              <a:t>K-Means Working </a:t>
-            </a:r>
-          </a:p>
-          <a:p>
-            <a:pPr lvl="1" algn="l"/>
-            <a:r>
-              <a:rPr lang="en-US" sz="5800" dirty="0"/>
-              <a:t>Pros &amp; Cons of K-Means Clustering </a:t>
-            </a:r>
-          </a:p>
-          <a:p>
-            <a:pPr lvl="1" algn="l"/>
-            <a:r>
-              <a:rPr lang="en-US" sz="5800" dirty="0"/>
-              <a:t>K-Means Demo </a:t>
+              <a:t>Random Forest </a:t>
             </a:r>
           </a:p>
           <a:p>
             <a:pPr algn="l"/>
             <a:r>
               <a:rPr lang="en-US" sz="6200" dirty="0"/>
-              <a:t>Hierarchical Clustering </a:t>
-            </a:r>
-          </a:p>
-          <a:p>
-            <a:pPr lvl="1" algn="l"/>
-            <a:r>
-              <a:rPr lang="en-US" sz="5800" dirty="0"/>
-              <a:t>Association Rule Mining </a:t>
-            </a:r>
-          </a:p>
-          <a:p>
-            <a:pPr lvl="1" algn="l"/>
-            <a:r>
-              <a:rPr lang="en-US" sz="5800" dirty="0" err="1"/>
-              <a:t>Apriori</a:t>
-            </a:r>
-            <a:r>
-              <a:rPr lang="en-US" sz="5800" dirty="0"/>
-              <a:t> Algorithm </a:t>
-            </a:r>
-          </a:p>
-          <a:p>
-            <a:pPr lvl="1" algn="l"/>
-            <a:r>
-              <a:rPr lang="en-US" sz="5800" dirty="0" err="1"/>
-              <a:t>Apriori</a:t>
-            </a:r>
-            <a:r>
-              <a:rPr lang="en-US" sz="5800" dirty="0"/>
-              <a:t> Algorithm Demo </a:t>
+              <a:t>Random Forest Use-Cases </a:t>
             </a:r>
           </a:p>
           <a:p>
             <a:pPr algn="l"/>
-            <a:endParaRPr lang="en-US" sz="6200" dirty="0"/>
+            <a:r>
+              <a:rPr lang="en-US" sz="6200" dirty="0"/>
+              <a:t>Random Forest Algorithm </a:t>
+            </a:r>
           </a:p>
           <a:p>
             <a:pPr algn="l"/>
             <a:r>
-              <a:rPr lang="en-US" sz="6600" dirty="0"/>
-              <a:t/>
-            </a:r>
-            <a:br>
-              <a:rPr lang="en-US" sz="6600" dirty="0"/>
-            </a:br>
-            <a:endParaRPr lang="en-US" sz="6600" dirty="0"/>
+              <a:rPr lang="en-US" sz="6200" dirty="0"/>
+              <a:t>KNN Algorithm </a:t>
+            </a:r>
+          </a:p>
+          <a:p>
+            <a:pPr algn="l"/>
+            <a:r>
+              <a:rPr lang="en-US" sz="6200" dirty="0"/>
+              <a:t>KNN Algorithm Working </a:t>
+            </a:r>
+          </a:p>
+          <a:p>
+            <a:pPr algn="l"/>
+            <a:r>
+              <a:rPr lang="en-US" sz="6200" dirty="0"/>
+              <a:t>KNN Demo </a:t>
+            </a:r>
+          </a:p>
+          <a:p>
+            <a:pPr algn="l"/>
+            <a:r>
+              <a:rPr lang="en-US" sz="6200" dirty="0"/>
+              <a:t>Naive Bayes </a:t>
+            </a:r>
+          </a:p>
+          <a:p>
+            <a:pPr algn="l"/>
+            <a:r>
+              <a:rPr lang="en-US" sz="6200" dirty="0"/>
+              <a:t>Naive Bayes Working </a:t>
+            </a:r>
+          </a:p>
+          <a:p>
+            <a:pPr algn="l"/>
+            <a:r>
+              <a:rPr lang="en-US" sz="6200" dirty="0"/>
+              <a:t>Industrial Use of Naive Bayes </a:t>
+            </a:r>
+          </a:p>
+          <a:p>
+            <a:pPr algn="l"/>
+            <a:r>
+              <a:rPr lang="en-US" sz="6200" dirty="0"/>
+              <a:t>Types of Naive Bayes </a:t>
+            </a:r>
+          </a:p>
+          <a:p>
+            <a:pPr algn="l"/>
+            <a:r>
+              <a:rPr lang="en-US" sz="6200" dirty="0"/>
+              <a:t>Steps involved in Naive Bayes </a:t>
+            </a:r>
+          </a:p>
+          <a:p>
+            <a:pPr algn="l"/>
+            <a:r>
+              <a:rPr lang="en-US" sz="6200" dirty="0"/>
+              <a:t>PIMA Diabetic Test Use Case </a:t>
+            </a:r>
+          </a:p>
+          <a:p>
+            <a:pPr algn="l"/>
+            <a:r>
+              <a:rPr lang="en-US" sz="6200" dirty="0"/>
+              <a:t>Support Vector Machine </a:t>
+            </a:r>
+          </a:p>
+          <a:p>
+            <a:pPr algn="l"/>
+            <a:r>
+              <a:rPr lang="en-US" sz="6200" dirty="0"/>
+              <a:t>Non-Linear SVM </a:t>
+            </a:r>
+          </a:p>
+          <a:p>
+            <a:pPr algn="l"/>
+            <a:r>
+              <a:rPr lang="en-US" sz="6200" dirty="0"/>
+              <a:t>SVM Use-case </a:t>
+            </a:r>
           </a:p>
         </p:txBody>
       </p:sp>
@@ -11637,7 +11173,7 @@
           <p:cNvPr id="5" name="TextBox 4">
             <a:extLst>
               <a:ext uri="{FF2B5EF4-FFF2-40B4-BE49-F238E27FC236}">
-                <a16:creationId xmlns:a16="http://schemas.microsoft.com/office/drawing/2014/main" id="{3F9B5E2A-82D8-4F44-B8DD-1CBB90D9EE82}"/>
+                <a16:creationId xmlns:a16="http://schemas.microsoft.com/office/drawing/2014/main" id="{F078F554-9BF3-48C4-9F21-630DF533722F}"/>
               </a:ext>
             </a:extLst>
           </p:cNvPr>
@@ -11662,7 +11198,7 @@
           <a:p>
             <a:r>
               <a:rPr lang="en-US" sz="3200" dirty="0"/>
-              <a:t>Class-3: Unsupervised Learning Algorithms</a:t>
+              <a:t>Class-3: Supervised Learning Algorithms</a:t>
             </a:r>
           </a:p>
         </p:txBody>
@@ -11670,7 +11206,7 @@
     </p:spTree>
     <p:extLst>
       <p:ext uri="{BB962C8B-B14F-4D97-AF65-F5344CB8AC3E}">
-        <p14:creationId xmlns:p14="http://schemas.microsoft.com/office/powerpoint/2010/main" val="1344136077"/>
+        <p14:creationId xmlns:p14="http://schemas.microsoft.com/office/powerpoint/2010/main" val="3761855347"/>
       </p:ext>
     </p:extLst>
   </p:cSld>
@@ -11715,56 +11251,85 @@
         </p:spPr>
         <p:txBody>
           <a:bodyPr>
-            <a:normAutofit fontScale="55000" lnSpcReduction="20000"/>
+            <a:normAutofit fontScale="47500" lnSpcReduction="20000"/>
           </a:bodyPr>
           <a:lstStyle/>
           <a:p>
             <a:pPr algn="l"/>
             <a:r>
               <a:rPr lang="en-US" sz="6200" dirty="0"/>
-              <a:t>Reinforcement Learning </a:t>
+              <a:t>K-Means Clustering &amp; Association Rule Mining </a:t>
+            </a:r>
+          </a:p>
+          <a:p>
+            <a:pPr lvl="1" algn="l"/>
+            <a:r>
+              <a:rPr lang="en-US" sz="5800" dirty="0"/>
+              <a:t>Types of Clustering </a:t>
+            </a:r>
+          </a:p>
+          <a:p>
+            <a:pPr lvl="1" algn="l"/>
+            <a:r>
+              <a:rPr lang="en-US" sz="5800" dirty="0"/>
+              <a:t>K-Means Clustering </a:t>
+            </a:r>
+          </a:p>
+          <a:p>
+            <a:pPr lvl="1" algn="l"/>
+            <a:r>
+              <a:rPr lang="en-US" sz="5800" dirty="0"/>
+              <a:t>K-Means Working </a:t>
+            </a:r>
+          </a:p>
+          <a:p>
+            <a:pPr lvl="1" algn="l"/>
+            <a:r>
+              <a:rPr lang="en-US" sz="5800" dirty="0"/>
+              <a:t>Pros &amp; Cons of K-Means Clustering </a:t>
+            </a:r>
+          </a:p>
+          <a:p>
+            <a:pPr lvl="1" algn="l"/>
+            <a:r>
+              <a:rPr lang="en-US" sz="5800" dirty="0"/>
+              <a:t>K-Means Demo </a:t>
             </a:r>
           </a:p>
           <a:p>
             <a:pPr algn="l"/>
             <a:r>
               <a:rPr lang="en-US" sz="6200" dirty="0"/>
-              <a:t>	Reinforcement Learning: Counter-Strike Example </a:t>
-            </a:r>
-          </a:p>
-          <a:p>
-            <a:pPr algn="l"/>
-            <a:r>
-              <a:rPr lang="en-US" sz="6200" dirty="0"/>
-              <a:t>Markov's Decision Process </a:t>
-            </a:r>
-          </a:p>
-          <a:p>
-            <a:pPr algn="l"/>
-            <a:r>
-              <a:rPr lang="en-US" sz="6200" dirty="0"/>
-              <a:t>Q-Learning </a:t>
-            </a:r>
-          </a:p>
-          <a:p>
-            <a:pPr algn="l"/>
-            <a:r>
-              <a:rPr lang="en-US" sz="6200" dirty="0"/>
-              <a:t>The Bellman Equation </a:t>
-            </a:r>
-          </a:p>
-          <a:p>
-            <a:pPr algn="l"/>
-            <a:r>
-              <a:rPr lang="en-US" sz="6200" dirty="0"/>
-              <a:t>Transitioning to Q-Learning</a:t>
-            </a:r>
-          </a:p>
-          <a:p>
-            <a:pPr algn="l"/>
-            <a:r>
-              <a:rPr lang="en-US" sz="6200" dirty="0"/>
-              <a:t>Implementing Q-Learning </a:t>
+              <a:t>Hierarchical Clustering </a:t>
+            </a:r>
+          </a:p>
+          <a:p>
+            <a:pPr lvl="1" algn="l"/>
+            <a:r>
+              <a:rPr lang="en-US" sz="5800" dirty="0"/>
+              <a:t>Association Rule Mining </a:t>
+            </a:r>
+          </a:p>
+          <a:p>
+            <a:pPr lvl="1" algn="l"/>
+            <a:r>
+              <a:rPr lang="en-US" sz="5800" dirty="0" err="1"/>
+              <a:t>Apriori</a:t>
+            </a:r>
+            <a:r>
+              <a:rPr lang="en-US" sz="5800" dirty="0"/>
+              <a:t> Algorithm </a:t>
+            </a:r>
+          </a:p>
+          <a:p>
+            <a:pPr lvl="1" algn="l"/>
+            <a:r>
+              <a:rPr lang="en-US" sz="5800" dirty="0" err="1"/>
+              <a:t>Apriori</a:t>
+            </a:r>
+            <a:r>
+              <a:rPr lang="en-US" sz="5800" dirty="0"/>
+              <a:t> Algorithm Demo </a:t>
             </a:r>
           </a:p>
           <a:p>
@@ -11773,10 +11338,6 @@
           </a:p>
           <a:p>
             <a:pPr algn="l"/>
-            <a:r>
-              <a:rPr lang="en-US" sz="6600" dirty="0"/>
-              <a:t/>
-            </a:r>
             <a:br>
               <a:rPr lang="en-US" sz="6600" dirty="0"/>
             </a:br>
@@ -11814,7 +11375,7 @@
           <a:p>
             <a:r>
               <a:rPr lang="en-US" sz="3200" dirty="0"/>
-              <a:t>Class-3: Reinforcement Learning Algorithms</a:t>
+              <a:t>Class-3: Unsupervised Learning Algorithms</a:t>
             </a:r>
           </a:p>
         </p:txBody>
@@ -11822,7 +11383,7 @@
     </p:spTree>
     <p:extLst>
       <p:ext uri="{BB962C8B-B14F-4D97-AF65-F5344CB8AC3E}">
-        <p14:creationId xmlns:p14="http://schemas.microsoft.com/office/powerpoint/2010/main" val="48239294"/>
+        <p14:creationId xmlns:p14="http://schemas.microsoft.com/office/powerpoint/2010/main" val="1344136077"/>
       </p:ext>
     </p:extLst>
   </p:cSld>
@@ -11867,32 +11428,87 @@
         </p:spPr>
         <p:txBody>
           <a:bodyPr>
-            <a:normAutofit/>
+            <a:normAutofit fontScale="55000" lnSpcReduction="20000"/>
           </a:bodyPr>
           <a:lstStyle/>
+          <a:p>
+            <a:pPr algn="l"/>
+            <a:r>
+              <a:rPr lang="en-US" sz="6200" dirty="0"/>
+              <a:t>Reinforcement Learning </a:t>
+            </a:r>
+          </a:p>
+          <a:p>
+            <a:pPr algn="l"/>
+            <a:r>
+              <a:rPr lang="en-US" sz="6200" dirty="0"/>
+              <a:t>	Reinforcement Learning: Counter-Strike Example </a:t>
+            </a:r>
+          </a:p>
+          <a:p>
+            <a:pPr algn="l"/>
+            <a:r>
+              <a:rPr lang="en-US" sz="6200" dirty="0"/>
+              <a:t>Markov's Decision Process </a:t>
+            </a:r>
+          </a:p>
+          <a:p>
+            <a:pPr algn="l"/>
+            <a:r>
+              <a:rPr lang="en-US" sz="6200" dirty="0"/>
+              <a:t>Q-Learning </a:t>
+            </a:r>
+          </a:p>
+          <a:p>
+            <a:pPr algn="l"/>
+            <a:r>
+              <a:rPr lang="en-US" sz="6200" dirty="0"/>
+              <a:t>The Bellman Equation </a:t>
+            </a:r>
+          </a:p>
+          <a:p>
+            <a:pPr algn="l"/>
+            <a:r>
+              <a:rPr lang="en-US" sz="6200" dirty="0"/>
+              <a:t>Transitioning to Q-Learning</a:t>
+            </a:r>
+          </a:p>
+          <a:p>
+            <a:pPr algn="l"/>
+            <a:r>
+              <a:rPr lang="en-US" sz="6200" dirty="0"/>
+              <a:t>Implementing Q-Learning </a:t>
+            </a:r>
+          </a:p>
           <a:p>
             <a:pPr algn="l"/>
             <a:endParaRPr lang="en-US" sz="6200" dirty="0"/>
           </a:p>
           <a:p>
             <a:pPr algn="l"/>
-            <a:r>
-              <a:rPr lang="en-US" sz="6200" dirty="0"/>
-              <a:t>Machine Learning Projects </a:t>
-            </a:r>
-          </a:p>
-        </p:txBody>
-      </p:sp>
-      <p:sp>
-        <p:nvSpPr>
-          <p:cNvPr id="4" name="TextBox 3"/>
+            <a:br>
+              <a:rPr lang="en-US" sz="6600" dirty="0"/>
+            </a:br>
+            <a:endParaRPr lang="en-US" sz="6600" dirty="0"/>
+          </a:p>
+        </p:txBody>
+      </p:sp>
+      <p:sp>
+        <p:nvSpPr>
+          <p:cNvPr id="5" name="TextBox 4">
+            <a:extLst>
+              <a:ext uri="{FF2B5EF4-FFF2-40B4-BE49-F238E27FC236}">
+                <a16:creationId xmlns:a16="http://schemas.microsoft.com/office/drawing/2014/main" id="{3F9B5E2A-82D8-4F44-B8DD-1CBB90D9EE82}"/>
+              </a:ext>
+            </a:extLst>
+          </p:cNvPr>
           <p:cNvSpPr txBox="1"/>
           <p:nvPr/>
         </p:nvSpPr>
         <p:spPr>
           <a:xfrm>
-            <a:off x="522514" y="217714"/>
-            <a:ext cx="936154" cy="369332"/>
+            <a:off x="254568" y="147547"/>
+            <a:ext cx="10968760" cy="584775"/>
           </a:xfrm>
           <a:prstGeom prst="rect">
             <a:avLst/>
@@ -11900,14 +11516,14 @@
           <a:noFill/>
         </p:spPr>
         <p:txBody>
-          <a:bodyPr wrap="none" rtlCol="0">
+          <a:bodyPr wrap="square" rtlCol="0">
             <a:spAutoFit/>
           </a:bodyPr>
           <a:lstStyle/>
           <a:p>
             <a:r>
-              <a:rPr lang="en-US" dirty="0"/>
-              <a:t>Content</a:t>
+              <a:rPr lang="en-US" sz="3200" dirty="0"/>
+              <a:t>Class-3: Reinforcement Learning Algorithms</a:t>
             </a:r>
           </a:p>
         </p:txBody>
@@ -11915,7 +11531,7 @@
     </p:spTree>
     <p:extLst>
       <p:ext uri="{BB962C8B-B14F-4D97-AF65-F5344CB8AC3E}">
-        <p14:creationId xmlns:p14="http://schemas.microsoft.com/office/powerpoint/2010/main" val="2764468633"/>
+        <p14:creationId xmlns:p14="http://schemas.microsoft.com/office/powerpoint/2010/main" val="48239294"/>
       </p:ext>
     </p:extLst>
   </p:cSld>
@@ -11954,8 +11570,8 @@
         </p:nvSpPr>
         <p:spPr>
           <a:xfrm>
-            <a:off x="1166948" y="731520"/>
-            <a:ext cx="10059070" cy="5582193"/>
+            <a:off x="1166948" y="815294"/>
+            <a:ext cx="9144000" cy="5498419"/>
           </a:xfrm>
         </p:spPr>
         <p:txBody>
@@ -11964,76 +11580,15 @@
           </a:bodyPr>
           <a:lstStyle/>
           <a:p>
-            <a:pPr marL="742950" indent="-742950" algn="l">
-              <a:buAutoNum type="arabicPeriod"/>
-            </a:pPr>
-            <a:r>
-              <a:rPr lang="en-US" sz="4300" dirty="0"/>
-              <a:t>Analysis -&gt; Strategy -&gt; Tactics =&gt; MOVE</a:t>
-            </a:r>
-          </a:p>
-          <a:p>
-            <a:pPr marL="742950" indent="-742950" algn="l">
-              <a:buAutoNum type="arabicPeriod"/>
-            </a:pPr>
-            <a:r>
-              <a:rPr lang="en-US" sz="4300" dirty="0"/>
-              <a:t>IF-Then rules</a:t>
-            </a:r>
-          </a:p>
-          <a:p>
-            <a:pPr marL="742950" indent="-742950" algn="l">
-              <a:buAutoNum type="arabicPeriod"/>
-            </a:pPr>
-            <a:r>
-              <a:rPr lang="en-US" sz="4300" dirty="0"/>
-              <a:t>Look ahead &amp; evaluate</a:t>
-            </a:r>
-          </a:p>
-          <a:p>
-            <a:pPr lvl="1" algn="l"/>
-            <a:r>
-              <a:rPr lang="en-US" sz="3900" dirty="0"/>
-              <a:t>Static values = g(f1, f2,…,</a:t>
-            </a:r>
-            <a:r>
-              <a:rPr lang="en-US" sz="3900" dirty="0" err="1"/>
-              <a:t>fn</a:t>
-            </a:r>
-            <a:r>
-              <a:rPr lang="en-US" sz="3900" dirty="0"/>
-              <a:t>)</a:t>
-            </a:r>
-          </a:p>
-          <a:p>
-            <a:pPr lvl="1" algn="l"/>
-            <a:r>
-              <a:rPr lang="en-US" sz="3900" dirty="0"/>
-              <a:t>Where g is linear scorning polynomial</a:t>
-            </a:r>
-          </a:p>
-          <a:p>
-            <a:pPr marL="742950" indent="-742950" algn="l">
-              <a:buAutoNum type="arabicPeriod" startAt="4"/>
-            </a:pPr>
-            <a:r>
-              <a:rPr lang="en-US" sz="4300" dirty="0" smtClean="0"/>
-              <a:t>Using British Museum Algorithm</a:t>
-            </a:r>
-          </a:p>
-          <a:p>
-            <a:pPr marL="742950" indent="-742950" algn="l">
-              <a:buAutoNum type="arabicPeriod" startAt="4"/>
-            </a:pPr>
-            <a:r>
-              <a:rPr lang="en-US" sz="4300" dirty="0" smtClean="0"/>
-              <a:t>Look Ahead as far as Possible</a:t>
-            </a:r>
-            <a:endParaRPr lang="en-US" sz="4300" dirty="0"/>
-          </a:p>
-          <a:p>
             <a:pPr algn="l"/>
             <a:endParaRPr lang="en-US" sz="6200" dirty="0"/>
+          </a:p>
+          <a:p>
+            <a:pPr algn="l"/>
+            <a:r>
+              <a:rPr lang="en-US" sz="6200" dirty="0"/>
+              <a:t>Machine Learning Projects </a:t>
+            </a:r>
           </a:p>
         </p:txBody>
       </p:sp>
@@ -12045,8 +11600,8 @@
         </p:nvSpPr>
         <p:spPr>
           <a:xfrm>
-            <a:off x="97000" y="82622"/>
-            <a:ext cx="7397597" cy="923330"/>
+            <a:off x="522514" y="217714"/>
+            <a:ext cx="936154" cy="369332"/>
           </a:xfrm>
           <a:prstGeom prst="rect">
             <a:avLst/>
@@ -12054,25 +11609,22 @@
           <a:noFill/>
         </p:spPr>
         <p:txBody>
-          <a:bodyPr wrap="square" rtlCol="0">
+          <a:bodyPr wrap="none" rtlCol="0">
             <a:spAutoFit/>
           </a:bodyPr>
           <a:lstStyle/>
           <a:p>
             <a:r>
-              <a:rPr lang="en-US" sz="3600" dirty="0"/>
-              <a:t>Chess Play : Deep Blue </a:t>
-            </a:r>
-          </a:p>
-          <a:p>
-            <a:endParaRPr lang="en-US" dirty="0"/>
+              <a:rPr lang="en-US" dirty="0"/>
+              <a:t>Content</a:t>
+            </a:r>
           </a:p>
         </p:txBody>
       </p:sp>
     </p:spTree>
     <p:extLst>
       <p:ext uri="{BB962C8B-B14F-4D97-AF65-F5344CB8AC3E}">
-        <p14:creationId xmlns:p14="http://schemas.microsoft.com/office/powerpoint/2010/main" val="1072615474"/>
+        <p14:creationId xmlns:p14="http://schemas.microsoft.com/office/powerpoint/2010/main" val="2764468633"/>
       </p:ext>
     </p:extLst>
   </p:cSld>
@@ -12111,8 +11663,8 @@
         </p:nvSpPr>
         <p:spPr>
           <a:xfrm>
-            <a:off x="477672" y="731521"/>
-            <a:ext cx="8807355" cy="2898784"/>
+            <a:off x="1166948" y="731520"/>
+            <a:ext cx="10059070" cy="5582193"/>
           </a:xfrm>
         </p:spPr>
         <p:txBody>
@@ -12121,18 +11673,75 @@
           </a:bodyPr>
           <a:lstStyle/>
           <a:p>
+            <a:pPr marL="742950" indent="-742950" algn="l">
+              <a:buAutoNum type="arabicPeriod"/>
+            </a:pPr>
+            <a:r>
+              <a:rPr lang="en-US" sz="4300" dirty="0"/>
+              <a:t>Analysis -&gt; Strategy -&gt; Tactics =&gt; MOVE</a:t>
+            </a:r>
+          </a:p>
+          <a:p>
+            <a:pPr marL="742950" indent="-742950" algn="l">
+              <a:buAutoNum type="arabicPeriod"/>
+            </a:pPr>
+            <a:r>
+              <a:rPr lang="en-US" sz="4300" dirty="0"/>
+              <a:t>IF-Then rules</a:t>
+            </a:r>
+          </a:p>
+          <a:p>
+            <a:pPr marL="742950" indent="-742950" algn="l">
+              <a:buAutoNum type="arabicPeriod"/>
+            </a:pPr>
+            <a:r>
+              <a:rPr lang="en-US" sz="4300" dirty="0"/>
+              <a:t>Look ahead &amp; evaluate</a:t>
+            </a:r>
+          </a:p>
+          <a:p>
+            <a:pPr lvl="1" algn="l"/>
+            <a:r>
+              <a:rPr lang="en-US" sz="3900" dirty="0"/>
+              <a:t>Static values = g(f1, f2,…,</a:t>
+            </a:r>
+            <a:r>
+              <a:rPr lang="en-US" sz="3900" dirty="0" err="1"/>
+              <a:t>fn</a:t>
+            </a:r>
+            <a:r>
+              <a:rPr lang="en-US" sz="3900" dirty="0"/>
+              <a:t>)</a:t>
+            </a:r>
+          </a:p>
+          <a:p>
+            <a:pPr lvl="1" algn="l"/>
+            <a:r>
+              <a:rPr lang="en-US" sz="3900" dirty="0"/>
+              <a:t>Where g is linear scorning polynomial</a:t>
+            </a:r>
+          </a:p>
+          <a:p>
+            <a:pPr marL="742950" indent="-742950" algn="l">
+              <a:buAutoNum type="arabicPeriod" startAt="4"/>
+            </a:pPr>
+            <a:r>
+              <a:rPr lang="en-US" sz="4300" dirty="0"/>
+              <a:t>Using British Museum Algorithm</a:t>
+            </a:r>
+          </a:p>
+          <a:p>
+            <a:pPr marL="742950" indent="-742950" algn="l">
+              <a:buAutoNum type="arabicPeriod" startAt="4"/>
+            </a:pPr>
+            <a:r>
+              <a:rPr lang="en-US" sz="4300" dirty="0"/>
+              <a:t>Look Ahead as far as Possible</a:t>
+            </a:r>
+          </a:p>
+          <a:p>
             <a:pPr algn="l"/>
-            <a:r>
-              <a:rPr lang="en-US" sz="6200" dirty="0" smtClean="0"/>
-              <a:t>Guzman-&gt;Huffman-&gt;Waltz</a:t>
-            </a:r>
-          </a:p>
-          <a:p>
-            <a:pPr algn="l"/>
-            <a:r>
-              <a:rPr lang="en-US" sz="4800" dirty="0" smtClean="0"/>
-              <a:t>The whole world can be presented in these 2 things:</a:t>
-            </a:r>
+            <a:endParaRPr lang="en-US" sz="6200" dirty="0"/>
           </a:p>
         </p:txBody>
       </p:sp>
@@ -12145,7 +11754,7 @@
         <p:spPr>
           <a:xfrm>
             <a:off x="97000" y="82622"/>
-            <a:ext cx="11449006" cy="923330"/>
+            <a:ext cx="7397597" cy="923330"/>
           </a:xfrm>
           <a:prstGeom prst="rect">
             <a:avLst/>
@@ -12159,14 +11768,108 @@
           <a:lstStyle/>
           <a:p>
             <a:r>
-              <a:rPr lang="en-US" sz="3600" dirty="0" smtClean="0"/>
-              <a:t>Constraints: Interpreting Line Drawings</a:t>
-            </a:r>
-            <a:r>
-              <a:rPr lang="en-US" sz="3600" dirty="0" smtClean="0"/>
-              <a:t> </a:t>
-            </a:r>
-            <a:endParaRPr lang="en-US" sz="3600" dirty="0"/>
+              <a:rPr lang="en-US" sz="3600" dirty="0"/>
+              <a:t>Chess Play : Deep Blue </a:t>
+            </a:r>
+          </a:p>
+          <a:p>
+            <a:endParaRPr lang="en-US" dirty="0"/>
+          </a:p>
+        </p:txBody>
+      </p:sp>
+    </p:spTree>
+    <p:extLst>
+      <p:ext uri="{BB962C8B-B14F-4D97-AF65-F5344CB8AC3E}">
+        <p14:creationId xmlns:p14="http://schemas.microsoft.com/office/powerpoint/2010/main" val="1072615474"/>
+      </p:ext>
+    </p:extLst>
+  </p:cSld>
+  <p:clrMapOvr>
+    <a:masterClrMapping/>
+  </p:clrMapOvr>
+</p:sld>
+</file>
+
+<file path=ppt/slides/slide39.xml><?xml version="1.0" encoding="utf-8"?>
+<p:sld xmlns:a="http://schemas.openxmlformats.org/drawingml/2006/main" xmlns:r="http://schemas.openxmlformats.org/officeDocument/2006/relationships" xmlns:p="http://schemas.openxmlformats.org/presentationml/2006/main">
+  <p:cSld>
+    <p:spTree>
+      <p:nvGrpSpPr>
+        <p:cNvPr id="1" name=""/>
+        <p:cNvGrpSpPr/>
+        <p:nvPr/>
+      </p:nvGrpSpPr>
+      <p:grpSpPr>
+        <a:xfrm>
+          <a:off x="0" y="0"/>
+          <a:ext cx="0" cy="0"/>
+          <a:chOff x="0" y="0"/>
+          <a:chExt cx="0" cy="0"/>
+        </a:xfrm>
+      </p:grpSpPr>
+      <p:sp>
+        <p:nvSpPr>
+          <p:cNvPr id="3" name="Subtitle 2"/>
+          <p:cNvSpPr>
+            <a:spLocks noGrp="1"/>
+          </p:cNvSpPr>
+          <p:nvPr>
+            <p:ph type="subTitle" idx="1"/>
+          </p:nvPr>
+        </p:nvSpPr>
+        <p:spPr>
+          <a:xfrm>
+            <a:off x="477672" y="731521"/>
+            <a:ext cx="8807355" cy="2898784"/>
+          </a:xfrm>
+        </p:spPr>
+        <p:txBody>
+          <a:bodyPr>
+            <a:normAutofit/>
+          </a:bodyPr>
+          <a:lstStyle/>
+          <a:p>
+            <a:pPr algn="l"/>
+            <a:r>
+              <a:rPr lang="en-US" sz="6200" dirty="0"/>
+              <a:t>Guzman-&gt;Huffman-&gt;Waltz</a:t>
+            </a:r>
+          </a:p>
+          <a:p>
+            <a:pPr algn="l"/>
+            <a:r>
+              <a:rPr lang="en-US" sz="4800" dirty="0"/>
+              <a:t>The whole world can be presented in these 2 things:</a:t>
+            </a:r>
+          </a:p>
+        </p:txBody>
+      </p:sp>
+      <p:sp>
+        <p:nvSpPr>
+          <p:cNvPr id="4" name="TextBox 3"/>
+          <p:cNvSpPr txBox="1"/>
+          <p:nvPr/>
+        </p:nvSpPr>
+        <p:spPr>
+          <a:xfrm>
+            <a:off x="97000" y="82622"/>
+            <a:ext cx="11449006" cy="923330"/>
+          </a:xfrm>
+          <a:prstGeom prst="rect">
+            <a:avLst/>
+          </a:prstGeom>
+          <a:noFill/>
+        </p:spPr>
+        <p:txBody>
+          <a:bodyPr wrap="square" rtlCol="0">
+            <a:spAutoFit/>
+          </a:bodyPr>
+          <a:lstStyle/>
+          <a:p>
+            <a:r>
+              <a:rPr lang="en-US" sz="3600" dirty="0"/>
+              <a:t>Constraints: Interpreting Line Drawings </a:t>
+            </a:r>
           </a:p>
           <a:p>
             <a:endParaRPr lang="en-US" dirty="0"/>
@@ -12601,7 +12304,7 @@
           <a:p>
             <a:pPr algn="l"/>
             <a:r>
-              <a:rPr lang="en-US" sz="1800" dirty="0" smtClean="0"/>
+              <a:rPr lang="en-US" sz="1800" dirty="0"/>
               <a:t>Assumptions:</a:t>
             </a:r>
           </a:p>
@@ -12610,7 +12313,7 @@
               <a:buAutoNum type="arabicPeriod"/>
             </a:pPr>
             <a:r>
-              <a:rPr lang="en-US" sz="1800" dirty="0" smtClean="0"/>
+              <a:rPr lang="en-US" sz="1800" dirty="0"/>
               <a:t>General Positon</a:t>
             </a:r>
           </a:p>
@@ -12619,22 +12322,21 @@
               <a:buAutoNum type="arabicPeriod"/>
             </a:pPr>
             <a:r>
-              <a:rPr lang="en-US" sz="1800" dirty="0" smtClean="0"/>
+              <a:rPr lang="en-US" sz="1800" dirty="0"/>
               <a:t>Trihedral + </a:t>
             </a:r>
             <a:r>
-              <a:rPr lang="en-US" sz="1800" smtClean="0"/>
+              <a:rPr lang="en-US" sz="1800"/>
               <a:t>3 Faces </a:t>
             </a:r>
-            <a:endParaRPr lang="en-US" sz="1800" dirty="0" smtClean="0"/>
+            <a:endParaRPr lang="en-US" sz="1800" dirty="0"/>
           </a:p>
           <a:p>
             <a:pPr algn="l"/>
             <a:r>
-              <a:rPr lang="en-US" sz="1800" dirty="0" smtClean="0"/>
+              <a:rPr lang="en-US" sz="1800" dirty="0"/>
               <a:t>3.    Convex/Concave/Boundary</a:t>
             </a:r>
-            <a:endParaRPr lang="en-US" sz="1800" dirty="0" smtClean="0"/>
           </a:p>
         </p:txBody>
       </p:sp>
@@ -12660,22 +12362,21 @@
           <a:lstStyle/>
           <a:p>
             <a:r>
-              <a:rPr lang="en-US" dirty="0" smtClean="0"/>
+              <a:rPr lang="en-US" dirty="0"/>
               <a:t>Terminologies:</a:t>
             </a:r>
           </a:p>
           <a:p>
             <a:r>
-              <a:rPr lang="en-US" dirty="0" smtClean="0"/>
+              <a:rPr lang="en-US" dirty="0"/>
               <a:t>Vertexes		Junctions</a:t>
             </a:r>
           </a:p>
           <a:p>
             <a:r>
-              <a:rPr lang="en-US" dirty="0" smtClean="0"/>
+              <a:rPr lang="en-US" dirty="0"/>
               <a:t>Edges		Lines</a:t>
             </a:r>
-            <a:endParaRPr lang="en-US" dirty="0"/>
           </a:p>
         </p:txBody>
       </p:sp>
@@ -12692,7 +12393,538 @@
 </p:sld>
 </file>
 
-<file path=ppt/slides/slide39.xml><?xml version="1.0" encoding="utf-8"?>
+<file path=ppt/slides/slide4.xml><?xml version="1.0" encoding="utf-8"?>
+<p:sld xmlns:a="http://schemas.openxmlformats.org/drawingml/2006/main" xmlns:r="http://schemas.openxmlformats.org/officeDocument/2006/relationships" xmlns:p="http://schemas.openxmlformats.org/presentationml/2006/main">
+  <p:cSld>
+    <p:bg>
+      <p:bgPr>
+        <a:solidFill>
+          <a:schemeClr val="bg1"/>
+        </a:solidFill>
+        <a:effectLst/>
+      </p:bgPr>
+    </p:bg>
+    <p:spTree>
+      <p:nvGrpSpPr>
+        <p:cNvPr id="1" name=""/>
+        <p:cNvGrpSpPr/>
+        <p:nvPr/>
+      </p:nvGrpSpPr>
+      <p:grpSpPr>
+        <a:xfrm>
+          <a:off x="0" y="0"/>
+          <a:ext cx="0" cy="0"/>
+          <a:chOff x="0" y="0"/>
+          <a:chExt cx="0" cy="0"/>
+        </a:xfrm>
+      </p:grpSpPr>
+      <p:sp>
+        <p:nvSpPr>
+          <p:cNvPr id="4" name="TextBox 3"/>
+          <p:cNvSpPr txBox="1"/>
+          <p:nvPr/>
+        </p:nvSpPr>
+        <p:spPr>
+          <a:xfrm>
+            <a:off x="648929" y="629266"/>
+            <a:ext cx="3651467" cy="1676603"/>
+          </a:xfrm>
+          <a:prstGeom prst="rect">
+            <a:avLst/>
+          </a:prstGeom>
+        </p:spPr>
+        <p:txBody>
+          <a:bodyPr vert="horz" lIns="91440" tIns="45720" rIns="91440" bIns="45720" rtlCol="0" anchor="ctr">
+            <a:normAutofit/>
+          </a:bodyPr>
+          <a:lstStyle/>
+          <a:p>
+            <a:pPr>
+              <a:lnSpc>
+                <a:spcPct val="90000"/>
+              </a:lnSpc>
+              <a:spcBef>
+                <a:spcPct val="0"/>
+              </a:spcBef>
+              <a:spcAft>
+                <a:spcPts val="600"/>
+              </a:spcAft>
+            </a:pPr>
+            <a:r>
+              <a:rPr lang="en-US" sz="3700" dirty="0">
+                <a:latin typeface="+mj-lt"/>
+                <a:ea typeface="+mj-ea"/>
+                <a:cs typeface="+mj-cs"/>
+              </a:rPr>
+              <a:t>Class-1: AI vs ML vs Deep Learning</a:t>
+            </a:r>
+          </a:p>
+          <a:p>
+            <a:pPr>
+              <a:lnSpc>
+                <a:spcPct val="90000"/>
+              </a:lnSpc>
+              <a:spcBef>
+                <a:spcPct val="0"/>
+              </a:spcBef>
+              <a:spcAft>
+                <a:spcPts val="600"/>
+              </a:spcAft>
+            </a:pPr>
+            <a:endParaRPr lang="en-US" sz="3700" dirty="0">
+              <a:latin typeface="+mj-lt"/>
+              <a:ea typeface="+mj-ea"/>
+              <a:cs typeface="+mj-cs"/>
+            </a:endParaRPr>
+          </a:p>
+        </p:txBody>
+      </p:sp>
+      <p:sp>
+        <p:nvSpPr>
+          <p:cNvPr id="3" name="Subtitle 2"/>
+          <p:cNvSpPr>
+            <a:spLocks noGrp="1"/>
+          </p:cNvSpPr>
+          <p:nvPr>
+            <p:ph type="subTitle" idx="1"/>
+          </p:nvPr>
+        </p:nvSpPr>
+        <p:spPr>
+          <a:xfrm>
+            <a:off x="648929" y="3731998"/>
+            <a:ext cx="5299383" cy="2714920"/>
+          </a:xfrm>
+        </p:spPr>
+        <p:txBody>
+          <a:bodyPr vert="horz" lIns="91440" tIns="45720" rIns="91440" bIns="45720" rtlCol="0">
+            <a:normAutofit/>
+          </a:bodyPr>
+          <a:lstStyle/>
+          <a:p>
+            <a:pPr algn="l"/>
+            <a:r>
+              <a:rPr lang="en-US" sz="1800" dirty="0"/>
+              <a:t>1950s-1970s - AI</a:t>
+            </a:r>
+          </a:p>
+          <a:p>
+            <a:pPr indent="-228600" algn="l">
+              <a:buFont typeface="Arial" panose="020B0604020202020204" pitchFamily="34" charset="0"/>
+              <a:buChar char="•"/>
+            </a:pPr>
+            <a:r>
+              <a:rPr lang="en-US" sz="1800" dirty="0"/>
+              <a:t>Example of AI</a:t>
+            </a:r>
+          </a:p>
+          <a:p>
+            <a:pPr algn="l"/>
+            <a:r>
+              <a:rPr lang="en-US" sz="1800" dirty="0"/>
+              <a:t>1980s – 1990s - ML</a:t>
+            </a:r>
+          </a:p>
+          <a:p>
+            <a:pPr indent="-228600" algn="l">
+              <a:buFont typeface="Arial" panose="020B0604020202020204" pitchFamily="34" charset="0"/>
+              <a:buChar char="•"/>
+            </a:pPr>
+            <a:r>
+              <a:rPr lang="en-US" sz="1800" dirty="0"/>
+              <a:t>Example of ML (“Expert” System)</a:t>
+            </a:r>
+          </a:p>
+          <a:p>
+            <a:pPr algn="l"/>
+            <a:r>
+              <a:rPr lang="en-US" sz="1800" dirty="0"/>
+              <a:t>2000s -2010s – DL - ANN</a:t>
+            </a:r>
+          </a:p>
+          <a:p>
+            <a:pPr indent="-228600" algn="l">
+              <a:buFont typeface="Arial" panose="020B0604020202020204" pitchFamily="34" charset="0"/>
+              <a:buChar char="•"/>
+            </a:pPr>
+            <a:r>
+              <a:rPr lang="en-US" sz="1800" dirty="0"/>
+              <a:t>Artificial/Deep Neural Network </a:t>
+            </a:r>
+          </a:p>
+          <a:p>
+            <a:pPr indent="-228600" algn="l">
+              <a:buFont typeface="Arial" panose="020B0604020202020204" pitchFamily="34" charset="0"/>
+              <a:buChar char="•"/>
+            </a:pPr>
+            <a:r>
+              <a:rPr lang="en-US" sz="1800" dirty="0"/>
+              <a:t>Example of Deep Learning</a:t>
+            </a:r>
+          </a:p>
+          <a:p>
+            <a:pPr algn="l"/>
+            <a:endParaRPr lang="en-US" sz="1800" dirty="0"/>
+          </a:p>
+          <a:p>
+            <a:pPr indent="-228600" algn="l">
+              <a:buFont typeface="Arial" panose="020B0604020202020204" pitchFamily="34" charset="0"/>
+              <a:buChar char="•"/>
+            </a:pPr>
+            <a:endParaRPr lang="en-US" sz="1800" dirty="0"/>
+          </a:p>
+        </p:txBody>
+      </p:sp>
+      <p:pic>
+        <p:nvPicPr>
+          <p:cNvPr id="2" name="Picture 1">
+            <a:extLst>
+              <a:ext uri="{FF2B5EF4-FFF2-40B4-BE49-F238E27FC236}">
+                <a16:creationId xmlns:a16="http://schemas.microsoft.com/office/drawing/2014/main" id="{BA5AF337-9A07-4F1F-B422-F537DB28C43D}"/>
+              </a:ext>
+            </a:extLst>
+          </p:cNvPr>
+          <p:cNvPicPr>
+            <a:picLocks noChangeAspect="1"/>
+          </p:cNvPicPr>
+          <p:nvPr/>
+        </p:nvPicPr>
+        <p:blipFill rotWithShape="1">
+          <a:blip r:embed="rId3"/>
+          <a:srcRect l="3932" r="3557" b="2"/>
+          <a:stretch/>
+        </p:blipFill>
+        <p:spPr>
+          <a:xfrm>
+            <a:off x="6237551" y="793940"/>
+            <a:ext cx="5892776" cy="5429416"/>
+          </a:xfrm>
+          <a:prstGeom prst="rect">
+            <a:avLst/>
+          </a:prstGeom>
+          <a:effectLst/>
+        </p:spPr>
+      </p:pic>
+      <p:sp>
+        <p:nvSpPr>
+          <p:cNvPr id="5" name="Subtitle 2">
+            <a:extLst>
+              <a:ext uri="{FF2B5EF4-FFF2-40B4-BE49-F238E27FC236}">
+                <a16:creationId xmlns:a16="http://schemas.microsoft.com/office/drawing/2014/main" id="{D9929E9D-FEC5-4EAC-9822-EC63839F7969}"/>
+              </a:ext>
+            </a:extLst>
+          </p:cNvPr>
+          <p:cNvSpPr txBox="1">
+            <a:spLocks/>
+          </p:cNvSpPr>
+          <p:nvPr/>
+        </p:nvSpPr>
+        <p:spPr>
+          <a:xfrm>
+            <a:off x="693271" y="1999128"/>
+            <a:ext cx="5110705" cy="1866539"/>
+          </a:xfrm>
+          <a:prstGeom prst="rect">
+            <a:avLst/>
+          </a:prstGeom>
+        </p:spPr>
+        <p:txBody>
+          <a:bodyPr vert="horz" lIns="91440" tIns="45720" rIns="91440" bIns="45720" rtlCol="0">
+            <a:normAutofit/>
+          </a:bodyPr>
+          <a:lstStyle>
+            <a:lvl1pPr marL="0" indent="0" algn="ctr" defTabSz="914400" rtl="0" eaLnBrk="1" latinLnBrk="0" hangingPunct="1">
+              <a:lnSpc>
+                <a:spcPct val="90000"/>
+              </a:lnSpc>
+              <a:spcBef>
+                <a:spcPts val="1000"/>
+              </a:spcBef>
+              <a:buFont typeface="Arial" panose="020B0604020202020204" pitchFamily="34" charset="0"/>
+              <a:buNone/>
+              <a:defRPr sz="2400" kern="1200">
+                <a:solidFill>
+                  <a:schemeClr val="tx1"/>
+                </a:solidFill>
+                <a:latin typeface="+mn-lt"/>
+                <a:ea typeface="+mn-ea"/>
+                <a:cs typeface="+mn-cs"/>
+              </a:defRPr>
+            </a:lvl1pPr>
+            <a:lvl2pPr marL="457200" indent="0" algn="ctr" defTabSz="914400" rtl="0" eaLnBrk="1" latinLnBrk="0" hangingPunct="1">
+              <a:lnSpc>
+                <a:spcPct val="90000"/>
+              </a:lnSpc>
+              <a:spcBef>
+                <a:spcPts val="500"/>
+              </a:spcBef>
+              <a:buFont typeface="Arial" panose="020B0604020202020204" pitchFamily="34" charset="0"/>
+              <a:buNone/>
+              <a:defRPr sz="2000" kern="1200">
+                <a:solidFill>
+                  <a:schemeClr val="tx1"/>
+                </a:solidFill>
+                <a:latin typeface="+mn-lt"/>
+                <a:ea typeface="+mn-ea"/>
+                <a:cs typeface="+mn-cs"/>
+              </a:defRPr>
+            </a:lvl2pPr>
+            <a:lvl3pPr marL="914400" indent="0" algn="ctr" defTabSz="914400" rtl="0" eaLnBrk="1" latinLnBrk="0" hangingPunct="1">
+              <a:lnSpc>
+                <a:spcPct val="90000"/>
+              </a:lnSpc>
+              <a:spcBef>
+                <a:spcPts val="500"/>
+              </a:spcBef>
+              <a:buFont typeface="Arial" panose="020B0604020202020204" pitchFamily="34" charset="0"/>
+              <a:buNone/>
+              <a:defRPr sz="1800" kern="1200">
+                <a:solidFill>
+                  <a:schemeClr val="tx1"/>
+                </a:solidFill>
+                <a:latin typeface="+mn-lt"/>
+                <a:ea typeface="+mn-ea"/>
+                <a:cs typeface="+mn-cs"/>
+              </a:defRPr>
+            </a:lvl3pPr>
+            <a:lvl4pPr marL="1371600" indent="0" algn="ctr" defTabSz="914400" rtl="0" eaLnBrk="1" latinLnBrk="0" hangingPunct="1">
+              <a:lnSpc>
+                <a:spcPct val="90000"/>
+              </a:lnSpc>
+              <a:spcBef>
+                <a:spcPts val="500"/>
+              </a:spcBef>
+              <a:buFont typeface="Arial" panose="020B0604020202020204" pitchFamily="34" charset="0"/>
+              <a:buNone/>
+              <a:defRPr sz="1600" kern="1200">
+                <a:solidFill>
+                  <a:schemeClr val="tx1"/>
+                </a:solidFill>
+                <a:latin typeface="+mn-lt"/>
+                <a:ea typeface="+mn-ea"/>
+                <a:cs typeface="+mn-cs"/>
+              </a:defRPr>
+            </a:lvl4pPr>
+            <a:lvl5pPr marL="1828800" indent="0" algn="ctr" defTabSz="914400" rtl="0" eaLnBrk="1" latinLnBrk="0" hangingPunct="1">
+              <a:lnSpc>
+                <a:spcPct val="90000"/>
+              </a:lnSpc>
+              <a:spcBef>
+                <a:spcPts val="500"/>
+              </a:spcBef>
+              <a:buFont typeface="Arial" panose="020B0604020202020204" pitchFamily="34" charset="0"/>
+              <a:buNone/>
+              <a:defRPr sz="1600" kern="1200">
+                <a:solidFill>
+                  <a:schemeClr val="tx1"/>
+                </a:solidFill>
+                <a:latin typeface="+mn-lt"/>
+                <a:ea typeface="+mn-ea"/>
+                <a:cs typeface="+mn-cs"/>
+              </a:defRPr>
+            </a:lvl5pPr>
+            <a:lvl6pPr marL="2286000" indent="0" algn="ctr" defTabSz="914400" rtl="0" eaLnBrk="1" latinLnBrk="0" hangingPunct="1">
+              <a:lnSpc>
+                <a:spcPct val="90000"/>
+              </a:lnSpc>
+              <a:spcBef>
+                <a:spcPts val="500"/>
+              </a:spcBef>
+              <a:buFont typeface="Arial" panose="020B0604020202020204" pitchFamily="34" charset="0"/>
+              <a:buNone/>
+              <a:defRPr sz="1600" kern="1200">
+                <a:solidFill>
+                  <a:schemeClr val="tx1"/>
+                </a:solidFill>
+                <a:latin typeface="+mn-lt"/>
+                <a:ea typeface="+mn-ea"/>
+                <a:cs typeface="+mn-cs"/>
+              </a:defRPr>
+            </a:lvl6pPr>
+            <a:lvl7pPr marL="2743200" indent="0" algn="ctr" defTabSz="914400" rtl="0" eaLnBrk="1" latinLnBrk="0" hangingPunct="1">
+              <a:lnSpc>
+                <a:spcPct val="90000"/>
+              </a:lnSpc>
+              <a:spcBef>
+                <a:spcPts val="500"/>
+              </a:spcBef>
+              <a:buFont typeface="Arial" panose="020B0604020202020204" pitchFamily="34" charset="0"/>
+              <a:buNone/>
+              <a:defRPr sz="1600" kern="1200">
+                <a:solidFill>
+                  <a:schemeClr val="tx1"/>
+                </a:solidFill>
+                <a:latin typeface="+mn-lt"/>
+                <a:ea typeface="+mn-ea"/>
+                <a:cs typeface="+mn-cs"/>
+              </a:defRPr>
+            </a:lvl7pPr>
+            <a:lvl8pPr marL="3200400" indent="0" algn="ctr" defTabSz="914400" rtl="0" eaLnBrk="1" latinLnBrk="0" hangingPunct="1">
+              <a:lnSpc>
+                <a:spcPct val="90000"/>
+              </a:lnSpc>
+              <a:spcBef>
+                <a:spcPts val="500"/>
+              </a:spcBef>
+              <a:buFont typeface="Arial" panose="020B0604020202020204" pitchFamily="34" charset="0"/>
+              <a:buNone/>
+              <a:defRPr sz="1600" kern="1200">
+                <a:solidFill>
+                  <a:schemeClr val="tx1"/>
+                </a:solidFill>
+                <a:latin typeface="+mn-lt"/>
+                <a:ea typeface="+mn-ea"/>
+                <a:cs typeface="+mn-cs"/>
+              </a:defRPr>
+            </a:lvl8pPr>
+            <a:lvl9pPr marL="3657600" indent="0" algn="ctr" defTabSz="914400" rtl="0" eaLnBrk="1" latinLnBrk="0" hangingPunct="1">
+              <a:lnSpc>
+                <a:spcPct val="90000"/>
+              </a:lnSpc>
+              <a:spcBef>
+                <a:spcPts val="500"/>
+              </a:spcBef>
+              <a:buFont typeface="Arial" panose="020B0604020202020204" pitchFamily="34" charset="0"/>
+              <a:buNone/>
+              <a:defRPr sz="1600" kern="1200">
+                <a:solidFill>
+                  <a:schemeClr val="tx1"/>
+                </a:solidFill>
+                <a:latin typeface="+mn-lt"/>
+                <a:ea typeface="+mn-ea"/>
+                <a:cs typeface="+mn-cs"/>
+              </a:defRPr>
+            </a:lvl9pPr>
+          </a:lstStyle>
+          <a:p>
+            <a:pPr algn="l"/>
+            <a:r>
+              <a:rPr lang="en-US" sz="1800" dirty="0"/>
+              <a:t>WHAT IS AI?</a:t>
+            </a:r>
+          </a:p>
+          <a:p>
+            <a:pPr algn="l"/>
+            <a:r>
+              <a:rPr lang="en-US" sz="1800" dirty="0"/>
+              <a:t>“</a:t>
+            </a:r>
+            <a:r>
+              <a:rPr lang="en-US" sz="1800" b="1" dirty="0"/>
+              <a:t>Algorithms</a:t>
+            </a:r>
+            <a:r>
+              <a:rPr lang="en-US" sz="1800" dirty="0"/>
+              <a:t> enabled by </a:t>
+            </a:r>
+            <a:r>
+              <a:rPr lang="en-US" sz="1800" b="1" dirty="0"/>
+              <a:t>constraints</a:t>
+            </a:r>
+            <a:r>
+              <a:rPr lang="en-US" sz="1800" dirty="0"/>
+              <a:t> &amp; exposed by </a:t>
+            </a:r>
+            <a:r>
+              <a:rPr lang="en-US" sz="1800" b="1" dirty="0"/>
+              <a:t>representations</a:t>
+            </a:r>
+            <a:r>
+              <a:rPr lang="en-US" sz="1800" dirty="0"/>
+              <a:t> that support models targeted at </a:t>
+            </a:r>
+            <a:r>
+              <a:rPr lang="en-US" sz="1800" b="1" dirty="0"/>
+              <a:t>thinking</a:t>
+            </a:r>
+            <a:r>
+              <a:rPr lang="en-US" sz="1800" dirty="0"/>
+              <a:t>, </a:t>
+            </a:r>
+            <a:r>
+              <a:rPr lang="en-US" sz="1800" b="1" dirty="0"/>
+              <a:t>perception</a:t>
+            </a:r>
+            <a:r>
+              <a:rPr lang="en-US" sz="1800" dirty="0"/>
+              <a:t> and </a:t>
+            </a:r>
+            <a:r>
+              <a:rPr lang="en-US" sz="1800" b="1" dirty="0"/>
+              <a:t>action</a:t>
+            </a:r>
+            <a:r>
+              <a:rPr lang="en-US" sz="1800" dirty="0"/>
+              <a:t>.” 	</a:t>
+            </a:r>
+          </a:p>
+          <a:p>
+            <a:pPr algn="r"/>
+            <a:r>
+              <a:rPr lang="en-US" sz="1800" dirty="0"/>
+              <a:t>MIT Prof. Patrick Winston</a:t>
+            </a:r>
+          </a:p>
+          <a:p>
+            <a:pPr indent="-228600" algn="l">
+              <a:buFont typeface="Arial" panose="020B0604020202020204" pitchFamily="34" charset="0"/>
+              <a:buChar char="•"/>
+            </a:pPr>
+            <a:endParaRPr lang="en-US" sz="1800" dirty="0"/>
+          </a:p>
+        </p:txBody>
+      </p:sp>
+      <p:cxnSp>
+        <p:nvCxnSpPr>
+          <p:cNvPr id="6" name="Straight Connector 5">
+            <a:extLst>
+              <a:ext uri="{FF2B5EF4-FFF2-40B4-BE49-F238E27FC236}">
+                <a16:creationId xmlns:a16="http://schemas.microsoft.com/office/drawing/2014/main" id="{54114226-73D0-4FF0-956C-B62212123485}"/>
+              </a:ext>
+            </a:extLst>
+          </p:cNvPr>
+          <p:cNvCxnSpPr>
+            <a:cxnSpLocks/>
+          </p:cNvCxnSpPr>
+          <p:nvPr/>
+        </p:nvCxnSpPr>
+        <p:spPr>
+          <a:xfrm>
+            <a:off x="5532472" y="4550418"/>
+            <a:ext cx="359570" cy="287481"/>
+          </a:xfrm>
+          <a:prstGeom prst="line">
+            <a:avLst/>
+          </a:prstGeom>
+        </p:spPr>
+        <p:style>
+          <a:lnRef idx="1">
+            <a:schemeClr val="accent1"/>
+          </a:lnRef>
+          <a:fillRef idx="0">
+            <a:schemeClr val="accent1"/>
+          </a:fillRef>
+          <a:effectRef idx="0">
+            <a:schemeClr val="accent1"/>
+          </a:effectRef>
+          <a:fontRef idx="minor">
+            <a:schemeClr val="tx1"/>
+          </a:fontRef>
+        </p:style>
+      </p:cxnSp>
+    </p:spTree>
+    <p:extLst>
+      <p:ext uri="{BB962C8B-B14F-4D97-AF65-F5344CB8AC3E}">
+        <p14:creationId xmlns:p14="http://schemas.microsoft.com/office/powerpoint/2010/main" val="2618803147"/>
+      </p:ext>
+    </p:extLst>
+  </p:cSld>
+  <p:clrMapOvr>
+    <a:masterClrMapping/>
+  </p:clrMapOvr>
+</p:sld>
+</file>
+
+<file path=ppt/slides/slide40.xml><?xml version="1.0" encoding="utf-8"?>
 <p:sld xmlns:a="http://schemas.openxmlformats.org/drawingml/2006/main" xmlns:r="http://schemas.openxmlformats.org/officeDocument/2006/relationships" xmlns:p="http://schemas.openxmlformats.org/presentationml/2006/main">
   <p:cSld>
     <p:spTree>
@@ -12775,10 +13007,6 @@
           </a:p>
           <a:p>
             <a:pPr algn="l"/>
-            <a:r>
-              <a:rPr lang="en-US" sz="6600" dirty="0"/>
-              <a:t/>
-            </a:r>
             <a:br>
               <a:rPr lang="en-US" sz="6600" dirty="0"/>
             </a:br>
@@ -12819,160 +13047,6 @@
     <p:extLst>
       <p:ext uri="{BB962C8B-B14F-4D97-AF65-F5344CB8AC3E}">
         <p14:creationId xmlns:p14="http://schemas.microsoft.com/office/powerpoint/2010/main" val="2614907962"/>
-      </p:ext>
-    </p:extLst>
-  </p:cSld>
-  <p:clrMapOvr>
-    <a:masterClrMapping/>
-  </p:clrMapOvr>
-</p:sld>
-</file>
-
-<file path=ppt/slides/slide4.xml><?xml version="1.0" encoding="utf-8"?>
-<p:sld xmlns:a="http://schemas.openxmlformats.org/drawingml/2006/main" xmlns:r="http://schemas.openxmlformats.org/officeDocument/2006/relationships" xmlns:p="http://schemas.openxmlformats.org/presentationml/2006/main">
-  <p:cSld>
-    <p:spTree>
-      <p:nvGrpSpPr>
-        <p:cNvPr id="1" name=""/>
-        <p:cNvGrpSpPr/>
-        <p:nvPr/>
-      </p:nvGrpSpPr>
-      <p:grpSpPr>
-        <a:xfrm>
-          <a:off x="0" y="0"/>
-          <a:ext cx="0" cy="0"/>
-          <a:chOff x="0" y="0"/>
-          <a:chExt cx="0" cy="0"/>
-        </a:xfrm>
-      </p:grpSpPr>
-      <p:sp>
-        <p:nvSpPr>
-          <p:cNvPr id="3" name="Subtitle 2"/>
-          <p:cNvSpPr>
-            <a:spLocks noGrp="1"/>
-          </p:cNvSpPr>
-          <p:nvPr>
-            <p:ph type="subTitle" idx="1"/>
-          </p:nvPr>
-        </p:nvSpPr>
-        <p:spPr>
-          <a:xfrm>
-            <a:off x="641023" y="815294"/>
-            <a:ext cx="11227323" cy="5498419"/>
-          </a:xfrm>
-        </p:spPr>
-        <p:txBody>
-          <a:bodyPr>
-            <a:normAutofit fontScale="92500" lnSpcReduction="10000"/>
-          </a:bodyPr>
-          <a:lstStyle/>
-          <a:p>
-            <a:pPr algn="l"/>
-            <a:r>
-              <a:rPr lang="en-US" sz="4900" dirty="0"/>
-              <a:t>Is this thing a cheetah?</a:t>
-            </a:r>
-          </a:p>
-          <a:p>
-            <a:pPr algn="l"/>
-            <a:r>
-              <a:rPr lang="en-US" sz="4900" dirty="0"/>
-              <a:t>Rule based “expert” system</a:t>
-            </a:r>
-          </a:p>
-          <a:p>
-            <a:pPr marL="685800" indent="-685800" algn="l">
-              <a:buFont typeface="Arial" panose="020B0604020202020204" pitchFamily="34" charset="0"/>
-              <a:buChar char="•"/>
-            </a:pPr>
-            <a:r>
-              <a:rPr lang="en-US" sz="3000" dirty="0"/>
-              <a:t>Hair (R1) -&gt; Mammal</a:t>
-            </a:r>
-          </a:p>
-          <a:p>
-            <a:pPr marL="685800" indent="-685800" algn="l">
-              <a:buFont typeface="Arial" panose="020B0604020202020204" pitchFamily="34" charset="0"/>
-              <a:buChar char="•"/>
-            </a:pPr>
-            <a:r>
-              <a:rPr lang="en-US" sz="3000" dirty="0"/>
-              <a:t>Claws, Teeth, forward point eyes (R2) - Animal</a:t>
-            </a:r>
-          </a:p>
-          <a:p>
-            <a:pPr marL="685800" indent="-685800" algn="l">
-              <a:buFont typeface="Arial" panose="020B0604020202020204" pitchFamily="34" charset="0"/>
-              <a:buChar char="•"/>
-            </a:pPr>
-            <a:r>
-              <a:rPr lang="en-US" sz="3000" dirty="0"/>
-              <a:t>Meat eat (R3) -&gt; Carnivore</a:t>
-            </a:r>
-          </a:p>
-          <a:p>
-            <a:pPr marL="685800" indent="-685800" algn="l">
-              <a:buFont typeface="Arial" panose="020B0604020202020204" pitchFamily="34" charset="0"/>
-              <a:buChar char="•"/>
-            </a:pPr>
-            <a:r>
-              <a:rPr lang="en-US" sz="3000" dirty="0"/>
-              <a:t>Run fast (R4) </a:t>
-            </a:r>
-          </a:p>
-          <a:p>
-            <a:pPr algn="l"/>
-            <a:r>
-              <a:rPr lang="en-US" sz="3200" dirty="0"/>
-              <a:t>Through Gate Tree -&gt; Cheetah</a:t>
-            </a:r>
-          </a:p>
-          <a:p>
-            <a:pPr algn="l"/>
-            <a:endParaRPr lang="en-US" sz="3200" dirty="0"/>
-          </a:p>
-          <a:p>
-            <a:pPr algn="l"/>
-            <a:r>
-              <a:rPr lang="en-US" sz="4900" dirty="0"/>
-              <a:t>“Can the system answer questions of its own behaviors?”</a:t>
-            </a:r>
-          </a:p>
-        </p:txBody>
-      </p:sp>
-      <p:sp>
-        <p:nvSpPr>
-          <p:cNvPr id="4" name="TextBox 3"/>
-          <p:cNvSpPr txBox="1"/>
-          <p:nvPr/>
-        </p:nvSpPr>
-        <p:spPr>
-          <a:xfrm>
-            <a:off x="522513" y="217714"/>
-            <a:ext cx="10798629" cy="584775"/>
-          </a:xfrm>
-          <a:prstGeom prst="rect">
-            <a:avLst/>
-          </a:prstGeom>
-          <a:noFill/>
-        </p:spPr>
-        <p:txBody>
-          <a:bodyPr wrap="square" rtlCol="0">
-            <a:spAutoFit/>
-          </a:bodyPr>
-          <a:lstStyle/>
-          <a:p>
-            <a:r>
-              <a:rPr lang="en-US" sz="3200" dirty="0"/>
-              <a:t>Class-1: Introduction to ML</a:t>
-            </a:r>
-          </a:p>
-        </p:txBody>
-      </p:sp>
-    </p:spTree>
-    <p:extLst>
-      <p:ext uri="{BB962C8B-B14F-4D97-AF65-F5344CB8AC3E}">
-        <p14:creationId xmlns:p14="http://schemas.microsoft.com/office/powerpoint/2010/main" val="3360769727"/>
       </p:ext>
     </p:extLst>
   </p:cSld>
@@ -13017,6 +13091,160 @@
         </p:spPr>
         <p:txBody>
           <a:bodyPr>
+            <a:normAutofit fontScale="92500" lnSpcReduction="10000"/>
+          </a:bodyPr>
+          <a:lstStyle/>
+          <a:p>
+            <a:pPr algn="l"/>
+            <a:r>
+              <a:rPr lang="en-US" sz="4900" dirty="0"/>
+              <a:t>Is this thing a cheetah?</a:t>
+            </a:r>
+          </a:p>
+          <a:p>
+            <a:pPr algn="l"/>
+            <a:r>
+              <a:rPr lang="en-US" sz="4900" dirty="0"/>
+              <a:t>Rule based “expert” system</a:t>
+            </a:r>
+          </a:p>
+          <a:p>
+            <a:pPr marL="685800" indent="-685800" algn="l">
+              <a:buFont typeface="Arial" panose="020B0604020202020204" pitchFamily="34" charset="0"/>
+              <a:buChar char="•"/>
+            </a:pPr>
+            <a:r>
+              <a:rPr lang="en-US" sz="3000" dirty="0"/>
+              <a:t>Hair (R1) -&gt; Mammal</a:t>
+            </a:r>
+          </a:p>
+          <a:p>
+            <a:pPr marL="685800" indent="-685800" algn="l">
+              <a:buFont typeface="Arial" panose="020B0604020202020204" pitchFamily="34" charset="0"/>
+              <a:buChar char="•"/>
+            </a:pPr>
+            <a:r>
+              <a:rPr lang="en-US" sz="3000" dirty="0"/>
+              <a:t>Claws, Teeth, forward point eyes (R2) - Animal</a:t>
+            </a:r>
+          </a:p>
+          <a:p>
+            <a:pPr marL="685800" indent="-685800" algn="l">
+              <a:buFont typeface="Arial" panose="020B0604020202020204" pitchFamily="34" charset="0"/>
+              <a:buChar char="•"/>
+            </a:pPr>
+            <a:r>
+              <a:rPr lang="en-US" sz="3000" dirty="0"/>
+              <a:t>Meat eat (R3) -&gt; Carnivore</a:t>
+            </a:r>
+          </a:p>
+          <a:p>
+            <a:pPr marL="685800" indent="-685800" algn="l">
+              <a:buFont typeface="Arial" panose="020B0604020202020204" pitchFamily="34" charset="0"/>
+              <a:buChar char="•"/>
+            </a:pPr>
+            <a:r>
+              <a:rPr lang="en-US" sz="3000" dirty="0"/>
+              <a:t>Run fast (R4) </a:t>
+            </a:r>
+          </a:p>
+          <a:p>
+            <a:pPr algn="l"/>
+            <a:r>
+              <a:rPr lang="en-US" sz="3200" dirty="0"/>
+              <a:t>Through Gate Tree -&gt; Cheetah</a:t>
+            </a:r>
+          </a:p>
+          <a:p>
+            <a:pPr algn="l"/>
+            <a:endParaRPr lang="en-US" sz="3200" dirty="0"/>
+          </a:p>
+          <a:p>
+            <a:pPr algn="l"/>
+            <a:r>
+              <a:rPr lang="en-US" sz="4900" dirty="0"/>
+              <a:t>“Can the system answer questions of its own behaviors?”</a:t>
+            </a:r>
+          </a:p>
+        </p:txBody>
+      </p:sp>
+      <p:sp>
+        <p:nvSpPr>
+          <p:cNvPr id="4" name="TextBox 3"/>
+          <p:cNvSpPr txBox="1"/>
+          <p:nvPr/>
+        </p:nvSpPr>
+        <p:spPr>
+          <a:xfrm>
+            <a:off x="522513" y="217714"/>
+            <a:ext cx="10798629" cy="584775"/>
+          </a:xfrm>
+          <a:prstGeom prst="rect">
+            <a:avLst/>
+          </a:prstGeom>
+          <a:noFill/>
+        </p:spPr>
+        <p:txBody>
+          <a:bodyPr wrap="square" rtlCol="0">
+            <a:spAutoFit/>
+          </a:bodyPr>
+          <a:lstStyle/>
+          <a:p>
+            <a:r>
+              <a:rPr lang="en-US" sz="3200" dirty="0"/>
+              <a:t>Class-1: Introduction to ML</a:t>
+            </a:r>
+          </a:p>
+        </p:txBody>
+      </p:sp>
+    </p:spTree>
+    <p:extLst>
+      <p:ext uri="{BB962C8B-B14F-4D97-AF65-F5344CB8AC3E}">
+        <p14:creationId xmlns:p14="http://schemas.microsoft.com/office/powerpoint/2010/main" val="3360769727"/>
+      </p:ext>
+    </p:extLst>
+  </p:cSld>
+  <p:clrMapOvr>
+    <a:masterClrMapping/>
+  </p:clrMapOvr>
+</p:sld>
+</file>
+
+<file path=ppt/slides/slide6.xml><?xml version="1.0" encoding="utf-8"?>
+<p:sld xmlns:a="http://schemas.openxmlformats.org/drawingml/2006/main" xmlns:r="http://schemas.openxmlformats.org/officeDocument/2006/relationships" xmlns:p="http://schemas.openxmlformats.org/presentationml/2006/main">
+  <p:cSld>
+    <p:spTree>
+      <p:nvGrpSpPr>
+        <p:cNvPr id="1" name=""/>
+        <p:cNvGrpSpPr/>
+        <p:nvPr/>
+      </p:nvGrpSpPr>
+      <p:grpSpPr>
+        <a:xfrm>
+          <a:off x="0" y="0"/>
+          <a:ext cx="0" cy="0"/>
+          <a:chOff x="0" y="0"/>
+          <a:chExt cx="0" cy="0"/>
+        </a:xfrm>
+      </p:grpSpPr>
+      <p:sp>
+        <p:nvSpPr>
+          <p:cNvPr id="3" name="Subtitle 2"/>
+          <p:cNvSpPr>
+            <a:spLocks noGrp="1"/>
+          </p:cNvSpPr>
+          <p:nvPr>
+            <p:ph type="subTitle" idx="1"/>
+          </p:nvPr>
+        </p:nvSpPr>
+        <p:spPr>
+          <a:xfrm>
+            <a:off x="641023" y="815294"/>
+            <a:ext cx="11227323" cy="5498419"/>
+          </a:xfrm>
+        </p:spPr>
+        <p:txBody>
+          <a:bodyPr>
             <a:normAutofit/>
           </a:bodyPr>
           <a:lstStyle/>
@@ -13108,7 +13336,7 @@
 </p:sld>
 </file>
 
-<file path=ppt/slides/slide6.xml><?xml version="1.0" encoding="utf-8"?>
+<file path=ppt/slides/slide7.xml><?xml version="1.0" encoding="utf-8"?>
 <p:sld xmlns:a="http://schemas.openxmlformats.org/drawingml/2006/main" xmlns:r="http://schemas.openxmlformats.org/officeDocument/2006/relationships" xmlns:p="http://schemas.openxmlformats.org/presentationml/2006/main">
   <p:cSld>
     <p:spTree>
@@ -15374,163 +15602,6 @@
 </p:sld>
 </file>
 
-<file path=ppt/slides/slide7.xml><?xml version="1.0" encoding="utf-8"?>
-<p:sld xmlns:a="http://schemas.openxmlformats.org/drawingml/2006/main" xmlns:r="http://schemas.openxmlformats.org/officeDocument/2006/relationships" xmlns:p="http://schemas.openxmlformats.org/presentationml/2006/main">
-  <p:cSld>
-    <p:spTree>
-      <p:nvGrpSpPr>
-        <p:cNvPr id="1" name=""/>
-        <p:cNvGrpSpPr/>
-        <p:nvPr/>
-      </p:nvGrpSpPr>
-      <p:grpSpPr>
-        <a:xfrm>
-          <a:off x="0" y="0"/>
-          <a:ext cx="0" cy="0"/>
-          <a:chOff x="0" y="0"/>
-          <a:chExt cx="0" cy="0"/>
-        </a:xfrm>
-      </p:grpSpPr>
-      <p:sp>
-        <p:nvSpPr>
-          <p:cNvPr id="3" name="Subtitle 2"/>
-          <p:cNvSpPr>
-            <a:spLocks noGrp="1"/>
-          </p:cNvSpPr>
-          <p:nvPr>
-            <p:ph type="subTitle" idx="1"/>
-          </p:nvPr>
-        </p:nvSpPr>
-        <p:spPr>
-          <a:xfrm>
-            <a:off x="641023" y="1253878"/>
-            <a:ext cx="11227323" cy="5059835"/>
-          </a:xfrm>
-        </p:spPr>
-        <p:txBody>
-          <a:bodyPr>
-            <a:normAutofit lnSpcReduction="10000"/>
-          </a:bodyPr>
-          <a:lstStyle/>
-          <a:p>
-            <a:pPr marL="685800" indent="-685800" algn="l">
-              <a:buFont typeface="Arial" panose="020B0604020202020204" pitchFamily="34" charset="0"/>
-              <a:buChar char="•"/>
-            </a:pPr>
-            <a:r>
-              <a:rPr lang="en-US" sz="4900" dirty="0"/>
-              <a:t>Computer programming</a:t>
-            </a:r>
-          </a:p>
-          <a:p>
-            <a:pPr marL="685800" indent="-685800" algn="l">
-              <a:buFont typeface="Arial" panose="020B0604020202020204" pitchFamily="34" charset="0"/>
-              <a:buChar char="•"/>
-            </a:pPr>
-            <a:r>
-              <a:rPr lang="en-US" sz="4900" dirty="0"/>
-              <a:t>Knowledge mining – search</a:t>
-            </a:r>
-          </a:p>
-          <a:p>
-            <a:pPr marL="685800" indent="-685800" algn="l">
-              <a:buFont typeface="Arial" panose="020B0604020202020204" pitchFamily="34" charset="0"/>
-              <a:buChar char="•"/>
-            </a:pPr>
-            <a:r>
-              <a:rPr lang="en-US" sz="4900" dirty="0"/>
-              <a:t>Domain knowledge</a:t>
-            </a:r>
-          </a:p>
-          <a:p>
-            <a:pPr marL="685800" indent="-685800" algn="l">
-              <a:buFont typeface="Arial" panose="020B0604020202020204" pitchFamily="34" charset="0"/>
-              <a:buChar char="•"/>
-            </a:pPr>
-            <a:r>
-              <a:rPr lang="en-US" sz="4900" dirty="0"/>
-              <a:t>Data Ingestion</a:t>
-            </a:r>
-          </a:p>
-          <a:p>
-            <a:pPr marL="685800" indent="-685800" algn="l">
-              <a:buFont typeface="Arial" panose="020B0604020202020204" pitchFamily="34" charset="0"/>
-              <a:buChar char="•"/>
-            </a:pPr>
-            <a:r>
-              <a:rPr lang="en-US" sz="4900" dirty="0"/>
-              <a:t>Model Training </a:t>
-            </a:r>
-          </a:p>
-          <a:p>
-            <a:pPr marL="685800" indent="-685800" algn="l">
-              <a:buFont typeface="Arial" panose="020B0604020202020204" pitchFamily="34" charset="0"/>
-              <a:buChar char="•"/>
-            </a:pPr>
-            <a:r>
-              <a:rPr lang="en-US" sz="4900" dirty="0"/>
-              <a:t>Humanity - AI Ethics (human behaviors and </a:t>
-            </a:r>
-            <a:r>
-              <a:rPr lang="en-US" sz="4900" dirty="0" err="1"/>
-              <a:t>valuelines</a:t>
-            </a:r>
-            <a:r>
-              <a:rPr lang="en-US" sz="4900" dirty="0"/>
-              <a:t>) </a:t>
-            </a:r>
-          </a:p>
-          <a:p>
-            <a:pPr marL="685800" indent="-685800" algn="l">
-              <a:buFont typeface="Arial" panose="020B0604020202020204" pitchFamily="34" charset="0"/>
-              <a:buChar char="•"/>
-            </a:pPr>
-            <a:endParaRPr lang="en-US" sz="4900" dirty="0"/>
-          </a:p>
-        </p:txBody>
-      </p:sp>
-      <p:sp>
-        <p:nvSpPr>
-          <p:cNvPr id="4" name="TextBox 3"/>
-          <p:cNvSpPr txBox="1"/>
-          <p:nvPr/>
-        </p:nvSpPr>
-        <p:spPr>
-          <a:xfrm>
-            <a:off x="522513" y="217714"/>
-            <a:ext cx="10798629" cy="584775"/>
-          </a:xfrm>
-          <a:prstGeom prst="rect">
-            <a:avLst/>
-          </a:prstGeom>
-          <a:noFill/>
-        </p:spPr>
-        <p:txBody>
-          <a:bodyPr wrap="square" rtlCol="0">
-            <a:spAutoFit/>
-          </a:bodyPr>
-          <a:lstStyle/>
-          <a:p>
-            <a:r>
-              <a:rPr lang="en-US" sz="3200" dirty="0"/>
-              <a:t>Class-1: Introduction to ML – what involved?</a:t>
-            </a:r>
-          </a:p>
-        </p:txBody>
-      </p:sp>
-    </p:spTree>
-    <p:extLst>
-      <p:ext uri="{BB962C8B-B14F-4D97-AF65-F5344CB8AC3E}">
-        <p14:creationId xmlns:p14="http://schemas.microsoft.com/office/powerpoint/2010/main" val="2374375479"/>
-      </p:ext>
-    </p:extLst>
-  </p:cSld>
-  <p:clrMapOvr>
-    <a:masterClrMapping/>
-  </p:clrMapOvr>
-</p:sld>
-</file>
-
 <file path=ppt/slides/slide8.xml><?xml version="1.0" encoding="utf-8"?>
 <p:sld xmlns:a="http://schemas.openxmlformats.org/drawingml/2006/main" xmlns:r="http://schemas.openxmlformats.org/officeDocument/2006/relationships" xmlns:p="http://schemas.openxmlformats.org/presentationml/2006/main">
   <p:cSld>
@@ -15560,28 +15631,89 @@
         </p:nvSpPr>
         <p:spPr>
           <a:xfrm>
-            <a:off x="641023" y="815294"/>
-            <a:ext cx="11227323" cy="5498419"/>
+            <a:off x="641023" y="1253878"/>
+            <a:ext cx="11227323" cy="5059835"/>
           </a:xfrm>
         </p:spPr>
         <p:txBody>
           <a:bodyPr>
-            <a:normAutofit/>
+            <a:normAutofit lnSpcReduction="10000"/>
           </a:bodyPr>
           <a:lstStyle/>
           <a:p>
-            <a:pPr algn="l"/>
+            <a:pPr marL="685800" indent="-685800" algn="l">
+              <a:buFont typeface="Arial" panose="020B0604020202020204" pitchFamily="34" charset="0"/>
+              <a:buChar char="•"/>
+            </a:pPr>
             <a:r>
               <a:rPr lang="en-US" sz="4900" dirty="0"/>
-              <a:t>Is this thing a cheetah?</a:t>
-            </a:r>
-          </a:p>
-          <a:p>
-            <a:pPr algn="l"/>
+              <a:t>Computer programming</a:t>
+            </a:r>
+          </a:p>
+          <a:p>
+            <a:pPr marL="685800" indent="-685800" algn="l">
+              <a:buFont typeface="Arial" panose="020B0604020202020204" pitchFamily="34" charset="0"/>
+              <a:buChar char="•"/>
+            </a:pPr>
             <a:r>
               <a:rPr lang="en-US" sz="4900" dirty="0"/>
-              <a:t>2000s AI/ML approach is totally different.</a:t>
-            </a:r>
+              <a:t>Knowledge mining – search</a:t>
+            </a:r>
+          </a:p>
+          <a:p>
+            <a:pPr marL="685800" indent="-685800" algn="l">
+              <a:buFont typeface="Arial" panose="020B0604020202020204" pitchFamily="34" charset="0"/>
+              <a:buChar char="•"/>
+            </a:pPr>
+            <a:r>
+              <a:rPr lang="en-US" sz="4900" dirty="0"/>
+              <a:t>Domain knowledge</a:t>
+            </a:r>
+          </a:p>
+          <a:p>
+            <a:pPr marL="685800" indent="-685800" algn="l">
+              <a:buFont typeface="Arial" panose="020B0604020202020204" pitchFamily="34" charset="0"/>
+              <a:buChar char="•"/>
+            </a:pPr>
+            <a:r>
+              <a:rPr lang="en-US" sz="4900" dirty="0"/>
+              <a:t>Data Ingestion</a:t>
+            </a:r>
+          </a:p>
+          <a:p>
+            <a:pPr marL="685800" indent="-685800" algn="l">
+              <a:buFont typeface="Arial" panose="020B0604020202020204" pitchFamily="34" charset="0"/>
+              <a:buChar char="•"/>
+            </a:pPr>
+            <a:r>
+              <a:rPr lang="en-US" sz="4900" dirty="0"/>
+              <a:t>Model Training </a:t>
+            </a:r>
+          </a:p>
+          <a:p>
+            <a:pPr marL="685800" indent="-685800" algn="l">
+              <a:buFont typeface="Arial" panose="020B0604020202020204" pitchFamily="34" charset="0"/>
+              <a:buChar char="•"/>
+            </a:pPr>
+            <a:r>
+              <a:rPr lang="en-US" sz="4900" dirty="0"/>
+              <a:t>Humanity - AI Ethics (human behaviors and </a:t>
+            </a:r>
+            <a:r>
+              <a:rPr lang="en-US" sz="4900" dirty="0" err="1"/>
+              <a:t>valuelines</a:t>
+            </a:r>
+            <a:r>
+              <a:rPr lang="en-US" sz="4900" dirty="0"/>
+              <a:t>) </a:t>
+            </a:r>
+          </a:p>
+          <a:p>
+            <a:pPr marL="685800" indent="-685800" algn="l">
+              <a:buFont typeface="Arial" panose="020B0604020202020204" pitchFamily="34" charset="0"/>
+              <a:buChar char="•"/>
+            </a:pPr>
+            <a:endParaRPr lang="en-US" sz="4900" dirty="0"/>
           </a:p>
         </p:txBody>
       </p:sp>
@@ -15593,8 +15725,8 @@
         </p:nvSpPr>
         <p:spPr>
           <a:xfrm>
-            <a:off x="522514" y="217714"/>
-            <a:ext cx="7961610" cy="584775"/>
+            <a:off x="522513" y="217714"/>
+            <a:ext cx="10798629" cy="584775"/>
           </a:xfrm>
           <a:prstGeom prst="rect">
             <a:avLst/>
@@ -15609,7 +15741,7 @@
           <a:p>
             <a:r>
               <a:rPr lang="en-US" sz="3200" dirty="0"/>
-              <a:t>Class-1: Introduction to ML</a:t>
+              <a:t>Class-1: Introduction to ML – what involved?</a:t>
             </a:r>
           </a:p>
         </p:txBody>
@@ -15617,7 +15749,7 @@
     </p:spTree>
     <p:extLst>
       <p:ext uri="{BB962C8B-B14F-4D97-AF65-F5344CB8AC3E}">
-        <p14:creationId xmlns:p14="http://schemas.microsoft.com/office/powerpoint/2010/main" val="1928135425"/>
+        <p14:creationId xmlns:p14="http://schemas.microsoft.com/office/powerpoint/2010/main" val="2374375479"/>
       </p:ext>
     </p:extLst>
   </p:cSld>
@@ -15666,87 +15798,18 @@
           </a:bodyPr>
           <a:lstStyle/>
           <a:p>
-            <a:pPr marL="685800" indent="-685800" algn="l">
-              <a:buFont typeface="Arial" panose="020B0604020202020204" pitchFamily="34" charset="0"/>
-              <a:buChar char="•"/>
-            </a:pPr>
+            <a:pPr algn="l"/>
             <a:r>
               <a:rPr lang="en-US" sz="4900" dirty="0"/>
-              <a:t>	</a:t>
-            </a:r>
-            <a:r>
-              <a:rPr lang="en-US" sz="4000" dirty="0"/>
-              <a:t>Supervised Learning</a:t>
-            </a:r>
+              <a:t>Is this thing a cheetah?</a:t>
+            </a:r>
+          </a:p>
+          <a:p>
+            <a:pPr algn="l"/>
             <a:r>
               <a:rPr lang="en-US" sz="4900" dirty="0"/>
-              <a:t>	</a:t>
-            </a:r>
-          </a:p>
-          <a:p>
-            <a:pPr algn="l"/>
-            <a:r>
-              <a:rPr lang="en-US" sz="4900" dirty="0"/>
-              <a:t>		</a:t>
-            </a:r>
-            <a:r>
-              <a:rPr lang="en-US" sz="3000" dirty="0"/>
-              <a:t>knowing X and Y, generate a model to classification</a:t>
-            </a:r>
-          </a:p>
-          <a:p>
-            <a:pPr marL="685800" indent="-685800" algn="l">
-              <a:buFont typeface="Arial" panose="020B0604020202020204" pitchFamily="34" charset="0"/>
-              <a:buChar char="•"/>
-            </a:pPr>
-            <a:r>
-              <a:rPr lang="en-US" sz="4900" dirty="0"/>
-              <a:t>	</a:t>
-            </a:r>
-            <a:r>
-              <a:rPr lang="en-US" sz="4000" dirty="0"/>
-              <a:t>Unsupervised Learning</a:t>
-            </a:r>
-          </a:p>
-          <a:p>
-            <a:pPr lvl="2" algn="l"/>
-            <a:r>
-              <a:rPr lang="en-US" sz="3400" dirty="0"/>
-              <a:t>	</a:t>
-            </a:r>
-            <a:r>
-              <a:rPr lang="en-US" sz="3000" dirty="0"/>
-              <a:t>knowing X but Y, generate a model to cluster</a:t>
-            </a:r>
-          </a:p>
-          <a:p>
-            <a:pPr marL="685800" indent="-685800" algn="l">
-              <a:buFont typeface="Arial" panose="020B0604020202020204" pitchFamily="34" charset="0"/>
-              <a:buChar char="•"/>
-            </a:pPr>
-            <a:r>
-              <a:rPr lang="en-US" sz="4900" dirty="0"/>
-              <a:t>	</a:t>
-            </a:r>
-            <a:r>
-              <a:rPr lang="en-US" sz="4000" dirty="0"/>
-              <a:t>Reinforcement Learning</a:t>
-            </a:r>
-          </a:p>
-          <a:p>
-            <a:pPr lvl="1" algn="l"/>
-            <a:r>
-              <a:rPr lang="en-US" sz="3000" dirty="0"/>
-              <a:t>		knowing X but Y, create an environment and learning agent</a:t>
-            </a:r>
-          </a:p>
-          <a:p>
-            <a:pPr algn="l"/>
-            <a:endParaRPr lang="en-US" sz="4900" dirty="0"/>
-          </a:p>
-          <a:p>
-            <a:pPr algn="l"/>
-            <a:endParaRPr lang="en-US" sz="4900" dirty="0"/>
+              <a:t>2000s AI/ML approach is totally different.</a:t>
+            </a:r>
           </a:p>
         </p:txBody>
       </p:sp>
@@ -15782,7 +15845,7 @@
     </p:spTree>
     <p:extLst>
       <p:ext uri="{BB962C8B-B14F-4D97-AF65-F5344CB8AC3E}">
-        <p14:creationId xmlns:p14="http://schemas.microsoft.com/office/powerpoint/2010/main" val="1538160773"/>
+        <p14:creationId xmlns:p14="http://schemas.microsoft.com/office/powerpoint/2010/main" val="1928135425"/>
       </p:ext>
     </p:extLst>
   </p:cSld>
@@ -16315,15 +16378,6 @@
 </file>
 
 <file path=customXml/item1.xml><?xml version="1.0" encoding="utf-8"?>
-<?mso-contentType ?>
-<FormTemplates xmlns="http://schemas.microsoft.com/sharepoint/v3/contenttype/forms">
-  <Display>DocumentLibraryForm</Display>
-  <Edit>DocumentLibraryForm</Edit>
-  <New>DocumentLibraryForm</New>
-</FormTemplates>
-</file>
-
-<file path=customXml/item2.xml><?xml version="1.0" encoding="utf-8"?>
 <ct:contentTypeSchema xmlns:ct="http://schemas.microsoft.com/office/2006/metadata/contentType" xmlns:ma="http://schemas.microsoft.com/office/2006/metadata/properties/metaAttributes" ct:_="" ma:_="" ma:contentTypeName="Document" ma:contentTypeID="0x01010040A75B615E1C194CABC80F3CAEA6E4E5" ma:contentTypeVersion="9" ma:contentTypeDescription="Create a new document." ma:contentTypeScope="" ma:versionID="4a1cf2a28ba0a9e91fab658e05820dde">
   <xsd:schema xmlns:xsd="http://www.w3.org/2001/XMLSchema" xmlns:xs="http://www.w3.org/2001/XMLSchema" xmlns:p="http://schemas.microsoft.com/office/2006/metadata/properties" xmlns:ns3="d97dfd74-0758-4aac-b7c3-4f13d10397e8" xmlns:ns4="851bce1a-01c5-49d9-967d-64af5945ebef" targetNamespace="http://schemas.microsoft.com/office/2006/metadata/properties" ma:root="true" ma:fieldsID="090359357a8ddcd8bb6253bd66cd91d0" ns3:_="" ns4:_="">
     <xsd:import namespace="d97dfd74-0758-4aac-b7c3-4f13d10397e8"/>
@@ -16520,6 +16574,15 @@
 </ct:contentTypeSchema>
 </file>
 
+<file path=customXml/item2.xml><?xml version="1.0" encoding="utf-8"?>
+<?mso-contentType ?>
+<FormTemplates xmlns="http://schemas.microsoft.com/sharepoint/v3/contenttype/forms">
+  <Display>DocumentLibraryForm</Display>
+  <Edit>DocumentLibraryForm</Edit>
+  <New>DocumentLibraryForm</New>
+</FormTemplates>
+</file>
+
 <file path=customXml/item3.xml><?xml version="1.0" encoding="utf-8"?>
 <p:properties xmlns:p="http://schemas.microsoft.com/office/2006/metadata/properties" xmlns:xsi="http://www.w3.org/2001/XMLSchema-instance" xmlns:pc="http://schemas.microsoft.com/office/infopath/2007/PartnerControls">
   <documentManagement/>
@@ -16527,14 +16590,6 @@
 </file>
 
 <file path=customXml/itemProps1.xml><?xml version="1.0" encoding="utf-8"?>
-<ds:datastoreItem xmlns:ds="http://schemas.openxmlformats.org/officeDocument/2006/customXml" ds:itemID="{9A56549F-9000-409B-8EE1-A7AE4257567A}">
-  <ds:schemaRefs>
-    <ds:schemaRef ds:uri="http://schemas.microsoft.com/sharepoint/v3/contenttype/forms"/>
-  </ds:schemaRefs>
-</ds:datastoreItem>
-</file>
-
-<file path=customXml/itemProps2.xml><?xml version="1.0" encoding="utf-8"?>
 <ds:datastoreItem xmlns:ds="http://schemas.openxmlformats.org/officeDocument/2006/customXml" ds:itemID="{A173A3F4-56E8-4506-812D-90D9C8F7ED90}">
   <ds:schemaRefs>
     <ds:schemaRef ds:uri="http://schemas.microsoft.com/office/2006/metadata/contentType"/>
@@ -16549,6 +16604,14 @@
     <ds:schemaRef ds:uri="http://purl.org/dc/elements/1.1/"/>
     <ds:schemaRef ds:uri="http://purl.org/dc/terms/"/>
     <ds:schemaRef ds:uri="http://schemas.microsoft.com/internal/obd"/>
+  </ds:schemaRefs>
+</ds:datastoreItem>
+</file>
+
+<file path=customXml/itemProps2.xml><?xml version="1.0" encoding="utf-8"?>
+<ds:datastoreItem xmlns:ds="http://schemas.openxmlformats.org/officeDocument/2006/customXml" ds:itemID="{9A56549F-9000-409B-8EE1-A7AE4257567A}">
+  <ds:schemaRefs>
+    <ds:schemaRef ds:uri="http://schemas.microsoft.com/sharepoint/v3/contenttype/forms"/>
   </ds:schemaRefs>
 </ds:datastoreItem>
 </file>

--- a/AI-ML-DL/Machine Learning.pptx
+++ b/AI-ML-DL/Machine Learning.pptx
@@ -5,7 +5,7 @@
     <p:sldMasterId id="2147483648" r:id="rId4"/>
   </p:sldMasterIdLst>
   <p:notesMasterIdLst>
-    <p:notesMasterId r:id="rId45"/>
+    <p:notesMasterId r:id="rId46"/>
   </p:notesMasterIdLst>
   <p:sldIdLst>
     <p:sldId id="256" r:id="rId5"/>
@@ -47,7 +47,8 @@
     <p:sldId id="266" r:id="rId41"/>
     <p:sldId id="294" r:id="rId42"/>
     <p:sldId id="295" r:id="rId43"/>
-    <p:sldId id="286" r:id="rId44"/>
+    <p:sldId id="297" r:id="rId44"/>
+    <p:sldId id="286" r:id="rId45"/>
   </p:sldIdLst>
   <p:sldSz cx="12192000" cy="6858000"/>
   <p:notesSz cx="6858000" cy="9144000"/>
@@ -4660,6 +4661,10 @@
           </a:p>
           <a:p>
             <a:pPr algn="l"/>
+            <a:r>
+              <a:rPr lang="en-US" sz="6600" dirty="0"/>
+              <a:t/>
+            </a:r>
             <a:br>
               <a:rPr lang="en-US" sz="6600" dirty="0"/>
             </a:br>
@@ -6585,7 +6590,7 @@
                 <a16:creationId xmlns:a16="http://schemas.microsoft.com/office/drawing/2014/main" id="{DEE5C6BA-FE2A-4C38-8D88-E70C06E54F82}"/>
               </a:ext>
               <a:ext uri="{C183D7F6-B498-43B3-948B-1728B52AA6E4}">
-                <adec:decorative xmlns:adec="http://schemas.microsoft.com/office/drawing/2017/decorative" val="1"/>
+                <adec:decorative xmlns:adec="http://schemas.microsoft.com/office/drawing/2017/decorative" xmlns="" val="1"/>
               </a:ext>
             </a:extLst>
           </p:cNvPr>
@@ -6671,7 +6676,7 @@
                 <a16:creationId xmlns:a16="http://schemas.microsoft.com/office/drawing/2014/main" id="{53E66F28-0926-4CFB-BDAB-646CAB184CB0}"/>
               </a:ext>
               <a:ext uri="{C183D7F6-B498-43B3-948B-1728B52AA6E4}">
-                <adec:decorative xmlns:adec="http://schemas.microsoft.com/office/drawing/2017/decorative" val="1"/>
+                <adec:decorative xmlns:adec="http://schemas.microsoft.com/office/drawing/2017/decorative" xmlns="" val="1"/>
               </a:ext>
             </a:extLst>
           </p:cNvPr>
@@ -6762,7 +6767,7 @@
                 <a16:creationId xmlns:a16="http://schemas.microsoft.com/office/drawing/2014/main" id="{DE9FA85F-F0FB-4952-A05F-04CC67B18EE5}"/>
               </a:ext>
               <a:ext uri="{C183D7F6-B498-43B3-948B-1728B52AA6E4}">
-                <adec:decorative xmlns:adec="http://schemas.microsoft.com/office/drawing/2017/decorative" val="1"/>
+                <adec:decorative xmlns:adec="http://schemas.microsoft.com/office/drawing/2017/decorative" xmlns="" val="1"/>
               </a:ext>
             </a:extLst>
           </p:cNvPr>
@@ -7208,7 +7213,7 @@
                 <a16:creationId xmlns:a16="http://schemas.microsoft.com/office/drawing/2014/main" id="{FEBD362A-CC27-47D9-8FC3-A5E91BA0760C}"/>
               </a:ext>
               <a:ext uri="{C183D7F6-B498-43B3-948B-1728B52AA6E4}">
-                <adec:decorative xmlns:adec="http://schemas.microsoft.com/office/drawing/2017/decorative" val="1"/>
+                <adec:decorative xmlns:adec="http://schemas.microsoft.com/office/drawing/2017/decorative" xmlns="" val="1"/>
               </a:ext>
             </a:extLst>
           </p:cNvPr>
@@ -9790,6 +9795,10 @@
           </a:p>
           <a:p>
             <a:pPr lvl="1" algn="l"/>
+            <a:r>
+              <a:rPr lang="en-US" sz="6200" dirty="0"/>
+              <a:t/>
+            </a:r>
             <a:br>
               <a:rPr lang="en-US" sz="6200" dirty="0"/>
             </a:br>
@@ -11338,6 +11347,10 @@
           </a:p>
           <a:p>
             <a:pPr algn="l"/>
+            <a:r>
+              <a:rPr lang="en-US" sz="6600" dirty="0"/>
+              <a:t/>
+            </a:r>
             <a:br>
               <a:rPr lang="en-US" sz="6600" dirty="0"/>
             </a:br>
@@ -11486,6 +11499,10 @@
           </a:p>
           <a:p>
             <a:pPr algn="l"/>
+            <a:r>
+              <a:rPr lang="en-US" sz="6600" dirty="0"/>
+              <a:t/>
+            </a:r>
             <a:br>
               <a:rPr lang="en-US" sz="6600" dirty="0"/>
             </a:br>
@@ -11884,7 +11901,7 @@
         </p:nvGrpSpPr>
         <p:grpSpPr>
           <a:xfrm>
-            <a:off x="6878469" y="2384083"/>
+            <a:off x="5600779" y="2671555"/>
             <a:ext cx="1992574" cy="764274"/>
             <a:chOff x="9553432" y="3140124"/>
             <a:chExt cx="1992574" cy="764274"/>
@@ -12108,8 +12125,8 @@
         </p:blipFill>
         <p:spPr>
           <a:xfrm>
-            <a:off x="9285027" y="544287"/>
-            <a:ext cx="2568054" cy="2140045"/>
+            <a:off x="7968669" y="3357965"/>
+            <a:ext cx="3626000" cy="3021667"/>
           </a:xfrm>
           <a:prstGeom prst="rect">
             <a:avLst/>
@@ -12126,8 +12143,8 @@
         </p:nvSpPr>
         <p:spPr>
           <a:xfrm>
-            <a:off x="477672" y="3817539"/>
-            <a:ext cx="3604471" cy="2060812"/>
+            <a:off x="477672" y="3248798"/>
+            <a:ext cx="7165072" cy="2060812"/>
           </a:xfrm>
           <a:prstGeom prst="rect">
             <a:avLst/>
@@ -12304,7 +12321,7 @@
           <a:p>
             <a:pPr algn="l"/>
             <a:r>
-              <a:rPr lang="en-US" sz="1800" dirty="0"/>
+              <a:rPr lang="en-US" dirty="0"/>
               <a:t>Assumptions:</a:t>
             </a:r>
           </a:p>
@@ -12313,7 +12330,7 @@
               <a:buAutoNum type="arabicPeriod"/>
             </a:pPr>
             <a:r>
-              <a:rPr lang="en-US" sz="1800" dirty="0"/>
+              <a:rPr lang="en-US" dirty="0"/>
               <a:t>General Positon</a:t>
             </a:r>
           </a:p>
@@ -12322,19 +12339,14 @@
               <a:buAutoNum type="arabicPeriod"/>
             </a:pPr>
             <a:r>
-              <a:rPr lang="en-US" sz="1800" dirty="0"/>
-              <a:t>Trihedral + </a:t>
-            </a:r>
-            <a:r>
-              <a:rPr lang="en-US" sz="1800"/>
-              <a:t>3 Faces </a:t>
-            </a:r>
-            <a:endParaRPr lang="en-US" sz="1800" dirty="0"/>
+              <a:rPr lang="en-US" dirty="0"/>
+              <a:t>Trihedral + 3 Faces </a:t>
+            </a:r>
           </a:p>
           <a:p>
             <a:pPr algn="l"/>
             <a:r>
-              <a:rPr lang="en-US" sz="1800" dirty="0"/>
+              <a:rPr lang="en-US" dirty="0"/>
               <a:t>3.    Convex/Concave/Boundary</a:t>
             </a:r>
           </a:p>
@@ -12348,8 +12360,8 @@
         </p:nvSpPr>
         <p:spPr>
           <a:xfrm>
-            <a:off x="477672" y="5416686"/>
-            <a:ext cx="3187890" cy="923330"/>
+            <a:off x="477672" y="5101433"/>
+            <a:ext cx="7165072" cy="1384995"/>
           </a:xfrm>
           <a:prstGeom prst="rect">
             <a:avLst/>
@@ -12362,19 +12374,19 @@
           <a:lstStyle/>
           <a:p>
             <a:r>
-              <a:rPr lang="en-US" dirty="0"/>
+              <a:rPr lang="en-US" sz="2800" dirty="0"/>
               <a:t>Terminologies:</a:t>
             </a:r>
           </a:p>
           <a:p>
             <a:r>
-              <a:rPr lang="en-US" dirty="0"/>
+              <a:rPr lang="en-US" sz="2800" dirty="0"/>
               <a:t>Vertexes		Junctions</a:t>
             </a:r>
           </a:p>
           <a:p>
             <a:r>
-              <a:rPr lang="en-US" dirty="0"/>
+              <a:rPr lang="en-US" sz="2800" dirty="0"/>
               <a:t>Edges		Lines</a:t>
             </a:r>
           </a:p>
@@ -12953,6 +12965,1184 @@
         </p:nvSpPr>
         <p:spPr>
           <a:xfrm>
+            <a:off x="477672" y="731521"/>
+            <a:ext cx="11068334" cy="2316962"/>
+          </a:xfrm>
+        </p:spPr>
+        <p:txBody>
+          <a:bodyPr>
+            <a:normAutofit/>
+          </a:bodyPr>
+          <a:lstStyle/>
+          <a:p>
+            <a:pPr algn="l"/>
+            <a:r>
+              <a:rPr lang="en-US" sz="4800" dirty="0" smtClean="0"/>
+              <a:t>Available color (domain): 4</a:t>
+            </a:r>
+          </a:p>
+          <a:p>
+            <a:pPr algn="l"/>
+            <a:r>
+              <a:rPr lang="en-US" sz="4800" dirty="0" smtClean="0"/>
+              <a:t>State next to each other: different color</a:t>
+            </a:r>
+            <a:endParaRPr lang="en-US" sz="4800" dirty="0"/>
+          </a:p>
+        </p:txBody>
+      </p:sp>
+      <p:sp>
+        <p:nvSpPr>
+          <p:cNvPr id="4" name="TextBox 3"/>
+          <p:cNvSpPr txBox="1"/>
+          <p:nvPr/>
+        </p:nvSpPr>
+        <p:spPr>
+          <a:xfrm>
+            <a:off x="97000" y="82622"/>
+            <a:ext cx="11449006" cy="923330"/>
+          </a:xfrm>
+          <a:prstGeom prst="rect">
+            <a:avLst/>
+          </a:prstGeom>
+          <a:noFill/>
+        </p:spPr>
+        <p:txBody>
+          <a:bodyPr wrap="square" rtlCol="0">
+            <a:spAutoFit/>
+          </a:bodyPr>
+          <a:lstStyle/>
+          <a:p>
+            <a:r>
+              <a:rPr lang="en-US" sz="3600" dirty="0"/>
+              <a:t>Constraints: </a:t>
+            </a:r>
+            <a:r>
+              <a:rPr lang="en-US" sz="3600" dirty="0" smtClean="0"/>
+              <a:t>Coloring USA Maps</a:t>
+            </a:r>
+            <a:endParaRPr lang="en-US" sz="3600" dirty="0"/>
+          </a:p>
+          <a:p>
+            <a:endParaRPr lang="en-US" dirty="0"/>
+          </a:p>
+        </p:txBody>
+      </p:sp>
+      <p:sp>
+        <p:nvSpPr>
+          <p:cNvPr id="15" name="Rectangle 14"/>
+          <p:cNvSpPr/>
+          <p:nvPr/>
+        </p:nvSpPr>
+        <p:spPr>
+          <a:xfrm>
+            <a:off x="4819650" y="4589597"/>
+            <a:ext cx="2661557" cy="1910443"/>
+          </a:xfrm>
+          <a:prstGeom prst="rect">
+            <a:avLst/>
+          </a:prstGeom>
+          <a:noFill/>
+        </p:spPr>
+        <p:style>
+          <a:lnRef idx="2">
+            <a:schemeClr val="accent1">
+              <a:shade val="50000"/>
+            </a:schemeClr>
+          </a:lnRef>
+          <a:fillRef idx="1">
+            <a:schemeClr val="accent1"/>
+          </a:fillRef>
+          <a:effectRef idx="0">
+            <a:schemeClr val="accent1"/>
+          </a:effectRef>
+          <a:fontRef idx="minor">
+            <a:schemeClr val="lt1"/>
+          </a:fontRef>
+        </p:style>
+        <p:txBody>
+          <a:bodyPr rtlCol="0" anchor="ctr"/>
+          <a:lstStyle>
+            <a:defPPr>
+              <a:defRPr lang="en-US"/>
+            </a:defPPr>
+            <a:lvl1pPr marL="0" algn="l" defTabSz="914400" rtl="0" eaLnBrk="1" latinLnBrk="0" hangingPunct="1">
+              <a:defRPr sz="1800" kern="1200">
+                <a:solidFill>
+                  <a:schemeClr val="lt1"/>
+                </a:solidFill>
+                <a:latin typeface="+mn-lt"/>
+                <a:ea typeface="+mn-ea"/>
+                <a:cs typeface="+mn-cs"/>
+              </a:defRPr>
+            </a:lvl1pPr>
+            <a:lvl2pPr marL="457200" algn="l" defTabSz="914400" rtl="0" eaLnBrk="1" latinLnBrk="0" hangingPunct="1">
+              <a:defRPr sz="1800" kern="1200">
+                <a:solidFill>
+                  <a:schemeClr val="lt1"/>
+                </a:solidFill>
+                <a:latin typeface="+mn-lt"/>
+                <a:ea typeface="+mn-ea"/>
+                <a:cs typeface="+mn-cs"/>
+              </a:defRPr>
+            </a:lvl2pPr>
+            <a:lvl3pPr marL="914400" algn="l" defTabSz="914400" rtl="0" eaLnBrk="1" latinLnBrk="0" hangingPunct="1">
+              <a:defRPr sz="1800" kern="1200">
+                <a:solidFill>
+                  <a:schemeClr val="lt1"/>
+                </a:solidFill>
+                <a:latin typeface="+mn-lt"/>
+                <a:ea typeface="+mn-ea"/>
+                <a:cs typeface="+mn-cs"/>
+              </a:defRPr>
+            </a:lvl3pPr>
+            <a:lvl4pPr marL="1371600" algn="l" defTabSz="914400" rtl="0" eaLnBrk="1" latinLnBrk="0" hangingPunct="1">
+              <a:defRPr sz="1800" kern="1200">
+                <a:solidFill>
+                  <a:schemeClr val="lt1"/>
+                </a:solidFill>
+                <a:latin typeface="+mn-lt"/>
+                <a:ea typeface="+mn-ea"/>
+                <a:cs typeface="+mn-cs"/>
+              </a:defRPr>
+            </a:lvl4pPr>
+            <a:lvl5pPr marL="1828800" algn="l" defTabSz="914400" rtl="0" eaLnBrk="1" latinLnBrk="0" hangingPunct="1">
+              <a:defRPr sz="1800" kern="1200">
+                <a:solidFill>
+                  <a:schemeClr val="lt1"/>
+                </a:solidFill>
+                <a:latin typeface="+mn-lt"/>
+                <a:ea typeface="+mn-ea"/>
+                <a:cs typeface="+mn-cs"/>
+              </a:defRPr>
+            </a:lvl5pPr>
+            <a:lvl6pPr marL="2286000" algn="l" defTabSz="914400" rtl="0" eaLnBrk="1" latinLnBrk="0" hangingPunct="1">
+              <a:defRPr sz="1800" kern="1200">
+                <a:solidFill>
+                  <a:schemeClr val="lt1"/>
+                </a:solidFill>
+                <a:latin typeface="+mn-lt"/>
+                <a:ea typeface="+mn-ea"/>
+                <a:cs typeface="+mn-cs"/>
+              </a:defRPr>
+            </a:lvl6pPr>
+            <a:lvl7pPr marL="2743200" algn="l" defTabSz="914400" rtl="0" eaLnBrk="1" latinLnBrk="0" hangingPunct="1">
+              <a:defRPr sz="1800" kern="1200">
+                <a:solidFill>
+                  <a:schemeClr val="lt1"/>
+                </a:solidFill>
+                <a:latin typeface="+mn-lt"/>
+                <a:ea typeface="+mn-ea"/>
+                <a:cs typeface="+mn-cs"/>
+              </a:defRPr>
+            </a:lvl7pPr>
+            <a:lvl8pPr marL="3200400" algn="l" defTabSz="914400" rtl="0" eaLnBrk="1" latinLnBrk="0" hangingPunct="1">
+              <a:defRPr sz="1800" kern="1200">
+                <a:solidFill>
+                  <a:schemeClr val="lt1"/>
+                </a:solidFill>
+                <a:latin typeface="+mn-lt"/>
+                <a:ea typeface="+mn-ea"/>
+                <a:cs typeface="+mn-cs"/>
+              </a:defRPr>
+            </a:lvl8pPr>
+            <a:lvl9pPr marL="3657600" algn="l" defTabSz="914400" rtl="0" eaLnBrk="1" latinLnBrk="0" hangingPunct="1">
+              <a:defRPr sz="1800" kern="1200">
+                <a:solidFill>
+                  <a:schemeClr val="lt1"/>
+                </a:solidFill>
+                <a:latin typeface="+mn-lt"/>
+                <a:ea typeface="+mn-ea"/>
+                <a:cs typeface="+mn-cs"/>
+              </a:defRPr>
+            </a:lvl9pPr>
+          </a:lstStyle>
+          <a:p>
+            <a:pPr algn="ctr"/>
+            <a:r>
+              <a:rPr lang="en-US" dirty="0" smtClean="0">
+                <a:solidFill>
+                  <a:schemeClr val="tx1"/>
+                </a:solidFill>
+              </a:rPr>
+              <a:t>RGBY</a:t>
+            </a:r>
+            <a:endParaRPr lang="en-US" dirty="0">
+              <a:solidFill>
+                <a:schemeClr val="tx1"/>
+              </a:solidFill>
+            </a:endParaRPr>
+          </a:p>
+        </p:txBody>
+      </p:sp>
+      <p:sp>
+        <p:nvSpPr>
+          <p:cNvPr id="16" name="Rectangle 15"/>
+          <p:cNvSpPr/>
+          <p:nvPr/>
+        </p:nvSpPr>
+        <p:spPr>
+          <a:xfrm>
+            <a:off x="7481207" y="4589595"/>
+            <a:ext cx="1556657" cy="1910444"/>
+          </a:xfrm>
+          <a:prstGeom prst="rect">
+            <a:avLst/>
+          </a:prstGeom>
+        </p:spPr>
+        <p:style>
+          <a:lnRef idx="2">
+            <a:schemeClr val="accent1">
+              <a:shade val="50000"/>
+            </a:schemeClr>
+          </a:lnRef>
+          <a:fillRef idx="1">
+            <a:schemeClr val="accent1"/>
+          </a:fillRef>
+          <a:effectRef idx="0">
+            <a:schemeClr val="accent1"/>
+          </a:effectRef>
+          <a:fontRef idx="minor">
+            <a:schemeClr val="lt1"/>
+          </a:fontRef>
+        </p:style>
+        <p:txBody>
+          <a:bodyPr rtlCol="0" anchor="ctr"/>
+          <a:lstStyle>
+            <a:defPPr>
+              <a:defRPr lang="en-US"/>
+            </a:defPPr>
+            <a:lvl1pPr marL="0" algn="l" defTabSz="914400" rtl="0" eaLnBrk="1" latinLnBrk="0" hangingPunct="1">
+              <a:defRPr sz="1800" kern="1200">
+                <a:solidFill>
+                  <a:schemeClr val="lt1"/>
+                </a:solidFill>
+                <a:latin typeface="+mn-lt"/>
+                <a:ea typeface="+mn-ea"/>
+                <a:cs typeface="+mn-cs"/>
+              </a:defRPr>
+            </a:lvl1pPr>
+            <a:lvl2pPr marL="457200" algn="l" defTabSz="914400" rtl="0" eaLnBrk="1" latinLnBrk="0" hangingPunct="1">
+              <a:defRPr sz="1800" kern="1200">
+                <a:solidFill>
+                  <a:schemeClr val="lt1"/>
+                </a:solidFill>
+                <a:latin typeface="+mn-lt"/>
+                <a:ea typeface="+mn-ea"/>
+                <a:cs typeface="+mn-cs"/>
+              </a:defRPr>
+            </a:lvl2pPr>
+            <a:lvl3pPr marL="914400" algn="l" defTabSz="914400" rtl="0" eaLnBrk="1" latinLnBrk="0" hangingPunct="1">
+              <a:defRPr sz="1800" kern="1200">
+                <a:solidFill>
+                  <a:schemeClr val="lt1"/>
+                </a:solidFill>
+                <a:latin typeface="+mn-lt"/>
+                <a:ea typeface="+mn-ea"/>
+                <a:cs typeface="+mn-cs"/>
+              </a:defRPr>
+            </a:lvl3pPr>
+            <a:lvl4pPr marL="1371600" algn="l" defTabSz="914400" rtl="0" eaLnBrk="1" latinLnBrk="0" hangingPunct="1">
+              <a:defRPr sz="1800" kern="1200">
+                <a:solidFill>
+                  <a:schemeClr val="lt1"/>
+                </a:solidFill>
+                <a:latin typeface="+mn-lt"/>
+                <a:ea typeface="+mn-ea"/>
+                <a:cs typeface="+mn-cs"/>
+              </a:defRPr>
+            </a:lvl4pPr>
+            <a:lvl5pPr marL="1828800" algn="l" defTabSz="914400" rtl="0" eaLnBrk="1" latinLnBrk="0" hangingPunct="1">
+              <a:defRPr sz="1800" kern="1200">
+                <a:solidFill>
+                  <a:schemeClr val="lt1"/>
+                </a:solidFill>
+                <a:latin typeface="+mn-lt"/>
+                <a:ea typeface="+mn-ea"/>
+                <a:cs typeface="+mn-cs"/>
+              </a:defRPr>
+            </a:lvl5pPr>
+            <a:lvl6pPr marL="2286000" algn="l" defTabSz="914400" rtl="0" eaLnBrk="1" latinLnBrk="0" hangingPunct="1">
+              <a:defRPr sz="1800" kern="1200">
+                <a:solidFill>
+                  <a:schemeClr val="lt1"/>
+                </a:solidFill>
+                <a:latin typeface="+mn-lt"/>
+                <a:ea typeface="+mn-ea"/>
+                <a:cs typeface="+mn-cs"/>
+              </a:defRPr>
+            </a:lvl6pPr>
+            <a:lvl7pPr marL="2743200" algn="l" defTabSz="914400" rtl="0" eaLnBrk="1" latinLnBrk="0" hangingPunct="1">
+              <a:defRPr sz="1800" kern="1200">
+                <a:solidFill>
+                  <a:schemeClr val="lt1"/>
+                </a:solidFill>
+                <a:latin typeface="+mn-lt"/>
+                <a:ea typeface="+mn-ea"/>
+                <a:cs typeface="+mn-cs"/>
+              </a:defRPr>
+            </a:lvl7pPr>
+            <a:lvl8pPr marL="3200400" algn="l" defTabSz="914400" rtl="0" eaLnBrk="1" latinLnBrk="0" hangingPunct="1">
+              <a:defRPr sz="1800" kern="1200">
+                <a:solidFill>
+                  <a:schemeClr val="lt1"/>
+                </a:solidFill>
+                <a:latin typeface="+mn-lt"/>
+                <a:ea typeface="+mn-ea"/>
+                <a:cs typeface="+mn-cs"/>
+              </a:defRPr>
+            </a:lvl8pPr>
+            <a:lvl9pPr marL="3657600" algn="l" defTabSz="914400" rtl="0" eaLnBrk="1" latinLnBrk="0" hangingPunct="1">
+              <a:defRPr sz="1800" kern="1200">
+                <a:solidFill>
+                  <a:schemeClr val="lt1"/>
+                </a:solidFill>
+                <a:latin typeface="+mn-lt"/>
+                <a:ea typeface="+mn-ea"/>
+                <a:cs typeface="+mn-cs"/>
+              </a:defRPr>
+            </a:lvl9pPr>
+          </a:lstStyle>
+          <a:p>
+            <a:pPr algn="ctr"/>
+            <a:endParaRPr lang="en-US"/>
+          </a:p>
+        </p:txBody>
+      </p:sp>
+      <p:sp>
+        <p:nvSpPr>
+          <p:cNvPr id="17" name="Rectangle 16"/>
+          <p:cNvSpPr/>
+          <p:nvPr/>
+        </p:nvSpPr>
+        <p:spPr>
+          <a:xfrm>
+            <a:off x="6376307" y="3305078"/>
+            <a:ext cx="1409700" cy="1284517"/>
+          </a:xfrm>
+          <a:prstGeom prst="rect">
+            <a:avLst/>
+          </a:prstGeom>
+        </p:spPr>
+        <p:style>
+          <a:lnRef idx="2">
+            <a:schemeClr val="accent1">
+              <a:shade val="50000"/>
+            </a:schemeClr>
+          </a:lnRef>
+          <a:fillRef idx="1">
+            <a:schemeClr val="accent1"/>
+          </a:fillRef>
+          <a:effectRef idx="0">
+            <a:schemeClr val="accent1"/>
+          </a:effectRef>
+          <a:fontRef idx="minor">
+            <a:schemeClr val="lt1"/>
+          </a:fontRef>
+        </p:style>
+        <p:txBody>
+          <a:bodyPr rtlCol="0" anchor="ctr"/>
+          <a:lstStyle>
+            <a:defPPr>
+              <a:defRPr lang="en-US"/>
+            </a:defPPr>
+            <a:lvl1pPr marL="0" algn="l" defTabSz="914400" rtl="0" eaLnBrk="1" latinLnBrk="0" hangingPunct="1">
+              <a:defRPr sz="1800" kern="1200">
+                <a:solidFill>
+                  <a:schemeClr val="lt1"/>
+                </a:solidFill>
+                <a:latin typeface="+mn-lt"/>
+                <a:ea typeface="+mn-ea"/>
+                <a:cs typeface="+mn-cs"/>
+              </a:defRPr>
+            </a:lvl1pPr>
+            <a:lvl2pPr marL="457200" algn="l" defTabSz="914400" rtl="0" eaLnBrk="1" latinLnBrk="0" hangingPunct="1">
+              <a:defRPr sz="1800" kern="1200">
+                <a:solidFill>
+                  <a:schemeClr val="lt1"/>
+                </a:solidFill>
+                <a:latin typeface="+mn-lt"/>
+                <a:ea typeface="+mn-ea"/>
+                <a:cs typeface="+mn-cs"/>
+              </a:defRPr>
+            </a:lvl2pPr>
+            <a:lvl3pPr marL="914400" algn="l" defTabSz="914400" rtl="0" eaLnBrk="1" latinLnBrk="0" hangingPunct="1">
+              <a:defRPr sz="1800" kern="1200">
+                <a:solidFill>
+                  <a:schemeClr val="lt1"/>
+                </a:solidFill>
+                <a:latin typeface="+mn-lt"/>
+                <a:ea typeface="+mn-ea"/>
+                <a:cs typeface="+mn-cs"/>
+              </a:defRPr>
+            </a:lvl3pPr>
+            <a:lvl4pPr marL="1371600" algn="l" defTabSz="914400" rtl="0" eaLnBrk="1" latinLnBrk="0" hangingPunct="1">
+              <a:defRPr sz="1800" kern="1200">
+                <a:solidFill>
+                  <a:schemeClr val="lt1"/>
+                </a:solidFill>
+                <a:latin typeface="+mn-lt"/>
+                <a:ea typeface="+mn-ea"/>
+                <a:cs typeface="+mn-cs"/>
+              </a:defRPr>
+            </a:lvl4pPr>
+            <a:lvl5pPr marL="1828800" algn="l" defTabSz="914400" rtl="0" eaLnBrk="1" latinLnBrk="0" hangingPunct="1">
+              <a:defRPr sz="1800" kern="1200">
+                <a:solidFill>
+                  <a:schemeClr val="lt1"/>
+                </a:solidFill>
+                <a:latin typeface="+mn-lt"/>
+                <a:ea typeface="+mn-ea"/>
+                <a:cs typeface="+mn-cs"/>
+              </a:defRPr>
+            </a:lvl5pPr>
+            <a:lvl6pPr marL="2286000" algn="l" defTabSz="914400" rtl="0" eaLnBrk="1" latinLnBrk="0" hangingPunct="1">
+              <a:defRPr sz="1800" kern="1200">
+                <a:solidFill>
+                  <a:schemeClr val="lt1"/>
+                </a:solidFill>
+                <a:latin typeface="+mn-lt"/>
+                <a:ea typeface="+mn-ea"/>
+                <a:cs typeface="+mn-cs"/>
+              </a:defRPr>
+            </a:lvl6pPr>
+            <a:lvl7pPr marL="2743200" algn="l" defTabSz="914400" rtl="0" eaLnBrk="1" latinLnBrk="0" hangingPunct="1">
+              <a:defRPr sz="1800" kern="1200">
+                <a:solidFill>
+                  <a:schemeClr val="lt1"/>
+                </a:solidFill>
+                <a:latin typeface="+mn-lt"/>
+                <a:ea typeface="+mn-ea"/>
+                <a:cs typeface="+mn-cs"/>
+              </a:defRPr>
+            </a:lvl7pPr>
+            <a:lvl8pPr marL="3200400" algn="l" defTabSz="914400" rtl="0" eaLnBrk="1" latinLnBrk="0" hangingPunct="1">
+              <a:defRPr sz="1800" kern="1200">
+                <a:solidFill>
+                  <a:schemeClr val="lt1"/>
+                </a:solidFill>
+                <a:latin typeface="+mn-lt"/>
+                <a:ea typeface="+mn-ea"/>
+                <a:cs typeface="+mn-cs"/>
+              </a:defRPr>
+            </a:lvl8pPr>
+            <a:lvl9pPr marL="3657600" algn="l" defTabSz="914400" rtl="0" eaLnBrk="1" latinLnBrk="0" hangingPunct="1">
+              <a:defRPr sz="1800" kern="1200">
+                <a:solidFill>
+                  <a:schemeClr val="lt1"/>
+                </a:solidFill>
+                <a:latin typeface="+mn-lt"/>
+                <a:ea typeface="+mn-ea"/>
+                <a:cs typeface="+mn-cs"/>
+              </a:defRPr>
+            </a:lvl9pPr>
+          </a:lstStyle>
+          <a:p>
+            <a:pPr algn="ctr"/>
+            <a:r>
+              <a:rPr lang="en-US" dirty="0" smtClean="0"/>
+              <a:t>B</a:t>
+            </a:r>
+            <a:endParaRPr lang="en-US" dirty="0"/>
+          </a:p>
+        </p:txBody>
+      </p:sp>
+      <p:sp>
+        <p:nvSpPr>
+          <p:cNvPr id="18" name="Rectangle 17"/>
+          <p:cNvSpPr/>
+          <p:nvPr/>
+        </p:nvSpPr>
+        <p:spPr>
+          <a:xfrm>
+            <a:off x="4819650" y="3634373"/>
+            <a:ext cx="1556657" cy="955222"/>
+          </a:xfrm>
+          <a:prstGeom prst="rect">
+            <a:avLst/>
+          </a:prstGeom>
+          <a:solidFill>
+            <a:srgbClr val="00B050"/>
+          </a:solidFill>
+        </p:spPr>
+        <p:style>
+          <a:lnRef idx="2">
+            <a:schemeClr val="accent1">
+              <a:shade val="50000"/>
+            </a:schemeClr>
+          </a:lnRef>
+          <a:fillRef idx="1">
+            <a:schemeClr val="accent1"/>
+          </a:fillRef>
+          <a:effectRef idx="0">
+            <a:schemeClr val="accent1"/>
+          </a:effectRef>
+          <a:fontRef idx="minor">
+            <a:schemeClr val="lt1"/>
+          </a:fontRef>
+        </p:style>
+        <p:txBody>
+          <a:bodyPr rtlCol="0" anchor="ctr"/>
+          <a:lstStyle>
+            <a:defPPr>
+              <a:defRPr lang="en-US"/>
+            </a:defPPr>
+            <a:lvl1pPr marL="0" algn="l" defTabSz="914400" rtl="0" eaLnBrk="1" latinLnBrk="0" hangingPunct="1">
+              <a:defRPr sz="1800" kern="1200">
+                <a:solidFill>
+                  <a:schemeClr val="lt1"/>
+                </a:solidFill>
+                <a:latin typeface="+mn-lt"/>
+                <a:ea typeface="+mn-ea"/>
+                <a:cs typeface="+mn-cs"/>
+              </a:defRPr>
+            </a:lvl1pPr>
+            <a:lvl2pPr marL="457200" algn="l" defTabSz="914400" rtl="0" eaLnBrk="1" latinLnBrk="0" hangingPunct="1">
+              <a:defRPr sz="1800" kern="1200">
+                <a:solidFill>
+                  <a:schemeClr val="lt1"/>
+                </a:solidFill>
+                <a:latin typeface="+mn-lt"/>
+                <a:ea typeface="+mn-ea"/>
+                <a:cs typeface="+mn-cs"/>
+              </a:defRPr>
+            </a:lvl2pPr>
+            <a:lvl3pPr marL="914400" algn="l" defTabSz="914400" rtl="0" eaLnBrk="1" latinLnBrk="0" hangingPunct="1">
+              <a:defRPr sz="1800" kern="1200">
+                <a:solidFill>
+                  <a:schemeClr val="lt1"/>
+                </a:solidFill>
+                <a:latin typeface="+mn-lt"/>
+                <a:ea typeface="+mn-ea"/>
+                <a:cs typeface="+mn-cs"/>
+              </a:defRPr>
+            </a:lvl3pPr>
+            <a:lvl4pPr marL="1371600" algn="l" defTabSz="914400" rtl="0" eaLnBrk="1" latinLnBrk="0" hangingPunct="1">
+              <a:defRPr sz="1800" kern="1200">
+                <a:solidFill>
+                  <a:schemeClr val="lt1"/>
+                </a:solidFill>
+                <a:latin typeface="+mn-lt"/>
+                <a:ea typeface="+mn-ea"/>
+                <a:cs typeface="+mn-cs"/>
+              </a:defRPr>
+            </a:lvl4pPr>
+            <a:lvl5pPr marL="1828800" algn="l" defTabSz="914400" rtl="0" eaLnBrk="1" latinLnBrk="0" hangingPunct="1">
+              <a:defRPr sz="1800" kern="1200">
+                <a:solidFill>
+                  <a:schemeClr val="lt1"/>
+                </a:solidFill>
+                <a:latin typeface="+mn-lt"/>
+                <a:ea typeface="+mn-ea"/>
+                <a:cs typeface="+mn-cs"/>
+              </a:defRPr>
+            </a:lvl5pPr>
+            <a:lvl6pPr marL="2286000" algn="l" defTabSz="914400" rtl="0" eaLnBrk="1" latinLnBrk="0" hangingPunct="1">
+              <a:defRPr sz="1800" kern="1200">
+                <a:solidFill>
+                  <a:schemeClr val="lt1"/>
+                </a:solidFill>
+                <a:latin typeface="+mn-lt"/>
+                <a:ea typeface="+mn-ea"/>
+                <a:cs typeface="+mn-cs"/>
+              </a:defRPr>
+            </a:lvl6pPr>
+            <a:lvl7pPr marL="2743200" algn="l" defTabSz="914400" rtl="0" eaLnBrk="1" latinLnBrk="0" hangingPunct="1">
+              <a:defRPr sz="1800" kern="1200">
+                <a:solidFill>
+                  <a:schemeClr val="lt1"/>
+                </a:solidFill>
+                <a:latin typeface="+mn-lt"/>
+                <a:ea typeface="+mn-ea"/>
+                <a:cs typeface="+mn-cs"/>
+              </a:defRPr>
+            </a:lvl7pPr>
+            <a:lvl8pPr marL="3200400" algn="l" defTabSz="914400" rtl="0" eaLnBrk="1" latinLnBrk="0" hangingPunct="1">
+              <a:defRPr sz="1800" kern="1200">
+                <a:solidFill>
+                  <a:schemeClr val="lt1"/>
+                </a:solidFill>
+                <a:latin typeface="+mn-lt"/>
+                <a:ea typeface="+mn-ea"/>
+                <a:cs typeface="+mn-cs"/>
+              </a:defRPr>
+            </a:lvl8pPr>
+            <a:lvl9pPr marL="3657600" algn="l" defTabSz="914400" rtl="0" eaLnBrk="1" latinLnBrk="0" hangingPunct="1">
+              <a:defRPr sz="1800" kern="1200">
+                <a:solidFill>
+                  <a:schemeClr val="lt1"/>
+                </a:solidFill>
+                <a:latin typeface="+mn-lt"/>
+                <a:ea typeface="+mn-ea"/>
+                <a:cs typeface="+mn-cs"/>
+              </a:defRPr>
+            </a:lvl9pPr>
+          </a:lstStyle>
+          <a:p>
+            <a:pPr algn="ctr"/>
+            <a:r>
+              <a:rPr lang="en-US" dirty="0" smtClean="0"/>
+              <a:t>G</a:t>
+            </a:r>
+            <a:endParaRPr lang="en-US" dirty="0"/>
+          </a:p>
+        </p:txBody>
+      </p:sp>
+      <p:sp>
+        <p:nvSpPr>
+          <p:cNvPr id="19" name="Rectangle 18"/>
+          <p:cNvSpPr/>
+          <p:nvPr/>
+        </p:nvSpPr>
+        <p:spPr>
+          <a:xfrm>
+            <a:off x="3154135" y="4589596"/>
+            <a:ext cx="1665515" cy="1910443"/>
+          </a:xfrm>
+          <a:prstGeom prst="rect">
+            <a:avLst/>
+          </a:prstGeom>
+          <a:solidFill>
+            <a:srgbClr val="FF0000"/>
+          </a:solidFill>
+        </p:spPr>
+        <p:style>
+          <a:lnRef idx="2">
+            <a:schemeClr val="accent1">
+              <a:shade val="50000"/>
+            </a:schemeClr>
+          </a:lnRef>
+          <a:fillRef idx="1">
+            <a:schemeClr val="accent1"/>
+          </a:fillRef>
+          <a:effectRef idx="0">
+            <a:schemeClr val="accent1"/>
+          </a:effectRef>
+          <a:fontRef idx="minor">
+            <a:schemeClr val="lt1"/>
+          </a:fontRef>
+        </p:style>
+        <p:txBody>
+          <a:bodyPr rtlCol="0" anchor="ctr"/>
+          <a:lstStyle>
+            <a:defPPr>
+              <a:defRPr lang="en-US"/>
+            </a:defPPr>
+            <a:lvl1pPr marL="0" algn="l" defTabSz="914400" rtl="0" eaLnBrk="1" latinLnBrk="0" hangingPunct="1">
+              <a:defRPr sz="1800" kern="1200">
+                <a:solidFill>
+                  <a:schemeClr val="lt1"/>
+                </a:solidFill>
+                <a:latin typeface="+mn-lt"/>
+                <a:ea typeface="+mn-ea"/>
+                <a:cs typeface="+mn-cs"/>
+              </a:defRPr>
+            </a:lvl1pPr>
+            <a:lvl2pPr marL="457200" algn="l" defTabSz="914400" rtl="0" eaLnBrk="1" latinLnBrk="0" hangingPunct="1">
+              <a:defRPr sz="1800" kern="1200">
+                <a:solidFill>
+                  <a:schemeClr val="lt1"/>
+                </a:solidFill>
+                <a:latin typeface="+mn-lt"/>
+                <a:ea typeface="+mn-ea"/>
+                <a:cs typeface="+mn-cs"/>
+              </a:defRPr>
+            </a:lvl2pPr>
+            <a:lvl3pPr marL="914400" algn="l" defTabSz="914400" rtl="0" eaLnBrk="1" latinLnBrk="0" hangingPunct="1">
+              <a:defRPr sz="1800" kern="1200">
+                <a:solidFill>
+                  <a:schemeClr val="lt1"/>
+                </a:solidFill>
+                <a:latin typeface="+mn-lt"/>
+                <a:ea typeface="+mn-ea"/>
+                <a:cs typeface="+mn-cs"/>
+              </a:defRPr>
+            </a:lvl3pPr>
+            <a:lvl4pPr marL="1371600" algn="l" defTabSz="914400" rtl="0" eaLnBrk="1" latinLnBrk="0" hangingPunct="1">
+              <a:defRPr sz="1800" kern="1200">
+                <a:solidFill>
+                  <a:schemeClr val="lt1"/>
+                </a:solidFill>
+                <a:latin typeface="+mn-lt"/>
+                <a:ea typeface="+mn-ea"/>
+                <a:cs typeface="+mn-cs"/>
+              </a:defRPr>
+            </a:lvl4pPr>
+            <a:lvl5pPr marL="1828800" algn="l" defTabSz="914400" rtl="0" eaLnBrk="1" latinLnBrk="0" hangingPunct="1">
+              <a:defRPr sz="1800" kern="1200">
+                <a:solidFill>
+                  <a:schemeClr val="lt1"/>
+                </a:solidFill>
+                <a:latin typeface="+mn-lt"/>
+                <a:ea typeface="+mn-ea"/>
+                <a:cs typeface="+mn-cs"/>
+              </a:defRPr>
+            </a:lvl5pPr>
+            <a:lvl6pPr marL="2286000" algn="l" defTabSz="914400" rtl="0" eaLnBrk="1" latinLnBrk="0" hangingPunct="1">
+              <a:defRPr sz="1800" kern="1200">
+                <a:solidFill>
+                  <a:schemeClr val="lt1"/>
+                </a:solidFill>
+                <a:latin typeface="+mn-lt"/>
+                <a:ea typeface="+mn-ea"/>
+                <a:cs typeface="+mn-cs"/>
+              </a:defRPr>
+            </a:lvl6pPr>
+            <a:lvl7pPr marL="2743200" algn="l" defTabSz="914400" rtl="0" eaLnBrk="1" latinLnBrk="0" hangingPunct="1">
+              <a:defRPr sz="1800" kern="1200">
+                <a:solidFill>
+                  <a:schemeClr val="lt1"/>
+                </a:solidFill>
+                <a:latin typeface="+mn-lt"/>
+                <a:ea typeface="+mn-ea"/>
+                <a:cs typeface="+mn-cs"/>
+              </a:defRPr>
+            </a:lvl7pPr>
+            <a:lvl8pPr marL="3200400" algn="l" defTabSz="914400" rtl="0" eaLnBrk="1" latinLnBrk="0" hangingPunct="1">
+              <a:defRPr sz="1800" kern="1200">
+                <a:solidFill>
+                  <a:schemeClr val="lt1"/>
+                </a:solidFill>
+                <a:latin typeface="+mn-lt"/>
+                <a:ea typeface="+mn-ea"/>
+                <a:cs typeface="+mn-cs"/>
+              </a:defRPr>
+            </a:lvl8pPr>
+            <a:lvl9pPr marL="3657600" algn="l" defTabSz="914400" rtl="0" eaLnBrk="1" latinLnBrk="0" hangingPunct="1">
+              <a:defRPr sz="1800" kern="1200">
+                <a:solidFill>
+                  <a:schemeClr val="lt1"/>
+                </a:solidFill>
+                <a:latin typeface="+mn-lt"/>
+                <a:ea typeface="+mn-ea"/>
+                <a:cs typeface="+mn-cs"/>
+              </a:defRPr>
+            </a:lvl9pPr>
+          </a:lstStyle>
+          <a:p>
+            <a:pPr algn="ctr"/>
+            <a:r>
+              <a:rPr lang="en-US" dirty="0" smtClean="0"/>
+              <a:t>R</a:t>
+            </a:r>
+            <a:endParaRPr lang="en-US" dirty="0"/>
+          </a:p>
+        </p:txBody>
+      </p:sp>
+      <p:sp>
+        <p:nvSpPr>
+          <p:cNvPr id="20" name="TextBox 20"/>
+          <p:cNvSpPr txBox="1"/>
+          <p:nvPr/>
+        </p:nvSpPr>
+        <p:spPr>
+          <a:xfrm>
+            <a:off x="5891242" y="6514616"/>
+            <a:ext cx="417102" cy="369332"/>
+          </a:xfrm>
+          <a:prstGeom prst="rect">
+            <a:avLst/>
+          </a:prstGeom>
+          <a:noFill/>
+        </p:spPr>
+        <p:txBody>
+          <a:bodyPr wrap="none" rtlCol="0">
+            <a:spAutoFit/>
+          </a:bodyPr>
+          <a:lstStyle>
+            <a:defPPr>
+              <a:defRPr lang="en-US"/>
+            </a:defPPr>
+            <a:lvl1pPr marL="0" algn="l" defTabSz="914400" rtl="0" eaLnBrk="1" latinLnBrk="0" hangingPunct="1">
+              <a:defRPr sz="1800" kern="1200">
+                <a:solidFill>
+                  <a:schemeClr val="tx1"/>
+                </a:solidFill>
+                <a:latin typeface="+mn-lt"/>
+                <a:ea typeface="+mn-ea"/>
+                <a:cs typeface="+mn-cs"/>
+              </a:defRPr>
+            </a:lvl1pPr>
+            <a:lvl2pPr marL="457200" algn="l" defTabSz="914400" rtl="0" eaLnBrk="1" latinLnBrk="0" hangingPunct="1">
+              <a:defRPr sz="1800" kern="1200">
+                <a:solidFill>
+                  <a:schemeClr val="tx1"/>
+                </a:solidFill>
+                <a:latin typeface="+mn-lt"/>
+                <a:ea typeface="+mn-ea"/>
+                <a:cs typeface="+mn-cs"/>
+              </a:defRPr>
+            </a:lvl2pPr>
+            <a:lvl3pPr marL="914400" algn="l" defTabSz="914400" rtl="0" eaLnBrk="1" latinLnBrk="0" hangingPunct="1">
+              <a:defRPr sz="1800" kern="1200">
+                <a:solidFill>
+                  <a:schemeClr val="tx1"/>
+                </a:solidFill>
+                <a:latin typeface="+mn-lt"/>
+                <a:ea typeface="+mn-ea"/>
+                <a:cs typeface="+mn-cs"/>
+              </a:defRPr>
+            </a:lvl3pPr>
+            <a:lvl4pPr marL="1371600" algn="l" defTabSz="914400" rtl="0" eaLnBrk="1" latinLnBrk="0" hangingPunct="1">
+              <a:defRPr sz="1800" kern="1200">
+                <a:solidFill>
+                  <a:schemeClr val="tx1"/>
+                </a:solidFill>
+                <a:latin typeface="+mn-lt"/>
+                <a:ea typeface="+mn-ea"/>
+                <a:cs typeface="+mn-cs"/>
+              </a:defRPr>
+            </a:lvl4pPr>
+            <a:lvl5pPr marL="1828800" algn="l" defTabSz="914400" rtl="0" eaLnBrk="1" latinLnBrk="0" hangingPunct="1">
+              <a:defRPr sz="1800" kern="1200">
+                <a:solidFill>
+                  <a:schemeClr val="tx1"/>
+                </a:solidFill>
+                <a:latin typeface="+mn-lt"/>
+                <a:ea typeface="+mn-ea"/>
+                <a:cs typeface="+mn-cs"/>
+              </a:defRPr>
+            </a:lvl5pPr>
+            <a:lvl6pPr marL="2286000" algn="l" defTabSz="914400" rtl="0" eaLnBrk="1" latinLnBrk="0" hangingPunct="1">
+              <a:defRPr sz="1800" kern="1200">
+                <a:solidFill>
+                  <a:schemeClr val="tx1"/>
+                </a:solidFill>
+                <a:latin typeface="+mn-lt"/>
+                <a:ea typeface="+mn-ea"/>
+                <a:cs typeface="+mn-cs"/>
+              </a:defRPr>
+            </a:lvl6pPr>
+            <a:lvl7pPr marL="2743200" algn="l" defTabSz="914400" rtl="0" eaLnBrk="1" latinLnBrk="0" hangingPunct="1">
+              <a:defRPr sz="1800" kern="1200">
+                <a:solidFill>
+                  <a:schemeClr val="tx1"/>
+                </a:solidFill>
+                <a:latin typeface="+mn-lt"/>
+                <a:ea typeface="+mn-ea"/>
+                <a:cs typeface="+mn-cs"/>
+              </a:defRPr>
+            </a:lvl7pPr>
+            <a:lvl8pPr marL="3200400" algn="l" defTabSz="914400" rtl="0" eaLnBrk="1" latinLnBrk="0" hangingPunct="1">
+              <a:defRPr sz="1800" kern="1200">
+                <a:solidFill>
+                  <a:schemeClr val="tx1"/>
+                </a:solidFill>
+                <a:latin typeface="+mn-lt"/>
+                <a:ea typeface="+mn-ea"/>
+                <a:cs typeface="+mn-cs"/>
+              </a:defRPr>
+            </a:lvl8pPr>
+            <a:lvl9pPr marL="3657600" algn="l" defTabSz="914400" rtl="0" eaLnBrk="1" latinLnBrk="0" hangingPunct="1">
+              <a:defRPr sz="1800" kern="1200">
+                <a:solidFill>
+                  <a:schemeClr val="tx1"/>
+                </a:solidFill>
+                <a:latin typeface="+mn-lt"/>
+                <a:ea typeface="+mn-ea"/>
+                <a:cs typeface="+mn-cs"/>
+              </a:defRPr>
+            </a:lvl9pPr>
+          </a:lstStyle>
+          <a:p>
+            <a:r>
+              <a:rPr lang="en-US" dirty="0" smtClean="0"/>
+              <a:t>TX</a:t>
+            </a:r>
+            <a:endParaRPr lang="en-US" dirty="0"/>
+          </a:p>
+        </p:txBody>
+      </p:sp>
+      <p:sp>
+        <p:nvSpPr>
+          <p:cNvPr id="21" name="TextBox 22"/>
+          <p:cNvSpPr txBox="1"/>
+          <p:nvPr/>
+        </p:nvSpPr>
+        <p:spPr>
+          <a:xfrm>
+            <a:off x="5390230" y="3305078"/>
+            <a:ext cx="501012" cy="369332"/>
+          </a:xfrm>
+          <a:prstGeom prst="rect">
+            <a:avLst/>
+          </a:prstGeom>
+          <a:noFill/>
+        </p:spPr>
+        <p:txBody>
+          <a:bodyPr wrap="square" rtlCol="0">
+            <a:spAutoFit/>
+          </a:bodyPr>
+          <a:lstStyle>
+            <a:defPPr>
+              <a:defRPr lang="en-US"/>
+            </a:defPPr>
+            <a:lvl1pPr marL="0" algn="l" defTabSz="914400" rtl="0" eaLnBrk="1" latinLnBrk="0" hangingPunct="1">
+              <a:defRPr sz="1800" kern="1200">
+                <a:solidFill>
+                  <a:schemeClr val="tx1"/>
+                </a:solidFill>
+                <a:latin typeface="+mn-lt"/>
+                <a:ea typeface="+mn-ea"/>
+                <a:cs typeface="+mn-cs"/>
+              </a:defRPr>
+            </a:lvl1pPr>
+            <a:lvl2pPr marL="457200" algn="l" defTabSz="914400" rtl="0" eaLnBrk="1" latinLnBrk="0" hangingPunct="1">
+              <a:defRPr sz="1800" kern="1200">
+                <a:solidFill>
+                  <a:schemeClr val="tx1"/>
+                </a:solidFill>
+                <a:latin typeface="+mn-lt"/>
+                <a:ea typeface="+mn-ea"/>
+                <a:cs typeface="+mn-cs"/>
+              </a:defRPr>
+            </a:lvl2pPr>
+            <a:lvl3pPr marL="914400" algn="l" defTabSz="914400" rtl="0" eaLnBrk="1" latinLnBrk="0" hangingPunct="1">
+              <a:defRPr sz="1800" kern="1200">
+                <a:solidFill>
+                  <a:schemeClr val="tx1"/>
+                </a:solidFill>
+                <a:latin typeface="+mn-lt"/>
+                <a:ea typeface="+mn-ea"/>
+                <a:cs typeface="+mn-cs"/>
+              </a:defRPr>
+            </a:lvl3pPr>
+            <a:lvl4pPr marL="1371600" algn="l" defTabSz="914400" rtl="0" eaLnBrk="1" latinLnBrk="0" hangingPunct="1">
+              <a:defRPr sz="1800" kern="1200">
+                <a:solidFill>
+                  <a:schemeClr val="tx1"/>
+                </a:solidFill>
+                <a:latin typeface="+mn-lt"/>
+                <a:ea typeface="+mn-ea"/>
+                <a:cs typeface="+mn-cs"/>
+              </a:defRPr>
+            </a:lvl4pPr>
+            <a:lvl5pPr marL="1828800" algn="l" defTabSz="914400" rtl="0" eaLnBrk="1" latinLnBrk="0" hangingPunct="1">
+              <a:defRPr sz="1800" kern="1200">
+                <a:solidFill>
+                  <a:schemeClr val="tx1"/>
+                </a:solidFill>
+                <a:latin typeface="+mn-lt"/>
+                <a:ea typeface="+mn-ea"/>
+                <a:cs typeface="+mn-cs"/>
+              </a:defRPr>
+            </a:lvl5pPr>
+            <a:lvl6pPr marL="2286000" algn="l" defTabSz="914400" rtl="0" eaLnBrk="1" latinLnBrk="0" hangingPunct="1">
+              <a:defRPr sz="1800" kern="1200">
+                <a:solidFill>
+                  <a:schemeClr val="tx1"/>
+                </a:solidFill>
+                <a:latin typeface="+mn-lt"/>
+                <a:ea typeface="+mn-ea"/>
+                <a:cs typeface="+mn-cs"/>
+              </a:defRPr>
+            </a:lvl6pPr>
+            <a:lvl7pPr marL="2743200" algn="l" defTabSz="914400" rtl="0" eaLnBrk="1" latinLnBrk="0" hangingPunct="1">
+              <a:defRPr sz="1800" kern="1200">
+                <a:solidFill>
+                  <a:schemeClr val="tx1"/>
+                </a:solidFill>
+                <a:latin typeface="+mn-lt"/>
+                <a:ea typeface="+mn-ea"/>
+                <a:cs typeface="+mn-cs"/>
+              </a:defRPr>
+            </a:lvl7pPr>
+            <a:lvl8pPr marL="3200400" algn="l" defTabSz="914400" rtl="0" eaLnBrk="1" latinLnBrk="0" hangingPunct="1">
+              <a:defRPr sz="1800" kern="1200">
+                <a:solidFill>
+                  <a:schemeClr val="tx1"/>
+                </a:solidFill>
+                <a:latin typeface="+mn-lt"/>
+                <a:ea typeface="+mn-ea"/>
+                <a:cs typeface="+mn-cs"/>
+              </a:defRPr>
+            </a:lvl8pPr>
+            <a:lvl9pPr marL="3657600" algn="l" defTabSz="914400" rtl="0" eaLnBrk="1" latinLnBrk="0" hangingPunct="1">
+              <a:defRPr sz="1800" kern="1200">
+                <a:solidFill>
+                  <a:schemeClr val="tx1"/>
+                </a:solidFill>
+                <a:latin typeface="+mn-lt"/>
+                <a:ea typeface="+mn-ea"/>
+                <a:cs typeface="+mn-cs"/>
+              </a:defRPr>
+            </a:lvl9pPr>
+          </a:lstStyle>
+          <a:p>
+            <a:r>
+              <a:rPr lang="en-US" dirty="0" smtClean="0"/>
+              <a:t>OK</a:t>
+            </a:r>
+            <a:endParaRPr lang="en-US" dirty="0"/>
+          </a:p>
+        </p:txBody>
+      </p:sp>
+      <p:sp>
+        <p:nvSpPr>
+          <p:cNvPr id="22" name="TextBox 28"/>
+          <p:cNvSpPr txBox="1"/>
+          <p:nvPr/>
+        </p:nvSpPr>
+        <p:spPr>
+          <a:xfrm>
+            <a:off x="7822396" y="3634373"/>
+            <a:ext cx="437940" cy="369332"/>
+          </a:xfrm>
+          <a:prstGeom prst="rect">
+            <a:avLst/>
+          </a:prstGeom>
+          <a:noFill/>
+        </p:spPr>
+        <p:txBody>
+          <a:bodyPr wrap="none" rtlCol="0">
+            <a:spAutoFit/>
+          </a:bodyPr>
+          <a:lstStyle>
+            <a:defPPr>
+              <a:defRPr lang="en-US"/>
+            </a:defPPr>
+            <a:lvl1pPr marL="0" algn="l" defTabSz="914400" rtl="0" eaLnBrk="1" latinLnBrk="0" hangingPunct="1">
+              <a:defRPr sz="1800" kern="1200">
+                <a:solidFill>
+                  <a:schemeClr val="tx1"/>
+                </a:solidFill>
+                <a:latin typeface="+mn-lt"/>
+                <a:ea typeface="+mn-ea"/>
+                <a:cs typeface="+mn-cs"/>
+              </a:defRPr>
+            </a:lvl1pPr>
+            <a:lvl2pPr marL="457200" algn="l" defTabSz="914400" rtl="0" eaLnBrk="1" latinLnBrk="0" hangingPunct="1">
+              <a:defRPr sz="1800" kern="1200">
+                <a:solidFill>
+                  <a:schemeClr val="tx1"/>
+                </a:solidFill>
+                <a:latin typeface="+mn-lt"/>
+                <a:ea typeface="+mn-ea"/>
+                <a:cs typeface="+mn-cs"/>
+              </a:defRPr>
+            </a:lvl2pPr>
+            <a:lvl3pPr marL="914400" algn="l" defTabSz="914400" rtl="0" eaLnBrk="1" latinLnBrk="0" hangingPunct="1">
+              <a:defRPr sz="1800" kern="1200">
+                <a:solidFill>
+                  <a:schemeClr val="tx1"/>
+                </a:solidFill>
+                <a:latin typeface="+mn-lt"/>
+                <a:ea typeface="+mn-ea"/>
+                <a:cs typeface="+mn-cs"/>
+              </a:defRPr>
+            </a:lvl3pPr>
+            <a:lvl4pPr marL="1371600" algn="l" defTabSz="914400" rtl="0" eaLnBrk="1" latinLnBrk="0" hangingPunct="1">
+              <a:defRPr sz="1800" kern="1200">
+                <a:solidFill>
+                  <a:schemeClr val="tx1"/>
+                </a:solidFill>
+                <a:latin typeface="+mn-lt"/>
+                <a:ea typeface="+mn-ea"/>
+                <a:cs typeface="+mn-cs"/>
+              </a:defRPr>
+            </a:lvl4pPr>
+            <a:lvl5pPr marL="1828800" algn="l" defTabSz="914400" rtl="0" eaLnBrk="1" latinLnBrk="0" hangingPunct="1">
+              <a:defRPr sz="1800" kern="1200">
+                <a:solidFill>
+                  <a:schemeClr val="tx1"/>
+                </a:solidFill>
+                <a:latin typeface="+mn-lt"/>
+                <a:ea typeface="+mn-ea"/>
+                <a:cs typeface="+mn-cs"/>
+              </a:defRPr>
+            </a:lvl5pPr>
+            <a:lvl6pPr marL="2286000" algn="l" defTabSz="914400" rtl="0" eaLnBrk="1" latinLnBrk="0" hangingPunct="1">
+              <a:defRPr sz="1800" kern="1200">
+                <a:solidFill>
+                  <a:schemeClr val="tx1"/>
+                </a:solidFill>
+                <a:latin typeface="+mn-lt"/>
+                <a:ea typeface="+mn-ea"/>
+                <a:cs typeface="+mn-cs"/>
+              </a:defRPr>
+            </a:lvl6pPr>
+            <a:lvl7pPr marL="2743200" algn="l" defTabSz="914400" rtl="0" eaLnBrk="1" latinLnBrk="0" hangingPunct="1">
+              <a:defRPr sz="1800" kern="1200">
+                <a:solidFill>
+                  <a:schemeClr val="tx1"/>
+                </a:solidFill>
+                <a:latin typeface="+mn-lt"/>
+                <a:ea typeface="+mn-ea"/>
+                <a:cs typeface="+mn-cs"/>
+              </a:defRPr>
+            </a:lvl7pPr>
+            <a:lvl8pPr marL="3200400" algn="l" defTabSz="914400" rtl="0" eaLnBrk="1" latinLnBrk="0" hangingPunct="1">
+              <a:defRPr sz="1800" kern="1200">
+                <a:solidFill>
+                  <a:schemeClr val="tx1"/>
+                </a:solidFill>
+                <a:latin typeface="+mn-lt"/>
+                <a:ea typeface="+mn-ea"/>
+                <a:cs typeface="+mn-cs"/>
+              </a:defRPr>
+            </a:lvl8pPr>
+            <a:lvl9pPr marL="3657600" algn="l" defTabSz="914400" rtl="0" eaLnBrk="1" latinLnBrk="0" hangingPunct="1">
+              <a:defRPr sz="1800" kern="1200">
+                <a:solidFill>
+                  <a:schemeClr val="tx1"/>
+                </a:solidFill>
+                <a:latin typeface="+mn-lt"/>
+                <a:ea typeface="+mn-ea"/>
+                <a:cs typeface="+mn-cs"/>
+              </a:defRPr>
+            </a:lvl9pPr>
+          </a:lstStyle>
+          <a:p>
+            <a:r>
+              <a:rPr lang="en-US" dirty="0" smtClean="0"/>
+              <a:t>AK</a:t>
+            </a:r>
+            <a:endParaRPr lang="en-US" dirty="0"/>
+          </a:p>
+        </p:txBody>
+      </p:sp>
+    </p:spTree>
+    <p:extLst>
+      <p:ext uri="{BB962C8B-B14F-4D97-AF65-F5344CB8AC3E}">
+        <p14:creationId xmlns:p14="http://schemas.microsoft.com/office/powerpoint/2010/main" val="1130125080"/>
+      </p:ext>
+    </p:extLst>
+  </p:cSld>
+  <p:clrMapOvr>
+    <a:masterClrMapping/>
+  </p:clrMapOvr>
+</p:sld>
+</file>
+
+<file path=ppt/slides/slide41.xml><?xml version="1.0" encoding="utf-8"?>
+<p:sld xmlns:a="http://schemas.openxmlformats.org/drawingml/2006/main" xmlns:r="http://schemas.openxmlformats.org/officeDocument/2006/relationships" xmlns:p="http://schemas.openxmlformats.org/presentationml/2006/main">
+  <p:cSld>
+    <p:spTree>
+      <p:nvGrpSpPr>
+        <p:cNvPr id="1" name=""/>
+        <p:cNvGrpSpPr/>
+        <p:nvPr/>
+      </p:nvGrpSpPr>
+      <p:grpSpPr>
+        <a:xfrm>
+          <a:off x="0" y="0"/>
+          <a:ext cx="0" cy="0"/>
+          <a:chOff x="0" y="0"/>
+          <a:chExt cx="0" cy="0"/>
+        </a:xfrm>
+      </p:grpSpPr>
+      <p:sp>
+        <p:nvSpPr>
+          <p:cNvPr id="3" name="Subtitle 2"/>
+          <p:cNvSpPr>
+            <a:spLocks noGrp="1"/>
+          </p:cNvSpPr>
+          <p:nvPr>
+            <p:ph type="subTitle" idx="1"/>
+          </p:nvPr>
+        </p:nvSpPr>
+        <p:spPr>
+          <a:xfrm>
             <a:off x="1166948" y="815294"/>
             <a:ext cx="9144000" cy="5498419"/>
           </a:xfrm>
@@ -13007,6 +14197,10 @@
           </a:p>
           <a:p>
             <a:pPr algn="l"/>
+            <a:r>
+              <a:rPr lang="en-US" sz="6600" dirty="0"/>
+              <a:t/>
+            </a:r>
             <a:br>
               <a:rPr lang="en-US" sz="6600" dirty="0"/>
             </a:br>
@@ -16378,6 +17572,15 @@
 </file>
 
 <file path=customXml/item1.xml><?xml version="1.0" encoding="utf-8"?>
+<?mso-contentType ?>
+<FormTemplates xmlns="http://schemas.microsoft.com/sharepoint/v3/contenttype/forms">
+  <Display>DocumentLibraryForm</Display>
+  <Edit>DocumentLibraryForm</Edit>
+  <New>DocumentLibraryForm</New>
+</FormTemplates>
+</file>
+
+<file path=customXml/item2.xml><?xml version="1.0" encoding="utf-8"?>
 <ct:contentTypeSchema xmlns:ct="http://schemas.microsoft.com/office/2006/metadata/contentType" xmlns:ma="http://schemas.microsoft.com/office/2006/metadata/properties/metaAttributes" ct:_="" ma:_="" ma:contentTypeName="Document" ma:contentTypeID="0x01010040A75B615E1C194CABC80F3CAEA6E4E5" ma:contentTypeVersion="9" ma:contentTypeDescription="Create a new document." ma:contentTypeScope="" ma:versionID="4a1cf2a28ba0a9e91fab658e05820dde">
   <xsd:schema xmlns:xsd="http://www.w3.org/2001/XMLSchema" xmlns:xs="http://www.w3.org/2001/XMLSchema" xmlns:p="http://schemas.microsoft.com/office/2006/metadata/properties" xmlns:ns3="d97dfd74-0758-4aac-b7c3-4f13d10397e8" xmlns:ns4="851bce1a-01c5-49d9-967d-64af5945ebef" targetNamespace="http://schemas.microsoft.com/office/2006/metadata/properties" ma:root="true" ma:fieldsID="090359357a8ddcd8bb6253bd66cd91d0" ns3:_="" ns4:_="">
     <xsd:import namespace="d97dfd74-0758-4aac-b7c3-4f13d10397e8"/>
@@ -16574,15 +17777,6 @@
 </ct:contentTypeSchema>
 </file>
 
-<file path=customXml/item2.xml><?xml version="1.0" encoding="utf-8"?>
-<?mso-contentType ?>
-<FormTemplates xmlns="http://schemas.microsoft.com/sharepoint/v3/contenttype/forms">
-  <Display>DocumentLibraryForm</Display>
-  <Edit>DocumentLibraryForm</Edit>
-  <New>DocumentLibraryForm</New>
-</FormTemplates>
-</file>
-
 <file path=customXml/item3.xml><?xml version="1.0" encoding="utf-8"?>
 <p:properties xmlns:p="http://schemas.microsoft.com/office/2006/metadata/properties" xmlns:xsi="http://www.w3.org/2001/XMLSchema-instance" xmlns:pc="http://schemas.microsoft.com/office/infopath/2007/PartnerControls">
   <documentManagement/>
@@ -16590,6 +17784,14 @@
 </file>
 
 <file path=customXml/itemProps1.xml><?xml version="1.0" encoding="utf-8"?>
+<ds:datastoreItem xmlns:ds="http://schemas.openxmlformats.org/officeDocument/2006/customXml" ds:itemID="{9A56549F-9000-409B-8EE1-A7AE4257567A}">
+  <ds:schemaRefs>
+    <ds:schemaRef ds:uri="http://schemas.microsoft.com/sharepoint/v3/contenttype/forms"/>
+  </ds:schemaRefs>
+</ds:datastoreItem>
+</file>
+
+<file path=customXml/itemProps2.xml><?xml version="1.0" encoding="utf-8"?>
 <ds:datastoreItem xmlns:ds="http://schemas.openxmlformats.org/officeDocument/2006/customXml" ds:itemID="{A173A3F4-56E8-4506-812D-90D9C8F7ED90}">
   <ds:schemaRefs>
     <ds:schemaRef ds:uri="http://schemas.microsoft.com/office/2006/metadata/contentType"/>
@@ -16604,14 +17806,6 @@
     <ds:schemaRef ds:uri="http://purl.org/dc/elements/1.1/"/>
     <ds:schemaRef ds:uri="http://purl.org/dc/terms/"/>
     <ds:schemaRef ds:uri="http://schemas.microsoft.com/internal/obd"/>
-  </ds:schemaRefs>
-</ds:datastoreItem>
-</file>
-
-<file path=customXml/itemProps2.xml><?xml version="1.0" encoding="utf-8"?>
-<ds:datastoreItem xmlns:ds="http://schemas.openxmlformats.org/officeDocument/2006/customXml" ds:itemID="{9A56549F-9000-409B-8EE1-A7AE4257567A}">
-  <ds:schemaRefs>
-    <ds:schemaRef ds:uri="http://schemas.microsoft.com/sharepoint/v3/contenttype/forms"/>
   </ds:schemaRefs>
 </ds:datastoreItem>
 </file>

--- a/AI-ML-DL/Machine Learning.pptx
+++ b/AI-ML-DL/Machine Learning.pptx
@@ -5,13 +5,13 @@
     <p:sldMasterId id="2147483648" r:id="rId4"/>
   </p:sldMasterIdLst>
   <p:notesMasterIdLst>
-    <p:notesMasterId r:id="rId46"/>
+    <p:notesMasterId r:id="rId48"/>
   </p:notesMasterIdLst>
   <p:sldIdLst>
     <p:sldId id="256" r:id="rId5"/>
-    <p:sldId id="285" r:id="rId6"/>
-    <p:sldId id="296" r:id="rId7"/>
-    <p:sldId id="260" r:id="rId8"/>
+    <p:sldId id="296" r:id="rId6"/>
+    <p:sldId id="260" r:id="rId7"/>
+    <p:sldId id="285" r:id="rId8"/>
     <p:sldId id="289" r:id="rId9"/>
     <p:sldId id="291" r:id="rId10"/>
     <p:sldId id="293" r:id="rId11"/>
@@ -44,11 +44,13 @@
     <p:sldId id="264" r:id="rId38"/>
     <p:sldId id="265" r:id="rId39"/>
     <p:sldId id="287" r:id="rId40"/>
-    <p:sldId id="266" r:id="rId41"/>
-    <p:sldId id="294" r:id="rId42"/>
-    <p:sldId id="295" r:id="rId43"/>
-    <p:sldId id="297" r:id="rId44"/>
-    <p:sldId id="286" r:id="rId45"/>
+    <p:sldId id="299" r:id="rId41"/>
+    <p:sldId id="266" r:id="rId42"/>
+    <p:sldId id="294" r:id="rId43"/>
+    <p:sldId id="295" r:id="rId44"/>
+    <p:sldId id="297" r:id="rId45"/>
+    <p:sldId id="298" r:id="rId46"/>
+    <p:sldId id="286" r:id="rId47"/>
   </p:sldIdLst>
   <p:sldSz cx="12192000" cy="6858000"/>
   <p:notesSz cx="6858000" cy="9144000"/>
@@ -245,7 +247,7 @@
           <a:p>
             <a:fld id="{1E5BB661-8884-4460-B9ED-FD0D9BF054C6}" type="datetimeFigureOut">
               <a:rPr lang="en-US" smtClean="0"/>
-              <a:t>6/26/2020</a:t>
+              <a:t>6/27/2020</a:t>
             </a:fld>
             <a:endParaRPr lang="en-US"/>
           </a:p>
@@ -834,6 +836,47 @@
           <a:p>
             <a:endParaRPr lang="en-US" dirty="0"/>
           </a:p>
+          <a:p>
+            <a:pPr marL="0" marR="0" lvl="0" indent="0" algn="l" defTabSz="914400" rtl="0" eaLnBrk="1" fontAlgn="auto" latinLnBrk="0" hangingPunct="1">
+              <a:lnSpc>
+                <a:spcPct val="100000"/>
+              </a:lnSpc>
+              <a:spcBef>
+                <a:spcPts val="0"/>
+              </a:spcBef>
+              <a:spcAft>
+                <a:spcPts val="0"/>
+              </a:spcAft>
+              <a:buClrTx/>
+              <a:buSzTx/>
+              <a:buFontTx/>
+              <a:buNone/>
+              <a:tabLst/>
+              <a:defRPr/>
+            </a:pPr>
+            <a:r>
+              <a:rPr lang="en-US" dirty="0"/>
+              <a:t>80-90s: </a:t>
+            </a:r>
+            <a:r>
+              <a:rPr lang="en-US" sz="1200" dirty="0"/>
+              <a:t>Guzman-&gt;Huffman-&gt;Waltz (decision tree, SVM)</a:t>
+            </a:r>
+          </a:p>
+          <a:p>
+            <a:r>
+              <a:rPr lang="en-US" dirty="0"/>
+              <a:t>2012: Alex </a:t>
+            </a:r>
+            <a:r>
+              <a:rPr lang="en-US" dirty="0" err="1"/>
+              <a:t>Krizhevsky</a:t>
+            </a:r>
+            <a:r>
+              <a:rPr lang="en-US" dirty="0"/>
+              <a:t> – University of Toronto</a:t>
+            </a:r>
+          </a:p>
         </p:txBody>
       </p:sp>
       <p:sp>
@@ -853,7 +896,7 @@
           <a:p>
             <a:fld id="{95EDE83F-F192-4237-87E6-BD69D3B8E2F0}" type="slidenum">
               <a:rPr lang="en-US" smtClean="0"/>
-              <a:t>4</a:t>
+              <a:t>3</a:t>
             </a:fld>
             <a:endParaRPr lang="en-US"/>
           </a:p>
@@ -1668,7 +1711,7 @@
           <a:p>
             <a:fld id="{99CA405F-FDE6-4D37-9F47-E73AA25D91EF}" type="datetimeFigureOut">
               <a:rPr lang="en-US" smtClean="0"/>
-              <a:t>6/26/2020</a:t>
+              <a:t>6/27/2020</a:t>
             </a:fld>
             <a:endParaRPr lang="en-US"/>
           </a:p>
@@ -1836,7 +1879,7 @@
           <a:p>
             <a:fld id="{99CA405F-FDE6-4D37-9F47-E73AA25D91EF}" type="datetimeFigureOut">
               <a:rPr lang="en-US" smtClean="0"/>
-              <a:t>6/26/2020</a:t>
+              <a:t>6/27/2020</a:t>
             </a:fld>
             <a:endParaRPr lang="en-US"/>
           </a:p>
@@ -2014,7 +2057,7 @@
           <a:p>
             <a:fld id="{99CA405F-FDE6-4D37-9F47-E73AA25D91EF}" type="datetimeFigureOut">
               <a:rPr lang="en-US" smtClean="0"/>
-              <a:t>6/26/2020</a:t>
+              <a:t>6/27/2020</a:t>
             </a:fld>
             <a:endParaRPr lang="en-US"/>
           </a:p>
@@ -2182,7 +2225,7 @@
           <a:p>
             <a:fld id="{99CA405F-FDE6-4D37-9F47-E73AA25D91EF}" type="datetimeFigureOut">
               <a:rPr lang="en-US" smtClean="0"/>
-              <a:t>6/26/2020</a:t>
+              <a:t>6/27/2020</a:t>
             </a:fld>
             <a:endParaRPr lang="en-US"/>
           </a:p>
@@ -2427,7 +2470,7 @@
           <a:p>
             <a:fld id="{99CA405F-FDE6-4D37-9F47-E73AA25D91EF}" type="datetimeFigureOut">
               <a:rPr lang="en-US" smtClean="0"/>
-              <a:t>6/26/2020</a:t>
+              <a:t>6/27/2020</a:t>
             </a:fld>
             <a:endParaRPr lang="en-US"/>
           </a:p>
@@ -2656,7 +2699,7 @@
           <a:p>
             <a:fld id="{99CA405F-FDE6-4D37-9F47-E73AA25D91EF}" type="datetimeFigureOut">
               <a:rPr lang="en-US" smtClean="0"/>
-              <a:t>6/26/2020</a:t>
+              <a:t>6/27/2020</a:t>
             </a:fld>
             <a:endParaRPr lang="en-US"/>
           </a:p>
@@ -3020,7 +3063,7 @@
           <a:p>
             <a:fld id="{99CA405F-FDE6-4D37-9F47-E73AA25D91EF}" type="datetimeFigureOut">
               <a:rPr lang="en-US" smtClean="0"/>
-              <a:t>6/26/2020</a:t>
+              <a:t>6/27/2020</a:t>
             </a:fld>
             <a:endParaRPr lang="en-US"/>
           </a:p>
@@ -3137,7 +3180,7 @@
           <a:p>
             <a:fld id="{99CA405F-FDE6-4D37-9F47-E73AA25D91EF}" type="datetimeFigureOut">
               <a:rPr lang="en-US" smtClean="0"/>
-              <a:t>6/26/2020</a:t>
+              <a:t>6/27/2020</a:t>
             </a:fld>
             <a:endParaRPr lang="en-US"/>
           </a:p>
@@ -3232,7 +3275,7 @@
           <a:p>
             <a:fld id="{99CA405F-FDE6-4D37-9F47-E73AA25D91EF}" type="datetimeFigureOut">
               <a:rPr lang="en-US" smtClean="0"/>
-              <a:t>6/26/2020</a:t>
+              <a:t>6/27/2020</a:t>
             </a:fld>
             <a:endParaRPr lang="en-US"/>
           </a:p>
@@ -3507,7 +3550,7 @@
           <a:p>
             <a:fld id="{99CA405F-FDE6-4D37-9F47-E73AA25D91EF}" type="datetimeFigureOut">
               <a:rPr lang="en-US" smtClean="0"/>
-              <a:t>6/26/2020</a:t>
+              <a:t>6/27/2020</a:t>
             </a:fld>
             <a:endParaRPr lang="en-US"/>
           </a:p>
@@ -3759,7 +3802,7 @@
           <a:p>
             <a:fld id="{99CA405F-FDE6-4D37-9F47-E73AA25D91EF}" type="datetimeFigureOut">
               <a:rPr lang="en-US" smtClean="0"/>
-              <a:t>6/26/2020</a:t>
+              <a:t>6/27/2020</a:t>
             </a:fld>
             <a:endParaRPr lang="en-US"/>
           </a:p>
@@ -3970,7 +4013,7 @@
           <a:p>
             <a:fld id="{99CA405F-FDE6-4D37-9F47-E73AA25D91EF}" type="datetimeFigureOut">
               <a:rPr lang="en-US" smtClean="0"/>
-              <a:t>6/26/2020</a:t>
+              <a:t>6/27/2020</a:t>
             </a:fld>
             <a:endParaRPr lang="en-US"/>
           </a:p>
@@ -4661,10 +4704,6 @@
           </a:p>
           <a:p>
             <a:pPr algn="l"/>
-            <a:r>
-              <a:rPr lang="en-US" sz="6600" dirty="0"/>
-              <a:t/>
-            </a:r>
             <a:br>
               <a:rPr lang="en-US" sz="6600" dirty="0"/>
             </a:br>
@@ -4702,7 +4741,7 @@
           <a:p>
             <a:r>
               <a:rPr lang="en-US" sz="3200" dirty="0"/>
-              <a:t>Class-3: Machine Learning Algorithms</a:t>
+              <a:t>Class-1: Machine Learning Algorithms</a:t>
             </a:r>
           </a:p>
         </p:txBody>
@@ -5280,7 +5319,7 @@
             <a:pPr algn="l"/>
             <a:r>
               <a:rPr lang="en-US" sz="3600" dirty="0"/>
-              <a:t>		Nominal Data vs. Ordinal Data</a:t>
+              <a:t>		Nominal Data (Scalar) vs. Ordinal Data (Vector)</a:t>
             </a:r>
           </a:p>
           <a:p>
@@ -5322,22 +5361,14 @@
             <a:pPr algn="l"/>
             <a:r>
               <a:rPr lang="en-US" sz="3600" dirty="0"/>
-              <a:t>	Measure of </a:t>
-            </a:r>
-            <a:r>
-              <a:rPr lang="en-US" sz="3600" dirty="0" err="1"/>
-              <a:t>Variablitity</a:t>
-            </a:r>
+              <a:t>	Measure of Variability (spread) </a:t>
+            </a:r>
+          </a:p>
+          <a:p>
+            <a:pPr algn="l"/>
             <a:r>
               <a:rPr lang="en-US" sz="3600" dirty="0"/>
-              <a:t> (spread) </a:t>
-            </a:r>
-          </a:p>
-          <a:p>
-            <a:pPr algn="l"/>
-            <a:r>
-              <a:rPr lang="en-US" sz="3600" dirty="0"/>
-              <a:t>	Maximum, Average, Minimum, </a:t>
+              <a:t>	Maximum, Average, Minimum, …</a:t>
             </a:r>
           </a:p>
           <a:p>
@@ -6141,13 +6172,7 @@
       </p:grpSpPr>
       <p:sp>
         <p:nvSpPr>
-          <p:cNvPr id="5" name="Subtitle 4">
-            <a:extLst>
-              <a:ext uri="{FF2B5EF4-FFF2-40B4-BE49-F238E27FC236}">
-                <a16:creationId xmlns:a16="http://schemas.microsoft.com/office/drawing/2014/main" id="{3956E86E-30CF-45A6-BB20-CCDE1F98460E}"/>
-              </a:ext>
-            </a:extLst>
-          </p:cNvPr>
+          <p:cNvPr id="3" name="Subtitle 2"/>
           <p:cNvSpPr>
             <a:spLocks noGrp="1"/>
           </p:cNvSpPr>
@@ -6157,52 +6182,189 @@
         </p:nvSpPr>
         <p:spPr>
           <a:xfrm>
-            <a:off x="1524000" y="3602038"/>
-            <a:ext cx="9144000" cy="1655762"/>
-          </a:xfrm>
-        </p:spPr>
-        <p:txBody>
-          <a:bodyPr/>
-          <a:lstStyle/>
-          <a:p>
-            <a:endParaRPr lang="en-US"/>
-          </a:p>
-        </p:txBody>
-      </p:sp>
-      <p:pic>
-        <p:nvPicPr>
-          <p:cNvPr id="6" name="Picture 5">
-            <a:extLst>
-              <a:ext uri="{FF2B5EF4-FFF2-40B4-BE49-F238E27FC236}">
-                <a16:creationId xmlns:a16="http://schemas.microsoft.com/office/drawing/2014/main" id="{0FD10501-A78B-4675-A1CA-259C04828DE1}"/>
-              </a:ext>
-            </a:extLst>
-          </p:cNvPr>
-          <p:cNvPicPr>
-            <a:picLocks noChangeAspect="1"/>
-          </p:cNvPicPr>
+            <a:off x="1802100" y="963680"/>
+            <a:ext cx="8738140" cy="5721844"/>
+          </a:xfrm>
+        </p:spPr>
+        <p:txBody>
+          <a:bodyPr>
+            <a:normAutofit fontScale="40000" lnSpcReduction="20000"/>
+          </a:bodyPr>
+          <a:lstStyle/>
+          <a:p>
+            <a:pPr algn="l"/>
+            <a:r>
+              <a:rPr lang="en-US" sz="6200" b="1" dirty="0"/>
+              <a:t>Top 10 Skills</a:t>
+            </a:r>
+            <a:r>
+              <a:rPr lang="en-US" sz="6200" dirty="0"/>
+              <a:t> (in increasing ranking order)</a:t>
+            </a:r>
+          </a:p>
+          <a:p>
+            <a:pPr algn="l"/>
+            <a:endParaRPr lang="en-US" sz="6200" dirty="0"/>
+          </a:p>
+          <a:p>
+            <a:pPr marL="1600200" lvl="1" indent="-1143000" algn="l">
+              <a:buFont typeface="+mj-lt"/>
+              <a:buAutoNum type="arabicPeriod"/>
+            </a:pPr>
+            <a:r>
+              <a:rPr lang="en-US" sz="5800" dirty="0"/>
+              <a:t>Python</a:t>
+            </a:r>
+          </a:p>
+          <a:p>
+            <a:pPr marL="1600200" lvl="1" indent="-1143000" algn="l">
+              <a:buFont typeface="+mj-lt"/>
+              <a:buAutoNum type="arabicPeriod"/>
+            </a:pPr>
+            <a:r>
+              <a:rPr lang="en-US" sz="5800" dirty="0"/>
+              <a:t>Linear Algebra</a:t>
+            </a:r>
+          </a:p>
+          <a:p>
+            <a:pPr marL="1600200" lvl="1" indent="-1143000" algn="l">
+              <a:buFont typeface="+mj-lt"/>
+              <a:buAutoNum type="arabicPeriod"/>
+            </a:pPr>
+            <a:r>
+              <a:rPr lang="en-US" sz="5800" dirty="0"/>
+              <a:t>Advance Signal Processing </a:t>
+            </a:r>
+          </a:p>
+          <a:p>
+            <a:pPr marL="1600200" lvl="1" indent="-1143000" algn="l">
+              <a:buFont typeface="+mj-lt"/>
+              <a:buAutoNum type="arabicPeriod"/>
+            </a:pPr>
+            <a:r>
+              <a:rPr lang="en-US" sz="5800" dirty="0"/>
+              <a:t>Applied Math &amp; Algorithms</a:t>
+            </a:r>
+          </a:p>
+          <a:p>
+            <a:pPr marL="1600200" lvl="1" indent="-1143000" algn="l">
+              <a:buFont typeface="+mj-lt"/>
+              <a:buAutoNum type="arabicPeriod"/>
+            </a:pPr>
+            <a:r>
+              <a:rPr lang="en-US" sz="5800" dirty="0"/>
+              <a:t>Neural Networks Architectures</a:t>
+            </a:r>
+          </a:p>
+          <a:p>
+            <a:pPr marL="1600200" lvl="1" indent="-1143000" algn="l">
+              <a:buFont typeface="+mj-lt"/>
+              <a:buAutoNum type="arabicPeriod"/>
+            </a:pPr>
+            <a:r>
+              <a:rPr lang="en-US" sz="5800" dirty="0"/>
+              <a:t>NLP</a:t>
+            </a:r>
+          </a:p>
+          <a:p>
+            <a:pPr lvl="1" algn="l"/>
+            <a:r>
+              <a:rPr lang="en-US" sz="5800" dirty="0"/>
+              <a:t>-----------------------</a:t>
+            </a:r>
+          </a:p>
+          <a:p>
+            <a:pPr marL="1600200" lvl="1" indent="-1143000" algn="l">
+              <a:buFont typeface="+mj-lt"/>
+              <a:buAutoNum type="arabicPeriod"/>
+            </a:pPr>
+            <a:r>
+              <a:rPr lang="en-US" sz="5800" dirty="0"/>
+              <a:t>Industry Knowledge</a:t>
+            </a:r>
+          </a:p>
+          <a:p>
+            <a:pPr marL="1600200" lvl="1" indent="-1143000" algn="l">
+              <a:buFont typeface="+mj-lt"/>
+              <a:buAutoNum type="arabicPeriod"/>
+            </a:pPr>
+            <a:r>
+              <a:rPr lang="en-US" sz="5800" dirty="0"/>
+              <a:t>Effective Communication</a:t>
+            </a:r>
+          </a:p>
+          <a:p>
+            <a:pPr marL="1600200" lvl="1" indent="-1143000" algn="l">
+              <a:buFont typeface="+mj-lt"/>
+              <a:buAutoNum type="arabicPeriod"/>
+            </a:pPr>
+            <a:r>
+              <a:rPr lang="en-US" sz="5800" dirty="0"/>
+              <a:t>Rapid Prototyping</a:t>
+            </a:r>
+          </a:p>
+          <a:p>
+            <a:pPr marL="1600200" lvl="1" indent="-1143000" algn="l">
+              <a:buFont typeface="+mj-lt"/>
+              <a:buAutoNum type="arabicPeriod"/>
+            </a:pPr>
+            <a:r>
+              <a:rPr lang="en-US" sz="5800" dirty="0"/>
+              <a:t>Keep It Up/updated</a:t>
+            </a:r>
+          </a:p>
+          <a:p>
+            <a:pPr marL="1600200" lvl="1" indent="-1143000" algn="l">
+              <a:buFont typeface="+mj-lt"/>
+              <a:buAutoNum type="arabicPeriod" startAt="10"/>
+            </a:pPr>
+            <a:endParaRPr lang="en-US" sz="5400" dirty="0"/>
+          </a:p>
+          <a:p>
+            <a:pPr lvl="1" algn="l"/>
+            <a:br>
+              <a:rPr lang="en-US" sz="6200" dirty="0"/>
+            </a:br>
+            <a:endParaRPr lang="en-US" sz="6200" dirty="0"/>
+          </a:p>
+        </p:txBody>
+      </p:sp>
+      <p:sp>
+        <p:nvSpPr>
+          <p:cNvPr id="4" name="TextBox 3"/>
+          <p:cNvSpPr txBox="1"/>
           <p:nvPr/>
-        </p:nvPicPr>
-        <p:blipFill>
-          <a:blip r:embed="rId2"/>
-          <a:stretch>
-            <a:fillRect/>
-          </a:stretch>
-        </p:blipFill>
-        <p:spPr>
-          <a:xfrm>
-            <a:off x="0" y="123446"/>
-            <a:ext cx="12192000" cy="6611107"/>
+        </p:nvSpPr>
+        <p:spPr>
+          <a:xfrm>
+            <a:off x="95429" y="101906"/>
+            <a:ext cx="5644109" cy="861774"/>
           </a:xfrm>
           <a:prstGeom prst="rect">
             <a:avLst/>
           </a:prstGeom>
-        </p:spPr>
-      </p:pic>
+          <a:noFill/>
+        </p:spPr>
+        <p:txBody>
+          <a:bodyPr wrap="none" rtlCol="0">
+            <a:spAutoFit/>
+          </a:bodyPr>
+          <a:lstStyle/>
+          <a:p>
+            <a:r>
+              <a:rPr lang="en-US" sz="3200" dirty="0"/>
+              <a:t>Who is a ML Engineer/Scientist? </a:t>
+            </a:r>
+          </a:p>
+          <a:p>
+            <a:endParaRPr lang="en-US" dirty="0"/>
+          </a:p>
+        </p:txBody>
+      </p:sp>
     </p:spTree>
     <p:extLst>
       <p:ext uri="{BB962C8B-B14F-4D97-AF65-F5344CB8AC3E}">
-        <p14:creationId xmlns:p14="http://schemas.microsoft.com/office/powerpoint/2010/main" val="3230676015"/>
+        <p14:creationId xmlns:p14="http://schemas.microsoft.com/office/powerpoint/2010/main" val="728681631"/>
       </p:ext>
     </p:extLst>
   </p:cSld>
@@ -6590,7 +6752,7 @@
                 <a16:creationId xmlns:a16="http://schemas.microsoft.com/office/drawing/2014/main" id="{DEE5C6BA-FE2A-4C38-8D88-E70C06E54F82}"/>
               </a:ext>
               <a:ext uri="{C183D7F6-B498-43B3-948B-1728B52AA6E4}">
-                <adec:decorative xmlns:adec="http://schemas.microsoft.com/office/drawing/2017/decorative" xmlns="" val="1"/>
+                <adec:decorative xmlns:adec="http://schemas.microsoft.com/office/drawing/2017/decorative" val="1"/>
               </a:ext>
             </a:extLst>
           </p:cNvPr>
@@ -6676,7 +6838,7 @@
                 <a16:creationId xmlns:a16="http://schemas.microsoft.com/office/drawing/2014/main" id="{53E66F28-0926-4CFB-BDAB-646CAB184CB0}"/>
               </a:ext>
               <a:ext uri="{C183D7F6-B498-43B3-948B-1728B52AA6E4}">
-                <adec:decorative xmlns:adec="http://schemas.microsoft.com/office/drawing/2017/decorative" xmlns="" val="1"/>
+                <adec:decorative xmlns:adec="http://schemas.microsoft.com/office/drawing/2017/decorative" val="1"/>
               </a:ext>
             </a:extLst>
           </p:cNvPr>
@@ -6767,7 +6929,7 @@
                 <a16:creationId xmlns:a16="http://schemas.microsoft.com/office/drawing/2014/main" id="{DE9FA85F-F0FB-4952-A05F-04CC67B18EE5}"/>
               </a:ext>
               <a:ext uri="{C183D7F6-B498-43B3-948B-1728B52AA6E4}">
-                <adec:decorative xmlns:adec="http://schemas.microsoft.com/office/drawing/2017/decorative" xmlns="" val="1"/>
+                <adec:decorative xmlns:adec="http://schemas.microsoft.com/office/drawing/2017/decorative" val="1"/>
               </a:ext>
             </a:extLst>
           </p:cNvPr>
@@ -7213,7 +7375,7 @@
                 <a16:creationId xmlns:a16="http://schemas.microsoft.com/office/drawing/2014/main" id="{FEBD362A-CC27-47D9-8FC3-A5E91BA0760C}"/>
               </a:ext>
               <a:ext uri="{C183D7F6-B498-43B3-948B-1728B52AA6E4}">
-                <adec:decorative xmlns:adec="http://schemas.microsoft.com/office/drawing/2017/decorative" xmlns="" val="1"/>
+                <adec:decorative xmlns:adec="http://schemas.microsoft.com/office/drawing/2017/decorative" val="1"/>
               </a:ext>
             </a:extLst>
           </p:cNvPr>
@@ -8057,7 +8219,7 @@
           <a:p>
             <a:r>
               <a:rPr lang="en-US" sz="3200" dirty="0"/>
-              <a:t>Class-3: Supervised Learning Algorithms</a:t>
+              <a:t>Class-2: Supervised Learning Algorithms</a:t>
             </a:r>
           </a:p>
         </p:txBody>
@@ -8271,7 +8433,7 @@
           <a:p>
             <a:r>
               <a:rPr lang="en-US" sz="3200" dirty="0"/>
-              <a:t>Class-3: Supervised Learning Algorithms</a:t>
+              <a:t>Class-2: Supervised Learning Algorithms</a:t>
             </a:r>
           </a:p>
         </p:txBody>
@@ -8443,7 +8605,7 @@
           <a:p>
             <a:r>
               <a:rPr lang="en-US" sz="3200" dirty="0"/>
-              <a:t>Class-3: Supervised Learning Algorithms – Linear Regression</a:t>
+              <a:t>Class-2: Supervised Learning Algorithms – Linear Regression</a:t>
             </a:r>
           </a:p>
         </p:txBody>
@@ -8502,7 +8664,7 @@
           <a:p>
             <a:r>
               <a:rPr lang="en-US" sz="3200" dirty="0"/>
-              <a:t>Class-3: Linear Regression</a:t>
+              <a:t>Class-2: Linear Regression</a:t>
             </a:r>
           </a:p>
         </p:txBody>
@@ -9578,7 +9740,7 @@
           <a:p>
             <a:r>
               <a:rPr lang="en-US" sz="3200" dirty="0"/>
-              <a:t>Class-3: Supervised Learning Algorithms – non-linear (logistic)</a:t>
+              <a:t>Class-2: Supervised Learning Algorithms – non-linear (logistic)</a:t>
             </a:r>
           </a:p>
         </p:txBody>
@@ -9629,6 +9791,14 @@
 <file path=ppt/slides/slide3.xml><?xml version="1.0" encoding="utf-8"?>
 <p:sld xmlns:a="http://schemas.openxmlformats.org/drawingml/2006/main" xmlns:r="http://schemas.openxmlformats.org/officeDocument/2006/relationships" xmlns:p="http://schemas.openxmlformats.org/presentationml/2006/main">
   <p:cSld>
+    <p:bg>
+      <p:bgPr>
+        <a:solidFill>
+          <a:schemeClr val="bg1"/>
+        </a:solidFill>
+        <a:effectLst/>
+      </p:bgPr>
+    </p:bg>
     <p:spTree>
       <p:nvGrpSpPr>
         <p:cNvPr id="1" name=""/>
@@ -9645,6 +9815,67 @@
       </p:grpSpPr>
       <p:sp>
         <p:nvSpPr>
+          <p:cNvPr id="4" name="TextBox 3"/>
+          <p:cNvSpPr txBox="1"/>
+          <p:nvPr/>
+        </p:nvSpPr>
+        <p:spPr>
+          <a:xfrm>
+            <a:off x="648929" y="629266"/>
+            <a:ext cx="3651467" cy="1676603"/>
+          </a:xfrm>
+          <a:prstGeom prst="rect">
+            <a:avLst/>
+          </a:prstGeom>
+        </p:spPr>
+        <p:txBody>
+          <a:bodyPr vert="horz" lIns="91440" tIns="45720" rIns="91440" bIns="45720" rtlCol="0" anchor="ctr">
+            <a:normAutofit/>
+          </a:bodyPr>
+          <a:lstStyle/>
+          <a:p>
+            <a:pPr>
+              <a:lnSpc>
+                <a:spcPct val="90000"/>
+              </a:lnSpc>
+              <a:spcBef>
+                <a:spcPct val="0"/>
+              </a:spcBef>
+              <a:spcAft>
+                <a:spcPts val="600"/>
+              </a:spcAft>
+            </a:pPr>
+            <a:r>
+              <a:rPr lang="en-US" sz="3700" dirty="0">
+                <a:latin typeface="+mj-lt"/>
+                <a:ea typeface="+mj-ea"/>
+                <a:cs typeface="+mj-cs"/>
+              </a:rPr>
+              <a:t>Class-1: AI vs ML vs Deep Learning</a:t>
+            </a:r>
+          </a:p>
+          <a:p>
+            <a:pPr>
+              <a:lnSpc>
+                <a:spcPct val="90000"/>
+              </a:lnSpc>
+              <a:spcBef>
+                <a:spcPct val="0"/>
+              </a:spcBef>
+              <a:spcAft>
+                <a:spcPts val="600"/>
+              </a:spcAft>
+            </a:pPr>
+            <a:endParaRPr lang="en-US" sz="3700" dirty="0">
+              <a:latin typeface="+mj-lt"/>
+              <a:ea typeface="+mj-ea"/>
+              <a:cs typeface="+mj-cs"/>
+            </a:endParaRPr>
+          </a:p>
+        </p:txBody>
+      </p:sp>
+      <p:sp>
+        <p:nvSpPr>
           <p:cNvPr id="3" name="Subtitle 2"/>
           <p:cNvSpPr>
             <a:spLocks noGrp="1"/>
@@ -9655,193 +9886,404 @@
         </p:nvSpPr>
         <p:spPr>
           <a:xfrm>
-            <a:off x="1802100" y="963680"/>
-            <a:ext cx="8738140" cy="5721844"/>
-          </a:xfrm>
-        </p:spPr>
-        <p:txBody>
-          <a:bodyPr>
-            <a:normAutofit fontScale="40000" lnSpcReduction="20000"/>
+            <a:off x="648929" y="3731998"/>
+            <a:ext cx="5299383" cy="2714920"/>
+          </a:xfrm>
+        </p:spPr>
+        <p:txBody>
+          <a:bodyPr vert="horz" lIns="91440" tIns="45720" rIns="91440" bIns="45720" rtlCol="0">
+            <a:normAutofit/>
           </a:bodyPr>
           <a:lstStyle/>
           <a:p>
             <a:pPr algn="l"/>
             <a:r>
-              <a:rPr lang="en-US" sz="6200" b="1" dirty="0"/>
-              <a:t>Top 10 Skills</a:t>
-            </a:r>
-            <a:r>
-              <a:rPr lang="en-US" sz="6200" dirty="0"/>
-              <a:t> (in increasing ranking order)</a:t>
+              <a:rPr lang="en-US" sz="1800" dirty="0"/>
+              <a:t>1950s-1970s - AI</a:t>
+            </a:r>
+          </a:p>
+          <a:p>
+            <a:pPr indent="-228600" algn="l">
+              <a:buFont typeface="Arial" panose="020B0604020202020204" pitchFamily="34" charset="0"/>
+              <a:buChar char="•"/>
+            </a:pPr>
+            <a:r>
+              <a:rPr lang="en-US" sz="1800" dirty="0"/>
+              <a:t>Example of AI</a:t>
             </a:r>
           </a:p>
           <a:p>
             <a:pPr algn="l"/>
-            <a:endParaRPr lang="en-US" sz="6200" dirty="0"/>
-          </a:p>
-          <a:p>
-            <a:pPr marL="1600200" lvl="1" indent="-1143000" algn="l">
-              <a:buFont typeface="+mj-lt"/>
-              <a:buAutoNum type="arabicPeriod"/>
+            <a:r>
+              <a:rPr lang="en-US" sz="1800" dirty="0"/>
+              <a:t>1980s – 1990s - ML</a:t>
+            </a:r>
+          </a:p>
+          <a:p>
+            <a:pPr indent="-228600" algn="l">
+              <a:buFont typeface="Arial" panose="020B0604020202020204" pitchFamily="34" charset="0"/>
+              <a:buChar char="•"/>
             </a:pPr>
             <a:r>
-              <a:rPr lang="en-US" sz="5800" dirty="0"/>
-              <a:t>Python</a:t>
-            </a:r>
-          </a:p>
-          <a:p>
-            <a:pPr marL="1600200" lvl="1" indent="-1143000" algn="l">
-              <a:buFont typeface="+mj-lt"/>
-              <a:buAutoNum type="arabicPeriod"/>
+              <a:rPr lang="en-US" sz="1800" dirty="0"/>
+              <a:t>Example of ML (</a:t>
+            </a:r>
+            <a:r>
+              <a:rPr lang="en-US" sz="1800" b="1" dirty="0"/>
+              <a:t>“Expert” System</a:t>
+            </a:r>
+            <a:r>
+              <a:rPr lang="en-US" sz="1800" dirty="0"/>
+              <a:t>)</a:t>
+            </a:r>
+          </a:p>
+          <a:p>
+            <a:pPr algn="l"/>
+            <a:r>
+              <a:rPr lang="en-US" sz="1800" dirty="0"/>
+              <a:t>2000s -2010s – DL - ANN</a:t>
+            </a:r>
+          </a:p>
+          <a:p>
+            <a:pPr indent="-228600" algn="l">
+              <a:buFont typeface="Arial" panose="020B0604020202020204" pitchFamily="34" charset="0"/>
+              <a:buChar char="•"/>
             </a:pPr>
             <a:r>
-              <a:rPr lang="en-US" sz="5800" dirty="0"/>
-              <a:t>Linear Algebra</a:t>
-            </a:r>
-          </a:p>
-          <a:p>
-            <a:pPr marL="1600200" lvl="1" indent="-1143000" algn="l">
-              <a:buFont typeface="+mj-lt"/>
-              <a:buAutoNum type="arabicPeriod"/>
+              <a:rPr lang="en-US" sz="1800" dirty="0"/>
+              <a:t>Artificial/Deep </a:t>
+            </a:r>
+            <a:r>
+              <a:rPr lang="en-US" sz="1800" b="1" dirty="0"/>
+              <a:t>Neural Network </a:t>
+            </a:r>
+          </a:p>
+          <a:p>
+            <a:pPr indent="-228600" algn="l">
+              <a:buFont typeface="Arial" panose="020B0604020202020204" pitchFamily="34" charset="0"/>
+              <a:buChar char="•"/>
             </a:pPr>
             <a:r>
-              <a:rPr lang="en-US" sz="5800" dirty="0"/>
-              <a:t>Advance Signal Processing </a:t>
-            </a:r>
-          </a:p>
-          <a:p>
-            <a:pPr marL="1600200" lvl="1" indent="-1143000" algn="l">
-              <a:buFont typeface="+mj-lt"/>
-              <a:buAutoNum type="arabicPeriod"/>
+              <a:rPr lang="en-US" sz="1800" dirty="0"/>
+              <a:t>Example of Deep Learning</a:t>
+            </a:r>
+          </a:p>
+          <a:p>
+            <a:pPr algn="l"/>
+            <a:endParaRPr lang="en-US" sz="1800" dirty="0"/>
+          </a:p>
+          <a:p>
+            <a:pPr indent="-228600" algn="l">
+              <a:buFont typeface="Arial" panose="020B0604020202020204" pitchFamily="34" charset="0"/>
+              <a:buChar char="•"/>
             </a:pPr>
-            <a:r>
-              <a:rPr lang="en-US" sz="5800" dirty="0"/>
-              <a:t>Applied Math &amp; Algorithms</a:t>
-            </a:r>
-          </a:p>
-          <a:p>
-            <a:pPr marL="1600200" lvl="1" indent="-1143000" algn="l">
-              <a:buFont typeface="+mj-lt"/>
-              <a:buAutoNum type="arabicPeriod"/>
-            </a:pPr>
-            <a:r>
-              <a:rPr lang="en-US" sz="5800" dirty="0"/>
-              <a:t>Neural Networks Architectures</a:t>
-            </a:r>
-          </a:p>
-          <a:p>
-            <a:pPr marL="1600200" lvl="1" indent="-1143000" algn="l">
-              <a:buFont typeface="+mj-lt"/>
-              <a:buAutoNum type="arabicPeriod"/>
-            </a:pPr>
-            <a:r>
-              <a:rPr lang="en-US" sz="5800" dirty="0"/>
-              <a:t>NLP</a:t>
-            </a:r>
-          </a:p>
-          <a:p>
-            <a:pPr lvl="1" algn="l"/>
-            <a:r>
-              <a:rPr lang="en-US" sz="5800" dirty="0"/>
-              <a:t>-----------------------</a:t>
-            </a:r>
-          </a:p>
-          <a:p>
-            <a:pPr marL="1600200" lvl="1" indent="-1143000" algn="l">
-              <a:buFont typeface="+mj-lt"/>
-              <a:buAutoNum type="arabicPeriod"/>
-            </a:pPr>
-            <a:r>
-              <a:rPr lang="en-US" sz="5800" dirty="0"/>
-              <a:t>Industry Knowledge</a:t>
-            </a:r>
-          </a:p>
-          <a:p>
-            <a:pPr marL="1600200" lvl="1" indent="-1143000" algn="l">
-              <a:buFont typeface="+mj-lt"/>
-              <a:buAutoNum type="arabicPeriod"/>
-            </a:pPr>
-            <a:r>
-              <a:rPr lang="en-US" sz="5800" dirty="0"/>
-              <a:t>Effective Communication</a:t>
-            </a:r>
-          </a:p>
-          <a:p>
-            <a:pPr marL="1600200" lvl="1" indent="-1143000" algn="l">
-              <a:buFont typeface="+mj-lt"/>
-              <a:buAutoNum type="arabicPeriod"/>
-            </a:pPr>
-            <a:r>
-              <a:rPr lang="en-US" sz="5800" dirty="0"/>
-              <a:t>Rapid Prototyping</a:t>
-            </a:r>
-          </a:p>
-          <a:p>
-            <a:pPr marL="1600200" lvl="1" indent="-1143000" algn="l">
-              <a:buFont typeface="+mj-lt"/>
-              <a:buAutoNum type="arabicPeriod"/>
-            </a:pPr>
-            <a:r>
-              <a:rPr lang="en-US" sz="5800" dirty="0"/>
-              <a:t>Keep It Up/updated</a:t>
-            </a:r>
-          </a:p>
-          <a:p>
-            <a:pPr marL="1600200" lvl="1" indent="-1143000" algn="l">
-              <a:buFont typeface="+mj-lt"/>
-              <a:buAutoNum type="arabicPeriod" startAt="10"/>
-            </a:pPr>
-            <a:endParaRPr lang="en-US" sz="5400" dirty="0"/>
-          </a:p>
-          <a:p>
-            <a:pPr lvl="1" algn="l"/>
-            <a:r>
-              <a:rPr lang="en-US" sz="6200" dirty="0"/>
-              <a:t/>
-            </a:r>
-            <a:br>
-              <a:rPr lang="en-US" sz="6200" dirty="0"/>
-            </a:br>
-            <a:endParaRPr lang="en-US" sz="6200" dirty="0"/>
-          </a:p>
-        </p:txBody>
-      </p:sp>
-      <p:sp>
-        <p:nvSpPr>
-          <p:cNvPr id="4" name="TextBox 3"/>
-          <p:cNvSpPr txBox="1"/>
+            <a:endParaRPr lang="en-US" sz="1800" dirty="0"/>
+          </a:p>
+        </p:txBody>
+      </p:sp>
+      <p:pic>
+        <p:nvPicPr>
+          <p:cNvPr id="2" name="Picture 1">
+            <a:extLst>
+              <a:ext uri="{FF2B5EF4-FFF2-40B4-BE49-F238E27FC236}">
+                <a16:creationId xmlns:a16="http://schemas.microsoft.com/office/drawing/2014/main" id="{BA5AF337-9A07-4F1F-B422-F537DB28C43D}"/>
+              </a:ext>
+            </a:extLst>
+          </p:cNvPr>
+          <p:cNvPicPr>
+            <a:picLocks noChangeAspect="1"/>
+          </p:cNvPicPr>
           <p:nvPr/>
-        </p:nvSpPr>
-        <p:spPr>
-          <a:xfrm>
-            <a:off x="95429" y="101906"/>
-            <a:ext cx="5644109" cy="861774"/>
+        </p:nvPicPr>
+        <p:blipFill rotWithShape="1">
+          <a:blip r:embed="rId3"/>
+          <a:srcRect l="3932" r="3557" b="2"/>
+          <a:stretch/>
+        </p:blipFill>
+        <p:spPr>
+          <a:xfrm>
+            <a:off x="6237551" y="793940"/>
+            <a:ext cx="5892776" cy="5429416"/>
           </a:xfrm>
           <a:prstGeom prst="rect">
             <a:avLst/>
           </a:prstGeom>
-          <a:noFill/>
-        </p:spPr>
-        <p:txBody>
-          <a:bodyPr wrap="none" rtlCol="0">
-            <a:spAutoFit/>
+          <a:effectLst/>
+        </p:spPr>
+      </p:pic>
+      <p:sp>
+        <p:nvSpPr>
+          <p:cNvPr id="5" name="Subtitle 2">
+            <a:extLst>
+              <a:ext uri="{FF2B5EF4-FFF2-40B4-BE49-F238E27FC236}">
+                <a16:creationId xmlns:a16="http://schemas.microsoft.com/office/drawing/2014/main" id="{D9929E9D-FEC5-4EAC-9822-EC63839F7969}"/>
+              </a:ext>
+            </a:extLst>
+          </p:cNvPr>
+          <p:cNvSpPr txBox="1">
+            <a:spLocks/>
+          </p:cNvSpPr>
+          <p:nvPr/>
+        </p:nvSpPr>
+        <p:spPr>
+          <a:xfrm>
+            <a:off x="693271" y="1999128"/>
+            <a:ext cx="5110705" cy="1866539"/>
+          </a:xfrm>
+          <a:prstGeom prst="rect">
+            <a:avLst/>
+          </a:prstGeom>
+        </p:spPr>
+        <p:txBody>
+          <a:bodyPr vert="horz" lIns="91440" tIns="45720" rIns="91440" bIns="45720" rtlCol="0">
+            <a:normAutofit/>
           </a:bodyPr>
-          <a:lstStyle/>
-          <a:p>
-            <a:r>
-              <a:rPr lang="en-US" sz="3200" dirty="0"/>
-              <a:t>Who is a ML Engineer/Scientist? </a:t>
-            </a:r>
-          </a:p>
-          <a:p>
-            <a:endParaRPr lang="en-US" dirty="0"/>
+          <a:lstStyle>
+            <a:lvl1pPr marL="0" indent="0" algn="ctr" defTabSz="914400" rtl="0" eaLnBrk="1" latinLnBrk="0" hangingPunct="1">
+              <a:lnSpc>
+                <a:spcPct val="90000"/>
+              </a:lnSpc>
+              <a:spcBef>
+                <a:spcPts val="1000"/>
+              </a:spcBef>
+              <a:buFont typeface="Arial" panose="020B0604020202020204" pitchFamily="34" charset="0"/>
+              <a:buNone/>
+              <a:defRPr sz="2400" kern="1200">
+                <a:solidFill>
+                  <a:schemeClr val="tx1"/>
+                </a:solidFill>
+                <a:latin typeface="+mn-lt"/>
+                <a:ea typeface="+mn-ea"/>
+                <a:cs typeface="+mn-cs"/>
+              </a:defRPr>
+            </a:lvl1pPr>
+            <a:lvl2pPr marL="457200" indent="0" algn="ctr" defTabSz="914400" rtl="0" eaLnBrk="1" latinLnBrk="0" hangingPunct="1">
+              <a:lnSpc>
+                <a:spcPct val="90000"/>
+              </a:lnSpc>
+              <a:spcBef>
+                <a:spcPts val="500"/>
+              </a:spcBef>
+              <a:buFont typeface="Arial" panose="020B0604020202020204" pitchFamily="34" charset="0"/>
+              <a:buNone/>
+              <a:defRPr sz="2000" kern="1200">
+                <a:solidFill>
+                  <a:schemeClr val="tx1"/>
+                </a:solidFill>
+                <a:latin typeface="+mn-lt"/>
+                <a:ea typeface="+mn-ea"/>
+                <a:cs typeface="+mn-cs"/>
+              </a:defRPr>
+            </a:lvl2pPr>
+            <a:lvl3pPr marL="914400" indent="0" algn="ctr" defTabSz="914400" rtl="0" eaLnBrk="1" latinLnBrk="0" hangingPunct="1">
+              <a:lnSpc>
+                <a:spcPct val="90000"/>
+              </a:lnSpc>
+              <a:spcBef>
+                <a:spcPts val="500"/>
+              </a:spcBef>
+              <a:buFont typeface="Arial" panose="020B0604020202020204" pitchFamily="34" charset="0"/>
+              <a:buNone/>
+              <a:defRPr sz="1800" kern="1200">
+                <a:solidFill>
+                  <a:schemeClr val="tx1"/>
+                </a:solidFill>
+                <a:latin typeface="+mn-lt"/>
+                <a:ea typeface="+mn-ea"/>
+                <a:cs typeface="+mn-cs"/>
+              </a:defRPr>
+            </a:lvl3pPr>
+            <a:lvl4pPr marL="1371600" indent="0" algn="ctr" defTabSz="914400" rtl="0" eaLnBrk="1" latinLnBrk="0" hangingPunct="1">
+              <a:lnSpc>
+                <a:spcPct val="90000"/>
+              </a:lnSpc>
+              <a:spcBef>
+                <a:spcPts val="500"/>
+              </a:spcBef>
+              <a:buFont typeface="Arial" panose="020B0604020202020204" pitchFamily="34" charset="0"/>
+              <a:buNone/>
+              <a:defRPr sz="1600" kern="1200">
+                <a:solidFill>
+                  <a:schemeClr val="tx1"/>
+                </a:solidFill>
+                <a:latin typeface="+mn-lt"/>
+                <a:ea typeface="+mn-ea"/>
+                <a:cs typeface="+mn-cs"/>
+              </a:defRPr>
+            </a:lvl4pPr>
+            <a:lvl5pPr marL="1828800" indent="0" algn="ctr" defTabSz="914400" rtl="0" eaLnBrk="1" latinLnBrk="0" hangingPunct="1">
+              <a:lnSpc>
+                <a:spcPct val="90000"/>
+              </a:lnSpc>
+              <a:spcBef>
+                <a:spcPts val="500"/>
+              </a:spcBef>
+              <a:buFont typeface="Arial" panose="020B0604020202020204" pitchFamily="34" charset="0"/>
+              <a:buNone/>
+              <a:defRPr sz="1600" kern="1200">
+                <a:solidFill>
+                  <a:schemeClr val="tx1"/>
+                </a:solidFill>
+                <a:latin typeface="+mn-lt"/>
+                <a:ea typeface="+mn-ea"/>
+                <a:cs typeface="+mn-cs"/>
+              </a:defRPr>
+            </a:lvl5pPr>
+            <a:lvl6pPr marL="2286000" indent="0" algn="ctr" defTabSz="914400" rtl="0" eaLnBrk="1" latinLnBrk="0" hangingPunct="1">
+              <a:lnSpc>
+                <a:spcPct val="90000"/>
+              </a:lnSpc>
+              <a:spcBef>
+                <a:spcPts val="500"/>
+              </a:spcBef>
+              <a:buFont typeface="Arial" panose="020B0604020202020204" pitchFamily="34" charset="0"/>
+              <a:buNone/>
+              <a:defRPr sz="1600" kern="1200">
+                <a:solidFill>
+                  <a:schemeClr val="tx1"/>
+                </a:solidFill>
+                <a:latin typeface="+mn-lt"/>
+                <a:ea typeface="+mn-ea"/>
+                <a:cs typeface="+mn-cs"/>
+              </a:defRPr>
+            </a:lvl6pPr>
+            <a:lvl7pPr marL="2743200" indent="0" algn="ctr" defTabSz="914400" rtl="0" eaLnBrk="1" latinLnBrk="0" hangingPunct="1">
+              <a:lnSpc>
+                <a:spcPct val="90000"/>
+              </a:lnSpc>
+              <a:spcBef>
+                <a:spcPts val="500"/>
+              </a:spcBef>
+              <a:buFont typeface="Arial" panose="020B0604020202020204" pitchFamily="34" charset="0"/>
+              <a:buNone/>
+              <a:defRPr sz="1600" kern="1200">
+                <a:solidFill>
+                  <a:schemeClr val="tx1"/>
+                </a:solidFill>
+                <a:latin typeface="+mn-lt"/>
+                <a:ea typeface="+mn-ea"/>
+                <a:cs typeface="+mn-cs"/>
+              </a:defRPr>
+            </a:lvl7pPr>
+            <a:lvl8pPr marL="3200400" indent="0" algn="ctr" defTabSz="914400" rtl="0" eaLnBrk="1" latinLnBrk="0" hangingPunct="1">
+              <a:lnSpc>
+                <a:spcPct val="90000"/>
+              </a:lnSpc>
+              <a:spcBef>
+                <a:spcPts val="500"/>
+              </a:spcBef>
+              <a:buFont typeface="Arial" panose="020B0604020202020204" pitchFamily="34" charset="0"/>
+              <a:buNone/>
+              <a:defRPr sz="1600" kern="1200">
+                <a:solidFill>
+                  <a:schemeClr val="tx1"/>
+                </a:solidFill>
+                <a:latin typeface="+mn-lt"/>
+                <a:ea typeface="+mn-ea"/>
+                <a:cs typeface="+mn-cs"/>
+              </a:defRPr>
+            </a:lvl8pPr>
+            <a:lvl9pPr marL="3657600" indent="0" algn="ctr" defTabSz="914400" rtl="0" eaLnBrk="1" latinLnBrk="0" hangingPunct="1">
+              <a:lnSpc>
+                <a:spcPct val="90000"/>
+              </a:lnSpc>
+              <a:spcBef>
+                <a:spcPts val="500"/>
+              </a:spcBef>
+              <a:buFont typeface="Arial" panose="020B0604020202020204" pitchFamily="34" charset="0"/>
+              <a:buNone/>
+              <a:defRPr sz="1600" kern="1200">
+                <a:solidFill>
+                  <a:schemeClr val="tx1"/>
+                </a:solidFill>
+                <a:latin typeface="+mn-lt"/>
+                <a:ea typeface="+mn-ea"/>
+                <a:cs typeface="+mn-cs"/>
+              </a:defRPr>
+            </a:lvl9pPr>
+          </a:lstStyle>
+          <a:p>
+            <a:pPr algn="l"/>
+            <a:r>
+              <a:rPr lang="en-US" sz="1800" dirty="0"/>
+              <a:t>WHAT IS AI?</a:t>
+            </a:r>
+          </a:p>
+          <a:p>
+            <a:pPr algn="l"/>
+            <a:r>
+              <a:rPr lang="en-US" sz="1800" dirty="0"/>
+              <a:t>“</a:t>
+            </a:r>
+            <a:r>
+              <a:rPr lang="en-US" sz="1800" b="1" dirty="0"/>
+              <a:t>Algorithms</a:t>
+            </a:r>
+            <a:r>
+              <a:rPr lang="en-US" sz="1800" dirty="0"/>
+              <a:t> enabled by </a:t>
+            </a:r>
+            <a:r>
+              <a:rPr lang="en-US" sz="1800" b="1" dirty="0"/>
+              <a:t>constraints</a:t>
+            </a:r>
+            <a:r>
+              <a:rPr lang="en-US" sz="1800" dirty="0"/>
+              <a:t> &amp; exposed by </a:t>
+            </a:r>
+            <a:r>
+              <a:rPr lang="en-US" sz="1800" b="1" dirty="0"/>
+              <a:t>representations</a:t>
+            </a:r>
+            <a:r>
+              <a:rPr lang="en-US" sz="1800" dirty="0"/>
+              <a:t> that support models targeted at </a:t>
+            </a:r>
+            <a:r>
+              <a:rPr lang="en-US" sz="1800" b="1" dirty="0"/>
+              <a:t>thinking</a:t>
+            </a:r>
+            <a:r>
+              <a:rPr lang="en-US" sz="1800" dirty="0"/>
+              <a:t>, </a:t>
+            </a:r>
+            <a:r>
+              <a:rPr lang="en-US" sz="1800" b="1" dirty="0"/>
+              <a:t>perception</a:t>
+            </a:r>
+            <a:r>
+              <a:rPr lang="en-US" sz="1800" dirty="0"/>
+              <a:t> and </a:t>
+            </a:r>
+            <a:r>
+              <a:rPr lang="en-US" sz="1800" b="1" dirty="0"/>
+              <a:t>action</a:t>
+            </a:r>
+            <a:r>
+              <a:rPr lang="en-US" sz="1800" dirty="0"/>
+              <a:t>.” 	</a:t>
+            </a:r>
+          </a:p>
+          <a:p>
+            <a:pPr algn="r"/>
+            <a:r>
+              <a:rPr lang="en-US" sz="1800" dirty="0"/>
+              <a:t>MIT Prof. Patrick Winston</a:t>
+            </a:r>
+          </a:p>
+          <a:p>
+            <a:pPr indent="-228600" algn="l">
+              <a:buFont typeface="Arial" panose="020B0604020202020204" pitchFamily="34" charset="0"/>
+              <a:buChar char="•"/>
+            </a:pPr>
+            <a:endParaRPr lang="en-US" sz="1800" dirty="0"/>
           </a:p>
         </p:txBody>
       </p:sp>
     </p:spTree>
     <p:extLst>
       <p:ext uri="{BB962C8B-B14F-4D97-AF65-F5344CB8AC3E}">
-        <p14:creationId xmlns:p14="http://schemas.microsoft.com/office/powerpoint/2010/main" val="728681631"/>
+        <p14:creationId xmlns:p14="http://schemas.microsoft.com/office/powerpoint/2010/main" val="2618803147"/>
       </p:ext>
     </p:extLst>
   </p:cSld>
@@ -9922,7 +10364,7 @@
           <a:p>
             <a:r>
               <a:rPr lang="en-US" sz="3200" dirty="0"/>
-              <a:t>Class-3: Logistic Regression Equation</a:t>
+              <a:t>Class-2: Logistic Regression Equation</a:t>
             </a:r>
           </a:p>
         </p:txBody>
@@ -10413,7 +10855,7 @@
           <a:p>
             <a:r>
               <a:rPr lang="en-US" sz="3200" dirty="0"/>
-              <a:t>Class-3: Linear Regression </a:t>
+              <a:t>Class-2: Linear Regression </a:t>
             </a:r>
           </a:p>
         </p:txBody>
@@ -10911,7 +11353,7 @@
           <a:p>
             <a:r>
               <a:rPr lang="en-US" sz="3200" dirty="0"/>
-              <a:t>Class-3: Logistic Regression Use Cases</a:t>
+              <a:t>Class-2: Logistic Regression Use Cases</a:t>
             </a:r>
           </a:p>
         </p:txBody>
@@ -11347,10 +11789,6 @@
           </a:p>
           <a:p>
             <a:pPr algn="l"/>
-            <a:r>
-              <a:rPr lang="en-US" sz="6600" dirty="0"/>
-              <a:t/>
-            </a:r>
             <a:br>
               <a:rPr lang="en-US" sz="6600" dirty="0"/>
             </a:br>
@@ -11499,10 +11937,6 @@
           </a:p>
           <a:p>
             <a:pPr algn="l"/>
-            <a:r>
-              <a:rPr lang="en-US" sz="6600" dirty="0"/>
-              <a:t/>
-            </a:r>
             <a:br>
               <a:rPr lang="en-US" sz="6600" dirty="0"/>
             </a:br>
@@ -11602,23 +12036,29 @@
           </a:p>
           <a:p>
             <a:pPr algn="l"/>
-            <a:r>
-              <a:rPr lang="en-US" sz="6200" dirty="0"/>
-              <a:t>Machine Learning Projects </a:t>
-            </a:r>
-          </a:p>
-        </p:txBody>
-      </p:sp>
-      <p:sp>
-        <p:nvSpPr>
-          <p:cNvPr id="4" name="TextBox 3"/>
+            <a:br>
+              <a:rPr lang="en-US" sz="6600" dirty="0"/>
+            </a:br>
+            <a:endParaRPr lang="en-US" sz="6600" dirty="0"/>
+          </a:p>
+        </p:txBody>
+      </p:sp>
+      <p:sp>
+        <p:nvSpPr>
+          <p:cNvPr id="5" name="TextBox 4">
+            <a:extLst>
+              <a:ext uri="{FF2B5EF4-FFF2-40B4-BE49-F238E27FC236}">
+                <a16:creationId xmlns:a16="http://schemas.microsoft.com/office/drawing/2014/main" id="{3F9B5E2A-82D8-4F44-B8DD-1CBB90D9EE82}"/>
+              </a:ext>
+            </a:extLst>
+          </p:cNvPr>
           <p:cNvSpPr txBox="1"/>
           <p:nvPr/>
         </p:nvSpPr>
         <p:spPr>
           <a:xfrm>
-            <a:off x="522514" y="217714"/>
-            <a:ext cx="936154" cy="369332"/>
+            <a:off x="254568" y="147547"/>
+            <a:ext cx="10968760" cy="584775"/>
           </a:xfrm>
           <a:prstGeom prst="rect">
             <a:avLst/>
@@ -11626,14 +12066,14 @@
           <a:noFill/>
         </p:spPr>
         <p:txBody>
-          <a:bodyPr wrap="none" rtlCol="0">
+          <a:bodyPr wrap="square" rtlCol="0">
             <a:spAutoFit/>
           </a:bodyPr>
           <a:lstStyle/>
           <a:p>
             <a:r>
-              <a:rPr lang="en-US" dirty="0"/>
-              <a:t>Content</a:t>
+              <a:rPr lang="en-US" sz="3200" dirty="0"/>
+              <a:t>Class-3: Neural Network Intro</a:t>
             </a:r>
           </a:p>
         </p:txBody>
@@ -11641,7 +12081,7 @@
     </p:spTree>
     <p:extLst>
       <p:ext uri="{BB962C8B-B14F-4D97-AF65-F5344CB8AC3E}">
-        <p14:creationId xmlns:p14="http://schemas.microsoft.com/office/powerpoint/2010/main" val="2764468633"/>
+        <p14:creationId xmlns:p14="http://schemas.microsoft.com/office/powerpoint/2010/main" val="2144802336"/>
       </p:ext>
     </p:extLst>
   </p:cSld>
@@ -11680,6 +12120,99 @@
         </p:nvSpPr>
         <p:spPr>
           <a:xfrm>
+            <a:off x="1166948" y="815294"/>
+            <a:ext cx="9144000" cy="5498419"/>
+          </a:xfrm>
+        </p:spPr>
+        <p:txBody>
+          <a:bodyPr>
+            <a:normAutofit/>
+          </a:bodyPr>
+          <a:lstStyle/>
+          <a:p>
+            <a:pPr algn="l"/>
+            <a:endParaRPr lang="en-US" sz="6200" dirty="0"/>
+          </a:p>
+          <a:p>
+            <a:pPr algn="l"/>
+            <a:r>
+              <a:rPr lang="en-US" sz="6200" dirty="0"/>
+              <a:t>Machine Learning Projects </a:t>
+            </a:r>
+          </a:p>
+        </p:txBody>
+      </p:sp>
+      <p:sp>
+        <p:nvSpPr>
+          <p:cNvPr id="4" name="TextBox 3"/>
+          <p:cNvSpPr txBox="1"/>
+          <p:nvPr/>
+        </p:nvSpPr>
+        <p:spPr>
+          <a:xfrm>
+            <a:off x="522514" y="217714"/>
+            <a:ext cx="936154" cy="369332"/>
+          </a:xfrm>
+          <a:prstGeom prst="rect">
+            <a:avLst/>
+          </a:prstGeom>
+          <a:noFill/>
+        </p:spPr>
+        <p:txBody>
+          <a:bodyPr wrap="none" rtlCol="0">
+            <a:spAutoFit/>
+          </a:bodyPr>
+          <a:lstStyle/>
+          <a:p>
+            <a:r>
+              <a:rPr lang="en-US" dirty="0"/>
+              <a:t>Content</a:t>
+            </a:r>
+          </a:p>
+        </p:txBody>
+      </p:sp>
+    </p:spTree>
+    <p:extLst>
+      <p:ext uri="{BB962C8B-B14F-4D97-AF65-F5344CB8AC3E}">
+        <p14:creationId xmlns:p14="http://schemas.microsoft.com/office/powerpoint/2010/main" val="2764468633"/>
+      </p:ext>
+    </p:extLst>
+  </p:cSld>
+  <p:clrMapOvr>
+    <a:masterClrMapping/>
+  </p:clrMapOvr>
+</p:sld>
+</file>
+
+<file path=ppt/slides/slide39.xml><?xml version="1.0" encoding="utf-8"?>
+<p:sld xmlns:a="http://schemas.openxmlformats.org/drawingml/2006/main" xmlns:r="http://schemas.openxmlformats.org/officeDocument/2006/relationships" xmlns:p="http://schemas.openxmlformats.org/presentationml/2006/main">
+  <p:cSld>
+    <p:spTree>
+      <p:nvGrpSpPr>
+        <p:cNvPr id="1" name=""/>
+        <p:cNvGrpSpPr/>
+        <p:nvPr/>
+      </p:nvGrpSpPr>
+      <p:grpSpPr>
+        <a:xfrm>
+          <a:off x="0" y="0"/>
+          <a:ext cx="0" cy="0"/>
+          <a:chOff x="0" y="0"/>
+          <a:chExt cx="0" cy="0"/>
+        </a:xfrm>
+      </p:grpSpPr>
+      <p:sp>
+        <p:nvSpPr>
+          <p:cNvPr id="3" name="Subtitle 2"/>
+          <p:cNvSpPr>
+            <a:spLocks noGrp="1"/>
+          </p:cNvSpPr>
+          <p:nvPr>
+            <p:ph type="subTitle" idx="1"/>
+          </p:nvPr>
+        </p:nvSpPr>
+        <p:spPr>
+          <a:xfrm>
             <a:off x="1166948" y="731520"/>
             <a:ext cx="10059070" cy="5582193"/>
           </a:xfrm>
@@ -11807,7 +12340,97 @@
 </p:sld>
 </file>
 
-<file path=ppt/slides/slide39.xml><?xml version="1.0" encoding="utf-8"?>
+<file path=ppt/slides/slide4.xml><?xml version="1.0" encoding="utf-8"?>
+<p:sld xmlns:a="http://schemas.openxmlformats.org/drawingml/2006/main" xmlns:r="http://schemas.openxmlformats.org/officeDocument/2006/relationships" xmlns:p="http://schemas.openxmlformats.org/presentationml/2006/main">
+  <p:cSld>
+    <p:spTree>
+      <p:nvGrpSpPr>
+        <p:cNvPr id="1" name=""/>
+        <p:cNvGrpSpPr/>
+        <p:nvPr/>
+      </p:nvGrpSpPr>
+      <p:grpSpPr>
+        <a:xfrm>
+          <a:off x="0" y="0"/>
+          <a:ext cx="0" cy="0"/>
+          <a:chOff x="0" y="0"/>
+          <a:chExt cx="0" cy="0"/>
+        </a:xfrm>
+      </p:grpSpPr>
+      <p:sp>
+        <p:nvSpPr>
+          <p:cNvPr id="5" name="Subtitle 4">
+            <a:extLst>
+              <a:ext uri="{FF2B5EF4-FFF2-40B4-BE49-F238E27FC236}">
+                <a16:creationId xmlns:a16="http://schemas.microsoft.com/office/drawing/2014/main" id="{3956E86E-30CF-45A6-BB20-CCDE1F98460E}"/>
+              </a:ext>
+            </a:extLst>
+          </p:cNvPr>
+          <p:cNvSpPr>
+            <a:spLocks noGrp="1"/>
+          </p:cNvSpPr>
+          <p:nvPr>
+            <p:ph type="subTitle" idx="1"/>
+          </p:nvPr>
+        </p:nvSpPr>
+        <p:spPr>
+          <a:xfrm>
+            <a:off x="1524000" y="3602038"/>
+            <a:ext cx="9144000" cy="1655762"/>
+          </a:xfrm>
+        </p:spPr>
+        <p:txBody>
+          <a:bodyPr/>
+          <a:lstStyle/>
+          <a:p>
+            <a:endParaRPr lang="en-US"/>
+          </a:p>
+        </p:txBody>
+      </p:sp>
+      <p:pic>
+        <p:nvPicPr>
+          <p:cNvPr id="6" name="Picture 5">
+            <a:extLst>
+              <a:ext uri="{FF2B5EF4-FFF2-40B4-BE49-F238E27FC236}">
+                <a16:creationId xmlns:a16="http://schemas.microsoft.com/office/drawing/2014/main" id="{0FD10501-A78B-4675-A1CA-259C04828DE1}"/>
+              </a:ext>
+            </a:extLst>
+          </p:cNvPr>
+          <p:cNvPicPr>
+            <a:picLocks noChangeAspect="1"/>
+          </p:cNvPicPr>
+          <p:nvPr/>
+        </p:nvPicPr>
+        <p:blipFill>
+          <a:blip r:embed="rId2"/>
+          <a:stretch>
+            <a:fillRect/>
+          </a:stretch>
+        </p:blipFill>
+        <p:spPr>
+          <a:xfrm>
+            <a:off x="0" y="123446"/>
+            <a:ext cx="12192000" cy="6611107"/>
+          </a:xfrm>
+          <a:prstGeom prst="rect">
+            <a:avLst/>
+          </a:prstGeom>
+        </p:spPr>
+      </p:pic>
+    </p:spTree>
+    <p:extLst>
+      <p:ext uri="{BB962C8B-B14F-4D97-AF65-F5344CB8AC3E}">
+        <p14:creationId xmlns:p14="http://schemas.microsoft.com/office/powerpoint/2010/main" val="3230676015"/>
+      </p:ext>
+    </p:extLst>
+  </p:cSld>
+  <p:clrMapOvr>
+    <a:masterClrMapping/>
+  </p:clrMapOvr>
+</p:sld>
+</file>
+
+<file path=ppt/slides/slide40.xml><?xml version="1.0" encoding="utf-8"?>
 <p:sld xmlns:a="http://schemas.openxmlformats.org/drawingml/2006/main" xmlns:r="http://schemas.openxmlformats.org/officeDocument/2006/relationships" xmlns:p="http://schemas.openxmlformats.org/presentationml/2006/main">
   <p:cSld>
     <p:spTree>
@@ -12405,538 +13028,7 @@
 </p:sld>
 </file>
 
-<file path=ppt/slides/slide4.xml><?xml version="1.0" encoding="utf-8"?>
-<p:sld xmlns:a="http://schemas.openxmlformats.org/drawingml/2006/main" xmlns:r="http://schemas.openxmlformats.org/officeDocument/2006/relationships" xmlns:p="http://schemas.openxmlformats.org/presentationml/2006/main">
-  <p:cSld>
-    <p:bg>
-      <p:bgPr>
-        <a:solidFill>
-          <a:schemeClr val="bg1"/>
-        </a:solidFill>
-        <a:effectLst/>
-      </p:bgPr>
-    </p:bg>
-    <p:spTree>
-      <p:nvGrpSpPr>
-        <p:cNvPr id="1" name=""/>
-        <p:cNvGrpSpPr/>
-        <p:nvPr/>
-      </p:nvGrpSpPr>
-      <p:grpSpPr>
-        <a:xfrm>
-          <a:off x="0" y="0"/>
-          <a:ext cx="0" cy="0"/>
-          <a:chOff x="0" y="0"/>
-          <a:chExt cx="0" cy="0"/>
-        </a:xfrm>
-      </p:grpSpPr>
-      <p:sp>
-        <p:nvSpPr>
-          <p:cNvPr id="4" name="TextBox 3"/>
-          <p:cNvSpPr txBox="1"/>
-          <p:nvPr/>
-        </p:nvSpPr>
-        <p:spPr>
-          <a:xfrm>
-            <a:off x="648929" y="629266"/>
-            <a:ext cx="3651467" cy="1676603"/>
-          </a:xfrm>
-          <a:prstGeom prst="rect">
-            <a:avLst/>
-          </a:prstGeom>
-        </p:spPr>
-        <p:txBody>
-          <a:bodyPr vert="horz" lIns="91440" tIns="45720" rIns="91440" bIns="45720" rtlCol="0" anchor="ctr">
-            <a:normAutofit/>
-          </a:bodyPr>
-          <a:lstStyle/>
-          <a:p>
-            <a:pPr>
-              <a:lnSpc>
-                <a:spcPct val="90000"/>
-              </a:lnSpc>
-              <a:spcBef>
-                <a:spcPct val="0"/>
-              </a:spcBef>
-              <a:spcAft>
-                <a:spcPts val="600"/>
-              </a:spcAft>
-            </a:pPr>
-            <a:r>
-              <a:rPr lang="en-US" sz="3700" dirty="0">
-                <a:latin typeface="+mj-lt"/>
-                <a:ea typeface="+mj-ea"/>
-                <a:cs typeface="+mj-cs"/>
-              </a:rPr>
-              <a:t>Class-1: AI vs ML vs Deep Learning</a:t>
-            </a:r>
-          </a:p>
-          <a:p>
-            <a:pPr>
-              <a:lnSpc>
-                <a:spcPct val="90000"/>
-              </a:lnSpc>
-              <a:spcBef>
-                <a:spcPct val="0"/>
-              </a:spcBef>
-              <a:spcAft>
-                <a:spcPts val="600"/>
-              </a:spcAft>
-            </a:pPr>
-            <a:endParaRPr lang="en-US" sz="3700" dirty="0">
-              <a:latin typeface="+mj-lt"/>
-              <a:ea typeface="+mj-ea"/>
-              <a:cs typeface="+mj-cs"/>
-            </a:endParaRPr>
-          </a:p>
-        </p:txBody>
-      </p:sp>
-      <p:sp>
-        <p:nvSpPr>
-          <p:cNvPr id="3" name="Subtitle 2"/>
-          <p:cNvSpPr>
-            <a:spLocks noGrp="1"/>
-          </p:cNvSpPr>
-          <p:nvPr>
-            <p:ph type="subTitle" idx="1"/>
-          </p:nvPr>
-        </p:nvSpPr>
-        <p:spPr>
-          <a:xfrm>
-            <a:off x="648929" y="3731998"/>
-            <a:ext cx="5299383" cy="2714920"/>
-          </a:xfrm>
-        </p:spPr>
-        <p:txBody>
-          <a:bodyPr vert="horz" lIns="91440" tIns="45720" rIns="91440" bIns="45720" rtlCol="0">
-            <a:normAutofit/>
-          </a:bodyPr>
-          <a:lstStyle/>
-          <a:p>
-            <a:pPr algn="l"/>
-            <a:r>
-              <a:rPr lang="en-US" sz="1800" dirty="0"/>
-              <a:t>1950s-1970s - AI</a:t>
-            </a:r>
-          </a:p>
-          <a:p>
-            <a:pPr indent="-228600" algn="l">
-              <a:buFont typeface="Arial" panose="020B0604020202020204" pitchFamily="34" charset="0"/>
-              <a:buChar char="•"/>
-            </a:pPr>
-            <a:r>
-              <a:rPr lang="en-US" sz="1800" dirty="0"/>
-              <a:t>Example of AI</a:t>
-            </a:r>
-          </a:p>
-          <a:p>
-            <a:pPr algn="l"/>
-            <a:r>
-              <a:rPr lang="en-US" sz="1800" dirty="0"/>
-              <a:t>1980s – 1990s - ML</a:t>
-            </a:r>
-          </a:p>
-          <a:p>
-            <a:pPr indent="-228600" algn="l">
-              <a:buFont typeface="Arial" panose="020B0604020202020204" pitchFamily="34" charset="0"/>
-              <a:buChar char="•"/>
-            </a:pPr>
-            <a:r>
-              <a:rPr lang="en-US" sz="1800" dirty="0"/>
-              <a:t>Example of ML (“Expert” System)</a:t>
-            </a:r>
-          </a:p>
-          <a:p>
-            <a:pPr algn="l"/>
-            <a:r>
-              <a:rPr lang="en-US" sz="1800" dirty="0"/>
-              <a:t>2000s -2010s – DL - ANN</a:t>
-            </a:r>
-          </a:p>
-          <a:p>
-            <a:pPr indent="-228600" algn="l">
-              <a:buFont typeface="Arial" panose="020B0604020202020204" pitchFamily="34" charset="0"/>
-              <a:buChar char="•"/>
-            </a:pPr>
-            <a:r>
-              <a:rPr lang="en-US" sz="1800" dirty="0"/>
-              <a:t>Artificial/Deep Neural Network </a:t>
-            </a:r>
-          </a:p>
-          <a:p>
-            <a:pPr indent="-228600" algn="l">
-              <a:buFont typeface="Arial" panose="020B0604020202020204" pitchFamily="34" charset="0"/>
-              <a:buChar char="•"/>
-            </a:pPr>
-            <a:r>
-              <a:rPr lang="en-US" sz="1800" dirty="0"/>
-              <a:t>Example of Deep Learning</a:t>
-            </a:r>
-          </a:p>
-          <a:p>
-            <a:pPr algn="l"/>
-            <a:endParaRPr lang="en-US" sz="1800" dirty="0"/>
-          </a:p>
-          <a:p>
-            <a:pPr indent="-228600" algn="l">
-              <a:buFont typeface="Arial" panose="020B0604020202020204" pitchFamily="34" charset="0"/>
-              <a:buChar char="•"/>
-            </a:pPr>
-            <a:endParaRPr lang="en-US" sz="1800" dirty="0"/>
-          </a:p>
-        </p:txBody>
-      </p:sp>
-      <p:pic>
-        <p:nvPicPr>
-          <p:cNvPr id="2" name="Picture 1">
-            <a:extLst>
-              <a:ext uri="{FF2B5EF4-FFF2-40B4-BE49-F238E27FC236}">
-                <a16:creationId xmlns:a16="http://schemas.microsoft.com/office/drawing/2014/main" id="{BA5AF337-9A07-4F1F-B422-F537DB28C43D}"/>
-              </a:ext>
-            </a:extLst>
-          </p:cNvPr>
-          <p:cNvPicPr>
-            <a:picLocks noChangeAspect="1"/>
-          </p:cNvPicPr>
-          <p:nvPr/>
-        </p:nvPicPr>
-        <p:blipFill rotWithShape="1">
-          <a:blip r:embed="rId3"/>
-          <a:srcRect l="3932" r="3557" b="2"/>
-          <a:stretch/>
-        </p:blipFill>
-        <p:spPr>
-          <a:xfrm>
-            <a:off x="6237551" y="793940"/>
-            <a:ext cx="5892776" cy="5429416"/>
-          </a:xfrm>
-          <a:prstGeom prst="rect">
-            <a:avLst/>
-          </a:prstGeom>
-          <a:effectLst/>
-        </p:spPr>
-      </p:pic>
-      <p:sp>
-        <p:nvSpPr>
-          <p:cNvPr id="5" name="Subtitle 2">
-            <a:extLst>
-              <a:ext uri="{FF2B5EF4-FFF2-40B4-BE49-F238E27FC236}">
-                <a16:creationId xmlns:a16="http://schemas.microsoft.com/office/drawing/2014/main" id="{D9929E9D-FEC5-4EAC-9822-EC63839F7969}"/>
-              </a:ext>
-            </a:extLst>
-          </p:cNvPr>
-          <p:cNvSpPr txBox="1">
-            <a:spLocks/>
-          </p:cNvSpPr>
-          <p:nvPr/>
-        </p:nvSpPr>
-        <p:spPr>
-          <a:xfrm>
-            <a:off x="693271" y="1999128"/>
-            <a:ext cx="5110705" cy="1866539"/>
-          </a:xfrm>
-          <a:prstGeom prst="rect">
-            <a:avLst/>
-          </a:prstGeom>
-        </p:spPr>
-        <p:txBody>
-          <a:bodyPr vert="horz" lIns="91440" tIns="45720" rIns="91440" bIns="45720" rtlCol="0">
-            <a:normAutofit/>
-          </a:bodyPr>
-          <a:lstStyle>
-            <a:lvl1pPr marL="0" indent="0" algn="ctr" defTabSz="914400" rtl="0" eaLnBrk="1" latinLnBrk="0" hangingPunct="1">
-              <a:lnSpc>
-                <a:spcPct val="90000"/>
-              </a:lnSpc>
-              <a:spcBef>
-                <a:spcPts val="1000"/>
-              </a:spcBef>
-              <a:buFont typeface="Arial" panose="020B0604020202020204" pitchFamily="34" charset="0"/>
-              <a:buNone/>
-              <a:defRPr sz="2400" kern="1200">
-                <a:solidFill>
-                  <a:schemeClr val="tx1"/>
-                </a:solidFill>
-                <a:latin typeface="+mn-lt"/>
-                <a:ea typeface="+mn-ea"/>
-                <a:cs typeface="+mn-cs"/>
-              </a:defRPr>
-            </a:lvl1pPr>
-            <a:lvl2pPr marL="457200" indent="0" algn="ctr" defTabSz="914400" rtl="0" eaLnBrk="1" latinLnBrk="0" hangingPunct="1">
-              <a:lnSpc>
-                <a:spcPct val="90000"/>
-              </a:lnSpc>
-              <a:spcBef>
-                <a:spcPts val="500"/>
-              </a:spcBef>
-              <a:buFont typeface="Arial" panose="020B0604020202020204" pitchFamily="34" charset="0"/>
-              <a:buNone/>
-              <a:defRPr sz="2000" kern="1200">
-                <a:solidFill>
-                  <a:schemeClr val="tx1"/>
-                </a:solidFill>
-                <a:latin typeface="+mn-lt"/>
-                <a:ea typeface="+mn-ea"/>
-                <a:cs typeface="+mn-cs"/>
-              </a:defRPr>
-            </a:lvl2pPr>
-            <a:lvl3pPr marL="914400" indent="0" algn="ctr" defTabSz="914400" rtl="0" eaLnBrk="1" latinLnBrk="0" hangingPunct="1">
-              <a:lnSpc>
-                <a:spcPct val="90000"/>
-              </a:lnSpc>
-              <a:spcBef>
-                <a:spcPts val="500"/>
-              </a:spcBef>
-              <a:buFont typeface="Arial" panose="020B0604020202020204" pitchFamily="34" charset="0"/>
-              <a:buNone/>
-              <a:defRPr sz="1800" kern="1200">
-                <a:solidFill>
-                  <a:schemeClr val="tx1"/>
-                </a:solidFill>
-                <a:latin typeface="+mn-lt"/>
-                <a:ea typeface="+mn-ea"/>
-                <a:cs typeface="+mn-cs"/>
-              </a:defRPr>
-            </a:lvl3pPr>
-            <a:lvl4pPr marL="1371600" indent="0" algn="ctr" defTabSz="914400" rtl="0" eaLnBrk="1" latinLnBrk="0" hangingPunct="1">
-              <a:lnSpc>
-                <a:spcPct val="90000"/>
-              </a:lnSpc>
-              <a:spcBef>
-                <a:spcPts val="500"/>
-              </a:spcBef>
-              <a:buFont typeface="Arial" panose="020B0604020202020204" pitchFamily="34" charset="0"/>
-              <a:buNone/>
-              <a:defRPr sz="1600" kern="1200">
-                <a:solidFill>
-                  <a:schemeClr val="tx1"/>
-                </a:solidFill>
-                <a:latin typeface="+mn-lt"/>
-                <a:ea typeface="+mn-ea"/>
-                <a:cs typeface="+mn-cs"/>
-              </a:defRPr>
-            </a:lvl4pPr>
-            <a:lvl5pPr marL="1828800" indent="0" algn="ctr" defTabSz="914400" rtl="0" eaLnBrk="1" latinLnBrk="0" hangingPunct="1">
-              <a:lnSpc>
-                <a:spcPct val="90000"/>
-              </a:lnSpc>
-              <a:spcBef>
-                <a:spcPts val="500"/>
-              </a:spcBef>
-              <a:buFont typeface="Arial" panose="020B0604020202020204" pitchFamily="34" charset="0"/>
-              <a:buNone/>
-              <a:defRPr sz="1600" kern="1200">
-                <a:solidFill>
-                  <a:schemeClr val="tx1"/>
-                </a:solidFill>
-                <a:latin typeface="+mn-lt"/>
-                <a:ea typeface="+mn-ea"/>
-                <a:cs typeface="+mn-cs"/>
-              </a:defRPr>
-            </a:lvl5pPr>
-            <a:lvl6pPr marL="2286000" indent="0" algn="ctr" defTabSz="914400" rtl="0" eaLnBrk="1" latinLnBrk="0" hangingPunct="1">
-              <a:lnSpc>
-                <a:spcPct val="90000"/>
-              </a:lnSpc>
-              <a:spcBef>
-                <a:spcPts val="500"/>
-              </a:spcBef>
-              <a:buFont typeface="Arial" panose="020B0604020202020204" pitchFamily="34" charset="0"/>
-              <a:buNone/>
-              <a:defRPr sz="1600" kern="1200">
-                <a:solidFill>
-                  <a:schemeClr val="tx1"/>
-                </a:solidFill>
-                <a:latin typeface="+mn-lt"/>
-                <a:ea typeface="+mn-ea"/>
-                <a:cs typeface="+mn-cs"/>
-              </a:defRPr>
-            </a:lvl6pPr>
-            <a:lvl7pPr marL="2743200" indent="0" algn="ctr" defTabSz="914400" rtl="0" eaLnBrk="1" latinLnBrk="0" hangingPunct="1">
-              <a:lnSpc>
-                <a:spcPct val="90000"/>
-              </a:lnSpc>
-              <a:spcBef>
-                <a:spcPts val="500"/>
-              </a:spcBef>
-              <a:buFont typeface="Arial" panose="020B0604020202020204" pitchFamily="34" charset="0"/>
-              <a:buNone/>
-              <a:defRPr sz="1600" kern="1200">
-                <a:solidFill>
-                  <a:schemeClr val="tx1"/>
-                </a:solidFill>
-                <a:latin typeface="+mn-lt"/>
-                <a:ea typeface="+mn-ea"/>
-                <a:cs typeface="+mn-cs"/>
-              </a:defRPr>
-            </a:lvl7pPr>
-            <a:lvl8pPr marL="3200400" indent="0" algn="ctr" defTabSz="914400" rtl="0" eaLnBrk="1" latinLnBrk="0" hangingPunct="1">
-              <a:lnSpc>
-                <a:spcPct val="90000"/>
-              </a:lnSpc>
-              <a:spcBef>
-                <a:spcPts val="500"/>
-              </a:spcBef>
-              <a:buFont typeface="Arial" panose="020B0604020202020204" pitchFamily="34" charset="0"/>
-              <a:buNone/>
-              <a:defRPr sz="1600" kern="1200">
-                <a:solidFill>
-                  <a:schemeClr val="tx1"/>
-                </a:solidFill>
-                <a:latin typeface="+mn-lt"/>
-                <a:ea typeface="+mn-ea"/>
-                <a:cs typeface="+mn-cs"/>
-              </a:defRPr>
-            </a:lvl8pPr>
-            <a:lvl9pPr marL="3657600" indent="0" algn="ctr" defTabSz="914400" rtl="0" eaLnBrk="1" latinLnBrk="0" hangingPunct="1">
-              <a:lnSpc>
-                <a:spcPct val="90000"/>
-              </a:lnSpc>
-              <a:spcBef>
-                <a:spcPts val="500"/>
-              </a:spcBef>
-              <a:buFont typeface="Arial" panose="020B0604020202020204" pitchFamily="34" charset="0"/>
-              <a:buNone/>
-              <a:defRPr sz="1600" kern="1200">
-                <a:solidFill>
-                  <a:schemeClr val="tx1"/>
-                </a:solidFill>
-                <a:latin typeface="+mn-lt"/>
-                <a:ea typeface="+mn-ea"/>
-                <a:cs typeface="+mn-cs"/>
-              </a:defRPr>
-            </a:lvl9pPr>
-          </a:lstStyle>
-          <a:p>
-            <a:pPr algn="l"/>
-            <a:r>
-              <a:rPr lang="en-US" sz="1800" dirty="0"/>
-              <a:t>WHAT IS AI?</a:t>
-            </a:r>
-          </a:p>
-          <a:p>
-            <a:pPr algn="l"/>
-            <a:r>
-              <a:rPr lang="en-US" sz="1800" dirty="0"/>
-              <a:t>“</a:t>
-            </a:r>
-            <a:r>
-              <a:rPr lang="en-US" sz="1800" b="1" dirty="0"/>
-              <a:t>Algorithms</a:t>
-            </a:r>
-            <a:r>
-              <a:rPr lang="en-US" sz="1800" dirty="0"/>
-              <a:t> enabled by </a:t>
-            </a:r>
-            <a:r>
-              <a:rPr lang="en-US" sz="1800" b="1" dirty="0"/>
-              <a:t>constraints</a:t>
-            </a:r>
-            <a:r>
-              <a:rPr lang="en-US" sz="1800" dirty="0"/>
-              <a:t> &amp; exposed by </a:t>
-            </a:r>
-            <a:r>
-              <a:rPr lang="en-US" sz="1800" b="1" dirty="0"/>
-              <a:t>representations</a:t>
-            </a:r>
-            <a:r>
-              <a:rPr lang="en-US" sz="1800" dirty="0"/>
-              <a:t> that support models targeted at </a:t>
-            </a:r>
-            <a:r>
-              <a:rPr lang="en-US" sz="1800" b="1" dirty="0"/>
-              <a:t>thinking</a:t>
-            </a:r>
-            <a:r>
-              <a:rPr lang="en-US" sz="1800" dirty="0"/>
-              <a:t>, </a:t>
-            </a:r>
-            <a:r>
-              <a:rPr lang="en-US" sz="1800" b="1" dirty="0"/>
-              <a:t>perception</a:t>
-            </a:r>
-            <a:r>
-              <a:rPr lang="en-US" sz="1800" dirty="0"/>
-              <a:t> and </a:t>
-            </a:r>
-            <a:r>
-              <a:rPr lang="en-US" sz="1800" b="1" dirty="0"/>
-              <a:t>action</a:t>
-            </a:r>
-            <a:r>
-              <a:rPr lang="en-US" sz="1800" dirty="0"/>
-              <a:t>.” 	</a:t>
-            </a:r>
-          </a:p>
-          <a:p>
-            <a:pPr algn="r"/>
-            <a:r>
-              <a:rPr lang="en-US" sz="1800" dirty="0"/>
-              <a:t>MIT Prof. Patrick Winston</a:t>
-            </a:r>
-          </a:p>
-          <a:p>
-            <a:pPr indent="-228600" algn="l">
-              <a:buFont typeface="Arial" panose="020B0604020202020204" pitchFamily="34" charset="0"/>
-              <a:buChar char="•"/>
-            </a:pPr>
-            <a:endParaRPr lang="en-US" sz="1800" dirty="0"/>
-          </a:p>
-        </p:txBody>
-      </p:sp>
-      <p:cxnSp>
-        <p:nvCxnSpPr>
-          <p:cNvPr id="6" name="Straight Connector 5">
-            <a:extLst>
-              <a:ext uri="{FF2B5EF4-FFF2-40B4-BE49-F238E27FC236}">
-                <a16:creationId xmlns:a16="http://schemas.microsoft.com/office/drawing/2014/main" id="{54114226-73D0-4FF0-956C-B62212123485}"/>
-              </a:ext>
-            </a:extLst>
-          </p:cNvPr>
-          <p:cNvCxnSpPr>
-            <a:cxnSpLocks/>
-          </p:cNvCxnSpPr>
-          <p:nvPr/>
-        </p:nvCxnSpPr>
-        <p:spPr>
-          <a:xfrm>
-            <a:off x="5532472" y="4550418"/>
-            <a:ext cx="359570" cy="287481"/>
-          </a:xfrm>
-          <a:prstGeom prst="line">
-            <a:avLst/>
-          </a:prstGeom>
-        </p:spPr>
-        <p:style>
-          <a:lnRef idx="1">
-            <a:schemeClr val="accent1"/>
-          </a:lnRef>
-          <a:fillRef idx="0">
-            <a:schemeClr val="accent1"/>
-          </a:fillRef>
-          <a:effectRef idx="0">
-            <a:schemeClr val="accent1"/>
-          </a:effectRef>
-          <a:fontRef idx="minor">
-            <a:schemeClr val="tx1"/>
-          </a:fontRef>
-        </p:style>
-      </p:cxnSp>
-    </p:spTree>
-    <p:extLst>
-      <p:ext uri="{BB962C8B-B14F-4D97-AF65-F5344CB8AC3E}">
-        <p14:creationId xmlns:p14="http://schemas.microsoft.com/office/powerpoint/2010/main" val="2618803147"/>
-      </p:ext>
-    </p:extLst>
-  </p:cSld>
-  <p:clrMapOvr>
-    <a:masterClrMapping/>
-  </p:clrMapOvr>
-</p:sld>
-</file>
-
-<file path=ppt/slides/slide40.xml><?xml version="1.0" encoding="utf-8"?>
+<file path=ppt/slides/slide41.xml><?xml version="1.0" encoding="utf-8"?>
 <p:sld xmlns:a="http://schemas.openxmlformats.org/drawingml/2006/main" xmlns:r="http://schemas.openxmlformats.org/officeDocument/2006/relationships" xmlns:p="http://schemas.openxmlformats.org/presentationml/2006/main">
   <p:cSld>
     <p:spTree>
@@ -12977,17 +13069,16 @@
           <a:p>
             <a:pPr algn="l"/>
             <a:r>
-              <a:rPr lang="en-US" sz="4800" dirty="0" smtClean="0"/>
+              <a:rPr lang="en-US" sz="4800" dirty="0"/>
               <a:t>Available color (domain): 4</a:t>
             </a:r>
           </a:p>
           <a:p>
             <a:pPr algn="l"/>
             <a:r>
-              <a:rPr lang="en-US" sz="4800" dirty="0" smtClean="0"/>
-              <a:t>State next to each other: different color</a:t>
-            </a:r>
-            <a:endParaRPr lang="en-US" sz="4800" dirty="0"/>
+              <a:rPr lang="en-US" sz="4800" dirty="0"/>
+              <a:t>States next to each other: different color</a:t>
+            </a:r>
           </a:p>
         </p:txBody>
       </p:sp>
@@ -13015,13 +13106,8 @@
           <a:p>
             <a:r>
               <a:rPr lang="en-US" sz="3600" dirty="0"/>
-              <a:t>Constraints: </a:t>
-            </a:r>
-            <a:r>
-              <a:rPr lang="en-US" sz="3600" dirty="0" smtClean="0"/>
-              <a:t>Coloring USA Maps</a:t>
-            </a:r>
-            <a:endParaRPr lang="en-US" sz="3600" dirty="0"/>
+              <a:t>Constraints: Coloring USA Maps</a:t>
+            </a:r>
           </a:p>
           <a:p>
             <a:endParaRPr lang="en-US" dirty="0"/>
@@ -13160,18 +13246,13 @@
           <a:p>
             <a:pPr algn="ctr"/>
             <a:r>
-              <a:rPr lang="en-US" dirty="0" smtClean="0">
+              <a:rPr lang="en-US" dirty="0">
                 <a:solidFill>
                   <a:schemeClr val="tx1"/>
                 </a:solidFill>
               </a:rPr>
               <a:t>RGBY</a:t>
             </a:r>
-            <a:endParaRPr lang="en-US" dirty="0">
-              <a:solidFill>
-                <a:schemeClr val="tx1"/>
-              </a:solidFill>
-            </a:endParaRPr>
           </a:p>
         </p:txBody>
       </p:sp>
@@ -13440,10 +13521,9 @@
           <a:p>
             <a:pPr algn="ctr"/>
             <a:r>
-              <a:rPr lang="en-US" dirty="0" smtClean="0"/>
+              <a:rPr lang="en-US" dirty="0"/>
               <a:t>B</a:t>
             </a:r>
-            <a:endParaRPr lang="en-US" dirty="0"/>
           </a:p>
         </p:txBody>
       </p:sp>
@@ -13581,10 +13661,9 @@
           <a:p>
             <a:pPr algn="ctr"/>
             <a:r>
-              <a:rPr lang="en-US" dirty="0" smtClean="0"/>
+              <a:rPr lang="en-US" dirty="0"/>
               <a:t>G</a:t>
             </a:r>
-            <a:endParaRPr lang="en-US" dirty="0"/>
           </a:p>
         </p:txBody>
       </p:sp>
@@ -13722,10 +13801,9 @@
           <a:p>
             <a:pPr algn="ctr"/>
             <a:r>
-              <a:rPr lang="en-US" dirty="0" smtClean="0"/>
+              <a:rPr lang="en-US" dirty="0"/>
               <a:t>R</a:t>
             </a:r>
-            <a:endParaRPr lang="en-US" dirty="0"/>
           </a:p>
         </p:txBody>
       </p:sp>
@@ -13846,10 +13924,9 @@
           </a:lstStyle>
           <a:p>
             <a:r>
-              <a:rPr lang="en-US" dirty="0" smtClean="0"/>
+              <a:rPr lang="en-US" dirty="0"/>
               <a:t>TX</a:t>
             </a:r>
-            <a:endParaRPr lang="en-US" dirty="0"/>
           </a:p>
         </p:txBody>
       </p:sp>
@@ -13970,10 +14047,9 @@
           </a:lstStyle>
           <a:p>
             <a:r>
-              <a:rPr lang="en-US" dirty="0" smtClean="0"/>
+              <a:rPr lang="en-US" dirty="0"/>
               <a:t>OK</a:t>
             </a:r>
-            <a:endParaRPr lang="en-US" dirty="0"/>
           </a:p>
         </p:txBody>
       </p:sp>
@@ -14094,10 +14170,9 @@
           </a:lstStyle>
           <a:p>
             <a:r>
-              <a:rPr lang="en-US" dirty="0" smtClean="0"/>
+              <a:rPr lang="en-US" dirty="0"/>
               <a:t>AK</a:t>
             </a:r>
-            <a:endParaRPr lang="en-US" dirty="0"/>
           </a:p>
         </p:txBody>
       </p:sp>
@@ -14114,7 +14189,7 @@
 </p:sld>
 </file>
 
-<file path=ppt/slides/slide41.xml><?xml version="1.0" encoding="utf-8"?>
+<file path=ppt/slides/slide42.xml><?xml version="1.0" encoding="utf-8"?>
 <p:sld xmlns:a="http://schemas.openxmlformats.org/drawingml/2006/main" xmlns:r="http://schemas.openxmlformats.org/officeDocument/2006/relationships" xmlns:p="http://schemas.openxmlformats.org/presentationml/2006/main">
   <p:cSld>
     <p:spTree>
@@ -14143,6 +14218,140 @@
         </p:nvSpPr>
         <p:spPr>
           <a:xfrm>
+            <a:off x="477672" y="731520"/>
+            <a:ext cx="11068334" cy="4553173"/>
+          </a:xfrm>
+        </p:spPr>
+        <p:txBody>
+          <a:bodyPr>
+            <a:normAutofit lnSpcReduction="10000"/>
+          </a:bodyPr>
+          <a:lstStyle/>
+          <a:p>
+            <a:pPr algn="l"/>
+            <a:r>
+              <a:rPr lang="en-US" sz="4800" dirty="0"/>
+              <a:t>F1: BOS -&gt; JFK </a:t>
+            </a:r>
+          </a:p>
+          <a:p>
+            <a:pPr algn="l"/>
+            <a:r>
+              <a:rPr lang="en-US" sz="4800" dirty="0"/>
+              <a:t>F2:              JFK-&gt;BOS</a:t>
+            </a:r>
+          </a:p>
+          <a:p>
+            <a:pPr algn="l"/>
+            <a:r>
+              <a:rPr lang="en-US" sz="4800" dirty="0"/>
+              <a:t>F3:                        BOS -&gt; JFK</a:t>
+            </a:r>
+          </a:p>
+          <a:p>
+            <a:pPr algn="l"/>
+            <a:r>
+              <a:rPr lang="en-US" sz="4800" dirty="0"/>
+              <a:t>F4:                                     JFK-&gt;BOS</a:t>
+            </a:r>
+          </a:p>
+          <a:p>
+            <a:pPr algn="l"/>
+            <a:r>
+              <a:rPr lang="en-US" sz="4800" dirty="0"/>
+              <a:t>F5: BOS -------------------------------</a:t>
+            </a:r>
+            <a:r>
+              <a:rPr lang="en-US" sz="4800" dirty="0">
+                <a:sym typeface="Wingdings" panose="05000000000000000000" pitchFamily="2" charset="2"/>
+              </a:rPr>
+              <a:t> LAX</a:t>
+            </a:r>
+            <a:endParaRPr lang="en-US" sz="4800" dirty="0"/>
+          </a:p>
+          <a:p>
+            <a:pPr algn="l"/>
+            <a:r>
+              <a:rPr lang="en-US" sz="4800" dirty="0"/>
+              <a:t>How many planes are needed? 4?</a:t>
+            </a:r>
+          </a:p>
+        </p:txBody>
+      </p:sp>
+      <p:sp>
+        <p:nvSpPr>
+          <p:cNvPr id="4" name="TextBox 3"/>
+          <p:cNvSpPr txBox="1"/>
+          <p:nvPr/>
+        </p:nvSpPr>
+        <p:spPr>
+          <a:xfrm>
+            <a:off x="97000" y="82622"/>
+            <a:ext cx="11449006" cy="923330"/>
+          </a:xfrm>
+          <a:prstGeom prst="rect">
+            <a:avLst/>
+          </a:prstGeom>
+          <a:noFill/>
+        </p:spPr>
+        <p:txBody>
+          <a:bodyPr wrap="square" rtlCol="0">
+            <a:spAutoFit/>
+          </a:bodyPr>
+          <a:lstStyle/>
+          <a:p>
+            <a:r>
+              <a:rPr lang="en-US" sz="3600" dirty="0"/>
+              <a:t>Constraints: Resource Allocations</a:t>
+            </a:r>
+          </a:p>
+          <a:p>
+            <a:endParaRPr lang="en-US" dirty="0"/>
+          </a:p>
+        </p:txBody>
+      </p:sp>
+    </p:spTree>
+    <p:extLst>
+      <p:ext uri="{BB962C8B-B14F-4D97-AF65-F5344CB8AC3E}">
+        <p14:creationId xmlns:p14="http://schemas.microsoft.com/office/powerpoint/2010/main" val="4269374643"/>
+      </p:ext>
+    </p:extLst>
+  </p:cSld>
+  <p:clrMapOvr>
+    <a:masterClrMapping/>
+  </p:clrMapOvr>
+</p:sld>
+</file>
+
+<file path=ppt/slides/slide43.xml><?xml version="1.0" encoding="utf-8"?>
+<p:sld xmlns:a="http://schemas.openxmlformats.org/drawingml/2006/main" xmlns:r="http://schemas.openxmlformats.org/officeDocument/2006/relationships" xmlns:p="http://schemas.openxmlformats.org/presentationml/2006/main">
+  <p:cSld>
+    <p:spTree>
+      <p:nvGrpSpPr>
+        <p:cNvPr id="1" name=""/>
+        <p:cNvGrpSpPr/>
+        <p:nvPr/>
+      </p:nvGrpSpPr>
+      <p:grpSpPr>
+        <a:xfrm>
+          <a:off x="0" y="0"/>
+          <a:ext cx="0" cy="0"/>
+          <a:chOff x="0" y="0"/>
+          <a:chExt cx="0" cy="0"/>
+        </a:xfrm>
+      </p:grpSpPr>
+      <p:sp>
+        <p:nvSpPr>
+          <p:cNvPr id="3" name="Subtitle 2"/>
+          <p:cNvSpPr>
+            <a:spLocks noGrp="1"/>
+          </p:cNvSpPr>
+          <p:nvPr>
+            <p:ph type="subTitle" idx="1"/>
+          </p:nvPr>
+        </p:nvSpPr>
+        <p:spPr>
+          <a:xfrm>
             <a:off x="1166948" y="815294"/>
             <a:ext cx="9144000" cy="5498419"/>
           </a:xfrm>
@@ -14197,10 +14406,6 @@
           </a:p>
           <a:p>
             <a:pPr algn="l"/>
-            <a:r>
-              <a:rPr lang="en-US" sz="6600" dirty="0"/>
-              <a:t/>
-            </a:r>
             <a:br>
               <a:rPr lang="en-US" sz="6600" dirty="0"/>
             </a:br>
@@ -17002,7 +17207,7 @@
             <a:pPr algn="l"/>
             <a:r>
               <a:rPr lang="en-US" sz="4900" dirty="0"/>
-              <a:t>2000s AI/ML approach is totally different.</a:t>
+              <a:t>2015s AI/ML approach is totally different.</a:t>
             </a:r>
           </a:p>
         </p:txBody>
@@ -17572,15 +17777,6 @@
 </file>
 
 <file path=customXml/item1.xml><?xml version="1.0" encoding="utf-8"?>
-<?mso-contentType ?>
-<FormTemplates xmlns="http://schemas.microsoft.com/sharepoint/v3/contenttype/forms">
-  <Display>DocumentLibraryForm</Display>
-  <Edit>DocumentLibraryForm</Edit>
-  <New>DocumentLibraryForm</New>
-</FormTemplates>
-</file>
-
-<file path=customXml/item2.xml><?xml version="1.0" encoding="utf-8"?>
 <ct:contentTypeSchema xmlns:ct="http://schemas.microsoft.com/office/2006/metadata/contentType" xmlns:ma="http://schemas.microsoft.com/office/2006/metadata/properties/metaAttributes" ct:_="" ma:_="" ma:contentTypeName="Document" ma:contentTypeID="0x01010040A75B615E1C194CABC80F3CAEA6E4E5" ma:contentTypeVersion="9" ma:contentTypeDescription="Create a new document." ma:contentTypeScope="" ma:versionID="4a1cf2a28ba0a9e91fab658e05820dde">
   <xsd:schema xmlns:xsd="http://www.w3.org/2001/XMLSchema" xmlns:xs="http://www.w3.org/2001/XMLSchema" xmlns:p="http://schemas.microsoft.com/office/2006/metadata/properties" xmlns:ns3="d97dfd74-0758-4aac-b7c3-4f13d10397e8" xmlns:ns4="851bce1a-01c5-49d9-967d-64af5945ebef" targetNamespace="http://schemas.microsoft.com/office/2006/metadata/properties" ma:root="true" ma:fieldsID="090359357a8ddcd8bb6253bd66cd91d0" ns3:_="" ns4:_="">
     <xsd:import namespace="d97dfd74-0758-4aac-b7c3-4f13d10397e8"/>
@@ -17777,6 +17973,15 @@
 </ct:contentTypeSchema>
 </file>
 
+<file path=customXml/item2.xml><?xml version="1.0" encoding="utf-8"?>
+<?mso-contentType ?>
+<FormTemplates xmlns="http://schemas.microsoft.com/sharepoint/v3/contenttype/forms">
+  <Display>DocumentLibraryForm</Display>
+  <Edit>DocumentLibraryForm</Edit>
+  <New>DocumentLibraryForm</New>
+</FormTemplates>
+</file>
+
 <file path=customXml/item3.xml><?xml version="1.0" encoding="utf-8"?>
 <p:properties xmlns:p="http://schemas.microsoft.com/office/2006/metadata/properties" xmlns:xsi="http://www.w3.org/2001/XMLSchema-instance" xmlns:pc="http://schemas.microsoft.com/office/infopath/2007/PartnerControls">
   <documentManagement/>
@@ -17784,14 +17989,6 @@
 </file>
 
 <file path=customXml/itemProps1.xml><?xml version="1.0" encoding="utf-8"?>
-<ds:datastoreItem xmlns:ds="http://schemas.openxmlformats.org/officeDocument/2006/customXml" ds:itemID="{9A56549F-9000-409B-8EE1-A7AE4257567A}">
-  <ds:schemaRefs>
-    <ds:schemaRef ds:uri="http://schemas.microsoft.com/sharepoint/v3/contenttype/forms"/>
-  </ds:schemaRefs>
-</ds:datastoreItem>
-</file>
-
-<file path=customXml/itemProps2.xml><?xml version="1.0" encoding="utf-8"?>
 <ds:datastoreItem xmlns:ds="http://schemas.openxmlformats.org/officeDocument/2006/customXml" ds:itemID="{A173A3F4-56E8-4506-812D-90D9C8F7ED90}">
   <ds:schemaRefs>
     <ds:schemaRef ds:uri="http://schemas.microsoft.com/office/2006/metadata/contentType"/>
@@ -17806,6 +18003,14 @@
     <ds:schemaRef ds:uri="http://purl.org/dc/elements/1.1/"/>
     <ds:schemaRef ds:uri="http://purl.org/dc/terms/"/>
     <ds:schemaRef ds:uri="http://schemas.microsoft.com/internal/obd"/>
+  </ds:schemaRefs>
+</ds:datastoreItem>
+</file>
+
+<file path=customXml/itemProps2.xml><?xml version="1.0" encoding="utf-8"?>
+<ds:datastoreItem xmlns:ds="http://schemas.openxmlformats.org/officeDocument/2006/customXml" ds:itemID="{9A56549F-9000-409B-8EE1-A7AE4257567A}">
+  <ds:schemaRefs>
+    <ds:schemaRef ds:uri="http://schemas.microsoft.com/sharepoint/v3/contenttype/forms"/>
   </ds:schemaRefs>
 </ds:datastoreItem>
 </file>

--- a/AI-ML-DL/Machine Learning.pptx
+++ b/AI-ML-DL/Machine Learning.pptx
@@ -3155,7 +3155,7 @@
           <a:p>
             <a:fld id="{1E5BB661-8884-4460-B9ED-FD0D9BF054C6}" type="datetimeFigureOut">
               <a:rPr lang="en-US" smtClean="0"/>
-              <a:t>6/28/2020</a:t>
+              <a:t>6/29/2020</a:t>
             </a:fld>
             <a:endParaRPr lang="en-US"/>
           </a:p>
@@ -3643,7 +3643,68 @@
           <a:bodyPr/>
           <a:lstStyle/>
           <a:p>
+            <a:r>
+              <a:rPr lang="en-US" dirty="0"/>
+              <a:t>So which one is better? </a:t>
+            </a:r>
+          </a:p>
+          <a:p>
+            <a:r>
+              <a:rPr lang="en-US" dirty="0"/>
+              <a:t>LOL …</a:t>
+            </a:r>
+          </a:p>
+          <a:p>
+            <a:r>
+              <a:rPr lang="en-US" dirty="0"/>
+              <a:t>Using Naïve Bayes to tell:</a:t>
+            </a:r>
+          </a:p>
+          <a:p>
             <a:endParaRPr lang="en-US" dirty="0"/>
+          </a:p>
+          <a:p>
+            <a:r>
+              <a:rPr lang="en-US" dirty="0"/>
+              <a:t>To extend a little bit, Diagnose (disease) – symptoms then classify , Lie detection, Fake news, Root Cause Analysis. </a:t>
+            </a:r>
+          </a:p>
+          <a:p>
+            <a:pPr marL="0" marR="0" lvl="0" indent="0" algn="l" defTabSz="914400" rtl="0" eaLnBrk="1" fontAlgn="auto" latinLnBrk="0" hangingPunct="1">
+              <a:lnSpc>
+                <a:spcPct val="100000"/>
+              </a:lnSpc>
+              <a:spcBef>
+                <a:spcPts val="0"/>
+              </a:spcBef>
+              <a:spcAft>
+                <a:spcPts val="0"/>
+              </a:spcAft>
+              <a:buClrTx/>
+              <a:buSzTx/>
+              <a:buFontTx/>
+              <a:buNone/>
+              <a:tabLst/>
+              <a:defRPr/>
+            </a:pPr>
+            <a:r>
+              <a:rPr lang="en-US" sz="1200" b="0" i="0" kern="1200" dirty="0">
+                <a:solidFill>
+                  <a:schemeClr val="tx1"/>
+                </a:solidFill>
+                <a:effectLst/>
+                <a:latin typeface="+mn-lt"/>
+                <a:ea typeface="+mn-ea"/>
+                <a:cs typeface="+mn-cs"/>
+              </a:rPr>
+              <a:t>22. Probabilistic Inference II</a:t>
+            </a:r>
+          </a:p>
+          <a:p>
+            <a:r>
+              <a:rPr lang="en-US" dirty="0"/>
+              <a:t> </a:t>
+            </a:r>
           </a:p>
         </p:txBody>
       </p:sp>
@@ -4398,6 +4459,29 @@
             </a:r>
           </a:p>
           <a:p>
+            <a:pPr marL="0" marR="0" lvl="0" indent="0" algn="l" defTabSz="914400" rtl="0" eaLnBrk="1" fontAlgn="auto" latinLnBrk="0" hangingPunct="1">
+              <a:lnSpc>
+                <a:spcPct val="100000"/>
+              </a:lnSpc>
+              <a:spcBef>
+                <a:spcPts val="0"/>
+              </a:spcBef>
+              <a:spcAft>
+                <a:spcPts val="0"/>
+              </a:spcAft>
+              <a:buClrTx/>
+              <a:buSzTx/>
+              <a:buFontTx/>
+              <a:buNone/>
+              <a:tabLst/>
+              <a:defRPr/>
+            </a:pPr>
+            <a:r>
+              <a:rPr lang="en-US" sz="1200" dirty="0"/>
+              <a:t>Is this a AI problem?</a:t>
+            </a:r>
+          </a:p>
+          <a:p>
             <a:endParaRPr lang="en-US" dirty="0"/>
           </a:p>
         </p:txBody>
@@ -4484,8 +4568,23 @@
           <a:p>
             <a:r>
               <a:rPr lang="en-US" dirty="0"/>
+              <a:t>This is an AI problem?</a:t>
+            </a:r>
+          </a:p>
+          <a:p>
+            <a:endParaRPr lang="en-US" dirty="0"/>
+          </a:p>
+          <a:p>
+            <a:r>
+              <a:rPr lang="en-US" dirty="0"/>
               <a:t>Direction is Left to Right</a:t>
             </a:r>
+          </a:p>
+          <a:p>
+            <a:endParaRPr lang="en-US" dirty="0"/>
+          </a:p>
+          <a:p>
+            <a:endParaRPr lang="en-US" dirty="0"/>
           </a:p>
         </p:txBody>
       </p:sp>
@@ -5012,7 +5111,7 @@
           <a:p>
             <a:fld id="{99CA405F-FDE6-4D37-9F47-E73AA25D91EF}" type="datetimeFigureOut">
               <a:rPr lang="en-US" smtClean="0"/>
-              <a:t>6/28/2020</a:t>
+              <a:t>6/29/2020</a:t>
             </a:fld>
             <a:endParaRPr lang="en-US"/>
           </a:p>
@@ -5180,7 +5279,7 @@
           <a:p>
             <a:fld id="{99CA405F-FDE6-4D37-9F47-E73AA25D91EF}" type="datetimeFigureOut">
               <a:rPr lang="en-US" smtClean="0"/>
-              <a:t>6/28/2020</a:t>
+              <a:t>6/29/2020</a:t>
             </a:fld>
             <a:endParaRPr lang="en-US"/>
           </a:p>
@@ -5358,7 +5457,7 @@
           <a:p>
             <a:fld id="{99CA405F-FDE6-4D37-9F47-E73AA25D91EF}" type="datetimeFigureOut">
               <a:rPr lang="en-US" smtClean="0"/>
-              <a:t>6/28/2020</a:t>
+              <a:t>6/29/2020</a:t>
             </a:fld>
             <a:endParaRPr lang="en-US"/>
           </a:p>
@@ -5526,7 +5625,7 @@
           <a:p>
             <a:fld id="{99CA405F-FDE6-4D37-9F47-E73AA25D91EF}" type="datetimeFigureOut">
               <a:rPr lang="en-US" smtClean="0"/>
-              <a:t>6/28/2020</a:t>
+              <a:t>6/29/2020</a:t>
             </a:fld>
             <a:endParaRPr lang="en-US"/>
           </a:p>
@@ -5771,7 +5870,7 @@
           <a:p>
             <a:fld id="{99CA405F-FDE6-4D37-9F47-E73AA25D91EF}" type="datetimeFigureOut">
               <a:rPr lang="en-US" smtClean="0"/>
-              <a:t>6/28/2020</a:t>
+              <a:t>6/29/2020</a:t>
             </a:fld>
             <a:endParaRPr lang="en-US"/>
           </a:p>
@@ -6000,7 +6099,7 @@
           <a:p>
             <a:fld id="{99CA405F-FDE6-4D37-9F47-E73AA25D91EF}" type="datetimeFigureOut">
               <a:rPr lang="en-US" smtClean="0"/>
-              <a:t>6/28/2020</a:t>
+              <a:t>6/29/2020</a:t>
             </a:fld>
             <a:endParaRPr lang="en-US"/>
           </a:p>
@@ -6364,7 +6463,7 @@
           <a:p>
             <a:fld id="{99CA405F-FDE6-4D37-9F47-E73AA25D91EF}" type="datetimeFigureOut">
               <a:rPr lang="en-US" smtClean="0"/>
-              <a:t>6/28/2020</a:t>
+              <a:t>6/29/2020</a:t>
             </a:fld>
             <a:endParaRPr lang="en-US"/>
           </a:p>
@@ -6481,7 +6580,7 @@
           <a:p>
             <a:fld id="{99CA405F-FDE6-4D37-9F47-E73AA25D91EF}" type="datetimeFigureOut">
               <a:rPr lang="en-US" smtClean="0"/>
-              <a:t>6/28/2020</a:t>
+              <a:t>6/29/2020</a:t>
             </a:fld>
             <a:endParaRPr lang="en-US"/>
           </a:p>
@@ -6576,7 +6675,7 @@
           <a:p>
             <a:fld id="{99CA405F-FDE6-4D37-9F47-E73AA25D91EF}" type="datetimeFigureOut">
               <a:rPr lang="en-US" smtClean="0"/>
-              <a:t>6/28/2020</a:t>
+              <a:t>6/29/2020</a:t>
             </a:fld>
             <a:endParaRPr lang="en-US"/>
           </a:p>
@@ -6851,7 +6950,7 @@
           <a:p>
             <a:fld id="{99CA405F-FDE6-4D37-9F47-E73AA25D91EF}" type="datetimeFigureOut">
               <a:rPr lang="en-US" smtClean="0"/>
-              <a:t>6/28/2020</a:t>
+              <a:t>6/29/2020</a:t>
             </a:fld>
             <a:endParaRPr lang="en-US"/>
           </a:p>
@@ -7103,7 +7202,7 @@
           <a:p>
             <a:fld id="{99CA405F-FDE6-4D37-9F47-E73AA25D91EF}" type="datetimeFigureOut">
               <a:rPr lang="en-US" smtClean="0"/>
-              <a:t>6/28/2020</a:t>
+              <a:t>6/29/2020</a:t>
             </a:fld>
             <a:endParaRPr lang="en-US"/>
           </a:p>
@@ -7314,7 +7413,7 @@
           <a:p>
             <a:fld id="{99CA405F-FDE6-4D37-9F47-E73AA25D91EF}" type="datetimeFigureOut">
               <a:rPr lang="en-US" smtClean="0"/>
-              <a:t>6/28/2020</a:t>
+              <a:t>6/29/2020</a:t>
             </a:fld>
             <a:endParaRPr lang="en-US"/>
           </a:p>
@@ -9255,8 +9354,8 @@
           </a:p>
         </p:txBody>
       </p:sp>
-      <mc:AlternateContent xmlns:mc="http://schemas.openxmlformats.org/markup-compatibility/2006">
-        <mc:Choice xmlns:p14="http://schemas.microsoft.com/office/powerpoint/2010/main" Requires="p14">
+      <mc:AlternateContent xmlns:mc="http://schemas.openxmlformats.org/markup-compatibility/2006" xmlns:p14="http://schemas.microsoft.com/office/powerpoint/2010/main">
+        <mc:Choice Requires="p14">
           <p:contentPart p14:bwMode="auto" r:id="rId4">
             <p14:nvContentPartPr>
               <p14:cNvPr id="1063" name="Ink 1062">
@@ -9275,7 +9374,7 @@
             </p14:xfrm>
           </p:contentPart>
         </mc:Choice>
-        <mc:Fallback>
+        <mc:Fallback xmlns="">
           <p:pic>
             <p:nvPicPr>
               <p:cNvPr id="1063" name="Ink 1062">
@@ -9306,8 +9405,8 @@
           </p:pic>
         </mc:Fallback>
       </mc:AlternateContent>
-      <mc:AlternateContent xmlns:mc="http://schemas.openxmlformats.org/markup-compatibility/2006">
-        <mc:Choice xmlns:p14="http://schemas.microsoft.com/office/powerpoint/2010/main" Requires="p14">
+      <mc:AlternateContent xmlns:mc="http://schemas.openxmlformats.org/markup-compatibility/2006" xmlns:p14="http://schemas.microsoft.com/office/powerpoint/2010/main">
+        <mc:Choice Requires="p14">
           <p:contentPart p14:bwMode="auto" r:id="rId6">
             <p14:nvContentPartPr>
               <p14:cNvPr id="1087" name="Ink 1086">
@@ -9326,7 +9425,7 @@
             </p14:xfrm>
           </p:contentPart>
         </mc:Choice>
-        <mc:Fallback>
+        <mc:Fallback xmlns="">
           <p:pic>
             <p:nvPicPr>
               <p:cNvPr id="1087" name="Ink 1086">
@@ -9933,8 +10032,8 @@
           </a:p>
         </p:txBody>
       </p:sp>
-      <mc:AlternateContent xmlns:mc="http://schemas.openxmlformats.org/markup-compatibility/2006">
-        <mc:Choice xmlns:p14="http://schemas.microsoft.com/office/powerpoint/2010/main" Requires="p14">
+      <mc:AlternateContent xmlns:mc="http://schemas.openxmlformats.org/markup-compatibility/2006" xmlns:p14="http://schemas.microsoft.com/office/powerpoint/2010/main">
+        <mc:Choice Requires="p14">
           <p:contentPart p14:bwMode="auto" r:id="rId4">
             <p14:nvContentPartPr>
               <p14:cNvPr id="1063" name="Ink 1062">
@@ -9953,7 +10052,7 @@
             </p14:xfrm>
           </p:contentPart>
         </mc:Choice>
-        <mc:Fallback>
+        <mc:Fallback xmlns="">
           <p:pic>
             <p:nvPicPr>
               <p:cNvPr id="1063" name="Ink 1062">
@@ -9984,8 +10083,8 @@
           </p:pic>
         </mc:Fallback>
       </mc:AlternateContent>
-      <mc:AlternateContent xmlns:mc="http://schemas.openxmlformats.org/markup-compatibility/2006">
-        <mc:Choice xmlns:p14="http://schemas.microsoft.com/office/powerpoint/2010/main" Requires="p14">
+      <mc:AlternateContent xmlns:mc="http://schemas.openxmlformats.org/markup-compatibility/2006" xmlns:p14="http://schemas.microsoft.com/office/powerpoint/2010/main">
+        <mc:Choice Requires="p14">
           <p:contentPart p14:bwMode="auto" r:id="rId6">
             <p14:nvContentPartPr>
               <p14:cNvPr id="1087" name="Ink 1086">
@@ -10004,7 +10103,7 @@
             </p14:xfrm>
           </p:contentPart>
         </mc:Choice>
-        <mc:Fallback>
+        <mc:Fallback xmlns="">
           <p:pic>
             <p:nvPicPr>
               <p:cNvPr id="1087" name="Ink 1086">
@@ -10826,8 +10925,8 @@
           </a:p>
         </p:txBody>
       </p:sp>
-      <mc:AlternateContent xmlns:mc="http://schemas.openxmlformats.org/markup-compatibility/2006">
-        <mc:Choice xmlns:p14="http://schemas.microsoft.com/office/powerpoint/2010/main" Requires="p14">
+      <mc:AlternateContent xmlns:mc="http://schemas.openxmlformats.org/markup-compatibility/2006" xmlns:p14="http://schemas.microsoft.com/office/powerpoint/2010/main">
+        <mc:Choice Requires="p14">
           <p:contentPart p14:bwMode="auto" r:id="rId4">
             <p14:nvContentPartPr>
               <p14:cNvPr id="1063" name="Ink 1062">
@@ -10846,7 +10945,7 @@
             </p14:xfrm>
           </p:contentPart>
         </mc:Choice>
-        <mc:Fallback>
+        <mc:Fallback xmlns="">
           <p:pic>
             <p:nvPicPr>
               <p:cNvPr id="1063" name="Ink 1062">
@@ -10877,8 +10976,8 @@
           </p:pic>
         </mc:Fallback>
       </mc:AlternateContent>
-      <mc:AlternateContent xmlns:mc="http://schemas.openxmlformats.org/markup-compatibility/2006">
-        <mc:Choice xmlns:p14="http://schemas.microsoft.com/office/powerpoint/2010/main" Requires="p14">
+      <mc:AlternateContent xmlns:mc="http://schemas.openxmlformats.org/markup-compatibility/2006" xmlns:p14="http://schemas.microsoft.com/office/powerpoint/2010/main">
+        <mc:Choice Requires="p14">
           <p:contentPart p14:bwMode="auto" r:id="rId6">
             <p14:nvContentPartPr>
               <p14:cNvPr id="1087" name="Ink 1086">
@@ -10897,7 +10996,7 @@
             </p14:xfrm>
           </p:contentPart>
         </mc:Choice>
-        <mc:Fallback>
+        <mc:Fallback xmlns="">
           <p:pic>
             <p:nvPicPr>
               <p:cNvPr id="1087" name="Ink 1086">
@@ -12239,7 +12338,15 @@
             </a:r>
             <a:r>
               <a:rPr lang="en-US" sz="1800" dirty="0"/>
-              <a:t> that support models targeted at </a:t>
+              <a:t> that support </a:t>
+            </a:r>
+            <a:r>
+              <a:rPr lang="en-US" sz="1800" b="1" dirty="0"/>
+              <a:t>models</a:t>
+            </a:r>
+            <a:r>
+              <a:rPr lang="en-US" sz="1800" dirty="0"/>
+              <a:t> targeted at </a:t>
             </a:r>
             <a:r>
               <a:rPr lang="en-US" sz="1800" b="1" dirty="0"/>

--- a/AI-ML-DL/Machine Learning.pptx
+++ b/AI-ML-DL/Machine Learning.pptx
@@ -5,55 +5,56 @@
     <p:sldMasterId id="2147483648" r:id="rId4"/>
   </p:sldMasterIdLst>
   <p:notesMasterIdLst>
-    <p:notesMasterId r:id="rId51"/>
+    <p:notesMasterId r:id="rId52"/>
   </p:notesMasterIdLst>
   <p:sldIdLst>
     <p:sldId id="256" r:id="rId5"/>
-    <p:sldId id="260" r:id="rId6"/>
-    <p:sldId id="285" r:id="rId7"/>
-    <p:sldId id="289" r:id="rId8"/>
-    <p:sldId id="298" r:id="rId9"/>
-    <p:sldId id="293" r:id="rId10"/>
-    <p:sldId id="291" r:id="rId11"/>
-    <p:sldId id="292" r:id="rId12"/>
-    <p:sldId id="296" r:id="rId13"/>
-    <p:sldId id="261" r:id="rId14"/>
-    <p:sldId id="257" r:id="rId15"/>
-    <p:sldId id="258" r:id="rId16"/>
-    <p:sldId id="288" r:id="rId17"/>
-    <p:sldId id="301" r:id="rId18"/>
-    <p:sldId id="302" r:id="rId19"/>
-    <p:sldId id="303" r:id="rId20"/>
-    <p:sldId id="267" r:id="rId21"/>
-    <p:sldId id="300" r:id="rId22"/>
-    <p:sldId id="269" r:id="rId23"/>
-    <p:sldId id="270" r:id="rId24"/>
-    <p:sldId id="268" r:id="rId25"/>
-    <p:sldId id="271" r:id="rId26"/>
-    <p:sldId id="272" r:id="rId27"/>
-    <p:sldId id="273" r:id="rId28"/>
-    <p:sldId id="274" r:id="rId29"/>
-    <p:sldId id="275" r:id="rId30"/>
-    <p:sldId id="262" r:id="rId31"/>
-    <p:sldId id="277" r:id="rId32"/>
-    <p:sldId id="278" r:id="rId33"/>
-    <p:sldId id="263" r:id="rId34"/>
-    <p:sldId id="279" r:id="rId35"/>
-    <p:sldId id="280" r:id="rId36"/>
-    <p:sldId id="276" r:id="rId37"/>
-    <p:sldId id="283" r:id="rId38"/>
-    <p:sldId id="281" r:id="rId39"/>
-    <p:sldId id="284" r:id="rId40"/>
-    <p:sldId id="282" r:id="rId41"/>
-    <p:sldId id="264" r:id="rId42"/>
-    <p:sldId id="265" r:id="rId43"/>
-    <p:sldId id="287" r:id="rId44"/>
-    <p:sldId id="299" r:id="rId45"/>
-    <p:sldId id="266" r:id="rId46"/>
-    <p:sldId id="294" r:id="rId47"/>
-    <p:sldId id="295" r:id="rId48"/>
-    <p:sldId id="297" r:id="rId49"/>
-    <p:sldId id="286" r:id="rId50"/>
+    <p:sldId id="285" r:id="rId6"/>
+    <p:sldId id="296" r:id="rId7"/>
+    <p:sldId id="304" r:id="rId8"/>
+    <p:sldId id="260" r:id="rId9"/>
+    <p:sldId id="289" r:id="rId10"/>
+    <p:sldId id="298" r:id="rId11"/>
+    <p:sldId id="293" r:id="rId12"/>
+    <p:sldId id="291" r:id="rId13"/>
+    <p:sldId id="292" r:id="rId14"/>
+    <p:sldId id="261" r:id="rId15"/>
+    <p:sldId id="257" r:id="rId16"/>
+    <p:sldId id="258" r:id="rId17"/>
+    <p:sldId id="288" r:id="rId18"/>
+    <p:sldId id="301" r:id="rId19"/>
+    <p:sldId id="302" r:id="rId20"/>
+    <p:sldId id="303" r:id="rId21"/>
+    <p:sldId id="267" r:id="rId22"/>
+    <p:sldId id="300" r:id="rId23"/>
+    <p:sldId id="269" r:id="rId24"/>
+    <p:sldId id="270" r:id="rId25"/>
+    <p:sldId id="268" r:id="rId26"/>
+    <p:sldId id="271" r:id="rId27"/>
+    <p:sldId id="272" r:id="rId28"/>
+    <p:sldId id="273" r:id="rId29"/>
+    <p:sldId id="274" r:id="rId30"/>
+    <p:sldId id="275" r:id="rId31"/>
+    <p:sldId id="262" r:id="rId32"/>
+    <p:sldId id="277" r:id="rId33"/>
+    <p:sldId id="278" r:id="rId34"/>
+    <p:sldId id="263" r:id="rId35"/>
+    <p:sldId id="279" r:id="rId36"/>
+    <p:sldId id="280" r:id="rId37"/>
+    <p:sldId id="276" r:id="rId38"/>
+    <p:sldId id="283" r:id="rId39"/>
+    <p:sldId id="281" r:id="rId40"/>
+    <p:sldId id="284" r:id="rId41"/>
+    <p:sldId id="282" r:id="rId42"/>
+    <p:sldId id="264" r:id="rId43"/>
+    <p:sldId id="265" r:id="rId44"/>
+    <p:sldId id="287" r:id="rId45"/>
+    <p:sldId id="299" r:id="rId46"/>
+    <p:sldId id="266" r:id="rId47"/>
+    <p:sldId id="294" r:id="rId48"/>
+    <p:sldId id="295" r:id="rId49"/>
+    <p:sldId id="297" r:id="rId50"/>
+    <p:sldId id="286" r:id="rId51"/>
   </p:sldIdLst>
   <p:sldSz cx="12192000" cy="6858000"/>
   <p:notesSz cx="6858000" cy="9144000"/>
@@ -1121,6 +1122,13 @@
         </dgm:presLayoutVars>
       </dgm:prSet>
       <dgm:spPr/>
+      <dgm:t>
+        <a:bodyPr/>
+        <a:lstStyle/>
+        <a:p>
+          <a:endParaRPr lang="en-US"/>
+        </a:p>
+      </dgm:t>
     </dgm:pt>
     <dgm:pt modelId="{ACA8008F-75C3-48B0-B461-7F5218C2977A}" type="pres">
       <dgm:prSet presAssocID="{BE2A74D4-245D-4A87-90DA-5C7C76E3E882}" presName="parSpace" presStyleCnt="0"/>
@@ -1133,6 +1141,13 @@
         </dgm:presLayoutVars>
       </dgm:prSet>
       <dgm:spPr/>
+      <dgm:t>
+        <a:bodyPr/>
+        <a:lstStyle/>
+        <a:p>
+          <a:endParaRPr lang="en-US"/>
+        </a:p>
+      </dgm:t>
     </dgm:pt>
     <dgm:pt modelId="{D5D5F286-5A03-45A5-9B7D-76F130CAA99D}" type="pres">
       <dgm:prSet presAssocID="{2048A3CF-2BEF-44F2-84C9-0BA656952779}" presName="parSpace" presStyleCnt="0"/>
@@ -1145,6 +1160,13 @@
         </dgm:presLayoutVars>
       </dgm:prSet>
       <dgm:spPr/>
+      <dgm:t>
+        <a:bodyPr/>
+        <a:lstStyle/>
+        <a:p>
+          <a:endParaRPr lang="en-US"/>
+        </a:p>
+      </dgm:t>
     </dgm:pt>
     <dgm:pt modelId="{38A3DBDF-F29F-4616-B135-99AE0C79E17D}" type="pres">
       <dgm:prSet presAssocID="{6AB3AC6F-15E1-4B64-8E20-B9118E0269C9}" presName="parSpace" presStyleCnt="0"/>
@@ -1157,6 +1179,13 @@
         </dgm:presLayoutVars>
       </dgm:prSet>
       <dgm:spPr/>
+      <dgm:t>
+        <a:bodyPr/>
+        <a:lstStyle/>
+        <a:p>
+          <a:endParaRPr lang="en-US"/>
+        </a:p>
+      </dgm:t>
     </dgm:pt>
     <dgm:pt modelId="{BA6E713B-1396-4DCE-A4B3-9275A6C14E17}" type="pres">
       <dgm:prSet presAssocID="{4E7BC18A-2892-408F-B906-7AC74EF64605}" presName="parSpace" presStyleCnt="0"/>
@@ -1169,20 +1198,27 @@
         </dgm:presLayoutVars>
       </dgm:prSet>
       <dgm:spPr/>
+      <dgm:t>
+        <a:bodyPr/>
+        <a:lstStyle/>
+        <a:p>
+          <a:endParaRPr lang="en-US"/>
+        </a:p>
+      </dgm:t>
     </dgm:pt>
   </dgm:ptLst>
   <dgm:cxnLst>
-    <dgm:cxn modelId="{F53CAC64-EF8F-4538-9C11-86776937978F}" srcId="{125A6822-7EEF-485B-B9ED-F156AD28635E}" destId="{33BDC67B-D4FE-4A78-9294-1595D697D4D0}" srcOrd="1" destOrd="0" parTransId="{716CC421-917E-4360-B0DC-72FA97EE8EDA}" sibTransId="{2048A3CF-2BEF-44F2-84C9-0BA656952779}"/>
-    <dgm:cxn modelId="{8AB9B34B-B2C0-48A8-8349-487BD90E53E7}" srcId="{125A6822-7EEF-485B-B9ED-F156AD28635E}" destId="{B0F89930-4BE3-49CB-9C91-60B0B6338DFE}" srcOrd="3" destOrd="0" parTransId="{F793A9F6-0E71-4CC7-8D22-31751BD02EE6}" sibTransId="{4E7BC18A-2892-408F-B906-7AC74EF64605}"/>
+    <dgm:cxn modelId="{E69134F2-9C77-46A0-B192-30611295BA46}" type="presOf" srcId="{F3A2FEA4-86A0-4599-99D5-30122A9E2BF3}" destId="{E7222549-794F-47D8-917E-2C128C142539}" srcOrd="0" destOrd="0" presId="urn:microsoft.com/office/officeart/2005/8/layout/hChevron3"/>
     <dgm:cxn modelId="{9B51E572-BB02-480C-9D0E-C24AC6A18B7D}" type="presOf" srcId="{2AB840FD-9670-4CE3-B4F1-79D8BD81AB3C}" destId="{E3958E54-67F3-41AF-8080-0BB5D5120BC0}" srcOrd="0" destOrd="0" presId="urn:microsoft.com/office/officeart/2005/8/layout/hChevron3"/>
-    <dgm:cxn modelId="{D0E7705A-8959-433C-94E5-C60965C7BD5F}" type="presOf" srcId="{B0F89930-4BE3-49CB-9C91-60B0B6338DFE}" destId="{AA94C5C8-6AB3-4A54-BBE2-D3DB3FDD84B8}" srcOrd="0" destOrd="0" presId="urn:microsoft.com/office/officeart/2005/8/layout/hChevron3"/>
     <dgm:cxn modelId="{C7CD7AB5-AC60-4946-B3FE-71E77D879721}" srcId="{125A6822-7EEF-485B-B9ED-F156AD28635E}" destId="{2AB840FD-9670-4CE3-B4F1-79D8BD81AB3C}" srcOrd="2" destOrd="0" parTransId="{77711347-FDBD-4D6C-9382-C737E5A63C3F}" sibTransId="{6AB3AC6F-15E1-4B64-8E20-B9118E0269C9}"/>
     <dgm:cxn modelId="{539A42C2-A7DB-49A2-8CBC-CC46B3BCE5A4}" type="presOf" srcId="{125A6822-7EEF-485B-B9ED-F156AD28635E}" destId="{174478C0-B1A4-4718-A863-0CD800F6C4AD}" srcOrd="0" destOrd="0" presId="urn:microsoft.com/office/officeart/2005/8/layout/hChevron3"/>
     <dgm:cxn modelId="{201C04C7-BFA0-4741-87AD-11B049B079F4}" srcId="{125A6822-7EEF-485B-B9ED-F156AD28635E}" destId="{3DAC96F6-0480-425C-8C26-EFC0D67B29E4}" srcOrd="4" destOrd="0" parTransId="{5B7D78B3-A768-4288-ACD0-0298A2CB7D50}" sibTransId="{0110192A-8892-4C75-854D-149EC2CD7E2F}"/>
+    <dgm:cxn modelId="{D0E7705A-8959-433C-94E5-C60965C7BD5F}" type="presOf" srcId="{B0F89930-4BE3-49CB-9C91-60B0B6338DFE}" destId="{AA94C5C8-6AB3-4A54-BBE2-D3DB3FDD84B8}" srcOrd="0" destOrd="0" presId="urn:microsoft.com/office/officeart/2005/8/layout/hChevron3"/>
+    <dgm:cxn modelId="{8AB9B34B-B2C0-48A8-8349-487BD90E53E7}" srcId="{125A6822-7EEF-485B-B9ED-F156AD28635E}" destId="{B0F89930-4BE3-49CB-9C91-60B0B6338DFE}" srcOrd="3" destOrd="0" parTransId="{F793A9F6-0E71-4CC7-8D22-31751BD02EE6}" sibTransId="{4E7BC18A-2892-408F-B906-7AC74EF64605}"/>
+    <dgm:cxn modelId="{F53CAC64-EF8F-4538-9C11-86776937978F}" srcId="{125A6822-7EEF-485B-B9ED-F156AD28635E}" destId="{33BDC67B-D4FE-4A78-9294-1595D697D4D0}" srcOrd="1" destOrd="0" parTransId="{716CC421-917E-4360-B0DC-72FA97EE8EDA}" sibTransId="{2048A3CF-2BEF-44F2-84C9-0BA656952779}"/>
     <dgm:cxn modelId="{4E665AD7-E77A-4387-B586-DD4A5D4EB032}" type="presOf" srcId="{3DAC96F6-0480-425C-8C26-EFC0D67B29E4}" destId="{27951E64-0B81-4A6F-BD31-6FB92D90A788}" srcOrd="0" destOrd="0" presId="urn:microsoft.com/office/officeart/2005/8/layout/hChevron3"/>
+    <dgm:cxn modelId="{38D190E0-64F3-431C-9D8A-B6545274D103}" srcId="{125A6822-7EEF-485B-B9ED-F156AD28635E}" destId="{F3A2FEA4-86A0-4599-99D5-30122A9E2BF3}" srcOrd="0" destOrd="0" parTransId="{DC547236-7C54-4B60-9937-6A10ABEF1A10}" sibTransId="{BE2A74D4-245D-4A87-90DA-5C7C76E3E882}"/>
     <dgm:cxn modelId="{506656DA-C44E-421D-BE69-5F7E59D9C0D9}" type="presOf" srcId="{33BDC67B-D4FE-4A78-9294-1595D697D4D0}" destId="{EAA0B88A-F572-457B-849F-6EA398F0756D}" srcOrd="0" destOrd="0" presId="urn:microsoft.com/office/officeart/2005/8/layout/hChevron3"/>
-    <dgm:cxn modelId="{38D190E0-64F3-431C-9D8A-B6545274D103}" srcId="{125A6822-7EEF-485B-B9ED-F156AD28635E}" destId="{F3A2FEA4-86A0-4599-99D5-30122A9E2BF3}" srcOrd="0" destOrd="0" parTransId="{DC547236-7C54-4B60-9937-6A10ABEF1A10}" sibTransId="{BE2A74D4-245D-4A87-90DA-5C7C76E3E882}"/>
-    <dgm:cxn modelId="{E69134F2-9C77-46A0-B192-30611295BA46}" type="presOf" srcId="{F3A2FEA4-86A0-4599-99D5-30122A9E2BF3}" destId="{E7222549-794F-47D8-917E-2C128C142539}" srcOrd="0" destOrd="0" presId="urn:microsoft.com/office/officeart/2005/8/layout/hChevron3"/>
     <dgm:cxn modelId="{8F54E385-7A35-4CA8-8003-57FB9FC73E3C}" type="presParOf" srcId="{174478C0-B1A4-4718-A863-0CD800F6C4AD}" destId="{E7222549-794F-47D8-917E-2C128C142539}" srcOrd="0" destOrd="0" presId="urn:microsoft.com/office/officeart/2005/8/layout/hChevron3"/>
     <dgm:cxn modelId="{8799456F-2F52-4776-91F6-C7BDD8385446}" type="presParOf" srcId="{174478C0-B1A4-4718-A863-0CD800F6C4AD}" destId="{ACA8008F-75C3-48B0-B461-7F5218C2977A}" srcOrd="1" destOrd="0" presId="urn:microsoft.com/office/officeart/2005/8/layout/hChevron3"/>
     <dgm:cxn modelId="{81E6C36A-4057-4F1C-9E96-B26764A0DAE3}" type="presParOf" srcId="{174478C0-B1A4-4718-A863-0CD800F6C4AD}" destId="{EAA0B88A-F572-457B-849F-6EA398F0756D}" srcOrd="2" destOrd="0" presId="urn:microsoft.com/office/officeart/2005/8/layout/hChevron3"/>
@@ -1266,7 +1302,7 @@
         </a:bodyPr>
         <a:lstStyle/>
         <a:p>
-          <a:pPr marL="0" lvl="0" indent="0" algn="ctr" defTabSz="711200">
+          <a:pPr lvl="0" algn="ctr" defTabSz="711200">
             <a:lnSpc>
               <a:spcPct val="90000"/>
             </a:lnSpc>
@@ -1276,7 +1312,7 @@
             <a:spcAft>
               <a:spcPct val="35000"/>
             </a:spcAft>
-            <a:buNone/>
+            <a:buAutoNum type="arabicPeriod"/>
           </a:pPr>
           <a:r>
             <a:rPr lang="en-US" sz="1600" kern="1200" dirty="0"/>
@@ -1344,7 +1380,7 @@
         </a:bodyPr>
         <a:lstStyle/>
         <a:p>
-          <a:pPr marL="0" lvl="0" indent="0" algn="ctr" defTabSz="711200">
+          <a:pPr lvl="0" algn="ctr" defTabSz="711200">
             <a:lnSpc>
               <a:spcPct val="90000"/>
             </a:lnSpc>
@@ -1354,7 +1390,6 @@
             <a:spcAft>
               <a:spcPct val="35000"/>
             </a:spcAft>
-            <a:buNone/>
           </a:pPr>
           <a:r>
             <a:rPr lang="en-US" sz="1600" kern="1200" dirty="0"/>
@@ -1422,7 +1457,7 @@
         </a:bodyPr>
         <a:lstStyle/>
         <a:p>
-          <a:pPr marL="0" lvl="0" indent="0" algn="ctr" defTabSz="711200">
+          <a:pPr lvl="0" algn="ctr" defTabSz="711200">
             <a:lnSpc>
               <a:spcPct val="90000"/>
             </a:lnSpc>
@@ -1432,7 +1467,6 @@
             <a:spcAft>
               <a:spcPct val="35000"/>
             </a:spcAft>
-            <a:buNone/>
           </a:pPr>
           <a:r>
             <a:rPr lang="en-US" sz="1600" kern="1200" dirty="0"/>
@@ -1500,7 +1534,7 @@
         </a:bodyPr>
         <a:lstStyle/>
         <a:p>
-          <a:pPr marL="0" lvl="0" indent="0" algn="ctr" defTabSz="711200">
+          <a:pPr lvl="0" algn="ctr" defTabSz="711200">
             <a:lnSpc>
               <a:spcPct val="90000"/>
             </a:lnSpc>
@@ -1510,7 +1544,6 @@
             <a:spcAft>
               <a:spcPct val="35000"/>
             </a:spcAft>
-            <a:buNone/>
           </a:pPr>
           <a:r>
             <a:rPr lang="en-US" sz="1600" kern="1200" dirty="0"/>
@@ -1578,7 +1611,7 @@
         </a:bodyPr>
         <a:lstStyle/>
         <a:p>
-          <a:pPr marL="0" lvl="0" indent="0" algn="ctr" defTabSz="711200">
+          <a:pPr lvl="0" algn="ctr" defTabSz="711200">
             <a:lnSpc>
               <a:spcPct val="90000"/>
             </a:lnSpc>
@@ -1588,7 +1621,6 @@
             <a:spcAft>
               <a:spcPct val="35000"/>
             </a:spcAft>
-            <a:buNone/>
           </a:pPr>
           <a:r>
             <a:rPr lang="en-US" sz="1600" kern="1200" dirty="0"/>
@@ -3589,7 +3621,7 @@
     </p:spTree>
     <p:extLst>
       <p:ext uri="{BB962C8B-B14F-4D97-AF65-F5344CB8AC3E}">
-        <p14:creationId xmlns:p14="http://schemas.microsoft.com/office/powerpoint/2010/main" val="55468413"/>
+        <p14:creationId xmlns:p14="http://schemas.microsoft.com/office/powerpoint/2010/main" val="1580989336"/>
       </p:ext>
     </p:extLst>
   </p:cSld>
@@ -3643,68 +3675,7 @@
           <a:bodyPr/>
           <a:lstStyle/>
           <a:p>
-            <a:r>
-              <a:rPr lang="en-US" dirty="0"/>
-              <a:t>So which one is better? </a:t>
-            </a:r>
-          </a:p>
-          <a:p>
-            <a:r>
-              <a:rPr lang="en-US" dirty="0"/>
-              <a:t>LOL …</a:t>
-            </a:r>
-          </a:p>
-          <a:p>
-            <a:r>
-              <a:rPr lang="en-US" dirty="0"/>
-              <a:t>Using Naïve Bayes to tell:</a:t>
-            </a:r>
-          </a:p>
-          <a:p>
             <a:endParaRPr lang="en-US" dirty="0"/>
-          </a:p>
-          <a:p>
-            <a:r>
-              <a:rPr lang="en-US" dirty="0"/>
-              <a:t>To extend a little bit, Diagnose (disease) – symptoms then classify , Lie detection, Fake news, Root Cause Analysis. </a:t>
-            </a:r>
-          </a:p>
-          <a:p>
-            <a:pPr marL="0" marR="0" lvl="0" indent="0" algn="l" defTabSz="914400" rtl="0" eaLnBrk="1" fontAlgn="auto" latinLnBrk="0" hangingPunct="1">
-              <a:lnSpc>
-                <a:spcPct val="100000"/>
-              </a:lnSpc>
-              <a:spcBef>
-                <a:spcPts val="0"/>
-              </a:spcBef>
-              <a:spcAft>
-                <a:spcPts val="0"/>
-              </a:spcAft>
-              <a:buClrTx/>
-              <a:buSzTx/>
-              <a:buFontTx/>
-              <a:buNone/>
-              <a:tabLst/>
-              <a:defRPr/>
-            </a:pPr>
-            <a:r>
-              <a:rPr lang="en-US" sz="1200" b="0" i="0" kern="1200" dirty="0">
-                <a:solidFill>
-                  <a:schemeClr val="tx1"/>
-                </a:solidFill>
-                <a:effectLst/>
-                <a:latin typeface="+mn-lt"/>
-                <a:ea typeface="+mn-ea"/>
-                <a:cs typeface="+mn-cs"/>
-              </a:rPr>
-              <a:t>22. Probabilistic Inference II</a:t>
-            </a:r>
-          </a:p>
-          <a:p>
-            <a:r>
-              <a:rPr lang="en-US" dirty="0"/>
-              <a:t> </a:t>
-            </a:r>
           </a:p>
         </p:txBody>
       </p:sp>
@@ -3734,7 +3705,7 @@
     </p:spTree>
     <p:extLst>
       <p:ext uri="{BB962C8B-B14F-4D97-AF65-F5344CB8AC3E}">
-        <p14:creationId xmlns:p14="http://schemas.microsoft.com/office/powerpoint/2010/main" val="3811862417"/>
+        <p14:creationId xmlns:p14="http://schemas.microsoft.com/office/powerpoint/2010/main" val="55468413"/>
       </p:ext>
     </p:extLst>
   </p:cSld>
@@ -3789,12 +3760,67 @@
           <a:lstStyle/>
           <a:p>
             <a:r>
-              <a:rPr lang="en-US" dirty="0">
-                <a:hlinkClick r:id="rId3"/>
+              <a:rPr lang="en-US" dirty="0"/>
+              <a:t>So which one is better? </a:t>
+            </a:r>
+          </a:p>
+          <a:p>
+            <a:r>
+              <a:rPr lang="en-US" dirty="0"/>
+              <a:t>LOL …</a:t>
+            </a:r>
+          </a:p>
+          <a:p>
+            <a:r>
+              <a:rPr lang="en-US" dirty="0"/>
+              <a:t>Using Naïve Bayes to tell:</a:t>
+            </a:r>
+          </a:p>
+          <a:p>
+            <a:endParaRPr lang="en-US" dirty="0"/>
+          </a:p>
+          <a:p>
+            <a:r>
+              <a:rPr lang="en-US" dirty="0"/>
+              <a:t>To extend a little bit, Diagnose (disease) – symptoms then classify , Lie detection, Fake news, Root Cause Analysis. </a:t>
+            </a:r>
+          </a:p>
+          <a:p>
+            <a:pPr marL="0" marR="0" lvl="0" indent="0" algn="l" defTabSz="914400" rtl="0" eaLnBrk="1" fontAlgn="auto" latinLnBrk="0" hangingPunct="1">
+              <a:lnSpc>
+                <a:spcPct val="100000"/>
+              </a:lnSpc>
+              <a:spcBef>
+                <a:spcPts val="0"/>
+              </a:spcBef>
+              <a:spcAft>
+                <a:spcPts val="0"/>
+              </a:spcAft>
+              <a:buClrTx/>
+              <a:buSzTx/>
+              <a:buFontTx/>
+              <a:buNone/>
+              <a:tabLst/>
+              <a:defRPr/>
+            </a:pPr>
+            <a:r>
+              <a:rPr lang="en-US" sz="1200" b="0" i="0" kern="1200" dirty="0">
+                <a:solidFill>
+                  <a:schemeClr val="tx1"/>
+                </a:solidFill>
+                <a:effectLst/>
+                <a:latin typeface="+mn-lt"/>
+                <a:ea typeface="+mn-ea"/>
+                <a:cs typeface="+mn-cs"/>
               </a:rPr>
-              <a:t>https://www.geeksforgeeks.org/confusion-matrix-machine-learning/</a:t>
-            </a:r>
-            <a:endParaRPr lang="en-US" dirty="0"/>
+              <a:t>22. Probabilistic Inference II</a:t>
+            </a:r>
+          </a:p>
+          <a:p>
+            <a:r>
+              <a:rPr lang="en-US" dirty="0"/>
+              <a:t> </a:t>
+            </a:r>
           </a:p>
         </p:txBody>
       </p:sp>
@@ -3815,7 +3841,7 @@
           <a:p>
             <a:fld id="{95EDE83F-F192-4237-87E6-BD69D3B8E2F0}" type="slidenum">
               <a:rPr lang="en-US" smtClean="0"/>
-              <a:t>24</a:t>
+              <a:t>17</a:t>
             </a:fld>
             <a:endParaRPr lang="en-US"/>
           </a:p>
@@ -3824,7 +3850,7 @@
     </p:spTree>
     <p:extLst>
       <p:ext uri="{BB962C8B-B14F-4D97-AF65-F5344CB8AC3E}">
-        <p14:creationId xmlns:p14="http://schemas.microsoft.com/office/powerpoint/2010/main" val="2412054311"/>
+        <p14:creationId xmlns:p14="http://schemas.microsoft.com/office/powerpoint/2010/main" val="3811862417"/>
       </p:ext>
     </p:extLst>
   </p:cSld>
@@ -3882,7 +3908,7 @@
               <a:rPr lang="en-US" dirty="0">
                 <a:hlinkClick r:id="rId3"/>
               </a:rPr>
-              <a:t>https://www.kaggle.com/codefordata/headbrain-simple-linear-regression</a:t>
+              <a:t>https://www.geeksforgeeks.org/confusion-matrix-machine-learning/</a:t>
             </a:r>
             <a:endParaRPr lang="en-US" dirty="0"/>
           </a:p>
@@ -3905,7 +3931,7 @@
           <a:p>
             <a:fld id="{95EDE83F-F192-4237-87E6-BD69D3B8E2F0}" type="slidenum">
               <a:rPr lang="en-US" smtClean="0"/>
-              <a:t>32</a:t>
+              <a:t>25</a:t>
             </a:fld>
             <a:endParaRPr lang="en-US"/>
           </a:p>
@@ -3914,7 +3940,7 @@
     </p:spTree>
     <p:extLst>
       <p:ext uri="{BB962C8B-B14F-4D97-AF65-F5344CB8AC3E}">
-        <p14:creationId xmlns:p14="http://schemas.microsoft.com/office/powerpoint/2010/main" val="2269815704"/>
+        <p14:creationId xmlns:p14="http://schemas.microsoft.com/office/powerpoint/2010/main" val="2412054311"/>
       </p:ext>
     </p:extLst>
   </p:cSld>
@@ -3972,7 +3998,7 @@
               <a:rPr lang="en-US" dirty="0">
                 <a:hlinkClick r:id="rId3"/>
               </a:rPr>
-              <a:t>https://www.kaggle.com/mattslone/titanic-dataset-logistic-regression</a:t>
+              <a:t>https://www.kaggle.com/codefordata/headbrain-simple-linear-regression</a:t>
             </a:r>
             <a:endParaRPr lang="en-US" dirty="0"/>
           </a:p>
@@ -3995,7 +4021,7 @@
           <a:p>
             <a:fld id="{95EDE83F-F192-4237-87E6-BD69D3B8E2F0}" type="slidenum">
               <a:rPr lang="en-US" smtClean="0"/>
-              <a:t>36</a:t>
+              <a:t>33</a:t>
             </a:fld>
             <a:endParaRPr lang="en-US"/>
           </a:p>
@@ -4004,7 +4030,7 @@
     </p:spTree>
     <p:extLst>
       <p:ext uri="{BB962C8B-B14F-4D97-AF65-F5344CB8AC3E}">
-        <p14:creationId xmlns:p14="http://schemas.microsoft.com/office/powerpoint/2010/main" val="857002671"/>
+        <p14:creationId xmlns:p14="http://schemas.microsoft.com/office/powerpoint/2010/main" val="2269815704"/>
       </p:ext>
     </p:extLst>
   </p:cSld>
@@ -4062,11 +4088,8 @@
               <a:rPr lang="en-US" dirty="0">
                 <a:hlinkClick r:id="rId3"/>
               </a:rPr>
-              <a:t>https://www.kaggle.com/zlatankr/titanic-random-forest-82-78</a:t>
-            </a:r>
-            <a:endParaRPr lang="en-US" dirty="0"/>
-          </a:p>
-          <a:p>
+              <a:t>https://www.kaggle.com/mattslone/titanic-dataset-logistic-regression</a:t>
+            </a:r>
             <a:endParaRPr lang="en-US" dirty="0"/>
           </a:p>
         </p:txBody>
@@ -4089,6 +4112,99 @@
             <a:fld id="{95EDE83F-F192-4237-87E6-BD69D3B8E2F0}" type="slidenum">
               <a:rPr lang="en-US" smtClean="0"/>
               <a:t>37</a:t>
+            </a:fld>
+            <a:endParaRPr lang="en-US"/>
+          </a:p>
+        </p:txBody>
+      </p:sp>
+    </p:spTree>
+    <p:extLst>
+      <p:ext uri="{BB962C8B-B14F-4D97-AF65-F5344CB8AC3E}">
+        <p14:creationId xmlns:p14="http://schemas.microsoft.com/office/powerpoint/2010/main" val="857002671"/>
+      </p:ext>
+    </p:extLst>
+  </p:cSld>
+  <p:clrMapOvr>
+    <a:masterClrMapping/>
+  </p:clrMapOvr>
+</p:notes>
+</file>
+
+<file path=ppt/notesSlides/notesSlide16.xml><?xml version="1.0" encoding="utf-8"?>
+<p:notes xmlns:a="http://schemas.openxmlformats.org/drawingml/2006/main" xmlns:r="http://schemas.openxmlformats.org/officeDocument/2006/relationships" xmlns:p="http://schemas.openxmlformats.org/presentationml/2006/main">
+  <p:cSld>
+    <p:spTree>
+      <p:nvGrpSpPr>
+        <p:cNvPr id="1" name=""/>
+        <p:cNvGrpSpPr/>
+        <p:nvPr/>
+      </p:nvGrpSpPr>
+      <p:grpSpPr>
+        <a:xfrm>
+          <a:off x="0" y="0"/>
+          <a:ext cx="0" cy="0"/>
+          <a:chOff x="0" y="0"/>
+          <a:chExt cx="0" cy="0"/>
+        </a:xfrm>
+      </p:grpSpPr>
+      <p:sp>
+        <p:nvSpPr>
+          <p:cNvPr id="2" name="Slide Image Placeholder 1"/>
+          <p:cNvSpPr>
+            <a:spLocks noGrp="1" noRot="1" noChangeAspect="1"/>
+          </p:cNvSpPr>
+          <p:nvPr>
+            <p:ph type="sldImg"/>
+          </p:nvPr>
+        </p:nvSpPr>
+        <p:spPr/>
+      </p:sp>
+      <p:sp>
+        <p:nvSpPr>
+          <p:cNvPr id="3" name="Notes Placeholder 2"/>
+          <p:cNvSpPr>
+            <a:spLocks noGrp="1"/>
+          </p:cNvSpPr>
+          <p:nvPr>
+            <p:ph type="body" idx="1"/>
+          </p:nvPr>
+        </p:nvSpPr>
+        <p:spPr/>
+        <p:txBody>
+          <a:bodyPr/>
+          <a:lstStyle/>
+          <a:p>
+            <a:r>
+              <a:rPr lang="en-US" dirty="0">
+                <a:hlinkClick r:id="rId3"/>
+              </a:rPr>
+              <a:t>https://www.kaggle.com/zlatankr/titanic-random-forest-82-78</a:t>
+            </a:r>
+            <a:endParaRPr lang="en-US" dirty="0"/>
+          </a:p>
+          <a:p>
+            <a:endParaRPr lang="en-US" dirty="0"/>
+          </a:p>
+        </p:txBody>
+      </p:sp>
+      <p:sp>
+        <p:nvSpPr>
+          <p:cNvPr id="4" name="Slide Number Placeholder 3"/>
+          <p:cNvSpPr>
+            <a:spLocks noGrp="1"/>
+          </p:cNvSpPr>
+          <p:nvPr>
+            <p:ph type="sldNum" sz="quarter" idx="5"/>
+          </p:nvPr>
+        </p:nvSpPr>
+        <p:spPr/>
+        <p:txBody>
+          <a:bodyPr/>
+          <a:lstStyle/>
+          <a:p>
+            <a:fld id="{95EDE83F-F192-4237-87E6-BD69D3B8E2F0}" type="slidenum">
+              <a:rPr lang="en-US" smtClean="0"/>
+              <a:t>38</a:t>
             </a:fld>
             <a:endParaRPr lang="en-US"/>
           </a:p>
@@ -4151,100 +4267,41 @@
           <a:bodyPr/>
           <a:lstStyle/>
           <a:p>
-            <a:endParaRPr lang="en-US" dirty="0"/>
-          </a:p>
-          <a:p>
-            <a:pPr marL="0" marR="0" lvl="0" indent="0" algn="l" defTabSz="914400" rtl="0" eaLnBrk="1" fontAlgn="auto" latinLnBrk="0" hangingPunct="1">
-              <a:lnSpc>
-                <a:spcPct val="100000"/>
-              </a:lnSpc>
-              <a:spcBef>
-                <a:spcPts val="0"/>
-              </a:spcBef>
-              <a:spcAft>
-                <a:spcPts val="0"/>
-              </a:spcAft>
-              <a:buClrTx/>
-              <a:buSzTx/>
-              <a:buFontTx/>
-              <a:buNone/>
-              <a:tabLst/>
-              <a:defRPr/>
-            </a:pPr>
-            <a:r>
-              <a:rPr lang="en-US" dirty="0"/>
-              <a:t>70s: Game play (chess play)</a:t>
-            </a:r>
-          </a:p>
-          <a:p>
-            <a:pPr marL="0" marR="0" lvl="0" indent="0" algn="l" defTabSz="914400" rtl="0" eaLnBrk="1" fontAlgn="auto" latinLnBrk="0" hangingPunct="1">
-              <a:lnSpc>
-                <a:spcPct val="100000"/>
-              </a:lnSpc>
-              <a:spcBef>
-                <a:spcPts val="0"/>
-              </a:spcBef>
-              <a:spcAft>
-                <a:spcPts val="0"/>
-              </a:spcAft>
-              <a:buClrTx/>
-              <a:buSzTx/>
-              <a:buFontTx/>
-              <a:buNone/>
-              <a:tabLst/>
-              <a:defRPr/>
-            </a:pPr>
-            <a:r>
-              <a:rPr lang="en-US" dirty="0"/>
-              <a:t>80-90s: </a:t>
-            </a:r>
-            <a:r>
-              <a:rPr lang="en-US" sz="1200" dirty="0"/>
-              <a:t>Guzman-&gt;Huffman-&gt;Waltz (decision tree, SVM)</a:t>
-            </a:r>
-          </a:p>
-          <a:p>
-            <a:r>
-              <a:rPr lang="en-US" dirty="0"/>
-              <a:t>2012: Alex </a:t>
-            </a:r>
-            <a:r>
-              <a:rPr lang="en-US" dirty="0" err="1"/>
-              <a:t>Krizhevsky</a:t>
-            </a:r>
-            <a:r>
-              <a:rPr lang="en-US" dirty="0"/>
-              <a:t> – University of Toronto</a:t>
-            </a:r>
-          </a:p>
-          <a:p>
-            <a:endParaRPr lang="en-US" dirty="0"/>
-          </a:p>
-          <a:p>
-            <a:r>
-              <a:rPr lang="en-US" dirty="0"/>
-              <a:t>Challenges: </a:t>
-            </a:r>
-          </a:p>
-          <a:p>
-            <a:pPr marL="228600" indent="-228600">
-              <a:buAutoNum type="arabicPeriod"/>
-            </a:pPr>
-            <a:r>
-              <a:rPr lang="en-US" dirty="0"/>
-              <a:t>Speech to text, multiple languages.</a:t>
-            </a:r>
-          </a:p>
-          <a:p>
-            <a:pPr marL="228600" indent="-228600">
-              <a:buAutoNum type="arabicPeriod"/>
-            </a:pPr>
-            <a:r>
-              <a:rPr lang="en-US" dirty="0"/>
-              <a:t>Computer Vision, relationship (walk dogs)</a:t>
-            </a:r>
-          </a:p>
-          <a:p>
+            <a:r>
+              <a:rPr lang="en-US" dirty="0" smtClean="0"/>
+              <a:t>A couple of things: </a:t>
+            </a:r>
+          </a:p>
+          <a:p>
+            <a:r>
+              <a:rPr lang="en-US" dirty="0" smtClean="0"/>
+              <a:t>Is</a:t>
+            </a:r>
+            <a:r>
+              <a:rPr lang="en-US" baseline="0" dirty="0" smtClean="0"/>
+              <a:t> AI going to be smarter than human?</a:t>
+            </a:r>
+          </a:p>
+          <a:p>
+            <a:r>
+              <a:rPr lang="en-US" baseline="0" dirty="0" smtClean="0"/>
+              <a:t>I used to have a dog, and it is very smart. But do we expect it can create things for us? </a:t>
+            </a:r>
+          </a:p>
+          <a:p>
+            <a:endParaRPr lang="en-US" baseline="0" dirty="0" smtClean="0"/>
+          </a:p>
+          <a:p>
+            <a:r>
+              <a:rPr lang="en-US" baseline="0" dirty="0" smtClean="0"/>
+              <a:t>Is AI going to replace human?</a:t>
+            </a:r>
+          </a:p>
+          <a:p>
+            <a:r>
+              <a:rPr lang="en-US" baseline="0" dirty="0" smtClean="0"/>
+              <a:t>AI will be a good helper, working with/for us, but it is not going to replace human. </a:t>
+            </a:r>
             <a:endParaRPr lang="en-US" dirty="0"/>
           </a:p>
         </p:txBody>
@@ -4256,7 +4313,7 @@
             <a:spLocks noGrp="1"/>
           </p:cNvSpPr>
           <p:nvPr>
-            <p:ph type="sldNum" sz="quarter" idx="5"/>
+            <p:ph type="sldNum" sz="quarter" idx="10"/>
           </p:nvPr>
         </p:nvSpPr>
         <p:spPr/>
@@ -4275,7 +4332,7 @@
     </p:spTree>
     <p:extLst>
       <p:ext uri="{BB962C8B-B14F-4D97-AF65-F5344CB8AC3E}">
-        <p14:creationId xmlns:p14="http://schemas.microsoft.com/office/powerpoint/2010/main" val="3497640749"/>
+        <p14:creationId xmlns:p14="http://schemas.microsoft.com/office/powerpoint/2010/main" val="1243075605"/>
       </p:ext>
     </p:extLst>
   </p:cSld>
@@ -4329,6 +4386,9 @@
           <a:bodyPr/>
           <a:lstStyle/>
           <a:p>
+            <a:endParaRPr lang="en-US" dirty="0"/>
+          </a:p>
+          <a:p>
             <a:pPr marL="0" marR="0" lvl="0" indent="0" algn="l" defTabSz="914400" rtl="0" eaLnBrk="1" fontAlgn="auto" latinLnBrk="0" hangingPunct="1">
               <a:lnSpc>
                 <a:spcPct val="100000"/>
@@ -4348,7 +4408,75 @@
             </a:pPr>
             <a:r>
               <a:rPr lang="en-US" dirty="0"/>
-              <a:t>80s – Gate Tree and Rule based “expert” system (forward chain)  - In fact, it is novices system. How to tell animal is a cheetah</a:t>
+              <a:t>70s: Game play (chess play)</a:t>
+            </a:r>
+          </a:p>
+          <a:p>
+            <a:pPr marL="0" marR="0" lvl="0" indent="0" algn="l" defTabSz="914400" rtl="0" eaLnBrk="1" fontAlgn="auto" latinLnBrk="0" hangingPunct="1">
+              <a:lnSpc>
+                <a:spcPct val="100000"/>
+              </a:lnSpc>
+              <a:spcBef>
+                <a:spcPts val="0"/>
+              </a:spcBef>
+              <a:spcAft>
+                <a:spcPts val="0"/>
+              </a:spcAft>
+              <a:buClrTx/>
+              <a:buSzTx/>
+              <a:buFontTx/>
+              <a:buNone/>
+              <a:tabLst/>
+              <a:defRPr/>
+            </a:pPr>
+            <a:r>
+              <a:rPr lang="en-US" dirty="0"/>
+              <a:t>80-90s: </a:t>
+            </a:r>
+            <a:r>
+              <a:rPr lang="en-US" sz="1200" dirty="0"/>
+              <a:t>Guzman-&gt;Huffman-&gt;Waltz (decision tree, SVM)</a:t>
+            </a:r>
+          </a:p>
+          <a:p>
+            <a:r>
+              <a:rPr lang="en-US" dirty="0"/>
+              <a:t>2012: Alex </a:t>
+            </a:r>
+            <a:r>
+              <a:rPr lang="en-US" dirty="0" err="1"/>
+              <a:t>Krizhevsky</a:t>
+            </a:r>
+            <a:r>
+              <a:rPr lang="en-US" dirty="0"/>
+              <a:t> – University of Toronto</a:t>
+            </a:r>
+          </a:p>
+          <a:p>
+            <a:endParaRPr lang="en-US" dirty="0"/>
+          </a:p>
+          <a:p>
+            <a:r>
+              <a:rPr lang="en-US" dirty="0"/>
+              <a:t>Challenges: </a:t>
+            </a:r>
+          </a:p>
+          <a:p>
+            <a:pPr marL="228600" indent="-228600">
+              <a:buAutoNum type="arabicPeriod"/>
+            </a:pPr>
+            <a:r>
+              <a:rPr lang="en-US" dirty="0"/>
+              <a:t>Speech to text, multiple languages.</a:t>
+            </a:r>
+          </a:p>
+          <a:p>
+            <a:pPr marL="228600" indent="-228600">
+              <a:buAutoNum type="arabicPeriod"/>
+            </a:pPr>
+            <a:r>
+              <a:rPr lang="en-US" dirty="0"/>
+              <a:t>Computer Vision, relationship (walk dogs)</a:t>
             </a:r>
           </a:p>
           <a:p>
@@ -4373,7 +4501,7 @@
           <a:p>
             <a:fld id="{95EDE83F-F192-4237-87E6-BD69D3B8E2F0}" type="slidenum">
               <a:rPr lang="en-US" smtClean="0"/>
-              <a:t>4</a:t>
+              <a:t>5</a:t>
             </a:fld>
             <a:endParaRPr lang="en-US"/>
           </a:p>
@@ -4382,7 +4510,7 @@
     </p:spTree>
     <p:extLst>
       <p:ext uri="{BB962C8B-B14F-4D97-AF65-F5344CB8AC3E}">
-        <p14:creationId xmlns:p14="http://schemas.microsoft.com/office/powerpoint/2010/main" val="254979682"/>
+        <p14:creationId xmlns:p14="http://schemas.microsoft.com/office/powerpoint/2010/main" val="3497640749"/>
       </p:ext>
     </p:extLst>
   </p:cSld>
@@ -4454,9 +4582,10 @@
               <a:defRPr/>
             </a:pPr>
             <a:r>
-              <a:rPr lang="en-US" sz="1200" dirty="0"/>
-              <a:t>How many planes are needed? 4?</a:t>
-            </a:r>
+              <a:rPr lang="en-US" dirty="0"/>
+              <a:t>80s – Gate Tree and Rule based “expert” system (forward chain)  - In fact, it is novices system. </a:t>
+            </a:r>
+            <a:endParaRPr lang="en-US" dirty="0" smtClean="0"/>
           </a:p>
           <a:p>
             <a:pPr marL="0" marR="0" lvl="0" indent="0" algn="l" defTabSz="914400" rtl="0" eaLnBrk="1" fontAlgn="auto" latinLnBrk="0" hangingPunct="1">
@@ -4476,10 +4605,47 @@
               <a:tabLst/>
               <a:defRPr/>
             </a:pPr>
-            <a:r>
-              <a:rPr lang="en-US" sz="1200" dirty="0"/>
-              <a:t>Is this a AI problem?</a:t>
-            </a:r>
+            <a:endParaRPr lang="en-US" dirty="0" smtClean="0"/>
+          </a:p>
+          <a:p>
+            <a:pPr marL="0" marR="0" lvl="0" indent="0" algn="l" defTabSz="914400" rtl="0" eaLnBrk="1" fontAlgn="auto" latinLnBrk="0" hangingPunct="1">
+              <a:lnSpc>
+                <a:spcPct val="100000"/>
+              </a:lnSpc>
+              <a:spcBef>
+                <a:spcPts val="0"/>
+              </a:spcBef>
+              <a:spcAft>
+                <a:spcPts val="0"/>
+              </a:spcAft>
+              <a:buClrTx/>
+              <a:buSzTx/>
+              <a:buFontTx/>
+              <a:buNone/>
+              <a:tabLst/>
+              <a:defRPr/>
+            </a:pPr>
+            <a:r>
+              <a:rPr lang="en-US" dirty="0" smtClean="0"/>
+              <a:t>How </a:t>
+            </a:r>
+            <a:r>
+              <a:rPr lang="en-US" dirty="0"/>
+              <a:t>to tell </a:t>
+            </a:r>
+            <a:r>
+              <a:rPr lang="en-US" dirty="0" smtClean="0"/>
+              <a:t>this animal </a:t>
+            </a:r>
+            <a:r>
+              <a:rPr lang="en-US" dirty="0"/>
+              <a:t>is a </a:t>
+            </a:r>
+            <a:r>
+              <a:rPr lang="en-US" dirty="0" smtClean="0"/>
+              <a:t>cheetah?</a:t>
+            </a:r>
+            <a:endParaRPr lang="en-US" dirty="0"/>
           </a:p>
           <a:p>
             <a:endParaRPr lang="en-US" dirty="0"/>
@@ -4503,7 +4669,7 @@
           <a:p>
             <a:fld id="{95EDE83F-F192-4237-87E6-BD69D3B8E2F0}" type="slidenum">
               <a:rPr lang="en-US" smtClean="0"/>
-              <a:t>5</a:t>
+              <a:t>6</a:t>
             </a:fld>
             <a:endParaRPr lang="en-US"/>
           </a:p>
@@ -4512,7 +4678,7 @@
     </p:spTree>
     <p:extLst>
       <p:ext uri="{BB962C8B-B14F-4D97-AF65-F5344CB8AC3E}">
-        <p14:creationId xmlns:p14="http://schemas.microsoft.com/office/powerpoint/2010/main" val="2446244916"/>
+        <p14:creationId xmlns:p14="http://schemas.microsoft.com/office/powerpoint/2010/main" val="254979682"/>
       </p:ext>
     </p:extLst>
   </p:cSld>
@@ -4566,22 +4732,98 @@
           <a:bodyPr/>
           <a:lstStyle/>
           <a:p>
-            <a:r>
-              <a:rPr lang="en-US" dirty="0"/>
-              <a:t>This is an AI problem?</a:t>
-            </a:r>
-          </a:p>
-          <a:p>
-            <a:endParaRPr lang="en-US" dirty="0"/>
-          </a:p>
-          <a:p>
-            <a:r>
-              <a:rPr lang="en-US" dirty="0"/>
-              <a:t>Direction is Left to Right</a:t>
-            </a:r>
-          </a:p>
-          <a:p>
-            <a:endParaRPr lang="en-US" dirty="0"/>
+            <a:pPr marL="0" marR="0" lvl="0" indent="0" algn="l" defTabSz="914400" rtl="0" eaLnBrk="1" fontAlgn="auto" latinLnBrk="0" hangingPunct="1">
+              <a:lnSpc>
+                <a:spcPct val="100000"/>
+              </a:lnSpc>
+              <a:spcBef>
+                <a:spcPts val="0"/>
+              </a:spcBef>
+              <a:spcAft>
+                <a:spcPts val="0"/>
+              </a:spcAft>
+              <a:buClrTx/>
+              <a:buSzTx/>
+              <a:buFontTx/>
+              <a:buNone/>
+              <a:tabLst/>
+              <a:defRPr/>
+            </a:pPr>
+            <a:r>
+              <a:rPr lang="en-US" sz="1200" dirty="0"/>
+              <a:t>How many planes are needed? 4?</a:t>
+            </a:r>
+          </a:p>
+          <a:p>
+            <a:pPr marL="0" marR="0" lvl="0" indent="0" algn="l" defTabSz="914400" rtl="0" eaLnBrk="1" fontAlgn="auto" latinLnBrk="0" hangingPunct="1">
+              <a:lnSpc>
+                <a:spcPct val="100000"/>
+              </a:lnSpc>
+              <a:spcBef>
+                <a:spcPts val="0"/>
+              </a:spcBef>
+              <a:spcAft>
+                <a:spcPts val="0"/>
+              </a:spcAft>
+              <a:buClrTx/>
+              <a:buSzTx/>
+              <a:buFontTx/>
+              <a:buNone/>
+              <a:tabLst/>
+              <a:defRPr/>
+            </a:pPr>
+            <a:r>
+              <a:rPr lang="en-US" sz="1200" dirty="0"/>
+              <a:t>Is this a AI problem</a:t>
+            </a:r>
+            <a:r>
+              <a:rPr lang="en-US" sz="1200" dirty="0" smtClean="0"/>
+              <a:t>?</a:t>
+            </a:r>
+          </a:p>
+          <a:p>
+            <a:pPr marL="0" marR="0" lvl="0" indent="0" algn="l" defTabSz="914400" rtl="0" eaLnBrk="1" fontAlgn="auto" latinLnBrk="0" hangingPunct="1">
+              <a:lnSpc>
+                <a:spcPct val="100000"/>
+              </a:lnSpc>
+              <a:spcBef>
+                <a:spcPts val="0"/>
+              </a:spcBef>
+              <a:spcAft>
+                <a:spcPts val="0"/>
+              </a:spcAft>
+              <a:buClrTx/>
+              <a:buSzTx/>
+              <a:buFontTx/>
+              <a:buNone/>
+              <a:tabLst/>
+              <a:defRPr/>
+            </a:pPr>
+            <a:endParaRPr lang="en-US" sz="1200" dirty="0" smtClean="0"/>
+          </a:p>
+          <a:p>
+            <a:pPr marL="0" marR="0" lvl="0" indent="0" algn="l" defTabSz="914400" rtl="0" eaLnBrk="1" fontAlgn="auto" latinLnBrk="0" hangingPunct="1">
+              <a:lnSpc>
+                <a:spcPct val="100000"/>
+              </a:lnSpc>
+              <a:spcBef>
+                <a:spcPts val="0"/>
+              </a:spcBef>
+              <a:spcAft>
+                <a:spcPts val="0"/>
+              </a:spcAft>
+              <a:buClrTx/>
+              <a:buSzTx/>
+              <a:buFontTx/>
+              <a:buNone/>
+              <a:tabLst/>
+              <a:defRPr/>
+            </a:pPr>
+            <a:r>
+              <a:rPr lang="en-US" sz="1200" dirty="0" smtClean="0"/>
+              <a:t>Constraints</a:t>
+            </a:r>
+            <a:endParaRPr lang="en-US" sz="1200" dirty="0"/>
           </a:p>
           <a:p>
             <a:endParaRPr lang="en-US" dirty="0"/>
@@ -4605,7 +4847,7 @@
           <a:p>
             <a:fld id="{95EDE83F-F192-4237-87E6-BD69D3B8E2F0}" type="slidenum">
               <a:rPr lang="en-US" smtClean="0"/>
-              <a:t>6</a:t>
+              <a:t>7</a:t>
             </a:fld>
             <a:endParaRPr lang="en-US"/>
           </a:p>
@@ -4614,7 +4856,7 @@
     </p:spTree>
     <p:extLst>
       <p:ext uri="{BB962C8B-B14F-4D97-AF65-F5344CB8AC3E}">
-        <p14:creationId xmlns:p14="http://schemas.microsoft.com/office/powerpoint/2010/main" val="3252809661"/>
+        <p14:creationId xmlns:p14="http://schemas.microsoft.com/office/powerpoint/2010/main" val="2446244916"/>
       </p:ext>
     </p:extLst>
   </p:cSld>
@@ -4670,27 +4912,23 @@
           <a:p>
             <a:r>
               <a:rPr lang="en-US" dirty="0"/>
-              <a:t>Using grocery bagging to explain the knowledge engineering</a:t>
-            </a:r>
-            <a:br>
+              <a:t>This is an AI problem?</a:t>
+            </a:r>
+          </a:p>
+          <a:p>
+            <a:endParaRPr lang="en-US" dirty="0"/>
+          </a:p>
+          <a:p>
+            <a:r>
               <a:rPr lang="en-US" dirty="0"/>
-            </a:br>
-            <a:r>
-              <a:rPr lang="en-US" dirty="0"/>
-              <a:t>1. People don’t expect out with an engine oil?</a:t>
-            </a:r>
-          </a:p>
-          <a:p>
-            <a:r>
-              <a:rPr lang="en-US" dirty="0"/>
-              <a:t>2. How to arrange the things in the bag.</a:t>
-            </a:r>
-          </a:p>
-          <a:p>
-            <a:r>
-              <a:rPr lang="en-US" dirty="0"/>
-              <a:t>3. Be vigilant and bug if there is anything wrong, such as the piece of package is broken.</a:t>
-            </a:r>
+              <a:t>Direction is Left to Right</a:t>
+            </a:r>
+          </a:p>
+          <a:p>
+            <a:endParaRPr lang="en-US" dirty="0"/>
+          </a:p>
+          <a:p>
+            <a:endParaRPr lang="en-US" dirty="0"/>
           </a:p>
         </p:txBody>
       </p:sp>
@@ -4711,7 +4949,7 @@
           <a:p>
             <a:fld id="{95EDE83F-F192-4237-87E6-BD69D3B8E2F0}" type="slidenum">
               <a:rPr lang="en-US" smtClean="0"/>
-              <a:t>7</a:t>
+              <a:t>8</a:t>
             </a:fld>
             <a:endParaRPr lang="en-US"/>
           </a:p>
@@ -4720,7 +4958,7 @@
     </p:spTree>
     <p:extLst>
       <p:ext uri="{BB962C8B-B14F-4D97-AF65-F5344CB8AC3E}">
-        <p14:creationId xmlns:p14="http://schemas.microsoft.com/office/powerpoint/2010/main" val="402221331"/>
+        <p14:creationId xmlns:p14="http://schemas.microsoft.com/office/powerpoint/2010/main" val="3252809661"/>
       </p:ext>
     </p:extLst>
   </p:cSld>
@@ -4774,7 +5012,29 @@
           <a:bodyPr/>
           <a:lstStyle/>
           <a:p>
-            <a:endParaRPr lang="en-US" dirty="0"/>
+            <a:r>
+              <a:rPr lang="en-US" dirty="0"/>
+              <a:t>Using grocery bagging to explain the knowledge engineering</a:t>
+            </a:r>
+            <a:br>
+              <a:rPr lang="en-US" dirty="0"/>
+            </a:br>
+            <a:r>
+              <a:rPr lang="en-US" dirty="0"/>
+              <a:t>1. People don’t expect out with an engine oil?</a:t>
+            </a:r>
+          </a:p>
+          <a:p>
+            <a:r>
+              <a:rPr lang="en-US" dirty="0"/>
+              <a:t>2. How to arrange the things in the bag.</a:t>
+            </a:r>
+          </a:p>
+          <a:p>
+            <a:r>
+              <a:rPr lang="en-US" dirty="0"/>
+              <a:t>3. Be vigilant and bug if there is anything wrong, such as the piece of package is broken.</a:t>
+            </a:r>
           </a:p>
         </p:txBody>
       </p:sp>
@@ -4795,7 +5055,7 @@
           <a:p>
             <a:fld id="{95EDE83F-F192-4237-87E6-BD69D3B8E2F0}" type="slidenum">
               <a:rPr lang="en-US" smtClean="0"/>
-              <a:t>8</a:t>
+              <a:t>9</a:t>
             </a:fld>
             <a:endParaRPr lang="en-US"/>
           </a:p>
@@ -4804,7 +5064,7 @@
     </p:spTree>
     <p:extLst>
       <p:ext uri="{BB962C8B-B14F-4D97-AF65-F5344CB8AC3E}">
-        <p14:creationId xmlns:p14="http://schemas.microsoft.com/office/powerpoint/2010/main" val="3041688516"/>
+        <p14:creationId xmlns:p14="http://schemas.microsoft.com/office/powerpoint/2010/main" val="402221331"/>
       </p:ext>
     </p:extLst>
   </p:cSld>
@@ -4888,7 +5148,7 @@
     </p:spTree>
     <p:extLst>
       <p:ext uri="{BB962C8B-B14F-4D97-AF65-F5344CB8AC3E}">
-        <p14:creationId xmlns:p14="http://schemas.microsoft.com/office/powerpoint/2010/main" val="283160234"/>
+        <p14:creationId xmlns:p14="http://schemas.microsoft.com/office/powerpoint/2010/main" val="3041688516"/>
       </p:ext>
     </p:extLst>
   </p:cSld>
@@ -4942,6 +5202,107 @@
           <a:bodyPr/>
           <a:lstStyle/>
           <a:p>
+            <a:r>
+              <a:rPr lang="en-US" sz="1200" b="0" i="0" kern="1200" dirty="0" smtClean="0">
+                <a:solidFill>
+                  <a:schemeClr val="tx1"/>
+                </a:solidFill>
+                <a:effectLst/>
+                <a:latin typeface="+mn-lt"/>
+                <a:ea typeface="+mn-ea"/>
+                <a:cs typeface="+mn-cs"/>
+              </a:rPr>
+              <a:t>David Courtenay </a:t>
+            </a:r>
+            <a:r>
+              <a:rPr lang="en-US" sz="1200" b="1" i="0" kern="1200" dirty="0" smtClean="0">
+                <a:solidFill>
+                  <a:schemeClr val="tx1"/>
+                </a:solidFill>
+                <a:effectLst/>
+                <a:latin typeface="+mn-lt"/>
+                <a:ea typeface="+mn-ea"/>
+                <a:cs typeface="+mn-cs"/>
+              </a:rPr>
+              <a:t>Marr</a:t>
+            </a:r>
+            <a:r>
+              <a:rPr lang="en-US" sz="1200" b="0" i="0" kern="1200" dirty="0" smtClean="0">
+                <a:solidFill>
+                  <a:schemeClr val="tx1"/>
+                </a:solidFill>
+                <a:effectLst/>
+                <a:latin typeface="+mn-lt"/>
+                <a:ea typeface="+mn-ea"/>
+                <a:cs typeface="+mn-cs"/>
+              </a:rPr>
+              <a:t> (19 January 1945 – 17 November 1980) was a British neuroscientist and physiologist</a:t>
+            </a:r>
+          </a:p>
+          <a:p>
+            <a:endParaRPr lang="en-US" sz="1200" b="0" i="0" kern="1200" dirty="0" smtClean="0">
+              <a:solidFill>
+                <a:schemeClr val="tx1"/>
+              </a:solidFill>
+              <a:effectLst/>
+              <a:latin typeface="+mn-lt"/>
+              <a:ea typeface="+mn-ea"/>
+              <a:cs typeface="+mn-cs"/>
+            </a:endParaRPr>
+          </a:p>
+          <a:p>
+            <a:r>
+              <a:rPr lang="en-US" sz="1200" b="0" i="0" kern="1200" dirty="0" smtClean="0">
+                <a:solidFill>
+                  <a:schemeClr val="tx1"/>
+                </a:solidFill>
+                <a:effectLst/>
+                <a:latin typeface="+mn-lt"/>
+                <a:ea typeface="+mn-ea"/>
+                <a:cs typeface="+mn-cs"/>
+              </a:rPr>
+              <a:t>You can</a:t>
+            </a:r>
+            <a:r>
+              <a:rPr lang="en-US" sz="1200" b="0" i="0" kern="1200" baseline="0" dirty="0" smtClean="0">
+                <a:solidFill>
+                  <a:schemeClr val="tx1"/>
+                </a:solidFill>
+                <a:effectLst/>
+                <a:latin typeface="+mn-lt"/>
+                <a:ea typeface="+mn-ea"/>
+                <a:cs typeface="+mn-cs"/>
+              </a:rPr>
+              <a:t> not learn unless you know most of it.</a:t>
+            </a:r>
+          </a:p>
+          <a:p>
+            <a:r>
+              <a:rPr lang="en-US" sz="1200" b="0" i="0" kern="1200" baseline="0" dirty="0" smtClean="0">
+                <a:solidFill>
+                  <a:schemeClr val="tx1"/>
+                </a:solidFill>
+                <a:effectLst/>
+                <a:latin typeface="+mn-lt"/>
+                <a:ea typeface="+mn-ea"/>
+                <a:cs typeface="+mn-cs"/>
+              </a:rPr>
+              <a:t>We think with hands, mouths and eyes.</a:t>
+            </a:r>
+          </a:p>
+          <a:p>
+            <a:r>
+              <a:rPr lang="en-US" sz="1200" b="0" i="0" kern="1200" baseline="0" dirty="0" smtClean="0">
+                <a:solidFill>
+                  <a:schemeClr val="tx1"/>
+                </a:solidFill>
+                <a:effectLst/>
+                <a:latin typeface="+mn-lt"/>
+                <a:ea typeface="+mn-ea"/>
+                <a:cs typeface="+mn-cs"/>
+              </a:rPr>
+              <a:t>Great ideas are simple.</a:t>
+            </a:r>
             <a:endParaRPr lang="en-US" dirty="0"/>
           </a:p>
         </p:txBody>
@@ -4963,7 +5324,7 @@
           <a:p>
             <a:fld id="{95EDE83F-F192-4237-87E6-BD69D3B8E2F0}" type="slidenum">
               <a:rPr lang="en-US" smtClean="0"/>
-              <a:t>14</a:t>
+              <a:t>11</a:t>
             </a:fld>
             <a:endParaRPr lang="en-US"/>
           </a:p>
@@ -4972,7 +5333,7 @@
     </p:spTree>
     <p:extLst>
       <p:ext uri="{BB962C8B-B14F-4D97-AF65-F5344CB8AC3E}">
-        <p14:creationId xmlns:p14="http://schemas.microsoft.com/office/powerpoint/2010/main" val="1580989336"/>
+        <p14:creationId xmlns:p14="http://schemas.microsoft.com/office/powerpoint/2010/main" val="283160234"/>
       </p:ext>
     </p:extLst>
   </p:cSld>
@@ -7837,6 +8198,10 @@
               <a:rPr lang="en-US" sz="4000" dirty="0"/>
               <a:t>In Math We Trust</a:t>
             </a:r>
+            <a:r>
+              <a:rPr lang="en-US" dirty="0"/>
+              <a:t/>
+            </a:r>
             <a:br>
               <a:rPr lang="en-US" dirty="0"/>
             </a:br>
@@ -7899,6 +8264,13 @@
   <p:clrMapOvr>
     <a:masterClrMapping/>
   </p:clrMapOvr>
+  <p:timing>
+    <p:tnLst>
+      <p:par>
+        <p:cTn id="1" dur="indefinite" restart="never" nodeType="tmRoot"/>
+      </p:par>
+    </p:tnLst>
+  </p:timing>
 </p:sld>
 </file>
 
@@ -7921,14 +8293,104 @@
       </p:grpSpPr>
       <p:sp>
         <p:nvSpPr>
-          <p:cNvPr id="5" name="TextBox 4"/>
+          <p:cNvPr id="3" name="Subtitle 2"/>
+          <p:cNvSpPr>
+            <a:spLocks noGrp="1"/>
+          </p:cNvSpPr>
+          <p:nvPr>
+            <p:ph type="subTitle" idx="1"/>
+          </p:nvPr>
+        </p:nvSpPr>
+        <p:spPr>
+          <a:xfrm>
+            <a:off x="641023" y="1253878"/>
+            <a:ext cx="11227323" cy="5059835"/>
+          </a:xfrm>
+        </p:spPr>
+        <p:txBody>
+          <a:bodyPr>
+            <a:normAutofit lnSpcReduction="10000"/>
+          </a:bodyPr>
+          <a:lstStyle/>
+          <a:p>
+            <a:pPr marL="685800" indent="-685800" algn="l">
+              <a:buFont typeface="Arial" panose="020B0604020202020204" pitchFamily="34" charset="0"/>
+              <a:buChar char="•"/>
+            </a:pPr>
+            <a:r>
+              <a:rPr lang="en-US" sz="4900" dirty="0"/>
+              <a:t>Computer programming</a:t>
+            </a:r>
+          </a:p>
+          <a:p>
+            <a:pPr marL="685800" indent="-685800" algn="l">
+              <a:buFont typeface="Arial" panose="020B0604020202020204" pitchFamily="34" charset="0"/>
+              <a:buChar char="•"/>
+            </a:pPr>
+            <a:r>
+              <a:rPr lang="en-US" sz="4900" dirty="0"/>
+              <a:t>Knowledge mining – search</a:t>
+            </a:r>
+          </a:p>
+          <a:p>
+            <a:pPr marL="685800" indent="-685800" algn="l">
+              <a:buFont typeface="Arial" panose="020B0604020202020204" pitchFamily="34" charset="0"/>
+              <a:buChar char="•"/>
+            </a:pPr>
+            <a:r>
+              <a:rPr lang="en-US" sz="4900" dirty="0"/>
+              <a:t>Domain knowledge</a:t>
+            </a:r>
+          </a:p>
+          <a:p>
+            <a:pPr marL="685800" indent="-685800" algn="l">
+              <a:buFont typeface="Arial" panose="020B0604020202020204" pitchFamily="34" charset="0"/>
+              <a:buChar char="•"/>
+            </a:pPr>
+            <a:r>
+              <a:rPr lang="en-US" sz="4900" dirty="0"/>
+              <a:t>Data Ingestion</a:t>
+            </a:r>
+          </a:p>
+          <a:p>
+            <a:pPr marL="685800" indent="-685800" algn="l">
+              <a:buFont typeface="Arial" panose="020B0604020202020204" pitchFamily="34" charset="0"/>
+              <a:buChar char="•"/>
+            </a:pPr>
+            <a:r>
+              <a:rPr lang="en-US" sz="4900" dirty="0"/>
+              <a:t>Model Training </a:t>
+            </a:r>
+          </a:p>
+          <a:p>
+            <a:pPr marL="685800" indent="-685800" algn="l">
+              <a:buFont typeface="Arial" panose="020B0604020202020204" pitchFamily="34" charset="0"/>
+              <a:buChar char="•"/>
+            </a:pPr>
+            <a:r>
+              <a:rPr lang="en-US" sz="4900" dirty="0"/>
+              <a:t>Humanity - AI Ethics (human behaviors and value lines) </a:t>
+            </a:r>
+          </a:p>
+          <a:p>
+            <a:pPr marL="685800" indent="-685800" algn="l">
+              <a:buFont typeface="Arial" panose="020B0604020202020204" pitchFamily="34" charset="0"/>
+              <a:buChar char="•"/>
+            </a:pPr>
+            <a:endParaRPr lang="en-US" sz="4900" dirty="0"/>
+          </a:p>
+        </p:txBody>
+      </p:sp>
+      <p:sp>
+        <p:nvSpPr>
+          <p:cNvPr id="4" name="TextBox 3"/>
           <p:cNvSpPr txBox="1"/>
           <p:nvPr/>
         </p:nvSpPr>
         <p:spPr>
           <a:xfrm>
-            <a:off x="254568" y="147547"/>
-            <a:ext cx="10968760" cy="584775"/>
+            <a:off x="522513" y="217714"/>
+            <a:ext cx="10798629" cy="584775"/>
           </a:xfrm>
           <a:prstGeom prst="rect">
             <a:avLst/>
@@ -7943,7 +8405,78 @@
           <a:p>
             <a:r>
               <a:rPr lang="en-US" sz="3200" dirty="0"/>
-              <a:t>Class-1: Marr’s Theory – AI Approach</a:t>
+              <a:t>Class-1: Introduction to ML – what it takes?</a:t>
+            </a:r>
+          </a:p>
+        </p:txBody>
+      </p:sp>
+    </p:spTree>
+    <p:extLst>
+      <p:ext uri="{BB962C8B-B14F-4D97-AF65-F5344CB8AC3E}">
+        <p14:creationId xmlns:p14="http://schemas.microsoft.com/office/powerpoint/2010/main" val="2374375479"/>
+      </p:ext>
+    </p:extLst>
+  </p:cSld>
+  <p:clrMapOvr>
+    <a:masterClrMapping/>
+  </p:clrMapOvr>
+</p:sld>
+</file>
+
+<file path=ppt/slides/slide11.xml><?xml version="1.0" encoding="utf-8"?>
+<p:sld xmlns:a="http://schemas.openxmlformats.org/drawingml/2006/main" xmlns:r="http://schemas.openxmlformats.org/officeDocument/2006/relationships" xmlns:p="http://schemas.openxmlformats.org/presentationml/2006/main">
+  <p:cSld>
+    <p:spTree>
+      <p:nvGrpSpPr>
+        <p:cNvPr id="1" name=""/>
+        <p:cNvGrpSpPr/>
+        <p:nvPr/>
+      </p:nvGrpSpPr>
+      <p:grpSpPr>
+        <a:xfrm>
+          <a:off x="0" y="0"/>
+          <a:ext cx="0" cy="0"/>
+          <a:chOff x="0" y="0"/>
+          <a:chExt cx="0" cy="0"/>
+        </a:xfrm>
+      </p:grpSpPr>
+      <p:sp>
+        <p:nvSpPr>
+          <p:cNvPr id="5" name="TextBox 4"/>
+          <p:cNvSpPr txBox="1"/>
+          <p:nvPr/>
+        </p:nvSpPr>
+        <p:spPr>
+          <a:xfrm>
+            <a:off x="254568" y="147547"/>
+            <a:ext cx="10968760" cy="584775"/>
+          </a:xfrm>
+          <a:prstGeom prst="rect">
+            <a:avLst/>
+          </a:prstGeom>
+          <a:noFill/>
+        </p:spPr>
+        <p:txBody>
+          <a:bodyPr wrap="square" rtlCol="0">
+            <a:spAutoFit/>
+          </a:bodyPr>
+          <a:lstStyle/>
+          <a:p>
+            <a:r>
+              <a:rPr lang="en-US" sz="3200" dirty="0"/>
+              <a:t>Class-1: </a:t>
+            </a:r>
+            <a:r>
+              <a:rPr lang="en-US" sz="3200" dirty="0" smtClean="0"/>
+              <a:t>David </a:t>
+            </a:r>
+            <a:r>
+              <a:rPr lang="en-US" sz="3200" dirty="0" smtClean="0"/>
+              <a:t>Marr’s </a:t>
+            </a:r>
+            <a:r>
+              <a:rPr lang="en-US" sz="3200" dirty="0"/>
+              <a:t>Theory – AI Approach</a:t>
             </a:r>
             <a:endParaRPr lang="en-US" dirty="0"/>
           </a:p>
@@ -8354,132 +8887,6 @@
 </p:sld>
 </file>
 
-<file path=ppt/slides/slide11.xml><?xml version="1.0" encoding="utf-8"?>
-<p:sld xmlns:a="http://schemas.openxmlformats.org/drawingml/2006/main" xmlns:r="http://schemas.openxmlformats.org/officeDocument/2006/relationships" xmlns:p="http://schemas.openxmlformats.org/presentationml/2006/main">
-  <p:cSld>
-    <p:spTree>
-      <p:nvGrpSpPr>
-        <p:cNvPr id="1" name=""/>
-        <p:cNvGrpSpPr/>
-        <p:nvPr/>
-      </p:nvGrpSpPr>
-      <p:grpSpPr>
-        <a:xfrm>
-          <a:off x="0" y="0"/>
-          <a:ext cx="0" cy="0"/>
-          <a:chOff x="0" y="0"/>
-          <a:chExt cx="0" cy="0"/>
-        </a:xfrm>
-      </p:grpSpPr>
-      <p:sp>
-        <p:nvSpPr>
-          <p:cNvPr id="3" name="Subtitle 2"/>
-          <p:cNvSpPr>
-            <a:spLocks noGrp="1"/>
-          </p:cNvSpPr>
-          <p:nvPr>
-            <p:ph type="subTitle" idx="1"/>
-          </p:nvPr>
-        </p:nvSpPr>
-        <p:spPr>
-          <a:xfrm>
-            <a:off x="1242362" y="1079488"/>
-            <a:ext cx="9918973" cy="5498419"/>
-          </a:xfrm>
-        </p:spPr>
-        <p:txBody>
-          <a:bodyPr>
-            <a:normAutofit/>
-          </a:bodyPr>
-          <a:lstStyle/>
-          <a:p>
-            <a:pPr marL="857250" indent="-857250" algn="l">
-              <a:buFont typeface="Arial" panose="020B0604020202020204" pitchFamily="34" charset="0"/>
-              <a:buChar char="•"/>
-            </a:pPr>
-            <a:r>
-              <a:rPr lang="en-US" sz="4600" dirty="0"/>
-              <a:t>Anomaly Detection Algorithm</a:t>
-            </a:r>
-          </a:p>
-          <a:p>
-            <a:pPr marL="857250" indent="-857250" algn="l">
-              <a:buFont typeface="Arial" panose="020B0604020202020204" pitchFamily="34" charset="0"/>
-              <a:buChar char="•"/>
-            </a:pPr>
-            <a:r>
-              <a:rPr lang="en-US" sz="4600" dirty="0"/>
-              <a:t>Clustering Algorithm</a:t>
-            </a:r>
-          </a:p>
-          <a:p>
-            <a:pPr marL="857250" indent="-857250" algn="l">
-              <a:buFont typeface="Arial" panose="020B0604020202020204" pitchFamily="34" charset="0"/>
-              <a:buChar char="•"/>
-            </a:pPr>
-            <a:r>
-              <a:rPr lang="en-US" sz="4600" dirty="0"/>
-              <a:t>Regression Algorithm</a:t>
-            </a:r>
-          </a:p>
-          <a:p>
-            <a:pPr algn="l"/>
-            <a:r>
-              <a:rPr lang="en-US" sz="6200" dirty="0"/>
-              <a:t>	</a:t>
-            </a:r>
-            <a:r>
-              <a:rPr lang="en-US" sz="4000" dirty="0"/>
-              <a:t>Demo: Iris Dataset </a:t>
-            </a:r>
-          </a:p>
-        </p:txBody>
-      </p:sp>
-      <p:sp>
-        <p:nvSpPr>
-          <p:cNvPr id="4" name="TextBox 3"/>
-          <p:cNvSpPr txBox="1"/>
-          <p:nvPr/>
-        </p:nvSpPr>
-        <p:spPr>
-          <a:xfrm>
-            <a:off x="522514" y="217714"/>
-            <a:ext cx="10968760" cy="861774"/>
-          </a:xfrm>
-          <a:prstGeom prst="rect">
-            <a:avLst/>
-          </a:prstGeom>
-          <a:noFill/>
-        </p:spPr>
-        <p:txBody>
-          <a:bodyPr wrap="square" rtlCol="0">
-            <a:spAutoFit/>
-          </a:bodyPr>
-          <a:lstStyle/>
-          <a:p>
-            <a:r>
-              <a:rPr lang="en-US" sz="3200" dirty="0"/>
-              <a:t>Class-1:Classification of Algorithm</a:t>
-            </a:r>
-          </a:p>
-          <a:p>
-            <a:endParaRPr lang="en-US" dirty="0"/>
-          </a:p>
-        </p:txBody>
-      </p:sp>
-    </p:spTree>
-    <p:extLst>
-      <p:ext uri="{BB962C8B-B14F-4D97-AF65-F5344CB8AC3E}">
-        <p14:creationId xmlns:p14="http://schemas.microsoft.com/office/powerpoint/2010/main" val="3433111902"/>
-      </p:ext>
-    </p:extLst>
-  </p:cSld>
-  <p:clrMapOvr>
-    <a:masterClrMapping/>
-  </p:clrMapOvr>
-</p:sld>
-</file>
-
 <file path=ppt/slides/slide12.xml><?xml version="1.0" encoding="utf-8"?>
 <p:sld xmlns:a="http://schemas.openxmlformats.org/drawingml/2006/main" xmlns:r="http://schemas.openxmlformats.org/officeDocument/2006/relationships" xmlns:p="http://schemas.openxmlformats.org/presentationml/2006/main">
   <p:cSld>
@@ -8509,8 +8916,8 @@
         </p:nvSpPr>
         <p:spPr>
           <a:xfrm>
-            <a:off x="641023" y="815294"/>
-            <a:ext cx="11227323" cy="5498419"/>
+            <a:off x="1242362" y="1079488"/>
+            <a:ext cx="9918973" cy="5498419"/>
           </a:xfrm>
         </p:spPr>
         <p:txBody>
@@ -8519,87 +8926,45 @@
           </a:bodyPr>
           <a:lstStyle/>
           <a:p>
-            <a:pPr marL="685800" indent="-685800" algn="l">
+            <a:pPr marL="857250" indent="-857250" algn="l">
               <a:buFont typeface="Arial" panose="020B0604020202020204" pitchFamily="34" charset="0"/>
               <a:buChar char="•"/>
             </a:pPr>
             <a:r>
-              <a:rPr lang="en-US" sz="4900" dirty="0"/>
-              <a:t>	</a:t>
-            </a:r>
-            <a:r>
-              <a:rPr lang="en-US" sz="4000" dirty="0"/>
-              <a:t>Supervised Learning</a:t>
-            </a:r>
-            <a:r>
-              <a:rPr lang="en-US" sz="4900" dirty="0"/>
-              <a:t>	</a:t>
-            </a:r>
-          </a:p>
-          <a:p>
-            <a:pPr algn="l"/>
-            <a:r>
-              <a:rPr lang="en-US" sz="4900" dirty="0"/>
-              <a:t>		</a:t>
-            </a:r>
-            <a:r>
-              <a:rPr lang="en-US" sz="3000" dirty="0"/>
-              <a:t>knowing X and Y, generate a model to classification</a:t>
-            </a:r>
-          </a:p>
-          <a:p>
-            <a:pPr marL="685800" indent="-685800" algn="l">
+              <a:rPr lang="en-US" sz="4600" dirty="0"/>
+              <a:t>Anomaly Detection Algorithm</a:t>
+            </a:r>
+          </a:p>
+          <a:p>
+            <a:pPr marL="857250" indent="-857250" algn="l">
               <a:buFont typeface="Arial" panose="020B0604020202020204" pitchFamily="34" charset="0"/>
               <a:buChar char="•"/>
             </a:pPr>
             <a:r>
-              <a:rPr lang="en-US" sz="4900" dirty="0"/>
-              <a:t>	</a:t>
-            </a:r>
-            <a:r>
-              <a:rPr lang="en-US" sz="4000" dirty="0"/>
-              <a:t>Unsupervised Learning</a:t>
-            </a:r>
-          </a:p>
-          <a:p>
-            <a:pPr lvl="2" algn="l"/>
-            <a:r>
-              <a:rPr lang="en-US" sz="3400" dirty="0"/>
-              <a:t>	</a:t>
-            </a:r>
-            <a:r>
-              <a:rPr lang="en-US" sz="3000" dirty="0"/>
-              <a:t>knowing X but Y, generate a model to cluster</a:t>
-            </a:r>
-          </a:p>
-          <a:p>
-            <a:pPr marL="685800" indent="-685800" algn="l">
+              <a:rPr lang="en-US" sz="4600" dirty="0"/>
+              <a:t>Clustering Algorithm</a:t>
+            </a:r>
+          </a:p>
+          <a:p>
+            <a:pPr marL="857250" indent="-857250" algn="l">
               <a:buFont typeface="Arial" panose="020B0604020202020204" pitchFamily="34" charset="0"/>
               <a:buChar char="•"/>
             </a:pPr>
             <a:r>
-              <a:rPr lang="en-US" sz="4900" dirty="0"/>
+              <a:rPr lang="en-US" sz="4600" dirty="0"/>
+              <a:t>Regression Algorithm</a:t>
+            </a:r>
+          </a:p>
+          <a:p>
+            <a:pPr algn="l"/>
+            <a:r>
+              <a:rPr lang="en-US" sz="6200" dirty="0"/>
               <a:t>	</a:t>
             </a:r>
             <a:r>
               <a:rPr lang="en-US" sz="4000" dirty="0"/>
-              <a:t>Reinforcement Learning</a:t>
-            </a:r>
-          </a:p>
-          <a:p>
-            <a:pPr lvl="1" algn="l"/>
-            <a:r>
-              <a:rPr lang="en-US" sz="3000" dirty="0"/>
-              <a:t>		knowing X but Y, create an environment and learning agent</a:t>
-            </a:r>
-          </a:p>
-          <a:p>
-            <a:pPr algn="l"/>
-            <a:endParaRPr lang="en-US" sz="4900" dirty="0"/>
-          </a:p>
-          <a:p>
-            <a:pPr algn="l"/>
-            <a:endParaRPr lang="en-US" sz="4900" dirty="0"/>
+              <a:t>Demo: Iris Dataset </a:t>
+            </a:r>
           </a:p>
         </p:txBody>
       </p:sp>
@@ -8612,7 +8977,7 @@
         <p:spPr>
           <a:xfrm>
             <a:off x="522514" y="217714"/>
-            <a:ext cx="7961610" cy="584775"/>
+            <a:ext cx="10968760" cy="861774"/>
           </a:xfrm>
           <a:prstGeom prst="rect">
             <a:avLst/>
@@ -8627,15 +8992,18 @@
           <a:p>
             <a:r>
               <a:rPr lang="en-US" sz="3200" dirty="0"/>
-              <a:t>Class-1: Introduction to ML</a:t>
-            </a:r>
+              <a:t>Class-1:Classification of Algorithm</a:t>
+            </a:r>
+          </a:p>
+          <a:p>
+            <a:endParaRPr lang="en-US" dirty="0"/>
           </a:p>
         </p:txBody>
       </p:sp>
     </p:spTree>
     <p:extLst>
       <p:ext uri="{BB962C8B-B14F-4D97-AF65-F5344CB8AC3E}">
-        <p14:creationId xmlns:p14="http://schemas.microsoft.com/office/powerpoint/2010/main" val="1538160773"/>
+        <p14:creationId xmlns:p14="http://schemas.microsoft.com/office/powerpoint/2010/main" val="3433111902"/>
       </p:ext>
     </p:extLst>
   </p:cSld>
@@ -8674,8 +9042,8 @@
         </p:nvSpPr>
         <p:spPr>
           <a:xfrm>
-            <a:off x="1266840" y="1306929"/>
-            <a:ext cx="9144000" cy="4525030"/>
+            <a:off x="641023" y="815294"/>
+            <a:ext cx="11227323" cy="5498419"/>
           </a:xfrm>
         </p:spPr>
         <p:txBody>
@@ -8684,11 +9052,180 @@
           </a:bodyPr>
           <a:lstStyle/>
           <a:p>
+            <a:pPr marL="685800" indent="-685800" algn="l">
+              <a:buFont typeface="Arial" panose="020B0604020202020204" pitchFamily="34" charset="0"/>
+              <a:buChar char="•"/>
+            </a:pPr>
+            <a:r>
+              <a:rPr lang="en-US" sz="4900" dirty="0"/>
+              <a:t>	</a:t>
+            </a:r>
+            <a:r>
+              <a:rPr lang="en-US" sz="4000" dirty="0"/>
+              <a:t>Supervised Learning</a:t>
+            </a:r>
+            <a:r>
+              <a:rPr lang="en-US" sz="4900" dirty="0"/>
+              <a:t>	</a:t>
+            </a:r>
+          </a:p>
+          <a:p>
+            <a:pPr algn="l"/>
+            <a:r>
+              <a:rPr lang="en-US" sz="4900" dirty="0"/>
+              <a:t>		</a:t>
+            </a:r>
+            <a:r>
+              <a:rPr lang="en-US" sz="3000" dirty="0"/>
+              <a:t>knowing X and Y, generate a model to classification</a:t>
+            </a:r>
+          </a:p>
+          <a:p>
+            <a:pPr marL="685800" indent="-685800" algn="l">
+              <a:buFont typeface="Arial" panose="020B0604020202020204" pitchFamily="34" charset="0"/>
+              <a:buChar char="•"/>
+            </a:pPr>
+            <a:r>
+              <a:rPr lang="en-US" sz="4900" dirty="0"/>
+              <a:t>	</a:t>
+            </a:r>
+            <a:r>
+              <a:rPr lang="en-US" sz="4000" dirty="0"/>
+              <a:t>Unsupervised Learning</a:t>
+            </a:r>
+          </a:p>
+          <a:p>
+            <a:pPr lvl="2" algn="l"/>
+            <a:r>
+              <a:rPr lang="en-US" sz="3400" dirty="0"/>
+              <a:t>	</a:t>
+            </a:r>
+            <a:r>
+              <a:rPr lang="en-US" sz="3000" dirty="0"/>
+              <a:t>knowing X but Y, generate a model to cluster</a:t>
+            </a:r>
+          </a:p>
+          <a:p>
+            <a:pPr marL="685800" indent="-685800" algn="l">
+              <a:buFont typeface="Arial" panose="020B0604020202020204" pitchFamily="34" charset="0"/>
+              <a:buChar char="•"/>
+            </a:pPr>
+            <a:r>
+              <a:rPr lang="en-US" sz="4900" dirty="0"/>
+              <a:t>	</a:t>
+            </a:r>
+            <a:r>
+              <a:rPr lang="en-US" sz="4000" dirty="0"/>
+              <a:t>Reinforcement Learning</a:t>
+            </a:r>
+          </a:p>
+          <a:p>
+            <a:pPr lvl="1" algn="l"/>
+            <a:r>
+              <a:rPr lang="en-US" sz="3000" dirty="0"/>
+              <a:t>		knowing X but Y, create an environment and learning agent</a:t>
+            </a:r>
+          </a:p>
+          <a:p>
+            <a:pPr algn="l"/>
+            <a:endParaRPr lang="en-US" sz="4900" dirty="0"/>
+          </a:p>
+          <a:p>
+            <a:pPr algn="l"/>
+            <a:endParaRPr lang="en-US" sz="4900" dirty="0"/>
+          </a:p>
+        </p:txBody>
+      </p:sp>
+      <p:sp>
+        <p:nvSpPr>
+          <p:cNvPr id="4" name="TextBox 3"/>
+          <p:cNvSpPr txBox="1"/>
+          <p:nvPr/>
+        </p:nvSpPr>
+        <p:spPr>
+          <a:xfrm>
+            <a:off x="522514" y="217714"/>
+            <a:ext cx="7961610" cy="584775"/>
+          </a:xfrm>
+          <a:prstGeom prst="rect">
+            <a:avLst/>
+          </a:prstGeom>
+          <a:noFill/>
+        </p:spPr>
+        <p:txBody>
+          <a:bodyPr wrap="square" rtlCol="0">
+            <a:spAutoFit/>
+          </a:bodyPr>
+          <a:lstStyle/>
+          <a:p>
+            <a:r>
+              <a:rPr lang="en-US" sz="3200" dirty="0"/>
+              <a:t>Class-1: Introduction to ML</a:t>
+            </a:r>
+          </a:p>
+        </p:txBody>
+      </p:sp>
+    </p:spTree>
+    <p:extLst>
+      <p:ext uri="{BB962C8B-B14F-4D97-AF65-F5344CB8AC3E}">
+        <p14:creationId xmlns:p14="http://schemas.microsoft.com/office/powerpoint/2010/main" val="1538160773"/>
+      </p:ext>
+    </p:extLst>
+  </p:cSld>
+  <p:clrMapOvr>
+    <a:masterClrMapping/>
+  </p:clrMapOvr>
+</p:sld>
+</file>
+
+<file path=ppt/slides/slide14.xml><?xml version="1.0" encoding="utf-8"?>
+<p:sld xmlns:a="http://schemas.openxmlformats.org/drawingml/2006/main" xmlns:r="http://schemas.openxmlformats.org/officeDocument/2006/relationships" xmlns:p="http://schemas.openxmlformats.org/presentationml/2006/main">
+  <p:cSld>
+    <p:spTree>
+      <p:nvGrpSpPr>
+        <p:cNvPr id="1" name=""/>
+        <p:cNvGrpSpPr/>
+        <p:nvPr/>
+      </p:nvGrpSpPr>
+      <p:grpSpPr>
+        <a:xfrm>
+          <a:off x="0" y="0"/>
+          <a:ext cx="0" cy="0"/>
+          <a:chOff x="0" y="0"/>
+          <a:chExt cx="0" cy="0"/>
+        </a:xfrm>
+      </p:grpSpPr>
+      <p:sp>
+        <p:nvSpPr>
+          <p:cNvPr id="3" name="Subtitle 2"/>
+          <p:cNvSpPr>
+            <a:spLocks noGrp="1"/>
+          </p:cNvSpPr>
+          <p:nvPr>
+            <p:ph type="subTitle" idx="1"/>
+          </p:nvPr>
+        </p:nvSpPr>
+        <p:spPr>
+          <a:xfrm>
+            <a:off x="1266840" y="1306929"/>
+            <a:ext cx="9144000" cy="4525030"/>
+          </a:xfrm>
+        </p:spPr>
+        <p:txBody>
+          <a:bodyPr>
+            <a:normAutofit/>
+          </a:bodyPr>
+          <a:lstStyle/>
+          <a:p>
             <a:pPr algn="l"/>
             <a:endParaRPr lang="en-US" sz="6200" dirty="0"/>
           </a:p>
           <a:p>
             <a:pPr algn="l"/>
+            <a:r>
+              <a:rPr lang="en-US" sz="6600" dirty="0"/>
+              <a:t/>
+            </a:r>
             <a:br>
               <a:rPr lang="en-US" sz="6600" dirty="0"/>
             </a:br>
@@ -8791,7 +9328,7 @@
 </p:sld>
 </file>
 
-<file path=ppt/slides/slide14.xml><?xml version="1.0" encoding="utf-8"?>
+<file path=ppt/slides/slide15.xml><?xml version="1.0" encoding="utf-8"?>
 <p:sld xmlns:a="http://schemas.openxmlformats.org/drawingml/2006/main" xmlns:r="http://schemas.openxmlformats.org/officeDocument/2006/relationships" xmlns:p="http://schemas.openxmlformats.org/presentationml/2006/main">
   <p:cSld>
     <p:spTree>
@@ -9469,7 +10006,7 @@
 </p:sld>
 </file>
 
-<file path=ppt/slides/slide15.xml><?xml version="1.0" encoding="utf-8"?>
+<file path=ppt/slides/slide16.xml><?xml version="1.0" encoding="utf-8"?>
 <p:sld xmlns:a="http://schemas.openxmlformats.org/drawingml/2006/main" xmlns:r="http://schemas.openxmlformats.org/officeDocument/2006/relationships" xmlns:p="http://schemas.openxmlformats.org/presentationml/2006/main">
   <p:cSld>
     <p:spTree>
@@ -10362,7 +10899,7 @@
 </p:sld>
 </file>
 
-<file path=ppt/slides/slide16.xml><?xml version="1.0" encoding="utf-8"?>
+<file path=ppt/slides/slide17.xml><?xml version="1.0" encoding="utf-8"?>
 <p:sld xmlns:a="http://schemas.openxmlformats.org/drawingml/2006/main" xmlns:r="http://schemas.openxmlformats.org/officeDocument/2006/relationships" xmlns:p="http://schemas.openxmlformats.org/presentationml/2006/main">
   <p:cSld>
     <p:spTree>
@@ -11384,221 +11921,6 @@
 </p:sld>
 </file>
 
-<file path=ppt/slides/slide17.xml><?xml version="1.0" encoding="utf-8"?>
-<p:sld xmlns:a="http://schemas.openxmlformats.org/drawingml/2006/main" xmlns:r="http://schemas.openxmlformats.org/officeDocument/2006/relationships" xmlns:p="http://schemas.openxmlformats.org/presentationml/2006/main">
-  <p:cSld>
-    <p:spTree>
-      <p:nvGrpSpPr>
-        <p:cNvPr id="1" name=""/>
-        <p:cNvGrpSpPr/>
-        <p:nvPr/>
-      </p:nvGrpSpPr>
-      <p:grpSpPr>
-        <a:xfrm>
-          <a:off x="0" y="0"/>
-          <a:ext cx="0" cy="0"/>
-          <a:chOff x="0" y="0"/>
-          <a:chExt cx="0" cy="0"/>
-        </a:xfrm>
-      </p:grpSpPr>
-      <p:sp>
-        <p:nvSpPr>
-          <p:cNvPr id="3" name="Subtitle 2"/>
-          <p:cNvSpPr>
-            <a:spLocks noGrp="1"/>
-          </p:cNvSpPr>
-          <p:nvPr>
-            <p:ph type="subTitle" idx="1"/>
-          </p:nvPr>
-        </p:nvSpPr>
-        <p:spPr>
-          <a:xfrm>
-            <a:off x="522514" y="935109"/>
-            <a:ext cx="11300518" cy="5642154"/>
-          </a:xfrm>
-        </p:spPr>
-        <p:txBody>
-          <a:bodyPr>
-            <a:noAutofit/>
-          </a:bodyPr>
-          <a:lstStyle/>
-          <a:p>
-            <a:pPr marL="457200" indent="-457200" algn="l">
-              <a:buFont typeface="Arial" panose="020B0604020202020204" pitchFamily="34" charset="0"/>
-              <a:buChar char="•"/>
-            </a:pPr>
-            <a:r>
-              <a:rPr lang="en-US" sz="2800" dirty="0"/>
-              <a:t>Anomaly Detection Algorithm</a:t>
-            </a:r>
-          </a:p>
-          <a:p>
-            <a:pPr lvl="1" algn="l"/>
-            <a:r>
-              <a:rPr lang="en-US" sz="2800" dirty="0"/>
-              <a:t>    -- Identify unusual data points</a:t>
-            </a:r>
-          </a:p>
-          <a:p>
-            <a:pPr marL="1371600" lvl="2" indent="-457200" algn="l">
-              <a:buFont typeface="Courier New" panose="02070309020205020404" pitchFamily="49" charset="0"/>
-              <a:buChar char="o"/>
-            </a:pPr>
-            <a:r>
-              <a:rPr lang="en-US" sz="2800" dirty="0"/>
-              <a:t>Is there any fraud in this transactions</a:t>
-            </a:r>
-          </a:p>
-          <a:p>
-            <a:pPr marL="1371600" lvl="2" indent="-457200" algn="l">
-              <a:buFont typeface="Courier New" panose="02070309020205020404" pitchFamily="49" charset="0"/>
-              <a:buChar char="o"/>
-            </a:pPr>
-            <a:r>
-              <a:rPr lang="en-US" sz="2800" dirty="0"/>
-              <a:t>Is someone trying to hack our network</a:t>
-            </a:r>
-          </a:p>
-          <a:p>
-            <a:pPr marL="457200" indent="-457200" algn="l">
-              <a:buFont typeface="Arial" panose="020B0604020202020204" pitchFamily="34" charset="0"/>
-              <a:buChar char="•"/>
-            </a:pPr>
-            <a:r>
-              <a:rPr lang="en-US" sz="2800" dirty="0"/>
-              <a:t>Clustering Algorithm</a:t>
-            </a:r>
-          </a:p>
-          <a:p>
-            <a:pPr algn="l"/>
-            <a:r>
-              <a:rPr lang="en-US" sz="2800" dirty="0"/>
-              <a:t>	-- Group data based on some condition</a:t>
-            </a:r>
-          </a:p>
-          <a:p>
-            <a:pPr marL="1485900" lvl="2" indent="-571500" algn="l">
-              <a:buFont typeface="Courier New" panose="02070309020205020404" pitchFamily="49" charset="0"/>
-              <a:buChar char="o"/>
-            </a:pPr>
-            <a:r>
-              <a:rPr lang="en-US" sz="2800" dirty="0"/>
-              <a:t>Which type of house lies in this segment?</a:t>
-            </a:r>
-          </a:p>
-          <a:p>
-            <a:pPr marL="1485900" lvl="2" indent="-571500" algn="l">
-              <a:buFont typeface="Courier New" panose="02070309020205020404" pitchFamily="49" charset="0"/>
-              <a:buChar char="o"/>
-            </a:pPr>
-            <a:r>
-              <a:rPr lang="en-US" sz="2800" dirty="0"/>
-              <a:t>What type of customer buys this product?</a:t>
-            </a:r>
-          </a:p>
-          <a:p>
-            <a:pPr marL="457200" indent="-457200" algn="l">
-              <a:buFont typeface="Arial" panose="020B0604020202020204" pitchFamily="34" charset="0"/>
-              <a:buChar char="•"/>
-            </a:pPr>
-            <a:r>
-              <a:rPr lang="en-US" sz="2800" dirty="0"/>
-              <a:t>Regression Algorithm</a:t>
-            </a:r>
-          </a:p>
-          <a:p>
-            <a:pPr algn="l"/>
-            <a:r>
-              <a:rPr lang="en-US" sz="2800" dirty="0"/>
-              <a:t>	-- Data itself is predicted</a:t>
-            </a:r>
-          </a:p>
-          <a:p>
-            <a:pPr marL="1600200" lvl="2" indent="-685800" algn="l">
-              <a:buFont typeface="Courier New" panose="02070309020205020404" pitchFamily="49" charset="0"/>
-              <a:buChar char="o"/>
-            </a:pPr>
-            <a:r>
-              <a:rPr lang="en-US" sz="2800" dirty="0"/>
-              <a:t>what is the market value of this house?</a:t>
-            </a:r>
-          </a:p>
-          <a:p>
-            <a:pPr marL="1600200" lvl="2" indent="-685800" algn="l">
-              <a:buFont typeface="Courier New" panose="02070309020205020404" pitchFamily="49" charset="0"/>
-              <a:buChar char="o"/>
-            </a:pPr>
-            <a:r>
-              <a:rPr lang="en-US" sz="2800" dirty="0"/>
-              <a:t>Is it going to rain tomorrow?</a:t>
-            </a:r>
-          </a:p>
-          <a:p>
-            <a:pPr algn="l"/>
-            <a:endParaRPr lang="en-US" sz="4600" dirty="0"/>
-          </a:p>
-          <a:p>
-            <a:pPr algn="l"/>
-            <a:endParaRPr lang="en-US" sz="4600" dirty="0"/>
-          </a:p>
-          <a:p>
-            <a:pPr algn="l"/>
-            <a:endParaRPr lang="en-US" sz="4600" dirty="0"/>
-          </a:p>
-          <a:p>
-            <a:pPr algn="l"/>
-            <a:r>
-              <a:rPr lang="en-US" sz="6200" dirty="0"/>
-              <a:t>	</a:t>
-            </a:r>
-          </a:p>
-        </p:txBody>
-      </p:sp>
-      <p:sp>
-        <p:nvSpPr>
-          <p:cNvPr id="4" name="TextBox 3"/>
-          <p:cNvSpPr txBox="1"/>
-          <p:nvPr/>
-        </p:nvSpPr>
-        <p:spPr>
-          <a:xfrm>
-            <a:off x="522514" y="217714"/>
-            <a:ext cx="10968760" cy="861774"/>
-          </a:xfrm>
-          <a:prstGeom prst="rect">
-            <a:avLst/>
-          </a:prstGeom>
-          <a:noFill/>
-        </p:spPr>
-        <p:txBody>
-          <a:bodyPr wrap="square" rtlCol="0">
-            <a:spAutoFit/>
-          </a:bodyPr>
-          <a:lstStyle/>
-          <a:p>
-            <a:r>
-              <a:rPr lang="en-US" sz="3200" dirty="0"/>
-              <a:t>Class-1:Classification of Algorithm</a:t>
-            </a:r>
-          </a:p>
-          <a:p>
-            <a:endParaRPr lang="en-US" dirty="0"/>
-          </a:p>
-        </p:txBody>
-      </p:sp>
-    </p:spTree>
-    <p:extLst>
-      <p:ext uri="{BB962C8B-B14F-4D97-AF65-F5344CB8AC3E}">
-        <p14:creationId xmlns:p14="http://schemas.microsoft.com/office/powerpoint/2010/main" val="338597293"/>
-      </p:ext>
-    </p:extLst>
-  </p:cSld>
-  <p:clrMapOvr>
-    <a:masterClrMapping/>
-  </p:clrMapOvr>
-</p:sld>
-</file>
-
 <file path=ppt/slides/slide18.xml><?xml version="1.0" encoding="utf-8"?>
 <p:sld xmlns:a="http://schemas.openxmlformats.org/drawingml/2006/main" xmlns:r="http://schemas.openxmlformats.org/officeDocument/2006/relationships" xmlns:p="http://schemas.openxmlformats.org/presentationml/2006/main">
   <p:cSld>
@@ -11628,38 +11950,157 @@
         </p:nvSpPr>
         <p:spPr>
           <a:xfrm>
-            <a:off x="1166948" y="815294"/>
-            <a:ext cx="10375478" cy="5498419"/>
+            <a:off x="522514" y="935109"/>
+            <a:ext cx="11300518" cy="5642154"/>
           </a:xfrm>
         </p:spPr>
         <p:txBody>
           <a:bodyPr>
-            <a:normAutofit/>
+            <a:noAutofit/>
           </a:bodyPr>
           <a:lstStyle/>
           <a:p>
+            <a:pPr marL="457200" indent="-457200" algn="l">
+              <a:buFont typeface="Arial" panose="020B0604020202020204" pitchFamily="34" charset="0"/>
+              <a:buChar char="•"/>
+            </a:pPr>
+            <a:r>
+              <a:rPr lang="en-US" sz="2800" dirty="0"/>
+              <a:t>Anomaly Detection Algorithm</a:t>
+            </a:r>
+          </a:p>
+          <a:p>
+            <a:pPr lvl="1" algn="l"/>
+            <a:r>
+              <a:rPr lang="en-US" sz="2800" dirty="0"/>
+              <a:t>    -- Identify unusual data points</a:t>
+            </a:r>
+          </a:p>
+          <a:p>
+            <a:pPr marL="1371600" lvl="2" indent="-457200" algn="l">
+              <a:buFont typeface="Courier New" panose="02070309020205020404" pitchFamily="49" charset="0"/>
+              <a:buChar char="o"/>
+            </a:pPr>
+            <a:r>
+              <a:rPr lang="en-US" sz="2800" dirty="0"/>
+              <a:t>Is there any fraud in this transactions</a:t>
+            </a:r>
+          </a:p>
+          <a:p>
+            <a:pPr marL="1371600" lvl="2" indent="-457200" algn="l">
+              <a:buFont typeface="Courier New" panose="02070309020205020404" pitchFamily="49" charset="0"/>
+              <a:buChar char="o"/>
+            </a:pPr>
+            <a:r>
+              <a:rPr lang="en-US" sz="2800" dirty="0"/>
+              <a:t>Is someone trying to hack our network</a:t>
+            </a:r>
+          </a:p>
+          <a:p>
+            <a:pPr marL="457200" indent="-457200" algn="l">
+              <a:buFont typeface="Arial" panose="020B0604020202020204" pitchFamily="34" charset="0"/>
+              <a:buChar char="•"/>
+            </a:pPr>
+            <a:r>
+              <a:rPr lang="en-US" sz="2800" dirty="0"/>
+              <a:t>Clustering Algorithm</a:t>
+            </a:r>
+          </a:p>
+          <a:p>
             <a:pPr algn="l"/>
             <a:r>
-              <a:rPr lang="en-US" sz="3600" dirty="0"/>
-              <a:t>Demo Iris</a:t>
+              <a:rPr lang="en-US" sz="2800" dirty="0"/>
+              <a:t>	-- Group data based on some condition</a:t>
+            </a:r>
+          </a:p>
+          <a:p>
+            <a:pPr marL="1485900" lvl="2" indent="-571500" algn="l">
+              <a:buFont typeface="Courier New" panose="02070309020205020404" pitchFamily="49" charset="0"/>
+              <a:buChar char="o"/>
+            </a:pPr>
+            <a:r>
+              <a:rPr lang="en-US" sz="2800" dirty="0"/>
+              <a:t>Which type of house lies in this segment?</a:t>
+            </a:r>
+          </a:p>
+          <a:p>
+            <a:pPr marL="1485900" lvl="2" indent="-571500" algn="l">
+              <a:buFont typeface="Courier New" panose="02070309020205020404" pitchFamily="49" charset="0"/>
+              <a:buChar char="o"/>
+            </a:pPr>
+            <a:r>
+              <a:rPr lang="en-US" sz="2800" dirty="0"/>
+              <a:t>What type of customer buys this product?</a:t>
+            </a:r>
+          </a:p>
+          <a:p>
+            <a:pPr marL="457200" indent="-457200" algn="l">
+              <a:buFont typeface="Arial" panose="020B0604020202020204" pitchFamily="34" charset="0"/>
+              <a:buChar char="•"/>
+            </a:pPr>
+            <a:r>
+              <a:rPr lang="en-US" sz="2800" dirty="0"/>
+              <a:t>Regression Algorithm</a:t>
             </a:r>
           </a:p>
           <a:p>
             <a:pPr algn="l"/>
-            <a:endParaRPr lang="en-US" sz="5800" dirty="0"/>
-          </a:p>
-        </p:txBody>
-      </p:sp>
-      <p:sp>
-        <p:nvSpPr>
-          <p:cNvPr id="5" name="TextBox 4"/>
+            <a:r>
+              <a:rPr lang="en-US" sz="2800" dirty="0"/>
+              <a:t>	-- Data itself is predicted</a:t>
+            </a:r>
+          </a:p>
+          <a:p>
+            <a:pPr marL="1600200" lvl="2" indent="-685800" algn="l">
+              <a:buFont typeface="Courier New" panose="02070309020205020404" pitchFamily="49" charset="0"/>
+              <a:buChar char="o"/>
+            </a:pPr>
+            <a:r>
+              <a:rPr lang="en-US" sz="2800" dirty="0"/>
+              <a:t>what is the market value of this house?</a:t>
+            </a:r>
+          </a:p>
+          <a:p>
+            <a:pPr marL="1600200" lvl="2" indent="-685800" algn="l">
+              <a:buFont typeface="Courier New" panose="02070309020205020404" pitchFamily="49" charset="0"/>
+              <a:buChar char="o"/>
+            </a:pPr>
+            <a:r>
+              <a:rPr lang="en-US" sz="2800" dirty="0"/>
+              <a:t>Is it going to rain tomorrow?</a:t>
+            </a:r>
+          </a:p>
+          <a:p>
+            <a:pPr algn="l"/>
+            <a:endParaRPr lang="en-US" sz="4600" dirty="0"/>
+          </a:p>
+          <a:p>
+            <a:pPr algn="l"/>
+            <a:endParaRPr lang="en-US" sz="4600" dirty="0"/>
+          </a:p>
+          <a:p>
+            <a:pPr algn="l"/>
+            <a:endParaRPr lang="en-US" sz="4600" dirty="0"/>
+          </a:p>
+          <a:p>
+            <a:pPr algn="l"/>
+            <a:r>
+              <a:rPr lang="en-US" sz="6200" dirty="0"/>
+              <a:t>	</a:t>
+            </a:r>
+          </a:p>
+        </p:txBody>
+      </p:sp>
+      <p:sp>
+        <p:nvSpPr>
+          <p:cNvPr id="4" name="TextBox 3"/>
           <p:cNvSpPr txBox="1"/>
           <p:nvPr/>
         </p:nvSpPr>
         <p:spPr>
           <a:xfrm>
-            <a:off x="254568" y="147547"/>
-            <a:ext cx="10968760" cy="584775"/>
+            <a:off x="522514" y="217714"/>
+            <a:ext cx="10968760" cy="861774"/>
           </a:xfrm>
           <a:prstGeom prst="rect">
             <a:avLst/>
@@ -11674,8 +12115,10 @@
           <a:p>
             <a:r>
               <a:rPr lang="en-US" sz="3200" dirty="0"/>
-              <a:t>Class-1: Demo Iris</a:t>
-            </a:r>
+              <a:t>Class-1:Classification of Algorithm</a:t>
+            </a:r>
+          </a:p>
+          <a:p>
             <a:endParaRPr lang="en-US" dirty="0"/>
           </a:p>
         </p:txBody>
@@ -11683,7 +12126,7 @@
     </p:spTree>
     <p:extLst>
       <p:ext uri="{BB962C8B-B14F-4D97-AF65-F5344CB8AC3E}">
-        <p14:creationId xmlns:p14="http://schemas.microsoft.com/office/powerpoint/2010/main" val="2022383387"/>
+        <p14:creationId xmlns:p14="http://schemas.microsoft.com/office/powerpoint/2010/main" val="338597293"/>
       </p:ext>
     </p:extLst>
   </p:cSld>
@@ -11728,99 +12171,14 @@
         </p:spPr>
         <p:txBody>
           <a:bodyPr>
-            <a:normAutofit fontScale="70000" lnSpcReduction="20000"/>
+            <a:normAutofit/>
           </a:bodyPr>
           <a:lstStyle/>
           <a:p>
             <a:pPr algn="l"/>
             <a:r>
               <a:rPr lang="en-US" sz="3600" dirty="0"/>
-              <a:t>What is Data</a:t>
-            </a:r>
-          </a:p>
-          <a:p>
-            <a:pPr algn="l"/>
-            <a:r>
-              <a:rPr lang="en-US" sz="3600" dirty="0"/>
-              <a:t>	</a:t>
-            </a:r>
-            <a:r>
-              <a:rPr lang="en-US" sz="2000" i="1" dirty="0"/>
-              <a:t>“Data refers to facts and statistics collected together for reference or analysis”</a:t>
-            </a:r>
-          </a:p>
-          <a:p>
-            <a:pPr algn="l"/>
-            <a:endParaRPr lang="en-US" sz="3600" dirty="0"/>
-          </a:p>
-          <a:p>
-            <a:pPr algn="l"/>
-            <a:r>
-              <a:rPr lang="en-US" sz="3600" dirty="0"/>
-              <a:t>Categories of Data</a:t>
-            </a:r>
-          </a:p>
-          <a:p>
-            <a:pPr algn="l"/>
-            <a:r>
-              <a:rPr lang="en-US" sz="3600" dirty="0"/>
-              <a:t>	Qualitative Data </a:t>
-            </a:r>
-          </a:p>
-          <a:p>
-            <a:pPr algn="l"/>
-            <a:r>
-              <a:rPr lang="en-US" sz="3600" dirty="0"/>
-              <a:t>		Nominal Data (Scalar) vs. Ordinal Data (Vector)</a:t>
-            </a:r>
-          </a:p>
-          <a:p>
-            <a:pPr algn="l"/>
-            <a:r>
-              <a:rPr lang="en-US" sz="3600" dirty="0"/>
-              <a:t>	Quantitative Data</a:t>
-            </a:r>
-          </a:p>
-          <a:p>
-            <a:pPr algn="l"/>
-            <a:r>
-              <a:rPr lang="en-US" sz="3600" dirty="0"/>
-              <a:t>		Discrete Data vs. Continuous Data	</a:t>
-            </a:r>
-          </a:p>
-          <a:p>
-            <a:pPr algn="l"/>
-            <a:r>
-              <a:rPr lang="en-US" sz="3600" dirty="0"/>
-              <a:t>What is Statistics</a:t>
-            </a:r>
-          </a:p>
-          <a:p>
-            <a:pPr algn="l"/>
-            <a:r>
-              <a:rPr lang="en-US" sz="3600" dirty="0"/>
-              <a:t>Basic Terminologies in Statistics</a:t>
-            </a:r>
-          </a:p>
-          <a:p>
-            <a:pPr algn="l"/>
-            <a:r>
-              <a:rPr lang="en-US" sz="3600" dirty="0"/>
-              <a:t>	Measure of Central tendency</a:t>
-            </a:r>
-          </a:p>
-          <a:p>
-            <a:pPr algn="l"/>
-            <a:r>
-              <a:rPr lang="en-US" sz="3600" dirty="0"/>
-              <a:t>	Measure of Variability (spread) </a:t>
-            </a:r>
-          </a:p>
-          <a:p>
-            <a:pPr algn="l"/>
-            <a:r>
-              <a:rPr lang="en-US" sz="3600" dirty="0"/>
-              <a:t>	Maximum, Average, Minimum, …</a:t>
+              <a:t>Demo Iris</a:t>
             </a:r>
           </a:p>
           <a:p>
@@ -11838,7 +12196,7 @@
         <p:spPr>
           <a:xfrm>
             <a:off x="254568" y="147547"/>
-            <a:ext cx="10968760" cy="861774"/>
+            <a:ext cx="10968760" cy="584775"/>
           </a:xfrm>
           <a:prstGeom prst="rect">
             <a:avLst/>
@@ -11853,10 +12211,8 @@
           <a:p>
             <a:r>
               <a:rPr lang="en-US" sz="3200" dirty="0"/>
-              <a:t>Class-2: Statistics &amp; Probability for ML - Intro</a:t>
-            </a:r>
-          </a:p>
-          <a:p>
+              <a:t>Class-1: Demo Iris</a:t>
+            </a:r>
             <a:endParaRPr lang="en-US" dirty="0"/>
           </a:p>
         </p:txBody>
@@ -11864,7 +12220,7 @@
     </p:spTree>
     <p:extLst>
       <p:ext uri="{BB962C8B-B14F-4D97-AF65-F5344CB8AC3E}">
-        <p14:creationId xmlns:p14="http://schemas.microsoft.com/office/powerpoint/2010/main" val="2516377397"/>
+        <p14:creationId xmlns:p14="http://schemas.microsoft.com/office/powerpoint/2010/main" val="2022383387"/>
       </p:ext>
     </p:extLst>
   </p:cSld>
@@ -11877,14 +12233,6 @@
 <file path=ppt/slides/slide2.xml><?xml version="1.0" encoding="utf-8"?>
 <p:sld xmlns:a="http://schemas.openxmlformats.org/drawingml/2006/main" xmlns:r="http://schemas.openxmlformats.org/officeDocument/2006/relationships" xmlns:p="http://schemas.openxmlformats.org/presentationml/2006/main">
   <p:cSld>
-    <p:bg>
-      <p:bgPr>
-        <a:solidFill>
-          <a:schemeClr val="bg1"/>
-        </a:solidFill>
-        <a:effectLst/>
-      </p:bgPr>
-    </p:bg>
     <p:spTree>
       <p:nvGrpSpPr>
         <p:cNvPr id="1" name=""/>
@@ -11901,68 +12249,13 @@
       </p:grpSpPr>
       <p:sp>
         <p:nvSpPr>
-          <p:cNvPr id="4" name="TextBox 3"/>
-          <p:cNvSpPr txBox="1"/>
-          <p:nvPr/>
-        </p:nvSpPr>
-        <p:spPr>
-          <a:xfrm>
-            <a:off x="648929" y="629266"/>
-            <a:ext cx="3651467" cy="1676603"/>
-          </a:xfrm>
-          <a:prstGeom prst="rect">
-            <a:avLst/>
-          </a:prstGeom>
-        </p:spPr>
-        <p:txBody>
-          <a:bodyPr vert="horz" lIns="91440" tIns="45720" rIns="91440" bIns="45720" rtlCol="0" anchor="ctr">
-            <a:normAutofit/>
-          </a:bodyPr>
-          <a:lstStyle/>
-          <a:p>
-            <a:pPr>
-              <a:lnSpc>
-                <a:spcPct val="90000"/>
-              </a:lnSpc>
-              <a:spcBef>
-                <a:spcPct val="0"/>
-              </a:spcBef>
-              <a:spcAft>
-                <a:spcPts val="600"/>
-              </a:spcAft>
-            </a:pPr>
-            <a:r>
-              <a:rPr lang="en-US" sz="3700" dirty="0">
-                <a:latin typeface="+mj-lt"/>
-                <a:ea typeface="+mj-ea"/>
-                <a:cs typeface="+mj-cs"/>
-              </a:rPr>
-              <a:t>Class-1: AI vs ML vs Deep Learning</a:t>
-            </a:r>
-          </a:p>
-          <a:p>
-            <a:pPr>
-              <a:lnSpc>
-                <a:spcPct val="90000"/>
-              </a:lnSpc>
-              <a:spcBef>
-                <a:spcPct val="0"/>
-              </a:spcBef>
-              <a:spcAft>
-                <a:spcPts val="600"/>
-              </a:spcAft>
-            </a:pPr>
-            <a:endParaRPr lang="en-US" sz="3700" dirty="0">
-              <a:latin typeface="+mj-lt"/>
-              <a:ea typeface="+mj-ea"/>
-              <a:cs typeface="+mj-cs"/>
-            </a:endParaRPr>
-          </a:p>
-        </p:txBody>
-      </p:sp>
-      <p:sp>
-        <p:nvSpPr>
-          <p:cNvPr id="3" name="Subtitle 2"/>
+          <p:cNvPr id="5" name="Subtitle 4">
+            <a:extLst>
+              <a:ext uri="{FF2B5EF4-FFF2-40B4-BE49-F238E27FC236}">
+                <a16:creationId xmlns:a16="http://schemas.microsoft.com/office/drawing/2014/main" id="{3956E86E-30CF-45A6-BB20-CCDE1F98460E}"/>
+              </a:ext>
+            </a:extLst>
+          </p:cNvPr>
           <p:cNvSpPr>
             <a:spLocks noGrp="1"/>
           </p:cNvSpPr>
@@ -11972,122 +12265,24 @@
         </p:nvSpPr>
         <p:spPr>
           <a:xfrm>
-            <a:off x="655067" y="3508647"/>
-            <a:ext cx="5299383" cy="3107305"/>
-          </a:xfrm>
-        </p:spPr>
-        <p:txBody>
-          <a:bodyPr vert="horz" lIns="91440" tIns="45720" rIns="91440" bIns="45720" rtlCol="0">
-            <a:normAutofit/>
-          </a:bodyPr>
+            <a:off x="1524000" y="3602038"/>
+            <a:ext cx="9144000" cy="1655762"/>
+          </a:xfrm>
+        </p:spPr>
+        <p:txBody>
+          <a:bodyPr/>
           <a:lstStyle/>
           <a:p>
-            <a:pPr algn="l"/>
-            <a:r>
-              <a:rPr lang="en-US" sz="1800" dirty="0"/>
-              <a:t>1950s-1970s - AI</a:t>
-            </a:r>
-          </a:p>
-          <a:p>
-            <a:pPr indent="-228600" algn="l">
-              <a:buFont typeface="Arial" panose="020B0604020202020204" pitchFamily="34" charset="0"/>
-              <a:buChar char="•"/>
-            </a:pPr>
-            <a:r>
-              <a:rPr lang="en-US" sz="1800" dirty="0"/>
-              <a:t>Example of AI (</a:t>
-            </a:r>
-            <a:r>
-              <a:rPr lang="en-US" sz="1800" b="1" dirty="0"/>
-              <a:t>Game Play</a:t>
-            </a:r>
-            <a:r>
-              <a:rPr lang="en-US" sz="1800" dirty="0"/>
-              <a:t>)</a:t>
-            </a:r>
-          </a:p>
-          <a:p>
-            <a:pPr algn="l"/>
-            <a:r>
-              <a:rPr lang="en-US" sz="1800" dirty="0"/>
-              <a:t>1980s – 1990s - ML</a:t>
-            </a:r>
-          </a:p>
-          <a:p>
-            <a:pPr indent="-228600" algn="l">
-              <a:buFont typeface="Arial" panose="020B0604020202020204" pitchFamily="34" charset="0"/>
-              <a:buChar char="•"/>
-            </a:pPr>
-            <a:r>
-              <a:rPr lang="en-US" sz="1800" dirty="0"/>
-              <a:t>Example of ML (</a:t>
-            </a:r>
-            <a:r>
-              <a:rPr lang="en-US" sz="1800" b="1" dirty="0"/>
-              <a:t>“Expert” System</a:t>
-            </a:r>
-            <a:r>
-              <a:rPr lang="en-US" sz="1800" dirty="0"/>
-              <a:t>)</a:t>
-            </a:r>
-          </a:p>
-          <a:p>
-            <a:pPr algn="l"/>
-            <a:r>
-              <a:rPr lang="en-US" sz="1800" dirty="0"/>
-              <a:t>2000s -2010s – DL - ANN</a:t>
-            </a:r>
-          </a:p>
-          <a:p>
-            <a:pPr indent="-228600" algn="l">
-              <a:buFont typeface="Arial" panose="020B0604020202020204" pitchFamily="34" charset="0"/>
-              <a:buChar char="•"/>
-            </a:pPr>
-            <a:r>
-              <a:rPr lang="en-US" sz="1800" dirty="0"/>
-              <a:t>Artificial/Deep </a:t>
-            </a:r>
-            <a:r>
-              <a:rPr lang="en-US" sz="1800" b="1" dirty="0"/>
-              <a:t>Neural Network </a:t>
-            </a:r>
-          </a:p>
-          <a:p>
-            <a:pPr indent="-228600" algn="l">
-              <a:buFont typeface="Arial" panose="020B0604020202020204" pitchFamily="34" charset="0"/>
-              <a:buChar char="•"/>
-            </a:pPr>
-            <a:r>
-              <a:rPr lang="en-US" sz="1800" dirty="0"/>
-              <a:t>Example of Deep Learning</a:t>
-            </a:r>
-          </a:p>
-          <a:p>
-            <a:pPr algn="l"/>
-            <a:r>
-              <a:rPr lang="en-US" sz="1800" dirty="0"/>
-              <a:t>2020s … (challenges facing)</a:t>
-            </a:r>
-          </a:p>
-          <a:p>
-            <a:pPr algn="l"/>
-            <a:endParaRPr lang="en-US" sz="1800" dirty="0"/>
-          </a:p>
-          <a:p>
-            <a:pPr indent="-228600" algn="l">
-              <a:buFont typeface="Arial" panose="020B0604020202020204" pitchFamily="34" charset="0"/>
-              <a:buChar char="•"/>
-            </a:pPr>
-            <a:endParaRPr lang="en-US" sz="1800" dirty="0"/>
+            <a:endParaRPr lang="en-US"/>
           </a:p>
         </p:txBody>
       </p:sp>
       <p:pic>
         <p:nvPicPr>
-          <p:cNvPr id="2" name="Picture 1">
+          <p:cNvPr id="6" name="Picture 5">
             <a:extLst>
               <a:ext uri="{FF2B5EF4-FFF2-40B4-BE49-F238E27FC236}">
-                <a16:creationId xmlns:a16="http://schemas.microsoft.com/office/drawing/2014/main" id="{BA5AF337-9A07-4F1F-B422-F537DB28C43D}"/>
+                <a16:creationId xmlns:a16="http://schemas.microsoft.com/office/drawing/2014/main" id="{0FD10501-A78B-4675-A1CA-259C04828DE1}"/>
               </a:ext>
             </a:extLst>
           </p:cNvPr>
@@ -12096,309 +12291,39 @@
           </p:cNvPicPr>
           <p:nvPr/>
         </p:nvPicPr>
-        <p:blipFill rotWithShape="1">
+        <p:blipFill>
           <a:blip r:embed="rId3"/>
-          <a:srcRect l="3932" r="3557" b="2"/>
-          <a:stretch/>
+          <a:stretch>
+            <a:fillRect/>
+          </a:stretch>
         </p:blipFill>
         <p:spPr>
           <a:xfrm>
-            <a:off x="6237551" y="793940"/>
-            <a:ext cx="5892776" cy="5429416"/>
+            <a:off x="0" y="123446"/>
+            <a:ext cx="12192000" cy="6611107"/>
           </a:xfrm>
           <a:prstGeom prst="rect">
             <a:avLst/>
           </a:prstGeom>
-          <a:effectLst/>
         </p:spPr>
       </p:pic>
-      <p:sp>
-        <p:nvSpPr>
-          <p:cNvPr id="5" name="Subtitle 2">
-            <a:extLst>
-              <a:ext uri="{FF2B5EF4-FFF2-40B4-BE49-F238E27FC236}">
-                <a16:creationId xmlns:a16="http://schemas.microsoft.com/office/drawing/2014/main" id="{D9929E9D-FEC5-4EAC-9822-EC63839F7969}"/>
-              </a:ext>
-            </a:extLst>
-          </p:cNvPr>
-          <p:cNvSpPr txBox="1">
-            <a:spLocks/>
-          </p:cNvSpPr>
-          <p:nvPr/>
-        </p:nvSpPr>
-        <p:spPr>
-          <a:xfrm>
-            <a:off x="648929" y="1790698"/>
-            <a:ext cx="5110705" cy="1866539"/>
-          </a:xfrm>
-          <a:prstGeom prst="rect">
-            <a:avLst/>
-          </a:prstGeom>
-        </p:spPr>
-        <p:txBody>
-          <a:bodyPr vert="horz" lIns="91440" tIns="45720" rIns="91440" bIns="45720" rtlCol="0">
-            <a:normAutofit/>
-          </a:bodyPr>
-          <a:lstStyle>
-            <a:lvl1pPr marL="0" indent="0" algn="ctr" defTabSz="914400" rtl="0" eaLnBrk="1" latinLnBrk="0" hangingPunct="1">
-              <a:lnSpc>
-                <a:spcPct val="90000"/>
-              </a:lnSpc>
-              <a:spcBef>
-                <a:spcPts val="1000"/>
-              </a:spcBef>
-              <a:buFont typeface="Arial" panose="020B0604020202020204" pitchFamily="34" charset="0"/>
-              <a:buNone/>
-              <a:defRPr sz="2400" kern="1200">
-                <a:solidFill>
-                  <a:schemeClr val="tx1"/>
-                </a:solidFill>
-                <a:latin typeface="+mn-lt"/>
-                <a:ea typeface="+mn-ea"/>
-                <a:cs typeface="+mn-cs"/>
-              </a:defRPr>
-            </a:lvl1pPr>
-            <a:lvl2pPr marL="457200" indent="0" algn="ctr" defTabSz="914400" rtl="0" eaLnBrk="1" latinLnBrk="0" hangingPunct="1">
-              <a:lnSpc>
-                <a:spcPct val="90000"/>
-              </a:lnSpc>
-              <a:spcBef>
-                <a:spcPts val="500"/>
-              </a:spcBef>
-              <a:buFont typeface="Arial" panose="020B0604020202020204" pitchFamily="34" charset="0"/>
-              <a:buNone/>
-              <a:defRPr sz="2000" kern="1200">
-                <a:solidFill>
-                  <a:schemeClr val="tx1"/>
-                </a:solidFill>
-                <a:latin typeface="+mn-lt"/>
-                <a:ea typeface="+mn-ea"/>
-                <a:cs typeface="+mn-cs"/>
-              </a:defRPr>
-            </a:lvl2pPr>
-            <a:lvl3pPr marL="914400" indent="0" algn="ctr" defTabSz="914400" rtl="0" eaLnBrk="1" latinLnBrk="0" hangingPunct="1">
-              <a:lnSpc>
-                <a:spcPct val="90000"/>
-              </a:lnSpc>
-              <a:spcBef>
-                <a:spcPts val="500"/>
-              </a:spcBef>
-              <a:buFont typeface="Arial" panose="020B0604020202020204" pitchFamily="34" charset="0"/>
-              <a:buNone/>
-              <a:defRPr sz="1800" kern="1200">
-                <a:solidFill>
-                  <a:schemeClr val="tx1"/>
-                </a:solidFill>
-                <a:latin typeface="+mn-lt"/>
-                <a:ea typeface="+mn-ea"/>
-                <a:cs typeface="+mn-cs"/>
-              </a:defRPr>
-            </a:lvl3pPr>
-            <a:lvl4pPr marL="1371600" indent="0" algn="ctr" defTabSz="914400" rtl="0" eaLnBrk="1" latinLnBrk="0" hangingPunct="1">
-              <a:lnSpc>
-                <a:spcPct val="90000"/>
-              </a:lnSpc>
-              <a:spcBef>
-                <a:spcPts val="500"/>
-              </a:spcBef>
-              <a:buFont typeface="Arial" panose="020B0604020202020204" pitchFamily="34" charset="0"/>
-              <a:buNone/>
-              <a:defRPr sz="1600" kern="1200">
-                <a:solidFill>
-                  <a:schemeClr val="tx1"/>
-                </a:solidFill>
-                <a:latin typeface="+mn-lt"/>
-                <a:ea typeface="+mn-ea"/>
-                <a:cs typeface="+mn-cs"/>
-              </a:defRPr>
-            </a:lvl4pPr>
-            <a:lvl5pPr marL="1828800" indent="0" algn="ctr" defTabSz="914400" rtl="0" eaLnBrk="1" latinLnBrk="0" hangingPunct="1">
-              <a:lnSpc>
-                <a:spcPct val="90000"/>
-              </a:lnSpc>
-              <a:spcBef>
-                <a:spcPts val="500"/>
-              </a:spcBef>
-              <a:buFont typeface="Arial" panose="020B0604020202020204" pitchFamily="34" charset="0"/>
-              <a:buNone/>
-              <a:defRPr sz="1600" kern="1200">
-                <a:solidFill>
-                  <a:schemeClr val="tx1"/>
-                </a:solidFill>
-                <a:latin typeface="+mn-lt"/>
-                <a:ea typeface="+mn-ea"/>
-                <a:cs typeface="+mn-cs"/>
-              </a:defRPr>
-            </a:lvl5pPr>
-            <a:lvl6pPr marL="2286000" indent="0" algn="ctr" defTabSz="914400" rtl="0" eaLnBrk="1" latinLnBrk="0" hangingPunct="1">
-              <a:lnSpc>
-                <a:spcPct val="90000"/>
-              </a:lnSpc>
-              <a:spcBef>
-                <a:spcPts val="500"/>
-              </a:spcBef>
-              <a:buFont typeface="Arial" panose="020B0604020202020204" pitchFamily="34" charset="0"/>
-              <a:buNone/>
-              <a:defRPr sz="1600" kern="1200">
-                <a:solidFill>
-                  <a:schemeClr val="tx1"/>
-                </a:solidFill>
-                <a:latin typeface="+mn-lt"/>
-                <a:ea typeface="+mn-ea"/>
-                <a:cs typeface="+mn-cs"/>
-              </a:defRPr>
-            </a:lvl6pPr>
-            <a:lvl7pPr marL="2743200" indent="0" algn="ctr" defTabSz="914400" rtl="0" eaLnBrk="1" latinLnBrk="0" hangingPunct="1">
-              <a:lnSpc>
-                <a:spcPct val="90000"/>
-              </a:lnSpc>
-              <a:spcBef>
-                <a:spcPts val="500"/>
-              </a:spcBef>
-              <a:buFont typeface="Arial" panose="020B0604020202020204" pitchFamily="34" charset="0"/>
-              <a:buNone/>
-              <a:defRPr sz="1600" kern="1200">
-                <a:solidFill>
-                  <a:schemeClr val="tx1"/>
-                </a:solidFill>
-                <a:latin typeface="+mn-lt"/>
-                <a:ea typeface="+mn-ea"/>
-                <a:cs typeface="+mn-cs"/>
-              </a:defRPr>
-            </a:lvl7pPr>
-            <a:lvl8pPr marL="3200400" indent="0" algn="ctr" defTabSz="914400" rtl="0" eaLnBrk="1" latinLnBrk="0" hangingPunct="1">
-              <a:lnSpc>
-                <a:spcPct val="90000"/>
-              </a:lnSpc>
-              <a:spcBef>
-                <a:spcPts val="500"/>
-              </a:spcBef>
-              <a:buFont typeface="Arial" panose="020B0604020202020204" pitchFamily="34" charset="0"/>
-              <a:buNone/>
-              <a:defRPr sz="1600" kern="1200">
-                <a:solidFill>
-                  <a:schemeClr val="tx1"/>
-                </a:solidFill>
-                <a:latin typeface="+mn-lt"/>
-                <a:ea typeface="+mn-ea"/>
-                <a:cs typeface="+mn-cs"/>
-              </a:defRPr>
-            </a:lvl8pPr>
-            <a:lvl9pPr marL="3657600" indent="0" algn="ctr" defTabSz="914400" rtl="0" eaLnBrk="1" latinLnBrk="0" hangingPunct="1">
-              <a:lnSpc>
-                <a:spcPct val="90000"/>
-              </a:lnSpc>
-              <a:spcBef>
-                <a:spcPts val="500"/>
-              </a:spcBef>
-              <a:buFont typeface="Arial" panose="020B0604020202020204" pitchFamily="34" charset="0"/>
-              <a:buNone/>
-              <a:defRPr sz="1600" kern="1200">
-                <a:solidFill>
-                  <a:schemeClr val="tx1"/>
-                </a:solidFill>
-                <a:latin typeface="+mn-lt"/>
-                <a:ea typeface="+mn-ea"/>
-                <a:cs typeface="+mn-cs"/>
-              </a:defRPr>
-            </a:lvl9pPr>
-          </a:lstStyle>
-          <a:p>
-            <a:pPr algn="l"/>
-            <a:r>
-              <a:rPr lang="en-US" sz="1800" dirty="0"/>
-              <a:t>WHAT IS AI?</a:t>
-            </a:r>
-          </a:p>
-          <a:p>
-            <a:pPr algn="l"/>
-            <a:r>
-              <a:rPr lang="en-US" sz="1800" dirty="0"/>
-              <a:t>“</a:t>
-            </a:r>
-            <a:r>
-              <a:rPr lang="en-US" sz="1800" b="1" dirty="0"/>
-              <a:t>Algorithms</a:t>
-            </a:r>
-            <a:r>
-              <a:rPr lang="en-US" sz="1800" dirty="0"/>
-              <a:t> enabled by </a:t>
-            </a:r>
-            <a:r>
-              <a:rPr lang="en-US" sz="1800" b="1" dirty="0"/>
-              <a:t>constraints</a:t>
-            </a:r>
-            <a:r>
-              <a:rPr lang="en-US" sz="1800" dirty="0"/>
-              <a:t> &amp; exposed by </a:t>
-            </a:r>
-            <a:r>
-              <a:rPr lang="en-US" sz="1800" b="1" dirty="0"/>
-              <a:t>representations</a:t>
-            </a:r>
-            <a:r>
-              <a:rPr lang="en-US" sz="1800" dirty="0"/>
-              <a:t> that support </a:t>
-            </a:r>
-            <a:r>
-              <a:rPr lang="en-US" sz="1800" b="1" dirty="0"/>
-              <a:t>models</a:t>
-            </a:r>
-            <a:r>
-              <a:rPr lang="en-US" sz="1800" dirty="0"/>
-              <a:t> targeted at </a:t>
-            </a:r>
-            <a:r>
-              <a:rPr lang="en-US" sz="1800" b="1" dirty="0"/>
-              <a:t>thinking</a:t>
-            </a:r>
-            <a:r>
-              <a:rPr lang="en-US" sz="1800" dirty="0"/>
-              <a:t>, </a:t>
-            </a:r>
-            <a:r>
-              <a:rPr lang="en-US" sz="1800" b="1" dirty="0"/>
-              <a:t>perception</a:t>
-            </a:r>
-            <a:r>
-              <a:rPr lang="en-US" sz="1800" dirty="0"/>
-              <a:t> and </a:t>
-            </a:r>
-            <a:r>
-              <a:rPr lang="en-US" sz="1800" b="1" dirty="0"/>
-              <a:t>action</a:t>
-            </a:r>
-            <a:r>
-              <a:rPr lang="en-US" sz="1800" dirty="0"/>
-              <a:t>.” 	</a:t>
-            </a:r>
-          </a:p>
-          <a:p>
-            <a:pPr algn="r"/>
-            <a:r>
-              <a:rPr lang="en-US" sz="1800" dirty="0"/>
-              <a:t>MIT Prof. Patrick Winston</a:t>
-            </a:r>
-          </a:p>
-          <a:p>
-            <a:pPr indent="-228600" algn="l">
-              <a:buFont typeface="Arial" panose="020B0604020202020204" pitchFamily="34" charset="0"/>
-              <a:buChar char="•"/>
-            </a:pPr>
-            <a:endParaRPr lang="en-US" sz="1800" dirty="0"/>
-          </a:p>
-        </p:txBody>
-      </p:sp>
     </p:spTree>
     <p:extLst>
       <p:ext uri="{BB962C8B-B14F-4D97-AF65-F5344CB8AC3E}">
-        <p14:creationId xmlns:p14="http://schemas.microsoft.com/office/powerpoint/2010/main" val="2618803147"/>
+        <p14:creationId xmlns:p14="http://schemas.microsoft.com/office/powerpoint/2010/main" val="3230676015"/>
       </p:ext>
     </p:extLst>
   </p:cSld>
   <p:clrMapOvr>
     <a:masterClrMapping/>
   </p:clrMapOvr>
+  <p:timing>
+    <p:tnLst>
+      <p:par>
+        <p:cTn id="1" dur="indefinite" restart="never" nodeType="tmRoot"/>
+      </p:par>
+    </p:tnLst>
+  </p:timing>
 </p:sld>
 </file>
 
@@ -12437,14 +12362,75 @@
         </p:spPr>
         <p:txBody>
           <a:bodyPr>
-            <a:normAutofit/>
+            <a:normAutofit fontScale="70000" lnSpcReduction="20000"/>
           </a:bodyPr>
           <a:lstStyle/>
           <a:p>
-            <a:pPr marL="571500" indent="-571500" algn="l">
-              <a:buFont typeface="Arial" panose="020B0604020202020204" pitchFamily="34" charset="0"/>
-              <a:buChar char="•"/>
-            </a:pPr>
+            <a:pPr algn="l"/>
+            <a:r>
+              <a:rPr lang="en-US" sz="3600" dirty="0"/>
+              <a:t>What is Data</a:t>
+            </a:r>
+          </a:p>
+          <a:p>
+            <a:pPr algn="l"/>
+            <a:r>
+              <a:rPr lang="en-US" sz="3600" dirty="0"/>
+              <a:t>	</a:t>
+            </a:r>
+            <a:r>
+              <a:rPr lang="en-US" sz="2000" i="1" dirty="0"/>
+              <a:t>“Data refers to facts and statistics collected together for reference or analysis”</a:t>
+            </a:r>
+          </a:p>
+          <a:p>
+            <a:pPr algn="l"/>
+            <a:endParaRPr lang="en-US" sz="3600" dirty="0"/>
+          </a:p>
+          <a:p>
+            <a:pPr algn="l"/>
+            <a:r>
+              <a:rPr lang="en-US" sz="3600" dirty="0"/>
+              <a:t>Categories of Data</a:t>
+            </a:r>
+          </a:p>
+          <a:p>
+            <a:pPr algn="l"/>
+            <a:r>
+              <a:rPr lang="en-US" sz="3600" dirty="0"/>
+              <a:t>	Qualitative Data </a:t>
+            </a:r>
+          </a:p>
+          <a:p>
+            <a:pPr algn="l"/>
+            <a:r>
+              <a:rPr lang="en-US" sz="3600" dirty="0"/>
+              <a:t>		Nominal Data (Scalar) vs. Ordinal Data (Vector)</a:t>
+            </a:r>
+          </a:p>
+          <a:p>
+            <a:pPr algn="l"/>
+            <a:r>
+              <a:rPr lang="en-US" sz="3600" dirty="0"/>
+              <a:t>	Quantitative Data</a:t>
+            </a:r>
+          </a:p>
+          <a:p>
+            <a:pPr algn="l"/>
+            <a:r>
+              <a:rPr lang="en-US" sz="3600" dirty="0"/>
+              <a:t>		Discrete Data vs. Continuous Data	</a:t>
+            </a:r>
+          </a:p>
+          <a:p>
+            <a:pPr algn="l"/>
+            <a:r>
+              <a:rPr lang="en-US" sz="3600" dirty="0"/>
+              <a:t>What is Statistics</a:t>
+            </a:r>
+          </a:p>
+          <a:p>
+            <a:pPr algn="l"/>
             <a:r>
               <a:rPr lang="en-US" sz="3600" dirty="0"/>
               <a:t>Basic Terminologies in Statistics</a:t>
@@ -12454,51 +12440,26 @@
             <a:pPr algn="l"/>
             <a:r>
               <a:rPr lang="en-US" sz="3600" dirty="0"/>
-              <a:t>	</a:t>
-            </a:r>
-            <a:r>
-              <a:rPr lang="en-US" sz="3400" dirty="0"/>
-              <a:t>Population vs Sample</a:t>
-            </a:r>
+              <a:t>	Measure of Central tendency</a:t>
+            </a:r>
+          </a:p>
+          <a:p>
+            <a:pPr algn="l"/>
             <a:r>
               <a:rPr lang="en-US" sz="3600" dirty="0"/>
-              <a:t>	</a:t>
-            </a:r>
-          </a:p>
-          <a:p>
-            <a:pPr marL="571500" indent="-571500" algn="l">
-              <a:buFont typeface="Arial" panose="020B0604020202020204" pitchFamily="34" charset="0"/>
-              <a:buChar char="•"/>
-            </a:pPr>
+              <a:t>	Measure of Variability (spread) </a:t>
+            </a:r>
+          </a:p>
+          <a:p>
+            <a:pPr algn="l"/>
             <a:r>
               <a:rPr lang="en-US" sz="3600" dirty="0"/>
-              <a:t>Sampling Techniques </a:t>
-            </a:r>
-          </a:p>
-          <a:p>
-            <a:pPr lvl="2" algn="l"/>
-            <a:r>
-              <a:rPr lang="en-US" sz="3400" dirty="0"/>
-              <a:t>Random Sampling </a:t>
-            </a:r>
-          </a:p>
-          <a:p>
-            <a:pPr lvl="2" algn="l"/>
-            <a:r>
-              <a:rPr lang="en-US" sz="3400" dirty="0"/>
-              <a:t>Systematic Sampling </a:t>
-            </a:r>
-          </a:p>
-          <a:p>
-            <a:pPr lvl="2" algn="l"/>
-            <a:r>
-              <a:rPr lang="en-US" sz="3400" dirty="0"/>
-              <a:t>Stratified Sampling </a:t>
+              <a:t>	Maximum, Average, Minimum, …</a:t>
             </a:r>
           </a:p>
           <a:p>
             <a:pPr algn="l"/>
-            <a:endParaRPr lang="en-US" sz="3600" dirty="0"/>
+            <a:endParaRPr lang="en-US" sz="5800" dirty="0"/>
           </a:p>
         </p:txBody>
       </p:sp>
@@ -12526,7 +12487,7 @@
           <a:p>
             <a:r>
               <a:rPr lang="en-US" sz="3200" dirty="0"/>
-              <a:t>Class-2: Statistics &amp; Probability for ML</a:t>
+              <a:t>Class-2: Statistics &amp; Probability for ML - Intro</a:t>
             </a:r>
           </a:p>
           <a:p>
@@ -12537,7 +12498,7 @@
     </p:spTree>
     <p:extLst>
       <p:ext uri="{BB962C8B-B14F-4D97-AF65-F5344CB8AC3E}">
-        <p14:creationId xmlns:p14="http://schemas.microsoft.com/office/powerpoint/2010/main" val="2089964153"/>
+        <p14:creationId xmlns:p14="http://schemas.microsoft.com/office/powerpoint/2010/main" val="2516377397"/>
       </p:ext>
     </p:extLst>
   </p:cSld>
@@ -12576,8 +12537,8 @@
         </p:nvSpPr>
         <p:spPr>
           <a:xfrm>
-            <a:off x="134647" y="935215"/>
-            <a:ext cx="10968760" cy="5498419"/>
+            <a:off x="1166948" y="815294"/>
+            <a:ext cx="10375478" cy="5498419"/>
           </a:xfrm>
         </p:spPr>
         <p:txBody>
@@ -12586,49 +12547,64 @@
           </a:bodyPr>
           <a:lstStyle/>
           <a:p>
-            <a:pPr marL="914400" lvl="1" indent="-457200" algn="l">
+            <a:pPr marL="571500" indent="-571500" algn="l">
               <a:buFont typeface="Arial" panose="020B0604020202020204" pitchFamily="34" charset="0"/>
               <a:buChar char="•"/>
             </a:pPr>
             <a:r>
-              <a:rPr lang="en-US" sz="2800" dirty="0"/>
-              <a:t>Descriptive Statistics</a:t>
-            </a:r>
-          </a:p>
-          <a:p>
-            <a:pPr lvl="1" algn="l">
-              <a:lnSpc>
-                <a:spcPct val="100000"/>
-              </a:lnSpc>
-            </a:pPr>
-            <a:r>
-              <a:rPr lang="en-US" sz="2800" dirty="0"/>
-              <a:t>	Maximum Average Minimum</a:t>
-            </a:r>
-          </a:p>
-          <a:p>
-            <a:pPr marL="914400" lvl="1" indent="-457200" algn="l">
-              <a:lnSpc>
-                <a:spcPct val="100000"/>
-              </a:lnSpc>
+              <a:rPr lang="en-US" sz="3600" dirty="0"/>
+              <a:t>Basic Terminologies in Statistics</a:t>
+            </a:r>
+          </a:p>
+          <a:p>
+            <a:pPr algn="l"/>
+            <a:r>
+              <a:rPr lang="en-US" sz="3600" dirty="0"/>
+              <a:t>	</a:t>
+            </a:r>
+            <a:r>
+              <a:rPr lang="en-US" sz="3400" dirty="0"/>
+              <a:t>Population vs Sample</a:t>
+            </a:r>
+            <a:r>
+              <a:rPr lang="en-US" sz="3600" dirty="0"/>
+              <a:t>	</a:t>
+            </a:r>
+          </a:p>
+          <a:p>
+            <a:pPr marL="571500" indent="-571500" algn="l">
               <a:buFont typeface="Arial" panose="020B0604020202020204" pitchFamily="34" charset="0"/>
               <a:buChar char="•"/>
             </a:pPr>
             <a:r>
-              <a:rPr lang="en-US" sz="2800" dirty="0"/>
-              <a:t>Inferential Statistics</a:t>
-            </a:r>
-          </a:p>
-          <a:p>
-            <a:pPr lvl="1" algn="l">
-              <a:lnSpc>
-                <a:spcPct val="100000"/>
-              </a:lnSpc>
-            </a:pPr>
-            <a:r>
-              <a:rPr lang="en-US" sz="2800" dirty="0"/>
-              <a:t>	Large Medium Small</a:t>
-            </a:r>
+              <a:rPr lang="en-US" sz="3600" dirty="0"/>
+              <a:t>Sampling Techniques </a:t>
+            </a:r>
+          </a:p>
+          <a:p>
+            <a:pPr lvl="2" algn="l"/>
+            <a:r>
+              <a:rPr lang="en-US" sz="3400" dirty="0"/>
+              <a:t>Random Sampling </a:t>
+            </a:r>
+          </a:p>
+          <a:p>
+            <a:pPr lvl="2" algn="l"/>
+            <a:r>
+              <a:rPr lang="en-US" sz="3400" dirty="0"/>
+              <a:t>Systematic Sampling </a:t>
+            </a:r>
+          </a:p>
+          <a:p>
+            <a:pPr lvl="2" algn="l"/>
+            <a:r>
+              <a:rPr lang="en-US" sz="3400" dirty="0"/>
+              <a:t>Stratified Sampling </a:t>
+            </a:r>
+          </a:p>
+          <a:p>
+            <a:pPr algn="l"/>
+            <a:endParaRPr lang="en-US" sz="3600" dirty="0"/>
           </a:p>
         </p:txBody>
       </p:sp>
@@ -12641,7 +12617,7 @@
         <p:spPr>
           <a:xfrm>
             <a:off x="254568" y="147547"/>
-            <a:ext cx="10968760" cy="584775"/>
+            <a:ext cx="10968760" cy="861774"/>
           </a:xfrm>
           <a:prstGeom prst="rect">
             <a:avLst/>
@@ -12656,8 +12632,10 @@
           <a:p>
             <a:r>
               <a:rPr lang="en-US" sz="3200" dirty="0"/>
-              <a:t>Class-2: Types of Statistics</a:t>
-            </a:r>
+              <a:t>Class-2: Statistics &amp; Probability for ML</a:t>
+            </a:r>
+          </a:p>
+          <a:p>
             <a:endParaRPr lang="en-US" dirty="0"/>
           </a:p>
         </p:txBody>
@@ -12665,7 +12643,7 @@
     </p:spTree>
     <p:extLst>
       <p:ext uri="{BB962C8B-B14F-4D97-AF65-F5344CB8AC3E}">
-        <p14:creationId xmlns:p14="http://schemas.microsoft.com/office/powerpoint/2010/main" val="3362844972"/>
+        <p14:creationId xmlns:p14="http://schemas.microsoft.com/office/powerpoint/2010/main" val="2089964153"/>
       </p:ext>
     </p:extLst>
   </p:cSld>
@@ -12715,54 +12693,23 @@
           <a:lstStyle/>
           <a:p>
             <a:pPr marL="914400" lvl="1" indent="-457200" algn="l">
+              <a:buFont typeface="Arial" panose="020B0604020202020204" pitchFamily="34" charset="0"/>
+              <a:buChar char="•"/>
+            </a:pPr>
+            <a:r>
+              <a:rPr lang="en-US" sz="2800" dirty="0"/>
+              <a:t>Descriptive Statistics</a:t>
+            </a:r>
+          </a:p>
+          <a:p>
+            <a:pPr lvl="1" algn="l">
               <a:lnSpc>
                 <a:spcPct val="100000"/>
               </a:lnSpc>
-              <a:buFont typeface="Arial" panose="020B0604020202020204" pitchFamily="34" charset="0"/>
-              <a:buChar char="•"/>
             </a:pPr>
             <a:r>
               <a:rPr lang="en-US" sz="2800" dirty="0"/>
-              <a:t>Measure of Center</a:t>
-            </a:r>
-          </a:p>
-          <a:p>
-            <a:pPr marL="1428750" lvl="2" indent="-514350" algn="l">
-              <a:lnSpc>
-                <a:spcPct val="100000"/>
-              </a:lnSpc>
-              <a:buFont typeface="Courier New" panose="02070309020205020404" pitchFamily="49" charset="0"/>
-              <a:buChar char="o"/>
-            </a:pPr>
-            <a:r>
-              <a:rPr lang="en-US" sz="2600" dirty="0"/>
-              <a:t>Mean, </a:t>
-            </a:r>
-          </a:p>
-          <a:p>
-            <a:pPr marL="1428750" lvl="2" indent="-514350" algn="l">
-              <a:lnSpc>
-                <a:spcPct val="100000"/>
-              </a:lnSpc>
-              <a:buFont typeface="Courier New" panose="02070309020205020404" pitchFamily="49" charset="0"/>
-              <a:buChar char="o"/>
-            </a:pPr>
-            <a:r>
-              <a:rPr lang="en-US" sz="2600" dirty="0"/>
-              <a:t>Median,</a:t>
-            </a:r>
-          </a:p>
-          <a:p>
-            <a:pPr marL="1428750" lvl="2" indent="-514350" algn="l">
-              <a:lnSpc>
-                <a:spcPct val="100000"/>
-              </a:lnSpc>
-              <a:buFont typeface="Courier New" panose="02070309020205020404" pitchFamily="49" charset="0"/>
-              <a:buChar char="o"/>
-            </a:pPr>
-            <a:r>
-              <a:rPr lang="en-US" sz="2600" dirty="0"/>
-              <a:t>Mode (most popular one)</a:t>
+              <a:t>	Maximum Average Minimum</a:t>
             </a:r>
           </a:p>
           <a:p>
@@ -12775,67 +12722,18 @@
             </a:pPr>
             <a:r>
               <a:rPr lang="en-US" sz="2800" dirty="0"/>
-              <a:t>Measures of Spread (Variability)</a:t>
-            </a:r>
-          </a:p>
-          <a:p>
-            <a:pPr marL="1371600" lvl="2" indent="-457200" algn="l">
-              <a:buFont typeface="Courier New" panose="02070309020205020404" pitchFamily="49" charset="0"/>
-              <a:buChar char="o"/>
+              <a:t>Inferential Statistics</a:t>
+            </a:r>
+          </a:p>
+          <a:p>
+            <a:pPr lvl="1" algn="l">
+              <a:lnSpc>
+                <a:spcPct val="100000"/>
+              </a:lnSpc>
             </a:pPr>
             <a:r>
-              <a:rPr lang="en-US" sz="2600" dirty="0"/>
-              <a:t>Range = Max(xi) – Min(xi)</a:t>
-            </a:r>
-          </a:p>
-          <a:p>
-            <a:pPr marL="1371600" lvl="2" indent="-457200" algn="l">
-              <a:buFont typeface="Courier New" panose="02070309020205020404" pitchFamily="49" charset="0"/>
-              <a:buChar char="o"/>
-            </a:pPr>
-            <a:r>
-              <a:rPr lang="en-US" sz="2600" dirty="0"/>
-              <a:t>Inter Quartile Range, </a:t>
-            </a:r>
-          </a:p>
-          <a:p>
-            <a:pPr marL="1371600" lvl="2" indent="-457200" algn="l">
-              <a:buFont typeface="Courier New" panose="02070309020205020404" pitchFamily="49" charset="0"/>
-              <a:buChar char="o"/>
-            </a:pPr>
-            <a:r>
-              <a:rPr lang="en-US" sz="2600" dirty="0"/>
-              <a:t>Variance, </a:t>
-            </a:r>
-          </a:p>
-          <a:p>
-            <a:pPr marL="1371600" lvl="2" indent="-457200" algn="l">
-              <a:buFont typeface="Courier New" panose="02070309020205020404" pitchFamily="49" charset="0"/>
-              <a:buChar char="o"/>
-            </a:pPr>
-            <a:r>
-              <a:rPr lang="en-US" sz="2600" dirty="0"/>
-              <a:t>Standard Deviation</a:t>
-            </a:r>
-          </a:p>
-          <a:p>
-            <a:pPr marL="914400" lvl="1" indent="-457200" algn="l">
-              <a:buFont typeface="Arial" panose="020B0604020202020204" pitchFamily="34" charset="0"/>
-              <a:buChar char="•"/>
-            </a:pPr>
-            <a:r>
               <a:rPr lang="en-US" sz="2800" dirty="0"/>
-              <a:t>Information Gain &amp; Entropy </a:t>
-            </a:r>
-          </a:p>
-          <a:p>
-            <a:pPr marL="914400" lvl="1" indent="-457200" algn="l">
-              <a:buFont typeface="Arial" panose="020B0604020202020204" pitchFamily="34" charset="0"/>
-              <a:buChar char="•"/>
-            </a:pPr>
-            <a:r>
-              <a:rPr lang="en-US" sz="2800" dirty="0"/>
-              <a:t>Confusion Matrix </a:t>
+              <a:t>	Large Medium Small</a:t>
             </a:r>
           </a:p>
         </p:txBody>
@@ -12864,15 +12762,16 @@
           <a:p>
             <a:r>
               <a:rPr lang="en-US" sz="3200" dirty="0"/>
-              <a:t>Class-2: Descriptive Statistics</a:t>
-            </a:r>
+              <a:t>Class-2: Types of Statistics</a:t>
+            </a:r>
+            <a:endParaRPr lang="en-US" dirty="0"/>
           </a:p>
         </p:txBody>
       </p:sp>
     </p:spTree>
     <p:extLst>
       <p:ext uri="{BB962C8B-B14F-4D97-AF65-F5344CB8AC3E}">
-        <p14:creationId xmlns:p14="http://schemas.microsoft.com/office/powerpoint/2010/main" val="1969190807"/>
+        <p14:creationId xmlns:p14="http://schemas.microsoft.com/office/powerpoint/2010/main" val="3362844972"/>
       </p:ext>
     </p:extLst>
   </p:cSld>
@@ -12922,12 +12821,107 @@
           <a:lstStyle/>
           <a:p>
             <a:pPr marL="914400" lvl="1" indent="-457200" algn="l">
+              <a:lnSpc>
+                <a:spcPct val="100000"/>
+              </a:lnSpc>
               <a:buFont typeface="Arial" panose="020B0604020202020204" pitchFamily="34" charset="0"/>
               <a:buChar char="•"/>
             </a:pPr>
             <a:r>
               <a:rPr lang="en-US" sz="2800" dirty="0"/>
-              <a:t>Entropy</a:t>
+              <a:t>Measure of Center</a:t>
+            </a:r>
+          </a:p>
+          <a:p>
+            <a:pPr marL="1428750" lvl="2" indent="-514350" algn="l">
+              <a:lnSpc>
+                <a:spcPct val="100000"/>
+              </a:lnSpc>
+              <a:buFont typeface="Courier New" panose="02070309020205020404" pitchFamily="49" charset="0"/>
+              <a:buChar char="o"/>
+            </a:pPr>
+            <a:r>
+              <a:rPr lang="en-US" sz="2600" dirty="0"/>
+              <a:t>Mean, </a:t>
+            </a:r>
+          </a:p>
+          <a:p>
+            <a:pPr marL="1428750" lvl="2" indent="-514350" algn="l">
+              <a:lnSpc>
+                <a:spcPct val="100000"/>
+              </a:lnSpc>
+              <a:buFont typeface="Courier New" panose="02070309020205020404" pitchFamily="49" charset="0"/>
+              <a:buChar char="o"/>
+            </a:pPr>
+            <a:r>
+              <a:rPr lang="en-US" sz="2600" dirty="0"/>
+              <a:t>Median,</a:t>
+            </a:r>
+          </a:p>
+          <a:p>
+            <a:pPr marL="1428750" lvl="2" indent="-514350" algn="l">
+              <a:lnSpc>
+                <a:spcPct val="100000"/>
+              </a:lnSpc>
+              <a:buFont typeface="Courier New" panose="02070309020205020404" pitchFamily="49" charset="0"/>
+              <a:buChar char="o"/>
+            </a:pPr>
+            <a:r>
+              <a:rPr lang="en-US" sz="2600" dirty="0"/>
+              <a:t>Mode (most popular one)</a:t>
+            </a:r>
+          </a:p>
+          <a:p>
+            <a:pPr marL="914400" lvl="1" indent="-457200" algn="l">
+              <a:lnSpc>
+                <a:spcPct val="100000"/>
+              </a:lnSpc>
+              <a:buFont typeface="Arial" panose="020B0604020202020204" pitchFamily="34" charset="0"/>
+              <a:buChar char="•"/>
+            </a:pPr>
+            <a:r>
+              <a:rPr lang="en-US" sz="2800" dirty="0"/>
+              <a:t>Measures of Spread (Variability)</a:t>
+            </a:r>
+          </a:p>
+          <a:p>
+            <a:pPr marL="1371600" lvl="2" indent="-457200" algn="l">
+              <a:buFont typeface="Courier New" panose="02070309020205020404" pitchFamily="49" charset="0"/>
+              <a:buChar char="o"/>
+            </a:pPr>
+            <a:r>
+              <a:rPr lang="en-US" sz="2600" dirty="0"/>
+              <a:t>Range = Max(xi) – Min(xi)</a:t>
+            </a:r>
+          </a:p>
+          <a:p>
+            <a:pPr marL="1371600" lvl="2" indent="-457200" algn="l">
+              <a:buFont typeface="Courier New" panose="02070309020205020404" pitchFamily="49" charset="0"/>
+              <a:buChar char="o"/>
+            </a:pPr>
+            <a:r>
+              <a:rPr lang="en-US" sz="2600" dirty="0"/>
+              <a:t>Inter Quartile Range, </a:t>
+            </a:r>
+          </a:p>
+          <a:p>
+            <a:pPr marL="1371600" lvl="2" indent="-457200" algn="l">
+              <a:buFont typeface="Courier New" panose="02070309020205020404" pitchFamily="49" charset="0"/>
+              <a:buChar char="o"/>
+            </a:pPr>
+            <a:r>
+              <a:rPr lang="en-US" sz="2600" dirty="0"/>
+              <a:t>Variance, </a:t>
+            </a:r>
+          </a:p>
+          <a:p>
+            <a:pPr marL="1371600" lvl="2" indent="-457200" algn="l">
+              <a:buFont typeface="Courier New" panose="02070309020205020404" pitchFamily="49" charset="0"/>
+              <a:buChar char="o"/>
+            </a:pPr>
+            <a:r>
+              <a:rPr lang="en-US" sz="2600" dirty="0"/>
+              <a:t>Standard Deviation</a:t>
             </a:r>
           </a:p>
           <a:p>
@@ -12935,30 +12929,19 @@
               <a:buFont typeface="Arial" panose="020B0604020202020204" pitchFamily="34" charset="0"/>
               <a:buChar char="•"/>
             </a:pPr>
-            <a:endParaRPr lang="en-US" sz="2800" dirty="0"/>
+            <a:r>
+              <a:rPr lang="en-US" sz="2800" dirty="0"/>
+              <a:t>Information Gain &amp; Entropy </a:t>
+            </a:r>
           </a:p>
           <a:p>
             <a:pPr marL="914400" lvl="1" indent="-457200" algn="l">
               <a:buFont typeface="Arial" panose="020B0604020202020204" pitchFamily="34" charset="0"/>
               <a:buChar char="•"/>
             </a:pPr>
-            <a:endParaRPr lang="en-US" sz="2800" dirty="0"/>
-          </a:p>
-          <a:p>
-            <a:pPr marL="914400" lvl="1" indent="-457200" algn="l">
-              <a:buFont typeface="Arial" panose="020B0604020202020204" pitchFamily="34" charset="0"/>
-              <a:buChar char="•"/>
-            </a:pPr>
-            <a:endParaRPr lang="en-US" sz="2800" dirty="0"/>
-          </a:p>
-          <a:p>
-            <a:pPr marL="914400" lvl="1" indent="-457200" algn="l">
-              <a:buFont typeface="Arial" panose="020B0604020202020204" pitchFamily="34" charset="0"/>
-              <a:buChar char="•"/>
-            </a:pPr>
             <a:r>
               <a:rPr lang="en-US" sz="2800" dirty="0"/>
-              <a:t>Information Gain</a:t>
+              <a:t>Confusion Matrix </a:t>
             </a:r>
           </a:p>
         </p:txBody>
@@ -12987,143 +12970,15 @@
           <a:p>
             <a:r>
               <a:rPr lang="en-US" sz="3200" dirty="0"/>
-              <a:t>Class-2: Information Gain &amp; Entropy </a:t>
-            </a:r>
-          </a:p>
-        </p:txBody>
-      </p:sp>
-      <p:sp>
-        <p:nvSpPr>
-          <p:cNvPr id="4" name="AutoShape 2" descr="Information Entropy Equation"/>
-          <p:cNvSpPr>
-            <a:spLocks noChangeAspect="1" noChangeArrowheads="1"/>
-          </p:cNvSpPr>
-          <p:nvPr/>
-        </p:nvSpPr>
-        <p:spPr bwMode="auto">
-          <a:xfrm>
-            <a:off x="4262879" y="935215"/>
-            <a:ext cx="4371455" cy="4371469"/>
-          </a:xfrm>
-          <a:prstGeom prst="rect">
-            <a:avLst/>
-          </a:prstGeom>
-          <a:noFill/>
-          <a:extLst>
-            <a:ext uri="{909E8E84-426E-40DD-AFC4-6F175D3DCCD1}">
-              <a14:hiddenFill xmlns:a14="http://schemas.microsoft.com/office/drawing/2010/main">
-                <a:solidFill>
-                  <a:srgbClr val="FFFFFF"/>
-                </a:solidFill>
-              </a14:hiddenFill>
-            </a:ext>
-          </a:extLst>
-        </p:spPr>
-        <p:txBody>
-          <a:bodyPr vert="horz" wrap="square" lIns="91440" tIns="45720" rIns="91440" bIns="45720" numCol="1" anchor="t" anchorCtr="0" compatLnSpc="1">
-            <a:prstTxWarp prst="textNoShape">
-              <a:avLst/>
-            </a:prstTxWarp>
-          </a:bodyPr>
-          <a:lstStyle/>
-          <a:p>
-            <a:endParaRPr lang="en-US"/>
-          </a:p>
-        </p:txBody>
-      </p:sp>
-      <p:pic>
-        <p:nvPicPr>
-          <p:cNvPr id="1028" name="Picture 4" descr="Information Entropy Equation"/>
-          <p:cNvPicPr>
-            <a:picLocks noChangeAspect="1" noChangeArrowheads="1"/>
-          </p:cNvPicPr>
-          <p:nvPr/>
-        </p:nvPicPr>
-        <p:blipFill>
-          <a:blip r:embed="rId2">
-            <a:extLst>
-              <a:ext uri="{28A0092B-C50C-407E-A947-70E740481C1C}">
-                <a14:useLocalDpi xmlns:a14="http://schemas.microsoft.com/office/drawing/2010/main" val="0"/>
-              </a:ext>
-            </a:extLst>
-          </a:blip>
-          <a:srcRect/>
-          <a:stretch>
-            <a:fillRect/>
-          </a:stretch>
-        </p:blipFill>
-        <p:spPr bwMode="auto">
-          <a:xfrm>
-            <a:off x="3219795" y="1089542"/>
-            <a:ext cx="2887092" cy="1279340"/>
-          </a:xfrm>
-          <a:prstGeom prst="rect">
-            <a:avLst/>
-          </a:prstGeom>
-          <a:noFill/>
-          <a:extLst>
-            <a:ext uri="{909E8E84-426E-40DD-AFC4-6F175D3DCCD1}">
-              <a14:hiddenFill xmlns:a14="http://schemas.microsoft.com/office/drawing/2010/main">
-                <a:solidFill>
-                  <a:srgbClr val="FFFFFF"/>
-                </a:solidFill>
-              </a14:hiddenFill>
-            </a:ext>
-          </a:extLst>
-        </p:spPr>
-      </p:pic>
-      <p:pic>
-        <p:nvPicPr>
-          <p:cNvPr id="6" name="Picture 5"/>
-          <p:cNvPicPr>
-            <a:picLocks noChangeAspect="1"/>
-          </p:cNvPicPr>
-          <p:nvPr/>
-        </p:nvPicPr>
-        <p:blipFill>
-          <a:blip r:embed="rId3"/>
-          <a:stretch>
-            <a:fillRect/>
-          </a:stretch>
-        </p:blipFill>
-        <p:spPr>
-          <a:xfrm>
-            <a:off x="7562015" y="732322"/>
-            <a:ext cx="2447925" cy="2610931"/>
-          </a:xfrm>
-          <a:prstGeom prst="rect">
-            <a:avLst/>
-          </a:prstGeom>
-        </p:spPr>
-      </p:pic>
-      <p:pic>
-        <p:nvPicPr>
-          <p:cNvPr id="7" name="Picture 6"/>
-          <p:cNvPicPr>
-            <a:picLocks noChangeAspect="1"/>
-          </p:cNvPicPr>
-          <p:nvPr/>
-        </p:nvPicPr>
-        <p:blipFill>
-          <a:blip r:embed="rId4"/>
-          <a:stretch>
-            <a:fillRect/>
-          </a:stretch>
-        </p:blipFill>
-        <p:spPr>
-          <a:xfrm>
-            <a:off x="1047027" y="3207527"/>
-            <a:ext cx="4572000" cy="3429000"/>
-          </a:xfrm>
-          <a:prstGeom prst="rect">
-            <a:avLst/>
-          </a:prstGeom>
-        </p:spPr>
-      </p:pic>
+              <a:t>Class-2: Descriptive Statistics</a:t>
+            </a:r>
+          </a:p>
+        </p:txBody>
+      </p:sp>
     </p:spTree>
     <p:extLst>
       <p:ext uri="{BB962C8B-B14F-4D97-AF65-F5344CB8AC3E}">
-        <p14:creationId xmlns:p14="http://schemas.microsoft.com/office/powerpoint/2010/main" val="2386337576"/>
+        <p14:creationId xmlns:p14="http://schemas.microsoft.com/office/powerpoint/2010/main" val="1969190807"/>
       </p:ext>
     </p:extLst>
   </p:cSld>
@@ -13178,7 +13033,7 @@
             </a:pPr>
             <a:r>
               <a:rPr lang="en-US" sz="2800" dirty="0"/>
-              <a:t>In class research</a:t>
+              <a:t>Entropy</a:t>
             </a:r>
           </a:p>
           <a:p>
@@ -13186,77 +13041,31 @@
               <a:buFont typeface="Arial" panose="020B0604020202020204" pitchFamily="34" charset="0"/>
               <a:buChar char="•"/>
             </a:pPr>
-            <a:r>
-              <a:rPr lang="en-US" sz="2800" dirty="0"/>
-              <a:t>Definitions:</a:t>
-            </a:r>
-          </a:p>
-          <a:p>
-            <a:pPr marL="1371600" lvl="2" indent="-457200" algn="l">
+            <a:endParaRPr lang="en-US" sz="2800" dirty="0"/>
+          </a:p>
+          <a:p>
+            <a:pPr marL="914400" lvl="1" indent="-457200" algn="l">
               <a:buFont typeface="Arial" panose="020B0604020202020204" pitchFamily="34" charset="0"/>
               <a:buChar char="•"/>
             </a:pPr>
-            <a:r>
-              <a:rPr lang="en-US" sz="2600" dirty="0"/>
-              <a:t>Accuracy</a:t>
-            </a:r>
-          </a:p>
-          <a:p>
-            <a:pPr marL="1371600" lvl="2" indent="-457200" algn="l">
+            <a:endParaRPr lang="en-US" sz="2800" dirty="0"/>
+          </a:p>
+          <a:p>
+            <a:pPr marL="914400" lvl="1" indent="-457200" algn="l">
               <a:buFont typeface="Arial" panose="020B0604020202020204" pitchFamily="34" charset="0"/>
               <a:buChar char="•"/>
             </a:pPr>
-            <a:r>
-              <a:rPr lang="en-US" sz="2600" dirty="0"/>
-              <a:t>Precision</a:t>
-            </a:r>
-          </a:p>
-          <a:p>
-            <a:pPr marL="1371600" lvl="2" indent="-457200" algn="l">
+            <a:endParaRPr lang="en-US" sz="2800" dirty="0"/>
+          </a:p>
+          <a:p>
+            <a:pPr marL="914400" lvl="1" indent="-457200" algn="l">
               <a:buFont typeface="Arial" panose="020B0604020202020204" pitchFamily="34" charset="0"/>
               <a:buChar char="•"/>
             </a:pPr>
             <a:r>
-              <a:rPr lang="en-US" sz="2600" dirty="0"/>
-              <a:t>Recall</a:t>
-            </a:r>
-          </a:p>
-          <a:p>
-            <a:pPr marL="1371600" lvl="2" indent="-457200" algn="l">
-              <a:buFont typeface="Arial" panose="020B0604020202020204" pitchFamily="34" charset="0"/>
-              <a:buChar char="•"/>
-            </a:pPr>
-            <a:r>
-              <a:rPr lang="en-US" sz="2600" dirty="0"/>
-              <a:t>False positive</a:t>
-            </a:r>
-          </a:p>
-          <a:p>
-            <a:pPr marL="1371600" lvl="2" indent="-457200" algn="l">
-              <a:buFont typeface="Arial" panose="020B0604020202020204" pitchFamily="34" charset="0"/>
-              <a:buChar char="•"/>
-            </a:pPr>
-            <a:r>
-              <a:rPr lang="en-US" sz="2600" dirty="0"/>
-              <a:t>False negative</a:t>
-            </a:r>
-          </a:p>
-          <a:p>
-            <a:pPr marL="1371600" lvl="2" indent="-457200" algn="l">
-              <a:buFont typeface="Arial" panose="020B0604020202020204" pitchFamily="34" charset="0"/>
-              <a:buChar char="•"/>
-            </a:pPr>
-            <a:r>
-              <a:rPr lang="en-US" sz="2600" dirty="0"/>
-              <a:t>F-measure(F-1)</a:t>
-            </a:r>
-          </a:p>
-          <a:p>
-            <a:pPr marL="1371600" lvl="2" indent="-457200" algn="l">
-              <a:buFont typeface="Arial" panose="020B0604020202020204" pitchFamily="34" charset="0"/>
-              <a:buChar char="•"/>
-            </a:pPr>
-            <a:endParaRPr lang="en-US" sz="2600" dirty="0"/>
+              <a:rPr lang="en-US" sz="2800" dirty="0"/>
+              <a:t>Information Gain</a:t>
+            </a:r>
           </a:p>
         </p:txBody>
       </p:sp>
@@ -13284,15 +13093,143 @@
           <a:p>
             <a:r>
               <a:rPr lang="en-US" sz="3200" dirty="0"/>
-              <a:t>Class-2: Confusion Matrix  </a:t>
-            </a:r>
-          </a:p>
-        </p:txBody>
-      </p:sp>
+              <a:t>Class-2: Information Gain &amp; Entropy </a:t>
+            </a:r>
+          </a:p>
+        </p:txBody>
+      </p:sp>
+      <p:sp>
+        <p:nvSpPr>
+          <p:cNvPr id="4" name="AutoShape 2" descr="Information Entropy Equation"/>
+          <p:cNvSpPr>
+            <a:spLocks noChangeAspect="1" noChangeArrowheads="1"/>
+          </p:cNvSpPr>
+          <p:nvPr/>
+        </p:nvSpPr>
+        <p:spPr bwMode="auto">
+          <a:xfrm>
+            <a:off x="4262879" y="935215"/>
+            <a:ext cx="4371455" cy="4371469"/>
+          </a:xfrm>
+          <a:prstGeom prst="rect">
+            <a:avLst/>
+          </a:prstGeom>
+          <a:noFill/>
+          <a:extLst>
+            <a:ext uri="{909E8E84-426E-40DD-AFC4-6F175D3DCCD1}">
+              <a14:hiddenFill xmlns:a14="http://schemas.microsoft.com/office/drawing/2010/main">
+                <a:solidFill>
+                  <a:srgbClr val="FFFFFF"/>
+                </a:solidFill>
+              </a14:hiddenFill>
+            </a:ext>
+          </a:extLst>
+        </p:spPr>
+        <p:txBody>
+          <a:bodyPr vert="horz" wrap="square" lIns="91440" tIns="45720" rIns="91440" bIns="45720" numCol="1" anchor="t" anchorCtr="0" compatLnSpc="1">
+            <a:prstTxWarp prst="textNoShape">
+              <a:avLst/>
+            </a:prstTxWarp>
+          </a:bodyPr>
+          <a:lstStyle/>
+          <a:p>
+            <a:endParaRPr lang="en-US"/>
+          </a:p>
+        </p:txBody>
+      </p:sp>
+      <p:pic>
+        <p:nvPicPr>
+          <p:cNvPr id="1028" name="Picture 4" descr="Information Entropy Equation"/>
+          <p:cNvPicPr>
+            <a:picLocks noChangeAspect="1" noChangeArrowheads="1"/>
+          </p:cNvPicPr>
+          <p:nvPr/>
+        </p:nvPicPr>
+        <p:blipFill>
+          <a:blip r:embed="rId2">
+            <a:extLst>
+              <a:ext uri="{28A0092B-C50C-407E-A947-70E740481C1C}">
+                <a14:useLocalDpi xmlns:a14="http://schemas.microsoft.com/office/drawing/2010/main" val="0"/>
+              </a:ext>
+            </a:extLst>
+          </a:blip>
+          <a:srcRect/>
+          <a:stretch>
+            <a:fillRect/>
+          </a:stretch>
+        </p:blipFill>
+        <p:spPr bwMode="auto">
+          <a:xfrm>
+            <a:off x="3219795" y="1089542"/>
+            <a:ext cx="2887092" cy="1279340"/>
+          </a:xfrm>
+          <a:prstGeom prst="rect">
+            <a:avLst/>
+          </a:prstGeom>
+          <a:noFill/>
+          <a:extLst>
+            <a:ext uri="{909E8E84-426E-40DD-AFC4-6F175D3DCCD1}">
+              <a14:hiddenFill xmlns:a14="http://schemas.microsoft.com/office/drawing/2010/main">
+                <a:solidFill>
+                  <a:srgbClr val="FFFFFF"/>
+                </a:solidFill>
+              </a14:hiddenFill>
+            </a:ext>
+          </a:extLst>
+        </p:spPr>
+      </p:pic>
+      <p:pic>
+        <p:nvPicPr>
+          <p:cNvPr id="6" name="Picture 5"/>
+          <p:cNvPicPr>
+            <a:picLocks noChangeAspect="1"/>
+          </p:cNvPicPr>
+          <p:nvPr/>
+        </p:nvPicPr>
+        <p:blipFill>
+          <a:blip r:embed="rId3"/>
+          <a:stretch>
+            <a:fillRect/>
+          </a:stretch>
+        </p:blipFill>
+        <p:spPr>
+          <a:xfrm>
+            <a:off x="7562015" y="732322"/>
+            <a:ext cx="2447925" cy="2610931"/>
+          </a:xfrm>
+          <a:prstGeom prst="rect">
+            <a:avLst/>
+          </a:prstGeom>
+        </p:spPr>
+      </p:pic>
+      <p:pic>
+        <p:nvPicPr>
+          <p:cNvPr id="7" name="Picture 6"/>
+          <p:cNvPicPr>
+            <a:picLocks noChangeAspect="1"/>
+          </p:cNvPicPr>
+          <p:nvPr/>
+        </p:nvPicPr>
+        <p:blipFill>
+          <a:blip r:embed="rId4"/>
+          <a:stretch>
+            <a:fillRect/>
+          </a:stretch>
+        </p:blipFill>
+        <p:spPr>
+          <a:xfrm>
+            <a:off x="1047027" y="3207527"/>
+            <a:ext cx="4572000" cy="3429000"/>
+          </a:xfrm>
+          <a:prstGeom prst="rect">
+            <a:avLst/>
+          </a:prstGeom>
+        </p:spPr>
+      </p:pic>
     </p:spTree>
     <p:extLst>
       <p:ext uri="{BB962C8B-B14F-4D97-AF65-F5344CB8AC3E}">
-        <p14:creationId xmlns:p14="http://schemas.microsoft.com/office/powerpoint/2010/main" val="2689922509"/>
+        <p14:creationId xmlns:p14="http://schemas.microsoft.com/office/powerpoint/2010/main" val="2386337576"/>
       </p:ext>
     </p:extLst>
   </p:cSld>
@@ -13341,6 +13278,175 @@
           </a:bodyPr>
           <a:lstStyle/>
           <a:p>
+            <a:pPr marL="914400" lvl="1" indent="-457200" algn="l">
+              <a:buFont typeface="Arial" panose="020B0604020202020204" pitchFamily="34" charset="0"/>
+              <a:buChar char="•"/>
+            </a:pPr>
+            <a:r>
+              <a:rPr lang="en-US" sz="2800" dirty="0"/>
+              <a:t>In class research</a:t>
+            </a:r>
+          </a:p>
+          <a:p>
+            <a:pPr marL="914400" lvl="1" indent="-457200" algn="l">
+              <a:buFont typeface="Arial" panose="020B0604020202020204" pitchFamily="34" charset="0"/>
+              <a:buChar char="•"/>
+            </a:pPr>
+            <a:r>
+              <a:rPr lang="en-US" sz="2800" dirty="0"/>
+              <a:t>Definitions:</a:t>
+            </a:r>
+          </a:p>
+          <a:p>
+            <a:pPr marL="1371600" lvl="2" indent="-457200" algn="l">
+              <a:buFont typeface="Arial" panose="020B0604020202020204" pitchFamily="34" charset="0"/>
+              <a:buChar char="•"/>
+            </a:pPr>
+            <a:r>
+              <a:rPr lang="en-US" sz="2600" dirty="0"/>
+              <a:t>Accuracy</a:t>
+            </a:r>
+          </a:p>
+          <a:p>
+            <a:pPr marL="1371600" lvl="2" indent="-457200" algn="l">
+              <a:buFont typeface="Arial" panose="020B0604020202020204" pitchFamily="34" charset="0"/>
+              <a:buChar char="•"/>
+            </a:pPr>
+            <a:r>
+              <a:rPr lang="en-US" sz="2600" dirty="0"/>
+              <a:t>Precision</a:t>
+            </a:r>
+          </a:p>
+          <a:p>
+            <a:pPr marL="1371600" lvl="2" indent="-457200" algn="l">
+              <a:buFont typeface="Arial" panose="020B0604020202020204" pitchFamily="34" charset="0"/>
+              <a:buChar char="•"/>
+            </a:pPr>
+            <a:r>
+              <a:rPr lang="en-US" sz="2600" dirty="0"/>
+              <a:t>Recall</a:t>
+            </a:r>
+          </a:p>
+          <a:p>
+            <a:pPr marL="1371600" lvl="2" indent="-457200" algn="l">
+              <a:buFont typeface="Arial" panose="020B0604020202020204" pitchFamily="34" charset="0"/>
+              <a:buChar char="•"/>
+            </a:pPr>
+            <a:r>
+              <a:rPr lang="en-US" sz="2600" dirty="0"/>
+              <a:t>False positive</a:t>
+            </a:r>
+          </a:p>
+          <a:p>
+            <a:pPr marL="1371600" lvl="2" indent="-457200" algn="l">
+              <a:buFont typeface="Arial" panose="020B0604020202020204" pitchFamily="34" charset="0"/>
+              <a:buChar char="•"/>
+            </a:pPr>
+            <a:r>
+              <a:rPr lang="en-US" sz="2600" dirty="0"/>
+              <a:t>False negative</a:t>
+            </a:r>
+          </a:p>
+          <a:p>
+            <a:pPr marL="1371600" lvl="2" indent="-457200" algn="l">
+              <a:buFont typeface="Arial" panose="020B0604020202020204" pitchFamily="34" charset="0"/>
+              <a:buChar char="•"/>
+            </a:pPr>
+            <a:r>
+              <a:rPr lang="en-US" sz="2600" dirty="0"/>
+              <a:t>F-measure(F-1)</a:t>
+            </a:r>
+          </a:p>
+          <a:p>
+            <a:pPr marL="1371600" lvl="2" indent="-457200" algn="l">
+              <a:buFont typeface="Arial" panose="020B0604020202020204" pitchFamily="34" charset="0"/>
+              <a:buChar char="•"/>
+            </a:pPr>
+            <a:endParaRPr lang="en-US" sz="2600" dirty="0"/>
+          </a:p>
+        </p:txBody>
+      </p:sp>
+      <p:sp>
+        <p:nvSpPr>
+          <p:cNvPr id="5" name="TextBox 4"/>
+          <p:cNvSpPr txBox="1"/>
+          <p:nvPr/>
+        </p:nvSpPr>
+        <p:spPr>
+          <a:xfrm>
+            <a:off x="254568" y="147547"/>
+            <a:ext cx="10968760" cy="584775"/>
+          </a:xfrm>
+          <a:prstGeom prst="rect">
+            <a:avLst/>
+          </a:prstGeom>
+          <a:noFill/>
+        </p:spPr>
+        <p:txBody>
+          <a:bodyPr wrap="square" rtlCol="0">
+            <a:spAutoFit/>
+          </a:bodyPr>
+          <a:lstStyle/>
+          <a:p>
+            <a:r>
+              <a:rPr lang="en-US" sz="3200" dirty="0"/>
+              <a:t>Class-2: Confusion Matrix  </a:t>
+            </a:r>
+          </a:p>
+        </p:txBody>
+      </p:sp>
+    </p:spTree>
+    <p:extLst>
+      <p:ext uri="{BB962C8B-B14F-4D97-AF65-F5344CB8AC3E}">
+        <p14:creationId xmlns:p14="http://schemas.microsoft.com/office/powerpoint/2010/main" val="2689922509"/>
+      </p:ext>
+    </p:extLst>
+  </p:cSld>
+  <p:clrMapOvr>
+    <a:masterClrMapping/>
+  </p:clrMapOvr>
+</p:sld>
+</file>
+
+<file path=ppt/slides/slide26.xml><?xml version="1.0" encoding="utf-8"?>
+<p:sld xmlns:a="http://schemas.openxmlformats.org/drawingml/2006/main" xmlns:r="http://schemas.openxmlformats.org/officeDocument/2006/relationships" xmlns:p="http://schemas.openxmlformats.org/presentationml/2006/main">
+  <p:cSld>
+    <p:spTree>
+      <p:nvGrpSpPr>
+        <p:cNvPr id="1" name=""/>
+        <p:cNvGrpSpPr/>
+        <p:nvPr/>
+      </p:nvGrpSpPr>
+      <p:grpSpPr>
+        <a:xfrm>
+          <a:off x="0" y="0"/>
+          <a:ext cx="0" cy="0"/>
+          <a:chOff x="0" y="0"/>
+          <a:chExt cx="0" cy="0"/>
+        </a:xfrm>
+      </p:grpSpPr>
+      <p:sp>
+        <p:nvSpPr>
+          <p:cNvPr id="3" name="Subtitle 2"/>
+          <p:cNvSpPr>
+            <a:spLocks noGrp="1"/>
+          </p:cNvSpPr>
+          <p:nvPr>
+            <p:ph type="subTitle" idx="1"/>
+          </p:nvPr>
+        </p:nvSpPr>
+        <p:spPr>
+          <a:xfrm>
+            <a:off x="134647" y="935215"/>
+            <a:ext cx="10968760" cy="5498419"/>
+          </a:xfrm>
+        </p:spPr>
+        <p:txBody>
+          <a:bodyPr>
+            <a:normAutofit/>
+          </a:bodyPr>
+          <a:lstStyle/>
+          <a:p>
             <a:pPr marL="857250" indent="-857250" algn="l">
               <a:buFont typeface="Arial" panose="020B0604020202020204" pitchFamily="34" charset="0"/>
               <a:buChar char="•"/>
@@ -13478,7 +13584,7 @@
 </p:sld>
 </file>
 
-<file path=ppt/slides/slide26.xml><?xml version="1.0" encoding="utf-8"?>
+<file path=ppt/slides/slide27.xml><?xml version="1.0" encoding="utf-8"?>
 <p:sld xmlns:a="http://schemas.openxmlformats.org/drawingml/2006/main" xmlns:r="http://schemas.openxmlformats.org/officeDocument/2006/relationships" xmlns:p="http://schemas.openxmlformats.org/presentationml/2006/main">
   <p:cSld>
     <p:bg>
@@ -13511,7 +13617,7 @@
                 <a16:creationId xmlns:a16="http://schemas.microsoft.com/office/drawing/2014/main" id="{DEE5C6BA-FE2A-4C38-8D88-E70C06E54F82}"/>
               </a:ext>
               <a:ext uri="{C183D7F6-B498-43B3-948B-1728B52AA6E4}">
-                <adec:decorative xmlns:adec="http://schemas.microsoft.com/office/drawing/2017/decorative" val="1"/>
+                <adec:decorative xmlns:adec="http://schemas.microsoft.com/office/drawing/2017/decorative" xmlns="" val="1"/>
               </a:ext>
             </a:extLst>
           </p:cNvPr>
@@ -13597,7 +13703,7 @@
                 <a16:creationId xmlns:a16="http://schemas.microsoft.com/office/drawing/2014/main" id="{53E66F28-0926-4CFB-BDAB-646CAB184CB0}"/>
               </a:ext>
               <a:ext uri="{C183D7F6-B498-43B3-948B-1728B52AA6E4}">
-                <adec:decorative xmlns:adec="http://schemas.microsoft.com/office/drawing/2017/decorative" val="1"/>
+                <adec:decorative xmlns:adec="http://schemas.microsoft.com/office/drawing/2017/decorative" xmlns="" val="1"/>
               </a:ext>
             </a:extLst>
           </p:cNvPr>
@@ -13688,7 +13794,7 @@
                 <a16:creationId xmlns:a16="http://schemas.microsoft.com/office/drawing/2014/main" id="{DE9FA85F-F0FB-4952-A05F-04CC67B18EE5}"/>
               </a:ext>
               <a:ext uri="{C183D7F6-B498-43B3-948B-1728B52AA6E4}">
-                <adec:decorative xmlns:adec="http://schemas.microsoft.com/office/drawing/2017/decorative" val="1"/>
+                <adec:decorative xmlns:adec="http://schemas.microsoft.com/office/drawing/2017/decorative" xmlns="" val="1"/>
               </a:ext>
             </a:extLst>
           </p:cNvPr>
@@ -14134,7 +14240,7 @@
                 <a16:creationId xmlns:a16="http://schemas.microsoft.com/office/drawing/2014/main" id="{FEBD362A-CC27-47D9-8FC3-A5E91BA0760C}"/>
               </a:ext>
               <a:ext uri="{C183D7F6-B498-43B3-948B-1728B52AA6E4}">
-                <adec:decorative xmlns:adec="http://schemas.microsoft.com/office/drawing/2017/decorative" val="1"/>
+                <adec:decorative xmlns:adec="http://schemas.microsoft.com/office/drawing/2017/decorative" xmlns="" val="1"/>
               </a:ext>
             </a:extLst>
           </p:cNvPr>
@@ -14378,7 +14484,7 @@
 </p:sld>
 </file>
 
-<file path=ppt/slides/slide27.xml><?xml version="1.0" encoding="utf-8"?>
+<file path=ppt/slides/slide28.xml><?xml version="1.0" encoding="utf-8"?>
 <p:sld xmlns:a="http://schemas.openxmlformats.org/drawingml/2006/main" xmlns:r="http://schemas.openxmlformats.org/officeDocument/2006/relationships" xmlns:p="http://schemas.openxmlformats.org/presentationml/2006/main">
   <p:cSld>
     <p:spTree>
@@ -14598,7 +14704,7 @@
 </p:sld>
 </file>
 
-<file path=ppt/slides/slide28.xml><?xml version="1.0" encoding="utf-8"?>
+<file path=ppt/slides/slide29.xml><?xml version="1.0" encoding="utf-8"?>
 <p:sld xmlns:a="http://schemas.openxmlformats.org/drawingml/2006/main" xmlns:r="http://schemas.openxmlformats.org/officeDocument/2006/relationships" xmlns:p="http://schemas.openxmlformats.org/presentationml/2006/main">
   <p:cSld>
     <p:spTree>
@@ -14886,7 +14992,244 @@
 </p:sld>
 </file>
 
-<file path=ppt/slides/slide29.xml><?xml version="1.0" encoding="utf-8"?>
+<file path=ppt/slides/slide3.xml><?xml version="1.0" encoding="utf-8"?>
+<p:sld xmlns:a="http://schemas.openxmlformats.org/drawingml/2006/main" xmlns:r="http://schemas.openxmlformats.org/officeDocument/2006/relationships" xmlns:p="http://schemas.openxmlformats.org/presentationml/2006/main">
+  <p:cSld>
+    <p:spTree>
+      <p:nvGrpSpPr>
+        <p:cNvPr id="1" name=""/>
+        <p:cNvGrpSpPr/>
+        <p:nvPr/>
+      </p:nvGrpSpPr>
+      <p:grpSpPr>
+        <a:xfrm>
+          <a:off x="0" y="0"/>
+          <a:ext cx="0" cy="0"/>
+          <a:chOff x="0" y="0"/>
+          <a:chExt cx="0" cy="0"/>
+        </a:xfrm>
+      </p:grpSpPr>
+      <p:sp>
+        <p:nvSpPr>
+          <p:cNvPr id="3" name="Subtitle 2"/>
+          <p:cNvSpPr>
+            <a:spLocks noGrp="1"/>
+          </p:cNvSpPr>
+          <p:nvPr>
+            <p:ph type="subTitle" idx="1"/>
+          </p:nvPr>
+        </p:nvSpPr>
+        <p:spPr>
+          <a:xfrm>
+            <a:off x="1802100" y="963680"/>
+            <a:ext cx="8738140" cy="5721844"/>
+          </a:xfrm>
+        </p:spPr>
+        <p:txBody>
+          <a:bodyPr>
+            <a:normAutofit fontScale="40000" lnSpcReduction="20000"/>
+          </a:bodyPr>
+          <a:lstStyle/>
+          <a:p>
+            <a:pPr algn="l"/>
+            <a:r>
+              <a:rPr lang="en-US" sz="6200" b="1" dirty="0"/>
+              <a:t>Top 10 Skills</a:t>
+            </a:r>
+            <a:r>
+              <a:rPr lang="en-US" sz="6200" dirty="0"/>
+              <a:t> </a:t>
+            </a:r>
+            <a:r>
+              <a:rPr lang="en-US" sz="6200" dirty="0" smtClean="0"/>
+              <a:t>(6 hard skills and 4 soft skills)</a:t>
+            </a:r>
+            <a:endParaRPr lang="en-US" sz="6200" dirty="0"/>
+          </a:p>
+          <a:p>
+            <a:pPr algn="l"/>
+            <a:endParaRPr lang="en-US" sz="6200" dirty="0"/>
+          </a:p>
+          <a:p>
+            <a:pPr marL="1600200" lvl="1" indent="-1143000" algn="l">
+              <a:buFont typeface="+mj-lt"/>
+              <a:buAutoNum type="arabicPeriod"/>
+            </a:pPr>
+            <a:r>
+              <a:rPr lang="en-US" sz="5800" dirty="0"/>
+              <a:t>Python</a:t>
+            </a:r>
+          </a:p>
+          <a:p>
+            <a:pPr marL="1600200" lvl="1" indent="-1143000" algn="l">
+              <a:buFont typeface="+mj-lt"/>
+              <a:buAutoNum type="arabicPeriod"/>
+            </a:pPr>
+            <a:r>
+              <a:rPr lang="en-US" sz="5800" dirty="0"/>
+              <a:t>Linear Algebra</a:t>
+            </a:r>
+          </a:p>
+          <a:p>
+            <a:pPr marL="1600200" lvl="1" indent="-1143000" algn="l">
+              <a:buFont typeface="+mj-lt"/>
+              <a:buAutoNum type="arabicPeriod"/>
+            </a:pPr>
+            <a:r>
+              <a:rPr lang="en-US" sz="5800" dirty="0"/>
+              <a:t>Advance Signal Processing </a:t>
+            </a:r>
+          </a:p>
+          <a:p>
+            <a:pPr marL="1600200" lvl="1" indent="-1143000" algn="l">
+              <a:buFont typeface="+mj-lt"/>
+              <a:buAutoNum type="arabicPeriod"/>
+            </a:pPr>
+            <a:r>
+              <a:rPr lang="en-US" sz="5800" dirty="0"/>
+              <a:t>Applied Math &amp; Algorithms</a:t>
+            </a:r>
+          </a:p>
+          <a:p>
+            <a:pPr marL="1600200" lvl="1" indent="-1143000" algn="l">
+              <a:buFont typeface="+mj-lt"/>
+              <a:buAutoNum type="arabicPeriod"/>
+            </a:pPr>
+            <a:r>
+              <a:rPr lang="en-US" sz="5800" dirty="0"/>
+              <a:t>Neural Networks Architectures</a:t>
+            </a:r>
+          </a:p>
+          <a:p>
+            <a:pPr marL="1600200" lvl="1" indent="-1143000" algn="l">
+              <a:buFont typeface="+mj-lt"/>
+              <a:buAutoNum type="arabicPeriod"/>
+            </a:pPr>
+            <a:r>
+              <a:rPr lang="en-US" sz="5800" dirty="0"/>
+              <a:t>NLP</a:t>
+            </a:r>
+          </a:p>
+          <a:p>
+            <a:pPr lvl="1" algn="l"/>
+            <a:r>
+              <a:rPr lang="en-US" sz="5800" dirty="0"/>
+              <a:t>-----------------------</a:t>
+            </a:r>
+          </a:p>
+          <a:p>
+            <a:pPr marL="1600200" lvl="1" indent="-1143000" algn="l">
+              <a:buFont typeface="+mj-lt"/>
+              <a:buAutoNum type="arabicPeriod"/>
+            </a:pPr>
+            <a:r>
+              <a:rPr lang="en-US" sz="5800" dirty="0"/>
+              <a:t>Industry Knowledge</a:t>
+            </a:r>
+          </a:p>
+          <a:p>
+            <a:pPr marL="1600200" lvl="1" indent="-1143000" algn="l">
+              <a:buFont typeface="+mj-lt"/>
+              <a:buAutoNum type="arabicPeriod"/>
+            </a:pPr>
+            <a:r>
+              <a:rPr lang="en-US" sz="5800" dirty="0"/>
+              <a:t>Effective Communication</a:t>
+            </a:r>
+          </a:p>
+          <a:p>
+            <a:pPr marL="1600200" lvl="1" indent="-1143000" algn="l">
+              <a:buFont typeface="+mj-lt"/>
+              <a:buAutoNum type="arabicPeriod"/>
+            </a:pPr>
+            <a:r>
+              <a:rPr lang="en-US" sz="5800" dirty="0"/>
+              <a:t>Rapid Prototyping</a:t>
+            </a:r>
+          </a:p>
+          <a:p>
+            <a:pPr marL="1600200" lvl="1" indent="-1143000" algn="l">
+              <a:buFont typeface="+mj-lt"/>
+              <a:buAutoNum type="arabicPeriod"/>
+            </a:pPr>
+            <a:r>
+              <a:rPr lang="en-US" sz="5800" dirty="0"/>
+              <a:t>Keep It Up/updated</a:t>
+            </a:r>
+          </a:p>
+          <a:p>
+            <a:pPr marL="1600200" lvl="1" indent="-1143000" algn="l">
+              <a:buFont typeface="+mj-lt"/>
+              <a:buAutoNum type="arabicPeriod" startAt="10"/>
+            </a:pPr>
+            <a:endParaRPr lang="en-US" sz="5400" dirty="0"/>
+          </a:p>
+          <a:p>
+            <a:pPr lvl="1" algn="l"/>
+            <a:r>
+              <a:rPr lang="en-US" sz="6200" dirty="0"/>
+              <a:t/>
+            </a:r>
+            <a:br>
+              <a:rPr lang="en-US" sz="6200" dirty="0"/>
+            </a:br>
+            <a:endParaRPr lang="en-US" sz="6200" dirty="0"/>
+          </a:p>
+        </p:txBody>
+      </p:sp>
+      <p:sp>
+        <p:nvSpPr>
+          <p:cNvPr id="4" name="TextBox 3"/>
+          <p:cNvSpPr txBox="1"/>
+          <p:nvPr/>
+        </p:nvSpPr>
+        <p:spPr>
+          <a:xfrm>
+            <a:off x="95429" y="101906"/>
+            <a:ext cx="5644109" cy="861774"/>
+          </a:xfrm>
+          <a:prstGeom prst="rect">
+            <a:avLst/>
+          </a:prstGeom>
+          <a:noFill/>
+        </p:spPr>
+        <p:txBody>
+          <a:bodyPr wrap="none" rtlCol="0">
+            <a:spAutoFit/>
+          </a:bodyPr>
+          <a:lstStyle/>
+          <a:p>
+            <a:r>
+              <a:rPr lang="en-US" sz="3200" dirty="0"/>
+              <a:t>Who is a ML Engineer/Scientist? </a:t>
+            </a:r>
+          </a:p>
+          <a:p>
+            <a:endParaRPr lang="en-US" dirty="0"/>
+          </a:p>
+        </p:txBody>
+      </p:sp>
+    </p:spTree>
+    <p:extLst>
+      <p:ext uri="{BB962C8B-B14F-4D97-AF65-F5344CB8AC3E}">
+        <p14:creationId xmlns:p14="http://schemas.microsoft.com/office/powerpoint/2010/main" val="728681631"/>
+      </p:ext>
+    </p:extLst>
+  </p:cSld>
+  <p:clrMapOvr>
+    <a:masterClrMapping/>
+  </p:clrMapOvr>
+  <p:timing>
+    <p:tnLst>
+      <p:par>
+        <p:cTn id="1" dur="indefinite" restart="never" nodeType="tmRoot"/>
+      </p:par>
+    </p:tnLst>
+  </p:timing>
+</p:sld>
+</file>
+
+<file path=ppt/slides/slide30.xml><?xml version="1.0" encoding="utf-8"?>
 <p:sld xmlns:a="http://schemas.openxmlformats.org/drawingml/2006/main" xmlns:r="http://schemas.openxmlformats.org/officeDocument/2006/relationships" xmlns:p="http://schemas.openxmlformats.org/presentationml/2006/main">
   <p:cSld>
     <p:spTree>
@@ -15017,280 +15360,6 @@
     <p:extLst>
       <p:ext uri="{BB962C8B-B14F-4D97-AF65-F5344CB8AC3E}">
         <p14:creationId xmlns:p14="http://schemas.microsoft.com/office/powerpoint/2010/main" val="2079068304"/>
-      </p:ext>
-    </p:extLst>
-  </p:cSld>
-  <p:clrMapOvr>
-    <a:masterClrMapping/>
-  </p:clrMapOvr>
-</p:sld>
-</file>
-
-<file path=ppt/slides/slide3.xml><?xml version="1.0" encoding="utf-8"?>
-<p:sld xmlns:a="http://schemas.openxmlformats.org/drawingml/2006/main" xmlns:r="http://schemas.openxmlformats.org/officeDocument/2006/relationships" xmlns:p="http://schemas.openxmlformats.org/presentationml/2006/main">
-  <p:cSld>
-    <p:spTree>
-      <p:nvGrpSpPr>
-        <p:cNvPr id="1" name=""/>
-        <p:cNvGrpSpPr/>
-        <p:nvPr/>
-      </p:nvGrpSpPr>
-      <p:grpSpPr>
-        <a:xfrm>
-          <a:off x="0" y="0"/>
-          <a:ext cx="0" cy="0"/>
-          <a:chOff x="0" y="0"/>
-          <a:chExt cx="0" cy="0"/>
-        </a:xfrm>
-      </p:grpSpPr>
-      <p:sp>
-        <p:nvSpPr>
-          <p:cNvPr id="5" name="Subtitle 4">
-            <a:extLst>
-              <a:ext uri="{FF2B5EF4-FFF2-40B4-BE49-F238E27FC236}">
-                <a16:creationId xmlns:a16="http://schemas.microsoft.com/office/drawing/2014/main" id="{3956E86E-30CF-45A6-BB20-CCDE1F98460E}"/>
-              </a:ext>
-            </a:extLst>
-          </p:cNvPr>
-          <p:cNvSpPr>
-            <a:spLocks noGrp="1"/>
-          </p:cNvSpPr>
-          <p:nvPr>
-            <p:ph type="subTitle" idx="1"/>
-          </p:nvPr>
-        </p:nvSpPr>
-        <p:spPr>
-          <a:xfrm>
-            <a:off x="1524000" y="3602038"/>
-            <a:ext cx="9144000" cy="1655762"/>
-          </a:xfrm>
-        </p:spPr>
-        <p:txBody>
-          <a:bodyPr/>
-          <a:lstStyle/>
-          <a:p>
-            <a:endParaRPr lang="en-US"/>
-          </a:p>
-        </p:txBody>
-      </p:sp>
-      <p:pic>
-        <p:nvPicPr>
-          <p:cNvPr id="6" name="Picture 5">
-            <a:extLst>
-              <a:ext uri="{FF2B5EF4-FFF2-40B4-BE49-F238E27FC236}">
-                <a16:creationId xmlns:a16="http://schemas.microsoft.com/office/drawing/2014/main" id="{0FD10501-A78B-4675-A1CA-259C04828DE1}"/>
-              </a:ext>
-            </a:extLst>
-          </p:cNvPr>
-          <p:cNvPicPr>
-            <a:picLocks noChangeAspect="1"/>
-          </p:cNvPicPr>
-          <p:nvPr/>
-        </p:nvPicPr>
-        <p:blipFill>
-          <a:blip r:embed="rId2"/>
-          <a:stretch>
-            <a:fillRect/>
-          </a:stretch>
-        </p:blipFill>
-        <p:spPr>
-          <a:xfrm>
-            <a:off x="0" y="123446"/>
-            <a:ext cx="12192000" cy="6611107"/>
-          </a:xfrm>
-          <a:prstGeom prst="rect">
-            <a:avLst/>
-          </a:prstGeom>
-        </p:spPr>
-      </p:pic>
-    </p:spTree>
-    <p:extLst>
-      <p:ext uri="{BB962C8B-B14F-4D97-AF65-F5344CB8AC3E}">
-        <p14:creationId xmlns:p14="http://schemas.microsoft.com/office/powerpoint/2010/main" val="3230676015"/>
-      </p:ext>
-    </p:extLst>
-  </p:cSld>
-  <p:clrMapOvr>
-    <a:masterClrMapping/>
-  </p:clrMapOvr>
-</p:sld>
-</file>
-
-<file path=ppt/slides/slide30.xml><?xml version="1.0" encoding="utf-8"?>
-<p:sld xmlns:a="http://schemas.openxmlformats.org/drawingml/2006/main" xmlns:r="http://schemas.openxmlformats.org/officeDocument/2006/relationships" xmlns:p="http://schemas.openxmlformats.org/presentationml/2006/main">
-  <p:cSld>
-    <p:spTree>
-      <p:nvGrpSpPr>
-        <p:cNvPr id="1" name=""/>
-        <p:cNvGrpSpPr/>
-        <p:nvPr/>
-      </p:nvGrpSpPr>
-      <p:grpSpPr>
-        <a:xfrm>
-          <a:off x="0" y="0"/>
-          <a:ext cx="0" cy="0"/>
-          <a:chOff x="0" y="0"/>
-          <a:chExt cx="0" cy="0"/>
-        </a:xfrm>
-      </p:grpSpPr>
-      <p:sp>
-        <p:nvSpPr>
-          <p:cNvPr id="3" name="Subtitle 2"/>
-          <p:cNvSpPr>
-            <a:spLocks noGrp="1"/>
-          </p:cNvSpPr>
-          <p:nvPr>
-            <p:ph type="subTitle" idx="1"/>
-          </p:nvPr>
-        </p:nvSpPr>
-        <p:spPr>
-          <a:xfrm>
-            <a:off x="1166948" y="815294"/>
-            <a:ext cx="9144000" cy="5498419"/>
-          </a:xfrm>
-        </p:spPr>
-        <p:txBody>
-          <a:bodyPr>
-            <a:normAutofit fontScale="92500" lnSpcReduction="10000"/>
-          </a:bodyPr>
-          <a:lstStyle/>
-          <a:p>
-            <a:pPr marL="457200" indent="-457200" algn="l">
-              <a:buFont typeface="Arial" panose="020B0604020202020204" pitchFamily="34" charset="0"/>
-              <a:buChar char="•"/>
-            </a:pPr>
-            <a:r>
-              <a:rPr lang="en-US" sz="3300" dirty="0"/>
-              <a:t>Regression</a:t>
-            </a:r>
-          </a:p>
-          <a:p>
-            <a:pPr marL="914400" lvl="1" indent="-457200" algn="l">
-              <a:buFont typeface="Arial" panose="020B0604020202020204" pitchFamily="34" charset="0"/>
-              <a:buChar char="•"/>
-            </a:pPr>
-            <a:endParaRPr lang="en-US" sz="2900" dirty="0"/>
-          </a:p>
-          <a:p>
-            <a:pPr marL="457200" indent="-457200" algn="l">
-              <a:buFont typeface="Arial" panose="020B0604020202020204" pitchFamily="34" charset="0"/>
-              <a:buChar char="•"/>
-            </a:pPr>
-            <a:r>
-              <a:rPr lang="en-US" sz="3300" dirty="0"/>
-              <a:t>Linear vs Logistic Regression</a:t>
-            </a:r>
-          </a:p>
-          <a:p>
-            <a:pPr marL="457200" indent="-457200" algn="l">
-              <a:buFont typeface="Arial" panose="020B0604020202020204" pitchFamily="34" charset="0"/>
-              <a:buChar char="•"/>
-            </a:pPr>
-            <a:r>
-              <a:rPr lang="en-US" sz="3300" dirty="0"/>
-              <a:t>Understanding Linear Regression Algorithm</a:t>
-            </a:r>
-          </a:p>
-          <a:p>
-            <a:pPr marL="457200" indent="-457200" algn="l">
-              <a:buFont typeface="Arial" panose="020B0604020202020204" pitchFamily="34" charset="0"/>
-              <a:buChar char="•"/>
-            </a:pPr>
-            <a:r>
-              <a:rPr lang="en-US" sz="3300" dirty="0"/>
-              <a:t>Logistic Regression Curve</a:t>
-            </a:r>
-          </a:p>
-          <a:p>
-            <a:pPr marL="457200" indent="-457200" algn="l">
-              <a:buFont typeface="Arial" panose="020B0604020202020204" pitchFamily="34" charset="0"/>
-              <a:buChar char="•"/>
-            </a:pPr>
-            <a:r>
-              <a:rPr lang="en-US" sz="3300" dirty="0"/>
-              <a:t>Titanic Data Analysis</a:t>
-            </a:r>
-          </a:p>
-          <a:p>
-            <a:pPr marL="457200" indent="-457200" algn="l">
-              <a:buFont typeface="Arial" panose="020B0604020202020204" pitchFamily="34" charset="0"/>
-              <a:buChar char="•"/>
-            </a:pPr>
-            <a:r>
-              <a:rPr lang="en-US" sz="3300" dirty="0"/>
-              <a:t>Decision Tree </a:t>
-            </a:r>
-          </a:p>
-          <a:p>
-            <a:pPr marL="457200" indent="-457200" algn="l">
-              <a:buFont typeface="Arial" panose="020B0604020202020204" pitchFamily="34" charset="0"/>
-              <a:buChar char="•"/>
-            </a:pPr>
-            <a:r>
-              <a:rPr lang="en-US" sz="3300" dirty="0"/>
-              <a:t>Random Forest</a:t>
-            </a:r>
-          </a:p>
-          <a:p>
-            <a:pPr marL="457200" indent="-457200" algn="l">
-              <a:buFont typeface="Arial" panose="020B0604020202020204" pitchFamily="34" charset="0"/>
-              <a:buChar char="•"/>
-            </a:pPr>
-            <a:r>
-              <a:rPr lang="en-US" sz="3300" dirty="0"/>
-              <a:t>Naïve </a:t>
-            </a:r>
-            <a:r>
-              <a:rPr lang="en-US" sz="3300" dirty="0" err="1"/>
-              <a:t>Bayers</a:t>
-            </a:r>
-            <a:r>
-              <a:rPr lang="en-US" sz="3300" dirty="0"/>
-              <a:t> Classifier</a:t>
-            </a:r>
-          </a:p>
-          <a:p>
-            <a:pPr algn="l"/>
-            <a:r>
-              <a:rPr lang="en-US" sz="6200" dirty="0"/>
-              <a:t> </a:t>
-            </a:r>
-          </a:p>
-        </p:txBody>
-      </p:sp>
-      <p:sp>
-        <p:nvSpPr>
-          <p:cNvPr id="5" name="TextBox 4"/>
-          <p:cNvSpPr txBox="1"/>
-          <p:nvPr/>
-        </p:nvSpPr>
-        <p:spPr>
-          <a:xfrm>
-            <a:off x="254568" y="147547"/>
-            <a:ext cx="10968760" cy="584775"/>
-          </a:xfrm>
-          <a:prstGeom prst="rect">
-            <a:avLst/>
-          </a:prstGeom>
-          <a:noFill/>
-        </p:spPr>
-        <p:txBody>
-          <a:bodyPr wrap="square" rtlCol="0">
-            <a:spAutoFit/>
-          </a:bodyPr>
-          <a:lstStyle/>
-          <a:p>
-            <a:r>
-              <a:rPr lang="en-US" sz="3200" dirty="0"/>
-              <a:t>Class-2: Supervised Learning Algorithms</a:t>
-            </a:r>
-          </a:p>
-        </p:txBody>
-      </p:sp>
-    </p:spTree>
-    <p:extLst>
-      <p:ext uri="{BB962C8B-B14F-4D97-AF65-F5344CB8AC3E}">
-        <p14:creationId xmlns:p14="http://schemas.microsoft.com/office/powerpoint/2010/main" val="2339844009"/>
       </p:ext>
     </p:extLst>
   </p:cSld>
@@ -15329,6 +15398,190 @@
         </p:nvSpPr>
         <p:spPr>
           <a:xfrm>
+            <a:off x="1166948" y="815294"/>
+            <a:ext cx="9144000" cy="5498419"/>
+          </a:xfrm>
+        </p:spPr>
+        <p:txBody>
+          <a:bodyPr>
+            <a:normAutofit fontScale="92500" lnSpcReduction="10000"/>
+          </a:bodyPr>
+          <a:lstStyle/>
+          <a:p>
+            <a:pPr marL="457200" indent="-457200" algn="l">
+              <a:buFont typeface="Arial" panose="020B0604020202020204" pitchFamily="34" charset="0"/>
+              <a:buChar char="•"/>
+            </a:pPr>
+            <a:r>
+              <a:rPr lang="en-US" sz="3300" dirty="0"/>
+              <a:t>Regression</a:t>
+            </a:r>
+          </a:p>
+          <a:p>
+            <a:pPr marL="914400" lvl="1" indent="-457200" algn="l">
+              <a:buFont typeface="Arial" panose="020B0604020202020204" pitchFamily="34" charset="0"/>
+              <a:buChar char="•"/>
+            </a:pPr>
+            <a:endParaRPr lang="en-US" sz="2900" dirty="0"/>
+          </a:p>
+          <a:p>
+            <a:pPr marL="457200" indent="-457200" algn="l">
+              <a:buFont typeface="Arial" panose="020B0604020202020204" pitchFamily="34" charset="0"/>
+              <a:buChar char="•"/>
+            </a:pPr>
+            <a:r>
+              <a:rPr lang="en-US" sz="3300" dirty="0"/>
+              <a:t>Linear vs Logistic Regression</a:t>
+            </a:r>
+          </a:p>
+          <a:p>
+            <a:pPr marL="457200" indent="-457200" algn="l">
+              <a:buFont typeface="Arial" panose="020B0604020202020204" pitchFamily="34" charset="0"/>
+              <a:buChar char="•"/>
+            </a:pPr>
+            <a:r>
+              <a:rPr lang="en-US" sz="3300" dirty="0"/>
+              <a:t>Understanding Linear Regression Algorithm</a:t>
+            </a:r>
+          </a:p>
+          <a:p>
+            <a:pPr marL="457200" indent="-457200" algn="l">
+              <a:buFont typeface="Arial" panose="020B0604020202020204" pitchFamily="34" charset="0"/>
+              <a:buChar char="•"/>
+            </a:pPr>
+            <a:r>
+              <a:rPr lang="en-US" sz="3300" dirty="0"/>
+              <a:t>Logistic Regression Curve</a:t>
+            </a:r>
+          </a:p>
+          <a:p>
+            <a:pPr marL="457200" indent="-457200" algn="l">
+              <a:buFont typeface="Arial" panose="020B0604020202020204" pitchFamily="34" charset="0"/>
+              <a:buChar char="•"/>
+            </a:pPr>
+            <a:r>
+              <a:rPr lang="en-US" sz="3300" dirty="0"/>
+              <a:t>Titanic Data Analysis</a:t>
+            </a:r>
+          </a:p>
+          <a:p>
+            <a:pPr marL="457200" indent="-457200" algn="l">
+              <a:buFont typeface="Arial" panose="020B0604020202020204" pitchFamily="34" charset="0"/>
+              <a:buChar char="•"/>
+            </a:pPr>
+            <a:r>
+              <a:rPr lang="en-US" sz="3300" dirty="0"/>
+              <a:t>Decision Tree </a:t>
+            </a:r>
+          </a:p>
+          <a:p>
+            <a:pPr marL="457200" indent="-457200" algn="l">
+              <a:buFont typeface="Arial" panose="020B0604020202020204" pitchFamily="34" charset="0"/>
+              <a:buChar char="•"/>
+            </a:pPr>
+            <a:r>
+              <a:rPr lang="en-US" sz="3300" dirty="0"/>
+              <a:t>Random Forest</a:t>
+            </a:r>
+          </a:p>
+          <a:p>
+            <a:pPr marL="457200" indent="-457200" algn="l">
+              <a:buFont typeface="Arial" panose="020B0604020202020204" pitchFamily="34" charset="0"/>
+              <a:buChar char="•"/>
+            </a:pPr>
+            <a:r>
+              <a:rPr lang="en-US" sz="3300" dirty="0"/>
+              <a:t>Naïve </a:t>
+            </a:r>
+            <a:r>
+              <a:rPr lang="en-US" sz="3300" dirty="0" err="1"/>
+              <a:t>Bayers</a:t>
+            </a:r>
+            <a:r>
+              <a:rPr lang="en-US" sz="3300" dirty="0"/>
+              <a:t> Classifier</a:t>
+            </a:r>
+          </a:p>
+          <a:p>
+            <a:pPr algn="l"/>
+            <a:r>
+              <a:rPr lang="en-US" sz="6200" dirty="0"/>
+              <a:t> </a:t>
+            </a:r>
+          </a:p>
+        </p:txBody>
+      </p:sp>
+      <p:sp>
+        <p:nvSpPr>
+          <p:cNvPr id="5" name="TextBox 4"/>
+          <p:cNvSpPr txBox="1"/>
+          <p:nvPr/>
+        </p:nvSpPr>
+        <p:spPr>
+          <a:xfrm>
+            <a:off x="254568" y="147547"/>
+            <a:ext cx="10968760" cy="584775"/>
+          </a:xfrm>
+          <a:prstGeom prst="rect">
+            <a:avLst/>
+          </a:prstGeom>
+          <a:noFill/>
+        </p:spPr>
+        <p:txBody>
+          <a:bodyPr wrap="square" rtlCol="0">
+            <a:spAutoFit/>
+          </a:bodyPr>
+          <a:lstStyle/>
+          <a:p>
+            <a:r>
+              <a:rPr lang="en-US" sz="3200" dirty="0"/>
+              <a:t>Class-2: Supervised Learning Algorithms</a:t>
+            </a:r>
+          </a:p>
+        </p:txBody>
+      </p:sp>
+    </p:spTree>
+    <p:extLst>
+      <p:ext uri="{BB962C8B-B14F-4D97-AF65-F5344CB8AC3E}">
+        <p14:creationId xmlns:p14="http://schemas.microsoft.com/office/powerpoint/2010/main" val="2339844009"/>
+      </p:ext>
+    </p:extLst>
+  </p:cSld>
+  <p:clrMapOvr>
+    <a:masterClrMapping/>
+  </p:clrMapOvr>
+</p:sld>
+</file>
+
+<file path=ppt/slides/slide32.xml><?xml version="1.0" encoding="utf-8"?>
+<p:sld xmlns:a="http://schemas.openxmlformats.org/drawingml/2006/main" xmlns:r="http://schemas.openxmlformats.org/officeDocument/2006/relationships" xmlns:p="http://schemas.openxmlformats.org/presentationml/2006/main">
+  <p:cSld>
+    <p:spTree>
+      <p:nvGrpSpPr>
+        <p:cNvPr id="1" name=""/>
+        <p:cNvGrpSpPr/>
+        <p:nvPr/>
+      </p:nvGrpSpPr>
+      <p:grpSpPr>
+        <a:xfrm>
+          <a:off x="0" y="0"/>
+          <a:ext cx="0" cy="0"/>
+          <a:chOff x="0" y="0"/>
+          <a:chExt cx="0" cy="0"/>
+        </a:xfrm>
+      </p:grpSpPr>
+      <p:sp>
+        <p:nvSpPr>
+          <p:cNvPr id="3" name="Subtitle 2"/>
+          <p:cNvSpPr>
+            <a:spLocks noGrp="1"/>
+          </p:cNvSpPr>
+          <p:nvPr>
+            <p:ph type="subTitle" idx="1"/>
+          </p:nvPr>
+        </p:nvSpPr>
+        <p:spPr>
+          <a:xfrm>
             <a:off x="1166947" y="815294"/>
             <a:ext cx="10282507" cy="5498419"/>
           </a:xfrm>
@@ -15472,7 +15725,7 @@
 </p:sld>
 </file>
 
-<file path=ppt/slides/slide32.xml><?xml version="1.0" encoding="utf-8"?>
+<file path=ppt/slides/slide33.xml><?xml version="1.0" encoding="utf-8"?>
 <p:sld xmlns:a="http://schemas.openxmlformats.org/drawingml/2006/main" xmlns:r="http://schemas.openxmlformats.org/officeDocument/2006/relationships" xmlns:p="http://schemas.openxmlformats.org/presentationml/2006/main">
   <p:cSld>
     <p:spTree>
@@ -16465,7 +16718,7 @@
 </p:sld>
 </file>
 
-<file path=ppt/slides/slide33.xml><?xml version="1.0" encoding="utf-8"?>
+<file path=ppt/slides/slide34.xml><?xml version="1.0" encoding="utf-8"?>
 <p:sld xmlns:a="http://schemas.openxmlformats.org/drawingml/2006/main" xmlns:r="http://schemas.openxmlformats.org/officeDocument/2006/relationships" xmlns:p="http://schemas.openxmlformats.org/presentationml/2006/main">
   <p:cSld>
     <p:spTree>
@@ -16637,7 +16890,7 @@
 </p:sld>
 </file>
 
-<file path=ppt/slides/slide34.xml><?xml version="1.0" encoding="utf-8"?>
+<file path=ppt/slides/slide35.xml><?xml version="1.0" encoding="utf-8"?>
 <p:sld xmlns:a="http://schemas.openxmlformats.org/drawingml/2006/main" xmlns:r="http://schemas.openxmlformats.org/officeDocument/2006/relationships" xmlns:p="http://schemas.openxmlformats.org/presentationml/2006/main">
   <p:cSld>
     <p:spTree>
@@ -17158,7 +17411,7 @@
 </p:sld>
 </file>
 
-<file path=ppt/slides/slide35.xml><?xml version="1.0" encoding="utf-8"?>
+<file path=ppt/slides/slide36.xml><?xml version="1.0" encoding="utf-8"?>
 <p:sld xmlns:a="http://schemas.openxmlformats.org/drawingml/2006/main" xmlns:r="http://schemas.openxmlformats.org/officeDocument/2006/relationships" xmlns:p="http://schemas.openxmlformats.org/presentationml/2006/main">
   <p:cSld>
     <p:spTree>
@@ -17564,157 +17817,6 @@
 </p:sld>
 </file>
 
-<file path=ppt/slides/slide36.xml><?xml version="1.0" encoding="utf-8"?>
-<p:sld xmlns:a="http://schemas.openxmlformats.org/drawingml/2006/main" xmlns:r="http://schemas.openxmlformats.org/officeDocument/2006/relationships" xmlns:p="http://schemas.openxmlformats.org/presentationml/2006/main">
-  <p:cSld>
-    <p:spTree>
-      <p:nvGrpSpPr>
-        <p:cNvPr id="1" name=""/>
-        <p:cNvGrpSpPr/>
-        <p:nvPr/>
-      </p:nvGrpSpPr>
-      <p:grpSpPr>
-        <a:xfrm>
-          <a:off x="0" y="0"/>
-          <a:ext cx="0" cy="0"/>
-          <a:chOff x="0" y="0"/>
-          <a:chExt cx="0" cy="0"/>
-        </a:xfrm>
-      </p:grpSpPr>
-      <p:sp>
-        <p:nvSpPr>
-          <p:cNvPr id="3" name="Subtitle 2"/>
-          <p:cNvSpPr>
-            <a:spLocks noGrp="1"/>
-          </p:cNvSpPr>
-          <p:nvPr>
-            <p:ph type="subTitle" idx="1"/>
-          </p:nvPr>
-        </p:nvSpPr>
-        <p:spPr>
-          <a:xfrm>
-            <a:off x="476655" y="815294"/>
-            <a:ext cx="11420273" cy="5601547"/>
-          </a:xfrm>
-        </p:spPr>
-        <p:txBody>
-          <a:bodyPr>
-            <a:normAutofit/>
-          </a:bodyPr>
-          <a:lstStyle/>
-          <a:p>
-            <a:pPr algn="l"/>
-            <a:r>
-              <a:rPr lang="en-US" sz="2900" dirty="0"/>
-              <a:t>Weather forecast (yes or no) vs Linear Regression (what temperatures)</a:t>
-            </a:r>
-          </a:p>
-          <a:p>
-            <a:pPr algn="l"/>
-            <a:r>
-              <a:rPr lang="en-US" sz="2900" dirty="0"/>
-              <a:t>Classification problem </a:t>
-            </a:r>
-          </a:p>
-          <a:p>
-            <a:pPr algn="l"/>
-            <a:r>
-              <a:rPr lang="en-US" sz="2900" dirty="0"/>
-              <a:t>	Vertebrates (a bird, or a cat)</a:t>
-            </a:r>
-          </a:p>
-          <a:p>
-            <a:pPr algn="l"/>
-            <a:r>
-              <a:rPr lang="en-US" sz="2900" dirty="0"/>
-              <a:t>	Determines Illness (based on the bio-data)</a:t>
-            </a:r>
-          </a:p>
-          <a:p>
-            <a:pPr algn="l"/>
-            <a:endParaRPr lang="en-US" sz="2900"/>
-          </a:p>
-          <a:p>
-            <a:pPr algn="l"/>
-            <a:r>
-              <a:rPr lang="en-US" sz="2900"/>
-              <a:t>Practices</a:t>
-            </a:r>
-            <a:r>
-              <a:rPr lang="en-US" sz="2900" dirty="0"/>
-              <a:t>: </a:t>
-            </a:r>
-          </a:p>
-          <a:p>
-            <a:pPr algn="l"/>
-            <a:r>
-              <a:rPr lang="en-US" sz="2900" dirty="0"/>
-              <a:t>	Explore titanic dataset and explore about the people, both those who survived and those who did not. With today’s technology, answering questions through data analysis is now easier than ever: </a:t>
-            </a:r>
-          </a:p>
-          <a:p>
-            <a:pPr algn="l"/>
-            <a:r>
-              <a:rPr lang="en-US" b="1" dirty="0"/>
-              <a:t>	what factors made people more likely survive the sinking of the Titanic</a:t>
-            </a:r>
-            <a:r>
-              <a:rPr lang="en-US" dirty="0"/>
-              <a:t>?</a:t>
-            </a:r>
-          </a:p>
-          <a:p>
-            <a:pPr algn="l"/>
-            <a:endParaRPr lang="en-US" sz="2900" dirty="0"/>
-          </a:p>
-          <a:p>
-            <a:pPr algn="l"/>
-            <a:endParaRPr lang="en-US" sz="2900" dirty="0"/>
-          </a:p>
-        </p:txBody>
-      </p:sp>
-      <p:sp>
-        <p:nvSpPr>
-          <p:cNvPr id="5" name="TextBox 4"/>
-          <p:cNvSpPr txBox="1"/>
-          <p:nvPr/>
-        </p:nvSpPr>
-        <p:spPr>
-          <a:xfrm>
-            <a:off x="254568" y="147547"/>
-            <a:ext cx="10968760" cy="584775"/>
-          </a:xfrm>
-          <a:prstGeom prst="rect">
-            <a:avLst/>
-          </a:prstGeom>
-          <a:noFill/>
-        </p:spPr>
-        <p:txBody>
-          <a:bodyPr wrap="square" rtlCol="0">
-            <a:spAutoFit/>
-          </a:bodyPr>
-          <a:lstStyle/>
-          <a:p>
-            <a:r>
-              <a:rPr lang="en-US" sz="3200" dirty="0"/>
-              <a:t>Class-2: Logistic Regression Use Cases</a:t>
-            </a:r>
-          </a:p>
-        </p:txBody>
-      </p:sp>
-    </p:spTree>
-    <p:extLst>
-      <p:ext uri="{BB962C8B-B14F-4D97-AF65-F5344CB8AC3E}">
-        <p14:creationId xmlns:p14="http://schemas.microsoft.com/office/powerpoint/2010/main" val="1897691093"/>
-      </p:ext>
-    </p:extLst>
-  </p:cSld>
-  <p:clrMapOvr>
-    <a:masterClrMapping/>
-  </p:clrMapOvr>
-</p:sld>
-</file>
-
 <file path=ppt/slides/slide37.xml><?xml version="1.0" encoding="utf-8"?>
 <p:sld xmlns:a="http://schemas.openxmlformats.org/drawingml/2006/main" xmlns:r="http://schemas.openxmlformats.org/officeDocument/2006/relationships" xmlns:p="http://schemas.openxmlformats.org/presentationml/2006/main">
   <p:cSld>
@@ -17744,8 +17846,8 @@
         </p:nvSpPr>
         <p:spPr>
           <a:xfrm>
-            <a:off x="1166948" y="815294"/>
-            <a:ext cx="9144000" cy="5498419"/>
+            <a:off x="476655" y="815294"/>
+            <a:ext cx="11420273" cy="5601547"/>
           </a:xfrm>
         </p:spPr>
         <p:txBody>
@@ -17754,25 +17856,73 @@
           </a:bodyPr>
           <a:lstStyle/>
           <a:p>
-            <a:pPr marL="457200" indent="-457200" algn="l">
-              <a:buFont typeface="Arial" panose="020B0604020202020204" pitchFamily="34" charset="0"/>
-              <a:buChar char="•"/>
-            </a:pPr>
-            <a:r>
-              <a:rPr lang="en-US" sz="3300" dirty="0"/>
-              <a:t>Explain</a:t>
-            </a:r>
-          </a:p>
-          <a:p>
-            <a:pPr marL="457200" indent="-457200" algn="l">
-              <a:buFont typeface="Arial" panose="020B0604020202020204" pitchFamily="34" charset="0"/>
-              <a:buChar char="•"/>
-            </a:pPr>
-            <a:r>
-              <a:rPr lang="en-US" sz="3300"/>
-              <a:t>Practice </a:t>
-            </a:r>
-            <a:endParaRPr lang="en-US" sz="3300" dirty="0"/>
+            <a:pPr algn="l"/>
+            <a:r>
+              <a:rPr lang="en-US" sz="2900" dirty="0"/>
+              <a:t>Weather forecast (yes or no) vs Linear Regression (what temperatures)</a:t>
+            </a:r>
+          </a:p>
+          <a:p>
+            <a:pPr algn="l"/>
+            <a:r>
+              <a:rPr lang="en-US" sz="2900" dirty="0"/>
+              <a:t>Classification problem </a:t>
+            </a:r>
+          </a:p>
+          <a:p>
+            <a:pPr algn="l"/>
+            <a:r>
+              <a:rPr lang="en-US" sz="2900" dirty="0"/>
+              <a:t>	Vertebrates (a bird, or a cat)</a:t>
+            </a:r>
+          </a:p>
+          <a:p>
+            <a:pPr algn="l"/>
+            <a:r>
+              <a:rPr lang="en-US" sz="2900" dirty="0"/>
+              <a:t>	Determines Illness (based on the bio-data)</a:t>
+            </a:r>
+          </a:p>
+          <a:p>
+            <a:pPr algn="l"/>
+            <a:endParaRPr lang="en-US" sz="2900"/>
+          </a:p>
+          <a:p>
+            <a:pPr algn="l"/>
+            <a:r>
+              <a:rPr lang="en-US" sz="2900"/>
+              <a:t>Practices</a:t>
+            </a:r>
+            <a:r>
+              <a:rPr lang="en-US" sz="2900" dirty="0"/>
+              <a:t>: </a:t>
+            </a:r>
+          </a:p>
+          <a:p>
+            <a:pPr algn="l"/>
+            <a:r>
+              <a:rPr lang="en-US" sz="2900" dirty="0"/>
+              <a:t>	Explore titanic dataset and explore about the people, both those who survived and those who did not. With today’s technology, answering questions through data analysis is now easier than ever: </a:t>
+            </a:r>
+          </a:p>
+          <a:p>
+            <a:pPr algn="l"/>
+            <a:r>
+              <a:rPr lang="en-US" b="1" dirty="0"/>
+              <a:t>	what factors made people more likely survive the sinking of the Titanic</a:t>
+            </a:r>
+            <a:r>
+              <a:rPr lang="en-US" dirty="0"/>
+              <a:t>?</a:t>
+            </a:r>
+          </a:p>
+          <a:p>
+            <a:pPr algn="l"/>
+            <a:endParaRPr lang="en-US" sz="2900" dirty="0"/>
+          </a:p>
+          <a:p>
+            <a:pPr algn="l"/>
+            <a:endParaRPr lang="en-US" sz="2900" dirty="0"/>
           </a:p>
         </p:txBody>
       </p:sp>
@@ -17800,7 +17950,7 @@
           <a:p>
             <a:r>
               <a:rPr lang="en-US" sz="3200" dirty="0"/>
-              <a:t>Class-3: Supervised Learning Algorithms – Random Forest</a:t>
+              <a:t>Class-2: Logistic Regression Use Cases</a:t>
             </a:r>
           </a:p>
         </p:txBody>
@@ -17808,7 +17958,7 @@
     </p:spTree>
     <p:extLst>
       <p:ext uri="{BB962C8B-B14F-4D97-AF65-F5344CB8AC3E}">
-        <p14:creationId xmlns:p14="http://schemas.microsoft.com/office/powerpoint/2010/main" val="2209680589"/>
+        <p14:creationId xmlns:p14="http://schemas.microsoft.com/office/powerpoint/2010/main" val="1897691093"/>
       </p:ext>
     </p:extLst>
   </p:cSld>
@@ -17853,125 +18003,35 @@
         </p:spPr>
         <p:txBody>
           <a:bodyPr>
-            <a:normAutofit fontScale="32500" lnSpcReduction="20000"/>
+            <a:normAutofit/>
           </a:bodyPr>
           <a:lstStyle/>
           <a:p>
-            <a:pPr algn="l"/>
-            <a:r>
-              <a:rPr lang="en-US" sz="6200" dirty="0"/>
-              <a:t>Random Forest </a:t>
-            </a:r>
-          </a:p>
-          <a:p>
-            <a:pPr algn="l"/>
-            <a:r>
-              <a:rPr lang="en-US" sz="6200" dirty="0"/>
-              <a:t>Random Forest Use-Cases </a:t>
-            </a:r>
-          </a:p>
-          <a:p>
-            <a:pPr algn="l"/>
-            <a:r>
-              <a:rPr lang="en-US" sz="6200" dirty="0"/>
-              <a:t>Random Forest Algorithm </a:t>
-            </a:r>
-          </a:p>
-          <a:p>
-            <a:pPr algn="l"/>
-            <a:r>
-              <a:rPr lang="en-US" sz="6200" dirty="0"/>
-              <a:t>KNN Algorithm </a:t>
-            </a:r>
-          </a:p>
-          <a:p>
-            <a:pPr algn="l"/>
-            <a:r>
-              <a:rPr lang="en-US" sz="6200" dirty="0"/>
-              <a:t>KNN Algorithm Working </a:t>
-            </a:r>
-          </a:p>
-          <a:p>
-            <a:pPr algn="l"/>
-            <a:r>
-              <a:rPr lang="en-US" sz="6200" dirty="0"/>
-              <a:t>KNN Demo </a:t>
-            </a:r>
-          </a:p>
-          <a:p>
-            <a:pPr algn="l"/>
-            <a:r>
-              <a:rPr lang="en-US" sz="6200" dirty="0"/>
-              <a:t>Naive Bayes </a:t>
-            </a:r>
-          </a:p>
-          <a:p>
-            <a:pPr algn="l"/>
-            <a:r>
-              <a:rPr lang="en-US" sz="6200" dirty="0"/>
-              <a:t>Naive Bayes Working </a:t>
-            </a:r>
-          </a:p>
-          <a:p>
-            <a:pPr algn="l"/>
-            <a:r>
-              <a:rPr lang="en-US" sz="6200" dirty="0"/>
-              <a:t>Industrial Use of Naive Bayes </a:t>
-            </a:r>
-          </a:p>
-          <a:p>
-            <a:pPr algn="l"/>
-            <a:r>
-              <a:rPr lang="en-US" sz="6200" dirty="0"/>
-              <a:t>Types of Naive Bayes </a:t>
-            </a:r>
-          </a:p>
-          <a:p>
-            <a:pPr algn="l"/>
-            <a:r>
-              <a:rPr lang="en-US" sz="6200" dirty="0"/>
-              <a:t>Steps involved in Naive Bayes </a:t>
-            </a:r>
-          </a:p>
-          <a:p>
-            <a:pPr algn="l"/>
-            <a:r>
-              <a:rPr lang="en-US" sz="6200" dirty="0"/>
-              <a:t>PIMA Diabetic Test Use Case </a:t>
-            </a:r>
-          </a:p>
-          <a:p>
-            <a:pPr algn="l"/>
-            <a:r>
-              <a:rPr lang="en-US" sz="6200" dirty="0"/>
-              <a:t>Support Vector Machine </a:t>
-            </a:r>
-          </a:p>
-          <a:p>
-            <a:pPr algn="l"/>
-            <a:r>
-              <a:rPr lang="en-US" sz="6200" dirty="0"/>
-              <a:t>Non-Linear SVM </a:t>
-            </a:r>
-          </a:p>
-          <a:p>
-            <a:pPr algn="l"/>
-            <a:r>
-              <a:rPr lang="en-US" sz="6200" dirty="0"/>
-              <a:t>SVM Use-case </a:t>
-            </a:r>
-          </a:p>
-        </p:txBody>
-      </p:sp>
-      <p:sp>
-        <p:nvSpPr>
-          <p:cNvPr id="5" name="TextBox 4">
-            <a:extLst>
-              <a:ext uri="{FF2B5EF4-FFF2-40B4-BE49-F238E27FC236}">
-                <a16:creationId xmlns:a16="http://schemas.microsoft.com/office/drawing/2014/main" id="{F078F554-9BF3-48C4-9F21-630DF533722F}"/>
-              </a:ext>
-            </a:extLst>
-          </p:cNvPr>
+            <a:pPr marL="457200" indent="-457200" algn="l">
+              <a:buFont typeface="Arial" panose="020B0604020202020204" pitchFamily="34" charset="0"/>
+              <a:buChar char="•"/>
+            </a:pPr>
+            <a:r>
+              <a:rPr lang="en-US" sz="3300" dirty="0"/>
+              <a:t>Explain</a:t>
+            </a:r>
+          </a:p>
+          <a:p>
+            <a:pPr marL="457200" indent="-457200" algn="l">
+              <a:buFont typeface="Arial" panose="020B0604020202020204" pitchFamily="34" charset="0"/>
+              <a:buChar char="•"/>
+            </a:pPr>
+            <a:r>
+              <a:rPr lang="en-US" sz="3300"/>
+              <a:t>Practice </a:t>
+            </a:r>
+            <a:endParaRPr lang="en-US" sz="3300" dirty="0"/>
+          </a:p>
+        </p:txBody>
+      </p:sp>
+      <p:sp>
+        <p:nvSpPr>
+          <p:cNvPr id="5" name="TextBox 4"/>
           <p:cNvSpPr txBox="1"/>
           <p:nvPr/>
         </p:nvSpPr>
@@ -17993,7 +18053,7 @@
           <a:p>
             <a:r>
               <a:rPr lang="en-US" sz="3200" dirty="0"/>
-              <a:t>Class-3: Supervised Learning Algorithms</a:t>
+              <a:t>Class-3: Supervised Learning Algorithms – Random Forest</a:t>
             </a:r>
           </a:p>
         </p:txBody>
@@ -18001,7 +18061,7 @@
     </p:spTree>
     <p:extLst>
       <p:ext uri="{BB962C8B-B14F-4D97-AF65-F5344CB8AC3E}">
-        <p14:creationId xmlns:p14="http://schemas.microsoft.com/office/powerpoint/2010/main" val="3761855347"/>
+        <p14:creationId xmlns:p14="http://schemas.microsoft.com/office/powerpoint/2010/main" val="2209680589"/>
       </p:ext>
     </p:extLst>
   </p:cSld>
@@ -18046,97 +18106,113 @@
         </p:spPr>
         <p:txBody>
           <a:bodyPr>
-            <a:normAutofit fontScale="47500" lnSpcReduction="20000"/>
+            <a:normAutofit fontScale="32500" lnSpcReduction="20000"/>
           </a:bodyPr>
           <a:lstStyle/>
           <a:p>
             <a:pPr algn="l"/>
             <a:r>
               <a:rPr lang="en-US" sz="6200" dirty="0"/>
-              <a:t>K-Means Clustering &amp; Association Rule Mining </a:t>
-            </a:r>
-          </a:p>
-          <a:p>
-            <a:pPr lvl="1" algn="l"/>
-            <a:r>
-              <a:rPr lang="en-US" sz="5800" dirty="0"/>
-              <a:t>Types of Clustering </a:t>
-            </a:r>
-          </a:p>
-          <a:p>
-            <a:pPr lvl="1" algn="l"/>
-            <a:r>
-              <a:rPr lang="en-US" sz="5800" dirty="0"/>
-              <a:t>K-Means Clustering </a:t>
-            </a:r>
-          </a:p>
-          <a:p>
-            <a:pPr lvl="1" algn="l"/>
-            <a:r>
-              <a:rPr lang="en-US" sz="5800" dirty="0"/>
-              <a:t>K-Means Working </a:t>
-            </a:r>
-          </a:p>
-          <a:p>
-            <a:pPr lvl="1" algn="l"/>
-            <a:r>
-              <a:rPr lang="en-US" sz="5800" dirty="0"/>
-              <a:t>Pros &amp; Cons of K-Means Clustering </a:t>
-            </a:r>
-          </a:p>
-          <a:p>
-            <a:pPr lvl="1" algn="l"/>
-            <a:r>
-              <a:rPr lang="en-US" sz="5800" dirty="0"/>
-              <a:t>K-Means Demo </a:t>
+              <a:t>Random Forest </a:t>
             </a:r>
           </a:p>
           <a:p>
             <a:pPr algn="l"/>
             <a:r>
               <a:rPr lang="en-US" sz="6200" dirty="0"/>
-              <a:t>Hierarchical Clustering </a:t>
-            </a:r>
-          </a:p>
-          <a:p>
-            <a:pPr lvl="1" algn="l"/>
-            <a:r>
-              <a:rPr lang="en-US" sz="5800" dirty="0"/>
-              <a:t>Association Rule Mining </a:t>
-            </a:r>
-          </a:p>
-          <a:p>
-            <a:pPr lvl="1" algn="l"/>
-            <a:r>
-              <a:rPr lang="en-US" sz="5800" dirty="0" err="1"/>
-              <a:t>Apriori</a:t>
-            </a:r>
-            <a:r>
-              <a:rPr lang="en-US" sz="5800" dirty="0"/>
-              <a:t> Algorithm </a:t>
-            </a:r>
-          </a:p>
-          <a:p>
-            <a:pPr lvl="1" algn="l"/>
-            <a:r>
-              <a:rPr lang="en-US" sz="5800" dirty="0" err="1"/>
-              <a:t>Apriori</a:t>
-            </a:r>
-            <a:r>
-              <a:rPr lang="en-US" sz="5800" dirty="0"/>
-              <a:t> Algorithm Demo </a:t>
+              <a:t>Random Forest Use-Cases </a:t>
             </a:r>
           </a:p>
           <a:p>
             <a:pPr algn="l"/>
-            <a:endParaRPr lang="en-US" sz="6200" dirty="0"/>
+            <a:r>
+              <a:rPr lang="en-US" sz="6200" dirty="0"/>
+              <a:t>Random Forest Algorithm </a:t>
+            </a:r>
           </a:p>
           <a:p>
             <a:pPr algn="l"/>
-            <a:br>
-              <a:rPr lang="en-US" sz="6600" dirty="0"/>
-            </a:br>
-            <a:endParaRPr lang="en-US" sz="6600" dirty="0"/>
+            <a:r>
+              <a:rPr lang="en-US" sz="6200" dirty="0"/>
+              <a:t>KNN Algorithm </a:t>
+            </a:r>
+          </a:p>
+          <a:p>
+            <a:pPr algn="l"/>
+            <a:r>
+              <a:rPr lang="en-US" sz="6200" dirty="0"/>
+              <a:t>KNN Algorithm Working </a:t>
+            </a:r>
+          </a:p>
+          <a:p>
+            <a:pPr algn="l"/>
+            <a:r>
+              <a:rPr lang="en-US" sz="6200" dirty="0"/>
+              <a:t>KNN Demo </a:t>
+            </a:r>
+          </a:p>
+          <a:p>
+            <a:pPr algn="l"/>
+            <a:r>
+              <a:rPr lang="en-US" sz="6200" dirty="0"/>
+              <a:t>Naive Bayes </a:t>
+            </a:r>
+          </a:p>
+          <a:p>
+            <a:pPr algn="l"/>
+            <a:r>
+              <a:rPr lang="en-US" sz="6200" dirty="0"/>
+              <a:t>Naive Bayes Working </a:t>
+            </a:r>
+          </a:p>
+          <a:p>
+            <a:pPr algn="l"/>
+            <a:r>
+              <a:rPr lang="en-US" sz="6200" dirty="0"/>
+              <a:t>Industrial Use of Naive Bayes </a:t>
+            </a:r>
+          </a:p>
+          <a:p>
+            <a:pPr algn="l"/>
+            <a:r>
+              <a:rPr lang="en-US" sz="6200" dirty="0"/>
+              <a:t>Types of Naive Bayes </a:t>
+            </a:r>
+          </a:p>
+          <a:p>
+            <a:pPr algn="l"/>
+            <a:r>
+              <a:rPr lang="en-US" sz="6200" dirty="0"/>
+              <a:t>Steps involved in Naive Bayes </a:t>
+            </a:r>
+          </a:p>
+          <a:p>
+            <a:pPr algn="l"/>
+            <a:r>
+              <a:rPr lang="en-US" sz="6200" dirty="0"/>
+              <a:t>PIMA Diabetic Test Use Case </a:t>
+            </a:r>
+          </a:p>
+          <a:p>
+            <a:pPr algn="l"/>
+            <a:r>
+              <a:rPr lang="en-US" sz="6200" dirty="0"/>
+              <a:t>Support Vector Machine </a:t>
+            </a:r>
+          </a:p>
+          <a:p>
+            <a:pPr algn="l"/>
+            <a:r>
+              <a:rPr lang="en-US" sz="6200" dirty="0"/>
+              <a:t>Non-Linear SVM </a:t>
+            </a:r>
+          </a:p>
+          <a:p>
+            <a:pPr algn="l"/>
+            <a:r>
+              <a:rPr lang="en-US" sz="6200" dirty="0"/>
+              <a:t>SVM Use-case </a:t>
+            </a:r>
           </a:p>
         </p:txBody>
       </p:sp>
@@ -18145,7 +18221,7 @@
           <p:cNvPr id="5" name="TextBox 4">
             <a:extLst>
               <a:ext uri="{FF2B5EF4-FFF2-40B4-BE49-F238E27FC236}">
-                <a16:creationId xmlns:a16="http://schemas.microsoft.com/office/drawing/2014/main" id="{3F9B5E2A-82D8-4F44-B8DD-1CBB90D9EE82}"/>
+                <a16:creationId xmlns:a16="http://schemas.microsoft.com/office/drawing/2014/main" id="{F078F554-9BF3-48C4-9F21-630DF533722F}"/>
               </a:ext>
             </a:extLst>
           </p:cNvPr>
@@ -18170,7 +18246,7 @@
           <a:p>
             <a:r>
               <a:rPr lang="en-US" sz="3200" dirty="0"/>
-              <a:t>Class-3: Unsupervised Learning Algorithms</a:t>
+              <a:t>Class-3: Supervised Learning Algorithms</a:t>
             </a:r>
           </a:p>
         </p:txBody>
@@ -18178,7 +18254,7 @@
     </p:spTree>
     <p:extLst>
       <p:ext uri="{BB962C8B-B14F-4D97-AF65-F5344CB8AC3E}">
-        <p14:creationId xmlns:p14="http://schemas.microsoft.com/office/powerpoint/2010/main" val="1344136077"/>
+        <p14:creationId xmlns:p14="http://schemas.microsoft.com/office/powerpoint/2010/main" val="3761855347"/>
       </p:ext>
     </p:extLst>
   </p:cSld>
@@ -18191,14 +18267,6 @@
 <file path=ppt/slides/slide4.xml><?xml version="1.0" encoding="utf-8"?>
 <p:sld xmlns:a="http://schemas.openxmlformats.org/drawingml/2006/main" xmlns:r="http://schemas.openxmlformats.org/officeDocument/2006/relationships" xmlns:p="http://schemas.openxmlformats.org/presentationml/2006/main">
   <p:cSld>
-    <p:bg>
-      <p:bgPr>
-        <a:solidFill>
-          <a:schemeClr val="bg1"/>
-        </a:solidFill>
-        <a:effectLst/>
-      </p:bgPr>
-    </p:bg>
     <p:spTree>
       <p:nvGrpSpPr>
         <p:cNvPr id="1" name=""/>
@@ -18215,540 +18283,78 @@
       </p:grpSpPr>
       <p:sp>
         <p:nvSpPr>
-          <p:cNvPr id="9" name="Rectangle 8">
-            <a:extLst>
-              <a:ext uri="{FF2B5EF4-FFF2-40B4-BE49-F238E27FC236}">
-                <a16:creationId xmlns:a16="http://schemas.microsoft.com/office/drawing/2014/main" id="{F56F5174-31D9-4DBB-AAB7-A1FD7BDB1352}"/>
-              </a:ext>
-              <a:ext uri="{C183D7F6-B498-43B3-948B-1728B52AA6E4}">
-                <adec:decorative xmlns:adec="http://schemas.microsoft.com/office/drawing/2017/decorative" val="1"/>
-              </a:ext>
-            </a:extLst>
-          </p:cNvPr>
-          <p:cNvSpPr>
-            <a:spLocks noGrp="1" noRot="1" noChangeAspect="1" noMove="1" noResize="1" noEditPoints="1" noAdjustHandles="1" noChangeArrowheads="1" noChangeShapeType="1" noTextEdit="1"/>
-          </p:cNvSpPr>
-          <p:nvPr>
-            <p:extLst>
-              <p:ext uri="{386F3935-93C4-4BCD-93E2-E3B085C9AB24}">
-                <p16:designElem xmlns:p16="http://schemas.microsoft.com/office/powerpoint/2015/main" val="1"/>
-              </p:ext>
-            </p:extLst>
-          </p:nvPr>
+          <p:cNvPr id="4" name="TextBox 3"/>
+          <p:cNvSpPr txBox="1"/>
+          <p:nvPr/>
         </p:nvSpPr>
         <p:spPr>
           <a:xfrm>
-            <a:off x="1" y="0"/>
-            <a:ext cx="5614875" cy="6858000"/>
+            <a:off x="95429" y="101906"/>
+            <a:ext cx="8162234" cy="861774"/>
           </a:xfrm>
           <a:prstGeom prst="rect">
             <a:avLst/>
           </a:prstGeom>
-          <a:gradFill>
-            <a:gsLst>
-              <a:gs pos="0">
-                <a:schemeClr val="accent1">
-                  <a:lumMod val="100000"/>
-                  <a:alpha val="82000"/>
-                </a:schemeClr>
-              </a:gs>
-              <a:gs pos="25000">
-                <a:schemeClr val="accent1">
-                  <a:alpha val="60000"/>
-                </a:schemeClr>
-              </a:gs>
-              <a:gs pos="94000">
-                <a:schemeClr val="bg2">
-                  <a:lumMod val="75000"/>
-                </a:schemeClr>
-              </a:gs>
-              <a:gs pos="100000">
-                <a:schemeClr val="bg2">
-                  <a:lumMod val="75000"/>
-                </a:schemeClr>
-              </a:gs>
-            </a:gsLst>
-            <a:lin ang="4200000" scaled="0"/>
-          </a:gradFill>
-          <a:ln>
-            <a:noFill/>
-          </a:ln>
-        </p:spPr>
-        <p:style>
-          <a:lnRef idx="2">
-            <a:schemeClr val="accent1">
-              <a:shade val="50000"/>
-            </a:schemeClr>
-          </a:lnRef>
-          <a:fillRef idx="1">
-            <a:schemeClr val="accent1"/>
-          </a:fillRef>
-          <a:effectRef idx="0">
-            <a:schemeClr val="accent1"/>
-          </a:effectRef>
-          <a:fontRef idx="minor">
-            <a:schemeClr val="lt1"/>
-          </a:fontRef>
-        </p:style>
-        <p:txBody>
-          <a:bodyPr rtlCol="0" anchor="ctr"/>
+          <a:noFill/>
+        </p:spPr>
+        <p:txBody>
+          <a:bodyPr wrap="none" rtlCol="0">
+            <a:spAutoFit/>
+          </a:bodyPr>
           <a:lstStyle/>
           <a:p>
-            <a:pPr algn="ctr"/>
-            <a:endParaRPr lang="en-US"/>
+            <a:r>
+              <a:rPr lang="en-US" sz="3200" dirty="0" smtClean="0"/>
+              <a:t>Where to go for a PHD/Graduate School Study? </a:t>
+            </a:r>
+            <a:endParaRPr lang="en-US" sz="3200" dirty="0"/>
+          </a:p>
+          <a:p>
+            <a:endParaRPr lang="en-US" dirty="0"/>
           </a:p>
         </p:txBody>
       </p:sp>
       <p:pic>
         <p:nvPicPr>
-          <p:cNvPr id="11" name="Picture 10">
-            <a:extLst>
-              <a:ext uri="{FF2B5EF4-FFF2-40B4-BE49-F238E27FC236}">
-                <a16:creationId xmlns:a16="http://schemas.microsoft.com/office/drawing/2014/main" id="{AE113210-7872-481A-ADE6-3A05CCAF5EB2}"/>
-              </a:ext>
-              <a:ext uri="{C183D7F6-B498-43B3-948B-1728B52AA6E4}">
-                <adec:decorative xmlns:adec="http://schemas.microsoft.com/office/drawing/2017/decorative" val="1"/>
-              </a:ext>
-            </a:extLst>
-          </p:cNvPr>
-          <p:cNvPicPr>
-            <a:picLocks noGrp="1" noRot="1" noChangeAspect="1" noMove="1" noResize="1" noEditPoints="1" noAdjustHandles="1" noChangeArrowheads="1" noChangeShapeType="1" noCrop="1"/>
-          </p:cNvPicPr>
-          <p:nvPr>
-            <p:extLst>
-              <p:ext uri="{386F3935-93C4-4BCD-93E2-E3B085C9AB24}">
-                <p16:designElem xmlns:p16="http://schemas.microsoft.com/office/powerpoint/2015/main" val="1"/>
-              </p:ext>
-            </p:extLst>
-          </p:nvPr>
-        </p:nvPicPr>
-        <p:blipFill>
-          <a:blip r:embed="rId3">
-            <a:extLst>
-              <a:ext uri="{28A0092B-C50C-407E-A947-70E740481C1C}">
-                <a14:useLocalDpi xmlns:a14="http://schemas.microsoft.com/office/drawing/2010/main" val="0"/>
-              </a:ext>
-            </a:extLst>
-          </a:blip>
-          <a:stretch>
-            <a:fillRect/>
-          </a:stretch>
-        </p:blipFill>
-        <p:spPr>
-          <a:xfrm>
-            <a:off x="0" y="0"/>
-            <a:ext cx="12192000" cy="6858000"/>
-          </a:xfrm>
-          <a:prstGeom prst="rect">
-            <a:avLst/>
-          </a:prstGeom>
-        </p:spPr>
-      </p:pic>
-      <p:sp>
-        <p:nvSpPr>
-          <p:cNvPr id="4" name="TextBox 3"/>
-          <p:cNvSpPr txBox="1"/>
-          <p:nvPr/>
-        </p:nvSpPr>
-        <p:spPr>
-          <a:xfrm>
-            <a:off x="6094105" y="802955"/>
-            <a:ext cx="4977976" cy="1454051"/>
-          </a:xfrm>
-          <a:prstGeom prst="rect">
-            <a:avLst/>
-          </a:prstGeom>
-        </p:spPr>
-        <p:txBody>
-          <a:bodyPr vert="horz" lIns="91440" tIns="45720" rIns="91440" bIns="45720" rtlCol="0" anchor="ctr">
-            <a:normAutofit/>
-          </a:bodyPr>
-          <a:lstStyle/>
-          <a:p>
-            <a:pPr>
-              <a:lnSpc>
-                <a:spcPct val="90000"/>
-              </a:lnSpc>
-              <a:spcBef>
-                <a:spcPct val="0"/>
-              </a:spcBef>
-              <a:spcAft>
-                <a:spcPts val="600"/>
-              </a:spcAft>
-            </a:pPr>
-            <a:r>
-              <a:rPr lang="en-US" sz="4400">
-                <a:solidFill>
-                  <a:srgbClr val="000000"/>
-                </a:solidFill>
-                <a:latin typeface="+mj-lt"/>
-                <a:ea typeface="+mj-ea"/>
-                <a:cs typeface="+mj-cs"/>
-              </a:rPr>
-              <a:t>Class-1: Introduction to ML</a:t>
-            </a:r>
-          </a:p>
-        </p:txBody>
-      </p:sp>
-      <p:sp>
-        <p:nvSpPr>
-          <p:cNvPr id="13" name="Freeform 62">
-            <a:extLst>
-              <a:ext uri="{FF2B5EF4-FFF2-40B4-BE49-F238E27FC236}">
-                <a16:creationId xmlns:a16="http://schemas.microsoft.com/office/drawing/2014/main" id="{F9A95BEE-6BB1-4A28-A8E6-A34B2E42EF87}"/>
-              </a:ext>
-              <a:ext uri="{C183D7F6-B498-43B3-948B-1728B52AA6E4}">
-                <adec:decorative xmlns:adec="http://schemas.microsoft.com/office/drawing/2017/decorative" val="1"/>
-              </a:ext>
-            </a:extLst>
-          </p:cNvPr>
-          <p:cNvSpPr>
-            <a:spLocks noGrp="1" noRot="1" noChangeAspect="1" noMove="1" noResize="1" noEditPoints="1" noAdjustHandles="1" noChangeArrowheads="1" noChangeShapeType="1" noTextEdit="1"/>
-          </p:cNvSpPr>
-          <p:nvPr>
-            <p:extLst>
-              <p:ext uri="{386F3935-93C4-4BCD-93E2-E3B085C9AB24}">
-                <p16:designElem xmlns:p16="http://schemas.microsoft.com/office/powerpoint/2015/main" val="1"/>
-              </p:ext>
-            </p:extLst>
-          </p:nvPr>
-        </p:nvSpPr>
-        <p:spPr>
-          <a:xfrm>
-            <a:off x="0" y="738619"/>
-            <a:ext cx="5000438" cy="5400962"/>
-          </a:xfrm>
-          <a:custGeom>
-            <a:avLst/>
-            <a:gdLst>
-              <a:gd name="connsiteX0" fmla="*/ 2299956 w 5000438"/>
-              <a:gd name="connsiteY0" fmla="*/ 0 h 5400962"/>
-              <a:gd name="connsiteX1" fmla="*/ 5000438 w 5000438"/>
-              <a:gd name="connsiteY1" fmla="*/ 2700481 h 5400962"/>
-              <a:gd name="connsiteX2" fmla="*/ 2299956 w 5000438"/>
-              <a:gd name="connsiteY2" fmla="*/ 5400962 h 5400962"/>
-              <a:gd name="connsiteX3" fmla="*/ 60675 w 5000438"/>
-              <a:gd name="connsiteY3" fmla="*/ 4210346 h 5400962"/>
-              <a:gd name="connsiteX4" fmla="*/ 0 w 5000438"/>
-              <a:gd name="connsiteY4" fmla="*/ 4110472 h 5400962"/>
-              <a:gd name="connsiteX5" fmla="*/ 0 w 5000438"/>
-              <a:gd name="connsiteY5" fmla="*/ 1290491 h 5400962"/>
-              <a:gd name="connsiteX6" fmla="*/ 60675 w 5000438"/>
-              <a:gd name="connsiteY6" fmla="*/ 1190617 h 5400962"/>
-              <a:gd name="connsiteX7" fmla="*/ 2299956 w 5000438"/>
-              <a:gd name="connsiteY7" fmla="*/ 0 h 5400962"/>
-            </a:gdLst>
-            <a:ahLst/>
-            <a:cxnLst>
-              <a:cxn ang="0">
-                <a:pos x="connsiteX0" y="connsiteY0"/>
-              </a:cxn>
-              <a:cxn ang="0">
-                <a:pos x="connsiteX1" y="connsiteY1"/>
-              </a:cxn>
-              <a:cxn ang="0">
-                <a:pos x="connsiteX2" y="connsiteY2"/>
-              </a:cxn>
-              <a:cxn ang="0">
-                <a:pos x="connsiteX3" y="connsiteY3"/>
-              </a:cxn>
-              <a:cxn ang="0">
-                <a:pos x="connsiteX4" y="connsiteY4"/>
-              </a:cxn>
-              <a:cxn ang="0">
-                <a:pos x="connsiteX5" y="connsiteY5"/>
-              </a:cxn>
-              <a:cxn ang="0">
-                <a:pos x="connsiteX6" y="connsiteY6"/>
-              </a:cxn>
-              <a:cxn ang="0">
-                <a:pos x="connsiteX7" y="connsiteY7"/>
-              </a:cxn>
-            </a:cxnLst>
-            <a:rect l="l" t="t" r="r" b="b"/>
-            <a:pathLst>
-              <a:path w="5000438" h="5400962">
-                <a:moveTo>
-                  <a:pt x="2299956" y="0"/>
-                </a:moveTo>
-                <a:cubicBezTo>
-                  <a:pt x="3791390" y="0"/>
-                  <a:pt x="5000438" y="1209047"/>
-                  <a:pt x="5000438" y="2700481"/>
-                </a:cubicBezTo>
-                <a:cubicBezTo>
-                  <a:pt x="5000438" y="4191915"/>
-                  <a:pt x="3791390" y="5400962"/>
-                  <a:pt x="2299956" y="5400962"/>
-                </a:cubicBezTo>
-                <a:cubicBezTo>
-                  <a:pt x="1367810" y="5400962"/>
-                  <a:pt x="545971" y="4928678"/>
-                  <a:pt x="60675" y="4210346"/>
-                </a:cubicBezTo>
-                <a:lnTo>
-                  <a:pt x="0" y="4110472"/>
-                </a:lnTo>
-                <a:lnTo>
-                  <a:pt x="0" y="1290491"/>
-                </a:lnTo>
-                <a:lnTo>
-                  <a:pt x="60675" y="1190617"/>
-                </a:lnTo>
-                <a:cubicBezTo>
-                  <a:pt x="545971" y="472284"/>
-                  <a:pt x="1367810" y="0"/>
-                  <a:pt x="2299956" y="0"/>
-                </a:cubicBezTo>
-                <a:close/>
-              </a:path>
-            </a:pathLst>
-          </a:custGeom>
-          <a:solidFill>
-            <a:srgbClr val="FFFFFF"/>
-          </a:solidFill>
-          <a:ln>
-            <a:noFill/>
-          </a:ln>
-        </p:spPr>
-        <p:style>
-          <a:lnRef idx="2">
-            <a:schemeClr val="accent1">
-              <a:shade val="50000"/>
-            </a:schemeClr>
-          </a:lnRef>
-          <a:fillRef idx="1">
-            <a:schemeClr val="accent1"/>
-          </a:fillRef>
-          <a:effectRef idx="0">
-            <a:schemeClr val="accent1"/>
-          </a:effectRef>
-          <a:fontRef idx="minor">
-            <a:schemeClr val="lt1"/>
-          </a:fontRef>
-        </p:style>
-        <p:txBody>
-          <a:bodyPr wrap="square" rtlCol="0" anchor="ctr">
-            <a:noAutofit/>
-          </a:bodyPr>
-          <a:lstStyle/>
-          <a:p>
-            <a:pPr algn="ctr"/>
-            <a:endParaRPr lang="en-US"/>
-          </a:p>
-        </p:txBody>
-      </p:sp>
-      <p:pic>
-        <p:nvPicPr>
-          <p:cNvPr id="2" name="Picture 1">
-            <a:extLst>
-              <a:ext uri="{FF2B5EF4-FFF2-40B4-BE49-F238E27FC236}">
-                <a16:creationId xmlns:a16="http://schemas.microsoft.com/office/drawing/2014/main" id="{9D64ECAC-BD3F-407E-A12A-D0F42C3D405C}"/>
-              </a:ext>
-            </a:extLst>
-          </p:cNvPr>
+          <p:cNvPr id="5" name="Picture 4"/>
           <p:cNvPicPr>
             <a:picLocks noChangeAspect="1"/>
           </p:cNvPicPr>
           <p:nvPr/>
         </p:nvPicPr>
-        <p:blipFill rotWithShape="1">
-          <a:blip r:embed="rId4">
-            <a:alphaModFix/>
-          </a:blip>
-          <a:srcRect l="17488" r="18978" b="2"/>
-          <a:stretch/>
+        <p:blipFill>
+          <a:blip r:embed="rId2"/>
+          <a:stretch>
+            <a:fillRect/>
+          </a:stretch>
         </p:blipFill>
         <p:spPr>
           <a:xfrm>
-            <a:off x="20" y="907231"/>
-            <a:ext cx="4838021" cy="5063738"/>
-          </a:xfrm>
-          <a:custGeom>
+            <a:off x="1374200" y="745708"/>
+            <a:ext cx="9092414" cy="6112292"/>
+          </a:xfrm>
+          <a:prstGeom prst="rect">
             <a:avLst/>
-            <a:gdLst/>
-            <a:ahLst/>
-            <a:cxnLst/>
-            <a:rect l="l" t="t" r="r" b="b"/>
-            <a:pathLst>
-              <a:path w="4838041" h="5063738">
-                <a:moveTo>
-                  <a:pt x="2306172" y="0"/>
-                </a:moveTo>
-                <a:cubicBezTo>
-                  <a:pt x="3704485" y="0"/>
-                  <a:pt x="4838041" y="1133556"/>
-                  <a:pt x="4838041" y="2531869"/>
-                </a:cubicBezTo>
-                <a:cubicBezTo>
-                  <a:pt x="4838041" y="3930182"/>
-                  <a:pt x="3704485" y="5063738"/>
-                  <a:pt x="2306172" y="5063738"/>
-                </a:cubicBezTo>
-                <a:cubicBezTo>
-                  <a:pt x="1344832" y="5063738"/>
-                  <a:pt x="508631" y="4527956"/>
-                  <a:pt x="79886" y="3738709"/>
-                </a:cubicBezTo>
-                <a:lnTo>
-                  <a:pt x="0" y="3572876"/>
-                </a:lnTo>
-                <a:lnTo>
-                  <a:pt x="0" y="1490863"/>
-                </a:lnTo>
-                <a:lnTo>
-                  <a:pt x="79886" y="1325030"/>
-                </a:lnTo>
-                <a:cubicBezTo>
-                  <a:pt x="508631" y="535783"/>
-                  <a:pt x="1344832" y="0"/>
-                  <a:pt x="2306172" y="0"/>
-                </a:cubicBezTo>
-                <a:close/>
-              </a:path>
-            </a:pathLst>
-          </a:custGeom>
-          <a:effectLst>
-            <a:softEdge rad="0"/>
-          </a:effectLst>
+          </a:prstGeom>
         </p:spPr>
       </p:pic>
-      <p:sp>
-        <p:nvSpPr>
-          <p:cNvPr id="3" name="Subtitle 2"/>
-          <p:cNvSpPr>
-            <a:spLocks noGrp="1"/>
-          </p:cNvSpPr>
-          <p:nvPr>
-            <p:ph type="subTitle" idx="1"/>
-          </p:nvPr>
-        </p:nvSpPr>
-        <p:spPr>
-          <a:xfrm>
-            <a:off x="6090574" y="2421682"/>
-            <a:ext cx="4977578" cy="3639289"/>
-          </a:xfrm>
-        </p:spPr>
-        <p:txBody>
-          <a:bodyPr vert="horz" lIns="91440" tIns="45720" rIns="91440" bIns="45720" rtlCol="0" anchor="ctr">
-            <a:normAutofit/>
-          </a:bodyPr>
-          <a:lstStyle/>
-          <a:p>
-            <a:pPr algn="l"/>
-            <a:r>
-              <a:rPr lang="en-US" sz="1700" dirty="0">
-                <a:solidFill>
-                  <a:srgbClr val="000000"/>
-                </a:solidFill>
-              </a:rPr>
-              <a:t>Is this thing a cheetah?</a:t>
-            </a:r>
-          </a:p>
-          <a:p>
-            <a:pPr indent="-228600" algn="l">
-              <a:buFont typeface="Arial" panose="020B0604020202020204" pitchFamily="34" charset="0"/>
-              <a:buChar char="•"/>
-            </a:pPr>
-            <a:r>
-              <a:rPr lang="en-US" sz="1700" dirty="0">
-                <a:solidFill>
-                  <a:srgbClr val="000000"/>
-                </a:solidFill>
-              </a:rPr>
-              <a:t>Rule based “expert” system</a:t>
-            </a:r>
-          </a:p>
-          <a:p>
-            <a:pPr marL="685800" indent="-228600" algn="l">
-              <a:buFont typeface="Arial" panose="020B0604020202020204" pitchFamily="34" charset="0"/>
-              <a:buChar char="•"/>
-            </a:pPr>
-            <a:r>
-              <a:rPr lang="en-US" sz="1700" dirty="0">
-                <a:solidFill>
-                  <a:srgbClr val="000000"/>
-                </a:solidFill>
-              </a:rPr>
-              <a:t>Hair (R1) -&gt; Mammal</a:t>
-            </a:r>
-          </a:p>
-          <a:p>
-            <a:pPr marL="685800" indent="-228600" algn="l">
-              <a:buFont typeface="Arial" panose="020B0604020202020204" pitchFamily="34" charset="0"/>
-              <a:buChar char="•"/>
-            </a:pPr>
-            <a:r>
-              <a:rPr lang="en-US" sz="1700" dirty="0">
-                <a:solidFill>
-                  <a:srgbClr val="000000"/>
-                </a:solidFill>
-              </a:rPr>
-              <a:t>Claws, Teeth, forward point eyes (R2) - Animal</a:t>
-            </a:r>
-          </a:p>
-          <a:p>
-            <a:pPr marL="685800" indent="-228600" algn="l">
-              <a:buFont typeface="Arial" panose="020B0604020202020204" pitchFamily="34" charset="0"/>
-              <a:buChar char="•"/>
-            </a:pPr>
-            <a:r>
-              <a:rPr lang="en-US" sz="1700" dirty="0">
-                <a:solidFill>
-                  <a:srgbClr val="000000"/>
-                </a:solidFill>
-              </a:rPr>
-              <a:t>Eat meat (R3) -&gt; Carnivore</a:t>
-            </a:r>
-          </a:p>
-          <a:p>
-            <a:pPr marL="685800" indent="-228600" algn="l">
-              <a:buFont typeface="Arial" panose="020B0604020202020204" pitchFamily="34" charset="0"/>
-              <a:buChar char="•"/>
-            </a:pPr>
-            <a:r>
-              <a:rPr lang="en-US" sz="1700" dirty="0">
-                <a:solidFill>
-                  <a:srgbClr val="000000"/>
-                </a:solidFill>
-              </a:rPr>
-              <a:t>Run fast (R4) </a:t>
-            </a:r>
-          </a:p>
-          <a:p>
-            <a:pPr indent="-228600" algn="l">
-              <a:buFont typeface="Arial" panose="020B0604020202020204" pitchFamily="34" charset="0"/>
-              <a:buChar char="•"/>
-            </a:pPr>
-            <a:r>
-              <a:rPr lang="en-US" sz="1700" dirty="0">
-                <a:solidFill>
-                  <a:srgbClr val="000000"/>
-                </a:solidFill>
-              </a:rPr>
-              <a:t>Through Gate Tree -&gt; Cheetah</a:t>
-            </a:r>
-          </a:p>
-          <a:p>
-            <a:pPr algn="l"/>
-            <a:endParaRPr lang="en-US" sz="1700" dirty="0">
-              <a:solidFill>
-                <a:srgbClr val="000000"/>
-              </a:solidFill>
-            </a:endParaRPr>
-          </a:p>
-        </p:txBody>
-      </p:sp>
     </p:spTree>
     <p:extLst>
       <p:ext uri="{BB962C8B-B14F-4D97-AF65-F5344CB8AC3E}">
-        <p14:creationId xmlns:p14="http://schemas.microsoft.com/office/powerpoint/2010/main" val="3360769727"/>
+        <p14:creationId xmlns:p14="http://schemas.microsoft.com/office/powerpoint/2010/main" val="4233010304"/>
       </p:ext>
     </p:extLst>
   </p:cSld>
   <p:clrMapOvr>
     <a:masterClrMapping/>
   </p:clrMapOvr>
+  <p:timing>
+    <p:tnLst>
+      <p:par>
+        <p:cTn id="1" dur="indefinite" restart="never" nodeType="tmRoot"/>
+      </p:par>
+    </p:tnLst>
+  </p:timing>
 </p:sld>
 </file>
 
@@ -18787,56 +18393,85 @@
         </p:spPr>
         <p:txBody>
           <a:bodyPr>
-            <a:normAutofit fontScale="55000" lnSpcReduction="20000"/>
+            <a:normAutofit fontScale="47500" lnSpcReduction="20000"/>
           </a:bodyPr>
           <a:lstStyle/>
           <a:p>
             <a:pPr algn="l"/>
             <a:r>
               <a:rPr lang="en-US" sz="6200" dirty="0"/>
-              <a:t>Reinforcement Learning </a:t>
+              <a:t>K-Means Clustering &amp; Association Rule Mining </a:t>
+            </a:r>
+          </a:p>
+          <a:p>
+            <a:pPr lvl="1" algn="l"/>
+            <a:r>
+              <a:rPr lang="en-US" sz="5800" dirty="0"/>
+              <a:t>Types of Clustering </a:t>
+            </a:r>
+          </a:p>
+          <a:p>
+            <a:pPr lvl="1" algn="l"/>
+            <a:r>
+              <a:rPr lang="en-US" sz="5800" dirty="0"/>
+              <a:t>K-Means Clustering </a:t>
+            </a:r>
+          </a:p>
+          <a:p>
+            <a:pPr lvl="1" algn="l"/>
+            <a:r>
+              <a:rPr lang="en-US" sz="5800" dirty="0"/>
+              <a:t>K-Means Working </a:t>
+            </a:r>
+          </a:p>
+          <a:p>
+            <a:pPr lvl="1" algn="l"/>
+            <a:r>
+              <a:rPr lang="en-US" sz="5800" dirty="0"/>
+              <a:t>Pros &amp; Cons of K-Means Clustering </a:t>
+            </a:r>
+          </a:p>
+          <a:p>
+            <a:pPr lvl="1" algn="l"/>
+            <a:r>
+              <a:rPr lang="en-US" sz="5800" dirty="0"/>
+              <a:t>K-Means Demo </a:t>
             </a:r>
           </a:p>
           <a:p>
             <a:pPr algn="l"/>
             <a:r>
               <a:rPr lang="en-US" sz="6200" dirty="0"/>
-              <a:t>	Reinforcement Learning: Counter-Strike Example </a:t>
-            </a:r>
-          </a:p>
-          <a:p>
-            <a:pPr algn="l"/>
-            <a:r>
-              <a:rPr lang="en-US" sz="6200" dirty="0"/>
-              <a:t>Markov's Decision Process </a:t>
-            </a:r>
-          </a:p>
-          <a:p>
-            <a:pPr algn="l"/>
-            <a:r>
-              <a:rPr lang="en-US" sz="6200" dirty="0"/>
-              <a:t>Q-Learning </a:t>
-            </a:r>
-          </a:p>
-          <a:p>
-            <a:pPr algn="l"/>
-            <a:r>
-              <a:rPr lang="en-US" sz="6200" dirty="0"/>
-              <a:t>The Bellman Equation </a:t>
-            </a:r>
-          </a:p>
-          <a:p>
-            <a:pPr algn="l"/>
-            <a:r>
-              <a:rPr lang="en-US" sz="6200" dirty="0"/>
-              <a:t>Transitioning to Q-Learning</a:t>
-            </a:r>
-          </a:p>
-          <a:p>
-            <a:pPr algn="l"/>
-            <a:r>
-              <a:rPr lang="en-US" sz="6200" dirty="0"/>
-              <a:t>Implementing Q-Learning </a:t>
+              <a:t>Hierarchical Clustering </a:t>
+            </a:r>
+          </a:p>
+          <a:p>
+            <a:pPr lvl="1" algn="l"/>
+            <a:r>
+              <a:rPr lang="en-US" sz="5800" dirty="0"/>
+              <a:t>Association Rule Mining </a:t>
+            </a:r>
+          </a:p>
+          <a:p>
+            <a:pPr lvl="1" algn="l"/>
+            <a:r>
+              <a:rPr lang="en-US" sz="5800" dirty="0" err="1"/>
+              <a:t>Apriori</a:t>
+            </a:r>
+            <a:r>
+              <a:rPr lang="en-US" sz="5800" dirty="0"/>
+              <a:t> Algorithm </a:t>
+            </a:r>
+          </a:p>
+          <a:p>
+            <a:pPr lvl="1" algn="l"/>
+            <a:r>
+              <a:rPr lang="en-US" sz="5800" dirty="0" err="1"/>
+              <a:t>Apriori</a:t>
+            </a:r>
+            <a:r>
+              <a:rPr lang="en-US" sz="5800" dirty="0"/>
+              <a:t> Algorithm Demo </a:t>
             </a:r>
           </a:p>
           <a:p>
@@ -18845,6 +18480,10 @@
           </a:p>
           <a:p>
             <a:pPr algn="l"/>
+            <a:r>
+              <a:rPr lang="en-US" sz="6600" dirty="0"/>
+              <a:t/>
+            </a:r>
             <a:br>
               <a:rPr lang="en-US" sz="6600" dirty="0"/>
             </a:br>
@@ -18882,7 +18521,7 @@
           <a:p>
             <a:r>
               <a:rPr lang="en-US" sz="3200" dirty="0"/>
-              <a:t>Class-3: Reinforcement Learning Algorithms</a:t>
+              <a:t>Class-3: Unsupervised Learning Algorithms</a:t>
             </a:r>
           </a:p>
         </p:txBody>
@@ -18890,7 +18529,7 @@
     </p:spTree>
     <p:extLst>
       <p:ext uri="{BB962C8B-B14F-4D97-AF65-F5344CB8AC3E}">
-        <p14:creationId xmlns:p14="http://schemas.microsoft.com/office/powerpoint/2010/main" val="48239294"/>
+        <p14:creationId xmlns:p14="http://schemas.microsoft.com/office/powerpoint/2010/main" val="1344136077"/>
       </p:ext>
     </p:extLst>
   </p:cSld>
@@ -18935,15 +18574,68 @@
         </p:spPr>
         <p:txBody>
           <a:bodyPr>
-            <a:normAutofit/>
+            <a:normAutofit fontScale="55000" lnSpcReduction="20000"/>
           </a:bodyPr>
           <a:lstStyle/>
           <a:p>
             <a:pPr algn="l"/>
+            <a:r>
+              <a:rPr lang="en-US" sz="6200" dirty="0"/>
+              <a:t>Reinforcement Learning </a:t>
+            </a:r>
+          </a:p>
+          <a:p>
+            <a:pPr algn="l"/>
+            <a:r>
+              <a:rPr lang="en-US" sz="6200" dirty="0"/>
+              <a:t>	Reinforcement Learning: Counter-Strike Example </a:t>
+            </a:r>
+          </a:p>
+          <a:p>
+            <a:pPr algn="l"/>
+            <a:r>
+              <a:rPr lang="en-US" sz="6200" dirty="0"/>
+              <a:t>Markov's Decision Process </a:t>
+            </a:r>
+          </a:p>
+          <a:p>
+            <a:pPr algn="l"/>
+            <a:r>
+              <a:rPr lang="en-US" sz="6200" dirty="0"/>
+              <a:t>Q-Learning </a:t>
+            </a:r>
+          </a:p>
+          <a:p>
+            <a:pPr algn="l"/>
+            <a:r>
+              <a:rPr lang="en-US" sz="6200" dirty="0"/>
+              <a:t>The Bellman Equation </a:t>
+            </a:r>
+          </a:p>
+          <a:p>
+            <a:pPr algn="l"/>
+            <a:r>
+              <a:rPr lang="en-US" sz="6200" dirty="0"/>
+              <a:t>Transitioning to Q-Learning</a:t>
+            </a:r>
+          </a:p>
+          <a:p>
+            <a:pPr algn="l"/>
+            <a:r>
+              <a:rPr lang="en-US" sz="6200" dirty="0"/>
+              <a:t>Implementing Q-Learning </a:t>
+            </a:r>
+          </a:p>
+          <a:p>
+            <a:pPr algn="l"/>
             <a:endParaRPr lang="en-US" sz="6200" dirty="0"/>
           </a:p>
           <a:p>
             <a:pPr algn="l"/>
+            <a:r>
+              <a:rPr lang="en-US" sz="6600" dirty="0"/>
+              <a:t/>
+            </a:r>
             <a:br>
               <a:rPr lang="en-US" sz="6600" dirty="0"/>
             </a:br>
@@ -18981,7 +18673,7 @@
           <a:p>
             <a:r>
               <a:rPr lang="en-US" sz="3200" dirty="0"/>
-              <a:t>Class-3: Neural Network Intro</a:t>
+              <a:t>Class-3: Reinforcement Learning Algorithms</a:t>
             </a:r>
           </a:p>
         </p:txBody>
@@ -18989,7 +18681,7 @@
     </p:spTree>
     <p:extLst>
       <p:ext uri="{BB962C8B-B14F-4D97-AF65-F5344CB8AC3E}">
-        <p14:creationId xmlns:p14="http://schemas.microsoft.com/office/powerpoint/2010/main" val="2144802336"/>
+        <p14:creationId xmlns:p14="http://schemas.microsoft.com/office/powerpoint/2010/main" val="48239294"/>
       </p:ext>
     </p:extLst>
   </p:cSld>
@@ -19044,22 +18736,32 @@
           <a:p>
             <a:pPr algn="l"/>
             <a:r>
-              <a:rPr lang="en-US" sz="6200" dirty="0"/>
-              <a:t>Machine Learning Projects </a:t>
-            </a:r>
-          </a:p>
-        </p:txBody>
-      </p:sp>
-      <p:sp>
-        <p:nvSpPr>
-          <p:cNvPr id="4" name="TextBox 3"/>
+              <a:rPr lang="en-US" sz="6600" dirty="0"/>
+              <a:t/>
+            </a:r>
+            <a:br>
+              <a:rPr lang="en-US" sz="6600" dirty="0"/>
+            </a:br>
+            <a:endParaRPr lang="en-US" sz="6600" dirty="0"/>
+          </a:p>
+        </p:txBody>
+      </p:sp>
+      <p:sp>
+        <p:nvSpPr>
+          <p:cNvPr id="5" name="TextBox 4">
+            <a:extLst>
+              <a:ext uri="{FF2B5EF4-FFF2-40B4-BE49-F238E27FC236}">
+                <a16:creationId xmlns:a16="http://schemas.microsoft.com/office/drawing/2014/main" id="{3F9B5E2A-82D8-4F44-B8DD-1CBB90D9EE82}"/>
+              </a:ext>
+            </a:extLst>
+          </p:cNvPr>
           <p:cNvSpPr txBox="1"/>
           <p:nvPr/>
         </p:nvSpPr>
         <p:spPr>
           <a:xfrm>
-            <a:off x="522514" y="217714"/>
-            <a:ext cx="936154" cy="369332"/>
+            <a:off x="254568" y="147547"/>
+            <a:ext cx="10968760" cy="584775"/>
           </a:xfrm>
           <a:prstGeom prst="rect">
             <a:avLst/>
@@ -19067,14 +18769,14 @@
           <a:noFill/>
         </p:spPr>
         <p:txBody>
-          <a:bodyPr wrap="none" rtlCol="0">
+          <a:bodyPr wrap="square" rtlCol="0">
             <a:spAutoFit/>
           </a:bodyPr>
           <a:lstStyle/>
           <a:p>
             <a:r>
-              <a:rPr lang="en-US" dirty="0"/>
-              <a:t>Content</a:t>
+              <a:rPr lang="en-US" sz="3200" dirty="0"/>
+              <a:t>Class-3: Neural Network Intro</a:t>
             </a:r>
           </a:p>
         </p:txBody>
@@ -19082,7 +18784,7 @@
     </p:spTree>
     <p:extLst>
       <p:ext uri="{BB962C8B-B14F-4D97-AF65-F5344CB8AC3E}">
-        <p14:creationId xmlns:p14="http://schemas.microsoft.com/office/powerpoint/2010/main" val="2764468633"/>
+        <p14:creationId xmlns:p14="http://schemas.microsoft.com/office/powerpoint/2010/main" val="2144802336"/>
       </p:ext>
     </p:extLst>
   </p:cSld>
@@ -19121,6 +18823,99 @@
         </p:nvSpPr>
         <p:spPr>
           <a:xfrm>
+            <a:off x="1166948" y="815294"/>
+            <a:ext cx="9144000" cy="5498419"/>
+          </a:xfrm>
+        </p:spPr>
+        <p:txBody>
+          <a:bodyPr>
+            <a:normAutofit/>
+          </a:bodyPr>
+          <a:lstStyle/>
+          <a:p>
+            <a:pPr algn="l"/>
+            <a:endParaRPr lang="en-US" sz="6200" dirty="0"/>
+          </a:p>
+          <a:p>
+            <a:pPr algn="l"/>
+            <a:r>
+              <a:rPr lang="en-US" sz="6200" dirty="0"/>
+              <a:t>Machine Learning Projects </a:t>
+            </a:r>
+          </a:p>
+        </p:txBody>
+      </p:sp>
+      <p:sp>
+        <p:nvSpPr>
+          <p:cNvPr id="4" name="TextBox 3"/>
+          <p:cNvSpPr txBox="1"/>
+          <p:nvPr/>
+        </p:nvSpPr>
+        <p:spPr>
+          <a:xfrm>
+            <a:off x="522514" y="217714"/>
+            <a:ext cx="936154" cy="369332"/>
+          </a:xfrm>
+          <a:prstGeom prst="rect">
+            <a:avLst/>
+          </a:prstGeom>
+          <a:noFill/>
+        </p:spPr>
+        <p:txBody>
+          <a:bodyPr wrap="none" rtlCol="0">
+            <a:spAutoFit/>
+          </a:bodyPr>
+          <a:lstStyle/>
+          <a:p>
+            <a:r>
+              <a:rPr lang="en-US" dirty="0"/>
+              <a:t>Content</a:t>
+            </a:r>
+          </a:p>
+        </p:txBody>
+      </p:sp>
+    </p:spTree>
+    <p:extLst>
+      <p:ext uri="{BB962C8B-B14F-4D97-AF65-F5344CB8AC3E}">
+        <p14:creationId xmlns:p14="http://schemas.microsoft.com/office/powerpoint/2010/main" val="2764468633"/>
+      </p:ext>
+    </p:extLst>
+  </p:cSld>
+  <p:clrMapOvr>
+    <a:masterClrMapping/>
+  </p:clrMapOvr>
+</p:sld>
+</file>
+
+<file path=ppt/slides/slide44.xml><?xml version="1.0" encoding="utf-8"?>
+<p:sld xmlns:a="http://schemas.openxmlformats.org/drawingml/2006/main" xmlns:r="http://schemas.openxmlformats.org/officeDocument/2006/relationships" xmlns:p="http://schemas.openxmlformats.org/presentationml/2006/main">
+  <p:cSld>
+    <p:spTree>
+      <p:nvGrpSpPr>
+        <p:cNvPr id="1" name=""/>
+        <p:cNvGrpSpPr/>
+        <p:nvPr/>
+      </p:nvGrpSpPr>
+      <p:grpSpPr>
+        <a:xfrm>
+          <a:off x="0" y="0"/>
+          <a:ext cx="0" cy="0"/>
+          <a:chOff x="0" y="0"/>
+          <a:chExt cx="0" cy="0"/>
+        </a:xfrm>
+      </p:grpSpPr>
+      <p:sp>
+        <p:nvSpPr>
+          <p:cNvPr id="3" name="Subtitle 2"/>
+          <p:cNvSpPr>
+            <a:spLocks noGrp="1"/>
+          </p:cNvSpPr>
+          <p:nvPr>
+            <p:ph type="subTitle" idx="1"/>
+          </p:nvPr>
+        </p:nvSpPr>
+        <p:spPr>
+          <a:xfrm>
             <a:off x="1166948" y="731520"/>
             <a:ext cx="10059070" cy="5582193"/>
           </a:xfrm>
@@ -19248,7 +19043,7 @@
 </p:sld>
 </file>
 
-<file path=ppt/slides/slide44.xml><?xml version="1.0" encoding="utf-8"?>
+<file path=ppt/slides/slide45.xml><?xml version="1.0" encoding="utf-8"?>
 <p:sld xmlns:a="http://schemas.openxmlformats.org/drawingml/2006/main" xmlns:r="http://schemas.openxmlformats.org/officeDocument/2006/relationships" xmlns:p="http://schemas.openxmlformats.org/presentationml/2006/main">
   <p:cSld>
     <p:spTree>
@@ -19846,7 +19641,7 @@
 </p:sld>
 </file>
 
-<file path=ppt/slides/slide45.xml><?xml version="1.0" encoding="utf-8"?>
+<file path=ppt/slides/slide46.xml><?xml version="1.0" encoding="utf-8"?>
 <p:sld xmlns:a="http://schemas.openxmlformats.org/drawingml/2006/main" xmlns:r="http://schemas.openxmlformats.org/officeDocument/2006/relationships" xmlns:p="http://schemas.openxmlformats.org/presentationml/2006/main">
   <p:cSld>
     <p:spTree>
@@ -21007,7 +20802,7 @@
 </p:sld>
 </file>
 
-<file path=ppt/slides/slide46.xml><?xml version="1.0" encoding="utf-8"?>
+<file path=ppt/slides/slide47.xml><?xml version="1.0" encoding="utf-8"?>
 <p:sld xmlns:a="http://schemas.openxmlformats.org/drawingml/2006/main" xmlns:r="http://schemas.openxmlformats.org/officeDocument/2006/relationships" xmlns:p="http://schemas.openxmlformats.org/presentationml/2006/main">
   <p:cSld>
     <p:spTree>
@@ -21090,6 +20885,10 @@
           </a:p>
           <a:p>
             <a:pPr algn="l"/>
+            <a:r>
+              <a:rPr lang="en-US" sz="6600" dirty="0"/>
+              <a:t/>
+            </a:r>
             <a:br>
               <a:rPr lang="en-US" sz="6600" dirty="0"/>
             </a:br>
@@ -21142,6 +20941,14 @@
 <file path=ppt/slides/slide5.xml><?xml version="1.0" encoding="utf-8"?>
 <p:sld xmlns:a="http://schemas.openxmlformats.org/drawingml/2006/main" xmlns:r="http://schemas.openxmlformats.org/officeDocument/2006/relationships" xmlns:p="http://schemas.openxmlformats.org/presentationml/2006/main">
   <p:cSld>
+    <p:bg>
+      <p:bgPr>
+        <a:solidFill>
+          <a:schemeClr val="bg1"/>
+        </a:solidFill>
+        <a:effectLst/>
+      </p:bgPr>
+    </p:bg>
     <p:spTree>
       <p:nvGrpSpPr>
         <p:cNvPr id="1" name=""/>
@@ -21158,6 +20965,1113 @@
       </p:grpSpPr>
       <p:sp>
         <p:nvSpPr>
+          <p:cNvPr id="4" name="TextBox 3"/>
+          <p:cNvSpPr txBox="1"/>
+          <p:nvPr/>
+        </p:nvSpPr>
+        <p:spPr>
+          <a:xfrm>
+            <a:off x="273372" y="0"/>
+            <a:ext cx="6682600" cy="1676603"/>
+          </a:xfrm>
+          <a:prstGeom prst="rect">
+            <a:avLst/>
+          </a:prstGeom>
+        </p:spPr>
+        <p:txBody>
+          <a:bodyPr vert="horz" lIns="91440" tIns="45720" rIns="91440" bIns="45720" rtlCol="0" anchor="ctr">
+            <a:normAutofit/>
+          </a:bodyPr>
+          <a:lstStyle/>
+          <a:p>
+            <a:pPr>
+              <a:lnSpc>
+                <a:spcPct val="90000"/>
+              </a:lnSpc>
+              <a:spcBef>
+                <a:spcPct val="0"/>
+              </a:spcBef>
+              <a:spcAft>
+                <a:spcPts val="600"/>
+              </a:spcAft>
+            </a:pPr>
+            <a:r>
+              <a:rPr lang="en-US" sz="3700" dirty="0">
+                <a:latin typeface="+mj-lt"/>
+                <a:ea typeface="+mj-ea"/>
+                <a:cs typeface="+mj-cs"/>
+              </a:rPr>
+              <a:t>Class-1: AI vs ML vs Deep Learning</a:t>
+            </a:r>
+          </a:p>
+          <a:p>
+            <a:pPr>
+              <a:lnSpc>
+                <a:spcPct val="90000"/>
+              </a:lnSpc>
+              <a:spcBef>
+                <a:spcPct val="0"/>
+              </a:spcBef>
+              <a:spcAft>
+                <a:spcPts val="600"/>
+              </a:spcAft>
+            </a:pPr>
+            <a:endParaRPr lang="en-US" sz="3700" dirty="0">
+              <a:latin typeface="+mj-lt"/>
+              <a:ea typeface="+mj-ea"/>
+              <a:cs typeface="+mj-cs"/>
+            </a:endParaRPr>
+          </a:p>
+        </p:txBody>
+      </p:sp>
+      <p:sp>
+        <p:nvSpPr>
+          <p:cNvPr id="3" name="Subtitle 2"/>
+          <p:cNvSpPr>
+            <a:spLocks noGrp="1"/>
+          </p:cNvSpPr>
+          <p:nvPr>
+            <p:ph type="subTitle" idx="1"/>
+          </p:nvPr>
+        </p:nvSpPr>
+        <p:spPr>
+          <a:xfrm>
+            <a:off x="655067" y="3331029"/>
+            <a:ext cx="5299383" cy="3526971"/>
+          </a:xfrm>
+        </p:spPr>
+        <p:txBody>
+          <a:bodyPr vert="horz" lIns="91440" tIns="45720" rIns="91440" bIns="45720" rtlCol="0">
+            <a:normAutofit/>
+          </a:bodyPr>
+          <a:lstStyle/>
+          <a:p>
+            <a:pPr algn="l"/>
+            <a:r>
+              <a:rPr lang="en-US" sz="1800" dirty="0"/>
+              <a:t>1950s-1970s - AI</a:t>
+            </a:r>
+          </a:p>
+          <a:p>
+            <a:pPr indent="-228600" algn="l">
+              <a:buFont typeface="Arial" panose="020B0604020202020204" pitchFamily="34" charset="0"/>
+              <a:buChar char="•"/>
+            </a:pPr>
+            <a:r>
+              <a:rPr lang="en-US" sz="1800" dirty="0"/>
+              <a:t>Example of AI (</a:t>
+            </a:r>
+            <a:r>
+              <a:rPr lang="en-US" sz="1800" b="1" dirty="0"/>
+              <a:t>Game Play</a:t>
+            </a:r>
+            <a:r>
+              <a:rPr lang="en-US" sz="1800" dirty="0"/>
+              <a:t>)</a:t>
+            </a:r>
+          </a:p>
+          <a:p>
+            <a:pPr algn="l"/>
+            <a:r>
+              <a:rPr lang="en-US" sz="1800" dirty="0"/>
+              <a:t>1980s – 1990s - ML</a:t>
+            </a:r>
+          </a:p>
+          <a:p>
+            <a:pPr indent="-228600" algn="l">
+              <a:buFont typeface="Arial" panose="020B0604020202020204" pitchFamily="34" charset="0"/>
+              <a:buChar char="•"/>
+            </a:pPr>
+            <a:r>
+              <a:rPr lang="en-US" sz="1800" dirty="0"/>
+              <a:t>Example of ML (</a:t>
+            </a:r>
+            <a:r>
+              <a:rPr lang="en-US" sz="1800" b="1" dirty="0"/>
+              <a:t>“Expert” System</a:t>
+            </a:r>
+            <a:r>
+              <a:rPr lang="en-US" sz="1800" dirty="0"/>
+              <a:t>)</a:t>
+            </a:r>
+          </a:p>
+          <a:p>
+            <a:pPr algn="l"/>
+            <a:r>
+              <a:rPr lang="en-US" sz="1800" dirty="0"/>
+              <a:t>2000s -2010s – DL - ANN</a:t>
+            </a:r>
+          </a:p>
+          <a:p>
+            <a:pPr indent="-228600" algn="l">
+              <a:buFont typeface="Arial" panose="020B0604020202020204" pitchFamily="34" charset="0"/>
+              <a:buChar char="•"/>
+            </a:pPr>
+            <a:r>
+              <a:rPr lang="en-US" sz="1800" dirty="0"/>
+              <a:t>Artificial/Deep </a:t>
+            </a:r>
+            <a:r>
+              <a:rPr lang="en-US" sz="1800" b="1" dirty="0"/>
+              <a:t>Neural Network </a:t>
+            </a:r>
+          </a:p>
+          <a:p>
+            <a:pPr indent="-228600" algn="l">
+              <a:buFont typeface="Arial" panose="020B0604020202020204" pitchFamily="34" charset="0"/>
+              <a:buChar char="•"/>
+            </a:pPr>
+            <a:r>
+              <a:rPr lang="en-US" sz="1800" dirty="0"/>
+              <a:t>Example of Deep Learning</a:t>
+            </a:r>
+          </a:p>
+          <a:p>
+            <a:pPr algn="l"/>
+            <a:r>
+              <a:rPr lang="en-US" sz="1800" dirty="0"/>
+              <a:t>2020s … (challenges facing)</a:t>
+            </a:r>
+          </a:p>
+          <a:p>
+            <a:pPr algn="l"/>
+            <a:endParaRPr lang="en-US" sz="1800" dirty="0"/>
+          </a:p>
+          <a:p>
+            <a:pPr indent="-228600" algn="l">
+              <a:buFont typeface="Arial" panose="020B0604020202020204" pitchFamily="34" charset="0"/>
+              <a:buChar char="•"/>
+            </a:pPr>
+            <a:endParaRPr lang="en-US" sz="1800" dirty="0"/>
+          </a:p>
+        </p:txBody>
+      </p:sp>
+      <p:pic>
+        <p:nvPicPr>
+          <p:cNvPr id="2" name="Picture 1">
+            <a:extLst>
+              <a:ext uri="{FF2B5EF4-FFF2-40B4-BE49-F238E27FC236}">
+                <a16:creationId xmlns:a16="http://schemas.microsoft.com/office/drawing/2014/main" id="{BA5AF337-9A07-4F1F-B422-F537DB28C43D}"/>
+              </a:ext>
+            </a:extLst>
+          </p:cNvPr>
+          <p:cNvPicPr>
+            <a:picLocks noChangeAspect="1"/>
+          </p:cNvPicPr>
+          <p:nvPr/>
+        </p:nvPicPr>
+        <p:blipFill rotWithShape="1">
+          <a:blip r:embed="rId3"/>
+          <a:srcRect l="3932" r="3557" b="2"/>
+          <a:stretch/>
+        </p:blipFill>
+        <p:spPr>
+          <a:xfrm>
+            <a:off x="6237551" y="793940"/>
+            <a:ext cx="5892776" cy="5429416"/>
+          </a:xfrm>
+          <a:prstGeom prst="rect">
+            <a:avLst/>
+          </a:prstGeom>
+          <a:effectLst/>
+        </p:spPr>
+      </p:pic>
+      <p:sp>
+        <p:nvSpPr>
+          <p:cNvPr id="5" name="Subtitle 2">
+            <a:extLst>
+              <a:ext uri="{FF2B5EF4-FFF2-40B4-BE49-F238E27FC236}">
+                <a16:creationId xmlns:a16="http://schemas.microsoft.com/office/drawing/2014/main" id="{D9929E9D-FEC5-4EAC-9822-EC63839F7969}"/>
+              </a:ext>
+            </a:extLst>
+          </p:cNvPr>
+          <p:cNvSpPr txBox="1">
+            <a:spLocks/>
+          </p:cNvSpPr>
+          <p:nvPr/>
+        </p:nvSpPr>
+        <p:spPr>
+          <a:xfrm>
+            <a:off x="534629" y="1185832"/>
+            <a:ext cx="5419821" cy="2145197"/>
+          </a:xfrm>
+          <a:prstGeom prst="rect">
+            <a:avLst/>
+          </a:prstGeom>
+        </p:spPr>
+        <p:txBody>
+          <a:bodyPr vert="horz" lIns="91440" tIns="45720" rIns="91440" bIns="45720" rtlCol="0">
+            <a:normAutofit/>
+          </a:bodyPr>
+          <a:lstStyle>
+            <a:lvl1pPr marL="0" indent="0" algn="ctr" defTabSz="914400" rtl="0" eaLnBrk="1" latinLnBrk="0" hangingPunct="1">
+              <a:lnSpc>
+                <a:spcPct val="90000"/>
+              </a:lnSpc>
+              <a:spcBef>
+                <a:spcPts val="1000"/>
+              </a:spcBef>
+              <a:buFont typeface="Arial" panose="020B0604020202020204" pitchFamily="34" charset="0"/>
+              <a:buNone/>
+              <a:defRPr sz="2400" kern="1200">
+                <a:solidFill>
+                  <a:schemeClr val="tx1"/>
+                </a:solidFill>
+                <a:latin typeface="+mn-lt"/>
+                <a:ea typeface="+mn-ea"/>
+                <a:cs typeface="+mn-cs"/>
+              </a:defRPr>
+            </a:lvl1pPr>
+            <a:lvl2pPr marL="457200" indent="0" algn="ctr" defTabSz="914400" rtl="0" eaLnBrk="1" latinLnBrk="0" hangingPunct="1">
+              <a:lnSpc>
+                <a:spcPct val="90000"/>
+              </a:lnSpc>
+              <a:spcBef>
+                <a:spcPts val="500"/>
+              </a:spcBef>
+              <a:buFont typeface="Arial" panose="020B0604020202020204" pitchFamily="34" charset="0"/>
+              <a:buNone/>
+              <a:defRPr sz="2000" kern="1200">
+                <a:solidFill>
+                  <a:schemeClr val="tx1"/>
+                </a:solidFill>
+                <a:latin typeface="+mn-lt"/>
+                <a:ea typeface="+mn-ea"/>
+                <a:cs typeface="+mn-cs"/>
+              </a:defRPr>
+            </a:lvl2pPr>
+            <a:lvl3pPr marL="914400" indent="0" algn="ctr" defTabSz="914400" rtl="0" eaLnBrk="1" latinLnBrk="0" hangingPunct="1">
+              <a:lnSpc>
+                <a:spcPct val="90000"/>
+              </a:lnSpc>
+              <a:spcBef>
+                <a:spcPts val="500"/>
+              </a:spcBef>
+              <a:buFont typeface="Arial" panose="020B0604020202020204" pitchFamily="34" charset="0"/>
+              <a:buNone/>
+              <a:defRPr sz="1800" kern="1200">
+                <a:solidFill>
+                  <a:schemeClr val="tx1"/>
+                </a:solidFill>
+                <a:latin typeface="+mn-lt"/>
+                <a:ea typeface="+mn-ea"/>
+                <a:cs typeface="+mn-cs"/>
+              </a:defRPr>
+            </a:lvl3pPr>
+            <a:lvl4pPr marL="1371600" indent="0" algn="ctr" defTabSz="914400" rtl="0" eaLnBrk="1" latinLnBrk="0" hangingPunct="1">
+              <a:lnSpc>
+                <a:spcPct val="90000"/>
+              </a:lnSpc>
+              <a:spcBef>
+                <a:spcPts val="500"/>
+              </a:spcBef>
+              <a:buFont typeface="Arial" panose="020B0604020202020204" pitchFamily="34" charset="0"/>
+              <a:buNone/>
+              <a:defRPr sz="1600" kern="1200">
+                <a:solidFill>
+                  <a:schemeClr val="tx1"/>
+                </a:solidFill>
+                <a:latin typeface="+mn-lt"/>
+                <a:ea typeface="+mn-ea"/>
+                <a:cs typeface="+mn-cs"/>
+              </a:defRPr>
+            </a:lvl4pPr>
+            <a:lvl5pPr marL="1828800" indent="0" algn="ctr" defTabSz="914400" rtl="0" eaLnBrk="1" latinLnBrk="0" hangingPunct="1">
+              <a:lnSpc>
+                <a:spcPct val="90000"/>
+              </a:lnSpc>
+              <a:spcBef>
+                <a:spcPts val="500"/>
+              </a:spcBef>
+              <a:buFont typeface="Arial" panose="020B0604020202020204" pitchFamily="34" charset="0"/>
+              <a:buNone/>
+              <a:defRPr sz="1600" kern="1200">
+                <a:solidFill>
+                  <a:schemeClr val="tx1"/>
+                </a:solidFill>
+                <a:latin typeface="+mn-lt"/>
+                <a:ea typeface="+mn-ea"/>
+                <a:cs typeface="+mn-cs"/>
+              </a:defRPr>
+            </a:lvl5pPr>
+            <a:lvl6pPr marL="2286000" indent="0" algn="ctr" defTabSz="914400" rtl="0" eaLnBrk="1" latinLnBrk="0" hangingPunct="1">
+              <a:lnSpc>
+                <a:spcPct val="90000"/>
+              </a:lnSpc>
+              <a:spcBef>
+                <a:spcPts val="500"/>
+              </a:spcBef>
+              <a:buFont typeface="Arial" panose="020B0604020202020204" pitchFamily="34" charset="0"/>
+              <a:buNone/>
+              <a:defRPr sz="1600" kern="1200">
+                <a:solidFill>
+                  <a:schemeClr val="tx1"/>
+                </a:solidFill>
+                <a:latin typeface="+mn-lt"/>
+                <a:ea typeface="+mn-ea"/>
+                <a:cs typeface="+mn-cs"/>
+              </a:defRPr>
+            </a:lvl6pPr>
+            <a:lvl7pPr marL="2743200" indent="0" algn="ctr" defTabSz="914400" rtl="0" eaLnBrk="1" latinLnBrk="0" hangingPunct="1">
+              <a:lnSpc>
+                <a:spcPct val="90000"/>
+              </a:lnSpc>
+              <a:spcBef>
+                <a:spcPts val="500"/>
+              </a:spcBef>
+              <a:buFont typeface="Arial" panose="020B0604020202020204" pitchFamily="34" charset="0"/>
+              <a:buNone/>
+              <a:defRPr sz="1600" kern="1200">
+                <a:solidFill>
+                  <a:schemeClr val="tx1"/>
+                </a:solidFill>
+                <a:latin typeface="+mn-lt"/>
+                <a:ea typeface="+mn-ea"/>
+                <a:cs typeface="+mn-cs"/>
+              </a:defRPr>
+            </a:lvl7pPr>
+            <a:lvl8pPr marL="3200400" indent="0" algn="ctr" defTabSz="914400" rtl="0" eaLnBrk="1" latinLnBrk="0" hangingPunct="1">
+              <a:lnSpc>
+                <a:spcPct val="90000"/>
+              </a:lnSpc>
+              <a:spcBef>
+                <a:spcPts val="500"/>
+              </a:spcBef>
+              <a:buFont typeface="Arial" panose="020B0604020202020204" pitchFamily="34" charset="0"/>
+              <a:buNone/>
+              <a:defRPr sz="1600" kern="1200">
+                <a:solidFill>
+                  <a:schemeClr val="tx1"/>
+                </a:solidFill>
+                <a:latin typeface="+mn-lt"/>
+                <a:ea typeface="+mn-ea"/>
+                <a:cs typeface="+mn-cs"/>
+              </a:defRPr>
+            </a:lvl8pPr>
+            <a:lvl9pPr marL="3657600" indent="0" algn="ctr" defTabSz="914400" rtl="0" eaLnBrk="1" latinLnBrk="0" hangingPunct="1">
+              <a:lnSpc>
+                <a:spcPct val="90000"/>
+              </a:lnSpc>
+              <a:spcBef>
+                <a:spcPts val="500"/>
+              </a:spcBef>
+              <a:buFont typeface="Arial" panose="020B0604020202020204" pitchFamily="34" charset="0"/>
+              <a:buNone/>
+              <a:defRPr sz="1600" kern="1200">
+                <a:solidFill>
+                  <a:schemeClr val="tx1"/>
+                </a:solidFill>
+                <a:latin typeface="+mn-lt"/>
+                <a:ea typeface="+mn-ea"/>
+                <a:cs typeface="+mn-cs"/>
+              </a:defRPr>
+            </a:lvl9pPr>
+          </a:lstStyle>
+          <a:p>
+            <a:pPr algn="l"/>
+            <a:r>
+              <a:rPr lang="en-US" sz="1800" dirty="0"/>
+              <a:t>WHAT IS AI?</a:t>
+            </a:r>
+          </a:p>
+          <a:p>
+            <a:pPr algn="l"/>
+            <a:r>
+              <a:rPr lang="en-US" sz="1800" dirty="0"/>
+              <a:t>“</a:t>
+            </a:r>
+            <a:r>
+              <a:rPr lang="en-US" sz="1800" b="1" dirty="0"/>
+              <a:t>Algorithms</a:t>
+            </a:r>
+            <a:r>
+              <a:rPr lang="en-US" sz="1800" dirty="0"/>
+              <a:t> enabled by </a:t>
+            </a:r>
+            <a:r>
+              <a:rPr lang="en-US" sz="1800" b="1" dirty="0"/>
+              <a:t>constraints</a:t>
+            </a:r>
+            <a:r>
+              <a:rPr lang="en-US" sz="1800" dirty="0"/>
+              <a:t> &amp; exposed by </a:t>
+            </a:r>
+            <a:r>
+              <a:rPr lang="en-US" sz="1800" b="1" dirty="0"/>
+              <a:t>representations</a:t>
+            </a:r>
+            <a:r>
+              <a:rPr lang="en-US" sz="1800" dirty="0"/>
+              <a:t> that support </a:t>
+            </a:r>
+            <a:r>
+              <a:rPr lang="en-US" sz="1800" b="1" dirty="0"/>
+              <a:t>models</a:t>
+            </a:r>
+            <a:r>
+              <a:rPr lang="en-US" sz="1800" dirty="0"/>
+              <a:t> targeted at </a:t>
+            </a:r>
+            <a:r>
+              <a:rPr lang="en-US" sz="1800" b="1" dirty="0"/>
+              <a:t>thinking</a:t>
+            </a:r>
+            <a:r>
+              <a:rPr lang="en-US" sz="1800" dirty="0"/>
+              <a:t>, </a:t>
+            </a:r>
+            <a:r>
+              <a:rPr lang="en-US" sz="1800" b="1" dirty="0"/>
+              <a:t>perception</a:t>
+            </a:r>
+            <a:r>
+              <a:rPr lang="en-US" sz="1800" dirty="0"/>
+              <a:t> and </a:t>
+            </a:r>
+            <a:r>
+              <a:rPr lang="en-US" sz="1800" b="1" dirty="0"/>
+              <a:t>action</a:t>
+            </a:r>
+            <a:r>
+              <a:rPr lang="en-US" sz="1800" dirty="0"/>
+              <a:t>.” 	</a:t>
+            </a:r>
+          </a:p>
+          <a:p>
+            <a:pPr algn="r"/>
+            <a:r>
+              <a:rPr lang="en-US" sz="1800" dirty="0"/>
+              <a:t>MIT Prof. Patrick </a:t>
+            </a:r>
+            <a:r>
+              <a:rPr lang="en-US" sz="1800" dirty="0" smtClean="0"/>
+              <a:t>Winston </a:t>
+            </a:r>
+            <a:r>
+              <a:rPr lang="en-US" sz="1800" dirty="0" smtClean="0"/>
+              <a:t>(1945-2019)</a:t>
+            </a:r>
+            <a:endParaRPr lang="en-US" sz="1800" dirty="0"/>
+          </a:p>
+          <a:p>
+            <a:pPr indent="-228600" algn="l">
+              <a:buFont typeface="Arial" panose="020B0604020202020204" pitchFamily="34" charset="0"/>
+              <a:buChar char="•"/>
+            </a:pPr>
+            <a:endParaRPr lang="en-US" sz="1800" dirty="0"/>
+          </a:p>
+        </p:txBody>
+      </p:sp>
+    </p:spTree>
+    <p:extLst>
+      <p:ext uri="{BB962C8B-B14F-4D97-AF65-F5344CB8AC3E}">
+        <p14:creationId xmlns:p14="http://schemas.microsoft.com/office/powerpoint/2010/main" val="2618803147"/>
+      </p:ext>
+    </p:extLst>
+  </p:cSld>
+  <p:clrMapOvr>
+    <a:masterClrMapping/>
+  </p:clrMapOvr>
+  <p:timing>
+    <p:tnLst>
+      <p:par>
+        <p:cTn id="1" dur="indefinite" restart="never" nodeType="tmRoot"/>
+      </p:par>
+    </p:tnLst>
+  </p:timing>
+</p:sld>
+</file>
+
+<file path=ppt/slides/slide6.xml><?xml version="1.0" encoding="utf-8"?>
+<p:sld xmlns:a="http://schemas.openxmlformats.org/drawingml/2006/main" xmlns:r="http://schemas.openxmlformats.org/officeDocument/2006/relationships" xmlns:p="http://schemas.openxmlformats.org/presentationml/2006/main">
+  <p:cSld>
+    <p:bg>
+      <p:bgPr>
+        <a:solidFill>
+          <a:schemeClr val="bg1"/>
+        </a:solidFill>
+        <a:effectLst/>
+      </p:bgPr>
+    </p:bg>
+    <p:spTree>
+      <p:nvGrpSpPr>
+        <p:cNvPr id="1" name=""/>
+        <p:cNvGrpSpPr/>
+        <p:nvPr/>
+      </p:nvGrpSpPr>
+      <p:grpSpPr>
+        <a:xfrm>
+          <a:off x="0" y="0"/>
+          <a:ext cx="0" cy="0"/>
+          <a:chOff x="0" y="0"/>
+          <a:chExt cx="0" cy="0"/>
+        </a:xfrm>
+      </p:grpSpPr>
+      <p:sp>
+        <p:nvSpPr>
+          <p:cNvPr id="9" name="Rectangle 8">
+            <a:extLst>
+              <a:ext uri="{FF2B5EF4-FFF2-40B4-BE49-F238E27FC236}">
+                <a16:creationId xmlns:a16="http://schemas.microsoft.com/office/drawing/2014/main" id="{F56F5174-31D9-4DBB-AAB7-A1FD7BDB1352}"/>
+              </a:ext>
+              <a:ext uri="{C183D7F6-B498-43B3-948B-1728B52AA6E4}">
+                <adec:decorative xmlns:adec="http://schemas.microsoft.com/office/drawing/2017/decorative" xmlns="" val="1"/>
+              </a:ext>
+            </a:extLst>
+          </p:cNvPr>
+          <p:cNvSpPr>
+            <a:spLocks noGrp="1" noRot="1" noChangeAspect="1" noMove="1" noResize="1" noEditPoints="1" noAdjustHandles="1" noChangeArrowheads="1" noChangeShapeType="1" noTextEdit="1"/>
+          </p:cNvSpPr>
+          <p:nvPr>
+            <p:extLst>
+              <p:ext uri="{386F3935-93C4-4BCD-93E2-E3B085C9AB24}">
+                <p16:designElem xmlns:p16="http://schemas.microsoft.com/office/powerpoint/2015/main" val="1"/>
+              </p:ext>
+            </p:extLst>
+          </p:nvPr>
+        </p:nvSpPr>
+        <p:spPr>
+          <a:xfrm>
+            <a:off x="1" y="0"/>
+            <a:ext cx="5614875" cy="6858000"/>
+          </a:xfrm>
+          <a:prstGeom prst="rect">
+            <a:avLst/>
+          </a:prstGeom>
+          <a:gradFill>
+            <a:gsLst>
+              <a:gs pos="0">
+                <a:schemeClr val="accent1">
+                  <a:lumMod val="100000"/>
+                  <a:alpha val="82000"/>
+                </a:schemeClr>
+              </a:gs>
+              <a:gs pos="25000">
+                <a:schemeClr val="accent1">
+                  <a:alpha val="60000"/>
+                </a:schemeClr>
+              </a:gs>
+              <a:gs pos="94000">
+                <a:schemeClr val="bg2">
+                  <a:lumMod val="75000"/>
+                </a:schemeClr>
+              </a:gs>
+              <a:gs pos="100000">
+                <a:schemeClr val="bg2">
+                  <a:lumMod val="75000"/>
+                </a:schemeClr>
+              </a:gs>
+            </a:gsLst>
+            <a:lin ang="4200000" scaled="0"/>
+          </a:gradFill>
+          <a:ln>
+            <a:noFill/>
+          </a:ln>
+        </p:spPr>
+        <p:style>
+          <a:lnRef idx="2">
+            <a:schemeClr val="accent1">
+              <a:shade val="50000"/>
+            </a:schemeClr>
+          </a:lnRef>
+          <a:fillRef idx="1">
+            <a:schemeClr val="accent1"/>
+          </a:fillRef>
+          <a:effectRef idx="0">
+            <a:schemeClr val="accent1"/>
+          </a:effectRef>
+          <a:fontRef idx="minor">
+            <a:schemeClr val="lt1"/>
+          </a:fontRef>
+        </p:style>
+        <p:txBody>
+          <a:bodyPr rtlCol="0" anchor="ctr"/>
+          <a:lstStyle/>
+          <a:p>
+            <a:pPr algn="ctr"/>
+            <a:endParaRPr lang="en-US"/>
+          </a:p>
+        </p:txBody>
+      </p:sp>
+      <p:pic>
+        <p:nvPicPr>
+          <p:cNvPr id="11" name="Picture 10">
+            <a:extLst>
+              <a:ext uri="{FF2B5EF4-FFF2-40B4-BE49-F238E27FC236}">
+                <a16:creationId xmlns:a16="http://schemas.microsoft.com/office/drawing/2014/main" id="{AE113210-7872-481A-ADE6-3A05CCAF5EB2}"/>
+              </a:ext>
+              <a:ext uri="{C183D7F6-B498-43B3-948B-1728B52AA6E4}">
+                <adec:decorative xmlns:adec="http://schemas.microsoft.com/office/drawing/2017/decorative" xmlns="" val="1"/>
+              </a:ext>
+            </a:extLst>
+          </p:cNvPr>
+          <p:cNvPicPr>
+            <a:picLocks noGrp="1" noRot="1" noChangeAspect="1" noMove="1" noResize="1" noEditPoints="1" noAdjustHandles="1" noChangeArrowheads="1" noChangeShapeType="1" noCrop="1"/>
+          </p:cNvPicPr>
+          <p:nvPr>
+            <p:extLst>
+              <p:ext uri="{386F3935-93C4-4BCD-93E2-E3B085C9AB24}">
+                <p16:designElem xmlns:p16="http://schemas.microsoft.com/office/powerpoint/2015/main" val="1"/>
+              </p:ext>
+            </p:extLst>
+          </p:nvPr>
+        </p:nvPicPr>
+        <p:blipFill>
+          <a:blip r:embed="rId3">
+            <a:extLst>
+              <a:ext uri="{28A0092B-C50C-407E-A947-70E740481C1C}">
+                <a14:useLocalDpi xmlns:a14="http://schemas.microsoft.com/office/drawing/2010/main" val="0"/>
+              </a:ext>
+            </a:extLst>
+          </a:blip>
+          <a:stretch>
+            <a:fillRect/>
+          </a:stretch>
+        </p:blipFill>
+        <p:spPr>
+          <a:xfrm>
+            <a:off x="0" y="0"/>
+            <a:ext cx="12192000" cy="6858000"/>
+          </a:xfrm>
+          <a:prstGeom prst="rect">
+            <a:avLst/>
+          </a:prstGeom>
+        </p:spPr>
+      </p:pic>
+      <p:sp>
+        <p:nvSpPr>
+          <p:cNvPr id="4" name="TextBox 3"/>
+          <p:cNvSpPr txBox="1"/>
+          <p:nvPr/>
+        </p:nvSpPr>
+        <p:spPr>
+          <a:xfrm>
+            <a:off x="6094105" y="802955"/>
+            <a:ext cx="4977976" cy="1454051"/>
+          </a:xfrm>
+          <a:prstGeom prst="rect">
+            <a:avLst/>
+          </a:prstGeom>
+        </p:spPr>
+        <p:txBody>
+          <a:bodyPr vert="horz" lIns="91440" tIns="45720" rIns="91440" bIns="45720" rtlCol="0" anchor="ctr">
+            <a:normAutofit/>
+          </a:bodyPr>
+          <a:lstStyle/>
+          <a:p>
+            <a:pPr>
+              <a:lnSpc>
+                <a:spcPct val="90000"/>
+              </a:lnSpc>
+              <a:spcBef>
+                <a:spcPct val="0"/>
+              </a:spcBef>
+              <a:spcAft>
+                <a:spcPts val="600"/>
+              </a:spcAft>
+            </a:pPr>
+            <a:r>
+              <a:rPr lang="en-US" sz="4400">
+                <a:solidFill>
+                  <a:srgbClr val="000000"/>
+                </a:solidFill>
+                <a:latin typeface="+mj-lt"/>
+                <a:ea typeface="+mj-ea"/>
+                <a:cs typeface="+mj-cs"/>
+              </a:rPr>
+              <a:t>Class-1: Introduction to ML</a:t>
+            </a:r>
+          </a:p>
+        </p:txBody>
+      </p:sp>
+      <p:sp>
+        <p:nvSpPr>
+          <p:cNvPr id="13" name="Freeform 62">
+            <a:extLst>
+              <a:ext uri="{FF2B5EF4-FFF2-40B4-BE49-F238E27FC236}">
+                <a16:creationId xmlns:a16="http://schemas.microsoft.com/office/drawing/2014/main" id="{F9A95BEE-6BB1-4A28-A8E6-A34B2E42EF87}"/>
+              </a:ext>
+              <a:ext uri="{C183D7F6-B498-43B3-948B-1728B52AA6E4}">
+                <adec:decorative xmlns:adec="http://schemas.microsoft.com/office/drawing/2017/decorative" xmlns="" val="1"/>
+              </a:ext>
+            </a:extLst>
+          </p:cNvPr>
+          <p:cNvSpPr>
+            <a:spLocks noGrp="1" noRot="1" noChangeAspect="1" noMove="1" noResize="1" noEditPoints="1" noAdjustHandles="1" noChangeArrowheads="1" noChangeShapeType="1" noTextEdit="1"/>
+          </p:cNvSpPr>
+          <p:nvPr>
+            <p:extLst>
+              <p:ext uri="{386F3935-93C4-4BCD-93E2-E3B085C9AB24}">
+                <p16:designElem xmlns:p16="http://schemas.microsoft.com/office/powerpoint/2015/main" val="1"/>
+              </p:ext>
+            </p:extLst>
+          </p:nvPr>
+        </p:nvSpPr>
+        <p:spPr>
+          <a:xfrm>
+            <a:off x="0" y="738619"/>
+            <a:ext cx="5000438" cy="5400962"/>
+          </a:xfrm>
+          <a:custGeom>
+            <a:avLst/>
+            <a:gdLst>
+              <a:gd name="connsiteX0" fmla="*/ 2299956 w 5000438"/>
+              <a:gd name="connsiteY0" fmla="*/ 0 h 5400962"/>
+              <a:gd name="connsiteX1" fmla="*/ 5000438 w 5000438"/>
+              <a:gd name="connsiteY1" fmla="*/ 2700481 h 5400962"/>
+              <a:gd name="connsiteX2" fmla="*/ 2299956 w 5000438"/>
+              <a:gd name="connsiteY2" fmla="*/ 5400962 h 5400962"/>
+              <a:gd name="connsiteX3" fmla="*/ 60675 w 5000438"/>
+              <a:gd name="connsiteY3" fmla="*/ 4210346 h 5400962"/>
+              <a:gd name="connsiteX4" fmla="*/ 0 w 5000438"/>
+              <a:gd name="connsiteY4" fmla="*/ 4110472 h 5400962"/>
+              <a:gd name="connsiteX5" fmla="*/ 0 w 5000438"/>
+              <a:gd name="connsiteY5" fmla="*/ 1290491 h 5400962"/>
+              <a:gd name="connsiteX6" fmla="*/ 60675 w 5000438"/>
+              <a:gd name="connsiteY6" fmla="*/ 1190617 h 5400962"/>
+              <a:gd name="connsiteX7" fmla="*/ 2299956 w 5000438"/>
+              <a:gd name="connsiteY7" fmla="*/ 0 h 5400962"/>
+            </a:gdLst>
+            <a:ahLst/>
+            <a:cxnLst>
+              <a:cxn ang="0">
+                <a:pos x="connsiteX0" y="connsiteY0"/>
+              </a:cxn>
+              <a:cxn ang="0">
+                <a:pos x="connsiteX1" y="connsiteY1"/>
+              </a:cxn>
+              <a:cxn ang="0">
+                <a:pos x="connsiteX2" y="connsiteY2"/>
+              </a:cxn>
+              <a:cxn ang="0">
+                <a:pos x="connsiteX3" y="connsiteY3"/>
+              </a:cxn>
+              <a:cxn ang="0">
+                <a:pos x="connsiteX4" y="connsiteY4"/>
+              </a:cxn>
+              <a:cxn ang="0">
+                <a:pos x="connsiteX5" y="connsiteY5"/>
+              </a:cxn>
+              <a:cxn ang="0">
+                <a:pos x="connsiteX6" y="connsiteY6"/>
+              </a:cxn>
+              <a:cxn ang="0">
+                <a:pos x="connsiteX7" y="connsiteY7"/>
+              </a:cxn>
+            </a:cxnLst>
+            <a:rect l="l" t="t" r="r" b="b"/>
+            <a:pathLst>
+              <a:path w="5000438" h="5400962">
+                <a:moveTo>
+                  <a:pt x="2299956" y="0"/>
+                </a:moveTo>
+                <a:cubicBezTo>
+                  <a:pt x="3791390" y="0"/>
+                  <a:pt x="5000438" y="1209047"/>
+                  <a:pt x="5000438" y="2700481"/>
+                </a:cubicBezTo>
+                <a:cubicBezTo>
+                  <a:pt x="5000438" y="4191915"/>
+                  <a:pt x="3791390" y="5400962"/>
+                  <a:pt x="2299956" y="5400962"/>
+                </a:cubicBezTo>
+                <a:cubicBezTo>
+                  <a:pt x="1367810" y="5400962"/>
+                  <a:pt x="545971" y="4928678"/>
+                  <a:pt x="60675" y="4210346"/>
+                </a:cubicBezTo>
+                <a:lnTo>
+                  <a:pt x="0" y="4110472"/>
+                </a:lnTo>
+                <a:lnTo>
+                  <a:pt x="0" y="1290491"/>
+                </a:lnTo>
+                <a:lnTo>
+                  <a:pt x="60675" y="1190617"/>
+                </a:lnTo>
+                <a:cubicBezTo>
+                  <a:pt x="545971" y="472284"/>
+                  <a:pt x="1367810" y="0"/>
+                  <a:pt x="2299956" y="0"/>
+                </a:cubicBezTo>
+                <a:close/>
+              </a:path>
+            </a:pathLst>
+          </a:custGeom>
+          <a:solidFill>
+            <a:srgbClr val="FFFFFF"/>
+          </a:solidFill>
+          <a:ln>
+            <a:noFill/>
+          </a:ln>
+        </p:spPr>
+        <p:style>
+          <a:lnRef idx="2">
+            <a:schemeClr val="accent1">
+              <a:shade val="50000"/>
+            </a:schemeClr>
+          </a:lnRef>
+          <a:fillRef idx="1">
+            <a:schemeClr val="accent1"/>
+          </a:fillRef>
+          <a:effectRef idx="0">
+            <a:schemeClr val="accent1"/>
+          </a:effectRef>
+          <a:fontRef idx="minor">
+            <a:schemeClr val="lt1"/>
+          </a:fontRef>
+        </p:style>
+        <p:txBody>
+          <a:bodyPr wrap="square" rtlCol="0" anchor="ctr">
+            <a:noAutofit/>
+          </a:bodyPr>
+          <a:lstStyle/>
+          <a:p>
+            <a:pPr algn="ctr"/>
+            <a:endParaRPr lang="en-US"/>
+          </a:p>
+        </p:txBody>
+      </p:sp>
+      <p:pic>
+        <p:nvPicPr>
+          <p:cNvPr id="2" name="Picture 1">
+            <a:extLst>
+              <a:ext uri="{FF2B5EF4-FFF2-40B4-BE49-F238E27FC236}">
+                <a16:creationId xmlns:a16="http://schemas.microsoft.com/office/drawing/2014/main" id="{9D64ECAC-BD3F-407E-A12A-D0F42C3D405C}"/>
+              </a:ext>
+            </a:extLst>
+          </p:cNvPr>
+          <p:cNvPicPr>
+            <a:picLocks noChangeAspect="1"/>
+          </p:cNvPicPr>
+          <p:nvPr/>
+        </p:nvPicPr>
+        <p:blipFill rotWithShape="1">
+          <a:blip r:embed="rId4">
+            <a:alphaModFix/>
+          </a:blip>
+          <a:srcRect l="17488" r="18978" b="2"/>
+          <a:stretch/>
+        </p:blipFill>
+        <p:spPr>
+          <a:xfrm>
+            <a:off x="20" y="907231"/>
+            <a:ext cx="4838021" cy="5063738"/>
+          </a:xfrm>
+          <a:custGeom>
+            <a:avLst/>
+            <a:gdLst/>
+            <a:ahLst/>
+            <a:cxnLst/>
+            <a:rect l="l" t="t" r="r" b="b"/>
+            <a:pathLst>
+              <a:path w="4838041" h="5063738">
+                <a:moveTo>
+                  <a:pt x="2306172" y="0"/>
+                </a:moveTo>
+                <a:cubicBezTo>
+                  <a:pt x="3704485" y="0"/>
+                  <a:pt x="4838041" y="1133556"/>
+                  <a:pt x="4838041" y="2531869"/>
+                </a:cubicBezTo>
+                <a:cubicBezTo>
+                  <a:pt x="4838041" y="3930182"/>
+                  <a:pt x="3704485" y="5063738"/>
+                  <a:pt x="2306172" y="5063738"/>
+                </a:cubicBezTo>
+                <a:cubicBezTo>
+                  <a:pt x="1344832" y="5063738"/>
+                  <a:pt x="508631" y="4527956"/>
+                  <a:pt x="79886" y="3738709"/>
+                </a:cubicBezTo>
+                <a:lnTo>
+                  <a:pt x="0" y="3572876"/>
+                </a:lnTo>
+                <a:lnTo>
+                  <a:pt x="0" y="1490863"/>
+                </a:lnTo>
+                <a:lnTo>
+                  <a:pt x="79886" y="1325030"/>
+                </a:lnTo>
+                <a:cubicBezTo>
+                  <a:pt x="508631" y="535783"/>
+                  <a:pt x="1344832" y="0"/>
+                  <a:pt x="2306172" y="0"/>
+                </a:cubicBezTo>
+                <a:close/>
+              </a:path>
+            </a:pathLst>
+          </a:custGeom>
+          <a:effectLst>
+            <a:softEdge rad="0"/>
+          </a:effectLst>
+        </p:spPr>
+      </p:pic>
+      <p:sp>
+        <p:nvSpPr>
+          <p:cNvPr id="3" name="Subtitle 2"/>
+          <p:cNvSpPr>
+            <a:spLocks noGrp="1"/>
+          </p:cNvSpPr>
+          <p:nvPr>
+            <p:ph type="subTitle" idx="1"/>
+          </p:nvPr>
+        </p:nvSpPr>
+        <p:spPr>
+          <a:xfrm>
+            <a:off x="6090574" y="2421682"/>
+            <a:ext cx="4977578" cy="3639289"/>
+          </a:xfrm>
+        </p:spPr>
+        <p:txBody>
+          <a:bodyPr vert="horz" lIns="91440" tIns="45720" rIns="91440" bIns="45720" rtlCol="0" anchor="ctr">
+            <a:normAutofit/>
+          </a:bodyPr>
+          <a:lstStyle/>
+          <a:p>
+            <a:pPr algn="l"/>
+            <a:r>
+              <a:rPr lang="en-US" sz="1700" dirty="0">
+                <a:solidFill>
+                  <a:srgbClr val="000000"/>
+                </a:solidFill>
+              </a:rPr>
+              <a:t>Is this thing a cheetah?</a:t>
+            </a:r>
+          </a:p>
+          <a:p>
+            <a:pPr indent="-228600" algn="l">
+              <a:buFont typeface="Arial" panose="020B0604020202020204" pitchFamily="34" charset="0"/>
+              <a:buChar char="•"/>
+            </a:pPr>
+            <a:r>
+              <a:rPr lang="en-US" sz="1700" dirty="0">
+                <a:solidFill>
+                  <a:srgbClr val="000000"/>
+                </a:solidFill>
+              </a:rPr>
+              <a:t>Rule based “expert” system</a:t>
+            </a:r>
+          </a:p>
+          <a:p>
+            <a:pPr marL="685800" indent="-228600" algn="l">
+              <a:buFont typeface="Arial" panose="020B0604020202020204" pitchFamily="34" charset="0"/>
+              <a:buChar char="•"/>
+            </a:pPr>
+            <a:r>
+              <a:rPr lang="en-US" sz="1700" dirty="0">
+                <a:solidFill>
+                  <a:srgbClr val="000000"/>
+                </a:solidFill>
+              </a:rPr>
+              <a:t>Hair (R1) -&gt; Mammal</a:t>
+            </a:r>
+          </a:p>
+          <a:p>
+            <a:pPr marL="685800" indent="-228600" algn="l">
+              <a:buFont typeface="Arial" panose="020B0604020202020204" pitchFamily="34" charset="0"/>
+              <a:buChar char="•"/>
+            </a:pPr>
+            <a:r>
+              <a:rPr lang="en-US" sz="1700" dirty="0">
+                <a:solidFill>
+                  <a:srgbClr val="000000"/>
+                </a:solidFill>
+              </a:rPr>
+              <a:t>Claws, Teeth, forward point eyes (R2) - Animal</a:t>
+            </a:r>
+          </a:p>
+          <a:p>
+            <a:pPr marL="685800" indent="-228600" algn="l">
+              <a:buFont typeface="Arial" panose="020B0604020202020204" pitchFamily="34" charset="0"/>
+              <a:buChar char="•"/>
+            </a:pPr>
+            <a:r>
+              <a:rPr lang="en-US" sz="1700" dirty="0">
+                <a:solidFill>
+                  <a:srgbClr val="000000"/>
+                </a:solidFill>
+              </a:rPr>
+              <a:t>Eat meat (R3) -&gt; Carnivore</a:t>
+            </a:r>
+          </a:p>
+          <a:p>
+            <a:pPr marL="685800" indent="-228600" algn="l">
+              <a:buFont typeface="Arial" panose="020B0604020202020204" pitchFamily="34" charset="0"/>
+              <a:buChar char="•"/>
+            </a:pPr>
+            <a:r>
+              <a:rPr lang="en-US" sz="1700" dirty="0">
+                <a:solidFill>
+                  <a:srgbClr val="000000"/>
+                </a:solidFill>
+              </a:rPr>
+              <a:t>Run fast (R4) </a:t>
+            </a:r>
+          </a:p>
+          <a:p>
+            <a:pPr indent="-228600" algn="l">
+              <a:buFont typeface="Arial" panose="020B0604020202020204" pitchFamily="34" charset="0"/>
+              <a:buChar char="•"/>
+            </a:pPr>
+            <a:r>
+              <a:rPr lang="en-US" sz="1700" dirty="0">
+                <a:solidFill>
+                  <a:srgbClr val="000000"/>
+                </a:solidFill>
+              </a:rPr>
+              <a:t>Through Gate Tree -&gt; Cheetah</a:t>
+            </a:r>
+          </a:p>
+          <a:p>
+            <a:pPr algn="l"/>
+            <a:endParaRPr lang="en-US" sz="1700" dirty="0">
+              <a:solidFill>
+                <a:srgbClr val="000000"/>
+              </a:solidFill>
+            </a:endParaRPr>
+          </a:p>
+        </p:txBody>
+      </p:sp>
+    </p:spTree>
+    <p:extLst>
+      <p:ext uri="{BB962C8B-B14F-4D97-AF65-F5344CB8AC3E}">
+        <p14:creationId xmlns:p14="http://schemas.microsoft.com/office/powerpoint/2010/main" val="3360769727"/>
+      </p:ext>
+    </p:extLst>
+  </p:cSld>
+  <p:clrMapOvr>
+    <a:masterClrMapping/>
+  </p:clrMapOvr>
+  <p:timing>
+    <p:tnLst>
+      <p:par>
+        <p:cTn id="1" dur="indefinite" restart="never" nodeType="tmRoot"/>
+      </p:par>
+    </p:tnLst>
+  </p:timing>
+</p:sld>
+</file>
+
+<file path=ppt/slides/slide7.xml><?xml version="1.0" encoding="utf-8"?>
+<p:sld xmlns:a="http://schemas.openxmlformats.org/drawingml/2006/main" xmlns:r="http://schemas.openxmlformats.org/officeDocument/2006/relationships" xmlns:p="http://schemas.openxmlformats.org/presentationml/2006/main">
+  <p:cSld>
+    <p:spTree>
+      <p:nvGrpSpPr>
+        <p:cNvPr id="1" name=""/>
+        <p:cNvGrpSpPr/>
+        <p:nvPr/>
+      </p:nvGrpSpPr>
+      <p:grpSpPr>
+        <a:xfrm>
+          <a:off x="0" y="0"/>
+          <a:ext cx="0" cy="0"/>
+          <a:chOff x="0" y="0"/>
+          <a:chExt cx="0" cy="0"/>
+        </a:xfrm>
+      </p:grpSpPr>
+      <p:sp>
+        <p:nvSpPr>
           <p:cNvPr id="3" name="Subtitle 2"/>
           <p:cNvSpPr>
             <a:spLocks noGrp="1"/>
@@ -21270,7 +22184,7 @@
 </p:sld>
 </file>
 
-<file path=ppt/slides/slide6.xml><?xml version="1.0" encoding="utf-8"?>
+<file path=ppt/slides/slide8.xml><?xml version="1.0" encoding="utf-8"?>
 <p:sld xmlns:a="http://schemas.openxmlformats.org/drawingml/2006/main" xmlns:r="http://schemas.openxmlformats.org/officeDocument/2006/relationships" xmlns:p="http://schemas.openxmlformats.org/presentationml/2006/main">
   <p:cSld>
     <p:spTree>
@@ -23536,281 +24450,6 @@
 </p:sld>
 </file>
 
-<file path=ppt/slides/slide7.xml><?xml version="1.0" encoding="utf-8"?>
-<p:sld xmlns:a="http://schemas.openxmlformats.org/drawingml/2006/main" xmlns:r="http://schemas.openxmlformats.org/officeDocument/2006/relationships" xmlns:p="http://schemas.openxmlformats.org/presentationml/2006/main">
-  <p:cSld>
-    <p:spTree>
-      <p:nvGrpSpPr>
-        <p:cNvPr id="1" name=""/>
-        <p:cNvGrpSpPr/>
-        <p:nvPr/>
-      </p:nvGrpSpPr>
-      <p:grpSpPr>
-        <a:xfrm>
-          <a:off x="0" y="0"/>
-          <a:ext cx="0" cy="0"/>
-          <a:chOff x="0" y="0"/>
-          <a:chExt cx="0" cy="0"/>
-        </a:xfrm>
-      </p:grpSpPr>
-      <p:sp>
-        <p:nvSpPr>
-          <p:cNvPr id="3" name="Subtitle 2"/>
-          <p:cNvSpPr>
-            <a:spLocks noGrp="1"/>
-          </p:cNvSpPr>
-          <p:nvPr>
-            <p:ph type="subTitle" idx="1"/>
-          </p:nvPr>
-        </p:nvSpPr>
-        <p:spPr>
-          <a:xfrm>
-            <a:off x="641023" y="815294"/>
-            <a:ext cx="11227323" cy="5498419"/>
-          </a:xfrm>
-        </p:spPr>
-        <p:txBody>
-          <a:bodyPr>
-            <a:normAutofit/>
-          </a:bodyPr>
-          <a:lstStyle/>
-          <a:p>
-            <a:pPr algn="l"/>
-            <a:r>
-              <a:rPr lang="en-US" sz="4900" dirty="0"/>
-              <a:t>Knowledge Engineering Rules:</a:t>
-            </a:r>
-          </a:p>
-          <a:p>
-            <a:pPr marL="685800" indent="-685800" algn="l">
-              <a:buFont typeface="Arial" panose="020B0604020202020204" pitchFamily="34" charset="0"/>
-              <a:buChar char="•"/>
-            </a:pPr>
-            <a:r>
-              <a:rPr lang="en-US" sz="4900" dirty="0"/>
-              <a:t>Be Specific – domain</a:t>
-            </a:r>
-          </a:p>
-          <a:p>
-            <a:pPr marL="685800" indent="-685800" algn="l">
-              <a:buFont typeface="Arial" panose="020B0604020202020204" pitchFamily="34" charset="0"/>
-              <a:buChar char="•"/>
-            </a:pPr>
-            <a:r>
-              <a:rPr lang="en-US" sz="4900" dirty="0"/>
-              <a:t>Know the subjects</a:t>
-            </a:r>
-          </a:p>
-          <a:p>
-            <a:pPr marL="685800" indent="-685800" algn="l">
-              <a:buFont typeface="Arial" panose="020B0604020202020204" pitchFamily="34" charset="0"/>
-              <a:buChar char="•"/>
-            </a:pPr>
-            <a:r>
-              <a:rPr lang="en-US" sz="4900" dirty="0"/>
-              <a:t>Build the system with unit test - “Can the system answer questions of its own behaviors?”</a:t>
-            </a:r>
-          </a:p>
-          <a:p>
-            <a:pPr marL="685800" indent="-685800" algn="l">
-              <a:buFont typeface="Arial" panose="020B0604020202020204" pitchFamily="34" charset="0"/>
-              <a:buChar char="•"/>
-            </a:pPr>
-            <a:endParaRPr lang="en-US" sz="4900" dirty="0"/>
-          </a:p>
-        </p:txBody>
-      </p:sp>
-      <p:sp>
-        <p:nvSpPr>
-          <p:cNvPr id="4" name="TextBox 3"/>
-          <p:cNvSpPr txBox="1"/>
-          <p:nvPr/>
-        </p:nvSpPr>
-        <p:spPr>
-          <a:xfrm>
-            <a:off x="522513" y="217714"/>
-            <a:ext cx="10798629" cy="584775"/>
-          </a:xfrm>
-          <a:prstGeom prst="rect">
-            <a:avLst/>
-          </a:prstGeom>
-          <a:noFill/>
-        </p:spPr>
-        <p:txBody>
-          <a:bodyPr wrap="square" rtlCol="0">
-            <a:spAutoFit/>
-          </a:bodyPr>
-          <a:lstStyle/>
-          <a:p>
-            <a:r>
-              <a:rPr lang="en-US" sz="3200" dirty="0"/>
-              <a:t>Class-1: Introduction to ML</a:t>
-            </a:r>
-          </a:p>
-        </p:txBody>
-      </p:sp>
-    </p:spTree>
-    <p:extLst>
-      <p:ext uri="{BB962C8B-B14F-4D97-AF65-F5344CB8AC3E}">
-        <p14:creationId xmlns:p14="http://schemas.microsoft.com/office/powerpoint/2010/main" val="1536398754"/>
-      </p:ext>
-    </p:extLst>
-  </p:cSld>
-  <p:clrMapOvr>
-    <a:masterClrMapping/>
-  </p:clrMapOvr>
-</p:sld>
-</file>
-
-<file path=ppt/slides/slide8.xml><?xml version="1.0" encoding="utf-8"?>
-<p:sld xmlns:a="http://schemas.openxmlformats.org/drawingml/2006/main" xmlns:r="http://schemas.openxmlformats.org/officeDocument/2006/relationships" xmlns:p="http://schemas.openxmlformats.org/presentationml/2006/main">
-  <p:cSld>
-    <p:spTree>
-      <p:nvGrpSpPr>
-        <p:cNvPr id="1" name=""/>
-        <p:cNvGrpSpPr/>
-        <p:nvPr/>
-      </p:nvGrpSpPr>
-      <p:grpSpPr>
-        <a:xfrm>
-          <a:off x="0" y="0"/>
-          <a:ext cx="0" cy="0"/>
-          <a:chOff x="0" y="0"/>
-          <a:chExt cx="0" cy="0"/>
-        </a:xfrm>
-      </p:grpSpPr>
-      <p:sp>
-        <p:nvSpPr>
-          <p:cNvPr id="3" name="Subtitle 2"/>
-          <p:cNvSpPr>
-            <a:spLocks noGrp="1"/>
-          </p:cNvSpPr>
-          <p:nvPr>
-            <p:ph type="subTitle" idx="1"/>
-          </p:nvPr>
-        </p:nvSpPr>
-        <p:spPr>
-          <a:xfrm>
-            <a:off x="641023" y="1253878"/>
-            <a:ext cx="11227323" cy="5059835"/>
-          </a:xfrm>
-        </p:spPr>
-        <p:txBody>
-          <a:bodyPr>
-            <a:normAutofit lnSpcReduction="10000"/>
-          </a:bodyPr>
-          <a:lstStyle/>
-          <a:p>
-            <a:pPr marL="685800" indent="-685800" algn="l">
-              <a:buFont typeface="Arial" panose="020B0604020202020204" pitchFamily="34" charset="0"/>
-              <a:buChar char="•"/>
-            </a:pPr>
-            <a:r>
-              <a:rPr lang="en-US" sz="4900" dirty="0"/>
-              <a:t>Computer programming</a:t>
-            </a:r>
-          </a:p>
-          <a:p>
-            <a:pPr marL="685800" indent="-685800" algn="l">
-              <a:buFont typeface="Arial" panose="020B0604020202020204" pitchFamily="34" charset="0"/>
-              <a:buChar char="•"/>
-            </a:pPr>
-            <a:r>
-              <a:rPr lang="en-US" sz="4900" dirty="0"/>
-              <a:t>Knowledge mining – search</a:t>
-            </a:r>
-          </a:p>
-          <a:p>
-            <a:pPr marL="685800" indent="-685800" algn="l">
-              <a:buFont typeface="Arial" panose="020B0604020202020204" pitchFamily="34" charset="0"/>
-              <a:buChar char="•"/>
-            </a:pPr>
-            <a:r>
-              <a:rPr lang="en-US" sz="4900" dirty="0"/>
-              <a:t>Domain knowledge</a:t>
-            </a:r>
-          </a:p>
-          <a:p>
-            <a:pPr marL="685800" indent="-685800" algn="l">
-              <a:buFont typeface="Arial" panose="020B0604020202020204" pitchFamily="34" charset="0"/>
-              <a:buChar char="•"/>
-            </a:pPr>
-            <a:r>
-              <a:rPr lang="en-US" sz="4900" dirty="0"/>
-              <a:t>Data Ingestion</a:t>
-            </a:r>
-          </a:p>
-          <a:p>
-            <a:pPr marL="685800" indent="-685800" algn="l">
-              <a:buFont typeface="Arial" panose="020B0604020202020204" pitchFamily="34" charset="0"/>
-              <a:buChar char="•"/>
-            </a:pPr>
-            <a:r>
-              <a:rPr lang="en-US" sz="4900" dirty="0"/>
-              <a:t>Model Training </a:t>
-            </a:r>
-          </a:p>
-          <a:p>
-            <a:pPr marL="685800" indent="-685800" algn="l">
-              <a:buFont typeface="Arial" panose="020B0604020202020204" pitchFamily="34" charset="0"/>
-              <a:buChar char="•"/>
-            </a:pPr>
-            <a:r>
-              <a:rPr lang="en-US" sz="4900" dirty="0"/>
-              <a:t>Humanity - AI Ethics (human behaviors and value lines) </a:t>
-            </a:r>
-          </a:p>
-          <a:p>
-            <a:pPr marL="685800" indent="-685800" algn="l">
-              <a:buFont typeface="Arial" panose="020B0604020202020204" pitchFamily="34" charset="0"/>
-              <a:buChar char="•"/>
-            </a:pPr>
-            <a:endParaRPr lang="en-US" sz="4900" dirty="0"/>
-          </a:p>
-        </p:txBody>
-      </p:sp>
-      <p:sp>
-        <p:nvSpPr>
-          <p:cNvPr id="4" name="TextBox 3"/>
-          <p:cNvSpPr txBox="1"/>
-          <p:nvPr/>
-        </p:nvSpPr>
-        <p:spPr>
-          <a:xfrm>
-            <a:off x="522513" y="217714"/>
-            <a:ext cx="10798629" cy="584775"/>
-          </a:xfrm>
-          <a:prstGeom prst="rect">
-            <a:avLst/>
-          </a:prstGeom>
-          <a:noFill/>
-        </p:spPr>
-        <p:txBody>
-          <a:bodyPr wrap="square" rtlCol="0">
-            <a:spAutoFit/>
-          </a:bodyPr>
-          <a:lstStyle/>
-          <a:p>
-            <a:r>
-              <a:rPr lang="en-US" sz="3200" dirty="0"/>
-              <a:t>Class-1: Introduction to ML – what it takes?</a:t>
-            </a:r>
-          </a:p>
-        </p:txBody>
-      </p:sp>
-    </p:spTree>
-    <p:extLst>
-      <p:ext uri="{BB962C8B-B14F-4D97-AF65-F5344CB8AC3E}">
-        <p14:creationId xmlns:p14="http://schemas.microsoft.com/office/powerpoint/2010/main" val="2374375479"/>
-      </p:ext>
-    </p:extLst>
-  </p:cSld>
-  <p:clrMapOvr>
-    <a:masterClrMapping/>
-  </p:clrMapOvr>
-</p:sld>
-</file>
-
 <file path=ppt/slides/slide9.xml><?xml version="1.0" encoding="utf-8"?>
 <p:sld xmlns:a="http://schemas.openxmlformats.org/drawingml/2006/main" xmlns:r="http://schemas.openxmlformats.org/officeDocument/2006/relationships" xmlns:p="http://schemas.openxmlformats.org/presentationml/2006/main">
   <p:cSld>
@@ -23840,150 +24479,58 @@
         </p:nvSpPr>
         <p:spPr>
           <a:xfrm>
-            <a:off x="1802100" y="963680"/>
-            <a:ext cx="8738140" cy="5721844"/>
+            <a:off x="641023" y="815294"/>
+            <a:ext cx="11227323" cy="5498419"/>
           </a:xfrm>
         </p:spPr>
         <p:txBody>
           <a:bodyPr>
-            <a:normAutofit fontScale="40000" lnSpcReduction="20000"/>
+            <a:normAutofit/>
           </a:bodyPr>
           <a:lstStyle/>
           <a:p>
             <a:pPr algn="l"/>
             <a:r>
-              <a:rPr lang="en-US" sz="6200" b="1" dirty="0"/>
-              <a:t>Top 10 Skills</a:t>
-            </a:r>
-            <a:r>
-              <a:rPr lang="en-US" sz="6200" dirty="0"/>
-              <a:t> (in increasing ranking order)</a:t>
-            </a:r>
-          </a:p>
-          <a:p>
-            <a:pPr algn="l"/>
-            <a:endParaRPr lang="en-US" sz="6200" dirty="0"/>
-          </a:p>
-          <a:p>
-            <a:pPr marL="1600200" lvl="1" indent="-1143000" algn="l">
-              <a:buFont typeface="+mj-lt"/>
-              <a:buAutoNum type="arabicPeriod"/>
+              <a:rPr lang="en-US" sz="4900" dirty="0"/>
+              <a:t>Knowledge Engineering Rules:</a:t>
+            </a:r>
+          </a:p>
+          <a:p>
+            <a:pPr marL="685800" indent="-685800" algn="l">
+              <a:buFont typeface="Arial" panose="020B0604020202020204" pitchFamily="34" charset="0"/>
+              <a:buChar char="•"/>
             </a:pPr>
             <a:r>
-              <a:rPr lang="en-US" sz="5800" dirty="0"/>
-              <a:t>Python</a:t>
-            </a:r>
-          </a:p>
-          <a:p>
-            <a:pPr marL="1600200" lvl="1" indent="-1143000" algn="l">
-              <a:buFont typeface="+mj-lt"/>
-              <a:buAutoNum type="arabicPeriod"/>
+              <a:rPr lang="en-US" sz="4900" dirty="0"/>
+              <a:t>Be Specific – domain</a:t>
+            </a:r>
+          </a:p>
+          <a:p>
+            <a:pPr marL="685800" indent="-685800" algn="l">
+              <a:buFont typeface="Arial" panose="020B0604020202020204" pitchFamily="34" charset="0"/>
+              <a:buChar char="•"/>
             </a:pPr>
             <a:r>
-              <a:rPr lang="en-US" sz="5800" dirty="0"/>
-              <a:t>Linear Algebra</a:t>
-            </a:r>
-          </a:p>
-          <a:p>
-            <a:pPr marL="1600200" lvl="1" indent="-1143000" algn="l">
-              <a:buFont typeface="+mj-lt"/>
-              <a:buAutoNum type="arabicPeriod"/>
+              <a:rPr lang="en-US" sz="4900" dirty="0"/>
+              <a:t>Know the subjects</a:t>
+            </a:r>
+          </a:p>
+          <a:p>
+            <a:pPr marL="685800" indent="-685800" algn="l">
+              <a:buFont typeface="Arial" panose="020B0604020202020204" pitchFamily="34" charset="0"/>
+              <a:buChar char="•"/>
             </a:pPr>
             <a:r>
-              <a:rPr lang="en-US" sz="5800" dirty="0"/>
-              <a:t>Advance Signal Processing </a:t>
-            </a:r>
-          </a:p>
-          <a:p>
-            <a:pPr marL="1600200" lvl="1" indent="-1143000" algn="l">
-              <a:buFont typeface="+mj-lt"/>
-              <a:buAutoNum type="arabicPeriod"/>
+              <a:rPr lang="en-US" sz="4900" dirty="0"/>
+              <a:t>Build the system with unit test - “Can the system answer questions of its own behaviors?”</a:t>
+            </a:r>
+          </a:p>
+          <a:p>
+            <a:pPr marL="685800" indent="-685800" algn="l">
+              <a:buFont typeface="Arial" panose="020B0604020202020204" pitchFamily="34" charset="0"/>
+              <a:buChar char="•"/>
             </a:pPr>
-            <a:r>
-              <a:rPr lang="en-US" sz="5800" dirty="0"/>
-              <a:t>Applied Math &amp; Algorithms</a:t>
-            </a:r>
-          </a:p>
-          <a:p>
-            <a:pPr marL="1600200" lvl="1" indent="-1143000" algn="l">
-              <a:buFont typeface="+mj-lt"/>
-              <a:buAutoNum type="arabicPeriod"/>
-            </a:pPr>
-            <a:r>
-              <a:rPr lang="en-US" sz="5800" dirty="0"/>
-              <a:t>Neural Networks Architectures</a:t>
-            </a:r>
-          </a:p>
-          <a:p>
-            <a:pPr marL="1600200" lvl="1" indent="-1143000" algn="l">
-              <a:buFont typeface="+mj-lt"/>
-              <a:buAutoNum type="arabicPeriod"/>
-            </a:pPr>
-            <a:r>
-              <a:rPr lang="en-US" sz="5800" dirty="0"/>
-              <a:t>NLP</a:t>
-            </a:r>
-          </a:p>
-          <a:p>
-            <a:pPr lvl="1" algn="l"/>
-            <a:r>
-              <a:rPr lang="en-US" sz="5800" dirty="0"/>
-              <a:t>-----------------------</a:t>
-            </a:r>
-          </a:p>
-          <a:p>
-            <a:pPr marL="1600200" lvl="1" indent="-1143000" algn="l">
-              <a:buFont typeface="+mj-lt"/>
-              <a:buAutoNum type="arabicPeriod"/>
-            </a:pPr>
-            <a:r>
-              <a:rPr lang="en-US" sz="5800" dirty="0"/>
-              <a:t>Industry Knowledge</a:t>
-            </a:r>
-          </a:p>
-          <a:p>
-            <a:pPr marL="1600200" lvl="1" indent="-1143000" algn="l">
-              <a:buFont typeface="+mj-lt"/>
-              <a:buAutoNum type="arabicPeriod"/>
-            </a:pPr>
-            <a:r>
-              <a:rPr lang="en-US" sz="5800" dirty="0"/>
-              <a:t>Effective Communication</a:t>
-            </a:r>
-          </a:p>
-          <a:p>
-            <a:pPr marL="1600200" lvl="1" indent="-1143000" algn="l">
-              <a:buFont typeface="+mj-lt"/>
-              <a:buAutoNum type="arabicPeriod"/>
-            </a:pPr>
-            <a:r>
-              <a:rPr lang="en-US" sz="5800" dirty="0"/>
-              <a:t>Rapid Prototyping</a:t>
-            </a:r>
-          </a:p>
-          <a:p>
-            <a:pPr marL="1600200" lvl="1" indent="-1143000" algn="l">
-              <a:buFont typeface="+mj-lt"/>
-              <a:buAutoNum type="arabicPeriod"/>
-            </a:pPr>
-            <a:r>
-              <a:rPr lang="en-US" sz="5800" dirty="0"/>
-              <a:t>Keep It Up/updated</a:t>
-            </a:r>
-          </a:p>
-          <a:p>
-            <a:pPr marL="1600200" lvl="1" indent="-1143000" algn="l">
-              <a:buFont typeface="+mj-lt"/>
-              <a:buAutoNum type="arabicPeriod" startAt="10"/>
-            </a:pPr>
-            <a:endParaRPr lang="en-US" sz="5400" dirty="0"/>
-          </a:p>
-          <a:p>
-            <a:pPr lvl="1" algn="l"/>
-            <a:br>
-              <a:rPr lang="en-US" sz="6200" dirty="0"/>
-            </a:br>
-            <a:endParaRPr lang="en-US" sz="6200" dirty="0"/>
+            <a:endParaRPr lang="en-US" sz="4900" dirty="0"/>
           </a:p>
         </p:txBody>
       </p:sp>
@@ -23995,8 +24542,8 @@
         </p:nvSpPr>
         <p:spPr>
           <a:xfrm>
-            <a:off x="95429" y="101906"/>
-            <a:ext cx="5644109" cy="861774"/>
+            <a:off x="522513" y="217714"/>
+            <a:ext cx="10798629" cy="584775"/>
           </a:xfrm>
           <a:prstGeom prst="rect">
             <a:avLst/>
@@ -24004,25 +24551,22 @@
           <a:noFill/>
         </p:spPr>
         <p:txBody>
-          <a:bodyPr wrap="none" rtlCol="0">
+          <a:bodyPr wrap="square" rtlCol="0">
             <a:spAutoFit/>
           </a:bodyPr>
           <a:lstStyle/>
           <a:p>
             <a:r>
               <a:rPr lang="en-US" sz="3200" dirty="0"/>
-              <a:t>Who is a ML Engineer/Scientist? </a:t>
-            </a:r>
-          </a:p>
-          <a:p>
-            <a:endParaRPr lang="en-US" dirty="0"/>
+              <a:t>Class-1: Introduction to ML</a:t>
+            </a:r>
           </a:p>
         </p:txBody>
       </p:sp>
     </p:spTree>
     <p:extLst>
       <p:ext uri="{BB962C8B-B14F-4D97-AF65-F5344CB8AC3E}">
-        <p14:creationId xmlns:p14="http://schemas.microsoft.com/office/powerpoint/2010/main" val="728681631"/>
+        <p14:creationId xmlns:p14="http://schemas.microsoft.com/office/powerpoint/2010/main" val="1536398754"/>
       </p:ext>
     </p:extLst>
   </p:cSld>
@@ -24555,6 +25099,15 @@
 </file>
 
 <file path=customXml/item1.xml><?xml version="1.0" encoding="utf-8"?>
+<?mso-contentType ?>
+<FormTemplates xmlns="http://schemas.microsoft.com/sharepoint/v3/contenttype/forms">
+  <Display>DocumentLibraryForm</Display>
+  <Edit>DocumentLibraryForm</Edit>
+  <New>DocumentLibraryForm</New>
+</FormTemplates>
+</file>
+
+<file path=customXml/item2.xml><?xml version="1.0" encoding="utf-8"?>
 <ct:contentTypeSchema xmlns:ct="http://schemas.microsoft.com/office/2006/metadata/contentType" xmlns:ma="http://schemas.microsoft.com/office/2006/metadata/properties/metaAttributes" ct:_="" ma:_="" ma:contentTypeName="Document" ma:contentTypeID="0x01010040A75B615E1C194CABC80F3CAEA6E4E5" ma:contentTypeVersion="9" ma:contentTypeDescription="Create a new document." ma:contentTypeScope="" ma:versionID="4a1cf2a28ba0a9e91fab658e05820dde">
   <xsd:schema xmlns:xsd="http://www.w3.org/2001/XMLSchema" xmlns:xs="http://www.w3.org/2001/XMLSchema" xmlns:p="http://schemas.microsoft.com/office/2006/metadata/properties" xmlns:ns3="d97dfd74-0758-4aac-b7c3-4f13d10397e8" xmlns:ns4="851bce1a-01c5-49d9-967d-64af5945ebef" targetNamespace="http://schemas.microsoft.com/office/2006/metadata/properties" ma:root="true" ma:fieldsID="090359357a8ddcd8bb6253bd66cd91d0" ns3:_="" ns4:_="">
     <xsd:import namespace="d97dfd74-0758-4aac-b7c3-4f13d10397e8"/>
@@ -24751,15 +25304,6 @@
 </ct:contentTypeSchema>
 </file>
 
-<file path=customXml/item2.xml><?xml version="1.0" encoding="utf-8"?>
-<?mso-contentType ?>
-<FormTemplates xmlns="http://schemas.microsoft.com/sharepoint/v3/contenttype/forms">
-  <Display>DocumentLibraryForm</Display>
-  <Edit>DocumentLibraryForm</Edit>
-  <New>DocumentLibraryForm</New>
-</FormTemplates>
-</file>
-
 <file path=customXml/item3.xml><?xml version="1.0" encoding="utf-8"?>
 <p:properties xmlns:p="http://schemas.microsoft.com/office/2006/metadata/properties" xmlns:xsi="http://www.w3.org/2001/XMLSchema-instance" xmlns:pc="http://schemas.microsoft.com/office/infopath/2007/PartnerControls">
   <documentManagement/>
@@ -24767,6 +25311,14 @@
 </file>
 
 <file path=customXml/itemProps1.xml><?xml version="1.0" encoding="utf-8"?>
+<ds:datastoreItem xmlns:ds="http://schemas.openxmlformats.org/officeDocument/2006/customXml" ds:itemID="{9A56549F-9000-409B-8EE1-A7AE4257567A}">
+  <ds:schemaRefs>
+    <ds:schemaRef ds:uri="http://schemas.microsoft.com/sharepoint/v3/contenttype/forms"/>
+  </ds:schemaRefs>
+</ds:datastoreItem>
+</file>
+
+<file path=customXml/itemProps2.xml><?xml version="1.0" encoding="utf-8"?>
 <ds:datastoreItem xmlns:ds="http://schemas.openxmlformats.org/officeDocument/2006/customXml" ds:itemID="{A173A3F4-56E8-4506-812D-90D9C8F7ED90}">
   <ds:schemaRefs>
     <ds:schemaRef ds:uri="http://schemas.microsoft.com/office/2006/metadata/contentType"/>
@@ -24781,14 +25333,6 @@
     <ds:schemaRef ds:uri="http://purl.org/dc/elements/1.1/"/>
     <ds:schemaRef ds:uri="http://purl.org/dc/terms/"/>
     <ds:schemaRef ds:uri="http://schemas.microsoft.com/internal/obd"/>
-  </ds:schemaRefs>
-</ds:datastoreItem>
-</file>
-
-<file path=customXml/itemProps2.xml><?xml version="1.0" encoding="utf-8"?>
-<ds:datastoreItem xmlns:ds="http://schemas.openxmlformats.org/officeDocument/2006/customXml" ds:itemID="{9A56549F-9000-409B-8EE1-A7AE4257567A}">
-  <ds:schemaRefs>
-    <ds:schemaRef ds:uri="http://schemas.microsoft.com/sharepoint/v3/contenttype/forms"/>
   </ds:schemaRefs>
 </ds:datastoreItem>
 </file>

--- a/AI-ML-DL/Machine Learning.pptx
+++ b/AI-ML-DL/Machine Learning.pptx
@@ -1122,13 +1122,6 @@
         </dgm:presLayoutVars>
       </dgm:prSet>
       <dgm:spPr/>
-      <dgm:t>
-        <a:bodyPr/>
-        <a:lstStyle/>
-        <a:p>
-          <a:endParaRPr lang="en-US"/>
-        </a:p>
-      </dgm:t>
     </dgm:pt>
     <dgm:pt modelId="{ACA8008F-75C3-48B0-B461-7F5218C2977A}" type="pres">
       <dgm:prSet presAssocID="{BE2A74D4-245D-4A87-90DA-5C7C76E3E882}" presName="parSpace" presStyleCnt="0"/>
@@ -1141,13 +1134,6 @@
         </dgm:presLayoutVars>
       </dgm:prSet>
       <dgm:spPr/>
-      <dgm:t>
-        <a:bodyPr/>
-        <a:lstStyle/>
-        <a:p>
-          <a:endParaRPr lang="en-US"/>
-        </a:p>
-      </dgm:t>
     </dgm:pt>
     <dgm:pt modelId="{D5D5F286-5A03-45A5-9B7D-76F130CAA99D}" type="pres">
       <dgm:prSet presAssocID="{2048A3CF-2BEF-44F2-84C9-0BA656952779}" presName="parSpace" presStyleCnt="0"/>
@@ -1160,13 +1146,6 @@
         </dgm:presLayoutVars>
       </dgm:prSet>
       <dgm:spPr/>
-      <dgm:t>
-        <a:bodyPr/>
-        <a:lstStyle/>
-        <a:p>
-          <a:endParaRPr lang="en-US"/>
-        </a:p>
-      </dgm:t>
     </dgm:pt>
     <dgm:pt modelId="{38A3DBDF-F29F-4616-B135-99AE0C79E17D}" type="pres">
       <dgm:prSet presAssocID="{6AB3AC6F-15E1-4B64-8E20-B9118E0269C9}" presName="parSpace" presStyleCnt="0"/>
@@ -1179,13 +1158,6 @@
         </dgm:presLayoutVars>
       </dgm:prSet>
       <dgm:spPr/>
-      <dgm:t>
-        <a:bodyPr/>
-        <a:lstStyle/>
-        <a:p>
-          <a:endParaRPr lang="en-US"/>
-        </a:p>
-      </dgm:t>
     </dgm:pt>
     <dgm:pt modelId="{BA6E713B-1396-4DCE-A4B3-9275A6C14E17}" type="pres">
       <dgm:prSet presAssocID="{4E7BC18A-2892-408F-B906-7AC74EF64605}" presName="parSpace" presStyleCnt="0"/>
@@ -1198,27 +1170,20 @@
         </dgm:presLayoutVars>
       </dgm:prSet>
       <dgm:spPr/>
-      <dgm:t>
-        <a:bodyPr/>
-        <a:lstStyle/>
-        <a:p>
-          <a:endParaRPr lang="en-US"/>
-        </a:p>
-      </dgm:t>
     </dgm:pt>
   </dgm:ptLst>
   <dgm:cxnLst>
-    <dgm:cxn modelId="{E69134F2-9C77-46A0-B192-30611295BA46}" type="presOf" srcId="{F3A2FEA4-86A0-4599-99D5-30122A9E2BF3}" destId="{E7222549-794F-47D8-917E-2C128C142539}" srcOrd="0" destOrd="0" presId="urn:microsoft.com/office/officeart/2005/8/layout/hChevron3"/>
+    <dgm:cxn modelId="{F53CAC64-EF8F-4538-9C11-86776937978F}" srcId="{125A6822-7EEF-485B-B9ED-F156AD28635E}" destId="{33BDC67B-D4FE-4A78-9294-1595D697D4D0}" srcOrd="1" destOrd="0" parTransId="{716CC421-917E-4360-B0DC-72FA97EE8EDA}" sibTransId="{2048A3CF-2BEF-44F2-84C9-0BA656952779}"/>
+    <dgm:cxn modelId="{8AB9B34B-B2C0-48A8-8349-487BD90E53E7}" srcId="{125A6822-7EEF-485B-B9ED-F156AD28635E}" destId="{B0F89930-4BE3-49CB-9C91-60B0B6338DFE}" srcOrd="3" destOrd="0" parTransId="{F793A9F6-0E71-4CC7-8D22-31751BD02EE6}" sibTransId="{4E7BC18A-2892-408F-B906-7AC74EF64605}"/>
     <dgm:cxn modelId="{9B51E572-BB02-480C-9D0E-C24AC6A18B7D}" type="presOf" srcId="{2AB840FD-9670-4CE3-B4F1-79D8BD81AB3C}" destId="{E3958E54-67F3-41AF-8080-0BB5D5120BC0}" srcOrd="0" destOrd="0" presId="urn:microsoft.com/office/officeart/2005/8/layout/hChevron3"/>
+    <dgm:cxn modelId="{D0E7705A-8959-433C-94E5-C60965C7BD5F}" type="presOf" srcId="{B0F89930-4BE3-49CB-9C91-60B0B6338DFE}" destId="{AA94C5C8-6AB3-4A54-BBE2-D3DB3FDD84B8}" srcOrd="0" destOrd="0" presId="urn:microsoft.com/office/officeart/2005/8/layout/hChevron3"/>
     <dgm:cxn modelId="{C7CD7AB5-AC60-4946-B3FE-71E77D879721}" srcId="{125A6822-7EEF-485B-B9ED-F156AD28635E}" destId="{2AB840FD-9670-4CE3-B4F1-79D8BD81AB3C}" srcOrd="2" destOrd="0" parTransId="{77711347-FDBD-4D6C-9382-C737E5A63C3F}" sibTransId="{6AB3AC6F-15E1-4B64-8E20-B9118E0269C9}"/>
     <dgm:cxn modelId="{539A42C2-A7DB-49A2-8CBC-CC46B3BCE5A4}" type="presOf" srcId="{125A6822-7EEF-485B-B9ED-F156AD28635E}" destId="{174478C0-B1A4-4718-A863-0CD800F6C4AD}" srcOrd="0" destOrd="0" presId="urn:microsoft.com/office/officeart/2005/8/layout/hChevron3"/>
     <dgm:cxn modelId="{201C04C7-BFA0-4741-87AD-11B049B079F4}" srcId="{125A6822-7EEF-485B-B9ED-F156AD28635E}" destId="{3DAC96F6-0480-425C-8C26-EFC0D67B29E4}" srcOrd="4" destOrd="0" parTransId="{5B7D78B3-A768-4288-ACD0-0298A2CB7D50}" sibTransId="{0110192A-8892-4C75-854D-149EC2CD7E2F}"/>
-    <dgm:cxn modelId="{D0E7705A-8959-433C-94E5-C60965C7BD5F}" type="presOf" srcId="{B0F89930-4BE3-49CB-9C91-60B0B6338DFE}" destId="{AA94C5C8-6AB3-4A54-BBE2-D3DB3FDD84B8}" srcOrd="0" destOrd="0" presId="urn:microsoft.com/office/officeart/2005/8/layout/hChevron3"/>
-    <dgm:cxn modelId="{8AB9B34B-B2C0-48A8-8349-487BD90E53E7}" srcId="{125A6822-7EEF-485B-B9ED-F156AD28635E}" destId="{B0F89930-4BE3-49CB-9C91-60B0B6338DFE}" srcOrd="3" destOrd="0" parTransId="{F793A9F6-0E71-4CC7-8D22-31751BD02EE6}" sibTransId="{4E7BC18A-2892-408F-B906-7AC74EF64605}"/>
-    <dgm:cxn modelId="{F53CAC64-EF8F-4538-9C11-86776937978F}" srcId="{125A6822-7EEF-485B-B9ED-F156AD28635E}" destId="{33BDC67B-D4FE-4A78-9294-1595D697D4D0}" srcOrd="1" destOrd="0" parTransId="{716CC421-917E-4360-B0DC-72FA97EE8EDA}" sibTransId="{2048A3CF-2BEF-44F2-84C9-0BA656952779}"/>
     <dgm:cxn modelId="{4E665AD7-E77A-4387-B586-DD4A5D4EB032}" type="presOf" srcId="{3DAC96F6-0480-425C-8C26-EFC0D67B29E4}" destId="{27951E64-0B81-4A6F-BD31-6FB92D90A788}" srcOrd="0" destOrd="0" presId="urn:microsoft.com/office/officeart/2005/8/layout/hChevron3"/>
+    <dgm:cxn modelId="{506656DA-C44E-421D-BE69-5F7E59D9C0D9}" type="presOf" srcId="{33BDC67B-D4FE-4A78-9294-1595D697D4D0}" destId="{EAA0B88A-F572-457B-849F-6EA398F0756D}" srcOrd="0" destOrd="0" presId="urn:microsoft.com/office/officeart/2005/8/layout/hChevron3"/>
     <dgm:cxn modelId="{38D190E0-64F3-431C-9D8A-B6545274D103}" srcId="{125A6822-7EEF-485B-B9ED-F156AD28635E}" destId="{F3A2FEA4-86A0-4599-99D5-30122A9E2BF3}" srcOrd="0" destOrd="0" parTransId="{DC547236-7C54-4B60-9937-6A10ABEF1A10}" sibTransId="{BE2A74D4-245D-4A87-90DA-5C7C76E3E882}"/>
-    <dgm:cxn modelId="{506656DA-C44E-421D-BE69-5F7E59D9C0D9}" type="presOf" srcId="{33BDC67B-D4FE-4A78-9294-1595D697D4D0}" destId="{EAA0B88A-F572-457B-849F-6EA398F0756D}" srcOrd="0" destOrd="0" presId="urn:microsoft.com/office/officeart/2005/8/layout/hChevron3"/>
+    <dgm:cxn modelId="{E69134F2-9C77-46A0-B192-30611295BA46}" type="presOf" srcId="{F3A2FEA4-86A0-4599-99D5-30122A9E2BF3}" destId="{E7222549-794F-47D8-917E-2C128C142539}" srcOrd="0" destOrd="0" presId="urn:microsoft.com/office/officeart/2005/8/layout/hChevron3"/>
     <dgm:cxn modelId="{8F54E385-7A35-4CA8-8003-57FB9FC73E3C}" type="presParOf" srcId="{174478C0-B1A4-4718-A863-0CD800F6C4AD}" destId="{E7222549-794F-47D8-917E-2C128C142539}" srcOrd="0" destOrd="0" presId="urn:microsoft.com/office/officeart/2005/8/layout/hChevron3"/>
     <dgm:cxn modelId="{8799456F-2F52-4776-91F6-C7BDD8385446}" type="presParOf" srcId="{174478C0-B1A4-4718-A863-0CD800F6C4AD}" destId="{ACA8008F-75C3-48B0-B461-7F5218C2977A}" srcOrd="1" destOrd="0" presId="urn:microsoft.com/office/officeart/2005/8/layout/hChevron3"/>
     <dgm:cxn modelId="{81E6C36A-4057-4F1C-9E96-B26764A0DAE3}" type="presParOf" srcId="{174478C0-B1A4-4718-A863-0CD800F6C4AD}" destId="{EAA0B88A-F572-457B-849F-6EA398F0756D}" srcOrd="2" destOrd="0" presId="urn:microsoft.com/office/officeart/2005/8/layout/hChevron3"/>
@@ -1302,7 +1267,7 @@
         </a:bodyPr>
         <a:lstStyle/>
         <a:p>
-          <a:pPr lvl="0" algn="ctr" defTabSz="711200">
+          <a:pPr marL="0" lvl="0" indent="0" algn="ctr" defTabSz="711200">
             <a:lnSpc>
               <a:spcPct val="90000"/>
             </a:lnSpc>
@@ -1312,7 +1277,7 @@
             <a:spcAft>
               <a:spcPct val="35000"/>
             </a:spcAft>
-            <a:buAutoNum type="arabicPeriod"/>
+            <a:buNone/>
           </a:pPr>
           <a:r>
             <a:rPr lang="en-US" sz="1600" kern="1200" dirty="0"/>
@@ -1380,7 +1345,7 @@
         </a:bodyPr>
         <a:lstStyle/>
         <a:p>
-          <a:pPr lvl="0" algn="ctr" defTabSz="711200">
+          <a:pPr marL="0" lvl="0" indent="0" algn="ctr" defTabSz="711200">
             <a:lnSpc>
               <a:spcPct val="90000"/>
             </a:lnSpc>
@@ -1390,6 +1355,7 @@
             <a:spcAft>
               <a:spcPct val="35000"/>
             </a:spcAft>
+            <a:buNone/>
           </a:pPr>
           <a:r>
             <a:rPr lang="en-US" sz="1600" kern="1200" dirty="0"/>
@@ -1457,7 +1423,7 @@
         </a:bodyPr>
         <a:lstStyle/>
         <a:p>
-          <a:pPr lvl="0" algn="ctr" defTabSz="711200">
+          <a:pPr marL="0" lvl="0" indent="0" algn="ctr" defTabSz="711200">
             <a:lnSpc>
               <a:spcPct val="90000"/>
             </a:lnSpc>
@@ -1467,6 +1433,7 @@
             <a:spcAft>
               <a:spcPct val="35000"/>
             </a:spcAft>
+            <a:buNone/>
           </a:pPr>
           <a:r>
             <a:rPr lang="en-US" sz="1600" kern="1200" dirty="0"/>
@@ -1534,7 +1501,7 @@
         </a:bodyPr>
         <a:lstStyle/>
         <a:p>
-          <a:pPr lvl="0" algn="ctr" defTabSz="711200">
+          <a:pPr marL="0" lvl="0" indent="0" algn="ctr" defTabSz="711200">
             <a:lnSpc>
               <a:spcPct val="90000"/>
             </a:lnSpc>
@@ -1544,6 +1511,7 @@
             <a:spcAft>
               <a:spcPct val="35000"/>
             </a:spcAft>
+            <a:buNone/>
           </a:pPr>
           <a:r>
             <a:rPr lang="en-US" sz="1600" kern="1200" dirty="0"/>
@@ -1611,7 +1579,7 @@
         </a:bodyPr>
         <a:lstStyle/>
         <a:p>
-          <a:pPr lvl="0" algn="ctr" defTabSz="711200">
+          <a:pPr marL="0" lvl="0" indent="0" algn="ctr" defTabSz="711200">
             <a:lnSpc>
               <a:spcPct val="90000"/>
             </a:lnSpc>
@@ -1621,6 +1589,7 @@
             <a:spcAft>
               <a:spcPct val="35000"/>
             </a:spcAft>
+            <a:buNone/>
           </a:pPr>
           <a:r>
             <a:rPr lang="en-US" sz="1600" kern="1200" dirty="0"/>
@@ -3187,7 +3156,7 @@
           <a:p>
             <a:fld id="{1E5BB661-8884-4460-B9ED-FD0D9BF054C6}" type="datetimeFigureOut">
               <a:rPr lang="en-US" smtClean="0"/>
-              <a:t>6/29/2020</a:t>
+              <a:t>6/30/2020</a:t>
             </a:fld>
             <a:endParaRPr lang="en-US"/>
           </a:p>
@@ -4268,38 +4237,38 @@
           <a:lstStyle/>
           <a:p>
             <a:r>
-              <a:rPr lang="en-US" dirty="0" smtClean="0"/>
+              <a:rPr lang="en-US" dirty="0"/>
               <a:t>A couple of things: </a:t>
             </a:r>
           </a:p>
           <a:p>
             <a:r>
-              <a:rPr lang="en-US" dirty="0" smtClean="0"/>
+              <a:rPr lang="en-US" dirty="0"/>
               <a:t>Is</a:t>
             </a:r>
             <a:r>
-              <a:rPr lang="en-US" baseline="0" dirty="0" smtClean="0"/>
+              <a:rPr lang="en-US" baseline="0" dirty="0"/>
               <a:t> AI going to be smarter than human?</a:t>
             </a:r>
           </a:p>
           <a:p>
             <a:r>
-              <a:rPr lang="en-US" baseline="0" dirty="0" smtClean="0"/>
+              <a:rPr lang="en-US" baseline="0" dirty="0"/>
               <a:t>I used to have a dog, and it is very smart. But do we expect it can create things for us? </a:t>
             </a:r>
           </a:p>
           <a:p>
-            <a:endParaRPr lang="en-US" baseline="0" dirty="0" smtClean="0"/>
-          </a:p>
-          <a:p>
-            <a:r>
-              <a:rPr lang="en-US" baseline="0" dirty="0" smtClean="0"/>
+            <a:endParaRPr lang="en-US" baseline="0" dirty="0"/>
+          </a:p>
+          <a:p>
+            <a:r>
+              <a:rPr lang="en-US" baseline="0" dirty="0"/>
               <a:t>Is AI going to replace human?</a:t>
             </a:r>
           </a:p>
           <a:p>
             <a:r>
-              <a:rPr lang="en-US" baseline="0" dirty="0" smtClean="0"/>
+              <a:rPr lang="en-US" baseline="0" dirty="0"/>
               <a:t>AI will be a good helper, working with/for us, but it is not going to replace human. </a:t>
             </a:r>
             <a:endParaRPr lang="en-US" dirty="0"/>
@@ -4585,7 +4554,6 @@
               <a:rPr lang="en-US" dirty="0"/>
               <a:t>80s – Gate Tree and Rule based “expert” system (forward chain)  - In fact, it is novices system. </a:t>
             </a:r>
-            <a:endParaRPr lang="en-US" dirty="0" smtClean="0"/>
           </a:p>
           <a:p>
             <a:pPr marL="0" marR="0" lvl="0" indent="0" algn="l" defTabSz="914400" rtl="0" eaLnBrk="1" fontAlgn="auto" latinLnBrk="0" hangingPunct="1">
@@ -4605,7 +4573,7 @@
               <a:tabLst/>
               <a:defRPr/>
             </a:pPr>
-            <a:endParaRPr lang="en-US" dirty="0" smtClean="0"/>
+            <a:endParaRPr lang="en-US" dirty="0"/>
           </a:p>
           <a:p>
             <a:pPr marL="0" marR="0" lvl="0" indent="0" algn="l" defTabSz="914400" rtl="0" eaLnBrk="1" fontAlgn="auto" latinLnBrk="0" hangingPunct="1">
@@ -4626,26 +4594,9 @@
               <a:defRPr/>
             </a:pPr>
             <a:r>
-              <a:rPr lang="en-US" dirty="0" smtClean="0"/>
-              <a:t>How </a:t>
-            </a:r>
-            <a:r>
               <a:rPr lang="en-US" dirty="0"/>
-              <a:t>to tell </a:t>
-            </a:r>
-            <a:r>
-              <a:rPr lang="en-US" dirty="0" smtClean="0"/>
-              <a:t>this animal </a:t>
-            </a:r>
-            <a:r>
-              <a:rPr lang="en-US" dirty="0"/>
-              <a:t>is a </a:t>
-            </a:r>
-            <a:r>
-              <a:rPr lang="en-US" dirty="0" smtClean="0"/>
-              <a:t>cheetah?</a:t>
-            </a:r>
-            <a:endParaRPr lang="en-US" dirty="0"/>
+              <a:t>How to tell this animal is a cheetah?</a:t>
+            </a:r>
           </a:p>
           <a:p>
             <a:endParaRPr lang="en-US" dirty="0"/>
@@ -4774,11 +4725,7 @@
             </a:pPr>
             <a:r>
               <a:rPr lang="en-US" sz="1200" dirty="0"/>
-              <a:t>Is this a AI problem</a:t>
-            </a:r>
-            <a:r>
-              <a:rPr lang="en-US" sz="1200" dirty="0" smtClean="0"/>
-              <a:t>?</a:t>
+              <a:t>Is this a AI problem?</a:t>
             </a:r>
           </a:p>
           <a:p>
@@ -4799,7 +4746,7 @@
               <a:tabLst/>
               <a:defRPr/>
             </a:pPr>
-            <a:endParaRPr lang="en-US" sz="1200" dirty="0" smtClean="0"/>
+            <a:endParaRPr lang="en-US" sz="1200" dirty="0"/>
           </a:p>
           <a:p>
             <a:pPr marL="0" marR="0" lvl="0" indent="0" algn="l" defTabSz="914400" rtl="0" eaLnBrk="1" fontAlgn="auto" latinLnBrk="0" hangingPunct="1">
@@ -4820,10 +4767,9 @@
               <a:defRPr/>
             </a:pPr>
             <a:r>
-              <a:rPr lang="en-US" sz="1200" dirty="0" smtClean="0"/>
+              <a:rPr lang="en-US" sz="1200" dirty="0"/>
               <a:t>Constraints</a:t>
             </a:r>
-            <a:endParaRPr lang="en-US" sz="1200" dirty="0"/>
           </a:p>
           <a:p>
             <a:endParaRPr lang="en-US" dirty="0"/>
@@ -5203,7 +5149,7 @@
           <a:lstStyle/>
           <a:p>
             <a:r>
-              <a:rPr lang="en-US" sz="1200" b="0" i="0" kern="1200" dirty="0" smtClean="0">
+              <a:rPr lang="en-US" sz="1200" b="0" i="0" kern="1200" dirty="0">
                 <a:solidFill>
                   <a:schemeClr val="tx1"/>
                 </a:solidFill>
@@ -5215,7 +5161,7 @@
               <a:t>David Courtenay </a:t>
             </a:r>
             <a:r>
-              <a:rPr lang="en-US" sz="1200" b="1" i="0" kern="1200" dirty="0" smtClean="0">
+              <a:rPr lang="en-US" sz="1200" b="1" i="0" kern="1200" dirty="0">
                 <a:solidFill>
                   <a:schemeClr val="tx1"/>
                 </a:solidFill>
@@ -5227,7 +5173,7 @@
               <a:t>Marr</a:t>
             </a:r>
             <a:r>
-              <a:rPr lang="en-US" sz="1200" b="0" i="0" kern="1200" dirty="0" smtClean="0">
+              <a:rPr lang="en-US" sz="1200" b="0" i="0" kern="1200" dirty="0">
                 <a:solidFill>
                   <a:schemeClr val="tx1"/>
                 </a:solidFill>
@@ -5240,7 +5186,7 @@
             </a:r>
           </a:p>
           <a:p>
-            <a:endParaRPr lang="en-US" sz="1200" b="0" i="0" kern="1200" dirty="0" smtClean="0">
+            <a:endParaRPr lang="en-US" sz="1200" b="0" i="0" kern="1200" dirty="0">
               <a:solidFill>
                 <a:schemeClr val="tx1"/>
               </a:solidFill>
@@ -5252,7 +5198,7 @@
           </a:p>
           <a:p>
             <a:r>
-              <a:rPr lang="en-US" sz="1200" b="0" i="0" kern="1200" dirty="0" smtClean="0">
+              <a:rPr lang="en-US" sz="1200" b="0" i="0" kern="1200" dirty="0">
                 <a:solidFill>
                   <a:schemeClr val="tx1"/>
                 </a:solidFill>
@@ -5264,7 +5210,7 @@
               <a:t>You can</a:t>
             </a:r>
             <a:r>
-              <a:rPr lang="en-US" sz="1200" b="0" i="0" kern="1200" baseline="0" dirty="0" smtClean="0">
+              <a:rPr lang="en-US" sz="1200" b="0" i="0" kern="1200" baseline="0" dirty="0">
                 <a:solidFill>
                   <a:schemeClr val="tx1"/>
                 </a:solidFill>
@@ -5278,7 +5224,7 @@
           </a:p>
           <a:p>
             <a:r>
-              <a:rPr lang="en-US" sz="1200" b="0" i="0" kern="1200" baseline="0" dirty="0" smtClean="0">
+              <a:rPr lang="en-US" sz="1200" b="0" i="0" kern="1200" baseline="0" dirty="0">
                 <a:solidFill>
                   <a:schemeClr val="tx1"/>
                 </a:solidFill>
@@ -5292,7 +5238,7 @@
           </a:p>
           <a:p>
             <a:r>
-              <a:rPr lang="en-US" sz="1200" b="0" i="0" kern="1200" baseline="0" dirty="0" smtClean="0">
+              <a:rPr lang="en-US" sz="1200" b="0" i="0" kern="1200" baseline="0" dirty="0">
                 <a:solidFill>
                   <a:schemeClr val="tx1"/>
                 </a:solidFill>
@@ -5472,7 +5418,7 @@
           <a:p>
             <a:fld id="{99CA405F-FDE6-4D37-9F47-E73AA25D91EF}" type="datetimeFigureOut">
               <a:rPr lang="en-US" smtClean="0"/>
-              <a:t>6/29/2020</a:t>
+              <a:t>6/30/2020</a:t>
             </a:fld>
             <a:endParaRPr lang="en-US"/>
           </a:p>
@@ -5640,7 +5586,7 @@
           <a:p>
             <a:fld id="{99CA405F-FDE6-4D37-9F47-E73AA25D91EF}" type="datetimeFigureOut">
               <a:rPr lang="en-US" smtClean="0"/>
-              <a:t>6/29/2020</a:t>
+              <a:t>6/30/2020</a:t>
             </a:fld>
             <a:endParaRPr lang="en-US"/>
           </a:p>
@@ -5818,7 +5764,7 @@
           <a:p>
             <a:fld id="{99CA405F-FDE6-4D37-9F47-E73AA25D91EF}" type="datetimeFigureOut">
               <a:rPr lang="en-US" smtClean="0"/>
-              <a:t>6/29/2020</a:t>
+              <a:t>6/30/2020</a:t>
             </a:fld>
             <a:endParaRPr lang="en-US"/>
           </a:p>
@@ -5986,7 +5932,7 @@
           <a:p>
             <a:fld id="{99CA405F-FDE6-4D37-9F47-E73AA25D91EF}" type="datetimeFigureOut">
               <a:rPr lang="en-US" smtClean="0"/>
-              <a:t>6/29/2020</a:t>
+              <a:t>6/30/2020</a:t>
             </a:fld>
             <a:endParaRPr lang="en-US"/>
           </a:p>
@@ -6231,7 +6177,7 @@
           <a:p>
             <a:fld id="{99CA405F-FDE6-4D37-9F47-E73AA25D91EF}" type="datetimeFigureOut">
               <a:rPr lang="en-US" smtClean="0"/>
-              <a:t>6/29/2020</a:t>
+              <a:t>6/30/2020</a:t>
             </a:fld>
             <a:endParaRPr lang="en-US"/>
           </a:p>
@@ -6460,7 +6406,7 @@
           <a:p>
             <a:fld id="{99CA405F-FDE6-4D37-9F47-E73AA25D91EF}" type="datetimeFigureOut">
               <a:rPr lang="en-US" smtClean="0"/>
-              <a:t>6/29/2020</a:t>
+              <a:t>6/30/2020</a:t>
             </a:fld>
             <a:endParaRPr lang="en-US"/>
           </a:p>
@@ -6824,7 +6770,7 @@
           <a:p>
             <a:fld id="{99CA405F-FDE6-4D37-9F47-E73AA25D91EF}" type="datetimeFigureOut">
               <a:rPr lang="en-US" smtClean="0"/>
-              <a:t>6/29/2020</a:t>
+              <a:t>6/30/2020</a:t>
             </a:fld>
             <a:endParaRPr lang="en-US"/>
           </a:p>
@@ -6941,7 +6887,7 @@
           <a:p>
             <a:fld id="{99CA405F-FDE6-4D37-9F47-E73AA25D91EF}" type="datetimeFigureOut">
               <a:rPr lang="en-US" smtClean="0"/>
-              <a:t>6/29/2020</a:t>
+              <a:t>6/30/2020</a:t>
             </a:fld>
             <a:endParaRPr lang="en-US"/>
           </a:p>
@@ -7036,7 +6982,7 @@
           <a:p>
             <a:fld id="{99CA405F-FDE6-4D37-9F47-E73AA25D91EF}" type="datetimeFigureOut">
               <a:rPr lang="en-US" smtClean="0"/>
-              <a:t>6/29/2020</a:t>
+              <a:t>6/30/2020</a:t>
             </a:fld>
             <a:endParaRPr lang="en-US"/>
           </a:p>
@@ -7311,7 +7257,7 @@
           <a:p>
             <a:fld id="{99CA405F-FDE6-4D37-9F47-E73AA25D91EF}" type="datetimeFigureOut">
               <a:rPr lang="en-US" smtClean="0"/>
-              <a:t>6/29/2020</a:t>
+              <a:t>6/30/2020</a:t>
             </a:fld>
             <a:endParaRPr lang="en-US"/>
           </a:p>
@@ -7563,7 +7509,7 @@
           <a:p>
             <a:fld id="{99CA405F-FDE6-4D37-9F47-E73AA25D91EF}" type="datetimeFigureOut">
               <a:rPr lang="en-US" smtClean="0"/>
-              <a:t>6/29/2020</a:t>
+              <a:t>6/30/2020</a:t>
             </a:fld>
             <a:endParaRPr lang="en-US"/>
           </a:p>
@@ -7774,7 +7720,7 @@
           <a:p>
             <a:fld id="{99CA405F-FDE6-4D37-9F47-E73AA25D91EF}" type="datetimeFigureOut">
               <a:rPr lang="en-US" smtClean="0"/>
-              <a:t>6/29/2020</a:t>
+              <a:t>6/30/2020</a:t>
             </a:fld>
             <a:endParaRPr lang="en-US"/>
           </a:p>
@@ -8198,10 +8144,6 @@
               <a:rPr lang="en-US" sz="4000" dirty="0"/>
               <a:t>In Math We Trust</a:t>
             </a:r>
-            <a:r>
-              <a:rPr lang="en-US" dirty="0"/>
-              <a:t/>
-            </a:r>
             <a:br>
               <a:rPr lang="en-US" dirty="0"/>
             </a:br>
@@ -8225,7 +8167,7 @@
         <p:spPr/>
         <p:txBody>
           <a:bodyPr>
-            <a:normAutofit lnSpcReduction="10000"/>
+            <a:normAutofit fontScale="92500" lnSpcReduction="10000"/>
           </a:bodyPr>
           <a:lstStyle/>
           <a:p>
@@ -8250,6 +8192,44 @@
             <a:r>
               <a:rPr lang="en-US" dirty="0"/>
               <a:t>SAIC Fellow</a:t>
+            </a:r>
+          </a:p>
+          <a:p>
+            <a:endParaRPr lang="en-US" dirty="0"/>
+          </a:p>
+        </p:txBody>
+      </p:sp>
+      <p:sp>
+        <p:nvSpPr>
+          <p:cNvPr id="4" name="TextBox 3">
+            <a:extLst>
+              <a:ext uri="{FF2B5EF4-FFF2-40B4-BE49-F238E27FC236}">
+                <a16:creationId xmlns:a16="http://schemas.microsoft.com/office/drawing/2014/main" id="{1334CAB8-FF8E-47E6-BBA3-9FA86671F66E}"/>
+              </a:ext>
+            </a:extLst>
+          </p:cNvPr>
+          <p:cNvSpPr txBox="1"/>
+          <p:nvPr/>
+        </p:nvSpPr>
+        <p:spPr>
+          <a:xfrm>
+            <a:off x="5417032" y="5965672"/>
+            <a:ext cx="1483098" cy="369332"/>
+          </a:xfrm>
+          <a:prstGeom prst="rect">
+            <a:avLst/>
+          </a:prstGeom>
+          <a:noFill/>
+        </p:spPr>
+        <p:txBody>
+          <a:bodyPr wrap="none" rtlCol="0">
+            <a:spAutoFit/>
+          </a:bodyPr>
+          <a:lstStyle/>
+          <a:p>
+            <a:r>
+              <a:rPr lang="en-US" dirty="0"/>
+              <a:t>June 30, 2020</a:t>
             </a:r>
           </a:p>
         </p:txBody>
@@ -8264,13 +8244,6 @@
   <p:clrMapOvr>
     <a:masterClrMapping/>
   </p:clrMapOvr>
-  <p:timing>
-    <p:tnLst>
-      <p:par>
-        <p:cTn id="1" dur="indefinite" restart="never" nodeType="tmRoot"/>
-      </p:par>
-    </p:tnLst>
-  </p:timing>
 </p:sld>
 </file>
 
@@ -8464,19 +8437,7 @@
           <a:p>
             <a:r>
               <a:rPr lang="en-US" sz="3200" dirty="0"/>
-              <a:t>Class-1: </a:t>
-            </a:r>
-            <a:r>
-              <a:rPr lang="en-US" sz="3200" dirty="0" smtClean="0"/>
-              <a:t>David </a:t>
-            </a:r>
-            <a:r>
-              <a:rPr lang="en-US" sz="3200" dirty="0" smtClean="0"/>
-              <a:t>Marr’s </a:t>
-            </a:r>
-            <a:r>
-              <a:rPr lang="en-US" sz="3200" dirty="0"/>
-              <a:t>Theory – AI Approach</a:t>
+              <a:t>Class-1: David Marr’s Theory – AI Approach</a:t>
             </a:r>
             <a:endParaRPr lang="en-US" dirty="0"/>
           </a:p>
@@ -9222,10 +9183,6 @@
           </a:p>
           <a:p>
             <a:pPr algn="l"/>
-            <a:r>
-              <a:rPr lang="en-US" sz="6600" dirty="0"/>
-              <a:t/>
-            </a:r>
             <a:br>
               <a:rPr lang="en-US" sz="6600" dirty="0"/>
             </a:br>
@@ -12317,13 +12274,6 @@
   <p:clrMapOvr>
     <a:masterClrMapping/>
   </p:clrMapOvr>
-  <p:timing>
-    <p:tnLst>
-      <p:par>
-        <p:cTn id="1" dur="indefinite" restart="never" nodeType="tmRoot"/>
-      </p:par>
-    </p:tnLst>
-  </p:timing>
 </p:sld>
 </file>
 
@@ -13617,7 +13567,7 @@
                 <a16:creationId xmlns:a16="http://schemas.microsoft.com/office/drawing/2014/main" id="{DEE5C6BA-FE2A-4C38-8D88-E70C06E54F82}"/>
               </a:ext>
               <a:ext uri="{C183D7F6-B498-43B3-948B-1728B52AA6E4}">
-                <adec:decorative xmlns:adec="http://schemas.microsoft.com/office/drawing/2017/decorative" xmlns="" val="1"/>
+                <adec:decorative xmlns:adec="http://schemas.microsoft.com/office/drawing/2017/decorative" val="1"/>
               </a:ext>
             </a:extLst>
           </p:cNvPr>
@@ -13703,7 +13653,7 @@
                 <a16:creationId xmlns:a16="http://schemas.microsoft.com/office/drawing/2014/main" id="{53E66F28-0926-4CFB-BDAB-646CAB184CB0}"/>
               </a:ext>
               <a:ext uri="{C183D7F6-B498-43B3-948B-1728B52AA6E4}">
-                <adec:decorative xmlns:adec="http://schemas.microsoft.com/office/drawing/2017/decorative" xmlns="" val="1"/>
+                <adec:decorative xmlns:adec="http://schemas.microsoft.com/office/drawing/2017/decorative" val="1"/>
               </a:ext>
             </a:extLst>
           </p:cNvPr>
@@ -13794,7 +13744,7 @@
                 <a16:creationId xmlns:a16="http://schemas.microsoft.com/office/drawing/2014/main" id="{DE9FA85F-F0FB-4952-A05F-04CC67B18EE5}"/>
               </a:ext>
               <a:ext uri="{C183D7F6-B498-43B3-948B-1728B52AA6E4}">
-                <adec:decorative xmlns:adec="http://schemas.microsoft.com/office/drawing/2017/decorative" xmlns="" val="1"/>
+                <adec:decorative xmlns:adec="http://schemas.microsoft.com/office/drawing/2017/decorative" val="1"/>
               </a:ext>
             </a:extLst>
           </p:cNvPr>
@@ -14240,7 +14190,7 @@
                 <a16:creationId xmlns:a16="http://schemas.microsoft.com/office/drawing/2014/main" id="{FEBD362A-CC27-47D9-8FC3-A5E91BA0760C}"/>
               </a:ext>
               <a:ext uri="{C183D7F6-B498-43B3-948B-1728B52AA6E4}">
-                <adec:decorative xmlns:adec="http://schemas.microsoft.com/office/drawing/2017/decorative" xmlns="" val="1"/>
+                <adec:decorative xmlns:adec="http://schemas.microsoft.com/office/drawing/2017/decorative" val="1"/>
               </a:ext>
             </a:extLst>
           </p:cNvPr>
@@ -15038,13 +14988,8 @@
             </a:r>
             <a:r>
               <a:rPr lang="en-US" sz="6200" dirty="0"/>
-              <a:t> </a:t>
-            </a:r>
-            <a:r>
-              <a:rPr lang="en-US" sz="6200" dirty="0" smtClean="0"/>
-              <a:t>(6 hard skills and 4 soft skills)</a:t>
-            </a:r>
-            <a:endParaRPr lang="en-US" sz="6200" dirty="0"/>
+              <a:t> (6 hard skills and 4 soft skills)</a:t>
+            </a:r>
           </a:p>
           <a:p>
             <a:pPr algn="l"/>
@@ -15166,10 +15111,6 @@
           </a:p>
           <a:p>
             <a:pPr lvl="1" algn="l"/>
-            <a:r>
-              <a:rPr lang="en-US" sz="6200" dirty="0"/>
-              <a:t/>
-            </a:r>
             <a:br>
               <a:rPr lang="en-US" sz="6200" dirty="0"/>
             </a:br>
@@ -15219,13 +15160,6 @@
   <p:clrMapOvr>
     <a:masterClrMapping/>
   </p:clrMapOvr>
-  <p:timing>
-    <p:tnLst>
-      <p:par>
-        <p:cTn id="1" dur="indefinite" restart="never" nodeType="tmRoot"/>
-      </p:par>
-    </p:tnLst>
-  </p:timing>
 </p:sld>
 </file>
 
@@ -18290,7 +18224,7 @@
         <p:spPr>
           <a:xfrm>
             <a:off x="95429" y="101906"/>
-            <a:ext cx="8162234" cy="861774"/>
+            <a:ext cx="9000605" cy="861774"/>
           </a:xfrm>
           <a:prstGeom prst="rect">
             <a:avLst/>
@@ -18304,10 +18238,9 @@
           <a:lstStyle/>
           <a:p>
             <a:r>
-              <a:rPr lang="en-US" sz="3200" dirty="0" smtClean="0"/>
-              <a:t>Where to go for a PHD/Graduate School Study? </a:t>
-            </a:r>
-            <a:endParaRPr lang="en-US" sz="3200" dirty="0"/>
+              <a:rPr lang="en-US" sz="3200" dirty="0"/>
+              <a:t>Where to go for a PHD/Graduate School Study in AI? </a:t>
+            </a:r>
           </a:p>
           <a:p>
             <a:endParaRPr lang="en-US" dirty="0"/>
@@ -18348,13 +18281,6 @@
   <p:clrMapOvr>
     <a:masterClrMapping/>
   </p:clrMapOvr>
-  <p:timing>
-    <p:tnLst>
-      <p:par>
-        <p:cTn id="1" dur="indefinite" restart="never" nodeType="tmRoot"/>
-      </p:par>
-    </p:tnLst>
-  </p:timing>
 </p:sld>
 </file>
 
@@ -18480,10 +18406,6 @@
           </a:p>
           <a:p>
             <a:pPr algn="l"/>
-            <a:r>
-              <a:rPr lang="en-US" sz="6600" dirty="0"/>
-              <a:t/>
-            </a:r>
             <a:br>
               <a:rPr lang="en-US" sz="6600" dirty="0"/>
             </a:br>
@@ -18632,10 +18554,6 @@
           </a:p>
           <a:p>
             <a:pPr algn="l"/>
-            <a:r>
-              <a:rPr lang="en-US" sz="6600" dirty="0"/>
-              <a:t/>
-            </a:r>
             <a:br>
               <a:rPr lang="en-US" sz="6600" dirty="0"/>
             </a:br>
@@ -18735,10 +18653,6 @@
           </a:p>
           <a:p>
             <a:pPr algn="l"/>
-            <a:r>
-              <a:rPr lang="en-US" sz="6600" dirty="0"/>
-              <a:t/>
-            </a:r>
             <a:br>
               <a:rPr lang="en-US" sz="6600" dirty="0"/>
             </a:br>
@@ -20885,10 +20799,6 @@
           </a:p>
           <a:p>
             <a:pPr algn="l"/>
-            <a:r>
-              <a:rPr lang="en-US" sz="6600" dirty="0"/>
-              <a:t/>
-            </a:r>
             <a:br>
               <a:rPr lang="en-US" sz="6600" dirty="0"/>
             </a:br>
@@ -21441,17 +21351,8 @@
             <a:pPr algn="r"/>
             <a:r>
               <a:rPr lang="en-US" sz="1800" dirty="0"/>
-              <a:t>MIT Prof. Patrick </a:t>
-            </a:r>
-            <a:r>
-              <a:rPr lang="en-US" sz="1800" dirty="0" smtClean="0"/>
-              <a:t>Winston </a:t>
-            </a:r>
-            <a:r>
-              <a:rPr lang="en-US" sz="1800" dirty="0" smtClean="0"/>
-              <a:t>(1945-2019)</a:t>
-            </a:r>
-            <a:endParaRPr lang="en-US" sz="1800" dirty="0"/>
+              <a:t>MIT Prof. Patrick Winston (1945-2019)</a:t>
+            </a:r>
           </a:p>
           <a:p>
             <a:pPr indent="-228600" algn="l">
@@ -21472,13 +21373,6 @@
   <p:clrMapOvr>
     <a:masterClrMapping/>
   </p:clrMapOvr>
-  <p:timing>
-    <p:tnLst>
-      <p:par>
-        <p:cTn id="1" dur="indefinite" restart="never" nodeType="tmRoot"/>
-      </p:par>
-    </p:tnLst>
-  </p:timing>
 </p:sld>
 </file>
 
@@ -21515,7 +21409,7 @@
                 <a16:creationId xmlns:a16="http://schemas.microsoft.com/office/drawing/2014/main" id="{F56F5174-31D9-4DBB-AAB7-A1FD7BDB1352}"/>
               </a:ext>
               <a:ext uri="{C183D7F6-B498-43B3-948B-1728B52AA6E4}">
-                <adec:decorative xmlns:adec="http://schemas.microsoft.com/office/drawing/2017/decorative" xmlns="" val="1"/>
+                <adec:decorative xmlns:adec="http://schemas.microsoft.com/office/drawing/2017/decorative" val="1"/>
               </a:ext>
             </a:extLst>
           </p:cNvPr>
@@ -21601,7 +21495,7 @@
                 <a16:creationId xmlns:a16="http://schemas.microsoft.com/office/drawing/2014/main" id="{AE113210-7872-481A-ADE6-3A05CCAF5EB2}"/>
               </a:ext>
               <a:ext uri="{C183D7F6-B498-43B3-948B-1728B52AA6E4}">
-                <adec:decorative xmlns:adec="http://schemas.microsoft.com/office/drawing/2017/decorative" xmlns="" val="1"/>
+                <adec:decorative xmlns:adec="http://schemas.microsoft.com/office/drawing/2017/decorative" val="1"/>
               </a:ext>
             </a:extLst>
           </p:cNvPr>
@@ -21692,7 +21586,7 @@
                 <a16:creationId xmlns:a16="http://schemas.microsoft.com/office/drawing/2014/main" id="{F9A95BEE-6BB1-4A28-A8E6-A34B2E42EF87}"/>
               </a:ext>
               <a:ext uri="{C183D7F6-B498-43B3-948B-1728B52AA6E4}">
-                <adec:decorative xmlns:adec="http://schemas.microsoft.com/office/drawing/2017/decorative" xmlns="" val="1"/>
+                <adec:decorative xmlns:adec="http://schemas.microsoft.com/office/drawing/2017/decorative" val="1"/>
               </a:ext>
             </a:extLst>
           </p:cNvPr>
@@ -22043,13 +21937,6 @@
   <p:clrMapOvr>
     <a:masterClrMapping/>
   </p:clrMapOvr>
-  <p:timing>
-    <p:tnLst>
-      <p:par>
-        <p:cTn id="1" dur="indefinite" restart="never" nodeType="tmRoot"/>
-      </p:par>
-    </p:tnLst>
-  </p:timing>
 </p:sld>
 </file>
 
@@ -25099,15 +24986,6 @@
 </file>
 
 <file path=customXml/item1.xml><?xml version="1.0" encoding="utf-8"?>
-<?mso-contentType ?>
-<FormTemplates xmlns="http://schemas.microsoft.com/sharepoint/v3/contenttype/forms">
-  <Display>DocumentLibraryForm</Display>
-  <Edit>DocumentLibraryForm</Edit>
-  <New>DocumentLibraryForm</New>
-</FormTemplates>
-</file>
-
-<file path=customXml/item2.xml><?xml version="1.0" encoding="utf-8"?>
 <ct:contentTypeSchema xmlns:ct="http://schemas.microsoft.com/office/2006/metadata/contentType" xmlns:ma="http://schemas.microsoft.com/office/2006/metadata/properties/metaAttributes" ct:_="" ma:_="" ma:contentTypeName="Document" ma:contentTypeID="0x01010040A75B615E1C194CABC80F3CAEA6E4E5" ma:contentTypeVersion="9" ma:contentTypeDescription="Create a new document." ma:contentTypeScope="" ma:versionID="4a1cf2a28ba0a9e91fab658e05820dde">
   <xsd:schema xmlns:xsd="http://www.w3.org/2001/XMLSchema" xmlns:xs="http://www.w3.org/2001/XMLSchema" xmlns:p="http://schemas.microsoft.com/office/2006/metadata/properties" xmlns:ns3="d97dfd74-0758-4aac-b7c3-4f13d10397e8" xmlns:ns4="851bce1a-01c5-49d9-967d-64af5945ebef" targetNamespace="http://schemas.microsoft.com/office/2006/metadata/properties" ma:root="true" ma:fieldsID="090359357a8ddcd8bb6253bd66cd91d0" ns3:_="" ns4:_="">
     <xsd:import namespace="d97dfd74-0758-4aac-b7c3-4f13d10397e8"/>
@@ -25304,6 +25182,15 @@
 </ct:contentTypeSchema>
 </file>
 
+<file path=customXml/item2.xml><?xml version="1.0" encoding="utf-8"?>
+<?mso-contentType ?>
+<FormTemplates xmlns="http://schemas.microsoft.com/sharepoint/v3/contenttype/forms">
+  <Display>DocumentLibraryForm</Display>
+  <Edit>DocumentLibraryForm</Edit>
+  <New>DocumentLibraryForm</New>
+</FormTemplates>
+</file>
+
 <file path=customXml/item3.xml><?xml version="1.0" encoding="utf-8"?>
 <p:properties xmlns:p="http://schemas.microsoft.com/office/2006/metadata/properties" xmlns:xsi="http://www.w3.org/2001/XMLSchema-instance" xmlns:pc="http://schemas.microsoft.com/office/infopath/2007/PartnerControls">
   <documentManagement/>
@@ -25311,14 +25198,6 @@
 </file>
 
 <file path=customXml/itemProps1.xml><?xml version="1.0" encoding="utf-8"?>
-<ds:datastoreItem xmlns:ds="http://schemas.openxmlformats.org/officeDocument/2006/customXml" ds:itemID="{9A56549F-9000-409B-8EE1-A7AE4257567A}">
-  <ds:schemaRefs>
-    <ds:schemaRef ds:uri="http://schemas.microsoft.com/sharepoint/v3/contenttype/forms"/>
-  </ds:schemaRefs>
-</ds:datastoreItem>
-</file>
-
-<file path=customXml/itemProps2.xml><?xml version="1.0" encoding="utf-8"?>
 <ds:datastoreItem xmlns:ds="http://schemas.openxmlformats.org/officeDocument/2006/customXml" ds:itemID="{A173A3F4-56E8-4506-812D-90D9C8F7ED90}">
   <ds:schemaRefs>
     <ds:schemaRef ds:uri="http://schemas.microsoft.com/office/2006/metadata/contentType"/>
@@ -25333,6 +25212,14 @@
     <ds:schemaRef ds:uri="http://purl.org/dc/elements/1.1/"/>
     <ds:schemaRef ds:uri="http://purl.org/dc/terms/"/>
     <ds:schemaRef ds:uri="http://schemas.microsoft.com/internal/obd"/>
+  </ds:schemaRefs>
+</ds:datastoreItem>
+</file>
+
+<file path=customXml/itemProps2.xml><?xml version="1.0" encoding="utf-8"?>
+<ds:datastoreItem xmlns:ds="http://schemas.openxmlformats.org/officeDocument/2006/customXml" ds:itemID="{9A56549F-9000-409B-8EE1-A7AE4257567A}">
+  <ds:schemaRefs>
+    <ds:schemaRef ds:uri="http://schemas.microsoft.com/sharepoint/v3/contenttype/forms"/>
   </ds:schemaRefs>
 </ds:datastoreItem>
 </file>

--- a/AI-ML-DL/Machine Learning.pptx
+++ b/AI-ML-DL/Machine Learning.pptx
@@ -5,7 +5,7 @@
     <p:sldMasterId id="2147483648" r:id="rId4"/>
   </p:sldMasterIdLst>
   <p:notesMasterIdLst>
-    <p:notesMasterId r:id="rId52"/>
+    <p:notesMasterId r:id="rId53"/>
   </p:notesMasterIdLst>
   <p:sldIdLst>
     <p:sldId id="256" r:id="rId5"/>
@@ -47,14 +47,15 @@
     <p:sldId id="284" r:id="rId41"/>
     <p:sldId id="282" r:id="rId42"/>
     <p:sldId id="264" r:id="rId43"/>
-    <p:sldId id="265" r:id="rId44"/>
-    <p:sldId id="287" r:id="rId45"/>
-    <p:sldId id="299" r:id="rId46"/>
-    <p:sldId id="266" r:id="rId47"/>
-    <p:sldId id="294" r:id="rId48"/>
-    <p:sldId id="295" r:id="rId49"/>
-    <p:sldId id="297" r:id="rId50"/>
-    <p:sldId id="286" r:id="rId51"/>
+    <p:sldId id="305" r:id="rId44"/>
+    <p:sldId id="265" r:id="rId45"/>
+    <p:sldId id="287" r:id="rId46"/>
+    <p:sldId id="299" r:id="rId47"/>
+    <p:sldId id="266" r:id="rId48"/>
+    <p:sldId id="294" r:id="rId49"/>
+    <p:sldId id="295" r:id="rId50"/>
+    <p:sldId id="297" r:id="rId51"/>
+    <p:sldId id="286" r:id="rId52"/>
   </p:sldIdLst>
   <p:sldSz cx="12192000" cy="6858000"/>
   <p:notesSz cx="6858000" cy="9144000"/>
@@ -3156,7 +3157,7 @@
           <a:p>
             <a:fld id="{1E5BB661-8884-4460-B9ED-FD0D9BF054C6}" type="datetimeFigureOut">
               <a:rPr lang="en-US" smtClean="0"/>
-              <a:t>6/30/2020</a:t>
+              <a:t>7/3/2020</a:t>
             </a:fld>
             <a:endParaRPr lang="en-US"/>
           </a:p>
@@ -4154,6 +4155,21 @@
           <a:p>
             <a:endParaRPr lang="en-US" dirty="0"/>
           </a:p>
+          <a:p>
+            <a:r>
+              <a:rPr lang="en-US" dirty="0">
+                <a:hlinkClick r:id="rId4"/>
+              </a:rPr>
+              <a:t>https://www.youtube.com/watch?v=eM4uJ6XGnSM</a:t>
+            </a:r>
+            <a:endParaRPr lang="en-US" dirty="0"/>
+          </a:p>
+          <a:p>
+            <a:endParaRPr lang="en-US" dirty="0"/>
+          </a:p>
+          <a:p>
+            <a:endParaRPr lang="en-US" dirty="0"/>
+          </a:p>
         </p:txBody>
       </p:sp>
       <p:sp>
@@ -4183,6 +4199,128 @@
     <p:extLst>
       <p:ext uri="{BB962C8B-B14F-4D97-AF65-F5344CB8AC3E}">
         <p14:creationId xmlns:p14="http://schemas.microsoft.com/office/powerpoint/2010/main" val="3610966828"/>
+      </p:ext>
+    </p:extLst>
+  </p:cSld>
+  <p:clrMapOvr>
+    <a:masterClrMapping/>
+  </p:clrMapOvr>
+</p:notes>
+</file>
+
+<file path=ppt/notesSlides/notesSlide17.xml><?xml version="1.0" encoding="utf-8"?>
+<p:notes xmlns:a="http://schemas.openxmlformats.org/drawingml/2006/main" xmlns:r="http://schemas.openxmlformats.org/officeDocument/2006/relationships" xmlns:p="http://schemas.openxmlformats.org/presentationml/2006/main">
+  <p:cSld>
+    <p:spTree>
+      <p:nvGrpSpPr>
+        <p:cNvPr id="1" name=""/>
+        <p:cNvGrpSpPr/>
+        <p:nvPr/>
+      </p:nvGrpSpPr>
+      <p:grpSpPr>
+        <a:xfrm>
+          <a:off x="0" y="0"/>
+          <a:ext cx="0" cy="0"/>
+          <a:chOff x="0" y="0"/>
+          <a:chExt cx="0" cy="0"/>
+        </a:xfrm>
+      </p:grpSpPr>
+      <p:sp>
+        <p:nvSpPr>
+          <p:cNvPr id="2" name="Slide Image Placeholder 1"/>
+          <p:cNvSpPr>
+            <a:spLocks noGrp="1" noRot="1" noChangeAspect="1"/>
+          </p:cNvSpPr>
+          <p:nvPr>
+            <p:ph type="sldImg"/>
+          </p:nvPr>
+        </p:nvSpPr>
+        <p:spPr/>
+      </p:sp>
+      <p:sp>
+        <p:nvSpPr>
+          <p:cNvPr id="3" name="Notes Placeholder 2"/>
+          <p:cNvSpPr>
+            <a:spLocks noGrp="1"/>
+          </p:cNvSpPr>
+          <p:nvPr>
+            <p:ph type="body" idx="1"/>
+          </p:nvPr>
+        </p:nvSpPr>
+        <p:spPr/>
+        <p:txBody>
+          <a:bodyPr/>
+          <a:lstStyle/>
+          <a:p>
+            <a:endParaRPr lang="en-US" dirty="0"/>
+          </a:p>
+          <a:p>
+            <a:r>
+              <a:rPr lang="en-US" sz="1200" b="0" i="0" u="none" strike="noStrike" kern="1200" dirty="0">
+                <a:solidFill>
+                  <a:schemeClr val="tx1"/>
+                </a:solidFill>
+                <a:effectLst/>
+                <a:latin typeface="+mn-lt"/>
+                <a:ea typeface="+mn-ea"/>
+                <a:cs typeface="+mn-cs"/>
+                <a:hlinkClick r:id="rId3"/>
+              </a:rPr>
+              <a:t>https://colab.research.google.com/github/jakevdp/PythonDataScienceHandbook/blob/master/notebooks/05.07-Support-Vector-Machines.ipynb</a:t>
+            </a:r>
+            <a:endParaRPr lang="en-US" sz="1200" b="0" i="0" u="none" strike="noStrike" kern="1200" dirty="0">
+              <a:solidFill>
+                <a:schemeClr val="tx1"/>
+              </a:solidFill>
+              <a:effectLst/>
+              <a:latin typeface="+mn-lt"/>
+              <a:ea typeface="+mn-ea"/>
+              <a:cs typeface="+mn-cs"/>
+            </a:endParaRPr>
+          </a:p>
+          <a:p>
+            <a:endParaRPr lang="en-US" sz="1200" b="0" i="0" u="none" strike="noStrike" kern="1200" dirty="0">
+              <a:solidFill>
+                <a:schemeClr val="tx1"/>
+              </a:solidFill>
+              <a:effectLst/>
+              <a:latin typeface="+mn-lt"/>
+              <a:ea typeface="+mn-ea"/>
+              <a:cs typeface="+mn-cs"/>
+            </a:endParaRPr>
+          </a:p>
+          <a:p>
+            <a:endParaRPr lang="en-US" dirty="0"/>
+          </a:p>
+        </p:txBody>
+      </p:sp>
+      <p:sp>
+        <p:nvSpPr>
+          <p:cNvPr id="4" name="Slide Number Placeholder 3"/>
+          <p:cNvSpPr>
+            <a:spLocks noGrp="1"/>
+          </p:cNvSpPr>
+          <p:nvPr>
+            <p:ph type="sldNum" sz="quarter" idx="5"/>
+          </p:nvPr>
+        </p:nvSpPr>
+        <p:spPr/>
+        <p:txBody>
+          <a:bodyPr/>
+          <a:lstStyle/>
+          <a:p>
+            <a:fld id="{95EDE83F-F192-4237-87E6-BD69D3B8E2F0}" type="slidenum">
+              <a:rPr lang="en-US" smtClean="0"/>
+              <a:t>40</a:t>
+            </a:fld>
+            <a:endParaRPr lang="en-US"/>
+          </a:p>
+        </p:txBody>
+      </p:sp>
+    </p:spTree>
+    <p:extLst>
+      <p:ext uri="{BB962C8B-B14F-4D97-AF65-F5344CB8AC3E}">
+        <p14:creationId xmlns:p14="http://schemas.microsoft.com/office/powerpoint/2010/main" val="1265929561"/>
       </p:ext>
     </p:extLst>
   </p:cSld>
@@ -5418,7 +5556,7 @@
           <a:p>
             <a:fld id="{99CA405F-FDE6-4D37-9F47-E73AA25D91EF}" type="datetimeFigureOut">
               <a:rPr lang="en-US" smtClean="0"/>
-              <a:t>6/30/2020</a:t>
+              <a:t>7/3/2020</a:t>
             </a:fld>
             <a:endParaRPr lang="en-US"/>
           </a:p>
@@ -5586,7 +5724,7 @@
           <a:p>
             <a:fld id="{99CA405F-FDE6-4D37-9F47-E73AA25D91EF}" type="datetimeFigureOut">
               <a:rPr lang="en-US" smtClean="0"/>
-              <a:t>6/30/2020</a:t>
+              <a:t>7/3/2020</a:t>
             </a:fld>
             <a:endParaRPr lang="en-US"/>
           </a:p>
@@ -5764,7 +5902,7 @@
           <a:p>
             <a:fld id="{99CA405F-FDE6-4D37-9F47-E73AA25D91EF}" type="datetimeFigureOut">
               <a:rPr lang="en-US" smtClean="0"/>
-              <a:t>6/30/2020</a:t>
+              <a:t>7/3/2020</a:t>
             </a:fld>
             <a:endParaRPr lang="en-US"/>
           </a:p>
@@ -5932,7 +6070,7 @@
           <a:p>
             <a:fld id="{99CA405F-FDE6-4D37-9F47-E73AA25D91EF}" type="datetimeFigureOut">
               <a:rPr lang="en-US" smtClean="0"/>
-              <a:t>6/30/2020</a:t>
+              <a:t>7/3/2020</a:t>
             </a:fld>
             <a:endParaRPr lang="en-US"/>
           </a:p>
@@ -6177,7 +6315,7 @@
           <a:p>
             <a:fld id="{99CA405F-FDE6-4D37-9F47-E73AA25D91EF}" type="datetimeFigureOut">
               <a:rPr lang="en-US" smtClean="0"/>
-              <a:t>6/30/2020</a:t>
+              <a:t>7/3/2020</a:t>
             </a:fld>
             <a:endParaRPr lang="en-US"/>
           </a:p>
@@ -6406,7 +6544,7 @@
           <a:p>
             <a:fld id="{99CA405F-FDE6-4D37-9F47-E73AA25D91EF}" type="datetimeFigureOut">
               <a:rPr lang="en-US" smtClean="0"/>
-              <a:t>6/30/2020</a:t>
+              <a:t>7/3/2020</a:t>
             </a:fld>
             <a:endParaRPr lang="en-US"/>
           </a:p>
@@ -6770,7 +6908,7 @@
           <a:p>
             <a:fld id="{99CA405F-FDE6-4D37-9F47-E73AA25D91EF}" type="datetimeFigureOut">
               <a:rPr lang="en-US" smtClean="0"/>
-              <a:t>6/30/2020</a:t>
+              <a:t>7/3/2020</a:t>
             </a:fld>
             <a:endParaRPr lang="en-US"/>
           </a:p>
@@ -6887,7 +7025,7 @@
           <a:p>
             <a:fld id="{99CA405F-FDE6-4D37-9F47-E73AA25D91EF}" type="datetimeFigureOut">
               <a:rPr lang="en-US" smtClean="0"/>
-              <a:t>6/30/2020</a:t>
+              <a:t>7/3/2020</a:t>
             </a:fld>
             <a:endParaRPr lang="en-US"/>
           </a:p>
@@ -6982,7 +7120,7 @@
           <a:p>
             <a:fld id="{99CA405F-FDE6-4D37-9F47-E73AA25D91EF}" type="datetimeFigureOut">
               <a:rPr lang="en-US" smtClean="0"/>
-              <a:t>6/30/2020</a:t>
+              <a:t>7/3/2020</a:t>
             </a:fld>
             <a:endParaRPr lang="en-US"/>
           </a:p>
@@ -7257,7 +7395,7 @@
           <a:p>
             <a:fld id="{99CA405F-FDE6-4D37-9F47-E73AA25D91EF}" type="datetimeFigureOut">
               <a:rPr lang="en-US" smtClean="0"/>
-              <a:t>6/30/2020</a:t>
+              <a:t>7/3/2020</a:t>
             </a:fld>
             <a:endParaRPr lang="en-US"/>
           </a:p>
@@ -7509,7 +7647,7 @@
           <a:p>
             <a:fld id="{99CA405F-FDE6-4D37-9F47-E73AA25D91EF}" type="datetimeFigureOut">
               <a:rPr lang="en-US" smtClean="0"/>
-              <a:t>6/30/2020</a:t>
+              <a:t>7/3/2020</a:t>
             </a:fld>
             <a:endParaRPr lang="en-US"/>
           </a:p>
@@ -7720,7 +7858,7 @@
           <a:p>
             <a:fld id="{99CA405F-FDE6-4D37-9F47-E73AA25D91EF}" type="datetimeFigureOut">
               <a:rPr lang="en-US" smtClean="0"/>
-              <a:t>6/30/2020</a:t>
+              <a:t>7/3/2020</a:t>
             </a:fld>
             <a:endParaRPr lang="en-US"/>
           </a:p>
@@ -18313,122 +18451,72 @@
         </p:nvSpPr>
         <p:spPr>
           <a:xfrm>
-            <a:off x="1166948" y="815294"/>
-            <a:ext cx="9144000" cy="5498419"/>
+            <a:off x="1166947" y="815294"/>
+            <a:ext cx="10127469" cy="5498419"/>
           </a:xfrm>
         </p:spPr>
         <p:txBody>
           <a:bodyPr>
-            <a:normAutofit fontScale="47500" lnSpcReduction="20000"/>
+            <a:normAutofit/>
           </a:bodyPr>
           <a:lstStyle/>
           <a:p>
-            <a:pPr algn="l"/>
-            <a:r>
-              <a:rPr lang="en-US" sz="6200" dirty="0"/>
-              <a:t>K-Means Clustering &amp; Association Rule Mining </a:t>
-            </a:r>
-          </a:p>
-          <a:p>
-            <a:pPr lvl="1" algn="l"/>
-            <a:r>
-              <a:rPr lang="en-US" sz="5800" dirty="0"/>
-              <a:t>Types of Clustering </a:t>
-            </a:r>
-          </a:p>
-          <a:p>
-            <a:pPr lvl="1" algn="l"/>
-            <a:r>
-              <a:rPr lang="en-US" sz="5800" dirty="0"/>
-              <a:t>K-Means Clustering </a:t>
-            </a:r>
-          </a:p>
-          <a:p>
-            <a:pPr lvl="1" algn="l"/>
-            <a:r>
-              <a:rPr lang="en-US" sz="5800" dirty="0"/>
-              <a:t>K-Means Working </a:t>
-            </a:r>
-          </a:p>
-          <a:p>
-            <a:pPr lvl="1" algn="l"/>
-            <a:r>
-              <a:rPr lang="en-US" sz="5800" dirty="0"/>
-              <a:t>Pros &amp; Cons of K-Means Clustering </a:t>
-            </a:r>
-          </a:p>
-          <a:p>
-            <a:pPr lvl="1" algn="l"/>
-            <a:r>
-              <a:rPr lang="en-US" sz="5800" dirty="0"/>
-              <a:t>K-Means Demo </a:t>
-            </a:r>
-          </a:p>
-          <a:p>
-            <a:pPr algn="l"/>
-            <a:r>
-              <a:rPr lang="en-US" sz="6200" dirty="0"/>
-              <a:t>Hierarchical Clustering </a:t>
-            </a:r>
-          </a:p>
-          <a:p>
-            <a:pPr lvl="1" algn="l"/>
-            <a:r>
-              <a:rPr lang="en-US" sz="5800" dirty="0"/>
-              <a:t>Association Rule Mining </a:t>
-            </a:r>
-          </a:p>
-          <a:p>
-            <a:pPr lvl="1" algn="l"/>
-            <a:r>
-              <a:rPr lang="en-US" sz="5800" dirty="0" err="1"/>
-              <a:t>Apriori</a:t>
-            </a:r>
-            <a:r>
-              <a:rPr lang="en-US" sz="5800" dirty="0"/>
-              <a:t> Algorithm </a:t>
-            </a:r>
-          </a:p>
-          <a:p>
-            <a:pPr lvl="1" algn="l"/>
-            <a:r>
-              <a:rPr lang="en-US" sz="5800" dirty="0" err="1"/>
-              <a:t>Apriori</a:t>
-            </a:r>
-            <a:r>
-              <a:rPr lang="en-US" sz="5800" dirty="0"/>
-              <a:t> Algorithm Demo </a:t>
-            </a:r>
-          </a:p>
-          <a:p>
-            <a:pPr algn="l"/>
-            <a:endParaRPr lang="en-US" sz="6200" dirty="0"/>
-          </a:p>
-          <a:p>
-            <a:pPr algn="l"/>
-            <a:br>
-              <a:rPr lang="en-US" sz="6600" dirty="0"/>
-            </a:br>
-            <a:endParaRPr lang="en-US" sz="6600" dirty="0"/>
-          </a:p>
-        </p:txBody>
-      </p:sp>
-      <p:sp>
-        <p:nvSpPr>
-          <p:cNvPr id="5" name="TextBox 4">
-            <a:extLst>
-              <a:ext uri="{FF2B5EF4-FFF2-40B4-BE49-F238E27FC236}">
-                <a16:creationId xmlns:a16="http://schemas.microsoft.com/office/drawing/2014/main" id="{3F9B5E2A-82D8-4F44-B8DD-1CBB90D9EE82}"/>
-              </a:ext>
-            </a:extLst>
-          </p:cNvPr>
+            <a:pPr marL="457200" indent="-457200" algn="l">
+              <a:buFont typeface="Arial" panose="020B0604020202020204" pitchFamily="34" charset="0"/>
+              <a:buChar char="•"/>
+            </a:pPr>
+            <a:r>
+              <a:rPr lang="en-US" sz="3300" dirty="0"/>
+              <a:t>Who is </a:t>
+            </a:r>
+            <a:r>
+              <a:rPr lang="en-US" u="sng" dirty="0">
+                <a:hlinkClick r:id="rId3"/>
+              </a:rPr>
+              <a:t>Vladimir </a:t>
+            </a:r>
+            <a:r>
+              <a:rPr lang="en-US" u="sng" dirty="0" err="1">
+                <a:hlinkClick r:id="rId3"/>
+              </a:rPr>
+              <a:t>Vapnik</a:t>
+            </a:r>
+            <a:endParaRPr lang="en-US" u="sng" dirty="0">
+              <a:hlinkClick r:id="rId3"/>
+            </a:endParaRPr>
+          </a:p>
+          <a:p>
+            <a:pPr marL="457200" indent="-457200" algn="l">
+              <a:buFont typeface="Arial" panose="020B0604020202020204" pitchFamily="34" charset="0"/>
+              <a:buChar char="•"/>
+            </a:pPr>
+            <a:r>
+              <a:rPr lang="en-US" sz="3300" dirty="0"/>
+              <a:t>Explain</a:t>
+            </a:r>
+          </a:p>
+          <a:p>
+            <a:pPr marL="457200" indent="-457200" algn="l">
+              <a:buFont typeface="Arial" panose="020B0604020202020204" pitchFamily="34" charset="0"/>
+              <a:buChar char="•"/>
+            </a:pPr>
+            <a:r>
+              <a:rPr lang="en-US" sz="3300" dirty="0"/>
+              <a:t>Practice </a:t>
+            </a:r>
+          </a:p>
+        </p:txBody>
+      </p:sp>
+      <p:sp>
+        <p:nvSpPr>
+          <p:cNvPr id="5" name="TextBox 4"/>
           <p:cNvSpPr txBox="1"/>
           <p:nvPr/>
         </p:nvSpPr>
         <p:spPr>
           <a:xfrm>
             <a:off x="254568" y="147547"/>
-            <a:ext cx="10968760" cy="584775"/>
+            <a:ext cx="11739838" cy="584775"/>
           </a:xfrm>
           <a:prstGeom prst="rect">
             <a:avLst/>
@@ -18443,7 +18531,7 @@
           <a:p>
             <a:r>
               <a:rPr lang="en-US" sz="3200" dirty="0"/>
-              <a:t>Class-3: Unsupervised Learning Algorithms</a:t>
+              <a:t>Class-3: Supervised Learning Algorithms – Supported Vector Machine</a:t>
             </a:r>
           </a:p>
         </p:txBody>
@@ -18451,7 +18539,7 @@
     </p:spTree>
     <p:extLst>
       <p:ext uri="{BB962C8B-B14F-4D97-AF65-F5344CB8AC3E}">
-        <p14:creationId xmlns:p14="http://schemas.microsoft.com/office/powerpoint/2010/main" val="1344136077"/>
+        <p14:creationId xmlns:p14="http://schemas.microsoft.com/office/powerpoint/2010/main" val="2680266329"/>
       </p:ext>
     </p:extLst>
   </p:cSld>
@@ -18496,56 +18584,85 @@
         </p:spPr>
         <p:txBody>
           <a:bodyPr>
-            <a:normAutofit fontScale="55000" lnSpcReduction="20000"/>
+            <a:normAutofit fontScale="47500" lnSpcReduction="20000"/>
           </a:bodyPr>
           <a:lstStyle/>
           <a:p>
             <a:pPr algn="l"/>
             <a:r>
               <a:rPr lang="en-US" sz="6200" dirty="0"/>
-              <a:t>Reinforcement Learning </a:t>
+              <a:t>K-Means Clustering &amp; Association Rule Mining </a:t>
+            </a:r>
+          </a:p>
+          <a:p>
+            <a:pPr lvl="1" algn="l"/>
+            <a:r>
+              <a:rPr lang="en-US" sz="5800" dirty="0"/>
+              <a:t>Types of Clustering </a:t>
+            </a:r>
+          </a:p>
+          <a:p>
+            <a:pPr lvl="1" algn="l"/>
+            <a:r>
+              <a:rPr lang="en-US" sz="5800" dirty="0"/>
+              <a:t>K-Means Clustering </a:t>
+            </a:r>
+          </a:p>
+          <a:p>
+            <a:pPr lvl="1" algn="l"/>
+            <a:r>
+              <a:rPr lang="en-US" sz="5800" dirty="0"/>
+              <a:t>K-Means Working </a:t>
+            </a:r>
+          </a:p>
+          <a:p>
+            <a:pPr lvl="1" algn="l"/>
+            <a:r>
+              <a:rPr lang="en-US" sz="5800" dirty="0"/>
+              <a:t>Pros &amp; Cons of K-Means Clustering </a:t>
+            </a:r>
+          </a:p>
+          <a:p>
+            <a:pPr lvl="1" algn="l"/>
+            <a:r>
+              <a:rPr lang="en-US" sz="5800" dirty="0"/>
+              <a:t>K-Means Demo </a:t>
             </a:r>
           </a:p>
           <a:p>
             <a:pPr algn="l"/>
             <a:r>
               <a:rPr lang="en-US" sz="6200" dirty="0"/>
-              <a:t>	Reinforcement Learning: Counter-Strike Example </a:t>
-            </a:r>
-          </a:p>
-          <a:p>
-            <a:pPr algn="l"/>
-            <a:r>
-              <a:rPr lang="en-US" sz="6200" dirty="0"/>
-              <a:t>Markov's Decision Process </a:t>
-            </a:r>
-          </a:p>
-          <a:p>
-            <a:pPr algn="l"/>
-            <a:r>
-              <a:rPr lang="en-US" sz="6200" dirty="0"/>
-              <a:t>Q-Learning </a:t>
-            </a:r>
-          </a:p>
-          <a:p>
-            <a:pPr algn="l"/>
-            <a:r>
-              <a:rPr lang="en-US" sz="6200" dirty="0"/>
-              <a:t>The Bellman Equation </a:t>
-            </a:r>
-          </a:p>
-          <a:p>
-            <a:pPr algn="l"/>
-            <a:r>
-              <a:rPr lang="en-US" sz="6200" dirty="0"/>
-              <a:t>Transitioning to Q-Learning</a:t>
-            </a:r>
-          </a:p>
-          <a:p>
-            <a:pPr algn="l"/>
-            <a:r>
-              <a:rPr lang="en-US" sz="6200" dirty="0"/>
-              <a:t>Implementing Q-Learning </a:t>
+              <a:t>Hierarchical Clustering </a:t>
+            </a:r>
+          </a:p>
+          <a:p>
+            <a:pPr lvl="1" algn="l"/>
+            <a:r>
+              <a:rPr lang="en-US" sz="5800" dirty="0"/>
+              <a:t>Association Rule Mining </a:t>
+            </a:r>
+          </a:p>
+          <a:p>
+            <a:pPr lvl="1" algn="l"/>
+            <a:r>
+              <a:rPr lang="en-US" sz="5800" dirty="0" err="1"/>
+              <a:t>Apriori</a:t>
+            </a:r>
+            <a:r>
+              <a:rPr lang="en-US" sz="5800" dirty="0"/>
+              <a:t> Algorithm </a:t>
+            </a:r>
+          </a:p>
+          <a:p>
+            <a:pPr lvl="1" algn="l"/>
+            <a:r>
+              <a:rPr lang="en-US" sz="5800" dirty="0" err="1"/>
+              <a:t>Apriori</a:t>
+            </a:r>
+            <a:r>
+              <a:rPr lang="en-US" sz="5800" dirty="0"/>
+              <a:t> Algorithm Demo </a:t>
             </a:r>
           </a:p>
           <a:p>
@@ -18591,7 +18708,7 @@
           <a:p>
             <a:r>
               <a:rPr lang="en-US" sz="3200" dirty="0"/>
-              <a:t>Class-3: Reinforcement Learning Algorithms</a:t>
+              <a:t>Class-3: Unsupervised Learning Algorithms</a:t>
             </a:r>
           </a:p>
         </p:txBody>
@@ -18599,7 +18716,7 @@
     </p:spTree>
     <p:extLst>
       <p:ext uri="{BB962C8B-B14F-4D97-AF65-F5344CB8AC3E}">
-        <p14:creationId xmlns:p14="http://schemas.microsoft.com/office/powerpoint/2010/main" val="48239294"/>
+        <p14:creationId xmlns:p14="http://schemas.microsoft.com/office/powerpoint/2010/main" val="1344136077"/>
       </p:ext>
     </p:extLst>
   </p:cSld>
@@ -18644,9 +18761,58 @@
         </p:spPr>
         <p:txBody>
           <a:bodyPr>
-            <a:normAutofit/>
+            <a:normAutofit fontScale="55000" lnSpcReduction="20000"/>
           </a:bodyPr>
           <a:lstStyle/>
+          <a:p>
+            <a:pPr algn="l"/>
+            <a:r>
+              <a:rPr lang="en-US" sz="6200" dirty="0"/>
+              <a:t>Reinforcement Learning </a:t>
+            </a:r>
+          </a:p>
+          <a:p>
+            <a:pPr algn="l"/>
+            <a:r>
+              <a:rPr lang="en-US" sz="6200" dirty="0"/>
+              <a:t>	Reinforcement Learning: Counter-Strike Example </a:t>
+            </a:r>
+          </a:p>
+          <a:p>
+            <a:pPr algn="l"/>
+            <a:r>
+              <a:rPr lang="en-US" sz="6200" dirty="0"/>
+              <a:t>Markov's Decision Process </a:t>
+            </a:r>
+          </a:p>
+          <a:p>
+            <a:pPr algn="l"/>
+            <a:r>
+              <a:rPr lang="en-US" sz="6200" dirty="0"/>
+              <a:t>Q-Learning </a:t>
+            </a:r>
+          </a:p>
+          <a:p>
+            <a:pPr algn="l"/>
+            <a:r>
+              <a:rPr lang="en-US" sz="6200" dirty="0"/>
+              <a:t>The Bellman Equation </a:t>
+            </a:r>
+          </a:p>
+          <a:p>
+            <a:pPr algn="l"/>
+            <a:r>
+              <a:rPr lang="en-US" sz="6200" dirty="0"/>
+              <a:t>Transitioning to Q-Learning</a:t>
+            </a:r>
+          </a:p>
+          <a:p>
+            <a:pPr algn="l"/>
+            <a:r>
+              <a:rPr lang="en-US" sz="6200" dirty="0"/>
+              <a:t>Implementing Q-Learning </a:t>
+            </a:r>
+          </a:p>
           <a:p>
             <a:pPr algn="l"/>
             <a:endParaRPr lang="en-US" sz="6200" dirty="0"/>
@@ -18690,7 +18856,7 @@
           <a:p>
             <a:r>
               <a:rPr lang="en-US" sz="3200" dirty="0"/>
-              <a:t>Class-3: Neural Network Intro</a:t>
+              <a:t>Class-3: Reinforcement Learning Algorithms</a:t>
             </a:r>
           </a:p>
         </p:txBody>
@@ -18698,7 +18864,7 @@
     </p:spTree>
     <p:extLst>
       <p:ext uri="{BB962C8B-B14F-4D97-AF65-F5344CB8AC3E}">
-        <p14:creationId xmlns:p14="http://schemas.microsoft.com/office/powerpoint/2010/main" val="2144802336"/>
+        <p14:creationId xmlns:p14="http://schemas.microsoft.com/office/powerpoint/2010/main" val="48239294"/>
       </p:ext>
     </p:extLst>
   </p:cSld>
@@ -18752,23 +18918,29 @@
           </a:p>
           <a:p>
             <a:pPr algn="l"/>
-            <a:r>
-              <a:rPr lang="en-US" sz="6200" dirty="0"/>
-              <a:t>Machine Learning Projects </a:t>
-            </a:r>
-          </a:p>
-        </p:txBody>
-      </p:sp>
-      <p:sp>
-        <p:nvSpPr>
-          <p:cNvPr id="4" name="TextBox 3"/>
+            <a:br>
+              <a:rPr lang="en-US" sz="6600" dirty="0"/>
+            </a:br>
+            <a:endParaRPr lang="en-US" sz="6600" dirty="0"/>
+          </a:p>
+        </p:txBody>
+      </p:sp>
+      <p:sp>
+        <p:nvSpPr>
+          <p:cNvPr id="5" name="TextBox 4">
+            <a:extLst>
+              <a:ext uri="{FF2B5EF4-FFF2-40B4-BE49-F238E27FC236}">
+                <a16:creationId xmlns:a16="http://schemas.microsoft.com/office/drawing/2014/main" id="{3F9B5E2A-82D8-4F44-B8DD-1CBB90D9EE82}"/>
+              </a:ext>
+            </a:extLst>
+          </p:cNvPr>
           <p:cNvSpPr txBox="1"/>
           <p:nvPr/>
         </p:nvSpPr>
         <p:spPr>
           <a:xfrm>
-            <a:off x="522514" y="217714"/>
-            <a:ext cx="936154" cy="369332"/>
+            <a:off x="254568" y="147547"/>
+            <a:ext cx="10968760" cy="584775"/>
           </a:xfrm>
           <a:prstGeom prst="rect">
             <a:avLst/>
@@ -18776,14 +18948,14 @@
           <a:noFill/>
         </p:spPr>
         <p:txBody>
-          <a:bodyPr wrap="none" rtlCol="0">
+          <a:bodyPr wrap="square" rtlCol="0">
             <a:spAutoFit/>
           </a:bodyPr>
           <a:lstStyle/>
           <a:p>
             <a:r>
-              <a:rPr lang="en-US" dirty="0"/>
-              <a:t>Content</a:t>
+              <a:rPr lang="en-US" sz="3200" dirty="0"/>
+              <a:t>Class-3: Neural Network Intro</a:t>
             </a:r>
           </a:p>
         </p:txBody>
@@ -18791,7 +18963,7 @@
     </p:spTree>
     <p:extLst>
       <p:ext uri="{BB962C8B-B14F-4D97-AF65-F5344CB8AC3E}">
-        <p14:creationId xmlns:p14="http://schemas.microsoft.com/office/powerpoint/2010/main" val="2764468633"/>
+        <p14:creationId xmlns:p14="http://schemas.microsoft.com/office/powerpoint/2010/main" val="2144802336"/>
       </p:ext>
     </p:extLst>
   </p:cSld>
@@ -18830,6 +19002,99 @@
         </p:nvSpPr>
         <p:spPr>
           <a:xfrm>
+            <a:off x="1166948" y="815294"/>
+            <a:ext cx="9144000" cy="5498419"/>
+          </a:xfrm>
+        </p:spPr>
+        <p:txBody>
+          <a:bodyPr>
+            <a:normAutofit/>
+          </a:bodyPr>
+          <a:lstStyle/>
+          <a:p>
+            <a:pPr algn="l"/>
+            <a:endParaRPr lang="en-US" sz="6200" dirty="0"/>
+          </a:p>
+          <a:p>
+            <a:pPr algn="l"/>
+            <a:r>
+              <a:rPr lang="en-US" sz="6200" dirty="0"/>
+              <a:t>Machine Learning Projects </a:t>
+            </a:r>
+          </a:p>
+        </p:txBody>
+      </p:sp>
+      <p:sp>
+        <p:nvSpPr>
+          <p:cNvPr id="4" name="TextBox 3"/>
+          <p:cNvSpPr txBox="1"/>
+          <p:nvPr/>
+        </p:nvSpPr>
+        <p:spPr>
+          <a:xfrm>
+            <a:off x="522514" y="217714"/>
+            <a:ext cx="936154" cy="369332"/>
+          </a:xfrm>
+          <a:prstGeom prst="rect">
+            <a:avLst/>
+          </a:prstGeom>
+          <a:noFill/>
+        </p:spPr>
+        <p:txBody>
+          <a:bodyPr wrap="none" rtlCol="0">
+            <a:spAutoFit/>
+          </a:bodyPr>
+          <a:lstStyle/>
+          <a:p>
+            <a:r>
+              <a:rPr lang="en-US" dirty="0"/>
+              <a:t>Content</a:t>
+            </a:r>
+          </a:p>
+        </p:txBody>
+      </p:sp>
+    </p:spTree>
+    <p:extLst>
+      <p:ext uri="{BB962C8B-B14F-4D97-AF65-F5344CB8AC3E}">
+        <p14:creationId xmlns:p14="http://schemas.microsoft.com/office/powerpoint/2010/main" val="2764468633"/>
+      </p:ext>
+    </p:extLst>
+  </p:cSld>
+  <p:clrMapOvr>
+    <a:masterClrMapping/>
+  </p:clrMapOvr>
+</p:sld>
+</file>
+
+<file path=ppt/slides/slide45.xml><?xml version="1.0" encoding="utf-8"?>
+<p:sld xmlns:a="http://schemas.openxmlformats.org/drawingml/2006/main" xmlns:r="http://schemas.openxmlformats.org/officeDocument/2006/relationships" xmlns:p="http://schemas.openxmlformats.org/presentationml/2006/main">
+  <p:cSld>
+    <p:spTree>
+      <p:nvGrpSpPr>
+        <p:cNvPr id="1" name=""/>
+        <p:cNvGrpSpPr/>
+        <p:nvPr/>
+      </p:nvGrpSpPr>
+      <p:grpSpPr>
+        <a:xfrm>
+          <a:off x="0" y="0"/>
+          <a:ext cx="0" cy="0"/>
+          <a:chOff x="0" y="0"/>
+          <a:chExt cx="0" cy="0"/>
+        </a:xfrm>
+      </p:grpSpPr>
+      <p:sp>
+        <p:nvSpPr>
+          <p:cNvPr id="3" name="Subtitle 2"/>
+          <p:cNvSpPr>
+            <a:spLocks noGrp="1"/>
+          </p:cNvSpPr>
+          <p:nvPr>
+            <p:ph type="subTitle" idx="1"/>
+          </p:nvPr>
+        </p:nvSpPr>
+        <p:spPr>
+          <a:xfrm>
             <a:off x="1166948" y="731520"/>
             <a:ext cx="10059070" cy="5582193"/>
           </a:xfrm>
@@ -18957,7 +19222,7 @@
 </p:sld>
 </file>
 
-<file path=ppt/slides/slide45.xml><?xml version="1.0" encoding="utf-8"?>
+<file path=ppt/slides/slide46.xml><?xml version="1.0" encoding="utf-8"?>
 <p:sld xmlns:a="http://schemas.openxmlformats.org/drawingml/2006/main" xmlns:r="http://schemas.openxmlformats.org/officeDocument/2006/relationships" xmlns:p="http://schemas.openxmlformats.org/presentationml/2006/main">
   <p:cSld>
     <p:spTree>
@@ -19555,7 +19820,7 @@
 </p:sld>
 </file>
 
-<file path=ppt/slides/slide46.xml><?xml version="1.0" encoding="utf-8"?>
+<file path=ppt/slides/slide47.xml><?xml version="1.0" encoding="utf-8"?>
 <p:sld xmlns:a="http://schemas.openxmlformats.org/drawingml/2006/main" xmlns:r="http://schemas.openxmlformats.org/officeDocument/2006/relationships" xmlns:p="http://schemas.openxmlformats.org/presentationml/2006/main">
   <p:cSld>
     <p:spTree>
@@ -20716,7 +20981,7 @@
 </p:sld>
 </file>
 
-<file path=ppt/slides/slide47.xml><?xml version="1.0" encoding="utf-8"?>
+<file path=ppt/slides/slide48.xml><?xml version="1.0" encoding="utf-8"?>
 <p:sld xmlns:a="http://schemas.openxmlformats.org/drawingml/2006/main" xmlns:r="http://schemas.openxmlformats.org/officeDocument/2006/relationships" xmlns:p="http://schemas.openxmlformats.org/presentationml/2006/main">
   <p:cSld>
     <p:spTree>
@@ -24986,6 +25251,15 @@
 </file>
 
 <file path=customXml/item1.xml><?xml version="1.0" encoding="utf-8"?>
+<?mso-contentType ?>
+<FormTemplates xmlns="http://schemas.microsoft.com/sharepoint/v3/contenttype/forms">
+  <Display>DocumentLibraryForm</Display>
+  <Edit>DocumentLibraryForm</Edit>
+  <New>DocumentLibraryForm</New>
+</FormTemplates>
+</file>
+
+<file path=customXml/item2.xml><?xml version="1.0" encoding="utf-8"?>
 <ct:contentTypeSchema xmlns:ct="http://schemas.microsoft.com/office/2006/metadata/contentType" xmlns:ma="http://schemas.microsoft.com/office/2006/metadata/properties/metaAttributes" ct:_="" ma:_="" ma:contentTypeName="Document" ma:contentTypeID="0x01010040A75B615E1C194CABC80F3CAEA6E4E5" ma:contentTypeVersion="9" ma:contentTypeDescription="Create a new document." ma:contentTypeScope="" ma:versionID="4a1cf2a28ba0a9e91fab658e05820dde">
   <xsd:schema xmlns:xsd="http://www.w3.org/2001/XMLSchema" xmlns:xs="http://www.w3.org/2001/XMLSchema" xmlns:p="http://schemas.microsoft.com/office/2006/metadata/properties" xmlns:ns3="d97dfd74-0758-4aac-b7c3-4f13d10397e8" xmlns:ns4="851bce1a-01c5-49d9-967d-64af5945ebef" targetNamespace="http://schemas.microsoft.com/office/2006/metadata/properties" ma:root="true" ma:fieldsID="090359357a8ddcd8bb6253bd66cd91d0" ns3:_="" ns4:_="">
     <xsd:import namespace="d97dfd74-0758-4aac-b7c3-4f13d10397e8"/>
@@ -25182,15 +25456,6 @@
 </ct:contentTypeSchema>
 </file>
 
-<file path=customXml/item2.xml><?xml version="1.0" encoding="utf-8"?>
-<?mso-contentType ?>
-<FormTemplates xmlns="http://schemas.microsoft.com/sharepoint/v3/contenttype/forms">
-  <Display>DocumentLibraryForm</Display>
-  <Edit>DocumentLibraryForm</Edit>
-  <New>DocumentLibraryForm</New>
-</FormTemplates>
-</file>
-
 <file path=customXml/item3.xml><?xml version="1.0" encoding="utf-8"?>
 <p:properties xmlns:p="http://schemas.microsoft.com/office/2006/metadata/properties" xmlns:xsi="http://www.w3.org/2001/XMLSchema-instance" xmlns:pc="http://schemas.microsoft.com/office/infopath/2007/PartnerControls">
   <documentManagement/>
@@ -25198,6 +25463,14 @@
 </file>
 
 <file path=customXml/itemProps1.xml><?xml version="1.0" encoding="utf-8"?>
+<ds:datastoreItem xmlns:ds="http://schemas.openxmlformats.org/officeDocument/2006/customXml" ds:itemID="{9A56549F-9000-409B-8EE1-A7AE4257567A}">
+  <ds:schemaRefs>
+    <ds:schemaRef ds:uri="http://schemas.microsoft.com/sharepoint/v3/contenttype/forms"/>
+  </ds:schemaRefs>
+</ds:datastoreItem>
+</file>
+
+<file path=customXml/itemProps2.xml><?xml version="1.0" encoding="utf-8"?>
 <ds:datastoreItem xmlns:ds="http://schemas.openxmlformats.org/officeDocument/2006/customXml" ds:itemID="{A173A3F4-56E8-4506-812D-90D9C8F7ED90}">
   <ds:schemaRefs>
     <ds:schemaRef ds:uri="http://schemas.microsoft.com/office/2006/metadata/contentType"/>
@@ -25212,14 +25485,6 @@
     <ds:schemaRef ds:uri="http://purl.org/dc/elements/1.1/"/>
     <ds:schemaRef ds:uri="http://purl.org/dc/terms/"/>
     <ds:schemaRef ds:uri="http://schemas.microsoft.com/internal/obd"/>
-  </ds:schemaRefs>
-</ds:datastoreItem>
-</file>
-
-<file path=customXml/itemProps2.xml><?xml version="1.0" encoding="utf-8"?>
-<ds:datastoreItem xmlns:ds="http://schemas.openxmlformats.org/officeDocument/2006/customXml" ds:itemID="{9A56549F-9000-409B-8EE1-A7AE4257567A}">
-  <ds:schemaRefs>
-    <ds:schemaRef ds:uri="http://schemas.microsoft.com/sharepoint/v3/contenttype/forms"/>
   </ds:schemaRefs>
 </ds:datastoreItem>
 </file>

--- a/AI-ML-DL/Machine Learning.pptx
+++ b/AI-ML-DL/Machine Learning.pptx
@@ -3157,7 +3157,7 @@
           <a:p>
             <a:fld id="{1E5BB661-8884-4460-B9ED-FD0D9BF054C6}" type="datetimeFigureOut">
               <a:rPr lang="en-US" smtClean="0"/>
-              <a:t>7/3/2020</a:t>
+              <a:t>7/7/2020</a:t>
             </a:fld>
             <a:endParaRPr lang="en-US"/>
           </a:p>
@@ -3561,6 +3561,20 @@
           <a:bodyPr/>
           <a:lstStyle/>
           <a:p>
+            <a:r>
+              <a:rPr lang="en-US" dirty="0">
+                <a:hlinkClick r:id="rId3"/>
+              </a:rPr>
+              <a:t>PCA</a:t>
+            </a:r>
+          </a:p>
+          <a:p>
+            <a:r>
+              <a:rPr lang="en-US" dirty="0">
+                <a:hlinkClick r:id="rId3"/>
+              </a:rPr>
+              <a:t>https://jakevdp.github.io/PythonDataScienceHandbook/05.09-principal-component-analysis.html</a:t>
+            </a:r>
             <a:endParaRPr lang="en-US" dirty="0"/>
           </a:p>
         </p:txBody>
@@ -3582,7 +3596,7 @@
           <a:p>
             <a:fld id="{95EDE83F-F192-4237-87E6-BD69D3B8E2F0}" type="slidenum">
               <a:rPr lang="en-US" smtClean="0"/>
-              <a:t>15</a:t>
+              <a:t>14</a:t>
             </a:fld>
             <a:endParaRPr lang="en-US"/>
           </a:p>
@@ -3591,7 +3605,7 @@
     </p:spTree>
     <p:extLst>
       <p:ext uri="{BB962C8B-B14F-4D97-AF65-F5344CB8AC3E}">
-        <p14:creationId xmlns:p14="http://schemas.microsoft.com/office/powerpoint/2010/main" val="1580989336"/>
+        <p14:creationId xmlns:p14="http://schemas.microsoft.com/office/powerpoint/2010/main" val="525186193"/>
       </p:ext>
     </p:extLst>
   </p:cSld>
@@ -3666,7 +3680,7 @@
           <a:p>
             <a:fld id="{95EDE83F-F192-4237-87E6-BD69D3B8E2F0}" type="slidenum">
               <a:rPr lang="en-US" smtClean="0"/>
-              <a:t>16</a:t>
+              <a:t>15</a:t>
             </a:fld>
             <a:endParaRPr lang="en-US"/>
           </a:p>
@@ -3675,7 +3689,7 @@
     </p:spTree>
     <p:extLst>
       <p:ext uri="{BB962C8B-B14F-4D97-AF65-F5344CB8AC3E}">
-        <p14:creationId xmlns:p14="http://schemas.microsoft.com/office/powerpoint/2010/main" val="55468413"/>
+        <p14:creationId xmlns:p14="http://schemas.microsoft.com/office/powerpoint/2010/main" val="1580989336"/>
       </p:ext>
     </p:extLst>
   </p:cSld>
@@ -3729,68 +3743,7 @@
           <a:bodyPr/>
           <a:lstStyle/>
           <a:p>
-            <a:r>
-              <a:rPr lang="en-US" dirty="0"/>
-              <a:t>So which one is better? </a:t>
-            </a:r>
-          </a:p>
-          <a:p>
-            <a:r>
-              <a:rPr lang="en-US" dirty="0"/>
-              <a:t>LOL …</a:t>
-            </a:r>
-          </a:p>
-          <a:p>
-            <a:r>
-              <a:rPr lang="en-US" dirty="0"/>
-              <a:t>Using Naïve Bayes to tell:</a:t>
-            </a:r>
-          </a:p>
-          <a:p>
             <a:endParaRPr lang="en-US" dirty="0"/>
-          </a:p>
-          <a:p>
-            <a:r>
-              <a:rPr lang="en-US" dirty="0"/>
-              <a:t>To extend a little bit, Diagnose (disease) – symptoms then classify , Lie detection, Fake news, Root Cause Analysis. </a:t>
-            </a:r>
-          </a:p>
-          <a:p>
-            <a:pPr marL="0" marR="0" lvl="0" indent="0" algn="l" defTabSz="914400" rtl="0" eaLnBrk="1" fontAlgn="auto" latinLnBrk="0" hangingPunct="1">
-              <a:lnSpc>
-                <a:spcPct val="100000"/>
-              </a:lnSpc>
-              <a:spcBef>
-                <a:spcPts val="0"/>
-              </a:spcBef>
-              <a:spcAft>
-                <a:spcPts val="0"/>
-              </a:spcAft>
-              <a:buClrTx/>
-              <a:buSzTx/>
-              <a:buFontTx/>
-              <a:buNone/>
-              <a:tabLst/>
-              <a:defRPr/>
-            </a:pPr>
-            <a:r>
-              <a:rPr lang="en-US" sz="1200" b="0" i="0" kern="1200" dirty="0">
-                <a:solidFill>
-                  <a:schemeClr val="tx1"/>
-                </a:solidFill>
-                <a:effectLst/>
-                <a:latin typeface="+mn-lt"/>
-                <a:ea typeface="+mn-ea"/>
-                <a:cs typeface="+mn-cs"/>
-              </a:rPr>
-              <a:t>22. Probabilistic Inference II</a:t>
-            </a:r>
-          </a:p>
-          <a:p>
-            <a:r>
-              <a:rPr lang="en-US" dirty="0"/>
-              <a:t> </a:t>
-            </a:r>
           </a:p>
         </p:txBody>
       </p:sp>
@@ -3811,7 +3764,7 @@
           <a:p>
             <a:fld id="{95EDE83F-F192-4237-87E6-BD69D3B8E2F0}" type="slidenum">
               <a:rPr lang="en-US" smtClean="0"/>
-              <a:t>17</a:t>
+              <a:t>16</a:t>
             </a:fld>
             <a:endParaRPr lang="en-US"/>
           </a:p>
@@ -3820,7 +3773,7 @@
     </p:spTree>
     <p:extLst>
       <p:ext uri="{BB962C8B-B14F-4D97-AF65-F5344CB8AC3E}">
-        <p14:creationId xmlns:p14="http://schemas.microsoft.com/office/powerpoint/2010/main" val="3811862417"/>
+        <p14:creationId xmlns:p14="http://schemas.microsoft.com/office/powerpoint/2010/main" val="55468413"/>
       </p:ext>
     </p:extLst>
   </p:cSld>
@@ -3875,12 +3828,67 @@
           <a:lstStyle/>
           <a:p>
             <a:r>
-              <a:rPr lang="en-US" dirty="0">
-                <a:hlinkClick r:id="rId3"/>
+              <a:rPr lang="en-US" dirty="0"/>
+              <a:t>So which one is better? </a:t>
+            </a:r>
+          </a:p>
+          <a:p>
+            <a:r>
+              <a:rPr lang="en-US" dirty="0"/>
+              <a:t>LOL …</a:t>
+            </a:r>
+          </a:p>
+          <a:p>
+            <a:r>
+              <a:rPr lang="en-US" dirty="0"/>
+              <a:t>Using Naïve Bayes to tell:</a:t>
+            </a:r>
+          </a:p>
+          <a:p>
+            <a:endParaRPr lang="en-US" dirty="0"/>
+          </a:p>
+          <a:p>
+            <a:r>
+              <a:rPr lang="en-US" dirty="0"/>
+              <a:t>To extend a little bit, Diagnose (disease) – symptoms then classify , Lie detection, Fake news, Root Cause Analysis. </a:t>
+            </a:r>
+          </a:p>
+          <a:p>
+            <a:pPr marL="0" marR="0" lvl="0" indent="0" algn="l" defTabSz="914400" rtl="0" eaLnBrk="1" fontAlgn="auto" latinLnBrk="0" hangingPunct="1">
+              <a:lnSpc>
+                <a:spcPct val="100000"/>
+              </a:lnSpc>
+              <a:spcBef>
+                <a:spcPts val="0"/>
+              </a:spcBef>
+              <a:spcAft>
+                <a:spcPts val="0"/>
+              </a:spcAft>
+              <a:buClrTx/>
+              <a:buSzTx/>
+              <a:buFontTx/>
+              <a:buNone/>
+              <a:tabLst/>
+              <a:defRPr/>
+            </a:pPr>
+            <a:r>
+              <a:rPr lang="en-US" sz="1200" b="0" i="0" kern="1200" dirty="0">
+                <a:solidFill>
+                  <a:schemeClr val="tx1"/>
+                </a:solidFill>
+                <a:effectLst/>
+                <a:latin typeface="+mn-lt"/>
+                <a:ea typeface="+mn-ea"/>
+                <a:cs typeface="+mn-cs"/>
               </a:rPr>
-              <a:t>https://www.geeksforgeeks.org/confusion-matrix-machine-learning/</a:t>
-            </a:r>
-            <a:endParaRPr lang="en-US" dirty="0"/>
+              <a:t>22. Probabilistic Inference II</a:t>
+            </a:r>
+          </a:p>
+          <a:p>
+            <a:r>
+              <a:rPr lang="en-US" dirty="0"/>
+              <a:t> </a:t>
+            </a:r>
           </a:p>
         </p:txBody>
       </p:sp>
@@ -3901,7 +3909,7 @@
           <a:p>
             <a:fld id="{95EDE83F-F192-4237-87E6-BD69D3B8E2F0}" type="slidenum">
               <a:rPr lang="en-US" smtClean="0"/>
-              <a:t>25</a:t>
+              <a:t>17</a:t>
             </a:fld>
             <a:endParaRPr lang="en-US"/>
           </a:p>
@@ -3910,7 +3918,7 @@
     </p:spTree>
     <p:extLst>
       <p:ext uri="{BB962C8B-B14F-4D97-AF65-F5344CB8AC3E}">
-        <p14:creationId xmlns:p14="http://schemas.microsoft.com/office/powerpoint/2010/main" val="2412054311"/>
+        <p14:creationId xmlns:p14="http://schemas.microsoft.com/office/powerpoint/2010/main" val="3811862417"/>
       </p:ext>
     </p:extLst>
   </p:cSld>
@@ -3968,7 +3976,7 @@
               <a:rPr lang="en-US" dirty="0">
                 <a:hlinkClick r:id="rId3"/>
               </a:rPr>
-              <a:t>https://www.kaggle.com/codefordata/headbrain-simple-linear-regression</a:t>
+              <a:t>https://www.geeksforgeeks.org/confusion-matrix-machine-learning/</a:t>
             </a:r>
             <a:endParaRPr lang="en-US" dirty="0"/>
           </a:p>
@@ -3991,7 +3999,7 @@
           <a:p>
             <a:fld id="{95EDE83F-F192-4237-87E6-BD69D3B8E2F0}" type="slidenum">
               <a:rPr lang="en-US" smtClean="0"/>
-              <a:t>33</a:t>
+              <a:t>25</a:t>
             </a:fld>
             <a:endParaRPr lang="en-US"/>
           </a:p>
@@ -4000,7 +4008,7 @@
     </p:spTree>
     <p:extLst>
       <p:ext uri="{BB962C8B-B14F-4D97-AF65-F5344CB8AC3E}">
-        <p14:creationId xmlns:p14="http://schemas.microsoft.com/office/powerpoint/2010/main" val="2269815704"/>
+        <p14:creationId xmlns:p14="http://schemas.microsoft.com/office/powerpoint/2010/main" val="2412054311"/>
       </p:ext>
     </p:extLst>
   </p:cSld>
@@ -4058,7 +4066,7 @@
               <a:rPr lang="en-US" dirty="0">
                 <a:hlinkClick r:id="rId3"/>
               </a:rPr>
-              <a:t>https://www.kaggle.com/mattslone/titanic-dataset-logistic-regression</a:t>
+              <a:t>https://www.kaggle.com/codefordata/headbrain-simple-linear-regression</a:t>
             </a:r>
             <a:endParaRPr lang="en-US" dirty="0"/>
           </a:p>
@@ -4081,7 +4089,7 @@
           <a:p>
             <a:fld id="{95EDE83F-F192-4237-87E6-BD69D3B8E2F0}" type="slidenum">
               <a:rPr lang="en-US" smtClean="0"/>
-              <a:t>37</a:t>
+              <a:t>33</a:t>
             </a:fld>
             <a:endParaRPr lang="en-US"/>
           </a:p>
@@ -4090,7 +4098,7 @@
     </p:spTree>
     <p:extLst>
       <p:ext uri="{BB962C8B-B14F-4D97-AF65-F5344CB8AC3E}">
-        <p14:creationId xmlns:p14="http://schemas.microsoft.com/office/powerpoint/2010/main" val="857002671"/>
+        <p14:creationId xmlns:p14="http://schemas.microsoft.com/office/powerpoint/2010/main" val="2269815704"/>
       </p:ext>
     </p:extLst>
   </p:cSld>
@@ -4148,6 +4156,96 @@
               <a:rPr lang="en-US" dirty="0">
                 <a:hlinkClick r:id="rId3"/>
               </a:rPr>
+              <a:t>https://www.kaggle.com/mattslone/titanic-dataset-logistic-regression</a:t>
+            </a:r>
+            <a:endParaRPr lang="en-US" dirty="0"/>
+          </a:p>
+        </p:txBody>
+      </p:sp>
+      <p:sp>
+        <p:nvSpPr>
+          <p:cNvPr id="4" name="Slide Number Placeholder 3"/>
+          <p:cNvSpPr>
+            <a:spLocks noGrp="1"/>
+          </p:cNvSpPr>
+          <p:nvPr>
+            <p:ph type="sldNum" sz="quarter" idx="5"/>
+          </p:nvPr>
+        </p:nvSpPr>
+        <p:spPr/>
+        <p:txBody>
+          <a:bodyPr/>
+          <a:lstStyle/>
+          <a:p>
+            <a:fld id="{95EDE83F-F192-4237-87E6-BD69D3B8E2F0}" type="slidenum">
+              <a:rPr lang="en-US" smtClean="0"/>
+              <a:t>37</a:t>
+            </a:fld>
+            <a:endParaRPr lang="en-US"/>
+          </a:p>
+        </p:txBody>
+      </p:sp>
+    </p:spTree>
+    <p:extLst>
+      <p:ext uri="{BB962C8B-B14F-4D97-AF65-F5344CB8AC3E}">
+        <p14:creationId xmlns:p14="http://schemas.microsoft.com/office/powerpoint/2010/main" val="857002671"/>
+      </p:ext>
+    </p:extLst>
+  </p:cSld>
+  <p:clrMapOvr>
+    <a:masterClrMapping/>
+  </p:clrMapOvr>
+</p:notes>
+</file>
+
+<file path=ppt/notesSlides/notesSlide17.xml><?xml version="1.0" encoding="utf-8"?>
+<p:notes xmlns:a="http://schemas.openxmlformats.org/drawingml/2006/main" xmlns:r="http://schemas.openxmlformats.org/officeDocument/2006/relationships" xmlns:p="http://schemas.openxmlformats.org/presentationml/2006/main">
+  <p:cSld>
+    <p:spTree>
+      <p:nvGrpSpPr>
+        <p:cNvPr id="1" name=""/>
+        <p:cNvGrpSpPr/>
+        <p:nvPr/>
+      </p:nvGrpSpPr>
+      <p:grpSpPr>
+        <a:xfrm>
+          <a:off x="0" y="0"/>
+          <a:ext cx="0" cy="0"/>
+          <a:chOff x="0" y="0"/>
+          <a:chExt cx="0" cy="0"/>
+        </a:xfrm>
+      </p:grpSpPr>
+      <p:sp>
+        <p:nvSpPr>
+          <p:cNvPr id="2" name="Slide Image Placeholder 1"/>
+          <p:cNvSpPr>
+            <a:spLocks noGrp="1" noRot="1" noChangeAspect="1"/>
+          </p:cNvSpPr>
+          <p:nvPr>
+            <p:ph type="sldImg"/>
+          </p:nvPr>
+        </p:nvSpPr>
+        <p:spPr/>
+      </p:sp>
+      <p:sp>
+        <p:nvSpPr>
+          <p:cNvPr id="3" name="Notes Placeholder 2"/>
+          <p:cNvSpPr>
+            <a:spLocks noGrp="1"/>
+          </p:cNvSpPr>
+          <p:nvPr>
+            <p:ph type="body" idx="1"/>
+          </p:nvPr>
+        </p:nvSpPr>
+        <p:spPr/>
+        <p:txBody>
+          <a:bodyPr/>
+          <a:lstStyle/>
+          <a:p>
+            <a:r>
+              <a:rPr lang="en-US" dirty="0">
+                <a:hlinkClick r:id="rId3"/>
+              </a:rPr>
               <a:t>https://www.kaggle.com/zlatankr/titanic-random-forest-82-78</a:t>
             </a:r>
             <a:endParaRPr lang="en-US" dirty="0"/>
@@ -4208,7 +4306,7 @@
 </p:notes>
 </file>
 
-<file path=ppt/notesSlides/notesSlide17.xml><?xml version="1.0" encoding="utf-8"?>
+<file path=ppt/notesSlides/notesSlide18.xml><?xml version="1.0" encoding="utf-8"?>
 <p:notes xmlns:a="http://schemas.openxmlformats.org/drawingml/2006/main" xmlns:r="http://schemas.openxmlformats.org/officeDocument/2006/relationships" xmlns:p="http://schemas.openxmlformats.org/presentationml/2006/main">
   <p:cSld>
     <p:spTree>
@@ -5556,7 +5654,7 @@
           <a:p>
             <a:fld id="{99CA405F-FDE6-4D37-9F47-E73AA25D91EF}" type="datetimeFigureOut">
               <a:rPr lang="en-US" smtClean="0"/>
-              <a:t>7/3/2020</a:t>
+              <a:t>7/7/2020</a:t>
             </a:fld>
             <a:endParaRPr lang="en-US"/>
           </a:p>
@@ -5724,7 +5822,7 @@
           <a:p>
             <a:fld id="{99CA405F-FDE6-4D37-9F47-E73AA25D91EF}" type="datetimeFigureOut">
               <a:rPr lang="en-US" smtClean="0"/>
-              <a:t>7/3/2020</a:t>
+              <a:t>7/7/2020</a:t>
             </a:fld>
             <a:endParaRPr lang="en-US"/>
           </a:p>
@@ -5902,7 +6000,7 @@
           <a:p>
             <a:fld id="{99CA405F-FDE6-4D37-9F47-E73AA25D91EF}" type="datetimeFigureOut">
               <a:rPr lang="en-US" smtClean="0"/>
-              <a:t>7/3/2020</a:t>
+              <a:t>7/7/2020</a:t>
             </a:fld>
             <a:endParaRPr lang="en-US"/>
           </a:p>
@@ -6070,7 +6168,7 @@
           <a:p>
             <a:fld id="{99CA405F-FDE6-4D37-9F47-E73AA25D91EF}" type="datetimeFigureOut">
               <a:rPr lang="en-US" smtClean="0"/>
-              <a:t>7/3/2020</a:t>
+              <a:t>7/7/2020</a:t>
             </a:fld>
             <a:endParaRPr lang="en-US"/>
           </a:p>
@@ -6315,7 +6413,7 @@
           <a:p>
             <a:fld id="{99CA405F-FDE6-4D37-9F47-E73AA25D91EF}" type="datetimeFigureOut">
               <a:rPr lang="en-US" smtClean="0"/>
-              <a:t>7/3/2020</a:t>
+              <a:t>7/7/2020</a:t>
             </a:fld>
             <a:endParaRPr lang="en-US"/>
           </a:p>
@@ -6544,7 +6642,7 @@
           <a:p>
             <a:fld id="{99CA405F-FDE6-4D37-9F47-E73AA25D91EF}" type="datetimeFigureOut">
               <a:rPr lang="en-US" smtClean="0"/>
-              <a:t>7/3/2020</a:t>
+              <a:t>7/7/2020</a:t>
             </a:fld>
             <a:endParaRPr lang="en-US"/>
           </a:p>
@@ -6908,7 +7006,7 @@
           <a:p>
             <a:fld id="{99CA405F-FDE6-4D37-9F47-E73AA25D91EF}" type="datetimeFigureOut">
               <a:rPr lang="en-US" smtClean="0"/>
-              <a:t>7/3/2020</a:t>
+              <a:t>7/7/2020</a:t>
             </a:fld>
             <a:endParaRPr lang="en-US"/>
           </a:p>
@@ -7025,7 +7123,7 @@
           <a:p>
             <a:fld id="{99CA405F-FDE6-4D37-9F47-E73AA25D91EF}" type="datetimeFigureOut">
               <a:rPr lang="en-US" smtClean="0"/>
-              <a:t>7/3/2020</a:t>
+              <a:t>7/7/2020</a:t>
             </a:fld>
             <a:endParaRPr lang="en-US"/>
           </a:p>
@@ -7120,7 +7218,7 @@
           <a:p>
             <a:fld id="{99CA405F-FDE6-4D37-9F47-E73AA25D91EF}" type="datetimeFigureOut">
               <a:rPr lang="en-US" smtClean="0"/>
-              <a:t>7/3/2020</a:t>
+              <a:t>7/7/2020</a:t>
             </a:fld>
             <a:endParaRPr lang="en-US"/>
           </a:p>
@@ -7395,7 +7493,7 @@
           <a:p>
             <a:fld id="{99CA405F-FDE6-4D37-9F47-E73AA25D91EF}" type="datetimeFigureOut">
               <a:rPr lang="en-US" smtClean="0"/>
-              <a:t>7/3/2020</a:t>
+              <a:t>7/7/2020</a:t>
             </a:fld>
             <a:endParaRPr lang="en-US"/>
           </a:p>
@@ -7647,7 +7745,7 @@
           <a:p>
             <a:fld id="{99CA405F-FDE6-4D37-9F47-E73AA25D91EF}" type="datetimeFigureOut">
               <a:rPr lang="en-US" smtClean="0"/>
-              <a:t>7/3/2020</a:t>
+              <a:t>7/7/2020</a:t>
             </a:fld>
             <a:endParaRPr lang="en-US"/>
           </a:p>
@@ -7858,7 +7956,7 @@
           <a:p>
             <a:fld id="{99CA405F-FDE6-4D37-9F47-E73AA25D91EF}" type="datetimeFigureOut">
               <a:rPr lang="en-US" smtClean="0"/>
-              <a:t>7/3/2020</a:t>
+              <a:t>7/7/2020</a:t>
             </a:fld>
             <a:endParaRPr lang="en-US"/>
           </a:p>
@@ -9378,7 +9476,7 @@
           <p:nvPr/>
         </p:nvPicPr>
         <p:blipFill>
-          <a:blip r:embed="rId2">
+          <a:blip r:embed="rId3">
             <a:extLst>
               <a:ext uri="{28A0092B-C50C-407E-A947-70E740481C1C}">
                 <a14:useLocalDpi xmlns:a14="http://schemas.microsoft.com/office/drawing/2010/main" val="0"/>
@@ -15701,13 +15799,8 @@
             </a:pPr>
             <a:r>
               <a:rPr lang="en-US" sz="2700" dirty="0"/>
-              <a:t>Relationship between the salary and </a:t>
-            </a:r>
-            <a:r>
-              <a:rPr lang="en-US" sz="2700" dirty="0" err="1"/>
-              <a:t>eduacation</a:t>
-            </a:r>
-            <a:endParaRPr lang="en-US" sz="2700" dirty="0"/>
+              <a:t>Relationship between the salary and education</a:t>
+            </a:r>
           </a:p>
           <a:p>
             <a:pPr marL="914400" lvl="1" indent="-457200" algn="l">
@@ -17544,7 +17637,7 @@
           <p:nvPr>
             <p:extLst>
               <p:ext uri="{D42A27DB-BD31-4B8C-83A1-F6EECF244321}">
-                <p14:modId xmlns:p14="http://schemas.microsoft.com/office/powerpoint/2010/main" val="3096946033"/>
+                <p14:modId xmlns:p14="http://schemas.microsoft.com/office/powerpoint/2010/main" val="1573491851"/>
               </p:ext>
             </p:extLst>
           </p:nvPr>
@@ -17728,13 +17821,8 @@
                     <a:p>
                       <a:r>
                         <a:rPr lang="en-US" dirty="0"/>
-                        <a:t>Output/</a:t>
+                        <a:t>Output/Perdition</a:t>
                       </a:r>
-                      <a:r>
-                        <a:rPr lang="en-US" dirty="0" err="1"/>
-                        <a:t>Predition</a:t>
-                      </a:r>
-                      <a:endParaRPr lang="en-US" dirty="0"/>
                     </a:p>
                   </a:txBody>
                   <a:tcPr/>
@@ -17957,17 +18045,13 @@
           </a:p>
           <a:p>
             <a:pPr algn="l"/>
-            <a:endParaRPr lang="en-US" sz="2900"/>
+            <a:endParaRPr lang="en-US" sz="2900" dirty="0"/>
           </a:p>
           <a:p>
             <a:pPr algn="l"/>
             <a:r>
-              <a:rPr lang="en-US" sz="2900"/>
-              <a:t>Practices</a:t>
-            </a:r>
-            <a:r>
               <a:rPr lang="en-US" sz="2900" dirty="0"/>
-              <a:t>: </a:t>
+              <a:t>Practices: </a:t>
             </a:r>
           </a:p>
           <a:p>

--- a/AI-ML-DL/Machine Learning.pptx
+++ b/AI-ML-DL/Machine Learning.pptx
@@ -3157,7 +3157,7 @@
           <a:p>
             <a:fld id="{1E5BB661-8884-4460-B9ED-FD0D9BF054C6}" type="datetimeFigureOut">
               <a:rPr lang="en-US" smtClean="0"/>
-              <a:t>7/7/2020</a:t>
+              <a:t>7/9/2020</a:t>
             </a:fld>
             <a:endParaRPr lang="en-US"/>
           </a:p>
@@ -3565,15 +3565,35 @@
               <a:rPr lang="en-US" dirty="0">
                 <a:hlinkClick r:id="rId3"/>
               </a:rPr>
-              <a:t>PCA</a:t>
+              <a:t>https://jakevdp.github.io/PythonDataScienceHandbook/05.09-principal-component-analysis.html</a:t>
+            </a:r>
+            <a:endParaRPr lang="en-US" dirty="0"/>
+          </a:p>
+          <a:p>
+            <a:endParaRPr lang="en-US" dirty="0"/>
+          </a:p>
+          <a:p>
+            <a:r>
+              <a:rPr lang="en-US" dirty="0"/>
+              <a:t>PCA above</a:t>
+            </a:r>
+          </a:p>
+          <a:p>
+            <a:r>
+              <a:rPr lang="en-US" dirty="0" err="1"/>
+              <a:t>Apriori</a:t>
+            </a:r>
+            <a:r>
+              <a:rPr lang="en-US" dirty="0"/>
+              <a:t> below</a:t>
             </a:r>
           </a:p>
           <a:p>
             <a:r>
               <a:rPr lang="en-US" dirty="0">
-                <a:hlinkClick r:id="rId3"/>
+                <a:hlinkClick r:id="rId4"/>
               </a:rPr>
-              <a:t>https://jakevdp.github.io/PythonDataScienceHandbook/05.09-principal-component-analysis.html</a:t>
+              <a:t>https://www.kaggle.com/yugagrawal95/market-basket-analysis-apriori-in-python</a:t>
             </a:r>
             <a:endParaRPr lang="en-US" dirty="0"/>
           </a:p>
@@ -5654,7 +5674,7 @@
           <a:p>
             <a:fld id="{99CA405F-FDE6-4D37-9F47-E73AA25D91EF}" type="datetimeFigureOut">
               <a:rPr lang="en-US" smtClean="0"/>
-              <a:t>7/7/2020</a:t>
+              <a:t>7/9/2020</a:t>
             </a:fld>
             <a:endParaRPr lang="en-US"/>
           </a:p>
@@ -5822,7 +5842,7 @@
           <a:p>
             <a:fld id="{99CA405F-FDE6-4D37-9F47-E73AA25D91EF}" type="datetimeFigureOut">
               <a:rPr lang="en-US" smtClean="0"/>
-              <a:t>7/7/2020</a:t>
+              <a:t>7/9/2020</a:t>
             </a:fld>
             <a:endParaRPr lang="en-US"/>
           </a:p>
@@ -6000,7 +6020,7 @@
           <a:p>
             <a:fld id="{99CA405F-FDE6-4D37-9F47-E73AA25D91EF}" type="datetimeFigureOut">
               <a:rPr lang="en-US" smtClean="0"/>
-              <a:t>7/7/2020</a:t>
+              <a:t>7/9/2020</a:t>
             </a:fld>
             <a:endParaRPr lang="en-US"/>
           </a:p>
@@ -6168,7 +6188,7 @@
           <a:p>
             <a:fld id="{99CA405F-FDE6-4D37-9F47-E73AA25D91EF}" type="datetimeFigureOut">
               <a:rPr lang="en-US" smtClean="0"/>
-              <a:t>7/7/2020</a:t>
+              <a:t>7/9/2020</a:t>
             </a:fld>
             <a:endParaRPr lang="en-US"/>
           </a:p>
@@ -6413,7 +6433,7 @@
           <a:p>
             <a:fld id="{99CA405F-FDE6-4D37-9F47-E73AA25D91EF}" type="datetimeFigureOut">
               <a:rPr lang="en-US" smtClean="0"/>
-              <a:t>7/7/2020</a:t>
+              <a:t>7/9/2020</a:t>
             </a:fld>
             <a:endParaRPr lang="en-US"/>
           </a:p>
@@ -6642,7 +6662,7 @@
           <a:p>
             <a:fld id="{99CA405F-FDE6-4D37-9F47-E73AA25D91EF}" type="datetimeFigureOut">
               <a:rPr lang="en-US" smtClean="0"/>
-              <a:t>7/7/2020</a:t>
+              <a:t>7/9/2020</a:t>
             </a:fld>
             <a:endParaRPr lang="en-US"/>
           </a:p>
@@ -7006,7 +7026,7 @@
           <a:p>
             <a:fld id="{99CA405F-FDE6-4D37-9F47-E73AA25D91EF}" type="datetimeFigureOut">
               <a:rPr lang="en-US" smtClean="0"/>
-              <a:t>7/7/2020</a:t>
+              <a:t>7/9/2020</a:t>
             </a:fld>
             <a:endParaRPr lang="en-US"/>
           </a:p>
@@ -7123,7 +7143,7 @@
           <a:p>
             <a:fld id="{99CA405F-FDE6-4D37-9F47-E73AA25D91EF}" type="datetimeFigureOut">
               <a:rPr lang="en-US" smtClean="0"/>
-              <a:t>7/7/2020</a:t>
+              <a:t>7/9/2020</a:t>
             </a:fld>
             <a:endParaRPr lang="en-US"/>
           </a:p>
@@ -7218,7 +7238,7 @@
           <a:p>
             <a:fld id="{99CA405F-FDE6-4D37-9F47-E73AA25D91EF}" type="datetimeFigureOut">
               <a:rPr lang="en-US" smtClean="0"/>
-              <a:t>7/7/2020</a:t>
+              <a:t>7/9/2020</a:t>
             </a:fld>
             <a:endParaRPr lang="en-US"/>
           </a:p>
@@ -7493,7 +7513,7 @@
           <a:p>
             <a:fld id="{99CA405F-FDE6-4D37-9F47-E73AA25D91EF}" type="datetimeFigureOut">
               <a:rPr lang="en-US" smtClean="0"/>
-              <a:t>7/7/2020</a:t>
+              <a:t>7/9/2020</a:t>
             </a:fld>
             <a:endParaRPr lang="en-US"/>
           </a:p>
@@ -7745,7 +7765,7 @@
           <a:p>
             <a:fld id="{99CA405F-FDE6-4D37-9F47-E73AA25D91EF}" type="datetimeFigureOut">
               <a:rPr lang="en-US" smtClean="0"/>
-              <a:t>7/7/2020</a:t>
+              <a:t>7/9/2020</a:t>
             </a:fld>
             <a:endParaRPr lang="en-US"/>
           </a:p>
@@ -7956,7 +7976,7 @@
           <a:p>
             <a:fld id="{99CA405F-FDE6-4D37-9F47-E73AA25D91EF}" type="datetimeFigureOut">
               <a:rPr lang="en-US" smtClean="0"/>
-              <a:t>7/7/2020</a:t>
+              <a:t>7/9/2020</a:t>
             </a:fld>
             <a:endParaRPr lang="en-US"/>
           </a:p>
@@ -25335,15 +25355,6 @@
 </file>
 
 <file path=customXml/item1.xml><?xml version="1.0" encoding="utf-8"?>
-<?mso-contentType ?>
-<FormTemplates xmlns="http://schemas.microsoft.com/sharepoint/v3/contenttype/forms">
-  <Display>DocumentLibraryForm</Display>
-  <Edit>DocumentLibraryForm</Edit>
-  <New>DocumentLibraryForm</New>
-</FormTemplates>
-</file>
-
-<file path=customXml/item2.xml><?xml version="1.0" encoding="utf-8"?>
 <ct:contentTypeSchema xmlns:ct="http://schemas.microsoft.com/office/2006/metadata/contentType" xmlns:ma="http://schemas.microsoft.com/office/2006/metadata/properties/metaAttributes" ct:_="" ma:_="" ma:contentTypeName="Document" ma:contentTypeID="0x01010040A75B615E1C194CABC80F3CAEA6E4E5" ma:contentTypeVersion="9" ma:contentTypeDescription="Create a new document." ma:contentTypeScope="" ma:versionID="4a1cf2a28ba0a9e91fab658e05820dde">
   <xsd:schema xmlns:xsd="http://www.w3.org/2001/XMLSchema" xmlns:xs="http://www.w3.org/2001/XMLSchema" xmlns:p="http://schemas.microsoft.com/office/2006/metadata/properties" xmlns:ns3="d97dfd74-0758-4aac-b7c3-4f13d10397e8" xmlns:ns4="851bce1a-01c5-49d9-967d-64af5945ebef" targetNamespace="http://schemas.microsoft.com/office/2006/metadata/properties" ma:root="true" ma:fieldsID="090359357a8ddcd8bb6253bd66cd91d0" ns3:_="" ns4:_="">
     <xsd:import namespace="d97dfd74-0758-4aac-b7c3-4f13d10397e8"/>
@@ -25540,6 +25551,15 @@
 </ct:contentTypeSchema>
 </file>
 
+<file path=customXml/item2.xml><?xml version="1.0" encoding="utf-8"?>
+<?mso-contentType ?>
+<FormTemplates xmlns="http://schemas.microsoft.com/sharepoint/v3/contenttype/forms">
+  <Display>DocumentLibraryForm</Display>
+  <Edit>DocumentLibraryForm</Edit>
+  <New>DocumentLibraryForm</New>
+</FormTemplates>
+</file>
+
 <file path=customXml/item3.xml><?xml version="1.0" encoding="utf-8"?>
 <p:properties xmlns:p="http://schemas.microsoft.com/office/2006/metadata/properties" xmlns:xsi="http://www.w3.org/2001/XMLSchema-instance" xmlns:pc="http://schemas.microsoft.com/office/infopath/2007/PartnerControls">
   <documentManagement/>
@@ -25547,14 +25567,6 @@
 </file>
 
 <file path=customXml/itemProps1.xml><?xml version="1.0" encoding="utf-8"?>
-<ds:datastoreItem xmlns:ds="http://schemas.openxmlformats.org/officeDocument/2006/customXml" ds:itemID="{9A56549F-9000-409B-8EE1-A7AE4257567A}">
-  <ds:schemaRefs>
-    <ds:schemaRef ds:uri="http://schemas.microsoft.com/sharepoint/v3/contenttype/forms"/>
-  </ds:schemaRefs>
-</ds:datastoreItem>
-</file>
-
-<file path=customXml/itemProps2.xml><?xml version="1.0" encoding="utf-8"?>
 <ds:datastoreItem xmlns:ds="http://schemas.openxmlformats.org/officeDocument/2006/customXml" ds:itemID="{A173A3F4-56E8-4506-812D-90D9C8F7ED90}">
   <ds:schemaRefs>
     <ds:schemaRef ds:uri="http://schemas.microsoft.com/office/2006/metadata/contentType"/>
@@ -25569,6 +25581,14 @@
     <ds:schemaRef ds:uri="http://purl.org/dc/elements/1.1/"/>
     <ds:schemaRef ds:uri="http://purl.org/dc/terms/"/>
     <ds:schemaRef ds:uri="http://schemas.microsoft.com/internal/obd"/>
+  </ds:schemaRefs>
+</ds:datastoreItem>
+</file>
+
+<file path=customXml/itemProps2.xml><?xml version="1.0" encoding="utf-8"?>
+<ds:datastoreItem xmlns:ds="http://schemas.openxmlformats.org/officeDocument/2006/customXml" ds:itemID="{9A56549F-9000-409B-8EE1-A7AE4257567A}">
+  <ds:schemaRefs>
+    <ds:schemaRef ds:uri="http://schemas.microsoft.com/sharepoint/v3/contenttype/forms"/>
   </ds:schemaRefs>
 </ds:datastoreItem>
 </file>
